--- a/Наработки/диздоки/Испания/Испания правые.pptx
+++ b/Наработки/диздоки/Испания/Испания правые.pptx
@@ -209,7 +209,7 @@
             <a:fld id="{33E3D7F9-E251-484C-A6FF-FA958879DF69}" type="datetimeFigureOut">
               <a:rPr lang="ru-RU" smtClean="0"/>
               <a:pPr/>
-              <a:t>17.06.2021</a:t>
+              <a:t>20.07.2021</a:t>
             </a:fld>
             <a:endParaRPr lang="ru-RU"/>
           </a:p>
@@ -700,7 +700,7 @@
             <a:fld id="{85A5DE44-605B-4D3B-B2B7-94543DF81A36}" type="datetimeFigureOut">
               <a:rPr lang="ru-RU" smtClean="0"/>
               <a:pPr/>
-              <a:t>17.06.2021</a:t>
+              <a:t>20.07.2021</a:t>
             </a:fld>
             <a:endParaRPr lang="ru-RU"/>
           </a:p>
@@ -872,7 +872,7 @@
             <a:fld id="{85A5DE44-605B-4D3B-B2B7-94543DF81A36}" type="datetimeFigureOut">
               <a:rPr lang="ru-RU" smtClean="0"/>
               <a:pPr/>
-              <a:t>17.06.2021</a:t>
+              <a:t>20.07.2021</a:t>
             </a:fld>
             <a:endParaRPr lang="ru-RU"/>
           </a:p>
@@ -1054,7 +1054,7 @@
             <a:fld id="{85A5DE44-605B-4D3B-B2B7-94543DF81A36}" type="datetimeFigureOut">
               <a:rPr lang="ru-RU" smtClean="0"/>
               <a:pPr/>
-              <a:t>17.06.2021</a:t>
+              <a:t>20.07.2021</a:t>
             </a:fld>
             <a:endParaRPr lang="ru-RU"/>
           </a:p>
@@ -1226,7 +1226,7 @@
             <a:fld id="{85A5DE44-605B-4D3B-B2B7-94543DF81A36}" type="datetimeFigureOut">
               <a:rPr lang="ru-RU" smtClean="0"/>
               <a:pPr/>
-              <a:t>17.06.2021</a:t>
+              <a:t>20.07.2021</a:t>
             </a:fld>
             <a:endParaRPr lang="ru-RU"/>
           </a:p>
@@ -1474,7 +1474,7 @@
             <a:fld id="{85A5DE44-605B-4D3B-B2B7-94543DF81A36}" type="datetimeFigureOut">
               <a:rPr lang="ru-RU" smtClean="0"/>
               <a:pPr/>
-              <a:t>17.06.2021</a:t>
+              <a:t>20.07.2021</a:t>
             </a:fld>
             <a:endParaRPr lang="ru-RU"/>
           </a:p>
@@ -1708,7 +1708,7 @@
             <a:fld id="{85A5DE44-605B-4D3B-B2B7-94543DF81A36}" type="datetimeFigureOut">
               <a:rPr lang="ru-RU" smtClean="0"/>
               <a:pPr/>
-              <a:t>17.06.2021</a:t>
+              <a:t>20.07.2021</a:t>
             </a:fld>
             <a:endParaRPr lang="ru-RU"/>
           </a:p>
@@ -2077,7 +2077,7 @@
             <a:fld id="{85A5DE44-605B-4D3B-B2B7-94543DF81A36}" type="datetimeFigureOut">
               <a:rPr lang="ru-RU" smtClean="0"/>
               <a:pPr/>
-              <a:t>17.06.2021</a:t>
+              <a:t>20.07.2021</a:t>
             </a:fld>
             <a:endParaRPr lang="ru-RU"/>
           </a:p>
@@ -2197,7 +2197,7 @@
             <a:fld id="{85A5DE44-605B-4D3B-B2B7-94543DF81A36}" type="datetimeFigureOut">
               <a:rPr lang="ru-RU" smtClean="0"/>
               <a:pPr/>
-              <a:t>17.06.2021</a:t>
+              <a:t>20.07.2021</a:t>
             </a:fld>
             <a:endParaRPr lang="ru-RU"/>
           </a:p>
@@ -2294,7 +2294,7 @@
             <a:fld id="{85A5DE44-605B-4D3B-B2B7-94543DF81A36}" type="datetimeFigureOut">
               <a:rPr lang="ru-RU" smtClean="0"/>
               <a:pPr/>
-              <a:t>17.06.2021</a:t>
+              <a:t>20.07.2021</a:t>
             </a:fld>
             <a:endParaRPr lang="ru-RU"/>
           </a:p>
@@ -2573,7 +2573,7 @@
             <a:fld id="{85A5DE44-605B-4D3B-B2B7-94543DF81A36}" type="datetimeFigureOut">
               <a:rPr lang="ru-RU" smtClean="0"/>
               <a:pPr/>
-              <a:t>17.06.2021</a:t>
+              <a:t>20.07.2021</a:t>
             </a:fld>
             <a:endParaRPr lang="ru-RU"/>
           </a:p>
@@ -2832,7 +2832,7 @@
             <a:fld id="{85A5DE44-605B-4D3B-B2B7-94543DF81A36}" type="datetimeFigureOut">
               <a:rPr lang="ru-RU" smtClean="0"/>
               <a:pPr/>
-              <a:t>17.06.2021</a:t>
+              <a:t>20.07.2021</a:t>
             </a:fld>
             <a:endParaRPr lang="ru-RU"/>
           </a:p>
@@ -3047,7 +3047,7 @@
             <a:fld id="{85A5DE44-605B-4D3B-B2B7-94543DF81A36}" type="datetimeFigureOut">
               <a:rPr lang="ru-RU" smtClean="0"/>
               <a:pPr/>
-              <a:t>17.06.2021</a:t>
+              <a:t>20.07.2021</a:t>
             </a:fld>
             <a:endParaRPr lang="ru-RU"/>
           </a:p>
@@ -3489,7 +3489,7 @@
           <a:p>
             <a:pPr algn="ctr"/>
             <a:r>
-              <a:rPr lang="ru-RU" sz="3600" b="1" dirty="0" smtClean="0"/>
+              <a:rPr lang="ru-RU" sz="3600" b="1" smtClean="0"/>
               <a:t>183</a:t>
             </a:r>
             <a:endParaRPr lang="ru-RU" sz="3600" b="1" dirty="0"/>
@@ -25356,7 +25356,6 @@
               <a:rPr lang="ru-RU" sz="200" dirty="0" smtClean="0"/>
               <a:t>])</a:t>
             </a:r>
-            <a:endParaRPr lang="ru-RU" sz="200" dirty="0" smtClean="0"/>
           </a:p>
         </p:txBody>
       </p:sp>

--- a/Наработки/диздоки/Испания/Испания правые.pptx
+++ b/Наработки/диздоки/Испания/Испания правые.pptx
@@ -209,7 +209,7 @@
             <a:fld id="{33E3D7F9-E251-484C-A6FF-FA958879DF69}" type="datetimeFigureOut">
               <a:rPr lang="ru-RU" smtClean="0"/>
               <a:pPr/>
-              <a:t>20.07.2021</a:t>
+              <a:t>06.08.2021</a:t>
             </a:fld>
             <a:endParaRPr lang="ru-RU"/>
           </a:p>
@@ -700,7 +700,7 @@
             <a:fld id="{85A5DE44-605B-4D3B-B2B7-94543DF81A36}" type="datetimeFigureOut">
               <a:rPr lang="ru-RU" smtClean="0"/>
               <a:pPr/>
-              <a:t>20.07.2021</a:t>
+              <a:t>06.08.2021</a:t>
             </a:fld>
             <a:endParaRPr lang="ru-RU"/>
           </a:p>
@@ -872,7 +872,7 @@
             <a:fld id="{85A5DE44-605B-4D3B-B2B7-94543DF81A36}" type="datetimeFigureOut">
               <a:rPr lang="ru-RU" smtClean="0"/>
               <a:pPr/>
-              <a:t>20.07.2021</a:t>
+              <a:t>06.08.2021</a:t>
             </a:fld>
             <a:endParaRPr lang="ru-RU"/>
           </a:p>
@@ -1054,7 +1054,7 @@
             <a:fld id="{85A5DE44-605B-4D3B-B2B7-94543DF81A36}" type="datetimeFigureOut">
               <a:rPr lang="ru-RU" smtClean="0"/>
               <a:pPr/>
-              <a:t>20.07.2021</a:t>
+              <a:t>06.08.2021</a:t>
             </a:fld>
             <a:endParaRPr lang="ru-RU"/>
           </a:p>
@@ -1226,7 +1226,7 @@
             <a:fld id="{85A5DE44-605B-4D3B-B2B7-94543DF81A36}" type="datetimeFigureOut">
               <a:rPr lang="ru-RU" smtClean="0"/>
               <a:pPr/>
-              <a:t>20.07.2021</a:t>
+              <a:t>06.08.2021</a:t>
             </a:fld>
             <a:endParaRPr lang="ru-RU"/>
           </a:p>
@@ -1474,7 +1474,7 @@
             <a:fld id="{85A5DE44-605B-4D3B-B2B7-94543DF81A36}" type="datetimeFigureOut">
               <a:rPr lang="ru-RU" smtClean="0"/>
               <a:pPr/>
-              <a:t>20.07.2021</a:t>
+              <a:t>06.08.2021</a:t>
             </a:fld>
             <a:endParaRPr lang="ru-RU"/>
           </a:p>
@@ -1708,7 +1708,7 @@
             <a:fld id="{85A5DE44-605B-4D3B-B2B7-94543DF81A36}" type="datetimeFigureOut">
               <a:rPr lang="ru-RU" smtClean="0"/>
               <a:pPr/>
-              <a:t>20.07.2021</a:t>
+              <a:t>06.08.2021</a:t>
             </a:fld>
             <a:endParaRPr lang="ru-RU"/>
           </a:p>
@@ -2077,7 +2077,7 @@
             <a:fld id="{85A5DE44-605B-4D3B-B2B7-94543DF81A36}" type="datetimeFigureOut">
               <a:rPr lang="ru-RU" smtClean="0"/>
               <a:pPr/>
-              <a:t>20.07.2021</a:t>
+              <a:t>06.08.2021</a:t>
             </a:fld>
             <a:endParaRPr lang="ru-RU"/>
           </a:p>
@@ -2197,7 +2197,7 @@
             <a:fld id="{85A5DE44-605B-4D3B-B2B7-94543DF81A36}" type="datetimeFigureOut">
               <a:rPr lang="ru-RU" smtClean="0"/>
               <a:pPr/>
-              <a:t>20.07.2021</a:t>
+              <a:t>06.08.2021</a:t>
             </a:fld>
             <a:endParaRPr lang="ru-RU"/>
           </a:p>
@@ -2294,7 +2294,7 @@
             <a:fld id="{85A5DE44-605B-4D3B-B2B7-94543DF81A36}" type="datetimeFigureOut">
               <a:rPr lang="ru-RU" smtClean="0"/>
               <a:pPr/>
-              <a:t>20.07.2021</a:t>
+              <a:t>06.08.2021</a:t>
             </a:fld>
             <a:endParaRPr lang="ru-RU"/>
           </a:p>
@@ -2573,7 +2573,7 @@
             <a:fld id="{85A5DE44-605B-4D3B-B2B7-94543DF81A36}" type="datetimeFigureOut">
               <a:rPr lang="ru-RU" smtClean="0"/>
               <a:pPr/>
-              <a:t>20.07.2021</a:t>
+              <a:t>06.08.2021</a:t>
             </a:fld>
             <a:endParaRPr lang="ru-RU"/>
           </a:p>
@@ -2832,7 +2832,7 @@
             <a:fld id="{85A5DE44-605B-4D3B-B2B7-94543DF81A36}" type="datetimeFigureOut">
               <a:rPr lang="ru-RU" smtClean="0"/>
               <a:pPr/>
-              <a:t>20.07.2021</a:t>
+              <a:t>06.08.2021</a:t>
             </a:fld>
             <a:endParaRPr lang="ru-RU"/>
           </a:p>
@@ -3047,7 +3047,7 @@
             <a:fld id="{85A5DE44-605B-4D3B-B2B7-94543DF81A36}" type="datetimeFigureOut">
               <a:rPr lang="ru-RU" smtClean="0"/>
               <a:pPr/>
-              <a:t>20.07.2021</a:t>
+              <a:t>06.08.2021</a:t>
             </a:fld>
             <a:endParaRPr lang="ru-RU"/>
           </a:p>

--- a/Наработки/диздоки/Испания/Испания правые.pptx
+++ b/Наработки/диздоки/Испания/Испания правые.pptx
@@ -209,7 +209,7 @@
             <a:fld id="{33E3D7F9-E251-484C-A6FF-FA958879DF69}" type="datetimeFigureOut">
               <a:rPr lang="ru-RU" smtClean="0"/>
               <a:pPr/>
-              <a:t>26.08.2021</a:t>
+              <a:t>27.08.2021</a:t>
             </a:fld>
             <a:endParaRPr lang="ru-RU"/>
           </a:p>
@@ -700,7 +700,7 @@
             <a:fld id="{85A5DE44-605B-4D3B-B2B7-94543DF81A36}" type="datetimeFigureOut">
               <a:rPr lang="ru-RU" smtClean="0"/>
               <a:pPr/>
-              <a:t>26.08.2021</a:t>
+              <a:t>27.08.2021</a:t>
             </a:fld>
             <a:endParaRPr lang="ru-RU"/>
           </a:p>
@@ -872,7 +872,7 @@
             <a:fld id="{85A5DE44-605B-4D3B-B2B7-94543DF81A36}" type="datetimeFigureOut">
               <a:rPr lang="ru-RU" smtClean="0"/>
               <a:pPr/>
-              <a:t>26.08.2021</a:t>
+              <a:t>27.08.2021</a:t>
             </a:fld>
             <a:endParaRPr lang="ru-RU"/>
           </a:p>
@@ -1054,7 +1054,7 @@
             <a:fld id="{85A5DE44-605B-4D3B-B2B7-94543DF81A36}" type="datetimeFigureOut">
               <a:rPr lang="ru-RU" smtClean="0"/>
               <a:pPr/>
-              <a:t>26.08.2021</a:t>
+              <a:t>27.08.2021</a:t>
             </a:fld>
             <a:endParaRPr lang="ru-RU"/>
           </a:p>
@@ -1226,7 +1226,7 @@
             <a:fld id="{85A5DE44-605B-4D3B-B2B7-94543DF81A36}" type="datetimeFigureOut">
               <a:rPr lang="ru-RU" smtClean="0"/>
               <a:pPr/>
-              <a:t>26.08.2021</a:t>
+              <a:t>27.08.2021</a:t>
             </a:fld>
             <a:endParaRPr lang="ru-RU"/>
           </a:p>
@@ -1474,7 +1474,7 @@
             <a:fld id="{85A5DE44-605B-4D3B-B2B7-94543DF81A36}" type="datetimeFigureOut">
               <a:rPr lang="ru-RU" smtClean="0"/>
               <a:pPr/>
-              <a:t>26.08.2021</a:t>
+              <a:t>27.08.2021</a:t>
             </a:fld>
             <a:endParaRPr lang="ru-RU"/>
           </a:p>
@@ -1708,7 +1708,7 @@
             <a:fld id="{85A5DE44-605B-4D3B-B2B7-94543DF81A36}" type="datetimeFigureOut">
               <a:rPr lang="ru-RU" smtClean="0"/>
               <a:pPr/>
-              <a:t>26.08.2021</a:t>
+              <a:t>27.08.2021</a:t>
             </a:fld>
             <a:endParaRPr lang="ru-RU"/>
           </a:p>
@@ -2077,7 +2077,7 @@
             <a:fld id="{85A5DE44-605B-4D3B-B2B7-94543DF81A36}" type="datetimeFigureOut">
               <a:rPr lang="ru-RU" smtClean="0"/>
               <a:pPr/>
-              <a:t>26.08.2021</a:t>
+              <a:t>27.08.2021</a:t>
             </a:fld>
             <a:endParaRPr lang="ru-RU"/>
           </a:p>
@@ -2197,7 +2197,7 @@
             <a:fld id="{85A5DE44-605B-4D3B-B2B7-94543DF81A36}" type="datetimeFigureOut">
               <a:rPr lang="ru-RU" smtClean="0"/>
               <a:pPr/>
-              <a:t>26.08.2021</a:t>
+              <a:t>27.08.2021</a:t>
             </a:fld>
             <a:endParaRPr lang="ru-RU"/>
           </a:p>
@@ -2294,7 +2294,7 @@
             <a:fld id="{85A5DE44-605B-4D3B-B2B7-94543DF81A36}" type="datetimeFigureOut">
               <a:rPr lang="ru-RU" smtClean="0"/>
               <a:pPr/>
-              <a:t>26.08.2021</a:t>
+              <a:t>27.08.2021</a:t>
             </a:fld>
             <a:endParaRPr lang="ru-RU"/>
           </a:p>
@@ -2573,7 +2573,7 @@
             <a:fld id="{85A5DE44-605B-4D3B-B2B7-94543DF81A36}" type="datetimeFigureOut">
               <a:rPr lang="ru-RU" smtClean="0"/>
               <a:pPr/>
-              <a:t>26.08.2021</a:t>
+              <a:t>27.08.2021</a:t>
             </a:fld>
             <a:endParaRPr lang="ru-RU"/>
           </a:p>
@@ -2832,7 +2832,7 @@
             <a:fld id="{85A5DE44-605B-4D3B-B2B7-94543DF81A36}" type="datetimeFigureOut">
               <a:rPr lang="ru-RU" smtClean="0"/>
               <a:pPr/>
-              <a:t>26.08.2021</a:t>
+              <a:t>27.08.2021</a:t>
             </a:fld>
             <a:endParaRPr lang="ru-RU"/>
           </a:p>
@@ -3047,7 +3047,7 @@
             <a:fld id="{85A5DE44-605B-4D3B-B2B7-94543DF81A36}" type="datetimeFigureOut">
               <a:rPr lang="ru-RU" smtClean="0"/>
               <a:pPr/>
-              <a:t>26.08.2021</a:t>
+              <a:t>27.08.2021</a:t>
             </a:fld>
             <a:endParaRPr lang="ru-RU"/>
           </a:p>
@@ -3490,7 +3490,7 @@
             <a:pPr algn="ctr"/>
             <a:r>
               <a:rPr lang="ru-RU" sz="3600" b="1" dirty="0" smtClean="0"/>
-              <a:t>232</a:t>
+              <a:t>292</a:t>
             </a:r>
             <a:endParaRPr lang="ru-RU" sz="3600" b="1" dirty="0"/>
           </a:p>
@@ -5963,6 +5963,7 @@
             <a:avLst/>
           </a:prstGeom>
           <a:ln w="19050">
+            <a:prstDash val="dash"/>
             <a:tailEnd type="arrow"/>
           </a:ln>
         </p:spPr>
@@ -6211,17 +6212,17 @@
       </p:cxnSp>
       <p:cxnSp>
         <p:nvCxnSpPr>
-          <p:cNvPr id="177" name="Соединительная линия уступом 176"/>
+          <p:cNvPr id="180" name="Соединительная линия уступом 179"/>
           <p:cNvCxnSpPr>
             <a:stCxn id="106" idx="2"/>
-            <a:endCxn id="111" idx="0"/>
-          </p:cNvCxnSpPr>
-          <p:nvPr/>
-        </p:nvCxnSpPr>
-        <p:spPr>
-          <a:xfrm rot="16200000" flipH="1">
-            <a:off x="25517586" y="5124940"/>
-            <a:ext cx="228905" cy="3902378"/>
+            <a:endCxn id="121" idx="0"/>
+          </p:cNvCxnSpPr>
+          <p:nvPr/>
+        </p:nvCxnSpPr>
+        <p:spPr>
+          <a:xfrm rot="5400000">
+            <a:off x="22801967" y="6311145"/>
+            <a:ext cx="228350" cy="1529415"/>
           </a:xfrm>
           <a:prstGeom prst="bentConnector3">
             <a:avLst>
@@ -6247,44 +6248,6 @@
           </a:fontRef>
         </p:style>
       </p:cxnSp>
-      <p:cxnSp>
-        <p:nvCxnSpPr>
-          <p:cNvPr id="180" name="Соединительная линия уступом 179"/>
-          <p:cNvCxnSpPr>
-            <a:stCxn id="106" idx="2"/>
-            <a:endCxn id="121" idx="0"/>
-          </p:cNvCxnSpPr>
-          <p:nvPr/>
-        </p:nvCxnSpPr>
-        <p:spPr>
-          <a:xfrm rot="5400000">
-            <a:off x="22801967" y="6311145"/>
-            <a:ext cx="228350" cy="1529415"/>
-          </a:xfrm>
-          <a:prstGeom prst="bentConnector3">
-            <a:avLst>
-              <a:gd name="adj1" fmla="val 50000"/>
-            </a:avLst>
-          </a:prstGeom>
-          <a:ln w="19050">
-            <a:tailEnd type="arrow"/>
-          </a:ln>
-        </p:spPr>
-        <p:style>
-          <a:lnRef idx="1">
-            <a:schemeClr val="accent1"/>
-          </a:lnRef>
-          <a:fillRef idx="0">
-            <a:schemeClr val="accent1"/>
-          </a:fillRef>
-          <a:effectRef idx="0">
-            <a:schemeClr val="accent1"/>
-          </a:effectRef>
-          <a:fontRef idx="minor">
-            <a:schemeClr val="tx1"/>
-          </a:fontRef>
-        </p:style>
-      </p:cxnSp>
       <p:sp>
         <p:nvSpPr>
           <p:cNvPr id="79" name="Прямоугольник 78"/>
@@ -6509,8 +6472,12 @@
           <a:p>
             <a:pPr algn="ctr"/>
             <a:r>
+              <a:rPr lang="ru-RU" sz="700" dirty="0" smtClean="0"/>
+              <a:t>Голубой </a:t>
+            </a:r>
+            <a:r>
               <a:rPr lang="ru-RU" sz="700" dirty="0"/>
-              <a:t>Синий дивизион </a:t>
+              <a:t>дивизион </a:t>
             </a:r>
             <a:r>
               <a:rPr lang="ru-RU" sz="100" dirty="0"/>
@@ -10123,9 +10090,24 @@
             <a:pPr algn="ctr"/>
             <a:r>
               <a:rPr lang="ru-RU" sz="700" dirty="0" smtClean="0"/>
-              <a:t>Восстановление привилегий церкви</a:t>
-            </a:r>
-            <a:endParaRPr lang="ru-RU" sz="700" dirty="0"/>
+              <a:t>Восстановление привилегий церкви (не для </a:t>
+            </a:r>
+            <a:r>
+              <a:rPr lang="en-US" sz="700" dirty="0" err="1"/>
+              <a:t>Renovación</a:t>
+            </a:r>
+            <a:r>
+              <a:rPr lang="en-US" sz="700" dirty="0"/>
+              <a:t> </a:t>
+            </a:r>
+            <a:r>
+              <a:rPr lang="en-US" sz="700" dirty="0" smtClean="0"/>
+              <a:t>Española</a:t>
+            </a:r>
+            <a:r>
+              <a:rPr lang="ru-RU" sz="700" dirty="0"/>
+              <a:t>)</a:t>
+            </a:r>
           </a:p>
         </p:txBody>
       </p:sp>
@@ -27021,7 +27003,7 @@
         </p:nvSpPr>
         <p:spPr>
           <a:xfrm>
-            <a:off x="32073082" y="2576716"/>
+            <a:off x="35395366" y="2582488"/>
             <a:ext cx="926325" cy="540000"/>
           </a:xfrm>
           <a:prstGeom prst="rect">
@@ -27055,7 +27037,35 @@
             <a:pPr algn="ctr"/>
             <a:r>
               <a:rPr lang="ru-RU" sz="700" dirty="0" smtClean="0"/>
-              <a:t>Победа СЕДО</a:t>
+              <a:t>Победа </a:t>
+            </a:r>
+            <a:r>
+              <a:rPr lang="ru-RU" sz="700" dirty="0"/>
+              <a:t>СЕДО (Хосе Мария </a:t>
+            </a:r>
+            <a:r>
+              <a:rPr lang="ru-RU" sz="700" dirty="0" err="1" smtClean="0"/>
+              <a:t>Хиль-Роблес</a:t>
+            </a:r>
+            <a:r>
+              <a:rPr lang="ru-RU" sz="700" dirty="0" smtClean="0"/>
+              <a:t> с </a:t>
+            </a:r>
+            <a:r>
+              <a:rPr lang="ru-RU" sz="700" dirty="0" err="1" smtClean="0"/>
+              <a:t>трейтом</a:t>
+            </a:r>
+            <a:r>
+              <a:rPr lang="ru-RU" sz="700" dirty="0" smtClean="0"/>
+              <a:t> </a:t>
+            </a:r>
+            <a:r>
+              <a:rPr lang="ru-RU" sz="700" dirty="0" err="1" smtClean="0"/>
+              <a:t>Хефе</a:t>
+            </a:r>
+            <a:r>
+              <a:rPr lang="ru-RU" sz="700" dirty="0" smtClean="0"/>
+              <a:t>)</a:t>
             </a:r>
             <a:endParaRPr lang="ru-RU" sz="700" dirty="0"/>
           </a:p>
@@ -27072,8 +27082,8 @@
         </p:nvCxnSpPr>
         <p:spPr>
           <a:xfrm flipV="1">
-            <a:off x="15462798" y="2846716"/>
-            <a:ext cx="16610284" cy="49712"/>
+            <a:off x="15462798" y="2852488"/>
+            <a:ext cx="19932568" cy="43940"/>
           </a:xfrm>
           <a:prstGeom prst="line">
             <a:avLst/>
@@ -27353,7 +27363,6 @@
               <a:rPr lang="ru-RU" sz="700" dirty="0"/>
               <a:t>Вступить в Ось</a:t>
             </a:r>
-            <a:endParaRPr lang="ru-RU" sz="700" dirty="0"/>
           </a:p>
         </p:txBody>
       </p:sp>
@@ -27447,7 +27456,11 @@
             <a:pPr algn="ctr"/>
             <a:r>
               <a:rPr lang="ru-RU" sz="700" dirty="0" smtClean="0"/>
-              <a:t>Синяя дивизия </a:t>
+              <a:t>Голубая </a:t>
+            </a:r>
+            <a:r>
+              <a:rPr lang="ru-RU" sz="700" dirty="0" smtClean="0"/>
+              <a:t>дивизия </a:t>
             </a:r>
             <a:r>
               <a:rPr lang="ru-RU" sz="200" dirty="0"/>
@@ -27901,7 +27914,6 @@
               <a:rPr lang="ru-RU" sz="200" dirty="0"/>
               <a:t> национальных Атакующий советов , единственной политической партией , уполномоченное диктатуры генерала Франко (1936-1975).)</a:t>
             </a:r>
-            <a:endParaRPr lang="ru-RU" sz="200" dirty="0"/>
           </a:p>
         </p:txBody>
       </p:sp>
@@ -30535,11 +30547,7 @@
             <a:pPr algn="ctr"/>
             <a:r>
               <a:rPr lang="ru-RU" sz="600" dirty="0" smtClean="0"/>
-              <a:t>Синте</a:t>
-            </a:r>
-            <a:r>
-              <a:rPr lang="ru-RU" sz="600" dirty="0" smtClean="0"/>
-              <a:t>з </a:t>
+              <a:t>Синтез </a:t>
             </a:r>
             <a:r>
               <a:rPr lang="ru-RU" sz="600" dirty="0" err="1" smtClean="0"/>
@@ -30673,7 +30681,6 @@
               <a:rPr lang="ru-RU" sz="100" dirty="0"/>
               <a:t>, подводя итоги лет автаркии Франко, подчеркнул, что «потребление населения, включая предметы первой необходимости, резко упало, а голод вызвал у миллионов испанцев» [ 60 ], и поэтому делает вывод, что «потребление населения, включая предметы первой необходимости, резко упало». эволюция испанской экономики в 1940-х годах была катастрофической ». [ 61 ]</a:t>
             </a:r>
-            <a:endParaRPr lang="ru-RU" sz="100" dirty="0"/>
           </a:p>
         </p:txBody>
       </p:sp>
@@ -30688,8 +30695,8 @@
         </p:nvCxnSpPr>
         <p:spPr>
           <a:xfrm rot="5400000">
-            <a:off x="20364367" y="-8840350"/>
-            <a:ext cx="214812" cy="24128944"/>
+            <a:off x="22028395" y="-10498606"/>
+            <a:ext cx="209040" cy="27451228"/>
           </a:xfrm>
           <a:prstGeom prst="bentConnector3">
             <a:avLst>
@@ -30727,8 +30734,8 @@
         </p:nvCxnSpPr>
         <p:spPr>
           <a:xfrm rot="5400000">
-            <a:off x="20923436" y="-8272287"/>
-            <a:ext cx="223807" cy="23001812"/>
+            <a:off x="22587464" y="-9930543"/>
+            <a:ext cx="218035" cy="26324096"/>
           </a:xfrm>
           <a:prstGeom prst="bentConnector3">
             <a:avLst>
@@ -30766,8 +30773,8 @@
         </p:nvCxnSpPr>
         <p:spPr>
           <a:xfrm rot="5400000">
-            <a:off x="21486157" y="-7714384"/>
-            <a:ext cx="218989" cy="21881188"/>
+            <a:off x="23150185" y="-9372640"/>
+            <a:ext cx="213217" cy="25203472"/>
           </a:xfrm>
           <a:prstGeom prst="bentConnector3">
             <a:avLst>
@@ -30814,6 +30821,6542 @@
             </a:avLst>
           </a:prstGeom>
           <a:ln w="19050">
+            <a:tailEnd type="arrow"/>
+          </a:ln>
+        </p:spPr>
+        <p:style>
+          <a:lnRef idx="1">
+            <a:schemeClr val="accent1"/>
+          </a:lnRef>
+          <a:fillRef idx="0">
+            <a:schemeClr val="accent1"/>
+          </a:fillRef>
+          <a:effectRef idx="0">
+            <a:schemeClr val="accent1"/>
+          </a:effectRef>
+          <a:fontRef idx="minor">
+            <a:schemeClr val="tx1"/>
+          </a:fontRef>
+        </p:style>
+      </p:cxnSp>
+      <p:sp>
+        <p:nvSpPr>
+          <p:cNvPr id="618" name="Прямоугольник 617"/>
+          <p:cNvSpPr/>
+          <p:nvPr/>
+        </p:nvSpPr>
+        <p:spPr>
+          <a:xfrm>
+            <a:off x="34277431" y="3394371"/>
+            <a:ext cx="926325" cy="540000"/>
+          </a:xfrm>
+          <a:prstGeom prst="rect">
+            <a:avLst/>
+          </a:prstGeom>
+          <a:solidFill>
+            <a:schemeClr val="bg1">
+              <a:lumMod val="50000"/>
+            </a:schemeClr>
+          </a:solidFill>
+          <a:ln w="19050"/>
+        </p:spPr>
+        <p:style>
+          <a:lnRef idx="2">
+            <a:schemeClr val="accent1"/>
+          </a:lnRef>
+          <a:fillRef idx="1">
+            <a:schemeClr val="lt1"/>
+          </a:fillRef>
+          <a:effectRef idx="0">
+            <a:schemeClr val="accent1"/>
+          </a:effectRef>
+          <a:fontRef idx="minor">
+            <a:schemeClr val="dk1"/>
+          </a:fontRef>
+        </p:style>
+        <p:txBody>
+          <a:bodyPr lIns="124733" tIns="62367" rIns="124733" bIns="62367" rtlCol="0" anchor="ctr"/>
+          <a:lstStyle/>
+          <a:p>
+            <a:pPr algn="ctr"/>
+            <a:r>
+              <a:rPr lang="ru-RU" sz="700" dirty="0" smtClean="0"/>
+              <a:t>Защита христианской цивилизации</a:t>
+            </a:r>
+            <a:endParaRPr lang="ru-RU" sz="700" dirty="0"/>
+          </a:p>
+        </p:txBody>
+      </p:sp>
+      <p:sp>
+        <p:nvSpPr>
+          <p:cNvPr id="627" name="Прямоугольник 626"/>
+          <p:cNvSpPr/>
+          <p:nvPr/>
+        </p:nvSpPr>
+        <p:spPr>
+          <a:xfrm>
+            <a:off x="35395364" y="3389218"/>
+            <a:ext cx="926325" cy="540000"/>
+          </a:xfrm>
+          <a:prstGeom prst="rect">
+            <a:avLst/>
+          </a:prstGeom>
+          <a:solidFill>
+            <a:schemeClr val="bg1">
+              <a:lumMod val="50000"/>
+            </a:schemeClr>
+          </a:solidFill>
+          <a:ln w="19050"/>
+        </p:spPr>
+        <p:style>
+          <a:lnRef idx="2">
+            <a:schemeClr val="accent1"/>
+          </a:lnRef>
+          <a:fillRef idx="1">
+            <a:schemeClr val="lt1"/>
+          </a:fillRef>
+          <a:effectRef idx="0">
+            <a:schemeClr val="accent1"/>
+          </a:effectRef>
+          <a:fontRef idx="minor">
+            <a:schemeClr val="dk1"/>
+          </a:fontRef>
+        </p:style>
+        <p:txBody>
+          <a:bodyPr lIns="124733" tIns="62367" rIns="124733" bIns="62367" rtlCol="0" anchor="ctr"/>
+          <a:lstStyle/>
+          <a:p>
+            <a:pPr algn="ctr"/>
+            <a:r>
+              <a:rPr lang="ru-RU" sz="700" dirty="0" smtClean="0"/>
+              <a:t>Введение военного положения</a:t>
+            </a:r>
+            <a:endParaRPr lang="ru-RU" sz="700" dirty="0"/>
+          </a:p>
+        </p:txBody>
+      </p:sp>
+      <p:sp>
+        <p:nvSpPr>
+          <p:cNvPr id="628" name="Прямоугольник 627"/>
+          <p:cNvSpPr/>
+          <p:nvPr/>
+        </p:nvSpPr>
+        <p:spPr>
+          <a:xfrm>
+            <a:off x="36513296" y="3394371"/>
+            <a:ext cx="926325" cy="540000"/>
+          </a:xfrm>
+          <a:prstGeom prst="rect">
+            <a:avLst/>
+          </a:prstGeom>
+          <a:solidFill>
+            <a:schemeClr val="bg1">
+              <a:lumMod val="50000"/>
+            </a:schemeClr>
+          </a:solidFill>
+          <a:ln w="19050"/>
+        </p:spPr>
+        <p:style>
+          <a:lnRef idx="2">
+            <a:schemeClr val="accent1"/>
+          </a:lnRef>
+          <a:fillRef idx="1">
+            <a:schemeClr val="lt1"/>
+          </a:fillRef>
+          <a:effectRef idx="0">
+            <a:schemeClr val="accent1"/>
+          </a:effectRef>
+          <a:fontRef idx="minor">
+            <a:schemeClr val="dk1"/>
+          </a:fontRef>
+        </p:style>
+        <p:txBody>
+          <a:bodyPr lIns="124733" tIns="62367" rIns="124733" bIns="62367" rtlCol="0" anchor="ctr"/>
+          <a:lstStyle/>
+          <a:p>
+            <a:pPr algn="ctr"/>
+            <a:r>
+              <a:rPr lang="ru-RU" sz="700" dirty="0" smtClean="0"/>
+              <a:t>Молодёжь </a:t>
+            </a:r>
+            <a:r>
+              <a:rPr lang="ru-RU" sz="700" dirty="0"/>
+              <a:t>народного </a:t>
+            </a:r>
+            <a:r>
+              <a:rPr lang="ru-RU" sz="700" dirty="0" smtClean="0"/>
+              <a:t>действия </a:t>
+            </a:r>
+            <a:r>
+              <a:rPr lang="ru-RU" sz="200" dirty="0" smtClean="0"/>
+              <a:t>(</a:t>
+            </a:r>
+            <a:r>
+              <a:rPr lang="en-US" sz="200" dirty="0" smtClean="0"/>
+              <a:t>José </a:t>
+            </a:r>
+            <a:r>
+              <a:rPr lang="en-US" sz="200" dirty="0" err="1"/>
+              <a:t>María</a:t>
+            </a:r>
+            <a:r>
+              <a:rPr lang="en-US" sz="200" dirty="0"/>
+              <a:t> Pérez de </a:t>
+            </a:r>
+            <a:r>
+              <a:rPr lang="en-US" sz="200" dirty="0" err="1" smtClean="0"/>
+              <a:t>Laborda</a:t>
+            </a:r>
+            <a:r>
+              <a:rPr lang="ru-RU" sz="200" dirty="0" smtClean="0"/>
+              <a:t>как советник) </a:t>
+            </a:r>
+            <a:r>
+              <a:rPr lang="ru-RU" sz="200" dirty="0"/>
+              <a:t>(были испанская молодежная организация с идеологией правого, первый из партии Народного действия (AP), а позднее, от Испанской конфедерации автономных прав (CEDA). [ 4 ] Его члены были широко известны как «Зеленые рубашки». [ 5 </a:t>
+            </a:r>
+            <a:r>
+              <a:rPr lang="ru-RU" sz="200" dirty="0" smtClean="0"/>
+              <a:t>],)</a:t>
+            </a:r>
+            <a:endParaRPr lang="ru-RU" sz="200" dirty="0"/>
+          </a:p>
+        </p:txBody>
+      </p:sp>
+      <p:sp>
+        <p:nvSpPr>
+          <p:cNvPr id="629" name="Прямоугольник 628"/>
+          <p:cNvSpPr/>
+          <p:nvPr/>
+        </p:nvSpPr>
+        <p:spPr>
+          <a:xfrm>
+            <a:off x="34277430" y="4912360"/>
+            <a:ext cx="926325" cy="540000"/>
+          </a:xfrm>
+          <a:prstGeom prst="rect">
+            <a:avLst/>
+          </a:prstGeom>
+          <a:solidFill>
+            <a:schemeClr val="bg1">
+              <a:lumMod val="50000"/>
+            </a:schemeClr>
+          </a:solidFill>
+          <a:ln w="19050"/>
+        </p:spPr>
+        <p:style>
+          <a:lnRef idx="2">
+            <a:schemeClr val="accent1"/>
+          </a:lnRef>
+          <a:fillRef idx="1">
+            <a:schemeClr val="lt1"/>
+          </a:fillRef>
+          <a:effectRef idx="0">
+            <a:schemeClr val="accent1"/>
+          </a:effectRef>
+          <a:fontRef idx="minor">
+            <a:schemeClr val="dk1"/>
+          </a:fontRef>
+        </p:style>
+        <p:txBody>
+          <a:bodyPr lIns="124733" tIns="62367" rIns="124733" bIns="62367" rtlCol="0" anchor="ctr"/>
+          <a:lstStyle/>
+          <a:p>
+            <a:pPr algn="ctr"/>
+            <a:r>
+              <a:rPr lang="ru-RU" sz="700" dirty="0" smtClean="0"/>
+              <a:t>Вернуть </a:t>
+            </a:r>
+            <a:r>
+              <a:rPr lang="ru-RU" sz="700" dirty="0"/>
+              <a:t>католические институты </a:t>
+            </a:r>
+            <a:r>
+              <a:rPr lang="ru-RU" sz="100" dirty="0"/>
+              <a:t>(Общим фактором этих партий был их особый интерес к клерикальным вопросам и их неприятие реформ, которые были предприняты в этих вопросах в первом законодательном органе Республики: </a:t>
+            </a:r>
+            <a:r>
+              <a:rPr lang="ru-RU" sz="100" dirty="0" err="1"/>
+              <a:t>секуляризм</a:t>
+            </a:r>
+            <a:r>
+              <a:rPr lang="ru-RU" sz="100" dirty="0"/>
+              <a:t> государства с разделением властей, церковью и государством, реформа учение, которое запрещало религиозные символы в школах и другие второстепенные вопросы духовного характера, но которые они считали особенно важными. Они были особенно чувствительны к общественным беспорядкам, закончившимся поджогом церквей и монастырей. CEDA удалось стать самой важной партией справа, достигнув почти 700 000 членов. Это проникновение в общество, превратившее его в массовую партию, было достигнуто с использованием в основном католических организаций.)</a:t>
+            </a:r>
+          </a:p>
+        </p:txBody>
+      </p:sp>
+      <p:sp>
+        <p:nvSpPr>
+          <p:cNvPr id="632" name="Прямоугольник 631"/>
+          <p:cNvSpPr/>
+          <p:nvPr/>
+        </p:nvSpPr>
+        <p:spPr>
+          <a:xfrm>
+            <a:off x="32071434" y="7190026"/>
+            <a:ext cx="926325" cy="540000"/>
+          </a:xfrm>
+          <a:prstGeom prst="rect">
+            <a:avLst/>
+          </a:prstGeom>
+          <a:solidFill>
+            <a:schemeClr val="accent2">
+              <a:lumMod val="75000"/>
+            </a:schemeClr>
+          </a:solidFill>
+          <a:ln w="19050"/>
+        </p:spPr>
+        <p:style>
+          <a:lnRef idx="2">
+            <a:schemeClr val="accent1"/>
+          </a:lnRef>
+          <a:fillRef idx="1">
+            <a:schemeClr val="lt1"/>
+          </a:fillRef>
+          <a:effectRef idx="0">
+            <a:schemeClr val="accent1"/>
+          </a:effectRef>
+          <a:fontRef idx="minor">
+            <a:schemeClr val="dk1"/>
+          </a:fontRef>
+        </p:style>
+        <p:txBody>
+          <a:bodyPr lIns="124733" tIns="62367" rIns="124733" bIns="62367" rtlCol="0" anchor="ctr"/>
+          <a:lstStyle/>
+          <a:p>
+            <a:pPr algn="ctr"/>
+            <a:r>
+              <a:rPr lang="ru-RU" sz="700" dirty="0" smtClean="0"/>
+              <a:t>Обострение культа </a:t>
+            </a:r>
+            <a:r>
+              <a:rPr lang="ru-RU" sz="700" dirty="0"/>
+              <a:t>личности </a:t>
+            </a:r>
+            <a:r>
+              <a:rPr lang="ru-RU" sz="100" dirty="0"/>
+              <a:t>(В результате этого опыта CEDA приняло обострение культа личности лидера в своих кампаниях и предвыборных мероприятиях, воспроизводя изображение </a:t>
+            </a:r>
+            <a:r>
+              <a:rPr lang="ru-RU" sz="100" dirty="0" err="1"/>
+              <a:t>Хиль-Роблеса</a:t>
+            </a:r>
+            <a:r>
+              <a:rPr lang="ru-RU" sz="100" dirty="0"/>
+              <a:t> на больших плакатах, таких как тот, который был выставлен на площади </a:t>
+            </a:r>
+            <a:r>
+              <a:rPr lang="ru-RU" sz="100" dirty="0" err="1"/>
+              <a:t>Пуэрта</a:t>
+            </a:r>
+            <a:r>
+              <a:rPr lang="ru-RU" sz="100" dirty="0"/>
+              <a:t>-</a:t>
+            </a:r>
+            <a:r>
+              <a:rPr lang="ru-RU" sz="100" dirty="0" err="1"/>
+              <a:t>дель</a:t>
+            </a:r>
+            <a:r>
+              <a:rPr lang="ru-RU" sz="100" dirty="0"/>
+              <a:t>-Соль в Мадриде во время кампании 1936 года. , до этого никогда не видел в Испании</a:t>
+            </a:r>
+            <a:r>
+              <a:rPr lang="ru-RU" sz="100" dirty="0" smtClean="0"/>
+              <a:t>.)</a:t>
+            </a:r>
+            <a:endParaRPr lang="ru-RU" sz="100" dirty="0"/>
+          </a:p>
+        </p:txBody>
+      </p:sp>
+      <p:sp>
+        <p:nvSpPr>
+          <p:cNvPr id="633" name="Прямоугольник 632"/>
+          <p:cNvSpPr/>
+          <p:nvPr/>
+        </p:nvSpPr>
+        <p:spPr>
+          <a:xfrm>
+            <a:off x="34839355" y="4118610"/>
+            <a:ext cx="926325" cy="540000"/>
+          </a:xfrm>
+          <a:prstGeom prst="rect">
+            <a:avLst/>
+          </a:prstGeom>
+          <a:solidFill>
+            <a:schemeClr val="bg1">
+              <a:lumMod val="50000"/>
+            </a:schemeClr>
+          </a:solidFill>
+          <a:ln w="19050"/>
+        </p:spPr>
+        <p:style>
+          <a:lnRef idx="2">
+            <a:schemeClr val="accent1"/>
+          </a:lnRef>
+          <a:fillRef idx="1">
+            <a:schemeClr val="lt1"/>
+          </a:fillRef>
+          <a:effectRef idx="0">
+            <a:schemeClr val="accent1"/>
+          </a:effectRef>
+          <a:fontRef idx="minor">
+            <a:schemeClr val="dk1"/>
+          </a:fontRef>
+        </p:style>
+        <p:txBody>
+          <a:bodyPr lIns="124733" tIns="62367" rIns="124733" bIns="62367" rtlCol="0" anchor="ctr"/>
+          <a:lstStyle/>
+          <a:p>
+            <a:pPr algn="ctr"/>
+            <a:r>
+              <a:rPr lang="ru-RU" sz="700" dirty="0" smtClean="0"/>
+              <a:t>Объявить войну коммунизму</a:t>
+            </a:r>
+            <a:endParaRPr lang="ru-RU" sz="700" dirty="0"/>
+          </a:p>
+        </p:txBody>
+      </p:sp>
+      <p:sp>
+        <p:nvSpPr>
+          <p:cNvPr id="634" name="Прямоугольник 633"/>
+          <p:cNvSpPr/>
+          <p:nvPr/>
+        </p:nvSpPr>
+        <p:spPr>
+          <a:xfrm>
+            <a:off x="35960233" y="5694250"/>
+            <a:ext cx="926325" cy="540000"/>
+          </a:xfrm>
+          <a:prstGeom prst="rect">
+            <a:avLst/>
+          </a:prstGeom>
+          <a:solidFill>
+            <a:schemeClr val="bg1">
+              <a:lumMod val="50000"/>
+            </a:schemeClr>
+          </a:solidFill>
+          <a:ln w="19050"/>
+        </p:spPr>
+        <p:style>
+          <a:lnRef idx="2">
+            <a:schemeClr val="accent1"/>
+          </a:lnRef>
+          <a:fillRef idx="1">
+            <a:schemeClr val="lt1"/>
+          </a:fillRef>
+          <a:effectRef idx="0">
+            <a:schemeClr val="accent1"/>
+          </a:effectRef>
+          <a:fontRef idx="minor">
+            <a:schemeClr val="dk1"/>
+          </a:fontRef>
+        </p:style>
+        <p:txBody>
+          <a:bodyPr lIns="124733" tIns="62367" rIns="124733" bIns="62367" rtlCol="0" anchor="ctr"/>
+          <a:lstStyle/>
+          <a:p>
+            <a:pPr algn="ctr"/>
+            <a:r>
+              <a:rPr lang="ru-RU" sz="700" dirty="0" smtClean="0"/>
+              <a:t>Ограничение власти олигархии (наше)</a:t>
+            </a:r>
+            <a:endParaRPr lang="ru-RU" sz="700" dirty="0"/>
+          </a:p>
+        </p:txBody>
+      </p:sp>
+      <p:sp>
+        <p:nvSpPr>
+          <p:cNvPr id="637" name="Прямоугольник 636"/>
+          <p:cNvSpPr/>
+          <p:nvPr/>
+        </p:nvSpPr>
+        <p:spPr>
+          <a:xfrm>
+            <a:off x="37085412" y="4104478"/>
+            <a:ext cx="926325" cy="540000"/>
+          </a:xfrm>
+          <a:prstGeom prst="rect">
+            <a:avLst/>
+          </a:prstGeom>
+          <a:solidFill>
+            <a:schemeClr val="bg1">
+              <a:lumMod val="50000"/>
+            </a:schemeClr>
+          </a:solidFill>
+          <a:ln w="19050"/>
+        </p:spPr>
+        <p:style>
+          <a:lnRef idx="2">
+            <a:schemeClr val="accent1"/>
+          </a:lnRef>
+          <a:fillRef idx="1">
+            <a:schemeClr val="lt1"/>
+          </a:fillRef>
+          <a:effectRef idx="0">
+            <a:schemeClr val="accent1"/>
+          </a:effectRef>
+          <a:fontRef idx="minor">
+            <a:schemeClr val="dk1"/>
+          </a:fontRef>
+        </p:style>
+        <p:txBody>
+          <a:bodyPr lIns="124733" tIns="62367" rIns="124733" bIns="62367" rtlCol="0" anchor="ctr"/>
+          <a:lstStyle/>
+          <a:p>
+            <a:pPr algn="ctr"/>
+            <a:r>
+              <a:rPr lang="ru-RU" sz="700" dirty="0"/>
+              <a:t>Подготовка к захватническим </a:t>
+            </a:r>
+            <a:r>
+              <a:rPr lang="ru-RU" sz="700" dirty="0" smtClean="0"/>
+              <a:t>войнам</a:t>
+            </a:r>
+            <a:endParaRPr lang="ru-RU" sz="700" dirty="0"/>
+          </a:p>
+        </p:txBody>
+      </p:sp>
+      <p:sp>
+        <p:nvSpPr>
+          <p:cNvPr id="638" name="Прямоугольник 637"/>
+          <p:cNvSpPr/>
+          <p:nvPr/>
+        </p:nvSpPr>
+        <p:spPr>
+          <a:xfrm>
+            <a:off x="33686842" y="5694250"/>
+            <a:ext cx="926325" cy="540000"/>
+          </a:xfrm>
+          <a:prstGeom prst="rect">
+            <a:avLst/>
+          </a:prstGeom>
+          <a:solidFill>
+            <a:schemeClr val="bg1">
+              <a:lumMod val="50000"/>
+            </a:schemeClr>
+          </a:solidFill>
+          <a:ln w="19050"/>
+        </p:spPr>
+        <p:style>
+          <a:lnRef idx="2">
+            <a:schemeClr val="accent1"/>
+          </a:lnRef>
+          <a:fillRef idx="1">
+            <a:schemeClr val="lt1"/>
+          </a:fillRef>
+          <a:effectRef idx="0">
+            <a:schemeClr val="accent1"/>
+          </a:effectRef>
+          <a:fontRef idx="minor">
+            <a:schemeClr val="dk1"/>
+          </a:fontRef>
+        </p:style>
+        <p:txBody>
+          <a:bodyPr lIns="124733" tIns="62367" rIns="124733" bIns="62367" rtlCol="0" anchor="ctr"/>
+          <a:lstStyle/>
+          <a:p>
+            <a:pPr algn="ctr"/>
+            <a:r>
+              <a:rPr lang="ru-RU" sz="700" dirty="0" smtClean="0"/>
+              <a:t>Расширить католическое учения в колониях</a:t>
+            </a:r>
+            <a:endParaRPr lang="ru-RU" sz="700" dirty="0"/>
+          </a:p>
+        </p:txBody>
+      </p:sp>
+      <p:sp>
+        <p:nvSpPr>
+          <p:cNvPr id="639" name="Прямоугольник 638"/>
+          <p:cNvSpPr/>
+          <p:nvPr/>
+        </p:nvSpPr>
+        <p:spPr>
+          <a:xfrm>
+            <a:off x="35396259" y="7190026"/>
+            <a:ext cx="926325" cy="540000"/>
+          </a:xfrm>
+          <a:prstGeom prst="rect">
+            <a:avLst/>
+          </a:prstGeom>
+          <a:solidFill>
+            <a:schemeClr val="accent2">
+              <a:lumMod val="75000"/>
+            </a:schemeClr>
+          </a:solidFill>
+          <a:ln w="19050"/>
+        </p:spPr>
+        <p:style>
+          <a:lnRef idx="2">
+            <a:schemeClr val="accent1"/>
+          </a:lnRef>
+          <a:fillRef idx="1">
+            <a:schemeClr val="lt1"/>
+          </a:fillRef>
+          <a:effectRef idx="0">
+            <a:schemeClr val="accent1"/>
+          </a:effectRef>
+          <a:fontRef idx="minor">
+            <a:schemeClr val="dk1"/>
+          </a:fontRef>
+        </p:style>
+        <p:txBody>
+          <a:bodyPr lIns="124733" tIns="62367" rIns="124733" bIns="62367" rtlCol="0" anchor="ctr"/>
+          <a:lstStyle/>
+          <a:p>
+            <a:pPr algn="ctr"/>
+            <a:r>
+              <a:rPr lang="ru-RU" sz="700" dirty="0" smtClean="0"/>
+              <a:t>Радикальная Республиканская партия </a:t>
+            </a:r>
+            <a:r>
+              <a:rPr lang="ru-RU" sz="600" dirty="0" smtClean="0"/>
+              <a:t>(не выучен фокус на гонение масонов)</a:t>
+            </a:r>
+            <a:endParaRPr lang="ru-RU" sz="600" dirty="0"/>
+          </a:p>
+        </p:txBody>
+      </p:sp>
+      <p:sp>
+        <p:nvSpPr>
+          <p:cNvPr id="645" name="Прямоугольник 644"/>
+          <p:cNvSpPr/>
+          <p:nvPr/>
+        </p:nvSpPr>
+        <p:spPr>
+          <a:xfrm>
+            <a:off x="35960233" y="4118610"/>
+            <a:ext cx="926325" cy="540000"/>
+          </a:xfrm>
+          <a:prstGeom prst="rect">
+            <a:avLst/>
+          </a:prstGeom>
+          <a:solidFill>
+            <a:schemeClr val="bg1">
+              <a:lumMod val="50000"/>
+            </a:schemeClr>
+          </a:solidFill>
+          <a:ln w="19050"/>
+        </p:spPr>
+        <p:style>
+          <a:lnRef idx="2">
+            <a:schemeClr val="accent1"/>
+          </a:lnRef>
+          <a:fillRef idx="1">
+            <a:schemeClr val="lt1"/>
+          </a:fillRef>
+          <a:effectRef idx="0">
+            <a:schemeClr val="accent1"/>
+          </a:effectRef>
+          <a:fontRef idx="minor">
+            <a:schemeClr val="dk1"/>
+          </a:fontRef>
+        </p:style>
+        <p:txBody>
+          <a:bodyPr lIns="124733" tIns="62367" rIns="124733" bIns="62367" rtlCol="0" anchor="ctr"/>
+          <a:lstStyle/>
+          <a:p>
+            <a:pPr algn="ctr"/>
+            <a:r>
+              <a:rPr lang="ru-RU" sz="700" dirty="0" smtClean="0"/>
+              <a:t>Объявить войну масонству</a:t>
+            </a:r>
+            <a:endParaRPr lang="ru-RU" sz="700" dirty="0"/>
+          </a:p>
+        </p:txBody>
+      </p:sp>
+      <p:sp>
+        <p:nvSpPr>
+          <p:cNvPr id="646" name="Прямоугольник 645"/>
+          <p:cNvSpPr/>
+          <p:nvPr/>
+        </p:nvSpPr>
+        <p:spPr>
+          <a:xfrm>
+            <a:off x="35395363" y="6423789"/>
+            <a:ext cx="926325" cy="540000"/>
+          </a:xfrm>
+          <a:prstGeom prst="rect">
+            <a:avLst/>
+          </a:prstGeom>
+          <a:solidFill>
+            <a:schemeClr val="bg1">
+              <a:lumMod val="50000"/>
+            </a:schemeClr>
+          </a:solidFill>
+          <a:ln w="19050"/>
+        </p:spPr>
+        <p:style>
+          <a:lnRef idx="2">
+            <a:schemeClr val="accent1"/>
+          </a:lnRef>
+          <a:fillRef idx="1">
+            <a:schemeClr val="lt1"/>
+          </a:fillRef>
+          <a:effectRef idx="0">
+            <a:schemeClr val="accent1"/>
+          </a:effectRef>
+          <a:fontRef idx="minor">
+            <a:schemeClr val="dk1"/>
+          </a:fontRef>
+        </p:style>
+        <p:txBody>
+          <a:bodyPr lIns="124733" tIns="62367" rIns="124733" bIns="62367" rtlCol="0" anchor="ctr"/>
+          <a:lstStyle/>
+          <a:p>
+            <a:pPr algn="ctr"/>
+            <a:r>
+              <a:rPr lang="ru-RU" sz="700" dirty="0" smtClean="0"/>
+              <a:t>Органическая демократия</a:t>
+            </a:r>
+            <a:endParaRPr lang="ru-RU" sz="700" dirty="0"/>
+          </a:p>
+        </p:txBody>
+      </p:sp>
+      <p:sp>
+        <p:nvSpPr>
+          <p:cNvPr id="647" name="Прямоугольник 646"/>
+          <p:cNvSpPr/>
+          <p:nvPr/>
+        </p:nvSpPr>
+        <p:spPr>
+          <a:xfrm>
+            <a:off x="36513296" y="4918884"/>
+            <a:ext cx="926325" cy="540000"/>
+          </a:xfrm>
+          <a:prstGeom prst="rect">
+            <a:avLst/>
+          </a:prstGeom>
+          <a:solidFill>
+            <a:schemeClr val="bg1">
+              <a:lumMod val="50000"/>
+            </a:schemeClr>
+          </a:solidFill>
+          <a:ln w="19050"/>
+        </p:spPr>
+        <p:style>
+          <a:lnRef idx="2">
+            <a:schemeClr val="accent1"/>
+          </a:lnRef>
+          <a:fillRef idx="1">
+            <a:schemeClr val="lt1"/>
+          </a:fillRef>
+          <a:effectRef idx="0">
+            <a:schemeClr val="accent1"/>
+          </a:effectRef>
+          <a:fontRef idx="minor">
+            <a:schemeClr val="dk1"/>
+          </a:fontRef>
+        </p:style>
+        <p:txBody>
+          <a:bodyPr lIns="124733" tIns="62367" rIns="124733" bIns="62367" rtlCol="0" anchor="ctr"/>
+          <a:lstStyle/>
+          <a:p>
+            <a:pPr algn="ctr"/>
+            <a:r>
+              <a:rPr lang="ru-RU" sz="700" dirty="0" smtClean="0"/>
+              <a:t>Вернуть земли помещикам (наше)</a:t>
+            </a:r>
+            <a:endParaRPr lang="ru-RU" sz="700" dirty="0"/>
+          </a:p>
+        </p:txBody>
+      </p:sp>
+      <p:cxnSp>
+        <p:nvCxnSpPr>
+          <p:cNvPr id="659" name="Соединительная линия уступом 658"/>
+          <p:cNvCxnSpPr>
+            <a:stCxn id="635" idx="2"/>
+            <a:endCxn id="618" idx="0"/>
+          </p:cNvCxnSpPr>
+          <p:nvPr/>
+        </p:nvCxnSpPr>
+        <p:spPr>
+          <a:xfrm rot="5400000">
+            <a:off x="35163621" y="2699462"/>
+            <a:ext cx="271883" cy="1117935"/>
+          </a:xfrm>
+          <a:prstGeom prst="bentConnector3">
+            <a:avLst>
+              <a:gd name="adj1" fmla="val 50000"/>
+            </a:avLst>
+          </a:prstGeom>
+          <a:ln w="19050">
+            <a:tailEnd type="arrow"/>
+          </a:ln>
+        </p:spPr>
+        <p:style>
+          <a:lnRef idx="1">
+            <a:schemeClr val="accent1"/>
+          </a:lnRef>
+          <a:fillRef idx="0">
+            <a:schemeClr val="accent1"/>
+          </a:fillRef>
+          <a:effectRef idx="0">
+            <a:schemeClr val="accent1"/>
+          </a:effectRef>
+          <a:fontRef idx="minor">
+            <a:schemeClr val="tx1"/>
+          </a:fontRef>
+        </p:style>
+      </p:cxnSp>
+      <p:cxnSp>
+        <p:nvCxnSpPr>
+          <p:cNvPr id="662" name="Соединительная линия уступом 661"/>
+          <p:cNvCxnSpPr>
+            <a:stCxn id="635" idx="2"/>
+            <a:endCxn id="628" idx="0"/>
+          </p:cNvCxnSpPr>
+          <p:nvPr/>
+        </p:nvCxnSpPr>
+        <p:spPr>
+          <a:xfrm rot="16200000" flipH="1">
+            <a:off x="36281553" y="2699464"/>
+            <a:ext cx="271883" cy="1117930"/>
+          </a:xfrm>
+          <a:prstGeom prst="bentConnector3">
+            <a:avLst>
+              <a:gd name="adj1" fmla="val 50000"/>
+            </a:avLst>
+          </a:prstGeom>
+          <a:ln w="19050">
+            <a:tailEnd type="arrow"/>
+          </a:ln>
+        </p:spPr>
+        <p:style>
+          <a:lnRef idx="1">
+            <a:schemeClr val="accent1"/>
+          </a:lnRef>
+          <a:fillRef idx="0">
+            <a:schemeClr val="accent1"/>
+          </a:fillRef>
+          <a:effectRef idx="0">
+            <a:schemeClr val="accent1"/>
+          </a:effectRef>
+          <a:fontRef idx="minor">
+            <a:schemeClr val="tx1"/>
+          </a:fontRef>
+        </p:style>
+      </p:cxnSp>
+      <p:cxnSp>
+        <p:nvCxnSpPr>
+          <p:cNvPr id="665" name="Соединительная линия уступом 664"/>
+          <p:cNvCxnSpPr>
+            <a:stCxn id="627" idx="2"/>
+            <a:endCxn id="633" idx="0"/>
+          </p:cNvCxnSpPr>
+          <p:nvPr/>
+        </p:nvCxnSpPr>
+        <p:spPr>
+          <a:xfrm rot="5400000">
+            <a:off x="35485827" y="3745910"/>
+            <a:ext cx="189392" cy="556009"/>
+          </a:xfrm>
+          <a:prstGeom prst="bentConnector3">
+            <a:avLst>
+              <a:gd name="adj1" fmla="val 50000"/>
+            </a:avLst>
+          </a:prstGeom>
+          <a:ln w="19050">
+            <a:tailEnd type="arrow"/>
+          </a:ln>
+        </p:spPr>
+        <p:style>
+          <a:lnRef idx="1">
+            <a:schemeClr val="accent1"/>
+          </a:lnRef>
+          <a:fillRef idx="0">
+            <a:schemeClr val="accent1"/>
+          </a:fillRef>
+          <a:effectRef idx="0">
+            <a:schemeClr val="accent1"/>
+          </a:effectRef>
+          <a:fontRef idx="minor">
+            <a:schemeClr val="tx1"/>
+          </a:fontRef>
+        </p:style>
+      </p:cxnSp>
+      <p:cxnSp>
+        <p:nvCxnSpPr>
+          <p:cNvPr id="666" name="Соединительная линия уступом 665"/>
+          <p:cNvCxnSpPr>
+            <a:stCxn id="618" idx="2"/>
+            <a:endCxn id="633" idx="0"/>
+          </p:cNvCxnSpPr>
+          <p:nvPr/>
+        </p:nvCxnSpPr>
+        <p:spPr>
+          <a:xfrm rot="16200000" flipH="1">
+            <a:off x="34929437" y="3745528"/>
+            <a:ext cx="184239" cy="561924"/>
+          </a:xfrm>
+          <a:prstGeom prst="bentConnector3">
+            <a:avLst>
+              <a:gd name="adj1" fmla="val 50000"/>
+            </a:avLst>
+          </a:prstGeom>
+          <a:ln w="19050">
+            <a:tailEnd type="arrow"/>
+          </a:ln>
+        </p:spPr>
+        <p:style>
+          <a:lnRef idx="1">
+            <a:schemeClr val="accent1"/>
+          </a:lnRef>
+          <a:fillRef idx="0">
+            <a:schemeClr val="accent1"/>
+          </a:fillRef>
+          <a:effectRef idx="0">
+            <a:schemeClr val="accent1"/>
+          </a:effectRef>
+          <a:fontRef idx="minor">
+            <a:schemeClr val="tx1"/>
+          </a:fontRef>
+        </p:style>
+      </p:cxnSp>
+      <p:cxnSp>
+        <p:nvCxnSpPr>
+          <p:cNvPr id="667" name="Соединительная линия уступом 666"/>
+          <p:cNvCxnSpPr>
+            <a:stCxn id="628" idx="2"/>
+            <a:endCxn id="645" idx="0"/>
+          </p:cNvCxnSpPr>
+          <p:nvPr/>
+        </p:nvCxnSpPr>
+        <p:spPr>
+          <a:xfrm rot="5400000">
+            <a:off x="36607809" y="3749959"/>
+            <a:ext cx="184239" cy="553063"/>
+          </a:xfrm>
+          <a:prstGeom prst="bentConnector3">
+            <a:avLst>
+              <a:gd name="adj1" fmla="val 50000"/>
+            </a:avLst>
+          </a:prstGeom>
+          <a:ln w="19050">
+            <a:tailEnd type="arrow"/>
+          </a:ln>
+        </p:spPr>
+        <p:style>
+          <a:lnRef idx="1">
+            <a:schemeClr val="accent1"/>
+          </a:lnRef>
+          <a:fillRef idx="0">
+            <a:schemeClr val="accent1"/>
+          </a:fillRef>
+          <a:effectRef idx="0">
+            <a:schemeClr val="accent1"/>
+          </a:effectRef>
+          <a:fontRef idx="minor">
+            <a:schemeClr val="tx1"/>
+          </a:fontRef>
+        </p:style>
+      </p:cxnSp>
+      <p:cxnSp>
+        <p:nvCxnSpPr>
+          <p:cNvPr id="668" name="Соединительная линия уступом 667"/>
+          <p:cNvCxnSpPr>
+            <a:stCxn id="627" idx="2"/>
+            <a:endCxn id="645" idx="0"/>
+          </p:cNvCxnSpPr>
+          <p:nvPr/>
+        </p:nvCxnSpPr>
+        <p:spPr>
+          <a:xfrm rot="16200000" flipH="1">
+            <a:off x="36046265" y="3741479"/>
+            <a:ext cx="189392" cy="564869"/>
+          </a:xfrm>
+          <a:prstGeom prst="bentConnector3">
+            <a:avLst>
+              <a:gd name="adj1" fmla="val 50000"/>
+            </a:avLst>
+          </a:prstGeom>
+          <a:ln w="19050">
+            <a:tailEnd type="arrow"/>
+          </a:ln>
+        </p:spPr>
+        <p:style>
+          <a:lnRef idx="1">
+            <a:schemeClr val="accent1"/>
+          </a:lnRef>
+          <a:fillRef idx="0">
+            <a:schemeClr val="accent1"/>
+          </a:fillRef>
+          <a:effectRef idx="0">
+            <a:schemeClr val="accent1"/>
+          </a:effectRef>
+          <a:fontRef idx="minor">
+            <a:schemeClr val="tx1"/>
+          </a:fontRef>
+        </p:style>
+      </p:cxnSp>
+      <p:cxnSp>
+        <p:nvCxnSpPr>
+          <p:cNvPr id="669" name="Прямая со стрелкой 668"/>
+          <p:cNvCxnSpPr>
+            <a:stCxn id="708" idx="2"/>
+            <a:endCxn id="646" idx="0"/>
+          </p:cNvCxnSpPr>
+          <p:nvPr/>
+        </p:nvCxnSpPr>
+        <p:spPr>
+          <a:xfrm flipH="1">
+            <a:off x="35858526" y="5458884"/>
+            <a:ext cx="1177" cy="964905"/>
+          </a:xfrm>
+          <a:prstGeom prst="straightConnector1">
+            <a:avLst/>
+          </a:prstGeom>
+          <a:ln w="19050">
+            <a:tailEnd type="arrow"/>
+          </a:ln>
+        </p:spPr>
+        <p:style>
+          <a:lnRef idx="1">
+            <a:schemeClr val="accent1"/>
+          </a:lnRef>
+          <a:fillRef idx="0">
+            <a:schemeClr val="accent1"/>
+          </a:fillRef>
+          <a:effectRef idx="0">
+            <a:schemeClr val="accent1"/>
+          </a:effectRef>
+          <a:fontRef idx="minor">
+            <a:schemeClr val="tx1"/>
+          </a:fontRef>
+        </p:style>
+      </p:cxnSp>
+      <p:cxnSp>
+        <p:nvCxnSpPr>
+          <p:cNvPr id="671" name="Прямая со стрелкой 670"/>
+          <p:cNvCxnSpPr>
+            <a:stCxn id="635" idx="2"/>
+            <a:endCxn id="627" idx="0"/>
+          </p:cNvCxnSpPr>
+          <p:nvPr/>
+        </p:nvCxnSpPr>
+        <p:spPr>
+          <a:xfrm flipH="1">
+            <a:off x="35858527" y="3122488"/>
+            <a:ext cx="2" cy="266730"/>
+          </a:xfrm>
+          <a:prstGeom prst="straightConnector1">
+            <a:avLst/>
+          </a:prstGeom>
+          <a:ln w="19050">
+            <a:tailEnd type="arrow"/>
+          </a:ln>
+        </p:spPr>
+        <p:style>
+          <a:lnRef idx="1">
+            <a:schemeClr val="accent1"/>
+          </a:lnRef>
+          <a:fillRef idx="0">
+            <a:schemeClr val="accent1"/>
+          </a:fillRef>
+          <a:effectRef idx="0">
+            <a:schemeClr val="accent1"/>
+          </a:effectRef>
+          <a:fontRef idx="minor">
+            <a:schemeClr val="tx1"/>
+          </a:fontRef>
+        </p:style>
+      </p:cxnSp>
+      <p:cxnSp>
+        <p:nvCxnSpPr>
+          <p:cNvPr id="672" name="Прямая со стрелкой 671"/>
+          <p:cNvCxnSpPr>
+            <a:stCxn id="618" idx="2"/>
+            <a:endCxn id="629" idx="0"/>
+          </p:cNvCxnSpPr>
+          <p:nvPr/>
+        </p:nvCxnSpPr>
+        <p:spPr>
+          <a:xfrm flipH="1">
+            <a:off x="34740593" y="3934371"/>
+            <a:ext cx="1" cy="977989"/>
+          </a:xfrm>
+          <a:prstGeom prst="straightConnector1">
+            <a:avLst/>
+          </a:prstGeom>
+          <a:ln w="19050">
+            <a:tailEnd type="arrow"/>
+          </a:ln>
+        </p:spPr>
+        <p:style>
+          <a:lnRef idx="1">
+            <a:schemeClr val="accent1"/>
+          </a:lnRef>
+          <a:fillRef idx="0">
+            <a:schemeClr val="accent1"/>
+          </a:fillRef>
+          <a:effectRef idx="0">
+            <a:schemeClr val="accent1"/>
+          </a:effectRef>
+          <a:fontRef idx="minor">
+            <a:schemeClr val="tx1"/>
+          </a:fontRef>
+        </p:style>
+      </p:cxnSp>
+      <p:cxnSp>
+        <p:nvCxnSpPr>
+          <p:cNvPr id="674" name="Прямая со стрелкой 673"/>
+          <p:cNvCxnSpPr>
+            <a:stCxn id="628" idx="2"/>
+            <a:endCxn id="647" idx="0"/>
+          </p:cNvCxnSpPr>
+          <p:nvPr/>
+        </p:nvCxnSpPr>
+        <p:spPr>
+          <a:xfrm>
+            <a:off x="36976459" y="3934371"/>
+            <a:ext cx="0" cy="984513"/>
+          </a:xfrm>
+          <a:prstGeom prst="straightConnector1">
+            <a:avLst/>
+          </a:prstGeom>
+          <a:ln w="19050">
+            <a:tailEnd type="arrow"/>
+          </a:ln>
+        </p:spPr>
+        <p:style>
+          <a:lnRef idx="1">
+            <a:schemeClr val="accent1"/>
+          </a:lnRef>
+          <a:fillRef idx="0">
+            <a:schemeClr val="accent1"/>
+          </a:fillRef>
+          <a:effectRef idx="0">
+            <a:schemeClr val="accent1"/>
+          </a:effectRef>
+          <a:fontRef idx="minor">
+            <a:schemeClr val="tx1"/>
+          </a:fontRef>
+        </p:style>
+      </p:cxnSp>
+      <p:cxnSp>
+        <p:nvCxnSpPr>
+          <p:cNvPr id="675" name="Прямая соединительная линия 674"/>
+          <p:cNvCxnSpPr>
+            <a:stCxn id="111" idx="3"/>
+            <a:endCxn id="632" idx="1"/>
+          </p:cNvCxnSpPr>
+          <p:nvPr/>
+        </p:nvCxnSpPr>
+        <p:spPr>
+          <a:xfrm flipV="1">
+            <a:off x="28046389" y="7460026"/>
+            <a:ext cx="4025045" cy="556"/>
+          </a:xfrm>
+          <a:prstGeom prst="line">
+            <a:avLst/>
+          </a:prstGeom>
+          <a:ln w="19050">
+            <a:solidFill>
+              <a:srgbClr val="FF0000"/>
+            </a:solidFill>
+          </a:ln>
+        </p:spPr>
+        <p:style>
+          <a:lnRef idx="1">
+            <a:schemeClr val="accent1"/>
+          </a:lnRef>
+          <a:fillRef idx="0">
+            <a:schemeClr val="accent1"/>
+          </a:fillRef>
+          <a:effectRef idx="0">
+            <a:schemeClr val="accent1"/>
+          </a:effectRef>
+          <a:fontRef idx="minor">
+            <a:schemeClr val="tx1"/>
+          </a:fontRef>
+        </p:style>
+      </p:cxnSp>
+      <p:cxnSp>
+        <p:nvCxnSpPr>
+          <p:cNvPr id="677" name="Соединительная линия уступом 676"/>
+          <p:cNvCxnSpPr>
+            <a:stCxn id="111" idx="2"/>
+            <a:endCxn id="105" idx="0"/>
+          </p:cNvCxnSpPr>
+          <p:nvPr/>
+        </p:nvCxnSpPr>
+        <p:spPr>
+          <a:xfrm rot="5400000">
+            <a:off x="25508937" y="5902494"/>
+            <a:ext cx="246202" cy="3902378"/>
+          </a:xfrm>
+          <a:prstGeom prst="bentConnector3">
+            <a:avLst>
+              <a:gd name="adj1" fmla="val 50000"/>
+            </a:avLst>
+          </a:prstGeom>
+          <a:ln w="19050">
+            <a:prstDash val="dash"/>
+            <a:tailEnd type="arrow"/>
+          </a:ln>
+        </p:spPr>
+        <p:style>
+          <a:lnRef idx="1">
+            <a:schemeClr val="accent1"/>
+          </a:lnRef>
+          <a:fillRef idx="0">
+            <a:schemeClr val="accent1"/>
+          </a:fillRef>
+          <a:effectRef idx="0">
+            <a:schemeClr val="accent1"/>
+          </a:effectRef>
+          <a:fontRef idx="minor">
+            <a:schemeClr val="tx1"/>
+          </a:fontRef>
+        </p:style>
+      </p:cxnSp>
+      <p:sp>
+        <p:nvSpPr>
+          <p:cNvPr id="678" name="Прямоугольник 677"/>
+          <p:cNvSpPr/>
+          <p:nvPr/>
+        </p:nvSpPr>
+        <p:spPr>
+          <a:xfrm>
+            <a:off x="39280600" y="7195582"/>
+            <a:ext cx="926325" cy="540000"/>
+          </a:xfrm>
+          <a:prstGeom prst="rect">
+            <a:avLst/>
+          </a:prstGeom>
+          <a:solidFill>
+            <a:schemeClr val="bg1">
+              <a:lumMod val="50000"/>
+            </a:schemeClr>
+          </a:solidFill>
+          <a:ln w="19050"/>
+        </p:spPr>
+        <p:style>
+          <a:lnRef idx="2">
+            <a:schemeClr val="accent1"/>
+          </a:lnRef>
+          <a:fillRef idx="1">
+            <a:schemeClr val="lt1"/>
+          </a:fillRef>
+          <a:effectRef idx="0">
+            <a:schemeClr val="accent1"/>
+          </a:effectRef>
+          <a:fontRef idx="minor">
+            <a:schemeClr val="dk1"/>
+          </a:fontRef>
+        </p:style>
+        <p:txBody>
+          <a:bodyPr lIns="124733" tIns="62367" rIns="124733" bIns="62367" rtlCol="0" anchor="ctr"/>
+          <a:lstStyle/>
+          <a:p>
+            <a:pPr algn="ctr"/>
+            <a:r>
+              <a:rPr lang="ru-RU" sz="700" dirty="0" smtClean="0"/>
+              <a:t>Позиция </a:t>
+            </a:r>
+            <a:r>
+              <a:rPr lang="ru-RU" sz="700" dirty="0" err="1" smtClean="0"/>
+              <a:t>Мануэля</a:t>
+            </a:r>
+            <a:r>
+              <a:rPr lang="ru-RU" sz="700" dirty="0" smtClean="0"/>
+              <a:t> </a:t>
+            </a:r>
+            <a:r>
+              <a:rPr lang="ru-RU" sz="700" dirty="0" err="1" smtClean="0"/>
+              <a:t>Вернандеса</a:t>
+            </a:r>
+            <a:r>
+              <a:rPr lang="ru-RU" sz="700" dirty="0" smtClean="0"/>
+              <a:t> </a:t>
+            </a:r>
+            <a:r>
+              <a:rPr lang="ru-RU" sz="500" dirty="0" smtClean="0"/>
+              <a:t>(не выучен фокус на гонение коммунистов</a:t>
+            </a:r>
+            <a:r>
+              <a:rPr lang="ru-RU" sz="700" dirty="0" smtClean="0"/>
+              <a:t>)  </a:t>
+            </a:r>
+            <a:r>
+              <a:rPr lang="ru-RU" sz="100" dirty="0"/>
+              <a:t>(«Я не имею ничего против испанских епископов, кроме двух вещей: они не верят в Бога и не окончили среднюю школу</a:t>
+            </a:r>
+            <a:r>
+              <a:rPr lang="ru-RU" sz="100" dirty="0" smtClean="0"/>
+              <a:t>».)</a:t>
+            </a:r>
+            <a:endParaRPr lang="ru-RU" sz="100" dirty="0"/>
+          </a:p>
+        </p:txBody>
+      </p:sp>
+      <p:cxnSp>
+        <p:nvCxnSpPr>
+          <p:cNvPr id="680" name="Прямая соединительная линия 679"/>
+          <p:cNvCxnSpPr>
+            <a:stCxn id="632" idx="3"/>
+            <a:endCxn id="639" idx="1"/>
+          </p:cNvCxnSpPr>
+          <p:nvPr/>
+        </p:nvCxnSpPr>
+        <p:spPr>
+          <a:xfrm>
+            <a:off x="32997759" y="7460026"/>
+            <a:ext cx="2398500" cy="0"/>
+          </a:xfrm>
+          <a:prstGeom prst="line">
+            <a:avLst/>
+          </a:prstGeom>
+          <a:ln w="19050">
+            <a:solidFill>
+              <a:srgbClr val="FF0000"/>
+            </a:solidFill>
+          </a:ln>
+        </p:spPr>
+        <p:style>
+          <a:lnRef idx="1">
+            <a:schemeClr val="accent1"/>
+          </a:lnRef>
+          <a:fillRef idx="0">
+            <a:schemeClr val="accent1"/>
+          </a:fillRef>
+          <a:effectRef idx="0">
+            <a:schemeClr val="accent1"/>
+          </a:effectRef>
+          <a:fontRef idx="minor">
+            <a:schemeClr val="tx1"/>
+          </a:fontRef>
+        </p:style>
+      </p:cxnSp>
+      <p:sp>
+        <p:nvSpPr>
+          <p:cNvPr id="683" name="Прямоугольник 682"/>
+          <p:cNvSpPr/>
+          <p:nvPr/>
+        </p:nvSpPr>
+        <p:spPr>
+          <a:xfrm>
+            <a:off x="32071433" y="7969765"/>
+            <a:ext cx="926325" cy="540000"/>
+          </a:xfrm>
+          <a:prstGeom prst="rect">
+            <a:avLst/>
+          </a:prstGeom>
+          <a:solidFill>
+            <a:schemeClr val="accent2">
+              <a:lumMod val="75000"/>
+            </a:schemeClr>
+          </a:solidFill>
+          <a:ln w="19050"/>
+        </p:spPr>
+        <p:style>
+          <a:lnRef idx="2">
+            <a:schemeClr val="accent1"/>
+          </a:lnRef>
+          <a:fillRef idx="1">
+            <a:schemeClr val="lt1"/>
+          </a:fillRef>
+          <a:effectRef idx="0">
+            <a:schemeClr val="accent1"/>
+          </a:effectRef>
+          <a:fontRef idx="minor">
+            <a:schemeClr val="dk1"/>
+          </a:fontRef>
+        </p:style>
+        <p:txBody>
+          <a:bodyPr lIns="124733" tIns="62367" rIns="124733" bIns="62367" rtlCol="0" anchor="ctr"/>
+          <a:lstStyle/>
+          <a:p>
+            <a:pPr algn="ctr"/>
+            <a:r>
+              <a:rPr lang="ru-RU" sz="700" dirty="0" smtClean="0"/>
+              <a:t>Использовать средства нацистской пропаганды</a:t>
+            </a:r>
+            <a:endParaRPr lang="ru-RU" sz="700" dirty="0"/>
+          </a:p>
+        </p:txBody>
+      </p:sp>
+      <p:sp>
+        <p:nvSpPr>
+          <p:cNvPr id="684" name="Прямоугольник 683"/>
+          <p:cNvSpPr/>
+          <p:nvPr/>
+        </p:nvSpPr>
+        <p:spPr>
+          <a:xfrm>
+            <a:off x="32071433" y="8751368"/>
+            <a:ext cx="926325" cy="540000"/>
+          </a:xfrm>
+          <a:prstGeom prst="rect">
+            <a:avLst/>
+          </a:prstGeom>
+          <a:solidFill>
+            <a:schemeClr val="accent2">
+              <a:lumMod val="75000"/>
+            </a:schemeClr>
+          </a:solidFill>
+          <a:ln w="19050"/>
+        </p:spPr>
+        <p:style>
+          <a:lnRef idx="2">
+            <a:schemeClr val="accent1"/>
+          </a:lnRef>
+          <a:fillRef idx="1">
+            <a:schemeClr val="lt1"/>
+          </a:fillRef>
+          <a:effectRef idx="0">
+            <a:schemeClr val="accent1"/>
+          </a:effectRef>
+          <a:fontRef idx="minor">
+            <a:schemeClr val="dk1"/>
+          </a:fontRef>
+        </p:style>
+        <p:txBody>
+          <a:bodyPr lIns="124733" tIns="62367" rIns="124733" bIns="62367" rtlCol="0" anchor="ctr"/>
+          <a:lstStyle/>
+          <a:p>
+            <a:pPr algn="ctr"/>
+            <a:r>
+              <a:rPr lang="ru-RU" sz="700" dirty="0" smtClean="0"/>
+              <a:t>Присоединиться к Оси</a:t>
+            </a:r>
+            <a:endParaRPr lang="ru-RU" sz="700" dirty="0"/>
+          </a:p>
+        </p:txBody>
+      </p:sp>
+      <p:sp>
+        <p:nvSpPr>
+          <p:cNvPr id="687" name="Прямоугольник 686"/>
+          <p:cNvSpPr/>
+          <p:nvPr/>
+        </p:nvSpPr>
+        <p:spPr>
+          <a:xfrm>
+            <a:off x="34844749" y="5690217"/>
+            <a:ext cx="926325" cy="540000"/>
+          </a:xfrm>
+          <a:prstGeom prst="rect">
+            <a:avLst/>
+          </a:prstGeom>
+          <a:solidFill>
+            <a:schemeClr val="bg1">
+              <a:lumMod val="50000"/>
+            </a:schemeClr>
+          </a:solidFill>
+          <a:ln w="19050"/>
+        </p:spPr>
+        <p:style>
+          <a:lnRef idx="2">
+            <a:schemeClr val="accent1"/>
+          </a:lnRef>
+          <a:fillRef idx="1">
+            <a:schemeClr val="lt1"/>
+          </a:fillRef>
+          <a:effectRef idx="0">
+            <a:schemeClr val="accent1"/>
+          </a:effectRef>
+          <a:fontRef idx="minor">
+            <a:schemeClr val="dk1"/>
+          </a:fontRef>
+        </p:style>
+        <p:txBody>
+          <a:bodyPr lIns="124733" tIns="62367" rIns="124733" bIns="62367" rtlCol="0" anchor="ctr"/>
+          <a:lstStyle/>
+          <a:p>
+            <a:pPr algn="ctr"/>
+            <a:r>
+              <a:rPr lang="ru-RU" sz="700" dirty="0" smtClean="0"/>
+              <a:t>Социальное </a:t>
+            </a:r>
+            <a:r>
+              <a:rPr lang="ru-RU" sz="700" dirty="0"/>
+              <a:t>учение церкви </a:t>
+            </a:r>
+            <a:r>
+              <a:rPr lang="ru-RU" sz="100" dirty="0"/>
+              <a:t>(Он был вдохновлен социальным католицизмом Папы Льва XIII, и его программа была резюмирована в девизе: «Религия, Отечество, Семья, Порядок, Работа и Собственность» (исключая монархию, учитывая случайный характер форм правления для CEDA , что вызвало отъезд католиков-альфонсов во главе </a:t>
+            </a:r>
+            <a:r>
+              <a:rPr lang="ru-RU" sz="100" dirty="0" err="1"/>
+              <a:t>сАнтонио</a:t>
+            </a:r>
+            <a:r>
+              <a:rPr lang="ru-RU" sz="100" dirty="0"/>
+              <a:t> </a:t>
+            </a:r>
+            <a:r>
+              <a:rPr lang="ru-RU" sz="100" dirty="0" err="1"/>
+              <a:t>Goicoechea</a:t>
+            </a:r>
+            <a:r>
+              <a:rPr lang="ru-RU" sz="100" dirty="0"/>
+              <a:t> , который основал испанскую Реновация партию , которая искала союза с </a:t>
+            </a:r>
+            <a:r>
+              <a:rPr lang="ru-RU" sz="100" dirty="0" err="1"/>
+              <a:t>карлистов</a:t>
+            </a:r>
+            <a:r>
+              <a:rPr lang="ru-RU" sz="100" dirty="0"/>
+              <a:t> в традиционалистов Причастия ). Он выступал за корпоративную организацию общества, следуя энциклике Пия XI </a:t>
+            </a:r>
+            <a:r>
+              <a:rPr lang="ru-RU" sz="100" dirty="0" err="1"/>
+              <a:t>Квадрагезимо</a:t>
+            </a:r>
+            <a:r>
+              <a:rPr lang="ru-RU" sz="100" dirty="0"/>
+              <a:t> </a:t>
+            </a:r>
+            <a:r>
+              <a:rPr lang="ru-RU" sz="100" dirty="0" err="1" smtClean="0"/>
+              <a:t>Анно</a:t>
+            </a:r>
+            <a:r>
+              <a:rPr lang="ru-RU" sz="100" dirty="0" smtClean="0"/>
+              <a:t>)</a:t>
+            </a:r>
+            <a:endParaRPr lang="ru-RU" sz="100" dirty="0"/>
+          </a:p>
+        </p:txBody>
+      </p:sp>
+      <p:cxnSp>
+        <p:nvCxnSpPr>
+          <p:cNvPr id="691" name="Соединительная линия уступом 690"/>
+          <p:cNvCxnSpPr>
+            <a:stCxn id="629" idx="2"/>
+            <a:endCxn id="638" idx="0"/>
+          </p:cNvCxnSpPr>
+          <p:nvPr/>
+        </p:nvCxnSpPr>
+        <p:spPr>
+          <a:xfrm rot="5400000">
+            <a:off x="34324354" y="5278011"/>
+            <a:ext cx="241890" cy="590588"/>
+          </a:xfrm>
+          <a:prstGeom prst="bentConnector3">
+            <a:avLst>
+              <a:gd name="adj1" fmla="val 50000"/>
+            </a:avLst>
+          </a:prstGeom>
+          <a:ln w="19050">
+            <a:tailEnd type="arrow"/>
+          </a:ln>
+        </p:spPr>
+        <p:style>
+          <a:lnRef idx="1">
+            <a:schemeClr val="accent1"/>
+          </a:lnRef>
+          <a:fillRef idx="0">
+            <a:schemeClr val="accent1"/>
+          </a:fillRef>
+          <a:effectRef idx="0">
+            <a:schemeClr val="accent1"/>
+          </a:effectRef>
+          <a:fontRef idx="minor">
+            <a:schemeClr val="tx1"/>
+          </a:fontRef>
+        </p:style>
+      </p:cxnSp>
+      <p:cxnSp>
+        <p:nvCxnSpPr>
+          <p:cNvPr id="693" name="Соединительная линия уступом 692"/>
+          <p:cNvCxnSpPr>
+            <a:stCxn id="629" idx="2"/>
+            <a:endCxn id="687" idx="0"/>
+          </p:cNvCxnSpPr>
+          <p:nvPr/>
+        </p:nvCxnSpPr>
+        <p:spPr>
+          <a:xfrm rot="16200000" flipH="1">
+            <a:off x="34905324" y="5287628"/>
+            <a:ext cx="237857" cy="567319"/>
+          </a:xfrm>
+          <a:prstGeom prst="bentConnector3">
+            <a:avLst>
+              <a:gd name="adj1" fmla="val 50000"/>
+            </a:avLst>
+          </a:prstGeom>
+          <a:ln w="19050">
+            <a:tailEnd type="arrow"/>
+          </a:ln>
+        </p:spPr>
+        <p:style>
+          <a:lnRef idx="1">
+            <a:schemeClr val="accent1"/>
+          </a:lnRef>
+          <a:fillRef idx="0">
+            <a:schemeClr val="accent1"/>
+          </a:fillRef>
+          <a:effectRef idx="0">
+            <a:schemeClr val="accent1"/>
+          </a:effectRef>
+          <a:fontRef idx="minor">
+            <a:schemeClr val="tx1"/>
+          </a:fontRef>
+        </p:style>
+      </p:cxnSp>
+      <p:cxnSp>
+        <p:nvCxnSpPr>
+          <p:cNvPr id="697" name="Соединительная линия уступом 696"/>
+          <p:cNvCxnSpPr>
+            <a:stCxn id="646" idx="2"/>
+            <a:endCxn id="111" idx="0"/>
+          </p:cNvCxnSpPr>
+          <p:nvPr/>
+        </p:nvCxnSpPr>
+        <p:spPr>
+          <a:xfrm rot="5400000">
+            <a:off x="31607481" y="2939536"/>
+            <a:ext cx="226793" cy="8275299"/>
+          </a:xfrm>
+          <a:prstGeom prst="bentConnector3">
+            <a:avLst>
+              <a:gd name="adj1" fmla="val 50000"/>
+            </a:avLst>
+          </a:prstGeom>
+          <a:ln w="19050">
+            <a:tailEnd type="arrow"/>
+          </a:ln>
+        </p:spPr>
+        <p:style>
+          <a:lnRef idx="1">
+            <a:schemeClr val="accent1"/>
+          </a:lnRef>
+          <a:fillRef idx="0">
+            <a:schemeClr val="accent1"/>
+          </a:fillRef>
+          <a:effectRef idx="0">
+            <a:schemeClr val="accent1"/>
+          </a:effectRef>
+          <a:fontRef idx="minor">
+            <a:schemeClr val="tx1"/>
+          </a:fontRef>
+        </p:style>
+      </p:cxnSp>
+      <p:cxnSp>
+        <p:nvCxnSpPr>
+          <p:cNvPr id="699" name="Соединительная линия уступом 698"/>
+          <p:cNvCxnSpPr>
+            <a:stCxn id="646" idx="2"/>
+            <a:endCxn id="632" idx="0"/>
+          </p:cNvCxnSpPr>
+          <p:nvPr/>
+        </p:nvCxnSpPr>
+        <p:spPr>
+          <a:xfrm rot="5400000">
+            <a:off x="34083444" y="5414943"/>
+            <a:ext cx="226237" cy="3323929"/>
+          </a:xfrm>
+          <a:prstGeom prst="bentConnector3">
+            <a:avLst>
+              <a:gd name="adj1" fmla="val 50000"/>
+            </a:avLst>
+          </a:prstGeom>
+          <a:ln w="19050">
+            <a:tailEnd type="arrow"/>
+          </a:ln>
+        </p:spPr>
+        <p:style>
+          <a:lnRef idx="1">
+            <a:schemeClr val="accent1"/>
+          </a:lnRef>
+          <a:fillRef idx="0">
+            <a:schemeClr val="accent1"/>
+          </a:fillRef>
+          <a:effectRef idx="0">
+            <a:schemeClr val="accent1"/>
+          </a:effectRef>
+          <a:fontRef idx="minor">
+            <a:schemeClr val="tx1"/>
+          </a:fontRef>
+        </p:style>
+      </p:cxnSp>
+      <p:cxnSp>
+        <p:nvCxnSpPr>
+          <p:cNvPr id="702" name="Соединительная линия уступом 701"/>
+          <p:cNvCxnSpPr>
+            <a:stCxn id="646" idx="2"/>
+            <a:endCxn id="678" idx="0"/>
+          </p:cNvCxnSpPr>
+          <p:nvPr/>
+        </p:nvCxnSpPr>
+        <p:spPr>
+          <a:xfrm rot="16200000" flipH="1">
+            <a:off x="37685248" y="5137066"/>
+            <a:ext cx="231793" cy="3885237"/>
+          </a:xfrm>
+          <a:prstGeom prst="bentConnector3">
+            <a:avLst>
+              <a:gd name="adj1" fmla="val 50000"/>
+            </a:avLst>
+          </a:prstGeom>
+          <a:ln w="19050">
+            <a:tailEnd type="arrow"/>
+          </a:ln>
+        </p:spPr>
+        <p:style>
+          <a:lnRef idx="1">
+            <a:schemeClr val="accent1"/>
+          </a:lnRef>
+          <a:fillRef idx="0">
+            <a:schemeClr val="accent1"/>
+          </a:fillRef>
+          <a:effectRef idx="0">
+            <a:schemeClr val="accent1"/>
+          </a:effectRef>
+          <a:fontRef idx="minor">
+            <a:schemeClr val="tx1"/>
+          </a:fontRef>
+        </p:style>
+      </p:cxnSp>
+      <p:sp>
+        <p:nvSpPr>
+          <p:cNvPr id="708" name="Прямоугольник 707"/>
+          <p:cNvSpPr/>
+          <p:nvPr/>
+        </p:nvSpPr>
+        <p:spPr>
+          <a:xfrm>
+            <a:off x="35396540" y="4918884"/>
+            <a:ext cx="926325" cy="540000"/>
+          </a:xfrm>
+          <a:prstGeom prst="rect">
+            <a:avLst/>
+          </a:prstGeom>
+          <a:solidFill>
+            <a:schemeClr val="bg1">
+              <a:lumMod val="50000"/>
+            </a:schemeClr>
+          </a:solidFill>
+          <a:ln w="19050"/>
+        </p:spPr>
+        <p:style>
+          <a:lnRef idx="2">
+            <a:schemeClr val="accent1"/>
+          </a:lnRef>
+          <a:fillRef idx="1">
+            <a:schemeClr val="lt1"/>
+          </a:fillRef>
+          <a:effectRef idx="0">
+            <a:schemeClr val="accent1"/>
+          </a:effectRef>
+          <a:fontRef idx="minor">
+            <a:schemeClr val="dk1"/>
+          </a:fontRef>
+        </p:style>
+        <p:txBody>
+          <a:bodyPr lIns="124733" tIns="62367" rIns="124733" bIns="62367" rtlCol="0" anchor="ctr"/>
+          <a:lstStyle/>
+          <a:p>
+            <a:pPr algn="ctr"/>
+            <a:r>
+              <a:rPr lang="ru-RU" sz="700" dirty="0" smtClean="0"/>
+              <a:t>Марш в Мадриде</a:t>
+            </a:r>
+            <a:endParaRPr lang="ru-RU" sz="700" dirty="0"/>
+          </a:p>
+        </p:txBody>
+      </p:sp>
+      <p:cxnSp>
+        <p:nvCxnSpPr>
+          <p:cNvPr id="711" name="Прямая со стрелкой 710"/>
+          <p:cNvCxnSpPr>
+            <a:stCxn id="627" idx="2"/>
+            <a:endCxn id="708" idx="0"/>
+          </p:cNvCxnSpPr>
+          <p:nvPr/>
+        </p:nvCxnSpPr>
+        <p:spPr>
+          <a:xfrm>
+            <a:off x="35858527" y="3929218"/>
+            <a:ext cx="1176" cy="989666"/>
+          </a:xfrm>
+          <a:prstGeom prst="straightConnector1">
+            <a:avLst/>
+          </a:prstGeom>
+          <a:ln w="19050">
+            <a:tailEnd type="arrow"/>
+          </a:ln>
+        </p:spPr>
+        <p:style>
+          <a:lnRef idx="1">
+            <a:schemeClr val="accent1"/>
+          </a:lnRef>
+          <a:fillRef idx="0">
+            <a:schemeClr val="accent1"/>
+          </a:fillRef>
+          <a:effectRef idx="0">
+            <a:schemeClr val="accent1"/>
+          </a:effectRef>
+          <a:fontRef idx="minor">
+            <a:schemeClr val="tx1"/>
+          </a:fontRef>
+        </p:style>
+      </p:cxnSp>
+      <p:cxnSp>
+        <p:nvCxnSpPr>
+          <p:cNvPr id="715" name="Прямая соединительная линия 714"/>
+          <p:cNvCxnSpPr>
+            <a:stCxn id="678" idx="1"/>
+            <a:endCxn id="639" idx="3"/>
+          </p:cNvCxnSpPr>
+          <p:nvPr/>
+        </p:nvCxnSpPr>
+        <p:spPr>
+          <a:xfrm flipH="1" flipV="1">
+            <a:off x="36322584" y="7460026"/>
+            <a:ext cx="2958016" cy="5556"/>
+          </a:xfrm>
+          <a:prstGeom prst="line">
+            <a:avLst/>
+          </a:prstGeom>
+          <a:ln w="19050">
+            <a:solidFill>
+              <a:srgbClr val="FF0000"/>
+            </a:solidFill>
+          </a:ln>
+        </p:spPr>
+        <p:style>
+          <a:lnRef idx="1">
+            <a:schemeClr val="accent1"/>
+          </a:lnRef>
+          <a:fillRef idx="0">
+            <a:schemeClr val="accent1"/>
+          </a:fillRef>
+          <a:effectRef idx="0">
+            <a:schemeClr val="accent1"/>
+          </a:effectRef>
+          <a:fontRef idx="minor">
+            <a:schemeClr val="tx1"/>
+          </a:fontRef>
+        </p:style>
+      </p:cxnSp>
+      <p:sp>
+        <p:nvSpPr>
+          <p:cNvPr id="717" name="Прямоугольник 716"/>
+          <p:cNvSpPr/>
+          <p:nvPr/>
+        </p:nvSpPr>
+        <p:spPr>
+          <a:xfrm>
+            <a:off x="33686842" y="4124327"/>
+            <a:ext cx="926325" cy="540000"/>
+          </a:xfrm>
+          <a:prstGeom prst="rect">
+            <a:avLst/>
+          </a:prstGeom>
+          <a:solidFill>
+            <a:schemeClr val="bg1">
+              <a:lumMod val="50000"/>
+            </a:schemeClr>
+          </a:solidFill>
+          <a:ln w="19050"/>
+        </p:spPr>
+        <p:style>
+          <a:lnRef idx="2">
+            <a:schemeClr val="accent1"/>
+          </a:lnRef>
+          <a:fillRef idx="1">
+            <a:schemeClr val="lt1"/>
+          </a:fillRef>
+          <a:effectRef idx="0">
+            <a:schemeClr val="accent1"/>
+          </a:effectRef>
+          <a:fontRef idx="minor">
+            <a:schemeClr val="dk1"/>
+          </a:fontRef>
+        </p:style>
+        <p:txBody>
+          <a:bodyPr lIns="124733" tIns="62367" rIns="124733" bIns="62367" rtlCol="0" anchor="ctr"/>
+          <a:lstStyle/>
+          <a:p>
+            <a:pPr algn="ctr"/>
+            <a:r>
+              <a:rPr lang="ru-RU" sz="700" dirty="0" smtClean="0"/>
+              <a:t>Свернуть секуляризацию (наше)</a:t>
+            </a:r>
+            <a:endParaRPr lang="ru-RU" sz="700" dirty="0"/>
+          </a:p>
+        </p:txBody>
+      </p:sp>
+      <p:cxnSp>
+        <p:nvCxnSpPr>
+          <p:cNvPr id="718" name="Соединительная линия уступом 717"/>
+          <p:cNvCxnSpPr>
+            <a:stCxn id="618" idx="2"/>
+            <a:endCxn id="717" idx="0"/>
+          </p:cNvCxnSpPr>
+          <p:nvPr/>
+        </p:nvCxnSpPr>
+        <p:spPr>
+          <a:xfrm rot="5400000">
+            <a:off x="34350322" y="3734055"/>
+            <a:ext cx="189956" cy="590589"/>
+          </a:xfrm>
+          <a:prstGeom prst="bentConnector3">
+            <a:avLst>
+              <a:gd name="adj1" fmla="val 50000"/>
+            </a:avLst>
+          </a:prstGeom>
+          <a:ln w="19050">
+            <a:tailEnd type="arrow"/>
+          </a:ln>
+        </p:spPr>
+        <p:style>
+          <a:lnRef idx="1">
+            <a:schemeClr val="accent1"/>
+          </a:lnRef>
+          <a:fillRef idx="0">
+            <a:schemeClr val="accent1"/>
+          </a:fillRef>
+          <a:effectRef idx="0">
+            <a:schemeClr val="accent1"/>
+          </a:effectRef>
+          <a:fontRef idx="minor">
+            <a:schemeClr val="tx1"/>
+          </a:fontRef>
+        </p:style>
+      </p:cxnSp>
+      <p:cxnSp>
+        <p:nvCxnSpPr>
+          <p:cNvPr id="721" name="Соединительная линия уступом 720"/>
+          <p:cNvCxnSpPr>
+            <a:stCxn id="628" idx="2"/>
+            <a:endCxn id="637" idx="0"/>
+          </p:cNvCxnSpPr>
+          <p:nvPr/>
+        </p:nvCxnSpPr>
+        <p:spPr>
+          <a:xfrm rot="16200000" flipH="1">
+            <a:off x="37177464" y="3733366"/>
+            <a:ext cx="170107" cy="572116"/>
+          </a:xfrm>
+          <a:prstGeom prst="bentConnector3">
+            <a:avLst>
+              <a:gd name="adj1" fmla="val 50000"/>
+            </a:avLst>
+          </a:prstGeom>
+          <a:ln w="19050">
+            <a:tailEnd type="arrow"/>
+          </a:ln>
+        </p:spPr>
+        <p:style>
+          <a:lnRef idx="1">
+            <a:schemeClr val="accent1"/>
+          </a:lnRef>
+          <a:fillRef idx="0">
+            <a:schemeClr val="accent1"/>
+          </a:fillRef>
+          <a:effectRef idx="0">
+            <a:schemeClr val="accent1"/>
+          </a:effectRef>
+          <a:fontRef idx="minor">
+            <a:schemeClr val="tx1"/>
+          </a:fontRef>
+        </p:style>
+      </p:cxnSp>
+      <p:sp>
+        <p:nvSpPr>
+          <p:cNvPr id="723" name="Прямоугольник 722"/>
+          <p:cNvSpPr/>
+          <p:nvPr/>
+        </p:nvSpPr>
+        <p:spPr>
+          <a:xfrm>
+            <a:off x="37085411" y="5690361"/>
+            <a:ext cx="926325" cy="540000"/>
+          </a:xfrm>
+          <a:prstGeom prst="rect">
+            <a:avLst/>
+          </a:prstGeom>
+          <a:solidFill>
+            <a:schemeClr val="bg1">
+              <a:lumMod val="50000"/>
+            </a:schemeClr>
+          </a:solidFill>
+          <a:ln w="19050"/>
+        </p:spPr>
+        <p:style>
+          <a:lnRef idx="2">
+            <a:schemeClr val="accent1"/>
+          </a:lnRef>
+          <a:fillRef idx="1">
+            <a:schemeClr val="lt1"/>
+          </a:fillRef>
+          <a:effectRef idx="0">
+            <a:schemeClr val="accent1"/>
+          </a:effectRef>
+          <a:fontRef idx="minor">
+            <a:schemeClr val="dk1"/>
+          </a:fontRef>
+        </p:style>
+        <p:txBody>
+          <a:bodyPr lIns="124733" tIns="62367" rIns="124733" bIns="62367" rtlCol="0" anchor="ctr"/>
+          <a:lstStyle/>
+          <a:p>
+            <a:pPr algn="ctr"/>
+            <a:r>
+              <a:rPr lang="ru-RU" sz="700" dirty="0" smtClean="0"/>
+              <a:t>Введение прогрессивного налога (наше)</a:t>
+            </a:r>
+            <a:endParaRPr lang="ru-RU" sz="700" dirty="0"/>
+          </a:p>
+        </p:txBody>
+      </p:sp>
+      <p:cxnSp>
+        <p:nvCxnSpPr>
+          <p:cNvPr id="724" name="Соединительная линия уступом 723"/>
+          <p:cNvCxnSpPr>
+            <a:stCxn id="647" idx="2"/>
+            <a:endCxn id="723" idx="0"/>
+          </p:cNvCxnSpPr>
+          <p:nvPr/>
+        </p:nvCxnSpPr>
+        <p:spPr>
+          <a:xfrm rot="16200000" flipH="1">
+            <a:off x="37146778" y="5288564"/>
+            <a:ext cx="231477" cy="572115"/>
+          </a:xfrm>
+          <a:prstGeom prst="bentConnector3">
+            <a:avLst>
+              <a:gd name="adj1" fmla="val 50000"/>
+            </a:avLst>
+          </a:prstGeom>
+          <a:ln w="19050">
+            <a:tailEnd type="arrow"/>
+          </a:ln>
+        </p:spPr>
+        <p:style>
+          <a:lnRef idx="1">
+            <a:schemeClr val="accent1"/>
+          </a:lnRef>
+          <a:fillRef idx="0">
+            <a:schemeClr val="accent1"/>
+          </a:fillRef>
+          <a:effectRef idx="0">
+            <a:schemeClr val="accent1"/>
+          </a:effectRef>
+          <a:fontRef idx="minor">
+            <a:schemeClr val="tx1"/>
+          </a:fontRef>
+        </p:style>
+      </p:cxnSp>
+      <p:cxnSp>
+        <p:nvCxnSpPr>
+          <p:cNvPr id="727" name="Соединительная линия уступом 726"/>
+          <p:cNvCxnSpPr>
+            <a:stCxn id="647" idx="2"/>
+            <a:endCxn id="634" idx="0"/>
+          </p:cNvCxnSpPr>
+          <p:nvPr/>
+        </p:nvCxnSpPr>
+        <p:spPr>
+          <a:xfrm rot="5400000">
+            <a:off x="36582245" y="5300036"/>
+            <a:ext cx="235366" cy="553063"/>
+          </a:xfrm>
+          <a:prstGeom prst="bentConnector3">
+            <a:avLst>
+              <a:gd name="adj1" fmla="val 50000"/>
+            </a:avLst>
+          </a:prstGeom>
+          <a:ln w="19050">
+            <a:tailEnd type="arrow"/>
+          </a:ln>
+        </p:spPr>
+        <p:style>
+          <a:lnRef idx="1">
+            <a:schemeClr val="accent1"/>
+          </a:lnRef>
+          <a:fillRef idx="0">
+            <a:schemeClr val="accent1"/>
+          </a:fillRef>
+          <a:effectRef idx="0">
+            <a:schemeClr val="accent1"/>
+          </a:effectRef>
+          <a:fontRef idx="minor">
+            <a:schemeClr val="tx1"/>
+          </a:fontRef>
+        </p:style>
+      </p:cxnSp>
+      <p:sp>
+        <p:nvSpPr>
+          <p:cNvPr id="730" name="Прямоугольник 729"/>
+          <p:cNvSpPr/>
+          <p:nvPr/>
+        </p:nvSpPr>
+        <p:spPr>
+          <a:xfrm>
+            <a:off x="31042422" y="8751368"/>
+            <a:ext cx="926325" cy="540000"/>
+          </a:xfrm>
+          <a:prstGeom prst="rect">
+            <a:avLst/>
+          </a:prstGeom>
+          <a:solidFill>
+            <a:schemeClr val="accent2">
+              <a:lumMod val="75000"/>
+            </a:schemeClr>
+          </a:solidFill>
+          <a:ln w="19050"/>
+        </p:spPr>
+        <p:style>
+          <a:lnRef idx="2">
+            <a:schemeClr val="accent1"/>
+          </a:lnRef>
+          <a:fillRef idx="1">
+            <a:schemeClr val="lt1"/>
+          </a:fillRef>
+          <a:effectRef idx="0">
+            <a:schemeClr val="accent1"/>
+          </a:effectRef>
+          <a:fontRef idx="minor">
+            <a:schemeClr val="dk1"/>
+          </a:fontRef>
+        </p:style>
+        <p:txBody>
+          <a:bodyPr lIns="124733" tIns="62367" rIns="124733" bIns="62367" rtlCol="0" anchor="ctr"/>
+          <a:lstStyle/>
+          <a:p>
+            <a:pPr algn="ctr"/>
+            <a:r>
+              <a:rPr lang="ru-RU" sz="700" dirty="0" smtClean="0"/>
+              <a:t>Строительство авиазавода </a:t>
+            </a:r>
+            <a:r>
+              <a:rPr lang="ru-RU" sz="700" dirty="0"/>
+              <a:t>в </a:t>
+            </a:r>
+            <a:r>
+              <a:rPr lang="ru-RU" sz="700" dirty="0" smtClean="0"/>
+              <a:t>Гвадалахаре</a:t>
+            </a:r>
+            <a:endParaRPr lang="ru-RU" sz="200" dirty="0"/>
+          </a:p>
+        </p:txBody>
+      </p:sp>
+      <p:sp>
+        <p:nvSpPr>
+          <p:cNvPr id="731" name="Прямоугольник 730"/>
+          <p:cNvSpPr/>
+          <p:nvPr/>
+        </p:nvSpPr>
+        <p:spPr>
+          <a:xfrm>
+            <a:off x="29939687" y="8751368"/>
+            <a:ext cx="926325" cy="540000"/>
+          </a:xfrm>
+          <a:prstGeom prst="rect">
+            <a:avLst/>
+          </a:prstGeom>
+          <a:solidFill>
+            <a:schemeClr val="accent2">
+              <a:lumMod val="75000"/>
+            </a:schemeClr>
+          </a:solidFill>
+          <a:ln w="19050"/>
+        </p:spPr>
+        <p:style>
+          <a:lnRef idx="2">
+            <a:schemeClr val="accent1"/>
+          </a:lnRef>
+          <a:fillRef idx="1">
+            <a:schemeClr val="lt1"/>
+          </a:fillRef>
+          <a:effectRef idx="0">
+            <a:schemeClr val="accent1"/>
+          </a:effectRef>
+          <a:fontRef idx="minor">
+            <a:schemeClr val="dk1"/>
+          </a:fontRef>
+        </p:style>
+        <p:txBody>
+          <a:bodyPr lIns="124733" tIns="62367" rIns="124733" bIns="62367" rtlCol="0" anchor="ctr"/>
+          <a:lstStyle/>
+          <a:p>
+            <a:pPr algn="ctr"/>
+            <a:r>
+              <a:rPr lang="ru-RU" sz="700" dirty="0" smtClean="0"/>
+              <a:t>Расширение оружейного завода в Толедо</a:t>
+            </a:r>
+            <a:endParaRPr lang="ru-RU" sz="700" dirty="0"/>
+          </a:p>
+        </p:txBody>
+      </p:sp>
+      <p:sp>
+        <p:nvSpPr>
+          <p:cNvPr id="734" name="Прямоугольник 733"/>
+          <p:cNvSpPr/>
+          <p:nvPr/>
+        </p:nvSpPr>
+        <p:spPr>
+          <a:xfrm>
+            <a:off x="33183026" y="10254642"/>
+            <a:ext cx="926325" cy="540000"/>
+          </a:xfrm>
+          <a:prstGeom prst="rect">
+            <a:avLst/>
+          </a:prstGeom>
+          <a:solidFill>
+            <a:schemeClr val="accent2">
+              <a:lumMod val="75000"/>
+            </a:schemeClr>
+          </a:solidFill>
+          <a:ln w="19050"/>
+        </p:spPr>
+        <p:style>
+          <a:lnRef idx="2">
+            <a:schemeClr val="accent1"/>
+          </a:lnRef>
+          <a:fillRef idx="1">
+            <a:schemeClr val="lt1"/>
+          </a:fillRef>
+          <a:effectRef idx="0">
+            <a:schemeClr val="accent1"/>
+          </a:effectRef>
+          <a:fontRef idx="minor">
+            <a:schemeClr val="dk1"/>
+          </a:fontRef>
+        </p:style>
+        <p:txBody>
+          <a:bodyPr lIns="124733" tIns="62367" rIns="124733" bIns="62367" rtlCol="0" anchor="ctr"/>
+          <a:lstStyle/>
+          <a:p>
+            <a:pPr algn="ctr"/>
+            <a:r>
+              <a:rPr lang="ru-RU" sz="700" dirty="0"/>
+              <a:t>Единая и справедливая Испанская Империя!</a:t>
+            </a:r>
+          </a:p>
+        </p:txBody>
+      </p:sp>
+      <p:sp>
+        <p:nvSpPr>
+          <p:cNvPr id="738" name="Прямоугольник 737"/>
+          <p:cNvSpPr/>
+          <p:nvPr/>
+        </p:nvSpPr>
+        <p:spPr>
+          <a:xfrm>
+            <a:off x="30497636" y="7993712"/>
+            <a:ext cx="926325" cy="540000"/>
+          </a:xfrm>
+          <a:prstGeom prst="rect">
+            <a:avLst/>
+          </a:prstGeom>
+          <a:solidFill>
+            <a:schemeClr val="accent2">
+              <a:lumMod val="75000"/>
+            </a:schemeClr>
+          </a:solidFill>
+          <a:ln w="19050"/>
+        </p:spPr>
+        <p:style>
+          <a:lnRef idx="2">
+            <a:schemeClr val="accent1"/>
+          </a:lnRef>
+          <a:fillRef idx="1">
+            <a:schemeClr val="lt1"/>
+          </a:fillRef>
+          <a:effectRef idx="0">
+            <a:schemeClr val="accent1"/>
+          </a:effectRef>
+          <a:fontRef idx="minor">
+            <a:schemeClr val="dk1"/>
+          </a:fontRef>
+        </p:style>
+        <p:txBody>
+          <a:bodyPr lIns="124733" tIns="62367" rIns="124733" bIns="62367" rtlCol="0" anchor="ctr"/>
+          <a:lstStyle/>
+          <a:p>
+            <a:pPr algn="ctr"/>
+            <a:r>
+              <a:rPr lang="ru-RU" sz="700" dirty="0" smtClean="0"/>
+              <a:t>Оснащение современными касками </a:t>
+            </a:r>
+            <a:r>
+              <a:rPr lang="ru-RU" sz="300" dirty="0" smtClean="0"/>
+              <a:t>(</a:t>
+            </a:r>
+            <a:r>
+              <a:rPr lang="ru-RU" sz="100" dirty="0"/>
+              <a:t>За те скудные восемь месяцев, что длится его служение, он достигает минимального перевооружения, оснащая подразделения боевыми касками, планируя авиазавод в Гвадалахаре и укрепляя оружейный завод Толедо , включая 350 рабочих, которые будут производить 800 000 патронов в день</a:t>
+            </a:r>
+            <a:r>
+              <a:rPr lang="ru-RU" sz="100" dirty="0" smtClean="0"/>
+              <a:t>.)</a:t>
+            </a:r>
+            <a:endParaRPr lang="ru-RU" sz="100" dirty="0"/>
+          </a:p>
+        </p:txBody>
+      </p:sp>
+      <p:cxnSp>
+        <p:nvCxnSpPr>
+          <p:cNvPr id="740" name="Соединительная линия уступом 739"/>
+          <p:cNvCxnSpPr>
+            <a:stCxn id="632" idx="2"/>
+            <a:endCxn id="738" idx="0"/>
+          </p:cNvCxnSpPr>
+          <p:nvPr/>
+        </p:nvCxnSpPr>
+        <p:spPr>
+          <a:xfrm rot="5400000">
+            <a:off x="31615855" y="7074970"/>
+            <a:ext cx="263686" cy="1573798"/>
+          </a:xfrm>
+          <a:prstGeom prst="bentConnector3">
+            <a:avLst>
+              <a:gd name="adj1" fmla="val 50000"/>
+            </a:avLst>
+          </a:prstGeom>
+          <a:ln w="19050">
+            <a:tailEnd type="arrow"/>
+          </a:ln>
+        </p:spPr>
+        <p:style>
+          <a:lnRef idx="1">
+            <a:schemeClr val="accent1"/>
+          </a:lnRef>
+          <a:fillRef idx="0">
+            <a:schemeClr val="accent1"/>
+          </a:fillRef>
+          <a:effectRef idx="0">
+            <a:schemeClr val="accent1"/>
+          </a:effectRef>
+          <a:fontRef idx="minor">
+            <a:schemeClr val="tx1"/>
+          </a:fontRef>
+        </p:style>
+      </p:cxnSp>
+      <p:cxnSp>
+        <p:nvCxnSpPr>
+          <p:cNvPr id="741" name="Соединительная линия уступом 740"/>
+          <p:cNvCxnSpPr>
+            <a:stCxn id="738" idx="2"/>
+            <a:endCxn id="731" idx="0"/>
+          </p:cNvCxnSpPr>
+          <p:nvPr/>
+        </p:nvCxnSpPr>
+        <p:spPr>
+          <a:xfrm rot="5400000">
+            <a:off x="30572997" y="8363566"/>
+            <a:ext cx="217656" cy="557949"/>
+          </a:xfrm>
+          <a:prstGeom prst="bentConnector3">
+            <a:avLst>
+              <a:gd name="adj1" fmla="val 50000"/>
+            </a:avLst>
+          </a:prstGeom>
+          <a:ln w="19050">
+            <a:tailEnd type="arrow"/>
+          </a:ln>
+        </p:spPr>
+        <p:style>
+          <a:lnRef idx="1">
+            <a:schemeClr val="accent1"/>
+          </a:lnRef>
+          <a:fillRef idx="0">
+            <a:schemeClr val="accent1"/>
+          </a:fillRef>
+          <a:effectRef idx="0">
+            <a:schemeClr val="accent1"/>
+          </a:effectRef>
+          <a:fontRef idx="minor">
+            <a:schemeClr val="tx1"/>
+          </a:fontRef>
+        </p:style>
+      </p:cxnSp>
+      <p:cxnSp>
+        <p:nvCxnSpPr>
+          <p:cNvPr id="746" name="Соединительная линия уступом 745"/>
+          <p:cNvCxnSpPr>
+            <a:stCxn id="738" idx="2"/>
+            <a:endCxn id="730" idx="0"/>
+          </p:cNvCxnSpPr>
+          <p:nvPr/>
+        </p:nvCxnSpPr>
+        <p:spPr>
+          <a:xfrm rot="16200000" flipH="1">
+            <a:off x="31124364" y="8370147"/>
+            <a:ext cx="217656" cy="544786"/>
+          </a:xfrm>
+          <a:prstGeom prst="bentConnector3">
+            <a:avLst>
+              <a:gd name="adj1" fmla="val 50000"/>
+            </a:avLst>
+          </a:prstGeom>
+          <a:ln w="19050">
+            <a:tailEnd type="arrow"/>
+          </a:ln>
+        </p:spPr>
+        <p:style>
+          <a:lnRef idx="1">
+            <a:schemeClr val="accent1"/>
+          </a:lnRef>
+          <a:fillRef idx="0">
+            <a:schemeClr val="accent1"/>
+          </a:fillRef>
+          <a:effectRef idx="0">
+            <a:schemeClr val="accent1"/>
+          </a:effectRef>
+          <a:fontRef idx="minor">
+            <a:schemeClr val="tx1"/>
+          </a:fontRef>
+        </p:style>
+      </p:cxnSp>
+      <p:cxnSp>
+        <p:nvCxnSpPr>
+          <p:cNvPr id="747" name="Прямая со стрелкой 746"/>
+          <p:cNvCxnSpPr>
+            <a:stCxn id="632" idx="2"/>
+            <a:endCxn id="683" idx="0"/>
+          </p:cNvCxnSpPr>
+          <p:nvPr/>
+        </p:nvCxnSpPr>
+        <p:spPr>
+          <a:xfrm flipH="1">
+            <a:off x="32534596" y="7730026"/>
+            <a:ext cx="1" cy="239739"/>
+          </a:xfrm>
+          <a:prstGeom prst="straightConnector1">
+            <a:avLst/>
+          </a:prstGeom>
+          <a:ln w="19050">
+            <a:tailEnd type="arrow"/>
+          </a:ln>
+        </p:spPr>
+        <p:style>
+          <a:lnRef idx="1">
+            <a:schemeClr val="accent1"/>
+          </a:lnRef>
+          <a:fillRef idx="0">
+            <a:schemeClr val="accent1"/>
+          </a:fillRef>
+          <a:effectRef idx="0">
+            <a:schemeClr val="accent1"/>
+          </a:effectRef>
+          <a:fontRef idx="minor">
+            <a:schemeClr val="tx1"/>
+          </a:fontRef>
+        </p:style>
+      </p:cxnSp>
+      <p:cxnSp>
+        <p:nvCxnSpPr>
+          <p:cNvPr id="753" name="Прямая со стрелкой 752"/>
+          <p:cNvCxnSpPr>
+            <a:stCxn id="683" idx="2"/>
+            <a:endCxn id="684" idx="0"/>
+          </p:cNvCxnSpPr>
+          <p:nvPr/>
+        </p:nvCxnSpPr>
+        <p:spPr>
+          <a:xfrm>
+            <a:off x="32534596" y="8509765"/>
+            <a:ext cx="0" cy="241603"/>
+          </a:xfrm>
+          <a:prstGeom prst="straightConnector1">
+            <a:avLst/>
+          </a:prstGeom>
+          <a:ln w="19050">
+            <a:prstDash val="dash"/>
+            <a:tailEnd type="arrow"/>
+          </a:ln>
+        </p:spPr>
+        <p:style>
+          <a:lnRef idx="1">
+            <a:schemeClr val="accent1"/>
+          </a:lnRef>
+          <a:fillRef idx="0">
+            <a:schemeClr val="accent1"/>
+          </a:fillRef>
+          <a:effectRef idx="0">
+            <a:schemeClr val="accent1"/>
+          </a:effectRef>
+          <a:fontRef idx="minor">
+            <a:schemeClr val="tx1"/>
+          </a:fontRef>
+        </p:style>
+      </p:cxnSp>
+      <p:sp>
+        <p:nvSpPr>
+          <p:cNvPr id="756" name="Прямоугольник 755"/>
+          <p:cNvSpPr/>
+          <p:nvPr/>
+        </p:nvSpPr>
+        <p:spPr>
+          <a:xfrm>
+            <a:off x="33181497" y="8751368"/>
+            <a:ext cx="926325" cy="540000"/>
+          </a:xfrm>
+          <a:prstGeom prst="rect">
+            <a:avLst/>
+          </a:prstGeom>
+          <a:solidFill>
+            <a:schemeClr val="accent2">
+              <a:lumMod val="75000"/>
+            </a:schemeClr>
+          </a:solidFill>
+          <a:ln w="19050"/>
+        </p:spPr>
+        <p:style>
+          <a:lnRef idx="2">
+            <a:schemeClr val="accent1"/>
+          </a:lnRef>
+          <a:fillRef idx="1">
+            <a:schemeClr val="lt1"/>
+          </a:fillRef>
+          <a:effectRef idx="0">
+            <a:schemeClr val="accent1"/>
+          </a:effectRef>
+          <a:fontRef idx="minor">
+            <a:schemeClr val="dk1"/>
+          </a:fontRef>
+        </p:style>
+        <p:txBody>
+          <a:bodyPr lIns="124733" tIns="62367" rIns="124733" bIns="62367" rtlCol="0" anchor="ctr"/>
+          <a:lstStyle/>
+          <a:p>
+            <a:pPr algn="ctr"/>
+            <a:r>
+              <a:rPr lang="ru-RU" sz="700" dirty="0" smtClean="0"/>
+              <a:t>Собственный альянс</a:t>
+            </a:r>
+            <a:endParaRPr lang="ru-RU" sz="700" dirty="0"/>
+          </a:p>
+        </p:txBody>
+      </p:sp>
+      <p:cxnSp>
+        <p:nvCxnSpPr>
+          <p:cNvPr id="757" name="Соединительная линия уступом 756"/>
+          <p:cNvCxnSpPr>
+            <a:stCxn id="683" idx="2"/>
+            <a:endCxn id="756" idx="0"/>
+          </p:cNvCxnSpPr>
+          <p:nvPr/>
+        </p:nvCxnSpPr>
+        <p:spPr>
+          <a:xfrm rot="16200000" flipH="1">
+            <a:off x="32968827" y="8075534"/>
+            <a:ext cx="241603" cy="1110064"/>
+          </a:xfrm>
+          <a:prstGeom prst="bentConnector3">
+            <a:avLst>
+              <a:gd name="adj1" fmla="val 50000"/>
+            </a:avLst>
+          </a:prstGeom>
+          <a:ln w="19050">
+            <a:prstDash val="dash"/>
+            <a:tailEnd type="arrow"/>
+          </a:ln>
+        </p:spPr>
+        <p:style>
+          <a:lnRef idx="1">
+            <a:schemeClr val="accent1"/>
+          </a:lnRef>
+          <a:fillRef idx="0">
+            <a:schemeClr val="accent1"/>
+          </a:fillRef>
+          <a:effectRef idx="0">
+            <a:schemeClr val="accent1"/>
+          </a:effectRef>
+          <a:fontRef idx="minor">
+            <a:schemeClr val="tx1"/>
+          </a:fontRef>
+        </p:style>
+      </p:cxnSp>
+      <p:cxnSp>
+        <p:nvCxnSpPr>
+          <p:cNvPr id="760" name="Прямая соединительная линия 759"/>
+          <p:cNvCxnSpPr>
+            <a:stCxn id="684" idx="3"/>
+            <a:endCxn id="756" idx="1"/>
+          </p:cNvCxnSpPr>
+          <p:nvPr/>
+        </p:nvCxnSpPr>
+        <p:spPr>
+          <a:xfrm>
+            <a:off x="32997758" y="9021368"/>
+            <a:ext cx="183739" cy="0"/>
+          </a:xfrm>
+          <a:prstGeom prst="line">
+            <a:avLst/>
+          </a:prstGeom>
+          <a:ln w="19050">
+            <a:solidFill>
+              <a:srgbClr val="FF0000"/>
+            </a:solidFill>
+          </a:ln>
+        </p:spPr>
+        <p:style>
+          <a:lnRef idx="1">
+            <a:schemeClr val="accent1"/>
+          </a:lnRef>
+          <a:fillRef idx="0">
+            <a:schemeClr val="accent1"/>
+          </a:fillRef>
+          <a:effectRef idx="0">
+            <a:schemeClr val="accent1"/>
+          </a:effectRef>
+          <a:fontRef idx="minor">
+            <a:schemeClr val="tx1"/>
+          </a:fontRef>
+        </p:style>
+      </p:cxnSp>
+      <p:sp>
+        <p:nvSpPr>
+          <p:cNvPr id="763" name="Прямоугольник 762"/>
+          <p:cNvSpPr/>
+          <p:nvPr/>
+        </p:nvSpPr>
+        <p:spPr>
+          <a:xfrm>
+            <a:off x="38728833" y="8749834"/>
+            <a:ext cx="926325" cy="540000"/>
+          </a:xfrm>
+          <a:prstGeom prst="rect">
+            <a:avLst/>
+          </a:prstGeom>
+          <a:solidFill>
+            <a:schemeClr val="accent1">
+              <a:lumMod val="60000"/>
+              <a:lumOff val="40000"/>
+            </a:schemeClr>
+          </a:solidFill>
+          <a:ln w="19050"/>
+        </p:spPr>
+        <p:style>
+          <a:lnRef idx="2">
+            <a:schemeClr val="accent1"/>
+          </a:lnRef>
+          <a:fillRef idx="1">
+            <a:schemeClr val="lt1"/>
+          </a:fillRef>
+          <a:effectRef idx="0">
+            <a:schemeClr val="accent1"/>
+          </a:effectRef>
+          <a:fontRef idx="minor">
+            <a:schemeClr val="dk1"/>
+          </a:fontRef>
+        </p:style>
+        <p:txBody>
+          <a:bodyPr lIns="124733" tIns="62367" rIns="124733" bIns="62367" rtlCol="0" anchor="ctr"/>
+          <a:lstStyle/>
+          <a:p>
+            <a:pPr algn="ctr"/>
+            <a:r>
+              <a:rPr lang="ru-RU" sz="700" dirty="0"/>
+              <a:t>Аграрная реформа </a:t>
+            </a:r>
+            <a:r>
+              <a:rPr lang="ru-RU" sz="100" dirty="0"/>
+              <a:t>(Он ушел в отставку из-за предложения о законе об аграрной реформе, которое вызвало враждебность со стороны </a:t>
+            </a:r>
+            <a:r>
+              <a:rPr lang="ru-RU" sz="100" dirty="0" err="1"/>
+              <a:t>Bloque</a:t>
+            </a:r>
+            <a:r>
+              <a:rPr lang="ru-RU" sz="100" dirty="0"/>
+              <a:t> </a:t>
+            </a:r>
+            <a:r>
+              <a:rPr lang="ru-RU" sz="100" dirty="0" err="1"/>
+              <a:t>Nacional</a:t>
+            </a:r>
+            <a:r>
+              <a:rPr lang="ru-RU" sz="100" dirty="0"/>
+              <a:t> </a:t>
+            </a:r>
+            <a:r>
+              <a:rPr lang="ru-RU" sz="100" dirty="0" err="1"/>
+              <a:t>de</a:t>
+            </a:r>
+            <a:r>
+              <a:rPr lang="ru-RU" sz="100" dirty="0"/>
+              <a:t> </a:t>
+            </a:r>
+            <a:r>
+              <a:rPr lang="ru-RU" sz="100" dirty="0" err="1"/>
+              <a:t>Calvo</a:t>
+            </a:r>
+            <a:r>
+              <a:rPr lang="ru-RU" sz="100" dirty="0"/>
+              <a:t> </a:t>
+            </a:r>
+            <a:r>
+              <a:rPr lang="ru-RU" sz="100" dirty="0" err="1"/>
+              <a:t>Sotelo</a:t>
+            </a:r>
+            <a:r>
+              <a:rPr lang="ru-RU" sz="100" dirty="0"/>
+              <a:t>., поскольку экономические интересы избирателей Блока противоречили социальной доктрине Церкви, которую министр выдвинул для оправдания своей реформистской задачи. Прибыл депутат-монархист, чтобы воскликнуть: «Если ваша светлость намеревается захватить наши земли, опираясь на энциклики, мы станем раскольниками» [ 6 ] [ 7 ], хотя, по мнению историка Виктора </a:t>
+            </a:r>
+            <a:r>
+              <a:rPr lang="ru-RU" sz="100" dirty="0" err="1"/>
+              <a:t>Мануэля</a:t>
+            </a:r>
+            <a:r>
+              <a:rPr lang="ru-RU" sz="100" dirty="0"/>
+              <a:t> </a:t>
+            </a:r>
+            <a:r>
+              <a:rPr lang="ru-RU" sz="100" dirty="0" err="1"/>
+              <a:t>Арбелоа</a:t>
+            </a:r>
+            <a:r>
+              <a:rPr lang="ru-RU" sz="100" dirty="0"/>
+              <a:t>, к тому времени только одна утка будет распространяться</a:t>
+            </a:r>
+            <a:r>
+              <a:rPr lang="ru-RU" sz="100" dirty="0" smtClean="0"/>
+              <a:t>.)</a:t>
+            </a:r>
+            <a:endParaRPr lang="ru-RU" sz="100" dirty="0"/>
+          </a:p>
+        </p:txBody>
+      </p:sp>
+      <p:cxnSp>
+        <p:nvCxnSpPr>
+          <p:cNvPr id="769" name="Прямая со стрелкой 768"/>
+          <p:cNvCxnSpPr>
+            <a:stCxn id="646" idx="2"/>
+            <a:endCxn id="639" idx="0"/>
+          </p:cNvCxnSpPr>
+          <p:nvPr/>
+        </p:nvCxnSpPr>
+        <p:spPr>
+          <a:xfrm>
+            <a:off x="35858526" y="6963789"/>
+            <a:ext cx="896" cy="226237"/>
+          </a:xfrm>
+          <a:prstGeom prst="straightConnector1">
+            <a:avLst/>
+          </a:prstGeom>
+          <a:ln w="19050">
+            <a:tailEnd type="arrow"/>
+          </a:ln>
+        </p:spPr>
+        <p:style>
+          <a:lnRef idx="1">
+            <a:schemeClr val="accent1"/>
+          </a:lnRef>
+          <a:fillRef idx="0">
+            <a:schemeClr val="accent1"/>
+          </a:fillRef>
+          <a:effectRef idx="0">
+            <a:schemeClr val="accent1"/>
+          </a:effectRef>
+          <a:fontRef idx="minor">
+            <a:schemeClr val="tx1"/>
+          </a:fontRef>
+        </p:style>
+      </p:cxnSp>
+      <p:cxnSp>
+        <p:nvCxnSpPr>
+          <p:cNvPr id="770" name="Соединительная линия уступом 769"/>
+          <p:cNvCxnSpPr>
+            <a:stCxn id="772" idx="2"/>
+            <a:endCxn id="773" idx="0"/>
+          </p:cNvCxnSpPr>
+          <p:nvPr/>
+        </p:nvCxnSpPr>
+        <p:spPr>
+          <a:xfrm rot="16200000" flipH="1">
+            <a:off x="39915024" y="8355941"/>
+            <a:ext cx="223524" cy="563693"/>
+          </a:xfrm>
+          <a:prstGeom prst="bentConnector3">
+            <a:avLst>
+              <a:gd name="adj1" fmla="val 50000"/>
+            </a:avLst>
+          </a:prstGeom>
+          <a:ln w="19050">
+            <a:tailEnd type="arrow"/>
+          </a:ln>
+        </p:spPr>
+        <p:style>
+          <a:lnRef idx="1">
+            <a:schemeClr val="accent1"/>
+          </a:lnRef>
+          <a:fillRef idx="0">
+            <a:schemeClr val="accent1"/>
+          </a:fillRef>
+          <a:effectRef idx="0">
+            <a:schemeClr val="accent1"/>
+          </a:effectRef>
+          <a:fontRef idx="minor">
+            <a:schemeClr val="tx1"/>
+          </a:fontRef>
+        </p:style>
+      </p:cxnSp>
+      <p:sp>
+        <p:nvSpPr>
+          <p:cNvPr id="772" name="Прямоугольник 771"/>
+          <p:cNvSpPr/>
+          <p:nvPr/>
+        </p:nvSpPr>
+        <p:spPr>
+          <a:xfrm>
+            <a:off x="39281777" y="7986026"/>
+            <a:ext cx="926325" cy="540000"/>
+          </a:xfrm>
+          <a:prstGeom prst="rect">
+            <a:avLst/>
+          </a:prstGeom>
+          <a:solidFill>
+            <a:schemeClr val="accent1">
+              <a:lumMod val="60000"/>
+              <a:lumOff val="40000"/>
+            </a:schemeClr>
+          </a:solidFill>
+          <a:ln w="19050"/>
+        </p:spPr>
+        <p:style>
+          <a:lnRef idx="2">
+            <a:schemeClr val="accent1"/>
+          </a:lnRef>
+          <a:fillRef idx="1">
+            <a:schemeClr val="lt1"/>
+          </a:fillRef>
+          <a:effectRef idx="0">
+            <a:schemeClr val="accent1"/>
+          </a:effectRef>
+          <a:fontRef idx="minor">
+            <a:schemeClr val="dk1"/>
+          </a:fontRef>
+        </p:style>
+        <p:txBody>
+          <a:bodyPr lIns="124733" tIns="62367" rIns="124733" bIns="62367" rtlCol="0" anchor="ctr"/>
+          <a:lstStyle/>
+          <a:p>
+            <a:pPr algn="ctr"/>
+            <a:r>
+              <a:rPr lang="ru-RU" sz="700" dirty="0" smtClean="0"/>
+              <a:t>Создание Христианско-демократической партии</a:t>
+            </a:r>
+            <a:endParaRPr lang="ru-RU" sz="700" dirty="0"/>
+          </a:p>
+        </p:txBody>
+      </p:sp>
+      <p:sp>
+        <p:nvSpPr>
+          <p:cNvPr id="773" name="Прямоугольник 772"/>
+          <p:cNvSpPr/>
+          <p:nvPr/>
+        </p:nvSpPr>
+        <p:spPr>
+          <a:xfrm>
+            <a:off x="39845470" y="8749550"/>
+            <a:ext cx="926325" cy="540000"/>
+          </a:xfrm>
+          <a:prstGeom prst="rect">
+            <a:avLst/>
+          </a:prstGeom>
+          <a:solidFill>
+            <a:schemeClr val="accent1">
+              <a:lumMod val="60000"/>
+              <a:lumOff val="40000"/>
+            </a:schemeClr>
+          </a:solidFill>
+          <a:ln w="19050"/>
+        </p:spPr>
+        <p:style>
+          <a:lnRef idx="2">
+            <a:schemeClr val="accent1"/>
+          </a:lnRef>
+          <a:fillRef idx="1">
+            <a:schemeClr val="lt1"/>
+          </a:fillRef>
+          <a:effectRef idx="0">
+            <a:schemeClr val="accent1"/>
+          </a:effectRef>
+          <a:fontRef idx="minor">
+            <a:schemeClr val="dk1"/>
+          </a:fontRef>
+        </p:style>
+        <p:txBody>
+          <a:bodyPr lIns="124733" tIns="62367" rIns="124733" bIns="62367" rtlCol="0" anchor="ctr"/>
+          <a:lstStyle/>
+          <a:p>
+            <a:pPr algn="ctr"/>
+            <a:r>
+              <a:rPr lang="ru-RU" sz="700" dirty="0"/>
+              <a:t>Союз демократических сил </a:t>
+            </a:r>
+            <a:r>
+              <a:rPr lang="ru-RU" sz="200" dirty="0"/>
+              <a:t>(они продвигали и подписывали пакт «Союз демократических сил» и вместе с другими оппозиционными силами продвигали так называемый «Союз демократических сил</a:t>
+            </a:r>
+            <a:r>
+              <a:rPr lang="ru-RU" sz="200" dirty="0" smtClean="0"/>
+              <a:t>»)</a:t>
+            </a:r>
+            <a:endParaRPr lang="ru-RU" sz="200" dirty="0"/>
+          </a:p>
+        </p:txBody>
+      </p:sp>
+      <p:cxnSp>
+        <p:nvCxnSpPr>
+          <p:cNvPr id="775" name="Соединительная линия уступом 774"/>
+          <p:cNvCxnSpPr>
+            <a:stCxn id="772" idx="2"/>
+            <a:endCxn id="763" idx="0"/>
+          </p:cNvCxnSpPr>
+          <p:nvPr/>
+        </p:nvCxnSpPr>
+        <p:spPr>
+          <a:xfrm rot="5400000">
+            <a:off x="39356564" y="8361458"/>
+            <a:ext cx="223808" cy="552944"/>
+          </a:xfrm>
+          <a:prstGeom prst="bentConnector3">
+            <a:avLst>
+              <a:gd name="adj1" fmla="val 50000"/>
+            </a:avLst>
+          </a:prstGeom>
+          <a:ln w="19050">
+            <a:tailEnd type="arrow"/>
+          </a:ln>
+        </p:spPr>
+        <p:style>
+          <a:lnRef idx="1">
+            <a:schemeClr val="accent1"/>
+          </a:lnRef>
+          <a:fillRef idx="0">
+            <a:schemeClr val="accent1"/>
+          </a:fillRef>
+          <a:effectRef idx="0">
+            <a:schemeClr val="accent1"/>
+          </a:effectRef>
+          <a:fontRef idx="minor">
+            <a:schemeClr val="tx1"/>
+          </a:fontRef>
+        </p:style>
+      </p:cxnSp>
+      <p:cxnSp>
+        <p:nvCxnSpPr>
+          <p:cNvPr id="783" name="Прямая со стрелкой 782"/>
+          <p:cNvCxnSpPr>
+            <a:stCxn id="678" idx="2"/>
+            <a:endCxn id="772" idx="0"/>
+          </p:cNvCxnSpPr>
+          <p:nvPr/>
+        </p:nvCxnSpPr>
+        <p:spPr>
+          <a:xfrm>
+            <a:off x="39743763" y="7735582"/>
+            <a:ext cx="1177" cy="250444"/>
+          </a:xfrm>
+          <a:prstGeom prst="straightConnector1">
+            <a:avLst/>
+          </a:prstGeom>
+          <a:ln w="19050">
+            <a:tailEnd type="arrow"/>
+          </a:ln>
+        </p:spPr>
+        <p:style>
+          <a:lnRef idx="1">
+            <a:schemeClr val="accent1"/>
+          </a:lnRef>
+          <a:fillRef idx="0">
+            <a:schemeClr val="accent1"/>
+          </a:fillRef>
+          <a:effectRef idx="0">
+            <a:schemeClr val="accent1"/>
+          </a:effectRef>
+          <a:fontRef idx="minor">
+            <a:schemeClr val="tx1"/>
+          </a:fontRef>
+        </p:style>
+      </p:cxnSp>
+      <p:sp>
+        <p:nvSpPr>
+          <p:cNvPr id="786" name="Прямоугольник 785"/>
+          <p:cNvSpPr/>
+          <p:nvPr/>
+        </p:nvSpPr>
+        <p:spPr>
+          <a:xfrm>
+            <a:off x="40969002" y="8749550"/>
+            <a:ext cx="926325" cy="540000"/>
+          </a:xfrm>
+          <a:prstGeom prst="rect">
+            <a:avLst/>
+          </a:prstGeom>
+          <a:solidFill>
+            <a:schemeClr val="accent1">
+              <a:lumMod val="60000"/>
+              <a:lumOff val="40000"/>
+            </a:schemeClr>
+          </a:solidFill>
+          <a:ln w="19050"/>
+        </p:spPr>
+        <p:style>
+          <a:lnRef idx="2">
+            <a:schemeClr val="accent1"/>
+          </a:lnRef>
+          <a:fillRef idx="1">
+            <a:schemeClr val="lt1"/>
+          </a:fillRef>
+          <a:effectRef idx="0">
+            <a:schemeClr val="accent1"/>
+          </a:effectRef>
+          <a:fontRef idx="minor">
+            <a:schemeClr val="dk1"/>
+          </a:fontRef>
+        </p:style>
+        <p:txBody>
+          <a:bodyPr lIns="124733" tIns="62367" rIns="124733" bIns="62367" rtlCol="0" anchor="ctr"/>
+          <a:lstStyle/>
+          <a:p>
+            <a:pPr algn="ctr"/>
+            <a:r>
+              <a:rPr lang="ru-RU" sz="700" dirty="0" smtClean="0"/>
+              <a:t>Вступить в союзники</a:t>
+            </a:r>
+            <a:endParaRPr lang="ru-RU" sz="700" dirty="0"/>
+          </a:p>
+        </p:txBody>
+      </p:sp>
+      <p:cxnSp>
+        <p:nvCxnSpPr>
+          <p:cNvPr id="788" name="Соединительная линия уступом 787"/>
+          <p:cNvCxnSpPr>
+            <a:stCxn id="772" idx="2"/>
+            <a:endCxn id="786" idx="0"/>
+          </p:cNvCxnSpPr>
+          <p:nvPr/>
+        </p:nvCxnSpPr>
+        <p:spPr>
+          <a:xfrm rot="16200000" flipH="1">
+            <a:off x="40476790" y="7794175"/>
+            <a:ext cx="223524" cy="1687225"/>
+          </a:xfrm>
+          <a:prstGeom prst="bentConnector3">
+            <a:avLst>
+              <a:gd name="adj1" fmla="val 50000"/>
+            </a:avLst>
+          </a:prstGeom>
+          <a:ln w="19050">
+            <a:tailEnd type="arrow"/>
+          </a:ln>
+        </p:spPr>
+        <p:style>
+          <a:lnRef idx="1">
+            <a:schemeClr val="accent1"/>
+          </a:lnRef>
+          <a:fillRef idx="0">
+            <a:schemeClr val="accent1"/>
+          </a:fillRef>
+          <a:effectRef idx="0">
+            <a:schemeClr val="accent1"/>
+          </a:effectRef>
+          <a:fontRef idx="minor">
+            <a:schemeClr val="tx1"/>
+          </a:fontRef>
+        </p:style>
+      </p:cxnSp>
+      <p:cxnSp>
+        <p:nvCxnSpPr>
+          <p:cNvPr id="792" name="Прямая соединительная линия 791"/>
+          <p:cNvCxnSpPr>
+            <a:stCxn id="773" idx="3"/>
+            <a:endCxn id="786" idx="1"/>
+          </p:cNvCxnSpPr>
+          <p:nvPr/>
+        </p:nvCxnSpPr>
+        <p:spPr>
+          <a:xfrm>
+            <a:off x="40771795" y="9019550"/>
+            <a:ext cx="197207" cy="0"/>
+          </a:xfrm>
+          <a:prstGeom prst="line">
+            <a:avLst/>
+          </a:prstGeom>
+          <a:ln w="19050">
+            <a:solidFill>
+              <a:srgbClr val="FF0000"/>
+            </a:solidFill>
+          </a:ln>
+        </p:spPr>
+        <p:style>
+          <a:lnRef idx="1">
+            <a:schemeClr val="accent1"/>
+          </a:lnRef>
+          <a:fillRef idx="0">
+            <a:schemeClr val="accent1"/>
+          </a:fillRef>
+          <a:effectRef idx="0">
+            <a:schemeClr val="accent1"/>
+          </a:effectRef>
+          <a:fontRef idx="minor">
+            <a:schemeClr val="tx1"/>
+          </a:fontRef>
+        </p:style>
+      </p:cxnSp>
+      <p:sp>
+        <p:nvSpPr>
+          <p:cNvPr id="794" name="Прямоугольник 793"/>
+          <p:cNvSpPr/>
+          <p:nvPr/>
+        </p:nvSpPr>
+        <p:spPr>
+          <a:xfrm>
+            <a:off x="38158034" y="10260198"/>
+            <a:ext cx="926325" cy="540000"/>
+          </a:xfrm>
+          <a:prstGeom prst="rect">
+            <a:avLst/>
+          </a:prstGeom>
+          <a:solidFill>
+            <a:schemeClr val="accent1">
+              <a:lumMod val="60000"/>
+              <a:lumOff val="40000"/>
+            </a:schemeClr>
+          </a:solidFill>
+          <a:ln w="19050"/>
+        </p:spPr>
+        <p:style>
+          <a:lnRef idx="2">
+            <a:schemeClr val="accent1"/>
+          </a:lnRef>
+          <a:fillRef idx="1">
+            <a:schemeClr val="lt1"/>
+          </a:fillRef>
+          <a:effectRef idx="0">
+            <a:schemeClr val="accent1"/>
+          </a:effectRef>
+          <a:fontRef idx="minor">
+            <a:schemeClr val="dk1"/>
+          </a:fontRef>
+        </p:style>
+        <p:txBody>
+          <a:bodyPr lIns="124733" tIns="62367" rIns="124733" bIns="62367" rtlCol="0" anchor="ctr"/>
+          <a:lstStyle/>
+          <a:p>
+            <a:pPr algn="ctr"/>
+            <a:r>
+              <a:rPr lang="ru-RU" sz="700" dirty="0" smtClean="0"/>
+              <a:t>Восстановление из кризиса (наше?)</a:t>
+            </a:r>
+            <a:endParaRPr lang="ru-RU" sz="700" dirty="0"/>
+          </a:p>
+        </p:txBody>
+      </p:sp>
+      <p:cxnSp>
+        <p:nvCxnSpPr>
+          <p:cNvPr id="795" name="Прямая со стрелкой 794"/>
+          <p:cNvCxnSpPr>
+            <a:stCxn id="763" idx="2"/>
+            <a:endCxn id="895" idx="0"/>
+          </p:cNvCxnSpPr>
+          <p:nvPr/>
+        </p:nvCxnSpPr>
+        <p:spPr>
+          <a:xfrm>
+            <a:off x="39191996" y="9289834"/>
+            <a:ext cx="4702" cy="201911"/>
+          </a:xfrm>
+          <a:prstGeom prst="straightConnector1">
+            <a:avLst/>
+          </a:prstGeom>
+          <a:ln w="19050">
+            <a:tailEnd type="arrow"/>
+          </a:ln>
+        </p:spPr>
+        <p:style>
+          <a:lnRef idx="1">
+            <a:schemeClr val="accent1"/>
+          </a:lnRef>
+          <a:fillRef idx="0">
+            <a:schemeClr val="accent1"/>
+          </a:fillRef>
+          <a:effectRef idx="0">
+            <a:schemeClr val="accent1"/>
+          </a:effectRef>
+          <a:fontRef idx="minor">
+            <a:schemeClr val="tx1"/>
+          </a:fontRef>
+        </p:style>
+      </p:cxnSp>
+      <p:sp>
+        <p:nvSpPr>
+          <p:cNvPr id="800" name="Прямоугольник 799"/>
+          <p:cNvSpPr/>
+          <p:nvPr/>
+        </p:nvSpPr>
+        <p:spPr>
+          <a:xfrm>
+            <a:off x="37574805" y="11058853"/>
+            <a:ext cx="926325" cy="540000"/>
+          </a:xfrm>
+          <a:prstGeom prst="rect">
+            <a:avLst/>
+          </a:prstGeom>
+          <a:solidFill>
+            <a:schemeClr val="accent1">
+              <a:lumMod val="60000"/>
+              <a:lumOff val="40000"/>
+            </a:schemeClr>
+          </a:solidFill>
+          <a:ln w="19050"/>
+        </p:spPr>
+        <p:style>
+          <a:lnRef idx="2">
+            <a:schemeClr val="accent1"/>
+          </a:lnRef>
+          <a:fillRef idx="1">
+            <a:schemeClr val="lt1"/>
+          </a:fillRef>
+          <a:effectRef idx="0">
+            <a:schemeClr val="accent1"/>
+          </a:effectRef>
+          <a:fontRef idx="minor">
+            <a:schemeClr val="dk1"/>
+          </a:fontRef>
+        </p:style>
+        <p:txBody>
+          <a:bodyPr lIns="124733" tIns="62367" rIns="124733" bIns="62367" rtlCol="0" anchor="ctr"/>
+          <a:lstStyle/>
+          <a:p>
+            <a:pPr algn="ctr"/>
+            <a:r>
+              <a:rPr lang="ru-RU" sz="700" dirty="0" smtClean="0"/>
+              <a:t>Порты Барселоны (наше)</a:t>
+            </a:r>
+            <a:endParaRPr lang="ru-RU" sz="700" dirty="0"/>
+          </a:p>
+        </p:txBody>
+      </p:sp>
+      <p:sp>
+        <p:nvSpPr>
+          <p:cNvPr id="801" name="Прямоугольник 800"/>
+          <p:cNvSpPr/>
+          <p:nvPr/>
+        </p:nvSpPr>
+        <p:spPr>
+          <a:xfrm>
+            <a:off x="38726712" y="11058875"/>
+            <a:ext cx="926325" cy="540000"/>
+          </a:xfrm>
+          <a:prstGeom prst="rect">
+            <a:avLst/>
+          </a:prstGeom>
+          <a:solidFill>
+            <a:schemeClr val="accent1">
+              <a:lumMod val="60000"/>
+              <a:lumOff val="40000"/>
+            </a:schemeClr>
+          </a:solidFill>
+          <a:ln w="19050"/>
+        </p:spPr>
+        <p:style>
+          <a:lnRef idx="2">
+            <a:schemeClr val="accent1"/>
+          </a:lnRef>
+          <a:fillRef idx="1">
+            <a:schemeClr val="lt1"/>
+          </a:fillRef>
+          <a:effectRef idx="0">
+            <a:schemeClr val="accent1"/>
+          </a:effectRef>
+          <a:fontRef idx="minor">
+            <a:schemeClr val="dk1"/>
+          </a:fontRef>
+        </p:style>
+        <p:txBody>
+          <a:bodyPr lIns="124733" tIns="62367" rIns="124733" bIns="62367" rtlCol="0" anchor="ctr"/>
+          <a:lstStyle/>
+          <a:p>
+            <a:pPr algn="ctr"/>
+            <a:r>
+              <a:rPr lang="ru-RU" sz="700" dirty="0" smtClean="0"/>
+              <a:t>Строительство новых железных дорог (наше)</a:t>
+            </a:r>
+            <a:endParaRPr lang="ru-RU" sz="700" dirty="0"/>
+          </a:p>
+        </p:txBody>
+      </p:sp>
+      <p:sp>
+        <p:nvSpPr>
+          <p:cNvPr id="803" name="Прямоугольник 802"/>
+          <p:cNvSpPr/>
+          <p:nvPr/>
+        </p:nvSpPr>
+        <p:spPr>
+          <a:xfrm>
+            <a:off x="35396258" y="7969764"/>
+            <a:ext cx="926325" cy="540000"/>
+          </a:xfrm>
+          <a:prstGeom prst="rect">
+            <a:avLst/>
+          </a:prstGeom>
+          <a:solidFill>
+            <a:schemeClr val="accent2">
+              <a:lumMod val="75000"/>
+            </a:schemeClr>
+          </a:solidFill>
+          <a:ln w="19050"/>
+        </p:spPr>
+        <p:style>
+          <a:lnRef idx="2">
+            <a:schemeClr val="accent1"/>
+          </a:lnRef>
+          <a:fillRef idx="1">
+            <a:schemeClr val="lt1"/>
+          </a:fillRef>
+          <a:effectRef idx="0">
+            <a:schemeClr val="accent1"/>
+          </a:effectRef>
+          <a:fontRef idx="minor">
+            <a:schemeClr val="dk1"/>
+          </a:fontRef>
+        </p:style>
+        <p:txBody>
+          <a:bodyPr lIns="124733" tIns="62367" rIns="124733" bIns="62367" rtlCol="0" anchor="ctr"/>
+          <a:lstStyle/>
+          <a:p>
+            <a:pPr algn="ctr"/>
+            <a:r>
+              <a:rPr lang="ru-RU" sz="700" dirty="0" smtClean="0"/>
+              <a:t>Усмирить каталонский национализм</a:t>
+            </a:r>
+            <a:endParaRPr lang="ru-RU" sz="700" dirty="0"/>
+          </a:p>
+        </p:txBody>
+      </p:sp>
+      <p:sp>
+        <p:nvSpPr>
+          <p:cNvPr id="804" name="Прямоугольник 803"/>
+          <p:cNvSpPr/>
+          <p:nvPr/>
+        </p:nvSpPr>
+        <p:spPr>
+          <a:xfrm>
+            <a:off x="36473296" y="7963829"/>
+            <a:ext cx="926325" cy="540000"/>
+          </a:xfrm>
+          <a:prstGeom prst="rect">
+            <a:avLst/>
+          </a:prstGeom>
+          <a:solidFill>
+            <a:schemeClr val="accent2">
+              <a:lumMod val="75000"/>
+            </a:schemeClr>
+          </a:solidFill>
+          <a:ln w="19050"/>
+        </p:spPr>
+        <p:style>
+          <a:lnRef idx="2">
+            <a:schemeClr val="accent1"/>
+          </a:lnRef>
+          <a:fillRef idx="1">
+            <a:schemeClr val="lt1"/>
+          </a:fillRef>
+          <a:effectRef idx="0">
+            <a:schemeClr val="accent1"/>
+          </a:effectRef>
+          <a:fontRef idx="minor">
+            <a:schemeClr val="dk1"/>
+          </a:fontRef>
+        </p:style>
+        <p:txBody>
+          <a:bodyPr lIns="124733" tIns="62367" rIns="124733" bIns="62367" rtlCol="0" anchor="ctr"/>
+          <a:lstStyle/>
+          <a:p>
+            <a:pPr algn="ctr"/>
+            <a:r>
+              <a:rPr lang="ru-RU" sz="800" dirty="0"/>
+              <a:t>Межклассовое объединение </a:t>
+            </a:r>
+            <a:r>
+              <a:rPr lang="ru-RU" sz="300" dirty="0"/>
+              <a:t>(С этого момента </a:t>
+            </a:r>
+            <a:r>
+              <a:rPr lang="ru-RU" sz="300" dirty="0" err="1"/>
+              <a:t>Лерру</a:t>
+            </a:r>
+            <a:r>
+              <a:rPr lang="ru-RU" sz="300" dirty="0"/>
+              <a:t> сосредоточит свои усилия на превращении Радикальной республиканской партии в политическое образование межклассового характера, объединяющее различные слои населения. [ 19 ] Постепенно он отказался от своей демагогии и обратился к среднему классу</a:t>
+            </a:r>
+            <a:r>
+              <a:rPr lang="ru-RU" sz="300" dirty="0" smtClean="0"/>
+              <a:t>.)</a:t>
+            </a:r>
+            <a:endParaRPr lang="ru-RU" sz="300" dirty="0"/>
+          </a:p>
+        </p:txBody>
+      </p:sp>
+      <p:sp>
+        <p:nvSpPr>
+          <p:cNvPr id="805" name="Прямоугольник 804"/>
+          <p:cNvSpPr/>
+          <p:nvPr/>
+        </p:nvSpPr>
+        <p:spPr>
+          <a:xfrm>
+            <a:off x="36476431" y="8738699"/>
+            <a:ext cx="926325" cy="540000"/>
+          </a:xfrm>
+          <a:prstGeom prst="rect">
+            <a:avLst/>
+          </a:prstGeom>
+          <a:solidFill>
+            <a:schemeClr val="accent2">
+              <a:lumMod val="75000"/>
+            </a:schemeClr>
+          </a:solidFill>
+          <a:ln w="19050"/>
+        </p:spPr>
+        <p:style>
+          <a:lnRef idx="2">
+            <a:schemeClr val="accent1"/>
+          </a:lnRef>
+          <a:fillRef idx="1">
+            <a:schemeClr val="lt1"/>
+          </a:fillRef>
+          <a:effectRef idx="0">
+            <a:schemeClr val="accent1"/>
+          </a:effectRef>
+          <a:fontRef idx="minor">
+            <a:schemeClr val="dk1"/>
+          </a:fontRef>
+        </p:style>
+        <p:txBody>
+          <a:bodyPr lIns="124733" tIns="62367" rIns="124733" bIns="62367" rtlCol="0" anchor="ctr"/>
+          <a:lstStyle/>
+          <a:p>
+            <a:pPr algn="ctr"/>
+            <a:r>
+              <a:rPr lang="ru-RU" sz="700" dirty="0"/>
+              <a:t>Поддержать дискурс рабочих</a:t>
+            </a:r>
+          </a:p>
+        </p:txBody>
+      </p:sp>
+      <p:sp>
+        <p:nvSpPr>
+          <p:cNvPr id="806" name="Прямоугольник 805"/>
+          <p:cNvSpPr/>
+          <p:nvPr/>
+        </p:nvSpPr>
+        <p:spPr>
+          <a:xfrm>
+            <a:off x="37593067" y="8751368"/>
+            <a:ext cx="926325" cy="540000"/>
+          </a:xfrm>
+          <a:prstGeom prst="rect">
+            <a:avLst/>
+          </a:prstGeom>
+          <a:solidFill>
+            <a:schemeClr val="accent2">
+              <a:lumMod val="75000"/>
+            </a:schemeClr>
+          </a:solidFill>
+          <a:ln w="19050"/>
+        </p:spPr>
+        <p:style>
+          <a:lnRef idx="2">
+            <a:schemeClr val="accent1"/>
+          </a:lnRef>
+          <a:fillRef idx="1">
+            <a:schemeClr val="lt1"/>
+          </a:fillRef>
+          <a:effectRef idx="0">
+            <a:schemeClr val="accent1"/>
+          </a:effectRef>
+          <a:fontRef idx="minor">
+            <a:schemeClr val="dk1"/>
+          </a:fontRef>
+        </p:style>
+        <p:txBody>
+          <a:bodyPr lIns="124733" tIns="62367" rIns="124733" bIns="62367" rtlCol="0" anchor="ctr"/>
+          <a:lstStyle/>
+          <a:p>
+            <a:pPr algn="ctr"/>
+            <a:r>
+              <a:rPr lang="ru-RU" sz="700" dirty="0" smtClean="0"/>
+              <a:t>Восстановить </a:t>
+            </a:r>
+            <a:r>
+              <a:rPr lang="ru-RU" sz="700" dirty="0"/>
+              <a:t>религиозные ордена </a:t>
+            </a:r>
+            <a:r>
+              <a:rPr lang="ru-RU" sz="200" dirty="0"/>
+              <a:t>(что религиозные ордена были распущены (они должны были быть подчинены к особому закону, потому что они являются «очень особыми ассоциациями», а также католической церковью в целом и некоторыми орденами, особенно иезуитами., им следует запретить обучение, поскольку это представляет собой «социальную опасность, опасность для испанской молодежи, которую в первую очередь должна защищать Республика»)</a:t>
+            </a:r>
+          </a:p>
+        </p:txBody>
+      </p:sp>
+      <p:sp>
+        <p:nvSpPr>
+          <p:cNvPr id="809" name="Прямоугольник 808"/>
+          <p:cNvSpPr/>
+          <p:nvPr/>
+        </p:nvSpPr>
+        <p:spPr>
+          <a:xfrm>
+            <a:off x="34305572" y="7969798"/>
+            <a:ext cx="926325" cy="540000"/>
+          </a:xfrm>
+          <a:prstGeom prst="rect">
+            <a:avLst/>
+          </a:prstGeom>
+          <a:solidFill>
+            <a:schemeClr val="accent2">
+              <a:lumMod val="75000"/>
+            </a:schemeClr>
+          </a:solidFill>
+          <a:ln w="19050"/>
+        </p:spPr>
+        <p:style>
+          <a:lnRef idx="2">
+            <a:schemeClr val="accent1"/>
+          </a:lnRef>
+          <a:fillRef idx="1">
+            <a:schemeClr val="lt1"/>
+          </a:fillRef>
+          <a:effectRef idx="0">
+            <a:schemeClr val="accent1"/>
+          </a:effectRef>
+          <a:fontRef idx="minor">
+            <a:schemeClr val="dk1"/>
+          </a:fontRef>
+        </p:style>
+        <p:txBody>
+          <a:bodyPr lIns="124733" tIns="62367" rIns="124733" bIns="62367" rtlCol="0" anchor="ctr"/>
+          <a:lstStyle/>
+          <a:p>
+            <a:pPr algn="ctr"/>
+            <a:r>
+              <a:rPr lang="ru-RU" sz="700" dirty="0" smtClean="0"/>
+              <a:t>Разрешить азартные игры </a:t>
+            </a:r>
+            <a:r>
+              <a:rPr lang="ru-RU" sz="100" dirty="0" smtClean="0"/>
+              <a:t>(строительство казино на </a:t>
+            </a:r>
+            <a:r>
+              <a:rPr lang="ru-RU" sz="100" dirty="0" err="1" smtClean="0"/>
+              <a:t>Болеарских</a:t>
+            </a:r>
+            <a:r>
+              <a:rPr lang="ru-RU" sz="100" dirty="0" smtClean="0"/>
+              <a:t> островах</a:t>
+            </a:r>
+            <a:r>
+              <a:rPr lang="ru-RU" sz="100" dirty="0"/>
+              <a:t>) (</a:t>
+            </a:r>
+            <a:r>
+              <a:rPr lang="ru-RU" sz="100" dirty="0" err="1"/>
+              <a:t>ыяснилось</a:t>
+            </a:r>
+            <a:r>
+              <a:rPr lang="ru-RU" sz="100" dirty="0"/>
+              <a:t>, что власти разрешили троим голландским предпринимателям Штраусу, </a:t>
+            </a:r>
+            <a:r>
+              <a:rPr lang="ru-RU" sz="100" dirty="0" err="1"/>
+              <a:t>Перелю</a:t>
+            </a:r>
+            <a:r>
+              <a:rPr lang="ru-RU" sz="100" dirty="0"/>
+              <a:t> и </a:t>
+            </a:r>
+            <a:r>
+              <a:rPr lang="ru-RU" sz="100" dirty="0" err="1"/>
+              <a:t>Лованну</a:t>
+            </a:r>
+            <a:r>
+              <a:rPr lang="ru-RU" sz="100" dirty="0"/>
+              <a:t> (по первым буквам их фамилий, </a:t>
+            </a:r>
+            <a:r>
+              <a:rPr lang="ru-RU" sz="100" dirty="0" err="1"/>
+              <a:t>Strauss</a:t>
+            </a:r>
+            <a:r>
+              <a:rPr lang="ru-RU" sz="100" dirty="0"/>
+              <a:t>, </a:t>
+            </a:r>
+            <a:r>
+              <a:rPr lang="ru-RU" sz="100" dirty="0" err="1"/>
+              <a:t>Perel</a:t>
+            </a:r>
+            <a:r>
+              <a:rPr lang="ru-RU" sz="100" dirty="0"/>
+              <a:t> и </a:t>
+            </a:r>
+            <a:r>
+              <a:rPr lang="ru-RU" sz="100" dirty="0" err="1"/>
+              <a:t>Lowann</a:t>
+            </a:r>
+            <a:r>
+              <a:rPr lang="ru-RU" sz="100" dirty="0"/>
+              <a:t> история и получила второе название — «Скандал </a:t>
+            </a:r>
+            <a:r>
+              <a:rPr lang="ru-RU" sz="100" dirty="0" err="1"/>
+              <a:t>Straperlo</a:t>
+            </a:r>
+            <a:r>
+              <a:rPr lang="ru-RU" sz="100" dirty="0"/>
+              <a:t>»[12]) открыть казино с рулеткой, несмотря на то что действующие в Испании законы запрещали азартные игры в рулетку. Согласно признаниям Штрауса, в обмен на разрешение он и его деловые партнёры обязались передавать 25 % от прибыли лично Алехандро </a:t>
+            </a:r>
+            <a:r>
+              <a:rPr lang="ru-RU" sz="100" dirty="0" err="1"/>
+              <a:t>Леррусу</a:t>
+            </a:r>
+            <a:r>
+              <a:rPr lang="ru-RU" sz="100" dirty="0"/>
+              <a:t>, 10 % его </a:t>
+            </a:r>
+            <a:r>
+              <a:rPr lang="ru-RU" sz="100" dirty="0" err="1"/>
+              <a:t>однопартийцу</a:t>
+            </a:r>
+            <a:r>
+              <a:rPr lang="ru-RU" sz="100" dirty="0"/>
+              <a:t>, алькальду Барселоны </a:t>
+            </a:r>
+            <a:r>
+              <a:rPr lang="ru-RU" sz="100" dirty="0" err="1"/>
+              <a:t>Жоану</a:t>
+            </a:r>
+            <a:r>
+              <a:rPr lang="ru-RU" sz="100" dirty="0"/>
+              <a:t> </a:t>
+            </a:r>
+            <a:r>
+              <a:rPr lang="ru-RU" sz="100" dirty="0" err="1"/>
+              <a:t>Пичу</a:t>
+            </a:r>
+            <a:r>
+              <a:rPr lang="ru-RU" sz="100" dirty="0"/>
+              <a:t> и </a:t>
+            </a:r>
+            <a:r>
+              <a:rPr lang="ru-RU" sz="100" dirty="0" err="1"/>
+              <a:t>Пону</a:t>
+            </a:r>
+            <a:r>
+              <a:rPr lang="ru-RU" sz="100" dirty="0"/>
+              <a:t>, и по 5 % </a:t>
+            </a:r>
+            <a:r>
+              <a:rPr lang="ru-RU" sz="100" dirty="0" err="1"/>
+              <a:t>Аурелио</a:t>
+            </a:r>
+            <a:r>
+              <a:rPr lang="ru-RU" sz="100" dirty="0"/>
+              <a:t> </a:t>
+            </a:r>
+            <a:r>
+              <a:rPr lang="ru-RU" sz="100" dirty="0" err="1"/>
+              <a:t>Леррусу</a:t>
+            </a:r>
+            <a:r>
+              <a:rPr lang="ru-RU" sz="100" dirty="0"/>
+              <a:t> (племянник Алехандро </a:t>
+            </a:r>
+            <a:r>
+              <a:rPr lang="ru-RU" sz="100" dirty="0" err="1"/>
+              <a:t>Лерусса</a:t>
+            </a:r>
+            <a:r>
+              <a:rPr lang="ru-RU" sz="100" dirty="0"/>
+              <a:t>), Мигелю Галанте и журналисту Сантьяго </a:t>
+            </a:r>
+            <a:r>
+              <a:rPr lang="ru-RU" sz="100" dirty="0" err="1"/>
+              <a:t>Винарделю</a:t>
+            </a:r>
+            <a:r>
+              <a:rPr lang="ru-RU" sz="100" dirty="0"/>
+              <a:t>.)</a:t>
+            </a:r>
+          </a:p>
+        </p:txBody>
+      </p:sp>
+      <p:cxnSp>
+        <p:nvCxnSpPr>
+          <p:cNvPr id="811" name="Соединительная линия уступом 810"/>
+          <p:cNvCxnSpPr>
+            <a:stCxn id="794" idx="2"/>
+            <a:endCxn id="801" idx="0"/>
+          </p:cNvCxnSpPr>
+          <p:nvPr/>
+        </p:nvCxnSpPr>
+        <p:spPr>
+          <a:xfrm rot="16200000" flipH="1">
+            <a:off x="38776198" y="10645197"/>
+            <a:ext cx="258677" cy="568678"/>
+          </a:xfrm>
+          <a:prstGeom prst="bentConnector3">
+            <a:avLst>
+              <a:gd name="adj1" fmla="val 50000"/>
+            </a:avLst>
+          </a:prstGeom>
+          <a:ln w="19050">
+            <a:tailEnd type="arrow"/>
+          </a:ln>
+        </p:spPr>
+        <p:style>
+          <a:lnRef idx="1">
+            <a:schemeClr val="accent1"/>
+          </a:lnRef>
+          <a:fillRef idx="0">
+            <a:schemeClr val="accent1"/>
+          </a:fillRef>
+          <a:effectRef idx="0">
+            <a:schemeClr val="accent1"/>
+          </a:effectRef>
+          <a:fontRef idx="minor">
+            <a:schemeClr val="tx1"/>
+          </a:fontRef>
+        </p:style>
+      </p:cxnSp>
+      <p:cxnSp>
+        <p:nvCxnSpPr>
+          <p:cNvPr id="812" name="Соединительная линия уступом 811"/>
+          <p:cNvCxnSpPr>
+            <a:stCxn id="794" idx="2"/>
+            <a:endCxn id="800" idx="0"/>
+          </p:cNvCxnSpPr>
+          <p:nvPr/>
+        </p:nvCxnSpPr>
+        <p:spPr>
+          <a:xfrm rot="5400000">
+            <a:off x="38200256" y="10637911"/>
+            <a:ext cx="258655" cy="583229"/>
+          </a:xfrm>
+          <a:prstGeom prst="bentConnector3">
+            <a:avLst>
+              <a:gd name="adj1" fmla="val 50000"/>
+            </a:avLst>
+          </a:prstGeom>
+          <a:ln w="19050">
+            <a:tailEnd type="arrow"/>
+          </a:ln>
+        </p:spPr>
+        <p:style>
+          <a:lnRef idx="1">
+            <a:schemeClr val="accent1"/>
+          </a:lnRef>
+          <a:fillRef idx="0">
+            <a:schemeClr val="accent1"/>
+          </a:fillRef>
+          <a:effectRef idx="0">
+            <a:schemeClr val="accent1"/>
+          </a:effectRef>
+          <a:fontRef idx="minor">
+            <a:schemeClr val="tx1"/>
+          </a:fontRef>
+        </p:style>
+      </p:cxnSp>
+      <p:sp>
+        <p:nvSpPr>
+          <p:cNvPr id="816" name="Прямоугольник 815"/>
+          <p:cNvSpPr/>
+          <p:nvPr/>
+        </p:nvSpPr>
+        <p:spPr>
+          <a:xfrm>
+            <a:off x="38158035" y="7973760"/>
+            <a:ext cx="926325" cy="540000"/>
+          </a:xfrm>
+          <a:prstGeom prst="rect">
+            <a:avLst/>
+          </a:prstGeom>
+          <a:solidFill>
+            <a:schemeClr val="accent1">
+              <a:lumMod val="60000"/>
+              <a:lumOff val="40000"/>
+            </a:schemeClr>
+          </a:solidFill>
+          <a:ln w="19050"/>
+        </p:spPr>
+        <p:style>
+          <a:lnRef idx="2">
+            <a:schemeClr val="accent1"/>
+          </a:lnRef>
+          <a:fillRef idx="1">
+            <a:schemeClr val="lt1"/>
+          </a:fillRef>
+          <a:effectRef idx="0">
+            <a:schemeClr val="accent1"/>
+          </a:effectRef>
+          <a:fontRef idx="minor">
+            <a:schemeClr val="dk1"/>
+          </a:fontRef>
+        </p:style>
+        <p:txBody>
+          <a:bodyPr lIns="124733" tIns="62367" rIns="124733" bIns="62367" rtlCol="0" anchor="ctr"/>
+          <a:lstStyle/>
+          <a:p>
+            <a:pPr algn="ctr"/>
+            <a:r>
+              <a:rPr lang="ru-RU" sz="700" dirty="0" smtClean="0"/>
+              <a:t>Расширение реформаторского </a:t>
+            </a:r>
+            <a:r>
+              <a:rPr lang="ru-RU" sz="700" dirty="0"/>
+              <a:t>законодательства </a:t>
+            </a:r>
+            <a:r>
+              <a:rPr lang="ru-RU" sz="100" dirty="0"/>
+              <a:t>(либеральный </a:t>
+            </a:r>
+            <a:r>
+              <a:rPr lang="ru-RU" sz="100" dirty="0" err="1"/>
+              <a:t>седист</a:t>
+            </a:r>
+            <a:r>
+              <a:rPr lang="ru-RU" sz="100" dirty="0"/>
+              <a:t> </a:t>
+            </a:r>
+            <a:r>
+              <a:rPr lang="ru-RU" sz="100" dirty="0" err="1"/>
+              <a:t>Мануэль</a:t>
+            </a:r>
+            <a:r>
+              <a:rPr lang="ru-RU" sz="100" dirty="0"/>
+              <a:t> Хименес </a:t>
+            </a:r>
+            <a:r>
+              <a:rPr lang="ru-RU" sz="100" dirty="0" err="1"/>
+              <a:t>Фернандес</a:t>
+            </a:r>
+            <a:r>
+              <a:rPr lang="ru-RU" sz="100" dirty="0"/>
+              <a:t> , защищавший социал-католицизм, занял министерство сельского хозяйства, от которого (хотя он временно приостановил экспроприацию, установленную Законом об аграрной реформе 1932 года ) он расширил реформаторское законодательство. с Законом </a:t>
+            </a:r>
+            <a:r>
+              <a:rPr lang="ru-RU" sz="100" dirty="0" err="1"/>
+              <a:t>Юнтерос</a:t>
+            </a:r>
+            <a:r>
+              <a:rPr lang="ru-RU" sz="100" dirty="0"/>
+              <a:t> от 21 декабря 1934 года, который продлил захват земли крестьянами Эстремадуры, таким образом, вступив в силу, хотя бы частично)</a:t>
+            </a:r>
+          </a:p>
+        </p:txBody>
+      </p:sp>
+      <p:cxnSp>
+        <p:nvCxnSpPr>
+          <p:cNvPr id="817" name="Соединительная линия уступом 816"/>
+          <p:cNvCxnSpPr>
+            <a:stCxn id="678" idx="2"/>
+            <a:endCxn id="816" idx="0"/>
+          </p:cNvCxnSpPr>
+          <p:nvPr/>
+        </p:nvCxnSpPr>
+        <p:spPr>
+          <a:xfrm rot="5400000">
+            <a:off x="39063392" y="7293389"/>
+            <a:ext cx="238178" cy="1122565"/>
+          </a:xfrm>
+          <a:prstGeom prst="bentConnector3">
+            <a:avLst>
+              <a:gd name="adj1" fmla="val 50000"/>
+            </a:avLst>
+          </a:prstGeom>
+          <a:ln w="19050">
+            <a:tailEnd type="arrow"/>
+          </a:ln>
+        </p:spPr>
+        <p:style>
+          <a:lnRef idx="1">
+            <a:schemeClr val="accent1"/>
+          </a:lnRef>
+          <a:fillRef idx="0">
+            <a:schemeClr val="accent1"/>
+          </a:fillRef>
+          <a:effectRef idx="0">
+            <a:schemeClr val="accent1"/>
+          </a:effectRef>
+          <a:fontRef idx="minor">
+            <a:schemeClr val="tx1"/>
+          </a:fontRef>
+        </p:style>
+      </p:cxnSp>
+      <p:cxnSp>
+        <p:nvCxnSpPr>
+          <p:cNvPr id="821" name="Соединительная линия уступом 820"/>
+          <p:cNvCxnSpPr>
+            <a:stCxn id="816" idx="2"/>
+            <a:endCxn id="763" idx="0"/>
+          </p:cNvCxnSpPr>
+          <p:nvPr/>
+        </p:nvCxnSpPr>
+        <p:spPr>
+          <a:xfrm rot="16200000" flipH="1">
+            <a:off x="38788560" y="8346398"/>
+            <a:ext cx="236074" cy="570798"/>
+          </a:xfrm>
+          <a:prstGeom prst="bentConnector3">
+            <a:avLst>
+              <a:gd name="adj1" fmla="val 50000"/>
+            </a:avLst>
+          </a:prstGeom>
+          <a:ln w="19050">
+            <a:tailEnd type="arrow"/>
+          </a:ln>
+        </p:spPr>
+        <p:style>
+          <a:lnRef idx="1">
+            <a:schemeClr val="accent1"/>
+          </a:lnRef>
+          <a:fillRef idx="0">
+            <a:schemeClr val="accent1"/>
+          </a:fillRef>
+          <a:effectRef idx="0">
+            <a:schemeClr val="accent1"/>
+          </a:effectRef>
+          <a:fontRef idx="minor">
+            <a:schemeClr val="tx1"/>
+          </a:fontRef>
+        </p:style>
+      </p:cxnSp>
+      <p:sp>
+        <p:nvSpPr>
+          <p:cNvPr id="825" name="Прямоугольник 824"/>
+          <p:cNvSpPr/>
+          <p:nvPr/>
+        </p:nvSpPr>
+        <p:spPr>
+          <a:xfrm>
+            <a:off x="39275655" y="10258198"/>
+            <a:ext cx="926325" cy="540000"/>
+          </a:xfrm>
+          <a:prstGeom prst="rect">
+            <a:avLst/>
+          </a:prstGeom>
+          <a:solidFill>
+            <a:schemeClr val="accent1">
+              <a:lumMod val="60000"/>
+              <a:lumOff val="40000"/>
+            </a:schemeClr>
+          </a:solidFill>
+          <a:ln w="19050"/>
+        </p:spPr>
+        <p:style>
+          <a:lnRef idx="2">
+            <a:schemeClr val="accent1"/>
+          </a:lnRef>
+          <a:fillRef idx="1">
+            <a:schemeClr val="lt1"/>
+          </a:fillRef>
+          <a:effectRef idx="0">
+            <a:schemeClr val="accent1"/>
+          </a:effectRef>
+          <a:fontRef idx="minor">
+            <a:schemeClr val="dk1"/>
+          </a:fontRef>
+        </p:style>
+        <p:txBody>
+          <a:bodyPr lIns="124733" tIns="62367" rIns="124733" bIns="62367" rtlCol="0" anchor="ctr"/>
+          <a:lstStyle/>
+          <a:p>
+            <a:pPr algn="ctr"/>
+            <a:r>
+              <a:rPr lang="ru-RU" sz="700" dirty="0" smtClean="0"/>
+              <a:t>Закон об </a:t>
+            </a:r>
+            <a:r>
+              <a:rPr lang="ru-RU" sz="700" dirty="0"/>
+              <a:t>аренде </a:t>
+            </a:r>
+            <a:r>
+              <a:rPr lang="ru-RU" sz="200" dirty="0"/>
+              <a:t>(Хименес </a:t>
+            </a:r>
+            <a:r>
+              <a:rPr lang="ru-RU" sz="200" dirty="0" err="1"/>
+              <a:t>Фернандес</a:t>
+            </a:r>
+            <a:r>
+              <a:rPr lang="ru-RU" sz="200" dirty="0"/>
+              <a:t> продвигал еще более амбициозный проект - Закон об аренде в деревенском стиле, который стремился защитить права поселенцев, гарантируя им покупку земли в течение двенадцати лет эксплуатации по разумной цене. Но суды, утвердив закон 15 марта 1935 г., лишили его того социального содержания, которое он имел, установив полную свободу заключения договоров аренды, отменив предыдущее законодательство о субаренде, коллективной аренде, выселении и пересмотре арендной платы</a:t>
+            </a:r>
+            <a:r>
+              <a:rPr lang="ru-RU" sz="200" dirty="0" smtClean="0"/>
+              <a:t>.)</a:t>
+            </a:r>
+            <a:endParaRPr lang="ru-RU" sz="200" dirty="0"/>
+          </a:p>
+        </p:txBody>
+      </p:sp>
+      <p:sp>
+        <p:nvSpPr>
+          <p:cNvPr id="851" name="Прямоугольник 850"/>
+          <p:cNvSpPr/>
+          <p:nvPr/>
+        </p:nvSpPr>
+        <p:spPr>
+          <a:xfrm>
+            <a:off x="35398562" y="8751447"/>
+            <a:ext cx="926325" cy="540000"/>
+          </a:xfrm>
+          <a:prstGeom prst="rect">
+            <a:avLst/>
+          </a:prstGeom>
+          <a:solidFill>
+            <a:schemeClr val="accent2">
+              <a:lumMod val="75000"/>
+            </a:schemeClr>
+          </a:solidFill>
+          <a:ln w="19050"/>
+        </p:spPr>
+        <p:style>
+          <a:lnRef idx="2">
+            <a:schemeClr val="accent1"/>
+          </a:lnRef>
+          <a:fillRef idx="1">
+            <a:schemeClr val="lt1"/>
+          </a:fillRef>
+          <a:effectRef idx="0">
+            <a:schemeClr val="accent1"/>
+          </a:effectRef>
+          <a:fontRef idx="minor">
+            <a:schemeClr val="dk1"/>
+          </a:fontRef>
+        </p:style>
+        <p:txBody>
+          <a:bodyPr lIns="124733" tIns="62367" rIns="124733" bIns="62367" rtlCol="0" anchor="ctr"/>
+          <a:lstStyle/>
+          <a:p>
+            <a:pPr algn="ctr"/>
+            <a:r>
+              <a:rPr lang="ru-RU" sz="700" dirty="0" smtClean="0"/>
+              <a:t>«Молодые варвары» </a:t>
+            </a:r>
+            <a:r>
+              <a:rPr lang="ru-RU" sz="300" dirty="0"/>
+              <a:t>(Так, в 1909 году группа сторонников Радикальной республиканской партии, так называемые «молодые варвары» (исп. </a:t>
+            </a:r>
+            <a:r>
+              <a:rPr lang="ru-RU" sz="300" dirty="0" err="1"/>
+              <a:t>jóvenes</a:t>
+            </a:r>
+            <a:r>
+              <a:rPr lang="ru-RU" sz="300" dirty="0"/>
+              <a:t> </a:t>
+            </a:r>
+            <a:r>
+              <a:rPr lang="ru-RU" sz="300" dirty="0" err="1"/>
+              <a:t>bárbaros</a:t>
+            </a:r>
+            <a:r>
+              <a:rPr lang="ru-RU" sz="300" dirty="0" smtClean="0"/>
+              <a:t>))</a:t>
+            </a:r>
+            <a:endParaRPr lang="ru-RU" sz="300" dirty="0"/>
+          </a:p>
+        </p:txBody>
+      </p:sp>
+      <p:cxnSp>
+        <p:nvCxnSpPr>
+          <p:cNvPr id="853" name="Соединительная линия уступом 852"/>
+          <p:cNvCxnSpPr>
+            <a:stCxn id="639" idx="2"/>
+            <a:endCxn id="804" idx="0"/>
+          </p:cNvCxnSpPr>
+          <p:nvPr/>
+        </p:nvCxnSpPr>
+        <p:spPr>
+          <a:xfrm rot="16200000" flipH="1">
+            <a:off x="36281039" y="7308408"/>
+            <a:ext cx="233803" cy="1077037"/>
+          </a:xfrm>
+          <a:prstGeom prst="bentConnector3">
+            <a:avLst>
+              <a:gd name="adj1" fmla="val 50000"/>
+            </a:avLst>
+          </a:prstGeom>
+          <a:ln w="19050">
+            <a:tailEnd type="arrow"/>
+          </a:ln>
+        </p:spPr>
+        <p:style>
+          <a:lnRef idx="1">
+            <a:schemeClr val="accent1"/>
+          </a:lnRef>
+          <a:fillRef idx="0">
+            <a:schemeClr val="accent1"/>
+          </a:fillRef>
+          <a:effectRef idx="0">
+            <a:schemeClr val="accent1"/>
+          </a:effectRef>
+          <a:fontRef idx="minor">
+            <a:schemeClr val="tx1"/>
+          </a:fontRef>
+        </p:style>
+      </p:cxnSp>
+      <p:cxnSp>
+        <p:nvCxnSpPr>
+          <p:cNvPr id="856" name="Соединительная линия уступом 855"/>
+          <p:cNvCxnSpPr>
+            <a:stCxn id="639" idx="2"/>
+            <a:endCxn id="809" idx="0"/>
+          </p:cNvCxnSpPr>
+          <p:nvPr/>
+        </p:nvCxnSpPr>
+        <p:spPr>
+          <a:xfrm rot="5400000">
+            <a:off x="35194193" y="7304569"/>
+            <a:ext cx="239772" cy="1090687"/>
+          </a:xfrm>
+          <a:prstGeom prst="bentConnector3">
+            <a:avLst>
+              <a:gd name="adj1" fmla="val 50000"/>
+            </a:avLst>
+          </a:prstGeom>
+          <a:ln w="19050">
+            <a:tailEnd type="arrow"/>
+          </a:ln>
+        </p:spPr>
+        <p:style>
+          <a:lnRef idx="1">
+            <a:schemeClr val="accent1"/>
+          </a:lnRef>
+          <a:fillRef idx="0">
+            <a:schemeClr val="accent1"/>
+          </a:fillRef>
+          <a:effectRef idx="0">
+            <a:schemeClr val="accent1"/>
+          </a:effectRef>
+          <a:fontRef idx="minor">
+            <a:schemeClr val="tx1"/>
+          </a:fontRef>
+        </p:style>
+      </p:cxnSp>
+      <p:cxnSp>
+        <p:nvCxnSpPr>
+          <p:cNvPr id="859" name="Прямая со стрелкой 858"/>
+          <p:cNvCxnSpPr>
+            <a:stCxn id="639" idx="2"/>
+            <a:endCxn id="803" idx="0"/>
+          </p:cNvCxnSpPr>
+          <p:nvPr/>
+        </p:nvCxnSpPr>
+        <p:spPr>
+          <a:xfrm flipH="1">
+            <a:off x="35859421" y="7730026"/>
+            <a:ext cx="1" cy="239738"/>
+          </a:xfrm>
+          <a:prstGeom prst="straightConnector1">
+            <a:avLst/>
+          </a:prstGeom>
+          <a:ln w="19050">
+            <a:tailEnd type="arrow"/>
+          </a:ln>
+        </p:spPr>
+        <p:style>
+          <a:lnRef idx="1">
+            <a:schemeClr val="accent1"/>
+          </a:lnRef>
+          <a:fillRef idx="0">
+            <a:schemeClr val="accent1"/>
+          </a:fillRef>
+          <a:effectRef idx="0">
+            <a:schemeClr val="accent1"/>
+          </a:effectRef>
+          <a:fontRef idx="minor">
+            <a:schemeClr val="tx1"/>
+          </a:fontRef>
+        </p:style>
+      </p:cxnSp>
+      <p:cxnSp>
+        <p:nvCxnSpPr>
+          <p:cNvPr id="862" name="Прямая со стрелкой 861"/>
+          <p:cNvCxnSpPr>
+            <a:stCxn id="803" idx="2"/>
+            <a:endCxn id="851" idx="0"/>
+          </p:cNvCxnSpPr>
+          <p:nvPr/>
+        </p:nvCxnSpPr>
+        <p:spPr>
+          <a:xfrm>
+            <a:off x="35859421" y="8509764"/>
+            <a:ext cx="2304" cy="241683"/>
+          </a:xfrm>
+          <a:prstGeom prst="straightConnector1">
+            <a:avLst/>
+          </a:prstGeom>
+          <a:ln w="19050">
+            <a:tailEnd type="arrow"/>
+          </a:ln>
+        </p:spPr>
+        <p:style>
+          <a:lnRef idx="1">
+            <a:schemeClr val="accent1"/>
+          </a:lnRef>
+          <a:fillRef idx="0">
+            <a:schemeClr val="accent1"/>
+          </a:fillRef>
+          <a:effectRef idx="0">
+            <a:schemeClr val="accent1"/>
+          </a:effectRef>
+          <a:fontRef idx="minor">
+            <a:schemeClr val="tx1"/>
+          </a:fontRef>
+        </p:style>
+      </p:cxnSp>
+      <p:cxnSp>
+        <p:nvCxnSpPr>
+          <p:cNvPr id="865" name="Соединительная линия уступом 864"/>
+          <p:cNvCxnSpPr>
+            <a:stCxn id="803" idx="2"/>
+            <a:endCxn id="756" idx="0"/>
+          </p:cNvCxnSpPr>
+          <p:nvPr/>
+        </p:nvCxnSpPr>
+        <p:spPr>
+          <a:xfrm rot="5400000">
+            <a:off x="34631239" y="7523186"/>
+            <a:ext cx="241604" cy="2214761"/>
+          </a:xfrm>
+          <a:prstGeom prst="bentConnector3">
+            <a:avLst>
+              <a:gd name="adj1" fmla="val 50000"/>
+            </a:avLst>
+          </a:prstGeom>
+          <a:ln w="19050">
+            <a:prstDash val="dash"/>
+            <a:tailEnd type="arrow"/>
+          </a:ln>
+        </p:spPr>
+        <p:style>
+          <a:lnRef idx="1">
+            <a:schemeClr val="accent1"/>
+          </a:lnRef>
+          <a:fillRef idx="0">
+            <a:schemeClr val="accent1"/>
+          </a:fillRef>
+          <a:effectRef idx="0">
+            <a:schemeClr val="accent1"/>
+          </a:effectRef>
+          <a:fontRef idx="minor">
+            <a:schemeClr val="tx1"/>
+          </a:fontRef>
+        </p:style>
+      </p:cxnSp>
+      <p:sp>
+        <p:nvSpPr>
+          <p:cNvPr id="868" name="Прямоугольник 867"/>
+          <p:cNvSpPr/>
+          <p:nvPr/>
+        </p:nvSpPr>
+        <p:spPr>
+          <a:xfrm>
+            <a:off x="34317274" y="8753261"/>
+            <a:ext cx="926325" cy="540000"/>
+          </a:xfrm>
+          <a:prstGeom prst="rect">
+            <a:avLst/>
+          </a:prstGeom>
+          <a:solidFill>
+            <a:schemeClr val="accent2">
+              <a:lumMod val="75000"/>
+            </a:schemeClr>
+          </a:solidFill>
+          <a:ln w="19050"/>
+        </p:spPr>
+        <p:style>
+          <a:lnRef idx="2">
+            <a:schemeClr val="accent1"/>
+          </a:lnRef>
+          <a:fillRef idx="1">
+            <a:schemeClr val="lt1"/>
+          </a:fillRef>
+          <a:effectRef idx="0">
+            <a:schemeClr val="accent1"/>
+          </a:effectRef>
+          <a:fontRef idx="minor">
+            <a:schemeClr val="dk1"/>
+          </a:fontRef>
+        </p:style>
+        <p:txBody>
+          <a:bodyPr lIns="124733" tIns="62367" rIns="124733" bIns="62367" rtlCol="0" anchor="ctr"/>
+          <a:lstStyle/>
+          <a:p>
+            <a:pPr algn="ctr"/>
+            <a:r>
+              <a:rPr lang="ru-RU" sz="700" dirty="0" smtClean="0"/>
+              <a:t>Присоединиться к Римскому Пакту</a:t>
+            </a:r>
+            <a:endParaRPr lang="ru-RU" sz="700" dirty="0"/>
+          </a:p>
+        </p:txBody>
+      </p:sp>
+      <p:cxnSp>
+        <p:nvCxnSpPr>
+          <p:cNvPr id="869" name="Прямая соединительная линия 868"/>
+          <p:cNvCxnSpPr>
+            <a:stCxn id="756" idx="3"/>
+            <a:endCxn id="868" idx="1"/>
+          </p:cNvCxnSpPr>
+          <p:nvPr/>
+        </p:nvCxnSpPr>
+        <p:spPr>
+          <a:xfrm>
+            <a:off x="34107822" y="9021368"/>
+            <a:ext cx="209452" cy="1893"/>
+          </a:xfrm>
+          <a:prstGeom prst="line">
+            <a:avLst/>
+          </a:prstGeom>
+          <a:ln w="19050">
+            <a:solidFill>
+              <a:srgbClr val="FF0000"/>
+            </a:solidFill>
+          </a:ln>
+        </p:spPr>
+        <p:style>
+          <a:lnRef idx="1">
+            <a:schemeClr val="accent1"/>
+          </a:lnRef>
+          <a:fillRef idx="0">
+            <a:schemeClr val="accent1"/>
+          </a:fillRef>
+          <a:effectRef idx="0">
+            <a:schemeClr val="accent1"/>
+          </a:effectRef>
+          <a:fontRef idx="minor">
+            <a:schemeClr val="tx1"/>
+          </a:fontRef>
+        </p:style>
+      </p:cxnSp>
+      <p:cxnSp>
+        <p:nvCxnSpPr>
+          <p:cNvPr id="872" name="Соединительная линия уступом 871"/>
+          <p:cNvCxnSpPr>
+            <a:stCxn id="803" idx="2"/>
+            <a:endCxn id="684" idx="0"/>
+          </p:cNvCxnSpPr>
+          <p:nvPr/>
+        </p:nvCxnSpPr>
+        <p:spPr>
+          <a:xfrm rot="5400000">
+            <a:off x="34076207" y="6968154"/>
+            <a:ext cx="241604" cy="3324825"/>
+          </a:xfrm>
+          <a:prstGeom prst="bentConnector3">
+            <a:avLst>
+              <a:gd name="adj1" fmla="val 50000"/>
+            </a:avLst>
+          </a:prstGeom>
+          <a:ln w="19050">
+            <a:prstDash val="dash"/>
+            <a:tailEnd type="arrow"/>
+          </a:ln>
+        </p:spPr>
+        <p:style>
+          <a:lnRef idx="1">
+            <a:schemeClr val="accent1"/>
+          </a:lnRef>
+          <a:fillRef idx="0">
+            <a:schemeClr val="accent1"/>
+          </a:fillRef>
+          <a:effectRef idx="0">
+            <a:schemeClr val="accent1"/>
+          </a:effectRef>
+          <a:fontRef idx="minor">
+            <a:schemeClr val="tx1"/>
+          </a:fontRef>
+        </p:style>
+      </p:cxnSp>
+      <p:cxnSp>
+        <p:nvCxnSpPr>
+          <p:cNvPr id="875" name="Соединительная линия уступом 874"/>
+          <p:cNvCxnSpPr>
+            <a:stCxn id="803" idx="2"/>
+            <a:endCxn id="868" idx="0"/>
+          </p:cNvCxnSpPr>
+          <p:nvPr/>
+        </p:nvCxnSpPr>
+        <p:spPr>
+          <a:xfrm rot="5400000">
+            <a:off x="35198181" y="8092020"/>
+            <a:ext cx="243497" cy="1078984"/>
+          </a:xfrm>
+          <a:prstGeom prst="bentConnector3">
+            <a:avLst>
+              <a:gd name="adj1" fmla="val 50000"/>
+            </a:avLst>
+          </a:prstGeom>
+          <a:ln w="19050">
+            <a:prstDash val="dash"/>
+            <a:tailEnd type="arrow"/>
+          </a:ln>
+        </p:spPr>
+        <p:style>
+          <a:lnRef idx="1">
+            <a:schemeClr val="accent1"/>
+          </a:lnRef>
+          <a:fillRef idx="0">
+            <a:schemeClr val="accent1"/>
+          </a:fillRef>
+          <a:effectRef idx="0">
+            <a:schemeClr val="accent1"/>
+          </a:effectRef>
+          <a:fontRef idx="minor">
+            <a:schemeClr val="tx1"/>
+          </a:fontRef>
+        </p:style>
+      </p:cxnSp>
+      <p:cxnSp>
+        <p:nvCxnSpPr>
+          <p:cNvPr id="878" name="Соединительная линия уступом 877"/>
+          <p:cNvCxnSpPr>
+            <a:stCxn id="683" idx="2"/>
+            <a:endCxn id="868" idx="0"/>
+          </p:cNvCxnSpPr>
+          <p:nvPr/>
+        </p:nvCxnSpPr>
+        <p:spPr>
+          <a:xfrm rot="16200000" flipH="1">
+            <a:off x="33535768" y="7508592"/>
+            <a:ext cx="243496" cy="2245841"/>
+          </a:xfrm>
+          <a:prstGeom prst="bentConnector3">
+            <a:avLst>
+              <a:gd name="adj1" fmla="val 50000"/>
+            </a:avLst>
+          </a:prstGeom>
+          <a:ln w="19050">
+            <a:prstDash val="dash"/>
+            <a:tailEnd type="arrow"/>
+          </a:ln>
+        </p:spPr>
+        <p:style>
+          <a:lnRef idx="1">
+            <a:schemeClr val="accent1"/>
+          </a:lnRef>
+          <a:fillRef idx="0">
+            <a:schemeClr val="accent1"/>
+          </a:fillRef>
+          <a:effectRef idx="0">
+            <a:schemeClr val="accent1"/>
+          </a:effectRef>
+          <a:fontRef idx="minor">
+            <a:schemeClr val="tx1"/>
+          </a:fontRef>
+        </p:style>
+      </p:cxnSp>
+      <p:cxnSp>
+        <p:nvCxnSpPr>
+          <p:cNvPr id="881" name="Прямая со стрелкой 880"/>
+          <p:cNvCxnSpPr>
+            <a:stCxn id="804" idx="2"/>
+            <a:endCxn id="805" idx="0"/>
+          </p:cNvCxnSpPr>
+          <p:nvPr/>
+        </p:nvCxnSpPr>
+        <p:spPr>
+          <a:xfrm>
+            <a:off x="36936459" y="8503829"/>
+            <a:ext cx="3135" cy="234870"/>
+          </a:xfrm>
+          <a:prstGeom prst="straightConnector1">
+            <a:avLst/>
+          </a:prstGeom>
+          <a:ln w="19050">
+            <a:tailEnd type="arrow"/>
+          </a:ln>
+        </p:spPr>
+        <p:style>
+          <a:lnRef idx="1">
+            <a:schemeClr val="accent1"/>
+          </a:lnRef>
+          <a:fillRef idx="0">
+            <a:schemeClr val="accent1"/>
+          </a:fillRef>
+          <a:effectRef idx="0">
+            <a:schemeClr val="accent1"/>
+          </a:effectRef>
+          <a:fontRef idx="minor">
+            <a:schemeClr val="tx1"/>
+          </a:fontRef>
+        </p:style>
+      </p:cxnSp>
+      <p:cxnSp>
+        <p:nvCxnSpPr>
+          <p:cNvPr id="884" name="Соединительная линия уступом 883"/>
+          <p:cNvCxnSpPr>
+            <a:stCxn id="804" idx="2"/>
+            <a:endCxn id="806" idx="0"/>
+          </p:cNvCxnSpPr>
+          <p:nvPr/>
+        </p:nvCxnSpPr>
+        <p:spPr>
+          <a:xfrm rot="16200000" flipH="1">
+            <a:off x="37372575" y="8067712"/>
+            <a:ext cx="247539" cy="1119771"/>
+          </a:xfrm>
+          <a:prstGeom prst="bentConnector3">
+            <a:avLst>
+              <a:gd name="adj1" fmla="val 50000"/>
+            </a:avLst>
+          </a:prstGeom>
+          <a:ln w="19050">
+            <a:tailEnd type="arrow"/>
+          </a:ln>
+        </p:spPr>
+        <p:style>
+          <a:lnRef idx="1">
+            <a:schemeClr val="accent1"/>
+          </a:lnRef>
+          <a:fillRef idx="0">
+            <a:schemeClr val="accent1"/>
+          </a:fillRef>
+          <a:effectRef idx="0">
+            <a:schemeClr val="accent1"/>
+          </a:effectRef>
+          <a:fontRef idx="minor">
+            <a:schemeClr val="tx1"/>
+          </a:fontRef>
+        </p:style>
+      </p:cxnSp>
+      <p:sp>
+        <p:nvSpPr>
+          <p:cNvPr id="887" name="Прямоугольник 886"/>
+          <p:cNvSpPr/>
+          <p:nvPr/>
+        </p:nvSpPr>
+        <p:spPr>
+          <a:xfrm>
+            <a:off x="33200638" y="7992305"/>
+            <a:ext cx="926325" cy="540000"/>
+          </a:xfrm>
+          <a:prstGeom prst="rect">
+            <a:avLst/>
+          </a:prstGeom>
+          <a:solidFill>
+            <a:schemeClr val="accent2">
+              <a:lumMod val="75000"/>
+            </a:schemeClr>
+          </a:solidFill>
+          <a:ln w="19050"/>
+        </p:spPr>
+        <p:style>
+          <a:lnRef idx="2">
+            <a:schemeClr val="accent1"/>
+          </a:lnRef>
+          <a:fillRef idx="1">
+            <a:schemeClr val="lt1"/>
+          </a:fillRef>
+          <a:effectRef idx="0">
+            <a:schemeClr val="accent1"/>
+          </a:effectRef>
+          <a:fontRef idx="minor">
+            <a:schemeClr val="dk1"/>
+          </a:fontRef>
+        </p:style>
+        <p:txBody>
+          <a:bodyPr lIns="124733" tIns="62367" rIns="124733" bIns="62367" rtlCol="0" anchor="ctr"/>
+          <a:lstStyle/>
+          <a:p>
+            <a:pPr algn="ctr"/>
+            <a:r>
+              <a:rPr lang="ru-RU" sz="700" dirty="0" smtClean="0"/>
+              <a:t>Автаркия</a:t>
+            </a:r>
+            <a:endParaRPr lang="ru-RU" sz="700" dirty="0"/>
+          </a:p>
+        </p:txBody>
+      </p:sp>
+      <p:cxnSp>
+        <p:nvCxnSpPr>
+          <p:cNvPr id="888" name="Соединительная линия уступом 887"/>
+          <p:cNvCxnSpPr>
+            <a:stCxn id="632" idx="2"/>
+            <a:endCxn id="887" idx="0"/>
+          </p:cNvCxnSpPr>
+          <p:nvPr/>
+        </p:nvCxnSpPr>
+        <p:spPr>
+          <a:xfrm rot="16200000" flipH="1">
+            <a:off x="32968060" y="7296563"/>
+            <a:ext cx="262279" cy="1129204"/>
+          </a:xfrm>
+          <a:prstGeom prst="bentConnector3">
+            <a:avLst>
+              <a:gd name="adj1" fmla="val 50000"/>
+            </a:avLst>
+          </a:prstGeom>
+          <a:ln w="19050">
+            <a:prstDash val="dash"/>
+            <a:tailEnd type="arrow"/>
+          </a:ln>
+        </p:spPr>
+        <p:style>
+          <a:lnRef idx="1">
+            <a:schemeClr val="accent1"/>
+          </a:lnRef>
+          <a:fillRef idx="0">
+            <a:schemeClr val="accent1"/>
+          </a:fillRef>
+          <a:effectRef idx="0">
+            <a:schemeClr val="accent1"/>
+          </a:effectRef>
+          <a:fontRef idx="minor">
+            <a:schemeClr val="tx1"/>
+          </a:fontRef>
+        </p:style>
+      </p:cxnSp>
+      <p:cxnSp>
+        <p:nvCxnSpPr>
+          <p:cNvPr id="891" name="Соединительная линия уступом 890"/>
+          <p:cNvCxnSpPr>
+            <a:stCxn id="639" idx="2"/>
+            <a:endCxn id="887" idx="0"/>
+          </p:cNvCxnSpPr>
+          <p:nvPr/>
+        </p:nvCxnSpPr>
+        <p:spPr>
+          <a:xfrm rot="5400000">
+            <a:off x="34630473" y="6763355"/>
+            <a:ext cx="262279" cy="2195621"/>
+          </a:xfrm>
+          <a:prstGeom prst="bentConnector3">
+            <a:avLst>
+              <a:gd name="adj1" fmla="val 50000"/>
+            </a:avLst>
+          </a:prstGeom>
+          <a:ln w="19050">
+            <a:prstDash val="dash"/>
+            <a:tailEnd type="arrow"/>
+          </a:ln>
+        </p:spPr>
+        <p:style>
+          <a:lnRef idx="1">
+            <a:schemeClr val="accent1"/>
+          </a:lnRef>
+          <a:fillRef idx="0">
+            <a:schemeClr val="accent1"/>
+          </a:fillRef>
+          <a:effectRef idx="0">
+            <a:schemeClr val="accent1"/>
+          </a:effectRef>
+          <a:fontRef idx="minor">
+            <a:schemeClr val="tx1"/>
+          </a:fontRef>
+        </p:style>
+      </p:cxnSp>
+      <p:sp>
+        <p:nvSpPr>
+          <p:cNvPr id="895" name="Прямоугольник 894"/>
+          <p:cNvSpPr/>
+          <p:nvPr/>
+        </p:nvSpPr>
+        <p:spPr>
+          <a:xfrm>
+            <a:off x="38733535" y="9491745"/>
+            <a:ext cx="926325" cy="540000"/>
+          </a:xfrm>
+          <a:prstGeom prst="rect">
+            <a:avLst/>
+          </a:prstGeom>
+          <a:solidFill>
+            <a:schemeClr val="accent1">
+              <a:lumMod val="60000"/>
+              <a:lumOff val="40000"/>
+            </a:schemeClr>
+          </a:solidFill>
+          <a:ln w="19050"/>
+        </p:spPr>
+        <p:style>
+          <a:lnRef idx="2">
+            <a:schemeClr val="accent1"/>
+          </a:lnRef>
+          <a:fillRef idx="1">
+            <a:schemeClr val="lt1"/>
+          </a:fillRef>
+          <a:effectRef idx="0">
+            <a:schemeClr val="accent1"/>
+          </a:effectRef>
+          <a:fontRef idx="minor">
+            <a:schemeClr val="dk1"/>
+          </a:fontRef>
+        </p:style>
+        <p:txBody>
+          <a:bodyPr lIns="124733" tIns="62367" rIns="124733" bIns="62367" rtlCol="0" anchor="ctr"/>
+          <a:lstStyle/>
+          <a:p>
+            <a:pPr algn="ctr"/>
+            <a:r>
+              <a:rPr lang="ru-RU" sz="700" dirty="0" smtClean="0"/>
+              <a:t>Удержать республику (создание коалиционного правительства)</a:t>
+            </a:r>
+            <a:endParaRPr lang="ru-RU" sz="700" dirty="0"/>
+          </a:p>
+        </p:txBody>
+      </p:sp>
+      <p:sp>
+        <p:nvSpPr>
+          <p:cNvPr id="897" name="Прямоугольник 896"/>
+          <p:cNvSpPr/>
+          <p:nvPr/>
+        </p:nvSpPr>
+        <p:spPr>
+          <a:xfrm>
+            <a:off x="37593067" y="9499094"/>
+            <a:ext cx="926325" cy="540000"/>
+          </a:xfrm>
+          <a:prstGeom prst="rect">
+            <a:avLst/>
+          </a:prstGeom>
+          <a:solidFill>
+            <a:schemeClr val="accent1">
+              <a:lumMod val="60000"/>
+              <a:lumOff val="40000"/>
+            </a:schemeClr>
+          </a:solidFill>
+          <a:ln w="19050"/>
+        </p:spPr>
+        <p:style>
+          <a:lnRef idx="2">
+            <a:schemeClr val="accent1"/>
+          </a:lnRef>
+          <a:fillRef idx="1">
+            <a:schemeClr val="lt1"/>
+          </a:fillRef>
+          <a:effectRef idx="0">
+            <a:schemeClr val="accent1"/>
+          </a:effectRef>
+          <a:fontRef idx="minor">
+            <a:schemeClr val="dk1"/>
+          </a:fontRef>
+        </p:style>
+        <p:txBody>
+          <a:bodyPr lIns="124733" tIns="62367" rIns="124733" bIns="62367" rtlCol="0" anchor="ctr"/>
+          <a:lstStyle/>
+          <a:p>
+            <a:pPr algn="ctr"/>
+            <a:r>
+              <a:rPr lang="ru-RU" sz="700" dirty="0" smtClean="0"/>
+              <a:t>Продолжить индустриализацию страны</a:t>
+            </a:r>
+            <a:endParaRPr lang="ru-RU" sz="700" dirty="0"/>
+          </a:p>
+        </p:txBody>
+      </p:sp>
+      <p:cxnSp>
+        <p:nvCxnSpPr>
+          <p:cNvPr id="898" name="Соединительная линия уступом 897"/>
+          <p:cNvCxnSpPr>
+            <a:stCxn id="763" idx="2"/>
+            <a:endCxn id="897" idx="0"/>
+          </p:cNvCxnSpPr>
+          <p:nvPr/>
+        </p:nvCxnSpPr>
+        <p:spPr>
+          <a:xfrm rot="5400000">
+            <a:off x="38519483" y="8826581"/>
+            <a:ext cx="209260" cy="1135766"/>
+          </a:xfrm>
+          <a:prstGeom prst="bentConnector3">
+            <a:avLst>
+              <a:gd name="adj1" fmla="val 50000"/>
+            </a:avLst>
+          </a:prstGeom>
+          <a:ln w="19050">
+            <a:tailEnd type="arrow"/>
+          </a:ln>
+        </p:spPr>
+        <p:style>
+          <a:lnRef idx="1">
+            <a:schemeClr val="accent1"/>
+          </a:lnRef>
+          <a:fillRef idx="0">
+            <a:schemeClr val="accent1"/>
+          </a:fillRef>
+          <a:effectRef idx="0">
+            <a:schemeClr val="accent1"/>
+          </a:effectRef>
+          <a:fontRef idx="minor">
+            <a:schemeClr val="tx1"/>
+          </a:fontRef>
+        </p:style>
+      </p:cxnSp>
+      <p:cxnSp>
+        <p:nvCxnSpPr>
+          <p:cNvPr id="901" name="Соединительная линия уступом 900"/>
+          <p:cNvCxnSpPr>
+            <a:stCxn id="895" idx="2"/>
+            <a:endCxn id="825" idx="0"/>
+          </p:cNvCxnSpPr>
+          <p:nvPr/>
+        </p:nvCxnSpPr>
+        <p:spPr>
+          <a:xfrm rot="16200000" flipH="1">
+            <a:off x="39354532" y="9873911"/>
+            <a:ext cx="226453" cy="542120"/>
+          </a:xfrm>
+          <a:prstGeom prst="bentConnector3">
+            <a:avLst>
+              <a:gd name="adj1" fmla="val 50000"/>
+            </a:avLst>
+          </a:prstGeom>
+          <a:ln w="19050">
+            <a:tailEnd type="arrow"/>
+          </a:ln>
+        </p:spPr>
+        <p:style>
+          <a:lnRef idx="1">
+            <a:schemeClr val="accent1"/>
+          </a:lnRef>
+          <a:fillRef idx="0">
+            <a:schemeClr val="accent1"/>
+          </a:fillRef>
+          <a:effectRef idx="0">
+            <a:schemeClr val="accent1"/>
+          </a:effectRef>
+          <a:fontRef idx="minor">
+            <a:schemeClr val="tx1"/>
+          </a:fontRef>
+        </p:style>
+      </p:cxnSp>
+      <p:sp>
+        <p:nvSpPr>
+          <p:cNvPr id="904" name="Прямоугольник 903"/>
+          <p:cNvSpPr/>
+          <p:nvPr/>
+        </p:nvSpPr>
+        <p:spPr>
+          <a:xfrm>
+            <a:off x="37033181" y="10264491"/>
+            <a:ext cx="926325" cy="540000"/>
+          </a:xfrm>
+          <a:prstGeom prst="rect">
+            <a:avLst/>
+          </a:prstGeom>
+          <a:solidFill>
+            <a:schemeClr val="accent1">
+              <a:lumMod val="60000"/>
+              <a:lumOff val="40000"/>
+            </a:schemeClr>
+          </a:solidFill>
+          <a:ln w="19050"/>
+        </p:spPr>
+        <p:style>
+          <a:lnRef idx="2">
+            <a:schemeClr val="accent1"/>
+          </a:lnRef>
+          <a:fillRef idx="1">
+            <a:schemeClr val="lt1"/>
+          </a:fillRef>
+          <a:effectRef idx="0">
+            <a:schemeClr val="accent1"/>
+          </a:effectRef>
+          <a:fontRef idx="minor">
+            <a:schemeClr val="dk1"/>
+          </a:fontRef>
+        </p:style>
+        <p:txBody>
+          <a:bodyPr lIns="124733" tIns="62367" rIns="124733" bIns="62367" rtlCol="0" anchor="ctr"/>
+          <a:lstStyle/>
+          <a:p>
+            <a:pPr algn="ctr"/>
+            <a:r>
+              <a:rPr lang="ru-RU" sz="700" dirty="0" smtClean="0"/>
+              <a:t>Провести урбанизацию</a:t>
+            </a:r>
+            <a:endParaRPr lang="ru-RU" sz="700" dirty="0"/>
+          </a:p>
+        </p:txBody>
+      </p:sp>
+      <p:cxnSp>
+        <p:nvCxnSpPr>
+          <p:cNvPr id="905" name="Соединительная линия уступом 904"/>
+          <p:cNvCxnSpPr>
+            <a:stCxn id="897" idx="2"/>
+            <a:endCxn id="904" idx="0"/>
+          </p:cNvCxnSpPr>
+          <p:nvPr/>
+        </p:nvCxnSpPr>
+        <p:spPr>
+          <a:xfrm rot="5400000">
+            <a:off x="37663589" y="9871849"/>
+            <a:ext cx="225397" cy="559886"/>
+          </a:xfrm>
+          <a:prstGeom prst="bentConnector3">
+            <a:avLst>
+              <a:gd name="adj1" fmla="val 50000"/>
+            </a:avLst>
+          </a:prstGeom>
+          <a:ln w="19050">
+            <a:tailEnd type="arrow"/>
+          </a:ln>
+        </p:spPr>
+        <p:style>
+          <a:lnRef idx="1">
+            <a:schemeClr val="accent1"/>
+          </a:lnRef>
+          <a:fillRef idx="0">
+            <a:schemeClr val="accent1"/>
+          </a:fillRef>
+          <a:effectRef idx="0">
+            <a:schemeClr val="accent1"/>
+          </a:effectRef>
+          <a:fontRef idx="minor">
+            <a:schemeClr val="tx1"/>
+          </a:fontRef>
+        </p:style>
+      </p:cxnSp>
+      <p:cxnSp>
+        <p:nvCxnSpPr>
+          <p:cNvPr id="908" name="Соединительная линия уступом 907"/>
+          <p:cNvCxnSpPr>
+            <a:stCxn id="895" idx="2"/>
+            <a:endCxn id="794" idx="0"/>
+          </p:cNvCxnSpPr>
+          <p:nvPr/>
+        </p:nvCxnSpPr>
+        <p:spPr>
+          <a:xfrm rot="5400000">
+            <a:off x="38794722" y="9858221"/>
+            <a:ext cx="228453" cy="575501"/>
+          </a:xfrm>
+          <a:prstGeom prst="bentConnector3">
+            <a:avLst>
+              <a:gd name="adj1" fmla="val 50000"/>
+            </a:avLst>
+          </a:prstGeom>
+          <a:ln w="19050">
+            <a:tailEnd type="arrow"/>
+          </a:ln>
+        </p:spPr>
+        <p:style>
+          <a:lnRef idx="1">
+            <a:schemeClr val="accent1"/>
+          </a:lnRef>
+          <a:fillRef idx="0">
+            <a:schemeClr val="accent1"/>
+          </a:fillRef>
+          <a:effectRef idx="0">
+            <a:schemeClr val="accent1"/>
+          </a:effectRef>
+          <a:fontRef idx="minor">
+            <a:schemeClr val="tx1"/>
+          </a:fontRef>
+        </p:style>
+      </p:cxnSp>
+      <p:cxnSp>
+        <p:nvCxnSpPr>
+          <p:cNvPr id="911" name="Соединительная линия уступом 910"/>
+          <p:cNvCxnSpPr>
+            <a:stCxn id="897" idx="2"/>
+            <a:endCxn id="794" idx="0"/>
+          </p:cNvCxnSpPr>
+          <p:nvPr/>
+        </p:nvCxnSpPr>
+        <p:spPr>
+          <a:xfrm rot="16200000" flipH="1">
+            <a:off x="38228161" y="9867162"/>
+            <a:ext cx="221104" cy="564967"/>
+          </a:xfrm>
+          <a:prstGeom prst="bentConnector3">
+            <a:avLst>
+              <a:gd name="adj1" fmla="val 50000"/>
+            </a:avLst>
+          </a:prstGeom>
+          <a:ln w="19050">
+            <a:tailEnd type="arrow"/>
+          </a:ln>
+        </p:spPr>
+        <p:style>
+          <a:lnRef idx="1">
+            <a:schemeClr val="accent1"/>
+          </a:lnRef>
+          <a:fillRef idx="0">
+            <a:schemeClr val="accent1"/>
+          </a:fillRef>
+          <a:effectRef idx="0">
+            <a:schemeClr val="accent1"/>
+          </a:effectRef>
+          <a:fontRef idx="minor">
+            <a:schemeClr val="tx1"/>
+          </a:fontRef>
+        </p:style>
+      </p:cxnSp>
+      <p:sp>
+        <p:nvSpPr>
+          <p:cNvPr id="914" name="Прямоугольник 913"/>
+          <p:cNvSpPr/>
+          <p:nvPr/>
+        </p:nvSpPr>
+        <p:spPr>
+          <a:xfrm>
+            <a:off x="33181497" y="9500952"/>
+            <a:ext cx="926325" cy="540000"/>
+          </a:xfrm>
+          <a:prstGeom prst="rect">
+            <a:avLst/>
+          </a:prstGeom>
+          <a:solidFill>
+            <a:schemeClr val="accent2">
+              <a:lumMod val="75000"/>
+            </a:schemeClr>
+          </a:solidFill>
+          <a:ln w="19050"/>
+        </p:spPr>
+        <p:style>
+          <a:lnRef idx="2">
+            <a:schemeClr val="accent1"/>
+          </a:lnRef>
+          <a:fillRef idx="1">
+            <a:schemeClr val="lt1"/>
+          </a:fillRef>
+          <a:effectRef idx="0">
+            <a:schemeClr val="accent1"/>
+          </a:effectRef>
+          <a:fontRef idx="minor">
+            <a:schemeClr val="dk1"/>
+          </a:fontRef>
+        </p:style>
+        <p:txBody>
+          <a:bodyPr lIns="124733" tIns="62367" rIns="124733" bIns="62367" rtlCol="0" anchor="ctr"/>
+          <a:lstStyle/>
+          <a:p>
+            <a:pPr algn="ctr"/>
+            <a:r>
+              <a:rPr lang="ru-RU" sz="700" dirty="0" smtClean="0"/>
+              <a:t>Восстановить границы Арагона</a:t>
+            </a:r>
+            <a:endParaRPr lang="ru-RU" sz="700" dirty="0"/>
+          </a:p>
+        </p:txBody>
+      </p:sp>
+      <p:cxnSp>
+        <p:nvCxnSpPr>
+          <p:cNvPr id="915" name="Соединительная линия уступом 914"/>
+          <p:cNvCxnSpPr>
+            <a:stCxn id="684" idx="2"/>
+            <a:endCxn id="914" idx="0"/>
+          </p:cNvCxnSpPr>
+          <p:nvPr/>
+        </p:nvCxnSpPr>
+        <p:spPr>
+          <a:xfrm rot="16200000" flipH="1">
+            <a:off x="32984836" y="8841128"/>
+            <a:ext cx="209584" cy="1110064"/>
+          </a:xfrm>
+          <a:prstGeom prst="bentConnector3">
+            <a:avLst>
+              <a:gd name="adj1" fmla="val 50000"/>
+            </a:avLst>
+          </a:prstGeom>
+          <a:ln w="19050">
+            <a:prstDash val="dash"/>
+            <a:tailEnd type="arrow"/>
+          </a:ln>
+        </p:spPr>
+        <p:style>
+          <a:lnRef idx="1">
+            <a:schemeClr val="accent1"/>
+          </a:lnRef>
+          <a:fillRef idx="0">
+            <a:schemeClr val="accent1"/>
+          </a:fillRef>
+          <a:effectRef idx="0">
+            <a:schemeClr val="accent1"/>
+          </a:effectRef>
+          <a:fontRef idx="minor">
+            <a:schemeClr val="tx1"/>
+          </a:fontRef>
+        </p:style>
+      </p:cxnSp>
+      <p:cxnSp>
+        <p:nvCxnSpPr>
+          <p:cNvPr id="918" name="Соединительная линия уступом 917"/>
+          <p:cNvCxnSpPr>
+            <a:stCxn id="868" idx="2"/>
+            <a:endCxn id="914" idx="0"/>
+          </p:cNvCxnSpPr>
+          <p:nvPr/>
+        </p:nvCxnSpPr>
+        <p:spPr>
+          <a:xfrm rot="5400000">
+            <a:off x="34108704" y="8829218"/>
+            <a:ext cx="207691" cy="1135777"/>
+          </a:xfrm>
+          <a:prstGeom prst="bentConnector3">
+            <a:avLst>
+              <a:gd name="adj1" fmla="val 50000"/>
+            </a:avLst>
+          </a:prstGeom>
+          <a:ln w="19050">
+            <a:prstDash val="dash"/>
+            <a:tailEnd type="arrow"/>
+          </a:ln>
+        </p:spPr>
+        <p:style>
+          <a:lnRef idx="1">
+            <a:schemeClr val="accent1"/>
+          </a:lnRef>
+          <a:fillRef idx="0">
+            <a:schemeClr val="accent1"/>
+          </a:fillRef>
+          <a:effectRef idx="0">
+            <a:schemeClr val="accent1"/>
+          </a:effectRef>
+          <a:fontRef idx="minor">
+            <a:schemeClr val="tx1"/>
+          </a:fontRef>
+        </p:style>
+      </p:cxnSp>
+      <p:cxnSp>
+        <p:nvCxnSpPr>
+          <p:cNvPr id="922" name="Прямая со стрелкой 921"/>
+          <p:cNvCxnSpPr>
+            <a:stCxn id="756" idx="2"/>
+            <a:endCxn id="914" idx="0"/>
+          </p:cNvCxnSpPr>
+          <p:nvPr/>
+        </p:nvCxnSpPr>
+        <p:spPr>
+          <a:xfrm>
+            <a:off x="33644660" y="9291368"/>
+            <a:ext cx="0" cy="209584"/>
+          </a:xfrm>
+          <a:prstGeom prst="straightConnector1">
+            <a:avLst/>
+          </a:prstGeom>
+          <a:ln w="19050">
+            <a:prstDash val="dash"/>
+            <a:tailEnd type="arrow"/>
+          </a:ln>
+        </p:spPr>
+        <p:style>
+          <a:lnRef idx="1">
+            <a:schemeClr val="accent1"/>
+          </a:lnRef>
+          <a:fillRef idx="0">
+            <a:schemeClr val="accent1"/>
+          </a:fillRef>
+          <a:effectRef idx="0">
+            <a:schemeClr val="accent1"/>
+          </a:effectRef>
+          <a:fontRef idx="minor">
+            <a:schemeClr val="tx1"/>
+          </a:fontRef>
+        </p:style>
+      </p:cxnSp>
+      <p:sp>
+        <p:nvSpPr>
+          <p:cNvPr id="927" name="Прямоугольник 926"/>
+          <p:cNvSpPr/>
+          <p:nvPr/>
+        </p:nvSpPr>
+        <p:spPr>
+          <a:xfrm>
+            <a:off x="30495845" y="10248729"/>
+            <a:ext cx="926325" cy="540000"/>
+          </a:xfrm>
+          <a:prstGeom prst="rect">
+            <a:avLst/>
+          </a:prstGeom>
+          <a:solidFill>
+            <a:schemeClr val="accent2">
+              <a:lumMod val="75000"/>
+            </a:schemeClr>
+          </a:solidFill>
+          <a:ln w="19050"/>
+        </p:spPr>
+        <p:style>
+          <a:lnRef idx="2">
+            <a:schemeClr val="accent1"/>
+          </a:lnRef>
+          <a:fillRef idx="1">
+            <a:schemeClr val="lt1"/>
+          </a:fillRef>
+          <a:effectRef idx="0">
+            <a:schemeClr val="accent1"/>
+          </a:effectRef>
+          <a:fontRef idx="minor">
+            <a:schemeClr val="dk1"/>
+          </a:fontRef>
+        </p:style>
+        <p:txBody>
+          <a:bodyPr lIns="124733" tIns="62367" rIns="124733" bIns="62367" rtlCol="0" anchor="ctr"/>
+          <a:lstStyle/>
+          <a:p>
+            <a:pPr algn="ctr"/>
+            <a:r>
+              <a:rPr lang="ru-RU" sz="700" dirty="0" smtClean="0"/>
+              <a:t>Экстренная милитаризация</a:t>
+            </a:r>
+            <a:endParaRPr lang="ru-RU" sz="200" dirty="0"/>
+          </a:p>
+        </p:txBody>
+      </p:sp>
+      <p:cxnSp>
+        <p:nvCxnSpPr>
+          <p:cNvPr id="928" name="Прямая со стрелкой 927"/>
+          <p:cNvCxnSpPr>
+            <a:stCxn id="738" idx="2"/>
+            <a:endCxn id="927" idx="0"/>
+          </p:cNvCxnSpPr>
+          <p:nvPr/>
+        </p:nvCxnSpPr>
+        <p:spPr>
+          <a:xfrm flipH="1">
+            <a:off x="30959008" y="8533712"/>
+            <a:ext cx="1791" cy="1715017"/>
+          </a:xfrm>
+          <a:prstGeom prst="straightConnector1">
+            <a:avLst/>
+          </a:prstGeom>
+          <a:ln w="19050">
+            <a:tailEnd type="arrow"/>
+          </a:ln>
+        </p:spPr>
+        <p:style>
+          <a:lnRef idx="1">
+            <a:schemeClr val="accent1"/>
+          </a:lnRef>
+          <a:fillRef idx="0">
+            <a:schemeClr val="accent1"/>
+          </a:fillRef>
+          <a:effectRef idx="0">
+            <a:schemeClr val="accent1"/>
+          </a:effectRef>
+          <a:fontRef idx="minor">
+            <a:schemeClr val="tx1"/>
+          </a:fontRef>
+        </p:style>
+      </p:cxnSp>
+      <p:sp>
+        <p:nvSpPr>
+          <p:cNvPr id="931" name="Прямоугольник 930"/>
+          <p:cNvSpPr/>
+          <p:nvPr/>
+        </p:nvSpPr>
+        <p:spPr>
+          <a:xfrm>
+            <a:off x="34312574" y="9500952"/>
+            <a:ext cx="926325" cy="540000"/>
+          </a:xfrm>
+          <a:prstGeom prst="rect">
+            <a:avLst/>
+          </a:prstGeom>
+          <a:solidFill>
+            <a:schemeClr val="accent2">
+              <a:lumMod val="75000"/>
+            </a:schemeClr>
+          </a:solidFill>
+          <a:ln w="19050"/>
+        </p:spPr>
+        <p:style>
+          <a:lnRef idx="2">
+            <a:schemeClr val="accent1"/>
+          </a:lnRef>
+          <a:fillRef idx="1">
+            <a:schemeClr val="lt1"/>
+          </a:fillRef>
+          <a:effectRef idx="0">
+            <a:schemeClr val="accent1"/>
+          </a:effectRef>
+          <a:fontRef idx="minor">
+            <a:schemeClr val="dk1"/>
+          </a:fontRef>
+        </p:style>
+        <p:txBody>
+          <a:bodyPr lIns="124733" tIns="62367" rIns="124733" bIns="62367" rtlCol="0" anchor="ctr"/>
+          <a:lstStyle/>
+          <a:p>
+            <a:pPr algn="ctr"/>
+            <a:r>
+              <a:rPr lang="ru-RU" sz="700" dirty="0" smtClean="0"/>
+              <a:t>Объединить Иберийский полуостров</a:t>
+            </a:r>
+            <a:endParaRPr lang="ru-RU" sz="700" dirty="0"/>
+          </a:p>
+        </p:txBody>
+      </p:sp>
+      <p:cxnSp>
+        <p:nvCxnSpPr>
+          <p:cNvPr id="932" name="Прямая со стрелкой 931"/>
+          <p:cNvCxnSpPr>
+            <a:stCxn id="868" idx="2"/>
+            <a:endCxn id="931" idx="0"/>
+          </p:cNvCxnSpPr>
+          <p:nvPr/>
+        </p:nvCxnSpPr>
+        <p:spPr>
+          <a:xfrm flipH="1">
+            <a:off x="34775737" y="9293261"/>
+            <a:ext cx="4700" cy="207691"/>
+          </a:xfrm>
+          <a:prstGeom prst="straightConnector1">
+            <a:avLst/>
+          </a:prstGeom>
+          <a:ln w="19050">
+            <a:prstDash val="dash"/>
+            <a:tailEnd type="arrow"/>
+          </a:ln>
+        </p:spPr>
+        <p:style>
+          <a:lnRef idx="1">
+            <a:schemeClr val="accent1"/>
+          </a:lnRef>
+          <a:fillRef idx="0">
+            <a:schemeClr val="accent1"/>
+          </a:fillRef>
+          <a:effectRef idx="0">
+            <a:schemeClr val="accent1"/>
+          </a:effectRef>
+          <a:fontRef idx="minor">
+            <a:schemeClr val="tx1"/>
+          </a:fontRef>
+        </p:style>
+      </p:cxnSp>
+      <p:cxnSp>
+        <p:nvCxnSpPr>
+          <p:cNvPr id="935" name="Соединительная линия уступом 934"/>
+          <p:cNvCxnSpPr>
+            <a:stCxn id="684" idx="2"/>
+            <a:endCxn id="931" idx="0"/>
+          </p:cNvCxnSpPr>
+          <p:nvPr/>
+        </p:nvCxnSpPr>
+        <p:spPr>
+          <a:xfrm rot="16200000" flipH="1">
+            <a:off x="33550374" y="8275589"/>
+            <a:ext cx="209584" cy="2241141"/>
+          </a:xfrm>
+          <a:prstGeom prst="bentConnector3">
+            <a:avLst>
+              <a:gd name="adj1" fmla="val 50000"/>
+            </a:avLst>
+          </a:prstGeom>
+          <a:ln w="19050">
+            <a:prstDash val="dash"/>
+            <a:tailEnd type="arrow"/>
+          </a:ln>
+        </p:spPr>
+        <p:style>
+          <a:lnRef idx="1">
+            <a:schemeClr val="accent1"/>
+          </a:lnRef>
+          <a:fillRef idx="0">
+            <a:schemeClr val="accent1"/>
+          </a:fillRef>
+          <a:effectRef idx="0">
+            <a:schemeClr val="accent1"/>
+          </a:effectRef>
+          <a:fontRef idx="minor">
+            <a:schemeClr val="tx1"/>
+          </a:fontRef>
+        </p:style>
+      </p:cxnSp>
+      <p:cxnSp>
+        <p:nvCxnSpPr>
+          <p:cNvPr id="938" name="Соединительная линия уступом 937"/>
+          <p:cNvCxnSpPr>
+            <a:stCxn id="756" idx="2"/>
+            <a:endCxn id="931" idx="0"/>
+          </p:cNvCxnSpPr>
+          <p:nvPr/>
+        </p:nvCxnSpPr>
+        <p:spPr>
+          <a:xfrm rot="16200000" flipH="1">
+            <a:off x="34105406" y="8830621"/>
+            <a:ext cx="209584" cy="1131077"/>
+          </a:xfrm>
+          <a:prstGeom prst="bentConnector3">
+            <a:avLst>
+              <a:gd name="adj1" fmla="val 50000"/>
+            </a:avLst>
+          </a:prstGeom>
+          <a:ln w="19050">
+            <a:prstDash val="dash"/>
+            <a:tailEnd type="arrow"/>
+          </a:ln>
+        </p:spPr>
+        <p:style>
+          <a:lnRef idx="1">
+            <a:schemeClr val="accent1"/>
+          </a:lnRef>
+          <a:fillRef idx="0">
+            <a:schemeClr val="accent1"/>
+          </a:fillRef>
+          <a:effectRef idx="0">
+            <a:schemeClr val="accent1"/>
+          </a:effectRef>
+          <a:fontRef idx="minor">
+            <a:schemeClr val="tx1"/>
+          </a:fontRef>
+        </p:style>
+      </p:cxnSp>
+      <p:sp>
+        <p:nvSpPr>
+          <p:cNvPr id="941" name="Прямоугольник 940"/>
+          <p:cNvSpPr/>
+          <p:nvPr/>
+        </p:nvSpPr>
+        <p:spPr>
+          <a:xfrm>
+            <a:off x="32066730" y="9494956"/>
+            <a:ext cx="926325" cy="540000"/>
+          </a:xfrm>
+          <a:prstGeom prst="rect">
+            <a:avLst/>
+          </a:prstGeom>
+          <a:solidFill>
+            <a:schemeClr val="accent2">
+              <a:lumMod val="75000"/>
+            </a:schemeClr>
+          </a:solidFill>
+          <a:ln w="19050"/>
+        </p:spPr>
+        <p:style>
+          <a:lnRef idx="2">
+            <a:schemeClr val="accent1"/>
+          </a:lnRef>
+          <a:fillRef idx="1">
+            <a:schemeClr val="lt1"/>
+          </a:fillRef>
+          <a:effectRef idx="0">
+            <a:schemeClr val="accent1"/>
+          </a:effectRef>
+          <a:fontRef idx="minor">
+            <a:schemeClr val="dk1"/>
+          </a:fontRef>
+        </p:style>
+        <p:txBody>
+          <a:bodyPr lIns="124733" tIns="62367" rIns="124733" bIns="62367" rtlCol="0" anchor="ctr"/>
+          <a:lstStyle/>
+          <a:p>
+            <a:pPr algn="ctr"/>
+            <a:r>
+              <a:rPr lang="ru-RU" sz="700" dirty="0" smtClean="0"/>
+              <a:t>Перехватить контроль над Гибралтаром (и </a:t>
+            </a:r>
+            <a:r>
+              <a:rPr lang="ru-RU" sz="700" dirty="0" err="1" smtClean="0"/>
+              <a:t>танжером</a:t>
+            </a:r>
+            <a:r>
+              <a:rPr lang="ru-RU" sz="700" dirty="0" smtClean="0"/>
+              <a:t>)</a:t>
+            </a:r>
+            <a:endParaRPr lang="ru-RU" sz="700" dirty="0"/>
+          </a:p>
+        </p:txBody>
+      </p:sp>
+      <p:cxnSp>
+        <p:nvCxnSpPr>
+          <p:cNvPr id="942" name="Прямая со стрелкой 941"/>
+          <p:cNvCxnSpPr>
+            <a:stCxn id="684" idx="2"/>
+            <a:endCxn id="941" idx="0"/>
+          </p:cNvCxnSpPr>
+          <p:nvPr/>
+        </p:nvCxnSpPr>
+        <p:spPr>
+          <a:xfrm flipH="1">
+            <a:off x="32529893" y="9291368"/>
+            <a:ext cx="4703" cy="203588"/>
+          </a:xfrm>
+          <a:prstGeom prst="straightConnector1">
+            <a:avLst/>
+          </a:prstGeom>
+          <a:ln w="19050">
+            <a:prstDash val="dash"/>
+            <a:tailEnd type="arrow"/>
+          </a:ln>
+        </p:spPr>
+        <p:style>
+          <a:lnRef idx="1">
+            <a:schemeClr val="accent1"/>
+          </a:lnRef>
+          <a:fillRef idx="0">
+            <a:schemeClr val="accent1"/>
+          </a:fillRef>
+          <a:effectRef idx="0">
+            <a:schemeClr val="accent1"/>
+          </a:effectRef>
+          <a:fontRef idx="minor">
+            <a:schemeClr val="tx1"/>
+          </a:fontRef>
+        </p:style>
+      </p:cxnSp>
+      <p:cxnSp>
+        <p:nvCxnSpPr>
+          <p:cNvPr id="945" name="Соединительная линия уступом 944"/>
+          <p:cNvCxnSpPr>
+            <a:stCxn id="756" idx="2"/>
+            <a:endCxn id="941" idx="0"/>
+          </p:cNvCxnSpPr>
+          <p:nvPr/>
+        </p:nvCxnSpPr>
+        <p:spPr>
+          <a:xfrm rot="5400000">
+            <a:off x="32985483" y="8835779"/>
+            <a:ext cx="203588" cy="1114767"/>
+          </a:xfrm>
+          <a:prstGeom prst="bentConnector3">
+            <a:avLst>
+              <a:gd name="adj1" fmla="val 50000"/>
+            </a:avLst>
+          </a:prstGeom>
+          <a:ln w="19050">
+            <a:prstDash val="dash"/>
+            <a:tailEnd type="arrow"/>
+          </a:ln>
+        </p:spPr>
+        <p:style>
+          <a:lnRef idx="1">
+            <a:schemeClr val="accent1"/>
+          </a:lnRef>
+          <a:fillRef idx="0">
+            <a:schemeClr val="accent1"/>
+          </a:fillRef>
+          <a:effectRef idx="0">
+            <a:schemeClr val="accent1"/>
+          </a:effectRef>
+          <a:fontRef idx="minor">
+            <a:schemeClr val="tx1"/>
+          </a:fontRef>
+        </p:style>
+      </p:cxnSp>
+      <p:cxnSp>
+        <p:nvCxnSpPr>
+          <p:cNvPr id="948" name="Соединительная линия уступом 947"/>
+          <p:cNvCxnSpPr>
+            <a:stCxn id="868" idx="2"/>
+            <a:endCxn id="941" idx="0"/>
+          </p:cNvCxnSpPr>
+          <p:nvPr/>
+        </p:nvCxnSpPr>
+        <p:spPr>
+          <a:xfrm rot="5400000">
+            <a:off x="33554318" y="8268836"/>
+            <a:ext cx="201695" cy="2250544"/>
+          </a:xfrm>
+          <a:prstGeom prst="bentConnector3">
+            <a:avLst>
+              <a:gd name="adj1" fmla="val 50000"/>
+            </a:avLst>
+          </a:prstGeom>
+          <a:ln w="19050">
+            <a:prstDash val="dash"/>
+            <a:tailEnd type="arrow"/>
+          </a:ln>
+        </p:spPr>
+        <p:style>
+          <a:lnRef idx="1">
+            <a:schemeClr val="accent1"/>
+          </a:lnRef>
+          <a:fillRef idx="0">
+            <a:schemeClr val="accent1"/>
+          </a:fillRef>
+          <a:effectRef idx="0">
+            <a:schemeClr val="accent1"/>
+          </a:effectRef>
+          <a:fontRef idx="minor">
+            <a:schemeClr val="tx1"/>
+          </a:fontRef>
+        </p:style>
+      </p:cxnSp>
+      <p:cxnSp>
+        <p:nvCxnSpPr>
+          <p:cNvPr id="951" name="Соединительная линия уступом 950"/>
+          <p:cNvCxnSpPr>
+            <a:stCxn id="941" idx="2"/>
+            <a:endCxn id="734" idx="0"/>
+          </p:cNvCxnSpPr>
+          <p:nvPr/>
+        </p:nvCxnSpPr>
+        <p:spPr>
+          <a:xfrm rot="16200000" flipH="1">
+            <a:off x="32978198" y="9586651"/>
+            <a:ext cx="219686" cy="1116296"/>
+          </a:xfrm>
+          <a:prstGeom prst="bentConnector3">
+            <a:avLst>
+              <a:gd name="adj1" fmla="val 50000"/>
+            </a:avLst>
+          </a:prstGeom>
+          <a:ln w="19050">
+            <a:tailEnd type="arrow"/>
+          </a:ln>
+        </p:spPr>
+        <p:style>
+          <a:lnRef idx="1">
+            <a:schemeClr val="accent1"/>
+          </a:lnRef>
+          <a:fillRef idx="0">
+            <a:schemeClr val="accent1"/>
+          </a:fillRef>
+          <a:effectRef idx="0">
+            <a:schemeClr val="accent1"/>
+          </a:effectRef>
+          <a:fontRef idx="minor">
+            <a:schemeClr val="tx1"/>
+          </a:fontRef>
+        </p:style>
+      </p:cxnSp>
+      <p:cxnSp>
+        <p:nvCxnSpPr>
+          <p:cNvPr id="954" name="Соединительная линия уступом 953"/>
+          <p:cNvCxnSpPr>
+            <a:stCxn id="931" idx="2"/>
+            <a:endCxn id="734" idx="0"/>
+          </p:cNvCxnSpPr>
+          <p:nvPr/>
+        </p:nvCxnSpPr>
+        <p:spPr>
+          <a:xfrm rot="5400000">
+            <a:off x="34104118" y="9583023"/>
+            <a:ext cx="213690" cy="1129548"/>
+          </a:xfrm>
+          <a:prstGeom prst="bentConnector3">
+            <a:avLst>
+              <a:gd name="adj1" fmla="val 50000"/>
+            </a:avLst>
+          </a:prstGeom>
+          <a:ln w="19050">
+            <a:tailEnd type="arrow"/>
+          </a:ln>
+        </p:spPr>
+        <p:style>
+          <a:lnRef idx="1">
+            <a:schemeClr val="accent1"/>
+          </a:lnRef>
+          <a:fillRef idx="0">
+            <a:schemeClr val="accent1"/>
+          </a:fillRef>
+          <a:effectRef idx="0">
+            <a:schemeClr val="accent1"/>
+          </a:effectRef>
+          <a:fontRef idx="minor">
+            <a:schemeClr val="tx1"/>
+          </a:fontRef>
+        </p:style>
+      </p:cxnSp>
+      <p:cxnSp>
+        <p:nvCxnSpPr>
+          <p:cNvPr id="957" name="Прямая со стрелкой 956"/>
+          <p:cNvCxnSpPr>
+            <a:stCxn id="914" idx="2"/>
+            <a:endCxn id="734" idx="0"/>
+          </p:cNvCxnSpPr>
+          <p:nvPr/>
+        </p:nvCxnSpPr>
+        <p:spPr>
+          <a:xfrm>
+            <a:off x="33644660" y="10040952"/>
+            <a:ext cx="1529" cy="213690"/>
+          </a:xfrm>
+          <a:prstGeom prst="straightConnector1">
+            <a:avLst/>
+          </a:prstGeom>
+          <a:ln w="19050">
+            <a:tailEnd type="arrow"/>
+          </a:ln>
+        </p:spPr>
+        <p:style>
+          <a:lnRef idx="1">
+            <a:schemeClr val="accent1"/>
+          </a:lnRef>
+          <a:fillRef idx="0">
+            <a:schemeClr val="accent1"/>
+          </a:fillRef>
+          <a:effectRef idx="0">
+            <a:schemeClr val="accent1"/>
+          </a:effectRef>
+          <a:fontRef idx="minor">
+            <a:schemeClr val="tx1"/>
+          </a:fontRef>
+        </p:style>
+      </p:cxnSp>
+      <p:sp>
+        <p:nvSpPr>
+          <p:cNvPr id="961" name="Прямоугольник 960"/>
+          <p:cNvSpPr/>
+          <p:nvPr/>
+        </p:nvSpPr>
+        <p:spPr>
+          <a:xfrm>
+            <a:off x="31041702" y="9489712"/>
+            <a:ext cx="926325" cy="540000"/>
+          </a:xfrm>
+          <a:prstGeom prst="rect">
+            <a:avLst/>
+          </a:prstGeom>
+          <a:solidFill>
+            <a:schemeClr val="accent2">
+              <a:lumMod val="75000"/>
+            </a:schemeClr>
+          </a:solidFill>
+          <a:ln w="19050"/>
+        </p:spPr>
+        <p:style>
+          <a:lnRef idx="2">
+            <a:schemeClr val="accent1"/>
+          </a:lnRef>
+          <a:fillRef idx="1">
+            <a:schemeClr val="lt1"/>
+          </a:fillRef>
+          <a:effectRef idx="0">
+            <a:schemeClr val="accent1"/>
+          </a:effectRef>
+          <a:fontRef idx="minor">
+            <a:schemeClr val="dk1"/>
+          </a:fontRef>
+        </p:style>
+        <p:txBody>
+          <a:bodyPr lIns="124733" tIns="62367" rIns="124733" bIns="62367" rtlCol="0" anchor="ctr"/>
+          <a:lstStyle/>
+          <a:p>
+            <a:pPr algn="ctr"/>
+            <a:r>
+              <a:rPr lang="ru-RU" sz="700" dirty="0" smtClean="0"/>
+              <a:t>Пригласить инструкторов из Рейха</a:t>
+            </a:r>
+            <a:endParaRPr lang="ru-RU" sz="700" dirty="0"/>
+          </a:p>
+        </p:txBody>
+      </p:sp>
+      <p:sp>
+        <p:nvSpPr>
+          <p:cNvPr id="963" name="Прямоугольник 962"/>
+          <p:cNvSpPr/>
+          <p:nvPr/>
+        </p:nvSpPr>
+        <p:spPr>
+          <a:xfrm>
+            <a:off x="35395363" y="9500952"/>
+            <a:ext cx="926325" cy="540000"/>
+          </a:xfrm>
+          <a:prstGeom prst="rect">
+            <a:avLst/>
+          </a:prstGeom>
+          <a:solidFill>
+            <a:schemeClr val="accent2">
+              <a:lumMod val="75000"/>
+            </a:schemeClr>
+          </a:solidFill>
+          <a:ln w="19050"/>
+        </p:spPr>
+        <p:style>
+          <a:lnRef idx="2">
+            <a:schemeClr val="accent1"/>
+          </a:lnRef>
+          <a:fillRef idx="1">
+            <a:schemeClr val="lt1"/>
+          </a:fillRef>
+          <a:effectRef idx="0">
+            <a:schemeClr val="accent1"/>
+          </a:effectRef>
+          <a:fontRef idx="minor">
+            <a:schemeClr val="dk1"/>
+          </a:fontRef>
+        </p:style>
+        <p:txBody>
+          <a:bodyPr lIns="124733" tIns="62367" rIns="124733" bIns="62367" rtlCol="0" anchor="ctr"/>
+          <a:lstStyle/>
+          <a:p>
+            <a:pPr algn="ctr"/>
+            <a:r>
+              <a:rPr lang="ru-RU" sz="700" dirty="0" smtClean="0"/>
+              <a:t>Помощь итальянских судостроителей</a:t>
+            </a:r>
+            <a:endParaRPr lang="ru-RU" sz="700" dirty="0"/>
+          </a:p>
+        </p:txBody>
+      </p:sp>
+      <p:cxnSp>
+        <p:nvCxnSpPr>
+          <p:cNvPr id="964" name="Соединительная линия уступом 963"/>
+          <p:cNvCxnSpPr>
+            <a:stCxn id="684" idx="2"/>
+            <a:endCxn id="961" idx="0"/>
+          </p:cNvCxnSpPr>
+          <p:nvPr/>
+        </p:nvCxnSpPr>
+        <p:spPr>
+          <a:xfrm rot="5400000">
+            <a:off x="31920559" y="8875675"/>
+            <a:ext cx="198344" cy="1029731"/>
+          </a:xfrm>
+          <a:prstGeom prst="bentConnector3">
+            <a:avLst>
+              <a:gd name="adj1" fmla="val 50000"/>
+            </a:avLst>
+          </a:prstGeom>
+          <a:ln w="19050">
+            <a:tailEnd type="arrow"/>
+          </a:ln>
+        </p:spPr>
+        <p:style>
+          <a:lnRef idx="1">
+            <a:schemeClr val="accent1"/>
+          </a:lnRef>
+          <a:fillRef idx="0">
+            <a:schemeClr val="accent1"/>
+          </a:fillRef>
+          <a:effectRef idx="0">
+            <a:schemeClr val="accent1"/>
+          </a:effectRef>
+          <a:fontRef idx="minor">
+            <a:schemeClr val="tx1"/>
+          </a:fontRef>
+        </p:style>
+      </p:cxnSp>
+      <p:cxnSp>
+        <p:nvCxnSpPr>
+          <p:cNvPr id="967" name="Соединительная линия уступом 966"/>
+          <p:cNvCxnSpPr>
+            <a:stCxn id="868" idx="2"/>
+            <a:endCxn id="963" idx="0"/>
+          </p:cNvCxnSpPr>
+          <p:nvPr/>
+        </p:nvCxnSpPr>
+        <p:spPr>
+          <a:xfrm rot="16200000" flipH="1">
+            <a:off x="35215636" y="8858061"/>
+            <a:ext cx="207691" cy="1078089"/>
+          </a:xfrm>
+          <a:prstGeom prst="bentConnector3">
+            <a:avLst>
+              <a:gd name="adj1" fmla="val 50000"/>
+            </a:avLst>
+          </a:prstGeom>
+          <a:ln w="19050">
+            <a:tailEnd type="arrow"/>
+          </a:ln>
+        </p:spPr>
+        <p:style>
+          <a:lnRef idx="1">
+            <a:schemeClr val="accent1"/>
+          </a:lnRef>
+          <a:fillRef idx="0">
+            <a:schemeClr val="accent1"/>
+          </a:fillRef>
+          <a:effectRef idx="0">
+            <a:schemeClr val="accent1"/>
+          </a:effectRef>
+          <a:fontRef idx="minor">
+            <a:schemeClr val="tx1"/>
+          </a:fontRef>
+        </p:style>
+      </p:cxnSp>
+      <p:sp>
+        <p:nvSpPr>
+          <p:cNvPr id="970" name="Прямоугольник 969"/>
+          <p:cNvSpPr/>
+          <p:nvPr/>
+        </p:nvSpPr>
+        <p:spPr>
+          <a:xfrm>
+            <a:off x="31555014" y="10248642"/>
+            <a:ext cx="926325" cy="540000"/>
+          </a:xfrm>
+          <a:prstGeom prst="rect">
+            <a:avLst/>
+          </a:prstGeom>
+          <a:solidFill>
+            <a:schemeClr val="accent2">
+              <a:lumMod val="75000"/>
+            </a:schemeClr>
+          </a:solidFill>
+          <a:ln w="19050"/>
+        </p:spPr>
+        <p:style>
+          <a:lnRef idx="2">
+            <a:schemeClr val="accent1"/>
+          </a:lnRef>
+          <a:fillRef idx="1">
+            <a:schemeClr val="lt1"/>
+          </a:fillRef>
+          <a:effectRef idx="0">
+            <a:schemeClr val="accent1"/>
+          </a:effectRef>
+          <a:fontRef idx="minor">
+            <a:schemeClr val="dk1"/>
+          </a:fontRef>
+        </p:style>
+        <p:txBody>
+          <a:bodyPr lIns="124733" tIns="62367" rIns="124733" bIns="62367" rtlCol="0" anchor="ctr"/>
+          <a:lstStyle/>
+          <a:p>
+            <a:pPr algn="ctr"/>
+            <a:r>
+              <a:rPr lang="ru-RU" sz="700" dirty="0" smtClean="0"/>
+              <a:t>Германские военные заводы</a:t>
+            </a:r>
+            <a:endParaRPr lang="ru-RU" sz="700" dirty="0"/>
+          </a:p>
+        </p:txBody>
+      </p:sp>
+      <p:cxnSp>
+        <p:nvCxnSpPr>
+          <p:cNvPr id="971" name="Соединительная линия уступом 970"/>
+          <p:cNvCxnSpPr>
+            <a:stCxn id="684" idx="2"/>
+            <a:endCxn id="970" idx="0"/>
+          </p:cNvCxnSpPr>
+          <p:nvPr/>
+        </p:nvCxnSpPr>
+        <p:spPr>
+          <a:xfrm rot="5400000">
+            <a:off x="31797750" y="9511796"/>
+            <a:ext cx="957274" cy="516419"/>
+          </a:xfrm>
+          <a:prstGeom prst="bentConnector3">
+            <a:avLst>
+              <a:gd name="adj1" fmla="val 10080"/>
+            </a:avLst>
+          </a:prstGeom>
+          <a:ln w="19050">
+            <a:tailEnd type="arrow"/>
+          </a:ln>
+        </p:spPr>
+        <p:style>
+          <a:lnRef idx="1">
+            <a:schemeClr val="accent1"/>
+          </a:lnRef>
+          <a:fillRef idx="0">
+            <a:schemeClr val="accent1"/>
+          </a:fillRef>
+          <a:effectRef idx="0">
+            <a:schemeClr val="accent1"/>
+          </a:effectRef>
+          <a:fontRef idx="minor">
+            <a:schemeClr val="tx1"/>
+          </a:fontRef>
+        </p:style>
+      </p:cxnSp>
+      <p:sp>
+        <p:nvSpPr>
+          <p:cNvPr id="975" name="Прямоугольник 974"/>
+          <p:cNvSpPr/>
+          <p:nvPr/>
+        </p:nvSpPr>
+        <p:spPr>
+          <a:xfrm>
+            <a:off x="36473296" y="9498641"/>
+            <a:ext cx="926325" cy="540000"/>
+          </a:xfrm>
+          <a:prstGeom prst="rect">
+            <a:avLst/>
+          </a:prstGeom>
+          <a:solidFill>
+            <a:schemeClr val="accent2">
+              <a:lumMod val="75000"/>
+            </a:schemeClr>
+          </a:solidFill>
+          <a:ln w="19050"/>
+        </p:spPr>
+        <p:style>
+          <a:lnRef idx="2">
+            <a:schemeClr val="accent1"/>
+          </a:lnRef>
+          <a:fillRef idx="1">
+            <a:schemeClr val="lt1"/>
+          </a:fillRef>
+          <a:effectRef idx="0">
+            <a:schemeClr val="accent1"/>
+          </a:effectRef>
+          <a:fontRef idx="minor">
+            <a:schemeClr val="dk1"/>
+          </a:fontRef>
+        </p:style>
+        <p:txBody>
+          <a:bodyPr lIns="124733" tIns="62367" rIns="124733" bIns="62367" rtlCol="0" anchor="ctr"/>
+          <a:lstStyle/>
+          <a:p>
+            <a:pPr algn="ctr"/>
+            <a:r>
+              <a:rPr lang="ru-RU" sz="700" dirty="0" smtClean="0"/>
+              <a:t>Расширить верфи Средиземноморья</a:t>
+            </a:r>
+            <a:endParaRPr lang="ru-RU" sz="700" dirty="0"/>
+          </a:p>
+        </p:txBody>
+      </p:sp>
+      <p:cxnSp>
+        <p:nvCxnSpPr>
+          <p:cNvPr id="976" name="Соединительная линия уступом 975"/>
+          <p:cNvCxnSpPr>
+            <a:stCxn id="868" idx="2"/>
+            <a:endCxn id="975" idx="0"/>
+          </p:cNvCxnSpPr>
+          <p:nvPr/>
+        </p:nvCxnSpPr>
+        <p:spPr>
+          <a:xfrm rot="16200000" flipH="1">
+            <a:off x="35755758" y="8317940"/>
+            <a:ext cx="205380" cy="2156022"/>
+          </a:xfrm>
+          <a:prstGeom prst="bentConnector3">
+            <a:avLst>
+              <a:gd name="adj1" fmla="val 50000"/>
+            </a:avLst>
+          </a:prstGeom>
+          <a:ln w="19050">
+            <a:tailEnd type="arrow"/>
+          </a:ln>
+        </p:spPr>
+        <p:style>
+          <a:lnRef idx="1">
+            <a:schemeClr val="accent1"/>
+          </a:lnRef>
+          <a:fillRef idx="0">
+            <a:schemeClr val="accent1"/>
+          </a:fillRef>
+          <a:effectRef idx="0">
+            <a:schemeClr val="accent1"/>
+          </a:effectRef>
+          <a:fontRef idx="minor">
+            <a:schemeClr val="tx1"/>
+          </a:fontRef>
+        </p:style>
+      </p:cxnSp>
+      <p:sp>
+        <p:nvSpPr>
+          <p:cNvPr id="980" name="Прямоугольник 979"/>
+          <p:cNvSpPr/>
+          <p:nvPr/>
+        </p:nvSpPr>
+        <p:spPr>
+          <a:xfrm>
+            <a:off x="32066530" y="11045327"/>
+            <a:ext cx="926325" cy="540000"/>
+          </a:xfrm>
+          <a:prstGeom prst="rect">
+            <a:avLst/>
+          </a:prstGeom>
+          <a:solidFill>
+            <a:schemeClr val="accent2">
+              <a:lumMod val="75000"/>
+            </a:schemeClr>
+          </a:solidFill>
+          <a:ln w="19050"/>
+        </p:spPr>
+        <p:style>
+          <a:lnRef idx="2">
+            <a:schemeClr val="accent1"/>
+          </a:lnRef>
+          <a:fillRef idx="1">
+            <a:schemeClr val="lt1"/>
+          </a:fillRef>
+          <a:effectRef idx="0">
+            <a:schemeClr val="accent1"/>
+          </a:effectRef>
+          <a:fontRef idx="minor">
+            <a:schemeClr val="dk1"/>
+          </a:fontRef>
+        </p:style>
+        <p:txBody>
+          <a:bodyPr lIns="124733" tIns="62367" rIns="124733" bIns="62367" rtlCol="0" anchor="ctr"/>
+          <a:lstStyle/>
+          <a:p>
+            <a:pPr algn="ctr"/>
+            <a:r>
+              <a:rPr lang="ru-RU" sz="700" dirty="0" smtClean="0"/>
+              <a:t>Испанские Нидерланды</a:t>
+            </a:r>
+            <a:endParaRPr lang="ru-RU" sz="700" dirty="0"/>
+          </a:p>
+        </p:txBody>
+      </p:sp>
+      <p:sp>
+        <p:nvSpPr>
+          <p:cNvPr id="981" name="Прямоугольник 980"/>
+          <p:cNvSpPr/>
+          <p:nvPr/>
+        </p:nvSpPr>
+        <p:spPr>
+          <a:xfrm>
+            <a:off x="34312395" y="11058853"/>
+            <a:ext cx="926325" cy="540000"/>
+          </a:xfrm>
+          <a:prstGeom prst="rect">
+            <a:avLst/>
+          </a:prstGeom>
+          <a:solidFill>
+            <a:schemeClr val="accent2">
+              <a:lumMod val="75000"/>
+            </a:schemeClr>
+          </a:solidFill>
+          <a:ln w="19050"/>
+        </p:spPr>
+        <p:style>
+          <a:lnRef idx="2">
+            <a:schemeClr val="accent1"/>
+          </a:lnRef>
+          <a:fillRef idx="1">
+            <a:schemeClr val="lt1"/>
+          </a:fillRef>
+          <a:effectRef idx="0">
+            <a:schemeClr val="accent1"/>
+          </a:effectRef>
+          <a:fontRef idx="minor">
+            <a:schemeClr val="dk1"/>
+          </a:fontRef>
+        </p:style>
+        <p:txBody>
+          <a:bodyPr lIns="124733" tIns="62367" rIns="124733" bIns="62367" rtlCol="0" anchor="ctr"/>
+          <a:lstStyle/>
+          <a:p>
+            <a:pPr algn="ctr"/>
+            <a:r>
+              <a:rPr lang="ru-RU" sz="700" dirty="0" smtClean="0"/>
+              <a:t>Вернуть земли в Италии</a:t>
+            </a:r>
+            <a:endParaRPr lang="ru-RU" sz="700" dirty="0"/>
+          </a:p>
+        </p:txBody>
+      </p:sp>
+      <p:cxnSp>
+        <p:nvCxnSpPr>
+          <p:cNvPr id="982" name="Прямая со стрелкой 981"/>
+          <p:cNvCxnSpPr>
+            <a:stCxn id="941" idx="2"/>
+            <a:endCxn id="980" idx="0"/>
+          </p:cNvCxnSpPr>
+          <p:nvPr/>
+        </p:nvCxnSpPr>
+        <p:spPr>
+          <a:xfrm flipH="1">
+            <a:off x="32529693" y="10034956"/>
+            <a:ext cx="200" cy="1010371"/>
+          </a:xfrm>
+          <a:prstGeom prst="straightConnector1">
+            <a:avLst/>
+          </a:prstGeom>
+          <a:ln w="19050">
+            <a:tailEnd type="arrow"/>
+          </a:ln>
+        </p:spPr>
+        <p:style>
+          <a:lnRef idx="1">
+            <a:schemeClr val="accent1"/>
+          </a:lnRef>
+          <a:fillRef idx="0">
+            <a:schemeClr val="accent1"/>
+          </a:fillRef>
+          <a:effectRef idx="0">
+            <a:schemeClr val="accent1"/>
+          </a:effectRef>
+          <a:fontRef idx="minor">
+            <a:schemeClr val="tx1"/>
+          </a:fontRef>
+        </p:style>
+      </p:cxnSp>
+      <p:cxnSp>
+        <p:nvCxnSpPr>
+          <p:cNvPr id="985" name="Прямая со стрелкой 984"/>
+          <p:cNvCxnSpPr>
+            <a:stCxn id="931" idx="2"/>
+            <a:endCxn id="981" idx="0"/>
+          </p:cNvCxnSpPr>
+          <p:nvPr/>
+        </p:nvCxnSpPr>
+        <p:spPr>
+          <a:xfrm flipH="1">
+            <a:off x="34775558" y="10040952"/>
+            <a:ext cx="179" cy="1017901"/>
+          </a:xfrm>
+          <a:prstGeom prst="straightConnector1">
+            <a:avLst/>
+          </a:prstGeom>
+          <a:ln w="19050">
+            <a:tailEnd type="arrow"/>
+          </a:ln>
+        </p:spPr>
+        <p:style>
+          <a:lnRef idx="1">
+            <a:schemeClr val="accent1"/>
+          </a:lnRef>
+          <a:fillRef idx="0">
+            <a:schemeClr val="accent1"/>
+          </a:fillRef>
+          <a:effectRef idx="0">
+            <a:schemeClr val="accent1"/>
+          </a:effectRef>
+          <a:fontRef idx="minor">
+            <a:schemeClr val="tx1"/>
+          </a:fontRef>
+        </p:style>
+      </p:cxnSp>
+      <p:sp>
+        <p:nvSpPr>
+          <p:cNvPr id="988" name="Прямоугольник 987"/>
+          <p:cNvSpPr/>
+          <p:nvPr/>
+        </p:nvSpPr>
+        <p:spPr>
+          <a:xfrm>
+            <a:off x="35940683" y="10262185"/>
+            <a:ext cx="926325" cy="540000"/>
+          </a:xfrm>
+          <a:prstGeom prst="rect">
+            <a:avLst/>
+          </a:prstGeom>
+          <a:solidFill>
+            <a:schemeClr val="accent2">
+              <a:lumMod val="75000"/>
+            </a:schemeClr>
+          </a:solidFill>
+          <a:ln w="19050"/>
+        </p:spPr>
+        <p:style>
+          <a:lnRef idx="2">
+            <a:schemeClr val="accent1"/>
+          </a:lnRef>
+          <a:fillRef idx="1">
+            <a:schemeClr val="lt1"/>
+          </a:fillRef>
+          <a:effectRef idx="0">
+            <a:schemeClr val="accent1"/>
+          </a:effectRef>
+          <a:fontRef idx="minor">
+            <a:schemeClr val="dk1"/>
+          </a:fontRef>
+        </p:style>
+        <p:txBody>
+          <a:bodyPr lIns="124733" tIns="62367" rIns="124733" bIns="62367" rtlCol="0" anchor="ctr"/>
+          <a:lstStyle/>
+          <a:p>
+            <a:pPr algn="ctr"/>
+            <a:r>
+              <a:rPr lang="ru-RU" sz="700" dirty="0"/>
+              <a:t>Технология крупного кораблестроения</a:t>
+            </a:r>
+          </a:p>
+        </p:txBody>
+      </p:sp>
+      <p:cxnSp>
+        <p:nvCxnSpPr>
+          <p:cNvPr id="989" name="Соединительная линия уступом 988"/>
+          <p:cNvCxnSpPr>
+            <a:stCxn id="963" idx="2"/>
+            <a:endCxn id="988" idx="0"/>
+          </p:cNvCxnSpPr>
+          <p:nvPr/>
+        </p:nvCxnSpPr>
+        <p:spPr>
+          <a:xfrm rot="16200000" flipH="1">
+            <a:off x="36020570" y="9878908"/>
+            <a:ext cx="221233" cy="545320"/>
+          </a:xfrm>
+          <a:prstGeom prst="bentConnector3">
+            <a:avLst>
+              <a:gd name="adj1" fmla="val 50000"/>
+            </a:avLst>
+          </a:prstGeom>
+          <a:ln w="19050">
+            <a:tailEnd type="arrow"/>
+          </a:ln>
+        </p:spPr>
+        <p:style>
+          <a:lnRef idx="1">
+            <a:schemeClr val="accent1"/>
+          </a:lnRef>
+          <a:fillRef idx="0">
+            <a:schemeClr val="accent1"/>
+          </a:fillRef>
+          <a:effectRef idx="0">
+            <a:schemeClr val="accent1"/>
+          </a:effectRef>
+          <a:fontRef idx="minor">
+            <a:schemeClr val="tx1"/>
+          </a:fontRef>
+        </p:style>
+      </p:cxnSp>
+      <p:cxnSp>
+        <p:nvCxnSpPr>
+          <p:cNvPr id="992" name="Соединительная линия уступом 991"/>
+          <p:cNvCxnSpPr>
+            <a:stCxn id="975" idx="2"/>
+            <a:endCxn id="988" idx="0"/>
+          </p:cNvCxnSpPr>
+          <p:nvPr/>
+        </p:nvCxnSpPr>
+        <p:spPr>
+          <a:xfrm rot="5400000">
+            <a:off x="36558381" y="9884107"/>
+            <a:ext cx="223544" cy="532613"/>
+          </a:xfrm>
+          <a:prstGeom prst="bentConnector3">
+            <a:avLst>
+              <a:gd name="adj1" fmla="val 50000"/>
+            </a:avLst>
+          </a:prstGeom>
+          <a:ln w="19050">
+            <a:tailEnd type="arrow"/>
+          </a:ln>
+        </p:spPr>
+        <p:style>
+          <a:lnRef idx="1">
+            <a:schemeClr val="accent1"/>
+          </a:lnRef>
+          <a:fillRef idx="0">
+            <a:schemeClr val="accent1"/>
+          </a:fillRef>
+          <a:effectRef idx="0">
+            <a:schemeClr val="accent1"/>
+          </a:effectRef>
+          <a:fontRef idx="minor">
+            <a:schemeClr val="tx1"/>
+          </a:fontRef>
+        </p:style>
+      </p:cxnSp>
+      <p:sp>
+        <p:nvSpPr>
+          <p:cNvPr id="995" name="Прямоугольник 994"/>
+          <p:cNvSpPr/>
+          <p:nvPr/>
+        </p:nvSpPr>
+        <p:spPr>
+          <a:xfrm>
+            <a:off x="31044879" y="11054570"/>
+            <a:ext cx="926325" cy="540000"/>
+          </a:xfrm>
+          <a:prstGeom prst="rect">
+            <a:avLst/>
+          </a:prstGeom>
+          <a:solidFill>
+            <a:schemeClr val="accent2">
+              <a:lumMod val="75000"/>
+            </a:schemeClr>
+          </a:solidFill>
+          <a:ln w="19050"/>
+        </p:spPr>
+        <p:style>
+          <a:lnRef idx="2">
+            <a:schemeClr val="accent1"/>
+          </a:lnRef>
+          <a:fillRef idx="1">
+            <a:schemeClr val="lt1"/>
+          </a:fillRef>
+          <a:effectRef idx="0">
+            <a:schemeClr val="accent1"/>
+          </a:effectRef>
+          <a:fontRef idx="minor">
+            <a:schemeClr val="dk1"/>
+          </a:fontRef>
+        </p:style>
+        <p:txBody>
+          <a:bodyPr lIns="124733" tIns="62367" rIns="124733" bIns="62367" rtlCol="0" anchor="ctr"/>
+          <a:lstStyle/>
+          <a:p>
+            <a:pPr algn="ctr"/>
+            <a:r>
+              <a:rPr lang="ru-RU" sz="700" dirty="0"/>
+              <a:t>Немецкое танкостроение</a:t>
+            </a:r>
+          </a:p>
+        </p:txBody>
+      </p:sp>
+      <p:cxnSp>
+        <p:nvCxnSpPr>
+          <p:cNvPr id="996" name="Прямая со стрелкой 995"/>
+          <p:cNvCxnSpPr>
+            <a:stCxn id="961" idx="2"/>
+            <a:endCxn id="995" idx="0"/>
+          </p:cNvCxnSpPr>
+          <p:nvPr/>
+        </p:nvCxnSpPr>
+        <p:spPr>
+          <a:xfrm>
+            <a:off x="31504865" y="10029712"/>
+            <a:ext cx="3177" cy="1024858"/>
+          </a:xfrm>
+          <a:prstGeom prst="straightConnector1">
+            <a:avLst/>
+          </a:prstGeom>
+          <a:ln w="19050">
+            <a:tailEnd type="arrow"/>
+          </a:ln>
+        </p:spPr>
+        <p:style>
+          <a:lnRef idx="1">
+            <a:schemeClr val="accent1"/>
+          </a:lnRef>
+          <a:fillRef idx="0">
+            <a:schemeClr val="accent1"/>
+          </a:fillRef>
+          <a:effectRef idx="0">
+            <a:schemeClr val="accent1"/>
+          </a:effectRef>
+          <a:fontRef idx="minor">
+            <a:schemeClr val="tx1"/>
+          </a:fontRef>
+        </p:style>
+      </p:cxnSp>
+      <p:cxnSp>
+        <p:nvCxnSpPr>
+          <p:cNvPr id="1001" name="Соединительная линия уступом 1000"/>
+          <p:cNvCxnSpPr>
+            <a:stCxn id="970" idx="2"/>
+            <a:endCxn id="995" idx="0"/>
+          </p:cNvCxnSpPr>
+          <p:nvPr/>
+        </p:nvCxnSpPr>
+        <p:spPr>
+          <a:xfrm rot="5400000">
+            <a:off x="31630146" y="10666539"/>
+            <a:ext cx="265928" cy="510135"/>
+          </a:xfrm>
+          <a:prstGeom prst="bentConnector3">
+            <a:avLst>
+              <a:gd name="adj1" fmla="val 50000"/>
+            </a:avLst>
+          </a:prstGeom>
+          <a:ln w="19050">
+            <a:tailEnd type="arrow"/>
+          </a:ln>
+        </p:spPr>
+        <p:style>
+          <a:lnRef idx="1">
+            <a:schemeClr val="accent1"/>
+          </a:lnRef>
+          <a:fillRef idx="0">
+            <a:schemeClr val="accent1"/>
+          </a:fillRef>
+          <a:effectRef idx="0">
+            <a:schemeClr val="accent1"/>
+          </a:effectRef>
+          <a:fontRef idx="minor">
+            <a:schemeClr val="tx1"/>
+          </a:fontRef>
+        </p:style>
+      </p:cxnSp>
+      <p:sp>
+        <p:nvSpPr>
+          <p:cNvPr id="1005" name="Прямоугольник 1004"/>
+          <p:cNvSpPr/>
+          <p:nvPr/>
+        </p:nvSpPr>
+        <p:spPr>
+          <a:xfrm>
+            <a:off x="39852294" y="9494129"/>
+            <a:ext cx="926325" cy="540000"/>
+          </a:xfrm>
+          <a:prstGeom prst="rect">
+            <a:avLst/>
+          </a:prstGeom>
+          <a:solidFill>
+            <a:schemeClr val="accent1">
+              <a:lumMod val="60000"/>
+              <a:lumOff val="40000"/>
+            </a:schemeClr>
+          </a:solidFill>
+          <a:ln w="19050"/>
+        </p:spPr>
+        <p:style>
+          <a:lnRef idx="2">
+            <a:schemeClr val="accent1"/>
+          </a:lnRef>
+          <a:fillRef idx="1">
+            <a:schemeClr val="lt1"/>
+          </a:fillRef>
+          <a:effectRef idx="0">
+            <a:schemeClr val="accent1"/>
+          </a:effectRef>
+          <a:fontRef idx="minor">
+            <a:schemeClr val="dk1"/>
+          </a:fontRef>
+        </p:style>
+        <p:txBody>
+          <a:bodyPr lIns="124733" tIns="62367" rIns="124733" bIns="62367" rtlCol="0" anchor="ctr"/>
+          <a:lstStyle/>
+          <a:p>
+            <a:pPr algn="ctr"/>
+            <a:r>
+              <a:rPr lang="ru-RU" sz="700" dirty="0" smtClean="0"/>
+              <a:t>Воспользоваться Арагонским национализмом </a:t>
+            </a:r>
+            <a:r>
+              <a:rPr lang="ru-RU" sz="500" dirty="0" smtClean="0"/>
+              <a:t>(референдум во французском </a:t>
+            </a:r>
+            <a:r>
+              <a:rPr lang="ru-RU" sz="500" dirty="0" err="1" smtClean="0"/>
+              <a:t>арагоне</a:t>
+            </a:r>
+            <a:r>
+              <a:rPr lang="ru-RU" sz="500" dirty="0"/>
+              <a:t>)</a:t>
+            </a:r>
+          </a:p>
+        </p:txBody>
+      </p:sp>
+      <p:cxnSp>
+        <p:nvCxnSpPr>
+          <p:cNvPr id="1006" name="Соединительная линия уступом 1005"/>
+          <p:cNvCxnSpPr>
+            <a:stCxn id="786" idx="2"/>
+            <a:endCxn id="1005" idx="0"/>
+          </p:cNvCxnSpPr>
+          <p:nvPr/>
+        </p:nvCxnSpPr>
+        <p:spPr>
+          <a:xfrm rot="5400000">
+            <a:off x="40771522" y="8833485"/>
+            <a:ext cx="204579" cy="1116708"/>
+          </a:xfrm>
+          <a:prstGeom prst="bentConnector3">
+            <a:avLst>
+              <a:gd name="adj1" fmla="val 50000"/>
+            </a:avLst>
+          </a:prstGeom>
+          <a:ln w="19050">
+            <a:prstDash val="dash"/>
+            <a:tailEnd type="arrow"/>
+          </a:ln>
+        </p:spPr>
+        <p:style>
+          <a:lnRef idx="1">
+            <a:schemeClr val="accent1"/>
+          </a:lnRef>
+          <a:fillRef idx="0">
+            <a:schemeClr val="accent1"/>
+          </a:fillRef>
+          <a:effectRef idx="0">
+            <a:schemeClr val="accent1"/>
+          </a:effectRef>
+          <a:fontRef idx="minor">
+            <a:schemeClr val="tx1"/>
+          </a:fontRef>
+        </p:style>
+      </p:cxnSp>
+      <p:cxnSp>
+        <p:nvCxnSpPr>
+          <p:cNvPr id="1009" name="Соединительная линия уступом 1008"/>
+          <p:cNvCxnSpPr>
+            <a:stCxn id="773" idx="2"/>
+            <a:endCxn id="1005" idx="0"/>
+          </p:cNvCxnSpPr>
+          <p:nvPr/>
+        </p:nvCxnSpPr>
+        <p:spPr>
+          <a:xfrm rot="16200000" flipH="1">
+            <a:off x="40209756" y="9388427"/>
+            <a:ext cx="204579" cy="6824"/>
+          </a:xfrm>
+          <a:prstGeom prst="bentConnector3">
+            <a:avLst>
+              <a:gd name="adj1" fmla="val 50000"/>
+            </a:avLst>
+          </a:prstGeom>
+          <a:ln w="19050">
+            <a:prstDash val="dash"/>
             <a:tailEnd type="arrow"/>
           </a:ln>
         </p:spPr>

--- a/Наработки/диздоки/Испания/Испания правые.pptx
+++ b/Наработки/диздоки/Испания/Испания правые.pptx
@@ -209,7 +209,7 @@
             <a:fld id="{33E3D7F9-E251-484C-A6FF-FA958879DF69}" type="datetimeFigureOut">
               <a:rPr lang="ru-RU" smtClean="0"/>
               <a:pPr/>
-              <a:t>27.08.2021</a:t>
+              <a:t>29.08.2021</a:t>
             </a:fld>
             <a:endParaRPr lang="ru-RU"/>
           </a:p>
@@ -700,7 +700,7 @@
             <a:fld id="{85A5DE44-605B-4D3B-B2B7-94543DF81A36}" type="datetimeFigureOut">
               <a:rPr lang="ru-RU" smtClean="0"/>
               <a:pPr/>
-              <a:t>27.08.2021</a:t>
+              <a:t>29.08.2021</a:t>
             </a:fld>
             <a:endParaRPr lang="ru-RU"/>
           </a:p>
@@ -872,7 +872,7 @@
             <a:fld id="{85A5DE44-605B-4D3B-B2B7-94543DF81A36}" type="datetimeFigureOut">
               <a:rPr lang="ru-RU" smtClean="0"/>
               <a:pPr/>
-              <a:t>27.08.2021</a:t>
+              <a:t>29.08.2021</a:t>
             </a:fld>
             <a:endParaRPr lang="ru-RU"/>
           </a:p>
@@ -1054,7 +1054,7 @@
             <a:fld id="{85A5DE44-605B-4D3B-B2B7-94543DF81A36}" type="datetimeFigureOut">
               <a:rPr lang="ru-RU" smtClean="0"/>
               <a:pPr/>
-              <a:t>27.08.2021</a:t>
+              <a:t>29.08.2021</a:t>
             </a:fld>
             <a:endParaRPr lang="ru-RU"/>
           </a:p>
@@ -1226,7 +1226,7 @@
             <a:fld id="{85A5DE44-605B-4D3B-B2B7-94543DF81A36}" type="datetimeFigureOut">
               <a:rPr lang="ru-RU" smtClean="0"/>
               <a:pPr/>
-              <a:t>27.08.2021</a:t>
+              <a:t>29.08.2021</a:t>
             </a:fld>
             <a:endParaRPr lang="ru-RU"/>
           </a:p>
@@ -1474,7 +1474,7 @@
             <a:fld id="{85A5DE44-605B-4D3B-B2B7-94543DF81A36}" type="datetimeFigureOut">
               <a:rPr lang="ru-RU" smtClean="0"/>
               <a:pPr/>
-              <a:t>27.08.2021</a:t>
+              <a:t>29.08.2021</a:t>
             </a:fld>
             <a:endParaRPr lang="ru-RU"/>
           </a:p>
@@ -1708,7 +1708,7 @@
             <a:fld id="{85A5DE44-605B-4D3B-B2B7-94543DF81A36}" type="datetimeFigureOut">
               <a:rPr lang="ru-RU" smtClean="0"/>
               <a:pPr/>
-              <a:t>27.08.2021</a:t>
+              <a:t>29.08.2021</a:t>
             </a:fld>
             <a:endParaRPr lang="ru-RU"/>
           </a:p>
@@ -2077,7 +2077,7 @@
             <a:fld id="{85A5DE44-605B-4D3B-B2B7-94543DF81A36}" type="datetimeFigureOut">
               <a:rPr lang="ru-RU" smtClean="0"/>
               <a:pPr/>
-              <a:t>27.08.2021</a:t>
+              <a:t>29.08.2021</a:t>
             </a:fld>
             <a:endParaRPr lang="ru-RU"/>
           </a:p>
@@ -2197,7 +2197,7 @@
             <a:fld id="{85A5DE44-605B-4D3B-B2B7-94543DF81A36}" type="datetimeFigureOut">
               <a:rPr lang="ru-RU" smtClean="0"/>
               <a:pPr/>
-              <a:t>27.08.2021</a:t>
+              <a:t>29.08.2021</a:t>
             </a:fld>
             <a:endParaRPr lang="ru-RU"/>
           </a:p>
@@ -2294,7 +2294,7 @@
             <a:fld id="{85A5DE44-605B-4D3B-B2B7-94543DF81A36}" type="datetimeFigureOut">
               <a:rPr lang="ru-RU" smtClean="0"/>
               <a:pPr/>
-              <a:t>27.08.2021</a:t>
+              <a:t>29.08.2021</a:t>
             </a:fld>
             <a:endParaRPr lang="ru-RU"/>
           </a:p>
@@ -2573,7 +2573,7 @@
             <a:fld id="{85A5DE44-605B-4D3B-B2B7-94543DF81A36}" type="datetimeFigureOut">
               <a:rPr lang="ru-RU" smtClean="0"/>
               <a:pPr/>
-              <a:t>27.08.2021</a:t>
+              <a:t>29.08.2021</a:t>
             </a:fld>
             <a:endParaRPr lang="ru-RU"/>
           </a:p>
@@ -2832,7 +2832,7 @@
             <a:fld id="{85A5DE44-605B-4D3B-B2B7-94543DF81A36}" type="datetimeFigureOut">
               <a:rPr lang="ru-RU" smtClean="0"/>
               <a:pPr/>
-              <a:t>27.08.2021</a:t>
+              <a:t>29.08.2021</a:t>
             </a:fld>
             <a:endParaRPr lang="ru-RU"/>
           </a:p>
@@ -3047,7 +3047,7 @@
             <a:fld id="{85A5DE44-605B-4D3B-B2B7-94543DF81A36}" type="datetimeFigureOut">
               <a:rPr lang="ru-RU" smtClean="0"/>
               <a:pPr/>
-              <a:t>27.08.2021</a:t>
+              <a:t>29.08.2021</a:t>
             </a:fld>
             <a:endParaRPr lang="ru-RU"/>
           </a:p>
@@ -27456,11 +27456,7 @@
             <a:pPr algn="ctr"/>
             <a:r>
               <a:rPr lang="ru-RU" sz="700" dirty="0" smtClean="0"/>
-              <a:t>Голубая </a:t>
-            </a:r>
-            <a:r>
-              <a:rPr lang="ru-RU" sz="700" dirty="0" smtClean="0"/>
-              <a:t>дивизия </a:t>
+              <a:t>Голубая дивизия </a:t>
             </a:r>
             <a:r>
               <a:rPr lang="ru-RU" sz="200" dirty="0"/>

--- a/Наработки/диздоки/Испания/Испания правые.pptx
+++ b/Наработки/диздоки/Испания/Испания правые.pptx
@@ -209,7 +209,7 @@
             <a:fld id="{33E3D7F9-E251-484C-A6FF-FA958879DF69}" type="datetimeFigureOut">
               <a:rPr lang="ru-RU" smtClean="0"/>
               <a:pPr/>
-              <a:t>29.08.2021</a:t>
+              <a:t>30.08.2021</a:t>
             </a:fld>
             <a:endParaRPr lang="ru-RU"/>
           </a:p>
@@ -700,7 +700,7 @@
             <a:fld id="{85A5DE44-605B-4D3B-B2B7-94543DF81A36}" type="datetimeFigureOut">
               <a:rPr lang="ru-RU" smtClean="0"/>
               <a:pPr/>
-              <a:t>29.08.2021</a:t>
+              <a:t>30.08.2021</a:t>
             </a:fld>
             <a:endParaRPr lang="ru-RU"/>
           </a:p>
@@ -872,7 +872,7 @@
             <a:fld id="{85A5DE44-605B-4D3B-B2B7-94543DF81A36}" type="datetimeFigureOut">
               <a:rPr lang="ru-RU" smtClean="0"/>
               <a:pPr/>
-              <a:t>29.08.2021</a:t>
+              <a:t>30.08.2021</a:t>
             </a:fld>
             <a:endParaRPr lang="ru-RU"/>
           </a:p>
@@ -1054,7 +1054,7 @@
             <a:fld id="{85A5DE44-605B-4D3B-B2B7-94543DF81A36}" type="datetimeFigureOut">
               <a:rPr lang="ru-RU" smtClean="0"/>
               <a:pPr/>
-              <a:t>29.08.2021</a:t>
+              <a:t>30.08.2021</a:t>
             </a:fld>
             <a:endParaRPr lang="ru-RU"/>
           </a:p>
@@ -1226,7 +1226,7 @@
             <a:fld id="{85A5DE44-605B-4D3B-B2B7-94543DF81A36}" type="datetimeFigureOut">
               <a:rPr lang="ru-RU" smtClean="0"/>
               <a:pPr/>
-              <a:t>29.08.2021</a:t>
+              <a:t>30.08.2021</a:t>
             </a:fld>
             <a:endParaRPr lang="ru-RU"/>
           </a:p>
@@ -1474,7 +1474,7 @@
             <a:fld id="{85A5DE44-605B-4D3B-B2B7-94543DF81A36}" type="datetimeFigureOut">
               <a:rPr lang="ru-RU" smtClean="0"/>
               <a:pPr/>
-              <a:t>29.08.2021</a:t>
+              <a:t>30.08.2021</a:t>
             </a:fld>
             <a:endParaRPr lang="ru-RU"/>
           </a:p>
@@ -1708,7 +1708,7 @@
             <a:fld id="{85A5DE44-605B-4D3B-B2B7-94543DF81A36}" type="datetimeFigureOut">
               <a:rPr lang="ru-RU" smtClean="0"/>
               <a:pPr/>
-              <a:t>29.08.2021</a:t>
+              <a:t>30.08.2021</a:t>
             </a:fld>
             <a:endParaRPr lang="ru-RU"/>
           </a:p>
@@ -2077,7 +2077,7 @@
             <a:fld id="{85A5DE44-605B-4D3B-B2B7-94543DF81A36}" type="datetimeFigureOut">
               <a:rPr lang="ru-RU" smtClean="0"/>
               <a:pPr/>
-              <a:t>29.08.2021</a:t>
+              <a:t>30.08.2021</a:t>
             </a:fld>
             <a:endParaRPr lang="ru-RU"/>
           </a:p>
@@ -2197,7 +2197,7 @@
             <a:fld id="{85A5DE44-605B-4D3B-B2B7-94543DF81A36}" type="datetimeFigureOut">
               <a:rPr lang="ru-RU" smtClean="0"/>
               <a:pPr/>
-              <a:t>29.08.2021</a:t>
+              <a:t>30.08.2021</a:t>
             </a:fld>
             <a:endParaRPr lang="ru-RU"/>
           </a:p>
@@ -2294,7 +2294,7 @@
             <a:fld id="{85A5DE44-605B-4D3B-B2B7-94543DF81A36}" type="datetimeFigureOut">
               <a:rPr lang="ru-RU" smtClean="0"/>
               <a:pPr/>
-              <a:t>29.08.2021</a:t>
+              <a:t>30.08.2021</a:t>
             </a:fld>
             <a:endParaRPr lang="ru-RU"/>
           </a:p>
@@ -2573,7 +2573,7 @@
             <a:fld id="{85A5DE44-605B-4D3B-B2B7-94543DF81A36}" type="datetimeFigureOut">
               <a:rPr lang="ru-RU" smtClean="0"/>
               <a:pPr/>
-              <a:t>29.08.2021</a:t>
+              <a:t>30.08.2021</a:t>
             </a:fld>
             <a:endParaRPr lang="ru-RU"/>
           </a:p>
@@ -2832,7 +2832,7 @@
             <a:fld id="{85A5DE44-605B-4D3B-B2B7-94543DF81A36}" type="datetimeFigureOut">
               <a:rPr lang="ru-RU" smtClean="0"/>
               <a:pPr/>
-              <a:t>29.08.2021</a:t>
+              <a:t>30.08.2021</a:t>
             </a:fld>
             <a:endParaRPr lang="ru-RU"/>
           </a:p>
@@ -3047,7 +3047,7 @@
             <a:fld id="{85A5DE44-605B-4D3B-B2B7-94543DF81A36}" type="datetimeFigureOut">
               <a:rPr lang="ru-RU" smtClean="0"/>
               <a:pPr/>
-              <a:t>29.08.2021</a:t>
+              <a:t>30.08.2021</a:t>
             </a:fld>
             <a:endParaRPr lang="ru-RU"/>
           </a:p>
@@ -3490,7 +3490,7 @@
             <a:pPr algn="ctr"/>
             <a:r>
               <a:rPr lang="ru-RU" sz="3600" b="1" dirty="0" smtClean="0"/>
-              <a:t>292</a:t>
+              <a:t>294</a:t>
             </a:r>
             <a:endParaRPr lang="ru-RU" sz="3600" b="1" dirty="0"/>
           </a:p>
@@ -3504,7 +3504,7 @@
         </p:nvSpPr>
         <p:spPr>
           <a:xfrm>
-            <a:off x="2509374" y="3357188"/>
+            <a:off x="3471894" y="3357188"/>
             <a:ext cx="926325" cy="540000"/>
           </a:xfrm>
           <a:prstGeom prst="rect">
@@ -3551,7 +3551,7 @@
         </p:nvSpPr>
         <p:spPr>
           <a:xfrm>
-            <a:off x="2510251" y="4900238"/>
+            <a:off x="3472771" y="4900238"/>
             <a:ext cx="926325" cy="540000"/>
           </a:xfrm>
           <a:prstGeom prst="rect">
@@ -3611,7 +3611,7 @@
         </p:nvSpPr>
         <p:spPr>
           <a:xfrm>
-            <a:off x="2509375" y="2582488"/>
+            <a:off x="3471895" y="2582488"/>
             <a:ext cx="926325" cy="540000"/>
           </a:xfrm>
           <a:prstGeom prst="rect">
@@ -3712,7 +3712,7 @@
         </p:nvSpPr>
         <p:spPr>
           <a:xfrm>
-            <a:off x="421319" y="3356364"/>
+            <a:off x="1383839" y="3356364"/>
             <a:ext cx="926325" cy="540000"/>
           </a:xfrm>
           <a:prstGeom prst="rect">
@@ -3764,7 +3764,7 @@
         </p:nvSpPr>
         <p:spPr>
           <a:xfrm>
-            <a:off x="4681815" y="3344488"/>
+            <a:off x="5644335" y="3344488"/>
             <a:ext cx="926325" cy="540000"/>
           </a:xfrm>
           <a:prstGeom prst="rect">
@@ -3812,7 +3812,7 @@
         </p:nvSpPr>
         <p:spPr>
           <a:xfrm>
-            <a:off x="4116665" y="4106488"/>
+            <a:off x="5079185" y="4106488"/>
             <a:ext cx="926325" cy="540000"/>
           </a:xfrm>
           <a:prstGeom prst="rect">
@@ -3860,7 +3860,7 @@
         </p:nvSpPr>
         <p:spPr>
           <a:xfrm>
-            <a:off x="5251803" y="4106488"/>
+            <a:off x="6214323" y="4106488"/>
             <a:ext cx="926325" cy="540000"/>
           </a:xfrm>
           <a:prstGeom prst="rect">
@@ -3908,7 +3908,7 @@
         </p:nvSpPr>
         <p:spPr>
           <a:xfrm>
-            <a:off x="4681815" y="5640280"/>
+            <a:off x="5644335" y="5640280"/>
             <a:ext cx="926325" cy="540000"/>
           </a:xfrm>
           <a:prstGeom prst="rect">
@@ -3959,7 +3959,7 @@
         </p:nvCxnSpPr>
         <p:spPr>
           <a:xfrm>
-            <a:off x="5144978" y="3884488"/>
+            <a:off x="6107498" y="3884488"/>
             <a:ext cx="0" cy="1755792"/>
           </a:xfrm>
           <a:prstGeom prst="straightConnector1">
@@ -3992,7 +3992,7 @@
         </p:nvSpPr>
         <p:spPr>
           <a:xfrm>
-            <a:off x="929319" y="4112838"/>
+            <a:off x="1891839" y="4112838"/>
             <a:ext cx="926325" cy="540000"/>
           </a:xfrm>
           <a:prstGeom prst="rect">
@@ -4063,7 +4063,7 @@
         </p:nvCxnSpPr>
         <p:spPr>
           <a:xfrm rot="16200000" flipH="1">
-            <a:off x="5318972" y="3710494"/>
+            <a:off x="6281492" y="3710494"/>
             <a:ext cx="222000" cy="569988"/>
           </a:xfrm>
           <a:prstGeom prst="bentConnector3">
@@ -4101,7 +4101,7 @@
         </p:nvCxnSpPr>
         <p:spPr>
           <a:xfrm flipH="1">
-            <a:off x="2972537" y="3122488"/>
+            <a:off x="3935057" y="3122488"/>
             <a:ext cx="1" cy="234700"/>
           </a:xfrm>
           <a:prstGeom prst="straightConnector1">
@@ -4137,7 +4137,7 @@
         </p:nvCxnSpPr>
         <p:spPr>
           <a:xfrm>
-            <a:off x="2972537" y="3897188"/>
+            <a:off x="3935057" y="3897188"/>
             <a:ext cx="877" cy="1003050"/>
           </a:xfrm>
           <a:prstGeom prst="straightConnector1">
@@ -4170,7 +4170,7 @@
         </p:nvSpPr>
         <p:spPr>
           <a:xfrm>
-            <a:off x="1442574" y="3357188"/>
+            <a:off x="2405094" y="3357188"/>
             <a:ext cx="926325" cy="540000"/>
           </a:xfrm>
           <a:prstGeom prst="rect">
@@ -4222,7 +4222,7 @@
         </p:nvSpPr>
         <p:spPr>
           <a:xfrm>
-            <a:off x="1950574" y="4112838"/>
+            <a:off x="2913094" y="4112838"/>
             <a:ext cx="926325" cy="540000"/>
           </a:xfrm>
           <a:prstGeom prst="rect">
@@ -4274,7 +4274,7 @@
         </p:nvSpPr>
         <p:spPr>
           <a:xfrm>
-            <a:off x="925582" y="5636508"/>
+            <a:off x="1888102" y="5636508"/>
             <a:ext cx="926325" cy="540000"/>
           </a:xfrm>
           <a:prstGeom prst="rect">
@@ -4326,7 +4326,7 @@
         </p:nvSpPr>
         <p:spPr>
           <a:xfrm>
-            <a:off x="3576174" y="3357188"/>
+            <a:off x="4538694" y="3357188"/>
             <a:ext cx="926325" cy="540000"/>
           </a:xfrm>
           <a:prstGeom prst="rect">
@@ -4378,7 +4378,7 @@
         </p:nvSpPr>
         <p:spPr>
           <a:xfrm>
-            <a:off x="3042774" y="4119188"/>
+            <a:off x="4005294" y="4119188"/>
             <a:ext cx="926325" cy="540000"/>
           </a:xfrm>
           <a:prstGeom prst="rect">
@@ -4430,7 +4430,7 @@
         </p:nvSpPr>
         <p:spPr>
           <a:xfrm>
-            <a:off x="3588874" y="4906588"/>
+            <a:off x="4551394" y="4906588"/>
             <a:ext cx="926325" cy="540000"/>
           </a:xfrm>
           <a:prstGeom prst="rect">
@@ -4482,7 +4482,7 @@
         </p:nvSpPr>
         <p:spPr>
           <a:xfrm>
-            <a:off x="2510251" y="5640180"/>
+            <a:off x="3472771" y="5640180"/>
             <a:ext cx="926325" cy="540000"/>
           </a:xfrm>
           <a:prstGeom prst="rect">
@@ -4562,7 +4562,7 @@
         </p:nvSpPr>
         <p:spPr>
           <a:xfrm>
-            <a:off x="3590906" y="6426347"/>
+            <a:off x="4553426" y="6426347"/>
             <a:ext cx="926325" cy="540000"/>
           </a:xfrm>
           <a:prstGeom prst="rect">
@@ -4614,7 +4614,7 @@
         </p:nvSpPr>
         <p:spPr>
           <a:xfrm>
-            <a:off x="1449801" y="6427580"/>
+            <a:off x="2412321" y="6427580"/>
             <a:ext cx="926325" cy="540000"/>
           </a:xfrm>
           <a:prstGeom prst="rect">
@@ -4674,7 +4674,7 @@
         </p:nvSpPr>
         <p:spPr>
           <a:xfrm>
-            <a:off x="3608799" y="7947621"/>
+            <a:off x="4571319" y="7947621"/>
             <a:ext cx="926325" cy="540000"/>
           </a:xfrm>
           <a:prstGeom prst="rect">
@@ -4729,7 +4729,7 @@
         </p:nvCxnSpPr>
         <p:spPr>
           <a:xfrm rot="16200000" flipH="1">
-            <a:off x="1030245" y="3750601"/>
+            <a:off x="1992765" y="3750601"/>
             <a:ext cx="216474" cy="508000"/>
           </a:xfrm>
           <a:prstGeom prst="bentConnector3">
@@ -4767,7 +4767,7 @@
         </p:nvCxnSpPr>
         <p:spPr>
           <a:xfrm rot="5400000">
-            <a:off x="1811572" y="2195398"/>
+            <a:off x="2774092" y="2195398"/>
             <a:ext cx="233876" cy="2088056"/>
           </a:xfrm>
           <a:prstGeom prst="bentConnector3">
@@ -4805,7 +4805,7 @@
         </p:nvCxnSpPr>
         <p:spPr>
           <a:xfrm rot="5400000">
-            <a:off x="2321788" y="2706438"/>
+            <a:off x="3284308" y="2706438"/>
             <a:ext cx="234700" cy="1066801"/>
           </a:xfrm>
           <a:prstGeom prst="bentConnector3">
@@ -4843,7 +4843,7 @@
         </p:nvCxnSpPr>
         <p:spPr>
           <a:xfrm rot="16200000" flipH="1">
-            <a:off x="3388587" y="2706438"/>
+            <a:off x="4351107" y="2706438"/>
             <a:ext cx="234700" cy="1066799"/>
           </a:xfrm>
           <a:prstGeom prst="bentConnector3">
@@ -4881,7 +4881,7 @@
         </p:nvCxnSpPr>
         <p:spPr>
           <a:xfrm rot="16200000" flipH="1">
-            <a:off x="3947758" y="2147268"/>
+            <a:off x="4910278" y="2147268"/>
             <a:ext cx="222000" cy="2172440"/>
           </a:xfrm>
           <a:prstGeom prst="bentConnector3">
@@ -4919,7 +4919,7 @@
         </p:nvCxnSpPr>
         <p:spPr>
           <a:xfrm rot="16200000" flipH="1">
-            <a:off x="3284183" y="2810843"/>
+            <a:off x="4246703" y="2810843"/>
             <a:ext cx="984000" cy="1607290"/>
           </a:xfrm>
           <a:prstGeom prst="bentConnector3">
@@ -4957,7 +4957,7 @@
         </p:nvCxnSpPr>
         <p:spPr>
           <a:xfrm rot="16200000" flipH="1">
-            <a:off x="2051912" y="3751013"/>
+            <a:off x="3014432" y="3751013"/>
             <a:ext cx="215650" cy="508000"/>
           </a:xfrm>
           <a:prstGeom prst="bentConnector3">
@@ -4995,7 +4995,7 @@
         </p:nvCxnSpPr>
         <p:spPr>
           <a:xfrm rot="5400000">
-            <a:off x="1002948" y="4518538"/>
+            <a:off x="1965468" y="4518538"/>
             <a:ext cx="255234" cy="523834"/>
           </a:xfrm>
           <a:prstGeom prst="bentConnector3">
@@ -5033,7 +5033,7 @@
         </p:nvCxnSpPr>
         <p:spPr>
           <a:xfrm rot="5400000">
-            <a:off x="2033121" y="4529436"/>
+            <a:off x="2995641" y="4529436"/>
             <a:ext cx="257214" cy="504019"/>
           </a:xfrm>
           <a:prstGeom prst="bentConnector3">
@@ -5071,7 +5071,7 @@
         </p:nvCxnSpPr>
         <p:spPr>
           <a:xfrm rot="16200000" flipH="1">
-            <a:off x="3655287" y="4509838"/>
+            <a:off x="4617807" y="4509838"/>
             <a:ext cx="247400" cy="546100"/>
           </a:xfrm>
           <a:prstGeom prst="bentConnector3">
@@ -5109,7 +5109,7 @@
         </p:nvCxnSpPr>
         <p:spPr>
           <a:xfrm rot="5400000">
-            <a:off x="3661637" y="3741488"/>
+            <a:off x="4624157" y="3741488"/>
             <a:ext cx="222000" cy="533400"/>
           </a:xfrm>
           <a:prstGeom prst="bentConnector3">
@@ -5147,7 +5147,7 @@
         </p:nvCxnSpPr>
         <p:spPr>
           <a:xfrm>
-            <a:off x="2973414" y="5440238"/>
+            <a:off x="3935934" y="5440238"/>
             <a:ext cx="0" cy="199942"/>
           </a:xfrm>
           <a:prstGeom prst="straightConnector1">
@@ -5180,7 +5180,7 @@
         </p:nvSpPr>
         <p:spPr>
           <a:xfrm>
-            <a:off x="23217686" y="7976784"/>
+            <a:off x="24180206" y="7976784"/>
             <a:ext cx="926325" cy="540000"/>
           </a:xfrm>
           <a:prstGeom prst="rect">
@@ -5226,7 +5226,7 @@
         </p:nvSpPr>
         <p:spPr>
           <a:xfrm>
-            <a:off x="23217686" y="6421677"/>
+            <a:off x="24180206" y="6421677"/>
             <a:ext cx="926325" cy="540000"/>
           </a:xfrm>
           <a:prstGeom prst="rect">
@@ -5272,7 +5272,7 @@
         </p:nvSpPr>
         <p:spPr>
           <a:xfrm>
-            <a:off x="19573383" y="8722273"/>
+            <a:off x="20535903" y="8722273"/>
             <a:ext cx="926325" cy="540000"/>
           </a:xfrm>
           <a:prstGeom prst="rect">
@@ -5341,7 +5341,7 @@
         </p:nvSpPr>
         <p:spPr>
           <a:xfrm>
-            <a:off x="21688271" y="8722273"/>
+            <a:off x="22650791" y="8722273"/>
             <a:ext cx="926325" cy="540000"/>
           </a:xfrm>
           <a:prstGeom prst="rect">
@@ -5395,7 +5395,7 @@
         </p:nvSpPr>
         <p:spPr>
           <a:xfrm>
-            <a:off x="24872974" y="8722273"/>
+            <a:off x="25835494" y="8722273"/>
             <a:ext cx="926325" cy="540000"/>
           </a:xfrm>
           <a:prstGeom prst="rect">
@@ -5449,7 +5449,7 @@
         </p:nvSpPr>
         <p:spPr>
           <a:xfrm>
-            <a:off x="27120065" y="8722273"/>
+            <a:off x="28082585" y="8722273"/>
             <a:ext cx="926325" cy="540000"/>
           </a:xfrm>
           <a:prstGeom prst="rect">
@@ -5499,7 +5499,7 @@
         </p:nvSpPr>
         <p:spPr>
           <a:xfrm>
-            <a:off x="27120064" y="7190582"/>
+            <a:off x="28082584" y="7190582"/>
             <a:ext cx="926325" cy="540000"/>
           </a:xfrm>
           <a:prstGeom prst="rect">
@@ -5553,7 +5553,7 @@
         </p:nvSpPr>
         <p:spPr>
           <a:xfrm>
-            <a:off x="24872974" y="7190027"/>
+            <a:off x="25835494" y="7190027"/>
             <a:ext cx="926325" cy="540000"/>
           </a:xfrm>
           <a:prstGeom prst="rect">
@@ -5642,7 +5642,7 @@
         </p:nvSpPr>
         <p:spPr>
           <a:xfrm>
-            <a:off x="19573383" y="7190027"/>
+            <a:off x="20535903" y="7190027"/>
             <a:ext cx="926325" cy="540000"/>
           </a:xfrm>
           <a:prstGeom prst="rect">
@@ -5688,7 +5688,7 @@
         </p:nvSpPr>
         <p:spPr>
           <a:xfrm>
-            <a:off x="21688271" y="7190027"/>
+            <a:off x="22650791" y="7190027"/>
             <a:ext cx="926325" cy="540000"/>
           </a:xfrm>
           <a:prstGeom prst="rect">
@@ -5736,7 +5736,7 @@
         </p:nvCxnSpPr>
         <p:spPr>
           <a:xfrm>
-            <a:off x="22614596" y="7460027"/>
+            <a:off x="23577116" y="7460027"/>
             <a:ext cx="2258378" cy="0"/>
           </a:xfrm>
           <a:prstGeom prst="line">
@@ -5774,7 +5774,7 @@
         </p:nvCxnSpPr>
         <p:spPr>
           <a:xfrm>
-            <a:off x="25799299" y="7460027"/>
+            <a:off x="26761819" y="7460027"/>
             <a:ext cx="1320765" cy="555"/>
           </a:xfrm>
           <a:prstGeom prst="line">
@@ -5812,7 +5812,7 @@
         </p:nvCxnSpPr>
         <p:spPr>
           <a:xfrm>
-            <a:off x="20036546" y="7730027"/>
+            <a:off x="20999066" y="7730027"/>
             <a:ext cx="0" cy="992246"/>
           </a:xfrm>
           <a:prstGeom prst="straightConnector1">
@@ -5848,7 +5848,7 @@
         </p:nvCxnSpPr>
         <p:spPr>
           <a:xfrm>
-            <a:off x="22151434" y="7730027"/>
+            <a:off x="23113954" y="7730027"/>
             <a:ext cx="0" cy="992246"/>
           </a:xfrm>
           <a:prstGeom prst="straightConnector1">
@@ -5884,7 +5884,7 @@
         </p:nvCxnSpPr>
         <p:spPr>
           <a:xfrm>
-            <a:off x="25336137" y="7730027"/>
+            <a:off x="26298657" y="7730027"/>
             <a:ext cx="0" cy="992246"/>
           </a:xfrm>
           <a:prstGeom prst="straightConnector1">
@@ -5920,7 +5920,7 @@
         </p:nvCxnSpPr>
         <p:spPr>
           <a:xfrm>
-            <a:off x="27583227" y="7730582"/>
+            <a:off x="28545747" y="7730582"/>
             <a:ext cx="1" cy="991691"/>
           </a:xfrm>
           <a:prstGeom prst="straightConnector1">
@@ -5956,7 +5956,7 @@
         </p:nvCxnSpPr>
         <p:spPr>
           <a:xfrm>
-            <a:off x="23680849" y="6961677"/>
+            <a:off x="24643369" y="6961677"/>
             <a:ext cx="0" cy="1015107"/>
           </a:xfrm>
           <a:prstGeom prst="straightConnector1">
@@ -5993,7 +5993,7 @@
         </p:nvCxnSpPr>
         <p:spPr>
           <a:xfrm rot="5400000">
-            <a:off x="21755954" y="6797377"/>
+            <a:off x="22718474" y="6797377"/>
             <a:ext cx="205489" cy="3644303"/>
           </a:xfrm>
           <a:prstGeom prst="bentConnector3">
@@ -6031,7 +6031,7 @@
         </p:nvCxnSpPr>
         <p:spPr>
           <a:xfrm rot="16200000" flipH="1">
-            <a:off x="25529294" y="6668338"/>
+            <a:off x="26491814" y="6668338"/>
             <a:ext cx="205489" cy="3902379"/>
           </a:xfrm>
           <a:prstGeom prst="bentConnector3">
@@ -6069,7 +6069,7 @@
         </p:nvCxnSpPr>
         <p:spPr>
           <a:xfrm rot="5400000">
-            <a:off x="22813398" y="7854821"/>
+            <a:off x="23775918" y="7854821"/>
             <a:ext cx="205489" cy="1529415"/>
           </a:xfrm>
           <a:prstGeom prst="bentConnector3">
@@ -6107,7 +6107,7 @@
         </p:nvCxnSpPr>
         <p:spPr>
           <a:xfrm rot="16200000" flipH="1">
-            <a:off x="24405749" y="7791884"/>
+            <a:off x="25368269" y="7791884"/>
             <a:ext cx="205489" cy="1655288"/>
           </a:xfrm>
           <a:prstGeom prst="bentConnector3">
@@ -6145,7 +6145,7 @@
         </p:nvCxnSpPr>
         <p:spPr>
           <a:xfrm rot="5400000">
-            <a:off x="21744523" y="5253701"/>
+            <a:off x="22707043" y="5253701"/>
             <a:ext cx="228350" cy="3644303"/>
           </a:xfrm>
           <a:prstGeom prst="bentConnector3">
@@ -6183,7 +6183,7 @@
         </p:nvCxnSpPr>
         <p:spPr>
           <a:xfrm rot="16200000" flipH="1">
-            <a:off x="24394318" y="6248208"/>
+            <a:off x="25356838" y="6248208"/>
             <a:ext cx="228350" cy="1655288"/>
           </a:xfrm>
           <a:prstGeom prst="bentConnector3">
@@ -6221,7 +6221,7 @@
         </p:nvCxnSpPr>
         <p:spPr>
           <a:xfrm rot="5400000">
-            <a:off x="22801967" y="6311145"/>
+            <a:off x="23764487" y="6311145"/>
             <a:ext cx="228350" cy="1529415"/>
           </a:xfrm>
           <a:prstGeom prst="bentConnector3">
@@ -6256,7 +6256,7 @@
         </p:nvSpPr>
         <p:spPr>
           <a:xfrm>
-            <a:off x="20119308" y="7971064"/>
+            <a:off x="21081828" y="7971064"/>
             <a:ext cx="926325" cy="540000"/>
           </a:xfrm>
           <a:prstGeom prst="rect">
@@ -6317,7 +6317,7 @@
         </p:nvSpPr>
         <p:spPr>
           <a:xfrm>
-            <a:off x="20632105" y="9503005"/>
+            <a:off x="21594625" y="9503005"/>
             <a:ext cx="926325" cy="540000"/>
           </a:xfrm>
           <a:prstGeom prst="rect">
@@ -6363,7 +6363,7 @@
         </p:nvSpPr>
         <p:spPr>
           <a:xfrm>
-            <a:off x="21689530" y="9503004"/>
+            <a:off x="22652050" y="9503004"/>
             <a:ext cx="926325" cy="540000"/>
           </a:xfrm>
           <a:prstGeom prst="rect">
@@ -6441,7 +6441,7 @@
         </p:nvSpPr>
         <p:spPr>
           <a:xfrm>
-            <a:off x="21690634" y="10254644"/>
+            <a:off x="22653154" y="10254644"/>
             <a:ext cx="926325" cy="540000"/>
           </a:xfrm>
           <a:prstGeom prst="rect">
@@ -6534,7 +6534,7 @@
         </p:nvCxnSpPr>
         <p:spPr>
           <a:xfrm>
-            <a:off x="22152693" y="10043004"/>
+            <a:off x="23115213" y="10043004"/>
             <a:ext cx="1104" cy="211640"/>
           </a:xfrm>
           <a:prstGeom prst="straightConnector1">
@@ -6567,7 +6567,7 @@
         </p:nvSpPr>
         <p:spPr>
           <a:xfrm>
-            <a:off x="8463326" y="6434901"/>
+            <a:off x="9425846" y="6434901"/>
             <a:ext cx="926325" cy="540000"/>
           </a:xfrm>
           <a:prstGeom prst="rect">
@@ -6615,7 +6615,7 @@
         </p:nvSpPr>
         <p:spPr>
           <a:xfrm>
-            <a:off x="21163946" y="7973371"/>
+            <a:off x="22126466" y="7973371"/>
             <a:ext cx="926325" cy="540000"/>
           </a:xfrm>
           <a:prstGeom prst="rect">
@@ -6668,7 +6668,7 @@
         </p:nvCxnSpPr>
         <p:spPr>
           <a:xfrm flipH="1">
-            <a:off x="20499708" y="7460027"/>
+            <a:off x="21462228" y="7460027"/>
             <a:ext cx="1188563" cy="0"/>
           </a:xfrm>
           <a:prstGeom prst="line">
@@ -6706,7 +6706,7 @@
         </p:nvCxnSpPr>
         <p:spPr>
           <a:xfrm rot="5400000">
-            <a:off x="21767600" y="7589537"/>
+            <a:off x="22730120" y="7589537"/>
             <a:ext cx="243344" cy="524325"/>
           </a:xfrm>
           <a:prstGeom prst="bentConnector3">
@@ -6745,7 +6745,7 @@
         </p:nvCxnSpPr>
         <p:spPr>
           <a:xfrm rot="5400000">
-            <a:off x="21246435" y="7066064"/>
+            <a:off x="22208955" y="7066064"/>
             <a:ext cx="241037" cy="1568963"/>
           </a:xfrm>
           <a:prstGeom prst="bentConnector3">
@@ -6784,7 +6784,7 @@
         </p:nvCxnSpPr>
         <p:spPr>
           <a:xfrm rot="16200000" flipH="1">
-            <a:off x="20188990" y="7577582"/>
+            <a:off x="21151510" y="7577582"/>
             <a:ext cx="241037" cy="545925"/>
           </a:xfrm>
           <a:prstGeom prst="bentConnector3">
@@ -6823,7 +6823,7 @@
         </p:nvCxnSpPr>
         <p:spPr>
           <a:xfrm rot="16200000" flipH="1">
-            <a:off x="20710155" y="7056417"/>
+            <a:off x="21672675" y="7056417"/>
             <a:ext cx="243344" cy="1590563"/>
           </a:xfrm>
           <a:prstGeom prst="bentConnector3">
@@ -6861,7 +6861,7 @@
         </p:nvCxnSpPr>
         <p:spPr>
           <a:xfrm rot="16200000" flipH="1">
-            <a:off x="20445541" y="8853278"/>
+            <a:off x="21408061" y="8853278"/>
             <a:ext cx="240732" cy="1058722"/>
           </a:xfrm>
           <a:prstGeom prst="bentConnector3">
@@ -6899,7 +6899,7 @@
         </p:nvCxnSpPr>
         <p:spPr>
           <a:xfrm rot="5400000">
-            <a:off x="21502985" y="8854556"/>
+            <a:off x="22465505" y="8854556"/>
             <a:ext cx="240732" cy="1056166"/>
           </a:xfrm>
           <a:prstGeom prst="bentConnector3">
@@ -6938,7 +6938,7 @@
         </p:nvCxnSpPr>
         <p:spPr>
           <a:xfrm flipH="1">
-            <a:off x="15465003" y="6691677"/>
+            <a:off x="16427523" y="6691677"/>
             <a:ext cx="7752683" cy="13224"/>
           </a:xfrm>
           <a:prstGeom prst="line">
@@ -6973,7 +6973,7 @@
         </p:nvSpPr>
         <p:spPr>
           <a:xfrm>
-            <a:off x="25996928" y="9507777"/>
+            <a:off x="26959448" y="9507777"/>
             <a:ext cx="926325" cy="540000"/>
           </a:xfrm>
           <a:prstGeom prst="rect">
@@ -7027,7 +7027,7 @@
         </p:nvSpPr>
         <p:spPr>
           <a:xfrm>
-            <a:off x="25996931" y="7971238"/>
+            <a:off x="26959451" y="7971238"/>
             <a:ext cx="926325" cy="540000"/>
           </a:xfrm>
           <a:prstGeom prst="rect">
@@ -7131,7 +7131,7 @@
         </p:nvCxnSpPr>
         <p:spPr>
           <a:xfrm>
-            <a:off x="20036546" y="9262273"/>
+            <a:off x="20999066" y="9262273"/>
             <a:ext cx="582" cy="238680"/>
           </a:xfrm>
           <a:prstGeom prst="straightConnector1">
@@ -7164,7 +7164,7 @@
         </p:nvSpPr>
         <p:spPr>
           <a:xfrm>
-            <a:off x="24872973" y="10254644"/>
+            <a:off x="25835493" y="10254644"/>
             <a:ext cx="926325" cy="540000"/>
           </a:xfrm>
           <a:prstGeom prst="rect">
@@ -7210,7 +7210,7 @@
         </p:nvSpPr>
         <p:spPr>
           <a:xfrm>
-            <a:off x="24872973" y="11770438"/>
+            <a:off x="25835493" y="11770438"/>
             <a:ext cx="926325" cy="540000"/>
           </a:xfrm>
           <a:prstGeom prst="rect">
@@ -7256,7 +7256,7 @@
         </p:nvSpPr>
         <p:spPr>
           <a:xfrm>
-            <a:off x="23756659" y="9508610"/>
+            <a:off x="24719179" y="9508610"/>
             <a:ext cx="926325" cy="540000"/>
           </a:xfrm>
           <a:prstGeom prst="rect">
@@ -7302,7 +7302,7 @@
         </p:nvSpPr>
         <p:spPr>
           <a:xfrm>
-            <a:off x="25996931" y="10254644"/>
+            <a:off x="26959451" y="10254644"/>
             <a:ext cx="926325" cy="540000"/>
           </a:xfrm>
           <a:prstGeom prst="rect">
@@ -7348,7 +7348,7 @@
         </p:nvSpPr>
         <p:spPr>
           <a:xfrm>
-            <a:off x="23756660" y="10254644"/>
+            <a:off x="24719180" y="10254644"/>
             <a:ext cx="926325" cy="540000"/>
           </a:xfrm>
           <a:prstGeom prst="rect">
@@ -7397,7 +7397,7 @@
         </p:nvCxnSpPr>
         <p:spPr>
           <a:xfrm rot="5400000">
-            <a:off x="24654812" y="8827284"/>
+            <a:off x="25617332" y="8827284"/>
             <a:ext cx="246337" cy="1116315"/>
           </a:xfrm>
           <a:prstGeom prst="bentConnector3">
@@ -7435,7 +7435,7 @@
         </p:nvCxnSpPr>
         <p:spPr>
           <a:xfrm rot="16200000" flipH="1">
-            <a:off x="25775362" y="8823048"/>
+            <a:off x="26737882" y="8823048"/>
             <a:ext cx="245504" cy="1123954"/>
           </a:xfrm>
           <a:prstGeom prst="bentConnector3">
@@ -7473,7 +7473,7 @@
         </p:nvCxnSpPr>
         <p:spPr>
           <a:xfrm rot="5400000">
-            <a:off x="25794681" y="9589233"/>
+            <a:off x="26757201" y="9589233"/>
             <a:ext cx="206867" cy="1123955"/>
           </a:xfrm>
           <a:prstGeom prst="bentConnector3">
@@ -7512,7 +7512,7 @@
         </p:nvCxnSpPr>
         <p:spPr>
           <a:xfrm rot="16200000" flipH="1">
-            <a:off x="24674962" y="9593470"/>
+            <a:off x="25637482" y="9593470"/>
             <a:ext cx="206034" cy="1116314"/>
           </a:xfrm>
           <a:prstGeom prst="bentConnector3">
@@ -7551,7 +7551,7 @@
         </p:nvCxnSpPr>
         <p:spPr>
           <a:xfrm>
-            <a:off x="25336136" y="10794644"/>
+            <a:off x="26298656" y="10794644"/>
             <a:ext cx="0" cy="975794"/>
           </a:xfrm>
           <a:prstGeom prst="straightConnector1">
@@ -7585,7 +7585,7 @@
         </p:nvSpPr>
         <p:spPr>
           <a:xfrm>
-            <a:off x="29360826" y="9503006"/>
+            <a:off x="30323346" y="9503006"/>
             <a:ext cx="926325" cy="540000"/>
           </a:xfrm>
           <a:prstGeom prst="rect">
@@ -7631,7 +7631,7 @@
         </p:nvSpPr>
         <p:spPr>
           <a:xfrm>
-            <a:off x="22196933" y="13352032"/>
+            <a:off x="23159453" y="13352032"/>
             <a:ext cx="926325" cy="540000"/>
           </a:xfrm>
           <a:prstGeom prst="rect">
@@ -7681,7 +7681,7 @@
         </p:nvSpPr>
         <p:spPr>
           <a:xfrm>
-            <a:off x="27120067" y="9508609"/>
+            <a:off x="28082587" y="9508609"/>
             <a:ext cx="926325" cy="540000"/>
           </a:xfrm>
           <a:prstGeom prst="rect">
@@ -7727,7 +7727,7 @@
         </p:nvSpPr>
         <p:spPr>
           <a:xfrm>
-            <a:off x="27120066" y="10254644"/>
+            <a:off x="28082586" y="10254644"/>
             <a:ext cx="926325" cy="540000"/>
           </a:xfrm>
           <a:prstGeom prst="rect">
@@ -7773,7 +7773,7 @@
         </p:nvSpPr>
         <p:spPr>
           <a:xfrm>
-            <a:off x="28243203" y="9503006"/>
+            <a:off x="29205723" y="9503006"/>
             <a:ext cx="926325" cy="540000"/>
           </a:xfrm>
           <a:prstGeom prst="rect">
@@ -7819,7 +7819,7 @@
         </p:nvSpPr>
         <p:spPr>
           <a:xfrm>
-            <a:off x="28243201" y="10254644"/>
+            <a:off x="29205721" y="10254644"/>
             <a:ext cx="926325" cy="540000"/>
           </a:xfrm>
           <a:prstGeom prst="rect">
@@ -7865,7 +7865,7 @@
         </p:nvSpPr>
         <p:spPr>
           <a:xfrm>
-            <a:off x="29360825" y="10254644"/>
+            <a:off x="30323345" y="10254644"/>
             <a:ext cx="926325" cy="540000"/>
           </a:xfrm>
           <a:prstGeom prst="rect">
@@ -7911,7 +7911,7 @@
         </p:nvSpPr>
         <p:spPr>
           <a:xfrm>
-            <a:off x="28804872" y="11063829"/>
+            <a:off x="29767392" y="11063829"/>
             <a:ext cx="926325" cy="540000"/>
           </a:xfrm>
           <a:prstGeom prst="rect">
@@ -7972,7 +7972,7 @@
         </p:nvCxnSpPr>
         <p:spPr>
           <a:xfrm rot="16200000" flipH="1">
-            <a:off x="28583242" y="8262258"/>
+            <a:off x="29545762" y="8262258"/>
             <a:ext cx="240733" cy="2240761"/>
           </a:xfrm>
           <a:prstGeom prst="bentConnector3">
@@ -8010,7 +8010,7 @@
         </p:nvCxnSpPr>
         <p:spPr>
           <a:xfrm rot="16200000" flipH="1">
-            <a:off x="28024431" y="8821070"/>
+            <a:off x="28986951" y="8821070"/>
             <a:ext cx="240733" cy="1123138"/>
           </a:xfrm>
           <a:prstGeom prst="bentConnector3">
@@ -8048,7 +8048,7 @@
         </p:nvCxnSpPr>
         <p:spPr>
           <a:xfrm>
-            <a:off x="27583228" y="9262273"/>
+            <a:off x="28545748" y="9262273"/>
             <a:ext cx="2" cy="246336"/>
           </a:xfrm>
           <a:prstGeom prst="straightConnector1">
@@ -8084,7 +8084,7 @@
         </p:nvCxnSpPr>
         <p:spPr>
           <a:xfrm flipH="1">
-            <a:off x="27583229" y="10048609"/>
+            <a:off x="28545749" y="10048609"/>
             <a:ext cx="1" cy="206035"/>
           </a:xfrm>
           <a:prstGeom prst="straightConnector1">
@@ -8120,7 +8120,7 @@
         </p:nvCxnSpPr>
         <p:spPr>
           <a:xfrm flipH="1">
-            <a:off x="28706364" y="10043006"/>
+            <a:off x="29668884" y="10043006"/>
             <a:ext cx="2" cy="211638"/>
           </a:xfrm>
           <a:prstGeom prst="straightConnector1">
@@ -8156,7 +8156,7 @@
         </p:nvCxnSpPr>
         <p:spPr>
           <a:xfrm rot="16200000" flipH="1">
-            <a:off x="29159358" y="9590014"/>
+            <a:off x="30121878" y="9590014"/>
             <a:ext cx="211638" cy="1117622"/>
           </a:xfrm>
           <a:prstGeom prst="bentConnector3">
@@ -8191,7 +8191,7 @@
         </p:nvSpPr>
         <p:spPr>
           <a:xfrm>
-            <a:off x="22678971" y="10258198"/>
+            <a:off x="23641491" y="10258198"/>
             <a:ext cx="926325" cy="540000"/>
           </a:xfrm>
           <a:prstGeom prst="rect">
@@ -8240,7 +8240,7 @@
         </p:nvCxnSpPr>
         <p:spPr>
           <a:xfrm rot="5400000">
-            <a:off x="19388674" y="8853081"/>
+            <a:off x="20351194" y="8853081"/>
             <a:ext cx="238680" cy="1057065"/>
           </a:xfrm>
           <a:prstGeom prst="bentConnector3">
@@ -8275,7 +8275,7 @@
         </p:nvSpPr>
         <p:spPr>
           <a:xfrm>
-            <a:off x="22692519" y="9501427"/>
+            <a:off x="23655039" y="9501427"/>
             <a:ext cx="926325" cy="540000"/>
           </a:xfrm>
           <a:prstGeom prst="rect">
@@ -8324,7 +8324,7 @@
         </p:nvCxnSpPr>
         <p:spPr>
           <a:xfrm rot="16200000" flipH="1">
-            <a:off x="22533981" y="8879726"/>
+            <a:off x="23496501" y="8879726"/>
             <a:ext cx="239154" cy="1004248"/>
           </a:xfrm>
           <a:prstGeom prst="bentConnector3">
@@ -8363,7 +8363,7 @@
         </p:nvCxnSpPr>
         <p:spPr>
           <a:xfrm>
-            <a:off x="22151434" y="9262273"/>
+            <a:off x="23113954" y="9262273"/>
             <a:ext cx="1259" cy="240731"/>
           </a:xfrm>
           <a:prstGeom prst="straightConnector1">
@@ -8399,7 +8399,7 @@
         </p:nvCxnSpPr>
         <p:spPr>
           <a:xfrm rot="16200000" flipH="1">
-            <a:off x="22539816" y="9655880"/>
+            <a:off x="23502336" y="9655880"/>
             <a:ext cx="215194" cy="989441"/>
           </a:xfrm>
           <a:prstGeom prst="bentConnector3">
@@ -8437,7 +8437,7 @@
         </p:nvCxnSpPr>
         <p:spPr>
           <a:xfrm rot="5400000">
-            <a:off x="26901333" y="7289344"/>
+            <a:off x="27863853" y="7289344"/>
             <a:ext cx="240656" cy="1123133"/>
           </a:xfrm>
           <a:prstGeom prst="bentConnector3">
@@ -8476,7 +8476,7 @@
         </p:nvCxnSpPr>
         <p:spPr>
           <a:xfrm rot="16200000" flipH="1">
-            <a:off x="25777510" y="7288653"/>
+            <a:off x="26740030" y="7288653"/>
             <a:ext cx="241211" cy="1123957"/>
           </a:xfrm>
           <a:prstGeom prst="bentConnector3">
@@ -8512,7 +8512,7 @@
         </p:nvSpPr>
         <p:spPr>
           <a:xfrm>
-            <a:off x="22678971" y="11053439"/>
+            <a:off x="23641491" y="11053439"/>
             <a:ext cx="926325" cy="540000"/>
           </a:xfrm>
           <a:prstGeom prst="rect">
@@ -8561,7 +8561,7 @@
         </p:nvCxnSpPr>
         <p:spPr>
           <a:xfrm>
-            <a:off x="23142134" y="10798198"/>
+            <a:off x="24104654" y="10798198"/>
             <a:ext cx="0" cy="255241"/>
           </a:xfrm>
           <a:prstGeom prst="straightConnector1">
@@ -8594,7 +8594,7 @@
         </p:nvSpPr>
         <p:spPr>
           <a:xfrm>
-            <a:off x="20632104" y="10254644"/>
+            <a:off x="21594624" y="10254644"/>
             <a:ext cx="926325" cy="540000"/>
           </a:xfrm>
           <a:prstGeom prst="rect">
@@ -8647,7 +8647,7 @@
         </p:nvCxnSpPr>
         <p:spPr>
           <a:xfrm rot="5400000">
-            <a:off x="21518160" y="9620111"/>
+            <a:off x="22480680" y="9620111"/>
             <a:ext cx="211640" cy="1057426"/>
           </a:xfrm>
           <a:prstGeom prst="bentConnector3">
@@ -8683,7 +8683,7 @@
         </p:nvSpPr>
         <p:spPr>
           <a:xfrm>
-            <a:off x="23217686" y="11774727"/>
+            <a:off x="24180206" y="11774727"/>
             <a:ext cx="926325" cy="540000"/>
           </a:xfrm>
           <a:prstGeom prst="rect">
@@ -8732,7 +8732,7 @@
         </p:nvCxnSpPr>
         <p:spPr>
           <a:xfrm>
-            <a:off x="23680849" y="8516784"/>
+            <a:off x="24643369" y="8516784"/>
             <a:ext cx="0" cy="3257943"/>
           </a:xfrm>
           <a:prstGeom prst="straightConnector1">
@@ -8765,7 +8765,7 @@
         </p:nvSpPr>
         <p:spPr>
           <a:xfrm>
-            <a:off x="18516318" y="9500953"/>
+            <a:off x="19478838" y="9500953"/>
             <a:ext cx="926325" cy="540000"/>
           </a:xfrm>
           <a:prstGeom prst="rect">
@@ -8800,12 +8800,12 @@
               <a:t>Испанский </a:t>
             </a:r>
             <a:r>
-              <a:rPr lang="ru-RU" sz="700" dirty="0" err="1" smtClean="0"/>
-              <a:t>средиземноморный</a:t>
-            </a:r>
-            <a:r>
               <a:rPr lang="ru-RU" sz="700" dirty="0" smtClean="0"/>
-              <a:t> флот</a:t>
+              <a:t>средиземноморский </a:t>
+            </a:r>
+            <a:r>
+              <a:rPr lang="ru-RU" sz="700" dirty="0" smtClean="0"/>
+              <a:t>флот</a:t>
             </a:r>
             <a:endParaRPr lang="ru-RU" sz="700" dirty="0"/>
           </a:p>
@@ -8819,7 +8819,7 @@
         </p:nvSpPr>
         <p:spPr>
           <a:xfrm>
-            <a:off x="19573965" y="9500953"/>
+            <a:off x="20536485" y="9500953"/>
             <a:ext cx="926325" cy="540000"/>
           </a:xfrm>
           <a:prstGeom prst="rect">
@@ -8872,7 +8872,7 @@
         </p:nvSpPr>
         <p:spPr>
           <a:xfrm>
-            <a:off x="18516318" y="10254896"/>
+            <a:off x="19478838" y="10254896"/>
             <a:ext cx="926325" cy="540000"/>
           </a:xfrm>
           <a:prstGeom prst="rect">
@@ -8929,7 +8929,7 @@
         </p:nvCxnSpPr>
         <p:spPr>
           <a:xfrm>
-            <a:off x="18979481" y="10040953"/>
+            <a:off x="19942001" y="10040953"/>
             <a:ext cx="0" cy="213943"/>
           </a:xfrm>
           <a:prstGeom prst="straightConnector1">
@@ -8962,7 +8962,7 @@
         </p:nvSpPr>
         <p:spPr>
           <a:xfrm>
-            <a:off x="19572185" y="10254644"/>
+            <a:off x="20534705" y="10254644"/>
             <a:ext cx="926325" cy="540000"/>
           </a:xfrm>
           <a:prstGeom prst="rect">
@@ -9010,7 +9010,7 @@
         </p:nvCxnSpPr>
         <p:spPr>
           <a:xfrm flipH="1">
-            <a:off x="20035348" y="10040953"/>
+            <a:off x="20997868" y="10040953"/>
             <a:ext cx="1780" cy="213691"/>
           </a:xfrm>
           <a:prstGeom prst="straightConnector1">
@@ -9046,7 +9046,7 @@
         </p:nvCxnSpPr>
         <p:spPr>
           <a:xfrm rot="16200000" flipH="1">
-            <a:off x="20459352" y="9618728"/>
+            <a:off x="21421872" y="9618728"/>
             <a:ext cx="213691" cy="1058139"/>
           </a:xfrm>
           <a:prstGeom prst="bentConnector3">
@@ -9082,7 +9082,7 @@
         </p:nvSpPr>
         <p:spPr>
           <a:xfrm>
-            <a:off x="21689530" y="11053297"/>
+            <a:off x="22652050" y="11053297"/>
             <a:ext cx="926325" cy="540000"/>
           </a:xfrm>
           <a:prstGeom prst="rect">
@@ -9136,7 +9136,7 @@
         </p:nvSpPr>
         <p:spPr>
           <a:xfrm>
-            <a:off x="19570443" y="11045327"/>
+            <a:off x="20532963" y="11055375"/>
             <a:ext cx="926325" cy="540000"/>
           </a:xfrm>
           <a:prstGeom prst="rect">
@@ -9182,7 +9182,7 @@
         </p:nvSpPr>
         <p:spPr>
           <a:xfrm>
-            <a:off x="20647482" y="11048899"/>
+            <a:off x="21610002" y="11053923"/>
             <a:ext cx="926325" cy="540000"/>
           </a:xfrm>
           <a:prstGeom prst="rect">
@@ -9227,7 +9227,7 @@
         </p:nvSpPr>
         <p:spPr>
           <a:xfrm>
-            <a:off x="23759760" y="11056041"/>
+            <a:off x="24722280" y="11056041"/>
             <a:ext cx="926325" cy="540000"/>
           </a:xfrm>
           <a:prstGeom prst="rect">
@@ -9275,7 +9275,7 @@
         </p:nvCxnSpPr>
         <p:spPr>
           <a:xfrm rot="5400000">
-            <a:off x="22519865" y="10431027"/>
+            <a:off x="23482385" y="10431027"/>
             <a:ext cx="255099" cy="989441"/>
           </a:xfrm>
           <a:prstGeom prst="bentConnector3">
@@ -9313,8 +9313,8 @@
         </p:nvCxnSpPr>
         <p:spPr>
           <a:xfrm rot="16200000" flipH="1">
-            <a:off x="20445869" y="10384122"/>
-            <a:ext cx="254255" cy="1075297"/>
+            <a:off x="21405877" y="10386634"/>
+            <a:ext cx="259279" cy="1075297"/>
           </a:xfrm>
           <a:prstGeom prst="bentConnector3">
             <a:avLst>
@@ -9352,8 +9352,8 @@
         </p:nvCxnSpPr>
         <p:spPr>
           <a:xfrm rot="5400000">
-            <a:off x="21505094" y="10400195"/>
-            <a:ext cx="254255" cy="1043152"/>
+            <a:off x="22465102" y="10402707"/>
+            <a:ext cx="259279" cy="1043152"/>
           </a:xfrm>
           <a:prstGeom prst="bentConnector3">
             <a:avLst>
@@ -9391,7 +9391,7 @@
         </p:nvCxnSpPr>
         <p:spPr>
           <a:xfrm rot="16200000" flipH="1">
-            <a:off x="23057662" y="9890779"/>
+            <a:off x="24020182" y="9890779"/>
             <a:ext cx="261397" cy="2069126"/>
           </a:xfrm>
           <a:prstGeom prst="bentConnector3">
@@ -9429,9 +9429,9 @@
           <p:nvPr/>
         </p:nvCxnSpPr>
         <p:spPr>
-          <a:xfrm flipH="1" flipV="1">
-            <a:off x="20496768" y="11315327"/>
-            <a:ext cx="150714" cy="3572"/>
+          <a:xfrm flipH="1">
+            <a:off x="21459288" y="11323923"/>
+            <a:ext cx="150714" cy="1452"/>
           </a:xfrm>
           <a:prstGeom prst="line">
             <a:avLst/>
@@ -9467,9 +9467,9 @@
           <p:nvPr/>
         </p:nvCxnSpPr>
         <p:spPr>
-          <a:xfrm flipH="1" flipV="1">
-            <a:off x="21573807" y="11318899"/>
-            <a:ext cx="115723" cy="4398"/>
+          <a:xfrm flipH="1">
+            <a:off x="22536327" y="11323297"/>
+            <a:ext cx="115723" cy="626"/>
           </a:xfrm>
           <a:prstGeom prst="line">
             <a:avLst/>
@@ -9506,7 +9506,7 @@
         </p:nvCxnSpPr>
         <p:spPr>
           <a:xfrm flipH="1" flipV="1">
-            <a:off x="22615855" y="11323297"/>
+            <a:off x="23578375" y="11323297"/>
             <a:ext cx="63116" cy="142"/>
           </a:xfrm>
           <a:prstGeom prst="line">
@@ -9544,7 +9544,7 @@
         </p:nvCxnSpPr>
         <p:spPr>
           <a:xfrm rot="5400000">
-            <a:off x="24126333" y="8291623"/>
+            <a:off x="25088853" y="8291623"/>
             <a:ext cx="239154" cy="2180455"/>
           </a:xfrm>
           <a:prstGeom prst="bentConnector3">
@@ -9583,7 +9583,7 @@
         </p:nvCxnSpPr>
         <p:spPr>
           <a:xfrm rot="5400000">
-            <a:off x="25249878" y="7168077"/>
+            <a:off x="26212398" y="7168077"/>
             <a:ext cx="239154" cy="4427546"/>
           </a:xfrm>
           <a:prstGeom prst="bentConnector3">
@@ -9619,7 +9619,7 @@
         </p:nvSpPr>
         <p:spPr>
           <a:xfrm>
-            <a:off x="24879795" y="9514541"/>
+            <a:off x="25842315" y="9514541"/>
             <a:ext cx="926325" cy="540000"/>
           </a:xfrm>
           <a:prstGeom prst="rect">
@@ -9676,7 +9676,7 @@
         </p:nvCxnSpPr>
         <p:spPr>
           <a:xfrm>
-            <a:off x="24219822" y="10048610"/>
+            <a:off x="25182342" y="10048610"/>
             <a:ext cx="1" cy="206034"/>
           </a:xfrm>
           <a:prstGeom prst="straightConnector1">
@@ -9712,7 +9712,7 @@
         </p:nvCxnSpPr>
         <p:spPr>
           <a:xfrm>
-            <a:off x="26460091" y="10047777"/>
+            <a:off x="27422611" y="10047777"/>
             <a:ext cx="3" cy="206867"/>
           </a:xfrm>
           <a:prstGeom prst="straightConnector1">
@@ -9748,7 +9748,7 @@
         </p:nvCxnSpPr>
         <p:spPr>
           <a:xfrm>
-            <a:off x="25336137" y="9262273"/>
+            <a:off x="26298657" y="9262273"/>
             <a:ext cx="6821" cy="252268"/>
           </a:xfrm>
           <a:prstGeom prst="straightConnector1">
@@ -9784,7 +9784,7 @@
         </p:nvCxnSpPr>
         <p:spPr>
           <a:xfrm rot="16200000" flipH="1">
-            <a:off x="21998437" y="8831554"/>
+            <a:off x="22960957" y="8831554"/>
             <a:ext cx="261397" cy="4187575"/>
           </a:xfrm>
           <a:prstGeom prst="bentConnector3">
@@ -9823,7 +9823,7 @@
         </p:nvCxnSpPr>
         <p:spPr>
           <a:xfrm rot="5400000">
-            <a:off x="24648832" y="10368736"/>
+            <a:off x="25611352" y="10368736"/>
             <a:ext cx="261397" cy="1113213"/>
           </a:xfrm>
           <a:prstGeom prst="bentConnector3">
@@ -9862,7 +9862,7 @@
         </p:nvCxnSpPr>
         <p:spPr>
           <a:xfrm rot="5400000">
-            <a:off x="25772378" y="9245189"/>
+            <a:off x="26734898" y="9245189"/>
             <a:ext cx="261397" cy="3360306"/>
           </a:xfrm>
           <a:prstGeom prst="bentConnector3">
@@ -9901,7 +9901,7 @@
         </p:nvCxnSpPr>
         <p:spPr>
           <a:xfrm flipH="1" flipV="1">
-            <a:off x="23605296" y="11323439"/>
+            <a:off x="24567816" y="11323439"/>
             <a:ext cx="154464" cy="2602"/>
           </a:xfrm>
           <a:prstGeom prst="line">
@@ -9936,7 +9936,7 @@
         </p:nvSpPr>
         <p:spPr>
           <a:xfrm>
-            <a:off x="26000519" y="11056041"/>
+            <a:off x="26963039" y="11056041"/>
             <a:ext cx="926325" cy="540000"/>
           </a:xfrm>
           <a:prstGeom prst="rect">
@@ -9985,7 +9985,7 @@
         </p:nvCxnSpPr>
         <p:spPr>
           <a:xfrm flipH="1">
-            <a:off x="24686085" y="11326041"/>
+            <a:off x="25648605" y="11326041"/>
             <a:ext cx="1314434" cy="0"/>
           </a:xfrm>
           <a:prstGeom prst="line">
@@ -10023,7 +10023,7 @@
         </p:nvCxnSpPr>
         <p:spPr>
           <a:xfrm rot="16200000" flipH="1">
-            <a:off x="25769211" y="10361569"/>
+            <a:off x="26731731" y="10361569"/>
             <a:ext cx="261397" cy="1127546"/>
           </a:xfrm>
           <a:prstGeom prst="bentConnector3">
@@ -10058,7 +10058,7 @@
         </p:nvSpPr>
         <p:spPr>
           <a:xfrm>
-            <a:off x="22686447" y="12575301"/>
+            <a:off x="23648967" y="12575301"/>
             <a:ext cx="926325" cy="540000"/>
           </a:xfrm>
           <a:prstGeom prst="rect">
@@ -10119,7 +10119,7 @@
         </p:nvSpPr>
         <p:spPr>
           <a:xfrm>
-            <a:off x="23763974" y="12575301"/>
+            <a:off x="24726494" y="12575301"/>
             <a:ext cx="926325" cy="540000"/>
           </a:xfrm>
           <a:prstGeom prst="rect">
@@ -10168,7 +10168,7 @@
         </p:nvCxnSpPr>
         <p:spPr>
           <a:xfrm rot="16200000" flipH="1">
-            <a:off x="23823706" y="12171870"/>
+            <a:off x="24786226" y="12171870"/>
             <a:ext cx="260574" cy="546288"/>
           </a:xfrm>
           <a:prstGeom prst="bentConnector3">
@@ -10206,7 +10206,7 @@
         </p:nvCxnSpPr>
         <p:spPr>
           <a:xfrm rot="5400000">
-            <a:off x="23284943" y="12179395"/>
+            <a:off x="24247463" y="12179395"/>
             <a:ext cx="260574" cy="531239"/>
           </a:xfrm>
           <a:prstGeom prst="bentConnector3">
@@ -10241,7 +10241,7 @@
         </p:nvSpPr>
         <p:spPr>
           <a:xfrm>
-            <a:off x="24319931" y="13359821"/>
+            <a:off x="25282451" y="13359821"/>
             <a:ext cx="926325" cy="540000"/>
           </a:xfrm>
           <a:prstGeom prst="rect">
@@ -10303,7 +10303,7 @@
         </p:nvSpPr>
         <p:spPr>
           <a:xfrm>
-            <a:off x="20639419" y="8729299"/>
+            <a:off x="21601939" y="8729299"/>
             <a:ext cx="926325" cy="540000"/>
           </a:xfrm>
           <a:prstGeom prst="rect">
@@ -10357,7 +10357,7 @@
         </p:nvSpPr>
         <p:spPr>
           <a:xfrm>
-            <a:off x="14538678" y="6434901"/>
+            <a:off x="15501198" y="6434901"/>
             <a:ext cx="926325" cy="540000"/>
           </a:xfrm>
           <a:prstGeom prst="rect">
@@ -10408,7 +10408,7 @@
         </p:nvCxnSpPr>
         <p:spPr>
           <a:xfrm>
-            <a:off x="9389651" y="6704901"/>
+            <a:off x="10352171" y="6704901"/>
             <a:ext cx="5149027" cy="0"/>
           </a:xfrm>
           <a:prstGeom prst="line">
@@ -10446,7 +10446,7 @@
         </p:nvCxnSpPr>
         <p:spPr>
           <a:xfrm rot="16200000" flipH="1">
-            <a:off x="24382855" y="12959582"/>
+            <a:off x="25345375" y="12959582"/>
             <a:ext cx="244520" cy="555957"/>
           </a:xfrm>
           <a:prstGeom prst="bentConnector3">
@@ -10483,7 +10483,7 @@
         </p:nvCxnSpPr>
         <p:spPr>
           <a:xfrm rot="5400000">
-            <a:off x="21256882" y="8359072"/>
+            <a:off x="22219402" y="8359072"/>
             <a:ext cx="215928" cy="524527"/>
           </a:xfrm>
           <a:prstGeom prst="bentConnector3">
@@ -10520,7 +10520,7 @@
         </p:nvCxnSpPr>
         <p:spPr>
           <a:xfrm rot="16200000" flipH="1">
-            <a:off x="20733409" y="8360125"/>
+            <a:off x="21695929" y="8360125"/>
             <a:ext cx="218235" cy="520111"/>
           </a:xfrm>
           <a:prstGeom prst="bentConnector3">
@@ -10558,7 +10558,7 @@
         </p:nvCxnSpPr>
         <p:spPr>
           <a:xfrm rot="5400000">
-            <a:off x="27218782" y="9721184"/>
+            <a:off x="28181302" y="9721184"/>
             <a:ext cx="166609" cy="3931899"/>
           </a:xfrm>
           <a:prstGeom prst="bentConnector3">
@@ -10594,7 +10594,7 @@
         </p:nvSpPr>
         <p:spPr>
           <a:xfrm>
-            <a:off x="23221431" y="13356808"/>
+            <a:off x="24183951" y="13356808"/>
             <a:ext cx="926325" cy="540000"/>
           </a:xfrm>
           <a:prstGeom prst="rect">
@@ -10651,7 +10651,7 @@
         </p:nvCxnSpPr>
         <p:spPr>
           <a:xfrm>
-            <a:off x="23680849" y="12314727"/>
+            <a:off x="24643369" y="12314727"/>
             <a:ext cx="3745" cy="1042081"/>
           </a:xfrm>
           <a:prstGeom prst="straightConnector1">
@@ -10684,7 +10684,7 @@
         </p:nvSpPr>
         <p:spPr>
           <a:xfrm>
-            <a:off x="22195714" y="14118907"/>
+            <a:off x="23158234" y="14118907"/>
             <a:ext cx="926325" cy="540000"/>
           </a:xfrm>
           <a:prstGeom prst="rect">
@@ -10730,7 +10730,7 @@
         </p:nvSpPr>
         <p:spPr>
           <a:xfrm>
-            <a:off x="21177680" y="14117688"/>
+            <a:off x="22140200" y="14117688"/>
             <a:ext cx="926325" cy="540000"/>
           </a:xfrm>
           <a:prstGeom prst="rect">
@@ -10776,7 +10776,7 @@
         </p:nvSpPr>
         <p:spPr>
           <a:xfrm>
-            <a:off x="21689748" y="14907726"/>
+            <a:off x="22652268" y="14907726"/>
             <a:ext cx="926325" cy="540000"/>
           </a:xfrm>
           <a:prstGeom prst="rect">
@@ -10825,7 +10825,7 @@
         </p:nvCxnSpPr>
         <p:spPr>
           <a:xfrm rot="5400000">
-            <a:off x="22786488" y="12988909"/>
+            <a:off x="23749008" y="12988909"/>
             <a:ext cx="236731" cy="489514"/>
           </a:xfrm>
           <a:prstGeom prst="bentConnector3">
@@ -10863,7 +10863,7 @@
         </p:nvCxnSpPr>
         <p:spPr>
           <a:xfrm rot="5400000">
-            <a:off x="22037642" y="13495234"/>
+            <a:off x="23000162" y="13495234"/>
             <a:ext cx="225656" cy="1019253"/>
           </a:xfrm>
           <a:prstGeom prst="bentConnector3">
@@ -10901,7 +10901,7 @@
         </p:nvCxnSpPr>
         <p:spPr>
           <a:xfrm rot="5400000">
-            <a:off x="22281485" y="14530333"/>
+            <a:off x="23244005" y="14530333"/>
             <a:ext cx="248819" cy="505966"/>
           </a:xfrm>
           <a:prstGeom prst="bentConnector3">
@@ -10939,7 +10939,7 @@
         </p:nvCxnSpPr>
         <p:spPr>
           <a:xfrm rot="16200000" flipH="1">
-            <a:off x="21771858" y="14526673"/>
+            <a:off x="22734378" y="14526673"/>
             <a:ext cx="250038" cy="512068"/>
           </a:xfrm>
           <a:prstGeom prst="bentConnector3">
@@ -10977,7 +10977,7 @@
         </p:nvCxnSpPr>
         <p:spPr>
           <a:xfrm flipH="1">
-            <a:off x="22658877" y="13892032"/>
+            <a:off x="23621397" y="13892032"/>
             <a:ext cx="1219" cy="226875"/>
           </a:xfrm>
           <a:prstGeom prst="straightConnector1">
@@ -11010,7 +11010,7 @@
         </p:nvSpPr>
         <p:spPr>
           <a:xfrm>
-            <a:off x="23227527" y="14906412"/>
+            <a:off x="24190047" y="14906412"/>
             <a:ext cx="926325" cy="540000"/>
           </a:xfrm>
           <a:prstGeom prst="rect">
@@ -11059,7 +11059,7 @@
         </p:nvCxnSpPr>
         <p:spPr>
           <a:xfrm>
-            <a:off x="23684594" y="13896808"/>
+            <a:off x="24647114" y="13896808"/>
             <a:ext cx="6096" cy="234192"/>
           </a:xfrm>
           <a:prstGeom prst="straightConnector1">
@@ -11092,7 +11092,7 @@
         </p:nvSpPr>
         <p:spPr>
           <a:xfrm>
-            <a:off x="25350184" y="13358602"/>
+            <a:off x="26312704" y="13358602"/>
             <a:ext cx="926325" cy="540000"/>
           </a:xfrm>
           <a:prstGeom prst="rect">
@@ -11141,7 +11141,7 @@
         </p:nvCxnSpPr>
         <p:spPr>
           <a:xfrm rot="16200000" flipH="1">
-            <a:off x="24898592" y="12443846"/>
+            <a:off x="25861112" y="12443846"/>
             <a:ext cx="243301" cy="1586210"/>
           </a:xfrm>
           <a:prstGeom prst="bentConnector3">
@@ -11176,7 +11176,7 @@
         </p:nvSpPr>
         <p:spPr>
           <a:xfrm>
-            <a:off x="25348965" y="14147423"/>
+            <a:off x="26311485" y="14147423"/>
             <a:ext cx="926325" cy="540000"/>
           </a:xfrm>
           <a:prstGeom prst="rect">
@@ -11226,7 +11226,7 @@
         </p:nvSpPr>
         <p:spPr>
           <a:xfrm>
-            <a:off x="25348964" y="14900888"/>
+            <a:off x="26311484" y="14900888"/>
             <a:ext cx="926325" cy="540000"/>
           </a:xfrm>
           <a:prstGeom prst="rect">
@@ -11275,7 +11275,7 @@
         </p:nvCxnSpPr>
         <p:spPr>
           <a:xfrm flipH="1">
-            <a:off x="25812128" y="13898602"/>
+            <a:off x="26774648" y="13898602"/>
             <a:ext cx="1219" cy="248821"/>
           </a:xfrm>
           <a:prstGeom prst="straightConnector1">
@@ -11311,7 +11311,7 @@
         </p:nvCxnSpPr>
         <p:spPr>
           <a:xfrm flipH="1">
-            <a:off x="25812127" y="14687423"/>
+            <a:off x="26774647" y="14687423"/>
             <a:ext cx="1" cy="213465"/>
           </a:xfrm>
           <a:prstGeom prst="straightConnector1">
@@ -11344,7 +11344,7 @@
         </p:nvSpPr>
         <p:spPr>
           <a:xfrm>
-            <a:off x="23227527" y="14131000"/>
+            <a:off x="24190047" y="14131000"/>
             <a:ext cx="926325" cy="540000"/>
           </a:xfrm>
           <a:prstGeom prst="rect">
@@ -11393,7 +11393,7 @@
         </p:nvCxnSpPr>
         <p:spPr>
           <a:xfrm>
-            <a:off x="23690690" y="14671000"/>
+            <a:off x="24653210" y="14671000"/>
             <a:ext cx="0" cy="235412"/>
           </a:xfrm>
           <a:prstGeom prst="straightConnector1">
@@ -11426,7 +11426,7 @@
         </p:nvSpPr>
         <p:spPr>
           <a:xfrm>
-            <a:off x="26484011" y="13351286"/>
+            <a:off x="27446531" y="13351286"/>
             <a:ext cx="926325" cy="540000"/>
           </a:xfrm>
           <a:prstGeom prst="rect">
@@ -11472,7 +11472,7 @@
         </p:nvSpPr>
         <p:spPr>
           <a:xfrm>
-            <a:off x="24310207" y="14147425"/>
+            <a:off x="25272727" y="14147425"/>
             <a:ext cx="926325" cy="540000"/>
           </a:xfrm>
           <a:prstGeom prst="rect">
@@ -11518,7 +11518,7 @@
         </p:nvSpPr>
         <p:spPr>
           <a:xfrm>
-            <a:off x="24308988" y="14899672"/>
+            <a:off x="25271508" y="14899672"/>
             <a:ext cx="926325" cy="540000"/>
           </a:xfrm>
           <a:prstGeom prst="rect">
@@ -11564,7 +11564,7 @@
         </p:nvSpPr>
         <p:spPr>
           <a:xfrm>
-            <a:off x="26465753" y="14152302"/>
+            <a:off x="27428273" y="14152302"/>
             <a:ext cx="926325" cy="540000"/>
           </a:xfrm>
           <a:prstGeom prst="rect">
@@ -11610,7 +11610,7 @@
         </p:nvSpPr>
         <p:spPr>
           <a:xfrm>
-            <a:off x="26464533" y="14911863"/>
+            <a:off x="27427053" y="14911863"/>
             <a:ext cx="926325" cy="540000"/>
           </a:xfrm>
           <a:prstGeom prst="rect">
@@ -11659,7 +11659,7 @@
         </p:nvCxnSpPr>
         <p:spPr>
           <a:xfrm rot="16200000" flipH="1">
-            <a:off x="26244281" y="13467667"/>
+            <a:off x="27206801" y="13467667"/>
             <a:ext cx="253700" cy="1115569"/>
           </a:xfrm>
           <a:prstGeom prst="bentConnector3">
@@ -11697,7 +11697,7 @@
         </p:nvCxnSpPr>
         <p:spPr>
           <a:xfrm rot="5400000">
-            <a:off x="25168948" y="13503025"/>
+            <a:off x="26131468" y="13503025"/>
             <a:ext cx="248823" cy="1039977"/>
           </a:xfrm>
           <a:prstGeom prst="bentConnector3">
@@ -11735,7 +11735,7 @@
         </p:nvCxnSpPr>
         <p:spPr>
           <a:xfrm flipH="1">
-            <a:off x="24772151" y="14687425"/>
+            <a:off x="25734671" y="14687425"/>
             <a:ext cx="1219" cy="212247"/>
           </a:xfrm>
           <a:prstGeom prst="straightConnector1">
@@ -11771,7 +11771,7 @@
         </p:nvCxnSpPr>
         <p:spPr>
           <a:xfrm flipH="1">
-            <a:off x="26927696" y="14692302"/>
+            <a:off x="27890216" y="14692302"/>
             <a:ext cx="1220" cy="219561"/>
           </a:xfrm>
           <a:prstGeom prst="straightConnector1">
@@ -11807,7 +11807,7 @@
         </p:nvCxnSpPr>
         <p:spPr>
           <a:xfrm rot="16200000" flipH="1">
-            <a:off x="28852607" y="10648400"/>
+            <a:off x="29815127" y="10648400"/>
             <a:ext cx="269185" cy="561671"/>
           </a:xfrm>
           <a:prstGeom prst="bentConnector3">
@@ -11845,7 +11845,7 @@
         </p:nvCxnSpPr>
         <p:spPr>
           <a:xfrm rot="5400000">
-            <a:off x="29411420" y="10651260"/>
+            <a:off x="30373940" y="10651260"/>
             <a:ext cx="269185" cy="555953"/>
           </a:xfrm>
           <a:prstGeom prst="bentConnector3">
@@ -11880,7 +11880,7 @@
         </p:nvSpPr>
         <p:spPr>
           <a:xfrm>
-            <a:off x="25351403" y="15700686"/>
+            <a:off x="26313923" y="15700686"/>
             <a:ext cx="926325" cy="540000"/>
           </a:xfrm>
           <a:prstGeom prst="rect">
@@ -11929,7 +11929,7 @@
         </p:nvCxnSpPr>
         <p:spPr>
           <a:xfrm rot="16200000" flipH="1">
-            <a:off x="25162851" y="15048971"/>
+            <a:off x="26125371" y="15048971"/>
             <a:ext cx="261014" cy="1042415"/>
           </a:xfrm>
           <a:prstGeom prst="bentConnector3">
@@ -11967,7 +11967,7 @@
         </p:nvCxnSpPr>
         <p:spPr>
           <a:xfrm rot="5400000">
-            <a:off x="26246720" y="15019709"/>
+            <a:off x="27209240" y="15019709"/>
             <a:ext cx="248823" cy="1113130"/>
           </a:xfrm>
           <a:prstGeom prst="bentConnector3">
@@ -12002,7 +12002,7 @@
         </p:nvSpPr>
         <p:spPr>
           <a:xfrm>
-            <a:off x="22689773" y="8721716"/>
+            <a:off x="23652293" y="8721716"/>
             <a:ext cx="926325" cy="540000"/>
           </a:xfrm>
           <a:prstGeom prst="rect">
@@ -12051,7 +12051,7 @@
         </p:nvCxnSpPr>
         <p:spPr>
           <a:xfrm rot="5400000">
-            <a:off x="23314427" y="8355294"/>
+            <a:off x="24276947" y="8355294"/>
             <a:ext cx="204932" cy="527913"/>
           </a:xfrm>
           <a:prstGeom prst="bentConnector3">
@@ -12086,7 +12086,7 @@
         </p:nvSpPr>
         <p:spPr>
           <a:xfrm>
-            <a:off x="23763888" y="8720496"/>
+            <a:off x="24726408" y="8720496"/>
             <a:ext cx="926325" cy="540000"/>
           </a:xfrm>
           <a:prstGeom prst="rect">
@@ -12139,7 +12139,7 @@
         </p:nvCxnSpPr>
         <p:spPr>
           <a:xfrm rot="16200000" flipH="1">
-            <a:off x="23852094" y="8345539"/>
+            <a:off x="24814614" y="8345539"/>
             <a:ext cx="203712" cy="546202"/>
           </a:xfrm>
           <a:prstGeom prst="bentConnector3">
@@ -12174,7 +12174,7 @@
         </p:nvSpPr>
         <p:spPr>
           <a:xfrm>
-            <a:off x="21178296" y="13349492"/>
+            <a:off x="22140816" y="13349492"/>
             <a:ext cx="926325" cy="540000"/>
           </a:xfrm>
           <a:prstGeom prst="rect">
@@ -12223,7 +12223,7 @@
         </p:nvCxnSpPr>
         <p:spPr>
           <a:xfrm rot="16200000" flipH="1">
-            <a:off x="25469163" y="11873274"/>
+            <a:off x="26431683" y="11873274"/>
             <a:ext cx="235985" cy="2720037"/>
           </a:xfrm>
           <a:prstGeom prst="bentConnector3">
@@ -12261,7 +12261,7 @@
         </p:nvCxnSpPr>
         <p:spPr>
           <a:xfrm rot="5400000">
-            <a:off x="22278440" y="12478321"/>
+            <a:off x="23240960" y="12478321"/>
             <a:ext cx="234191" cy="1508151"/>
           </a:xfrm>
           <a:prstGeom prst="bentConnector3">
@@ -12296,7 +12296,7 @@
         </p:nvSpPr>
         <p:spPr>
           <a:xfrm>
-            <a:off x="27684422" y="11057151"/>
+            <a:off x="28646942" y="11057151"/>
             <a:ext cx="926325" cy="540000"/>
           </a:xfrm>
           <a:prstGeom prst="rect">
@@ -12345,7 +12345,7 @@
         </p:nvCxnSpPr>
         <p:spPr>
           <a:xfrm flipH="1" flipV="1">
-            <a:off x="26926844" y="11326041"/>
+            <a:off x="27889364" y="11326041"/>
             <a:ext cx="757578" cy="1110"/>
           </a:xfrm>
           <a:prstGeom prst="line">
@@ -12383,7 +12383,7 @@
         </p:nvCxnSpPr>
         <p:spPr>
           <a:xfrm rot="16200000" flipH="1">
-            <a:off x="27734154" y="10643719"/>
+            <a:off x="28696674" y="10643719"/>
             <a:ext cx="262507" cy="564356"/>
           </a:xfrm>
           <a:prstGeom prst="bentConnector3">
@@ -12418,7 +12418,7 @@
         </p:nvSpPr>
         <p:spPr>
           <a:xfrm>
-            <a:off x="8456972" y="8747205"/>
+            <a:off x="9419492" y="8747205"/>
             <a:ext cx="926325" cy="540000"/>
           </a:xfrm>
           <a:prstGeom prst="rect">
@@ -12466,7 +12466,7 @@
         </p:nvSpPr>
         <p:spPr>
           <a:xfrm>
-            <a:off x="11215555" y="9518772"/>
+            <a:off x="12178075" y="9518772"/>
             <a:ext cx="926325" cy="540000"/>
           </a:xfrm>
           <a:prstGeom prst="rect">
@@ -12514,7 +12514,7 @@
         </p:nvSpPr>
         <p:spPr>
           <a:xfrm>
-            <a:off x="5698396" y="9540194"/>
+            <a:off x="6660916" y="9540194"/>
             <a:ext cx="926325" cy="540000"/>
           </a:xfrm>
           <a:prstGeom prst="rect">
@@ -12562,7 +12562,7 @@
         </p:nvSpPr>
         <p:spPr>
           <a:xfrm>
-            <a:off x="5698396" y="10289471"/>
+            <a:off x="6660916" y="10289471"/>
             <a:ext cx="926325" cy="540000"/>
           </a:xfrm>
           <a:prstGeom prst="rect">
@@ -12622,7 +12622,7 @@
         </p:nvSpPr>
         <p:spPr>
           <a:xfrm>
-            <a:off x="5128621" y="11076752"/>
+            <a:off x="6091141" y="11076752"/>
             <a:ext cx="926325" cy="540000"/>
           </a:xfrm>
           <a:prstGeom prst="rect">
@@ -12670,7 +12670,7 @@
         </p:nvSpPr>
         <p:spPr>
           <a:xfrm>
-            <a:off x="6255456" y="11076276"/>
+            <a:off x="7217976" y="11076276"/>
             <a:ext cx="926325" cy="540000"/>
           </a:xfrm>
           <a:prstGeom prst="rect">
@@ -12718,7 +12718,7 @@
         </p:nvSpPr>
         <p:spPr>
           <a:xfrm>
-            <a:off x="8456976" y="9540038"/>
+            <a:off x="9419496" y="9540038"/>
             <a:ext cx="926325" cy="540000"/>
           </a:xfrm>
           <a:prstGeom prst="rect">
@@ -12786,7 +12786,7 @@
         </p:nvSpPr>
         <p:spPr>
           <a:xfrm>
-            <a:off x="8456975" y="10298273"/>
+            <a:off x="9419495" y="10298273"/>
             <a:ext cx="926325" cy="540000"/>
           </a:xfrm>
           <a:prstGeom prst="rect">
@@ -12834,7 +12834,7 @@
         </p:nvSpPr>
         <p:spPr>
           <a:xfrm>
-            <a:off x="9561875" y="10298273"/>
+            <a:off x="10524395" y="10298273"/>
             <a:ext cx="926325" cy="540000"/>
           </a:xfrm>
           <a:prstGeom prst="rect">
@@ -12882,7 +12882,7 @@
         </p:nvSpPr>
         <p:spPr>
           <a:xfrm>
-            <a:off x="7352075" y="9540194"/>
+            <a:off x="8314595" y="9540194"/>
             <a:ext cx="926325" cy="540000"/>
           </a:xfrm>
           <a:prstGeom prst="rect">
@@ -12930,7 +12930,7 @@
         </p:nvSpPr>
         <p:spPr>
           <a:xfrm>
-            <a:off x="7352075" y="10298273"/>
+            <a:off x="8314595" y="10298273"/>
             <a:ext cx="926325" cy="540000"/>
           </a:xfrm>
           <a:prstGeom prst="rect">
@@ -12981,7 +12981,7 @@
         </p:nvCxnSpPr>
         <p:spPr>
           <a:xfrm rot="5400000">
-            <a:off x="7414353" y="8034411"/>
+            <a:off x="8376873" y="8034411"/>
             <a:ext cx="252989" cy="2758576"/>
           </a:xfrm>
           <a:prstGeom prst="bentConnector3">
@@ -13016,7 +13016,7 @@
         </p:nvSpPr>
         <p:spPr>
           <a:xfrm>
-            <a:off x="10666775" y="10289471"/>
+            <a:off x="11629295" y="10289471"/>
             <a:ext cx="926325" cy="540000"/>
           </a:xfrm>
           <a:prstGeom prst="rect">
@@ -13072,7 +13072,7 @@
         </p:nvSpPr>
         <p:spPr>
           <a:xfrm>
-            <a:off x="7904524" y="11056508"/>
+            <a:off x="8867044" y="11056508"/>
             <a:ext cx="926325" cy="540000"/>
           </a:xfrm>
           <a:prstGeom prst="rect">
@@ -13120,7 +13120,7 @@
         </p:nvSpPr>
         <p:spPr>
           <a:xfrm>
-            <a:off x="11771675" y="10289471"/>
+            <a:off x="12734195" y="10289471"/>
             <a:ext cx="926325" cy="540000"/>
           </a:xfrm>
           <a:prstGeom prst="rect">
@@ -13168,7 +13168,7 @@
         </p:nvSpPr>
         <p:spPr>
           <a:xfrm>
-            <a:off x="9561874" y="9540194"/>
+            <a:off x="10524394" y="9540194"/>
             <a:ext cx="926325" cy="540000"/>
           </a:xfrm>
           <a:prstGeom prst="rect">
@@ -13224,7 +13224,7 @@
         </p:nvSpPr>
         <p:spPr>
           <a:xfrm>
-            <a:off x="6257961" y="11829229"/>
+            <a:off x="7220481" y="11829229"/>
             <a:ext cx="926325" cy="540000"/>
           </a:xfrm>
           <a:prstGeom prst="rect">
@@ -13287,7 +13287,7 @@
         </p:nvCxnSpPr>
         <p:spPr>
           <a:xfrm rot="16200000" flipH="1">
-            <a:off x="10183643" y="8023696"/>
+            <a:off x="11146163" y="8023696"/>
             <a:ext cx="231567" cy="2758583"/>
           </a:xfrm>
           <a:prstGeom prst="bentConnector3">
@@ -13325,7 +13325,7 @@
         </p:nvCxnSpPr>
         <p:spPr>
           <a:xfrm rot="5400000">
-            <a:off x="5753032" y="10668224"/>
+            <a:off x="6715552" y="10668224"/>
             <a:ext cx="247281" cy="569775"/>
           </a:xfrm>
           <a:prstGeom prst="bentConnector3">
@@ -13363,7 +13363,7 @@
         </p:nvCxnSpPr>
         <p:spPr>
           <a:xfrm rot="16200000" flipH="1">
-            <a:off x="6316687" y="10674343"/>
+            <a:off x="7279207" y="10674343"/>
             <a:ext cx="246805" cy="557060"/>
           </a:xfrm>
           <a:prstGeom prst="bentConnector3">
@@ -13401,7 +13401,7 @@
         </p:nvCxnSpPr>
         <p:spPr>
           <a:xfrm rot="16200000" flipH="1">
-            <a:off x="9363471" y="9636705"/>
+            <a:off x="10325991" y="9636705"/>
             <a:ext cx="218235" cy="1104899"/>
           </a:xfrm>
           <a:prstGeom prst="bentConnector3">
@@ -13439,7 +13439,7 @@
         </p:nvCxnSpPr>
         <p:spPr>
           <a:xfrm rot="16200000" flipH="1">
-            <a:off x="9346092" y="8861248"/>
+            <a:off x="10308612" y="8861248"/>
             <a:ext cx="252989" cy="1104902"/>
           </a:xfrm>
           <a:prstGeom prst="bentConnector3">
@@ -13477,7 +13477,7 @@
         </p:nvCxnSpPr>
         <p:spPr>
           <a:xfrm rot="5400000">
-            <a:off x="11288979" y="9899731"/>
+            <a:off x="12251499" y="9899731"/>
             <a:ext cx="230699" cy="548780"/>
           </a:xfrm>
           <a:prstGeom prst="bentConnector3">
@@ -13515,7 +13515,7 @@
         </p:nvCxnSpPr>
         <p:spPr>
           <a:xfrm rot="16200000" flipH="1">
-            <a:off x="11841429" y="9896061"/>
+            <a:off x="12803949" y="9896061"/>
             <a:ext cx="230699" cy="556120"/>
           </a:xfrm>
           <a:prstGeom prst="bentConnector3">
@@ -13553,7 +13553,7 @@
         </p:nvCxnSpPr>
         <p:spPr>
           <a:xfrm>
-            <a:off x="6161559" y="10080194"/>
+            <a:off x="7124079" y="10080194"/>
             <a:ext cx="0" cy="209277"/>
           </a:xfrm>
           <a:prstGeom prst="straightConnector1">
@@ -13589,7 +13589,7 @@
         </p:nvCxnSpPr>
         <p:spPr>
           <a:xfrm>
-            <a:off x="7815238" y="10080194"/>
+            <a:off x="8777758" y="10080194"/>
             <a:ext cx="0" cy="218079"/>
           </a:xfrm>
           <a:prstGeom prst="straightConnector1">
@@ -13625,7 +13625,7 @@
         </p:nvCxnSpPr>
         <p:spPr>
           <a:xfrm flipH="1">
-            <a:off x="8920138" y="10080038"/>
+            <a:off x="9882658" y="10080038"/>
             <a:ext cx="1" cy="218235"/>
           </a:xfrm>
           <a:prstGeom prst="straightConnector1">
@@ -13661,7 +13661,7 @@
         </p:nvCxnSpPr>
         <p:spPr>
           <a:xfrm rot="5400000">
-            <a:off x="8241193" y="8861251"/>
+            <a:off x="9203713" y="8861251"/>
             <a:ext cx="252989" cy="1104897"/>
           </a:xfrm>
           <a:prstGeom prst="bentConnector3">
@@ -13699,7 +13699,7 @@
         </p:nvCxnSpPr>
         <p:spPr>
           <a:xfrm>
-            <a:off x="8920135" y="9287205"/>
+            <a:off x="9882655" y="9287205"/>
             <a:ext cx="4" cy="252833"/>
           </a:xfrm>
           <a:prstGeom prst="straightConnector1">
@@ -13735,7 +13735,7 @@
         </p:nvCxnSpPr>
         <p:spPr>
           <a:xfrm flipH="1">
-            <a:off x="8920135" y="6974901"/>
+            <a:off x="9882655" y="6974901"/>
             <a:ext cx="6354" cy="1772304"/>
           </a:xfrm>
           <a:prstGeom prst="straightConnector1">
@@ -13768,7 +13768,7 @@
         </p:nvSpPr>
         <p:spPr>
           <a:xfrm>
-            <a:off x="6799146" y="7216040"/>
+            <a:off x="7761666" y="7216040"/>
             <a:ext cx="926325" cy="540000"/>
           </a:xfrm>
           <a:prstGeom prst="rect">
@@ -13836,7 +13836,7 @@
         </p:nvSpPr>
         <p:spPr>
           <a:xfrm>
-            <a:off x="10123369" y="7216040"/>
+            <a:off x="11085889" y="7216040"/>
             <a:ext cx="926325" cy="540000"/>
           </a:xfrm>
           <a:prstGeom prst="rect">
@@ -13903,7 +13903,7 @@
         </p:nvCxnSpPr>
         <p:spPr>
           <a:xfrm>
-            <a:off x="7725471" y="7486040"/>
+            <a:off x="8687991" y="7486040"/>
             <a:ext cx="2397898" cy="0"/>
           </a:xfrm>
           <a:prstGeom prst="line">
@@ -13938,7 +13938,7 @@
         </p:nvSpPr>
         <p:spPr>
           <a:xfrm>
-            <a:off x="5695972" y="7973128"/>
+            <a:off x="6658492" y="7973128"/>
             <a:ext cx="926325" cy="540000"/>
           </a:xfrm>
           <a:prstGeom prst="rect">
@@ -13986,7 +13986,7 @@
         </p:nvSpPr>
         <p:spPr>
           <a:xfrm>
-            <a:off x="7907699" y="11823619"/>
+            <a:off x="8870219" y="11823619"/>
             <a:ext cx="926325" cy="540000"/>
           </a:xfrm>
           <a:prstGeom prst="rect">
@@ -14042,7 +14042,7 @@
         </p:nvSpPr>
         <p:spPr>
           <a:xfrm>
-            <a:off x="9009424" y="11823619"/>
+            <a:off x="9971944" y="11823619"/>
             <a:ext cx="926325" cy="540000"/>
           </a:xfrm>
           <a:prstGeom prst="rect">
@@ -14093,7 +14093,7 @@
         </p:nvCxnSpPr>
         <p:spPr>
           <a:xfrm>
-            <a:off x="8834024" y="12093619"/>
+            <a:off x="9796544" y="12093619"/>
             <a:ext cx="175400" cy="0"/>
           </a:xfrm>
           <a:prstGeom prst="line">
@@ -14128,7 +14128,7 @@
         </p:nvSpPr>
         <p:spPr>
           <a:xfrm>
-            <a:off x="6801835" y="7973128"/>
+            <a:off x="7764355" y="7973128"/>
             <a:ext cx="926325" cy="540000"/>
           </a:xfrm>
           <a:prstGeom prst="rect">
@@ -14176,7 +14176,7 @@
         </p:nvSpPr>
         <p:spPr>
           <a:xfrm>
-            <a:off x="7907698" y="7971589"/>
+            <a:off x="8870218" y="7971589"/>
             <a:ext cx="926325" cy="540000"/>
           </a:xfrm>
           <a:prstGeom prst="rect">
@@ -14224,7 +14224,7 @@
         </p:nvSpPr>
         <p:spPr>
           <a:xfrm>
-            <a:off x="6257961" y="12596930"/>
+            <a:off x="7220481" y="12596930"/>
             <a:ext cx="926325" cy="540000"/>
           </a:xfrm>
           <a:prstGeom prst="rect">
@@ -14275,7 +14275,7 @@
         </p:nvCxnSpPr>
         <p:spPr>
           <a:xfrm>
-            <a:off x="6721124" y="12369229"/>
+            <a:off x="7683644" y="12369229"/>
             <a:ext cx="0" cy="227701"/>
           </a:xfrm>
           <a:prstGeom prst="straightConnector1">
@@ -14311,7 +14311,7 @@
         </p:nvCxnSpPr>
         <p:spPr>
           <a:xfrm rot="16200000" flipH="1">
-            <a:off x="6050216" y="11158320"/>
+            <a:off x="7012736" y="11158320"/>
             <a:ext cx="212477" cy="1129340"/>
           </a:xfrm>
           <a:prstGeom prst="bentConnector3">
@@ -14349,7 +14349,7 @@
         </p:nvCxnSpPr>
         <p:spPr>
           <a:xfrm rot="5400000">
-            <a:off x="6602178" y="7312997"/>
+            <a:off x="7564698" y="7312997"/>
             <a:ext cx="217088" cy="1103174"/>
           </a:xfrm>
           <a:prstGeom prst="bentConnector3">
@@ -14387,7 +14387,7 @@
         </p:nvCxnSpPr>
         <p:spPr>
           <a:xfrm rot="16200000" flipH="1">
-            <a:off x="7708811" y="7309538"/>
+            <a:off x="8671331" y="7309538"/>
             <a:ext cx="215549" cy="1108552"/>
           </a:xfrm>
           <a:prstGeom prst="bentConnector3">
@@ -14422,7 +14422,7 @@
         </p:nvSpPr>
         <p:spPr>
           <a:xfrm>
-            <a:off x="9009424" y="11054053"/>
+            <a:off x="9971944" y="11054053"/>
             <a:ext cx="926325" cy="540000"/>
           </a:xfrm>
           <a:prstGeom prst="rect">
@@ -14493,7 +14493,7 @@
         </p:nvCxnSpPr>
         <p:spPr>
           <a:xfrm rot="16200000" flipH="1">
-            <a:off x="9088472" y="10669938"/>
+            <a:off x="10050992" y="10669938"/>
             <a:ext cx="215780" cy="552449"/>
           </a:xfrm>
           <a:prstGeom prst="bentConnector3">
@@ -14531,7 +14531,7 @@
         </p:nvCxnSpPr>
         <p:spPr>
           <a:xfrm rot="5400000">
-            <a:off x="8534796" y="10671165"/>
+            <a:off x="9497316" y="10671165"/>
             <a:ext cx="218235" cy="552451"/>
           </a:xfrm>
           <a:prstGeom prst="bentConnector3">
@@ -14566,7 +14566,7 @@
         </p:nvSpPr>
         <p:spPr>
           <a:xfrm>
-            <a:off x="7352073" y="12607576"/>
+            <a:off x="8314593" y="12607576"/>
             <a:ext cx="926325" cy="540000"/>
           </a:xfrm>
           <a:prstGeom prst="rect">
@@ -14614,7 +14614,7 @@
         </p:nvSpPr>
         <p:spPr>
           <a:xfrm>
-            <a:off x="9561873" y="12604881"/>
+            <a:off x="10524393" y="12604881"/>
             <a:ext cx="926325" cy="540000"/>
           </a:xfrm>
           <a:prstGeom prst="rect">
@@ -14665,7 +14665,7 @@
         </p:nvCxnSpPr>
         <p:spPr>
           <a:xfrm flipV="1">
-            <a:off x="8278398" y="12874881"/>
+            <a:off x="9240918" y="12874881"/>
             <a:ext cx="1283475" cy="2695"/>
           </a:xfrm>
           <a:prstGeom prst="line">
@@ -14703,7 +14703,7 @@
         </p:nvCxnSpPr>
         <p:spPr>
           <a:xfrm rot="5400000">
-            <a:off x="7585928" y="11825817"/>
+            <a:off x="8548448" y="11825817"/>
             <a:ext cx="1011068" cy="552451"/>
           </a:xfrm>
           <a:prstGeom prst="bentConnector3">
@@ -14741,7 +14741,7 @@
         </p:nvCxnSpPr>
         <p:spPr>
           <a:xfrm rot="16200000" flipH="1">
-            <a:off x="9243397" y="11823242"/>
+            <a:off x="10205917" y="11823242"/>
             <a:ext cx="1010828" cy="552449"/>
           </a:xfrm>
           <a:prstGeom prst="bentConnector3">
@@ -14779,7 +14779,7 @@
         </p:nvCxnSpPr>
         <p:spPr>
           <a:xfrm>
-            <a:off x="8367687" y="11596508"/>
+            <a:off x="9330207" y="11596508"/>
             <a:ext cx="3175" cy="227111"/>
           </a:xfrm>
           <a:prstGeom prst="straightConnector1">
@@ -14815,7 +14815,7 @@
         </p:nvCxnSpPr>
         <p:spPr>
           <a:xfrm>
-            <a:off x="9472587" y="11594053"/>
+            <a:off x="10435107" y="11594053"/>
             <a:ext cx="0" cy="229566"/>
           </a:xfrm>
           <a:prstGeom prst="straightConnector1">
@@ -14851,7 +14851,7 @@
         </p:nvCxnSpPr>
         <p:spPr>
           <a:xfrm>
-            <a:off x="7262309" y="7756040"/>
+            <a:off x="8224829" y="7756040"/>
             <a:ext cx="2689" cy="217088"/>
           </a:xfrm>
           <a:prstGeom prst="straightConnector1">
@@ -14884,7 +14884,7 @@
         </p:nvSpPr>
         <p:spPr>
           <a:xfrm>
-            <a:off x="6799146" y="8741168"/>
+            <a:off x="7761666" y="8741168"/>
             <a:ext cx="926325" cy="540000"/>
           </a:xfrm>
           <a:prstGeom prst="rect">
@@ -14960,7 +14960,7 @@
         </p:nvSpPr>
         <p:spPr>
           <a:xfrm>
-            <a:off x="10123368" y="8741168"/>
+            <a:off x="11085888" y="8741168"/>
             <a:ext cx="926325" cy="540000"/>
           </a:xfrm>
           <a:prstGeom prst="rect">
@@ -15031,7 +15031,7 @@
         </p:nvCxnSpPr>
         <p:spPr>
           <a:xfrm rot="5400000">
-            <a:off x="7973830" y="6263380"/>
+            <a:off x="8936350" y="6263380"/>
             <a:ext cx="241139" cy="1664180"/>
           </a:xfrm>
           <a:prstGeom prst="bentConnector3">
@@ -15069,7 +15069,7 @@
         </p:nvCxnSpPr>
         <p:spPr>
           <a:xfrm rot="16200000" flipH="1">
-            <a:off x="9635941" y="6265448"/>
+            <a:off x="10598461" y="6265448"/>
             <a:ext cx="241139" cy="1660043"/>
           </a:xfrm>
           <a:prstGeom prst="bentConnector3">
@@ -15104,7 +15104,7 @@
         </p:nvSpPr>
         <p:spPr>
           <a:xfrm>
-            <a:off x="10123368" y="7980470"/>
+            <a:off x="11085888" y="7980470"/>
             <a:ext cx="926325" cy="540000"/>
           </a:xfrm>
           <a:prstGeom prst="rect">
@@ -15152,7 +15152,7 @@
         </p:nvSpPr>
         <p:spPr>
           <a:xfrm>
-            <a:off x="11215554" y="7973646"/>
+            <a:off x="12178074" y="7973646"/>
             <a:ext cx="926325" cy="540000"/>
           </a:xfrm>
           <a:prstGeom prst="rect">
@@ -15196,7 +15196,7 @@
         </p:nvSpPr>
         <p:spPr>
           <a:xfrm>
-            <a:off x="9009424" y="7973128"/>
+            <a:off x="9971944" y="7973128"/>
             <a:ext cx="926325" cy="540000"/>
           </a:xfrm>
           <a:prstGeom prst="rect">
@@ -15247,7 +15247,7 @@
         </p:nvCxnSpPr>
         <p:spPr>
           <a:xfrm rot="5400000">
-            <a:off x="9921016" y="7307612"/>
+            <a:off x="10883536" y="7307612"/>
             <a:ext cx="217088" cy="1113945"/>
           </a:xfrm>
           <a:prstGeom prst="bentConnector3">
@@ -15285,7 +15285,7 @@
         </p:nvCxnSpPr>
         <p:spPr>
           <a:xfrm flipH="1">
-            <a:off x="10586531" y="7756040"/>
+            <a:off x="11549051" y="7756040"/>
             <a:ext cx="1" cy="224430"/>
           </a:xfrm>
           <a:prstGeom prst="straightConnector1">
@@ -15321,7 +15321,7 @@
         </p:nvCxnSpPr>
         <p:spPr>
           <a:xfrm>
-            <a:off x="10586531" y="8520470"/>
+            <a:off x="11549051" y="8520470"/>
             <a:ext cx="0" cy="220698"/>
           </a:xfrm>
           <a:prstGeom prst="straightConnector1">
@@ -15354,7 +15354,7 @@
         </p:nvSpPr>
         <p:spPr>
           <a:xfrm>
-            <a:off x="10667281" y="11805324"/>
+            <a:off x="11629801" y="11805324"/>
             <a:ext cx="926325" cy="540000"/>
           </a:xfrm>
           <a:prstGeom prst="rect">
@@ -15410,7 +15410,7 @@
         </p:nvSpPr>
         <p:spPr>
           <a:xfrm>
-            <a:off x="10123368" y="13370400"/>
+            <a:off x="11085888" y="13370400"/>
             <a:ext cx="926325" cy="540000"/>
           </a:xfrm>
           <a:prstGeom prst="rect">
@@ -15458,7 +15458,7 @@
         </p:nvSpPr>
         <p:spPr>
           <a:xfrm>
-            <a:off x="6799146" y="13370033"/>
+            <a:off x="7761666" y="13370033"/>
             <a:ext cx="926325" cy="540000"/>
           </a:xfrm>
           <a:prstGeom prst="rect">
@@ -15509,7 +15509,7 @@
         </p:nvCxnSpPr>
         <p:spPr>
           <a:xfrm>
-            <a:off x="7725471" y="13640033"/>
+            <a:off x="8687991" y="13640033"/>
             <a:ext cx="2397897" cy="367"/>
           </a:xfrm>
           <a:prstGeom prst="line">
@@ -15547,7 +15547,7 @@
         </p:nvCxnSpPr>
         <p:spPr>
           <a:xfrm rot="16200000" flipH="1">
-            <a:off x="9141386" y="11925254"/>
+            <a:off x="10103906" y="11925254"/>
             <a:ext cx="1776347" cy="1113944"/>
           </a:xfrm>
           <a:prstGeom prst="bentConnector3">
@@ -15585,7 +15585,7 @@
         </p:nvCxnSpPr>
         <p:spPr>
           <a:xfrm rot="5400000">
-            <a:off x="6928236" y="11930581"/>
+            <a:off x="7890756" y="11930581"/>
             <a:ext cx="1773525" cy="1105378"/>
           </a:xfrm>
           <a:prstGeom prst="bentConnector3">
@@ -15620,7 +15620,7 @@
         </p:nvSpPr>
         <p:spPr>
           <a:xfrm>
-            <a:off x="6799146" y="14919637"/>
+            <a:off x="7761666" y="14919637"/>
             <a:ext cx="926325" cy="540000"/>
           </a:xfrm>
           <a:prstGeom prst="rect">
@@ -15668,7 +15668,7 @@
         </p:nvSpPr>
         <p:spPr>
           <a:xfrm>
-            <a:off x="10123368" y="14919637"/>
+            <a:off x="11085888" y="14919637"/>
             <a:ext cx="926325" cy="540000"/>
           </a:xfrm>
           <a:prstGeom prst="rect">
@@ -15716,7 +15716,7 @@
         </p:nvSpPr>
         <p:spPr>
           <a:xfrm>
-            <a:off x="9009423" y="14139808"/>
+            <a:off x="9971943" y="14139808"/>
             <a:ext cx="926325" cy="540000"/>
           </a:xfrm>
           <a:prstGeom prst="rect">
@@ -15764,7 +15764,7 @@
         </p:nvSpPr>
         <p:spPr>
           <a:xfrm>
-            <a:off x="7904523" y="14140634"/>
+            <a:off x="8867043" y="14140634"/>
             <a:ext cx="926325" cy="540000"/>
           </a:xfrm>
           <a:prstGeom prst="rect">
@@ -15815,7 +15815,7 @@
         </p:nvCxnSpPr>
         <p:spPr>
           <a:xfrm flipV="1">
-            <a:off x="8830848" y="14409808"/>
+            <a:off x="9793368" y="14409808"/>
             <a:ext cx="178575" cy="826"/>
           </a:xfrm>
           <a:prstGeom prst="line">
@@ -15853,7 +15853,7 @@
         </p:nvCxnSpPr>
         <p:spPr>
           <a:xfrm rot="16200000" flipH="1">
-            <a:off x="8033630" y="12700851"/>
+            <a:off x="8996150" y="12700851"/>
             <a:ext cx="1776189" cy="1101724"/>
           </a:xfrm>
           <a:prstGeom prst="bentConnector3">
@@ -15892,7 +15892,7 @@
         </p:nvCxnSpPr>
         <p:spPr>
           <a:xfrm rot="5400000">
-            <a:off x="8031630" y="12699676"/>
+            <a:off x="8994150" y="12699676"/>
             <a:ext cx="1777015" cy="1104901"/>
           </a:xfrm>
           <a:prstGeom prst="bentConnector3">
@@ -15931,7 +15931,7 @@
         </p:nvCxnSpPr>
         <p:spPr>
           <a:xfrm flipH="1">
-            <a:off x="8367686" y="12363619"/>
+            <a:off x="9330206" y="12363619"/>
             <a:ext cx="3176" cy="1777015"/>
           </a:xfrm>
           <a:prstGeom prst="straightConnector1">
@@ -15968,7 +15968,7 @@
         </p:nvCxnSpPr>
         <p:spPr>
           <a:xfrm flipH="1">
-            <a:off x="9472586" y="12363619"/>
+            <a:off x="10435106" y="12363619"/>
             <a:ext cx="1" cy="1776189"/>
           </a:xfrm>
           <a:prstGeom prst="straightConnector1">
@@ -16005,7 +16005,7 @@
         </p:nvCxnSpPr>
         <p:spPr>
           <a:xfrm rot="5400000">
-            <a:off x="8419802" y="12752907"/>
+            <a:off x="9382322" y="12752907"/>
             <a:ext cx="1009237" cy="3324222"/>
           </a:xfrm>
           <a:prstGeom prst="bentConnector3">
@@ -16044,7 +16044,7 @@
         </p:nvCxnSpPr>
         <p:spPr>
           <a:xfrm rot="16200000" flipH="1">
-            <a:off x="8419618" y="12752724"/>
+            <a:off x="9382138" y="12752724"/>
             <a:ext cx="1009604" cy="3324222"/>
           </a:xfrm>
           <a:prstGeom prst="bentConnector3">
@@ -16083,7 +16083,7 @@
         </p:nvCxnSpPr>
         <p:spPr>
           <a:xfrm>
-            <a:off x="7262309" y="13910033"/>
+            <a:off x="8224829" y="13910033"/>
             <a:ext cx="0" cy="1009604"/>
           </a:xfrm>
           <a:prstGeom prst="straightConnector1">
@@ -16120,7 +16120,7 @@
         </p:nvCxnSpPr>
         <p:spPr>
           <a:xfrm>
-            <a:off x="10586531" y="13910400"/>
+            <a:off x="11549051" y="13910400"/>
             <a:ext cx="0" cy="1009237"/>
           </a:xfrm>
           <a:prstGeom prst="straightConnector1">
@@ -16157,7 +16157,7 @@
         </p:nvCxnSpPr>
         <p:spPr>
           <a:xfrm>
-            <a:off x="7725471" y="15189637"/>
+            <a:off x="8687991" y="15189637"/>
             <a:ext cx="2397897" cy="0"/>
           </a:xfrm>
           <a:prstGeom prst="line">
@@ -16192,7 +16192,7 @@
         </p:nvSpPr>
         <p:spPr>
           <a:xfrm>
-            <a:off x="7352073" y="15708309"/>
+            <a:off x="8314593" y="15708309"/>
             <a:ext cx="926325" cy="540000"/>
           </a:xfrm>
           <a:prstGeom prst="rect">
@@ -16240,7 +16240,7 @@
         </p:nvSpPr>
         <p:spPr>
           <a:xfrm>
-            <a:off x="9561872" y="15708309"/>
+            <a:off x="10524392" y="15708309"/>
             <a:ext cx="926325" cy="540000"/>
           </a:xfrm>
           <a:prstGeom prst="rect">
@@ -16295,7 +16295,7 @@
         </p:nvCxnSpPr>
         <p:spPr>
           <a:xfrm rot="16200000" flipH="1">
-            <a:off x="6639634" y="14532707"/>
+            <a:off x="7602154" y="14532707"/>
             <a:ext cx="1798276" cy="552927"/>
           </a:xfrm>
           <a:prstGeom prst="bentConnector3">
@@ -16334,7 +16334,7 @@
         </p:nvCxnSpPr>
         <p:spPr>
           <a:xfrm rot="16200000" flipH="1">
-            <a:off x="7744534" y="13427808"/>
+            <a:off x="8707054" y="13427808"/>
             <a:ext cx="1798276" cy="2762726"/>
           </a:xfrm>
           <a:prstGeom prst="bentConnector3">
@@ -16373,7 +16373,7 @@
         </p:nvCxnSpPr>
         <p:spPr>
           <a:xfrm rot="5400000">
-            <a:off x="9406829" y="14528606"/>
+            <a:off x="10369349" y="14528606"/>
             <a:ext cx="1797909" cy="561496"/>
           </a:xfrm>
           <a:prstGeom prst="bentConnector3">
@@ -16412,7 +16412,7 @@
         </p:nvCxnSpPr>
         <p:spPr>
           <a:xfrm rot="5400000">
-            <a:off x="8301930" y="13423707"/>
+            <a:off x="9264450" y="13423707"/>
             <a:ext cx="1797909" cy="2771295"/>
           </a:xfrm>
           <a:prstGeom prst="bentConnector3">
@@ -16451,7 +16451,7 @@
         </p:nvCxnSpPr>
         <p:spPr>
           <a:xfrm>
-            <a:off x="8278398" y="15978309"/>
+            <a:off x="9240918" y="15978309"/>
             <a:ext cx="1283474" cy="0"/>
           </a:xfrm>
           <a:prstGeom prst="line">
@@ -16486,7 +16486,7 @@
         </p:nvSpPr>
         <p:spPr>
           <a:xfrm>
-            <a:off x="8456971" y="16524097"/>
+            <a:off x="9419491" y="16524097"/>
             <a:ext cx="926325" cy="540000"/>
           </a:xfrm>
           <a:prstGeom prst="rect">
@@ -16537,7 +16537,7 @@
         </p:nvCxnSpPr>
         <p:spPr>
           <a:xfrm rot="5400000">
-            <a:off x="9334691" y="15833753"/>
+            <a:off x="10297211" y="15833753"/>
             <a:ext cx="275788" cy="1104901"/>
           </a:xfrm>
           <a:prstGeom prst="bentConnector3">
@@ -16576,7 +16576,7 @@
         </p:nvCxnSpPr>
         <p:spPr>
           <a:xfrm rot="16200000" flipH="1">
-            <a:off x="8229791" y="15833754"/>
+            <a:off x="9192311" y="15833754"/>
             <a:ext cx="275788" cy="1104898"/>
           </a:xfrm>
           <a:prstGeom prst="bentConnector3">
@@ -16615,7 +16615,7 @@
         </p:nvCxnSpPr>
         <p:spPr>
           <a:xfrm rot="5400000">
-            <a:off x="8274216" y="15325726"/>
+            <a:off x="9236736" y="15325726"/>
             <a:ext cx="1844289" cy="552452"/>
           </a:xfrm>
           <a:prstGeom prst="bentConnector3">
@@ -16654,7 +16654,7 @@
         </p:nvCxnSpPr>
         <p:spPr>
           <a:xfrm rot="16200000" flipH="1">
-            <a:off x="7722179" y="15326141"/>
+            <a:off x="8684699" y="15326141"/>
             <a:ext cx="1843463" cy="552448"/>
           </a:xfrm>
           <a:prstGeom prst="bentConnector3">
@@ -16693,7 +16693,7 @@
         </p:nvCxnSpPr>
         <p:spPr>
           <a:xfrm rot="5400000">
-            <a:off x="7782977" y="14282038"/>
+            <a:off x="8745497" y="14282038"/>
             <a:ext cx="3379216" cy="1104902"/>
           </a:xfrm>
           <a:prstGeom prst="bentConnector3">
@@ -16732,7 +16732,7 @@
         </p:nvCxnSpPr>
         <p:spPr>
           <a:xfrm rot="16200000" flipH="1">
-            <a:off x="6679425" y="14283387"/>
+            <a:off x="7641945" y="14283387"/>
             <a:ext cx="3376521" cy="1104898"/>
           </a:xfrm>
           <a:prstGeom prst="bentConnector3">
@@ -16771,7 +16771,7 @@
         </p:nvCxnSpPr>
         <p:spPr>
           <a:xfrm flipH="1">
-            <a:off x="7262309" y="8513128"/>
+            <a:off x="8224829" y="8513128"/>
             <a:ext cx="2689" cy="228040"/>
           </a:xfrm>
           <a:prstGeom prst="straightConnector1">
@@ -16804,7 +16804,7 @@
         </p:nvSpPr>
         <p:spPr>
           <a:xfrm>
-            <a:off x="10110061" y="11057999"/>
+            <a:off x="11072581" y="11057999"/>
             <a:ext cx="926325" cy="540000"/>
           </a:xfrm>
           <a:prstGeom prst="rect">
@@ -16851,7 +16851,7 @@
         </p:nvSpPr>
         <p:spPr>
           <a:xfrm>
-            <a:off x="11217804" y="11053450"/>
+            <a:off x="12180324" y="11053450"/>
             <a:ext cx="926325" cy="540000"/>
           </a:xfrm>
           <a:prstGeom prst="rect">
@@ -16897,7 +16897,7 @@
         </p:nvCxnSpPr>
         <p:spPr>
           <a:xfrm rot="16200000" flipH="1">
-            <a:off x="10195880" y="10870759"/>
+            <a:off x="11158400" y="10870759"/>
             <a:ext cx="211271" cy="1657857"/>
           </a:xfrm>
           <a:prstGeom prst="bentConnector3">
@@ -16935,7 +16935,7 @@
         </p:nvCxnSpPr>
         <p:spPr>
           <a:xfrm rot="16200000" flipH="1">
-            <a:off x="10189268" y="10674043"/>
+            <a:off x="11151788" y="10674043"/>
             <a:ext cx="219726" cy="548186"/>
           </a:xfrm>
           <a:prstGeom prst="bentConnector3">
@@ -16974,7 +16974,7 @@
         </p:nvCxnSpPr>
         <p:spPr>
           <a:xfrm rot="16200000" flipH="1">
-            <a:off x="10745414" y="10117896"/>
+            <a:off x="11707934" y="10117896"/>
             <a:ext cx="215177" cy="1655929"/>
           </a:xfrm>
           <a:prstGeom prst="bentConnector3">
@@ -17013,7 +17013,7 @@
         </p:nvCxnSpPr>
         <p:spPr>
           <a:xfrm rot="5400000">
-            <a:off x="11299769" y="11424126"/>
+            <a:off x="12262289" y="11424126"/>
             <a:ext cx="211874" cy="550523"/>
           </a:xfrm>
           <a:prstGeom prst="bentConnector3">
@@ -17048,7 +17048,7 @@
         </p:nvSpPr>
         <p:spPr>
           <a:xfrm>
-            <a:off x="12298252" y="11048900"/>
+            <a:off x="13260772" y="11048900"/>
             <a:ext cx="926325" cy="540000"/>
           </a:xfrm>
           <a:prstGeom prst="rect">
@@ -17094,7 +17094,7 @@
         </p:nvCxnSpPr>
         <p:spPr>
           <a:xfrm rot="16200000" flipH="1">
-            <a:off x="11287913" y="9575397"/>
+            <a:off x="12250433" y="9575397"/>
             <a:ext cx="210627" cy="2736377"/>
           </a:xfrm>
           <a:prstGeom prst="bentConnector3">
@@ -17130,7 +17130,7 @@
         </p:nvSpPr>
         <p:spPr>
           <a:xfrm>
-            <a:off x="11759165" y="11813175"/>
+            <a:off x="12721685" y="11813175"/>
             <a:ext cx="926325" cy="540000"/>
           </a:xfrm>
           <a:prstGeom prst="rect">
@@ -17184,7 +17184,7 @@
         </p:nvCxnSpPr>
         <p:spPr>
           <a:xfrm rot="16200000" flipH="1">
-            <a:off x="10636232" y="10227079"/>
+            <a:off x="11598752" y="10227079"/>
             <a:ext cx="974902" cy="2197290"/>
           </a:xfrm>
           <a:prstGeom prst="bentConnector3">
@@ -17220,7 +17220,7 @@
         </p:nvSpPr>
         <p:spPr>
           <a:xfrm>
-            <a:off x="5130241" y="11824554"/>
+            <a:off x="6092761" y="11824554"/>
             <a:ext cx="926325" cy="540000"/>
           </a:xfrm>
           <a:prstGeom prst="rect">
@@ -17268,7 +17268,7 @@
         </p:nvSpPr>
         <p:spPr>
           <a:xfrm>
-            <a:off x="5130847" y="12599643"/>
+            <a:off x="6093367" y="12599643"/>
             <a:ext cx="926325" cy="540000"/>
           </a:xfrm>
           <a:prstGeom prst="rect">
@@ -17316,7 +17316,7 @@
         </p:nvSpPr>
         <p:spPr>
           <a:xfrm>
-            <a:off x="4043200" y="12599644"/>
+            <a:off x="5005720" y="12599644"/>
             <a:ext cx="926325" cy="540000"/>
           </a:xfrm>
           <a:prstGeom prst="rect">
@@ -17363,7 +17363,7 @@
         </p:nvSpPr>
         <p:spPr>
           <a:xfrm>
-            <a:off x="5136224" y="13340140"/>
+            <a:off x="6098744" y="13340140"/>
             <a:ext cx="926325" cy="540000"/>
           </a:xfrm>
           <a:prstGeom prst="rect">
@@ -17414,7 +17414,7 @@
         </p:nvCxnSpPr>
         <p:spPr>
           <a:xfrm rot="5400000">
-            <a:off x="4932339" y="11938579"/>
+            <a:off x="5894859" y="11938579"/>
             <a:ext cx="235090" cy="1087041"/>
           </a:xfrm>
           <a:prstGeom prst="bentConnector3">
@@ -17452,7 +17452,7 @@
         </p:nvCxnSpPr>
         <p:spPr>
           <a:xfrm>
-            <a:off x="5593404" y="12364554"/>
+            <a:off x="6555924" y="12364554"/>
             <a:ext cx="606" cy="235089"/>
           </a:xfrm>
           <a:prstGeom prst="straightConnector1">
@@ -17488,7 +17488,7 @@
         </p:nvCxnSpPr>
         <p:spPr>
           <a:xfrm>
-            <a:off x="5594010" y="13139643"/>
+            <a:off x="6556530" y="13139643"/>
             <a:ext cx="5377" cy="200497"/>
           </a:xfrm>
           <a:prstGeom prst="straightConnector1">
@@ -17524,7 +17524,7 @@
         </p:nvCxnSpPr>
         <p:spPr>
           <a:xfrm>
-            <a:off x="5591784" y="11616752"/>
+            <a:off x="6554304" y="11616752"/>
             <a:ext cx="1620" cy="207802"/>
           </a:xfrm>
           <a:prstGeom prst="straightConnector1">
@@ -17560,7 +17560,7 @@
         </p:nvCxnSpPr>
         <p:spPr>
           <a:xfrm>
-            <a:off x="6718619" y="11616276"/>
+            <a:off x="7681139" y="11616276"/>
             <a:ext cx="2505" cy="212953"/>
           </a:xfrm>
           <a:prstGeom prst="straightConnector1">
@@ -17593,7 +17593,7 @@
         </p:nvSpPr>
         <p:spPr>
           <a:xfrm>
-            <a:off x="14538672" y="7978574"/>
+            <a:off x="15501192" y="7978574"/>
             <a:ext cx="926325" cy="540000"/>
           </a:xfrm>
           <a:prstGeom prst="rect">
@@ -17661,7 +17661,7 @@
         </p:nvSpPr>
         <p:spPr>
           <a:xfrm>
-            <a:off x="13446487" y="9514176"/>
+            <a:off x="14409007" y="9514176"/>
             <a:ext cx="926325" cy="540000"/>
           </a:xfrm>
           <a:prstGeom prst="rect">
@@ -17729,7 +17729,7 @@
         </p:nvSpPr>
         <p:spPr>
           <a:xfrm>
-            <a:off x="15630863" y="9514176"/>
+            <a:off x="16593383" y="9514176"/>
             <a:ext cx="926325" cy="540000"/>
           </a:xfrm>
           <a:prstGeom prst="rect">
@@ -17789,7 +17789,7 @@
         </p:nvSpPr>
         <p:spPr>
           <a:xfrm>
-            <a:off x="14538675" y="9521002"/>
+            <a:off x="15501195" y="9521002"/>
             <a:ext cx="926325" cy="540000"/>
           </a:xfrm>
           <a:prstGeom prst="rect">
@@ -17849,7 +17849,7 @@
         </p:nvSpPr>
         <p:spPr>
           <a:xfrm>
-            <a:off x="14538674" y="8744948"/>
+            <a:off x="15501194" y="8744948"/>
             <a:ext cx="926325" cy="540000"/>
           </a:xfrm>
           <a:prstGeom prst="rect">
@@ -17913,7 +17913,7 @@
         </p:nvSpPr>
         <p:spPr>
           <a:xfrm>
-            <a:off x="15084768" y="10292034"/>
+            <a:off x="16047288" y="10292034"/>
             <a:ext cx="926325" cy="540000"/>
           </a:xfrm>
           <a:prstGeom prst="rect">
@@ -17973,7 +17973,7 @@
         </p:nvSpPr>
         <p:spPr>
           <a:xfrm>
-            <a:off x="12332541" y="7219203"/>
+            <a:off x="13295061" y="7219203"/>
             <a:ext cx="926325" cy="540000"/>
           </a:xfrm>
           <a:prstGeom prst="rect">
@@ -18029,7 +18029,7 @@
         </p:nvSpPr>
         <p:spPr>
           <a:xfrm>
-            <a:off x="15630863" y="7219203"/>
+            <a:off x="16593383" y="7219203"/>
             <a:ext cx="926325" cy="540000"/>
           </a:xfrm>
           <a:prstGeom prst="rect">
@@ -18083,7 +18083,7 @@
         </p:nvCxnSpPr>
         <p:spPr>
           <a:xfrm>
-            <a:off x="13258866" y="7489203"/>
+            <a:off x="14221386" y="7489203"/>
             <a:ext cx="2371997" cy="0"/>
           </a:xfrm>
           <a:prstGeom prst="line">
@@ -18121,7 +18121,7 @@
         </p:nvCxnSpPr>
         <p:spPr>
           <a:xfrm flipH="1">
-            <a:off x="15001835" y="6974901"/>
+            <a:off x="15964355" y="6974901"/>
             <a:ext cx="6" cy="1003673"/>
           </a:xfrm>
           <a:prstGeom prst="straightConnector1">
@@ -18157,7 +18157,7 @@
         </p:nvCxnSpPr>
         <p:spPr>
           <a:xfrm rot="5400000">
-            <a:off x="13776622" y="5993984"/>
+            <a:off x="14739142" y="5993984"/>
             <a:ext cx="244302" cy="2206137"/>
           </a:xfrm>
           <a:prstGeom prst="bentConnector3">
@@ -18195,7 +18195,7 @@
         </p:nvCxnSpPr>
         <p:spPr>
           <a:xfrm rot="16200000" flipH="1">
-            <a:off x="15425782" y="6550959"/>
+            <a:off x="16388302" y="6550959"/>
             <a:ext cx="244302" cy="1092185"/>
           </a:xfrm>
           <a:prstGeom prst="bentConnector3">
@@ -18233,7 +18233,7 @@
         </p:nvCxnSpPr>
         <p:spPr>
           <a:xfrm>
-            <a:off x="15001835" y="8518574"/>
+            <a:off x="15964355" y="8518574"/>
             <a:ext cx="2" cy="226374"/>
           </a:xfrm>
           <a:prstGeom prst="straightConnector1">
@@ -18269,7 +18269,7 @@
         </p:nvCxnSpPr>
         <p:spPr>
           <a:xfrm>
-            <a:off x="15001837" y="9284948"/>
+            <a:off x="15964357" y="9284948"/>
             <a:ext cx="1" cy="236054"/>
           </a:xfrm>
           <a:prstGeom prst="straightConnector1">
@@ -18305,7 +18305,7 @@
         </p:nvCxnSpPr>
         <p:spPr>
           <a:xfrm rot="16200000" flipH="1">
-            <a:off x="15433317" y="8853467"/>
+            <a:off x="16395837" y="8853467"/>
             <a:ext cx="229228" cy="1092189"/>
           </a:xfrm>
           <a:prstGeom prst="bentConnector3">
@@ -18343,7 +18343,7 @@
         </p:nvCxnSpPr>
         <p:spPr>
           <a:xfrm rot="5400000">
-            <a:off x="14341130" y="8853469"/>
+            <a:off x="15303650" y="8853469"/>
             <a:ext cx="229228" cy="1092187"/>
           </a:xfrm>
           <a:prstGeom prst="bentConnector3">
@@ -18378,7 +18378,7 @@
         </p:nvSpPr>
         <p:spPr>
           <a:xfrm>
-            <a:off x="12332542" y="7980470"/>
+            <a:off x="13295062" y="7980470"/>
             <a:ext cx="926325" cy="540000"/>
           </a:xfrm>
           <a:prstGeom prst="rect">
@@ -18438,7 +18438,7 @@
         </p:nvSpPr>
         <p:spPr>
           <a:xfrm>
-            <a:off x="13446487" y="7983114"/>
+            <a:off x="14409007" y="7983114"/>
             <a:ext cx="926325" cy="540000"/>
           </a:xfrm>
           <a:prstGeom prst="rect">
@@ -18489,7 +18489,7 @@
         </p:nvCxnSpPr>
         <p:spPr>
           <a:xfrm rot="5400000">
-            <a:off x="12129990" y="7307931"/>
+            <a:off x="13092510" y="7307931"/>
             <a:ext cx="214443" cy="1116987"/>
           </a:xfrm>
           <a:prstGeom prst="bentConnector3">
@@ -18528,7 +18528,7 @@
         </p:nvCxnSpPr>
         <p:spPr>
           <a:xfrm rot="16200000" flipH="1">
-            <a:off x="11023821" y="7318750"/>
+            <a:off x="11986341" y="7318750"/>
             <a:ext cx="217606" cy="1092185"/>
           </a:xfrm>
           <a:prstGeom prst="bentConnector3">
@@ -18567,7 +18567,7 @@
         </p:nvCxnSpPr>
         <p:spPr>
           <a:xfrm rot="16200000" flipH="1">
-            <a:off x="13240722" y="7314185"/>
+            <a:off x="14203242" y="7314185"/>
             <a:ext cx="223911" cy="1113946"/>
           </a:xfrm>
           <a:prstGeom prst="bentConnector3">
@@ -18605,7 +18605,7 @@
         </p:nvCxnSpPr>
         <p:spPr>
           <a:xfrm>
-            <a:off x="12795704" y="7759203"/>
+            <a:off x="13758224" y="7759203"/>
             <a:ext cx="1" cy="221267"/>
           </a:xfrm>
           <a:prstGeom prst="straightConnector1">
@@ -18638,7 +18638,7 @@
         </p:nvSpPr>
         <p:spPr>
           <a:xfrm>
-            <a:off x="407465" y="6430055"/>
+            <a:off x="1369985" y="6430055"/>
             <a:ext cx="926325" cy="540000"/>
           </a:xfrm>
           <a:prstGeom prst="rect">
@@ -18693,7 +18693,7 @@
         </p:nvCxnSpPr>
         <p:spPr>
           <a:xfrm rot="5400000">
-            <a:off x="1526962" y="6837718"/>
+            <a:off x="2489482" y="6837718"/>
             <a:ext cx="256141" cy="515865"/>
           </a:xfrm>
           <a:prstGeom prst="bentConnector3">
@@ -18731,7 +18731,7 @@
         </p:nvCxnSpPr>
         <p:spPr>
           <a:xfrm rot="16200000" flipH="1">
-            <a:off x="1007030" y="6833652"/>
+            <a:off x="1969550" y="6833652"/>
             <a:ext cx="253666" cy="526471"/>
           </a:xfrm>
           <a:prstGeom prst="bentConnector3">
@@ -18766,7 +18766,7 @@
         </p:nvSpPr>
         <p:spPr>
           <a:xfrm>
-            <a:off x="930747" y="8657757"/>
+            <a:off x="1893267" y="8657757"/>
             <a:ext cx="926325" cy="540000"/>
           </a:xfrm>
           <a:prstGeom prst="rect">
@@ -18818,7 +18818,7 @@
         </p:nvSpPr>
         <p:spPr>
           <a:xfrm>
-            <a:off x="933936" y="7223721"/>
+            <a:off x="1896456" y="7223721"/>
             <a:ext cx="926325" cy="540000"/>
           </a:xfrm>
           <a:prstGeom prst="rect">
@@ -18866,7 +18866,7 @@
         </p:nvSpPr>
         <p:spPr>
           <a:xfrm>
-            <a:off x="931957" y="7940199"/>
+            <a:off x="1894477" y="7940199"/>
             <a:ext cx="926325" cy="540000"/>
           </a:xfrm>
           <a:prstGeom prst="rect">
@@ -18917,7 +18917,7 @@
         </p:nvCxnSpPr>
         <p:spPr>
           <a:xfrm flipH="1">
-            <a:off x="1395120" y="7763721"/>
+            <a:off x="2357640" y="7763721"/>
             <a:ext cx="1979" cy="176478"/>
           </a:xfrm>
           <a:prstGeom prst="straightConnector1">
@@ -18950,7 +18950,7 @@
         </p:nvSpPr>
         <p:spPr>
           <a:xfrm>
-            <a:off x="1446555" y="4910052"/>
+            <a:off x="2409075" y="4910052"/>
             <a:ext cx="926325" cy="540000"/>
           </a:xfrm>
           <a:prstGeom prst="rect">
@@ -18986,6 +18986,7 @@
               <a:rPr lang="ru-RU" sz="700" dirty="0" smtClean="0"/>
               <a:t>Сохранить личную диктатуру</a:t>
             </a:r>
+            <a:endParaRPr lang="ru-RU" sz="700" dirty="0" smtClean="0"/>
           </a:p>
         </p:txBody>
       </p:sp>
@@ -18997,7 +18998,7 @@
         </p:nvSpPr>
         <p:spPr>
           <a:xfrm>
-            <a:off x="405485" y="4908072"/>
+            <a:off x="1368005" y="4908072"/>
             <a:ext cx="926325" cy="540000"/>
           </a:xfrm>
           <a:prstGeom prst="rect">
@@ -19048,7 +19049,7 @@
         </p:nvCxnSpPr>
         <p:spPr>
           <a:xfrm rot="16200000" flipH="1">
-            <a:off x="1522493" y="4522827"/>
+            <a:off x="2485013" y="4522827"/>
             <a:ext cx="257214" cy="517236"/>
           </a:xfrm>
           <a:prstGeom prst="bentConnector3">
@@ -19086,7 +19087,7 @@
         </p:nvCxnSpPr>
         <p:spPr>
           <a:xfrm rot="16200000" flipH="1">
-            <a:off x="1034478" y="5282241"/>
+            <a:off x="1996998" y="5282241"/>
             <a:ext cx="188436" cy="520097"/>
           </a:xfrm>
           <a:prstGeom prst="bentConnector3">
@@ -19125,7 +19126,7 @@
         </p:nvCxnSpPr>
         <p:spPr>
           <a:xfrm rot="5400000">
-            <a:off x="1556004" y="5282794"/>
+            <a:off x="2518524" y="5282794"/>
             <a:ext cx="186456" cy="520973"/>
           </a:xfrm>
           <a:prstGeom prst="bentConnector3">
@@ -19164,7 +19165,7 @@
         </p:nvCxnSpPr>
         <p:spPr>
           <a:xfrm flipH="1" flipV="1">
-            <a:off x="1331810" y="5178072"/>
+            <a:off x="2294330" y="5178072"/>
             <a:ext cx="114745" cy="1980"/>
           </a:xfrm>
           <a:prstGeom prst="line">
@@ -19199,7 +19200,7 @@
         </p:nvSpPr>
         <p:spPr>
           <a:xfrm>
-            <a:off x="3054535" y="7225289"/>
+            <a:off x="4017055" y="7225289"/>
             <a:ext cx="926325" cy="540000"/>
           </a:xfrm>
           <a:prstGeom prst="rect">
@@ -19251,7 +19252,7 @@
         </p:nvSpPr>
         <p:spPr>
           <a:xfrm>
-            <a:off x="1984900" y="7223723"/>
+            <a:off x="2947420" y="7223723"/>
             <a:ext cx="926325" cy="540000"/>
           </a:xfrm>
           <a:prstGeom prst="rect">
@@ -19302,7 +19303,7 @@
         </p:nvCxnSpPr>
         <p:spPr>
           <a:xfrm flipH="1" flipV="1">
-            <a:off x="3436576" y="5910180"/>
+            <a:off x="4399096" y="5910180"/>
             <a:ext cx="1245239" cy="100"/>
           </a:xfrm>
           <a:prstGeom prst="line">
@@ -19340,7 +19341,7 @@
         </p:nvCxnSpPr>
         <p:spPr>
           <a:xfrm rot="16200000" flipH="1">
-            <a:off x="3959175" y="4454477"/>
+            <a:off x="4921695" y="4454477"/>
             <a:ext cx="200042" cy="2171564"/>
           </a:xfrm>
           <a:prstGeom prst="bentConnector3">
@@ -19378,7 +19379,7 @@
         </p:nvCxnSpPr>
         <p:spPr>
           <a:xfrm rot="5400000">
-            <a:off x="1797084" y="5253724"/>
+            <a:off x="2759604" y="5253724"/>
             <a:ext cx="249875" cy="2102786"/>
           </a:xfrm>
           <a:prstGeom prst="bentConnector3">
@@ -19417,7 +19418,7 @@
         </p:nvCxnSpPr>
         <p:spPr>
           <a:xfrm rot="5400000">
-            <a:off x="2319489" y="5773655"/>
+            <a:off x="3282009" y="5773655"/>
             <a:ext cx="247400" cy="1060450"/>
           </a:xfrm>
           <a:prstGeom prst="bentConnector3">
@@ -19456,7 +19457,7 @@
         </p:nvCxnSpPr>
         <p:spPr>
           <a:xfrm rot="5400000">
-            <a:off x="2882916" y="4167992"/>
+            <a:off x="3845436" y="4167992"/>
             <a:ext cx="249775" cy="4274350"/>
           </a:xfrm>
           <a:prstGeom prst="bentConnector3">
@@ -19495,7 +19496,7 @@
         </p:nvCxnSpPr>
         <p:spPr>
           <a:xfrm rot="5400000">
-            <a:off x="3405321" y="4687923"/>
+            <a:off x="4367841" y="4687923"/>
             <a:ext cx="247300" cy="3232014"/>
           </a:xfrm>
           <a:prstGeom prst="bentConnector3">
@@ -19531,7 +19532,7 @@
         </p:nvSpPr>
         <p:spPr>
           <a:xfrm>
-            <a:off x="2513355" y="6422177"/>
+            <a:off x="3475875" y="6422177"/>
             <a:ext cx="926325" cy="540000"/>
           </a:xfrm>
           <a:prstGeom prst="rect">
@@ -19578,7 +19579,7 @@
         </p:nvSpPr>
         <p:spPr>
           <a:xfrm>
-            <a:off x="1982921" y="7946139"/>
+            <a:off x="2945441" y="7946139"/>
             <a:ext cx="926325" cy="540000"/>
           </a:xfrm>
           <a:prstGeom prst="rect">
@@ -19629,7 +19630,7 @@
         </p:nvCxnSpPr>
         <p:spPr>
           <a:xfrm rot="5400000">
-            <a:off x="2581518" y="6828723"/>
+            <a:off x="3544038" y="6828723"/>
             <a:ext cx="261546" cy="528455"/>
           </a:xfrm>
           <a:prstGeom prst="bentConnector3">
@@ -19667,7 +19668,7 @@
         </p:nvCxnSpPr>
         <p:spPr>
           <a:xfrm flipH="1">
-            <a:off x="2446084" y="7763723"/>
+            <a:off x="3408604" y="7763723"/>
             <a:ext cx="1979" cy="182416"/>
           </a:xfrm>
           <a:prstGeom prst="straightConnector1">
@@ -19700,7 +19701,7 @@
         </p:nvSpPr>
         <p:spPr>
           <a:xfrm>
-            <a:off x="4684560" y="6426135"/>
+            <a:off x="5647080" y="6426135"/>
             <a:ext cx="926325" cy="540000"/>
           </a:xfrm>
           <a:prstGeom prst="rect">
@@ -19755,7 +19756,7 @@
         </p:nvSpPr>
         <p:spPr>
           <a:xfrm>
-            <a:off x="4136316" y="7231678"/>
+            <a:off x="5098836" y="7231678"/>
             <a:ext cx="926325" cy="540000"/>
           </a:xfrm>
           <a:prstGeom prst="rect">
@@ -19802,7 +19803,7 @@
         </p:nvSpPr>
         <p:spPr>
           <a:xfrm>
-            <a:off x="2525232" y="8696301"/>
+            <a:off x="3487752" y="8696301"/>
             <a:ext cx="926325" cy="540000"/>
           </a:xfrm>
           <a:prstGeom prst="rect">
@@ -19852,7 +19853,7 @@
         </p:nvCxnSpPr>
         <p:spPr>
           <a:xfrm rot="16200000" flipH="1">
-            <a:off x="3115552" y="6823143"/>
+            <a:off x="4078072" y="6823143"/>
             <a:ext cx="263112" cy="541180"/>
           </a:xfrm>
           <a:prstGeom prst="bentConnector3">
@@ -19890,7 +19891,7 @@
         </p:nvCxnSpPr>
         <p:spPr>
           <a:xfrm rot="5400000">
-            <a:off x="3939800" y="5216998"/>
+            <a:off x="4902320" y="5216998"/>
             <a:ext cx="241897" cy="2168460"/>
           </a:xfrm>
           <a:prstGeom prst="bentConnector3">
@@ -19929,7 +19930,7 @@
         </p:nvCxnSpPr>
         <p:spPr>
           <a:xfrm rot="5400000">
-            <a:off x="4476491" y="5757859"/>
+            <a:off x="5439011" y="5757859"/>
             <a:ext cx="246067" cy="1090909"/>
           </a:xfrm>
           <a:prstGeom prst="bentConnector3">
@@ -19968,7 +19969,7 @@
         </p:nvCxnSpPr>
         <p:spPr>
           <a:xfrm rot="16200000" flipH="1">
-            <a:off x="5023423" y="6301834"/>
+            <a:off x="5985943" y="6301834"/>
             <a:ext cx="245855" cy="2745"/>
           </a:xfrm>
           <a:prstGeom prst="bentConnector3">
@@ -20007,7 +20008,7 @@
         </p:nvCxnSpPr>
         <p:spPr>
           <a:xfrm rot="16200000" flipH="1">
-            <a:off x="2853968" y="6299626"/>
+            <a:off x="3816488" y="6299626"/>
             <a:ext cx="241997" cy="3104"/>
           </a:xfrm>
           <a:prstGeom prst="bentConnector3">
@@ -20046,7 +20047,7 @@
         </p:nvCxnSpPr>
         <p:spPr>
           <a:xfrm rot="16200000" flipH="1">
-            <a:off x="3390658" y="5762935"/>
+            <a:off x="4353178" y="5762935"/>
             <a:ext cx="246167" cy="1080655"/>
           </a:xfrm>
           <a:prstGeom prst="bentConnector3">
@@ -20085,7 +20086,7 @@
         </p:nvCxnSpPr>
         <p:spPr>
           <a:xfrm rot="16200000" flipH="1">
-            <a:off x="3937591" y="5216002"/>
+            <a:off x="4900111" y="5216002"/>
             <a:ext cx="245955" cy="2174309"/>
           </a:xfrm>
           <a:prstGeom prst="bentConnector3">
@@ -20124,7 +20125,7 @@
         </p:nvCxnSpPr>
         <p:spPr>
           <a:xfrm rot="16200000" flipH="1">
-            <a:off x="4194109" y="6826307"/>
+            <a:off x="5156629" y="6826307"/>
             <a:ext cx="265331" cy="545410"/>
           </a:xfrm>
           <a:prstGeom prst="bentConnector3">
@@ -20163,7 +20164,7 @@
         </p:nvCxnSpPr>
         <p:spPr>
           <a:xfrm rot="5400000">
-            <a:off x="4740830" y="6824784"/>
+            <a:off x="5703350" y="6824784"/>
             <a:ext cx="265543" cy="548244"/>
           </a:xfrm>
           <a:prstGeom prst="bentConnector3">
@@ -20202,7 +20203,7 @@
         </p:nvCxnSpPr>
         <p:spPr>
           <a:xfrm rot="5400000">
-            <a:off x="4247750" y="7595891"/>
+            <a:off x="5210270" y="7595891"/>
             <a:ext cx="175943" cy="527517"/>
           </a:xfrm>
           <a:prstGeom prst="bentConnector3">
@@ -20240,7 +20241,7 @@
         </p:nvCxnSpPr>
         <p:spPr>
           <a:xfrm rot="5400000">
-            <a:off x="3425839" y="8050178"/>
+            <a:off x="4388359" y="8050178"/>
             <a:ext cx="208680" cy="1083567"/>
           </a:xfrm>
           <a:prstGeom prst="bentConnector3">
@@ -20278,7 +20279,7 @@
         </p:nvCxnSpPr>
         <p:spPr>
           <a:xfrm rot="16200000" flipH="1">
-            <a:off x="2612158" y="8320064"/>
+            <a:off x="3574678" y="8320064"/>
             <a:ext cx="210162" cy="542311"/>
           </a:xfrm>
           <a:prstGeom prst="bentConnector3">
@@ -20316,7 +20317,7 @@
         </p:nvCxnSpPr>
         <p:spPr>
           <a:xfrm flipH="1">
-            <a:off x="1393910" y="8480199"/>
+            <a:off x="2356430" y="8480199"/>
             <a:ext cx="1210" cy="177558"/>
           </a:xfrm>
           <a:prstGeom prst="straightConnector1">
@@ -20349,7 +20350,7 @@
         </p:nvSpPr>
         <p:spPr>
           <a:xfrm>
-            <a:off x="4140275" y="8708177"/>
+            <a:off x="5102795" y="8708177"/>
             <a:ext cx="926325" cy="540000"/>
           </a:xfrm>
           <a:prstGeom prst="rect">
@@ -20399,7 +20400,7 @@
         </p:nvCxnSpPr>
         <p:spPr>
           <a:xfrm>
-            <a:off x="4599479" y="7771678"/>
+            <a:off x="5561999" y="7771678"/>
             <a:ext cx="3959" cy="936499"/>
           </a:xfrm>
           <a:prstGeom prst="straightConnector1">
@@ -20432,7 +20433,7 @@
         </p:nvSpPr>
         <p:spPr>
           <a:xfrm>
-            <a:off x="4694455" y="7962010"/>
+            <a:off x="5656975" y="7962010"/>
             <a:ext cx="926325" cy="540000"/>
           </a:xfrm>
           <a:prstGeom prst="rect">
@@ -20482,7 +20483,7 @@
         </p:nvCxnSpPr>
         <p:spPr>
           <a:xfrm>
-            <a:off x="5147723" y="6966135"/>
+            <a:off x="6110243" y="6966135"/>
             <a:ext cx="9895" cy="995875"/>
           </a:xfrm>
           <a:prstGeom prst="straightConnector1">
@@ -20515,7 +20516,7 @@
         </p:nvSpPr>
         <p:spPr>
           <a:xfrm>
-            <a:off x="9243165" y="18761670"/>
+            <a:off x="10205685" y="18761670"/>
             <a:ext cx="926325" cy="540000"/>
           </a:xfrm>
           <a:prstGeom prst="rect">
@@ -20651,7 +20652,7 @@
         </p:nvSpPr>
         <p:spPr>
           <a:xfrm>
-            <a:off x="9241878" y="18039254"/>
+            <a:off x="10204398" y="18039254"/>
             <a:ext cx="926325" cy="540000"/>
           </a:xfrm>
           <a:prstGeom prst="rect">
@@ -20731,7 +20732,7 @@
         </p:nvSpPr>
         <p:spPr>
           <a:xfrm>
-            <a:off x="6573560" y="287908"/>
+            <a:off x="3186091" y="20296283"/>
             <a:ext cx="926325" cy="540000"/>
           </a:xfrm>
           <a:prstGeom prst="rect">
@@ -20781,13 +20782,13 @@
       </p:sp>
       <p:sp>
         <p:nvSpPr>
-          <p:cNvPr id="408" name="Прямоугольник 407"/>
+          <p:cNvPr id="409" name="Прямоугольник 408"/>
           <p:cNvSpPr/>
           <p:nvPr/>
         </p:nvSpPr>
         <p:spPr>
           <a:xfrm>
-            <a:off x="9710618" y="297166"/>
+            <a:off x="12817756" y="17306211"/>
             <a:ext cx="926325" cy="540000"/>
           </a:xfrm>
           <a:prstGeom prst="rect">
@@ -20818,34 +20819,61 @@
           <a:p>
             <a:pPr algn="ctr"/>
             <a:r>
+              <a:rPr lang="ru-RU" sz="700" dirty="0"/>
+              <a:t>Регламент реорганизации </a:t>
+            </a:r>
+            <a:r>
               <a:rPr lang="ru-RU" sz="700" dirty="0" smtClean="0"/>
-              <a:t>+НД «Недостаток офицеров во </a:t>
-            </a:r>
-            <a:r>
-              <a:rPr lang="ru-RU" sz="700" dirty="0"/>
-              <a:t>флоте» </a:t>
-            </a:r>
-            <a:r>
-              <a:rPr lang="ru-RU" sz="300" dirty="0"/>
-              <a:t>(ему не хватало опытных офицеров с достаточным стажем и опытом, и «их не только было недостаточно, им также не всегда можно было доверять, а когда им следовало доверять, им часто не доверяли</a:t>
-            </a:r>
-            <a:r>
-              <a:rPr lang="ru-RU" sz="300" dirty="0" smtClean="0"/>
-              <a:t>»)</a:t>
-            </a:r>
-            <a:endParaRPr lang="ru-RU" sz="100" dirty="0" smtClean="0"/>
-          </a:p>
-        </p:txBody>
-      </p:sp>
-      <p:sp>
-        <p:nvSpPr>
-          <p:cNvPr id="409" name="Прямоугольник 408"/>
+              <a:t>флота </a:t>
+            </a:r>
+            <a:r>
+              <a:rPr lang="ru-RU" sz="500" dirty="0" smtClean="0"/>
+              <a:t>(</a:t>
+            </a:r>
+            <a:r>
+              <a:rPr lang="ru-RU" sz="500" dirty="0" err="1" smtClean="0"/>
+              <a:t>нд</a:t>
+            </a:r>
+            <a:r>
+              <a:rPr lang="ru-RU" sz="500" dirty="0" smtClean="0"/>
+              <a:t> «Корабельные комитеты», сменится на «Политические комиссары флота») (</a:t>
+            </a:r>
+            <a:r>
+              <a:rPr lang="ru-RU" sz="500" dirty="0" err="1" smtClean="0"/>
+              <a:t>ист</a:t>
+            </a:r>
+            <a:r>
+              <a:rPr lang="ru-RU" sz="500" dirty="0"/>
+              <a:t> 11 мая 1937 </a:t>
+            </a:r>
+            <a:r>
+              <a:rPr lang="ru-RU" sz="500" dirty="0" smtClean="0"/>
+              <a:t>года</a:t>
+            </a:r>
+            <a:r>
+              <a:rPr lang="ru-RU" sz="500" dirty="0"/>
+              <a:t>) </a:t>
+            </a:r>
+            <a:r>
+              <a:rPr lang="ru-RU" sz="100" dirty="0"/>
+              <a:t>(упразднил комитеты приказом от 11 мая 1937 года, заменив их «политическими делегатами», назначенными комиссаром флота Бруно Алонсо [ 30 ], хотя их роль была гораздо более ограниченной, чем роль политических комиссаров сухопутных частей, поскольку во флоте все командиры были профессионалами</a:t>
+            </a:r>
+            <a:r>
+              <a:rPr lang="ru-RU" sz="100" dirty="0" smtClean="0"/>
+              <a:t>.)</a:t>
+            </a:r>
+          </a:p>
+        </p:txBody>
+      </p:sp>
+      <p:sp>
+        <p:nvSpPr>
+          <p:cNvPr id="419" name="Прямоугольник 418"/>
           <p:cNvSpPr/>
           <p:nvPr/>
         </p:nvSpPr>
         <p:spPr>
           <a:xfrm>
-            <a:off x="11855236" y="17306211"/>
+            <a:off x="11780297" y="17306211"/>
             <a:ext cx="926325" cy="540000"/>
           </a:xfrm>
           <a:prstGeom prst="rect">
@@ -20877,60 +20905,25 @@
             <a:pPr algn="ctr"/>
             <a:r>
               <a:rPr lang="ru-RU" sz="700" dirty="0"/>
-              <a:t>Регламент реорганизации </a:t>
-            </a:r>
-            <a:r>
-              <a:rPr lang="ru-RU" sz="700" dirty="0" smtClean="0"/>
-              <a:t>флота </a:t>
-            </a:r>
-            <a:r>
-              <a:rPr lang="ru-RU" sz="500" dirty="0" smtClean="0"/>
-              <a:t>(</a:t>
-            </a:r>
-            <a:r>
-              <a:rPr lang="ru-RU" sz="500" dirty="0" err="1" smtClean="0"/>
-              <a:t>нд</a:t>
-            </a:r>
-            <a:r>
-              <a:rPr lang="ru-RU" sz="500" dirty="0" smtClean="0"/>
-              <a:t> «Корабельные комитеты», сменится на «Политические комиссары флота») (</a:t>
-            </a:r>
-            <a:r>
-              <a:rPr lang="ru-RU" sz="500" dirty="0" err="1" smtClean="0"/>
-              <a:t>ист</a:t>
-            </a:r>
-            <a:r>
-              <a:rPr lang="ru-RU" sz="500" dirty="0"/>
-              <a:t> 11 мая 1937 </a:t>
-            </a:r>
-            <a:r>
-              <a:rPr lang="ru-RU" sz="500" dirty="0" smtClean="0"/>
-              <a:t>года</a:t>
-            </a:r>
-            <a:r>
-              <a:rPr lang="ru-RU" sz="500" dirty="0"/>
-              <a:t>) </a:t>
-            </a:r>
-            <a:r>
-              <a:rPr lang="ru-RU" sz="100" dirty="0"/>
-              <a:t>(упразднил комитеты приказом от 11 мая 1937 года, заменив их «политическими делегатами», назначенными комиссаром флота Бруно Алонсо [ 30 ], хотя их роль была гораздо более ограниченной, чем роль политических комиссаров сухопутных частей, поскольку во флоте все командиры были профессионалами</a:t>
-            </a:r>
-            <a:r>
-              <a:rPr lang="ru-RU" sz="100" dirty="0" smtClean="0"/>
-              <a:t>.)</a:t>
-            </a:r>
-          </a:p>
-        </p:txBody>
-      </p:sp>
-      <p:sp>
-        <p:nvSpPr>
-          <p:cNvPr id="412" name="Прямоугольник 411"/>
+              <a:t>Советские командиры подлодок </a:t>
+            </a:r>
+            <a:r>
+              <a:rPr lang="ru-RU" sz="400" dirty="0"/>
+              <a:t>(исторический)</a:t>
+            </a:r>
+            <a:endParaRPr lang="ru-RU" sz="100" dirty="0"/>
+          </a:p>
+        </p:txBody>
+      </p:sp>
+      <p:sp>
+        <p:nvSpPr>
+          <p:cNvPr id="420" name="Прямоугольник 419"/>
           <p:cNvSpPr/>
           <p:nvPr/>
         </p:nvSpPr>
         <p:spPr>
           <a:xfrm>
-            <a:off x="10753034" y="293067"/>
+            <a:off x="12296578" y="18039254"/>
             <a:ext cx="926325" cy="540000"/>
           </a:xfrm>
           <a:prstGeom prst="rect">
@@ -20962,27 +20955,19 @@
             <a:pPr algn="ctr"/>
             <a:r>
               <a:rPr lang="ru-RU" sz="700" dirty="0" smtClean="0"/>
-              <a:t>+НД «Корабельные комитеты</a:t>
-            </a:r>
-            <a:r>
-              <a:rPr lang="ru-RU" sz="700" dirty="0"/>
-              <a:t>» </a:t>
-            </a:r>
-            <a:r>
-              <a:rPr lang="ru-RU" sz="200" dirty="0"/>
-              <a:t>(Кроме того, офицерам пришлось столкнуться с властью корабельных комитетов, которые мешали командованию кораблями. [ 29 ] Комитеты каждого корабля и «Центральный комитет» флота, состоящий из делегата от каждого комитета, базировался на флагманском корабле, крейсере </a:t>
-            </a:r>
-            <a:r>
-              <a:rPr lang="ru-RU" sz="200" dirty="0" err="1"/>
-              <a:t>Libertad.были</a:t>
-            </a:r>
-            <a:r>
-              <a:rPr lang="ru-RU" sz="200" dirty="0"/>
-              <a:t> официально признаны ответственными за поддержание </a:t>
-            </a:r>
-            <a:r>
-              <a:rPr lang="ru-RU" sz="200" dirty="0" smtClean="0"/>
-              <a:t>дисциплины)</a:t>
+              <a:t>Избавиться от пятой колонны националистов во флоте </a:t>
+            </a:r>
+            <a:r>
+              <a:rPr lang="ru-RU" sz="500" dirty="0" smtClean="0"/>
+              <a:t>(-оба </a:t>
+            </a:r>
+            <a:r>
+              <a:rPr lang="ru-RU" sz="500" dirty="0" err="1" smtClean="0"/>
+              <a:t>нац</a:t>
+            </a:r>
+            <a:r>
+              <a:rPr lang="ru-RU" sz="500" dirty="0" smtClean="0"/>
+              <a:t> духа) (не исторический)</a:t>
             </a:r>
             <a:endParaRPr lang="ru-RU" sz="100" dirty="0" smtClean="0"/>
           </a:p>
@@ -20990,13 +20975,13 @@
       </p:sp>
       <p:sp>
         <p:nvSpPr>
-          <p:cNvPr id="419" name="Прямоугольник 418"/>
+          <p:cNvPr id="421" name="Прямоугольник 420"/>
           <p:cNvSpPr/>
           <p:nvPr/>
         </p:nvSpPr>
         <p:spPr>
           <a:xfrm>
-            <a:off x="10817777" y="17306211"/>
+            <a:off x="13352701" y="18039254"/>
             <a:ext cx="926325" cy="540000"/>
           </a:xfrm>
           <a:prstGeom prst="rect">
@@ -21027,153 +21012,6 @@
           <a:p>
             <a:pPr algn="ctr"/>
             <a:r>
-              <a:rPr lang="ru-RU" sz="700" dirty="0" smtClean="0"/>
-              <a:t>Народное военно-морское училище </a:t>
-            </a:r>
-            <a:r>
-              <a:rPr lang="ru-RU" sz="500" dirty="0" smtClean="0"/>
-              <a:t>(-</a:t>
-            </a:r>
-            <a:r>
-              <a:rPr lang="ru-RU" sz="500" dirty="0" err="1" smtClean="0"/>
-              <a:t>нд</a:t>
-            </a:r>
-            <a:r>
-              <a:rPr lang="ru-RU" sz="500" dirty="0" smtClean="0"/>
-              <a:t> «недостаток офицеров во флоте») (</a:t>
-            </a:r>
-            <a:r>
-              <a:rPr lang="ru-RU" sz="500" dirty="0" err="1" smtClean="0"/>
-              <a:t>ист</a:t>
-            </a:r>
-            <a:r>
-              <a:rPr lang="ru-RU" sz="500" dirty="0"/>
-              <a:t> </a:t>
-            </a:r>
-            <a:r>
-              <a:rPr lang="ru-RU" sz="500" dirty="0" smtClean="0"/>
-              <a:t>октябрь </a:t>
-            </a:r>
-            <a:r>
-              <a:rPr lang="ru-RU" sz="500" dirty="0"/>
-              <a:t>1937 </a:t>
-            </a:r>
-            <a:r>
-              <a:rPr lang="ru-RU" sz="500" dirty="0" smtClean="0"/>
-              <a:t>года</a:t>
-            </a:r>
-            <a:r>
-              <a:rPr lang="ru-RU" sz="500" dirty="0"/>
-              <a:t>) </a:t>
-            </a:r>
-            <a:r>
-              <a:rPr lang="ru-RU" sz="100" dirty="0"/>
-              <a:t>(Чтобы восполнить эту нехватку офицеров, было основано Народное военно-морское училище, которое начало функционировать в октябре 1937 года, хотя из него вышло только 56 новых офицеров, причем с очень коротким периодом обучения (всего шесть месяцев</a:t>
-            </a:r>
-            <a:r>
-              <a:rPr lang="ru-RU" sz="100" dirty="0" smtClean="0"/>
-              <a:t>))</a:t>
-            </a:r>
-          </a:p>
-        </p:txBody>
-      </p:sp>
-      <p:sp>
-        <p:nvSpPr>
-          <p:cNvPr id="420" name="Прямоугольник 419"/>
-          <p:cNvSpPr/>
-          <p:nvPr/>
-        </p:nvSpPr>
-        <p:spPr>
-          <a:xfrm>
-            <a:off x="11334058" y="18039254"/>
-            <a:ext cx="926325" cy="540000"/>
-          </a:xfrm>
-          <a:prstGeom prst="rect">
-            <a:avLst/>
-          </a:prstGeom>
-          <a:solidFill>
-            <a:srgbClr val="FF0000"/>
-          </a:solidFill>
-          <a:ln w="19050"/>
-        </p:spPr>
-        <p:style>
-          <a:lnRef idx="2">
-            <a:schemeClr val="accent1"/>
-          </a:lnRef>
-          <a:fillRef idx="1">
-            <a:schemeClr val="lt1"/>
-          </a:fillRef>
-          <a:effectRef idx="0">
-            <a:schemeClr val="accent1"/>
-          </a:effectRef>
-          <a:fontRef idx="minor">
-            <a:schemeClr val="dk1"/>
-          </a:fontRef>
-        </p:style>
-        <p:txBody>
-          <a:bodyPr lIns="124733" tIns="62367" rIns="124733" bIns="62367" rtlCol="0" anchor="ctr"/>
-          <a:lstStyle/>
-          <a:p>
-            <a:pPr algn="ctr"/>
-            <a:r>
-              <a:rPr lang="ru-RU" sz="700" dirty="0" smtClean="0"/>
-              <a:t>Избавиться от пятой колонны националистов во флоте </a:t>
-            </a:r>
-            <a:r>
-              <a:rPr lang="ru-RU" sz="500" dirty="0" smtClean="0"/>
-              <a:t>(-оба </a:t>
-            </a:r>
-            <a:r>
-              <a:rPr lang="ru-RU" sz="500" dirty="0" err="1" smtClean="0"/>
-              <a:t>нац</a:t>
-            </a:r>
-            <a:r>
-              <a:rPr lang="ru-RU" sz="500" dirty="0" smtClean="0"/>
-              <a:t> духа) (не исторический)</a:t>
-            </a:r>
-            <a:endParaRPr lang="ru-RU" sz="100" dirty="0" smtClean="0"/>
-          </a:p>
-        </p:txBody>
-      </p:sp>
-      <p:sp>
-        <p:nvSpPr>
-          <p:cNvPr id="421" name="Прямоугольник 420"/>
-          <p:cNvSpPr/>
-          <p:nvPr/>
-        </p:nvSpPr>
-        <p:spPr>
-          <a:xfrm>
-            <a:off x="12390181" y="18039254"/>
-            <a:ext cx="926325" cy="540000"/>
-          </a:xfrm>
-          <a:prstGeom prst="rect">
-            <a:avLst/>
-          </a:prstGeom>
-          <a:solidFill>
-            <a:srgbClr val="FF0000"/>
-          </a:solidFill>
-          <a:ln w="19050"/>
-        </p:spPr>
-        <p:style>
-          <a:lnRef idx="2">
-            <a:schemeClr val="accent1"/>
-          </a:lnRef>
-          <a:fillRef idx="1">
-            <a:schemeClr val="lt1"/>
-          </a:fillRef>
-          <a:effectRef idx="0">
-            <a:schemeClr val="accent1"/>
-          </a:effectRef>
-          <a:fontRef idx="minor">
-            <a:schemeClr val="dk1"/>
-          </a:fontRef>
-        </p:style>
-        <p:txBody>
-          <a:bodyPr lIns="124733" tIns="62367" rIns="124733" bIns="62367" rtlCol="0" anchor="ctr"/>
-          <a:lstStyle/>
-          <a:p>
-            <a:pPr algn="ctr"/>
-            <a:r>
               <a:rPr lang="ru-RU" sz="700" dirty="0"/>
               <a:t>Создание военно-морской базы в Малаге </a:t>
             </a:r>
@@ -21193,7 +21031,7 @@
         </p:nvSpPr>
         <p:spPr>
           <a:xfrm>
-            <a:off x="7702949" y="17282419"/>
+            <a:off x="8665469" y="17282419"/>
             <a:ext cx="926325" cy="540000"/>
           </a:xfrm>
           <a:prstGeom prst="rect">
@@ -21257,7 +21095,7 @@
         </p:nvSpPr>
         <p:spPr>
           <a:xfrm>
-            <a:off x="10279537" y="18039254"/>
+            <a:off x="11242057" y="18039254"/>
             <a:ext cx="926325" cy="540000"/>
           </a:xfrm>
           <a:prstGeom prst="rect">
@@ -21288,14 +21126,34 @@
           <a:p>
             <a:pPr algn="ctr"/>
             <a:r>
+              <a:rPr lang="ru-RU" sz="700" dirty="0"/>
+              <a:t>Народное военно-морское </a:t>
+            </a:r>
+            <a:r>
               <a:rPr lang="ru-RU" sz="700" dirty="0" smtClean="0"/>
-              <a:t>Советские командиры подлодок </a:t>
-            </a:r>
-            <a:r>
-              <a:rPr lang="ru-RU" sz="500" dirty="0" smtClean="0"/>
-              <a:t>(исторический)</a:t>
-            </a:r>
-            <a:endParaRPr lang="ru-RU" sz="100" dirty="0" smtClean="0"/>
+              <a:t>училище </a:t>
+            </a:r>
+            <a:r>
+              <a:rPr lang="ru-RU" sz="600" dirty="0" smtClean="0"/>
+              <a:t>(</a:t>
+            </a:r>
+            <a:r>
+              <a:rPr lang="ru-RU" sz="600" dirty="0" err="1" smtClean="0"/>
+              <a:t>ист</a:t>
+            </a:r>
+            <a:r>
+              <a:rPr lang="ru-RU" sz="600" dirty="0" smtClean="0"/>
+              <a:t> </a:t>
+            </a:r>
+            <a:r>
+              <a:rPr lang="ru-RU" sz="600" dirty="0"/>
+              <a:t>октябрь 1937 года</a:t>
+            </a:r>
+            <a:r>
+              <a:rPr lang="ru-RU" sz="600" dirty="0" smtClean="0"/>
+              <a:t>)</a:t>
+            </a:r>
+            <a:endParaRPr lang="ru-RU" sz="200" dirty="0"/>
           </a:p>
         </p:txBody>
       </p:sp>
@@ -21307,7 +21165,7 @@
         </p:nvSpPr>
         <p:spPr>
           <a:xfrm>
-            <a:off x="10279537" y="18761670"/>
+            <a:off x="11242057" y="18761670"/>
             <a:ext cx="926325" cy="540000"/>
           </a:xfrm>
           <a:prstGeom prst="rect">
@@ -21373,7 +21231,7 @@
         </p:nvSpPr>
         <p:spPr>
           <a:xfrm>
-            <a:off x="12925130" y="17306210"/>
+            <a:off x="13887650" y="17306210"/>
             <a:ext cx="926325" cy="540000"/>
           </a:xfrm>
           <a:prstGeom prst="rect">
@@ -21450,7 +21308,7 @@
         </p:nvCxnSpPr>
         <p:spPr>
           <a:xfrm rot="16200000" flipH="1">
-            <a:off x="11442559" y="17684591"/>
+            <a:off x="12405079" y="17684591"/>
             <a:ext cx="193043" cy="516281"/>
           </a:xfrm>
           <a:prstGeom prst="bentConnector3">
@@ -21488,7 +21346,7 @@
         </p:nvCxnSpPr>
         <p:spPr>
           <a:xfrm rot="5400000">
-            <a:off x="11961289" y="17682143"/>
+            <a:off x="12923809" y="17682143"/>
             <a:ext cx="193043" cy="521178"/>
           </a:xfrm>
           <a:prstGeom prst="bentConnector3">
@@ -21526,7 +21384,7 @@
         </p:nvCxnSpPr>
         <p:spPr>
           <a:xfrm rot="5400000">
-            <a:off x="10915299" y="17673612"/>
+            <a:off x="11877819" y="17673612"/>
             <a:ext cx="193043" cy="538240"/>
           </a:xfrm>
           <a:prstGeom prst="bentConnector3">
@@ -21564,7 +21422,7 @@
         </p:nvCxnSpPr>
         <p:spPr>
           <a:xfrm rot="16200000" flipH="1">
-            <a:off x="12489350" y="17675259"/>
+            <a:off x="13451870" y="17675259"/>
             <a:ext cx="193043" cy="534945"/>
           </a:xfrm>
           <a:prstGeom prst="bentConnector3">
@@ -21602,7 +21460,7 @@
         </p:nvCxnSpPr>
         <p:spPr>
           <a:xfrm>
-            <a:off x="10742700" y="18579254"/>
+            <a:off x="11705220" y="18579254"/>
             <a:ext cx="0" cy="182416"/>
           </a:xfrm>
           <a:prstGeom prst="straightConnector1">
@@ -21727,7 +21585,7 @@
         </p:nvSpPr>
         <p:spPr>
           <a:xfrm>
-            <a:off x="8672098" y="297166"/>
+            <a:off x="5284629" y="20305541"/>
             <a:ext cx="926325" cy="540000"/>
           </a:xfrm>
           <a:prstGeom prst="rect">
@@ -21775,7 +21633,7 @@
         </p:nvSpPr>
         <p:spPr>
           <a:xfrm>
-            <a:off x="8718564" y="17282419"/>
+            <a:off x="9681084" y="17282419"/>
             <a:ext cx="926325" cy="540000"/>
           </a:xfrm>
           <a:prstGeom prst="rect">
@@ -21831,7 +21689,7 @@
         </p:nvSpPr>
         <p:spPr>
           <a:xfrm>
-            <a:off x="8204217" y="18039254"/>
+            <a:off x="9166737" y="18039254"/>
             <a:ext cx="926325" cy="540000"/>
           </a:xfrm>
           <a:prstGeom prst="rect">
@@ -21894,7 +21752,7 @@
         </p:nvSpPr>
         <p:spPr>
           <a:xfrm>
-            <a:off x="7160917" y="18039254"/>
+            <a:off x="8123437" y="18039254"/>
             <a:ext cx="926325" cy="540000"/>
           </a:xfrm>
           <a:prstGeom prst="rect">
@@ -21946,7 +21804,7 @@
         </p:nvSpPr>
         <p:spPr>
           <a:xfrm>
-            <a:off x="8201396" y="18761670"/>
+            <a:off x="9163916" y="18761670"/>
             <a:ext cx="926325" cy="540000"/>
           </a:xfrm>
           <a:prstGeom prst="rect">
@@ -21997,7 +21855,7 @@
         </p:nvCxnSpPr>
         <p:spPr>
           <a:xfrm rot="5400000">
-            <a:off x="13024297" y="17675258"/>
+            <a:off x="13986817" y="17675258"/>
             <a:ext cx="193044" cy="534949"/>
           </a:xfrm>
           <a:prstGeom prst="bentConnector3">
@@ -22035,7 +21893,7 @@
         </p:nvCxnSpPr>
         <p:spPr>
           <a:xfrm rot="16200000" flipH="1">
-            <a:off x="9334967" y="17669179"/>
+            <a:off x="10297487" y="17669179"/>
             <a:ext cx="216835" cy="523314"/>
           </a:xfrm>
           <a:prstGeom prst="bentConnector3">
@@ -22073,7 +21931,7 @@
         </p:nvCxnSpPr>
         <p:spPr>
           <a:xfrm rot="5400000">
-            <a:off x="8816137" y="17673663"/>
+            <a:off x="9778657" y="17673663"/>
             <a:ext cx="216835" cy="514347"/>
           </a:xfrm>
           <a:prstGeom prst="bentConnector3">
@@ -22111,7 +21969,7 @@
         </p:nvCxnSpPr>
         <p:spPr>
           <a:xfrm rot="5400000">
-            <a:off x="7786679" y="17659820"/>
+            <a:off x="8749199" y="17659820"/>
             <a:ext cx="216835" cy="542032"/>
           </a:xfrm>
           <a:prstGeom prst="bentConnector3">
@@ -22149,7 +22007,7 @@
         </p:nvCxnSpPr>
         <p:spPr>
           <a:xfrm rot="16200000" flipH="1">
-            <a:off x="8308329" y="17680202"/>
+            <a:off x="9270849" y="17680202"/>
             <a:ext cx="216835" cy="501268"/>
           </a:xfrm>
           <a:prstGeom prst="bentConnector3">
@@ -22187,7 +22045,7 @@
         </p:nvCxnSpPr>
         <p:spPr>
           <a:xfrm rot="5400000">
-            <a:off x="8574762" y="18669052"/>
+            <a:off x="9537282" y="18669052"/>
             <a:ext cx="182416" cy="2821"/>
           </a:xfrm>
           <a:prstGeom prst="bentConnector3">
@@ -22225,7 +22083,7 @@
         </p:nvCxnSpPr>
         <p:spPr>
           <a:xfrm rot="16200000" flipH="1">
-            <a:off x="9614476" y="18669818"/>
+            <a:off x="10576996" y="18669818"/>
             <a:ext cx="182416" cy="1287"/>
           </a:xfrm>
           <a:prstGeom prst="bentConnector3">
@@ -22260,7 +22118,7 @@
         </p:nvSpPr>
         <p:spPr>
           <a:xfrm>
-            <a:off x="2788214" y="18046636"/>
+            <a:off x="3750734" y="18046636"/>
             <a:ext cx="926325" cy="540000"/>
           </a:xfrm>
           <a:prstGeom prst="rect">
@@ -22328,7 +22186,7 @@
         </p:nvSpPr>
         <p:spPr>
           <a:xfrm>
-            <a:off x="1721594" y="17280386"/>
+            <a:off x="2684114" y="17280386"/>
             <a:ext cx="926325" cy="540000"/>
           </a:xfrm>
           <a:prstGeom prst="rect">
@@ -22376,7 +22234,7 @@
         </p:nvSpPr>
         <p:spPr>
           <a:xfrm>
-            <a:off x="4942342" y="17280386"/>
+            <a:off x="5904862" y="17280386"/>
             <a:ext cx="926325" cy="540000"/>
           </a:xfrm>
           <a:prstGeom prst="rect">
@@ -22426,7 +22284,7 @@
         </p:nvSpPr>
         <p:spPr>
           <a:xfrm>
-            <a:off x="1721596" y="18051034"/>
+            <a:off x="2684116" y="18051034"/>
             <a:ext cx="926325" cy="540000"/>
           </a:xfrm>
           <a:prstGeom prst="rect">
@@ -22482,7 +22340,7 @@
         </p:nvSpPr>
         <p:spPr>
           <a:xfrm>
-            <a:off x="4943500" y="18051034"/>
+            <a:off x="5906020" y="18051034"/>
             <a:ext cx="926325" cy="540000"/>
           </a:xfrm>
           <a:prstGeom prst="rect">
@@ -22548,7 +22406,7 @@
         </p:nvSpPr>
         <p:spPr>
           <a:xfrm>
-            <a:off x="664960" y="18046636"/>
+            <a:off x="1627480" y="18046636"/>
             <a:ext cx="926325" cy="540000"/>
           </a:xfrm>
           <a:prstGeom prst="rect">
@@ -22620,7 +22478,7 @@
         </p:nvSpPr>
         <p:spPr>
           <a:xfrm>
-            <a:off x="3887822" y="18046636"/>
+            <a:off x="4850342" y="18046636"/>
             <a:ext cx="926325" cy="540000"/>
           </a:xfrm>
           <a:prstGeom prst="rect">
@@ -22674,7 +22532,7 @@
         </p:nvSpPr>
         <p:spPr>
           <a:xfrm>
-            <a:off x="5998465" y="18046636"/>
+            <a:off x="6960985" y="18046636"/>
             <a:ext cx="926325" cy="540000"/>
           </a:xfrm>
           <a:prstGeom prst="rect">
@@ -22740,7 +22598,7 @@
         </p:nvSpPr>
         <p:spPr>
           <a:xfrm>
-            <a:off x="1721595" y="18824250"/>
+            <a:off x="2684115" y="18824250"/>
             <a:ext cx="926325" cy="540000"/>
           </a:xfrm>
           <a:prstGeom prst="rect">
@@ -22848,7 +22706,7 @@
         </p:nvSpPr>
         <p:spPr>
           <a:xfrm>
-            <a:off x="1722473" y="19546666"/>
+            <a:off x="2684993" y="19546666"/>
             <a:ext cx="926325" cy="540000"/>
           </a:xfrm>
           <a:prstGeom prst="rect">
@@ -22908,7 +22766,7 @@
         </p:nvSpPr>
         <p:spPr>
           <a:xfrm>
-            <a:off x="4414092" y="18824250"/>
+            <a:off x="5376612" y="18824250"/>
             <a:ext cx="926325" cy="540000"/>
           </a:xfrm>
           <a:prstGeom prst="rect">
@@ -22966,7 +22824,7 @@
         </p:nvSpPr>
         <p:spPr>
           <a:xfrm>
-            <a:off x="5463521" y="18824250"/>
+            <a:off x="6426041" y="18824250"/>
             <a:ext cx="926325" cy="540000"/>
           </a:xfrm>
           <a:prstGeom prst="rect">
@@ -23024,7 +22882,7 @@
         </p:nvSpPr>
         <p:spPr>
           <a:xfrm>
-            <a:off x="3335951" y="18826202"/>
+            <a:off x="4298471" y="18826202"/>
             <a:ext cx="926325" cy="540000"/>
           </a:xfrm>
           <a:prstGeom prst="rect">
@@ -23070,7 +22928,7 @@
         </p:nvCxnSpPr>
         <p:spPr>
           <a:xfrm rot="5400000">
-            <a:off x="3955267" y="18430484"/>
+            <a:off x="4917787" y="18430484"/>
             <a:ext cx="239566" cy="551871"/>
           </a:xfrm>
           <a:prstGeom prst="bentConnector3">
@@ -23109,7 +22967,7 @@
         </p:nvCxnSpPr>
         <p:spPr>
           <a:xfrm rot="16200000" flipH="1">
-            <a:off x="3405462" y="18432550"/>
+            <a:off x="4367982" y="18432550"/>
             <a:ext cx="239566" cy="547737"/>
           </a:xfrm>
           <a:prstGeom prst="bentConnector3">
@@ -23148,7 +23006,7 @@
         </p:nvCxnSpPr>
         <p:spPr>
           <a:xfrm rot="16200000" flipH="1">
-            <a:off x="2069434" y="17935709"/>
+            <a:off x="3031954" y="17935709"/>
             <a:ext cx="230648" cy="2"/>
           </a:xfrm>
           <a:prstGeom prst="bentConnector3">
@@ -23186,7 +23044,7 @@
         </p:nvCxnSpPr>
         <p:spPr>
           <a:xfrm rot="5400000">
-            <a:off x="1543315" y="17405194"/>
+            <a:off x="2505835" y="17405194"/>
             <a:ext cx="226250" cy="1056634"/>
           </a:xfrm>
           <a:prstGeom prst="bentConnector3">
@@ -23224,7 +23082,7 @@
         </p:nvCxnSpPr>
         <p:spPr>
           <a:xfrm rot="16200000" flipH="1">
-            <a:off x="2604942" y="17400201"/>
+            <a:off x="3567462" y="17400201"/>
             <a:ext cx="226250" cy="1066620"/>
           </a:xfrm>
           <a:prstGeom prst="bentConnector3">
@@ -23262,7 +23120,7 @@
         </p:nvCxnSpPr>
         <p:spPr>
           <a:xfrm rot="5400000">
-            <a:off x="2068151" y="18707642"/>
+            <a:off x="3030671" y="18707642"/>
             <a:ext cx="233216" cy="1"/>
           </a:xfrm>
           <a:prstGeom prst="bentConnector3">
@@ -23300,7 +23158,7 @@
         </p:nvCxnSpPr>
         <p:spPr>
           <a:xfrm rot="16200000" flipH="1">
-            <a:off x="2093989" y="19455019"/>
+            <a:off x="3056509" y="19455019"/>
             <a:ext cx="182416" cy="878"/>
           </a:xfrm>
           <a:prstGeom prst="bentConnector3">
@@ -23338,7 +23196,7 @@
         </p:nvCxnSpPr>
         <p:spPr>
           <a:xfrm rot="5400000">
-            <a:off x="4765120" y="17406251"/>
+            <a:off x="5727640" y="17406251"/>
             <a:ext cx="226250" cy="1054520"/>
           </a:xfrm>
           <a:prstGeom prst="bentConnector3">
@@ -23376,7 +23234,7 @@
         </p:nvCxnSpPr>
         <p:spPr>
           <a:xfrm rot="16200000" flipH="1">
-            <a:off x="5820441" y="17405449"/>
+            <a:off x="6782961" y="17405449"/>
             <a:ext cx="226250" cy="1056123"/>
           </a:xfrm>
           <a:prstGeom prst="bentConnector3">
@@ -23414,7 +23272,7 @@
         </p:nvCxnSpPr>
         <p:spPr>
           <a:xfrm rot="16200000" flipH="1">
-            <a:off x="5290760" y="17935131"/>
+            <a:off x="6253280" y="17935131"/>
             <a:ext cx="230648" cy="1158"/>
           </a:xfrm>
           <a:prstGeom prst="bentConnector3">
@@ -23452,7 +23310,7 @@
         </p:nvCxnSpPr>
         <p:spPr>
           <a:xfrm rot="5400000">
-            <a:off x="5025351" y="18442938"/>
+            <a:off x="5987871" y="18442938"/>
             <a:ext cx="233216" cy="529408"/>
           </a:xfrm>
           <a:prstGeom prst="bentConnector3">
@@ -23490,7 +23348,7 @@
         </p:nvCxnSpPr>
         <p:spPr>
           <a:xfrm rot="16200000" flipH="1">
-            <a:off x="5550065" y="18447631"/>
+            <a:off x="6512585" y="18447631"/>
             <a:ext cx="233216" cy="520021"/>
           </a:xfrm>
           <a:prstGeom prst="bentConnector3">
@@ -23525,7 +23383,7 @@
         </p:nvSpPr>
         <p:spPr>
           <a:xfrm>
-            <a:off x="18417728" y="17320876"/>
+            <a:off x="19380248" y="17320876"/>
             <a:ext cx="926325" cy="540000"/>
           </a:xfrm>
           <a:prstGeom prst="rect">
@@ -23575,7 +23433,7 @@
         </p:nvSpPr>
         <p:spPr>
           <a:xfrm>
-            <a:off x="19512784" y="17320876"/>
+            <a:off x="20475304" y="17320876"/>
             <a:ext cx="926325" cy="540000"/>
           </a:xfrm>
           <a:prstGeom prst="rect">
@@ -23668,7 +23526,7 @@
         </p:nvCxnSpPr>
         <p:spPr>
           <a:xfrm flipH="1">
-            <a:off x="19344053" y="17590876"/>
+            <a:off x="20306573" y="17590876"/>
             <a:ext cx="168731" cy="0"/>
           </a:xfrm>
           <a:prstGeom prst="line">
@@ -23703,7 +23561,7 @@
         </p:nvSpPr>
         <p:spPr>
           <a:xfrm>
-            <a:off x="17858832" y="18085776"/>
+            <a:off x="18821352" y="18085776"/>
             <a:ext cx="926325" cy="540000"/>
           </a:xfrm>
           <a:prstGeom prst="rect">
@@ -23756,7 +23614,7 @@
         </p:nvCxnSpPr>
         <p:spPr>
           <a:xfrm rot="5400000">
-            <a:off x="18488993" y="17693878"/>
+            <a:off x="19451513" y="17693878"/>
             <a:ext cx="224900" cy="558896"/>
           </a:xfrm>
           <a:prstGeom prst="bentConnector3">
@@ -23791,7 +23649,7 @@
         </p:nvSpPr>
         <p:spPr>
           <a:xfrm>
-            <a:off x="18961049" y="18085776"/>
+            <a:off x="19923569" y="18085776"/>
             <a:ext cx="926325" cy="540000"/>
           </a:xfrm>
           <a:prstGeom prst="rect">
@@ -23848,7 +23706,7 @@
         </p:nvCxnSpPr>
         <p:spPr>
           <a:xfrm rot="5400000">
-            <a:off x="19587630" y="17697459"/>
+            <a:off x="20550150" y="17697459"/>
             <a:ext cx="224900" cy="551735"/>
           </a:xfrm>
           <a:prstGeom prst="bentConnector3">
@@ -23887,7 +23745,7 @@
         </p:nvCxnSpPr>
         <p:spPr>
           <a:xfrm rot="16200000" flipH="1">
-            <a:off x="19040101" y="17701665"/>
+            <a:off x="20002621" y="17701665"/>
             <a:ext cx="224900" cy="543321"/>
           </a:xfrm>
           <a:prstGeom prst="bentConnector3">
@@ -23923,7 +23781,7 @@
         </p:nvSpPr>
         <p:spPr>
           <a:xfrm>
-            <a:off x="20063266" y="18085776"/>
+            <a:off x="21025786" y="18085776"/>
             <a:ext cx="926325" cy="540000"/>
           </a:xfrm>
           <a:prstGeom prst="rect">
@@ -23972,7 +23830,7 @@
         </p:nvCxnSpPr>
         <p:spPr>
           <a:xfrm rot="16200000" flipH="1">
-            <a:off x="20138738" y="17698085"/>
+            <a:off x="21101258" y="17698085"/>
             <a:ext cx="224900" cy="550482"/>
           </a:xfrm>
           <a:prstGeom prst="bentConnector3">
@@ -24007,7 +23865,7 @@
         </p:nvSpPr>
         <p:spPr>
           <a:xfrm>
-            <a:off x="18961048" y="18850676"/>
+            <a:off x="19923568" y="18850676"/>
             <a:ext cx="926325" cy="540000"/>
           </a:xfrm>
           <a:prstGeom prst="rect">
@@ -24057,7 +23915,7 @@
         </p:nvSpPr>
         <p:spPr>
           <a:xfrm>
-            <a:off x="11784242" y="299617"/>
+            <a:off x="8396773" y="20307992"/>
             <a:ext cx="926325" cy="540000"/>
           </a:xfrm>
           <a:prstGeom prst="rect">
@@ -24114,7 +23972,7 @@
         </p:nvCxnSpPr>
         <p:spPr>
           <a:xfrm rot="5400000">
-            <a:off x="19311762" y="18738226"/>
+            <a:off x="20274282" y="18738226"/>
             <a:ext cx="224900" cy="1"/>
           </a:xfrm>
           <a:prstGeom prst="bentConnector3">
@@ -24149,7 +24007,7 @@
         </p:nvSpPr>
         <p:spPr>
           <a:xfrm>
-            <a:off x="20066111" y="18850676"/>
+            <a:off x="21028631" y="18850676"/>
             <a:ext cx="926325" cy="540000"/>
           </a:xfrm>
           <a:prstGeom prst="rect">
@@ -24210,7 +24068,7 @@
         </p:nvCxnSpPr>
         <p:spPr>
           <a:xfrm rot="16200000" flipH="1">
-            <a:off x="19864293" y="18185695"/>
+            <a:off x="20826813" y="18185695"/>
             <a:ext cx="224900" cy="1105062"/>
           </a:xfrm>
           <a:prstGeom prst="bentConnector3">
@@ -24245,7 +24103,7 @@
         </p:nvSpPr>
         <p:spPr>
           <a:xfrm>
-            <a:off x="17862062" y="18850676"/>
+            <a:off x="18824582" y="18850676"/>
             <a:ext cx="926325" cy="540000"/>
           </a:xfrm>
           <a:prstGeom prst="rect">
@@ -24306,7 +24164,7 @@
         </p:nvCxnSpPr>
         <p:spPr>
           <a:xfrm rot="5400000">
-            <a:off x="18762269" y="18188733"/>
+            <a:off x="19724789" y="18188733"/>
             <a:ext cx="224900" cy="1098987"/>
           </a:xfrm>
           <a:prstGeom prst="bentConnector3">
@@ -24341,7 +24199,7 @@
         </p:nvSpPr>
         <p:spPr>
           <a:xfrm>
-            <a:off x="16791850" y="18850676"/>
+            <a:off x="17754370" y="18850676"/>
             <a:ext cx="926325" cy="540000"/>
           </a:xfrm>
           <a:prstGeom prst="rect">
@@ -24391,7 +24249,7 @@
         </p:nvSpPr>
         <p:spPr>
           <a:xfrm>
-            <a:off x="15698997" y="18850676"/>
+            <a:off x="16661517" y="18850676"/>
             <a:ext cx="926325" cy="540000"/>
           </a:xfrm>
           <a:prstGeom prst="rect">
@@ -24453,7 +24311,7 @@
         </p:nvCxnSpPr>
         <p:spPr>
           <a:xfrm rot="5400000">
-            <a:off x="18227163" y="17653627"/>
+            <a:off x="19189683" y="17653627"/>
             <a:ext cx="224900" cy="2169199"/>
           </a:xfrm>
           <a:prstGeom prst="bentConnector3">
@@ -24491,7 +24349,7 @@
         </p:nvCxnSpPr>
         <p:spPr>
           <a:xfrm rot="5400000">
-            <a:off x="17680736" y="17107200"/>
+            <a:off x="18643256" y="17107200"/>
             <a:ext cx="224900" cy="3262052"/>
           </a:xfrm>
           <a:prstGeom prst="bentConnector3">
@@ -24530,7 +24388,7 @@
         </p:nvCxnSpPr>
         <p:spPr>
           <a:xfrm flipH="1">
-            <a:off x="16625322" y="19120676"/>
+            <a:off x="17587842" y="19120676"/>
             <a:ext cx="166528" cy="0"/>
           </a:xfrm>
           <a:prstGeom prst="line">
@@ -24565,7 +24423,7 @@
         </p:nvSpPr>
         <p:spPr>
           <a:xfrm>
-            <a:off x="15700220" y="19615576"/>
+            <a:off x="16662740" y="19615576"/>
             <a:ext cx="926325" cy="540000"/>
           </a:xfrm>
           <a:prstGeom prst="rect">
@@ -24619,7 +24477,7 @@
         </p:nvCxnSpPr>
         <p:spPr>
           <a:xfrm rot="16200000" flipH="1">
-            <a:off x="16050321" y="19502514"/>
+            <a:off x="17012841" y="19502514"/>
             <a:ext cx="224900" cy="1223"/>
           </a:xfrm>
           <a:prstGeom prst="bentConnector3">
@@ -24654,7 +24512,7 @@
         </p:nvSpPr>
         <p:spPr>
           <a:xfrm>
-            <a:off x="14607367" y="18085776"/>
+            <a:off x="15569887" y="18085776"/>
             <a:ext cx="926325" cy="540000"/>
           </a:xfrm>
           <a:prstGeom prst="rect">
@@ -24702,7 +24560,7 @@
         </p:nvSpPr>
         <p:spPr>
           <a:xfrm>
-            <a:off x="14018891" y="17306210"/>
+            <a:off x="14981411" y="17306210"/>
             <a:ext cx="926325" cy="540000"/>
           </a:xfrm>
           <a:prstGeom prst="rect">
@@ -24749,7 +24607,7 @@
         </p:nvSpPr>
         <p:spPr>
           <a:xfrm>
-            <a:off x="13436294" y="18085776"/>
+            <a:off x="14398814" y="18085776"/>
             <a:ext cx="926325" cy="540000"/>
           </a:xfrm>
           <a:prstGeom prst="rect">
@@ -24805,7 +24663,7 @@
         </p:nvSpPr>
         <p:spPr>
           <a:xfrm>
-            <a:off x="14606144" y="18850675"/>
+            <a:off x="15568664" y="18850675"/>
             <a:ext cx="926325" cy="540000"/>
           </a:xfrm>
           <a:prstGeom prst="rect">
@@ -24857,7 +24715,7 @@
         </p:nvSpPr>
         <p:spPr>
           <a:xfrm>
-            <a:off x="13436468" y="18840323"/>
+            <a:off x="14398988" y="18840323"/>
             <a:ext cx="926325" cy="540000"/>
           </a:xfrm>
           <a:prstGeom prst="rect">
@@ -24916,7 +24774,7 @@
         </p:nvCxnSpPr>
         <p:spPr>
           <a:xfrm rot="16200000" flipH="1">
-            <a:off x="15503895" y="18192411"/>
+            <a:off x="16466415" y="18192411"/>
             <a:ext cx="224900" cy="1091630"/>
           </a:xfrm>
           <a:prstGeom prst="bentConnector3">
@@ -24955,7 +24813,7 @@
         </p:nvCxnSpPr>
         <p:spPr>
           <a:xfrm rot="5400000">
-            <a:off x="14957470" y="18737614"/>
+            <a:off x="15919990" y="18737614"/>
             <a:ext cx="224899" cy="1223"/>
           </a:xfrm>
           <a:prstGeom prst="bentConnector3">
@@ -24993,7 +24851,7 @@
         </p:nvCxnSpPr>
         <p:spPr>
           <a:xfrm rot="16200000" flipH="1">
-            <a:off x="14656509" y="17671755"/>
+            <a:off x="15619029" y="17671755"/>
             <a:ext cx="239566" cy="588476"/>
           </a:xfrm>
           <a:prstGeom prst="bentConnector3">
@@ -25031,7 +24889,7 @@
         </p:nvCxnSpPr>
         <p:spPr>
           <a:xfrm rot="5400000">
-            <a:off x="14070973" y="17674695"/>
+            <a:off x="15033493" y="17674695"/>
             <a:ext cx="239566" cy="582597"/>
           </a:xfrm>
           <a:prstGeom prst="bentConnector3">
@@ -25069,7 +24927,7 @@
         </p:nvCxnSpPr>
         <p:spPr>
           <a:xfrm rot="16200000" flipH="1">
-            <a:off x="13792271" y="18732962"/>
+            <a:off x="14754791" y="18732962"/>
             <a:ext cx="214547" cy="174"/>
           </a:xfrm>
           <a:prstGeom prst="bentConnector3">
@@ -25107,7 +24965,7 @@
         </p:nvCxnSpPr>
         <p:spPr>
           <a:xfrm flipH="1" flipV="1">
-            <a:off x="15532469" y="19120675"/>
+            <a:off x="16494989" y="19120675"/>
             <a:ext cx="166528" cy="1"/>
           </a:xfrm>
           <a:prstGeom prst="line">
@@ -25142,7 +25000,7 @@
         </p:nvSpPr>
         <p:spPr>
           <a:xfrm>
-            <a:off x="14021354" y="19591407"/>
+            <a:off x="14983874" y="19591407"/>
             <a:ext cx="926325" cy="540000"/>
           </a:xfrm>
           <a:prstGeom prst="rect">
@@ -25192,7 +25050,7 @@
         </p:nvCxnSpPr>
         <p:spPr>
           <a:xfrm rot="5400000">
-            <a:off x="14294709" y="18815585"/>
+            <a:off x="15257229" y="18815585"/>
             <a:ext cx="965631" cy="586013"/>
           </a:xfrm>
           <a:prstGeom prst="bentConnector3">
@@ -25230,7 +25088,7 @@
         </p:nvCxnSpPr>
         <p:spPr>
           <a:xfrm rot="16200000" flipH="1">
-            <a:off x="14086532" y="19193422"/>
+            <a:off x="15049052" y="19193422"/>
             <a:ext cx="211084" cy="584886"/>
           </a:xfrm>
           <a:prstGeom prst="bentConnector3">
@@ -25324,7 +25182,7 @@
         </p:nvSpPr>
         <p:spPr>
           <a:xfrm>
-            <a:off x="14606143" y="20398827"/>
+            <a:off x="15568663" y="20398827"/>
             <a:ext cx="926325" cy="540000"/>
           </a:xfrm>
           <a:prstGeom prst="rect">
@@ -25387,7 +25245,7 @@
         </p:nvCxnSpPr>
         <p:spPr>
           <a:xfrm rot="5400000">
-            <a:off x="14565231" y="19894751"/>
+            <a:off x="15527751" y="19894751"/>
             <a:ext cx="1008152" cy="1"/>
           </a:xfrm>
           <a:prstGeom prst="bentConnector3">
@@ -25422,7 +25280,7 @@
         </p:nvSpPr>
         <p:spPr>
           <a:xfrm>
-            <a:off x="14536473" y="2626428"/>
+            <a:off x="15498993" y="2626428"/>
             <a:ext cx="926325" cy="540000"/>
           </a:xfrm>
           <a:prstGeom prst="rect">
@@ -25481,7 +25339,7 @@
         </p:nvCxnSpPr>
         <p:spPr>
           <a:xfrm>
-            <a:off x="3435700" y="2852488"/>
+            <a:off x="4398220" y="2852488"/>
             <a:ext cx="11100773" cy="43940"/>
           </a:xfrm>
           <a:prstGeom prst="line">
@@ -25516,7 +25374,7 @@
         </p:nvSpPr>
         <p:spPr>
           <a:xfrm>
-            <a:off x="7944138" y="3331528"/>
+            <a:off x="8906658" y="3331528"/>
             <a:ext cx="926325" cy="540000"/>
           </a:xfrm>
           <a:prstGeom prst="rect">
@@ -25564,7 +25422,7 @@
         </p:nvSpPr>
         <p:spPr>
           <a:xfrm>
-            <a:off x="9071270" y="3340523"/>
+            <a:off x="10033790" y="3340523"/>
             <a:ext cx="926325" cy="540000"/>
           </a:xfrm>
           <a:prstGeom prst="rect">
@@ -25612,7 +25470,7 @@
         </p:nvSpPr>
         <p:spPr>
           <a:xfrm>
-            <a:off x="8514125" y="4106488"/>
+            <a:off x="9476645" y="4106488"/>
             <a:ext cx="926325" cy="540000"/>
           </a:xfrm>
           <a:prstGeom prst="rect">
@@ -25663,7 +25521,7 @@
         </p:nvCxnSpPr>
         <p:spPr>
           <a:xfrm rot="16200000" flipH="1">
-            <a:off x="5585399" y="509626"/>
+            <a:off x="6547919" y="509626"/>
             <a:ext cx="209040" cy="5434763"/>
           </a:xfrm>
           <a:prstGeom prst="bentConnector3">
@@ -25702,7 +25560,7 @@
         </p:nvCxnSpPr>
         <p:spPr>
           <a:xfrm rot="16200000" flipH="1">
-            <a:off x="6144468" y="-49443"/>
+            <a:off x="7106988" y="-49443"/>
             <a:ext cx="218035" cy="6561895"/>
           </a:xfrm>
           <a:prstGeom prst="bentConnector3">
@@ -25741,7 +25599,7 @@
         </p:nvCxnSpPr>
         <p:spPr>
           <a:xfrm rot="5400000">
-            <a:off x="11620919" y="-47189"/>
+            <a:off x="12583439" y="-47189"/>
             <a:ext cx="165100" cy="6592335"/>
           </a:xfrm>
           <a:prstGeom prst="bentConnector3">
@@ -25780,7 +25638,7 @@
         </p:nvCxnSpPr>
         <p:spPr>
           <a:xfrm rot="5400000">
-            <a:off x="12179988" y="520874"/>
+            <a:off x="13142508" y="520874"/>
             <a:ext cx="174095" cy="5465203"/>
           </a:xfrm>
           <a:prstGeom prst="bentConnector3">
@@ -25819,7 +25677,7 @@
         </p:nvCxnSpPr>
         <p:spPr>
           <a:xfrm rot="16200000" flipH="1">
-            <a:off x="8574814" y="3704014"/>
+            <a:off x="9537334" y="3704014"/>
             <a:ext cx="234960" cy="569987"/>
           </a:xfrm>
           <a:prstGeom prst="bentConnector3">
@@ -25857,7 +25715,7 @@
         </p:nvCxnSpPr>
         <p:spPr>
           <a:xfrm rot="5400000">
-            <a:off x="9142879" y="3714933"/>
+            <a:off x="10105399" y="3714933"/>
             <a:ext cx="225965" cy="557145"/>
           </a:xfrm>
           <a:prstGeom prst="bentConnector3">
@@ -25892,7 +25750,7 @@
         </p:nvSpPr>
         <p:spPr>
           <a:xfrm>
-            <a:off x="7944139" y="4887444"/>
+            <a:off x="8906659" y="4887444"/>
             <a:ext cx="926325" cy="540000"/>
           </a:xfrm>
           <a:prstGeom prst="rect">
@@ -25940,7 +25798,7 @@
         </p:nvSpPr>
         <p:spPr>
           <a:xfrm>
-            <a:off x="9071270" y="4892717"/>
+            <a:off x="10033790" y="4892717"/>
             <a:ext cx="926325" cy="540000"/>
           </a:xfrm>
           <a:prstGeom prst="rect">
@@ -25991,7 +25849,7 @@
         </p:nvCxnSpPr>
         <p:spPr>
           <a:xfrm rot="5400000">
-            <a:off x="8571817" y="4481973"/>
+            <a:off x="9534337" y="4481973"/>
             <a:ext cx="240956" cy="569986"/>
           </a:xfrm>
           <a:prstGeom prst="bentConnector3">
@@ -26029,7 +25887,7 @@
         </p:nvCxnSpPr>
         <p:spPr>
           <a:xfrm rot="16200000" flipH="1">
-            <a:off x="9132746" y="4491029"/>
+            <a:off x="10095266" y="4491029"/>
             <a:ext cx="246229" cy="557145"/>
           </a:xfrm>
           <a:prstGeom prst="bentConnector3">
@@ -26064,7 +25922,7 @@
         </p:nvSpPr>
         <p:spPr>
           <a:xfrm>
-            <a:off x="5780512" y="6421032"/>
+            <a:off x="6743032" y="6421032"/>
             <a:ext cx="926325" cy="540000"/>
           </a:xfrm>
           <a:prstGeom prst="rect">
@@ -26115,7 +25973,7 @@
         </p:nvCxnSpPr>
         <p:spPr>
           <a:xfrm rot="16200000" flipH="1">
-            <a:off x="5573950" y="5751307"/>
+            <a:off x="6536470" y="5751307"/>
             <a:ext cx="240752" cy="1098697"/>
           </a:xfrm>
           <a:prstGeom prst="bentConnector3">
@@ -26150,7 +26008,7 @@
         </p:nvSpPr>
         <p:spPr>
           <a:xfrm>
-            <a:off x="15088925" y="3382207"/>
+            <a:off x="16051445" y="3382207"/>
             <a:ext cx="926325" cy="540000"/>
           </a:xfrm>
           <a:prstGeom prst="rect">
@@ -26198,7 +26056,7 @@
         </p:nvSpPr>
         <p:spPr>
           <a:xfrm>
-            <a:off x="13977852" y="3384662"/>
+            <a:off x="14940372" y="3384662"/>
             <a:ext cx="926325" cy="540000"/>
           </a:xfrm>
           <a:prstGeom prst="rect">
@@ -26250,7 +26108,7 @@
         </p:nvSpPr>
         <p:spPr>
           <a:xfrm>
-            <a:off x="15095781" y="4155507"/>
+            <a:off x="16058301" y="4155507"/>
             <a:ext cx="926325" cy="540000"/>
           </a:xfrm>
           <a:prstGeom prst="rect">
@@ -26306,7 +26164,7 @@
         </p:nvSpPr>
         <p:spPr>
           <a:xfrm>
-            <a:off x="12886404" y="3389295"/>
+            <a:off x="13848924" y="3389295"/>
             <a:ext cx="926325" cy="540000"/>
           </a:xfrm>
           <a:prstGeom prst="rect">
@@ -26354,7 +26212,7 @@
         </p:nvSpPr>
         <p:spPr>
           <a:xfrm>
-            <a:off x="12886404" y="4147529"/>
+            <a:off x="13848924" y="4147529"/>
             <a:ext cx="926325" cy="540000"/>
           </a:xfrm>
           <a:prstGeom prst="rect">
@@ -26410,7 +26268,7 @@
         </p:nvSpPr>
         <p:spPr>
           <a:xfrm>
-            <a:off x="13977853" y="4913112"/>
+            <a:off x="14940373" y="4913112"/>
             <a:ext cx="926325" cy="540000"/>
           </a:xfrm>
           <a:prstGeom prst="rect">
@@ -26461,7 +26319,7 @@
         </p:nvCxnSpPr>
         <p:spPr>
           <a:xfrm rot="16200000" flipH="1">
-            <a:off x="13782500" y="4254595"/>
+            <a:off x="14745020" y="4254595"/>
             <a:ext cx="225583" cy="1091449"/>
           </a:xfrm>
           <a:prstGeom prst="bentConnector3">
@@ -26500,7 +26358,7 @@
         </p:nvCxnSpPr>
         <p:spPr>
           <a:xfrm rot="16200000" flipH="1">
-            <a:off x="19249707" y="1990535"/>
+            <a:off x="20212227" y="1990535"/>
             <a:ext cx="187426" cy="8674857"/>
           </a:xfrm>
           <a:prstGeom prst="bentConnector3">
@@ -26538,7 +26396,7 @@
         </p:nvCxnSpPr>
         <p:spPr>
           <a:xfrm>
-            <a:off x="13349567" y="3929295"/>
+            <a:off x="14312087" y="3929295"/>
             <a:ext cx="0" cy="218234"/>
           </a:xfrm>
           <a:prstGeom prst="straightConnector1">
@@ -26574,7 +26432,7 @@
         </p:nvCxnSpPr>
         <p:spPr>
           <a:xfrm>
-            <a:off x="15552088" y="3922207"/>
+            <a:off x="16514608" y="3922207"/>
             <a:ext cx="6856" cy="233300"/>
           </a:xfrm>
           <a:prstGeom prst="straightConnector1">
@@ -26610,7 +26468,7 @@
         </p:nvCxnSpPr>
         <p:spPr>
           <a:xfrm rot="5400000">
-            <a:off x="14063169" y="2452827"/>
+            <a:off x="15025689" y="2452827"/>
             <a:ext cx="222867" cy="1650069"/>
           </a:xfrm>
           <a:prstGeom prst="bentConnector3">
@@ -26648,7 +26506,7 @@
         </p:nvCxnSpPr>
         <p:spPr>
           <a:xfrm rot="5400000">
-            <a:off x="14611209" y="2996235"/>
+            <a:off x="15573729" y="2996235"/>
             <a:ext cx="218234" cy="558621"/>
           </a:xfrm>
           <a:prstGeom prst="bentConnector3">
@@ -26686,7 +26544,7 @@
         </p:nvCxnSpPr>
         <p:spPr>
           <a:xfrm rot="16200000" flipH="1">
-            <a:off x="15167973" y="2998091"/>
+            <a:off x="16130493" y="2998091"/>
             <a:ext cx="215779" cy="552452"/>
           </a:xfrm>
           <a:prstGeom prst="bentConnector3">
@@ -26724,7 +26582,7 @@
         </p:nvCxnSpPr>
         <p:spPr>
           <a:xfrm>
-            <a:off x="14441015" y="3924662"/>
+            <a:off x="15403535" y="3924662"/>
             <a:ext cx="1" cy="988450"/>
           </a:xfrm>
           <a:prstGeom prst="straightConnector1">
@@ -26758,7 +26616,7 @@
         </p:nvSpPr>
         <p:spPr>
           <a:xfrm>
-            <a:off x="14542829" y="5694251"/>
+            <a:off x="15505349" y="5694251"/>
             <a:ext cx="926325" cy="540000"/>
           </a:xfrm>
           <a:prstGeom prst="rect">
@@ -26809,7 +26667,7 @@
         </p:nvCxnSpPr>
         <p:spPr>
           <a:xfrm>
-            <a:off x="14999636" y="3166428"/>
+            <a:off x="15962156" y="3166428"/>
             <a:ext cx="6356" cy="2527823"/>
           </a:xfrm>
           <a:prstGeom prst="straightConnector1">
@@ -26845,7 +26703,7 @@
         </p:nvCxnSpPr>
         <p:spPr>
           <a:xfrm rot="5400000">
-            <a:off x="14891178" y="4245345"/>
+            <a:off x="15853698" y="4245345"/>
             <a:ext cx="217605" cy="1117928"/>
           </a:xfrm>
           <a:prstGeom prst="bentConnector3">
@@ -26884,7 +26742,7 @@
         </p:nvCxnSpPr>
         <p:spPr>
           <a:xfrm rot="5400000">
-            <a:off x="11865916" y="3294825"/>
+            <a:off x="12828436" y="3294825"/>
             <a:ext cx="200650" cy="6079503"/>
           </a:xfrm>
           <a:prstGeom prst="bentConnector3">
@@ -26919,7 +26777,7 @@
         </p:nvSpPr>
         <p:spPr>
           <a:xfrm>
-            <a:off x="12335956" y="8737027"/>
+            <a:off x="13298476" y="8737027"/>
             <a:ext cx="926325" cy="540000"/>
           </a:xfrm>
           <a:prstGeom prst="rect">
@@ -26970,7 +26828,7 @@
         </p:nvCxnSpPr>
         <p:spPr>
           <a:xfrm>
-            <a:off x="12795705" y="8520470"/>
+            <a:off x="13758225" y="8520470"/>
             <a:ext cx="3414" cy="216557"/>
           </a:xfrm>
           <a:prstGeom prst="straightConnector1">
@@ -27003,7 +26861,7 @@
         </p:nvSpPr>
         <p:spPr>
           <a:xfrm>
-            <a:off x="35395366" y="2582488"/>
+            <a:off x="36357886" y="2582488"/>
             <a:ext cx="926325" cy="540000"/>
           </a:xfrm>
           <a:prstGeom prst="rect">
@@ -27082,7 +26940,7 @@
         </p:nvCxnSpPr>
         <p:spPr>
           <a:xfrm flipV="1">
-            <a:off x="15462798" y="2852488"/>
+            <a:off x="16425318" y="2852488"/>
             <a:ext cx="19932568" cy="43940"/>
           </a:xfrm>
           <a:prstGeom prst="line">
@@ -27117,7 +26975,7 @@
         </p:nvSpPr>
         <p:spPr>
           <a:xfrm>
-            <a:off x="10191894" y="3335705"/>
+            <a:off x="11154414" y="3335705"/>
             <a:ext cx="926325" cy="540000"/>
           </a:xfrm>
           <a:prstGeom prst="rect">
@@ -27165,7 +27023,7 @@
         </p:nvSpPr>
         <p:spPr>
           <a:xfrm>
-            <a:off x="10191758" y="4104478"/>
+            <a:off x="11154278" y="4104478"/>
             <a:ext cx="926325" cy="540000"/>
           </a:xfrm>
           <a:prstGeom prst="rect">
@@ -27216,7 +27074,7 @@
         </p:nvCxnSpPr>
         <p:spPr>
           <a:xfrm rot="16200000" flipH="1">
-            <a:off x="6707189" y="-612164"/>
+            <a:off x="7669709" y="-612164"/>
             <a:ext cx="213217" cy="7682519"/>
           </a:xfrm>
           <a:prstGeom prst="bentConnector3">
@@ -27255,7 +27113,7 @@
         </p:nvCxnSpPr>
         <p:spPr>
           <a:xfrm rot="5400000">
-            <a:off x="12742709" y="1078777"/>
+            <a:off x="13705229" y="1078777"/>
             <a:ext cx="169277" cy="4344579"/>
           </a:xfrm>
           <a:prstGeom prst="bentConnector3">
@@ -27294,7 +27152,7 @@
         </p:nvCxnSpPr>
         <p:spPr>
           <a:xfrm flipH="1">
-            <a:off x="10654921" y="3875705"/>
+            <a:off x="11617441" y="3875705"/>
             <a:ext cx="136" cy="228773"/>
           </a:xfrm>
           <a:prstGeom prst="straightConnector1">
@@ -27327,7 +27185,7 @@
         </p:nvSpPr>
         <p:spPr>
           <a:xfrm>
-            <a:off x="13437646" y="11811756"/>
+            <a:off x="14400166" y="11811756"/>
             <a:ext cx="926325" cy="540000"/>
           </a:xfrm>
           <a:prstGeom prst="rect">
@@ -27374,7 +27232,7 @@
         </p:nvSpPr>
         <p:spPr>
           <a:xfrm>
-            <a:off x="14516611" y="11813660"/>
+            <a:off x="15479131" y="11813660"/>
             <a:ext cx="926325" cy="540000"/>
           </a:xfrm>
           <a:prstGeom prst="rect">
@@ -27422,7 +27280,7 @@
         </p:nvSpPr>
         <p:spPr>
           <a:xfrm>
-            <a:off x="14516612" y="12595850"/>
+            <a:off x="15479132" y="12595850"/>
             <a:ext cx="926325" cy="540000"/>
           </a:xfrm>
           <a:prstGeom prst="rect">
@@ -27486,7 +27344,7 @@
         </p:nvSpPr>
         <p:spPr>
           <a:xfrm>
-            <a:off x="15050942" y="13369057"/>
+            <a:off x="16013462" y="13369057"/>
             <a:ext cx="926325" cy="540000"/>
           </a:xfrm>
           <a:prstGeom prst="rect">
@@ -27558,7 +27416,7 @@
         </p:nvSpPr>
         <p:spPr>
           <a:xfrm>
-            <a:off x="13968637" y="13369057"/>
+            <a:off x="14931157" y="13369057"/>
             <a:ext cx="926325" cy="540000"/>
           </a:xfrm>
           <a:prstGeom prst="rect">
@@ -27622,7 +27480,7 @@
         </p:nvSpPr>
         <p:spPr>
           <a:xfrm>
-            <a:off x="15630856" y="7977862"/>
+            <a:off x="16593376" y="7977862"/>
             <a:ext cx="926325" cy="540000"/>
           </a:xfrm>
           <a:prstGeom prst="rect">
@@ -27670,7 +27528,7 @@
         </p:nvSpPr>
         <p:spPr>
           <a:xfrm>
-            <a:off x="16723039" y="7981403"/>
+            <a:off x="17685559" y="7981403"/>
             <a:ext cx="926325" cy="540000"/>
           </a:xfrm>
           <a:prstGeom prst="rect">
@@ -27730,7 +27588,7 @@
         </p:nvSpPr>
         <p:spPr>
           <a:xfrm>
-            <a:off x="12885588" y="10290090"/>
+            <a:off x="13848108" y="10290090"/>
             <a:ext cx="926325" cy="540000"/>
           </a:xfrm>
           <a:prstGeom prst="rect">
@@ -27814,7 +27672,7 @@
         </p:nvSpPr>
         <p:spPr>
           <a:xfrm>
-            <a:off x="13990488" y="10293248"/>
+            <a:off x="14953008" y="10293248"/>
             <a:ext cx="926325" cy="540000"/>
           </a:xfrm>
           <a:prstGeom prst="rect">
@@ -27862,7 +27720,7 @@
         </p:nvSpPr>
         <p:spPr>
           <a:xfrm>
-            <a:off x="16179046" y="10304542"/>
+            <a:off x="17141566" y="10304542"/>
             <a:ext cx="926325" cy="540000"/>
           </a:xfrm>
           <a:prstGeom prst="rect">
@@ -27921,7 +27779,7 @@
         </p:nvSpPr>
         <p:spPr>
           <a:xfrm>
-            <a:off x="12332541" y="9514176"/>
+            <a:off x="13295061" y="9514176"/>
             <a:ext cx="926325" cy="540000"/>
           </a:xfrm>
           <a:prstGeom prst="rect">
@@ -28064,7 +27922,7 @@
         </p:nvCxnSpPr>
         <p:spPr>
           <a:xfrm rot="5400000">
-            <a:off x="13784157" y="8296496"/>
+            <a:off x="14746677" y="8296496"/>
             <a:ext cx="229228" cy="2206133"/>
           </a:xfrm>
           <a:prstGeom prst="bentConnector3">
@@ -28103,7 +27961,7 @@
         </p:nvCxnSpPr>
         <p:spPr>
           <a:xfrm rot="16200000" flipH="1">
-            <a:off x="10744434" y="7462905"/>
+            <a:off x="11706954" y="7462905"/>
             <a:ext cx="226971" cy="3875569"/>
           </a:xfrm>
           <a:prstGeom prst="bentConnector3">
@@ -28142,7 +28000,7 @@
         </p:nvCxnSpPr>
         <p:spPr>
           <a:xfrm rot="5400000">
-            <a:off x="13511244" y="9891684"/>
+            <a:off x="14473764" y="9891684"/>
             <a:ext cx="235914" cy="560899"/>
           </a:xfrm>
           <a:prstGeom prst="bentConnector3">
@@ -28180,7 +28038,7 @@
         </p:nvCxnSpPr>
         <p:spPr>
           <a:xfrm rot="5400000">
-            <a:off x="14611622" y="9903032"/>
+            <a:off x="15574142" y="9903032"/>
             <a:ext cx="232246" cy="548187"/>
           </a:xfrm>
           <a:prstGeom prst="bentConnector3">
@@ -28218,7 +28076,7 @@
         </p:nvCxnSpPr>
         <p:spPr>
           <a:xfrm rot="16200000" flipH="1">
-            <a:off x="15159368" y="9903471"/>
+            <a:off x="16121888" y="9903471"/>
             <a:ext cx="231032" cy="546093"/>
           </a:xfrm>
           <a:prstGeom prst="bentConnector3">
@@ -28256,7 +28114,7 @@
         </p:nvCxnSpPr>
         <p:spPr>
           <a:xfrm rot="16200000" flipH="1">
-            <a:off x="16242934" y="9905267"/>
+            <a:off x="17205454" y="9905267"/>
             <a:ext cx="250366" cy="548183"/>
           </a:xfrm>
           <a:prstGeom prst="bentConnector3">
@@ -28291,7 +28149,7 @@
         </p:nvSpPr>
         <p:spPr>
           <a:xfrm>
-            <a:off x="15630855" y="11051450"/>
+            <a:off x="16593375" y="11051450"/>
             <a:ext cx="926325" cy="540000"/>
           </a:xfrm>
           <a:prstGeom prst="rect">
@@ -28339,7 +28197,7 @@
         </p:nvSpPr>
         <p:spPr>
           <a:xfrm>
-            <a:off x="13433564" y="11053450"/>
+            <a:off x="14396084" y="11053450"/>
             <a:ext cx="926325" cy="540000"/>
           </a:xfrm>
           <a:prstGeom prst="rect">
@@ -28390,7 +28248,7 @@
         </p:nvCxnSpPr>
         <p:spPr>
           <a:xfrm flipV="1">
-            <a:off x="14359889" y="11321450"/>
+            <a:off x="15322409" y="11321450"/>
             <a:ext cx="1270966" cy="2000"/>
           </a:xfrm>
           <a:prstGeom prst="line">
@@ -28428,7 +28286,7 @@
         </p:nvCxnSpPr>
         <p:spPr>
           <a:xfrm rot="5400000">
-            <a:off x="14611621" y="10117140"/>
+            <a:off x="15574141" y="10117140"/>
             <a:ext cx="221416" cy="1651204"/>
           </a:xfrm>
           <a:prstGeom prst="bentConnector3">
@@ -28466,7 +28324,7 @@
         </p:nvCxnSpPr>
         <p:spPr>
           <a:xfrm rot="16200000" flipH="1">
-            <a:off x="15711266" y="10668698"/>
+            <a:off x="16673786" y="10668698"/>
             <a:ext cx="219416" cy="546087"/>
           </a:xfrm>
           <a:prstGeom prst="bentConnector3">
@@ -28501,7 +28359,7 @@
         </p:nvSpPr>
         <p:spPr>
           <a:xfrm>
-            <a:off x="15630854" y="11811756"/>
+            <a:off x="16593374" y="11811756"/>
             <a:ext cx="926325" cy="540000"/>
           </a:xfrm>
           <a:prstGeom prst="rect">
@@ -28549,7 +28407,7 @@
         </p:nvSpPr>
         <p:spPr>
           <a:xfrm>
-            <a:off x="13433563" y="12604881"/>
+            <a:off x="14396083" y="12604881"/>
             <a:ext cx="926325" cy="540000"/>
           </a:xfrm>
           <a:prstGeom prst="rect">
@@ -28600,7 +28458,7 @@
         </p:nvCxnSpPr>
         <p:spPr>
           <a:xfrm>
-            <a:off x="14363971" y="12081756"/>
+            <a:off x="15326491" y="12081756"/>
             <a:ext cx="152640" cy="1904"/>
           </a:xfrm>
           <a:prstGeom prst="line">
@@ -28638,7 +28496,7 @@
         </p:nvCxnSpPr>
         <p:spPr>
           <a:xfrm flipV="1">
-            <a:off x="15442936" y="12081756"/>
+            <a:off x="16405456" y="12081756"/>
             <a:ext cx="187918" cy="1904"/>
           </a:xfrm>
           <a:prstGeom prst="line">
@@ -28676,7 +28534,7 @@
         </p:nvCxnSpPr>
         <p:spPr>
           <a:xfrm rot="16200000" flipH="1">
-            <a:off x="14328145" y="11162031"/>
+            <a:off x="15290665" y="11162031"/>
             <a:ext cx="220210" cy="1083047"/>
           </a:xfrm>
           <a:prstGeom prst="bentConnector3">
@@ -28715,7 +28573,7 @@
         </p:nvCxnSpPr>
         <p:spPr>
           <a:xfrm rot="16200000" flipH="1">
-            <a:off x="14886219" y="10603958"/>
+            <a:off x="15848739" y="10603958"/>
             <a:ext cx="218306" cy="2197290"/>
           </a:xfrm>
           <a:prstGeom prst="bentConnector3">
@@ -28754,7 +28612,7 @@
         </p:nvCxnSpPr>
         <p:spPr>
           <a:xfrm rot="5400000">
-            <a:off x="14887261" y="10604999"/>
+            <a:off x="15849781" y="10604999"/>
             <a:ext cx="220306" cy="2193209"/>
           </a:xfrm>
           <a:prstGeom prst="bentConnector3">
@@ -28793,7 +28651,7 @@
         </p:nvCxnSpPr>
         <p:spPr>
           <a:xfrm rot="5400000">
-            <a:off x="15425791" y="11145433"/>
+            <a:off x="16388311" y="11145433"/>
             <a:ext cx="222210" cy="1114244"/>
           </a:xfrm>
           <a:prstGeom prst="bentConnector3">
@@ -28832,7 +28690,7 @@
         </p:nvCxnSpPr>
         <p:spPr>
           <a:xfrm rot="5400000">
-            <a:off x="15983865" y="11701603"/>
+            <a:off x="16946385" y="11701603"/>
             <a:ext cx="220306" cy="1"/>
           </a:xfrm>
           <a:prstGeom prst="bentConnector3">
@@ -28871,7 +28729,7 @@
         </p:nvCxnSpPr>
         <p:spPr>
           <a:xfrm rot="16200000" flipH="1">
-            <a:off x="13789615" y="11700562"/>
+            <a:off x="14752135" y="11700562"/>
             <a:ext cx="218306" cy="4082"/>
           </a:xfrm>
           <a:prstGeom prst="bentConnector3">
@@ -28910,7 +28768,7 @@
         </p:nvCxnSpPr>
         <p:spPr>
           <a:xfrm rot="5400000">
-            <a:off x="14589185" y="12978466"/>
+            <a:off x="15551705" y="12978466"/>
             <a:ext cx="233207" cy="547975"/>
           </a:xfrm>
           <a:prstGeom prst="bentConnector3">
@@ -28948,7 +28806,7 @@
         </p:nvCxnSpPr>
         <p:spPr>
           <a:xfrm rot="16200000" flipH="1">
-            <a:off x="15130337" y="12985288"/>
+            <a:off x="16092857" y="12985288"/>
             <a:ext cx="233207" cy="534330"/>
           </a:xfrm>
           <a:prstGeom prst="bentConnector3">
@@ -28986,7 +28844,7 @@
         </p:nvCxnSpPr>
         <p:spPr>
           <a:xfrm>
-            <a:off x="14979774" y="12353660"/>
+            <a:off x="15942294" y="12353660"/>
             <a:ext cx="1" cy="242190"/>
           </a:xfrm>
           <a:prstGeom prst="straightConnector1">
@@ -29019,7 +28877,7 @@
         </p:nvSpPr>
         <p:spPr>
           <a:xfrm>
-            <a:off x="12298252" y="12604881"/>
+            <a:off x="13260772" y="12604881"/>
             <a:ext cx="926325" cy="540000"/>
           </a:xfrm>
           <a:prstGeom prst="rect">
@@ -29070,7 +28928,7 @@
         </p:nvCxnSpPr>
         <p:spPr>
           <a:xfrm rot="5400000">
-            <a:off x="13204550" y="11908621"/>
+            <a:off x="14167070" y="11908621"/>
             <a:ext cx="253125" cy="1139394"/>
           </a:xfrm>
           <a:prstGeom prst="bentConnector3">
@@ -29108,7 +28966,7 @@
         </p:nvCxnSpPr>
         <p:spPr>
           <a:xfrm flipH="1">
-            <a:off x="13896726" y="12351756"/>
+            <a:off x="14859246" y="12351756"/>
             <a:ext cx="4083" cy="253125"/>
           </a:xfrm>
           <a:prstGeom prst="straightConnector1">
@@ -29141,7 +28999,7 @@
         </p:nvSpPr>
         <p:spPr>
           <a:xfrm>
-            <a:off x="12867949" y="13362717"/>
+            <a:off x="13830469" y="13362717"/>
             <a:ext cx="926325" cy="540000"/>
           </a:xfrm>
           <a:prstGeom prst="rect">
@@ -29189,7 +29047,7 @@
         </p:nvSpPr>
         <p:spPr>
           <a:xfrm>
-            <a:off x="11759165" y="13362717"/>
+            <a:off x="12721685" y="13362717"/>
             <a:ext cx="926325" cy="540000"/>
           </a:xfrm>
           <a:prstGeom prst="rect">
@@ -29237,7 +29095,7 @@
         </p:nvSpPr>
         <p:spPr>
           <a:xfrm>
-            <a:off x="12298252" y="14139807"/>
+            <a:off x="13260772" y="14139807"/>
             <a:ext cx="926325" cy="540000"/>
           </a:xfrm>
           <a:prstGeom prst="rect">
@@ -29288,7 +29146,7 @@
         </p:nvCxnSpPr>
         <p:spPr>
           <a:xfrm rot="5400000">
-            <a:off x="12382954" y="12984256"/>
+            <a:off x="13345474" y="12984256"/>
             <a:ext cx="217836" cy="539087"/>
           </a:xfrm>
           <a:prstGeom prst="bentConnector3">
@@ -29326,7 +29184,7 @@
         </p:nvCxnSpPr>
         <p:spPr>
           <a:xfrm rot="16200000" flipH="1">
-            <a:off x="12937345" y="12968950"/>
+            <a:off x="13899865" y="12968950"/>
             <a:ext cx="217836" cy="569697"/>
           </a:xfrm>
           <a:prstGeom prst="bentConnector3">
@@ -29364,7 +29222,7 @@
         </p:nvCxnSpPr>
         <p:spPr>
           <a:xfrm>
-            <a:off x="12761415" y="13144881"/>
+            <a:off x="13723935" y="13144881"/>
             <a:ext cx="0" cy="994926"/>
           </a:xfrm>
           <a:prstGeom prst="straightConnector1">
@@ -29397,7 +29255,7 @@
         </p:nvSpPr>
         <p:spPr>
           <a:xfrm>
-            <a:off x="15630853" y="12604881"/>
+            <a:off x="16593373" y="12604881"/>
             <a:ext cx="926325" cy="540000"/>
           </a:xfrm>
           <a:prstGeom prst="rect">
@@ -29448,7 +29306,7 @@
         </p:nvCxnSpPr>
         <p:spPr>
           <a:xfrm rot="16200000" flipH="1">
-            <a:off x="16529014" y="7324215"/>
+            <a:off x="17491534" y="7324215"/>
             <a:ext cx="222200" cy="1092176"/>
           </a:xfrm>
           <a:prstGeom prst="bentConnector3">
@@ -29486,7 +29344,7 @@
         </p:nvCxnSpPr>
         <p:spPr>
           <a:xfrm flipH="1">
-            <a:off x="16094019" y="7759203"/>
+            <a:off x="17056539" y="7759203"/>
             <a:ext cx="7" cy="218659"/>
           </a:xfrm>
           <a:prstGeom prst="straightConnector1">
@@ -29522,7 +29380,7 @@
         </p:nvCxnSpPr>
         <p:spPr>
           <a:xfrm flipH="1">
-            <a:off x="16094016" y="12351756"/>
+            <a:off x="17056536" y="12351756"/>
             <a:ext cx="1" cy="253125"/>
           </a:xfrm>
           <a:prstGeom prst="straightConnector1">
@@ -29555,7 +29413,7 @@
         </p:nvSpPr>
         <p:spPr>
           <a:xfrm>
-            <a:off x="16723038" y="12604881"/>
+            <a:off x="17685558" y="12604881"/>
             <a:ext cx="926325" cy="540000"/>
           </a:xfrm>
           <a:prstGeom prst="rect">
@@ -29603,7 +29461,7 @@
         </p:nvSpPr>
         <p:spPr>
           <a:xfrm>
-            <a:off x="16179046" y="13364511"/>
+            <a:off x="17141566" y="13364511"/>
             <a:ext cx="926325" cy="540000"/>
           </a:xfrm>
           <a:prstGeom prst="rect">
@@ -29651,7 +29509,7 @@
         </p:nvSpPr>
         <p:spPr>
           <a:xfrm>
-            <a:off x="17307148" y="13368627"/>
+            <a:off x="18269668" y="13368627"/>
             <a:ext cx="926325" cy="540000"/>
           </a:xfrm>
           <a:prstGeom prst="rect">
@@ -29699,7 +29557,7 @@
         </p:nvSpPr>
         <p:spPr>
           <a:xfrm>
-            <a:off x="16723038" y="14124141"/>
+            <a:off x="17685558" y="14124141"/>
             <a:ext cx="926325" cy="540000"/>
           </a:xfrm>
           <a:prstGeom prst="rect">
@@ -29750,7 +29608,7 @@
         </p:nvCxnSpPr>
         <p:spPr>
           <a:xfrm rot="16200000" flipH="1">
-            <a:off x="16513547" y="11932226"/>
+            <a:off x="17476067" y="11932226"/>
             <a:ext cx="253125" cy="1092184"/>
           </a:xfrm>
           <a:prstGeom prst="bentConnector3">
@@ -29788,7 +29646,7 @@
         </p:nvCxnSpPr>
         <p:spPr>
           <a:xfrm rot="16200000" flipH="1">
-            <a:off x="17366383" y="12964699"/>
+            <a:off x="18328903" y="12964699"/>
             <a:ext cx="223746" cy="584110"/>
           </a:xfrm>
           <a:prstGeom prst="bentConnector3">
@@ -29826,7 +29684,7 @@
         </p:nvCxnSpPr>
         <p:spPr>
           <a:xfrm rot="5400000">
-            <a:off x="16804390" y="12982700"/>
+            <a:off x="17766910" y="12982700"/>
             <a:ext cx="219630" cy="543992"/>
           </a:xfrm>
           <a:prstGeom prst="bentConnector3">
@@ -29864,7 +29722,7 @@
         </p:nvCxnSpPr>
         <p:spPr>
           <a:xfrm rot="5400000">
-            <a:off x="17370499" y="13724329"/>
+            <a:off x="18333019" y="13724329"/>
             <a:ext cx="215514" cy="584110"/>
           </a:xfrm>
           <a:prstGeom prst="bentConnector3">
@@ -29902,7 +29760,7 @@
         </p:nvCxnSpPr>
         <p:spPr>
           <a:xfrm rot="16200000" flipH="1">
-            <a:off x="16804390" y="13742330"/>
+            <a:off x="17766910" y="13742330"/>
             <a:ext cx="219630" cy="543992"/>
           </a:xfrm>
           <a:prstGeom prst="bentConnector3">
@@ -29940,7 +29798,7 @@
         </p:nvCxnSpPr>
         <p:spPr>
           <a:xfrm rot="16200000" flipH="1">
-            <a:off x="16827813" y="9552151"/>
+            <a:off x="17790333" y="9552151"/>
             <a:ext cx="216866" cy="2776631"/>
           </a:xfrm>
           <a:prstGeom prst="bentConnector3">
@@ -29975,7 +29833,7 @@
         </p:nvSpPr>
         <p:spPr>
           <a:xfrm>
-            <a:off x="17861399" y="11048900"/>
+            <a:off x="18823919" y="11048900"/>
             <a:ext cx="926325" cy="540000"/>
           </a:xfrm>
           <a:prstGeom prst="rect">
@@ -30023,7 +29881,7 @@
         </p:nvSpPr>
         <p:spPr>
           <a:xfrm>
-            <a:off x="16745095" y="11818301"/>
+            <a:off x="17707615" y="11818301"/>
             <a:ext cx="926325" cy="540000"/>
           </a:xfrm>
           <a:prstGeom prst="rect">
@@ -30075,7 +29933,7 @@
         </p:nvSpPr>
         <p:spPr>
           <a:xfrm>
-            <a:off x="17859335" y="11805323"/>
+            <a:off x="18821855" y="11805323"/>
             <a:ext cx="926325" cy="540000"/>
           </a:xfrm>
           <a:prstGeom prst="rect">
@@ -30123,7 +29981,7 @@
         </p:nvSpPr>
         <p:spPr>
           <a:xfrm>
-            <a:off x="17859335" y="12595849"/>
+            <a:off x="18821855" y="12595849"/>
             <a:ext cx="926325" cy="540000"/>
           </a:xfrm>
           <a:prstGeom prst="rect">
@@ -30174,7 +30032,7 @@
         </p:nvCxnSpPr>
         <p:spPr>
           <a:xfrm rot="5400000">
-            <a:off x="17651710" y="11145448"/>
+            <a:off x="18614230" y="11145448"/>
             <a:ext cx="229401" cy="1116304"/>
           </a:xfrm>
           <a:prstGeom prst="bentConnector3">
@@ -30209,7 +30067,7 @@
         </p:nvSpPr>
         <p:spPr>
           <a:xfrm>
-            <a:off x="18973574" y="11813386"/>
+            <a:off x="19936094" y="11813386"/>
             <a:ext cx="926325" cy="540000"/>
           </a:xfrm>
           <a:prstGeom prst="rect">
@@ -30257,7 +30115,7 @@
         </p:nvSpPr>
         <p:spPr>
           <a:xfrm>
-            <a:off x="18973574" y="12585502"/>
+            <a:off x="19936094" y="12585502"/>
             <a:ext cx="926325" cy="540000"/>
           </a:xfrm>
           <a:prstGeom prst="rect">
@@ -30313,7 +30171,7 @@
         </p:nvSpPr>
         <p:spPr>
           <a:xfrm>
-            <a:off x="18435250" y="13357619"/>
+            <a:off x="19397770" y="13357619"/>
             <a:ext cx="926325" cy="540000"/>
           </a:xfrm>
           <a:prstGeom prst="rect">
@@ -30364,7 +30222,7 @@
         </p:nvCxnSpPr>
         <p:spPr>
           <a:xfrm rot="16200000" flipH="1">
-            <a:off x="18768406" y="11145055"/>
+            <a:off x="19730926" y="11145055"/>
             <a:ext cx="224486" cy="1112175"/>
           </a:xfrm>
           <a:prstGeom prst="bentConnector3">
@@ -30402,7 +30260,7 @@
         </p:nvCxnSpPr>
         <p:spPr>
           <a:xfrm rot="16200000" flipH="1">
-            <a:off x="17727128" y="12186333"/>
+            <a:off x="18689648" y="12186333"/>
             <a:ext cx="1768719" cy="573851"/>
           </a:xfrm>
           <a:prstGeom prst="bentConnector3">
@@ -30440,7 +30298,7 @@
         </p:nvCxnSpPr>
         <p:spPr>
           <a:xfrm>
-            <a:off x="18322498" y="12345323"/>
+            <a:off x="19285018" y="12345323"/>
             <a:ext cx="0" cy="250526"/>
           </a:xfrm>
           <a:prstGeom prst="straightConnector1">
@@ -30476,7 +30334,7 @@
         </p:nvCxnSpPr>
         <p:spPr>
           <a:xfrm>
-            <a:off x="19436737" y="12353386"/>
+            <a:off x="20399257" y="12353386"/>
             <a:ext cx="0" cy="232116"/>
           </a:xfrm>
           <a:prstGeom prst="straightConnector1">
@@ -30509,7 +30367,7 @@
         </p:nvSpPr>
         <p:spPr>
           <a:xfrm>
-            <a:off x="16176946" y="8743020"/>
+            <a:off x="17139466" y="8743020"/>
             <a:ext cx="926325" cy="540000"/>
           </a:xfrm>
           <a:prstGeom prst="rect">
@@ -30568,7 +30426,7 @@
         </p:nvCxnSpPr>
         <p:spPr>
           <a:xfrm rot="16200000" flipH="1">
-            <a:off x="15875159" y="7978069"/>
+            <a:off x="16837679" y="7978069"/>
             <a:ext cx="983817" cy="546083"/>
           </a:xfrm>
           <a:prstGeom prst="bentConnector3">
@@ -30603,7 +30461,7 @@
         </p:nvSpPr>
         <p:spPr>
           <a:xfrm>
-            <a:off x="13067947" y="321920"/>
+            <a:off x="9680478" y="20330295"/>
             <a:ext cx="926325" cy="540000"/>
           </a:xfrm>
           <a:prstGeom prst="rect">
@@ -30691,7 +30549,7 @@
         </p:nvCxnSpPr>
         <p:spPr>
           <a:xfrm rot="5400000">
-            <a:off x="22028395" y="-10498606"/>
+            <a:off x="22990915" y="-10498606"/>
             <a:ext cx="209040" cy="27451228"/>
           </a:xfrm>
           <a:prstGeom prst="bentConnector3">
@@ -30730,7 +30588,7 @@
         </p:nvCxnSpPr>
         <p:spPr>
           <a:xfrm rot="5400000">
-            <a:off x="22587464" y="-9930543"/>
+            <a:off x="23549984" y="-9930543"/>
             <a:ext cx="218035" cy="26324096"/>
           </a:xfrm>
           <a:prstGeom prst="bentConnector3">
@@ -30769,7 +30627,7 @@
         </p:nvCxnSpPr>
         <p:spPr>
           <a:xfrm rot="5400000">
-            <a:off x="23150185" y="-9372640"/>
+            <a:off x="24112705" y="-9372640"/>
             <a:ext cx="213217" cy="25203472"/>
           </a:xfrm>
           <a:prstGeom prst="bentConnector3">
@@ -30808,8 +30666,8 @@
         </p:nvCxnSpPr>
         <p:spPr>
           <a:xfrm rot="16200000" flipH="1">
-            <a:off x="19381328" y="10393048"/>
-            <a:ext cx="250431" cy="1054125"/>
+            <a:off x="20338824" y="10398072"/>
+            <a:ext cx="260479" cy="1054125"/>
           </a:xfrm>
           <a:prstGeom prst="bentConnector3">
             <a:avLst>
@@ -30843,7 +30701,7 @@
         </p:nvSpPr>
         <p:spPr>
           <a:xfrm>
-            <a:off x="34277431" y="3394371"/>
+            <a:off x="35239951" y="3394371"/>
             <a:ext cx="926325" cy="540000"/>
           </a:xfrm>
           <a:prstGeom prst="rect">
@@ -30891,7 +30749,7 @@
         </p:nvSpPr>
         <p:spPr>
           <a:xfrm>
-            <a:off x="35395364" y="3389218"/>
+            <a:off x="36357884" y="3389218"/>
             <a:ext cx="926325" cy="540000"/>
           </a:xfrm>
           <a:prstGeom prst="rect">
@@ -30939,7 +30797,7 @@
         </p:nvSpPr>
         <p:spPr>
           <a:xfrm>
-            <a:off x="36513296" y="3394371"/>
+            <a:off x="37475816" y="3394371"/>
             <a:ext cx="926325" cy="540000"/>
           </a:xfrm>
           <a:prstGeom prst="rect">
@@ -31027,7 +30885,7 @@
         </p:nvSpPr>
         <p:spPr>
           <a:xfrm>
-            <a:off x="34277430" y="4912360"/>
+            <a:off x="35239950" y="4912360"/>
             <a:ext cx="926325" cy="540000"/>
           </a:xfrm>
           <a:prstGeom prst="rect">
@@ -31090,7 +30948,7 @@
         </p:nvSpPr>
         <p:spPr>
           <a:xfrm>
-            <a:off x="32071434" y="7190026"/>
+            <a:off x="33033954" y="7190026"/>
             <a:ext cx="926325" cy="540000"/>
           </a:xfrm>
           <a:prstGeom prst="rect">
@@ -31174,7 +31032,7 @@
         </p:nvSpPr>
         <p:spPr>
           <a:xfrm>
-            <a:off x="34839355" y="4118610"/>
+            <a:off x="35801875" y="4118610"/>
             <a:ext cx="926325" cy="540000"/>
           </a:xfrm>
           <a:prstGeom prst="rect">
@@ -31222,7 +31080,7 @@
         </p:nvSpPr>
         <p:spPr>
           <a:xfrm>
-            <a:off x="35960233" y="5694250"/>
+            <a:off x="36922753" y="5694250"/>
             <a:ext cx="926325" cy="540000"/>
           </a:xfrm>
           <a:prstGeom prst="rect">
@@ -31270,7 +31128,7 @@
         </p:nvSpPr>
         <p:spPr>
           <a:xfrm>
-            <a:off x="37085412" y="4104478"/>
+            <a:off x="38047932" y="4104478"/>
             <a:ext cx="926325" cy="540000"/>
           </a:xfrm>
           <a:prstGeom prst="rect">
@@ -31322,7 +31180,7 @@
         </p:nvSpPr>
         <p:spPr>
           <a:xfrm>
-            <a:off x="33686842" y="5694250"/>
+            <a:off x="34649362" y="5694250"/>
             <a:ext cx="926325" cy="540000"/>
           </a:xfrm>
           <a:prstGeom prst="rect">
@@ -31370,7 +31228,7 @@
         </p:nvSpPr>
         <p:spPr>
           <a:xfrm>
-            <a:off x="35396259" y="7190026"/>
+            <a:off x="36358779" y="7190026"/>
             <a:ext cx="926325" cy="540000"/>
           </a:xfrm>
           <a:prstGeom prst="rect">
@@ -31422,7 +31280,7 @@
         </p:nvSpPr>
         <p:spPr>
           <a:xfrm>
-            <a:off x="35960233" y="4118610"/>
+            <a:off x="36922753" y="4118610"/>
             <a:ext cx="926325" cy="540000"/>
           </a:xfrm>
           <a:prstGeom prst="rect">
@@ -31470,7 +31328,7 @@
         </p:nvSpPr>
         <p:spPr>
           <a:xfrm>
-            <a:off x="35395363" y="6423789"/>
+            <a:off x="36357883" y="6423789"/>
             <a:ext cx="926325" cy="540000"/>
           </a:xfrm>
           <a:prstGeom prst="rect">
@@ -31518,7 +31376,7 @@
         </p:nvSpPr>
         <p:spPr>
           <a:xfrm>
-            <a:off x="36513296" y="4918884"/>
+            <a:off x="37475816" y="4918884"/>
             <a:ext cx="926325" cy="540000"/>
           </a:xfrm>
           <a:prstGeom prst="rect">
@@ -31569,7 +31427,7 @@
         </p:nvCxnSpPr>
         <p:spPr>
           <a:xfrm rot="5400000">
-            <a:off x="35163621" y="2699462"/>
+            <a:off x="36126141" y="2699462"/>
             <a:ext cx="271883" cy="1117935"/>
           </a:xfrm>
           <a:prstGeom prst="bentConnector3">
@@ -31607,7 +31465,7 @@
         </p:nvCxnSpPr>
         <p:spPr>
           <a:xfrm rot="16200000" flipH="1">
-            <a:off x="36281553" y="2699464"/>
+            <a:off x="37244073" y="2699464"/>
             <a:ext cx="271883" cy="1117930"/>
           </a:xfrm>
           <a:prstGeom prst="bentConnector3">
@@ -31645,7 +31503,7 @@
         </p:nvCxnSpPr>
         <p:spPr>
           <a:xfrm rot="5400000">
-            <a:off x="35485827" y="3745910"/>
+            <a:off x="36448347" y="3745910"/>
             <a:ext cx="189392" cy="556009"/>
           </a:xfrm>
           <a:prstGeom prst="bentConnector3">
@@ -31683,7 +31541,7 @@
         </p:nvCxnSpPr>
         <p:spPr>
           <a:xfrm rot="16200000" flipH="1">
-            <a:off x="34929437" y="3745528"/>
+            <a:off x="35891957" y="3745528"/>
             <a:ext cx="184239" cy="561924"/>
           </a:xfrm>
           <a:prstGeom prst="bentConnector3">
@@ -31721,7 +31579,7 @@
         </p:nvCxnSpPr>
         <p:spPr>
           <a:xfrm rot="5400000">
-            <a:off x="36607809" y="3749959"/>
+            <a:off x="37570329" y="3749959"/>
             <a:ext cx="184239" cy="553063"/>
           </a:xfrm>
           <a:prstGeom prst="bentConnector3">
@@ -31759,7 +31617,7 @@
         </p:nvCxnSpPr>
         <p:spPr>
           <a:xfrm rot="16200000" flipH="1">
-            <a:off x="36046265" y="3741479"/>
+            <a:off x="37008785" y="3741479"/>
             <a:ext cx="189392" cy="564869"/>
           </a:xfrm>
           <a:prstGeom prst="bentConnector3">
@@ -31797,7 +31655,7 @@
         </p:nvCxnSpPr>
         <p:spPr>
           <a:xfrm flipH="1">
-            <a:off x="35858526" y="5458884"/>
+            <a:off x="36821046" y="5458884"/>
             <a:ext cx="1177" cy="964905"/>
           </a:xfrm>
           <a:prstGeom prst="straightConnector1">
@@ -31833,7 +31691,7 @@
         </p:nvCxnSpPr>
         <p:spPr>
           <a:xfrm flipH="1">
-            <a:off x="35858527" y="3122488"/>
+            <a:off x="36821047" y="3122488"/>
             <a:ext cx="2" cy="266730"/>
           </a:xfrm>
           <a:prstGeom prst="straightConnector1">
@@ -31869,7 +31727,7 @@
         </p:nvCxnSpPr>
         <p:spPr>
           <a:xfrm flipH="1">
-            <a:off x="34740593" y="3934371"/>
+            <a:off x="35703113" y="3934371"/>
             <a:ext cx="1" cy="977989"/>
           </a:xfrm>
           <a:prstGeom prst="straightConnector1">
@@ -31905,7 +31763,7 @@
         </p:nvCxnSpPr>
         <p:spPr>
           <a:xfrm>
-            <a:off x="36976459" y="3934371"/>
+            <a:off x="37938979" y="3934371"/>
             <a:ext cx="0" cy="984513"/>
           </a:xfrm>
           <a:prstGeom prst="straightConnector1">
@@ -31941,7 +31799,7 @@
         </p:nvCxnSpPr>
         <p:spPr>
           <a:xfrm flipV="1">
-            <a:off x="28046389" y="7460026"/>
+            <a:off x="29008909" y="7460026"/>
             <a:ext cx="4025045" cy="556"/>
           </a:xfrm>
           <a:prstGeom prst="line">
@@ -31979,7 +31837,7 @@
         </p:nvCxnSpPr>
         <p:spPr>
           <a:xfrm rot="5400000">
-            <a:off x="25508937" y="5902494"/>
+            <a:off x="26471457" y="5902494"/>
             <a:ext cx="246202" cy="3902378"/>
           </a:xfrm>
           <a:prstGeom prst="bentConnector3">
@@ -32015,7 +31873,7 @@
         </p:nvSpPr>
         <p:spPr>
           <a:xfrm>
-            <a:off x="39280600" y="7195582"/>
+            <a:off x="40243120" y="7195582"/>
             <a:ext cx="926325" cy="540000"/>
           </a:xfrm>
           <a:prstGeom prst="rect">
@@ -32098,7 +31956,7 @@
         </p:nvCxnSpPr>
         <p:spPr>
           <a:xfrm>
-            <a:off x="32997759" y="7460026"/>
+            <a:off x="33960279" y="7460026"/>
             <a:ext cx="2398500" cy="0"/>
           </a:xfrm>
           <a:prstGeom prst="line">
@@ -32133,7 +31991,7 @@
         </p:nvSpPr>
         <p:spPr>
           <a:xfrm>
-            <a:off x="32071433" y="7969765"/>
+            <a:off x="33033953" y="7969765"/>
             <a:ext cx="926325" cy="540000"/>
           </a:xfrm>
           <a:prstGeom prst="rect">
@@ -32181,7 +32039,7 @@
         </p:nvSpPr>
         <p:spPr>
           <a:xfrm>
-            <a:off x="32071433" y="8751368"/>
+            <a:off x="33033953" y="8751368"/>
             <a:ext cx="926325" cy="540000"/>
           </a:xfrm>
           <a:prstGeom prst="rect">
@@ -32229,7 +32087,7 @@
         </p:nvSpPr>
         <p:spPr>
           <a:xfrm>
-            <a:off x="34844749" y="5690217"/>
+            <a:off x="35807269" y="5690217"/>
             <a:ext cx="926325" cy="540000"/>
           </a:xfrm>
           <a:prstGeom prst="rect">
@@ -32328,7 +32186,7 @@
         </p:nvCxnSpPr>
         <p:spPr>
           <a:xfrm rot="5400000">
-            <a:off x="34324354" y="5278011"/>
+            <a:off x="35286874" y="5278011"/>
             <a:ext cx="241890" cy="590588"/>
           </a:xfrm>
           <a:prstGeom prst="bentConnector3">
@@ -32366,7 +32224,7 @@
         </p:nvCxnSpPr>
         <p:spPr>
           <a:xfrm rot="16200000" flipH="1">
-            <a:off x="34905324" y="5287628"/>
+            <a:off x="35867844" y="5287628"/>
             <a:ext cx="237857" cy="567319"/>
           </a:xfrm>
           <a:prstGeom prst="bentConnector3">
@@ -32404,7 +32262,7 @@
         </p:nvCxnSpPr>
         <p:spPr>
           <a:xfrm rot="5400000">
-            <a:off x="31607481" y="2939536"/>
+            <a:off x="32570001" y="2939536"/>
             <a:ext cx="226793" cy="8275299"/>
           </a:xfrm>
           <a:prstGeom prst="bentConnector3">
@@ -32442,7 +32300,7 @@
         </p:nvCxnSpPr>
         <p:spPr>
           <a:xfrm rot="5400000">
-            <a:off x="34083444" y="5414943"/>
+            <a:off x="35045964" y="5414943"/>
             <a:ext cx="226237" cy="3323929"/>
           </a:xfrm>
           <a:prstGeom prst="bentConnector3">
@@ -32480,7 +32338,7 @@
         </p:nvCxnSpPr>
         <p:spPr>
           <a:xfrm rot="16200000" flipH="1">
-            <a:off x="37685248" y="5137066"/>
+            <a:off x="38647768" y="5137066"/>
             <a:ext cx="231793" cy="3885237"/>
           </a:xfrm>
           <a:prstGeom prst="bentConnector3">
@@ -32515,7 +32373,7 @@
         </p:nvSpPr>
         <p:spPr>
           <a:xfrm>
-            <a:off x="35396540" y="4918884"/>
+            <a:off x="36359060" y="4918884"/>
             <a:ext cx="926325" cy="540000"/>
           </a:xfrm>
           <a:prstGeom prst="rect">
@@ -32566,7 +32424,7 @@
         </p:nvCxnSpPr>
         <p:spPr>
           <a:xfrm>
-            <a:off x="35858527" y="3929218"/>
+            <a:off x="36821047" y="3929218"/>
             <a:ext cx="1176" cy="989666"/>
           </a:xfrm>
           <a:prstGeom prst="straightConnector1">
@@ -32602,7 +32460,7 @@
         </p:nvCxnSpPr>
         <p:spPr>
           <a:xfrm flipH="1" flipV="1">
-            <a:off x="36322584" y="7460026"/>
+            <a:off x="37285104" y="7460026"/>
             <a:ext cx="2958016" cy="5556"/>
           </a:xfrm>
           <a:prstGeom prst="line">
@@ -32637,7 +32495,7 @@
         </p:nvSpPr>
         <p:spPr>
           <a:xfrm>
-            <a:off x="33686842" y="4124327"/>
+            <a:off x="34649362" y="4124327"/>
             <a:ext cx="926325" cy="540000"/>
           </a:xfrm>
           <a:prstGeom prst="rect">
@@ -32688,7 +32546,7 @@
         </p:nvCxnSpPr>
         <p:spPr>
           <a:xfrm rot="5400000">
-            <a:off x="34350322" y="3734055"/>
+            <a:off x="35312842" y="3734055"/>
             <a:ext cx="189956" cy="590589"/>
           </a:xfrm>
           <a:prstGeom prst="bentConnector3">
@@ -32726,7 +32584,7 @@
         </p:nvCxnSpPr>
         <p:spPr>
           <a:xfrm rot="16200000" flipH="1">
-            <a:off x="37177464" y="3733366"/>
+            <a:off x="38139984" y="3733366"/>
             <a:ext cx="170107" cy="572116"/>
           </a:xfrm>
           <a:prstGeom prst="bentConnector3">
@@ -32761,7 +32619,7 @@
         </p:nvSpPr>
         <p:spPr>
           <a:xfrm>
-            <a:off x="37085411" y="5690361"/>
+            <a:off x="38047931" y="5690361"/>
             <a:ext cx="926325" cy="540000"/>
           </a:xfrm>
           <a:prstGeom prst="rect">
@@ -32812,7 +32670,7 @@
         </p:nvCxnSpPr>
         <p:spPr>
           <a:xfrm rot="16200000" flipH="1">
-            <a:off x="37146778" y="5288564"/>
+            <a:off x="38109298" y="5288564"/>
             <a:ext cx="231477" cy="572115"/>
           </a:xfrm>
           <a:prstGeom prst="bentConnector3">
@@ -32850,7 +32708,7 @@
         </p:nvCxnSpPr>
         <p:spPr>
           <a:xfrm rot="5400000">
-            <a:off x="36582245" y="5300036"/>
+            <a:off x="37544765" y="5300036"/>
             <a:ext cx="235366" cy="553063"/>
           </a:xfrm>
           <a:prstGeom prst="bentConnector3">
@@ -32885,7 +32743,7 @@
         </p:nvSpPr>
         <p:spPr>
           <a:xfrm>
-            <a:off x="31042422" y="8751368"/>
+            <a:off x="32004942" y="8751368"/>
             <a:ext cx="926325" cy="540000"/>
           </a:xfrm>
           <a:prstGeom prst="rect">
@@ -32941,7 +32799,7 @@
         </p:nvSpPr>
         <p:spPr>
           <a:xfrm>
-            <a:off x="29939687" y="8751368"/>
+            <a:off x="30902207" y="8751368"/>
             <a:ext cx="926325" cy="540000"/>
           </a:xfrm>
           <a:prstGeom prst="rect">
@@ -32989,7 +32847,7 @@
         </p:nvSpPr>
         <p:spPr>
           <a:xfrm>
-            <a:off x="33183026" y="10254642"/>
+            <a:off x="34145546" y="10254642"/>
             <a:ext cx="926325" cy="540000"/>
           </a:xfrm>
           <a:prstGeom prst="rect">
@@ -33036,7 +32894,7 @@
         </p:nvSpPr>
         <p:spPr>
           <a:xfrm>
-            <a:off x="30497636" y="7993712"/>
+            <a:off x="31460156" y="7993712"/>
             <a:ext cx="926325" cy="540000"/>
           </a:xfrm>
           <a:prstGeom prst="rect">
@@ -33099,7 +32957,7 @@
         </p:nvCxnSpPr>
         <p:spPr>
           <a:xfrm rot="5400000">
-            <a:off x="31615855" y="7074970"/>
+            <a:off x="32578375" y="7074970"/>
             <a:ext cx="263686" cy="1573798"/>
           </a:xfrm>
           <a:prstGeom prst="bentConnector3">
@@ -33137,7 +32995,7 @@
         </p:nvCxnSpPr>
         <p:spPr>
           <a:xfrm rot="5400000">
-            <a:off x="30572997" y="8363566"/>
+            <a:off x="31535517" y="8363566"/>
             <a:ext cx="217656" cy="557949"/>
           </a:xfrm>
           <a:prstGeom prst="bentConnector3">
@@ -33175,7 +33033,7 @@
         </p:nvCxnSpPr>
         <p:spPr>
           <a:xfrm rot="16200000" flipH="1">
-            <a:off x="31124364" y="8370147"/>
+            <a:off x="32086884" y="8370147"/>
             <a:ext cx="217656" cy="544786"/>
           </a:xfrm>
           <a:prstGeom prst="bentConnector3">
@@ -33213,7 +33071,7 @@
         </p:nvCxnSpPr>
         <p:spPr>
           <a:xfrm flipH="1">
-            <a:off x="32534596" y="7730026"/>
+            <a:off x="33497116" y="7730026"/>
             <a:ext cx="1" cy="239739"/>
           </a:xfrm>
           <a:prstGeom prst="straightConnector1">
@@ -33249,7 +33107,7 @@
         </p:nvCxnSpPr>
         <p:spPr>
           <a:xfrm>
-            <a:off x="32534596" y="8509765"/>
+            <a:off x="33497116" y="8509765"/>
             <a:ext cx="0" cy="241603"/>
           </a:xfrm>
           <a:prstGeom prst="straightConnector1">
@@ -33283,7 +33141,7 @@
         </p:nvSpPr>
         <p:spPr>
           <a:xfrm>
-            <a:off x="33181497" y="8751368"/>
+            <a:off x="34144017" y="8751368"/>
             <a:ext cx="926325" cy="540000"/>
           </a:xfrm>
           <a:prstGeom prst="rect">
@@ -33334,7 +33192,7 @@
         </p:nvCxnSpPr>
         <p:spPr>
           <a:xfrm rot="16200000" flipH="1">
-            <a:off x="32968827" y="8075534"/>
+            <a:off x="33931347" y="8075534"/>
             <a:ext cx="241603" cy="1110064"/>
           </a:xfrm>
           <a:prstGeom prst="bentConnector3">
@@ -33373,7 +33231,7 @@
         </p:nvCxnSpPr>
         <p:spPr>
           <a:xfrm>
-            <a:off x="32997758" y="9021368"/>
+            <a:off x="33960278" y="9021368"/>
             <a:ext cx="183739" cy="0"/>
           </a:xfrm>
           <a:prstGeom prst="line">
@@ -33408,7 +33266,7 @@
         </p:nvSpPr>
         <p:spPr>
           <a:xfrm>
-            <a:off x="38728833" y="8749834"/>
+            <a:off x="39691353" y="8749834"/>
             <a:ext cx="926325" cy="540000"/>
           </a:xfrm>
           <a:prstGeom prst="rect">
@@ -33524,7 +33382,7 @@
         </p:nvCxnSpPr>
         <p:spPr>
           <a:xfrm>
-            <a:off x="35858526" y="6963789"/>
+            <a:off x="36821046" y="6963789"/>
             <a:ext cx="896" cy="226237"/>
           </a:xfrm>
           <a:prstGeom prst="straightConnector1">
@@ -33560,7 +33418,7 @@
         </p:nvCxnSpPr>
         <p:spPr>
           <a:xfrm rot="16200000" flipH="1">
-            <a:off x="39915024" y="8355941"/>
+            <a:off x="40877544" y="8355941"/>
             <a:ext cx="223524" cy="563693"/>
           </a:xfrm>
           <a:prstGeom prst="bentConnector3">
@@ -33595,7 +33453,7 @@
         </p:nvSpPr>
         <p:spPr>
           <a:xfrm>
-            <a:off x="39281777" y="7986026"/>
+            <a:off x="40244297" y="7986026"/>
             <a:ext cx="926325" cy="540000"/>
           </a:xfrm>
           <a:prstGeom prst="rect">
@@ -33644,7 +33502,7 @@
         </p:nvSpPr>
         <p:spPr>
           <a:xfrm>
-            <a:off x="39845470" y="8749550"/>
+            <a:off x="40807990" y="8749550"/>
             <a:ext cx="926325" cy="540000"/>
           </a:xfrm>
           <a:prstGeom prst="rect">
@@ -33704,7 +33562,7 @@
         </p:nvCxnSpPr>
         <p:spPr>
           <a:xfrm rot="5400000">
-            <a:off x="39356564" y="8361458"/>
+            <a:off x="40319084" y="8361458"/>
             <a:ext cx="223808" cy="552944"/>
           </a:xfrm>
           <a:prstGeom prst="bentConnector3">
@@ -33742,7 +33600,7 @@
         </p:nvCxnSpPr>
         <p:spPr>
           <a:xfrm>
-            <a:off x="39743763" y="7735582"/>
+            <a:off x="40706283" y="7735582"/>
             <a:ext cx="1177" cy="250444"/>
           </a:xfrm>
           <a:prstGeom prst="straightConnector1">
@@ -33775,7 +33633,7 @@
         </p:nvSpPr>
         <p:spPr>
           <a:xfrm>
-            <a:off x="40969002" y="8749550"/>
+            <a:off x="41931522" y="8749550"/>
             <a:ext cx="926325" cy="540000"/>
           </a:xfrm>
           <a:prstGeom prst="rect">
@@ -33827,7 +33685,7 @@
         </p:nvCxnSpPr>
         <p:spPr>
           <a:xfrm rot="16200000" flipH="1">
-            <a:off x="40476790" y="7794175"/>
+            <a:off x="41439310" y="7794175"/>
             <a:ext cx="223524" cy="1687225"/>
           </a:xfrm>
           <a:prstGeom prst="bentConnector3">
@@ -33865,7 +33723,7 @@
         </p:nvCxnSpPr>
         <p:spPr>
           <a:xfrm>
-            <a:off x="40771795" y="9019550"/>
+            <a:off x="41734315" y="9019550"/>
             <a:ext cx="197207" cy="0"/>
           </a:xfrm>
           <a:prstGeom prst="line">
@@ -33900,7 +33758,7 @@
         </p:nvSpPr>
         <p:spPr>
           <a:xfrm>
-            <a:off x="38158034" y="10260198"/>
+            <a:off x="39120554" y="10260198"/>
             <a:ext cx="926325" cy="540000"/>
           </a:xfrm>
           <a:prstGeom prst="rect">
@@ -33952,7 +33810,7 @@
         </p:nvCxnSpPr>
         <p:spPr>
           <a:xfrm>
-            <a:off x="39191996" y="9289834"/>
+            <a:off x="40154516" y="9289834"/>
             <a:ext cx="4702" cy="201911"/>
           </a:xfrm>
           <a:prstGeom prst="straightConnector1">
@@ -33985,7 +33843,7 @@
         </p:nvSpPr>
         <p:spPr>
           <a:xfrm>
-            <a:off x="37574805" y="11058853"/>
+            <a:off x="38537325" y="11058853"/>
             <a:ext cx="926325" cy="540000"/>
           </a:xfrm>
           <a:prstGeom prst="rect">
@@ -34034,7 +33892,7 @@
         </p:nvSpPr>
         <p:spPr>
           <a:xfrm>
-            <a:off x="38726712" y="11058875"/>
+            <a:off x="39689232" y="11058875"/>
             <a:ext cx="926325" cy="540000"/>
           </a:xfrm>
           <a:prstGeom prst="rect">
@@ -34083,7 +33941,7 @@
         </p:nvSpPr>
         <p:spPr>
           <a:xfrm>
-            <a:off x="35396258" y="7969764"/>
+            <a:off x="36358778" y="7969764"/>
             <a:ext cx="926325" cy="540000"/>
           </a:xfrm>
           <a:prstGeom prst="rect">
@@ -34131,7 +33989,7 @@
         </p:nvSpPr>
         <p:spPr>
           <a:xfrm>
-            <a:off x="36473296" y="7963829"/>
+            <a:off x="37435816" y="7963829"/>
             <a:ext cx="926325" cy="540000"/>
           </a:xfrm>
           <a:prstGeom prst="rect">
@@ -34195,7 +34053,7 @@
         </p:nvSpPr>
         <p:spPr>
           <a:xfrm>
-            <a:off x="36476431" y="8738699"/>
+            <a:off x="37438951" y="8738699"/>
             <a:ext cx="926325" cy="540000"/>
           </a:xfrm>
           <a:prstGeom prst="rect">
@@ -34242,7 +34100,7 @@
         </p:nvSpPr>
         <p:spPr>
           <a:xfrm>
-            <a:off x="37593067" y="8751368"/>
+            <a:off x="38555587" y="8751368"/>
             <a:ext cx="926325" cy="540000"/>
           </a:xfrm>
           <a:prstGeom prst="rect">
@@ -34297,7 +34155,7 @@
         </p:nvSpPr>
         <p:spPr>
           <a:xfrm>
-            <a:off x="34305572" y="7969798"/>
+            <a:off x="35268092" y="7969798"/>
             <a:ext cx="926325" cy="540000"/>
           </a:xfrm>
           <a:prstGeom prst="rect">
@@ -34491,7 +34349,7 @@
         </p:nvCxnSpPr>
         <p:spPr>
           <a:xfrm rot="16200000" flipH="1">
-            <a:off x="38776198" y="10645197"/>
+            <a:off x="39738718" y="10645197"/>
             <a:ext cx="258677" cy="568678"/>
           </a:xfrm>
           <a:prstGeom prst="bentConnector3">
@@ -34529,7 +34387,7 @@
         </p:nvCxnSpPr>
         <p:spPr>
           <a:xfrm rot="5400000">
-            <a:off x="38200256" y="10637911"/>
+            <a:off x="39162776" y="10637911"/>
             <a:ext cx="258655" cy="583229"/>
           </a:xfrm>
           <a:prstGeom prst="bentConnector3">
@@ -34564,7 +34422,7 @@
         </p:nvSpPr>
         <p:spPr>
           <a:xfrm>
-            <a:off x="38158035" y="7973760"/>
+            <a:off x="39120555" y="7973760"/>
             <a:ext cx="926325" cy="540000"/>
           </a:xfrm>
           <a:prstGeom prst="rect">
@@ -34655,7 +34513,7 @@
         </p:nvCxnSpPr>
         <p:spPr>
           <a:xfrm rot="5400000">
-            <a:off x="39063392" y="7293389"/>
+            <a:off x="40025912" y="7293389"/>
             <a:ext cx="238178" cy="1122565"/>
           </a:xfrm>
           <a:prstGeom prst="bentConnector3">
@@ -34693,7 +34551,7 @@
         </p:nvCxnSpPr>
         <p:spPr>
           <a:xfrm rot="16200000" flipH="1">
-            <a:off x="38788560" y="8346398"/>
+            <a:off x="39751080" y="8346398"/>
             <a:ext cx="236074" cy="570798"/>
           </a:xfrm>
           <a:prstGeom prst="bentConnector3">
@@ -34728,7 +34586,7 @@
         </p:nvSpPr>
         <p:spPr>
           <a:xfrm>
-            <a:off x="39275655" y="10258198"/>
+            <a:off x="40238175" y="10258198"/>
             <a:ext cx="926325" cy="540000"/>
           </a:xfrm>
           <a:prstGeom prst="rect">
@@ -34797,7 +34655,7 @@
         </p:nvSpPr>
         <p:spPr>
           <a:xfrm>
-            <a:off x="35398562" y="8751447"/>
+            <a:off x="36361082" y="8751447"/>
             <a:ext cx="926325" cy="540000"/>
           </a:xfrm>
           <a:prstGeom prst="rect">
@@ -34868,7 +34726,7 @@
         </p:nvCxnSpPr>
         <p:spPr>
           <a:xfrm rot="16200000" flipH="1">
-            <a:off x="36281039" y="7308408"/>
+            <a:off x="37243559" y="7308408"/>
             <a:ext cx="233803" cy="1077037"/>
           </a:xfrm>
           <a:prstGeom prst="bentConnector3">
@@ -34906,7 +34764,7 @@
         </p:nvCxnSpPr>
         <p:spPr>
           <a:xfrm rot="5400000">
-            <a:off x="35194193" y="7304569"/>
+            <a:off x="36156713" y="7304569"/>
             <a:ext cx="239772" cy="1090687"/>
           </a:xfrm>
           <a:prstGeom prst="bentConnector3">
@@ -34944,7 +34802,7 @@
         </p:nvCxnSpPr>
         <p:spPr>
           <a:xfrm flipH="1">
-            <a:off x="35859421" y="7730026"/>
+            <a:off x="36821941" y="7730026"/>
             <a:ext cx="1" cy="239738"/>
           </a:xfrm>
           <a:prstGeom prst="straightConnector1">
@@ -34980,7 +34838,7 @@
         </p:nvCxnSpPr>
         <p:spPr>
           <a:xfrm>
-            <a:off x="35859421" y="8509764"/>
+            <a:off x="36821941" y="8509764"/>
             <a:ext cx="2304" cy="241683"/>
           </a:xfrm>
           <a:prstGeom prst="straightConnector1">
@@ -35016,7 +34874,7 @@
         </p:nvCxnSpPr>
         <p:spPr>
           <a:xfrm rot="5400000">
-            <a:off x="34631239" y="7523186"/>
+            <a:off x="35593759" y="7523186"/>
             <a:ext cx="241604" cy="2214761"/>
           </a:xfrm>
           <a:prstGeom prst="bentConnector3">
@@ -35052,7 +34910,7 @@
         </p:nvSpPr>
         <p:spPr>
           <a:xfrm>
-            <a:off x="34317274" y="8753261"/>
+            <a:off x="35279794" y="8753261"/>
             <a:ext cx="926325" cy="540000"/>
           </a:xfrm>
           <a:prstGeom prst="rect">
@@ -35103,7 +34961,7 @@
         </p:nvCxnSpPr>
         <p:spPr>
           <a:xfrm>
-            <a:off x="34107822" y="9021368"/>
+            <a:off x="35070342" y="9021368"/>
             <a:ext cx="209452" cy="1893"/>
           </a:xfrm>
           <a:prstGeom prst="line">
@@ -35141,7 +34999,7 @@
         </p:nvCxnSpPr>
         <p:spPr>
           <a:xfrm rot="5400000">
-            <a:off x="34076207" y="6968154"/>
+            <a:off x="35038727" y="6968154"/>
             <a:ext cx="241604" cy="3324825"/>
           </a:xfrm>
           <a:prstGeom prst="bentConnector3">
@@ -35180,7 +35038,7 @@
         </p:nvCxnSpPr>
         <p:spPr>
           <a:xfrm rot="5400000">
-            <a:off x="35198181" y="8092020"/>
+            <a:off x="36160701" y="8092020"/>
             <a:ext cx="243497" cy="1078984"/>
           </a:xfrm>
           <a:prstGeom prst="bentConnector3">
@@ -35219,7 +35077,7 @@
         </p:nvCxnSpPr>
         <p:spPr>
           <a:xfrm rot="16200000" flipH="1">
-            <a:off x="33535768" y="7508592"/>
+            <a:off x="34498288" y="7508592"/>
             <a:ext cx="243496" cy="2245841"/>
           </a:xfrm>
           <a:prstGeom prst="bentConnector3">
@@ -35258,7 +35116,7 @@
         </p:nvCxnSpPr>
         <p:spPr>
           <a:xfrm>
-            <a:off x="36936459" y="8503829"/>
+            <a:off x="37898979" y="8503829"/>
             <a:ext cx="3135" cy="234870"/>
           </a:xfrm>
           <a:prstGeom prst="straightConnector1">
@@ -35294,7 +35152,7 @@
         </p:nvCxnSpPr>
         <p:spPr>
           <a:xfrm rot="16200000" flipH="1">
-            <a:off x="37372575" y="8067712"/>
+            <a:off x="38335095" y="8067712"/>
             <a:ext cx="247539" cy="1119771"/>
           </a:xfrm>
           <a:prstGeom prst="bentConnector3">
@@ -35329,7 +35187,7 @@
         </p:nvSpPr>
         <p:spPr>
           <a:xfrm>
-            <a:off x="33200638" y="7992305"/>
+            <a:off x="34163158" y="7992305"/>
             <a:ext cx="926325" cy="540000"/>
           </a:xfrm>
           <a:prstGeom prst="rect">
@@ -35380,7 +35238,7 @@
         </p:nvCxnSpPr>
         <p:spPr>
           <a:xfrm rot="16200000" flipH="1">
-            <a:off x="32968060" y="7296563"/>
+            <a:off x="33930580" y="7296563"/>
             <a:ext cx="262279" cy="1129204"/>
           </a:xfrm>
           <a:prstGeom prst="bentConnector3">
@@ -35419,7 +35277,7 @@
         </p:nvCxnSpPr>
         <p:spPr>
           <a:xfrm rot="5400000">
-            <a:off x="34630473" y="6763355"/>
+            <a:off x="35592993" y="6763355"/>
             <a:ext cx="262279" cy="2195621"/>
           </a:xfrm>
           <a:prstGeom prst="bentConnector3">
@@ -35455,7 +35313,7 @@
         </p:nvSpPr>
         <p:spPr>
           <a:xfrm>
-            <a:off x="38733535" y="9491745"/>
+            <a:off x="39696055" y="9491745"/>
             <a:ext cx="926325" cy="540000"/>
           </a:xfrm>
           <a:prstGeom prst="rect">
@@ -35504,7 +35362,7 @@
         </p:nvSpPr>
         <p:spPr>
           <a:xfrm>
-            <a:off x="37593067" y="9499094"/>
+            <a:off x="38555587" y="9499094"/>
             <a:ext cx="926325" cy="540000"/>
           </a:xfrm>
           <a:prstGeom prst="rect">
@@ -35556,7 +35414,7 @@
         </p:nvCxnSpPr>
         <p:spPr>
           <a:xfrm rot="5400000">
-            <a:off x="38519483" y="8826581"/>
+            <a:off x="39482003" y="8826581"/>
             <a:ext cx="209260" cy="1135766"/>
           </a:xfrm>
           <a:prstGeom prst="bentConnector3">
@@ -35594,7 +35452,7 @@
         </p:nvCxnSpPr>
         <p:spPr>
           <a:xfrm rot="16200000" flipH="1">
-            <a:off x="39354532" y="9873911"/>
+            <a:off x="40317052" y="9873911"/>
             <a:ext cx="226453" cy="542120"/>
           </a:xfrm>
           <a:prstGeom prst="bentConnector3">
@@ -35629,7 +35487,7 @@
         </p:nvSpPr>
         <p:spPr>
           <a:xfrm>
-            <a:off x="37033181" y="10264491"/>
+            <a:off x="37995701" y="10264491"/>
             <a:ext cx="926325" cy="540000"/>
           </a:xfrm>
           <a:prstGeom prst="rect">
@@ -35681,7 +35539,7 @@
         </p:nvCxnSpPr>
         <p:spPr>
           <a:xfrm rot="5400000">
-            <a:off x="37663589" y="9871849"/>
+            <a:off x="38626109" y="9871849"/>
             <a:ext cx="225397" cy="559886"/>
           </a:xfrm>
           <a:prstGeom prst="bentConnector3">
@@ -35719,7 +35577,7 @@
         </p:nvCxnSpPr>
         <p:spPr>
           <a:xfrm rot="5400000">
-            <a:off x="38794722" y="9858221"/>
+            <a:off x="39757242" y="9858221"/>
             <a:ext cx="228453" cy="575501"/>
           </a:xfrm>
           <a:prstGeom prst="bentConnector3">
@@ -35757,7 +35615,7 @@
         </p:nvCxnSpPr>
         <p:spPr>
           <a:xfrm rot="16200000" flipH="1">
-            <a:off x="38228161" y="9867162"/>
+            <a:off x="39190681" y="9867162"/>
             <a:ext cx="221104" cy="564967"/>
           </a:xfrm>
           <a:prstGeom prst="bentConnector3">
@@ -35792,7 +35650,7 @@
         </p:nvSpPr>
         <p:spPr>
           <a:xfrm>
-            <a:off x="33181497" y="9500952"/>
+            <a:off x="34144017" y="9500952"/>
             <a:ext cx="926325" cy="540000"/>
           </a:xfrm>
           <a:prstGeom prst="rect">
@@ -35843,7 +35701,7 @@
         </p:nvCxnSpPr>
         <p:spPr>
           <a:xfrm rot="16200000" flipH="1">
-            <a:off x="32984836" y="8841128"/>
+            <a:off x="33947356" y="8841128"/>
             <a:ext cx="209584" cy="1110064"/>
           </a:xfrm>
           <a:prstGeom prst="bentConnector3">
@@ -35882,7 +35740,7 @@
         </p:nvCxnSpPr>
         <p:spPr>
           <a:xfrm rot="5400000">
-            <a:off x="34108704" y="8829218"/>
+            <a:off x="35071224" y="8829218"/>
             <a:ext cx="207691" cy="1135777"/>
           </a:xfrm>
           <a:prstGeom prst="bentConnector3">
@@ -35921,7 +35779,7 @@
         </p:nvCxnSpPr>
         <p:spPr>
           <a:xfrm>
-            <a:off x="33644660" y="9291368"/>
+            <a:off x="34607180" y="9291368"/>
             <a:ext cx="0" cy="209584"/>
           </a:xfrm>
           <a:prstGeom prst="straightConnector1">
@@ -35955,7 +35813,7 @@
         </p:nvSpPr>
         <p:spPr>
           <a:xfrm>
-            <a:off x="30495845" y="10248729"/>
+            <a:off x="31458365" y="10248729"/>
             <a:ext cx="926325" cy="540000"/>
           </a:xfrm>
           <a:prstGeom prst="rect">
@@ -36006,7 +35864,7 @@
         </p:nvCxnSpPr>
         <p:spPr>
           <a:xfrm flipH="1">
-            <a:off x="30959008" y="8533712"/>
+            <a:off x="31921528" y="8533712"/>
             <a:ext cx="1791" cy="1715017"/>
           </a:xfrm>
           <a:prstGeom prst="straightConnector1">
@@ -36039,7 +35897,7 @@
         </p:nvSpPr>
         <p:spPr>
           <a:xfrm>
-            <a:off x="34312574" y="9500952"/>
+            <a:off x="35275094" y="9500952"/>
             <a:ext cx="926325" cy="540000"/>
           </a:xfrm>
           <a:prstGeom prst="rect">
@@ -36090,7 +35948,7 @@
         </p:nvCxnSpPr>
         <p:spPr>
           <a:xfrm flipH="1">
-            <a:off x="34775737" y="9293261"/>
+            <a:off x="35738257" y="9293261"/>
             <a:ext cx="4700" cy="207691"/>
           </a:xfrm>
           <a:prstGeom prst="straightConnector1">
@@ -36127,7 +35985,7 @@
         </p:nvCxnSpPr>
         <p:spPr>
           <a:xfrm rot="16200000" flipH="1">
-            <a:off x="33550374" y="8275589"/>
+            <a:off x="34512894" y="8275589"/>
             <a:ext cx="209584" cy="2241141"/>
           </a:xfrm>
           <a:prstGeom prst="bentConnector3">
@@ -36166,7 +36024,7 @@
         </p:nvCxnSpPr>
         <p:spPr>
           <a:xfrm rot="16200000" flipH="1">
-            <a:off x="34105406" y="8830621"/>
+            <a:off x="35067926" y="8830621"/>
             <a:ext cx="209584" cy="1131077"/>
           </a:xfrm>
           <a:prstGeom prst="bentConnector3">
@@ -36202,7 +36060,7 @@
         </p:nvSpPr>
         <p:spPr>
           <a:xfrm>
-            <a:off x="32066730" y="9494956"/>
+            <a:off x="33029250" y="9494956"/>
             <a:ext cx="926325" cy="540000"/>
           </a:xfrm>
           <a:prstGeom prst="rect">
@@ -36261,7 +36119,7 @@
         </p:nvCxnSpPr>
         <p:spPr>
           <a:xfrm flipH="1">
-            <a:off x="32529893" y="9291368"/>
+            <a:off x="33492413" y="9291368"/>
             <a:ext cx="4703" cy="203588"/>
           </a:xfrm>
           <a:prstGeom prst="straightConnector1">
@@ -36298,7 +36156,7 @@
         </p:nvCxnSpPr>
         <p:spPr>
           <a:xfrm rot="5400000">
-            <a:off x="32985483" y="8835779"/>
+            <a:off x="33948003" y="8835779"/>
             <a:ext cx="203588" cy="1114767"/>
           </a:xfrm>
           <a:prstGeom prst="bentConnector3">
@@ -36337,7 +36195,7 @@
         </p:nvCxnSpPr>
         <p:spPr>
           <a:xfrm rot="5400000">
-            <a:off x="33554318" y="8268836"/>
+            <a:off x="34516838" y="8268836"/>
             <a:ext cx="201695" cy="2250544"/>
           </a:xfrm>
           <a:prstGeom prst="bentConnector3">
@@ -36376,7 +36234,7 @@
         </p:nvCxnSpPr>
         <p:spPr>
           <a:xfrm rot="16200000" flipH="1">
-            <a:off x="32978198" y="9586651"/>
+            <a:off x="33940718" y="9586651"/>
             <a:ext cx="219686" cy="1116296"/>
           </a:xfrm>
           <a:prstGeom prst="bentConnector3">
@@ -36414,7 +36272,7 @@
         </p:nvCxnSpPr>
         <p:spPr>
           <a:xfrm rot="5400000">
-            <a:off x="34104118" y="9583023"/>
+            <a:off x="35066638" y="9583023"/>
             <a:ext cx="213690" cy="1129548"/>
           </a:xfrm>
           <a:prstGeom prst="bentConnector3">
@@ -36452,7 +36310,7 @@
         </p:nvCxnSpPr>
         <p:spPr>
           <a:xfrm>
-            <a:off x="33644660" y="10040952"/>
+            <a:off x="34607180" y="10040952"/>
             <a:ext cx="1529" cy="213690"/>
           </a:xfrm>
           <a:prstGeom prst="straightConnector1">
@@ -36485,7 +36343,7 @@
         </p:nvSpPr>
         <p:spPr>
           <a:xfrm>
-            <a:off x="31041702" y="9489712"/>
+            <a:off x="32004222" y="9489712"/>
             <a:ext cx="926325" cy="540000"/>
           </a:xfrm>
           <a:prstGeom prst="rect">
@@ -36533,7 +36391,7 @@
         </p:nvSpPr>
         <p:spPr>
           <a:xfrm>
-            <a:off x="35395363" y="9500952"/>
+            <a:off x="36357883" y="9500952"/>
             <a:ext cx="926325" cy="540000"/>
           </a:xfrm>
           <a:prstGeom prst="rect">
@@ -36584,7 +36442,7 @@
         </p:nvCxnSpPr>
         <p:spPr>
           <a:xfrm rot="5400000">
-            <a:off x="31920559" y="8875675"/>
+            <a:off x="32883079" y="8875675"/>
             <a:ext cx="198344" cy="1029731"/>
           </a:xfrm>
           <a:prstGeom prst="bentConnector3">
@@ -36622,7 +36480,7 @@
         </p:nvCxnSpPr>
         <p:spPr>
           <a:xfrm rot="16200000" flipH="1">
-            <a:off x="35215636" y="8858061"/>
+            <a:off x="36178156" y="8858061"/>
             <a:ext cx="207691" cy="1078089"/>
           </a:xfrm>
           <a:prstGeom prst="bentConnector3">
@@ -36657,7 +36515,7 @@
         </p:nvSpPr>
         <p:spPr>
           <a:xfrm>
-            <a:off x="31555014" y="10248642"/>
+            <a:off x="32517534" y="10248642"/>
             <a:ext cx="926325" cy="540000"/>
           </a:xfrm>
           <a:prstGeom prst="rect">
@@ -36708,7 +36566,7 @@
         </p:nvCxnSpPr>
         <p:spPr>
           <a:xfrm rot="5400000">
-            <a:off x="31797750" y="9511796"/>
+            <a:off x="32760270" y="9511796"/>
             <a:ext cx="957274" cy="516419"/>
           </a:xfrm>
           <a:prstGeom prst="bentConnector3">
@@ -36743,7 +36601,7 @@
         </p:nvSpPr>
         <p:spPr>
           <a:xfrm>
-            <a:off x="36473296" y="9498641"/>
+            <a:off x="37435816" y="9498641"/>
             <a:ext cx="926325" cy="540000"/>
           </a:xfrm>
           <a:prstGeom prst="rect">
@@ -36794,7 +36652,7 @@
         </p:nvCxnSpPr>
         <p:spPr>
           <a:xfrm rot="16200000" flipH="1">
-            <a:off x="35755758" y="8317940"/>
+            <a:off x="36718278" y="8317940"/>
             <a:ext cx="205380" cy="2156022"/>
           </a:xfrm>
           <a:prstGeom prst="bentConnector3">
@@ -36829,7 +36687,7 @@
         </p:nvSpPr>
         <p:spPr>
           <a:xfrm>
-            <a:off x="32066530" y="11045327"/>
+            <a:off x="33029050" y="11045327"/>
             <a:ext cx="926325" cy="540000"/>
           </a:xfrm>
           <a:prstGeom prst="rect">
@@ -36877,7 +36735,7 @@
         </p:nvSpPr>
         <p:spPr>
           <a:xfrm>
-            <a:off x="34312395" y="11058853"/>
+            <a:off x="35274915" y="11058853"/>
             <a:ext cx="926325" cy="540000"/>
           </a:xfrm>
           <a:prstGeom prst="rect">
@@ -36928,7 +36786,7 @@
         </p:nvCxnSpPr>
         <p:spPr>
           <a:xfrm flipH="1">
-            <a:off x="32529693" y="10034956"/>
+            <a:off x="33492213" y="10034956"/>
             <a:ext cx="200" cy="1010371"/>
           </a:xfrm>
           <a:prstGeom prst="straightConnector1">
@@ -36964,7 +36822,7 @@
         </p:nvCxnSpPr>
         <p:spPr>
           <a:xfrm flipH="1">
-            <a:off x="34775558" y="10040952"/>
+            <a:off x="35738078" y="10040952"/>
             <a:ext cx="179" cy="1017901"/>
           </a:xfrm>
           <a:prstGeom prst="straightConnector1">
@@ -36997,7 +36855,7 @@
         </p:nvSpPr>
         <p:spPr>
           <a:xfrm>
-            <a:off x="35940683" y="10262185"/>
+            <a:off x="36903203" y="10262185"/>
             <a:ext cx="926325" cy="540000"/>
           </a:xfrm>
           <a:prstGeom prst="rect">
@@ -37047,7 +36905,7 @@
         </p:nvCxnSpPr>
         <p:spPr>
           <a:xfrm rot="16200000" flipH="1">
-            <a:off x="36020570" y="9878908"/>
+            <a:off x="36983090" y="9878908"/>
             <a:ext cx="221233" cy="545320"/>
           </a:xfrm>
           <a:prstGeom prst="bentConnector3">
@@ -37085,7 +36943,7 @@
         </p:nvCxnSpPr>
         <p:spPr>
           <a:xfrm rot="5400000">
-            <a:off x="36558381" y="9884107"/>
+            <a:off x="37520901" y="9884107"/>
             <a:ext cx="223544" cy="532613"/>
           </a:xfrm>
           <a:prstGeom prst="bentConnector3">
@@ -37120,7 +36978,7 @@
         </p:nvSpPr>
         <p:spPr>
           <a:xfrm>
-            <a:off x="31044879" y="11054570"/>
+            <a:off x="32007399" y="11054570"/>
             <a:ext cx="926325" cy="540000"/>
           </a:xfrm>
           <a:prstGeom prst="rect">
@@ -37170,7 +37028,7 @@
         </p:nvCxnSpPr>
         <p:spPr>
           <a:xfrm>
-            <a:off x="31504865" y="10029712"/>
+            <a:off x="32467385" y="10029712"/>
             <a:ext cx="3177" cy="1024858"/>
           </a:xfrm>
           <a:prstGeom prst="straightConnector1">
@@ -37206,7 +37064,7 @@
         </p:nvCxnSpPr>
         <p:spPr>
           <a:xfrm rot="5400000">
-            <a:off x="31630146" y="10666539"/>
+            <a:off x="32592666" y="10666539"/>
             <a:ext cx="265928" cy="510135"/>
           </a:xfrm>
           <a:prstGeom prst="bentConnector3">
@@ -37241,7 +37099,7 @@
         </p:nvSpPr>
         <p:spPr>
           <a:xfrm>
-            <a:off x="39852294" y="9494129"/>
+            <a:off x="40814814" y="9494129"/>
             <a:ext cx="926325" cy="540000"/>
           </a:xfrm>
           <a:prstGeom prst="rect">
@@ -37304,7 +37162,7 @@
         </p:nvCxnSpPr>
         <p:spPr>
           <a:xfrm rot="5400000">
-            <a:off x="40771522" y="8833485"/>
+            <a:off x="41734042" y="8833485"/>
             <a:ext cx="204579" cy="1116708"/>
           </a:xfrm>
           <a:prstGeom prst="bentConnector3">
@@ -37343,7 +37201,7 @@
         </p:nvCxnSpPr>
         <p:spPr>
           <a:xfrm rot="16200000" flipH="1">
-            <a:off x="40209756" y="9388427"/>
+            <a:off x="41172276" y="9388427"/>
             <a:ext cx="204579" cy="6824"/>
           </a:xfrm>
           <a:prstGeom prst="bentConnector3">
@@ -37353,6 +37211,234 @@
           </a:prstGeom>
           <a:ln w="19050">
             <a:prstDash val="dash"/>
+            <a:tailEnd type="arrow"/>
+          </a:ln>
+        </p:spPr>
+        <p:style>
+          <a:lnRef idx="1">
+            <a:schemeClr val="accent1"/>
+          </a:lnRef>
+          <a:fillRef idx="0">
+            <a:schemeClr val="accent1"/>
+          </a:fillRef>
+          <a:effectRef idx="0">
+            <a:schemeClr val="accent1"/>
+          </a:effectRef>
+          <a:fontRef idx="minor">
+            <a:schemeClr val="tx1"/>
+          </a:fontRef>
+        </p:style>
+      </p:cxnSp>
+      <p:cxnSp>
+        <p:nvCxnSpPr>
+          <p:cNvPr id="762" name="Прямая со стрелкой 761"/>
+          <p:cNvCxnSpPr>
+            <a:stCxn id="623" idx="2"/>
+            <a:endCxn id="192" idx="0"/>
+          </p:cNvCxnSpPr>
+          <p:nvPr/>
+        </p:nvCxnSpPr>
+        <p:spPr>
+          <a:xfrm flipH="1">
+            <a:off x="15964361" y="6234251"/>
+            <a:ext cx="4151" cy="200650"/>
+          </a:xfrm>
+          <a:prstGeom prst="straightConnector1">
+            <a:avLst/>
+          </a:prstGeom>
+          <a:ln w="19050">
+            <a:tailEnd type="arrow"/>
+          </a:ln>
+        </p:spPr>
+        <p:style>
+          <a:lnRef idx="1">
+            <a:schemeClr val="accent1"/>
+          </a:lnRef>
+          <a:fillRef idx="0">
+            <a:schemeClr val="accent1"/>
+          </a:fillRef>
+          <a:effectRef idx="0">
+            <a:schemeClr val="accent1"/>
+          </a:effectRef>
+          <a:fontRef idx="minor">
+            <a:schemeClr val="tx1"/>
+          </a:fontRef>
+        </p:style>
+      </p:cxnSp>
+      <p:sp>
+        <p:nvSpPr>
+          <p:cNvPr id="776" name="Прямоугольник 775"/>
+          <p:cNvSpPr/>
+          <p:nvPr/>
+        </p:nvSpPr>
+        <p:spPr>
+          <a:xfrm>
+            <a:off x="359947" y="3356364"/>
+            <a:ext cx="926325" cy="540000"/>
+          </a:xfrm>
+          <a:prstGeom prst="rect">
+            <a:avLst/>
+          </a:prstGeom>
+          <a:solidFill>
+            <a:schemeClr val="bg1">
+              <a:lumMod val="50000"/>
+            </a:schemeClr>
+          </a:solidFill>
+          <a:ln w="19050"/>
+        </p:spPr>
+        <p:style>
+          <a:lnRef idx="2">
+            <a:schemeClr val="accent1"/>
+          </a:lnRef>
+          <a:fillRef idx="1">
+            <a:schemeClr val="lt1"/>
+          </a:fillRef>
+          <a:effectRef idx="0">
+            <a:schemeClr val="accent1"/>
+          </a:effectRef>
+          <a:fontRef idx="minor">
+            <a:schemeClr val="dk1"/>
+          </a:fontRef>
+        </p:style>
+        <p:txBody>
+          <a:bodyPr lIns="124733" tIns="62367" rIns="124733" bIns="62367" rtlCol="0" anchor="ctr"/>
+          <a:lstStyle/>
+          <a:p>
+            <a:pPr algn="ctr"/>
+            <a:r>
+              <a:rPr lang="ru-RU" sz="700" dirty="0" smtClean="0"/>
+              <a:t>Освободить офицеров Первой </a:t>
+            </a:r>
+            <a:r>
+              <a:rPr lang="ru-RU" sz="700" dirty="0" err="1" smtClean="0"/>
+              <a:t>Санхурады</a:t>
+            </a:r>
+            <a:r>
+              <a:rPr lang="ru-RU" sz="700" dirty="0"/>
+              <a:t> </a:t>
+            </a:r>
+            <a:r>
+              <a:rPr lang="ru-RU" sz="200" dirty="0"/>
+              <a:t>(Испанский военный союз ( UME ) тайная ассоциация руководителей и офицеров испанской армии основана в Мадриде в декабре 1933 </a:t>
+            </a:r>
+            <a:r>
+              <a:rPr lang="ru-RU" sz="200" dirty="0" smtClean="0"/>
+              <a:t>года)</a:t>
+            </a:r>
+            <a:endParaRPr lang="ru-RU" sz="200" dirty="0"/>
+          </a:p>
+        </p:txBody>
+      </p:sp>
+      <p:cxnSp>
+        <p:nvCxnSpPr>
+          <p:cNvPr id="779" name="Соединительная линия уступом 778"/>
+          <p:cNvCxnSpPr>
+            <a:stCxn id="719" idx="2"/>
+            <a:endCxn id="776" idx="0"/>
+          </p:cNvCxnSpPr>
+          <p:nvPr/>
+        </p:nvCxnSpPr>
+        <p:spPr>
+          <a:xfrm rot="5400000">
+            <a:off x="2262146" y="1683452"/>
+            <a:ext cx="233876" cy="3111948"/>
+          </a:xfrm>
+          <a:prstGeom prst="bentConnector3">
+            <a:avLst>
+              <a:gd name="adj1" fmla="val 50000"/>
+            </a:avLst>
+          </a:prstGeom>
+          <a:ln w="19050">
+            <a:tailEnd type="arrow"/>
+          </a:ln>
+        </p:spPr>
+        <p:style>
+          <a:lnRef idx="1">
+            <a:schemeClr val="accent1"/>
+          </a:lnRef>
+          <a:fillRef idx="0">
+            <a:schemeClr val="accent1"/>
+          </a:fillRef>
+          <a:effectRef idx="0">
+            <a:schemeClr val="accent1"/>
+          </a:effectRef>
+          <a:fontRef idx="minor">
+            <a:schemeClr val="tx1"/>
+          </a:fontRef>
+        </p:style>
+      </p:cxnSp>
+      <p:sp>
+        <p:nvSpPr>
+          <p:cNvPr id="781" name="Прямоугольник 780"/>
+          <p:cNvSpPr/>
+          <p:nvPr/>
+        </p:nvSpPr>
+        <p:spPr>
+          <a:xfrm>
+            <a:off x="873987" y="4119188"/>
+            <a:ext cx="926325" cy="540000"/>
+          </a:xfrm>
+          <a:prstGeom prst="rect">
+            <a:avLst/>
+          </a:prstGeom>
+          <a:solidFill>
+            <a:schemeClr val="bg1">
+              <a:lumMod val="50000"/>
+            </a:schemeClr>
+          </a:solidFill>
+          <a:ln w="19050"/>
+        </p:spPr>
+        <p:style>
+          <a:lnRef idx="2">
+            <a:schemeClr val="accent1"/>
+          </a:lnRef>
+          <a:fillRef idx="1">
+            <a:schemeClr val="lt1"/>
+          </a:fillRef>
+          <a:effectRef idx="0">
+            <a:schemeClr val="accent1"/>
+          </a:effectRef>
+          <a:fontRef idx="minor">
+            <a:schemeClr val="dk1"/>
+          </a:fontRef>
+        </p:style>
+        <p:txBody>
+          <a:bodyPr lIns="124733" tIns="62367" rIns="124733" bIns="62367" rtlCol="0" anchor="ctr"/>
+          <a:lstStyle/>
+          <a:p>
+            <a:pPr algn="ctr"/>
+            <a:r>
+              <a:rPr lang="ru-RU" sz="700" dirty="0"/>
+              <a:t>Ни шага назад от </a:t>
+            </a:r>
+            <a:r>
+              <a:rPr lang="ru-RU" sz="700" dirty="0" smtClean="0"/>
+              <a:t>достигнутого! (лозунг УМЕ)</a:t>
+            </a:r>
+            <a:endParaRPr lang="ru-RU" sz="700" dirty="0"/>
+          </a:p>
+        </p:txBody>
+      </p:sp>
+      <p:cxnSp>
+        <p:nvCxnSpPr>
+          <p:cNvPr id="782" name="Соединительная линия уступом 781"/>
+          <p:cNvCxnSpPr>
+            <a:stCxn id="776" idx="2"/>
+            <a:endCxn id="781" idx="0"/>
+          </p:cNvCxnSpPr>
+          <p:nvPr/>
+        </p:nvCxnSpPr>
+        <p:spPr>
+          <a:xfrm rot="16200000" flipH="1">
+            <a:off x="968718" y="3750756"/>
+            <a:ext cx="222824" cy="514040"/>
+          </a:xfrm>
+          <a:prstGeom prst="bentConnector3">
+            <a:avLst>
+              <a:gd name="adj1" fmla="val 50000"/>
+            </a:avLst>
+          </a:prstGeom>
+          <a:ln w="19050">
             <a:tailEnd type="arrow"/>
           </a:ln>
         </p:spPr>

--- a/Наработки/диздоки/Испания/Испания правые.pptx
+++ b/Наработки/диздоки/Испания/Испания правые.pptx
@@ -8797,15 +8797,7 @@
             <a:pPr algn="ctr"/>
             <a:r>
               <a:rPr lang="ru-RU" sz="700" dirty="0" smtClean="0"/>
-              <a:t>Испанский </a:t>
-            </a:r>
-            <a:r>
-              <a:rPr lang="ru-RU" sz="700" dirty="0" smtClean="0"/>
-              <a:t>средиземноморский </a:t>
-            </a:r>
-            <a:r>
-              <a:rPr lang="ru-RU" sz="700" dirty="0" smtClean="0"/>
-              <a:t>флот</a:t>
+              <a:t>Испанский средиземноморский флот</a:t>
             </a:r>
             <a:endParaRPr lang="ru-RU" sz="700" dirty="0"/>
           </a:p>
@@ -18986,7 +18978,6 @@
               <a:rPr lang="ru-RU" sz="700" dirty="0" smtClean="0"/>
               <a:t>Сохранить личную диктатуру</a:t>
             </a:r>
-            <a:endParaRPr lang="ru-RU" sz="700" dirty="0" smtClean="0"/>
           </a:p>
         </p:txBody>
       </p:sp>
@@ -20824,19 +20815,11 @@
             </a:r>
             <a:r>
               <a:rPr lang="ru-RU" sz="700" dirty="0" smtClean="0"/>
-              <a:t>флота </a:t>
+              <a:t>флота</a:t>
             </a:r>
             <a:r>
               <a:rPr lang="ru-RU" sz="500" dirty="0" smtClean="0"/>
-              <a:t>(</a:t>
-            </a:r>
-            <a:r>
-              <a:rPr lang="ru-RU" sz="500" dirty="0" err="1" smtClean="0"/>
-              <a:t>нд</a:t>
-            </a:r>
-            <a:r>
-              <a:rPr lang="ru-RU" sz="500" dirty="0" smtClean="0"/>
-              <a:t> «Корабельные комитеты», сменится на «Политические комиссары флота») (</a:t>
+              <a:t> (</a:t>
             </a:r>
             <a:r>
               <a:rPr lang="ru-RU" sz="500" dirty="0" err="1" smtClean="0"/>
@@ -20848,20 +20831,9 @@
             </a:r>
             <a:r>
               <a:rPr lang="ru-RU" sz="500" dirty="0" smtClean="0"/>
-              <a:t>года</a:t>
-            </a:r>
-            <a:r>
-              <a:rPr lang="ru-RU" sz="500" dirty="0"/>
-              <a:t>) </a:t>
-            </a:r>
-            <a:r>
-              <a:rPr lang="ru-RU" sz="100" dirty="0"/>
-              <a:t>(упразднил комитеты приказом от 11 мая 1937 года, заменив их «политическими делегатами», назначенными комиссаром флота Бруно Алонсо [ 30 ], хотя их роль была гораздо более ограниченной, чем роль политических комиссаров сухопутных частей, поскольку во флоте все командиры были профессионалами</a:t>
-            </a:r>
-            <a:r>
-              <a:rPr lang="ru-RU" sz="100" dirty="0" smtClean="0"/>
-              <a:t>.)</a:t>
-            </a:r>
+              <a:t>года)</a:t>
+            </a:r>
+            <a:endParaRPr lang="ru-RU" sz="100" dirty="0" smtClean="0"/>
           </a:p>
         </p:txBody>
       </p:sp>
@@ -20905,13 +20877,25 @@
             <a:pPr algn="ctr"/>
             <a:r>
               <a:rPr lang="ru-RU" sz="700" dirty="0"/>
-              <a:t>Советские командиры подлодок </a:t>
-            </a:r>
-            <a:r>
-              <a:rPr lang="ru-RU" sz="400" dirty="0"/>
-              <a:t>(исторический)</a:t>
-            </a:r>
-            <a:endParaRPr lang="ru-RU" sz="100" dirty="0"/>
+              <a:t>Народное военно-морское училище </a:t>
+            </a:r>
+            <a:r>
+              <a:rPr lang="ru-RU" sz="600" dirty="0"/>
+              <a:t>(</a:t>
+            </a:r>
+            <a:r>
+              <a:rPr lang="ru-RU" sz="600" dirty="0" err="1"/>
+              <a:t>ист</a:t>
+            </a:r>
+            <a:r>
+              <a:rPr lang="ru-RU" sz="600" dirty="0"/>
+              <a:t> октябрь 1937 года</a:t>
+            </a:r>
+            <a:r>
+              <a:rPr lang="ru-RU" sz="600" dirty="0" smtClean="0"/>
+              <a:t>)</a:t>
+            </a:r>
+            <a:endParaRPr lang="ru-RU" sz="200" dirty="0"/>
           </a:p>
         </p:txBody>
       </p:sp>
@@ -21127,31 +21111,11 @@
             <a:pPr algn="ctr"/>
             <a:r>
               <a:rPr lang="ru-RU" sz="700" dirty="0"/>
-              <a:t>Народное военно-морское </a:t>
-            </a:r>
-            <a:r>
-              <a:rPr lang="ru-RU" sz="700" dirty="0" smtClean="0"/>
-              <a:t>училище </a:t>
-            </a:r>
-            <a:r>
-              <a:rPr lang="ru-RU" sz="600" dirty="0" smtClean="0"/>
-              <a:t>(</a:t>
-            </a:r>
-            <a:r>
-              <a:rPr lang="ru-RU" sz="600" dirty="0" err="1" smtClean="0"/>
-              <a:t>ист</a:t>
-            </a:r>
-            <a:r>
-              <a:rPr lang="ru-RU" sz="600" dirty="0" smtClean="0"/>
-              <a:t> </a:t>
-            </a:r>
-            <a:r>
-              <a:rPr lang="ru-RU" sz="600" dirty="0"/>
-              <a:t>октябрь 1937 года</a:t>
-            </a:r>
-            <a:r>
-              <a:rPr lang="ru-RU" sz="600" dirty="0" smtClean="0"/>
-              <a:t>)</a:t>
+              <a:t>Советские командиры подлодок </a:t>
+            </a:r>
+            <a:r>
+              <a:rPr lang="ru-RU" sz="400" dirty="0"/>
+              <a:t>(исторический)</a:t>
             </a:r>
             <a:endParaRPr lang="ru-RU" sz="200" dirty="0"/>
           </a:p>

--- a/Наработки/диздоки/Испания/Испания правые.pptx
+++ b/Наработки/диздоки/Испания/Испания правые.pptx
@@ -209,7 +209,7 @@
             <a:fld id="{33E3D7F9-E251-484C-A6FF-FA958879DF69}" type="datetimeFigureOut">
               <a:rPr lang="ru-RU" smtClean="0"/>
               <a:pPr/>
-              <a:t>30.08.2021</a:t>
+              <a:t>31.08.2021</a:t>
             </a:fld>
             <a:endParaRPr lang="ru-RU"/>
           </a:p>
@@ -700,7 +700,7 @@
             <a:fld id="{85A5DE44-605B-4D3B-B2B7-94543DF81A36}" type="datetimeFigureOut">
               <a:rPr lang="ru-RU" smtClean="0"/>
               <a:pPr/>
-              <a:t>30.08.2021</a:t>
+              <a:t>31.08.2021</a:t>
             </a:fld>
             <a:endParaRPr lang="ru-RU"/>
           </a:p>
@@ -872,7 +872,7 @@
             <a:fld id="{85A5DE44-605B-4D3B-B2B7-94543DF81A36}" type="datetimeFigureOut">
               <a:rPr lang="ru-RU" smtClean="0"/>
               <a:pPr/>
-              <a:t>30.08.2021</a:t>
+              <a:t>31.08.2021</a:t>
             </a:fld>
             <a:endParaRPr lang="ru-RU"/>
           </a:p>
@@ -1054,7 +1054,7 @@
             <a:fld id="{85A5DE44-605B-4D3B-B2B7-94543DF81A36}" type="datetimeFigureOut">
               <a:rPr lang="ru-RU" smtClean="0"/>
               <a:pPr/>
-              <a:t>30.08.2021</a:t>
+              <a:t>31.08.2021</a:t>
             </a:fld>
             <a:endParaRPr lang="ru-RU"/>
           </a:p>
@@ -1226,7 +1226,7 @@
             <a:fld id="{85A5DE44-605B-4D3B-B2B7-94543DF81A36}" type="datetimeFigureOut">
               <a:rPr lang="ru-RU" smtClean="0"/>
               <a:pPr/>
-              <a:t>30.08.2021</a:t>
+              <a:t>31.08.2021</a:t>
             </a:fld>
             <a:endParaRPr lang="ru-RU"/>
           </a:p>
@@ -1474,7 +1474,7 @@
             <a:fld id="{85A5DE44-605B-4D3B-B2B7-94543DF81A36}" type="datetimeFigureOut">
               <a:rPr lang="ru-RU" smtClean="0"/>
               <a:pPr/>
-              <a:t>30.08.2021</a:t>
+              <a:t>31.08.2021</a:t>
             </a:fld>
             <a:endParaRPr lang="ru-RU"/>
           </a:p>
@@ -1708,7 +1708,7 @@
             <a:fld id="{85A5DE44-605B-4D3B-B2B7-94543DF81A36}" type="datetimeFigureOut">
               <a:rPr lang="ru-RU" smtClean="0"/>
               <a:pPr/>
-              <a:t>30.08.2021</a:t>
+              <a:t>31.08.2021</a:t>
             </a:fld>
             <a:endParaRPr lang="ru-RU"/>
           </a:p>
@@ -2077,7 +2077,7 @@
             <a:fld id="{85A5DE44-605B-4D3B-B2B7-94543DF81A36}" type="datetimeFigureOut">
               <a:rPr lang="ru-RU" smtClean="0"/>
               <a:pPr/>
-              <a:t>30.08.2021</a:t>
+              <a:t>31.08.2021</a:t>
             </a:fld>
             <a:endParaRPr lang="ru-RU"/>
           </a:p>
@@ -2197,7 +2197,7 @@
             <a:fld id="{85A5DE44-605B-4D3B-B2B7-94543DF81A36}" type="datetimeFigureOut">
               <a:rPr lang="ru-RU" smtClean="0"/>
               <a:pPr/>
-              <a:t>30.08.2021</a:t>
+              <a:t>31.08.2021</a:t>
             </a:fld>
             <a:endParaRPr lang="ru-RU"/>
           </a:p>
@@ -2294,7 +2294,7 @@
             <a:fld id="{85A5DE44-605B-4D3B-B2B7-94543DF81A36}" type="datetimeFigureOut">
               <a:rPr lang="ru-RU" smtClean="0"/>
               <a:pPr/>
-              <a:t>30.08.2021</a:t>
+              <a:t>31.08.2021</a:t>
             </a:fld>
             <a:endParaRPr lang="ru-RU"/>
           </a:p>
@@ -2573,7 +2573,7 @@
             <a:fld id="{85A5DE44-605B-4D3B-B2B7-94543DF81A36}" type="datetimeFigureOut">
               <a:rPr lang="ru-RU" smtClean="0"/>
               <a:pPr/>
-              <a:t>30.08.2021</a:t>
+              <a:t>31.08.2021</a:t>
             </a:fld>
             <a:endParaRPr lang="ru-RU"/>
           </a:p>
@@ -2832,7 +2832,7 @@
             <a:fld id="{85A5DE44-605B-4D3B-B2B7-94543DF81A36}" type="datetimeFigureOut">
               <a:rPr lang="ru-RU" smtClean="0"/>
               <a:pPr/>
-              <a:t>30.08.2021</a:t>
+              <a:t>31.08.2021</a:t>
             </a:fld>
             <a:endParaRPr lang="ru-RU"/>
           </a:p>
@@ -3047,7 +3047,7 @@
             <a:fld id="{85A5DE44-605B-4D3B-B2B7-94543DF81A36}" type="datetimeFigureOut">
               <a:rPr lang="ru-RU" smtClean="0"/>
               <a:pPr/>
-              <a:t>30.08.2021</a:t>
+              <a:t>31.08.2021</a:t>
             </a:fld>
             <a:endParaRPr lang="ru-RU"/>
           </a:p>
@@ -20557,79 +20557,11 @@
             </a:r>
             <a:r>
               <a:rPr lang="ru-RU" sz="700" dirty="0"/>
-              <a:t> (1941) </a:t>
-            </a:r>
-            <a:r>
-              <a:rPr lang="ru-RU" sz="100" dirty="0" smtClean="0"/>
-              <a:t>(</a:t>
-            </a:r>
-            <a:r>
-              <a:rPr lang="ru-RU" sz="100" dirty="0" err="1" smtClean="0"/>
-              <a:t>канарская</a:t>
-            </a:r>
-            <a:r>
-              <a:rPr lang="ru-RU" sz="100" dirty="0" smtClean="0"/>
-              <a:t> </a:t>
-            </a:r>
-            <a:r>
-              <a:rPr lang="ru-RU" sz="100" dirty="0"/>
-              <a:t>компания по морским перевозкам пассажиров и грузов, которая работает между Канарскими островами ( Испания ), помимо сообщения с портами полуострова, такими как </a:t>
-            </a:r>
-            <a:r>
-              <a:rPr lang="ru-RU" sz="100" dirty="0" err="1"/>
-              <a:t>Мотрил</a:t>
-            </a:r>
-            <a:r>
-              <a:rPr lang="ru-RU" sz="100" dirty="0"/>
-              <a:t> , </a:t>
-            </a:r>
-            <a:r>
-              <a:rPr lang="ru-RU" sz="100" dirty="0" err="1"/>
-              <a:t>Уэльва</a:t>
-            </a:r>
-            <a:r>
-              <a:rPr lang="ru-RU" sz="100" dirty="0"/>
-              <a:t> , Севилья, а также с Северной Африкой в </a:t>
-            </a:r>
-            <a:r>
-              <a:rPr lang="ru-RU" sz="100" dirty="0" err="1"/>
-              <a:t>Мелилье</a:t>
-            </a:r>
-            <a:r>
-              <a:rPr lang="ru-RU" sz="100" dirty="0"/>
-              <a:t> ( Испания ) и на севере. из Марокко . Это старейшая судоходная компания на </a:t>
-            </a:r>
-            <a:r>
-              <a:rPr lang="ru-RU" sz="100" dirty="0" err="1"/>
-              <a:t>Канарском</a:t>
-            </a:r>
-            <a:r>
-              <a:rPr lang="ru-RU" sz="100" dirty="0"/>
-              <a:t> архипелаге, которая демонстрирует самый высокий рост за последние годы. В настоящее время он владеет 10 судами и поддерживает 12 линий. Антонио </a:t>
-            </a:r>
-            <a:r>
-              <a:rPr lang="ru-RU" sz="100" dirty="0" err="1"/>
-              <a:t>Армас</a:t>
-            </a:r>
-            <a:r>
-              <a:rPr lang="ru-RU" sz="100" dirty="0"/>
-              <a:t> </a:t>
-            </a:r>
-            <a:r>
-              <a:rPr lang="ru-RU" sz="100" dirty="0" err="1"/>
-              <a:t>Курбело</a:t>
-            </a:r>
-            <a:r>
-              <a:rPr lang="ru-RU" sz="100" dirty="0"/>
-              <a:t> , уроженец острова </a:t>
-            </a:r>
-            <a:r>
-              <a:rPr lang="ru-RU" sz="100" dirty="0" err="1"/>
-              <a:t>Лансароте</a:t>
-            </a:r>
-            <a:r>
-              <a:rPr lang="ru-RU" sz="100" dirty="0"/>
-              <a:t> (Канарские острова), был тем, кто создал компанию, которая вначале имела лодки с деревянным корпусом и парусным двигателем для перевозки грузов и соли.</a:t>
+              <a:t> (1941</a:t>
+            </a:r>
+            <a:r>
+              <a:rPr lang="ru-RU" sz="700" dirty="0" smtClean="0"/>
+              <a:t>)</a:t>
             </a:r>
             <a:endParaRPr lang="ru-RU" sz="100" dirty="0" smtClean="0"/>
           </a:p>
@@ -20676,96 +20608,8 @@
           <a:p>
             <a:pPr algn="ctr"/>
             <a:r>
-              <a:rPr lang="en-US" sz="700" dirty="0" err="1"/>
+              <a:rPr lang="en-US" sz="700" dirty="0" err="1" smtClean="0"/>
               <a:t>Trasmediterránea</a:t>
-            </a:r>
-            <a:r>
-              <a:rPr lang="ru-RU" sz="700" dirty="0"/>
-              <a:t> </a:t>
-            </a:r>
-            <a:r>
-              <a:rPr lang="ru-RU" sz="200" dirty="0"/>
-              <a:t>(Основанный Хуаном </a:t>
-            </a:r>
-            <a:r>
-              <a:rPr lang="ru-RU" sz="200" dirty="0" err="1"/>
-              <a:t>Марчем</a:t>
-            </a:r>
-            <a:r>
-              <a:rPr lang="ru-RU" sz="200" dirty="0"/>
-              <a:t> , он был основан 25 ноября 1916 года и начал свою деятельность в 1917 году при участии флотов различных испанских судоходных компаний . Основные задачи были для объединить интересы и координировать услуги морского транспорта за национальную продукцию на экспорт из минералов и фруктов испанских и сократить услуги строго необходимо посвятить лодку на импорт из - за рубеж . Головной офис был расположен на </a:t>
-            </a:r>
-            <a:r>
-              <a:rPr lang="ru-RU" sz="200" dirty="0" err="1"/>
-              <a:t>Виа</a:t>
-            </a:r>
-            <a:r>
-              <a:rPr lang="ru-RU" sz="200" dirty="0"/>
-              <a:t> </a:t>
-            </a:r>
-            <a:r>
-              <a:rPr lang="ru-RU" sz="200" dirty="0" err="1"/>
-              <a:t>Layetana</a:t>
-            </a:r>
-            <a:r>
-              <a:rPr lang="ru-RU" sz="200" dirty="0"/>
-              <a:t> в Барселоне .)</a:t>
-            </a:r>
-            <a:endParaRPr lang="ru-RU" sz="100" dirty="0" smtClean="0"/>
-          </a:p>
-        </p:txBody>
-      </p:sp>
-      <p:sp>
-        <p:nvSpPr>
-          <p:cNvPr id="407" name="Прямоугольник 406"/>
-          <p:cNvSpPr/>
-          <p:nvPr/>
-        </p:nvSpPr>
-        <p:spPr>
-          <a:xfrm>
-            <a:off x="3186091" y="20296283"/>
-            <a:ext cx="926325" cy="540000"/>
-          </a:xfrm>
-          <a:prstGeom prst="rect">
-            <a:avLst/>
-          </a:prstGeom>
-          <a:noFill/>
-          <a:ln w="19050"/>
-        </p:spPr>
-        <p:style>
-          <a:lnRef idx="2">
-            <a:schemeClr val="accent1"/>
-          </a:lnRef>
-          <a:fillRef idx="1">
-            <a:schemeClr val="lt1"/>
-          </a:fillRef>
-          <a:effectRef idx="0">
-            <a:schemeClr val="accent1"/>
-          </a:effectRef>
-          <a:fontRef idx="minor">
-            <a:schemeClr val="dk1"/>
-          </a:fontRef>
-        </p:style>
-        <p:txBody>
-          <a:bodyPr lIns="124733" tIns="62367" rIns="124733" bIns="62367" rtlCol="0" anchor="ctr"/>
-          <a:lstStyle/>
-          <a:p>
-            <a:pPr algn="ctr"/>
-            <a:r>
-              <a:rPr lang="ru-RU" sz="600" dirty="0" smtClean="0"/>
-              <a:t>Возможные события и решения по восстанию во флоте </a:t>
-            </a:r>
-            <a:r>
-              <a:rPr lang="ru-RU" sz="300" dirty="0" smtClean="0"/>
-              <a:t>(</a:t>
-            </a:r>
-            <a:r>
-              <a:rPr lang="en-US" sz="300" dirty="0"/>
-              <a:t>https://es.wikipedia.org/wiki/Golpe_de_Estado_de_julio_de_1936_en_la_Armada_española</a:t>
-            </a:r>
-            <a:r>
-              <a:rPr lang="ru-RU" sz="300" dirty="0" smtClean="0"/>
-              <a:t>)</a:t>
             </a:r>
             <a:endParaRPr lang="ru-RU" sz="100" dirty="0" smtClean="0"/>
           </a:p>
@@ -20943,15 +20787,11 @@
             </a:r>
             <a:r>
               <a:rPr lang="ru-RU" sz="500" dirty="0" smtClean="0"/>
-              <a:t>(-оба </a:t>
-            </a:r>
-            <a:r>
-              <a:rPr lang="ru-RU" sz="500" dirty="0" err="1" smtClean="0"/>
-              <a:t>нац</a:t>
+              <a:t>(</a:t>
             </a:r>
             <a:r>
               <a:rPr lang="ru-RU" sz="500" dirty="0" smtClean="0"/>
-              <a:t> духа) (не исторический)</a:t>
+              <a:t>не исторический)</a:t>
             </a:r>
             <a:endParaRPr lang="ru-RU" sz="100" dirty="0" smtClean="0"/>
           </a:p>
@@ -21057,7 +20897,11 @@
             </a:r>
             <a:r>
               <a:rPr lang="ru-RU" sz="700" dirty="0" smtClean="0"/>
-              <a:t> (+ тяжёлый крейсер) (</a:t>
+              <a:t> </a:t>
+            </a:r>
+            <a:r>
+              <a:rPr lang="ru-RU" sz="700" dirty="0" smtClean="0"/>
+              <a:t>(</a:t>
             </a:r>
             <a:r>
               <a:rPr lang="ru-RU" sz="700" dirty="0" err="1" smtClean="0"/>
@@ -21234,28 +21078,16 @@
               <a:t>Эузкади</a:t>
             </a:r>
             <a:r>
-              <a:rPr lang="ru-RU" sz="700" dirty="0" smtClean="0"/>
+              <a:rPr lang="ru-RU" sz="700" dirty="0"/>
               <a:t> </a:t>
             </a:r>
             <a:r>
               <a:rPr lang="ru-RU" sz="500" dirty="0" smtClean="0"/>
-              <a:t>(+ к исследованиям мин, и несколько тральщиков, 24) (+ адмирал от Баскова </a:t>
-            </a:r>
-            <a:r>
-              <a:rPr lang="en-US" sz="600" dirty="0" err="1"/>
-              <a:t>Joaquín</a:t>
-            </a:r>
-            <a:r>
-              <a:rPr lang="en-US" sz="600" dirty="0"/>
-              <a:t> de </a:t>
-            </a:r>
-            <a:r>
-              <a:rPr lang="en-US" sz="600" dirty="0" err="1"/>
-              <a:t>Eguía</a:t>
+              <a:t>(январь </a:t>
             </a:r>
             <a:r>
               <a:rPr lang="ru-RU" sz="500" dirty="0" smtClean="0"/>
-              <a:t>) (январь 1937)</a:t>
+              <a:t>1937)</a:t>
             </a:r>
             <a:endParaRPr lang="ru-RU" sz="100" dirty="0" smtClean="0"/>
           </a:p>
@@ -21549,7 +21381,7 @@
         </p:nvSpPr>
         <p:spPr>
           <a:xfrm>
-            <a:off x="5284629" y="20305541"/>
+            <a:off x="16868086" y="20330295"/>
             <a:ext cx="926325" cy="540000"/>
           </a:xfrm>
           <a:prstGeom prst="rect">
@@ -21635,11 +21467,11 @@
             </a:r>
             <a:r>
               <a:rPr lang="ru-RU" sz="700" dirty="0"/>
-              <a:t>вспомогательный флот </a:t>
-            </a:r>
-            <a:r>
-              <a:rPr lang="ru-RU" sz="300" dirty="0"/>
-              <a:t>(а также для вспомогательного флота, состоящего из купцов и вооруженных боссов , которых сделали «граждане»)</a:t>
+              <a:t>вспомогательный </a:t>
+            </a:r>
+            <a:r>
+              <a:rPr lang="ru-RU" sz="700" dirty="0" smtClean="0"/>
+              <a:t>флот</a:t>
             </a:r>
             <a:endParaRPr lang="ru-RU" sz="100" dirty="0" smtClean="0"/>
           </a:p>
@@ -21695,16 +21527,13 @@
             </a:r>
             <a:r>
               <a:rPr lang="ru-RU" sz="700" dirty="0"/>
-              <a:t>морского дела и артиллерии </a:t>
-            </a:r>
-            <a:r>
-              <a:rPr lang="ru-RU" sz="100" dirty="0"/>
-              <a:t>(Проблема заключалась в нехватке унтер-офицеров и капралов морской пехоты (поскольку в зоне повстанцев многие были расстреляны, заключены в тюрьмы или изгнаны из военно-морского флота за противодействие восстанию). Для решения этой проблемы были созданы временные унтер-офицеры, прошедшие обучение в созданной для этой цели Школе морского и артиллерийского дела</a:t>
-            </a:r>
-            <a:r>
-              <a:rPr lang="ru-RU" sz="100" dirty="0" smtClean="0"/>
-              <a:t>.)</a:t>
-            </a:r>
+              <a:t>морского дела и </a:t>
+            </a:r>
+            <a:r>
+              <a:rPr lang="ru-RU" sz="700" dirty="0" smtClean="0"/>
+              <a:t>артиллерии</a:t>
+            </a:r>
+            <a:endParaRPr lang="ru-RU" sz="100" dirty="0" smtClean="0"/>
           </a:p>
         </p:txBody>
       </p:sp>
@@ -21750,11 +21579,11 @@
             <a:pPr algn="ctr"/>
             <a:r>
               <a:rPr lang="ru-RU" sz="700" dirty="0" smtClean="0"/>
-              <a:t>Поддержка германского и итальянских флотов </a:t>
-            </a:r>
-            <a:r>
-              <a:rPr lang="ru-RU" sz="400" dirty="0" smtClean="0"/>
-              <a:t>(+2 подводных лодки, +4 эсминца нуждающиеся в ремонте)</a:t>
+              <a:t>Поддержка германского и итальянских </a:t>
+            </a:r>
+            <a:r>
+              <a:rPr lang="ru-RU" sz="700" dirty="0" smtClean="0"/>
+              <a:t>флотов</a:t>
             </a:r>
             <a:endParaRPr lang="ru-RU" sz="100" dirty="0" smtClean="0"/>
           </a:p>
@@ -21802,7 +21631,11 @@
             <a:pPr algn="ctr"/>
             <a:r>
               <a:rPr lang="ru-RU" sz="700" dirty="0" smtClean="0"/>
-              <a:t>Испанские тральщики (+два тральщика и минная технология)</a:t>
+              <a:t>Испанские </a:t>
+            </a:r>
+            <a:r>
+              <a:rPr lang="ru-RU" sz="700" dirty="0" smtClean="0"/>
+              <a:t>тральщики</a:t>
             </a:r>
             <a:endParaRPr lang="ru-RU" sz="100" dirty="0" smtClean="0"/>
           </a:p>
@@ -22115,28 +21948,8 @@
           <a:p>
             <a:pPr algn="ctr"/>
             <a:r>
-              <a:rPr lang="ru-RU" sz="700" dirty="0"/>
-              <a:t>Воздушные силы Африки </a:t>
-            </a:r>
-            <a:r>
-              <a:rPr lang="ru-RU" sz="300" dirty="0"/>
-              <a:t>(с несколькими базами, распределенными под испанским протекторатом Марокко, и некоторыми тренировочными отрядами, базирующимися в основном в Куатро </a:t>
-            </a:r>
-            <a:r>
-              <a:rPr lang="ru-RU" sz="300" dirty="0" err="1"/>
-              <a:t>Вьентоше</a:t>
-            </a:r>
-            <a:r>
-              <a:rPr lang="ru-RU" sz="300" dirty="0"/>
-              <a:t> и Лос-</a:t>
-            </a:r>
-            <a:r>
-              <a:rPr lang="ru-RU" sz="300" dirty="0" err="1"/>
-              <a:t>Алькасаресе</a:t>
-            </a:r>
-            <a:r>
-              <a:rPr lang="ru-RU" sz="300" dirty="0" smtClean="0"/>
-              <a:t>.)</a:t>
+              <a:rPr lang="ru-RU" sz="700" dirty="0" smtClean="0"/>
+              <a:t>Усиление ВВС в Африке</a:t>
             </a:r>
             <a:endParaRPr lang="ru-RU" sz="100" dirty="0" smtClean="0"/>
           </a:p>
@@ -22230,7 +22043,7 @@
             <a:pPr algn="ctr"/>
             <a:r>
               <a:rPr lang="ru-RU" sz="700" dirty="0" smtClean="0"/>
-              <a:t>ВВС Испанской Республики </a:t>
+              <a:t>Восстановить ВВС Республики </a:t>
             </a:r>
             <a:r>
               <a:rPr lang="ru-RU" sz="500" dirty="0" smtClean="0"/>
@@ -22281,16 +22094,8 @@
           <a:p>
             <a:pPr algn="ctr"/>
             <a:r>
-              <a:rPr lang="ru-RU" sz="700" dirty="0"/>
-              <a:t>Легион Кондор </a:t>
-            </a:r>
-            <a:r>
-              <a:rPr lang="ru-RU" sz="300" dirty="0"/>
-              <a:t>(Со стороны Франко, помимо итальянских и немецких авиаторов из легионеров авиации и легиона Кондор, были и другие иностранные летчики, которые в личном качестве служили в испанских авиационных частях</a:t>
-            </a:r>
-            <a:r>
-              <a:rPr lang="ru-RU" sz="300" dirty="0" smtClean="0"/>
-              <a:t>.)</a:t>
+              <a:rPr lang="ru-RU" sz="700" dirty="0" smtClean="0"/>
+              <a:t>Принять иностранных лётчиков</a:t>
             </a:r>
             <a:endParaRPr lang="ru-RU" sz="100" dirty="0" smtClean="0"/>
           </a:p>
@@ -22336,27 +22141,7 @@
             <a:pPr algn="ctr"/>
             <a:r>
               <a:rPr lang="ru-RU" sz="700" dirty="0" smtClean="0"/>
-              <a:t>Авиакорпус </a:t>
-            </a:r>
-            <a:r>
-              <a:rPr lang="ru-RU" sz="700" dirty="0" err="1" smtClean="0"/>
-              <a:t>Смишкевича</a:t>
-            </a:r>
-            <a:r>
-              <a:rPr lang="ru-RU" sz="700" dirty="0" smtClean="0"/>
-              <a:t> </a:t>
-            </a:r>
-            <a:r>
-              <a:rPr lang="ru-RU" sz="200" dirty="0"/>
-              <a:t>(В республиканской авиации, помимо частей советского авиакорпуса полковника </a:t>
-            </a:r>
-            <a:r>
-              <a:rPr lang="ru-RU" sz="200" dirty="0" err="1"/>
-              <a:t>Смушкевича</a:t>
-            </a:r>
-            <a:r>
-              <a:rPr lang="ru-RU" sz="200" dirty="0"/>
-              <a:t>, американцев генерала Дугласа и французской эскадрильи Андре Мальро, воевали и отдельные летчики других национальностей.)</a:t>
+              <a:t>Иностранный авиакорпус</a:t>
             </a:r>
             <a:endParaRPr lang="ru-RU" sz="100" dirty="0" smtClean="0"/>
           </a:p>
@@ -22407,28 +22192,8 @@
               <a:t>Новые </a:t>
             </a:r>
             <a:r>
-              <a:rPr lang="ru-RU" sz="700" dirty="0"/>
-              <a:t>истребители </a:t>
-            </a:r>
-            <a:r>
-              <a:rPr lang="ru-RU" sz="500" dirty="0"/>
-              <a:t>(шесть </a:t>
-            </a:r>
-            <a:r>
-              <a:rPr lang="en-US" sz="500" dirty="0" err="1"/>
-              <a:t>Heinkel</a:t>
-            </a:r>
-            <a:r>
-              <a:rPr lang="en-US" sz="500" dirty="0"/>
-              <a:t> </a:t>
-            </a:r>
-            <a:r>
-              <a:rPr lang="en-US" sz="500" dirty="0" smtClean="0"/>
-              <a:t>He-51</a:t>
-            </a:r>
-            <a:r>
-              <a:rPr lang="ru-RU" sz="500" dirty="0" smtClean="0"/>
-              <a:t>, +1х 100% к темпам исследования истребителей </a:t>
+              <a:rPr lang="ru-RU" sz="700" dirty="0" smtClean="0"/>
+              <a:t>истребители</a:t>
             </a:r>
             <a:endParaRPr lang="ru-RU" sz="100" dirty="0" smtClean="0"/>
           </a:p>
@@ -22528,27 +22293,11 @@
             <a:pPr algn="ctr"/>
             <a:r>
               <a:rPr lang="ru-RU" sz="700" dirty="0" smtClean="0"/>
-              <a:t>Французские истребители </a:t>
-            </a:r>
-            <a:r>
-              <a:rPr lang="ru-RU" sz="500" dirty="0"/>
-              <a:t>(13 истребителей </a:t>
-            </a:r>
-            <a:r>
-              <a:rPr lang="en-US" sz="500" dirty="0" err="1"/>
-              <a:t>Dewoitine</a:t>
-            </a:r>
-            <a:r>
-              <a:rPr lang="en-US" sz="500" dirty="0"/>
-              <a:t> </a:t>
-            </a:r>
-            <a:r>
-              <a:rPr lang="en-US" sz="500" dirty="0" smtClean="0"/>
-              <a:t>D-371</a:t>
-            </a:r>
-            <a:r>
-              <a:rPr lang="ru-RU" sz="500" dirty="0" smtClean="0"/>
-              <a:t>, 79 довоенных истребителя)</a:t>
+              <a:t>Французские </a:t>
+            </a:r>
+            <a:r>
+              <a:rPr lang="ru-RU" sz="700" dirty="0" smtClean="0"/>
+              <a:t>истребители</a:t>
             </a:r>
             <a:endParaRPr lang="ru-RU" sz="100" dirty="0" smtClean="0"/>
           </a:p>
@@ -22602,62 +22351,6 @@
               <a:rPr lang="ru-RU" sz="700" dirty="0" err="1" smtClean="0"/>
               <a:t>Мёльдирса</a:t>
             </a:r>
-            <a:r>
-              <a:rPr lang="ru-RU" sz="700" dirty="0"/>
-              <a:t> </a:t>
-            </a:r>
-            <a:r>
-              <a:rPr lang="ru-RU" sz="100" dirty="0"/>
-              <a:t>(немецких добровольцев Легиона Кондор и стремительного </a:t>
-            </a:r>
-            <a:r>
-              <a:rPr lang="ru-RU" sz="100" dirty="0" err="1"/>
-              <a:t>Мессершмитта</a:t>
-            </a:r>
-            <a:r>
-              <a:rPr lang="ru-RU" sz="100" dirty="0"/>
-              <a:t> Bf-109 заставило их командира Вернера </a:t>
-            </a:r>
-            <a:r>
-              <a:rPr lang="ru-RU" sz="100" dirty="0" err="1"/>
-              <a:t>Мёльдерса</a:t>
-            </a:r>
-            <a:r>
-              <a:rPr lang="ru-RU" sz="100" dirty="0"/>
-              <a:t> отказаться от старых формирований </a:t>
-            </a:r>
-            <a:r>
-              <a:rPr lang="ru-RU" sz="100" dirty="0" err="1"/>
-              <a:t>Кетте</a:t>
-            </a:r>
-            <a:r>
-              <a:rPr lang="ru-RU" sz="100" dirty="0"/>
-              <a:t> (из 3 самолетов, использовавшихся в 1-м рейде). GM) и разработать новую тактику. Начало использования формирования 4-х самолетов </a:t>
-            </a:r>
-            <a:r>
-              <a:rPr lang="ru-RU" sz="100" dirty="0" err="1"/>
-              <a:t>Schwarmгораздо</a:t>
-            </a:r>
-            <a:r>
-              <a:rPr lang="ru-RU" sz="100" dirty="0"/>
-              <a:t> более эффективный, который в то же время можно было разделить на две пары под названием </a:t>
-            </a:r>
-            <a:r>
-              <a:rPr lang="ru-RU" sz="100" dirty="0" err="1"/>
-              <a:t>Rotte</a:t>
-            </a:r>
-            <a:r>
-              <a:rPr lang="ru-RU" sz="100" dirty="0"/>
-              <a:t> , в которых следовал самый запаздывающий самолет под названием </a:t>
-            </a:r>
-            <a:r>
-              <a:rPr lang="ru-RU" sz="100" dirty="0" err="1"/>
-              <a:t>Punto</a:t>
-            </a:r>
-            <a:r>
-              <a:rPr lang="ru-RU" sz="100" dirty="0"/>
-              <a:t> и в то же время прикрывал лидера .)</a:t>
-            </a:r>
             <a:endParaRPr lang="ru-RU" sz="100" dirty="0" smtClean="0"/>
           </a:p>
         </p:txBody>
@@ -22708,15 +22401,11 @@
             </a:r>
             <a:r>
               <a:rPr lang="ru-RU" sz="700" dirty="0"/>
-              <a:t>в крыльях </a:t>
-            </a:r>
-            <a:r>
-              <a:rPr lang="ru-RU" sz="200" dirty="0"/>
-              <a:t>(Использование радио помогло этому обучению иметь большую оперативную гибкость за счет возможности увеличения расстояния между устройствами, поскольку они не зависели от визуальных сигналов для координации</a:t>
-            </a:r>
-            <a:r>
-              <a:rPr lang="ru-RU" sz="200" dirty="0" smtClean="0"/>
-              <a:t>.)</a:t>
+              <a:t>в </a:t>
+            </a:r>
+            <a:r>
+              <a:rPr lang="ru-RU" sz="700" dirty="0" smtClean="0"/>
+              <a:t>крыльях</a:t>
             </a:r>
             <a:endParaRPr lang="ru-RU" sz="100" dirty="0" smtClean="0"/>
           </a:p>
@@ -22820,19 +22509,11 @@
             <a:pPr algn="ctr"/>
             <a:r>
               <a:rPr lang="ru-RU" sz="700" dirty="0" smtClean="0"/>
-              <a:t>Шторм и пламя </a:t>
-            </a:r>
-            <a:r>
-              <a:rPr lang="ru-RU" sz="500" dirty="0" smtClean="0"/>
-              <a:t>(благодаря опыту </a:t>
-            </a:r>
-            <a:r>
-              <a:rPr lang="ru-RU" sz="500" dirty="0" err="1" smtClean="0"/>
-              <a:t>юзания</a:t>
-            </a:r>
-            <a:r>
-              <a:rPr lang="ru-RU" sz="500" dirty="0" smtClean="0"/>
-              <a:t> советских штурмовиков и бомбардировщиков + к темпам оных)</a:t>
+              <a:t>Шторм и </a:t>
+            </a:r>
+            <a:r>
+              <a:rPr lang="ru-RU" sz="700" dirty="0" smtClean="0"/>
+              <a:t>пламя</a:t>
             </a:r>
             <a:endParaRPr lang="ru-RU" sz="100" dirty="0" smtClean="0"/>
           </a:p>
@@ -22876,7 +22557,15 @@
             <a:pPr algn="ctr"/>
             <a:r>
               <a:rPr lang="ru-RU" sz="700" dirty="0" smtClean="0"/>
-              <a:t>Создание министерства авиации и ВВС Испании </a:t>
+              <a:t>Создание министерства </a:t>
+            </a:r>
+            <a:r>
+              <a:rPr lang="ru-RU" sz="700" dirty="0" smtClean="0"/>
+              <a:t>ВВС </a:t>
+            </a:r>
+            <a:r>
+              <a:rPr lang="ru-RU" sz="700" dirty="0" smtClean="0"/>
+              <a:t>Испании </a:t>
             </a:r>
           </a:p>
         </p:txBody>
@@ -23879,7 +23568,7 @@
         </p:nvSpPr>
         <p:spPr>
           <a:xfrm>
-            <a:off x="8396773" y="20307992"/>
+            <a:off x="17811988" y="20235933"/>
             <a:ext cx="926325" cy="540000"/>
           </a:xfrm>
           <a:prstGeom prst="rect">

--- a/Наработки/диздоки/Испания/Испания правые.pptx
+++ b/Наработки/диздоки/Испания/Испания правые.pptx
@@ -209,7 +209,7 @@
             <a:fld id="{33E3D7F9-E251-484C-A6FF-FA958879DF69}" type="datetimeFigureOut">
               <a:rPr lang="ru-RU" smtClean="0"/>
               <a:pPr/>
-              <a:t>01.09.2021</a:t>
+              <a:t>02.09.2021</a:t>
             </a:fld>
             <a:endParaRPr lang="ru-RU"/>
           </a:p>
@@ -700,7 +700,7 @@
             <a:fld id="{85A5DE44-605B-4D3B-B2B7-94543DF81A36}" type="datetimeFigureOut">
               <a:rPr lang="ru-RU" smtClean="0"/>
               <a:pPr/>
-              <a:t>01.09.2021</a:t>
+              <a:t>02.09.2021</a:t>
             </a:fld>
             <a:endParaRPr lang="ru-RU"/>
           </a:p>
@@ -872,7 +872,7 @@
             <a:fld id="{85A5DE44-605B-4D3B-B2B7-94543DF81A36}" type="datetimeFigureOut">
               <a:rPr lang="ru-RU" smtClean="0"/>
               <a:pPr/>
-              <a:t>01.09.2021</a:t>
+              <a:t>02.09.2021</a:t>
             </a:fld>
             <a:endParaRPr lang="ru-RU"/>
           </a:p>
@@ -1054,7 +1054,7 @@
             <a:fld id="{85A5DE44-605B-4D3B-B2B7-94543DF81A36}" type="datetimeFigureOut">
               <a:rPr lang="ru-RU" smtClean="0"/>
               <a:pPr/>
-              <a:t>01.09.2021</a:t>
+              <a:t>02.09.2021</a:t>
             </a:fld>
             <a:endParaRPr lang="ru-RU"/>
           </a:p>
@@ -1226,7 +1226,7 @@
             <a:fld id="{85A5DE44-605B-4D3B-B2B7-94543DF81A36}" type="datetimeFigureOut">
               <a:rPr lang="ru-RU" smtClean="0"/>
               <a:pPr/>
-              <a:t>01.09.2021</a:t>
+              <a:t>02.09.2021</a:t>
             </a:fld>
             <a:endParaRPr lang="ru-RU"/>
           </a:p>
@@ -1474,7 +1474,7 @@
             <a:fld id="{85A5DE44-605B-4D3B-B2B7-94543DF81A36}" type="datetimeFigureOut">
               <a:rPr lang="ru-RU" smtClean="0"/>
               <a:pPr/>
-              <a:t>01.09.2021</a:t>
+              <a:t>02.09.2021</a:t>
             </a:fld>
             <a:endParaRPr lang="ru-RU"/>
           </a:p>
@@ -1708,7 +1708,7 @@
             <a:fld id="{85A5DE44-605B-4D3B-B2B7-94543DF81A36}" type="datetimeFigureOut">
               <a:rPr lang="ru-RU" smtClean="0"/>
               <a:pPr/>
-              <a:t>01.09.2021</a:t>
+              <a:t>02.09.2021</a:t>
             </a:fld>
             <a:endParaRPr lang="ru-RU"/>
           </a:p>
@@ -2077,7 +2077,7 @@
             <a:fld id="{85A5DE44-605B-4D3B-B2B7-94543DF81A36}" type="datetimeFigureOut">
               <a:rPr lang="ru-RU" smtClean="0"/>
               <a:pPr/>
-              <a:t>01.09.2021</a:t>
+              <a:t>02.09.2021</a:t>
             </a:fld>
             <a:endParaRPr lang="ru-RU"/>
           </a:p>
@@ -2197,7 +2197,7 @@
             <a:fld id="{85A5DE44-605B-4D3B-B2B7-94543DF81A36}" type="datetimeFigureOut">
               <a:rPr lang="ru-RU" smtClean="0"/>
               <a:pPr/>
-              <a:t>01.09.2021</a:t>
+              <a:t>02.09.2021</a:t>
             </a:fld>
             <a:endParaRPr lang="ru-RU"/>
           </a:p>
@@ -2294,7 +2294,7 @@
             <a:fld id="{85A5DE44-605B-4D3B-B2B7-94543DF81A36}" type="datetimeFigureOut">
               <a:rPr lang="ru-RU" smtClean="0"/>
               <a:pPr/>
-              <a:t>01.09.2021</a:t>
+              <a:t>02.09.2021</a:t>
             </a:fld>
             <a:endParaRPr lang="ru-RU"/>
           </a:p>
@@ -2573,7 +2573,7 @@
             <a:fld id="{85A5DE44-605B-4D3B-B2B7-94543DF81A36}" type="datetimeFigureOut">
               <a:rPr lang="ru-RU" smtClean="0"/>
               <a:pPr/>
-              <a:t>01.09.2021</a:t>
+              <a:t>02.09.2021</a:t>
             </a:fld>
             <a:endParaRPr lang="ru-RU"/>
           </a:p>
@@ -2832,7 +2832,7 @@
             <a:fld id="{85A5DE44-605B-4D3B-B2B7-94543DF81A36}" type="datetimeFigureOut">
               <a:rPr lang="ru-RU" smtClean="0"/>
               <a:pPr/>
-              <a:t>01.09.2021</a:t>
+              <a:t>02.09.2021</a:t>
             </a:fld>
             <a:endParaRPr lang="ru-RU"/>
           </a:p>
@@ -3047,7 +3047,7 @@
             <a:fld id="{85A5DE44-605B-4D3B-B2B7-94543DF81A36}" type="datetimeFigureOut">
               <a:rPr lang="ru-RU" smtClean="0"/>
               <a:pPr/>
-              <a:t>01.09.2021</a:t>
+              <a:t>02.09.2021</a:t>
             </a:fld>
             <a:endParaRPr lang="ru-RU"/>
           </a:p>
@@ -3745,14 +3745,14 @@
           <a:p>
             <a:pPr algn="ctr"/>
             <a:r>
+              <a:rPr lang="ru-RU" sz="700" dirty="0"/>
+              <a:t>Создать объединённое </a:t>
+            </a:r>
+            <a:r>
               <a:rPr lang="ru-RU" sz="700" dirty="0" smtClean="0"/>
-              <a:t>Привлечь </a:t>
-            </a:r>
-            <a:r>
-              <a:rPr lang="ru-RU" sz="700" dirty="0" err="1" smtClean="0"/>
-              <a:t>рекетэ</a:t>
-            </a:r>
-            <a:endParaRPr lang="ru-RU" sz="700" dirty="0"/>
+              <a:t>правительство</a:t>
+            </a:r>
+            <a:endParaRPr lang="ru-RU" sz="300" dirty="0"/>
           </a:p>
         </p:txBody>
       </p:sp>
@@ -3860,7 +3860,7 @@
         </p:nvSpPr>
         <p:spPr>
           <a:xfrm>
-            <a:off x="6214323" y="4106488"/>
+            <a:off x="6743032" y="3342720"/>
             <a:ext cx="926325" cy="540000"/>
           </a:xfrm>
           <a:prstGeom prst="rect">
@@ -3894,7 +3894,7 @@
             <a:pPr algn="ctr"/>
             <a:r>
               <a:rPr lang="ru-RU" sz="700" dirty="0" smtClean="0"/>
-              <a:t>Построить военные заводы по германскому образцу</a:t>
+              <a:t>Принять военного атташе из Германии </a:t>
             </a:r>
             <a:endParaRPr lang="ru-RU" sz="700" dirty="0"/>
           </a:p>
@@ -4025,30 +4025,14 @@
           <a:p>
             <a:pPr algn="ctr"/>
             <a:r>
-              <a:rPr lang="ru-RU" sz="700" dirty="0" smtClean="0"/>
-              <a:t>Договориться о правительстве с </a:t>
-            </a:r>
-            <a:r>
-              <a:rPr lang="ru-RU" sz="700" dirty="0" err="1" smtClean="0"/>
-              <a:t>Фаль</a:t>
-            </a:r>
-            <a:r>
-              <a:rPr lang="ru-RU" sz="700" dirty="0" smtClean="0"/>
-              <a:t> </a:t>
-            </a:r>
-            <a:r>
-              <a:rPr lang="ru-RU" sz="700" dirty="0" err="1" smtClean="0"/>
-              <a:t>Конде</a:t>
-            </a:r>
-            <a:r>
-              <a:rPr lang="ru-RU" sz="700" dirty="0" smtClean="0"/>
-              <a:t> </a:t>
-            </a:r>
-            <a:r>
-              <a:rPr lang="ru-RU" sz="300" dirty="0" smtClean="0"/>
-              <a:t>(обсуждали что во главе будет президент, министр промышленности и министр образования)</a:t>
-            </a:r>
-            <a:endParaRPr lang="ru-RU" sz="300" dirty="0"/>
+              <a:rPr lang="ru-RU" sz="700" dirty="0"/>
+              <a:t>Привлечь </a:t>
+            </a:r>
+            <a:r>
+              <a:rPr lang="ru-RU" sz="700" dirty="0" err="1"/>
+              <a:t>рекетэ</a:t>
+            </a:r>
+            <a:endParaRPr lang="ru-RU" sz="700" dirty="0"/>
           </a:p>
         </p:txBody>
       </p:sp>
@@ -4056,15 +4040,15 @@
         <p:nvCxnSpPr>
           <p:cNvPr id="27" name="Соединительная линия уступом 26"/>
           <p:cNvCxnSpPr>
-            <a:stCxn id="19" idx="2"/>
+            <a:stCxn id="719" idx="2"/>
             <a:endCxn id="21" idx="0"/>
           </p:cNvCxnSpPr>
           <p:nvPr/>
         </p:nvCxnSpPr>
         <p:spPr>
           <a:xfrm rot="16200000" flipH="1">
-            <a:off x="6281492" y="3710494"/>
-            <a:ext cx="222000" cy="569988"/>
+            <a:off x="5460510" y="1597035"/>
+            <a:ext cx="220232" cy="3271137"/>
           </a:xfrm>
           <a:prstGeom prst="bentConnector3">
             <a:avLst>
@@ -4207,8 +4191,12 @@
           <a:p>
             <a:pPr algn="ctr"/>
             <a:r>
+              <a:rPr lang="ru-RU" sz="700" dirty="0"/>
+              <a:t>Верность новому </a:t>
+            </a:r>
+            <a:r>
               <a:rPr lang="ru-RU" sz="700" dirty="0" smtClean="0"/>
-              <a:t>Избавиться от партийной системы</a:t>
+              <a:t>вождю</a:t>
             </a:r>
             <a:endParaRPr lang="ru-RU" sz="700" dirty="0"/>
           </a:p>
@@ -4259,8 +4247,8 @@
           <a:p>
             <a:pPr algn="ctr"/>
             <a:r>
-              <a:rPr lang="ru-RU" sz="700" dirty="0" smtClean="0"/>
-              <a:t>Верность новому вождю</a:t>
+              <a:rPr lang="ru-RU" sz="700"/>
+              <a:t>Избавиться от партийной системы</a:t>
             </a:r>
             <a:endParaRPr lang="ru-RU" sz="700" dirty="0"/>
           </a:p>
@@ -4652,11 +4640,7 @@
             <a:pPr algn="ctr"/>
             <a:r>
               <a:rPr lang="ru-RU" sz="700" dirty="0" smtClean="0"/>
-              <a:t>Возвращение новой Испании (клейм на </a:t>
-            </a:r>
-            <a:r>
-              <a:rPr lang="ru-RU" sz="700" dirty="0" smtClean="0"/>
-              <a:t>Мексику)</a:t>
+              <a:t>Возвращение новой Испании (клейм на Мексику)</a:t>
             </a:r>
             <a:endParaRPr lang="ru-RU" sz="700" dirty="0"/>
           </a:p>
@@ -4894,15 +4878,15 @@
         <p:nvCxnSpPr>
           <p:cNvPr id="69" name="Соединительная линия уступом 68"/>
           <p:cNvCxnSpPr>
-            <a:stCxn id="32" idx="2"/>
+            <a:stCxn id="18" idx="2"/>
             <a:endCxn id="33" idx="0"/>
           </p:cNvCxnSpPr>
           <p:nvPr/>
         </p:nvCxnSpPr>
         <p:spPr>
           <a:xfrm rot="16200000" flipH="1">
-            <a:off x="3014432" y="3751013"/>
-            <a:ext cx="215650" cy="508000"/>
+            <a:off x="2503392" y="3239973"/>
+            <a:ext cx="216474" cy="1529255"/>
           </a:xfrm>
           <a:prstGeom prst="bentConnector3">
             <a:avLst>
@@ -18408,9 +18392,37 @@
             <a:pPr algn="ctr"/>
             <a:r>
               <a:rPr lang="ru-RU" sz="700" dirty="0" smtClean="0"/>
-              <a:t>Основать Испанскую директорию</a:t>
-            </a:r>
-            <a:endParaRPr lang="ru-RU" sz="600" dirty="0"/>
+              <a:t>Основать Испанскую </a:t>
+            </a:r>
+            <a:r>
+              <a:rPr lang="ru-RU" sz="700" dirty="0"/>
+              <a:t>директорию </a:t>
+            </a:r>
+            <a:r>
+              <a:rPr lang="ru-RU" sz="100" dirty="0"/>
+              <a:t>(</a:t>
+            </a:r>
+            <a:r>
+              <a:rPr lang="ru-RU" sz="100" dirty="0" err="1"/>
+              <a:t>олжна</a:t>
+            </a:r>
+            <a:r>
+              <a:rPr lang="ru-RU" sz="100" dirty="0"/>
+              <a:t> быть создана «Директория», включающая президента и четырех других членов. Все в ее составе должны быть </a:t>
+            </a:r>
+            <a:r>
+              <a:rPr lang="ru-RU" sz="100" dirty="0" err="1"/>
+              <a:t>офицерами.Они</a:t>
+            </a:r>
+            <a:r>
+              <a:rPr lang="ru-RU" sz="100" dirty="0"/>
+              <a:t> будут наделены правом издавать законы, которые будут ратифицированы законодатель- ной ассамблеей. Последняя станет избранной «в соответствии с избирательным правом, кото- рое будет сочтено наиболее подходящим». Действие кортесов и Конституции 1931 года, без сомнения, будет приостановлено. Законы, не соответствующие «новой органической системе» государства, отменяются, а тех, кто «черпает идеи из-за границы», объявят вне закона</a:t>
+            </a:r>
+            <a:r>
+              <a:rPr lang="ru-RU" sz="100" dirty="0" smtClean="0"/>
+              <a:t>.)</a:t>
+            </a:r>
+            <a:endParaRPr lang="ru-RU" sz="100" dirty="0"/>
           </a:p>
         </p:txBody>
       </p:sp>
@@ -22678,11 +22690,7 @@
             <a:pPr algn="ctr"/>
             <a:r>
               <a:rPr lang="ru-RU" sz="700" dirty="0" smtClean="0"/>
-              <a:t>Сохранить армию </a:t>
-            </a:r>
-            <a:r>
-              <a:rPr lang="ru-RU" sz="700" dirty="0" smtClean="0"/>
-              <a:t>добровольцев</a:t>
+              <a:t>Сохранить армию добровольцев</a:t>
             </a:r>
             <a:endParaRPr lang="ru-RU" sz="100" dirty="0" smtClean="0"/>
           </a:p>
@@ -22766,11 +22774,7 @@
             <a:pPr algn="ctr"/>
             <a:r>
               <a:rPr lang="ru-RU" sz="700" dirty="0" smtClean="0"/>
-              <a:t>Министерство национальной </a:t>
-            </a:r>
-            <a:r>
-              <a:rPr lang="ru-RU" sz="700" dirty="0" smtClean="0"/>
-              <a:t>обороны</a:t>
+              <a:t>Министерство национальной обороны</a:t>
             </a:r>
             <a:endParaRPr lang="ru-RU" sz="100" dirty="0" smtClean="0"/>
           </a:p>
@@ -23158,11 +23162,7 @@
             <a:pPr algn="ctr"/>
             <a:r>
               <a:rPr lang="ru-RU" sz="700" dirty="0" smtClean="0"/>
-              <a:t>Подножные </a:t>
-            </a:r>
-            <a:r>
-              <a:rPr lang="ru-RU" sz="700" dirty="0" smtClean="0"/>
-              <a:t>ресурсы</a:t>
+              <a:t>Подножные ресурсы</a:t>
             </a:r>
             <a:endParaRPr lang="ru-RU" sz="100" dirty="0" smtClean="0"/>
           </a:p>
@@ -23246,11 +23246,7 @@
             <a:pPr algn="ctr"/>
             <a:r>
               <a:rPr lang="ru-RU" sz="700" dirty="0" smtClean="0"/>
-              <a:t>Создание манёвренной </a:t>
-            </a:r>
-            <a:r>
-              <a:rPr lang="ru-RU" sz="700" dirty="0" smtClean="0"/>
-              <a:t>армии</a:t>
+              <a:t>Создание манёвренной армии</a:t>
             </a:r>
             <a:endParaRPr lang="ru-RU" sz="100" dirty="0" smtClean="0"/>
           </a:p>
@@ -36596,6 +36592,266 @@
             <a:avLst>
               <a:gd name="adj1" fmla="val 50000"/>
             </a:avLst>
+          </a:prstGeom>
+          <a:ln w="19050">
+            <a:tailEnd type="arrow"/>
+          </a:ln>
+        </p:spPr>
+        <p:style>
+          <a:lnRef idx="1">
+            <a:schemeClr val="accent1"/>
+          </a:lnRef>
+          <a:fillRef idx="0">
+            <a:schemeClr val="accent1"/>
+          </a:fillRef>
+          <a:effectRef idx="0">
+            <a:schemeClr val="accent1"/>
+          </a:effectRef>
+          <a:fontRef idx="minor">
+            <a:schemeClr val="tx1"/>
+          </a:fontRef>
+        </p:style>
+      </p:cxnSp>
+      <p:sp>
+        <p:nvSpPr>
+          <p:cNvPr id="749" name="Прямоугольник 748"/>
+          <p:cNvSpPr/>
+          <p:nvPr/>
+        </p:nvSpPr>
+        <p:spPr>
+          <a:xfrm>
+            <a:off x="6229039" y="4099789"/>
+            <a:ext cx="926325" cy="540000"/>
+          </a:xfrm>
+          <a:prstGeom prst="rect">
+            <a:avLst/>
+          </a:prstGeom>
+          <a:solidFill>
+            <a:schemeClr val="bg1">
+              <a:lumMod val="50000"/>
+            </a:schemeClr>
+          </a:solidFill>
+          <a:ln w="19050"/>
+        </p:spPr>
+        <p:style>
+          <a:lnRef idx="2">
+            <a:schemeClr val="accent1"/>
+          </a:lnRef>
+          <a:fillRef idx="1">
+            <a:schemeClr val="lt1"/>
+          </a:fillRef>
+          <a:effectRef idx="0">
+            <a:schemeClr val="accent1"/>
+          </a:effectRef>
+          <a:fontRef idx="minor">
+            <a:schemeClr val="dk1"/>
+          </a:fontRef>
+        </p:style>
+        <p:txBody>
+          <a:bodyPr lIns="124733" tIns="62367" rIns="124733" bIns="62367" rtlCol="0" anchor="ctr"/>
+          <a:lstStyle/>
+          <a:p>
+            <a:pPr algn="ctr"/>
+            <a:r>
+              <a:rPr lang="ru-RU" sz="700" dirty="0" smtClean="0"/>
+              <a:t>Построить военные заводы по германскому образцу</a:t>
+            </a:r>
+            <a:endParaRPr lang="ru-RU" sz="700" dirty="0"/>
+          </a:p>
+        </p:txBody>
+      </p:sp>
+      <p:cxnSp>
+        <p:nvCxnSpPr>
+          <p:cNvPr id="785" name="Соединительная линия уступом 784"/>
+          <p:cNvCxnSpPr>
+            <a:stCxn id="19" idx="2"/>
+            <a:endCxn id="749" idx="0"/>
+          </p:cNvCxnSpPr>
+          <p:nvPr/>
+        </p:nvCxnSpPr>
+        <p:spPr>
+          <a:xfrm rot="16200000" flipH="1">
+            <a:off x="6292200" y="3699786"/>
+            <a:ext cx="215301" cy="584704"/>
+          </a:xfrm>
+          <a:prstGeom prst="bentConnector3">
+            <a:avLst>
+              <a:gd name="adj1" fmla="val 50000"/>
+            </a:avLst>
+          </a:prstGeom>
+          <a:ln w="19050">
+            <a:tailEnd type="arrow"/>
+          </a:ln>
+        </p:spPr>
+        <p:style>
+          <a:lnRef idx="1">
+            <a:schemeClr val="accent1"/>
+          </a:lnRef>
+          <a:fillRef idx="0">
+            <a:schemeClr val="accent1"/>
+          </a:fillRef>
+          <a:effectRef idx="0">
+            <a:schemeClr val="accent1"/>
+          </a:effectRef>
+          <a:fontRef idx="minor">
+            <a:schemeClr val="tx1"/>
+          </a:fontRef>
+        </p:style>
+      </p:cxnSp>
+      <p:sp>
+        <p:nvSpPr>
+          <p:cNvPr id="818" name="Прямоугольник 817"/>
+          <p:cNvSpPr/>
+          <p:nvPr/>
+        </p:nvSpPr>
+        <p:spPr>
+          <a:xfrm>
+            <a:off x="849025" y="7223721"/>
+            <a:ext cx="926325" cy="540000"/>
+          </a:xfrm>
+          <a:prstGeom prst="rect">
+            <a:avLst/>
+          </a:prstGeom>
+          <a:solidFill>
+            <a:schemeClr val="bg1">
+              <a:lumMod val="50000"/>
+            </a:schemeClr>
+          </a:solidFill>
+          <a:ln w="19050"/>
+        </p:spPr>
+        <p:style>
+          <a:lnRef idx="2">
+            <a:schemeClr val="accent1"/>
+          </a:lnRef>
+          <a:fillRef idx="1">
+            <a:schemeClr val="lt1"/>
+          </a:fillRef>
+          <a:effectRef idx="0">
+            <a:schemeClr val="accent1"/>
+          </a:effectRef>
+          <a:fontRef idx="minor">
+            <a:schemeClr val="dk1"/>
+          </a:fontRef>
+        </p:style>
+        <p:txBody>
+          <a:bodyPr lIns="124733" tIns="62367" rIns="124733" bIns="62367" rtlCol="0" anchor="ctr"/>
+          <a:lstStyle/>
+          <a:p>
+            <a:pPr algn="ctr"/>
+            <a:r>
+              <a:rPr lang="ru-RU" sz="700" dirty="0" smtClean="0"/>
+              <a:t>Подготовить плацдарм из островов</a:t>
+            </a:r>
+            <a:endParaRPr lang="ru-RU" sz="700" dirty="0"/>
+          </a:p>
+        </p:txBody>
+      </p:sp>
+      <p:cxnSp>
+        <p:nvCxnSpPr>
+          <p:cNvPr id="822" name="Соединительная линия уступом 821"/>
+          <p:cNvCxnSpPr>
+            <a:stCxn id="403" idx="2"/>
+            <a:endCxn id="818" idx="0"/>
+          </p:cNvCxnSpPr>
+          <p:nvPr/>
+        </p:nvCxnSpPr>
+        <p:spPr>
+          <a:xfrm rot="5400000">
+            <a:off x="1445835" y="6836408"/>
+            <a:ext cx="253666" cy="520960"/>
+          </a:xfrm>
+          <a:prstGeom prst="bentConnector3">
+            <a:avLst>
+              <a:gd name="adj1" fmla="val 50000"/>
+            </a:avLst>
+          </a:prstGeom>
+          <a:ln w="19050">
+            <a:tailEnd type="arrow"/>
+          </a:ln>
+        </p:spPr>
+        <p:style>
+          <a:lnRef idx="1">
+            <a:schemeClr val="accent1"/>
+          </a:lnRef>
+          <a:fillRef idx="0">
+            <a:schemeClr val="accent1"/>
+          </a:fillRef>
+          <a:effectRef idx="0">
+            <a:schemeClr val="accent1"/>
+          </a:effectRef>
+          <a:fontRef idx="minor">
+            <a:schemeClr val="tx1"/>
+          </a:fontRef>
+        </p:style>
+      </p:cxnSp>
+      <p:sp>
+        <p:nvSpPr>
+          <p:cNvPr id="824" name="Прямоугольник 823"/>
+          <p:cNvSpPr/>
+          <p:nvPr/>
+        </p:nvSpPr>
+        <p:spPr>
+          <a:xfrm>
+            <a:off x="850214" y="7940198"/>
+            <a:ext cx="926325" cy="540000"/>
+          </a:xfrm>
+          <a:prstGeom prst="rect">
+            <a:avLst/>
+          </a:prstGeom>
+          <a:solidFill>
+            <a:schemeClr val="bg1">
+              <a:lumMod val="50000"/>
+            </a:schemeClr>
+          </a:solidFill>
+          <a:ln w="19050"/>
+        </p:spPr>
+        <p:style>
+          <a:lnRef idx="2">
+            <a:schemeClr val="accent1"/>
+          </a:lnRef>
+          <a:fillRef idx="1">
+            <a:schemeClr val="lt1"/>
+          </a:fillRef>
+          <a:effectRef idx="0">
+            <a:schemeClr val="accent1"/>
+          </a:effectRef>
+          <a:fontRef idx="minor">
+            <a:schemeClr val="dk1"/>
+          </a:fontRef>
+        </p:style>
+        <p:txBody>
+          <a:bodyPr lIns="124733" tIns="62367" rIns="124733" bIns="62367" rtlCol="0" anchor="ctr"/>
+          <a:lstStyle/>
+          <a:p>
+            <a:pPr algn="ctr"/>
+            <a:r>
+              <a:rPr lang="ru-RU" sz="700" dirty="0" smtClean="0"/>
+              <a:t>Расширить влияние на </a:t>
+            </a:r>
+            <a:r>
+              <a:rPr lang="ru-RU" sz="700" dirty="0" err="1" smtClean="0"/>
+              <a:t>Карибах</a:t>
+            </a:r>
+            <a:endParaRPr lang="ru-RU" sz="700" dirty="0"/>
+          </a:p>
+        </p:txBody>
+      </p:sp>
+      <p:cxnSp>
+        <p:nvCxnSpPr>
+          <p:cNvPr id="827" name="Прямая со стрелкой 826"/>
+          <p:cNvCxnSpPr>
+            <a:stCxn id="818" idx="2"/>
+            <a:endCxn id="824" idx="0"/>
+          </p:cNvCxnSpPr>
+          <p:nvPr/>
+        </p:nvCxnSpPr>
+        <p:spPr>
+          <a:xfrm>
+            <a:off x="1312188" y="7763721"/>
+            <a:ext cx="1189" cy="176477"/>
+          </a:xfrm>
+          <a:prstGeom prst="straightConnector1">
+            <a:avLst/>
           </a:prstGeom>
           <a:ln w="19050">
             <a:tailEnd type="arrow"/>

--- a/Наработки/диздоки/Испания/Испания правые.pptx
+++ b/Наработки/диздоки/Испания/Испания правые.pptx
@@ -4511,12 +4511,12 @@
               <a:t>Великая </a:t>
             </a:r>
             <a:r>
-              <a:rPr lang="ru-RU" sz="700" dirty="0" err="1" smtClean="0"/>
-              <a:t>Испани</a:t>
-            </a:r>
-            <a:r>
               <a:rPr lang="ru-RU" sz="700" dirty="0" smtClean="0"/>
-              <a:t> (армада у </a:t>
+              <a:t>Испания </a:t>
+            </a:r>
+            <a:r>
+              <a:rPr lang="ru-RU" sz="700" dirty="0" smtClean="0"/>
+              <a:t>(армада у </a:t>
             </a:r>
             <a:r>
               <a:rPr lang="ru-RU" sz="700" dirty="0" err="1" smtClean="0"/>
@@ -4524,19 +4524,11 @@
             </a:r>
             <a:r>
               <a:rPr lang="ru-RU" sz="700" dirty="0" smtClean="0"/>
-              <a:t>)я </a:t>
+              <a:t>) </a:t>
             </a:r>
             <a:r>
               <a:rPr lang="ru-RU" sz="500" dirty="0" smtClean="0"/>
-              <a:t>(право на создание альянсов) (решения на поиск союзника в </a:t>
-            </a:r>
-            <a:r>
-              <a:rPr lang="ru-RU" sz="500" dirty="0" err="1" smtClean="0"/>
-              <a:t>карибском</a:t>
-            </a:r>
-            <a:r>
-              <a:rPr lang="ru-RU" sz="500" dirty="0" smtClean="0"/>
-              <a:t> море)</a:t>
+              <a:t>(право на создание альянсов) (решения на поиск союзника в карибском море)</a:t>
             </a:r>
             <a:endParaRPr lang="ru-RU" sz="500" dirty="0"/>
           </a:p>

--- a/Наработки/диздоки/Испания/Испания правые.pptx
+++ b/Наработки/диздоки/Испания/Испания правые.pptx
@@ -209,7 +209,7 @@
             <a:fld id="{33E3D7F9-E251-484C-A6FF-FA958879DF69}" type="datetimeFigureOut">
               <a:rPr lang="ru-RU" smtClean="0"/>
               <a:pPr/>
-              <a:t>03.09.2021</a:t>
+              <a:t>09.09.2021</a:t>
             </a:fld>
             <a:endParaRPr lang="ru-RU"/>
           </a:p>
@@ -700,7 +700,7 @@
             <a:fld id="{85A5DE44-605B-4D3B-B2B7-94543DF81A36}" type="datetimeFigureOut">
               <a:rPr lang="ru-RU" smtClean="0"/>
               <a:pPr/>
-              <a:t>03.09.2021</a:t>
+              <a:t>09.09.2021</a:t>
             </a:fld>
             <a:endParaRPr lang="ru-RU"/>
           </a:p>
@@ -872,7 +872,7 @@
             <a:fld id="{85A5DE44-605B-4D3B-B2B7-94543DF81A36}" type="datetimeFigureOut">
               <a:rPr lang="ru-RU" smtClean="0"/>
               <a:pPr/>
-              <a:t>03.09.2021</a:t>
+              <a:t>09.09.2021</a:t>
             </a:fld>
             <a:endParaRPr lang="ru-RU"/>
           </a:p>
@@ -1054,7 +1054,7 @@
             <a:fld id="{85A5DE44-605B-4D3B-B2B7-94543DF81A36}" type="datetimeFigureOut">
               <a:rPr lang="ru-RU" smtClean="0"/>
               <a:pPr/>
-              <a:t>03.09.2021</a:t>
+              <a:t>09.09.2021</a:t>
             </a:fld>
             <a:endParaRPr lang="ru-RU"/>
           </a:p>
@@ -1226,7 +1226,7 @@
             <a:fld id="{85A5DE44-605B-4D3B-B2B7-94543DF81A36}" type="datetimeFigureOut">
               <a:rPr lang="ru-RU" smtClean="0"/>
               <a:pPr/>
-              <a:t>03.09.2021</a:t>
+              <a:t>09.09.2021</a:t>
             </a:fld>
             <a:endParaRPr lang="ru-RU"/>
           </a:p>
@@ -1474,7 +1474,7 @@
             <a:fld id="{85A5DE44-605B-4D3B-B2B7-94543DF81A36}" type="datetimeFigureOut">
               <a:rPr lang="ru-RU" smtClean="0"/>
               <a:pPr/>
-              <a:t>03.09.2021</a:t>
+              <a:t>09.09.2021</a:t>
             </a:fld>
             <a:endParaRPr lang="ru-RU"/>
           </a:p>
@@ -1708,7 +1708,7 @@
             <a:fld id="{85A5DE44-605B-4D3B-B2B7-94543DF81A36}" type="datetimeFigureOut">
               <a:rPr lang="ru-RU" smtClean="0"/>
               <a:pPr/>
-              <a:t>03.09.2021</a:t>
+              <a:t>09.09.2021</a:t>
             </a:fld>
             <a:endParaRPr lang="ru-RU"/>
           </a:p>
@@ -2077,7 +2077,7 @@
             <a:fld id="{85A5DE44-605B-4D3B-B2B7-94543DF81A36}" type="datetimeFigureOut">
               <a:rPr lang="ru-RU" smtClean="0"/>
               <a:pPr/>
-              <a:t>03.09.2021</a:t>
+              <a:t>09.09.2021</a:t>
             </a:fld>
             <a:endParaRPr lang="ru-RU"/>
           </a:p>
@@ -2197,7 +2197,7 @@
             <a:fld id="{85A5DE44-605B-4D3B-B2B7-94543DF81A36}" type="datetimeFigureOut">
               <a:rPr lang="ru-RU" smtClean="0"/>
               <a:pPr/>
-              <a:t>03.09.2021</a:t>
+              <a:t>09.09.2021</a:t>
             </a:fld>
             <a:endParaRPr lang="ru-RU"/>
           </a:p>
@@ -2294,7 +2294,7 @@
             <a:fld id="{85A5DE44-605B-4D3B-B2B7-94543DF81A36}" type="datetimeFigureOut">
               <a:rPr lang="ru-RU" smtClean="0"/>
               <a:pPr/>
-              <a:t>03.09.2021</a:t>
+              <a:t>09.09.2021</a:t>
             </a:fld>
             <a:endParaRPr lang="ru-RU"/>
           </a:p>
@@ -2573,7 +2573,7 @@
             <a:fld id="{85A5DE44-605B-4D3B-B2B7-94543DF81A36}" type="datetimeFigureOut">
               <a:rPr lang="ru-RU" smtClean="0"/>
               <a:pPr/>
-              <a:t>03.09.2021</a:t>
+              <a:t>09.09.2021</a:t>
             </a:fld>
             <a:endParaRPr lang="ru-RU"/>
           </a:p>
@@ -2832,7 +2832,7 @@
             <a:fld id="{85A5DE44-605B-4D3B-B2B7-94543DF81A36}" type="datetimeFigureOut">
               <a:rPr lang="ru-RU" smtClean="0"/>
               <a:pPr/>
-              <a:t>03.09.2021</a:t>
+              <a:t>09.09.2021</a:t>
             </a:fld>
             <a:endParaRPr lang="ru-RU"/>
           </a:p>
@@ -3047,7 +3047,7 @@
             <a:fld id="{85A5DE44-605B-4D3B-B2B7-94543DF81A36}" type="datetimeFigureOut">
               <a:rPr lang="ru-RU" smtClean="0"/>
               <a:pPr/>
-              <a:t>03.09.2021</a:t>
+              <a:t>09.09.2021</a:t>
             </a:fld>
             <a:endParaRPr lang="ru-RU"/>
           </a:p>

--- a/Наработки/диздоки/Испания/Испания правые.pptx
+++ b/Наработки/диздоки/Испания/Испания правые.pptx
@@ -209,7 +209,7 @@
             <a:fld id="{33E3D7F9-E251-484C-A6FF-FA958879DF69}" type="datetimeFigureOut">
               <a:rPr lang="ru-RU" smtClean="0"/>
               <a:pPr/>
-              <a:t>09.09.2021</a:t>
+              <a:t>13.09.2021</a:t>
             </a:fld>
             <a:endParaRPr lang="ru-RU"/>
           </a:p>
@@ -700,7 +700,7 @@
             <a:fld id="{85A5DE44-605B-4D3B-B2B7-94543DF81A36}" type="datetimeFigureOut">
               <a:rPr lang="ru-RU" smtClean="0"/>
               <a:pPr/>
-              <a:t>09.09.2021</a:t>
+              <a:t>13.09.2021</a:t>
             </a:fld>
             <a:endParaRPr lang="ru-RU"/>
           </a:p>
@@ -872,7 +872,7 @@
             <a:fld id="{85A5DE44-605B-4D3B-B2B7-94543DF81A36}" type="datetimeFigureOut">
               <a:rPr lang="ru-RU" smtClean="0"/>
               <a:pPr/>
-              <a:t>09.09.2021</a:t>
+              <a:t>13.09.2021</a:t>
             </a:fld>
             <a:endParaRPr lang="ru-RU"/>
           </a:p>
@@ -1054,7 +1054,7 @@
             <a:fld id="{85A5DE44-605B-4D3B-B2B7-94543DF81A36}" type="datetimeFigureOut">
               <a:rPr lang="ru-RU" smtClean="0"/>
               <a:pPr/>
-              <a:t>09.09.2021</a:t>
+              <a:t>13.09.2021</a:t>
             </a:fld>
             <a:endParaRPr lang="ru-RU"/>
           </a:p>
@@ -1226,7 +1226,7 @@
             <a:fld id="{85A5DE44-605B-4D3B-B2B7-94543DF81A36}" type="datetimeFigureOut">
               <a:rPr lang="ru-RU" smtClean="0"/>
               <a:pPr/>
-              <a:t>09.09.2021</a:t>
+              <a:t>13.09.2021</a:t>
             </a:fld>
             <a:endParaRPr lang="ru-RU"/>
           </a:p>
@@ -1474,7 +1474,7 @@
             <a:fld id="{85A5DE44-605B-4D3B-B2B7-94543DF81A36}" type="datetimeFigureOut">
               <a:rPr lang="ru-RU" smtClean="0"/>
               <a:pPr/>
-              <a:t>09.09.2021</a:t>
+              <a:t>13.09.2021</a:t>
             </a:fld>
             <a:endParaRPr lang="ru-RU"/>
           </a:p>
@@ -1708,7 +1708,7 @@
             <a:fld id="{85A5DE44-605B-4D3B-B2B7-94543DF81A36}" type="datetimeFigureOut">
               <a:rPr lang="ru-RU" smtClean="0"/>
               <a:pPr/>
-              <a:t>09.09.2021</a:t>
+              <a:t>13.09.2021</a:t>
             </a:fld>
             <a:endParaRPr lang="ru-RU"/>
           </a:p>
@@ -2077,7 +2077,7 @@
             <a:fld id="{85A5DE44-605B-4D3B-B2B7-94543DF81A36}" type="datetimeFigureOut">
               <a:rPr lang="ru-RU" smtClean="0"/>
               <a:pPr/>
-              <a:t>09.09.2021</a:t>
+              <a:t>13.09.2021</a:t>
             </a:fld>
             <a:endParaRPr lang="ru-RU"/>
           </a:p>
@@ -2197,7 +2197,7 @@
             <a:fld id="{85A5DE44-605B-4D3B-B2B7-94543DF81A36}" type="datetimeFigureOut">
               <a:rPr lang="ru-RU" smtClean="0"/>
               <a:pPr/>
-              <a:t>09.09.2021</a:t>
+              <a:t>13.09.2021</a:t>
             </a:fld>
             <a:endParaRPr lang="ru-RU"/>
           </a:p>
@@ -2294,7 +2294,7 @@
             <a:fld id="{85A5DE44-605B-4D3B-B2B7-94543DF81A36}" type="datetimeFigureOut">
               <a:rPr lang="ru-RU" smtClean="0"/>
               <a:pPr/>
-              <a:t>09.09.2021</a:t>
+              <a:t>13.09.2021</a:t>
             </a:fld>
             <a:endParaRPr lang="ru-RU"/>
           </a:p>
@@ -2573,7 +2573,7 @@
             <a:fld id="{85A5DE44-605B-4D3B-B2B7-94543DF81A36}" type="datetimeFigureOut">
               <a:rPr lang="ru-RU" smtClean="0"/>
               <a:pPr/>
-              <a:t>09.09.2021</a:t>
+              <a:t>13.09.2021</a:t>
             </a:fld>
             <a:endParaRPr lang="ru-RU"/>
           </a:p>
@@ -2832,7 +2832,7 @@
             <a:fld id="{85A5DE44-605B-4D3B-B2B7-94543DF81A36}" type="datetimeFigureOut">
               <a:rPr lang="ru-RU" smtClean="0"/>
               <a:pPr/>
-              <a:t>09.09.2021</a:t>
+              <a:t>13.09.2021</a:t>
             </a:fld>
             <a:endParaRPr lang="ru-RU"/>
           </a:p>
@@ -3047,7 +3047,7 @@
             <a:fld id="{85A5DE44-605B-4D3B-B2B7-94543DF81A36}" type="datetimeFigureOut">
               <a:rPr lang="ru-RU" smtClean="0"/>
               <a:pPr/>
-              <a:t>09.09.2021</a:t>
+              <a:t>13.09.2021</a:t>
             </a:fld>
             <a:endParaRPr lang="ru-RU"/>
           </a:p>
@@ -5681,44 +5681,6 @@
       </p:cxnSp>
       <p:cxnSp>
         <p:nvCxnSpPr>
-          <p:cNvPr id="137" name="Прямая соединительная линия 136"/>
-          <p:cNvCxnSpPr>
-            <a:stCxn id="112" idx="3"/>
-            <a:endCxn id="111" idx="1"/>
-          </p:cNvCxnSpPr>
-          <p:nvPr/>
-        </p:nvCxnSpPr>
-        <p:spPr>
-          <a:xfrm>
-            <a:off x="26761819" y="7460027"/>
-            <a:ext cx="1320765" cy="555"/>
-          </a:xfrm>
-          <a:prstGeom prst="line">
-            <a:avLst/>
-          </a:prstGeom>
-          <a:ln w="19050">
-            <a:solidFill>
-              <a:srgbClr val="FF0000"/>
-            </a:solidFill>
-          </a:ln>
-        </p:spPr>
-        <p:style>
-          <a:lnRef idx="1">
-            <a:schemeClr val="accent1"/>
-          </a:lnRef>
-          <a:fillRef idx="0">
-            <a:schemeClr val="accent1"/>
-          </a:fillRef>
-          <a:effectRef idx="0">
-            <a:schemeClr val="accent1"/>
-          </a:effectRef>
-          <a:fontRef idx="minor">
-            <a:schemeClr val="tx1"/>
-          </a:fontRef>
-        </p:style>
-      </p:cxnSp>
-      <p:cxnSp>
-        <p:nvCxnSpPr>
           <p:cNvPr id="140" name="Прямая со стрелкой 139"/>
           <p:cNvCxnSpPr>
             <a:stCxn id="120" idx="2"/>
@@ -6517,7 +6479,7 @@
             <a:pPr algn="ctr"/>
             <a:r>
               <a:rPr lang="ru-RU" sz="700" dirty="0" smtClean="0"/>
-              <a:t>Испанская фаланга</a:t>
+              <a:t>Бунт испанской фаланги</a:t>
             </a:r>
             <a:endParaRPr lang="ru-RU" sz="700" dirty="0"/>
           </a:p>
@@ -12359,10 +12321,14 @@
           <a:p>
             <a:pPr algn="ctr"/>
             <a:r>
+              <a:rPr lang="ru-RU" sz="700" dirty="0"/>
+              <a:t>Отмена республиканской </a:t>
+            </a:r>
+            <a:r>
               <a:rPr lang="ru-RU" sz="700" dirty="0" smtClean="0"/>
-              <a:t>Социальная революция</a:t>
-            </a:r>
-            <a:endParaRPr lang="ru-RU" sz="700" dirty="0"/>
+              <a:t>конституции</a:t>
+            </a:r>
+            <a:endParaRPr lang="ru-RU" sz="200" dirty="0"/>
           </a:p>
         </p:txBody>
       </p:sp>
@@ -12659,30 +12625,9 @@
           <a:p>
             <a:pPr algn="ctr"/>
             <a:r>
-              <a:rPr lang="ru-RU" sz="700" dirty="0" smtClean="0"/>
-              <a:t>Отмена </a:t>
-            </a:r>
-            <a:r>
               <a:rPr lang="ru-RU" sz="700" dirty="0"/>
-              <a:t>республиканской конституции </a:t>
-            </a:r>
-            <a:r>
-              <a:rPr lang="ru-RU" sz="200" dirty="0"/>
-              <a:t>(</a:t>
-            </a:r>
-            <a:r>
-              <a:rPr lang="ru-RU" sz="200" dirty="0" err="1"/>
-              <a:t>юбой</a:t>
-            </a:r>
-            <a:r>
-              <a:rPr lang="ru-RU" sz="200" dirty="0"/>
-              <a:t> сепаратизм - это преступление, которому мы не простим. Действующая конституция, поскольку она поощряет отступления, угрожает единству судьбы Испании. Вот почему мы желаем его полной отмены</a:t>
-            </a:r>
-            <a:r>
-              <a:rPr lang="ru-RU" sz="200" dirty="0" smtClean="0"/>
-              <a:t>.)</a:t>
-            </a:r>
-            <a:endParaRPr lang="ru-RU" sz="200" dirty="0"/>
+              <a:t>Социальная революция</a:t>
+            </a:r>
           </a:p>
         </p:txBody>
       </p:sp>
@@ -12958,15 +12903,11 @@
             <a:pPr algn="ctr"/>
             <a:r>
               <a:rPr lang="ru-RU" sz="700" dirty="0"/>
-              <a:t>Национальная реконструкция </a:t>
-            </a:r>
-            <a:r>
-              <a:rPr lang="ru-RU" sz="200" dirty="0"/>
-              <a:t>(Наше движение объединяет католическое чувство - славные традиции, преобладающие в Испании - в национальную реконструкцию. Церковь и государство согласятся о своих полномочиях, не допуская вмешательства или любой деятельности, которая подрывает достоинство государства или национальную целостность</a:t>
-            </a:r>
-            <a:r>
-              <a:rPr lang="ru-RU" sz="200" dirty="0" smtClean="0"/>
-              <a:t>.)</a:t>
+              <a:t>Национальная </a:t>
+            </a:r>
+            <a:r>
+              <a:rPr lang="ru-RU" sz="700" dirty="0" smtClean="0"/>
+              <a:t>реконструкция</a:t>
             </a:r>
             <a:endParaRPr lang="ru-RU" sz="200" dirty="0"/>
           </a:p>
@@ -13076,7 +13017,7 @@
         </p:nvSpPr>
         <p:spPr>
           <a:xfrm>
-            <a:off x="10524394" y="9540194"/>
+            <a:off x="11083094" y="9519494"/>
             <a:ext cx="926325" cy="540000"/>
           </a:xfrm>
           <a:prstGeom prst="rect">
@@ -13110,15 +13051,11 @@
             <a:pPr algn="ctr"/>
             <a:r>
               <a:rPr lang="ru-RU" sz="700" dirty="0"/>
-              <a:t>Поддержка выдающихся талантов </a:t>
-            </a:r>
-            <a:r>
-              <a:rPr lang="ru-RU" sz="200" dirty="0"/>
-              <a:t>(Культура будет организована таким образом, чтобы ни один талант не терялся из-за отсутствия финансовых средств. Все, кто этого заслуживает, будут иметь легкий доступ даже к высшему </a:t>
-            </a:r>
-            <a:r>
-              <a:rPr lang="ru-RU" sz="200" dirty="0" smtClean="0"/>
-              <a:t>образованию)</a:t>
+              <a:t>Поддержка выдающихся </a:t>
+            </a:r>
+            <a:r>
+              <a:rPr lang="ru-RU" sz="700" dirty="0" smtClean="0"/>
+              <a:t>талантов</a:t>
             </a:r>
             <a:endParaRPr lang="ru-RU" sz="200" dirty="0"/>
           </a:p>
@@ -13347,8 +13284,8 @@
         </p:nvCxnSpPr>
         <p:spPr>
           <a:xfrm rot="16200000" flipH="1">
-            <a:off x="10308612" y="8861248"/>
-            <a:ext cx="252989" cy="1104902"/>
+            <a:off x="10598312" y="8571548"/>
+            <a:ext cx="232289" cy="1663602"/>
           </a:xfrm>
           <a:prstGeom prst="bentConnector3">
             <a:avLst>
@@ -36689,6 +36626,44 @@
           <a:xfrm rot="5400000">
             <a:off x="5703350" y="6824784"/>
             <a:ext cx="265543" cy="548244"/>
+          </a:xfrm>
+          <a:prstGeom prst="bentConnector3">
+            <a:avLst>
+              <a:gd name="adj1" fmla="val 50000"/>
+            </a:avLst>
+          </a:prstGeom>
+          <a:ln w="19050">
+            <a:tailEnd type="arrow"/>
+          </a:ln>
+        </p:spPr>
+        <p:style>
+          <a:lnRef idx="1">
+            <a:schemeClr val="accent1"/>
+          </a:lnRef>
+          <a:fillRef idx="0">
+            <a:schemeClr val="accent1"/>
+          </a:fillRef>
+          <a:effectRef idx="0">
+            <a:schemeClr val="accent1"/>
+          </a:effectRef>
+          <a:fontRef idx="minor">
+            <a:schemeClr val="tx1"/>
+          </a:fontRef>
+        </p:style>
+      </p:cxnSp>
+      <p:cxnSp>
+        <p:nvCxnSpPr>
+          <p:cNvPr id="750" name="Соединительная линия уступом 749"/>
+          <p:cNvCxnSpPr>
+            <a:stCxn id="233" idx="2"/>
+            <a:endCxn id="247" idx="0"/>
+          </p:cNvCxnSpPr>
+          <p:nvPr/>
+        </p:nvCxnSpPr>
+        <p:spPr>
+          <a:xfrm rot="16200000" flipH="1">
+            <a:off x="10882842" y="9079854"/>
+            <a:ext cx="209433" cy="2209799"/>
           </a:xfrm>
           <a:prstGeom prst="bentConnector3">
             <a:avLst>

--- a/Наработки/диздоки/Испания/Испания правые.pptx
+++ b/Наработки/диздоки/Испания/Испания правые.pptx
@@ -209,7 +209,7 @@
             <a:fld id="{33E3D7F9-E251-484C-A6FF-FA958879DF69}" type="datetimeFigureOut">
               <a:rPr lang="ru-RU" smtClean="0"/>
               <a:pPr/>
-              <a:t>13.09.2021</a:t>
+              <a:t>14.09.2021</a:t>
             </a:fld>
             <a:endParaRPr lang="ru-RU"/>
           </a:p>
@@ -700,7 +700,7 @@
             <a:fld id="{85A5DE44-605B-4D3B-B2B7-94543DF81A36}" type="datetimeFigureOut">
               <a:rPr lang="ru-RU" smtClean="0"/>
               <a:pPr/>
-              <a:t>13.09.2021</a:t>
+              <a:t>14.09.2021</a:t>
             </a:fld>
             <a:endParaRPr lang="ru-RU"/>
           </a:p>
@@ -872,7 +872,7 @@
             <a:fld id="{85A5DE44-605B-4D3B-B2B7-94543DF81A36}" type="datetimeFigureOut">
               <a:rPr lang="ru-RU" smtClean="0"/>
               <a:pPr/>
-              <a:t>13.09.2021</a:t>
+              <a:t>14.09.2021</a:t>
             </a:fld>
             <a:endParaRPr lang="ru-RU"/>
           </a:p>
@@ -1054,7 +1054,7 @@
             <a:fld id="{85A5DE44-605B-4D3B-B2B7-94543DF81A36}" type="datetimeFigureOut">
               <a:rPr lang="ru-RU" smtClean="0"/>
               <a:pPr/>
-              <a:t>13.09.2021</a:t>
+              <a:t>14.09.2021</a:t>
             </a:fld>
             <a:endParaRPr lang="ru-RU"/>
           </a:p>
@@ -1226,7 +1226,7 @@
             <a:fld id="{85A5DE44-605B-4D3B-B2B7-94543DF81A36}" type="datetimeFigureOut">
               <a:rPr lang="ru-RU" smtClean="0"/>
               <a:pPr/>
-              <a:t>13.09.2021</a:t>
+              <a:t>14.09.2021</a:t>
             </a:fld>
             <a:endParaRPr lang="ru-RU"/>
           </a:p>
@@ -1474,7 +1474,7 @@
             <a:fld id="{85A5DE44-605B-4D3B-B2B7-94543DF81A36}" type="datetimeFigureOut">
               <a:rPr lang="ru-RU" smtClean="0"/>
               <a:pPr/>
-              <a:t>13.09.2021</a:t>
+              <a:t>14.09.2021</a:t>
             </a:fld>
             <a:endParaRPr lang="ru-RU"/>
           </a:p>
@@ -1708,7 +1708,7 @@
             <a:fld id="{85A5DE44-605B-4D3B-B2B7-94543DF81A36}" type="datetimeFigureOut">
               <a:rPr lang="ru-RU" smtClean="0"/>
               <a:pPr/>
-              <a:t>13.09.2021</a:t>
+              <a:t>14.09.2021</a:t>
             </a:fld>
             <a:endParaRPr lang="ru-RU"/>
           </a:p>
@@ -2077,7 +2077,7 @@
             <a:fld id="{85A5DE44-605B-4D3B-B2B7-94543DF81A36}" type="datetimeFigureOut">
               <a:rPr lang="ru-RU" smtClean="0"/>
               <a:pPr/>
-              <a:t>13.09.2021</a:t>
+              <a:t>14.09.2021</a:t>
             </a:fld>
             <a:endParaRPr lang="ru-RU"/>
           </a:p>
@@ -2197,7 +2197,7 @@
             <a:fld id="{85A5DE44-605B-4D3B-B2B7-94543DF81A36}" type="datetimeFigureOut">
               <a:rPr lang="ru-RU" smtClean="0"/>
               <a:pPr/>
-              <a:t>13.09.2021</a:t>
+              <a:t>14.09.2021</a:t>
             </a:fld>
             <a:endParaRPr lang="ru-RU"/>
           </a:p>
@@ -2294,7 +2294,7 @@
             <a:fld id="{85A5DE44-605B-4D3B-B2B7-94543DF81A36}" type="datetimeFigureOut">
               <a:rPr lang="ru-RU" smtClean="0"/>
               <a:pPr/>
-              <a:t>13.09.2021</a:t>
+              <a:t>14.09.2021</a:t>
             </a:fld>
             <a:endParaRPr lang="ru-RU"/>
           </a:p>
@@ -2573,7 +2573,7 @@
             <a:fld id="{85A5DE44-605B-4D3B-B2B7-94543DF81A36}" type="datetimeFigureOut">
               <a:rPr lang="ru-RU" smtClean="0"/>
               <a:pPr/>
-              <a:t>13.09.2021</a:t>
+              <a:t>14.09.2021</a:t>
             </a:fld>
             <a:endParaRPr lang="ru-RU"/>
           </a:p>
@@ -2832,7 +2832,7 @@
             <a:fld id="{85A5DE44-605B-4D3B-B2B7-94543DF81A36}" type="datetimeFigureOut">
               <a:rPr lang="ru-RU" smtClean="0"/>
               <a:pPr/>
-              <a:t>13.09.2021</a:t>
+              <a:t>14.09.2021</a:t>
             </a:fld>
             <a:endParaRPr lang="ru-RU"/>
           </a:p>
@@ -3047,7 +3047,7 @@
             <a:fld id="{85A5DE44-605B-4D3B-B2B7-94543DF81A36}" type="datetimeFigureOut">
               <a:rPr lang="ru-RU" smtClean="0"/>
               <a:pPr/>
-              <a:t>13.09.2021</a:t>
+              <a:t>14.09.2021</a:t>
             </a:fld>
             <a:endParaRPr lang="ru-RU"/>
           </a:p>
@@ -30097,10 +30097,30 @@
               <a:t>Радикальная Республиканская партия </a:t>
             </a:r>
             <a:r>
-              <a:rPr lang="ru-RU" sz="600" dirty="0" smtClean="0"/>
-              <a:t>(не выучен фокус на гонение масонов)</a:t>
-            </a:r>
-            <a:endParaRPr lang="ru-RU" sz="600" dirty="0"/>
+              <a:rPr lang="ru-RU" sz="200" dirty="0" smtClean="0"/>
+              <a:t>(не выучен фокус на гонение </a:t>
+            </a:r>
+            <a:r>
+              <a:rPr lang="ru-RU" sz="200" dirty="0" smtClean="0"/>
+              <a:t>масонов, католические университеты не восстановлены) (Алехандро </a:t>
+            </a:r>
+            <a:r>
+              <a:rPr lang="ru-RU" sz="200" dirty="0" err="1" smtClean="0"/>
+              <a:t>Лерру</a:t>
+            </a:r>
+            <a:r>
+              <a:rPr lang="ru-RU" sz="200" dirty="0"/>
+              <a:t> который в юности называли «императором </a:t>
+            </a:r>
+            <a:r>
+              <a:rPr lang="ru-RU" sz="200" dirty="0" err="1"/>
+              <a:t>Паралело</a:t>
+            </a:r>
+            <a:r>
+              <a:rPr lang="ru-RU" sz="200" dirty="0"/>
+              <a:t>» (квартала борделей в Барселоне))</a:t>
+            </a:r>
+            <a:endParaRPr lang="ru-RU" sz="200" dirty="0"/>
           </a:p>
         </p:txBody>
       </p:sp>

--- a/Наработки/диздоки/Испания/Испания правые.pptx
+++ b/Наработки/диздоки/Испания/Испания правые.pptx
@@ -209,7 +209,7 @@
             <a:fld id="{33E3D7F9-E251-484C-A6FF-FA958879DF69}" type="datetimeFigureOut">
               <a:rPr lang="ru-RU" smtClean="0"/>
               <a:pPr/>
-              <a:t>14.09.2021</a:t>
+              <a:t>15.09.2021</a:t>
             </a:fld>
             <a:endParaRPr lang="ru-RU"/>
           </a:p>
@@ -700,7 +700,7 @@
             <a:fld id="{85A5DE44-605B-4D3B-B2B7-94543DF81A36}" type="datetimeFigureOut">
               <a:rPr lang="ru-RU" smtClean="0"/>
               <a:pPr/>
-              <a:t>14.09.2021</a:t>
+              <a:t>15.09.2021</a:t>
             </a:fld>
             <a:endParaRPr lang="ru-RU"/>
           </a:p>
@@ -872,7 +872,7 @@
             <a:fld id="{85A5DE44-605B-4D3B-B2B7-94543DF81A36}" type="datetimeFigureOut">
               <a:rPr lang="ru-RU" smtClean="0"/>
               <a:pPr/>
-              <a:t>14.09.2021</a:t>
+              <a:t>15.09.2021</a:t>
             </a:fld>
             <a:endParaRPr lang="ru-RU"/>
           </a:p>
@@ -1054,7 +1054,7 @@
             <a:fld id="{85A5DE44-605B-4D3B-B2B7-94543DF81A36}" type="datetimeFigureOut">
               <a:rPr lang="ru-RU" smtClean="0"/>
               <a:pPr/>
-              <a:t>14.09.2021</a:t>
+              <a:t>15.09.2021</a:t>
             </a:fld>
             <a:endParaRPr lang="ru-RU"/>
           </a:p>
@@ -1226,7 +1226,7 @@
             <a:fld id="{85A5DE44-605B-4D3B-B2B7-94543DF81A36}" type="datetimeFigureOut">
               <a:rPr lang="ru-RU" smtClean="0"/>
               <a:pPr/>
-              <a:t>14.09.2021</a:t>
+              <a:t>15.09.2021</a:t>
             </a:fld>
             <a:endParaRPr lang="ru-RU"/>
           </a:p>
@@ -1474,7 +1474,7 @@
             <a:fld id="{85A5DE44-605B-4D3B-B2B7-94543DF81A36}" type="datetimeFigureOut">
               <a:rPr lang="ru-RU" smtClean="0"/>
               <a:pPr/>
-              <a:t>14.09.2021</a:t>
+              <a:t>15.09.2021</a:t>
             </a:fld>
             <a:endParaRPr lang="ru-RU"/>
           </a:p>
@@ -1708,7 +1708,7 @@
             <a:fld id="{85A5DE44-605B-4D3B-B2B7-94543DF81A36}" type="datetimeFigureOut">
               <a:rPr lang="ru-RU" smtClean="0"/>
               <a:pPr/>
-              <a:t>14.09.2021</a:t>
+              <a:t>15.09.2021</a:t>
             </a:fld>
             <a:endParaRPr lang="ru-RU"/>
           </a:p>
@@ -2077,7 +2077,7 @@
             <a:fld id="{85A5DE44-605B-4D3B-B2B7-94543DF81A36}" type="datetimeFigureOut">
               <a:rPr lang="ru-RU" smtClean="0"/>
               <a:pPr/>
-              <a:t>14.09.2021</a:t>
+              <a:t>15.09.2021</a:t>
             </a:fld>
             <a:endParaRPr lang="ru-RU"/>
           </a:p>
@@ -2197,7 +2197,7 @@
             <a:fld id="{85A5DE44-605B-4D3B-B2B7-94543DF81A36}" type="datetimeFigureOut">
               <a:rPr lang="ru-RU" smtClean="0"/>
               <a:pPr/>
-              <a:t>14.09.2021</a:t>
+              <a:t>15.09.2021</a:t>
             </a:fld>
             <a:endParaRPr lang="ru-RU"/>
           </a:p>
@@ -2294,7 +2294,7 @@
             <a:fld id="{85A5DE44-605B-4D3B-B2B7-94543DF81A36}" type="datetimeFigureOut">
               <a:rPr lang="ru-RU" smtClean="0"/>
               <a:pPr/>
-              <a:t>14.09.2021</a:t>
+              <a:t>15.09.2021</a:t>
             </a:fld>
             <a:endParaRPr lang="ru-RU"/>
           </a:p>
@@ -2573,7 +2573,7 @@
             <a:fld id="{85A5DE44-605B-4D3B-B2B7-94543DF81A36}" type="datetimeFigureOut">
               <a:rPr lang="ru-RU" smtClean="0"/>
               <a:pPr/>
-              <a:t>14.09.2021</a:t>
+              <a:t>15.09.2021</a:t>
             </a:fld>
             <a:endParaRPr lang="ru-RU"/>
           </a:p>
@@ -2832,7 +2832,7 @@
             <a:fld id="{85A5DE44-605B-4D3B-B2B7-94543DF81A36}" type="datetimeFigureOut">
               <a:rPr lang="ru-RU" smtClean="0"/>
               <a:pPr/>
-              <a:t>14.09.2021</a:t>
+              <a:t>15.09.2021</a:t>
             </a:fld>
             <a:endParaRPr lang="ru-RU"/>
           </a:p>
@@ -3047,7 +3047,7 @@
             <a:fld id="{85A5DE44-605B-4D3B-B2B7-94543DF81A36}" type="datetimeFigureOut">
               <a:rPr lang="ru-RU" smtClean="0"/>
               <a:pPr/>
-              <a:t>14.09.2021</a:t>
+              <a:t>15.09.2021</a:t>
             </a:fld>
             <a:endParaRPr lang="ru-RU"/>
           </a:p>
@@ -30098,11 +30098,7 @@
             </a:r>
             <a:r>
               <a:rPr lang="ru-RU" sz="200" dirty="0" smtClean="0"/>
-              <a:t>(не выучен фокус на гонение </a:t>
-            </a:r>
-            <a:r>
-              <a:rPr lang="ru-RU" sz="200" dirty="0" smtClean="0"/>
-              <a:t>масонов, католические университеты не восстановлены) (Алехандро </a:t>
+              <a:t>(не выучен фокус на гонение масонов, католические университеты не восстановлены) (Алехандро </a:t>
             </a:r>
             <a:r>
               <a:rPr lang="ru-RU" sz="200" dirty="0" err="1" smtClean="0"/>
@@ -30120,7 +30116,6 @@
               <a:rPr lang="ru-RU" sz="200" dirty="0"/>
               <a:t>» (квартала борделей в Барселоне))</a:t>
             </a:r>
-            <a:endParaRPr lang="ru-RU" sz="200" dirty="0"/>
           </a:p>
         </p:txBody>
       </p:sp>

--- a/Наработки/диздоки/Испания/Испания правые.pptx
+++ b/Наработки/диздоки/Испания/Испания правые.pptx
@@ -209,7 +209,7 @@
             <a:fld id="{33E3D7F9-E251-484C-A6FF-FA958879DF69}" type="datetimeFigureOut">
               <a:rPr lang="ru-RU" smtClean="0"/>
               <a:pPr/>
-              <a:t>15.09.2021</a:t>
+              <a:t>16.09.2021</a:t>
             </a:fld>
             <a:endParaRPr lang="ru-RU"/>
           </a:p>
@@ -700,7 +700,7 @@
             <a:fld id="{85A5DE44-605B-4D3B-B2B7-94543DF81A36}" type="datetimeFigureOut">
               <a:rPr lang="ru-RU" smtClean="0"/>
               <a:pPr/>
-              <a:t>15.09.2021</a:t>
+              <a:t>16.09.2021</a:t>
             </a:fld>
             <a:endParaRPr lang="ru-RU"/>
           </a:p>
@@ -872,7 +872,7 @@
             <a:fld id="{85A5DE44-605B-4D3B-B2B7-94543DF81A36}" type="datetimeFigureOut">
               <a:rPr lang="ru-RU" smtClean="0"/>
               <a:pPr/>
-              <a:t>15.09.2021</a:t>
+              <a:t>16.09.2021</a:t>
             </a:fld>
             <a:endParaRPr lang="ru-RU"/>
           </a:p>
@@ -1054,7 +1054,7 @@
             <a:fld id="{85A5DE44-605B-4D3B-B2B7-94543DF81A36}" type="datetimeFigureOut">
               <a:rPr lang="ru-RU" smtClean="0"/>
               <a:pPr/>
-              <a:t>15.09.2021</a:t>
+              <a:t>16.09.2021</a:t>
             </a:fld>
             <a:endParaRPr lang="ru-RU"/>
           </a:p>
@@ -1226,7 +1226,7 @@
             <a:fld id="{85A5DE44-605B-4D3B-B2B7-94543DF81A36}" type="datetimeFigureOut">
               <a:rPr lang="ru-RU" smtClean="0"/>
               <a:pPr/>
-              <a:t>15.09.2021</a:t>
+              <a:t>16.09.2021</a:t>
             </a:fld>
             <a:endParaRPr lang="ru-RU"/>
           </a:p>
@@ -1474,7 +1474,7 @@
             <a:fld id="{85A5DE44-605B-4D3B-B2B7-94543DF81A36}" type="datetimeFigureOut">
               <a:rPr lang="ru-RU" smtClean="0"/>
               <a:pPr/>
-              <a:t>15.09.2021</a:t>
+              <a:t>16.09.2021</a:t>
             </a:fld>
             <a:endParaRPr lang="ru-RU"/>
           </a:p>
@@ -1708,7 +1708,7 @@
             <a:fld id="{85A5DE44-605B-4D3B-B2B7-94543DF81A36}" type="datetimeFigureOut">
               <a:rPr lang="ru-RU" smtClean="0"/>
               <a:pPr/>
-              <a:t>15.09.2021</a:t>
+              <a:t>16.09.2021</a:t>
             </a:fld>
             <a:endParaRPr lang="ru-RU"/>
           </a:p>
@@ -2077,7 +2077,7 @@
             <a:fld id="{85A5DE44-605B-4D3B-B2B7-94543DF81A36}" type="datetimeFigureOut">
               <a:rPr lang="ru-RU" smtClean="0"/>
               <a:pPr/>
-              <a:t>15.09.2021</a:t>
+              <a:t>16.09.2021</a:t>
             </a:fld>
             <a:endParaRPr lang="ru-RU"/>
           </a:p>
@@ -2197,7 +2197,7 @@
             <a:fld id="{85A5DE44-605B-4D3B-B2B7-94543DF81A36}" type="datetimeFigureOut">
               <a:rPr lang="ru-RU" smtClean="0"/>
               <a:pPr/>
-              <a:t>15.09.2021</a:t>
+              <a:t>16.09.2021</a:t>
             </a:fld>
             <a:endParaRPr lang="ru-RU"/>
           </a:p>
@@ -2294,7 +2294,7 @@
             <a:fld id="{85A5DE44-605B-4D3B-B2B7-94543DF81A36}" type="datetimeFigureOut">
               <a:rPr lang="ru-RU" smtClean="0"/>
               <a:pPr/>
-              <a:t>15.09.2021</a:t>
+              <a:t>16.09.2021</a:t>
             </a:fld>
             <a:endParaRPr lang="ru-RU"/>
           </a:p>
@@ -2573,7 +2573,7 @@
             <a:fld id="{85A5DE44-605B-4D3B-B2B7-94543DF81A36}" type="datetimeFigureOut">
               <a:rPr lang="ru-RU" smtClean="0"/>
               <a:pPr/>
-              <a:t>15.09.2021</a:t>
+              <a:t>16.09.2021</a:t>
             </a:fld>
             <a:endParaRPr lang="ru-RU"/>
           </a:p>
@@ -2832,7 +2832,7 @@
             <a:fld id="{85A5DE44-605B-4D3B-B2B7-94543DF81A36}" type="datetimeFigureOut">
               <a:rPr lang="ru-RU" smtClean="0"/>
               <a:pPr/>
-              <a:t>15.09.2021</a:t>
+              <a:t>16.09.2021</a:t>
             </a:fld>
             <a:endParaRPr lang="ru-RU"/>
           </a:p>
@@ -3047,7 +3047,7 @@
             <a:fld id="{85A5DE44-605B-4D3B-B2B7-94543DF81A36}" type="datetimeFigureOut">
               <a:rPr lang="ru-RU" smtClean="0"/>
               <a:pPr/>
-              <a:t>15.09.2021</a:t>
+              <a:t>16.09.2021</a:t>
             </a:fld>
             <a:endParaRPr lang="ru-RU"/>
           </a:p>
@@ -25693,7 +25693,7 @@
         </p:nvSpPr>
         <p:spPr>
           <a:xfrm>
-            <a:off x="36357886" y="2582488"/>
+            <a:off x="36357886" y="2606551"/>
             <a:ext cx="926325" cy="540000"/>
           </a:xfrm>
           <a:prstGeom prst="rect">
@@ -25772,8 +25772,8 @@
         </p:nvCxnSpPr>
         <p:spPr>
           <a:xfrm flipV="1">
-            <a:off x="16425318" y="2852488"/>
-            <a:ext cx="19932568" cy="43940"/>
+            <a:off x="16425318" y="2876551"/>
+            <a:ext cx="19932568" cy="19877"/>
           </a:xfrm>
           <a:prstGeom prst="line">
             <a:avLst/>
@@ -29381,12 +29381,12 @@
         </p:nvCxnSpPr>
         <p:spPr>
           <a:xfrm rot="5400000">
-            <a:off x="22990915" y="-10498606"/>
-            <a:ext cx="209040" cy="27451228"/>
+            <a:off x="23002947" y="-10486575"/>
+            <a:ext cx="184977" cy="27451228"/>
           </a:xfrm>
           <a:prstGeom prst="bentConnector3">
             <a:avLst>
-              <a:gd name="adj1" fmla="val 50000"/>
+              <a:gd name="adj1" fmla="val 43133"/>
             </a:avLst>
           </a:prstGeom>
           <a:ln w="19050">
@@ -29420,12 +29420,12 @@
         </p:nvCxnSpPr>
         <p:spPr>
           <a:xfrm rot="5400000">
-            <a:off x="23549984" y="-9930543"/>
-            <a:ext cx="218035" cy="26324096"/>
+            <a:off x="23562015" y="-9918511"/>
+            <a:ext cx="193972" cy="26324096"/>
           </a:xfrm>
           <a:prstGeom prst="bentConnector3">
             <a:avLst>
-              <a:gd name="adj1" fmla="val 50000"/>
+              <a:gd name="adj1" fmla="val 33632"/>
             </a:avLst>
           </a:prstGeom>
           <a:ln w="19050">
@@ -29459,12 +29459,12 @@
         </p:nvCxnSpPr>
         <p:spPr>
           <a:xfrm rot="5400000">
-            <a:off x="24112705" y="-9372640"/>
-            <a:ext cx="213217" cy="25203472"/>
+            <a:off x="24124736" y="-9360608"/>
+            <a:ext cx="189154" cy="25203472"/>
           </a:xfrm>
           <a:prstGeom prst="bentConnector3">
             <a:avLst>
-              <a:gd name="adj1" fmla="val 50000"/>
+              <a:gd name="adj1" fmla="val 36572"/>
             </a:avLst>
           </a:prstGeom>
           <a:ln w="19050">
@@ -30274,8 +30274,8 @@
         </p:nvCxnSpPr>
         <p:spPr>
           <a:xfrm rot="5400000">
-            <a:off x="36126141" y="2699462"/>
-            <a:ext cx="271883" cy="1117935"/>
+            <a:off x="36138172" y="2711494"/>
+            <a:ext cx="247820" cy="1117935"/>
           </a:xfrm>
           <a:prstGeom prst="bentConnector3">
             <a:avLst>
@@ -30312,8 +30312,8 @@
         </p:nvCxnSpPr>
         <p:spPr>
           <a:xfrm rot="16200000" flipH="1">
-            <a:off x="37244073" y="2699464"/>
-            <a:ext cx="271883" cy="1117930"/>
+            <a:off x="37256104" y="2711496"/>
+            <a:ext cx="247820" cy="1117930"/>
           </a:xfrm>
           <a:prstGeom prst="bentConnector3">
             <a:avLst>
@@ -30538,8 +30538,8 @@
         </p:nvCxnSpPr>
         <p:spPr>
           <a:xfrm flipH="1">
-            <a:off x="36821047" y="3122488"/>
-            <a:ext cx="2" cy="266730"/>
+            <a:off x="36821047" y="3146551"/>
+            <a:ext cx="2" cy="242667"/>
           </a:xfrm>
           <a:prstGeom prst="straightConnector1">
             <a:avLst/>
@@ -36679,6 +36679,512 @@
           <a:xfrm rot="16200000" flipH="1">
             <a:off x="10882842" y="9079854"/>
             <a:ext cx="209433" cy="2209799"/>
+          </a:xfrm>
+          <a:prstGeom prst="bentConnector3">
+            <a:avLst>
+              <a:gd name="adj1" fmla="val 50000"/>
+            </a:avLst>
+          </a:prstGeom>
+          <a:ln w="19050">
+            <a:tailEnd type="arrow"/>
+          </a:ln>
+        </p:spPr>
+        <p:style>
+          <a:lnRef idx="1">
+            <a:schemeClr val="accent1"/>
+          </a:lnRef>
+          <a:fillRef idx="0">
+            <a:schemeClr val="accent1"/>
+          </a:fillRef>
+          <a:effectRef idx="0">
+            <a:schemeClr val="accent1"/>
+          </a:effectRef>
+          <a:fontRef idx="minor">
+            <a:schemeClr val="tx1"/>
+          </a:fontRef>
+        </p:style>
+      </p:cxnSp>
+      <p:sp>
+        <p:nvSpPr>
+          <p:cNvPr id="752" name="Прямоугольник 751"/>
+          <p:cNvSpPr/>
+          <p:nvPr/>
+        </p:nvSpPr>
+        <p:spPr>
+          <a:xfrm>
+            <a:off x="16665836" y="18085775"/>
+            <a:ext cx="926325" cy="540000"/>
+          </a:xfrm>
+          <a:prstGeom prst="rect">
+            <a:avLst/>
+          </a:prstGeom>
+          <a:solidFill>
+            <a:schemeClr val="accent2">
+              <a:lumMod val="75000"/>
+            </a:schemeClr>
+          </a:solidFill>
+          <a:ln w="19050"/>
+        </p:spPr>
+        <p:style>
+          <a:lnRef idx="2">
+            <a:schemeClr val="accent1"/>
+          </a:lnRef>
+          <a:fillRef idx="1">
+            <a:schemeClr val="lt1"/>
+          </a:fillRef>
+          <a:effectRef idx="0">
+            <a:schemeClr val="accent1"/>
+          </a:effectRef>
+          <a:fontRef idx="minor">
+            <a:schemeClr val="dk1"/>
+          </a:fontRef>
+        </p:style>
+        <p:txBody>
+          <a:bodyPr lIns="124733" tIns="62367" rIns="124733" bIns="62367" rtlCol="0" anchor="ctr"/>
+          <a:lstStyle/>
+          <a:p>
+            <a:pPr algn="ctr"/>
+            <a:r>
+              <a:rPr lang="ru-RU" sz="700" dirty="0" smtClean="0"/>
+              <a:t>Набрать мавров в Африканскую армию (+</a:t>
+            </a:r>
+            <a:r>
+              <a:rPr lang="ru-RU" sz="700" dirty="0" err="1" smtClean="0"/>
+              <a:t>дивки</a:t>
+            </a:r>
+            <a:r>
+              <a:rPr lang="ru-RU" sz="700" dirty="0" smtClean="0"/>
+              <a:t>)</a:t>
+            </a:r>
+          </a:p>
+        </p:txBody>
+      </p:sp>
+      <p:cxnSp>
+        <p:nvCxnSpPr>
+          <p:cNvPr id="829" name="Соединительная линия уступом 124"/>
+          <p:cNvCxnSpPr>
+            <a:stCxn id="564" idx="2"/>
+            <a:endCxn id="752" idx="0"/>
+          </p:cNvCxnSpPr>
+          <p:nvPr/>
+        </p:nvCxnSpPr>
+        <p:spPr>
+          <a:xfrm rot="16200000" flipH="1">
+            <a:off x="16167004" y="17123779"/>
+            <a:ext cx="239565" cy="1684425"/>
+          </a:xfrm>
+          <a:prstGeom prst="bentConnector3">
+            <a:avLst>
+              <a:gd name="adj1" fmla="val 50000"/>
+            </a:avLst>
+          </a:prstGeom>
+          <a:ln w="19050">
+            <a:tailEnd type="arrow"/>
+          </a:ln>
+        </p:spPr>
+        <p:style>
+          <a:lnRef idx="1">
+            <a:schemeClr val="accent1"/>
+          </a:lnRef>
+          <a:fillRef idx="0">
+            <a:schemeClr val="accent1"/>
+          </a:fillRef>
+          <a:effectRef idx="0">
+            <a:schemeClr val="accent1"/>
+          </a:effectRef>
+          <a:fontRef idx="minor">
+            <a:schemeClr val="tx1"/>
+          </a:fontRef>
+        </p:style>
+      </p:cxnSp>
+      <p:sp>
+        <p:nvSpPr>
+          <p:cNvPr id="831" name="Прямоугольник 830"/>
+          <p:cNvSpPr/>
+          <p:nvPr/>
+        </p:nvSpPr>
+        <p:spPr>
+          <a:xfrm>
+            <a:off x="26959447" y="3314781"/>
+            <a:ext cx="926325" cy="540000"/>
+          </a:xfrm>
+          <a:prstGeom prst="rect">
+            <a:avLst/>
+          </a:prstGeom>
+          <a:solidFill>
+            <a:schemeClr val="bg1">
+              <a:lumMod val="50000"/>
+            </a:schemeClr>
+          </a:solidFill>
+          <a:ln w="19050"/>
+        </p:spPr>
+        <p:style>
+          <a:lnRef idx="2">
+            <a:schemeClr val="accent1"/>
+          </a:lnRef>
+          <a:fillRef idx="1">
+            <a:schemeClr val="lt1"/>
+          </a:fillRef>
+          <a:effectRef idx="0">
+            <a:schemeClr val="accent1"/>
+          </a:effectRef>
+          <a:fontRef idx="minor">
+            <a:schemeClr val="dk1"/>
+          </a:fontRef>
+        </p:style>
+        <p:txBody>
+          <a:bodyPr lIns="124733" tIns="62367" rIns="124733" bIns="62367" rtlCol="0" anchor="ctr"/>
+          <a:lstStyle/>
+          <a:p>
+            <a:pPr algn="ctr"/>
+            <a:r>
+              <a:rPr lang="ru-RU" sz="700" dirty="0"/>
+              <a:t>Стабилизация валюты </a:t>
+            </a:r>
+            <a:r>
+              <a:rPr lang="ru-RU" sz="100" dirty="0"/>
+              <a:t>(Поскольку все запасы испанского золота оказались в руках республиканцев, националистам пришлось начинать войну и без запасов валюты, и без надежд получить кредит из-за границы. Поэтому с самого начала конфликта были предприняты строгие меры, </a:t>
+            </a:r>
+            <a:r>
+              <a:rPr lang="ru-RU" sz="100" dirty="0" err="1"/>
+              <a:t>запрещающиевывоз</a:t>
+            </a:r>
+            <a:r>
+              <a:rPr lang="ru-RU" sz="100" dirty="0"/>
+              <a:t> иностранной валюты, а стоимость песеты жестко зафиксировали на довоенном </a:t>
+            </a:r>
+            <a:r>
+              <a:rPr lang="ru-RU" sz="100" dirty="0" err="1"/>
+              <a:t>уровне.Эти</a:t>
+            </a:r>
+            <a:r>
+              <a:rPr lang="ru-RU" sz="100" dirty="0"/>
+              <a:t> меры поддерживались ожиданием победы националистов. Немецкое агентство </a:t>
+            </a:r>
+            <a:r>
+              <a:rPr lang="ru-RU" sz="100" dirty="0" err="1"/>
+              <a:t>HISMAпомогло</a:t>
+            </a:r>
+            <a:r>
+              <a:rPr lang="ru-RU" sz="100" dirty="0"/>
+              <a:t> стабилизировать валюту националистов</a:t>
+            </a:r>
+            <a:r>
+              <a:rPr lang="ru-RU" sz="100" dirty="0" smtClean="0"/>
+              <a:t>.)</a:t>
+            </a:r>
+            <a:endParaRPr lang="ru-RU" sz="100" dirty="0"/>
+          </a:p>
+        </p:txBody>
+      </p:sp>
+      <p:cxnSp>
+        <p:nvCxnSpPr>
+          <p:cNvPr id="832" name="Соединительная линия уступом 831"/>
+          <p:cNvCxnSpPr>
+            <a:stCxn id="635" idx="2"/>
+            <a:endCxn id="831" idx="0"/>
+          </p:cNvCxnSpPr>
+          <p:nvPr/>
+        </p:nvCxnSpPr>
+        <p:spPr>
+          <a:xfrm rot="5400000">
+            <a:off x="32037715" y="-1468553"/>
+            <a:ext cx="168230" cy="9398439"/>
+          </a:xfrm>
+          <a:prstGeom prst="bentConnector3">
+            <a:avLst>
+              <a:gd name="adj1" fmla="val 50000"/>
+            </a:avLst>
+          </a:prstGeom>
+          <a:ln w="19050">
+            <a:prstDash val="dash"/>
+            <a:tailEnd type="arrow"/>
+          </a:ln>
+        </p:spPr>
+        <p:style>
+          <a:lnRef idx="1">
+            <a:schemeClr val="accent1"/>
+          </a:lnRef>
+          <a:fillRef idx="0">
+            <a:schemeClr val="accent1"/>
+          </a:fillRef>
+          <a:effectRef idx="0">
+            <a:schemeClr val="accent1"/>
+          </a:effectRef>
+          <a:fontRef idx="minor">
+            <a:schemeClr val="tx1"/>
+          </a:fontRef>
+        </p:style>
+      </p:cxnSp>
+      <p:cxnSp>
+        <p:nvCxnSpPr>
+          <p:cNvPr id="833" name="Соединительная линия уступом 832"/>
+          <p:cNvCxnSpPr>
+            <a:stCxn id="582" idx="2"/>
+            <a:endCxn id="831" idx="0"/>
+          </p:cNvCxnSpPr>
+          <p:nvPr/>
+        </p:nvCxnSpPr>
+        <p:spPr>
+          <a:xfrm rot="16200000" flipH="1">
+            <a:off x="21618207" y="-2489623"/>
+            <a:ext cx="148353" cy="11460454"/>
+          </a:xfrm>
+          <a:prstGeom prst="bentConnector3">
+            <a:avLst>
+              <a:gd name="adj1" fmla="val 50000"/>
+            </a:avLst>
+          </a:prstGeom>
+          <a:ln w="19050">
+            <a:prstDash val="dash"/>
+            <a:tailEnd type="arrow"/>
+          </a:ln>
+        </p:spPr>
+        <p:style>
+          <a:lnRef idx="1">
+            <a:schemeClr val="accent1"/>
+          </a:lnRef>
+          <a:fillRef idx="0">
+            <a:schemeClr val="accent1"/>
+          </a:fillRef>
+          <a:effectRef idx="0">
+            <a:schemeClr val="accent1"/>
+          </a:effectRef>
+          <a:fontRef idx="minor">
+            <a:schemeClr val="tx1"/>
+          </a:fontRef>
+        </p:style>
+      </p:cxnSp>
+      <p:cxnSp>
+        <p:nvCxnSpPr>
+          <p:cNvPr id="834" name="Соединительная линия уступом 833"/>
+          <p:cNvCxnSpPr>
+            <a:stCxn id="719" idx="2"/>
+            <a:endCxn id="831" idx="0"/>
+          </p:cNvCxnSpPr>
+          <p:nvPr/>
+        </p:nvCxnSpPr>
+        <p:spPr>
+          <a:xfrm rot="16200000" flipH="1">
+            <a:off x="15582688" y="-8525142"/>
+            <a:ext cx="192293" cy="23487552"/>
+          </a:xfrm>
+          <a:prstGeom prst="bentConnector3">
+            <a:avLst>
+              <a:gd name="adj1" fmla="val 50000"/>
+            </a:avLst>
+          </a:prstGeom>
+          <a:ln w="19050">
+            <a:prstDash val="dash"/>
+            <a:tailEnd type="arrow"/>
+          </a:ln>
+        </p:spPr>
+        <p:style>
+          <a:lnRef idx="1">
+            <a:schemeClr val="accent1"/>
+          </a:lnRef>
+          <a:fillRef idx="0">
+            <a:schemeClr val="accent1"/>
+          </a:fillRef>
+          <a:effectRef idx="0">
+            <a:schemeClr val="accent1"/>
+          </a:effectRef>
+          <a:fontRef idx="minor">
+            <a:schemeClr val="tx1"/>
+          </a:fontRef>
+        </p:style>
+      </p:cxnSp>
+      <p:sp>
+        <p:nvSpPr>
+          <p:cNvPr id="835" name="Прямоугольник 834"/>
+          <p:cNvSpPr/>
+          <p:nvPr/>
+        </p:nvSpPr>
+        <p:spPr>
+          <a:xfrm>
+            <a:off x="25835492" y="4124547"/>
+            <a:ext cx="926325" cy="540000"/>
+          </a:xfrm>
+          <a:prstGeom prst="rect">
+            <a:avLst/>
+          </a:prstGeom>
+          <a:solidFill>
+            <a:schemeClr val="bg1">
+              <a:lumMod val="50000"/>
+            </a:schemeClr>
+          </a:solidFill>
+          <a:ln w="19050"/>
+        </p:spPr>
+        <p:style>
+          <a:lnRef idx="2">
+            <a:schemeClr val="accent1"/>
+          </a:lnRef>
+          <a:fillRef idx="1">
+            <a:schemeClr val="lt1"/>
+          </a:fillRef>
+          <a:effectRef idx="0">
+            <a:schemeClr val="accent1"/>
+          </a:effectRef>
+          <a:fontRef idx="minor">
+            <a:schemeClr val="dk1"/>
+          </a:fontRef>
+        </p:style>
+        <p:txBody>
+          <a:bodyPr lIns="124733" tIns="62367" rIns="124733" bIns="62367" rtlCol="0" anchor="ctr"/>
+          <a:lstStyle/>
+          <a:p>
+            <a:pPr algn="ctr"/>
+            <a:r>
+              <a:rPr lang="ru-RU" sz="700" dirty="0" smtClean="0"/>
+              <a:t>Экспортная торговля рудой </a:t>
+            </a:r>
+            <a:r>
+              <a:rPr lang="ru-RU" sz="100" dirty="0"/>
+              <a:t>Их экономику поддерживала также экспортная торговля рудами из Андалузии и Марокко и доставка сельскохозяйственной </a:t>
+            </a:r>
+            <a:r>
+              <a:rPr lang="ru-RU" sz="100" dirty="0" err="1"/>
+              <a:t>продукциииз</a:t>
+            </a:r>
+            <a:r>
+              <a:rPr lang="ru-RU" sz="100" dirty="0"/>
+              <a:t> Андалузии и с Канарских островов. К тому же финансисты Европы и Америки не </a:t>
+            </a:r>
+            <a:r>
+              <a:rPr lang="ru-RU" sz="100" dirty="0" err="1"/>
+              <a:t>толькождали</a:t>
+            </a:r>
+            <a:r>
+              <a:rPr lang="ru-RU" sz="100" dirty="0"/>
+              <a:t> победы националистов, но и страстно желали ее. Хотя республика с большим </a:t>
+            </a:r>
+            <a:r>
+              <a:rPr lang="ru-RU" sz="100" dirty="0" err="1"/>
+              <a:t>стараниемоберегала</a:t>
+            </a:r>
+            <a:r>
+              <a:rPr lang="ru-RU" sz="100" dirty="0"/>
+              <a:t> имущество иностранных концернов в Испании, крах иностранных вложений в России был еще слишком свеж в памяти, чтобы его можно было забыть</a:t>
+            </a:r>
+            <a:endParaRPr lang="ru-RU" sz="100" dirty="0"/>
+          </a:p>
+        </p:txBody>
+      </p:sp>
+      <p:cxnSp>
+        <p:nvCxnSpPr>
+          <p:cNvPr id="836" name="Соединительная линия уступом 835"/>
+          <p:cNvCxnSpPr>
+            <a:stCxn id="831" idx="2"/>
+            <a:endCxn id="835" idx="0"/>
+          </p:cNvCxnSpPr>
+          <p:nvPr/>
+        </p:nvCxnSpPr>
+        <p:spPr>
+          <a:xfrm rot="5400000">
+            <a:off x="26725750" y="3427687"/>
+            <a:ext cx="269766" cy="1123955"/>
+          </a:xfrm>
+          <a:prstGeom prst="bentConnector3">
+            <a:avLst>
+              <a:gd name="adj1" fmla="val 50000"/>
+            </a:avLst>
+          </a:prstGeom>
+          <a:ln w="19050">
+            <a:tailEnd type="arrow"/>
+          </a:ln>
+        </p:spPr>
+        <p:style>
+          <a:lnRef idx="1">
+            <a:schemeClr val="accent1"/>
+          </a:lnRef>
+          <a:fillRef idx="0">
+            <a:schemeClr val="accent1"/>
+          </a:fillRef>
+          <a:effectRef idx="0">
+            <a:schemeClr val="accent1"/>
+          </a:effectRef>
+          <a:fontRef idx="minor">
+            <a:schemeClr val="tx1"/>
+          </a:fontRef>
+        </p:style>
+      </p:cxnSp>
+      <p:sp>
+        <p:nvSpPr>
+          <p:cNvPr id="837" name="Прямоугольник 836"/>
+          <p:cNvSpPr/>
+          <p:nvPr/>
+        </p:nvSpPr>
+        <p:spPr>
+          <a:xfrm>
+            <a:off x="28082584" y="4122363"/>
+            <a:ext cx="926325" cy="540000"/>
+          </a:xfrm>
+          <a:prstGeom prst="rect">
+            <a:avLst/>
+          </a:prstGeom>
+          <a:solidFill>
+            <a:schemeClr val="bg1">
+              <a:lumMod val="50000"/>
+            </a:schemeClr>
+          </a:solidFill>
+          <a:ln w="19050"/>
+        </p:spPr>
+        <p:style>
+          <a:lnRef idx="2">
+            <a:schemeClr val="accent1"/>
+          </a:lnRef>
+          <a:fillRef idx="1">
+            <a:schemeClr val="lt1"/>
+          </a:fillRef>
+          <a:effectRef idx="0">
+            <a:schemeClr val="accent1"/>
+          </a:effectRef>
+          <a:fontRef idx="minor">
+            <a:schemeClr val="dk1"/>
+          </a:fontRef>
+        </p:style>
+        <p:txBody>
+          <a:bodyPr lIns="124733" tIns="62367" rIns="124733" bIns="62367" rtlCol="0" anchor="ctr"/>
+          <a:lstStyle/>
+          <a:p>
+            <a:pPr algn="ctr"/>
+            <a:r>
+              <a:rPr lang="ru-RU" sz="700" dirty="0" smtClean="0"/>
+              <a:t>Нефтяной кредит в США </a:t>
+            </a:r>
+            <a:r>
+              <a:rPr lang="ru-RU" sz="100" dirty="0" smtClean="0"/>
+              <a:t>(Так </a:t>
+            </a:r>
+            <a:r>
+              <a:rPr lang="ru-RU" sz="100" dirty="0"/>
+              <a:t>что вопрос с поставками нефти был разрешен при помощи долгосрочного кредита, который без всяких </a:t>
+            </a:r>
+            <a:r>
+              <a:rPr lang="ru-RU" sz="100" dirty="0" err="1"/>
+              <a:t>гарантийпредоставила</a:t>
+            </a:r>
+            <a:r>
+              <a:rPr lang="ru-RU" sz="100" dirty="0"/>
+              <a:t> Техасская нефтяная компания</a:t>
+            </a:r>
+            <a:endParaRPr lang="ru-RU" sz="100" dirty="0"/>
+          </a:p>
+        </p:txBody>
+      </p:sp>
+      <p:cxnSp>
+        <p:nvCxnSpPr>
+          <p:cNvPr id="838" name="Соединительная линия уступом 837"/>
+          <p:cNvCxnSpPr>
+            <a:stCxn id="831" idx="2"/>
+            <a:endCxn id="837" idx="0"/>
+          </p:cNvCxnSpPr>
+          <p:nvPr/>
+        </p:nvCxnSpPr>
+        <p:spPr>
+          <a:xfrm rot="16200000" flipH="1">
+            <a:off x="27850387" y="3427003"/>
+            <a:ext cx="267582" cy="1123137"/>
           </a:xfrm>
           <a:prstGeom prst="bentConnector3">
             <a:avLst>

--- a/Наработки/диздоки/Испания/Испания правые.pptx
+++ b/Наработки/диздоки/Испания/Испания правые.pptx
@@ -209,7 +209,7 @@
             <a:fld id="{33E3D7F9-E251-484C-A6FF-FA958879DF69}" type="datetimeFigureOut">
               <a:rPr lang="ru-RU" smtClean="0"/>
               <a:pPr/>
-              <a:t>16.09.2021</a:t>
+              <a:t>02.10.2021</a:t>
             </a:fld>
             <a:endParaRPr lang="ru-RU"/>
           </a:p>
@@ -700,7 +700,7 @@
             <a:fld id="{85A5DE44-605B-4D3B-B2B7-94543DF81A36}" type="datetimeFigureOut">
               <a:rPr lang="ru-RU" smtClean="0"/>
               <a:pPr/>
-              <a:t>16.09.2021</a:t>
+              <a:t>02.10.2021</a:t>
             </a:fld>
             <a:endParaRPr lang="ru-RU"/>
           </a:p>
@@ -872,7 +872,7 @@
             <a:fld id="{85A5DE44-605B-4D3B-B2B7-94543DF81A36}" type="datetimeFigureOut">
               <a:rPr lang="ru-RU" smtClean="0"/>
               <a:pPr/>
-              <a:t>16.09.2021</a:t>
+              <a:t>02.10.2021</a:t>
             </a:fld>
             <a:endParaRPr lang="ru-RU"/>
           </a:p>
@@ -1054,7 +1054,7 @@
             <a:fld id="{85A5DE44-605B-4D3B-B2B7-94543DF81A36}" type="datetimeFigureOut">
               <a:rPr lang="ru-RU" smtClean="0"/>
               <a:pPr/>
-              <a:t>16.09.2021</a:t>
+              <a:t>02.10.2021</a:t>
             </a:fld>
             <a:endParaRPr lang="ru-RU"/>
           </a:p>
@@ -1226,7 +1226,7 @@
             <a:fld id="{85A5DE44-605B-4D3B-B2B7-94543DF81A36}" type="datetimeFigureOut">
               <a:rPr lang="ru-RU" smtClean="0"/>
               <a:pPr/>
-              <a:t>16.09.2021</a:t>
+              <a:t>02.10.2021</a:t>
             </a:fld>
             <a:endParaRPr lang="ru-RU"/>
           </a:p>
@@ -1474,7 +1474,7 @@
             <a:fld id="{85A5DE44-605B-4D3B-B2B7-94543DF81A36}" type="datetimeFigureOut">
               <a:rPr lang="ru-RU" smtClean="0"/>
               <a:pPr/>
-              <a:t>16.09.2021</a:t>
+              <a:t>02.10.2021</a:t>
             </a:fld>
             <a:endParaRPr lang="ru-RU"/>
           </a:p>
@@ -1708,7 +1708,7 @@
             <a:fld id="{85A5DE44-605B-4D3B-B2B7-94543DF81A36}" type="datetimeFigureOut">
               <a:rPr lang="ru-RU" smtClean="0"/>
               <a:pPr/>
-              <a:t>16.09.2021</a:t>
+              <a:t>02.10.2021</a:t>
             </a:fld>
             <a:endParaRPr lang="ru-RU"/>
           </a:p>
@@ -2077,7 +2077,7 @@
             <a:fld id="{85A5DE44-605B-4D3B-B2B7-94543DF81A36}" type="datetimeFigureOut">
               <a:rPr lang="ru-RU" smtClean="0"/>
               <a:pPr/>
-              <a:t>16.09.2021</a:t>
+              <a:t>02.10.2021</a:t>
             </a:fld>
             <a:endParaRPr lang="ru-RU"/>
           </a:p>
@@ -2197,7 +2197,7 @@
             <a:fld id="{85A5DE44-605B-4D3B-B2B7-94543DF81A36}" type="datetimeFigureOut">
               <a:rPr lang="ru-RU" smtClean="0"/>
               <a:pPr/>
-              <a:t>16.09.2021</a:t>
+              <a:t>02.10.2021</a:t>
             </a:fld>
             <a:endParaRPr lang="ru-RU"/>
           </a:p>
@@ -2294,7 +2294,7 @@
             <a:fld id="{85A5DE44-605B-4D3B-B2B7-94543DF81A36}" type="datetimeFigureOut">
               <a:rPr lang="ru-RU" smtClean="0"/>
               <a:pPr/>
-              <a:t>16.09.2021</a:t>
+              <a:t>02.10.2021</a:t>
             </a:fld>
             <a:endParaRPr lang="ru-RU"/>
           </a:p>
@@ -2573,7 +2573,7 @@
             <a:fld id="{85A5DE44-605B-4D3B-B2B7-94543DF81A36}" type="datetimeFigureOut">
               <a:rPr lang="ru-RU" smtClean="0"/>
               <a:pPr/>
-              <a:t>16.09.2021</a:t>
+              <a:t>02.10.2021</a:t>
             </a:fld>
             <a:endParaRPr lang="ru-RU"/>
           </a:p>
@@ -2832,7 +2832,7 @@
             <a:fld id="{85A5DE44-605B-4D3B-B2B7-94543DF81A36}" type="datetimeFigureOut">
               <a:rPr lang="ru-RU" smtClean="0"/>
               <a:pPr/>
-              <a:t>16.09.2021</a:t>
+              <a:t>02.10.2021</a:t>
             </a:fld>
             <a:endParaRPr lang="ru-RU"/>
           </a:p>
@@ -3047,7 +3047,7 @@
             <a:fld id="{85A5DE44-605B-4D3B-B2B7-94543DF81A36}" type="datetimeFigureOut">
               <a:rPr lang="ru-RU" smtClean="0"/>
               <a:pPr/>
-              <a:t>16.09.2021</a:t>
+              <a:t>02.10.2021</a:t>
             </a:fld>
             <a:endParaRPr lang="ru-RU"/>
           </a:p>
@@ -3490,7 +3490,7 @@
             <a:pPr algn="ctr"/>
             <a:r>
               <a:rPr lang="ru-RU" sz="3600" b="1" dirty="0" smtClean="0"/>
-              <a:t>291</a:t>
+              <a:t>322</a:t>
             </a:r>
             <a:endParaRPr lang="ru-RU" sz="3600" b="1" dirty="0"/>
           </a:p>
@@ -12578,7 +12578,7 @@
             <a:pPr algn="ctr"/>
             <a:r>
               <a:rPr lang="ru-RU" sz="700" dirty="0" smtClean="0"/>
-              <a:t>Объединение права собственности средств производства в профсоюзы</a:t>
+              <a:t>Передача прав собственности и средств производства в профсоюзы</a:t>
             </a:r>
             <a:endParaRPr lang="ru-RU" sz="700" dirty="0"/>
           </a:p>
@@ -17005,15 +17005,7 @@
             <a:pPr algn="ctr"/>
             <a:r>
               <a:rPr lang="ru-RU" sz="700" dirty="0" smtClean="0"/>
-              <a:t>Подготовить оборону </a:t>
-            </a:r>
-            <a:r>
-              <a:rPr lang="ru-RU" sz="700" dirty="0" err="1" smtClean="0"/>
-              <a:t>Перенеев</a:t>
-            </a:r>
-            <a:r>
-              <a:rPr lang="ru-RU" sz="700" dirty="0" smtClean="0"/>
-              <a:t> (ваниль)</a:t>
+              <a:t>Подготовить оборону Пиренеев (ваниль)</a:t>
             </a:r>
           </a:p>
         </p:txBody>
@@ -37066,7 +37058,6 @@
               <a:rPr lang="ru-RU" sz="100" dirty="0"/>
               <a:t> имущество иностранных концернов в Испании, крах иностранных вложений в России был еще слишком свеж в памяти, чтобы его можно было забыть</a:t>
             </a:r>
-            <a:endParaRPr lang="ru-RU" sz="100" dirty="0"/>
           </a:p>
         </p:txBody>
       </p:sp>
@@ -37168,7 +37159,6 @@
               <a:rPr lang="ru-RU" sz="100" dirty="0"/>
               <a:t> Техасская нефтяная компания</a:t>
             </a:r>
-            <a:endParaRPr lang="ru-RU" sz="100" dirty="0"/>
           </a:p>
         </p:txBody>
       </p:sp>
@@ -37210,6 +37200,556 @@
           </a:fontRef>
         </p:style>
       </p:cxnSp>
+      <p:sp>
+        <p:nvSpPr>
+          <p:cNvPr id="830" name="Прямоугольник 829"/>
+          <p:cNvSpPr/>
+          <p:nvPr/>
+        </p:nvSpPr>
+        <p:spPr>
+          <a:xfrm>
+            <a:off x="26959038" y="4119188"/>
+            <a:ext cx="926325" cy="540000"/>
+          </a:xfrm>
+          <a:prstGeom prst="rect">
+            <a:avLst/>
+          </a:prstGeom>
+          <a:solidFill>
+            <a:schemeClr val="bg1">
+              <a:lumMod val="50000"/>
+            </a:schemeClr>
+          </a:solidFill>
+          <a:ln w="19050"/>
+        </p:spPr>
+        <p:style>
+          <a:lnRef idx="2">
+            <a:schemeClr val="accent1"/>
+          </a:lnRef>
+          <a:fillRef idx="1">
+            <a:schemeClr val="lt1"/>
+          </a:fillRef>
+          <a:effectRef idx="0">
+            <a:schemeClr val="accent1"/>
+          </a:effectRef>
+          <a:fontRef idx="minor">
+            <a:schemeClr val="dk1"/>
+          </a:fontRef>
+        </p:style>
+        <p:txBody>
+          <a:bodyPr lIns="124733" tIns="62367" rIns="124733" bIns="62367" rtlCol="0" anchor="ctr"/>
+          <a:lstStyle/>
+          <a:p>
+            <a:pPr algn="ctr"/>
+            <a:r>
+              <a:rPr lang="ru-RU" sz="700" dirty="0" smtClean="0"/>
+              <a:t>Зимняя помощь (есть </a:t>
+            </a:r>
+            <a:r>
+              <a:rPr lang="ru-RU" sz="700" dirty="0"/>
+              <a:t>свой символ) </a:t>
+            </a:r>
+            <a:r>
+              <a:rPr lang="ru-RU" sz="100" dirty="0"/>
+              <a:t>(</a:t>
+            </a:r>
+            <a:r>
+              <a:rPr lang="ru-RU" sz="100" dirty="0" err="1"/>
+              <a:t>El</a:t>
+            </a:r>
+            <a:r>
+              <a:rPr lang="ru-RU" sz="100" dirty="0"/>
+              <a:t> </a:t>
+            </a:r>
+            <a:r>
+              <a:rPr lang="ru-RU" sz="100" dirty="0" err="1"/>
+              <a:t>Auxilio</a:t>
+            </a:r>
+            <a:r>
+              <a:rPr lang="ru-RU" sz="100" dirty="0"/>
+              <a:t> </a:t>
+            </a:r>
+            <a:r>
+              <a:rPr lang="ru-RU" sz="100" dirty="0" err="1"/>
+              <a:t>Social</a:t>
+            </a:r>
+            <a:r>
+              <a:rPr lang="ru-RU" sz="100" dirty="0"/>
+              <a:t> была гуманитарной организацией, существовавшей в Испании во время диктатуры Франко . Возникший в районе, который был в восстании во время гражданской войны в Испании - первоначально как « </a:t>
+            </a:r>
+            <a:r>
+              <a:rPr lang="ru-RU" sz="100" dirty="0" err="1"/>
+              <a:t>Auxilio</a:t>
+            </a:r>
+            <a:r>
+              <a:rPr lang="ru-RU" sz="100" dirty="0"/>
+              <a:t> </a:t>
+            </a:r>
+            <a:r>
+              <a:rPr lang="ru-RU" sz="100" dirty="0" err="1"/>
+              <a:t>de</a:t>
+            </a:r>
+            <a:r>
+              <a:rPr lang="ru-RU" sz="100" dirty="0"/>
+              <a:t> </a:t>
+            </a:r>
+            <a:r>
+              <a:rPr lang="ru-RU" sz="100" dirty="0" err="1"/>
+              <a:t>Invierno</a:t>
+            </a:r>
+            <a:r>
+              <a:rPr lang="ru-RU" sz="100" dirty="0"/>
+              <a:t> » - он сыграл заметную роль в первые годы режима Франко. Тело было важным средством политической пропаганды режима. [ 1 ] Кроме того, эта фалангистская организация способствовала похищению детей заключенных республиканских женщин благодаря указу от июня 1940 года, который предоставил им родительские </a:t>
+            </a:r>
+            <a:r>
+              <a:rPr lang="ru-RU" sz="100" dirty="0" err="1"/>
+              <a:t>права.детей</a:t>
+            </a:r>
+            <a:r>
+              <a:rPr lang="ru-RU" sz="100" dirty="0"/>
+              <a:t>, чьи семьи имели «плохую репутацию», и другого указа от 1941 года, который позволил ему изменить фамилии детей, взятых на воспитание в его центры, что не позволяло им быть востребованными настоящими </a:t>
+            </a:r>
+            <a:r>
+              <a:rPr lang="ru-RU" sz="100" dirty="0" smtClean="0"/>
+              <a:t>родителями</a:t>
+            </a:r>
+            <a:r>
+              <a:rPr lang="ru-RU" sz="100" dirty="0"/>
+              <a:t>)</a:t>
+            </a:r>
+          </a:p>
+        </p:txBody>
+      </p:sp>
+      <p:cxnSp>
+        <p:nvCxnSpPr>
+          <p:cNvPr id="839" name="Соединительная линия уступом 838"/>
+          <p:cNvCxnSpPr>
+            <a:stCxn id="831" idx="2"/>
+            <a:endCxn id="830" idx="0"/>
+          </p:cNvCxnSpPr>
+          <p:nvPr/>
+        </p:nvCxnSpPr>
+        <p:spPr>
+          <a:xfrm rot="5400000">
+            <a:off x="27290203" y="3986780"/>
+            <a:ext cx="264407" cy="409"/>
+          </a:xfrm>
+          <a:prstGeom prst="bentConnector3">
+            <a:avLst>
+              <a:gd name="adj1" fmla="val 50000"/>
+            </a:avLst>
+          </a:prstGeom>
+          <a:ln w="19050">
+            <a:tailEnd type="arrow"/>
+          </a:ln>
+        </p:spPr>
+        <p:style>
+          <a:lnRef idx="1">
+            <a:schemeClr val="accent1"/>
+          </a:lnRef>
+          <a:fillRef idx="0">
+            <a:schemeClr val="accent1"/>
+          </a:fillRef>
+          <a:effectRef idx="0">
+            <a:schemeClr val="accent1"/>
+          </a:effectRef>
+          <a:fontRef idx="minor">
+            <a:schemeClr val="tx1"/>
+          </a:fontRef>
+        </p:style>
+      </p:cxnSp>
+      <p:sp>
+        <p:nvSpPr>
+          <p:cNvPr id="840" name="Прямоугольник 839"/>
+          <p:cNvSpPr/>
+          <p:nvPr/>
+        </p:nvSpPr>
+        <p:spPr>
+          <a:xfrm>
+            <a:off x="26391602" y="4913368"/>
+            <a:ext cx="926325" cy="540000"/>
+          </a:xfrm>
+          <a:prstGeom prst="rect">
+            <a:avLst/>
+          </a:prstGeom>
+          <a:solidFill>
+            <a:schemeClr val="bg1">
+              <a:lumMod val="50000"/>
+            </a:schemeClr>
+          </a:solidFill>
+          <a:ln w="19050"/>
+        </p:spPr>
+        <p:style>
+          <a:lnRef idx="2">
+            <a:schemeClr val="accent1"/>
+          </a:lnRef>
+          <a:fillRef idx="1">
+            <a:schemeClr val="lt1"/>
+          </a:fillRef>
+          <a:effectRef idx="0">
+            <a:schemeClr val="accent1"/>
+          </a:effectRef>
+          <a:fontRef idx="minor">
+            <a:schemeClr val="dk1"/>
+          </a:fontRef>
+        </p:style>
+        <p:txBody>
+          <a:bodyPr lIns="124733" tIns="62367" rIns="124733" bIns="62367" rtlCol="0" anchor="ctr"/>
+          <a:lstStyle/>
+          <a:p>
+            <a:pPr algn="ctr"/>
+            <a:r>
+              <a:rPr lang="ru-RU" sz="700" dirty="0" smtClean="0"/>
+              <a:t>Германо-Испанское экономическое соглашение </a:t>
+            </a:r>
+            <a:r>
+              <a:rPr lang="ru-RU" sz="100" dirty="0" smtClean="0"/>
+              <a:t>Как </a:t>
+            </a:r>
+            <a:r>
+              <a:rPr lang="ru-RU" sz="100" dirty="0"/>
+              <a:t>раз в эти дни немцам, частично из-за кризисного положения на фронте, удалось заключить с националистами несколько экономических соглашений. В документе, 12 июля подписанном </a:t>
+            </a:r>
+            <a:r>
+              <a:rPr lang="ru-RU" sz="100" dirty="0" err="1"/>
+              <a:t>Фаупелем</a:t>
+            </a:r>
+            <a:r>
+              <a:rPr lang="ru-RU" sz="100" dirty="0"/>
+              <a:t> и </a:t>
+            </a:r>
+            <a:r>
+              <a:rPr lang="ru-RU" sz="100" dirty="0" err="1"/>
+              <a:t>Хорданой</a:t>
+            </a:r>
+            <a:r>
+              <a:rPr lang="ru-RU" sz="100" dirty="0"/>
+              <a:t>, испанцы обещали, что заключат с немцами первое всеобъемлющее торговое соглашение, позволяющее последним вести торговые переговоры и с другими странами, а также предоставят Германии режим наибольшего благоприятствования. Оно было дополнено декларацией от 15 июля, по которой обе страны обязывались оказывать друг другу максимальное содействие в обмене сырьем, продовольствием и промышленными товарами. 16 июля Испания согласилась выплачивать свои долги за военное снаряжение в </a:t>
+            </a:r>
+            <a:r>
+              <a:rPr lang="ru-RU" sz="100" dirty="0" err="1"/>
+              <a:t>рейхсмарках</a:t>
+            </a:r>
+            <a:r>
+              <a:rPr lang="ru-RU" sz="100" dirty="0"/>
+              <a:t> на условиях четырех ежегодных процентов. В виде гарантии выплаты долга Германия будет получать сырье. А сама она примет участие в восстановлении и развитии Испании</a:t>
+            </a:r>
+          </a:p>
+        </p:txBody>
+      </p:sp>
+      <p:cxnSp>
+        <p:nvCxnSpPr>
+          <p:cNvPr id="841" name="Соединительная линия уступом 840"/>
+          <p:cNvCxnSpPr>
+            <a:stCxn id="831" idx="2"/>
+            <a:endCxn id="840" idx="0"/>
+          </p:cNvCxnSpPr>
+          <p:nvPr/>
+        </p:nvCxnSpPr>
+        <p:spPr>
+          <a:xfrm rot="5400000">
+            <a:off x="26609395" y="4100152"/>
+            <a:ext cx="1058587" cy="567845"/>
+          </a:xfrm>
+          <a:prstGeom prst="bentConnector3">
+            <a:avLst>
+              <a:gd name="adj1" fmla="val 13156"/>
+            </a:avLst>
+          </a:prstGeom>
+          <a:ln w="19050">
+            <a:tailEnd type="arrow"/>
+          </a:ln>
+        </p:spPr>
+        <p:style>
+          <a:lnRef idx="1">
+            <a:schemeClr val="accent1"/>
+          </a:lnRef>
+          <a:fillRef idx="0">
+            <a:schemeClr val="accent1"/>
+          </a:fillRef>
+          <a:effectRef idx="0">
+            <a:schemeClr val="accent1"/>
+          </a:effectRef>
+          <a:fontRef idx="minor">
+            <a:schemeClr val="tx1"/>
+          </a:fontRef>
+        </p:style>
+      </p:cxnSp>
+      <p:sp>
+        <p:nvSpPr>
+          <p:cNvPr id="842" name="Прямоугольник 841"/>
+          <p:cNvSpPr/>
+          <p:nvPr/>
+        </p:nvSpPr>
+        <p:spPr>
+          <a:xfrm>
+            <a:off x="27523142" y="4913368"/>
+            <a:ext cx="926325" cy="540000"/>
+          </a:xfrm>
+          <a:prstGeom prst="rect">
+            <a:avLst/>
+          </a:prstGeom>
+          <a:solidFill>
+            <a:schemeClr val="bg1">
+              <a:lumMod val="50000"/>
+            </a:schemeClr>
+          </a:solidFill>
+          <a:ln w="19050"/>
+        </p:spPr>
+        <p:style>
+          <a:lnRef idx="2">
+            <a:schemeClr val="accent1"/>
+          </a:lnRef>
+          <a:fillRef idx="1">
+            <a:schemeClr val="lt1"/>
+          </a:fillRef>
+          <a:effectRef idx="0">
+            <a:schemeClr val="accent1"/>
+          </a:effectRef>
+          <a:fontRef idx="minor">
+            <a:schemeClr val="dk1"/>
+          </a:fontRef>
+        </p:style>
+        <p:txBody>
+          <a:bodyPr lIns="124733" tIns="62367" rIns="124733" bIns="62367" rtlCol="0" anchor="ctr"/>
+          <a:lstStyle/>
+          <a:p>
+            <a:pPr algn="ctr"/>
+            <a:r>
+              <a:rPr lang="ru-RU" sz="700" dirty="0" smtClean="0"/>
+              <a:t>Текстильные фабрики в Севилье  (1938)</a:t>
+            </a:r>
+            <a:endParaRPr lang="ru-RU" sz="100" dirty="0"/>
+          </a:p>
+        </p:txBody>
+      </p:sp>
+      <p:cxnSp>
+        <p:nvCxnSpPr>
+          <p:cNvPr id="843" name="Соединительная линия уступом 842"/>
+          <p:cNvCxnSpPr>
+            <a:stCxn id="831" idx="2"/>
+            <a:endCxn id="842" idx="0"/>
+          </p:cNvCxnSpPr>
+          <p:nvPr/>
+        </p:nvCxnSpPr>
+        <p:spPr>
+          <a:xfrm rot="16200000" flipH="1">
+            <a:off x="27175164" y="4102226"/>
+            <a:ext cx="1058587" cy="563695"/>
+          </a:xfrm>
+          <a:prstGeom prst="bentConnector3">
+            <a:avLst>
+              <a:gd name="adj1" fmla="val 12980"/>
+            </a:avLst>
+          </a:prstGeom>
+          <a:ln w="19050">
+            <a:tailEnd type="arrow"/>
+          </a:ln>
+        </p:spPr>
+        <p:style>
+          <a:lnRef idx="1">
+            <a:schemeClr val="accent1"/>
+          </a:lnRef>
+          <a:fillRef idx="0">
+            <a:schemeClr val="accent1"/>
+          </a:fillRef>
+          <a:effectRef idx="0">
+            <a:schemeClr val="accent1"/>
+          </a:effectRef>
+          <a:fontRef idx="minor">
+            <a:schemeClr val="tx1"/>
+          </a:fontRef>
+        </p:style>
+      </p:cxnSp>
+      <p:sp>
+        <p:nvSpPr>
+          <p:cNvPr id="844" name="Прямоугольник 843"/>
+          <p:cNvSpPr/>
+          <p:nvPr/>
+        </p:nvSpPr>
+        <p:spPr>
+          <a:xfrm>
+            <a:off x="8665468" y="293451"/>
+            <a:ext cx="926325" cy="540000"/>
+          </a:xfrm>
+          <a:prstGeom prst="rect">
+            <a:avLst/>
+          </a:prstGeom>
+          <a:solidFill>
+            <a:schemeClr val="bg1"/>
+          </a:solidFill>
+          <a:ln w="19050"/>
+        </p:spPr>
+        <p:style>
+          <a:lnRef idx="2">
+            <a:schemeClr val="accent1"/>
+          </a:lnRef>
+          <a:fillRef idx="1">
+            <a:schemeClr val="lt1"/>
+          </a:fillRef>
+          <a:effectRef idx="0">
+            <a:schemeClr val="accent1"/>
+          </a:effectRef>
+          <a:fontRef idx="minor">
+            <a:schemeClr val="dk1"/>
+          </a:fontRef>
+        </p:style>
+        <p:txBody>
+          <a:bodyPr lIns="124733" tIns="62367" rIns="124733" bIns="62367" rtlCol="0" anchor="ctr"/>
+          <a:lstStyle/>
+          <a:p>
+            <a:pPr algn="ctr"/>
+            <a:r>
+              <a:rPr lang="ru-RU" sz="100" dirty="0"/>
+              <a:t>Ко времени окончания сражения националисты наконец создали постоянный кабинет министров. Франко стал президентом совета, а </a:t>
+            </a:r>
+            <a:r>
+              <a:rPr lang="ru-RU" sz="100" dirty="0" err="1"/>
+              <a:t>Хордана</a:t>
+            </a:r>
+            <a:r>
+              <a:rPr lang="ru-RU" sz="100" dirty="0"/>
+              <a:t> занял пост вице-президента и министра иностранных дел. Давила, продолжая командовать Армией Севера, стал министром обороны. Генерал </a:t>
+            </a:r>
+            <a:r>
+              <a:rPr lang="ru-RU" sz="100" dirty="0" err="1"/>
+              <a:t>Мартинес</a:t>
+            </a:r>
+            <a:r>
+              <a:rPr lang="ru-RU" sz="100" dirty="0"/>
+              <a:t> </a:t>
+            </a:r>
+            <a:r>
+              <a:rPr lang="ru-RU" sz="100" dirty="0" err="1"/>
+              <a:t>Анидо</a:t>
+            </a:r>
+            <a:r>
+              <a:rPr lang="ru-RU" sz="100" dirty="0"/>
+              <a:t>, который после 1917 года был капитан-генералом Барселоны, тиранически управляя ею, а потом входил в кабинет </a:t>
+            </a:r>
+            <a:r>
+              <a:rPr lang="ru-RU" sz="100" dirty="0" err="1"/>
+              <a:t>Примо</a:t>
+            </a:r>
+            <a:r>
+              <a:rPr lang="ru-RU" sz="100" dirty="0"/>
+              <a:t> де Риверы, получил пост министра общественного порядка. Остальные члены кабинета не имели отношения к военным. </a:t>
+            </a:r>
+            <a:r>
+              <a:rPr lang="ru-RU" sz="100" dirty="0" err="1"/>
+              <a:t>Андресу</a:t>
+            </a:r>
+            <a:r>
+              <a:rPr lang="ru-RU" sz="100" dirty="0"/>
+              <a:t> </a:t>
+            </a:r>
+            <a:r>
+              <a:rPr lang="ru-RU" sz="100" dirty="0" err="1"/>
+              <a:t>Амадо</a:t>
+            </a:r>
+            <a:r>
+              <a:rPr lang="ru-RU" sz="100" dirty="0"/>
+              <a:t>, близкому другу </a:t>
+            </a:r>
+            <a:r>
+              <a:rPr lang="ru-RU" sz="100" dirty="0" err="1"/>
+              <a:t>Кальво</a:t>
+            </a:r>
+            <a:r>
+              <a:rPr lang="ru-RU" sz="100" dirty="0"/>
+              <a:t> </a:t>
+            </a:r>
+            <a:r>
+              <a:rPr lang="ru-RU" sz="100" dirty="0" err="1"/>
+              <a:t>Сотело</a:t>
+            </a:r>
+            <a:r>
+              <a:rPr lang="ru-RU" sz="100" dirty="0"/>
+              <a:t>, достался пост министра финансов. Морской инженер Хуан Антонио </a:t>
+            </a:r>
+            <a:r>
+              <a:rPr lang="ru-RU" sz="100" dirty="0" err="1"/>
+              <a:t>Суансес</a:t>
+            </a:r>
+            <a:r>
+              <a:rPr lang="ru-RU" sz="100" dirty="0"/>
+              <a:t>, давний приятель Франко, стал министром торговли и промышленности, </a:t>
+            </a:r>
+            <a:r>
+              <a:rPr lang="ru-RU" sz="100" dirty="0" err="1"/>
+              <a:t>карлист</a:t>
+            </a:r>
+            <a:r>
+              <a:rPr lang="ru-RU" sz="100" dirty="0"/>
+              <a:t> граф де </a:t>
+            </a:r>
+            <a:r>
+              <a:rPr lang="ru-RU" sz="100" dirty="0" err="1"/>
+              <a:t>Родесно</a:t>
+            </a:r>
+            <a:r>
+              <a:rPr lang="ru-RU" sz="100" dirty="0"/>
+              <a:t> – министром юстиции, а </a:t>
+            </a:r>
+            <a:r>
+              <a:rPr lang="ru-RU" sz="100" dirty="0" err="1"/>
+              <a:t>Сайнс</a:t>
+            </a:r>
+            <a:r>
+              <a:rPr lang="ru-RU" sz="100" dirty="0"/>
+              <a:t> Родригес, монархист и интеллектуал, – министром образования. Они представляли старые политические партии, но самым влиятельным членом кабинета был </a:t>
+            </a:r>
+            <a:r>
+              <a:rPr lang="ru-RU" sz="100" dirty="0" err="1"/>
+              <a:t>Серрано</a:t>
+            </a:r>
+            <a:r>
+              <a:rPr lang="ru-RU" sz="100" dirty="0"/>
+              <a:t> </a:t>
+            </a:r>
+            <a:r>
+              <a:rPr lang="ru-RU" sz="100" dirty="0" err="1"/>
+              <a:t>Суньер</a:t>
+            </a:r>
+            <a:r>
+              <a:rPr lang="ru-RU" sz="100" dirty="0"/>
+              <a:t>, возглавлявший новую фалангу. Ему были вручены прерогативы министра внутренних дел и генерального секретаря фаланги, что наделяло его исчерпывающей властью над этой организацией. </a:t>
+            </a:r>
+            <a:r>
+              <a:rPr lang="ru-RU" sz="100" dirty="0" err="1"/>
+              <a:t>Фернандес</a:t>
+            </a:r>
+            <a:r>
+              <a:rPr lang="ru-RU" sz="100" dirty="0"/>
+              <a:t> </a:t>
+            </a:r>
+            <a:r>
+              <a:rPr lang="ru-RU" sz="100" dirty="0" err="1"/>
+              <a:t>Куэста</a:t>
+            </a:r>
+            <a:r>
+              <a:rPr lang="ru-RU" sz="100" dirty="0"/>
+              <a:t>, единственный из числа «старых рубашек», в дополнение к его почетному посту генерального секретаря Национального совета стал министром сельского хозяйства. Пост министра труда достался Педро Гонсалесу </a:t>
+            </a:r>
+            <a:r>
+              <a:rPr lang="ru-RU" sz="100" dirty="0" err="1"/>
+              <a:t>Буэно</a:t>
+            </a:r>
+            <a:r>
+              <a:rPr lang="ru-RU" sz="100" dirty="0"/>
+              <a:t>, типичному представителю новой фаланги. Последним членом кабинета стал Альфонсо Пенья-и-</a:t>
+            </a:r>
+            <a:r>
+              <a:rPr lang="ru-RU" sz="100" dirty="0" err="1"/>
+              <a:t>Боэф</a:t>
+            </a:r>
+            <a:r>
+              <a:rPr lang="ru-RU" sz="100" dirty="0"/>
+              <a:t>, который до этого не играл роли в политике.</a:t>
+            </a:r>
+            <a:endParaRPr lang="ru-RU" sz="100" dirty="0" smtClean="0"/>
+          </a:p>
+        </p:txBody>
+      </p:sp>
     </p:spTree>
     <p:extLst>
       <p:ext uri="{BB962C8B-B14F-4D97-AF65-F5344CB8AC3E}">

--- a/Наработки/диздоки/Испания/Испания правые.pptx
+++ b/Наработки/диздоки/Испания/Испания правые.pptx
@@ -209,7 +209,7 @@
             <a:fld id="{33E3D7F9-E251-484C-A6FF-FA958879DF69}" type="datetimeFigureOut">
               <a:rPr lang="ru-RU" smtClean="0"/>
               <a:pPr/>
-              <a:t>02.10.2021</a:t>
+              <a:t>04.10.2021</a:t>
             </a:fld>
             <a:endParaRPr lang="ru-RU"/>
           </a:p>
@@ -700,7 +700,7 @@
             <a:fld id="{85A5DE44-605B-4D3B-B2B7-94543DF81A36}" type="datetimeFigureOut">
               <a:rPr lang="ru-RU" smtClean="0"/>
               <a:pPr/>
-              <a:t>02.10.2021</a:t>
+              <a:t>04.10.2021</a:t>
             </a:fld>
             <a:endParaRPr lang="ru-RU"/>
           </a:p>
@@ -872,7 +872,7 @@
             <a:fld id="{85A5DE44-605B-4D3B-B2B7-94543DF81A36}" type="datetimeFigureOut">
               <a:rPr lang="ru-RU" smtClean="0"/>
               <a:pPr/>
-              <a:t>02.10.2021</a:t>
+              <a:t>04.10.2021</a:t>
             </a:fld>
             <a:endParaRPr lang="ru-RU"/>
           </a:p>
@@ -1054,7 +1054,7 @@
             <a:fld id="{85A5DE44-605B-4D3B-B2B7-94543DF81A36}" type="datetimeFigureOut">
               <a:rPr lang="ru-RU" smtClean="0"/>
               <a:pPr/>
-              <a:t>02.10.2021</a:t>
+              <a:t>04.10.2021</a:t>
             </a:fld>
             <a:endParaRPr lang="ru-RU"/>
           </a:p>
@@ -1226,7 +1226,7 @@
             <a:fld id="{85A5DE44-605B-4D3B-B2B7-94543DF81A36}" type="datetimeFigureOut">
               <a:rPr lang="ru-RU" smtClean="0"/>
               <a:pPr/>
-              <a:t>02.10.2021</a:t>
+              <a:t>04.10.2021</a:t>
             </a:fld>
             <a:endParaRPr lang="ru-RU"/>
           </a:p>
@@ -1474,7 +1474,7 @@
             <a:fld id="{85A5DE44-605B-4D3B-B2B7-94543DF81A36}" type="datetimeFigureOut">
               <a:rPr lang="ru-RU" smtClean="0"/>
               <a:pPr/>
-              <a:t>02.10.2021</a:t>
+              <a:t>04.10.2021</a:t>
             </a:fld>
             <a:endParaRPr lang="ru-RU"/>
           </a:p>
@@ -1708,7 +1708,7 @@
             <a:fld id="{85A5DE44-605B-4D3B-B2B7-94543DF81A36}" type="datetimeFigureOut">
               <a:rPr lang="ru-RU" smtClean="0"/>
               <a:pPr/>
-              <a:t>02.10.2021</a:t>
+              <a:t>04.10.2021</a:t>
             </a:fld>
             <a:endParaRPr lang="ru-RU"/>
           </a:p>
@@ -2077,7 +2077,7 @@
             <a:fld id="{85A5DE44-605B-4D3B-B2B7-94543DF81A36}" type="datetimeFigureOut">
               <a:rPr lang="ru-RU" smtClean="0"/>
               <a:pPr/>
-              <a:t>02.10.2021</a:t>
+              <a:t>04.10.2021</a:t>
             </a:fld>
             <a:endParaRPr lang="ru-RU"/>
           </a:p>
@@ -2197,7 +2197,7 @@
             <a:fld id="{85A5DE44-605B-4D3B-B2B7-94543DF81A36}" type="datetimeFigureOut">
               <a:rPr lang="ru-RU" smtClean="0"/>
               <a:pPr/>
-              <a:t>02.10.2021</a:t>
+              <a:t>04.10.2021</a:t>
             </a:fld>
             <a:endParaRPr lang="ru-RU"/>
           </a:p>
@@ -2294,7 +2294,7 @@
             <a:fld id="{85A5DE44-605B-4D3B-B2B7-94543DF81A36}" type="datetimeFigureOut">
               <a:rPr lang="ru-RU" smtClean="0"/>
               <a:pPr/>
-              <a:t>02.10.2021</a:t>
+              <a:t>04.10.2021</a:t>
             </a:fld>
             <a:endParaRPr lang="ru-RU"/>
           </a:p>
@@ -2573,7 +2573,7 @@
             <a:fld id="{85A5DE44-605B-4D3B-B2B7-94543DF81A36}" type="datetimeFigureOut">
               <a:rPr lang="ru-RU" smtClean="0"/>
               <a:pPr/>
-              <a:t>02.10.2021</a:t>
+              <a:t>04.10.2021</a:t>
             </a:fld>
             <a:endParaRPr lang="ru-RU"/>
           </a:p>
@@ -2832,7 +2832,7 @@
             <a:fld id="{85A5DE44-605B-4D3B-B2B7-94543DF81A36}" type="datetimeFigureOut">
               <a:rPr lang="ru-RU" smtClean="0"/>
               <a:pPr/>
-              <a:t>02.10.2021</a:t>
+              <a:t>04.10.2021</a:t>
             </a:fld>
             <a:endParaRPr lang="ru-RU"/>
           </a:p>
@@ -3047,7 +3047,7 @@
             <a:fld id="{85A5DE44-605B-4D3B-B2B7-94543DF81A36}" type="datetimeFigureOut">
               <a:rPr lang="ru-RU" smtClean="0"/>
               <a:pPr/>
-              <a:t>02.10.2021</a:t>
+              <a:t>04.10.2021</a:t>
             </a:fld>
             <a:endParaRPr lang="ru-RU"/>
           </a:p>
@@ -15595,7 +15595,15 @@
             <a:pPr algn="ctr"/>
             <a:r>
               <a:rPr lang="ru-RU" sz="700" dirty="0" smtClean="0"/>
-              <a:t>Перетянуть Уругвай на свою сторону</a:t>
+              <a:t>Перетянуть </a:t>
+            </a:r>
+            <a:r>
+              <a:rPr lang="ru-RU" sz="700" dirty="0" smtClean="0"/>
+              <a:t>Кубу </a:t>
+            </a:r>
+            <a:r>
+              <a:rPr lang="ru-RU" sz="700" dirty="0" smtClean="0"/>
+              <a:t>на свою сторону</a:t>
             </a:r>
             <a:endParaRPr lang="ru-RU" sz="700" dirty="0"/>
           </a:p>
@@ -15643,7 +15651,11 @@
             <a:pPr algn="ctr"/>
             <a:r>
               <a:rPr lang="ru-RU" sz="700" dirty="0" smtClean="0"/>
-              <a:t>Вернуть Уругвай</a:t>
+              <a:t>Поставить фалангу во главе</a:t>
+            </a:r>
+            <a:r>
+              <a:rPr lang="ru-RU" sz="700" dirty="0" smtClean="0"/>
+              <a:t> Кубы</a:t>
             </a:r>
             <a:endParaRPr lang="ru-RU" sz="700" dirty="0"/>
           </a:p>
@@ -16122,8 +16134,8 @@
               <a:t>Союз с </a:t>
             </a:r>
             <a:r>
-              <a:rPr lang="ru-RU" sz="700" dirty="0" err="1" smtClean="0"/>
-              <a:t>Артентиной</a:t>
+              <a:rPr lang="ru-RU" sz="700" dirty="0" smtClean="0"/>
+              <a:t>Аргентиной</a:t>
             </a:r>
             <a:endParaRPr lang="ru-RU" sz="700" dirty="0"/>
           </a:p>
@@ -16582,7 +16594,7 @@
           </a:xfrm>
           <a:prstGeom prst="bentConnector3">
             <a:avLst>
-              <a:gd name="adj1" fmla="val 3095"/>
+              <a:gd name="adj1" fmla="val 2826"/>
             </a:avLst>
           </a:prstGeom>
           <a:ln w="19050">

--- a/Наработки/диздоки/Испания/Испания правые.pptx
+++ b/Наработки/диздоки/Испания/Испания правые.pptx
@@ -15337,7 +15337,7 @@
             <a:pPr algn="ctr"/>
             <a:r>
               <a:rPr lang="ru-RU" sz="700" dirty="0" smtClean="0"/>
-              <a:t>Вернуть Чили</a:t>
+              <a:t>Передать власть «Национальной фаланге»</a:t>
             </a:r>
             <a:endParaRPr lang="ru-RU" sz="700" dirty="0"/>
           </a:p>
@@ -15499,7 +15499,15 @@
             <a:pPr algn="ctr"/>
             <a:r>
               <a:rPr lang="ru-RU" sz="700" dirty="0" smtClean="0"/>
-              <a:t>Вернуть Боливию</a:t>
+              <a:t>Поддержать «Поколение </a:t>
+            </a:r>
+            <a:r>
+              <a:rPr lang="ru-RU" sz="700" dirty="0" err="1" smtClean="0"/>
+              <a:t>Чако</a:t>
+            </a:r>
+            <a:r>
+              <a:rPr lang="ru-RU" sz="700" dirty="0" smtClean="0"/>
+              <a:t>» в Боливии</a:t>
             </a:r>
             <a:endParaRPr lang="ru-RU" sz="700" dirty="0"/>
           </a:p>
@@ -15595,15 +15603,7 @@
             <a:pPr algn="ctr"/>
             <a:r>
               <a:rPr lang="ru-RU" sz="700" dirty="0" smtClean="0"/>
-              <a:t>Перетянуть </a:t>
-            </a:r>
-            <a:r>
-              <a:rPr lang="ru-RU" sz="700" dirty="0" smtClean="0"/>
-              <a:t>Кубу </a:t>
-            </a:r>
-            <a:r>
-              <a:rPr lang="ru-RU" sz="700" dirty="0" smtClean="0"/>
-              <a:t>на свою сторону</a:t>
+              <a:t>Перетянуть Кубу на свою сторону</a:t>
             </a:r>
             <a:endParaRPr lang="ru-RU" sz="700" dirty="0"/>
           </a:p>
@@ -15651,11 +15651,7 @@
             <a:pPr algn="ctr"/>
             <a:r>
               <a:rPr lang="ru-RU" sz="700" dirty="0" smtClean="0"/>
-              <a:t>Поставить фалангу во главе</a:t>
-            </a:r>
-            <a:r>
-              <a:rPr lang="ru-RU" sz="700" dirty="0" smtClean="0"/>
-              <a:t> Кубы</a:t>
+              <a:t>Поставить фалангу во главе Кубы</a:t>
             </a:r>
             <a:endParaRPr lang="ru-RU" sz="700" dirty="0"/>
           </a:p>
@@ -16083,7 +16079,7 @@
             <a:pPr algn="ctr"/>
             <a:r>
               <a:rPr lang="ru-RU" sz="700" dirty="0" smtClean="0"/>
-              <a:t>Вернуть Аргентину</a:t>
+              <a:t>Оказать поддержку аргентинским филиалам фаланги</a:t>
             </a:r>
             <a:endParaRPr lang="ru-RU" sz="700" dirty="0"/>
           </a:p>
@@ -16131,11 +16127,7 @@
             <a:pPr algn="ctr"/>
             <a:r>
               <a:rPr lang="ru-RU" sz="700" dirty="0" smtClean="0"/>
-              <a:t>Союз с </a:t>
-            </a:r>
-            <a:r>
-              <a:rPr lang="ru-RU" sz="700" dirty="0" smtClean="0"/>
-              <a:t>Аргентиной</a:t>
+              <a:t>Союз с Аргентиной</a:t>
             </a:r>
             <a:endParaRPr lang="ru-RU" sz="700" dirty="0"/>
           </a:p>

--- a/Наработки/диздоки/Испания/Испания правые.pptx
+++ b/Наработки/диздоки/Испания/Испания правые.pptx
@@ -209,7 +209,7 @@
             <a:fld id="{33E3D7F9-E251-484C-A6FF-FA958879DF69}" type="datetimeFigureOut">
               <a:rPr lang="ru-RU" smtClean="0"/>
               <a:pPr/>
-              <a:t>04.10.2021</a:t>
+              <a:t>18.10.2021</a:t>
             </a:fld>
             <a:endParaRPr lang="ru-RU"/>
           </a:p>
@@ -700,7 +700,7 @@
             <a:fld id="{85A5DE44-605B-4D3B-B2B7-94543DF81A36}" type="datetimeFigureOut">
               <a:rPr lang="ru-RU" smtClean="0"/>
               <a:pPr/>
-              <a:t>04.10.2021</a:t>
+              <a:t>18.10.2021</a:t>
             </a:fld>
             <a:endParaRPr lang="ru-RU"/>
           </a:p>
@@ -872,7 +872,7 @@
             <a:fld id="{85A5DE44-605B-4D3B-B2B7-94543DF81A36}" type="datetimeFigureOut">
               <a:rPr lang="ru-RU" smtClean="0"/>
               <a:pPr/>
-              <a:t>04.10.2021</a:t>
+              <a:t>18.10.2021</a:t>
             </a:fld>
             <a:endParaRPr lang="ru-RU"/>
           </a:p>
@@ -1054,7 +1054,7 @@
             <a:fld id="{85A5DE44-605B-4D3B-B2B7-94543DF81A36}" type="datetimeFigureOut">
               <a:rPr lang="ru-RU" smtClean="0"/>
               <a:pPr/>
-              <a:t>04.10.2021</a:t>
+              <a:t>18.10.2021</a:t>
             </a:fld>
             <a:endParaRPr lang="ru-RU"/>
           </a:p>
@@ -1226,7 +1226,7 @@
             <a:fld id="{85A5DE44-605B-4D3B-B2B7-94543DF81A36}" type="datetimeFigureOut">
               <a:rPr lang="ru-RU" smtClean="0"/>
               <a:pPr/>
-              <a:t>04.10.2021</a:t>
+              <a:t>18.10.2021</a:t>
             </a:fld>
             <a:endParaRPr lang="ru-RU"/>
           </a:p>
@@ -1474,7 +1474,7 @@
             <a:fld id="{85A5DE44-605B-4D3B-B2B7-94543DF81A36}" type="datetimeFigureOut">
               <a:rPr lang="ru-RU" smtClean="0"/>
               <a:pPr/>
-              <a:t>04.10.2021</a:t>
+              <a:t>18.10.2021</a:t>
             </a:fld>
             <a:endParaRPr lang="ru-RU"/>
           </a:p>
@@ -1708,7 +1708,7 @@
             <a:fld id="{85A5DE44-605B-4D3B-B2B7-94543DF81A36}" type="datetimeFigureOut">
               <a:rPr lang="ru-RU" smtClean="0"/>
               <a:pPr/>
-              <a:t>04.10.2021</a:t>
+              <a:t>18.10.2021</a:t>
             </a:fld>
             <a:endParaRPr lang="ru-RU"/>
           </a:p>
@@ -2077,7 +2077,7 @@
             <a:fld id="{85A5DE44-605B-4D3B-B2B7-94543DF81A36}" type="datetimeFigureOut">
               <a:rPr lang="ru-RU" smtClean="0"/>
               <a:pPr/>
-              <a:t>04.10.2021</a:t>
+              <a:t>18.10.2021</a:t>
             </a:fld>
             <a:endParaRPr lang="ru-RU"/>
           </a:p>
@@ -2197,7 +2197,7 @@
             <a:fld id="{85A5DE44-605B-4D3B-B2B7-94543DF81A36}" type="datetimeFigureOut">
               <a:rPr lang="ru-RU" smtClean="0"/>
               <a:pPr/>
-              <a:t>04.10.2021</a:t>
+              <a:t>18.10.2021</a:t>
             </a:fld>
             <a:endParaRPr lang="ru-RU"/>
           </a:p>
@@ -2294,7 +2294,7 @@
             <a:fld id="{85A5DE44-605B-4D3B-B2B7-94543DF81A36}" type="datetimeFigureOut">
               <a:rPr lang="ru-RU" smtClean="0"/>
               <a:pPr/>
-              <a:t>04.10.2021</a:t>
+              <a:t>18.10.2021</a:t>
             </a:fld>
             <a:endParaRPr lang="ru-RU"/>
           </a:p>
@@ -2573,7 +2573,7 @@
             <a:fld id="{85A5DE44-605B-4D3B-B2B7-94543DF81A36}" type="datetimeFigureOut">
               <a:rPr lang="ru-RU" smtClean="0"/>
               <a:pPr/>
-              <a:t>04.10.2021</a:t>
+              <a:t>18.10.2021</a:t>
             </a:fld>
             <a:endParaRPr lang="ru-RU"/>
           </a:p>
@@ -2832,7 +2832,7 @@
             <a:fld id="{85A5DE44-605B-4D3B-B2B7-94543DF81A36}" type="datetimeFigureOut">
               <a:rPr lang="ru-RU" smtClean="0"/>
               <a:pPr/>
-              <a:t>04.10.2021</a:t>
+              <a:t>18.10.2021</a:t>
             </a:fld>
             <a:endParaRPr lang="ru-RU"/>
           </a:p>
@@ -3047,7 +3047,7 @@
             <a:fld id="{85A5DE44-605B-4D3B-B2B7-94543DF81A36}" type="datetimeFigureOut">
               <a:rPr lang="ru-RU" smtClean="0"/>
               <a:pPr/>
-              <a:t>04.10.2021</a:t>
+              <a:t>18.10.2021</a:t>
             </a:fld>
             <a:endParaRPr lang="ru-RU"/>
           </a:p>

--- a/Наработки/диздоки/Испания/Испания правые.pptx
+++ b/Наработки/диздоки/Испания/Испания правые.pptx
@@ -209,7 +209,7 @@
             <a:fld id="{33E3D7F9-E251-484C-A6FF-FA958879DF69}" type="datetimeFigureOut">
               <a:rPr lang="ru-RU" smtClean="0"/>
               <a:pPr/>
-              <a:t>18.10.2021</a:t>
+              <a:t>19.10.2021</a:t>
             </a:fld>
             <a:endParaRPr lang="ru-RU"/>
           </a:p>
@@ -700,7 +700,7 @@
             <a:fld id="{85A5DE44-605B-4D3B-B2B7-94543DF81A36}" type="datetimeFigureOut">
               <a:rPr lang="ru-RU" smtClean="0"/>
               <a:pPr/>
-              <a:t>18.10.2021</a:t>
+              <a:t>19.10.2021</a:t>
             </a:fld>
             <a:endParaRPr lang="ru-RU"/>
           </a:p>
@@ -872,7 +872,7 @@
             <a:fld id="{85A5DE44-605B-4D3B-B2B7-94543DF81A36}" type="datetimeFigureOut">
               <a:rPr lang="ru-RU" smtClean="0"/>
               <a:pPr/>
-              <a:t>18.10.2021</a:t>
+              <a:t>19.10.2021</a:t>
             </a:fld>
             <a:endParaRPr lang="ru-RU"/>
           </a:p>
@@ -1054,7 +1054,7 @@
             <a:fld id="{85A5DE44-605B-4D3B-B2B7-94543DF81A36}" type="datetimeFigureOut">
               <a:rPr lang="ru-RU" smtClean="0"/>
               <a:pPr/>
-              <a:t>18.10.2021</a:t>
+              <a:t>19.10.2021</a:t>
             </a:fld>
             <a:endParaRPr lang="ru-RU"/>
           </a:p>
@@ -1226,7 +1226,7 @@
             <a:fld id="{85A5DE44-605B-4D3B-B2B7-94543DF81A36}" type="datetimeFigureOut">
               <a:rPr lang="ru-RU" smtClean="0"/>
               <a:pPr/>
-              <a:t>18.10.2021</a:t>
+              <a:t>19.10.2021</a:t>
             </a:fld>
             <a:endParaRPr lang="ru-RU"/>
           </a:p>
@@ -1474,7 +1474,7 @@
             <a:fld id="{85A5DE44-605B-4D3B-B2B7-94543DF81A36}" type="datetimeFigureOut">
               <a:rPr lang="ru-RU" smtClean="0"/>
               <a:pPr/>
-              <a:t>18.10.2021</a:t>
+              <a:t>19.10.2021</a:t>
             </a:fld>
             <a:endParaRPr lang="ru-RU"/>
           </a:p>
@@ -1708,7 +1708,7 @@
             <a:fld id="{85A5DE44-605B-4D3B-B2B7-94543DF81A36}" type="datetimeFigureOut">
               <a:rPr lang="ru-RU" smtClean="0"/>
               <a:pPr/>
-              <a:t>18.10.2021</a:t>
+              <a:t>19.10.2021</a:t>
             </a:fld>
             <a:endParaRPr lang="ru-RU"/>
           </a:p>
@@ -2077,7 +2077,7 @@
             <a:fld id="{85A5DE44-605B-4D3B-B2B7-94543DF81A36}" type="datetimeFigureOut">
               <a:rPr lang="ru-RU" smtClean="0"/>
               <a:pPr/>
-              <a:t>18.10.2021</a:t>
+              <a:t>19.10.2021</a:t>
             </a:fld>
             <a:endParaRPr lang="ru-RU"/>
           </a:p>
@@ -2197,7 +2197,7 @@
             <a:fld id="{85A5DE44-605B-4D3B-B2B7-94543DF81A36}" type="datetimeFigureOut">
               <a:rPr lang="ru-RU" smtClean="0"/>
               <a:pPr/>
-              <a:t>18.10.2021</a:t>
+              <a:t>19.10.2021</a:t>
             </a:fld>
             <a:endParaRPr lang="ru-RU"/>
           </a:p>
@@ -2294,7 +2294,7 @@
             <a:fld id="{85A5DE44-605B-4D3B-B2B7-94543DF81A36}" type="datetimeFigureOut">
               <a:rPr lang="ru-RU" smtClean="0"/>
               <a:pPr/>
-              <a:t>18.10.2021</a:t>
+              <a:t>19.10.2021</a:t>
             </a:fld>
             <a:endParaRPr lang="ru-RU"/>
           </a:p>
@@ -2573,7 +2573,7 @@
             <a:fld id="{85A5DE44-605B-4D3B-B2B7-94543DF81A36}" type="datetimeFigureOut">
               <a:rPr lang="ru-RU" smtClean="0"/>
               <a:pPr/>
-              <a:t>18.10.2021</a:t>
+              <a:t>19.10.2021</a:t>
             </a:fld>
             <a:endParaRPr lang="ru-RU"/>
           </a:p>
@@ -2832,7 +2832,7 @@
             <a:fld id="{85A5DE44-605B-4D3B-B2B7-94543DF81A36}" type="datetimeFigureOut">
               <a:rPr lang="ru-RU" smtClean="0"/>
               <a:pPr/>
-              <a:t>18.10.2021</a:t>
+              <a:t>19.10.2021</a:t>
             </a:fld>
             <a:endParaRPr lang="ru-RU"/>
           </a:p>
@@ -3047,7 +3047,7 @@
             <a:fld id="{85A5DE44-605B-4D3B-B2B7-94543DF81A36}" type="datetimeFigureOut">
               <a:rPr lang="ru-RU" smtClean="0"/>
               <a:pPr/>
-              <a:t>18.10.2021</a:t>
+              <a:t>19.10.2021</a:t>
             </a:fld>
             <a:endParaRPr lang="ru-RU"/>
           </a:p>
@@ -3490,7 +3490,7 @@
             <a:pPr algn="ctr"/>
             <a:r>
               <a:rPr lang="ru-RU" sz="3600" b="1" dirty="0" smtClean="0"/>
-              <a:t>322</a:t>
+              <a:t>327</a:t>
             </a:r>
             <a:endParaRPr lang="ru-RU" sz="3600" b="1" dirty="0"/>
           </a:p>
@@ -12470,19 +12470,11 @@
             <a:pPr algn="ctr"/>
             <a:r>
               <a:rPr lang="ru-RU" sz="700" dirty="0" smtClean="0"/>
-              <a:t>Вертикальный профсоюз (</a:t>
-            </a:r>
-            <a:r>
-              <a:rPr lang="en-US" sz="700" dirty="0" err="1" smtClean="0"/>
-              <a:t>Sindicato</a:t>
-            </a:r>
-            <a:r>
-              <a:rPr lang="en-US" sz="700" dirty="0" smtClean="0"/>
-              <a:t> Vertical</a:t>
+              <a:t>Вертикальный </a:t>
             </a:r>
             <a:r>
               <a:rPr lang="ru-RU" sz="700" dirty="0" smtClean="0"/>
-              <a:t>)</a:t>
+              <a:t>профсоюз</a:t>
             </a:r>
             <a:endParaRPr lang="ru-RU" sz="700" dirty="0"/>
           </a:p>
@@ -12721,7 +12713,11 @@
             <a:pPr algn="ctr"/>
             <a:r>
               <a:rPr lang="ru-RU" sz="700" dirty="0" smtClean="0"/>
-              <a:t>Обязательная начальная военная подготовка (ваниль)</a:t>
+              <a:t>Обязательная начальная военная </a:t>
+            </a:r>
+            <a:r>
+              <a:rPr lang="ru-RU" sz="700" dirty="0" smtClean="0"/>
+              <a:t>подготовка</a:t>
             </a:r>
             <a:endParaRPr lang="ru-RU" sz="700" dirty="0"/>
           </a:p>
@@ -13655,19 +13651,7 @@
             </a:r>
             <a:r>
               <a:rPr lang="ru-RU" sz="700" dirty="0" smtClean="0"/>
-              <a:t> де Риверы </a:t>
-            </a:r>
-            <a:r>
-              <a:rPr lang="ru-RU" sz="400" dirty="0" smtClean="0"/>
-              <a:t>(решение на освобождение Риверы из </a:t>
-            </a:r>
-            <a:r>
-              <a:rPr lang="ru-RU" sz="400" dirty="0"/>
-              <a:t>т</a:t>
-            </a:r>
-            <a:r>
-              <a:rPr lang="ru-RU" sz="400" dirty="0" smtClean="0"/>
-              <a:t>юрьмы Мадрида до 20 ноября)</a:t>
+              <a:t> де Риверы</a:t>
             </a:r>
             <a:endParaRPr lang="ru-RU" sz="400" dirty="0"/>
           </a:p>
@@ -13721,18 +13705,6 @@
               <a:rPr lang="ru-RU" sz="700" dirty="0" err="1" smtClean="0"/>
               <a:t>Эдильи</a:t>
             </a:r>
-            <a:r>
-              <a:rPr lang="ru-RU" sz="700" dirty="0" smtClean="0"/>
-              <a:t> (</a:t>
-            </a:r>
-            <a:r>
-              <a:rPr lang="ru-RU" sz="700" dirty="0" err="1" smtClean="0"/>
-              <a:t>трейт</a:t>
-            </a:r>
-            <a:r>
-              <a:rPr lang="ru-RU" sz="700" dirty="0" smtClean="0"/>
-              <a:t> «антисемит»)</a:t>
-            </a:r>
             <a:endParaRPr lang="ru-RU" sz="700" dirty="0"/>
           </a:p>
         </p:txBody>
@@ -14305,23 +14277,7 @@
             </a:r>
             <a:r>
               <a:rPr lang="ru-RU" sz="700" dirty="0" smtClean="0"/>
-              <a:t>фаланги (</a:t>
-            </a:r>
-            <a:r>
-              <a:rPr lang="en-US" sz="700" dirty="0" err="1"/>
-              <a:t>Servicio</a:t>
-            </a:r>
-            <a:r>
-              <a:rPr lang="en-US" sz="700" dirty="0"/>
-              <a:t> Exterior de </a:t>
-            </a:r>
-            <a:r>
-              <a:rPr lang="en-US" sz="700" dirty="0" smtClean="0"/>
-              <a:t>Falange</a:t>
-            </a:r>
-            <a:r>
-              <a:rPr lang="ru-RU" sz="700" dirty="0" smtClean="0"/>
-              <a:t>, альянс, агенты,)</a:t>
+              <a:t>фаланги</a:t>
             </a:r>
             <a:endParaRPr lang="ru-RU" sz="200" dirty="0"/>
           </a:p>
@@ -14839,27 +14795,11 @@
             <a:pPr algn="ctr"/>
             <a:r>
               <a:rPr lang="ru-RU" sz="700" dirty="0" smtClean="0"/>
-              <a:t>Вступить в Ось </a:t>
-            </a:r>
-            <a:r>
-              <a:rPr lang="ru-RU" sz="500" dirty="0" smtClean="0"/>
-              <a:t>(если Германия во главе, не даёт учить </a:t>
-            </a:r>
-            <a:r>
-              <a:rPr lang="ru-RU" sz="500" dirty="0" err="1" smtClean="0"/>
-              <a:t>дип</a:t>
-            </a:r>
-            <a:r>
-              <a:rPr lang="ru-RU" sz="500" dirty="0" smtClean="0"/>
-              <a:t> </a:t>
-            </a:r>
-            <a:r>
-              <a:rPr lang="ru-RU" sz="500" dirty="0"/>
-              <a:t>с</a:t>
-            </a:r>
-            <a:r>
-              <a:rPr lang="ru-RU" sz="500" dirty="0" smtClean="0"/>
-              <a:t>лужбу фаланги)</a:t>
+              <a:t>Вступить в </a:t>
+            </a:r>
+            <a:r>
+              <a:rPr lang="ru-RU" sz="700" dirty="0" smtClean="0"/>
+              <a:t>Ось</a:t>
             </a:r>
             <a:endParaRPr lang="ru-RU" sz="500" dirty="0"/>
           </a:p>
@@ -14983,7 +14923,11 @@
             <a:pPr algn="ctr"/>
             <a:r>
               <a:rPr lang="ru-RU" sz="700" dirty="0" smtClean="0"/>
-              <a:t>Превосходство Старых рубашек (наше)</a:t>
+              <a:t>Превосходство </a:t>
+            </a:r>
+            <a:r>
+              <a:rPr lang="ru-RU" sz="700" dirty="0" smtClean="0"/>
+              <a:t>старых рубашек</a:t>
             </a:r>
             <a:endParaRPr lang="ru-RU" sz="700" dirty="0"/>
           </a:p>
@@ -15075,7 +15019,11 @@
             <a:pPr algn="ctr"/>
             <a:r>
               <a:rPr lang="ru-RU" sz="700" dirty="0" smtClean="0"/>
-              <a:t>Пролетарская пропаганда (наше)</a:t>
+              <a:t>Пролетарская </a:t>
+            </a:r>
+            <a:r>
+              <a:rPr lang="ru-RU" sz="700" dirty="0" smtClean="0"/>
+              <a:t>пропаганда</a:t>
             </a:r>
             <a:endParaRPr lang="ru-RU" sz="700" dirty="0"/>
           </a:p>
@@ -15233,15 +15181,11 @@
             <a:pPr algn="ctr"/>
             <a:r>
               <a:rPr lang="ru-RU" sz="700" dirty="0" smtClean="0"/>
-              <a:t>Пятая колонна (отправка добровольцев в </a:t>
-            </a:r>
-            <a:r>
-              <a:rPr lang="ru-RU" sz="700" dirty="0" err="1" smtClean="0"/>
-              <a:t>гв</a:t>
+              <a:t>Пятая </a:t>
             </a:r>
             <a:r>
               <a:rPr lang="ru-RU" sz="700" dirty="0" smtClean="0"/>
-              <a:t> фанг)</a:t>
+              <a:t>колонна</a:t>
             </a:r>
             <a:endParaRPr lang="ru-RU" sz="700" dirty="0"/>
           </a:p>
@@ -16687,8 +16631,13 @@
             <a:pPr algn="ctr"/>
             <a:r>
               <a:rPr lang="ru-RU" sz="700" dirty="0" smtClean="0"/>
-              <a:t>Все должны служить (ваниль)</a:t>
-            </a:r>
+              <a:t>Все должны </a:t>
+            </a:r>
+            <a:r>
+              <a:rPr lang="ru-RU" sz="700" dirty="0" smtClean="0"/>
+              <a:t>служить</a:t>
+            </a:r>
+            <a:endParaRPr lang="ru-RU" sz="700" dirty="0" smtClean="0"/>
           </a:p>
         </p:txBody>
       </p:sp>
@@ -24325,7 +24274,7 @@
         </p:nvSpPr>
         <p:spPr>
           <a:xfrm>
-            <a:off x="8906658" y="3331528"/>
+            <a:off x="20405373" y="3236612"/>
             <a:ext cx="926325" cy="540000"/>
           </a:xfrm>
           <a:prstGeom prst="rect">
@@ -24373,7 +24322,7 @@
         </p:nvSpPr>
         <p:spPr>
           <a:xfrm>
-            <a:off x="10033790" y="3340523"/>
+            <a:off x="21532505" y="3245607"/>
             <a:ext cx="926325" cy="540000"/>
           </a:xfrm>
           <a:prstGeom prst="rect">
@@ -24421,7 +24370,7 @@
         </p:nvSpPr>
         <p:spPr>
           <a:xfrm>
-            <a:off x="9476645" y="4106488"/>
+            <a:off x="20975360" y="4011572"/>
             <a:ext cx="926325" cy="540000"/>
           </a:xfrm>
           <a:prstGeom prst="rect">
@@ -24472,8 +24421,8 @@
         </p:nvCxnSpPr>
         <p:spPr>
           <a:xfrm rot="16200000" flipH="1">
-            <a:off x="6547919" y="509626"/>
-            <a:ext cx="209040" cy="5434763"/>
+            <a:off x="12344735" y="-5287189"/>
+            <a:ext cx="114124" cy="16933478"/>
           </a:xfrm>
           <a:prstGeom prst="bentConnector3">
             <a:avLst>
@@ -24511,8 +24460,8 @@
         </p:nvCxnSpPr>
         <p:spPr>
           <a:xfrm rot="16200000" flipH="1">
-            <a:off x="7106988" y="-49443"/>
-            <a:ext cx="218035" cy="6561895"/>
+            <a:off x="12903804" y="-5846258"/>
+            <a:ext cx="123119" cy="18060610"/>
           </a:xfrm>
           <a:prstGeom prst="bentConnector3">
             <a:avLst>
@@ -24549,9 +24498,9 @@
           <p:nvPr/>
         </p:nvCxnSpPr>
         <p:spPr>
-          <a:xfrm rot="5400000">
-            <a:off x="12583439" y="-47189"/>
-            <a:ext cx="165100" cy="6592335"/>
+          <a:xfrm rot="16200000" flipH="1">
+            <a:off x="18380254" y="748330"/>
+            <a:ext cx="70184" cy="4906380"/>
           </a:xfrm>
           <a:prstGeom prst="bentConnector3">
             <a:avLst>
@@ -24588,9 +24537,9 @@
           <p:nvPr/>
         </p:nvCxnSpPr>
         <p:spPr>
-          <a:xfrm rot="5400000">
-            <a:off x="13142508" y="520874"/>
-            <a:ext cx="174095" cy="5465203"/>
+          <a:xfrm rot="16200000" flipH="1">
+            <a:off x="18939323" y="189261"/>
+            <a:ext cx="79179" cy="6033512"/>
           </a:xfrm>
           <a:prstGeom prst="bentConnector3">
             <a:avLst>
@@ -24628,7 +24577,7 @@
         </p:nvCxnSpPr>
         <p:spPr>
           <a:xfrm rot="16200000" flipH="1">
-            <a:off x="9537334" y="3704014"/>
+            <a:off x="21036049" y="3609098"/>
             <a:ext cx="234960" cy="569987"/>
           </a:xfrm>
           <a:prstGeom prst="bentConnector3">
@@ -24666,7 +24615,7 @@
         </p:nvCxnSpPr>
         <p:spPr>
           <a:xfrm rot="5400000">
-            <a:off x="10105399" y="3714933"/>
+            <a:off x="21604114" y="3620017"/>
             <a:ext cx="225965" cy="557145"/>
           </a:xfrm>
           <a:prstGeom prst="bentConnector3">
@@ -24701,7 +24650,7 @@
         </p:nvSpPr>
         <p:spPr>
           <a:xfrm>
-            <a:off x="8906659" y="4887444"/>
+            <a:off x="20405374" y="4792528"/>
             <a:ext cx="926325" cy="540000"/>
           </a:xfrm>
           <a:prstGeom prst="rect">
@@ -24749,7 +24698,7 @@
         </p:nvSpPr>
         <p:spPr>
           <a:xfrm>
-            <a:off x="10033790" y="4892717"/>
+            <a:off x="21532505" y="4797801"/>
             <a:ext cx="926325" cy="540000"/>
           </a:xfrm>
           <a:prstGeom prst="rect">
@@ -24800,7 +24749,7 @@
         </p:nvCxnSpPr>
         <p:spPr>
           <a:xfrm rot="5400000">
-            <a:off x="9534337" y="4481973"/>
+            <a:off x="21033052" y="4387057"/>
             <a:ext cx="240956" cy="569986"/>
           </a:xfrm>
           <a:prstGeom prst="bentConnector3">
@@ -24838,7 +24787,7 @@
         </p:nvCxnSpPr>
         <p:spPr>
           <a:xfrm rot="16200000" flipH="1">
-            <a:off x="10095266" y="4491029"/>
+            <a:off x="21593981" y="4396113"/>
             <a:ext cx="246229" cy="557145"/>
           </a:xfrm>
           <a:prstGeom prst="bentConnector3">
@@ -25803,7 +25752,7 @@
         </p:nvSpPr>
         <p:spPr>
           <a:xfrm>
-            <a:off x="11154414" y="3335705"/>
+            <a:off x="22653129" y="3240789"/>
             <a:ext cx="926325" cy="540000"/>
           </a:xfrm>
           <a:prstGeom prst="rect">
@@ -25851,7 +25800,7 @@
         </p:nvSpPr>
         <p:spPr>
           <a:xfrm>
-            <a:off x="11154278" y="4104478"/>
+            <a:off x="22652993" y="4009562"/>
             <a:ext cx="926325" cy="540000"/>
           </a:xfrm>
           <a:prstGeom prst="rect">
@@ -25902,8 +25851,8 @@
         </p:nvCxnSpPr>
         <p:spPr>
           <a:xfrm rot="16200000" flipH="1">
-            <a:off x="7669709" y="-612164"/>
-            <a:ext cx="213217" cy="7682519"/>
+            <a:off x="13466525" y="-6408979"/>
+            <a:ext cx="118301" cy="19181234"/>
           </a:xfrm>
           <a:prstGeom prst="bentConnector3">
             <a:avLst>
@@ -25940,9 +25889,9 @@
           <p:nvPr/>
         </p:nvCxnSpPr>
         <p:spPr>
-          <a:xfrm rot="5400000">
-            <a:off x="13705229" y="1078777"/>
-            <a:ext cx="169277" cy="4344579"/>
+          <a:xfrm rot="16200000" flipH="1">
+            <a:off x="19502044" y="-373460"/>
+            <a:ext cx="74361" cy="7154136"/>
           </a:xfrm>
           <a:prstGeom prst="bentConnector3">
             <a:avLst>
@@ -25980,7 +25929,7 @@
         </p:nvCxnSpPr>
         <p:spPr>
           <a:xfrm flipH="1">
-            <a:off x="11617441" y="3875705"/>
+            <a:off x="23116156" y="3780789"/>
             <a:ext cx="136" cy="228773"/>
           </a:xfrm>
           <a:prstGeom prst="straightConnector1">
@@ -29377,12 +29326,12 @@
         </p:nvCxnSpPr>
         <p:spPr>
           <a:xfrm rot="5400000">
-            <a:off x="23002947" y="-10486575"/>
-            <a:ext cx="184977" cy="27451228"/>
+            <a:off x="28799763" y="-4784675"/>
+            <a:ext cx="90061" cy="15952513"/>
           </a:xfrm>
           <a:prstGeom prst="bentConnector3">
             <a:avLst>
-              <a:gd name="adj1" fmla="val 43133"/>
+              <a:gd name="adj1" fmla="val 50000"/>
             </a:avLst>
           </a:prstGeom>
           <a:ln w="19050">
@@ -29416,12 +29365,12 @@
         </p:nvCxnSpPr>
         <p:spPr>
           <a:xfrm rot="5400000">
-            <a:off x="23562015" y="-9918511"/>
-            <a:ext cx="193972" cy="26324096"/>
+            <a:off x="29358831" y="-4216611"/>
+            <a:ext cx="99056" cy="14825381"/>
           </a:xfrm>
           <a:prstGeom prst="bentConnector3">
             <a:avLst>
-              <a:gd name="adj1" fmla="val 33632"/>
+              <a:gd name="adj1" fmla="val 50000"/>
             </a:avLst>
           </a:prstGeom>
           <a:ln w="19050">
@@ -29455,12 +29404,12 @@
         </p:nvCxnSpPr>
         <p:spPr>
           <a:xfrm rot="5400000">
-            <a:off x="24124736" y="-9360608"/>
-            <a:ext cx="189154" cy="25203472"/>
+            <a:off x="29921552" y="-3658708"/>
+            <a:ext cx="94238" cy="13704757"/>
           </a:xfrm>
           <a:prstGeom prst="bentConnector3">
             <a:avLst>
-              <a:gd name="adj1" fmla="val 36572"/>
+              <a:gd name="adj1" fmla="val 50000"/>
             </a:avLst>
           </a:prstGeom>
           <a:ln w="19050">
@@ -37754,6 +37703,682 @@
           </a:p>
         </p:txBody>
       </p:sp>
+      <p:sp>
+        <p:nvSpPr>
+          <p:cNvPr id="846" name="Прямоугольник 845"/>
+          <p:cNvSpPr/>
+          <p:nvPr/>
+        </p:nvSpPr>
+        <p:spPr>
+          <a:xfrm>
+            <a:off x="7798387" y="4112851"/>
+            <a:ext cx="926325" cy="540000"/>
+          </a:xfrm>
+          <a:prstGeom prst="rect">
+            <a:avLst/>
+          </a:prstGeom>
+          <a:solidFill>
+            <a:schemeClr val="accent2">
+              <a:lumMod val="75000"/>
+            </a:schemeClr>
+          </a:solidFill>
+          <a:ln w="19050"/>
+        </p:spPr>
+        <p:style>
+          <a:lnRef idx="2">
+            <a:schemeClr val="accent1"/>
+          </a:lnRef>
+          <a:fillRef idx="1">
+            <a:schemeClr val="lt1"/>
+          </a:fillRef>
+          <a:effectRef idx="0">
+            <a:schemeClr val="accent1"/>
+          </a:effectRef>
+          <a:fontRef idx="minor">
+            <a:schemeClr val="dk1"/>
+          </a:fontRef>
+        </p:style>
+        <p:txBody>
+          <a:bodyPr lIns="124733" tIns="62367" rIns="124733" bIns="62367" rtlCol="0" anchor="ctr"/>
+          <a:lstStyle/>
+          <a:p>
+            <a:pPr algn="ctr"/>
+            <a:r>
+              <a:rPr lang="ru-RU" sz="500" b="1" i="1" dirty="0" smtClean="0">
+                <a:solidFill>
+                  <a:srgbClr val="00B0F0"/>
+                </a:solidFill>
+              </a:rPr>
+              <a:t>ЭТА ВЕТКА ПОЯВЛЯЕТСЯ ПО СЮЖЕТУ НА МЕСТЕ </a:t>
+            </a:r>
+            <a:r>
+              <a:rPr lang="ru-RU" sz="500" b="1" i="1" dirty="0" smtClean="0">
+                <a:solidFill>
+                  <a:srgbClr val="00B0F0"/>
+                </a:solidFill>
+              </a:rPr>
+              <a:t>ВЕТКИ РИВЕРЫ!</a:t>
+            </a:r>
+            <a:r>
+              <a:rPr lang="ru-RU" sz="600" b="1" i="1" dirty="0" smtClean="0">
+                <a:solidFill>
+                  <a:srgbClr val="00B0F0"/>
+                </a:solidFill>
+              </a:rPr>
+              <a:t/>
+            </a:r>
+            <a:br>
+              <a:rPr lang="ru-RU" sz="600" b="1" i="1" dirty="0" smtClean="0">
+                <a:solidFill>
+                  <a:srgbClr val="00B0F0"/>
+                </a:solidFill>
+              </a:rPr>
+            </a:br>
+            <a:r>
+              <a:rPr lang="ru-RU" sz="700" dirty="0" smtClean="0">
+                <a:solidFill>
+                  <a:schemeClr val="tx1"/>
+                </a:solidFill>
+              </a:rPr>
+              <a:t>Власть </a:t>
+            </a:r>
+            <a:r>
+              <a:rPr lang="ru-RU" sz="700" dirty="0" smtClean="0"/>
+              <a:t>Триумвирата</a:t>
+            </a:r>
+          </a:p>
+        </p:txBody>
+      </p:sp>
+      <p:sp>
+        <p:nvSpPr>
+          <p:cNvPr id="858" name="Прямоугольник 857"/>
+          <p:cNvSpPr/>
+          <p:nvPr/>
+        </p:nvSpPr>
+        <p:spPr>
+          <a:xfrm>
+            <a:off x="7798386" y="5637979"/>
+            <a:ext cx="926325" cy="540000"/>
+          </a:xfrm>
+          <a:prstGeom prst="rect">
+            <a:avLst/>
+          </a:prstGeom>
+          <a:solidFill>
+            <a:schemeClr val="accent2">
+              <a:lumMod val="75000"/>
+            </a:schemeClr>
+          </a:solidFill>
+          <a:ln w="19050"/>
+        </p:spPr>
+        <p:style>
+          <a:lnRef idx="2">
+            <a:schemeClr val="accent1"/>
+          </a:lnRef>
+          <a:fillRef idx="1">
+            <a:schemeClr val="lt1"/>
+          </a:fillRef>
+          <a:effectRef idx="0">
+            <a:schemeClr val="accent1"/>
+          </a:effectRef>
+          <a:fontRef idx="minor">
+            <a:schemeClr val="dk1"/>
+          </a:fontRef>
+        </p:style>
+        <p:txBody>
+          <a:bodyPr lIns="124733" tIns="62367" rIns="124733" bIns="62367" rtlCol="0" anchor="ctr"/>
+          <a:lstStyle/>
+          <a:p>
+            <a:pPr algn="ctr"/>
+            <a:r>
+              <a:rPr lang="ru-RU" sz="700" dirty="0" smtClean="0"/>
+              <a:t>Вступить в Ось </a:t>
+            </a:r>
+            <a:r>
+              <a:rPr lang="ru-RU" sz="500" dirty="0" smtClean="0"/>
+              <a:t>(если Германия во главе, не даёт учить </a:t>
+            </a:r>
+            <a:r>
+              <a:rPr lang="ru-RU" sz="500" dirty="0" err="1" smtClean="0"/>
+              <a:t>дип</a:t>
+            </a:r>
+            <a:r>
+              <a:rPr lang="ru-RU" sz="500" dirty="0" smtClean="0"/>
+              <a:t> </a:t>
+            </a:r>
+            <a:r>
+              <a:rPr lang="ru-RU" sz="500" dirty="0"/>
+              <a:t>с</a:t>
+            </a:r>
+            <a:r>
+              <a:rPr lang="ru-RU" sz="500" dirty="0" smtClean="0"/>
+              <a:t>лужбу фаланги)</a:t>
+            </a:r>
+            <a:endParaRPr lang="ru-RU" sz="500" dirty="0"/>
+          </a:p>
+        </p:txBody>
+      </p:sp>
+      <p:sp>
+        <p:nvSpPr>
+          <p:cNvPr id="860" name="Прямоугольник 859"/>
+          <p:cNvSpPr/>
+          <p:nvPr/>
+        </p:nvSpPr>
+        <p:spPr>
+          <a:xfrm>
+            <a:off x="7798386" y="4877281"/>
+            <a:ext cx="926325" cy="540000"/>
+          </a:xfrm>
+          <a:prstGeom prst="rect">
+            <a:avLst/>
+          </a:prstGeom>
+          <a:solidFill>
+            <a:schemeClr val="accent2">
+              <a:lumMod val="75000"/>
+            </a:schemeClr>
+          </a:solidFill>
+          <a:ln w="19050"/>
+        </p:spPr>
+        <p:style>
+          <a:lnRef idx="2">
+            <a:schemeClr val="accent1"/>
+          </a:lnRef>
+          <a:fillRef idx="1">
+            <a:schemeClr val="lt1"/>
+          </a:fillRef>
+          <a:effectRef idx="0">
+            <a:schemeClr val="accent1"/>
+          </a:effectRef>
+          <a:fontRef idx="minor">
+            <a:schemeClr val="dk1"/>
+          </a:fontRef>
+        </p:style>
+        <p:txBody>
+          <a:bodyPr lIns="124733" tIns="62367" rIns="124733" bIns="62367" rtlCol="0" anchor="ctr"/>
+          <a:lstStyle/>
+          <a:p>
+            <a:pPr algn="ctr"/>
+            <a:r>
+              <a:rPr lang="ru-RU" sz="700" dirty="0" smtClean="0"/>
+              <a:t>Отправить врачей в </a:t>
+            </a:r>
+            <a:r>
+              <a:rPr lang="ru-RU" sz="700" dirty="0" smtClean="0"/>
+              <a:t>Германию</a:t>
+            </a:r>
+            <a:endParaRPr lang="ru-RU" sz="100" dirty="0"/>
+          </a:p>
+        </p:txBody>
+      </p:sp>
+      <p:sp>
+        <p:nvSpPr>
+          <p:cNvPr id="864" name="Прямоугольник 863"/>
+          <p:cNvSpPr/>
+          <p:nvPr/>
+        </p:nvSpPr>
+        <p:spPr>
+          <a:xfrm>
+            <a:off x="8986999" y="4876455"/>
+            <a:ext cx="926325" cy="540000"/>
+          </a:xfrm>
+          <a:prstGeom prst="rect">
+            <a:avLst/>
+          </a:prstGeom>
+          <a:solidFill>
+            <a:schemeClr val="accent2">
+              <a:lumMod val="75000"/>
+            </a:schemeClr>
+          </a:solidFill>
+          <a:ln w="19050"/>
+        </p:spPr>
+        <p:style>
+          <a:lnRef idx="2">
+            <a:schemeClr val="accent1"/>
+          </a:lnRef>
+          <a:fillRef idx="1">
+            <a:schemeClr val="lt1"/>
+          </a:fillRef>
+          <a:effectRef idx="0">
+            <a:schemeClr val="accent1"/>
+          </a:effectRef>
+          <a:fontRef idx="minor">
+            <a:schemeClr val="dk1"/>
+          </a:fontRef>
+        </p:style>
+        <p:txBody>
+          <a:bodyPr lIns="124733" tIns="62367" rIns="124733" bIns="62367" rtlCol="0" anchor="ctr"/>
+          <a:lstStyle/>
+          <a:p>
+            <a:pPr algn="ctr"/>
+            <a:r>
+              <a:rPr lang="ru-RU" sz="700" dirty="0" smtClean="0"/>
+              <a:t>Создание «Молодёжного фронта</a:t>
+            </a:r>
+            <a:r>
+              <a:rPr lang="ru-RU" sz="700" dirty="0" smtClean="0"/>
+              <a:t>»</a:t>
+            </a:r>
+            <a:endParaRPr lang="ru-RU" sz="700" dirty="0" smtClean="0"/>
+          </a:p>
+        </p:txBody>
+      </p:sp>
+      <p:cxnSp>
+        <p:nvCxnSpPr>
+          <p:cNvPr id="866" name="Соединительная линия уступом 865"/>
+          <p:cNvCxnSpPr>
+            <a:stCxn id="846" idx="2"/>
+            <a:endCxn id="864" idx="0"/>
+          </p:cNvCxnSpPr>
+          <p:nvPr/>
+        </p:nvCxnSpPr>
+        <p:spPr>
+          <a:xfrm rot="16200000" flipH="1">
+            <a:off x="8744054" y="4170347"/>
+            <a:ext cx="223604" cy="1188612"/>
+          </a:xfrm>
+          <a:prstGeom prst="bentConnector3">
+            <a:avLst>
+              <a:gd name="adj1" fmla="val 50000"/>
+            </a:avLst>
+          </a:prstGeom>
+          <a:ln w="19050">
+            <a:tailEnd type="arrow"/>
+          </a:ln>
+        </p:spPr>
+        <p:style>
+          <a:lnRef idx="1">
+            <a:schemeClr val="accent1"/>
+          </a:lnRef>
+          <a:fillRef idx="0">
+            <a:schemeClr val="accent1"/>
+          </a:fillRef>
+          <a:effectRef idx="0">
+            <a:schemeClr val="accent1"/>
+          </a:effectRef>
+          <a:fontRef idx="minor">
+            <a:schemeClr val="tx1"/>
+          </a:fontRef>
+        </p:style>
+      </p:cxnSp>
+      <p:cxnSp>
+        <p:nvCxnSpPr>
+          <p:cNvPr id="867" name="Прямая со стрелкой 866"/>
+          <p:cNvCxnSpPr>
+            <a:stCxn id="846" idx="2"/>
+            <a:endCxn id="860" idx="0"/>
+          </p:cNvCxnSpPr>
+          <p:nvPr/>
+        </p:nvCxnSpPr>
+        <p:spPr>
+          <a:xfrm flipH="1">
+            <a:off x="8261549" y="4652851"/>
+            <a:ext cx="1" cy="224430"/>
+          </a:xfrm>
+          <a:prstGeom prst="straightConnector1">
+            <a:avLst/>
+          </a:prstGeom>
+          <a:ln w="19050">
+            <a:tailEnd type="arrow"/>
+          </a:ln>
+        </p:spPr>
+        <p:style>
+          <a:lnRef idx="1">
+            <a:schemeClr val="accent1"/>
+          </a:lnRef>
+          <a:fillRef idx="0">
+            <a:schemeClr val="accent1"/>
+          </a:fillRef>
+          <a:effectRef idx="0">
+            <a:schemeClr val="accent1"/>
+          </a:effectRef>
+          <a:fontRef idx="minor">
+            <a:schemeClr val="tx1"/>
+          </a:fontRef>
+        </p:style>
+      </p:cxnSp>
+      <p:cxnSp>
+        <p:nvCxnSpPr>
+          <p:cNvPr id="870" name="Прямая со стрелкой 869"/>
+          <p:cNvCxnSpPr>
+            <a:stCxn id="860" idx="2"/>
+            <a:endCxn id="858" idx="0"/>
+          </p:cNvCxnSpPr>
+          <p:nvPr/>
+        </p:nvCxnSpPr>
+        <p:spPr>
+          <a:xfrm>
+            <a:off x="8261549" y="5417281"/>
+            <a:ext cx="0" cy="220698"/>
+          </a:xfrm>
+          <a:prstGeom prst="straightConnector1">
+            <a:avLst/>
+          </a:prstGeom>
+          <a:ln w="19050">
+            <a:tailEnd type="arrow"/>
+          </a:ln>
+        </p:spPr>
+        <p:style>
+          <a:lnRef idx="1">
+            <a:schemeClr val="accent1"/>
+          </a:lnRef>
+          <a:fillRef idx="0">
+            <a:schemeClr val="accent1"/>
+          </a:fillRef>
+          <a:effectRef idx="0">
+            <a:schemeClr val="accent1"/>
+          </a:effectRef>
+          <a:fontRef idx="minor">
+            <a:schemeClr val="tx1"/>
+          </a:fontRef>
+        </p:style>
+      </p:cxnSp>
+      <p:sp>
+        <p:nvSpPr>
+          <p:cNvPr id="874" name="Прямоугольник 873"/>
+          <p:cNvSpPr/>
+          <p:nvPr/>
+        </p:nvSpPr>
+        <p:spPr>
+          <a:xfrm>
+            <a:off x="6687855" y="4876455"/>
+            <a:ext cx="926325" cy="540000"/>
+          </a:xfrm>
+          <a:prstGeom prst="rect">
+            <a:avLst/>
+          </a:prstGeom>
+          <a:solidFill>
+            <a:schemeClr val="accent2">
+              <a:lumMod val="75000"/>
+            </a:schemeClr>
+          </a:solidFill>
+          <a:ln w="19050"/>
+        </p:spPr>
+        <p:style>
+          <a:lnRef idx="2">
+            <a:schemeClr val="accent1"/>
+          </a:lnRef>
+          <a:fillRef idx="1">
+            <a:schemeClr val="lt1"/>
+          </a:fillRef>
+          <a:effectRef idx="0">
+            <a:schemeClr val="accent1"/>
+          </a:effectRef>
+          <a:fontRef idx="minor">
+            <a:schemeClr val="dk1"/>
+          </a:fontRef>
+        </p:style>
+        <p:txBody>
+          <a:bodyPr lIns="124733" tIns="62367" rIns="124733" bIns="62367" rtlCol="0" anchor="ctr"/>
+          <a:lstStyle/>
+          <a:p>
+            <a:pPr algn="ctr"/>
+            <a:r>
+              <a:rPr lang="ru-RU" sz="700" dirty="0" smtClean="0"/>
+              <a:t>Поддержание </a:t>
+            </a:r>
+            <a:r>
+              <a:rPr lang="ru-RU" sz="700" dirty="0"/>
+              <a:t>культа </a:t>
+            </a:r>
+            <a:r>
+              <a:rPr lang="ru-RU" sz="700" dirty="0" smtClean="0"/>
+              <a:t>Эль-</a:t>
+            </a:r>
+            <a:r>
+              <a:rPr lang="ru-RU" sz="700" dirty="0" err="1" smtClean="0"/>
+              <a:t>Аусенте</a:t>
+            </a:r>
+            <a:r>
+              <a:rPr lang="ru-RU" sz="700" dirty="0" smtClean="0"/>
+              <a:t> </a:t>
+            </a:r>
+          </a:p>
+          <a:p>
+            <a:pPr algn="ctr"/>
+            <a:r>
+              <a:rPr lang="ru-RU" sz="200" dirty="0" smtClean="0"/>
+              <a:t>(</a:t>
+            </a:r>
+            <a:r>
+              <a:rPr lang="ru-RU" sz="200" dirty="0"/>
+              <a:t>Присутствие </a:t>
+            </a:r>
+            <a:r>
+              <a:rPr lang="ru-RU" sz="200" dirty="0" err="1"/>
+              <a:t>Давилы</a:t>
+            </a:r>
+            <a:r>
+              <a:rPr lang="ru-RU" sz="200" dirty="0"/>
+              <a:t> было особенно важно для этой группы из-за его семейных связей, и он играл центральную роль в поддержании культа Эль-</a:t>
+            </a:r>
+            <a:r>
+              <a:rPr lang="ru-RU" sz="200" dirty="0" err="1"/>
+              <a:t>Аусенте</a:t>
+            </a:r>
+            <a:r>
+              <a:rPr lang="ru-RU" sz="200" dirty="0"/>
+              <a:t> (отсутствующего), как должен был называться </a:t>
+            </a:r>
+            <a:r>
+              <a:rPr lang="ru-RU" sz="200" dirty="0" err="1"/>
+              <a:t>Примо</a:t>
+            </a:r>
+            <a:r>
+              <a:rPr lang="ru-RU" sz="200" dirty="0"/>
+              <a:t> де Ривера</a:t>
+            </a:r>
+          </a:p>
+        </p:txBody>
+      </p:sp>
+      <p:cxnSp>
+        <p:nvCxnSpPr>
+          <p:cNvPr id="876" name="Соединительная линия уступом 875"/>
+          <p:cNvCxnSpPr>
+            <a:stCxn id="846" idx="2"/>
+            <a:endCxn id="874" idx="0"/>
+          </p:cNvCxnSpPr>
+          <p:nvPr/>
+        </p:nvCxnSpPr>
+        <p:spPr>
+          <a:xfrm rot="5400000">
+            <a:off x="7594482" y="4209387"/>
+            <a:ext cx="223604" cy="1110532"/>
+          </a:xfrm>
+          <a:prstGeom prst="bentConnector3">
+            <a:avLst>
+              <a:gd name="adj1" fmla="val 50000"/>
+            </a:avLst>
+          </a:prstGeom>
+          <a:ln w="19050">
+            <a:tailEnd type="arrow"/>
+          </a:ln>
+        </p:spPr>
+        <p:style>
+          <a:lnRef idx="1">
+            <a:schemeClr val="accent1"/>
+          </a:lnRef>
+          <a:fillRef idx="0">
+            <a:schemeClr val="accent1"/>
+          </a:fillRef>
+          <a:effectRef idx="0">
+            <a:schemeClr val="accent1"/>
+          </a:effectRef>
+          <a:fontRef idx="minor">
+            <a:schemeClr val="tx1"/>
+          </a:fontRef>
+        </p:style>
+      </p:cxnSp>
+      <p:sp>
+        <p:nvSpPr>
+          <p:cNvPr id="877" name="Прямоугольник 876"/>
+          <p:cNvSpPr/>
+          <p:nvPr/>
+        </p:nvSpPr>
+        <p:spPr>
+          <a:xfrm>
+            <a:off x="6684441" y="5642218"/>
+            <a:ext cx="926325" cy="540000"/>
+          </a:xfrm>
+          <a:prstGeom prst="rect">
+            <a:avLst/>
+          </a:prstGeom>
+          <a:solidFill>
+            <a:schemeClr val="accent2">
+              <a:lumMod val="75000"/>
+            </a:schemeClr>
+          </a:solidFill>
+          <a:ln w="19050"/>
+        </p:spPr>
+        <p:style>
+          <a:lnRef idx="2">
+            <a:schemeClr val="accent1"/>
+          </a:lnRef>
+          <a:fillRef idx="1">
+            <a:schemeClr val="lt1"/>
+          </a:fillRef>
+          <a:effectRef idx="0">
+            <a:schemeClr val="accent1"/>
+          </a:effectRef>
+          <a:fontRef idx="minor">
+            <a:schemeClr val="dk1"/>
+          </a:fontRef>
+        </p:style>
+        <p:txBody>
+          <a:bodyPr lIns="124733" tIns="62367" rIns="124733" bIns="62367" rtlCol="0" anchor="ctr"/>
+          <a:lstStyle/>
+          <a:p>
+            <a:pPr algn="ctr"/>
+            <a:r>
+              <a:rPr lang="ru-RU" sz="700" dirty="0" smtClean="0"/>
+              <a:t>Повысить уровень здравоохранения по всей стране</a:t>
+            </a:r>
+            <a:endParaRPr lang="ru-RU" sz="100" dirty="0"/>
+          </a:p>
+        </p:txBody>
+      </p:sp>
+      <p:cxnSp>
+        <p:nvCxnSpPr>
+          <p:cNvPr id="879" name="Соединительная линия уступом 878"/>
+          <p:cNvCxnSpPr>
+            <a:stCxn id="860" idx="2"/>
+            <a:endCxn id="877" idx="0"/>
+          </p:cNvCxnSpPr>
+          <p:nvPr/>
+        </p:nvCxnSpPr>
+        <p:spPr>
+          <a:xfrm rot="5400000">
+            <a:off x="7592109" y="4972777"/>
+            <a:ext cx="224937" cy="1113945"/>
+          </a:xfrm>
+          <a:prstGeom prst="bentConnector3">
+            <a:avLst>
+              <a:gd name="adj1" fmla="val 50000"/>
+            </a:avLst>
+          </a:prstGeom>
+          <a:ln w="19050">
+            <a:tailEnd type="arrow"/>
+          </a:ln>
+        </p:spPr>
+        <p:style>
+          <a:lnRef idx="1">
+            <a:schemeClr val="accent1"/>
+          </a:lnRef>
+          <a:fillRef idx="0">
+            <a:schemeClr val="accent1"/>
+          </a:fillRef>
+          <a:effectRef idx="0">
+            <a:schemeClr val="accent1"/>
+          </a:effectRef>
+          <a:fontRef idx="minor">
+            <a:schemeClr val="tx1"/>
+          </a:fontRef>
+        </p:style>
+      </p:cxnSp>
+      <p:sp>
+        <p:nvSpPr>
+          <p:cNvPr id="845" name="Прямоугольник 844"/>
+          <p:cNvSpPr/>
+          <p:nvPr/>
+        </p:nvSpPr>
+        <p:spPr>
+          <a:xfrm>
+            <a:off x="12181343" y="8727157"/>
+            <a:ext cx="926325" cy="540000"/>
+          </a:xfrm>
+          <a:prstGeom prst="rect">
+            <a:avLst/>
+          </a:prstGeom>
+          <a:solidFill>
+            <a:schemeClr val="accent2">
+              <a:lumMod val="75000"/>
+            </a:schemeClr>
+          </a:solidFill>
+          <a:ln w="19050"/>
+        </p:spPr>
+        <p:style>
+          <a:lnRef idx="2">
+            <a:schemeClr val="accent1"/>
+          </a:lnRef>
+          <a:fillRef idx="1">
+            <a:schemeClr val="lt1"/>
+          </a:fillRef>
+          <a:effectRef idx="0">
+            <a:schemeClr val="accent1"/>
+          </a:effectRef>
+          <a:fontRef idx="minor">
+            <a:schemeClr val="dk1"/>
+          </a:fontRef>
+        </p:style>
+        <p:txBody>
+          <a:bodyPr lIns="124733" tIns="62367" rIns="124733" bIns="62367" rtlCol="0" anchor="ctr"/>
+          <a:lstStyle/>
+          <a:p>
+            <a:pPr algn="ctr"/>
+            <a:r>
+              <a:rPr lang="ru-RU" sz="700" dirty="0" smtClean="0"/>
+              <a:t>Основать личную транспортную кампанию</a:t>
+            </a:r>
+            <a:endParaRPr lang="ru-RU" sz="700" dirty="0"/>
+          </a:p>
+        </p:txBody>
+      </p:sp>
+      <p:cxnSp>
+        <p:nvCxnSpPr>
+          <p:cNvPr id="847" name="Соединительная линия уступом 846"/>
+          <p:cNvCxnSpPr>
+            <a:stCxn id="404" idx="2"/>
+            <a:endCxn id="845" idx="0"/>
+          </p:cNvCxnSpPr>
+          <p:nvPr/>
+        </p:nvCxnSpPr>
+        <p:spPr>
+          <a:xfrm rot="16200000" flipH="1">
+            <a:off x="11993435" y="8076085"/>
+            <a:ext cx="206687" cy="1095455"/>
+          </a:xfrm>
+          <a:prstGeom prst="bentConnector3">
+            <a:avLst>
+              <a:gd name="adj1" fmla="val 50000"/>
+            </a:avLst>
+          </a:prstGeom>
+          <a:ln w="19050">
+            <a:tailEnd type="arrow"/>
+          </a:ln>
+        </p:spPr>
+        <p:style>
+          <a:lnRef idx="1">
+            <a:schemeClr val="accent1"/>
+          </a:lnRef>
+          <a:fillRef idx="0">
+            <a:schemeClr val="accent1"/>
+          </a:fillRef>
+          <a:effectRef idx="0">
+            <a:schemeClr val="accent1"/>
+          </a:effectRef>
+          <a:fontRef idx="minor">
+            <a:schemeClr val="tx1"/>
+          </a:fontRef>
+        </p:style>
+      </p:cxnSp>
     </p:spTree>
     <p:extLst>
       <p:ext uri="{BB962C8B-B14F-4D97-AF65-F5344CB8AC3E}">

--- a/Наработки/диздоки/Испания/Испания правые.pptx
+++ b/Наработки/диздоки/Испания/Испания правые.pptx
@@ -12470,11 +12470,7 @@
             <a:pPr algn="ctr"/>
             <a:r>
               <a:rPr lang="ru-RU" sz="700" dirty="0" smtClean="0"/>
-              <a:t>Вертикальный </a:t>
-            </a:r>
-            <a:r>
-              <a:rPr lang="ru-RU" sz="700" dirty="0" smtClean="0"/>
-              <a:t>профсоюз</a:t>
+              <a:t>Вертикальный профсоюз</a:t>
             </a:r>
             <a:endParaRPr lang="ru-RU" sz="700" dirty="0"/>
           </a:p>
@@ -12713,11 +12709,7 @@
             <a:pPr algn="ctr"/>
             <a:r>
               <a:rPr lang="ru-RU" sz="700" dirty="0" smtClean="0"/>
-              <a:t>Обязательная начальная военная </a:t>
-            </a:r>
-            <a:r>
-              <a:rPr lang="ru-RU" sz="700" dirty="0" smtClean="0"/>
-              <a:t>подготовка</a:t>
+              <a:t>Обязательная начальная военная подготовка</a:t>
             </a:r>
             <a:endParaRPr lang="ru-RU" sz="700" dirty="0"/>
           </a:p>
@@ -14795,11 +14787,7 @@
             <a:pPr algn="ctr"/>
             <a:r>
               <a:rPr lang="ru-RU" sz="700" dirty="0" smtClean="0"/>
-              <a:t>Вступить в </a:t>
-            </a:r>
-            <a:r>
-              <a:rPr lang="ru-RU" sz="700" dirty="0" smtClean="0"/>
-              <a:t>Ось</a:t>
+              <a:t>Вступить в Ось</a:t>
             </a:r>
             <a:endParaRPr lang="ru-RU" sz="500" dirty="0"/>
           </a:p>
@@ -14923,11 +14911,7 @@
             <a:pPr algn="ctr"/>
             <a:r>
               <a:rPr lang="ru-RU" sz="700" dirty="0" smtClean="0"/>
-              <a:t>Превосходство </a:t>
-            </a:r>
-            <a:r>
-              <a:rPr lang="ru-RU" sz="700" dirty="0" smtClean="0"/>
-              <a:t>старых рубашек</a:t>
+              <a:t>Превосходство старых рубашек</a:t>
             </a:r>
             <a:endParaRPr lang="ru-RU" sz="700" dirty="0"/>
           </a:p>
@@ -15019,11 +15003,7 @@
             <a:pPr algn="ctr"/>
             <a:r>
               <a:rPr lang="ru-RU" sz="700" dirty="0" smtClean="0"/>
-              <a:t>Пролетарская </a:t>
-            </a:r>
-            <a:r>
-              <a:rPr lang="ru-RU" sz="700" dirty="0" smtClean="0"/>
-              <a:t>пропаганда</a:t>
+              <a:t>Пролетарская пропаганда</a:t>
             </a:r>
             <a:endParaRPr lang="ru-RU" sz="700" dirty="0"/>
           </a:p>
@@ -15181,11 +15161,7 @@
             <a:pPr algn="ctr"/>
             <a:r>
               <a:rPr lang="ru-RU" sz="700" dirty="0" smtClean="0"/>
-              <a:t>Пятая </a:t>
-            </a:r>
-            <a:r>
-              <a:rPr lang="ru-RU" sz="700" dirty="0" smtClean="0"/>
-              <a:t>колонна</a:t>
+              <a:t>Пятая колонна</a:t>
             </a:r>
             <a:endParaRPr lang="ru-RU" sz="700" dirty="0"/>
           </a:p>
@@ -16631,13 +16607,8 @@
             <a:pPr algn="ctr"/>
             <a:r>
               <a:rPr lang="ru-RU" sz="700" dirty="0" smtClean="0"/>
-              <a:t>Все должны </a:t>
-            </a:r>
-            <a:r>
-              <a:rPr lang="ru-RU" sz="700" dirty="0" smtClean="0"/>
-              <a:t>служить</a:t>
-            </a:r>
-            <a:endParaRPr lang="ru-RU" sz="700" dirty="0" smtClean="0"/>
+              <a:t>Все должны служить</a:t>
+            </a:r>
           </a:p>
         </p:txBody>
       </p:sp>
@@ -37749,15 +37720,7 @@
                   <a:srgbClr val="00B0F0"/>
                 </a:solidFill>
               </a:rPr>
-              <a:t>ЭТА ВЕТКА ПОЯВЛЯЕТСЯ ПО СЮЖЕТУ НА МЕСТЕ </a:t>
-            </a:r>
-            <a:r>
-              <a:rPr lang="ru-RU" sz="500" b="1" i="1" dirty="0" smtClean="0">
-                <a:solidFill>
-                  <a:srgbClr val="00B0F0"/>
-                </a:solidFill>
-              </a:rPr>
-              <a:t>ВЕТКИ РИВЕРЫ!</a:t>
+              <a:t>ЭТА ВЕТКА ПОЯВЛЯЕТСЯ ПО СЮЖЕТУ НА МЕСТЕ ВЕТКИ РИВЕРЫ!</a:t>
             </a:r>
             <a:r>
               <a:rPr lang="ru-RU" sz="600" b="1" i="1" dirty="0" smtClean="0">
@@ -37899,11 +37862,7 @@
             <a:pPr algn="ctr"/>
             <a:r>
               <a:rPr lang="ru-RU" sz="700" dirty="0" smtClean="0"/>
-              <a:t>Отправить врачей в </a:t>
-            </a:r>
-            <a:r>
-              <a:rPr lang="ru-RU" sz="700" dirty="0" smtClean="0"/>
-              <a:t>Германию</a:t>
+              <a:t>Отправить врачей в Германию</a:t>
             </a:r>
             <a:endParaRPr lang="ru-RU" sz="100" dirty="0"/>
           </a:p>
@@ -37951,13 +37910,8 @@
             <a:pPr algn="ctr"/>
             <a:r>
               <a:rPr lang="ru-RU" sz="700" dirty="0" smtClean="0"/>
-              <a:t>Создание «Молодёжного фронта</a:t>
-            </a:r>
-            <a:r>
-              <a:rPr lang="ru-RU" sz="700" dirty="0" smtClean="0"/>
-              <a:t>»</a:t>
-            </a:r>
-            <a:endParaRPr lang="ru-RU" sz="700" dirty="0" smtClean="0"/>
+              <a:t>Создание «Молодёжного фронта»</a:t>
+            </a:r>
           </a:p>
         </p:txBody>
       </p:sp>
@@ -38132,41 +38086,6 @@
               <a:t> </a:t>
             </a:r>
           </a:p>
-          <a:p>
-            <a:pPr algn="ctr"/>
-            <a:r>
-              <a:rPr lang="ru-RU" sz="200" dirty="0" smtClean="0"/>
-              <a:t>(</a:t>
-            </a:r>
-            <a:r>
-              <a:rPr lang="ru-RU" sz="200" dirty="0"/>
-              <a:t>Присутствие </a:t>
-            </a:r>
-            <a:r>
-              <a:rPr lang="ru-RU" sz="200" dirty="0" err="1"/>
-              <a:t>Давилы</a:t>
-            </a:r>
-            <a:r>
-              <a:rPr lang="ru-RU" sz="200" dirty="0"/>
-              <a:t> было особенно важно для этой группы из-за его семейных связей, и он играл центральную роль в поддержании культа Эль-</a:t>
-            </a:r>
-            <a:r>
-              <a:rPr lang="ru-RU" sz="200" dirty="0" err="1"/>
-              <a:t>Аусенте</a:t>
-            </a:r>
-            <a:r>
-              <a:rPr lang="ru-RU" sz="200" dirty="0"/>
-              <a:t> (отсутствующего), как должен был называться </a:t>
-            </a:r>
-            <a:r>
-              <a:rPr lang="ru-RU" sz="200" dirty="0" err="1"/>
-              <a:t>Примо</a:t>
-            </a:r>
-            <a:r>
-              <a:rPr lang="ru-RU" sz="200" dirty="0"/>
-              <a:t> де Ривера</a:t>
-            </a:r>
-          </a:p>
         </p:txBody>
       </p:sp>
       <p:cxnSp>
@@ -38249,7 +38168,11 @@
             <a:pPr algn="ctr"/>
             <a:r>
               <a:rPr lang="ru-RU" sz="700" dirty="0" smtClean="0"/>
-              <a:t>Повысить уровень здравоохранения по всей стране</a:t>
+              <a:t>Повысить уровень здравоохранения </a:t>
+            </a:r>
+            <a:r>
+              <a:rPr lang="ru-RU" sz="700" dirty="0" smtClean="0"/>
+              <a:t>в отсталых регионах</a:t>
             </a:r>
             <a:endParaRPr lang="ru-RU" sz="100" dirty="0"/>
           </a:p>

--- a/Наработки/диздоки/Испания/Испания правые.pptx
+++ b/Наработки/диздоки/Испания/Испания правые.pptx
@@ -209,7 +209,7 @@
             <a:fld id="{33E3D7F9-E251-484C-A6FF-FA958879DF69}" type="datetimeFigureOut">
               <a:rPr lang="ru-RU" smtClean="0"/>
               <a:pPr/>
-              <a:t>19.10.2021</a:t>
+              <a:t>20.10.2021</a:t>
             </a:fld>
             <a:endParaRPr lang="ru-RU"/>
           </a:p>
@@ -700,7 +700,7 @@
             <a:fld id="{85A5DE44-605B-4D3B-B2B7-94543DF81A36}" type="datetimeFigureOut">
               <a:rPr lang="ru-RU" smtClean="0"/>
               <a:pPr/>
-              <a:t>19.10.2021</a:t>
+              <a:t>20.10.2021</a:t>
             </a:fld>
             <a:endParaRPr lang="ru-RU"/>
           </a:p>
@@ -872,7 +872,7 @@
             <a:fld id="{85A5DE44-605B-4D3B-B2B7-94543DF81A36}" type="datetimeFigureOut">
               <a:rPr lang="ru-RU" smtClean="0"/>
               <a:pPr/>
-              <a:t>19.10.2021</a:t>
+              <a:t>20.10.2021</a:t>
             </a:fld>
             <a:endParaRPr lang="ru-RU"/>
           </a:p>
@@ -1054,7 +1054,7 @@
             <a:fld id="{85A5DE44-605B-4D3B-B2B7-94543DF81A36}" type="datetimeFigureOut">
               <a:rPr lang="ru-RU" smtClean="0"/>
               <a:pPr/>
-              <a:t>19.10.2021</a:t>
+              <a:t>20.10.2021</a:t>
             </a:fld>
             <a:endParaRPr lang="ru-RU"/>
           </a:p>
@@ -1226,7 +1226,7 @@
             <a:fld id="{85A5DE44-605B-4D3B-B2B7-94543DF81A36}" type="datetimeFigureOut">
               <a:rPr lang="ru-RU" smtClean="0"/>
               <a:pPr/>
-              <a:t>19.10.2021</a:t>
+              <a:t>20.10.2021</a:t>
             </a:fld>
             <a:endParaRPr lang="ru-RU"/>
           </a:p>
@@ -1474,7 +1474,7 @@
             <a:fld id="{85A5DE44-605B-4D3B-B2B7-94543DF81A36}" type="datetimeFigureOut">
               <a:rPr lang="ru-RU" smtClean="0"/>
               <a:pPr/>
-              <a:t>19.10.2021</a:t>
+              <a:t>20.10.2021</a:t>
             </a:fld>
             <a:endParaRPr lang="ru-RU"/>
           </a:p>
@@ -1708,7 +1708,7 @@
             <a:fld id="{85A5DE44-605B-4D3B-B2B7-94543DF81A36}" type="datetimeFigureOut">
               <a:rPr lang="ru-RU" smtClean="0"/>
               <a:pPr/>
-              <a:t>19.10.2021</a:t>
+              <a:t>20.10.2021</a:t>
             </a:fld>
             <a:endParaRPr lang="ru-RU"/>
           </a:p>
@@ -2077,7 +2077,7 @@
             <a:fld id="{85A5DE44-605B-4D3B-B2B7-94543DF81A36}" type="datetimeFigureOut">
               <a:rPr lang="ru-RU" smtClean="0"/>
               <a:pPr/>
-              <a:t>19.10.2021</a:t>
+              <a:t>20.10.2021</a:t>
             </a:fld>
             <a:endParaRPr lang="ru-RU"/>
           </a:p>
@@ -2197,7 +2197,7 @@
             <a:fld id="{85A5DE44-605B-4D3B-B2B7-94543DF81A36}" type="datetimeFigureOut">
               <a:rPr lang="ru-RU" smtClean="0"/>
               <a:pPr/>
-              <a:t>19.10.2021</a:t>
+              <a:t>20.10.2021</a:t>
             </a:fld>
             <a:endParaRPr lang="ru-RU"/>
           </a:p>
@@ -2294,7 +2294,7 @@
             <a:fld id="{85A5DE44-605B-4D3B-B2B7-94543DF81A36}" type="datetimeFigureOut">
               <a:rPr lang="ru-RU" smtClean="0"/>
               <a:pPr/>
-              <a:t>19.10.2021</a:t>
+              <a:t>20.10.2021</a:t>
             </a:fld>
             <a:endParaRPr lang="ru-RU"/>
           </a:p>
@@ -2573,7 +2573,7 @@
             <a:fld id="{85A5DE44-605B-4D3B-B2B7-94543DF81A36}" type="datetimeFigureOut">
               <a:rPr lang="ru-RU" smtClean="0"/>
               <a:pPr/>
-              <a:t>19.10.2021</a:t>
+              <a:t>20.10.2021</a:t>
             </a:fld>
             <a:endParaRPr lang="ru-RU"/>
           </a:p>
@@ -2832,7 +2832,7 @@
             <a:fld id="{85A5DE44-605B-4D3B-B2B7-94543DF81A36}" type="datetimeFigureOut">
               <a:rPr lang="ru-RU" smtClean="0"/>
               <a:pPr/>
-              <a:t>19.10.2021</a:t>
+              <a:t>20.10.2021</a:t>
             </a:fld>
             <a:endParaRPr lang="ru-RU"/>
           </a:p>
@@ -3047,7 +3047,7 @@
             <a:fld id="{85A5DE44-605B-4D3B-B2B7-94543DF81A36}" type="datetimeFigureOut">
               <a:rPr lang="ru-RU" smtClean="0"/>
               <a:pPr/>
-              <a:t>19.10.2021</a:t>
+              <a:t>20.10.2021</a:t>
             </a:fld>
             <a:endParaRPr lang="ru-RU"/>
           </a:p>
@@ -13301,44 +13301,6 @@
       </p:cxnSp>
       <p:cxnSp>
         <p:nvCxnSpPr>
-          <p:cNvPr id="274" name="Соединительная линия уступом 273"/>
-          <p:cNvCxnSpPr>
-            <a:stCxn id="223" idx="2"/>
-            <a:endCxn id="247" idx="0"/>
-          </p:cNvCxnSpPr>
-          <p:nvPr/>
-        </p:nvCxnSpPr>
-        <p:spPr>
-          <a:xfrm rot="5400000">
-            <a:off x="12251499" y="9899731"/>
-            <a:ext cx="230699" cy="548780"/>
-          </a:xfrm>
-          <a:prstGeom prst="bentConnector3">
-            <a:avLst>
-              <a:gd name="adj1" fmla="val 50000"/>
-            </a:avLst>
-          </a:prstGeom>
-          <a:ln w="19050">
-            <a:tailEnd type="arrow"/>
-          </a:ln>
-        </p:spPr>
-        <p:style>
-          <a:lnRef idx="1">
-            <a:schemeClr val="accent1"/>
-          </a:lnRef>
-          <a:fillRef idx="0">
-            <a:schemeClr val="accent1"/>
-          </a:fillRef>
-          <a:effectRef idx="0">
-            <a:schemeClr val="accent1"/>
-          </a:effectRef>
-          <a:fontRef idx="minor">
-            <a:schemeClr val="tx1"/>
-          </a:fontRef>
-        </p:style>
-      </p:cxnSp>
-      <p:cxnSp>
-        <p:nvCxnSpPr>
           <p:cNvPr id="275" name="Соединительная линия уступом 274"/>
           <p:cNvCxnSpPr>
             <a:stCxn id="223" idx="2"/>
@@ -13971,7 +13933,7 @@
             <a:pPr algn="ctr"/>
             <a:r>
               <a:rPr lang="ru-RU" sz="700" dirty="0" smtClean="0"/>
-              <a:t>Объединение под авторитетом государства (меньше сопротивления)</a:t>
+              <a:t>Объединение под авторитетом государства</a:t>
             </a:r>
             <a:endParaRPr lang="ru-RU" sz="700" dirty="0"/>
           </a:p>
@@ -38168,11 +38130,7 @@
             <a:pPr algn="ctr"/>
             <a:r>
               <a:rPr lang="ru-RU" sz="700" dirty="0" smtClean="0"/>
-              <a:t>Повысить уровень здравоохранения </a:t>
-            </a:r>
-            <a:r>
-              <a:rPr lang="ru-RU" sz="700" dirty="0" smtClean="0"/>
-              <a:t>в отсталых регионах</a:t>
+              <a:t>Повысить уровень здравоохранения в отсталых регионах</a:t>
             </a:r>
             <a:endParaRPr lang="ru-RU" sz="100" dirty="0"/>
           </a:p>

--- a/Наработки/диздоки/Испания/Испания правые.pptx
+++ b/Наработки/диздоки/Испания/Испания правые.pptx
@@ -209,7 +209,7 @@
             <a:fld id="{33E3D7F9-E251-484C-A6FF-FA958879DF69}" type="datetimeFigureOut">
               <a:rPr lang="ru-RU" smtClean="0"/>
               <a:pPr/>
-              <a:t>20.10.2021</a:t>
+              <a:t>21.10.2021</a:t>
             </a:fld>
             <a:endParaRPr lang="ru-RU"/>
           </a:p>
@@ -700,7 +700,7 @@
             <a:fld id="{85A5DE44-605B-4D3B-B2B7-94543DF81A36}" type="datetimeFigureOut">
               <a:rPr lang="ru-RU" smtClean="0"/>
               <a:pPr/>
-              <a:t>20.10.2021</a:t>
+              <a:t>21.10.2021</a:t>
             </a:fld>
             <a:endParaRPr lang="ru-RU"/>
           </a:p>
@@ -872,7 +872,7 @@
             <a:fld id="{85A5DE44-605B-4D3B-B2B7-94543DF81A36}" type="datetimeFigureOut">
               <a:rPr lang="ru-RU" smtClean="0"/>
               <a:pPr/>
-              <a:t>20.10.2021</a:t>
+              <a:t>21.10.2021</a:t>
             </a:fld>
             <a:endParaRPr lang="ru-RU"/>
           </a:p>
@@ -1054,7 +1054,7 @@
             <a:fld id="{85A5DE44-605B-4D3B-B2B7-94543DF81A36}" type="datetimeFigureOut">
               <a:rPr lang="ru-RU" smtClean="0"/>
               <a:pPr/>
-              <a:t>20.10.2021</a:t>
+              <a:t>21.10.2021</a:t>
             </a:fld>
             <a:endParaRPr lang="ru-RU"/>
           </a:p>
@@ -1226,7 +1226,7 @@
             <a:fld id="{85A5DE44-605B-4D3B-B2B7-94543DF81A36}" type="datetimeFigureOut">
               <a:rPr lang="ru-RU" smtClean="0"/>
               <a:pPr/>
-              <a:t>20.10.2021</a:t>
+              <a:t>21.10.2021</a:t>
             </a:fld>
             <a:endParaRPr lang="ru-RU"/>
           </a:p>
@@ -1474,7 +1474,7 @@
             <a:fld id="{85A5DE44-605B-4D3B-B2B7-94543DF81A36}" type="datetimeFigureOut">
               <a:rPr lang="ru-RU" smtClean="0"/>
               <a:pPr/>
-              <a:t>20.10.2021</a:t>
+              <a:t>21.10.2021</a:t>
             </a:fld>
             <a:endParaRPr lang="ru-RU"/>
           </a:p>
@@ -1708,7 +1708,7 @@
             <a:fld id="{85A5DE44-605B-4D3B-B2B7-94543DF81A36}" type="datetimeFigureOut">
               <a:rPr lang="ru-RU" smtClean="0"/>
               <a:pPr/>
-              <a:t>20.10.2021</a:t>
+              <a:t>21.10.2021</a:t>
             </a:fld>
             <a:endParaRPr lang="ru-RU"/>
           </a:p>
@@ -2077,7 +2077,7 @@
             <a:fld id="{85A5DE44-605B-4D3B-B2B7-94543DF81A36}" type="datetimeFigureOut">
               <a:rPr lang="ru-RU" smtClean="0"/>
               <a:pPr/>
-              <a:t>20.10.2021</a:t>
+              <a:t>21.10.2021</a:t>
             </a:fld>
             <a:endParaRPr lang="ru-RU"/>
           </a:p>
@@ -2197,7 +2197,7 @@
             <a:fld id="{85A5DE44-605B-4D3B-B2B7-94543DF81A36}" type="datetimeFigureOut">
               <a:rPr lang="ru-RU" smtClean="0"/>
               <a:pPr/>
-              <a:t>20.10.2021</a:t>
+              <a:t>21.10.2021</a:t>
             </a:fld>
             <a:endParaRPr lang="ru-RU"/>
           </a:p>
@@ -2294,7 +2294,7 @@
             <a:fld id="{85A5DE44-605B-4D3B-B2B7-94543DF81A36}" type="datetimeFigureOut">
               <a:rPr lang="ru-RU" smtClean="0"/>
               <a:pPr/>
-              <a:t>20.10.2021</a:t>
+              <a:t>21.10.2021</a:t>
             </a:fld>
             <a:endParaRPr lang="ru-RU"/>
           </a:p>
@@ -2573,7 +2573,7 @@
             <a:fld id="{85A5DE44-605B-4D3B-B2B7-94543DF81A36}" type="datetimeFigureOut">
               <a:rPr lang="ru-RU" smtClean="0"/>
               <a:pPr/>
-              <a:t>20.10.2021</a:t>
+              <a:t>21.10.2021</a:t>
             </a:fld>
             <a:endParaRPr lang="ru-RU"/>
           </a:p>
@@ -2832,7 +2832,7 @@
             <a:fld id="{85A5DE44-605B-4D3B-B2B7-94543DF81A36}" type="datetimeFigureOut">
               <a:rPr lang="ru-RU" smtClean="0"/>
               <a:pPr/>
-              <a:t>20.10.2021</a:t>
+              <a:t>21.10.2021</a:t>
             </a:fld>
             <a:endParaRPr lang="ru-RU"/>
           </a:p>
@@ -3047,7 +3047,7 @@
             <a:fld id="{85A5DE44-605B-4D3B-B2B7-94543DF81A36}" type="datetimeFigureOut">
               <a:rPr lang="ru-RU" smtClean="0"/>
               <a:pPr/>
-              <a:t>20.10.2021</a:t>
+              <a:t>21.10.2021</a:t>
             </a:fld>
             <a:endParaRPr lang="ru-RU"/>
           </a:p>
@@ -5128,9 +5128,17 @@
             <a:pPr algn="ctr"/>
             <a:r>
               <a:rPr lang="ru-RU" sz="700" dirty="0" smtClean="0"/>
-              <a:t>Реставрация монархии</a:t>
-            </a:r>
-            <a:endParaRPr lang="ru-RU" sz="700" dirty="0"/>
+              <a:t>Реставрация </a:t>
+            </a:r>
+            <a:r>
+              <a:rPr lang="ru-RU" sz="700" dirty="0" smtClean="0"/>
+              <a:t>монархии</a:t>
+            </a:r>
+            <a:endParaRPr lang="ru-RU" sz="700" dirty="0">
+              <a:solidFill>
+                <a:srgbClr val="FF0000"/>
+              </a:solidFill>
+            </a:endParaRPr>
           </a:p>
         </p:txBody>
       </p:sp>
@@ -5174,7 +5182,7 @@
             <a:pPr algn="ctr"/>
             <a:r>
               <a:rPr lang="ru-RU" sz="700" dirty="0" smtClean="0"/>
-              <a:t>Восстание под монархическими флагами</a:t>
+              <a:t>Восстание под королевским флагом</a:t>
             </a:r>
             <a:endParaRPr lang="ru-RU" sz="700" dirty="0"/>
           </a:p>
@@ -6772,6 +6780,7 @@
           <p:cNvPr id="131" name="Соединительная линия уступом 130"/>
           <p:cNvCxnSpPr>
             <a:stCxn id="108" idx="2"/>
+            <a:endCxn id="80" idx="0"/>
           </p:cNvCxnSpPr>
           <p:nvPr/>
         </p:nvCxnSpPr>
@@ -8384,13 +8393,13 @@
       </p:cxnSp>
       <p:sp>
         <p:nvSpPr>
-          <p:cNvPr id="132" name="Прямоугольник 131"/>
+          <p:cNvPr id="159" name="Прямоугольник 158"/>
           <p:cNvSpPr/>
           <p:nvPr/>
         </p:nvSpPr>
         <p:spPr>
           <a:xfrm>
-            <a:off x="23641491" y="11053439"/>
+            <a:off x="21594624" y="10254644"/>
             <a:ext cx="926325" cy="540000"/>
           </a:xfrm>
           <a:prstGeom prst="rect">
@@ -8422,7 +8431,11 @@
             <a:pPr algn="ctr"/>
             <a:r>
               <a:rPr lang="ru-RU" sz="700" dirty="0" smtClean="0"/>
-              <a:t>Вернуть Бразильский престол матери</a:t>
+              <a:t>Вернуть титул короля двух </a:t>
+            </a:r>
+            <a:r>
+              <a:rPr lang="ru-RU" sz="700" dirty="0" err="1" smtClean="0"/>
+              <a:t>Сицилий</a:t>
             </a:r>
             <a:endParaRPr lang="ru-RU" sz="700" dirty="0"/>
           </a:p>
@@ -8430,49 +8443,52 @@
       </p:sp>
       <p:cxnSp>
         <p:nvCxnSpPr>
-          <p:cNvPr id="133" name="Прямая со стрелкой 132"/>
-          <p:cNvCxnSpPr>
-            <a:stCxn id="124" idx="2"/>
-            <a:endCxn id="132" idx="0"/>
-          </p:cNvCxnSpPr>
-          <p:nvPr/>
-        </p:nvCxnSpPr>
-        <p:spPr>
-          <a:xfrm>
-            <a:off x="24104654" y="10798198"/>
-            <a:ext cx="0" cy="255241"/>
-          </a:xfrm>
-          <a:prstGeom prst="straightConnector1">
-            <a:avLst/>
-          </a:prstGeom>
-          <a:ln w="19050">
-            <a:tailEnd type="arrow"/>
-          </a:ln>
-        </p:spPr>
-        <p:style>
-          <a:lnRef idx="1">
-            <a:schemeClr val="accent1"/>
-          </a:lnRef>
-          <a:fillRef idx="0">
-            <a:schemeClr val="accent1"/>
-          </a:fillRef>
-          <a:effectRef idx="0">
-            <a:schemeClr val="accent1"/>
-          </a:effectRef>
-          <a:fontRef idx="minor">
-            <a:schemeClr val="tx1"/>
-          </a:fontRef>
-        </p:style>
-      </p:cxnSp>
-      <p:sp>
-        <p:nvSpPr>
-          <p:cNvPr id="159" name="Прямоугольник 158"/>
+          <p:cNvPr id="160" name="Соединительная линия уступом 124"/>
+          <p:cNvCxnSpPr>
+            <a:stCxn id="82" idx="2"/>
+            <a:endCxn id="159" idx="0"/>
+          </p:cNvCxnSpPr>
+          <p:nvPr/>
+        </p:nvCxnSpPr>
+        <p:spPr>
+          <a:xfrm rot="5400000">
+            <a:off x="22480680" y="9620111"/>
+            <a:ext cx="211640" cy="1057426"/>
+          </a:xfrm>
+          <a:prstGeom prst="bentConnector3">
+            <a:avLst>
+              <a:gd name="adj1" fmla="val 50000"/>
+            </a:avLst>
+          </a:prstGeom>
+          <a:ln w="19050">
+            <a:prstDash val="dash"/>
+            <a:tailEnd type="arrow"/>
+          </a:ln>
+        </p:spPr>
+        <p:style>
+          <a:lnRef idx="1">
+            <a:schemeClr val="accent1"/>
+          </a:lnRef>
+          <a:fillRef idx="0">
+            <a:schemeClr val="accent1"/>
+          </a:fillRef>
+          <a:effectRef idx="0">
+            <a:schemeClr val="accent1"/>
+          </a:effectRef>
+          <a:fontRef idx="minor">
+            <a:schemeClr val="tx1"/>
+          </a:fontRef>
+        </p:style>
+      </p:cxnSp>
+      <p:sp>
+        <p:nvSpPr>
+          <p:cNvPr id="170" name="Прямоугольник 169"/>
           <p:cNvSpPr/>
           <p:nvPr/>
         </p:nvSpPr>
         <p:spPr>
           <a:xfrm>
-            <a:off x="21594624" y="10254644"/>
+            <a:off x="24180206" y="11774727"/>
             <a:ext cx="926325" cy="540000"/>
           </a:xfrm>
           <a:prstGeom prst="rect">
@@ -8504,11 +8520,200 @@
             <a:pPr algn="ctr"/>
             <a:r>
               <a:rPr lang="ru-RU" sz="700" dirty="0" smtClean="0"/>
-              <a:t>Вернуть титул короля двух </a:t>
+              <a:t>Подтверждение </a:t>
+            </a:r>
+            <a:r>
+              <a:rPr lang="ru-RU" sz="700" dirty="0" smtClean="0"/>
+              <a:t>легитимности (на оправдание целей войны)</a:t>
+            </a:r>
+            <a:endParaRPr lang="ru-RU" sz="700" dirty="0"/>
+          </a:p>
+        </p:txBody>
+      </p:sp>
+      <p:cxnSp>
+        <p:nvCxnSpPr>
+          <p:cNvPr id="173" name="Прямая со стрелкой 172"/>
+          <p:cNvCxnSpPr>
+            <a:stCxn id="105" idx="2"/>
+            <a:endCxn id="170" idx="0"/>
+          </p:cNvCxnSpPr>
+          <p:nvPr/>
+        </p:nvCxnSpPr>
+        <p:spPr>
+          <a:xfrm>
+            <a:off x="24643369" y="8516784"/>
+            <a:ext cx="0" cy="3257943"/>
+          </a:xfrm>
+          <a:prstGeom prst="straightConnector1">
+            <a:avLst/>
+          </a:prstGeom>
+          <a:ln w="19050">
+            <a:tailEnd type="arrow"/>
+          </a:ln>
+        </p:spPr>
+        <p:style>
+          <a:lnRef idx="1">
+            <a:schemeClr val="accent1"/>
+          </a:lnRef>
+          <a:fillRef idx="0">
+            <a:schemeClr val="accent1"/>
+          </a:fillRef>
+          <a:effectRef idx="0">
+            <a:schemeClr val="accent1"/>
+          </a:effectRef>
+          <a:fontRef idx="minor">
+            <a:schemeClr val="tx1"/>
+          </a:fontRef>
+        </p:style>
+      </p:cxnSp>
+      <p:sp>
+        <p:nvSpPr>
+          <p:cNvPr id="163" name="Прямоугольник 162"/>
+          <p:cNvSpPr/>
+          <p:nvPr/>
+        </p:nvSpPr>
+        <p:spPr>
+          <a:xfrm>
+            <a:off x="19478838" y="9500953"/>
+            <a:ext cx="926325" cy="540000"/>
+          </a:xfrm>
+          <a:prstGeom prst="rect">
+            <a:avLst/>
+          </a:prstGeom>
+          <a:solidFill>
+            <a:srgbClr val="7030A0"/>
+          </a:solidFill>
+          <a:ln w="19050"/>
+        </p:spPr>
+        <p:style>
+          <a:lnRef idx="2">
+            <a:schemeClr val="accent1"/>
+          </a:lnRef>
+          <a:fillRef idx="1">
+            <a:schemeClr val="lt1"/>
+          </a:fillRef>
+          <a:effectRef idx="0">
+            <a:schemeClr val="accent1"/>
+          </a:effectRef>
+          <a:fontRef idx="minor">
+            <a:schemeClr val="dk1"/>
+          </a:fontRef>
+        </p:style>
+        <p:txBody>
+          <a:bodyPr lIns="124733" tIns="62367" rIns="124733" bIns="62367" rtlCol="0" anchor="ctr"/>
+          <a:lstStyle/>
+          <a:p>
+            <a:pPr algn="ctr"/>
+            <a:r>
+              <a:rPr lang="ru-RU" sz="700" dirty="0" smtClean="0"/>
+              <a:t>Испанский средиземноморский флот</a:t>
+            </a:r>
+            <a:endParaRPr lang="ru-RU" sz="700" dirty="0"/>
+          </a:p>
+        </p:txBody>
+      </p:sp>
+      <p:sp>
+        <p:nvSpPr>
+          <p:cNvPr id="155" name="Прямоугольник 154"/>
+          <p:cNvSpPr/>
+          <p:nvPr/>
+        </p:nvSpPr>
+        <p:spPr>
+          <a:xfrm>
+            <a:off x="20536485" y="9500953"/>
+            <a:ext cx="926325" cy="540000"/>
+          </a:xfrm>
+          <a:prstGeom prst="rect">
+            <a:avLst/>
+          </a:prstGeom>
+          <a:solidFill>
+            <a:srgbClr val="7030A0"/>
+          </a:solidFill>
+          <a:ln w="19050"/>
+        </p:spPr>
+        <p:style>
+          <a:lnRef idx="2">
+            <a:schemeClr val="accent1"/>
+          </a:lnRef>
+          <a:fillRef idx="1">
+            <a:schemeClr val="lt1"/>
+          </a:fillRef>
+          <a:effectRef idx="0">
+            <a:schemeClr val="accent1"/>
+          </a:effectRef>
+          <a:fontRef idx="minor">
+            <a:schemeClr val="dk1"/>
+          </a:fontRef>
+        </p:style>
+        <p:txBody>
+          <a:bodyPr lIns="124733" tIns="62367" rIns="124733" bIns="62367" rtlCol="0" anchor="ctr"/>
+          <a:lstStyle/>
+          <a:p>
+            <a:pPr algn="ctr"/>
+            <a:r>
+              <a:rPr lang="ru-RU" sz="700" dirty="0" smtClean="0"/>
+              <a:t>Создание </a:t>
             </a:r>
             <a:r>
               <a:rPr lang="ru-RU" sz="700" dirty="0" err="1" smtClean="0"/>
-              <a:t>Сицилий</a:t>
+              <a:t>католико</a:t>
+            </a:r>
+            <a:r>
+              <a:rPr lang="ru-RU" sz="700" dirty="0" smtClean="0"/>
+              <a:t>-монархической общины</a:t>
+            </a:r>
+          </a:p>
+        </p:txBody>
+      </p:sp>
+      <p:sp>
+        <p:nvSpPr>
+          <p:cNvPr id="156" name="Прямоугольник 155"/>
+          <p:cNvSpPr/>
+          <p:nvPr/>
+        </p:nvSpPr>
+        <p:spPr>
+          <a:xfrm>
+            <a:off x="19478838" y="10254896"/>
+            <a:ext cx="926325" cy="540000"/>
+          </a:xfrm>
+          <a:prstGeom prst="rect">
+            <a:avLst/>
+          </a:prstGeom>
+          <a:solidFill>
+            <a:srgbClr val="7030A0"/>
+          </a:solidFill>
+          <a:ln w="19050"/>
+        </p:spPr>
+        <p:style>
+          <a:lnRef idx="2">
+            <a:schemeClr val="accent1"/>
+          </a:lnRef>
+          <a:fillRef idx="1">
+            <a:schemeClr val="lt1"/>
+          </a:fillRef>
+          <a:effectRef idx="0">
+            <a:schemeClr val="accent1"/>
+          </a:effectRef>
+          <a:fontRef idx="minor">
+            <a:schemeClr val="dk1"/>
+          </a:fontRef>
+        </p:style>
+        <p:txBody>
+          <a:bodyPr lIns="124733" tIns="62367" rIns="124733" bIns="62367" rtlCol="0" anchor="ctr"/>
+          <a:lstStyle/>
+          <a:p>
+            <a:pPr algn="ctr"/>
+            <a:r>
+              <a:rPr lang="ru-RU" sz="700" dirty="0" smtClean="0"/>
+              <a:t>Претензии на </a:t>
+            </a:r>
+            <a:r>
+              <a:rPr lang="ru-RU" sz="700" dirty="0" err="1" smtClean="0"/>
+              <a:t>Габсбургские</a:t>
+            </a:r>
+            <a:r>
+              <a:rPr lang="ru-RU" sz="700" dirty="0" smtClean="0"/>
+              <a:t> земли</a:t>
             </a:r>
             <a:endParaRPr lang="ru-RU" sz="700" dirty="0"/>
           </a:p>
@@ -8516,17 +8721,134 @@
       </p:sp>
       <p:cxnSp>
         <p:nvCxnSpPr>
-          <p:cNvPr id="160" name="Соединительная линия уступом 124"/>
-          <p:cNvCxnSpPr>
-            <a:stCxn id="82" idx="2"/>
+          <p:cNvPr id="164" name="Прямая со стрелкой 163"/>
+          <p:cNvCxnSpPr>
+            <a:stCxn id="163" idx="2"/>
+            <a:endCxn id="156" idx="0"/>
+          </p:cNvCxnSpPr>
+          <p:nvPr/>
+        </p:nvCxnSpPr>
+        <p:spPr>
+          <a:xfrm>
+            <a:off x="19942001" y="10040953"/>
+            <a:ext cx="0" cy="213943"/>
+          </a:xfrm>
+          <a:prstGeom prst="straightConnector1">
+            <a:avLst/>
+          </a:prstGeom>
+          <a:ln w="19050">
+            <a:tailEnd type="arrow"/>
+          </a:ln>
+        </p:spPr>
+        <p:style>
+          <a:lnRef idx="1">
+            <a:schemeClr val="accent1"/>
+          </a:lnRef>
+          <a:fillRef idx="0">
+            <a:schemeClr val="accent1"/>
+          </a:fillRef>
+          <a:effectRef idx="0">
+            <a:schemeClr val="accent1"/>
+          </a:effectRef>
+          <a:fontRef idx="minor">
+            <a:schemeClr val="tx1"/>
+          </a:fontRef>
+        </p:style>
+      </p:cxnSp>
+      <p:sp>
+        <p:nvSpPr>
+          <p:cNvPr id="183" name="Прямоугольник 182"/>
+          <p:cNvSpPr/>
+          <p:nvPr/>
+        </p:nvSpPr>
+        <p:spPr>
+          <a:xfrm>
+            <a:off x="20534705" y="10254644"/>
+            <a:ext cx="926325" cy="540000"/>
+          </a:xfrm>
+          <a:prstGeom prst="rect">
+            <a:avLst/>
+          </a:prstGeom>
+          <a:solidFill>
+            <a:srgbClr val="7030A0"/>
+          </a:solidFill>
+          <a:ln w="19050"/>
+        </p:spPr>
+        <p:style>
+          <a:lnRef idx="2">
+            <a:schemeClr val="accent1"/>
+          </a:lnRef>
+          <a:fillRef idx="1">
+            <a:schemeClr val="lt1"/>
+          </a:fillRef>
+          <a:effectRef idx="0">
+            <a:schemeClr val="accent1"/>
+          </a:effectRef>
+          <a:fontRef idx="minor">
+            <a:schemeClr val="dk1"/>
+          </a:fontRef>
+        </p:style>
+        <p:txBody>
+          <a:bodyPr lIns="124733" tIns="62367" rIns="124733" bIns="62367" rtlCol="0" anchor="ctr"/>
+          <a:lstStyle/>
+          <a:p>
+            <a:pPr algn="ctr"/>
+            <a:r>
+              <a:rPr lang="ru-RU" sz="700" dirty="0" smtClean="0"/>
+              <a:t>Идея превыше всего!</a:t>
+            </a:r>
+          </a:p>
+        </p:txBody>
+      </p:sp>
+      <p:cxnSp>
+        <p:nvCxnSpPr>
+          <p:cNvPr id="184" name="Прямая со стрелкой 183"/>
+          <p:cNvCxnSpPr>
+            <a:stCxn id="155" idx="2"/>
+            <a:endCxn id="183" idx="0"/>
+          </p:cNvCxnSpPr>
+          <p:nvPr/>
+        </p:nvCxnSpPr>
+        <p:spPr>
+          <a:xfrm flipH="1">
+            <a:off x="20997868" y="10040953"/>
+            <a:ext cx="1780" cy="213691"/>
+          </a:xfrm>
+          <a:prstGeom prst="straightConnector1">
+            <a:avLst/>
+          </a:prstGeom>
+          <a:ln w="19050">
+            <a:tailEnd type="arrow"/>
+          </a:ln>
+        </p:spPr>
+        <p:style>
+          <a:lnRef idx="1">
+            <a:schemeClr val="accent1"/>
+          </a:lnRef>
+          <a:fillRef idx="0">
+            <a:schemeClr val="accent1"/>
+          </a:fillRef>
+          <a:effectRef idx="0">
+            <a:schemeClr val="accent1"/>
+          </a:effectRef>
+          <a:fontRef idx="minor">
+            <a:schemeClr val="tx1"/>
+          </a:fontRef>
+        </p:style>
+      </p:cxnSp>
+      <p:cxnSp>
+        <p:nvCxnSpPr>
+          <p:cNvPr id="186" name="Соединительная линия уступом 124"/>
+          <p:cNvCxnSpPr>
+            <a:stCxn id="155" idx="2"/>
             <a:endCxn id="159" idx="0"/>
           </p:cNvCxnSpPr>
           <p:nvPr/>
         </p:nvCxnSpPr>
         <p:spPr>
-          <a:xfrm rot="5400000">
-            <a:off x="22480680" y="9620111"/>
-            <a:ext cx="211640" cy="1057426"/>
+          <a:xfrm rot="16200000" flipH="1">
+            <a:off x="21421872" y="9618728"/>
+            <a:ext cx="213691" cy="1058139"/>
           </a:xfrm>
           <a:prstGeom prst="bentConnector3">
             <a:avLst>
@@ -8555,13 +8877,13 @@
       </p:cxnSp>
       <p:sp>
         <p:nvSpPr>
-          <p:cNvPr id="170" name="Прямоугольник 169"/>
+          <p:cNvPr id="187" name="Прямоугольник 186"/>
           <p:cNvSpPr/>
           <p:nvPr/>
         </p:nvSpPr>
         <p:spPr>
           <a:xfrm>
-            <a:off x="24180206" y="11774727"/>
+            <a:off x="23642130" y="11059274"/>
             <a:ext cx="926325" cy="540000"/>
           </a:xfrm>
           <a:prstGeom prst="rect">
@@ -8593,57 +8915,29 @@
             <a:pPr algn="ctr"/>
             <a:r>
               <a:rPr lang="ru-RU" sz="700" dirty="0" smtClean="0"/>
-              <a:t>Подтверждение легитимности</a:t>
+              <a:t>Заключить </a:t>
+            </a:r>
+            <a:r>
+              <a:rPr lang="ru-RU" sz="700" dirty="0" err="1" smtClean="0"/>
+              <a:t>Виндзорский</a:t>
+            </a:r>
+            <a:r>
+              <a:rPr lang="ru-RU" sz="700" dirty="0" smtClean="0"/>
+              <a:t> пакт от новой династии</a:t>
             </a:r>
             <a:endParaRPr lang="ru-RU" sz="700" dirty="0"/>
           </a:p>
         </p:txBody>
       </p:sp>
-      <p:cxnSp>
-        <p:nvCxnSpPr>
-          <p:cNvPr id="173" name="Прямая со стрелкой 172"/>
-          <p:cNvCxnSpPr>
-            <a:stCxn id="105" idx="2"/>
-            <a:endCxn id="170" idx="0"/>
-          </p:cNvCxnSpPr>
-          <p:nvPr/>
-        </p:nvCxnSpPr>
-        <p:spPr>
-          <a:xfrm>
-            <a:off x="24643369" y="8516784"/>
-            <a:ext cx="0" cy="3257943"/>
-          </a:xfrm>
-          <a:prstGeom prst="straightConnector1">
-            <a:avLst/>
-          </a:prstGeom>
-          <a:ln w="19050">
-            <a:tailEnd type="arrow"/>
-          </a:ln>
-        </p:spPr>
-        <p:style>
-          <a:lnRef idx="1">
-            <a:schemeClr val="accent1"/>
-          </a:lnRef>
-          <a:fillRef idx="0">
-            <a:schemeClr val="accent1"/>
-          </a:fillRef>
-          <a:effectRef idx="0">
-            <a:schemeClr val="accent1"/>
-          </a:effectRef>
-          <a:fontRef idx="minor">
-            <a:schemeClr val="tx1"/>
-          </a:fontRef>
-        </p:style>
-      </p:cxnSp>
-      <p:sp>
-        <p:nvSpPr>
-          <p:cNvPr id="163" name="Прямоугольник 162"/>
+      <p:sp>
+        <p:nvSpPr>
+          <p:cNvPr id="189" name="Прямоугольник 188"/>
           <p:cNvSpPr/>
           <p:nvPr/>
         </p:nvSpPr>
         <p:spPr>
           <a:xfrm>
-            <a:off x="19478838" y="9500953"/>
+            <a:off x="20021769" y="11055723"/>
             <a:ext cx="926325" cy="540000"/>
           </a:xfrm>
           <a:prstGeom prst="rect">
@@ -8675,7 +8969,7 @@
             <a:pPr algn="ctr"/>
             <a:r>
               <a:rPr lang="ru-RU" sz="700" dirty="0" smtClean="0"/>
-              <a:t>Испанский средиземноморский флот</a:t>
+              <a:t>Вернуться к союзу с Германией</a:t>
             </a:r>
             <a:endParaRPr lang="ru-RU" sz="700" dirty="0"/>
           </a:p>
@@ -8683,13 +8977,13 @@
       </p:sp>
       <p:sp>
         <p:nvSpPr>
-          <p:cNvPr id="155" name="Прямоугольник 154"/>
+          <p:cNvPr id="190" name="Прямоугольник 189"/>
           <p:cNvSpPr/>
           <p:nvPr/>
         </p:nvSpPr>
         <p:spPr>
           <a:xfrm>
-            <a:off x="20536485" y="9500953"/>
+            <a:off x="21591380" y="11052450"/>
             <a:ext cx="926325" cy="540000"/>
           </a:xfrm>
           <a:prstGeom prst="rect">
@@ -8720,29 +9014,21 @@
           <a:p>
             <a:pPr algn="ctr"/>
             <a:r>
-              <a:rPr lang="ru-RU" sz="700" dirty="0" smtClean="0"/>
-              <a:t>Создание </a:t>
-            </a:r>
-            <a:r>
-              <a:rPr lang="ru-RU" sz="700" dirty="0" err="1" smtClean="0"/>
-              <a:t>католико</a:t>
-            </a:r>
-            <a:r>
-              <a:rPr lang="ru-RU" sz="700" dirty="0" smtClean="0"/>
-              <a:t>-монархической общины</a:t>
-            </a:r>
-          </a:p>
-        </p:txBody>
-      </p:sp>
-      <p:sp>
-        <p:nvSpPr>
-          <p:cNvPr id="156" name="Прямоугольник 155"/>
+              <a:rPr lang="ru-RU" sz="700" dirty="0"/>
+              <a:t>Присоединиться к Оси</a:t>
+            </a:r>
+          </a:p>
+        </p:txBody>
+      </p:sp>
+      <p:sp>
+        <p:nvSpPr>
+          <p:cNvPr id="191" name="Прямоугольник 190"/>
           <p:cNvSpPr/>
           <p:nvPr/>
         </p:nvSpPr>
         <p:spPr>
           <a:xfrm>
-            <a:off x="19478838" y="10254896"/>
+            <a:off x="24722280" y="11056041"/>
             <a:ext cx="926325" cy="540000"/>
           </a:xfrm>
           <a:prstGeom prst="rect">
@@ -8774,65 +9060,329 @@
             <a:pPr algn="ctr"/>
             <a:r>
               <a:rPr lang="ru-RU" sz="700" dirty="0" smtClean="0"/>
-              <a:t>Претензии на </a:t>
-            </a:r>
-            <a:r>
-              <a:rPr lang="ru-RU" sz="700" dirty="0" err="1" smtClean="0"/>
-              <a:t>Габсбургские</a:t>
-            </a:r>
-            <a:r>
-              <a:rPr lang="ru-RU" sz="700" dirty="0" smtClean="0"/>
-              <a:t> земли</a:t>
-            </a:r>
-            <a:endParaRPr lang="ru-RU" sz="700" dirty="0"/>
-          </a:p>
-        </p:txBody>
-      </p:sp>
-      <p:cxnSp>
-        <p:nvCxnSpPr>
-          <p:cNvPr id="164" name="Прямая со стрелкой 163"/>
-          <p:cNvCxnSpPr>
-            <a:stCxn id="163" idx="2"/>
-            <a:endCxn id="156" idx="0"/>
-          </p:cNvCxnSpPr>
-          <p:nvPr/>
-        </p:nvCxnSpPr>
-        <p:spPr>
-          <a:xfrm>
-            <a:off x="19942001" y="10040953"/>
-            <a:ext cx="0" cy="213943"/>
-          </a:xfrm>
-          <a:prstGeom prst="straightConnector1">
-            <a:avLst/>
-          </a:prstGeom>
-          <a:ln w="19050">
-            <a:tailEnd type="arrow"/>
-          </a:ln>
-        </p:spPr>
-        <p:style>
-          <a:lnRef idx="1">
-            <a:schemeClr val="accent1"/>
-          </a:lnRef>
-          <a:fillRef idx="0">
-            <a:schemeClr val="accent1"/>
-          </a:fillRef>
-          <a:effectRef idx="0">
-            <a:schemeClr val="accent1"/>
-          </a:effectRef>
-          <a:fontRef idx="minor">
-            <a:schemeClr val="tx1"/>
-          </a:fontRef>
-        </p:style>
-      </p:cxnSp>
-      <p:sp>
-        <p:nvSpPr>
-          <p:cNvPr id="183" name="Прямоугольник 182"/>
+              <a:t>Антиреволюционный союз (наше + «вражда с левым блоком»)</a:t>
+            </a:r>
+          </a:p>
+        </p:txBody>
+      </p:sp>
+      <p:cxnSp>
+        <p:nvCxnSpPr>
+          <p:cNvPr id="201" name="Соединительная линия уступом 124"/>
+          <p:cNvCxnSpPr>
+            <a:stCxn id="124" idx="2"/>
+            <a:endCxn id="187" idx="0"/>
+          </p:cNvCxnSpPr>
+          <p:nvPr/>
+        </p:nvCxnSpPr>
+        <p:spPr>
+          <a:xfrm rot="16200000" flipH="1">
+            <a:off x="23974435" y="10928416"/>
+            <a:ext cx="261076" cy="639"/>
+          </a:xfrm>
+          <a:prstGeom prst="bentConnector3">
+            <a:avLst>
+              <a:gd name="adj1" fmla="val 50000"/>
+            </a:avLst>
+          </a:prstGeom>
+          <a:ln w="19050">
+            <a:tailEnd type="arrow"/>
+          </a:ln>
+        </p:spPr>
+        <p:style>
+          <a:lnRef idx="1">
+            <a:schemeClr val="accent1"/>
+          </a:lnRef>
+          <a:fillRef idx="0">
+            <a:schemeClr val="accent1"/>
+          </a:fillRef>
+          <a:effectRef idx="0">
+            <a:schemeClr val="accent1"/>
+          </a:effectRef>
+          <a:fontRef idx="minor">
+            <a:schemeClr val="tx1"/>
+          </a:fontRef>
+        </p:style>
+      </p:cxnSp>
+      <p:cxnSp>
+        <p:nvCxnSpPr>
+          <p:cNvPr id="203" name="Соединительная линия уступом 124"/>
+          <p:cNvCxnSpPr>
+            <a:stCxn id="183" idx="2"/>
+            <a:endCxn id="190" idx="0"/>
+          </p:cNvCxnSpPr>
+          <p:nvPr/>
+        </p:nvCxnSpPr>
+        <p:spPr>
+          <a:xfrm rot="16200000" flipH="1">
+            <a:off x="21397302" y="10395209"/>
+            <a:ext cx="257806" cy="1056675"/>
+          </a:xfrm>
+          <a:prstGeom prst="bentConnector3">
+            <a:avLst>
+              <a:gd name="adj1" fmla="val 50000"/>
+            </a:avLst>
+          </a:prstGeom>
+          <a:ln w="19050">
+            <a:prstDash val="dash"/>
+            <a:tailEnd type="arrow"/>
+          </a:ln>
+        </p:spPr>
+        <p:style>
+          <a:lnRef idx="1">
+            <a:schemeClr val="accent1"/>
+          </a:lnRef>
+          <a:fillRef idx="0">
+            <a:schemeClr val="accent1"/>
+          </a:fillRef>
+          <a:effectRef idx="0">
+            <a:schemeClr val="accent1"/>
+          </a:effectRef>
+          <a:fontRef idx="minor">
+            <a:schemeClr val="tx1"/>
+          </a:fontRef>
+        </p:style>
+      </p:cxnSp>
+      <p:cxnSp>
+        <p:nvCxnSpPr>
+          <p:cNvPr id="204" name="Соединительная линия уступом 124"/>
+          <p:cNvCxnSpPr>
+            <a:stCxn id="83" idx="2"/>
+            <a:endCxn id="190" idx="0"/>
+          </p:cNvCxnSpPr>
+          <p:nvPr/>
+        </p:nvCxnSpPr>
+        <p:spPr>
+          <a:xfrm rot="5400000">
+            <a:off x="22456527" y="10392660"/>
+            <a:ext cx="257806" cy="1061774"/>
+          </a:xfrm>
+          <a:prstGeom prst="bentConnector3">
+            <a:avLst>
+              <a:gd name="adj1" fmla="val 50000"/>
+            </a:avLst>
+          </a:prstGeom>
+          <a:ln w="19050">
+            <a:prstDash val="dash"/>
+            <a:tailEnd type="arrow"/>
+          </a:ln>
+        </p:spPr>
+        <p:style>
+          <a:lnRef idx="1">
+            <a:schemeClr val="accent1"/>
+          </a:lnRef>
+          <a:fillRef idx="0">
+            <a:schemeClr val="accent1"/>
+          </a:fillRef>
+          <a:effectRef idx="0">
+            <a:schemeClr val="accent1"/>
+          </a:effectRef>
+          <a:fontRef idx="minor">
+            <a:schemeClr val="tx1"/>
+          </a:fontRef>
+        </p:style>
+      </p:cxnSp>
+      <p:cxnSp>
+        <p:nvCxnSpPr>
+          <p:cNvPr id="206" name="Соединительная линия уступом 124"/>
+          <p:cNvCxnSpPr>
+            <a:stCxn id="83" idx="2"/>
+            <a:endCxn id="191" idx="0"/>
+          </p:cNvCxnSpPr>
+          <p:nvPr/>
+        </p:nvCxnSpPr>
+        <p:spPr>
+          <a:xfrm rot="16200000" flipH="1">
+            <a:off x="24020182" y="9890779"/>
+            <a:ext cx="261397" cy="2069126"/>
+          </a:xfrm>
+          <a:prstGeom prst="bentConnector3">
+            <a:avLst>
+              <a:gd name="adj1" fmla="val 50000"/>
+            </a:avLst>
+          </a:prstGeom>
+          <a:ln w="19050">
+            <a:prstDash val="dash"/>
+            <a:tailEnd type="arrow"/>
+          </a:ln>
+        </p:spPr>
+        <p:style>
+          <a:lnRef idx="1">
+            <a:schemeClr val="accent1"/>
+          </a:lnRef>
+          <a:fillRef idx="0">
+            <a:schemeClr val="accent1"/>
+          </a:fillRef>
+          <a:effectRef idx="0">
+            <a:schemeClr val="accent1"/>
+          </a:effectRef>
+          <a:fontRef idx="minor">
+            <a:schemeClr val="tx1"/>
+          </a:fontRef>
+        </p:style>
+      </p:cxnSp>
+      <p:cxnSp>
+        <p:nvCxnSpPr>
+          <p:cNvPr id="210" name="Прямая соединительная линия 209"/>
+          <p:cNvCxnSpPr>
+            <a:stCxn id="190" idx="1"/>
+            <a:endCxn id="189" idx="3"/>
+          </p:cNvCxnSpPr>
+          <p:nvPr/>
+        </p:nvCxnSpPr>
+        <p:spPr>
+          <a:xfrm flipH="1">
+            <a:off x="20948094" y="11322450"/>
+            <a:ext cx="643286" cy="3273"/>
+          </a:xfrm>
+          <a:prstGeom prst="line">
+            <a:avLst/>
+          </a:prstGeom>
+          <a:ln w="19050">
+            <a:solidFill>
+              <a:srgbClr val="FF0000"/>
+            </a:solidFill>
+          </a:ln>
+        </p:spPr>
+        <p:style>
+          <a:lnRef idx="1">
+            <a:schemeClr val="accent1"/>
+          </a:lnRef>
+          <a:fillRef idx="0">
+            <a:schemeClr val="accent1"/>
+          </a:fillRef>
+          <a:effectRef idx="0">
+            <a:schemeClr val="accent1"/>
+          </a:effectRef>
+          <a:fontRef idx="minor">
+            <a:schemeClr val="tx1"/>
+          </a:fontRef>
+        </p:style>
+      </p:cxnSp>
+      <p:cxnSp>
+        <p:nvCxnSpPr>
+          <p:cNvPr id="212" name="Прямая соединительная линия 211"/>
+          <p:cNvCxnSpPr>
+            <a:stCxn id="187" idx="1"/>
+            <a:endCxn id="190" idx="3"/>
+          </p:cNvCxnSpPr>
+          <p:nvPr/>
+        </p:nvCxnSpPr>
+        <p:spPr>
+          <a:xfrm flipH="1" flipV="1">
+            <a:off x="22517705" y="11322450"/>
+            <a:ext cx="1124425" cy="6824"/>
+          </a:xfrm>
+          <a:prstGeom prst="line">
+            <a:avLst/>
+          </a:prstGeom>
+          <a:ln w="19050">
+            <a:solidFill>
+              <a:srgbClr val="FF0000"/>
+            </a:solidFill>
+          </a:ln>
+        </p:spPr>
+        <p:style>
+          <a:lnRef idx="1">
+            <a:schemeClr val="accent1"/>
+          </a:lnRef>
+          <a:fillRef idx="0">
+            <a:schemeClr val="accent1"/>
+          </a:fillRef>
+          <a:effectRef idx="0">
+            <a:schemeClr val="accent1"/>
+          </a:effectRef>
+          <a:fontRef idx="minor">
+            <a:schemeClr val="tx1"/>
+          </a:fontRef>
+        </p:style>
+      </p:cxnSp>
+      <p:cxnSp>
+        <p:nvCxnSpPr>
+          <p:cNvPr id="218" name="Соединительная линия уступом 217"/>
+          <p:cNvCxnSpPr>
+            <a:stCxn id="109" idx="2"/>
+            <a:endCxn id="154" idx="0"/>
+          </p:cNvCxnSpPr>
+          <p:nvPr/>
+        </p:nvCxnSpPr>
+        <p:spPr>
+          <a:xfrm rot="5400000">
+            <a:off x="25088853" y="8291623"/>
+            <a:ext cx="239154" cy="2180455"/>
+          </a:xfrm>
+          <a:prstGeom prst="bentConnector3">
+            <a:avLst>
+              <a:gd name="adj1" fmla="val 50000"/>
+            </a:avLst>
+          </a:prstGeom>
+          <a:ln w="19050">
+            <a:prstDash val="dash"/>
+            <a:tailEnd type="arrow"/>
+          </a:ln>
+        </p:spPr>
+        <p:style>
+          <a:lnRef idx="1">
+            <a:schemeClr val="accent1"/>
+          </a:lnRef>
+          <a:fillRef idx="0">
+            <a:schemeClr val="accent1"/>
+          </a:fillRef>
+          <a:effectRef idx="0">
+            <a:schemeClr val="accent1"/>
+          </a:effectRef>
+          <a:fontRef idx="minor">
+            <a:schemeClr val="tx1"/>
+          </a:fontRef>
+        </p:style>
+      </p:cxnSp>
+      <p:cxnSp>
+        <p:nvCxnSpPr>
+          <p:cNvPr id="221" name="Соединительная линия уступом 220"/>
+          <p:cNvCxnSpPr>
+            <a:stCxn id="110" idx="2"/>
+            <a:endCxn id="154" idx="0"/>
+          </p:cNvCxnSpPr>
+          <p:nvPr/>
+        </p:nvCxnSpPr>
+        <p:spPr>
+          <a:xfrm rot="5400000">
+            <a:off x="26212398" y="7168077"/>
+            <a:ext cx="239154" cy="4427546"/>
+          </a:xfrm>
+          <a:prstGeom prst="bentConnector3">
+            <a:avLst>
+              <a:gd name="adj1" fmla="val 50000"/>
+            </a:avLst>
+          </a:prstGeom>
+          <a:ln w="19050">
+            <a:prstDash val="dash"/>
+            <a:tailEnd type="arrow"/>
+          </a:ln>
+        </p:spPr>
+        <p:style>
+          <a:lnRef idx="1">
+            <a:schemeClr val="accent1"/>
+          </a:lnRef>
+          <a:fillRef idx="0">
+            <a:schemeClr val="accent1"/>
+          </a:fillRef>
+          <a:effectRef idx="0">
+            <a:schemeClr val="accent1"/>
+          </a:effectRef>
+          <a:fontRef idx="minor">
+            <a:schemeClr val="tx1"/>
+          </a:fontRef>
+        </p:style>
+      </p:cxnSp>
+      <p:sp>
+        <p:nvSpPr>
+          <p:cNvPr id="230" name="Прямоугольник 229"/>
           <p:cNvSpPr/>
           <p:nvPr/>
         </p:nvSpPr>
         <p:spPr>
           <a:xfrm>
-            <a:off x="20534705" y="10254644"/>
+            <a:off x="25842315" y="9514541"/>
             <a:ext cx="926325" cy="540000"/>
           </a:xfrm>
           <a:prstGeom prst="rect">
@@ -8864,24 +9414,33 @@
             <a:pPr algn="ctr"/>
             <a:r>
               <a:rPr lang="ru-RU" sz="700" dirty="0" smtClean="0"/>
-              <a:t>Идея превыше всего!</a:t>
-            </a:r>
-          </a:p>
-        </p:txBody>
-      </p:sp>
-      <p:cxnSp>
-        <p:nvCxnSpPr>
-          <p:cNvPr id="184" name="Прямая со стрелкой 183"/>
-          <p:cNvCxnSpPr>
-            <a:stCxn id="155" idx="2"/>
-            <a:endCxn id="183" idx="0"/>
-          </p:cNvCxnSpPr>
-          <p:nvPr/>
-        </p:nvCxnSpPr>
-        <p:spPr>
-          <a:xfrm flipH="1">
-            <a:off x="20997868" y="10040953"/>
-            <a:ext cx="1780" cy="213691"/>
+              <a:t>Забрать трон у </a:t>
+            </a:r>
+            <a:r>
+              <a:rPr lang="ru-RU" sz="700" dirty="0" err="1" smtClean="0"/>
+              <a:t>Виндзоров</a:t>
+            </a:r>
+            <a:r>
+              <a:rPr lang="ru-RU" sz="700" dirty="0" smtClean="0"/>
+              <a:t> (мать Хуана внучка королевы Виктории)</a:t>
+            </a:r>
+            <a:endParaRPr lang="ru-RU" sz="700" dirty="0"/>
+          </a:p>
+        </p:txBody>
+      </p:sp>
+      <p:cxnSp>
+        <p:nvCxnSpPr>
+          <p:cNvPr id="231" name="Прямая со стрелкой 230"/>
+          <p:cNvCxnSpPr>
+            <a:stCxn id="145" idx="2"/>
+            <a:endCxn id="148" idx="0"/>
+          </p:cNvCxnSpPr>
+          <p:nvPr/>
+        </p:nvCxnSpPr>
+        <p:spPr>
+          <a:xfrm>
+            <a:off x="25182342" y="10048610"/>
+            <a:ext cx="1" cy="206034"/>
           </a:xfrm>
           <a:prstGeom prst="straightConnector1">
             <a:avLst/>
@@ -8907,17 +9466,89 @@
       </p:cxnSp>
       <p:cxnSp>
         <p:nvCxnSpPr>
-          <p:cNvPr id="186" name="Соединительная линия уступом 124"/>
-          <p:cNvCxnSpPr>
-            <a:stCxn id="155" idx="2"/>
-            <a:endCxn id="159" idx="0"/>
+          <p:cNvPr id="234" name="Прямая со стрелкой 233"/>
+          <p:cNvCxnSpPr>
+            <a:stCxn id="138" idx="2"/>
+            <a:endCxn id="147" idx="0"/>
+          </p:cNvCxnSpPr>
+          <p:nvPr/>
+        </p:nvCxnSpPr>
+        <p:spPr>
+          <a:xfrm>
+            <a:off x="27422611" y="10047777"/>
+            <a:ext cx="3" cy="206867"/>
+          </a:xfrm>
+          <a:prstGeom prst="straightConnector1">
+            <a:avLst/>
+          </a:prstGeom>
+          <a:ln w="19050">
+            <a:tailEnd type="arrow"/>
+          </a:ln>
+        </p:spPr>
+        <p:style>
+          <a:lnRef idx="1">
+            <a:schemeClr val="accent1"/>
+          </a:lnRef>
+          <a:fillRef idx="0">
+            <a:schemeClr val="accent1"/>
+          </a:fillRef>
+          <a:effectRef idx="0">
+            <a:schemeClr val="accent1"/>
+          </a:effectRef>
+          <a:fontRef idx="minor">
+            <a:schemeClr val="tx1"/>
+          </a:fontRef>
+        </p:style>
+      </p:cxnSp>
+      <p:cxnSp>
+        <p:nvCxnSpPr>
+          <p:cNvPr id="237" name="Прямая со стрелкой 236"/>
+          <p:cNvCxnSpPr>
+            <a:stCxn id="109" idx="2"/>
+            <a:endCxn id="230" idx="0"/>
+          </p:cNvCxnSpPr>
+          <p:nvPr/>
+        </p:nvCxnSpPr>
+        <p:spPr>
+          <a:xfrm>
+            <a:off x="26298657" y="9262273"/>
+            <a:ext cx="6821" cy="252268"/>
+          </a:xfrm>
+          <a:prstGeom prst="straightConnector1">
+            <a:avLst/>
+          </a:prstGeom>
+          <a:ln w="19050">
+            <a:tailEnd type="arrow"/>
+          </a:ln>
+        </p:spPr>
+        <p:style>
+          <a:lnRef idx="1">
+            <a:schemeClr val="accent1"/>
+          </a:lnRef>
+          <a:fillRef idx="0">
+            <a:schemeClr val="accent1"/>
+          </a:fillRef>
+          <a:effectRef idx="0">
+            <a:schemeClr val="accent1"/>
+          </a:effectRef>
+          <a:fontRef idx="minor">
+            <a:schemeClr val="tx1"/>
+          </a:fontRef>
+        </p:style>
+      </p:cxnSp>
+      <p:cxnSp>
+        <p:nvCxnSpPr>
+          <p:cNvPr id="248" name="Соединительная линия уступом 124"/>
+          <p:cNvCxnSpPr>
+            <a:stCxn id="183" idx="2"/>
+            <a:endCxn id="191" idx="0"/>
           </p:cNvCxnSpPr>
           <p:nvPr/>
         </p:nvCxnSpPr>
         <p:spPr>
           <a:xfrm rot="16200000" flipH="1">
-            <a:off x="21421872" y="9618728"/>
-            <a:ext cx="213691" cy="1058139"/>
+            <a:off x="22960957" y="8831554"/>
+            <a:ext cx="261397" cy="4187575"/>
           </a:xfrm>
           <a:prstGeom prst="bentConnector3">
             <a:avLst>
@@ -8944,15 +9575,131 @@
           </a:fontRef>
         </p:style>
       </p:cxnSp>
-      <p:sp>
-        <p:nvSpPr>
-          <p:cNvPr id="187" name="Прямоугольник 186"/>
+      <p:cxnSp>
+        <p:nvCxnSpPr>
+          <p:cNvPr id="251" name="Соединительная линия уступом 124"/>
+          <p:cNvCxnSpPr>
+            <a:stCxn id="142" idx="2"/>
+            <a:endCxn id="191" idx="0"/>
+          </p:cNvCxnSpPr>
+          <p:nvPr/>
+        </p:nvCxnSpPr>
+        <p:spPr>
+          <a:xfrm rot="5400000">
+            <a:off x="25611352" y="10368736"/>
+            <a:ext cx="261397" cy="1113213"/>
+          </a:xfrm>
+          <a:prstGeom prst="bentConnector3">
+            <a:avLst>
+              <a:gd name="adj1" fmla="val 50000"/>
+            </a:avLst>
+          </a:prstGeom>
+          <a:ln w="19050">
+            <a:prstDash val="dash"/>
+            <a:tailEnd type="arrow"/>
+          </a:ln>
+        </p:spPr>
+        <p:style>
+          <a:lnRef idx="1">
+            <a:schemeClr val="accent1"/>
+          </a:lnRef>
+          <a:fillRef idx="0">
+            <a:schemeClr val="accent1"/>
+          </a:fillRef>
+          <a:effectRef idx="0">
+            <a:schemeClr val="accent1"/>
+          </a:effectRef>
+          <a:fontRef idx="minor">
+            <a:schemeClr val="tx1"/>
+          </a:fontRef>
+        </p:style>
+      </p:cxnSp>
+      <p:cxnSp>
+        <p:nvCxnSpPr>
+          <p:cNvPr id="254" name="Соединительная линия уступом 124"/>
+          <p:cNvCxnSpPr>
+            <a:stCxn id="179" idx="2"/>
+            <a:endCxn id="191" idx="0"/>
+          </p:cNvCxnSpPr>
+          <p:nvPr/>
+        </p:nvCxnSpPr>
+        <p:spPr>
+          <a:xfrm rot="5400000">
+            <a:off x="26734898" y="9245189"/>
+            <a:ext cx="261397" cy="3360306"/>
+          </a:xfrm>
+          <a:prstGeom prst="bentConnector3">
+            <a:avLst>
+              <a:gd name="adj1" fmla="val 50000"/>
+            </a:avLst>
+          </a:prstGeom>
+          <a:ln w="19050">
+            <a:prstDash val="dash"/>
+            <a:tailEnd type="arrow"/>
+          </a:ln>
+        </p:spPr>
+        <p:style>
+          <a:lnRef idx="1">
+            <a:schemeClr val="accent1"/>
+          </a:lnRef>
+          <a:fillRef idx="0">
+            <a:schemeClr val="accent1"/>
+          </a:fillRef>
+          <a:effectRef idx="0">
+            <a:schemeClr val="accent1"/>
+          </a:effectRef>
+          <a:fontRef idx="minor">
+            <a:schemeClr val="tx1"/>
+          </a:fontRef>
+        </p:style>
+      </p:cxnSp>
+      <p:cxnSp>
+        <p:nvCxnSpPr>
+          <p:cNvPr id="257" name="Прямая соединительная линия 256"/>
+          <p:cNvCxnSpPr>
+            <a:stCxn id="191" idx="1"/>
+            <a:endCxn id="187" idx="3"/>
+          </p:cNvCxnSpPr>
+          <p:nvPr/>
+        </p:nvCxnSpPr>
+        <p:spPr>
+          <a:xfrm flipH="1">
+            <a:off x="24568455" y="11326041"/>
+            <a:ext cx="153825" cy="3233"/>
+          </a:xfrm>
+          <a:prstGeom prst="line">
+            <a:avLst/>
+          </a:prstGeom>
+          <a:ln w="19050">
+            <a:solidFill>
+              <a:srgbClr val="FF0000"/>
+            </a:solidFill>
+          </a:ln>
+        </p:spPr>
+        <p:style>
+          <a:lnRef idx="1">
+            <a:schemeClr val="accent1"/>
+          </a:lnRef>
+          <a:fillRef idx="0">
+            <a:schemeClr val="accent1"/>
+          </a:fillRef>
+          <a:effectRef idx="0">
+            <a:schemeClr val="accent1"/>
+          </a:effectRef>
+          <a:fontRef idx="minor">
+            <a:schemeClr val="tx1"/>
+          </a:fontRef>
+        </p:style>
+      </p:cxnSp>
+      <p:sp>
+        <p:nvSpPr>
+          <p:cNvPr id="260" name="Прямоугольник 259"/>
           <p:cNvSpPr/>
           <p:nvPr/>
         </p:nvSpPr>
         <p:spPr>
           <a:xfrm>
-            <a:off x="22652050" y="11053297"/>
+            <a:off x="26963039" y="11056041"/>
             <a:ext cx="926325" cy="540000"/>
           </a:xfrm>
           <a:prstGeom prst="rect">
@@ -8984,861 +9731,11 @@
             <a:pPr algn="ctr"/>
             <a:r>
               <a:rPr lang="ru-RU" sz="700" dirty="0" smtClean="0"/>
-              <a:t>Заключить </a:t>
-            </a:r>
-            <a:r>
-              <a:rPr lang="ru-RU" sz="700" dirty="0" err="1" smtClean="0"/>
-              <a:t>Виндзорский</a:t>
+              <a:t>Союз с </a:t>
             </a:r>
             <a:r>
               <a:rPr lang="ru-RU" sz="700" dirty="0" smtClean="0"/>
-              <a:t> пакт от новой династии</a:t>
-            </a:r>
-            <a:endParaRPr lang="ru-RU" sz="700" dirty="0"/>
-          </a:p>
-        </p:txBody>
-      </p:sp>
-      <p:sp>
-        <p:nvSpPr>
-          <p:cNvPr id="189" name="Прямоугольник 188"/>
-          <p:cNvSpPr/>
-          <p:nvPr/>
-        </p:nvSpPr>
-        <p:spPr>
-          <a:xfrm>
-            <a:off x="20532963" y="11055375"/>
-            <a:ext cx="926325" cy="540000"/>
-          </a:xfrm>
-          <a:prstGeom prst="rect">
-            <a:avLst/>
-          </a:prstGeom>
-          <a:solidFill>
-            <a:srgbClr val="7030A0"/>
-          </a:solidFill>
-          <a:ln w="19050"/>
-        </p:spPr>
-        <p:style>
-          <a:lnRef idx="2">
-            <a:schemeClr val="accent1"/>
-          </a:lnRef>
-          <a:fillRef idx="1">
-            <a:schemeClr val="lt1"/>
-          </a:fillRef>
-          <a:effectRef idx="0">
-            <a:schemeClr val="accent1"/>
-          </a:effectRef>
-          <a:fontRef idx="minor">
-            <a:schemeClr val="dk1"/>
-          </a:fontRef>
-        </p:style>
-        <p:txBody>
-          <a:bodyPr lIns="124733" tIns="62367" rIns="124733" bIns="62367" rtlCol="0" anchor="ctr"/>
-          <a:lstStyle/>
-          <a:p>
-            <a:pPr algn="ctr"/>
-            <a:r>
-              <a:rPr lang="ru-RU" sz="700" dirty="0" smtClean="0"/>
-              <a:t>Вернуться к союзу с Германией</a:t>
-            </a:r>
-            <a:endParaRPr lang="ru-RU" sz="700" dirty="0"/>
-          </a:p>
-        </p:txBody>
-      </p:sp>
-      <p:sp>
-        <p:nvSpPr>
-          <p:cNvPr id="190" name="Прямоугольник 189"/>
-          <p:cNvSpPr/>
-          <p:nvPr/>
-        </p:nvSpPr>
-        <p:spPr>
-          <a:xfrm>
-            <a:off x="21610002" y="11053923"/>
-            <a:ext cx="926325" cy="540000"/>
-          </a:xfrm>
-          <a:prstGeom prst="rect">
-            <a:avLst/>
-          </a:prstGeom>
-          <a:solidFill>
-            <a:srgbClr val="7030A0"/>
-          </a:solidFill>
-          <a:ln w="19050"/>
-        </p:spPr>
-        <p:style>
-          <a:lnRef idx="2">
-            <a:schemeClr val="accent1"/>
-          </a:lnRef>
-          <a:fillRef idx="1">
-            <a:schemeClr val="lt1"/>
-          </a:fillRef>
-          <a:effectRef idx="0">
-            <a:schemeClr val="accent1"/>
-          </a:effectRef>
-          <a:fontRef idx="minor">
-            <a:schemeClr val="dk1"/>
-          </a:fontRef>
-        </p:style>
-        <p:txBody>
-          <a:bodyPr lIns="124733" tIns="62367" rIns="124733" bIns="62367" rtlCol="0" anchor="ctr"/>
-          <a:lstStyle/>
-          <a:p>
-            <a:pPr algn="ctr"/>
-            <a:r>
-              <a:rPr lang="ru-RU" sz="700" dirty="0"/>
-              <a:t>Присоединиться к Оси</a:t>
-            </a:r>
-          </a:p>
-        </p:txBody>
-      </p:sp>
-      <p:sp>
-        <p:nvSpPr>
-          <p:cNvPr id="191" name="Прямоугольник 190"/>
-          <p:cNvSpPr/>
-          <p:nvPr/>
-        </p:nvSpPr>
-        <p:spPr>
-          <a:xfrm>
-            <a:off x="24722280" y="11056041"/>
-            <a:ext cx="926325" cy="540000"/>
-          </a:xfrm>
-          <a:prstGeom prst="rect">
-            <a:avLst/>
-          </a:prstGeom>
-          <a:solidFill>
-            <a:srgbClr val="7030A0"/>
-          </a:solidFill>
-          <a:ln w="19050"/>
-        </p:spPr>
-        <p:style>
-          <a:lnRef idx="2">
-            <a:schemeClr val="accent1"/>
-          </a:lnRef>
-          <a:fillRef idx="1">
-            <a:schemeClr val="lt1"/>
-          </a:fillRef>
-          <a:effectRef idx="0">
-            <a:schemeClr val="accent1"/>
-          </a:effectRef>
-          <a:fontRef idx="minor">
-            <a:schemeClr val="dk1"/>
-          </a:fontRef>
-        </p:style>
-        <p:txBody>
-          <a:bodyPr lIns="124733" tIns="62367" rIns="124733" bIns="62367" rtlCol="0" anchor="ctr"/>
-          <a:lstStyle/>
-          <a:p>
-            <a:pPr algn="ctr"/>
-            <a:r>
-              <a:rPr lang="ru-RU" sz="700" dirty="0" smtClean="0"/>
-              <a:t>Антиреволюционный союз (наше + «вражда с левым блоком»)</a:t>
-            </a:r>
-          </a:p>
-        </p:txBody>
-      </p:sp>
-      <p:cxnSp>
-        <p:nvCxnSpPr>
-          <p:cNvPr id="201" name="Соединительная линия уступом 124"/>
-          <p:cNvCxnSpPr>
-            <a:stCxn id="124" idx="2"/>
-            <a:endCxn id="187" idx="0"/>
-          </p:cNvCxnSpPr>
-          <p:nvPr/>
-        </p:nvCxnSpPr>
-        <p:spPr>
-          <a:xfrm rot="5400000">
-            <a:off x="23482385" y="10431027"/>
-            <a:ext cx="255099" cy="989441"/>
-          </a:xfrm>
-          <a:prstGeom prst="bentConnector3">
-            <a:avLst>
-              <a:gd name="adj1" fmla="val 50000"/>
-            </a:avLst>
-          </a:prstGeom>
-          <a:ln w="19050">
-            <a:tailEnd type="arrow"/>
-          </a:ln>
-        </p:spPr>
-        <p:style>
-          <a:lnRef idx="1">
-            <a:schemeClr val="accent1"/>
-          </a:lnRef>
-          <a:fillRef idx="0">
-            <a:schemeClr val="accent1"/>
-          </a:fillRef>
-          <a:effectRef idx="0">
-            <a:schemeClr val="accent1"/>
-          </a:effectRef>
-          <a:fontRef idx="minor">
-            <a:schemeClr val="tx1"/>
-          </a:fontRef>
-        </p:style>
-      </p:cxnSp>
-      <p:cxnSp>
-        <p:nvCxnSpPr>
-          <p:cNvPr id="203" name="Соединительная линия уступом 124"/>
-          <p:cNvCxnSpPr>
-            <a:stCxn id="183" idx="2"/>
-            <a:endCxn id="190" idx="0"/>
-          </p:cNvCxnSpPr>
-          <p:nvPr/>
-        </p:nvCxnSpPr>
-        <p:spPr>
-          <a:xfrm rot="16200000" flipH="1">
-            <a:off x="21405877" y="10386634"/>
-            <a:ext cx="259279" cy="1075297"/>
-          </a:xfrm>
-          <a:prstGeom prst="bentConnector3">
-            <a:avLst>
-              <a:gd name="adj1" fmla="val 50000"/>
-            </a:avLst>
-          </a:prstGeom>
-          <a:ln w="19050">
-            <a:prstDash val="dash"/>
-            <a:tailEnd type="arrow"/>
-          </a:ln>
-        </p:spPr>
-        <p:style>
-          <a:lnRef idx="1">
-            <a:schemeClr val="accent1"/>
-          </a:lnRef>
-          <a:fillRef idx="0">
-            <a:schemeClr val="accent1"/>
-          </a:fillRef>
-          <a:effectRef idx="0">
-            <a:schemeClr val="accent1"/>
-          </a:effectRef>
-          <a:fontRef idx="minor">
-            <a:schemeClr val="tx1"/>
-          </a:fontRef>
-        </p:style>
-      </p:cxnSp>
-      <p:cxnSp>
-        <p:nvCxnSpPr>
-          <p:cNvPr id="204" name="Соединительная линия уступом 124"/>
-          <p:cNvCxnSpPr>
-            <a:stCxn id="83" idx="2"/>
-            <a:endCxn id="190" idx="0"/>
-          </p:cNvCxnSpPr>
-          <p:nvPr/>
-        </p:nvCxnSpPr>
-        <p:spPr>
-          <a:xfrm rot="5400000">
-            <a:off x="22465102" y="10402707"/>
-            <a:ext cx="259279" cy="1043152"/>
-          </a:xfrm>
-          <a:prstGeom prst="bentConnector3">
-            <a:avLst>
-              <a:gd name="adj1" fmla="val 50000"/>
-            </a:avLst>
-          </a:prstGeom>
-          <a:ln w="19050">
-            <a:prstDash val="dash"/>
-            <a:tailEnd type="arrow"/>
-          </a:ln>
-        </p:spPr>
-        <p:style>
-          <a:lnRef idx="1">
-            <a:schemeClr val="accent1"/>
-          </a:lnRef>
-          <a:fillRef idx="0">
-            <a:schemeClr val="accent1"/>
-          </a:fillRef>
-          <a:effectRef idx="0">
-            <a:schemeClr val="accent1"/>
-          </a:effectRef>
-          <a:fontRef idx="minor">
-            <a:schemeClr val="tx1"/>
-          </a:fontRef>
-        </p:style>
-      </p:cxnSp>
-      <p:cxnSp>
-        <p:nvCxnSpPr>
-          <p:cNvPr id="206" name="Соединительная линия уступом 124"/>
-          <p:cNvCxnSpPr>
-            <a:stCxn id="83" idx="2"/>
-            <a:endCxn id="191" idx="0"/>
-          </p:cNvCxnSpPr>
-          <p:nvPr/>
-        </p:nvCxnSpPr>
-        <p:spPr>
-          <a:xfrm rot="16200000" flipH="1">
-            <a:off x="24020182" y="9890779"/>
-            <a:ext cx="261397" cy="2069126"/>
-          </a:xfrm>
-          <a:prstGeom prst="bentConnector3">
-            <a:avLst>
-              <a:gd name="adj1" fmla="val 50000"/>
-            </a:avLst>
-          </a:prstGeom>
-          <a:ln w="19050">
-            <a:prstDash val="dash"/>
-            <a:tailEnd type="arrow"/>
-          </a:ln>
-        </p:spPr>
-        <p:style>
-          <a:lnRef idx="1">
-            <a:schemeClr val="accent1"/>
-          </a:lnRef>
-          <a:fillRef idx="0">
-            <a:schemeClr val="accent1"/>
-          </a:fillRef>
-          <a:effectRef idx="0">
-            <a:schemeClr val="accent1"/>
-          </a:effectRef>
-          <a:fontRef idx="minor">
-            <a:schemeClr val="tx1"/>
-          </a:fontRef>
-        </p:style>
-      </p:cxnSp>
-      <p:cxnSp>
-        <p:nvCxnSpPr>
-          <p:cNvPr id="210" name="Прямая соединительная линия 209"/>
-          <p:cNvCxnSpPr>
-            <a:stCxn id="190" idx="1"/>
-            <a:endCxn id="189" idx="3"/>
-          </p:cNvCxnSpPr>
-          <p:nvPr/>
-        </p:nvCxnSpPr>
-        <p:spPr>
-          <a:xfrm flipH="1">
-            <a:off x="21459288" y="11323923"/>
-            <a:ext cx="150714" cy="1452"/>
-          </a:xfrm>
-          <a:prstGeom prst="line">
-            <a:avLst/>
-          </a:prstGeom>
-          <a:ln w="19050">
-            <a:solidFill>
-              <a:srgbClr val="FF0000"/>
-            </a:solidFill>
-          </a:ln>
-        </p:spPr>
-        <p:style>
-          <a:lnRef idx="1">
-            <a:schemeClr val="accent1"/>
-          </a:lnRef>
-          <a:fillRef idx="0">
-            <a:schemeClr val="accent1"/>
-          </a:fillRef>
-          <a:effectRef idx="0">
-            <a:schemeClr val="accent1"/>
-          </a:effectRef>
-          <a:fontRef idx="minor">
-            <a:schemeClr val="tx1"/>
-          </a:fontRef>
-        </p:style>
-      </p:cxnSp>
-      <p:cxnSp>
-        <p:nvCxnSpPr>
-          <p:cNvPr id="212" name="Прямая соединительная линия 211"/>
-          <p:cNvCxnSpPr>
-            <a:stCxn id="187" idx="1"/>
-            <a:endCxn id="190" idx="3"/>
-          </p:cNvCxnSpPr>
-          <p:nvPr/>
-        </p:nvCxnSpPr>
-        <p:spPr>
-          <a:xfrm flipH="1">
-            <a:off x="22536327" y="11323297"/>
-            <a:ext cx="115723" cy="626"/>
-          </a:xfrm>
-          <a:prstGeom prst="line">
-            <a:avLst/>
-          </a:prstGeom>
-          <a:ln w="19050">
-            <a:solidFill>
-              <a:srgbClr val="FF0000"/>
-            </a:solidFill>
-          </a:ln>
-        </p:spPr>
-        <p:style>
-          <a:lnRef idx="1">
-            <a:schemeClr val="accent1"/>
-          </a:lnRef>
-          <a:fillRef idx="0">
-            <a:schemeClr val="accent1"/>
-          </a:fillRef>
-          <a:effectRef idx="0">
-            <a:schemeClr val="accent1"/>
-          </a:effectRef>
-          <a:fontRef idx="minor">
-            <a:schemeClr val="tx1"/>
-          </a:fontRef>
-        </p:style>
-      </p:cxnSp>
-      <p:cxnSp>
-        <p:nvCxnSpPr>
-          <p:cNvPr id="213" name="Прямая соединительная линия 212"/>
-          <p:cNvCxnSpPr>
-            <a:stCxn id="132" idx="1"/>
-            <a:endCxn id="187" idx="3"/>
-          </p:cNvCxnSpPr>
-          <p:nvPr/>
-        </p:nvCxnSpPr>
-        <p:spPr>
-          <a:xfrm flipH="1" flipV="1">
-            <a:off x="23578375" y="11323297"/>
-            <a:ext cx="63116" cy="142"/>
-          </a:xfrm>
-          <a:prstGeom prst="line">
-            <a:avLst/>
-          </a:prstGeom>
-          <a:ln w="19050">
-            <a:solidFill>
-              <a:srgbClr val="FF0000"/>
-            </a:solidFill>
-          </a:ln>
-        </p:spPr>
-        <p:style>
-          <a:lnRef idx="1">
-            <a:schemeClr val="accent1"/>
-          </a:lnRef>
-          <a:fillRef idx="0">
-            <a:schemeClr val="accent1"/>
-          </a:fillRef>
-          <a:effectRef idx="0">
-            <a:schemeClr val="accent1"/>
-          </a:effectRef>
-          <a:fontRef idx="minor">
-            <a:schemeClr val="tx1"/>
-          </a:fontRef>
-        </p:style>
-      </p:cxnSp>
-      <p:cxnSp>
-        <p:nvCxnSpPr>
-          <p:cNvPr id="218" name="Соединительная линия уступом 217"/>
-          <p:cNvCxnSpPr>
-            <a:stCxn id="109" idx="2"/>
-            <a:endCxn id="154" idx="0"/>
-          </p:cNvCxnSpPr>
-          <p:nvPr/>
-        </p:nvCxnSpPr>
-        <p:spPr>
-          <a:xfrm rot="5400000">
-            <a:off x="25088853" y="8291623"/>
-            <a:ext cx="239154" cy="2180455"/>
-          </a:xfrm>
-          <a:prstGeom prst="bentConnector3">
-            <a:avLst>
-              <a:gd name="adj1" fmla="val 50000"/>
-            </a:avLst>
-          </a:prstGeom>
-          <a:ln w="19050">
-            <a:prstDash val="dash"/>
-            <a:tailEnd type="arrow"/>
-          </a:ln>
-        </p:spPr>
-        <p:style>
-          <a:lnRef idx="1">
-            <a:schemeClr val="accent1"/>
-          </a:lnRef>
-          <a:fillRef idx="0">
-            <a:schemeClr val="accent1"/>
-          </a:fillRef>
-          <a:effectRef idx="0">
-            <a:schemeClr val="accent1"/>
-          </a:effectRef>
-          <a:fontRef idx="minor">
-            <a:schemeClr val="tx1"/>
-          </a:fontRef>
-        </p:style>
-      </p:cxnSp>
-      <p:cxnSp>
-        <p:nvCxnSpPr>
-          <p:cNvPr id="221" name="Соединительная линия уступом 220"/>
-          <p:cNvCxnSpPr>
-            <a:stCxn id="110" idx="2"/>
-            <a:endCxn id="154" idx="0"/>
-          </p:cNvCxnSpPr>
-          <p:nvPr/>
-        </p:nvCxnSpPr>
-        <p:spPr>
-          <a:xfrm rot="5400000">
-            <a:off x="26212398" y="7168077"/>
-            <a:ext cx="239154" cy="4427546"/>
-          </a:xfrm>
-          <a:prstGeom prst="bentConnector3">
-            <a:avLst>
-              <a:gd name="adj1" fmla="val 50000"/>
-            </a:avLst>
-          </a:prstGeom>
-          <a:ln w="19050">
-            <a:prstDash val="dash"/>
-            <a:tailEnd type="arrow"/>
-          </a:ln>
-        </p:spPr>
-        <p:style>
-          <a:lnRef idx="1">
-            <a:schemeClr val="accent1"/>
-          </a:lnRef>
-          <a:fillRef idx="0">
-            <a:schemeClr val="accent1"/>
-          </a:fillRef>
-          <a:effectRef idx="0">
-            <a:schemeClr val="accent1"/>
-          </a:effectRef>
-          <a:fontRef idx="minor">
-            <a:schemeClr val="tx1"/>
-          </a:fontRef>
-        </p:style>
-      </p:cxnSp>
-      <p:sp>
-        <p:nvSpPr>
-          <p:cNvPr id="230" name="Прямоугольник 229"/>
-          <p:cNvSpPr/>
-          <p:nvPr/>
-        </p:nvSpPr>
-        <p:spPr>
-          <a:xfrm>
-            <a:off x="25842315" y="9514541"/>
-            <a:ext cx="926325" cy="540000"/>
-          </a:xfrm>
-          <a:prstGeom prst="rect">
-            <a:avLst/>
-          </a:prstGeom>
-          <a:solidFill>
-            <a:srgbClr val="7030A0"/>
-          </a:solidFill>
-          <a:ln w="19050"/>
-        </p:spPr>
-        <p:style>
-          <a:lnRef idx="2">
-            <a:schemeClr val="accent1"/>
-          </a:lnRef>
-          <a:fillRef idx="1">
-            <a:schemeClr val="lt1"/>
-          </a:fillRef>
-          <a:effectRef idx="0">
-            <a:schemeClr val="accent1"/>
-          </a:effectRef>
-          <a:fontRef idx="minor">
-            <a:schemeClr val="dk1"/>
-          </a:fontRef>
-        </p:style>
-        <p:txBody>
-          <a:bodyPr lIns="124733" tIns="62367" rIns="124733" bIns="62367" rtlCol="0" anchor="ctr"/>
-          <a:lstStyle/>
-          <a:p>
-            <a:pPr algn="ctr"/>
-            <a:r>
-              <a:rPr lang="ru-RU" sz="700" dirty="0" smtClean="0"/>
-              <a:t>Забрать трон у </a:t>
-            </a:r>
-            <a:r>
-              <a:rPr lang="ru-RU" sz="700" dirty="0" err="1" smtClean="0"/>
-              <a:t>Виндзоров</a:t>
-            </a:r>
-            <a:r>
-              <a:rPr lang="ru-RU" sz="700" dirty="0" smtClean="0"/>
-              <a:t> (мать Хуана внучка королевы Виктории)</a:t>
-            </a:r>
-            <a:endParaRPr lang="ru-RU" sz="700" dirty="0"/>
-          </a:p>
-        </p:txBody>
-      </p:sp>
-      <p:cxnSp>
-        <p:nvCxnSpPr>
-          <p:cNvPr id="231" name="Прямая со стрелкой 230"/>
-          <p:cNvCxnSpPr>
-            <a:stCxn id="145" idx="2"/>
-            <a:endCxn id="148" idx="0"/>
-          </p:cNvCxnSpPr>
-          <p:nvPr/>
-        </p:nvCxnSpPr>
-        <p:spPr>
-          <a:xfrm>
-            <a:off x="25182342" y="10048610"/>
-            <a:ext cx="1" cy="206034"/>
-          </a:xfrm>
-          <a:prstGeom prst="straightConnector1">
-            <a:avLst/>
-          </a:prstGeom>
-          <a:ln w="19050">
-            <a:tailEnd type="arrow"/>
-          </a:ln>
-        </p:spPr>
-        <p:style>
-          <a:lnRef idx="1">
-            <a:schemeClr val="accent1"/>
-          </a:lnRef>
-          <a:fillRef idx="0">
-            <a:schemeClr val="accent1"/>
-          </a:fillRef>
-          <a:effectRef idx="0">
-            <a:schemeClr val="accent1"/>
-          </a:effectRef>
-          <a:fontRef idx="minor">
-            <a:schemeClr val="tx1"/>
-          </a:fontRef>
-        </p:style>
-      </p:cxnSp>
-      <p:cxnSp>
-        <p:nvCxnSpPr>
-          <p:cNvPr id="234" name="Прямая со стрелкой 233"/>
-          <p:cNvCxnSpPr>
-            <a:stCxn id="138" idx="2"/>
-            <a:endCxn id="147" idx="0"/>
-          </p:cNvCxnSpPr>
-          <p:nvPr/>
-        </p:nvCxnSpPr>
-        <p:spPr>
-          <a:xfrm>
-            <a:off x="27422611" y="10047777"/>
-            <a:ext cx="3" cy="206867"/>
-          </a:xfrm>
-          <a:prstGeom prst="straightConnector1">
-            <a:avLst/>
-          </a:prstGeom>
-          <a:ln w="19050">
-            <a:tailEnd type="arrow"/>
-          </a:ln>
-        </p:spPr>
-        <p:style>
-          <a:lnRef idx="1">
-            <a:schemeClr val="accent1"/>
-          </a:lnRef>
-          <a:fillRef idx="0">
-            <a:schemeClr val="accent1"/>
-          </a:fillRef>
-          <a:effectRef idx="0">
-            <a:schemeClr val="accent1"/>
-          </a:effectRef>
-          <a:fontRef idx="minor">
-            <a:schemeClr val="tx1"/>
-          </a:fontRef>
-        </p:style>
-      </p:cxnSp>
-      <p:cxnSp>
-        <p:nvCxnSpPr>
-          <p:cNvPr id="237" name="Прямая со стрелкой 236"/>
-          <p:cNvCxnSpPr>
-            <a:stCxn id="109" idx="2"/>
-            <a:endCxn id="230" idx="0"/>
-          </p:cNvCxnSpPr>
-          <p:nvPr/>
-        </p:nvCxnSpPr>
-        <p:spPr>
-          <a:xfrm>
-            <a:off x="26298657" y="9262273"/>
-            <a:ext cx="6821" cy="252268"/>
-          </a:xfrm>
-          <a:prstGeom prst="straightConnector1">
-            <a:avLst/>
-          </a:prstGeom>
-          <a:ln w="19050">
-            <a:tailEnd type="arrow"/>
-          </a:ln>
-        </p:spPr>
-        <p:style>
-          <a:lnRef idx="1">
-            <a:schemeClr val="accent1"/>
-          </a:lnRef>
-          <a:fillRef idx="0">
-            <a:schemeClr val="accent1"/>
-          </a:fillRef>
-          <a:effectRef idx="0">
-            <a:schemeClr val="accent1"/>
-          </a:effectRef>
-          <a:fontRef idx="minor">
-            <a:schemeClr val="tx1"/>
-          </a:fontRef>
-        </p:style>
-      </p:cxnSp>
-      <p:cxnSp>
-        <p:nvCxnSpPr>
-          <p:cNvPr id="248" name="Соединительная линия уступом 124"/>
-          <p:cNvCxnSpPr>
-            <a:stCxn id="183" idx="2"/>
-            <a:endCxn id="191" idx="0"/>
-          </p:cNvCxnSpPr>
-          <p:nvPr/>
-        </p:nvCxnSpPr>
-        <p:spPr>
-          <a:xfrm rot="16200000" flipH="1">
-            <a:off x="22960957" y="8831554"/>
-            <a:ext cx="261397" cy="4187575"/>
-          </a:xfrm>
-          <a:prstGeom prst="bentConnector3">
-            <a:avLst>
-              <a:gd name="adj1" fmla="val 50000"/>
-            </a:avLst>
-          </a:prstGeom>
-          <a:ln w="19050">
-            <a:prstDash val="dash"/>
-            <a:tailEnd type="arrow"/>
-          </a:ln>
-        </p:spPr>
-        <p:style>
-          <a:lnRef idx="1">
-            <a:schemeClr val="accent1"/>
-          </a:lnRef>
-          <a:fillRef idx="0">
-            <a:schemeClr val="accent1"/>
-          </a:fillRef>
-          <a:effectRef idx="0">
-            <a:schemeClr val="accent1"/>
-          </a:effectRef>
-          <a:fontRef idx="minor">
-            <a:schemeClr val="tx1"/>
-          </a:fontRef>
-        </p:style>
-      </p:cxnSp>
-      <p:cxnSp>
-        <p:nvCxnSpPr>
-          <p:cNvPr id="251" name="Соединительная линия уступом 124"/>
-          <p:cNvCxnSpPr>
-            <a:stCxn id="142" idx="2"/>
-            <a:endCxn id="191" idx="0"/>
-          </p:cNvCxnSpPr>
-          <p:nvPr/>
-        </p:nvCxnSpPr>
-        <p:spPr>
-          <a:xfrm rot="5400000">
-            <a:off x="25611352" y="10368736"/>
-            <a:ext cx="261397" cy="1113213"/>
-          </a:xfrm>
-          <a:prstGeom prst="bentConnector3">
-            <a:avLst>
-              <a:gd name="adj1" fmla="val 50000"/>
-            </a:avLst>
-          </a:prstGeom>
-          <a:ln w="19050">
-            <a:prstDash val="dash"/>
-            <a:tailEnd type="arrow"/>
-          </a:ln>
-        </p:spPr>
-        <p:style>
-          <a:lnRef idx="1">
-            <a:schemeClr val="accent1"/>
-          </a:lnRef>
-          <a:fillRef idx="0">
-            <a:schemeClr val="accent1"/>
-          </a:fillRef>
-          <a:effectRef idx="0">
-            <a:schemeClr val="accent1"/>
-          </a:effectRef>
-          <a:fontRef idx="minor">
-            <a:schemeClr val="tx1"/>
-          </a:fontRef>
-        </p:style>
-      </p:cxnSp>
-      <p:cxnSp>
-        <p:nvCxnSpPr>
-          <p:cNvPr id="254" name="Соединительная линия уступом 124"/>
-          <p:cNvCxnSpPr>
-            <a:stCxn id="179" idx="2"/>
-            <a:endCxn id="191" idx="0"/>
-          </p:cNvCxnSpPr>
-          <p:nvPr/>
-        </p:nvCxnSpPr>
-        <p:spPr>
-          <a:xfrm rot="5400000">
-            <a:off x="26734898" y="9245189"/>
-            <a:ext cx="261397" cy="3360306"/>
-          </a:xfrm>
-          <a:prstGeom prst="bentConnector3">
-            <a:avLst>
-              <a:gd name="adj1" fmla="val 50000"/>
-            </a:avLst>
-          </a:prstGeom>
-          <a:ln w="19050">
-            <a:prstDash val="dash"/>
-            <a:tailEnd type="arrow"/>
-          </a:ln>
-        </p:spPr>
-        <p:style>
-          <a:lnRef idx="1">
-            <a:schemeClr val="accent1"/>
-          </a:lnRef>
-          <a:fillRef idx="0">
-            <a:schemeClr val="accent1"/>
-          </a:fillRef>
-          <a:effectRef idx="0">
-            <a:schemeClr val="accent1"/>
-          </a:effectRef>
-          <a:fontRef idx="minor">
-            <a:schemeClr val="tx1"/>
-          </a:fontRef>
-        </p:style>
-      </p:cxnSp>
-      <p:cxnSp>
-        <p:nvCxnSpPr>
-          <p:cNvPr id="257" name="Прямая соединительная линия 256"/>
-          <p:cNvCxnSpPr>
-            <a:stCxn id="191" idx="1"/>
-            <a:endCxn id="132" idx="3"/>
-          </p:cNvCxnSpPr>
-          <p:nvPr/>
-        </p:nvCxnSpPr>
-        <p:spPr>
-          <a:xfrm flipH="1" flipV="1">
-            <a:off x="24567816" y="11323439"/>
-            <a:ext cx="154464" cy="2602"/>
-          </a:xfrm>
-          <a:prstGeom prst="line">
-            <a:avLst/>
-          </a:prstGeom>
-          <a:ln w="19050">
-            <a:solidFill>
-              <a:srgbClr val="FF0000"/>
-            </a:solidFill>
-          </a:ln>
-        </p:spPr>
-        <p:style>
-          <a:lnRef idx="1">
-            <a:schemeClr val="accent1"/>
-          </a:lnRef>
-          <a:fillRef idx="0">
-            <a:schemeClr val="accent1"/>
-          </a:fillRef>
-          <a:effectRef idx="0">
-            <a:schemeClr val="accent1"/>
-          </a:effectRef>
-          <a:fontRef idx="minor">
-            <a:schemeClr val="tx1"/>
-          </a:fontRef>
-        </p:style>
-      </p:cxnSp>
-      <p:sp>
-        <p:nvSpPr>
-          <p:cNvPr id="260" name="Прямоугольник 259"/>
-          <p:cNvSpPr/>
-          <p:nvPr/>
-        </p:nvSpPr>
-        <p:spPr>
-          <a:xfrm>
-            <a:off x="26963039" y="11056041"/>
-            <a:ext cx="926325" cy="540000"/>
-          </a:xfrm>
-          <a:prstGeom prst="rect">
-            <a:avLst/>
-          </a:prstGeom>
-          <a:solidFill>
-            <a:srgbClr val="7030A0"/>
-          </a:solidFill>
-          <a:ln w="19050"/>
-        </p:spPr>
-        <p:style>
-          <a:lnRef idx="2">
-            <a:schemeClr val="accent1"/>
-          </a:lnRef>
-          <a:fillRef idx="1">
-            <a:schemeClr val="lt1"/>
-          </a:fillRef>
-          <a:effectRef idx="0">
-            <a:schemeClr val="accent1"/>
-          </a:effectRef>
-          <a:fontRef idx="minor">
-            <a:schemeClr val="dk1"/>
-          </a:fontRef>
-        </p:style>
-        <p:txBody>
-          <a:bodyPr lIns="124733" tIns="62367" rIns="124733" bIns="62367" rtlCol="0" anchor="ctr"/>
-          <a:lstStyle/>
-          <a:p>
-            <a:pPr algn="ctr"/>
-            <a:r>
-              <a:rPr lang="ru-RU" sz="700" dirty="0" smtClean="0"/>
-              <a:t>Союз с Германией</a:t>
+              <a:t>Германией</a:t>
             </a:r>
             <a:endParaRPr lang="ru-RU" sz="700" dirty="0"/>
           </a:p>
@@ -12340,7 +12237,7 @@
         </p:nvSpPr>
         <p:spPr>
           <a:xfrm>
-            <a:off x="12178075" y="9518772"/>
+            <a:off x="12178075" y="9542625"/>
             <a:ext cx="926325" cy="540000"/>
           </a:xfrm>
           <a:prstGeom prst="rect">
@@ -13005,7 +12902,7 @@
         </p:nvSpPr>
         <p:spPr>
           <a:xfrm>
-            <a:off x="11083094" y="9519494"/>
+            <a:off x="11083094" y="9543347"/>
             <a:ext cx="926325" cy="540000"/>
           </a:xfrm>
           <a:prstGeom prst="rect">
@@ -13120,8 +13017,8 @@
         </p:nvCxnSpPr>
         <p:spPr>
           <a:xfrm rot="16200000" flipH="1">
-            <a:off x="11146163" y="8023696"/>
-            <a:ext cx="231567" cy="2758583"/>
+            <a:off x="11134236" y="8035623"/>
+            <a:ext cx="255420" cy="2758583"/>
           </a:xfrm>
           <a:prstGeom prst="bentConnector3">
             <a:avLst>
@@ -13272,8 +13169,8 @@
         </p:nvCxnSpPr>
         <p:spPr>
           <a:xfrm rot="16200000" flipH="1">
-            <a:off x="10598312" y="8571548"/>
-            <a:ext cx="232289" cy="1663602"/>
+            <a:off x="10586385" y="8583475"/>
+            <a:ext cx="256142" cy="1663602"/>
           </a:xfrm>
           <a:prstGeom prst="bentConnector3">
             <a:avLst>
@@ -13310,8 +13207,8 @@
         </p:nvCxnSpPr>
         <p:spPr>
           <a:xfrm rot="16200000" flipH="1">
-            <a:off x="12803949" y="9896061"/>
-            <a:ext cx="230699" cy="556120"/>
+            <a:off x="12815875" y="9907988"/>
+            <a:ext cx="206846" cy="556120"/>
           </a:xfrm>
           <a:prstGeom prst="bentConnector3">
             <a:avLst>
@@ -17384,7 +17281,7 @@
         </p:nvSpPr>
         <p:spPr>
           <a:xfrm>
-            <a:off x="14409007" y="9514176"/>
+            <a:off x="14409007" y="9545980"/>
             <a:ext cx="926325" cy="540000"/>
           </a:xfrm>
           <a:prstGeom prst="rect">
@@ -17452,7 +17349,7 @@
         </p:nvSpPr>
         <p:spPr>
           <a:xfrm>
-            <a:off x="16593383" y="9514176"/>
+            <a:off x="16593383" y="9545980"/>
             <a:ext cx="926325" cy="540000"/>
           </a:xfrm>
           <a:prstGeom prst="rect">
@@ -17512,7 +17409,7 @@
         </p:nvSpPr>
         <p:spPr>
           <a:xfrm>
-            <a:off x="15501195" y="9521002"/>
+            <a:off x="15501195" y="9552806"/>
             <a:ext cx="926325" cy="540000"/>
           </a:xfrm>
           <a:prstGeom prst="rect">
@@ -17993,7 +17890,7 @@
         <p:spPr>
           <a:xfrm>
             <a:off x="15964357" y="9284948"/>
-            <a:ext cx="1" cy="236054"/>
+            <a:ext cx="1" cy="267858"/>
           </a:xfrm>
           <a:prstGeom prst="straightConnector1">
             <a:avLst/>
@@ -18028,8 +17925,8 @@
         </p:nvCxnSpPr>
         <p:spPr>
           <a:xfrm rot="16200000" flipH="1">
-            <a:off x="16395837" y="8853467"/>
-            <a:ext cx="229228" cy="1092189"/>
+            <a:off x="16379935" y="8869369"/>
+            <a:ext cx="261032" cy="1092189"/>
           </a:xfrm>
           <a:prstGeom prst="bentConnector3">
             <a:avLst>
@@ -18066,8 +17963,8 @@
         </p:nvCxnSpPr>
         <p:spPr>
           <a:xfrm rot="5400000">
-            <a:off x="15303650" y="8853469"/>
-            <a:ext cx="229228" cy="1092187"/>
+            <a:off x="15287748" y="8869371"/>
+            <a:ext cx="261032" cy="1092187"/>
           </a:xfrm>
           <a:prstGeom prst="bentConnector3">
             <a:avLst>
@@ -26489,7 +26386,7 @@
         </p:nvSpPr>
         <p:spPr>
           <a:xfrm>
-            <a:off x="13295061" y="9514176"/>
+            <a:off x="13295061" y="9545980"/>
             <a:ext cx="926325" cy="540000"/>
           </a:xfrm>
           <a:prstGeom prst="rect">
@@ -26632,8 +26529,8 @@
         </p:nvCxnSpPr>
         <p:spPr>
           <a:xfrm rot="5400000">
-            <a:off x="14746677" y="8296496"/>
-            <a:ext cx="229228" cy="2206133"/>
+            <a:off x="14730775" y="8312398"/>
+            <a:ext cx="261032" cy="2206133"/>
           </a:xfrm>
           <a:prstGeom prst="bentConnector3">
             <a:avLst>
@@ -26671,8 +26568,8 @@
         </p:nvCxnSpPr>
         <p:spPr>
           <a:xfrm rot="16200000" flipH="1">
-            <a:off x="11706954" y="7462905"/>
-            <a:ext cx="226971" cy="3875569"/>
+            <a:off x="11691052" y="7478807"/>
+            <a:ext cx="258775" cy="3875569"/>
           </a:xfrm>
           <a:prstGeom prst="bentConnector3">
             <a:avLst>
@@ -26710,8 +26607,8 @@
         </p:nvCxnSpPr>
         <p:spPr>
           <a:xfrm rot="5400000">
-            <a:off x="14473764" y="9891684"/>
-            <a:ext cx="235914" cy="560899"/>
+            <a:off x="14489666" y="9907586"/>
+            <a:ext cx="204110" cy="560899"/>
           </a:xfrm>
           <a:prstGeom prst="bentConnector3">
             <a:avLst>
@@ -26748,8 +26645,8 @@
         </p:nvCxnSpPr>
         <p:spPr>
           <a:xfrm rot="5400000">
-            <a:off x="15574142" y="9903032"/>
-            <a:ext cx="232246" cy="548187"/>
+            <a:off x="15590044" y="9918934"/>
+            <a:ext cx="200442" cy="548187"/>
           </a:xfrm>
           <a:prstGeom prst="bentConnector3">
             <a:avLst>
@@ -26786,8 +26683,8 @@
         </p:nvCxnSpPr>
         <p:spPr>
           <a:xfrm rot="16200000" flipH="1">
-            <a:off x="16121888" y="9903471"/>
-            <a:ext cx="231032" cy="546093"/>
+            <a:off x="16137790" y="9919373"/>
+            <a:ext cx="199228" cy="546093"/>
           </a:xfrm>
           <a:prstGeom prst="bentConnector3">
             <a:avLst>
@@ -26824,8 +26721,8 @@
         </p:nvCxnSpPr>
         <p:spPr>
           <a:xfrm rot="16200000" flipH="1">
-            <a:off x="17205454" y="9905267"/>
-            <a:ext cx="250366" cy="548183"/>
+            <a:off x="17221356" y="9921169"/>
+            <a:ext cx="218562" cy="548183"/>
           </a:xfrm>
           <a:prstGeom prst="bentConnector3">
             <a:avLst>
@@ -29376,8 +29273,8 @@
         </p:nvCxnSpPr>
         <p:spPr>
           <a:xfrm rot="16200000" flipH="1">
-            <a:off x="20338824" y="10398072"/>
-            <a:ext cx="260479" cy="1054125"/>
+            <a:off x="20083053" y="10653843"/>
+            <a:ext cx="260827" cy="542931"/>
           </a:xfrm>
           <a:prstGeom prst="bentConnector3">
             <a:avLst>
@@ -38239,6 +38136,207 @@
           <a:prstGeom prst="bentConnector3">
             <a:avLst>
               <a:gd name="adj1" fmla="val 50000"/>
+            </a:avLst>
+          </a:prstGeom>
+          <a:ln w="19050">
+            <a:tailEnd type="arrow"/>
+          </a:ln>
+        </p:spPr>
+        <p:style>
+          <a:lnRef idx="1">
+            <a:schemeClr val="accent1"/>
+          </a:lnRef>
+          <a:fillRef idx="0">
+            <a:schemeClr val="accent1"/>
+          </a:fillRef>
+          <a:effectRef idx="0">
+            <a:schemeClr val="accent1"/>
+          </a:effectRef>
+          <a:fontRef idx="minor">
+            <a:schemeClr val="tx1"/>
+          </a:fontRef>
+        </p:style>
+      </p:cxnSp>
+      <p:cxnSp>
+        <p:nvCxnSpPr>
+          <p:cNvPr id="848" name="Соединительная линия уступом 847"/>
+          <p:cNvCxnSpPr>
+            <a:stCxn id="358" idx="2"/>
+            <a:endCxn id="331" idx="0"/>
+          </p:cNvCxnSpPr>
+          <p:nvPr/>
+        </p:nvCxnSpPr>
+        <p:spPr>
+          <a:xfrm rot="5400000">
+            <a:off x="14466261" y="9009260"/>
+            <a:ext cx="221416" cy="3866964"/>
+          </a:xfrm>
+          <a:prstGeom prst="bentConnector3">
+            <a:avLst>
+              <a:gd name="adj1" fmla="val 50000"/>
+            </a:avLst>
+          </a:prstGeom>
+          <a:ln w="19050">
+            <a:prstDash val="dash"/>
+            <a:tailEnd type="arrow"/>
+          </a:ln>
+        </p:spPr>
+        <p:style>
+          <a:lnRef idx="1">
+            <a:schemeClr val="accent1"/>
+          </a:lnRef>
+          <a:fillRef idx="0">
+            <a:schemeClr val="accent1"/>
+          </a:fillRef>
+          <a:effectRef idx="0">
+            <a:schemeClr val="accent1"/>
+          </a:effectRef>
+          <a:fontRef idx="minor">
+            <a:schemeClr val="tx1"/>
+          </a:fontRef>
+        </p:style>
+      </p:cxnSp>
+      <p:cxnSp>
+        <p:nvCxnSpPr>
+          <p:cNvPr id="849" name="Соединительная линия уступом 848"/>
+          <p:cNvCxnSpPr>
+            <a:stCxn id="358" idx="2"/>
+            <a:endCxn id="377" idx="0"/>
+          </p:cNvCxnSpPr>
+          <p:nvPr/>
+        </p:nvCxnSpPr>
+        <p:spPr>
+          <a:xfrm rot="5400000">
+            <a:off x="14357080" y="9659803"/>
+            <a:ext cx="981141" cy="3325603"/>
+          </a:xfrm>
+          <a:prstGeom prst="bentConnector3">
+            <a:avLst>
+              <a:gd name="adj1" fmla="val 11911"/>
+            </a:avLst>
+          </a:prstGeom>
+          <a:ln w="19050">
+            <a:prstDash val="dash"/>
+            <a:tailEnd type="arrow"/>
+          </a:ln>
+        </p:spPr>
+        <p:style>
+          <a:lnRef idx="1">
+            <a:schemeClr val="accent1"/>
+          </a:lnRef>
+          <a:fillRef idx="0">
+            <a:schemeClr val="accent1"/>
+          </a:fillRef>
+          <a:effectRef idx="0">
+            <a:schemeClr val="accent1"/>
+          </a:effectRef>
+          <a:fontRef idx="minor">
+            <a:schemeClr val="tx1"/>
+          </a:fontRef>
+        </p:style>
+      </p:cxnSp>
+      <p:cxnSp>
+        <p:nvCxnSpPr>
+          <p:cNvPr id="850" name="Соединительная линия уступом 849"/>
+          <p:cNvCxnSpPr>
+            <a:stCxn id="358" idx="2"/>
+            <a:endCxn id="371" idx="0"/>
+          </p:cNvCxnSpPr>
+          <p:nvPr/>
+        </p:nvCxnSpPr>
+        <p:spPr>
+          <a:xfrm rot="5400000">
+            <a:off x="15008760" y="9547209"/>
+            <a:ext cx="216866" cy="2786516"/>
+          </a:xfrm>
+          <a:prstGeom prst="bentConnector3">
+            <a:avLst>
+              <a:gd name="adj1" fmla="val 50000"/>
+            </a:avLst>
+          </a:prstGeom>
+          <a:ln w="19050">
+            <a:prstDash val="dash"/>
+            <a:tailEnd type="arrow"/>
+          </a:ln>
+        </p:spPr>
+        <p:style>
+          <a:lnRef idx="1">
+            <a:schemeClr val="accent1"/>
+          </a:lnRef>
+          <a:fillRef idx="0">
+            <a:schemeClr val="accent1"/>
+          </a:fillRef>
+          <a:effectRef idx="0">
+            <a:schemeClr val="accent1"/>
+          </a:effectRef>
+          <a:fontRef idx="minor">
+            <a:schemeClr val="tx1"/>
+          </a:fontRef>
+        </p:style>
+      </p:cxnSp>
+      <p:sp>
+        <p:nvSpPr>
+          <p:cNvPr id="861" name="Прямоугольник 860"/>
+          <p:cNvSpPr/>
+          <p:nvPr/>
+        </p:nvSpPr>
+        <p:spPr>
+          <a:xfrm>
+            <a:off x="22657819" y="11847672"/>
+            <a:ext cx="926325" cy="540000"/>
+          </a:xfrm>
+          <a:prstGeom prst="rect">
+            <a:avLst/>
+          </a:prstGeom>
+          <a:solidFill>
+            <a:srgbClr val="7030A0"/>
+          </a:solidFill>
+          <a:ln w="19050"/>
+        </p:spPr>
+        <p:style>
+          <a:lnRef idx="2">
+            <a:schemeClr val="accent1"/>
+          </a:lnRef>
+          <a:fillRef idx="1">
+            <a:schemeClr val="lt1"/>
+          </a:fillRef>
+          <a:effectRef idx="0">
+            <a:schemeClr val="accent1"/>
+          </a:effectRef>
+          <a:fontRef idx="minor">
+            <a:schemeClr val="dk1"/>
+          </a:fontRef>
+        </p:style>
+        <p:txBody>
+          <a:bodyPr lIns="124733" tIns="62367" rIns="124733" bIns="62367" rtlCol="0" anchor="ctr"/>
+          <a:lstStyle/>
+          <a:p>
+            <a:pPr algn="ctr"/>
+            <a:r>
+              <a:rPr lang="ru-RU" sz="700" dirty="0" smtClean="0"/>
+              <a:t>Вернуть Бразильский престол матери</a:t>
+            </a:r>
+            <a:endParaRPr lang="ru-RU" sz="700" dirty="0"/>
+          </a:p>
+        </p:txBody>
+      </p:sp>
+      <p:cxnSp>
+        <p:nvCxnSpPr>
+          <p:cNvPr id="871" name="Соединительная линия уступом 124"/>
+          <p:cNvCxnSpPr>
+            <a:stCxn id="124" idx="2"/>
+            <a:endCxn id="861" idx="0"/>
+          </p:cNvCxnSpPr>
+          <p:nvPr/>
+        </p:nvCxnSpPr>
+        <p:spPr>
+          <a:xfrm rot="5400000">
+            <a:off x="23088081" y="10831099"/>
+            <a:ext cx="1049474" cy="983672"/>
+          </a:xfrm>
+          <a:prstGeom prst="bentConnector3">
+            <a:avLst>
+              <a:gd name="adj1" fmla="val 12287"/>
             </a:avLst>
           </a:prstGeom>
           <a:ln w="19050">

--- a/Наработки/диздоки/Испания/Испания правые.pptx
+++ b/Наработки/диздоки/Испания/Испания правые.pptx
@@ -209,7 +209,7 @@
             <a:fld id="{33E3D7F9-E251-484C-A6FF-FA958879DF69}" type="datetimeFigureOut">
               <a:rPr lang="ru-RU" smtClean="0"/>
               <a:pPr/>
-              <a:t>21.10.2021</a:t>
+              <a:t>22.10.2021</a:t>
             </a:fld>
             <a:endParaRPr lang="ru-RU"/>
           </a:p>
@@ -700,7 +700,7 @@
             <a:fld id="{85A5DE44-605B-4D3B-B2B7-94543DF81A36}" type="datetimeFigureOut">
               <a:rPr lang="ru-RU" smtClean="0"/>
               <a:pPr/>
-              <a:t>21.10.2021</a:t>
+              <a:t>22.10.2021</a:t>
             </a:fld>
             <a:endParaRPr lang="ru-RU"/>
           </a:p>
@@ -872,7 +872,7 @@
             <a:fld id="{85A5DE44-605B-4D3B-B2B7-94543DF81A36}" type="datetimeFigureOut">
               <a:rPr lang="ru-RU" smtClean="0"/>
               <a:pPr/>
-              <a:t>21.10.2021</a:t>
+              <a:t>22.10.2021</a:t>
             </a:fld>
             <a:endParaRPr lang="ru-RU"/>
           </a:p>
@@ -1054,7 +1054,7 @@
             <a:fld id="{85A5DE44-605B-4D3B-B2B7-94543DF81A36}" type="datetimeFigureOut">
               <a:rPr lang="ru-RU" smtClean="0"/>
               <a:pPr/>
-              <a:t>21.10.2021</a:t>
+              <a:t>22.10.2021</a:t>
             </a:fld>
             <a:endParaRPr lang="ru-RU"/>
           </a:p>
@@ -1226,7 +1226,7 @@
             <a:fld id="{85A5DE44-605B-4D3B-B2B7-94543DF81A36}" type="datetimeFigureOut">
               <a:rPr lang="ru-RU" smtClean="0"/>
               <a:pPr/>
-              <a:t>21.10.2021</a:t>
+              <a:t>22.10.2021</a:t>
             </a:fld>
             <a:endParaRPr lang="ru-RU"/>
           </a:p>
@@ -1474,7 +1474,7 @@
             <a:fld id="{85A5DE44-605B-4D3B-B2B7-94543DF81A36}" type="datetimeFigureOut">
               <a:rPr lang="ru-RU" smtClean="0"/>
               <a:pPr/>
-              <a:t>21.10.2021</a:t>
+              <a:t>22.10.2021</a:t>
             </a:fld>
             <a:endParaRPr lang="ru-RU"/>
           </a:p>
@@ -1708,7 +1708,7 @@
             <a:fld id="{85A5DE44-605B-4D3B-B2B7-94543DF81A36}" type="datetimeFigureOut">
               <a:rPr lang="ru-RU" smtClean="0"/>
               <a:pPr/>
-              <a:t>21.10.2021</a:t>
+              <a:t>22.10.2021</a:t>
             </a:fld>
             <a:endParaRPr lang="ru-RU"/>
           </a:p>
@@ -2077,7 +2077,7 @@
             <a:fld id="{85A5DE44-605B-4D3B-B2B7-94543DF81A36}" type="datetimeFigureOut">
               <a:rPr lang="ru-RU" smtClean="0"/>
               <a:pPr/>
-              <a:t>21.10.2021</a:t>
+              <a:t>22.10.2021</a:t>
             </a:fld>
             <a:endParaRPr lang="ru-RU"/>
           </a:p>
@@ -2197,7 +2197,7 @@
             <a:fld id="{85A5DE44-605B-4D3B-B2B7-94543DF81A36}" type="datetimeFigureOut">
               <a:rPr lang="ru-RU" smtClean="0"/>
               <a:pPr/>
-              <a:t>21.10.2021</a:t>
+              <a:t>22.10.2021</a:t>
             </a:fld>
             <a:endParaRPr lang="ru-RU"/>
           </a:p>
@@ -2294,7 +2294,7 @@
             <a:fld id="{85A5DE44-605B-4D3B-B2B7-94543DF81A36}" type="datetimeFigureOut">
               <a:rPr lang="ru-RU" smtClean="0"/>
               <a:pPr/>
-              <a:t>21.10.2021</a:t>
+              <a:t>22.10.2021</a:t>
             </a:fld>
             <a:endParaRPr lang="ru-RU"/>
           </a:p>
@@ -2573,7 +2573,7 @@
             <a:fld id="{85A5DE44-605B-4D3B-B2B7-94543DF81A36}" type="datetimeFigureOut">
               <a:rPr lang="ru-RU" smtClean="0"/>
               <a:pPr/>
-              <a:t>21.10.2021</a:t>
+              <a:t>22.10.2021</a:t>
             </a:fld>
             <a:endParaRPr lang="ru-RU"/>
           </a:p>
@@ -2832,7 +2832,7 @@
             <a:fld id="{85A5DE44-605B-4D3B-B2B7-94543DF81A36}" type="datetimeFigureOut">
               <a:rPr lang="ru-RU" smtClean="0"/>
               <a:pPr/>
-              <a:t>21.10.2021</a:t>
+              <a:t>22.10.2021</a:t>
             </a:fld>
             <a:endParaRPr lang="ru-RU"/>
           </a:p>
@@ -3047,7 +3047,7 @@
             <a:fld id="{85A5DE44-605B-4D3B-B2B7-94543DF81A36}" type="datetimeFigureOut">
               <a:rPr lang="ru-RU" smtClean="0"/>
               <a:pPr/>
-              <a:t>21.10.2021</a:t>
+              <a:t>22.10.2021</a:t>
             </a:fld>
             <a:endParaRPr lang="ru-RU"/>
           </a:p>
@@ -3490,7 +3490,7 @@
             <a:pPr algn="ctr"/>
             <a:r>
               <a:rPr lang="ru-RU" sz="3600" b="1" dirty="0" smtClean="0"/>
-              <a:t>327</a:t>
+              <a:t>326</a:t>
             </a:r>
             <a:endParaRPr lang="ru-RU" sz="3600" b="1" dirty="0"/>
           </a:p>
@@ -5128,11 +5128,7 @@
             <a:pPr algn="ctr"/>
             <a:r>
               <a:rPr lang="ru-RU" sz="700" dirty="0" smtClean="0"/>
-              <a:t>Реставрация </a:t>
-            </a:r>
-            <a:r>
-              <a:rPr lang="ru-RU" sz="700" dirty="0" smtClean="0"/>
-              <a:t>монархии</a:t>
+              <a:t>Реставрация монархии</a:t>
             </a:r>
             <a:endParaRPr lang="ru-RU" sz="700" dirty="0">
               <a:solidFill>
@@ -6174,24 +6170,17 @@
             <a:pPr algn="ctr"/>
             <a:r>
               <a:rPr lang="ru-RU" sz="700" dirty="0" smtClean="0"/>
-              <a:t>Женская секция </a:t>
+              <a:t>Женские секции </a:t>
             </a:r>
             <a:r>
               <a:rPr lang="ru-RU" sz="700" dirty="0"/>
-              <a:t>«Маргаритки» </a:t>
-            </a:r>
-            <a:r>
-              <a:rPr lang="ru-RU" sz="200" dirty="0"/>
-              <a:t>(Таким образом, </a:t>
-            </a:r>
-            <a:r>
-              <a:rPr lang="ru-RU" sz="200" dirty="0" err="1"/>
-              <a:t>карлизм</a:t>
-            </a:r>
-            <a:r>
-              <a:rPr lang="ru-RU" sz="200" dirty="0"/>
-              <a:t> вступил в фазу расширения, увеличивая активность и количество кругов или создавая женские секции («Маргаритки»))</a:t>
-            </a:r>
+              <a:t>«</a:t>
+            </a:r>
+            <a:r>
+              <a:rPr lang="ru-RU" sz="700" dirty="0" smtClean="0"/>
+              <a:t>Маргариток»</a:t>
+            </a:r>
+            <a:endParaRPr lang="ru-RU" sz="200" dirty="0"/>
           </a:p>
         </p:txBody>
       </p:sp>
@@ -6234,8 +6223,12 @@
           <a:p>
             <a:pPr algn="ctr"/>
             <a:r>
+              <a:rPr lang="ru-RU" sz="700" dirty="0"/>
+              <a:t>Восстановление привилегий </a:t>
+            </a:r>
+            <a:r>
               <a:rPr lang="ru-RU" sz="700" dirty="0" smtClean="0"/>
-              <a:t>Пулемёт и католический молитвенник</a:t>
+              <a:t>церкви</a:t>
             </a:r>
             <a:endParaRPr lang="ru-RU" sz="700" dirty="0"/>
           </a:p>
@@ -7518,7 +7511,7 @@
         </p:nvSpPr>
         <p:spPr>
           <a:xfrm>
-            <a:off x="23159453" y="13352032"/>
+            <a:off x="22120585" y="13353808"/>
             <a:ext cx="926325" cy="540000"/>
           </a:xfrm>
           <a:prstGeom prst="rect">
@@ -8109,10 +8102,9 @@
           <a:p>
             <a:pPr algn="ctr"/>
             <a:r>
-              <a:rPr lang="ru-RU" sz="700" dirty="0" smtClean="0"/>
-              <a:t>Вернуть Португальский престол матери</a:t>
-            </a:r>
-            <a:endParaRPr lang="ru-RU" sz="700" dirty="0"/>
+              <a:rPr lang="ru-RU" sz="700" dirty="0"/>
+              <a:t>Вернуть матери престол Португалии</a:t>
+            </a:r>
           </a:p>
         </p:txBody>
       </p:sp>
@@ -8202,17 +8194,53 @@
       </p:sp>
       <p:cxnSp>
         <p:nvCxnSpPr>
-          <p:cNvPr id="161" name="Соединительная линия уступом 160"/>
+          <p:cNvPr id="167" name="Прямая со стрелкой 166"/>
           <p:cNvCxnSpPr>
             <a:stCxn id="108" idx="2"/>
-            <a:endCxn id="154" idx="0"/>
+            <a:endCxn id="82" idx="0"/>
+          </p:cNvCxnSpPr>
+          <p:nvPr/>
+        </p:nvCxnSpPr>
+        <p:spPr>
+          <a:xfrm>
+            <a:off x="23113954" y="9262273"/>
+            <a:ext cx="1259" cy="240731"/>
+          </a:xfrm>
+          <a:prstGeom prst="straightConnector1">
+            <a:avLst/>
+          </a:prstGeom>
+          <a:ln w="19050">
+            <a:tailEnd type="arrow"/>
+          </a:ln>
+        </p:spPr>
+        <p:style>
+          <a:lnRef idx="1">
+            <a:schemeClr val="accent1"/>
+          </a:lnRef>
+          <a:fillRef idx="0">
+            <a:schemeClr val="accent1"/>
+          </a:fillRef>
+          <a:effectRef idx="0">
+            <a:schemeClr val="accent1"/>
+          </a:effectRef>
+          <a:fontRef idx="minor">
+            <a:schemeClr val="tx1"/>
+          </a:fontRef>
+        </p:style>
+      </p:cxnSp>
+      <p:cxnSp>
+        <p:nvCxnSpPr>
+          <p:cNvPr id="182" name="Соединительная линия уступом 124"/>
+          <p:cNvCxnSpPr>
+            <a:stCxn id="82" idx="2"/>
+            <a:endCxn id="124" idx="0"/>
           </p:cNvCxnSpPr>
           <p:nvPr/>
         </p:nvCxnSpPr>
         <p:spPr>
           <a:xfrm rot="16200000" flipH="1">
-            <a:off x="23496501" y="8879726"/>
-            <a:ext cx="239154" cy="1004248"/>
+            <a:off x="23502336" y="9655880"/>
+            <a:ext cx="215194" cy="989441"/>
           </a:xfrm>
           <a:prstGeom prst="bentConnector3">
             <a:avLst>
@@ -8220,74 +8248,37 @@
             </a:avLst>
           </a:prstGeom>
           <a:ln w="19050">
-            <a:prstDash val="dash"/>
-            <a:tailEnd type="arrow"/>
-          </a:ln>
-        </p:spPr>
-        <p:style>
-          <a:lnRef idx="1">
-            <a:schemeClr val="accent1"/>
-          </a:lnRef>
-          <a:fillRef idx="0">
-            <a:schemeClr val="accent1"/>
-          </a:fillRef>
-          <a:effectRef idx="0">
-            <a:schemeClr val="accent1"/>
-          </a:effectRef>
-          <a:fontRef idx="minor">
-            <a:schemeClr val="tx1"/>
-          </a:fontRef>
-        </p:style>
-      </p:cxnSp>
-      <p:cxnSp>
-        <p:nvCxnSpPr>
-          <p:cNvPr id="167" name="Прямая со стрелкой 166"/>
-          <p:cNvCxnSpPr>
-            <a:stCxn id="108" idx="2"/>
-            <a:endCxn id="82" idx="0"/>
-          </p:cNvCxnSpPr>
-          <p:nvPr/>
-        </p:nvCxnSpPr>
-        <p:spPr>
-          <a:xfrm>
-            <a:off x="23113954" y="9262273"/>
-            <a:ext cx="1259" cy="240731"/>
-          </a:xfrm>
-          <a:prstGeom prst="straightConnector1">
-            <a:avLst/>
-          </a:prstGeom>
-          <a:ln w="19050">
-            <a:tailEnd type="arrow"/>
-          </a:ln>
-        </p:spPr>
-        <p:style>
-          <a:lnRef idx="1">
-            <a:schemeClr val="accent1"/>
-          </a:lnRef>
-          <a:fillRef idx="0">
-            <a:schemeClr val="accent1"/>
-          </a:fillRef>
-          <a:effectRef idx="0">
-            <a:schemeClr val="accent1"/>
-          </a:effectRef>
-          <a:fontRef idx="minor">
-            <a:schemeClr val="tx1"/>
-          </a:fontRef>
-        </p:style>
-      </p:cxnSp>
-      <p:cxnSp>
-        <p:nvCxnSpPr>
-          <p:cNvPr id="182" name="Соединительная линия уступом 124"/>
-          <p:cNvCxnSpPr>
-            <a:stCxn id="82" idx="2"/>
-            <a:endCxn id="124" idx="0"/>
-          </p:cNvCxnSpPr>
-          <p:nvPr/>
-        </p:nvCxnSpPr>
-        <p:spPr>
-          <a:xfrm rot="16200000" flipH="1">
-            <a:off x="23502336" y="9655880"/>
-            <a:ext cx="215194" cy="989441"/>
+            <a:tailEnd type="arrow"/>
+          </a:ln>
+        </p:spPr>
+        <p:style>
+          <a:lnRef idx="1">
+            <a:schemeClr val="accent1"/>
+          </a:lnRef>
+          <a:fillRef idx="0">
+            <a:schemeClr val="accent1"/>
+          </a:fillRef>
+          <a:effectRef idx="0">
+            <a:schemeClr val="accent1"/>
+          </a:effectRef>
+          <a:fontRef idx="minor">
+            <a:schemeClr val="tx1"/>
+          </a:fontRef>
+        </p:style>
+      </p:cxnSp>
+      <p:cxnSp>
+        <p:nvCxnSpPr>
+          <p:cNvPr id="185" name="Соединительная линия уступом 184"/>
+          <p:cNvCxnSpPr>
+            <a:stCxn id="111" idx="2"/>
+            <a:endCxn id="139" idx="0"/>
+          </p:cNvCxnSpPr>
+          <p:nvPr/>
+        </p:nvCxnSpPr>
+        <p:spPr>
+          <a:xfrm rot="5400000">
+            <a:off x="27863853" y="7289344"/>
+            <a:ext cx="240656" cy="1123133"/>
           </a:xfrm>
           <a:prstGeom prst="bentConnector3">
             <a:avLst>
@@ -8295,37 +8286,38 @@
             </a:avLst>
           </a:prstGeom>
           <a:ln w="19050">
-            <a:tailEnd type="arrow"/>
-          </a:ln>
-        </p:spPr>
-        <p:style>
-          <a:lnRef idx="1">
-            <a:schemeClr val="accent1"/>
-          </a:lnRef>
-          <a:fillRef idx="0">
-            <a:schemeClr val="accent1"/>
-          </a:fillRef>
-          <a:effectRef idx="0">
-            <a:schemeClr val="accent1"/>
-          </a:effectRef>
-          <a:fontRef idx="minor">
-            <a:schemeClr val="tx1"/>
-          </a:fontRef>
-        </p:style>
-      </p:cxnSp>
-      <p:cxnSp>
-        <p:nvCxnSpPr>
-          <p:cNvPr id="185" name="Соединительная линия уступом 184"/>
-          <p:cNvCxnSpPr>
-            <a:stCxn id="111" idx="2"/>
+            <a:prstDash val="dash"/>
+            <a:tailEnd type="arrow"/>
+          </a:ln>
+        </p:spPr>
+        <p:style>
+          <a:lnRef idx="1">
+            <a:schemeClr val="accent1"/>
+          </a:lnRef>
+          <a:fillRef idx="0">
+            <a:schemeClr val="accent1"/>
+          </a:fillRef>
+          <a:effectRef idx="0">
+            <a:schemeClr val="accent1"/>
+          </a:effectRef>
+          <a:fontRef idx="minor">
+            <a:schemeClr val="tx1"/>
+          </a:fontRef>
+        </p:style>
+      </p:cxnSp>
+      <p:cxnSp>
+        <p:nvCxnSpPr>
+          <p:cNvPr id="188" name="Соединительная линия уступом 187"/>
+          <p:cNvCxnSpPr>
+            <a:stCxn id="112" idx="2"/>
             <a:endCxn id="139" idx="0"/>
           </p:cNvCxnSpPr>
           <p:nvPr/>
         </p:nvCxnSpPr>
         <p:spPr>
-          <a:xfrm rot="5400000">
-            <a:off x="27863853" y="7289344"/>
-            <a:ext cx="240656" cy="1123133"/>
+          <a:xfrm rot="16200000" flipH="1">
+            <a:off x="26740030" y="7288653"/>
+            <a:ext cx="241211" cy="1123957"/>
           </a:xfrm>
           <a:prstGeom prst="bentConnector3">
             <a:avLst>
@@ -8352,19 +8344,65 @@
           </a:fontRef>
         </p:style>
       </p:cxnSp>
-      <p:cxnSp>
-        <p:nvCxnSpPr>
-          <p:cNvPr id="188" name="Соединительная линия уступом 187"/>
-          <p:cNvCxnSpPr>
-            <a:stCxn id="112" idx="2"/>
-            <a:endCxn id="139" idx="0"/>
-          </p:cNvCxnSpPr>
-          <p:nvPr/>
-        </p:nvCxnSpPr>
-        <p:spPr>
-          <a:xfrm rot="16200000" flipH="1">
-            <a:off x="26740030" y="7288653"/>
-            <a:ext cx="241211" cy="1123957"/>
+      <p:sp>
+        <p:nvSpPr>
+          <p:cNvPr id="159" name="Прямоугольник 158"/>
+          <p:cNvSpPr/>
+          <p:nvPr/>
+        </p:nvSpPr>
+        <p:spPr>
+          <a:xfrm>
+            <a:off x="21594624" y="10254644"/>
+            <a:ext cx="926325" cy="540000"/>
+          </a:xfrm>
+          <a:prstGeom prst="rect">
+            <a:avLst/>
+          </a:prstGeom>
+          <a:solidFill>
+            <a:srgbClr val="7030A0"/>
+          </a:solidFill>
+          <a:ln w="19050"/>
+        </p:spPr>
+        <p:style>
+          <a:lnRef idx="2">
+            <a:schemeClr val="accent1"/>
+          </a:lnRef>
+          <a:fillRef idx="1">
+            <a:schemeClr val="lt1"/>
+          </a:fillRef>
+          <a:effectRef idx="0">
+            <a:schemeClr val="accent1"/>
+          </a:effectRef>
+          <a:fontRef idx="minor">
+            <a:schemeClr val="dk1"/>
+          </a:fontRef>
+        </p:style>
+        <p:txBody>
+          <a:bodyPr lIns="124733" tIns="62367" rIns="124733" bIns="62367" rtlCol="0" anchor="ctr"/>
+          <a:lstStyle/>
+          <a:p>
+            <a:pPr algn="ctr"/>
+            <a:r>
+              <a:rPr lang="ru-RU" sz="700" dirty="0" smtClean="0"/>
+              <a:t>Вернуть титул короля обеих Сицилий</a:t>
+            </a:r>
+            <a:endParaRPr lang="ru-RU" sz="700" dirty="0"/>
+          </a:p>
+        </p:txBody>
+      </p:sp>
+      <p:cxnSp>
+        <p:nvCxnSpPr>
+          <p:cNvPr id="160" name="Соединительная линия уступом 124"/>
+          <p:cNvCxnSpPr>
+            <a:stCxn id="82" idx="2"/>
+            <a:endCxn id="159" idx="0"/>
+          </p:cNvCxnSpPr>
+          <p:nvPr/>
+        </p:nvCxnSpPr>
+        <p:spPr>
+          <a:xfrm rot="5400000">
+            <a:off x="22480680" y="9620111"/>
+            <a:ext cx="211640" cy="1057426"/>
           </a:xfrm>
           <a:prstGeom prst="bentConnector3">
             <a:avLst>
@@ -8393,13 +8431,13 @@
       </p:cxnSp>
       <p:sp>
         <p:nvSpPr>
-          <p:cNvPr id="159" name="Прямоугольник 158"/>
+          <p:cNvPr id="170" name="Прямоугольник 169"/>
           <p:cNvSpPr/>
           <p:nvPr/>
         </p:nvSpPr>
         <p:spPr>
           <a:xfrm>
-            <a:off x="21594624" y="10254644"/>
+            <a:off x="24180206" y="11774727"/>
             <a:ext cx="926325" cy="540000"/>
           </a:xfrm>
           <a:prstGeom prst="rect">
@@ -8431,11 +8469,7 @@
             <a:pPr algn="ctr"/>
             <a:r>
               <a:rPr lang="ru-RU" sz="700" dirty="0" smtClean="0"/>
-              <a:t>Вернуть титул короля двух </a:t>
-            </a:r>
-            <a:r>
-              <a:rPr lang="ru-RU" sz="700" dirty="0" err="1" smtClean="0"/>
-              <a:t>Сицилий</a:t>
+              <a:t>Подтверждение легитимности</a:t>
             </a:r>
             <a:endParaRPr lang="ru-RU" sz="700" dirty="0"/>
           </a:p>
@@ -8443,17 +8477,306 @@
       </p:sp>
       <p:cxnSp>
         <p:nvCxnSpPr>
-          <p:cNvPr id="160" name="Соединительная линия уступом 124"/>
-          <p:cNvCxnSpPr>
-            <a:stCxn id="82" idx="2"/>
+          <p:cNvPr id="173" name="Прямая со стрелкой 172"/>
+          <p:cNvCxnSpPr>
+            <a:stCxn id="105" idx="2"/>
+            <a:endCxn id="170" idx="0"/>
+          </p:cNvCxnSpPr>
+          <p:nvPr/>
+        </p:nvCxnSpPr>
+        <p:spPr>
+          <a:xfrm>
+            <a:off x="24643369" y="8516784"/>
+            <a:ext cx="0" cy="3257943"/>
+          </a:xfrm>
+          <a:prstGeom prst="straightConnector1">
+            <a:avLst/>
+          </a:prstGeom>
+          <a:ln w="19050">
+            <a:tailEnd type="arrow"/>
+          </a:ln>
+        </p:spPr>
+        <p:style>
+          <a:lnRef idx="1">
+            <a:schemeClr val="accent1"/>
+          </a:lnRef>
+          <a:fillRef idx="0">
+            <a:schemeClr val="accent1"/>
+          </a:fillRef>
+          <a:effectRef idx="0">
+            <a:schemeClr val="accent1"/>
+          </a:effectRef>
+          <a:fontRef idx="minor">
+            <a:schemeClr val="tx1"/>
+          </a:fontRef>
+        </p:style>
+      </p:cxnSp>
+      <p:sp>
+        <p:nvSpPr>
+          <p:cNvPr id="163" name="Прямоугольник 162"/>
+          <p:cNvSpPr/>
+          <p:nvPr/>
+        </p:nvSpPr>
+        <p:spPr>
+          <a:xfrm>
+            <a:off x="19478838" y="9500953"/>
+            <a:ext cx="926325" cy="540000"/>
+          </a:xfrm>
+          <a:prstGeom prst="rect">
+            <a:avLst/>
+          </a:prstGeom>
+          <a:solidFill>
+            <a:srgbClr val="7030A0"/>
+          </a:solidFill>
+          <a:ln w="19050"/>
+        </p:spPr>
+        <p:style>
+          <a:lnRef idx="2">
+            <a:schemeClr val="accent1"/>
+          </a:lnRef>
+          <a:fillRef idx="1">
+            <a:schemeClr val="lt1"/>
+          </a:fillRef>
+          <a:effectRef idx="0">
+            <a:schemeClr val="accent1"/>
+          </a:effectRef>
+          <a:fontRef idx="minor">
+            <a:schemeClr val="dk1"/>
+          </a:fontRef>
+        </p:style>
+        <p:txBody>
+          <a:bodyPr lIns="124733" tIns="62367" rIns="124733" bIns="62367" rtlCol="0" anchor="ctr"/>
+          <a:lstStyle/>
+          <a:p>
+            <a:pPr algn="ctr"/>
+            <a:r>
+              <a:rPr lang="ru-RU" sz="700" dirty="0" smtClean="0"/>
+              <a:t>Испанский средиземноморский флот</a:t>
+            </a:r>
+            <a:endParaRPr lang="ru-RU" sz="700" dirty="0"/>
+          </a:p>
+        </p:txBody>
+      </p:sp>
+      <p:sp>
+        <p:nvSpPr>
+          <p:cNvPr id="155" name="Прямоугольник 154"/>
+          <p:cNvSpPr/>
+          <p:nvPr/>
+        </p:nvSpPr>
+        <p:spPr>
+          <a:xfrm>
+            <a:off x="20536485" y="9500953"/>
+            <a:ext cx="926325" cy="540000"/>
+          </a:xfrm>
+          <a:prstGeom prst="rect">
+            <a:avLst/>
+          </a:prstGeom>
+          <a:solidFill>
+            <a:srgbClr val="7030A0"/>
+          </a:solidFill>
+          <a:ln w="19050"/>
+        </p:spPr>
+        <p:style>
+          <a:lnRef idx="2">
+            <a:schemeClr val="accent1"/>
+          </a:lnRef>
+          <a:fillRef idx="1">
+            <a:schemeClr val="lt1"/>
+          </a:fillRef>
+          <a:effectRef idx="0">
+            <a:schemeClr val="accent1"/>
+          </a:effectRef>
+          <a:fontRef idx="minor">
+            <a:schemeClr val="dk1"/>
+          </a:fontRef>
+        </p:style>
+        <p:txBody>
+          <a:bodyPr lIns="124733" tIns="62367" rIns="124733" bIns="62367" rtlCol="0" anchor="ctr"/>
+          <a:lstStyle/>
+          <a:p>
+            <a:pPr algn="ctr"/>
+            <a:r>
+              <a:rPr lang="ru-RU" sz="700" dirty="0" smtClean="0"/>
+              <a:t>Создание католика-монархического общества</a:t>
+            </a:r>
+          </a:p>
+        </p:txBody>
+      </p:sp>
+      <p:sp>
+        <p:nvSpPr>
+          <p:cNvPr id="156" name="Прямоугольник 155"/>
+          <p:cNvSpPr/>
+          <p:nvPr/>
+        </p:nvSpPr>
+        <p:spPr>
+          <a:xfrm>
+            <a:off x="19478838" y="10254896"/>
+            <a:ext cx="926325" cy="540000"/>
+          </a:xfrm>
+          <a:prstGeom prst="rect">
+            <a:avLst/>
+          </a:prstGeom>
+          <a:solidFill>
+            <a:srgbClr val="7030A0"/>
+          </a:solidFill>
+          <a:ln w="19050"/>
+        </p:spPr>
+        <p:style>
+          <a:lnRef idx="2">
+            <a:schemeClr val="accent1"/>
+          </a:lnRef>
+          <a:fillRef idx="1">
+            <a:schemeClr val="lt1"/>
+          </a:fillRef>
+          <a:effectRef idx="0">
+            <a:schemeClr val="accent1"/>
+          </a:effectRef>
+          <a:fontRef idx="minor">
+            <a:schemeClr val="dk1"/>
+          </a:fontRef>
+        </p:style>
+        <p:txBody>
+          <a:bodyPr lIns="124733" tIns="62367" rIns="124733" bIns="62367" rtlCol="0" anchor="ctr"/>
+          <a:lstStyle/>
+          <a:p>
+            <a:pPr algn="ctr"/>
+            <a:r>
+              <a:rPr lang="ru-RU" sz="700" dirty="0"/>
+              <a:t>Претензии на земли Габсбургов</a:t>
+            </a:r>
+          </a:p>
+        </p:txBody>
+      </p:sp>
+      <p:cxnSp>
+        <p:nvCxnSpPr>
+          <p:cNvPr id="164" name="Прямая со стрелкой 163"/>
+          <p:cNvCxnSpPr>
+            <a:stCxn id="163" idx="2"/>
+            <a:endCxn id="156" idx="0"/>
+          </p:cNvCxnSpPr>
+          <p:nvPr/>
+        </p:nvCxnSpPr>
+        <p:spPr>
+          <a:xfrm>
+            <a:off x="19942001" y="10040953"/>
+            <a:ext cx="0" cy="213943"/>
+          </a:xfrm>
+          <a:prstGeom prst="straightConnector1">
+            <a:avLst/>
+          </a:prstGeom>
+          <a:ln w="19050">
+            <a:tailEnd type="arrow"/>
+          </a:ln>
+        </p:spPr>
+        <p:style>
+          <a:lnRef idx="1">
+            <a:schemeClr val="accent1"/>
+          </a:lnRef>
+          <a:fillRef idx="0">
+            <a:schemeClr val="accent1"/>
+          </a:fillRef>
+          <a:effectRef idx="0">
+            <a:schemeClr val="accent1"/>
+          </a:effectRef>
+          <a:fontRef idx="minor">
+            <a:schemeClr val="tx1"/>
+          </a:fontRef>
+        </p:style>
+      </p:cxnSp>
+      <p:sp>
+        <p:nvSpPr>
+          <p:cNvPr id="183" name="Прямоугольник 182"/>
+          <p:cNvSpPr/>
+          <p:nvPr/>
+        </p:nvSpPr>
+        <p:spPr>
+          <a:xfrm>
+            <a:off x="20534705" y="10254644"/>
+            <a:ext cx="926325" cy="540000"/>
+          </a:xfrm>
+          <a:prstGeom prst="rect">
+            <a:avLst/>
+          </a:prstGeom>
+          <a:solidFill>
+            <a:srgbClr val="7030A0"/>
+          </a:solidFill>
+          <a:ln w="19050"/>
+        </p:spPr>
+        <p:style>
+          <a:lnRef idx="2">
+            <a:schemeClr val="accent1"/>
+          </a:lnRef>
+          <a:fillRef idx="1">
+            <a:schemeClr val="lt1"/>
+          </a:fillRef>
+          <a:effectRef idx="0">
+            <a:schemeClr val="accent1"/>
+          </a:effectRef>
+          <a:fontRef idx="minor">
+            <a:schemeClr val="dk1"/>
+          </a:fontRef>
+        </p:style>
+        <p:txBody>
+          <a:bodyPr lIns="124733" tIns="62367" rIns="124733" bIns="62367" rtlCol="0" anchor="ctr"/>
+          <a:lstStyle/>
+          <a:p>
+            <a:pPr algn="ctr"/>
+            <a:r>
+              <a:rPr lang="ru-RU" sz="700" dirty="0" smtClean="0"/>
+              <a:t>Идея превыше всего!</a:t>
+            </a:r>
+          </a:p>
+        </p:txBody>
+      </p:sp>
+      <p:cxnSp>
+        <p:nvCxnSpPr>
+          <p:cNvPr id="184" name="Прямая со стрелкой 183"/>
+          <p:cNvCxnSpPr>
+            <a:stCxn id="155" idx="2"/>
+            <a:endCxn id="183" idx="0"/>
+          </p:cNvCxnSpPr>
+          <p:nvPr/>
+        </p:nvCxnSpPr>
+        <p:spPr>
+          <a:xfrm flipH="1">
+            <a:off x="20997868" y="10040953"/>
+            <a:ext cx="1780" cy="213691"/>
+          </a:xfrm>
+          <a:prstGeom prst="straightConnector1">
+            <a:avLst/>
+          </a:prstGeom>
+          <a:ln w="19050">
+            <a:tailEnd type="arrow"/>
+          </a:ln>
+        </p:spPr>
+        <p:style>
+          <a:lnRef idx="1">
+            <a:schemeClr val="accent1"/>
+          </a:lnRef>
+          <a:fillRef idx="0">
+            <a:schemeClr val="accent1"/>
+          </a:fillRef>
+          <a:effectRef idx="0">
+            <a:schemeClr val="accent1"/>
+          </a:effectRef>
+          <a:fontRef idx="minor">
+            <a:schemeClr val="tx1"/>
+          </a:fontRef>
+        </p:style>
+      </p:cxnSp>
+      <p:cxnSp>
+        <p:nvCxnSpPr>
+          <p:cNvPr id="186" name="Соединительная линия уступом 124"/>
+          <p:cNvCxnSpPr>
+            <a:stCxn id="155" idx="2"/>
             <a:endCxn id="159" idx="0"/>
           </p:cNvCxnSpPr>
           <p:nvPr/>
         </p:nvCxnSpPr>
         <p:spPr>
-          <a:xfrm rot="5400000">
-            <a:off x="22480680" y="9620111"/>
-            <a:ext cx="211640" cy="1057426"/>
+          <a:xfrm rot="16200000" flipH="1">
+            <a:off x="21421872" y="9618728"/>
+            <a:ext cx="213691" cy="1058139"/>
           </a:xfrm>
           <a:prstGeom prst="bentConnector3">
             <a:avLst>
@@ -8482,13 +8805,13 @@
       </p:cxnSp>
       <p:sp>
         <p:nvSpPr>
-          <p:cNvPr id="170" name="Прямоугольник 169"/>
+          <p:cNvPr id="187" name="Прямоугольник 186"/>
           <p:cNvSpPr/>
           <p:nvPr/>
         </p:nvSpPr>
         <p:spPr>
           <a:xfrm>
-            <a:off x="24180206" y="11774727"/>
+            <a:off x="23642130" y="11059274"/>
             <a:ext cx="926325" cy="540000"/>
           </a:xfrm>
           <a:prstGeom prst="rect">
@@ -8520,61 +8843,29 @@
             <a:pPr algn="ctr"/>
             <a:r>
               <a:rPr lang="ru-RU" sz="700" dirty="0" smtClean="0"/>
-              <a:t>Подтверждение </a:t>
+              <a:t>Заключить </a:t>
+            </a:r>
+            <a:r>
+              <a:rPr lang="ru-RU" sz="700" dirty="0" err="1" smtClean="0"/>
+              <a:t>Виндзорский</a:t>
             </a:r>
             <a:r>
               <a:rPr lang="ru-RU" sz="700" dirty="0" smtClean="0"/>
-              <a:t>легитимности (на оправдание целей войны)</a:t>
+              <a:t> пакт от новой династии</a:t>
             </a:r>
             <a:endParaRPr lang="ru-RU" sz="700" dirty="0"/>
           </a:p>
         </p:txBody>
       </p:sp>
-      <p:cxnSp>
-        <p:nvCxnSpPr>
-          <p:cNvPr id="173" name="Прямая со стрелкой 172"/>
-          <p:cNvCxnSpPr>
-            <a:stCxn id="105" idx="2"/>
-            <a:endCxn id="170" idx="0"/>
-          </p:cNvCxnSpPr>
-          <p:nvPr/>
-        </p:nvCxnSpPr>
-        <p:spPr>
-          <a:xfrm>
-            <a:off x="24643369" y="8516784"/>
-            <a:ext cx="0" cy="3257943"/>
-          </a:xfrm>
-          <a:prstGeom prst="straightConnector1">
-            <a:avLst/>
-          </a:prstGeom>
-          <a:ln w="19050">
-            <a:tailEnd type="arrow"/>
-          </a:ln>
-        </p:spPr>
-        <p:style>
-          <a:lnRef idx="1">
-            <a:schemeClr val="accent1"/>
-          </a:lnRef>
-          <a:fillRef idx="0">
-            <a:schemeClr val="accent1"/>
-          </a:fillRef>
-          <a:effectRef idx="0">
-            <a:schemeClr val="accent1"/>
-          </a:effectRef>
-          <a:fontRef idx="minor">
-            <a:schemeClr val="tx1"/>
-          </a:fontRef>
-        </p:style>
-      </p:cxnSp>
-      <p:sp>
-        <p:nvSpPr>
-          <p:cNvPr id="163" name="Прямоугольник 162"/>
+      <p:sp>
+        <p:nvSpPr>
+          <p:cNvPr id="190" name="Прямоугольник 189"/>
           <p:cNvSpPr/>
           <p:nvPr/>
         </p:nvSpPr>
         <p:spPr>
           <a:xfrm>
-            <a:off x="19478838" y="9500953"/>
+            <a:off x="21591380" y="11052450"/>
             <a:ext cx="926325" cy="540000"/>
           </a:xfrm>
           <a:prstGeom prst="rect">
@@ -8605,22 +8896,21 @@
           <a:p>
             <a:pPr algn="ctr"/>
             <a:r>
-              <a:rPr lang="ru-RU" sz="700" dirty="0" smtClean="0"/>
-              <a:t>Испанский средиземноморский флот</a:t>
-            </a:r>
-            <a:endParaRPr lang="ru-RU" sz="700" dirty="0"/>
-          </a:p>
-        </p:txBody>
-      </p:sp>
-      <p:sp>
-        <p:nvSpPr>
-          <p:cNvPr id="155" name="Прямоугольник 154"/>
+              <a:rPr lang="ru-RU" sz="700" dirty="0"/>
+              <a:t>Вернуться к союзу с Германией</a:t>
+            </a:r>
+          </a:p>
+        </p:txBody>
+      </p:sp>
+      <p:sp>
+        <p:nvSpPr>
+          <p:cNvPr id="191" name="Прямоугольник 190"/>
           <p:cNvSpPr/>
           <p:nvPr/>
         </p:nvSpPr>
         <p:spPr>
           <a:xfrm>
-            <a:off x="20536485" y="9500953"/>
+            <a:off x="24722280" y="11056041"/>
             <a:ext cx="926325" cy="540000"/>
           </a:xfrm>
           <a:prstGeom prst="rect">
@@ -8652,28 +8942,291 @@
             <a:pPr algn="ctr"/>
             <a:r>
               <a:rPr lang="ru-RU" sz="700" dirty="0" smtClean="0"/>
-              <a:t>Создание </a:t>
-            </a:r>
-            <a:r>
-              <a:rPr lang="ru-RU" sz="700" dirty="0" err="1" smtClean="0"/>
-              <a:t>католико</a:t>
-            </a:r>
-            <a:r>
-              <a:rPr lang="ru-RU" sz="700" dirty="0" smtClean="0"/>
-              <a:t>-монархической общины</a:t>
-            </a:r>
-          </a:p>
-        </p:txBody>
-      </p:sp>
-      <p:sp>
-        <p:nvSpPr>
-          <p:cNvPr id="156" name="Прямоугольник 155"/>
+              <a:t>Антиреволюционный союз (наше + «вражда с левым блоком»)</a:t>
+            </a:r>
+          </a:p>
+        </p:txBody>
+      </p:sp>
+      <p:cxnSp>
+        <p:nvCxnSpPr>
+          <p:cNvPr id="201" name="Соединительная линия уступом 124"/>
+          <p:cNvCxnSpPr>
+            <a:stCxn id="124" idx="2"/>
+            <a:endCxn id="187" idx="0"/>
+          </p:cNvCxnSpPr>
+          <p:nvPr/>
+        </p:nvCxnSpPr>
+        <p:spPr>
+          <a:xfrm rot="16200000" flipH="1">
+            <a:off x="23974435" y="10928416"/>
+            <a:ext cx="261076" cy="639"/>
+          </a:xfrm>
+          <a:prstGeom prst="bentConnector3">
+            <a:avLst>
+              <a:gd name="adj1" fmla="val 50000"/>
+            </a:avLst>
+          </a:prstGeom>
+          <a:ln w="19050">
+            <a:tailEnd type="arrow"/>
+          </a:ln>
+        </p:spPr>
+        <p:style>
+          <a:lnRef idx="1">
+            <a:schemeClr val="accent1"/>
+          </a:lnRef>
+          <a:fillRef idx="0">
+            <a:schemeClr val="accent1"/>
+          </a:fillRef>
+          <a:effectRef idx="0">
+            <a:schemeClr val="accent1"/>
+          </a:effectRef>
+          <a:fontRef idx="minor">
+            <a:schemeClr val="tx1"/>
+          </a:fontRef>
+        </p:style>
+      </p:cxnSp>
+      <p:cxnSp>
+        <p:nvCxnSpPr>
+          <p:cNvPr id="203" name="Соединительная линия уступом 124"/>
+          <p:cNvCxnSpPr>
+            <a:stCxn id="183" idx="2"/>
+            <a:endCxn id="190" idx="0"/>
+          </p:cNvCxnSpPr>
+          <p:nvPr/>
+        </p:nvCxnSpPr>
+        <p:spPr>
+          <a:xfrm rot="16200000" flipH="1">
+            <a:off x="21397302" y="10395209"/>
+            <a:ext cx="257806" cy="1056675"/>
+          </a:xfrm>
+          <a:prstGeom prst="bentConnector3">
+            <a:avLst>
+              <a:gd name="adj1" fmla="val 50000"/>
+            </a:avLst>
+          </a:prstGeom>
+          <a:ln w="19050">
+            <a:prstDash val="dash"/>
+            <a:tailEnd type="arrow"/>
+          </a:ln>
+        </p:spPr>
+        <p:style>
+          <a:lnRef idx="1">
+            <a:schemeClr val="accent1"/>
+          </a:lnRef>
+          <a:fillRef idx="0">
+            <a:schemeClr val="accent1"/>
+          </a:fillRef>
+          <a:effectRef idx="0">
+            <a:schemeClr val="accent1"/>
+          </a:effectRef>
+          <a:fontRef idx="minor">
+            <a:schemeClr val="tx1"/>
+          </a:fontRef>
+        </p:style>
+      </p:cxnSp>
+      <p:cxnSp>
+        <p:nvCxnSpPr>
+          <p:cNvPr id="204" name="Соединительная линия уступом 124"/>
+          <p:cNvCxnSpPr>
+            <a:stCxn id="83" idx="2"/>
+            <a:endCxn id="190" idx="0"/>
+          </p:cNvCxnSpPr>
+          <p:nvPr/>
+        </p:nvCxnSpPr>
+        <p:spPr>
+          <a:xfrm rot="5400000">
+            <a:off x="22456527" y="10392660"/>
+            <a:ext cx="257806" cy="1061774"/>
+          </a:xfrm>
+          <a:prstGeom prst="bentConnector3">
+            <a:avLst>
+              <a:gd name="adj1" fmla="val 50000"/>
+            </a:avLst>
+          </a:prstGeom>
+          <a:ln w="19050">
+            <a:prstDash val="dash"/>
+            <a:tailEnd type="arrow"/>
+          </a:ln>
+        </p:spPr>
+        <p:style>
+          <a:lnRef idx="1">
+            <a:schemeClr val="accent1"/>
+          </a:lnRef>
+          <a:fillRef idx="0">
+            <a:schemeClr val="accent1"/>
+          </a:fillRef>
+          <a:effectRef idx="0">
+            <a:schemeClr val="accent1"/>
+          </a:effectRef>
+          <a:fontRef idx="minor">
+            <a:schemeClr val="tx1"/>
+          </a:fontRef>
+        </p:style>
+      </p:cxnSp>
+      <p:cxnSp>
+        <p:nvCxnSpPr>
+          <p:cNvPr id="206" name="Соединительная линия уступом 124"/>
+          <p:cNvCxnSpPr>
+            <a:stCxn id="83" idx="2"/>
+            <a:endCxn id="191" idx="0"/>
+          </p:cNvCxnSpPr>
+          <p:nvPr/>
+        </p:nvCxnSpPr>
+        <p:spPr>
+          <a:xfrm rot="16200000" flipH="1">
+            <a:off x="24020182" y="9890779"/>
+            <a:ext cx="261397" cy="2069126"/>
+          </a:xfrm>
+          <a:prstGeom prst="bentConnector3">
+            <a:avLst>
+              <a:gd name="adj1" fmla="val 50000"/>
+            </a:avLst>
+          </a:prstGeom>
+          <a:ln w="19050">
+            <a:prstDash val="dash"/>
+            <a:tailEnd type="arrow"/>
+          </a:ln>
+        </p:spPr>
+        <p:style>
+          <a:lnRef idx="1">
+            <a:schemeClr val="accent1"/>
+          </a:lnRef>
+          <a:fillRef idx="0">
+            <a:schemeClr val="accent1"/>
+          </a:fillRef>
+          <a:effectRef idx="0">
+            <a:schemeClr val="accent1"/>
+          </a:effectRef>
+          <a:fontRef idx="minor">
+            <a:schemeClr val="tx1"/>
+          </a:fontRef>
+        </p:style>
+      </p:cxnSp>
+      <p:cxnSp>
+        <p:nvCxnSpPr>
+          <p:cNvPr id="212" name="Прямая соединительная линия 211"/>
+          <p:cNvCxnSpPr>
+            <a:stCxn id="187" idx="1"/>
+            <a:endCxn id="190" idx="3"/>
+          </p:cNvCxnSpPr>
+          <p:nvPr/>
+        </p:nvCxnSpPr>
+        <p:spPr>
+          <a:xfrm flipH="1" flipV="1">
+            <a:off x="22517705" y="11322450"/>
+            <a:ext cx="1124425" cy="6824"/>
+          </a:xfrm>
+          <a:prstGeom prst="line">
+            <a:avLst/>
+          </a:prstGeom>
+          <a:ln w="19050">
+            <a:solidFill>
+              <a:srgbClr val="FF0000"/>
+            </a:solidFill>
+          </a:ln>
+        </p:spPr>
+        <p:style>
+          <a:lnRef idx="1">
+            <a:schemeClr val="accent1"/>
+          </a:lnRef>
+          <a:fillRef idx="0">
+            <a:schemeClr val="accent1"/>
+          </a:fillRef>
+          <a:effectRef idx="0">
+            <a:schemeClr val="accent1"/>
+          </a:effectRef>
+          <a:fontRef idx="minor">
+            <a:schemeClr val="tx1"/>
+          </a:fontRef>
+        </p:style>
+      </p:cxnSp>
+      <p:cxnSp>
+        <p:nvCxnSpPr>
+          <p:cNvPr id="218" name="Соединительная линия уступом 217"/>
+          <p:cNvCxnSpPr>
+            <a:stCxn id="109" idx="2"/>
+            <a:endCxn id="154" idx="0"/>
+          </p:cNvCxnSpPr>
+          <p:nvPr/>
+        </p:nvCxnSpPr>
+        <p:spPr>
+          <a:xfrm rot="5400000">
+            <a:off x="25088853" y="8291623"/>
+            <a:ext cx="239154" cy="2180455"/>
+          </a:xfrm>
+          <a:prstGeom prst="bentConnector3">
+            <a:avLst>
+              <a:gd name="adj1" fmla="val 50000"/>
+            </a:avLst>
+          </a:prstGeom>
+          <a:ln w="19050">
+            <a:prstDash val="dash"/>
+            <a:tailEnd type="arrow"/>
+          </a:ln>
+        </p:spPr>
+        <p:style>
+          <a:lnRef idx="1">
+            <a:schemeClr val="accent1"/>
+          </a:lnRef>
+          <a:fillRef idx="0">
+            <a:schemeClr val="accent1"/>
+          </a:fillRef>
+          <a:effectRef idx="0">
+            <a:schemeClr val="accent1"/>
+          </a:effectRef>
+          <a:fontRef idx="minor">
+            <a:schemeClr val="tx1"/>
+          </a:fontRef>
+        </p:style>
+      </p:cxnSp>
+      <p:cxnSp>
+        <p:nvCxnSpPr>
+          <p:cNvPr id="221" name="Соединительная линия уступом 220"/>
+          <p:cNvCxnSpPr>
+            <a:stCxn id="110" idx="2"/>
+            <a:endCxn id="154" idx="0"/>
+          </p:cNvCxnSpPr>
+          <p:nvPr/>
+        </p:nvCxnSpPr>
+        <p:spPr>
+          <a:xfrm rot="5400000">
+            <a:off x="26212398" y="7168077"/>
+            <a:ext cx="239154" cy="4427546"/>
+          </a:xfrm>
+          <a:prstGeom prst="bentConnector3">
+            <a:avLst>
+              <a:gd name="adj1" fmla="val 50000"/>
+            </a:avLst>
+          </a:prstGeom>
+          <a:ln w="19050">
+            <a:prstDash val="dash"/>
+            <a:tailEnd type="arrow"/>
+          </a:ln>
+        </p:spPr>
+        <p:style>
+          <a:lnRef idx="1">
+            <a:schemeClr val="accent1"/>
+          </a:lnRef>
+          <a:fillRef idx="0">
+            <a:schemeClr val="accent1"/>
+          </a:fillRef>
+          <a:effectRef idx="0">
+            <a:schemeClr val="accent1"/>
+          </a:effectRef>
+          <a:fontRef idx="minor">
+            <a:schemeClr val="tx1"/>
+          </a:fontRef>
+        </p:style>
+      </p:cxnSp>
+      <p:sp>
+        <p:nvSpPr>
+          <p:cNvPr id="230" name="Прямоугольник 229"/>
           <p:cNvSpPr/>
           <p:nvPr/>
         </p:nvSpPr>
         <p:spPr>
           <a:xfrm>
-            <a:off x="19478838" y="10254896"/>
+            <a:off x="25842315" y="9514541"/>
             <a:ext cx="926325" cy="540000"/>
           </a:xfrm>
           <a:prstGeom prst="rect">
@@ -8705,15 +9258,15 @@
             <a:pPr algn="ctr"/>
             <a:r>
               <a:rPr lang="ru-RU" sz="700" dirty="0" smtClean="0"/>
-              <a:t>Претензии на </a:t>
+              <a:t>Забрать трон у </a:t>
             </a:r>
             <a:r>
               <a:rPr lang="ru-RU" sz="700" dirty="0" err="1" smtClean="0"/>
-              <a:t>Габсбургские</a:t>
+              <a:t>Виндзоров</a:t>
             </a:r>
             <a:r>
               <a:rPr lang="ru-RU" sz="700" dirty="0" smtClean="0"/>
-              <a:t> земли</a:t>
+              <a:t> (мать Хуана внучка королевы Виктории)</a:t>
             </a:r>
             <a:endParaRPr lang="ru-RU" sz="700" dirty="0"/>
           </a:p>
@@ -8721,17 +9274,17 @@
       </p:sp>
       <p:cxnSp>
         <p:nvCxnSpPr>
-          <p:cNvPr id="164" name="Прямая со стрелкой 163"/>
-          <p:cNvCxnSpPr>
-            <a:stCxn id="163" idx="2"/>
-            <a:endCxn id="156" idx="0"/>
-          </p:cNvCxnSpPr>
-          <p:nvPr/>
-        </p:nvCxnSpPr>
-        <p:spPr>
-          <a:xfrm>
-            <a:off x="19942001" y="10040953"/>
-            <a:ext cx="0" cy="213943"/>
+          <p:cNvPr id="231" name="Прямая со стрелкой 230"/>
+          <p:cNvCxnSpPr>
+            <a:stCxn id="145" idx="2"/>
+            <a:endCxn id="148" idx="0"/>
+          </p:cNvCxnSpPr>
+          <p:nvPr/>
+        </p:nvCxnSpPr>
+        <p:spPr>
+          <a:xfrm>
+            <a:off x="25182342" y="10048610"/>
+            <a:ext cx="1" cy="206034"/>
           </a:xfrm>
           <a:prstGeom prst="straightConnector1">
             <a:avLst/>
@@ -8755,15 +9308,318 @@
           </a:fontRef>
         </p:style>
       </p:cxnSp>
-      <p:sp>
-        <p:nvSpPr>
-          <p:cNvPr id="183" name="Прямоугольник 182"/>
+      <p:cxnSp>
+        <p:nvCxnSpPr>
+          <p:cNvPr id="234" name="Прямая со стрелкой 233"/>
+          <p:cNvCxnSpPr>
+            <a:stCxn id="138" idx="2"/>
+            <a:endCxn id="147" idx="0"/>
+          </p:cNvCxnSpPr>
+          <p:nvPr/>
+        </p:nvCxnSpPr>
+        <p:spPr>
+          <a:xfrm>
+            <a:off x="27422611" y="10047777"/>
+            <a:ext cx="3" cy="206867"/>
+          </a:xfrm>
+          <a:prstGeom prst="straightConnector1">
+            <a:avLst/>
+          </a:prstGeom>
+          <a:ln w="19050">
+            <a:tailEnd type="arrow"/>
+          </a:ln>
+        </p:spPr>
+        <p:style>
+          <a:lnRef idx="1">
+            <a:schemeClr val="accent1"/>
+          </a:lnRef>
+          <a:fillRef idx="0">
+            <a:schemeClr val="accent1"/>
+          </a:fillRef>
+          <a:effectRef idx="0">
+            <a:schemeClr val="accent1"/>
+          </a:effectRef>
+          <a:fontRef idx="minor">
+            <a:schemeClr val="tx1"/>
+          </a:fontRef>
+        </p:style>
+      </p:cxnSp>
+      <p:cxnSp>
+        <p:nvCxnSpPr>
+          <p:cNvPr id="237" name="Прямая со стрелкой 236"/>
+          <p:cNvCxnSpPr>
+            <a:stCxn id="109" idx="2"/>
+            <a:endCxn id="230" idx="0"/>
+          </p:cNvCxnSpPr>
+          <p:nvPr/>
+        </p:nvCxnSpPr>
+        <p:spPr>
+          <a:xfrm>
+            <a:off x="26298657" y="9262273"/>
+            <a:ext cx="6821" cy="252268"/>
+          </a:xfrm>
+          <a:prstGeom prst="straightConnector1">
+            <a:avLst/>
+          </a:prstGeom>
+          <a:ln w="19050">
+            <a:tailEnd type="arrow"/>
+          </a:ln>
+        </p:spPr>
+        <p:style>
+          <a:lnRef idx="1">
+            <a:schemeClr val="accent1"/>
+          </a:lnRef>
+          <a:fillRef idx="0">
+            <a:schemeClr val="accent1"/>
+          </a:fillRef>
+          <a:effectRef idx="0">
+            <a:schemeClr val="accent1"/>
+          </a:effectRef>
+          <a:fontRef idx="minor">
+            <a:schemeClr val="tx1"/>
+          </a:fontRef>
+        </p:style>
+      </p:cxnSp>
+      <p:cxnSp>
+        <p:nvCxnSpPr>
+          <p:cNvPr id="248" name="Соединительная линия уступом 124"/>
+          <p:cNvCxnSpPr>
+            <a:stCxn id="183" idx="2"/>
+            <a:endCxn id="191" idx="0"/>
+          </p:cNvCxnSpPr>
+          <p:nvPr/>
+        </p:nvCxnSpPr>
+        <p:spPr>
+          <a:xfrm rot="16200000" flipH="1">
+            <a:off x="22960957" y="8831554"/>
+            <a:ext cx="261397" cy="4187575"/>
+          </a:xfrm>
+          <a:prstGeom prst="bentConnector3">
+            <a:avLst>
+              <a:gd name="adj1" fmla="val 50000"/>
+            </a:avLst>
+          </a:prstGeom>
+          <a:ln w="19050">
+            <a:prstDash val="dash"/>
+            <a:tailEnd type="arrow"/>
+          </a:ln>
+        </p:spPr>
+        <p:style>
+          <a:lnRef idx="1">
+            <a:schemeClr val="accent1"/>
+          </a:lnRef>
+          <a:fillRef idx="0">
+            <a:schemeClr val="accent1"/>
+          </a:fillRef>
+          <a:effectRef idx="0">
+            <a:schemeClr val="accent1"/>
+          </a:effectRef>
+          <a:fontRef idx="minor">
+            <a:schemeClr val="tx1"/>
+          </a:fontRef>
+        </p:style>
+      </p:cxnSp>
+      <p:cxnSp>
+        <p:nvCxnSpPr>
+          <p:cNvPr id="251" name="Соединительная линия уступом 124"/>
+          <p:cNvCxnSpPr>
+            <a:stCxn id="142" idx="2"/>
+            <a:endCxn id="191" idx="0"/>
+          </p:cNvCxnSpPr>
+          <p:nvPr/>
+        </p:nvCxnSpPr>
+        <p:spPr>
+          <a:xfrm rot="5400000">
+            <a:off x="25611352" y="10368736"/>
+            <a:ext cx="261397" cy="1113213"/>
+          </a:xfrm>
+          <a:prstGeom prst="bentConnector3">
+            <a:avLst>
+              <a:gd name="adj1" fmla="val 50000"/>
+            </a:avLst>
+          </a:prstGeom>
+          <a:ln w="19050">
+            <a:prstDash val="dash"/>
+            <a:tailEnd type="arrow"/>
+          </a:ln>
+        </p:spPr>
+        <p:style>
+          <a:lnRef idx="1">
+            <a:schemeClr val="accent1"/>
+          </a:lnRef>
+          <a:fillRef idx="0">
+            <a:schemeClr val="accent1"/>
+          </a:fillRef>
+          <a:effectRef idx="0">
+            <a:schemeClr val="accent1"/>
+          </a:effectRef>
+          <a:fontRef idx="minor">
+            <a:schemeClr val="tx1"/>
+          </a:fontRef>
+        </p:style>
+      </p:cxnSp>
+      <p:cxnSp>
+        <p:nvCxnSpPr>
+          <p:cNvPr id="254" name="Соединительная линия уступом 124"/>
+          <p:cNvCxnSpPr>
+            <a:stCxn id="179" idx="2"/>
+            <a:endCxn id="191" idx="0"/>
+          </p:cNvCxnSpPr>
+          <p:nvPr/>
+        </p:nvCxnSpPr>
+        <p:spPr>
+          <a:xfrm rot="5400000">
+            <a:off x="26734898" y="9245189"/>
+            <a:ext cx="261397" cy="3360306"/>
+          </a:xfrm>
+          <a:prstGeom prst="bentConnector3">
+            <a:avLst>
+              <a:gd name="adj1" fmla="val 50000"/>
+            </a:avLst>
+          </a:prstGeom>
+          <a:ln w="19050">
+            <a:prstDash val="dash"/>
+            <a:tailEnd type="arrow"/>
+          </a:ln>
+        </p:spPr>
+        <p:style>
+          <a:lnRef idx="1">
+            <a:schemeClr val="accent1"/>
+          </a:lnRef>
+          <a:fillRef idx="0">
+            <a:schemeClr val="accent1"/>
+          </a:fillRef>
+          <a:effectRef idx="0">
+            <a:schemeClr val="accent1"/>
+          </a:effectRef>
+          <a:fontRef idx="minor">
+            <a:schemeClr val="tx1"/>
+          </a:fontRef>
+        </p:style>
+      </p:cxnSp>
+      <p:cxnSp>
+        <p:nvCxnSpPr>
+          <p:cNvPr id="257" name="Прямая соединительная линия 256"/>
+          <p:cNvCxnSpPr>
+            <a:stCxn id="191" idx="1"/>
+            <a:endCxn id="187" idx="3"/>
+          </p:cNvCxnSpPr>
+          <p:nvPr/>
+        </p:nvCxnSpPr>
+        <p:spPr>
+          <a:xfrm flipH="1">
+            <a:off x="24568455" y="11326041"/>
+            <a:ext cx="153825" cy="3233"/>
+          </a:xfrm>
+          <a:prstGeom prst="line">
+            <a:avLst/>
+          </a:prstGeom>
+          <a:ln w="19050">
+            <a:solidFill>
+              <a:srgbClr val="FF0000"/>
+            </a:solidFill>
+          </a:ln>
+        </p:spPr>
+        <p:style>
+          <a:lnRef idx="1">
+            <a:schemeClr val="accent1"/>
+          </a:lnRef>
+          <a:fillRef idx="0">
+            <a:schemeClr val="accent1"/>
+          </a:fillRef>
+          <a:effectRef idx="0">
+            <a:schemeClr val="accent1"/>
+          </a:effectRef>
+          <a:fontRef idx="minor">
+            <a:schemeClr val="tx1"/>
+          </a:fontRef>
+        </p:style>
+      </p:cxnSp>
+      <p:cxnSp>
+        <p:nvCxnSpPr>
+          <p:cNvPr id="262" name="Прямая соединительная линия 261"/>
+          <p:cNvCxnSpPr>
+            <a:stCxn id="350" idx="1"/>
+            <a:endCxn id="191" idx="3"/>
+          </p:cNvCxnSpPr>
+          <p:nvPr/>
+        </p:nvCxnSpPr>
+        <p:spPr>
+          <a:xfrm flipH="1">
+            <a:off x="25648605" y="11315327"/>
+            <a:ext cx="1316505" cy="10714"/>
+          </a:xfrm>
+          <a:prstGeom prst="line">
+            <a:avLst/>
+          </a:prstGeom>
+          <a:ln w="19050">
+            <a:solidFill>
+              <a:srgbClr val="FF0000"/>
+            </a:solidFill>
+          </a:ln>
+        </p:spPr>
+        <p:style>
+          <a:lnRef idx="1">
+            <a:schemeClr val="accent1"/>
+          </a:lnRef>
+          <a:fillRef idx="0">
+            <a:schemeClr val="accent1"/>
+          </a:fillRef>
+          <a:effectRef idx="0">
+            <a:schemeClr val="accent1"/>
+          </a:effectRef>
+          <a:fontRef idx="minor">
+            <a:schemeClr val="tx1"/>
+          </a:fontRef>
+        </p:style>
+      </p:cxnSp>
+      <p:cxnSp>
+        <p:nvCxnSpPr>
+          <p:cNvPr id="265" name="Соединительная линия уступом 264"/>
+          <p:cNvCxnSpPr>
+            <a:stCxn id="142" idx="2"/>
+            <a:endCxn id="190" idx="0"/>
+          </p:cNvCxnSpPr>
+          <p:nvPr/>
+        </p:nvCxnSpPr>
+        <p:spPr>
+          <a:xfrm rot="5400000">
+            <a:off x="24047697" y="8801491"/>
+            <a:ext cx="257806" cy="4244113"/>
+          </a:xfrm>
+          <a:prstGeom prst="bentConnector3">
+            <a:avLst>
+              <a:gd name="adj1" fmla="val 50000"/>
+            </a:avLst>
+          </a:prstGeom>
+          <a:ln w="19050">
+            <a:tailEnd type="arrow"/>
+          </a:ln>
+        </p:spPr>
+        <p:style>
+          <a:lnRef idx="1">
+            <a:schemeClr val="accent1"/>
+          </a:lnRef>
+          <a:fillRef idx="0">
+            <a:schemeClr val="accent1"/>
+          </a:fillRef>
+          <a:effectRef idx="0">
+            <a:schemeClr val="accent1"/>
+          </a:effectRef>
+          <a:fontRef idx="minor">
+            <a:schemeClr val="tx1"/>
+          </a:fontRef>
+        </p:style>
+      </p:cxnSp>
+      <p:sp>
+        <p:nvSpPr>
+          <p:cNvPr id="280" name="Прямоугольник 279"/>
           <p:cNvSpPr/>
           <p:nvPr/>
         </p:nvSpPr>
         <p:spPr>
           <a:xfrm>
-            <a:off x="20534705" y="10254644"/>
+            <a:off x="23648967" y="12575301"/>
             <a:ext cx="926325" cy="540000"/>
           </a:xfrm>
           <a:prstGeom prst="rect">
@@ -8794,61 +9650,71 @@
           <a:p>
             <a:pPr algn="ctr"/>
             <a:r>
+              <a:rPr lang="ru-RU" sz="700" dirty="0"/>
+              <a:t>Пулемёт и католический молитвенник</a:t>
+            </a:r>
+          </a:p>
+        </p:txBody>
+      </p:sp>
+      <p:sp>
+        <p:nvSpPr>
+          <p:cNvPr id="281" name="Прямоугольник 280"/>
+          <p:cNvSpPr/>
+          <p:nvPr/>
+        </p:nvSpPr>
+        <p:spPr>
+          <a:xfrm>
+            <a:off x="26305477" y="12575301"/>
+            <a:ext cx="926325" cy="540000"/>
+          </a:xfrm>
+          <a:prstGeom prst="rect">
+            <a:avLst/>
+          </a:prstGeom>
+          <a:solidFill>
+            <a:srgbClr val="7030A0"/>
+          </a:solidFill>
+          <a:ln w="19050"/>
+        </p:spPr>
+        <p:style>
+          <a:lnRef idx="2">
+            <a:schemeClr val="accent1"/>
+          </a:lnRef>
+          <a:fillRef idx="1">
+            <a:schemeClr val="lt1"/>
+          </a:fillRef>
+          <a:effectRef idx="0">
+            <a:schemeClr val="accent1"/>
+          </a:effectRef>
+          <a:fontRef idx="minor">
+            <a:schemeClr val="dk1"/>
+          </a:fontRef>
+        </p:style>
+        <p:txBody>
+          <a:bodyPr lIns="124733" tIns="62367" rIns="124733" bIns="62367" rtlCol="0" anchor="ctr"/>
+          <a:lstStyle/>
+          <a:p>
+            <a:pPr algn="ctr"/>
+            <a:r>
               <a:rPr lang="ru-RU" sz="700" dirty="0" smtClean="0"/>
-              <a:t>Идея превыше всего!</a:t>
-            </a:r>
-          </a:p>
-        </p:txBody>
-      </p:sp>
-      <p:cxnSp>
-        <p:nvCxnSpPr>
-          <p:cNvPr id="184" name="Прямая со стрелкой 183"/>
-          <p:cNvCxnSpPr>
-            <a:stCxn id="155" idx="2"/>
-            <a:endCxn id="183" idx="0"/>
-          </p:cNvCxnSpPr>
-          <p:nvPr/>
-        </p:nvCxnSpPr>
-        <p:spPr>
-          <a:xfrm flipH="1">
-            <a:off x="20997868" y="10040953"/>
-            <a:ext cx="1780" cy="213691"/>
-          </a:xfrm>
-          <a:prstGeom prst="straightConnector1">
-            <a:avLst/>
-          </a:prstGeom>
-          <a:ln w="19050">
-            <a:tailEnd type="arrow"/>
-          </a:ln>
-        </p:spPr>
-        <p:style>
-          <a:lnRef idx="1">
-            <a:schemeClr val="accent1"/>
-          </a:lnRef>
-          <a:fillRef idx="0">
-            <a:schemeClr val="accent1"/>
-          </a:fillRef>
-          <a:effectRef idx="0">
-            <a:schemeClr val="accent1"/>
-          </a:effectRef>
-          <a:fontRef idx="minor">
-            <a:schemeClr val="tx1"/>
-          </a:fontRef>
-        </p:style>
-      </p:cxnSp>
-      <p:cxnSp>
-        <p:nvCxnSpPr>
-          <p:cNvPr id="186" name="Соединительная линия уступом 124"/>
-          <p:cNvCxnSpPr>
-            <a:stCxn id="155" idx="2"/>
-            <a:endCxn id="159" idx="0"/>
+              <a:t>Возродить империю (ванильное «восстановить империю»)</a:t>
+            </a:r>
+            <a:endParaRPr lang="ru-RU" sz="700" dirty="0"/>
+          </a:p>
+        </p:txBody>
+      </p:sp>
+      <p:cxnSp>
+        <p:nvCxnSpPr>
+          <p:cNvPr id="282" name="Соединительная линия уступом 124"/>
+          <p:cNvCxnSpPr>
+            <a:stCxn id="170" idx="2"/>
+            <a:endCxn id="281" idx="0"/>
           </p:cNvCxnSpPr>
           <p:nvPr/>
         </p:nvCxnSpPr>
         <p:spPr>
           <a:xfrm rot="16200000" flipH="1">
-            <a:off x="21421872" y="9618728"/>
-            <a:ext cx="213691" cy="1058139"/>
+            <a:off x="25575717" y="11382378"/>
+            <a:ext cx="260574" cy="2125271"/>
           </a:xfrm>
           <a:prstGeom prst="bentConnector3">
             <a:avLst>
@@ -8856,34 +9722,71 @@
             </a:avLst>
           </a:prstGeom>
           <a:ln w="19050">
-            <a:prstDash val="dash"/>
-            <a:tailEnd type="arrow"/>
-          </a:ln>
-        </p:spPr>
-        <p:style>
-          <a:lnRef idx="1">
-            <a:schemeClr val="accent1"/>
-          </a:lnRef>
-          <a:fillRef idx="0">
-            <a:schemeClr val="accent1"/>
-          </a:fillRef>
-          <a:effectRef idx="0">
-            <a:schemeClr val="accent1"/>
-          </a:effectRef>
-          <a:fontRef idx="minor">
-            <a:schemeClr val="tx1"/>
-          </a:fontRef>
-        </p:style>
-      </p:cxnSp>
-      <p:sp>
-        <p:nvSpPr>
-          <p:cNvPr id="187" name="Прямоугольник 186"/>
+            <a:tailEnd type="arrow"/>
+          </a:ln>
+        </p:spPr>
+        <p:style>
+          <a:lnRef idx="1">
+            <a:schemeClr val="accent1"/>
+          </a:lnRef>
+          <a:fillRef idx="0">
+            <a:schemeClr val="accent1"/>
+          </a:fillRef>
+          <a:effectRef idx="0">
+            <a:schemeClr val="accent1"/>
+          </a:effectRef>
+          <a:fontRef idx="minor">
+            <a:schemeClr val="tx1"/>
+          </a:fontRef>
+        </p:style>
+      </p:cxnSp>
+      <p:cxnSp>
+        <p:nvCxnSpPr>
+          <p:cNvPr id="285" name="Соединительная линия уступом 124"/>
+          <p:cNvCxnSpPr>
+            <a:stCxn id="170" idx="2"/>
+            <a:endCxn id="280" idx="0"/>
+          </p:cNvCxnSpPr>
+          <p:nvPr/>
+        </p:nvCxnSpPr>
+        <p:spPr>
+          <a:xfrm rot="5400000">
+            <a:off x="24247463" y="12179395"/>
+            <a:ext cx="260574" cy="531239"/>
+          </a:xfrm>
+          <a:prstGeom prst="bentConnector3">
+            <a:avLst>
+              <a:gd name="adj1" fmla="val 50000"/>
+            </a:avLst>
+          </a:prstGeom>
+          <a:ln w="19050">
+            <a:tailEnd type="arrow"/>
+          </a:ln>
+        </p:spPr>
+        <p:style>
+          <a:lnRef idx="1">
+            <a:schemeClr val="accent1"/>
+          </a:lnRef>
+          <a:fillRef idx="0">
+            <a:schemeClr val="accent1"/>
+          </a:fillRef>
+          <a:effectRef idx="0">
+            <a:schemeClr val="accent1"/>
+          </a:effectRef>
+          <a:fontRef idx="minor">
+            <a:schemeClr val="tx1"/>
+          </a:fontRef>
+        </p:style>
+      </p:cxnSp>
+      <p:sp>
+        <p:nvSpPr>
+          <p:cNvPr id="288" name="Прямоугольник 287"/>
           <p:cNvSpPr/>
           <p:nvPr/>
         </p:nvSpPr>
         <p:spPr>
           <a:xfrm>
-            <a:off x="23642130" y="11059274"/>
+            <a:off x="25282451" y="13359821"/>
             <a:ext cx="926325" cy="540000"/>
           </a:xfrm>
           <a:prstGeom prst="rect">
@@ -8915,15 +9818,23 @@
             <a:pPr algn="ctr"/>
             <a:r>
               <a:rPr lang="ru-RU" sz="700" dirty="0" smtClean="0"/>
-              <a:t>Заключить </a:t>
+              <a:t>Основать академию </a:t>
             </a:r>
             <a:r>
               <a:rPr lang="ru-RU" sz="700" dirty="0" err="1" smtClean="0"/>
-              <a:t>Виндзорский</a:t>
+              <a:t>Васкеса</a:t>
             </a:r>
             <a:r>
               <a:rPr lang="ru-RU" sz="700" dirty="0" smtClean="0"/>
-              <a:t> пакт от новой династии</a:t>
+              <a:t> де </a:t>
+            </a:r>
+            <a:r>
+              <a:rPr lang="ru-RU" sz="700" dirty="0" err="1" smtClean="0"/>
+              <a:t>Меллы</a:t>
+            </a:r>
+            <a:r>
+              <a:rPr lang="ru-RU" sz="700" dirty="0" smtClean="0"/>
+              <a:t>(ваниль)</a:t>
             </a:r>
             <a:endParaRPr lang="ru-RU" sz="700" dirty="0"/>
           </a:p>
@@ -8931,13 +9842,13 @@
       </p:sp>
       <p:sp>
         <p:nvSpPr>
-          <p:cNvPr id="189" name="Прямоугольник 188"/>
+          <p:cNvPr id="295" name="Прямоугольник 294"/>
           <p:cNvSpPr/>
           <p:nvPr/>
         </p:nvSpPr>
         <p:spPr>
           <a:xfrm>
-            <a:off x="20021769" y="11055723"/>
+            <a:off x="21601939" y="8729299"/>
             <a:ext cx="926325" cy="540000"/>
           </a:xfrm>
           <a:prstGeom prst="rect">
@@ -8968,1149 +9879,12 @@
           <a:p>
             <a:pPr algn="ctr"/>
             <a:r>
-              <a:rPr lang="ru-RU" sz="700" dirty="0" smtClean="0"/>
-              <a:t>Вернуться к союзу с Германией</a:t>
-            </a:r>
-            <a:endParaRPr lang="ru-RU" sz="700" dirty="0"/>
-          </a:p>
-        </p:txBody>
-      </p:sp>
-      <p:sp>
-        <p:nvSpPr>
-          <p:cNvPr id="190" name="Прямоугольник 189"/>
-          <p:cNvSpPr/>
-          <p:nvPr/>
-        </p:nvSpPr>
-        <p:spPr>
-          <a:xfrm>
-            <a:off x="21591380" y="11052450"/>
-            <a:ext cx="926325" cy="540000"/>
-          </a:xfrm>
-          <a:prstGeom prst="rect">
-            <a:avLst/>
-          </a:prstGeom>
-          <a:solidFill>
-            <a:srgbClr val="7030A0"/>
-          </a:solidFill>
-          <a:ln w="19050"/>
-        </p:spPr>
-        <p:style>
-          <a:lnRef idx="2">
-            <a:schemeClr val="accent1"/>
-          </a:lnRef>
-          <a:fillRef idx="1">
-            <a:schemeClr val="lt1"/>
-          </a:fillRef>
-          <a:effectRef idx="0">
-            <a:schemeClr val="accent1"/>
-          </a:effectRef>
-          <a:fontRef idx="minor">
-            <a:schemeClr val="dk1"/>
-          </a:fontRef>
-        </p:style>
-        <p:txBody>
-          <a:bodyPr lIns="124733" tIns="62367" rIns="124733" bIns="62367" rtlCol="0" anchor="ctr"/>
-          <a:lstStyle/>
-          <a:p>
-            <a:pPr algn="ctr"/>
-            <a:r>
-              <a:rPr lang="ru-RU" sz="700" dirty="0"/>
-              <a:t>Присоединиться к Оси</a:t>
-            </a:r>
-          </a:p>
-        </p:txBody>
-      </p:sp>
-      <p:sp>
-        <p:nvSpPr>
-          <p:cNvPr id="191" name="Прямоугольник 190"/>
-          <p:cNvSpPr/>
-          <p:nvPr/>
-        </p:nvSpPr>
-        <p:spPr>
-          <a:xfrm>
-            <a:off x="24722280" y="11056041"/>
-            <a:ext cx="926325" cy="540000"/>
-          </a:xfrm>
-          <a:prstGeom prst="rect">
-            <a:avLst/>
-          </a:prstGeom>
-          <a:solidFill>
-            <a:srgbClr val="7030A0"/>
-          </a:solidFill>
-          <a:ln w="19050"/>
-        </p:spPr>
-        <p:style>
-          <a:lnRef idx="2">
-            <a:schemeClr val="accent1"/>
-          </a:lnRef>
-          <a:fillRef idx="1">
-            <a:schemeClr val="lt1"/>
-          </a:fillRef>
-          <a:effectRef idx="0">
-            <a:schemeClr val="accent1"/>
-          </a:effectRef>
-          <a:fontRef idx="minor">
-            <a:schemeClr val="dk1"/>
-          </a:fontRef>
-        </p:style>
-        <p:txBody>
-          <a:bodyPr lIns="124733" tIns="62367" rIns="124733" bIns="62367" rtlCol="0" anchor="ctr"/>
-          <a:lstStyle/>
-          <a:p>
-            <a:pPr algn="ctr"/>
-            <a:r>
-              <a:rPr lang="ru-RU" sz="700" dirty="0" smtClean="0"/>
-              <a:t>Антиреволюционный союз (наше + «вражда с левым блоком»)</a:t>
-            </a:r>
-          </a:p>
-        </p:txBody>
-      </p:sp>
-      <p:cxnSp>
-        <p:nvCxnSpPr>
-          <p:cNvPr id="201" name="Соединительная линия уступом 124"/>
-          <p:cNvCxnSpPr>
-            <a:stCxn id="124" idx="2"/>
-            <a:endCxn id="187" idx="0"/>
-          </p:cNvCxnSpPr>
-          <p:nvPr/>
-        </p:nvCxnSpPr>
-        <p:spPr>
-          <a:xfrm rot="16200000" flipH="1">
-            <a:off x="23974435" y="10928416"/>
-            <a:ext cx="261076" cy="639"/>
-          </a:xfrm>
-          <a:prstGeom prst="bentConnector3">
-            <a:avLst>
-              <a:gd name="adj1" fmla="val 50000"/>
-            </a:avLst>
-          </a:prstGeom>
-          <a:ln w="19050">
-            <a:tailEnd type="arrow"/>
-          </a:ln>
-        </p:spPr>
-        <p:style>
-          <a:lnRef idx="1">
-            <a:schemeClr val="accent1"/>
-          </a:lnRef>
-          <a:fillRef idx="0">
-            <a:schemeClr val="accent1"/>
-          </a:fillRef>
-          <a:effectRef idx="0">
-            <a:schemeClr val="accent1"/>
-          </a:effectRef>
-          <a:fontRef idx="minor">
-            <a:schemeClr val="tx1"/>
-          </a:fontRef>
-        </p:style>
-      </p:cxnSp>
-      <p:cxnSp>
-        <p:nvCxnSpPr>
-          <p:cNvPr id="203" name="Соединительная линия уступом 124"/>
-          <p:cNvCxnSpPr>
-            <a:stCxn id="183" idx="2"/>
-            <a:endCxn id="190" idx="0"/>
-          </p:cNvCxnSpPr>
-          <p:nvPr/>
-        </p:nvCxnSpPr>
-        <p:spPr>
-          <a:xfrm rot="16200000" flipH="1">
-            <a:off x="21397302" y="10395209"/>
-            <a:ext cx="257806" cy="1056675"/>
-          </a:xfrm>
-          <a:prstGeom prst="bentConnector3">
-            <a:avLst>
-              <a:gd name="adj1" fmla="val 50000"/>
-            </a:avLst>
-          </a:prstGeom>
-          <a:ln w="19050">
-            <a:prstDash val="dash"/>
-            <a:tailEnd type="arrow"/>
-          </a:ln>
-        </p:spPr>
-        <p:style>
-          <a:lnRef idx="1">
-            <a:schemeClr val="accent1"/>
-          </a:lnRef>
-          <a:fillRef idx="0">
-            <a:schemeClr val="accent1"/>
-          </a:fillRef>
-          <a:effectRef idx="0">
-            <a:schemeClr val="accent1"/>
-          </a:effectRef>
-          <a:fontRef idx="minor">
-            <a:schemeClr val="tx1"/>
-          </a:fontRef>
-        </p:style>
-      </p:cxnSp>
-      <p:cxnSp>
-        <p:nvCxnSpPr>
-          <p:cNvPr id="204" name="Соединительная линия уступом 124"/>
-          <p:cNvCxnSpPr>
-            <a:stCxn id="83" idx="2"/>
-            <a:endCxn id="190" idx="0"/>
-          </p:cNvCxnSpPr>
-          <p:nvPr/>
-        </p:nvCxnSpPr>
-        <p:spPr>
-          <a:xfrm rot="5400000">
-            <a:off x="22456527" y="10392660"/>
-            <a:ext cx="257806" cy="1061774"/>
-          </a:xfrm>
-          <a:prstGeom prst="bentConnector3">
-            <a:avLst>
-              <a:gd name="adj1" fmla="val 50000"/>
-            </a:avLst>
-          </a:prstGeom>
-          <a:ln w="19050">
-            <a:prstDash val="dash"/>
-            <a:tailEnd type="arrow"/>
-          </a:ln>
-        </p:spPr>
-        <p:style>
-          <a:lnRef idx="1">
-            <a:schemeClr val="accent1"/>
-          </a:lnRef>
-          <a:fillRef idx="0">
-            <a:schemeClr val="accent1"/>
-          </a:fillRef>
-          <a:effectRef idx="0">
-            <a:schemeClr val="accent1"/>
-          </a:effectRef>
-          <a:fontRef idx="minor">
-            <a:schemeClr val="tx1"/>
-          </a:fontRef>
-        </p:style>
-      </p:cxnSp>
-      <p:cxnSp>
-        <p:nvCxnSpPr>
-          <p:cNvPr id="206" name="Соединительная линия уступом 124"/>
-          <p:cNvCxnSpPr>
-            <a:stCxn id="83" idx="2"/>
-            <a:endCxn id="191" idx="0"/>
-          </p:cNvCxnSpPr>
-          <p:nvPr/>
-        </p:nvCxnSpPr>
-        <p:spPr>
-          <a:xfrm rot="16200000" flipH="1">
-            <a:off x="24020182" y="9890779"/>
-            <a:ext cx="261397" cy="2069126"/>
-          </a:xfrm>
-          <a:prstGeom prst="bentConnector3">
-            <a:avLst>
-              <a:gd name="adj1" fmla="val 50000"/>
-            </a:avLst>
-          </a:prstGeom>
-          <a:ln w="19050">
-            <a:prstDash val="dash"/>
-            <a:tailEnd type="arrow"/>
-          </a:ln>
-        </p:spPr>
-        <p:style>
-          <a:lnRef idx="1">
-            <a:schemeClr val="accent1"/>
-          </a:lnRef>
-          <a:fillRef idx="0">
-            <a:schemeClr val="accent1"/>
-          </a:fillRef>
-          <a:effectRef idx="0">
-            <a:schemeClr val="accent1"/>
-          </a:effectRef>
-          <a:fontRef idx="minor">
-            <a:schemeClr val="tx1"/>
-          </a:fontRef>
-        </p:style>
-      </p:cxnSp>
-      <p:cxnSp>
-        <p:nvCxnSpPr>
-          <p:cNvPr id="210" name="Прямая соединительная линия 209"/>
-          <p:cNvCxnSpPr>
-            <a:stCxn id="190" idx="1"/>
-            <a:endCxn id="189" idx="3"/>
-          </p:cNvCxnSpPr>
-          <p:nvPr/>
-        </p:nvCxnSpPr>
-        <p:spPr>
-          <a:xfrm flipH="1">
-            <a:off x="20948094" y="11322450"/>
-            <a:ext cx="643286" cy="3273"/>
-          </a:xfrm>
-          <a:prstGeom prst="line">
-            <a:avLst/>
-          </a:prstGeom>
-          <a:ln w="19050">
-            <a:solidFill>
-              <a:srgbClr val="FF0000"/>
-            </a:solidFill>
-          </a:ln>
-        </p:spPr>
-        <p:style>
-          <a:lnRef idx="1">
-            <a:schemeClr val="accent1"/>
-          </a:lnRef>
-          <a:fillRef idx="0">
-            <a:schemeClr val="accent1"/>
-          </a:fillRef>
-          <a:effectRef idx="0">
-            <a:schemeClr val="accent1"/>
-          </a:effectRef>
-          <a:fontRef idx="minor">
-            <a:schemeClr val="tx1"/>
-          </a:fontRef>
-        </p:style>
-      </p:cxnSp>
-      <p:cxnSp>
-        <p:nvCxnSpPr>
-          <p:cNvPr id="212" name="Прямая соединительная линия 211"/>
-          <p:cNvCxnSpPr>
-            <a:stCxn id="187" idx="1"/>
-            <a:endCxn id="190" idx="3"/>
-          </p:cNvCxnSpPr>
-          <p:nvPr/>
-        </p:nvCxnSpPr>
-        <p:spPr>
-          <a:xfrm flipH="1" flipV="1">
-            <a:off x="22517705" y="11322450"/>
-            <a:ext cx="1124425" cy="6824"/>
-          </a:xfrm>
-          <a:prstGeom prst="line">
-            <a:avLst/>
-          </a:prstGeom>
-          <a:ln w="19050">
-            <a:solidFill>
-              <a:srgbClr val="FF0000"/>
-            </a:solidFill>
-          </a:ln>
-        </p:spPr>
-        <p:style>
-          <a:lnRef idx="1">
-            <a:schemeClr val="accent1"/>
-          </a:lnRef>
-          <a:fillRef idx="0">
-            <a:schemeClr val="accent1"/>
-          </a:fillRef>
-          <a:effectRef idx="0">
-            <a:schemeClr val="accent1"/>
-          </a:effectRef>
-          <a:fontRef idx="minor">
-            <a:schemeClr val="tx1"/>
-          </a:fontRef>
-        </p:style>
-      </p:cxnSp>
-      <p:cxnSp>
-        <p:nvCxnSpPr>
-          <p:cNvPr id="218" name="Соединительная линия уступом 217"/>
-          <p:cNvCxnSpPr>
-            <a:stCxn id="109" idx="2"/>
-            <a:endCxn id="154" idx="0"/>
-          </p:cNvCxnSpPr>
-          <p:nvPr/>
-        </p:nvCxnSpPr>
-        <p:spPr>
-          <a:xfrm rot="5400000">
-            <a:off x="25088853" y="8291623"/>
-            <a:ext cx="239154" cy="2180455"/>
-          </a:xfrm>
-          <a:prstGeom prst="bentConnector3">
-            <a:avLst>
-              <a:gd name="adj1" fmla="val 50000"/>
-            </a:avLst>
-          </a:prstGeom>
-          <a:ln w="19050">
-            <a:prstDash val="dash"/>
-            <a:tailEnd type="arrow"/>
-          </a:ln>
-        </p:spPr>
-        <p:style>
-          <a:lnRef idx="1">
-            <a:schemeClr val="accent1"/>
-          </a:lnRef>
-          <a:fillRef idx="0">
-            <a:schemeClr val="accent1"/>
-          </a:fillRef>
-          <a:effectRef idx="0">
-            <a:schemeClr val="accent1"/>
-          </a:effectRef>
-          <a:fontRef idx="minor">
-            <a:schemeClr val="tx1"/>
-          </a:fontRef>
-        </p:style>
-      </p:cxnSp>
-      <p:cxnSp>
-        <p:nvCxnSpPr>
-          <p:cNvPr id="221" name="Соединительная линия уступом 220"/>
-          <p:cNvCxnSpPr>
-            <a:stCxn id="110" idx="2"/>
-            <a:endCxn id="154" idx="0"/>
-          </p:cNvCxnSpPr>
-          <p:nvPr/>
-        </p:nvCxnSpPr>
-        <p:spPr>
-          <a:xfrm rot="5400000">
-            <a:off x="26212398" y="7168077"/>
-            <a:ext cx="239154" cy="4427546"/>
-          </a:xfrm>
-          <a:prstGeom prst="bentConnector3">
-            <a:avLst>
-              <a:gd name="adj1" fmla="val 50000"/>
-            </a:avLst>
-          </a:prstGeom>
-          <a:ln w="19050">
-            <a:prstDash val="dash"/>
-            <a:tailEnd type="arrow"/>
-          </a:ln>
-        </p:spPr>
-        <p:style>
-          <a:lnRef idx="1">
-            <a:schemeClr val="accent1"/>
-          </a:lnRef>
-          <a:fillRef idx="0">
-            <a:schemeClr val="accent1"/>
-          </a:fillRef>
-          <a:effectRef idx="0">
-            <a:schemeClr val="accent1"/>
-          </a:effectRef>
-          <a:fontRef idx="minor">
-            <a:schemeClr val="tx1"/>
-          </a:fontRef>
-        </p:style>
-      </p:cxnSp>
-      <p:sp>
-        <p:nvSpPr>
-          <p:cNvPr id="230" name="Прямоугольник 229"/>
-          <p:cNvSpPr/>
-          <p:nvPr/>
-        </p:nvSpPr>
-        <p:spPr>
-          <a:xfrm>
-            <a:off x="25842315" y="9514541"/>
-            <a:ext cx="926325" cy="540000"/>
-          </a:xfrm>
-          <a:prstGeom prst="rect">
-            <a:avLst/>
-          </a:prstGeom>
-          <a:solidFill>
-            <a:srgbClr val="7030A0"/>
-          </a:solidFill>
-          <a:ln w="19050"/>
-        </p:spPr>
-        <p:style>
-          <a:lnRef idx="2">
-            <a:schemeClr val="accent1"/>
-          </a:lnRef>
-          <a:fillRef idx="1">
-            <a:schemeClr val="lt1"/>
-          </a:fillRef>
-          <a:effectRef idx="0">
-            <a:schemeClr val="accent1"/>
-          </a:effectRef>
-          <a:fontRef idx="minor">
-            <a:schemeClr val="dk1"/>
-          </a:fontRef>
-        </p:style>
-        <p:txBody>
-          <a:bodyPr lIns="124733" tIns="62367" rIns="124733" bIns="62367" rtlCol="0" anchor="ctr"/>
-          <a:lstStyle/>
-          <a:p>
-            <a:pPr algn="ctr"/>
-            <a:r>
-              <a:rPr lang="ru-RU" sz="700" dirty="0" smtClean="0"/>
-              <a:t>Забрать трон у </a:t>
-            </a:r>
-            <a:r>
-              <a:rPr lang="ru-RU" sz="700" dirty="0" err="1" smtClean="0"/>
-              <a:t>Виндзоров</a:t>
-            </a:r>
-            <a:r>
-              <a:rPr lang="ru-RU" sz="700" dirty="0" smtClean="0"/>
-              <a:t> (мать Хуана внучка королевы Виктории)</a:t>
-            </a:r>
-            <a:endParaRPr lang="ru-RU" sz="700" dirty="0"/>
-          </a:p>
-        </p:txBody>
-      </p:sp>
-      <p:cxnSp>
-        <p:nvCxnSpPr>
-          <p:cNvPr id="231" name="Прямая со стрелкой 230"/>
-          <p:cNvCxnSpPr>
-            <a:stCxn id="145" idx="2"/>
-            <a:endCxn id="148" idx="0"/>
-          </p:cNvCxnSpPr>
-          <p:nvPr/>
-        </p:nvCxnSpPr>
-        <p:spPr>
-          <a:xfrm>
-            <a:off x="25182342" y="10048610"/>
-            <a:ext cx="1" cy="206034"/>
-          </a:xfrm>
-          <a:prstGeom prst="straightConnector1">
-            <a:avLst/>
-          </a:prstGeom>
-          <a:ln w="19050">
-            <a:tailEnd type="arrow"/>
-          </a:ln>
-        </p:spPr>
-        <p:style>
-          <a:lnRef idx="1">
-            <a:schemeClr val="accent1"/>
-          </a:lnRef>
-          <a:fillRef idx="0">
-            <a:schemeClr val="accent1"/>
-          </a:fillRef>
-          <a:effectRef idx="0">
-            <a:schemeClr val="accent1"/>
-          </a:effectRef>
-          <a:fontRef idx="minor">
-            <a:schemeClr val="tx1"/>
-          </a:fontRef>
-        </p:style>
-      </p:cxnSp>
-      <p:cxnSp>
-        <p:nvCxnSpPr>
-          <p:cNvPr id="234" name="Прямая со стрелкой 233"/>
-          <p:cNvCxnSpPr>
-            <a:stCxn id="138" idx="2"/>
-            <a:endCxn id="147" idx="0"/>
-          </p:cNvCxnSpPr>
-          <p:nvPr/>
-        </p:nvCxnSpPr>
-        <p:spPr>
-          <a:xfrm>
-            <a:off x="27422611" y="10047777"/>
-            <a:ext cx="3" cy="206867"/>
-          </a:xfrm>
-          <a:prstGeom prst="straightConnector1">
-            <a:avLst/>
-          </a:prstGeom>
-          <a:ln w="19050">
-            <a:tailEnd type="arrow"/>
-          </a:ln>
-        </p:spPr>
-        <p:style>
-          <a:lnRef idx="1">
-            <a:schemeClr val="accent1"/>
-          </a:lnRef>
-          <a:fillRef idx="0">
-            <a:schemeClr val="accent1"/>
-          </a:fillRef>
-          <a:effectRef idx="0">
-            <a:schemeClr val="accent1"/>
-          </a:effectRef>
-          <a:fontRef idx="minor">
-            <a:schemeClr val="tx1"/>
-          </a:fontRef>
-        </p:style>
-      </p:cxnSp>
-      <p:cxnSp>
-        <p:nvCxnSpPr>
-          <p:cNvPr id="237" name="Прямая со стрелкой 236"/>
-          <p:cNvCxnSpPr>
-            <a:stCxn id="109" idx="2"/>
-            <a:endCxn id="230" idx="0"/>
-          </p:cNvCxnSpPr>
-          <p:nvPr/>
-        </p:nvCxnSpPr>
-        <p:spPr>
-          <a:xfrm>
-            <a:off x="26298657" y="9262273"/>
-            <a:ext cx="6821" cy="252268"/>
-          </a:xfrm>
-          <a:prstGeom prst="straightConnector1">
-            <a:avLst/>
-          </a:prstGeom>
-          <a:ln w="19050">
-            <a:tailEnd type="arrow"/>
-          </a:ln>
-        </p:spPr>
-        <p:style>
-          <a:lnRef idx="1">
-            <a:schemeClr val="accent1"/>
-          </a:lnRef>
-          <a:fillRef idx="0">
-            <a:schemeClr val="accent1"/>
-          </a:fillRef>
-          <a:effectRef idx="0">
-            <a:schemeClr val="accent1"/>
-          </a:effectRef>
-          <a:fontRef idx="minor">
-            <a:schemeClr val="tx1"/>
-          </a:fontRef>
-        </p:style>
-      </p:cxnSp>
-      <p:cxnSp>
-        <p:nvCxnSpPr>
-          <p:cNvPr id="248" name="Соединительная линия уступом 124"/>
-          <p:cNvCxnSpPr>
-            <a:stCxn id="183" idx="2"/>
-            <a:endCxn id="191" idx="0"/>
-          </p:cNvCxnSpPr>
-          <p:nvPr/>
-        </p:nvCxnSpPr>
-        <p:spPr>
-          <a:xfrm rot="16200000" flipH="1">
-            <a:off x="22960957" y="8831554"/>
-            <a:ext cx="261397" cy="4187575"/>
-          </a:xfrm>
-          <a:prstGeom prst="bentConnector3">
-            <a:avLst>
-              <a:gd name="adj1" fmla="val 50000"/>
-            </a:avLst>
-          </a:prstGeom>
-          <a:ln w="19050">
-            <a:prstDash val="dash"/>
-            <a:tailEnd type="arrow"/>
-          </a:ln>
-        </p:spPr>
-        <p:style>
-          <a:lnRef idx="1">
-            <a:schemeClr val="accent1"/>
-          </a:lnRef>
-          <a:fillRef idx="0">
-            <a:schemeClr val="accent1"/>
-          </a:fillRef>
-          <a:effectRef idx="0">
-            <a:schemeClr val="accent1"/>
-          </a:effectRef>
-          <a:fontRef idx="minor">
-            <a:schemeClr val="tx1"/>
-          </a:fontRef>
-        </p:style>
-      </p:cxnSp>
-      <p:cxnSp>
-        <p:nvCxnSpPr>
-          <p:cNvPr id="251" name="Соединительная линия уступом 124"/>
-          <p:cNvCxnSpPr>
-            <a:stCxn id="142" idx="2"/>
-            <a:endCxn id="191" idx="0"/>
-          </p:cNvCxnSpPr>
-          <p:nvPr/>
-        </p:nvCxnSpPr>
-        <p:spPr>
-          <a:xfrm rot="5400000">
-            <a:off x="25611352" y="10368736"/>
-            <a:ext cx="261397" cy="1113213"/>
-          </a:xfrm>
-          <a:prstGeom prst="bentConnector3">
-            <a:avLst>
-              <a:gd name="adj1" fmla="val 50000"/>
-            </a:avLst>
-          </a:prstGeom>
-          <a:ln w="19050">
-            <a:prstDash val="dash"/>
-            <a:tailEnd type="arrow"/>
-          </a:ln>
-        </p:spPr>
-        <p:style>
-          <a:lnRef idx="1">
-            <a:schemeClr val="accent1"/>
-          </a:lnRef>
-          <a:fillRef idx="0">
-            <a:schemeClr val="accent1"/>
-          </a:fillRef>
-          <a:effectRef idx="0">
-            <a:schemeClr val="accent1"/>
-          </a:effectRef>
-          <a:fontRef idx="minor">
-            <a:schemeClr val="tx1"/>
-          </a:fontRef>
-        </p:style>
-      </p:cxnSp>
-      <p:cxnSp>
-        <p:nvCxnSpPr>
-          <p:cNvPr id="254" name="Соединительная линия уступом 124"/>
-          <p:cNvCxnSpPr>
-            <a:stCxn id="179" idx="2"/>
-            <a:endCxn id="191" idx="0"/>
-          </p:cNvCxnSpPr>
-          <p:nvPr/>
-        </p:nvCxnSpPr>
-        <p:spPr>
-          <a:xfrm rot="5400000">
-            <a:off x="26734898" y="9245189"/>
-            <a:ext cx="261397" cy="3360306"/>
-          </a:xfrm>
-          <a:prstGeom prst="bentConnector3">
-            <a:avLst>
-              <a:gd name="adj1" fmla="val 50000"/>
-            </a:avLst>
-          </a:prstGeom>
-          <a:ln w="19050">
-            <a:prstDash val="dash"/>
-            <a:tailEnd type="arrow"/>
-          </a:ln>
-        </p:spPr>
-        <p:style>
-          <a:lnRef idx="1">
-            <a:schemeClr val="accent1"/>
-          </a:lnRef>
-          <a:fillRef idx="0">
-            <a:schemeClr val="accent1"/>
-          </a:fillRef>
-          <a:effectRef idx="0">
-            <a:schemeClr val="accent1"/>
-          </a:effectRef>
-          <a:fontRef idx="minor">
-            <a:schemeClr val="tx1"/>
-          </a:fontRef>
-        </p:style>
-      </p:cxnSp>
-      <p:cxnSp>
-        <p:nvCxnSpPr>
-          <p:cNvPr id="257" name="Прямая соединительная линия 256"/>
-          <p:cNvCxnSpPr>
-            <a:stCxn id="191" idx="1"/>
-            <a:endCxn id="187" idx="3"/>
-          </p:cNvCxnSpPr>
-          <p:nvPr/>
-        </p:nvCxnSpPr>
-        <p:spPr>
-          <a:xfrm flipH="1">
-            <a:off x="24568455" y="11326041"/>
-            <a:ext cx="153825" cy="3233"/>
-          </a:xfrm>
-          <a:prstGeom prst="line">
-            <a:avLst/>
-          </a:prstGeom>
-          <a:ln w="19050">
-            <a:solidFill>
-              <a:srgbClr val="FF0000"/>
-            </a:solidFill>
-          </a:ln>
-        </p:spPr>
-        <p:style>
-          <a:lnRef idx="1">
-            <a:schemeClr val="accent1"/>
-          </a:lnRef>
-          <a:fillRef idx="0">
-            <a:schemeClr val="accent1"/>
-          </a:fillRef>
-          <a:effectRef idx="0">
-            <a:schemeClr val="accent1"/>
-          </a:effectRef>
-          <a:fontRef idx="minor">
-            <a:schemeClr val="tx1"/>
-          </a:fontRef>
-        </p:style>
-      </p:cxnSp>
-      <p:sp>
-        <p:nvSpPr>
-          <p:cNvPr id="260" name="Прямоугольник 259"/>
-          <p:cNvSpPr/>
-          <p:nvPr/>
-        </p:nvSpPr>
-        <p:spPr>
-          <a:xfrm>
-            <a:off x="26963039" y="11056041"/>
-            <a:ext cx="926325" cy="540000"/>
-          </a:xfrm>
-          <a:prstGeom prst="rect">
-            <a:avLst/>
-          </a:prstGeom>
-          <a:solidFill>
-            <a:srgbClr val="7030A0"/>
-          </a:solidFill>
-          <a:ln w="19050"/>
-        </p:spPr>
-        <p:style>
-          <a:lnRef idx="2">
-            <a:schemeClr val="accent1"/>
-          </a:lnRef>
-          <a:fillRef idx="1">
-            <a:schemeClr val="lt1"/>
-          </a:fillRef>
-          <a:effectRef idx="0">
-            <a:schemeClr val="accent1"/>
-          </a:effectRef>
-          <a:fontRef idx="minor">
-            <a:schemeClr val="dk1"/>
-          </a:fontRef>
-        </p:style>
-        <p:txBody>
-          <a:bodyPr lIns="124733" tIns="62367" rIns="124733" bIns="62367" rtlCol="0" anchor="ctr"/>
-          <a:lstStyle/>
-          <a:p>
-            <a:pPr algn="ctr"/>
-            <a:r>
-              <a:rPr lang="ru-RU" sz="700" dirty="0" smtClean="0"/>
-              <a:t>Союз с </a:t>
-            </a:r>
-            <a:r>
-              <a:rPr lang="ru-RU" sz="700" dirty="0" smtClean="0"/>
-              <a:t>Германией</a:t>
-            </a:r>
-            <a:endParaRPr lang="ru-RU" sz="700" dirty="0"/>
-          </a:p>
-        </p:txBody>
-      </p:sp>
-      <p:cxnSp>
-        <p:nvCxnSpPr>
-          <p:cNvPr id="262" name="Прямая соединительная линия 261"/>
-          <p:cNvCxnSpPr>
-            <a:stCxn id="260" idx="1"/>
-            <a:endCxn id="191" idx="3"/>
-          </p:cNvCxnSpPr>
-          <p:nvPr/>
-        </p:nvCxnSpPr>
-        <p:spPr>
-          <a:xfrm flipH="1">
-            <a:off x="25648605" y="11326041"/>
-            <a:ext cx="1314434" cy="0"/>
-          </a:xfrm>
-          <a:prstGeom prst="line">
-            <a:avLst/>
-          </a:prstGeom>
-          <a:ln w="19050">
-            <a:solidFill>
-              <a:srgbClr val="FF0000"/>
-            </a:solidFill>
-          </a:ln>
-        </p:spPr>
-        <p:style>
-          <a:lnRef idx="1">
-            <a:schemeClr val="accent1"/>
-          </a:lnRef>
-          <a:fillRef idx="0">
-            <a:schemeClr val="accent1"/>
-          </a:fillRef>
-          <a:effectRef idx="0">
-            <a:schemeClr val="accent1"/>
-          </a:effectRef>
-          <a:fontRef idx="minor">
-            <a:schemeClr val="tx1"/>
-          </a:fontRef>
-        </p:style>
-      </p:cxnSp>
-      <p:cxnSp>
-        <p:nvCxnSpPr>
-          <p:cNvPr id="265" name="Соединительная линия уступом 264"/>
-          <p:cNvCxnSpPr>
-            <a:stCxn id="142" idx="2"/>
-            <a:endCxn id="260" idx="0"/>
-          </p:cNvCxnSpPr>
-          <p:nvPr/>
-        </p:nvCxnSpPr>
-        <p:spPr>
-          <a:xfrm rot="16200000" flipH="1">
-            <a:off x="26731731" y="10361569"/>
-            <a:ext cx="261397" cy="1127546"/>
-          </a:xfrm>
-          <a:prstGeom prst="bentConnector3">
-            <a:avLst>
-              <a:gd name="adj1" fmla="val 50000"/>
-            </a:avLst>
-          </a:prstGeom>
-          <a:ln w="19050">
-            <a:tailEnd type="arrow"/>
-          </a:ln>
-        </p:spPr>
-        <p:style>
-          <a:lnRef idx="1">
-            <a:schemeClr val="accent1"/>
-          </a:lnRef>
-          <a:fillRef idx="0">
-            <a:schemeClr val="accent1"/>
-          </a:fillRef>
-          <a:effectRef idx="0">
-            <a:schemeClr val="accent1"/>
-          </a:effectRef>
-          <a:fontRef idx="minor">
-            <a:schemeClr val="tx1"/>
-          </a:fontRef>
-        </p:style>
-      </p:cxnSp>
-      <p:sp>
-        <p:nvSpPr>
-          <p:cNvPr id="280" name="Прямоугольник 279"/>
-          <p:cNvSpPr/>
-          <p:nvPr/>
-        </p:nvSpPr>
-        <p:spPr>
-          <a:xfrm>
-            <a:off x="23648967" y="12575301"/>
-            <a:ext cx="926325" cy="540000"/>
-          </a:xfrm>
-          <a:prstGeom prst="rect">
-            <a:avLst/>
-          </a:prstGeom>
-          <a:solidFill>
-            <a:srgbClr val="7030A0"/>
-          </a:solidFill>
-          <a:ln w="19050"/>
-        </p:spPr>
-        <p:style>
-          <a:lnRef idx="2">
-            <a:schemeClr val="accent1"/>
-          </a:lnRef>
-          <a:fillRef idx="1">
-            <a:schemeClr val="lt1"/>
-          </a:fillRef>
-          <a:effectRef idx="0">
-            <a:schemeClr val="accent1"/>
-          </a:effectRef>
-          <a:fontRef idx="minor">
-            <a:schemeClr val="dk1"/>
-          </a:fontRef>
-        </p:style>
-        <p:txBody>
-          <a:bodyPr lIns="124733" tIns="62367" rIns="124733" bIns="62367" rtlCol="0" anchor="ctr"/>
-          <a:lstStyle/>
-          <a:p>
-            <a:pPr algn="ctr"/>
-            <a:r>
-              <a:rPr lang="ru-RU" sz="700" dirty="0" smtClean="0"/>
-              <a:t>Восстановление привилегий церкви (не для </a:t>
-            </a:r>
-            <a:r>
-              <a:rPr lang="en-US" sz="700" dirty="0" err="1"/>
-              <a:t>Renovación</a:t>
-            </a:r>
-            <a:r>
-              <a:rPr lang="en-US" sz="700" dirty="0"/>
-              <a:t> </a:t>
-            </a:r>
-            <a:r>
-              <a:rPr lang="en-US" sz="700" dirty="0" smtClean="0"/>
-              <a:t>Española</a:t>
-            </a:r>
-            <a:r>
-              <a:rPr lang="ru-RU" sz="700" dirty="0"/>
-              <a:t>)</a:t>
-            </a:r>
-          </a:p>
-        </p:txBody>
-      </p:sp>
-      <p:sp>
-        <p:nvSpPr>
-          <p:cNvPr id="281" name="Прямоугольник 280"/>
-          <p:cNvSpPr/>
-          <p:nvPr/>
-        </p:nvSpPr>
-        <p:spPr>
-          <a:xfrm>
-            <a:off x="24726494" y="12575301"/>
-            <a:ext cx="926325" cy="540000"/>
-          </a:xfrm>
-          <a:prstGeom prst="rect">
-            <a:avLst/>
-          </a:prstGeom>
-          <a:solidFill>
-            <a:srgbClr val="7030A0"/>
-          </a:solidFill>
-          <a:ln w="19050"/>
-        </p:spPr>
-        <p:style>
-          <a:lnRef idx="2">
-            <a:schemeClr val="accent1"/>
-          </a:lnRef>
-          <a:fillRef idx="1">
-            <a:schemeClr val="lt1"/>
-          </a:fillRef>
-          <a:effectRef idx="0">
-            <a:schemeClr val="accent1"/>
-          </a:effectRef>
-          <a:fontRef idx="minor">
-            <a:schemeClr val="dk1"/>
-          </a:fontRef>
-        </p:style>
-        <p:txBody>
-          <a:bodyPr lIns="124733" tIns="62367" rIns="124733" bIns="62367" rtlCol="0" anchor="ctr"/>
-          <a:lstStyle/>
-          <a:p>
-            <a:pPr algn="ctr"/>
-            <a:r>
-              <a:rPr lang="ru-RU" sz="700" dirty="0" smtClean="0"/>
-              <a:t>Возродить империю (ванильное «восстановить империю»)</a:t>
-            </a:r>
-            <a:endParaRPr lang="ru-RU" sz="700" dirty="0"/>
-          </a:p>
-        </p:txBody>
-      </p:sp>
-      <p:cxnSp>
-        <p:nvCxnSpPr>
-          <p:cNvPr id="282" name="Соединительная линия уступом 124"/>
-          <p:cNvCxnSpPr>
-            <a:stCxn id="170" idx="2"/>
-            <a:endCxn id="281" idx="0"/>
-          </p:cNvCxnSpPr>
-          <p:nvPr/>
-        </p:nvCxnSpPr>
-        <p:spPr>
-          <a:xfrm rot="16200000" flipH="1">
-            <a:off x="24786226" y="12171870"/>
-            <a:ext cx="260574" cy="546288"/>
-          </a:xfrm>
-          <a:prstGeom prst="bentConnector3">
-            <a:avLst>
-              <a:gd name="adj1" fmla="val 50000"/>
-            </a:avLst>
-          </a:prstGeom>
-          <a:ln w="19050">
-            <a:tailEnd type="arrow"/>
-          </a:ln>
-        </p:spPr>
-        <p:style>
-          <a:lnRef idx="1">
-            <a:schemeClr val="accent1"/>
-          </a:lnRef>
-          <a:fillRef idx="0">
-            <a:schemeClr val="accent1"/>
-          </a:fillRef>
-          <a:effectRef idx="0">
-            <a:schemeClr val="accent1"/>
-          </a:effectRef>
-          <a:fontRef idx="minor">
-            <a:schemeClr val="tx1"/>
-          </a:fontRef>
-        </p:style>
-      </p:cxnSp>
-      <p:cxnSp>
-        <p:nvCxnSpPr>
-          <p:cNvPr id="285" name="Соединительная линия уступом 124"/>
-          <p:cNvCxnSpPr>
-            <a:stCxn id="170" idx="2"/>
-            <a:endCxn id="280" idx="0"/>
-          </p:cNvCxnSpPr>
-          <p:nvPr/>
-        </p:nvCxnSpPr>
-        <p:spPr>
-          <a:xfrm rot="5400000">
-            <a:off x="24247463" y="12179395"/>
-            <a:ext cx="260574" cy="531239"/>
-          </a:xfrm>
-          <a:prstGeom prst="bentConnector3">
-            <a:avLst>
-              <a:gd name="adj1" fmla="val 50000"/>
-            </a:avLst>
-          </a:prstGeom>
-          <a:ln w="19050">
-            <a:tailEnd type="arrow"/>
-          </a:ln>
-        </p:spPr>
-        <p:style>
-          <a:lnRef idx="1">
-            <a:schemeClr val="accent1"/>
-          </a:lnRef>
-          <a:fillRef idx="0">
-            <a:schemeClr val="accent1"/>
-          </a:fillRef>
-          <a:effectRef idx="0">
-            <a:schemeClr val="accent1"/>
-          </a:effectRef>
-          <a:fontRef idx="minor">
-            <a:schemeClr val="tx1"/>
-          </a:fontRef>
-        </p:style>
-      </p:cxnSp>
-      <p:sp>
-        <p:nvSpPr>
-          <p:cNvPr id="288" name="Прямоугольник 287"/>
-          <p:cNvSpPr/>
-          <p:nvPr/>
-        </p:nvSpPr>
-        <p:spPr>
-          <a:xfrm>
-            <a:off x="25282451" y="13359821"/>
-            <a:ext cx="926325" cy="540000"/>
-          </a:xfrm>
-          <a:prstGeom prst="rect">
-            <a:avLst/>
-          </a:prstGeom>
-          <a:solidFill>
-            <a:srgbClr val="7030A0"/>
-          </a:solidFill>
-          <a:ln w="19050"/>
-        </p:spPr>
-        <p:style>
-          <a:lnRef idx="2">
-            <a:schemeClr val="accent1"/>
-          </a:lnRef>
-          <a:fillRef idx="1">
-            <a:schemeClr val="lt1"/>
-          </a:fillRef>
-          <a:effectRef idx="0">
-            <a:schemeClr val="accent1"/>
-          </a:effectRef>
-          <a:fontRef idx="minor">
-            <a:schemeClr val="dk1"/>
-          </a:fontRef>
-        </p:style>
-        <p:txBody>
-          <a:bodyPr lIns="124733" tIns="62367" rIns="124733" bIns="62367" rtlCol="0" anchor="ctr"/>
-          <a:lstStyle/>
-          <a:p>
-            <a:pPr algn="ctr"/>
-            <a:r>
-              <a:rPr lang="ru-RU" sz="700" dirty="0" smtClean="0"/>
-              <a:t>Основать академию </a:t>
-            </a:r>
-            <a:r>
-              <a:rPr lang="ru-RU" sz="700" dirty="0" err="1" smtClean="0"/>
-              <a:t>Васкеса</a:t>
-            </a:r>
-            <a:r>
-              <a:rPr lang="ru-RU" sz="700" dirty="0" smtClean="0"/>
-              <a:t> де </a:t>
-            </a:r>
-            <a:r>
-              <a:rPr lang="ru-RU" sz="700" dirty="0" err="1" smtClean="0"/>
-              <a:t>Меллы</a:t>
-            </a:r>
-            <a:r>
-              <a:rPr lang="ru-RU" sz="700" dirty="0" smtClean="0"/>
-              <a:t>(ваниль)</a:t>
-            </a:r>
-            <a:endParaRPr lang="ru-RU" sz="700" dirty="0"/>
-          </a:p>
-        </p:txBody>
-      </p:sp>
-      <p:sp>
-        <p:nvSpPr>
-          <p:cNvPr id="295" name="Прямоугольник 294"/>
-          <p:cNvSpPr/>
-          <p:nvPr/>
-        </p:nvSpPr>
-        <p:spPr>
-          <a:xfrm>
-            <a:off x="21601939" y="8729299"/>
-            <a:ext cx="926325" cy="540000"/>
-          </a:xfrm>
-          <a:prstGeom prst="rect">
-            <a:avLst/>
-          </a:prstGeom>
-          <a:solidFill>
-            <a:srgbClr val="7030A0"/>
-          </a:solidFill>
-          <a:ln w="19050"/>
-        </p:spPr>
-        <p:style>
-          <a:lnRef idx="2">
-            <a:schemeClr val="accent1"/>
-          </a:lnRef>
-          <a:fillRef idx="1">
-            <a:schemeClr val="lt1"/>
-          </a:fillRef>
-          <a:effectRef idx="0">
-            <a:schemeClr val="accent1"/>
-          </a:effectRef>
-          <a:fontRef idx="minor">
-            <a:schemeClr val="dk1"/>
-          </a:fontRef>
-        </p:style>
-        <p:txBody>
-          <a:bodyPr lIns="124733" tIns="62367" rIns="124733" bIns="62367" rtlCol="0" anchor="ctr"/>
-          <a:lstStyle/>
-          <a:p>
-            <a:pPr algn="ctr"/>
-            <a:r>
               <a:rPr lang="en-US" sz="700" dirty="0"/>
               <a:t>Dios, </a:t>
             </a:r>
             <a:r>
               <a:rPr lang="en-US" sz="700" dirty="0" smtClean="0"/>
               <a:t>Patria y Rey</a:t>
-            </a:r>
-            <a:r>
-              <a:rPr lang="ru-RU" sz="700" dirty="0" smtClean="0"/>
-              <a:t> (выучен фокус пулемёт и католический молитвенник)</a:t>
             </a:r>
             <a:endParaRPr lang="ru-RU" sz="700" dirty="0"/>
           </a:p>
@@ -10212,9 +9986,9 @@
           <p:nvPr/>
         </p:nvCxnSpPr>
         <p:spPr>
-          <a:xfrm rot="16200000" flipH="1">
-            <a:off x="25345375" y="12959582"/>
-            <a:ext cx="244520" cy="555957"/>
+          <a:xfrm rot="5400000">
+            <a:off x="26134867" y="12726048"/>
+            <a:ext cx="244520" cy="1023026"/>
           </a:xfrm>
           <a:prstGeom prst="bentConnector3">
             <a:avLst>
@@ -10451,7 +10225,7 @@
         </p:nvSpPr>
         <p:spPr>
           <a:xfrm>
-            <a:off x="23158234" y="14118907"/>
+            <a:off x="22648930" y="14124141"/>
             <a:ext cx="926325" cy="540000"/>
           </a:xfrm>
           <a:prstGeom prst="rect">
@@ -10491,13 +10265,13 @@
       </p:sp>
       <p:sp>
         <p:nvSpPr>
-          <p:cNvPr id="236" name="Прямоугольник 235"/>
+          <p:cNvPr id="238" name="Прямоугольник 237"/>
           <p:cNvSpPr/>
           <p:nvPr/>
         </p:nvSpPr>
         <p:spPr>
           <a:xfrm>
-            <a:off x="22140200" y="14117688"/>
+            <a:off x="21601657" y="14124141"/>
             <a:ext cx="926325" cy="540000"/>
           </a:xfrm>
           <a:prstGeom prst="rect">
@@ -10529,21 +10303,59 @@
             <a:pPr algn="ctr"/>
             <a:r>
               <a:rPr lang="ru-RU" sz="700" dirty="0" smtClean="0"/>
-              <a:t>Милитаризация населения (ваниль но другие эффекты НД)</a:t>
+              <a:t>Культивировать фанатизм (ваниль но другие эффекты НД)</a:t>
             </a:r>
             <a:endParaRPr lang="ru-RU" sz="700" dirty="0"/>
           </a:p>
         </p:txBody>
       </p:sp>
-      <p:sp>
-        <p:nvSpPr>
-          <p:cNvPr id="238" name="Прямоугольник 237"/>
+      <p:cxnSp>
+        <p:nvCxnSpPr>
+          <p:cNvPr id="239" name="Соединительная линия уступом 124"/>
+          <p:cNvCxnSpPr>
+            <a:stCxn id="280" idx="2"/>
+            <a:endCxn id="176" idx="0"/>
+          </p:cNvCxnSpPr>
+          <p:nvPr/>
+        </p:nvCxnSpPr>
+        <p:spPr>
+          <a:xfrm rot="5400000">
+            <a:off x="23228686" y="12470363"/>
+            <a:ext cx="238507" cy="1528382"/>
+          </a:xfrm>
+          <a:prstGeom prst="bentConnector3">
+            <a:avLst>
+              <a:gd name="adj1" fmla="val 50000"/>
+            </a:avLst>
+          </a:prstGeom>
+          <a:ln w="19050">
+            <a:tailEnd type="arrow"/>
+          </a:ln>
+        </p:spPr>
+        <p:style>
+          <a:lnRef idx="1">
+            <a:schemeClr val="accent1"/>
+          </a:lnRef>
+          <a:fillRef idx="0">
+            <a:schemeClr val="accent1"/>
+          </a:fillRef>
+          <a:effectRef idx="0">
+            <a:schemeClr val="accent1"/>
+          </a:effectRef>
+          <a:fontRef idx="minor">
+            <a:schemeClr val="tx1"/>
+          </a:fontRef>
+        </p:style>
+      </p:cxnSp>
+      <p:sp>
+        <p:nvSpPr>
+          <p:cNvPr id="259" name="Прямоугольник 258"/>
           <p:cNvSpPr/>
           <p:nvPr/>
         </p:nvSpPr>
         <p:spPr>
           <a:xfrm>
-            <a:off x="22652268" y="14907726"/>
+            <a:off x="24190047" y="14906412"/>
             <a:ext cx="926325" cy="540000"/>
           </a:xfrm>
           <a:prstGeom prst="rect">
@@ -10575,7 +10387,7 @@
             <a:pPr algn="ctr"/>
             <a:r>
               <a:rPr lang="ru-RU" sz="700" dirty="0" smtClean="0"/>
-              <a:t>Культивировать фанатизм (ваниль но другие эффекты НД)</a:t>
+              <a:t>Поощрить местную разработку месторождений (ваниль)</a:t>
             </a:r>
             <a:endParaRPr lang="ru-RU" sz="700" dirty="0"/>
           </a:p>
@@ -10583,17 +10395,99 @@
       </p:sp>
       <p:cxnSp>
         <p:nvCxnSpPr>
-          <p:cNvPr id="239" name="Соединительная линия уступом 124"/>
-          <p:cNvCxnSpPr>
-            <a:stCxn id="280" idx="2"/>
-            <a:endCxn id="176" idx="0"/>
-          </p:cNvCxnSpPr>
-          <p:nvPr/>
-        </p:nvCxnSpPr>
-        <p:spPr>
-          <a:xfrm rot="5400000">
-            <a:off x="23749008" y="12988909"/>
-            <a:ext cx="236731" cy="489514"/>
+          <p:cNvPr id="261" name="Прямая со стрелкой 260"/>
+          <p:cNvCxnSpPr>
+            <a:stCxn id="228" idx="2"/>
+            <a:endCxn id="284" idx="0"/>
+          </p:cNvCxnSpPr>
+          <p:nvPr/>
+        </p:nvCxnSpPr>
+        <p:spPr>
+          <a:xfrm>
+            <a:off x="24647114" y="13896808"/>
+            <a:ext cx="6096" cy="234192"/>
+          </a:xfrm>
+          <a:prstGeom prst="straightConnector1">
+            <a:avLst/>
+          </a:prstGeom>
+          <a:ln w="19050">
+            <a:tailEnd type="arrow"/>
+          </a:ln>
+        </p:spPr>
+        <p:style>
+          <a:lnRef idx="1">
+            <a:schemeClr val="accent1"/>
+          </a:lnRef>
+          <a:fillRef idx="0">
+            <a:schemeClr val="accent1"/>
+          </a:fillRef>
+          <a:effectRef idx="0">
+            <a:schemeClr val="accent1"/>
+          </a:effectRef>
+          <a:fontRef idx="minor">
+            <a:schemeClr val="tx1"/>
+          </a:fontRef>
+        </p:style>
+      </p:cxnSp>
+      <p:sp>
+        <p:nvSpPr>
+          <p:cNvPr id="266" name="Прямоугольник 265"/>
+          <p:cNvSpPr/>
+          <p:nvPr/>
+        </p:nvSpPr>
+        <p:spPr>
+          <a:xfrm>
+            <a:off x="26312704" y="13358602"/>
+            <a:ext cx="926325" cy="540000"/>
+          </a:xfrm>
+          <a:prstGeom prst="rect">
+            <a:avLst/>
+          </a:prstGeom>
+          <a:solidFill>
+            <a:srgbClr val="7030A0"/>
+          </a:solidFill>
+          <a:ln w="19050"/>
+        </p:spPr>
+        <p:style>
+          <a:lnRef idx="2">
+            <a:schemeClr val="accent1"/>
+          </a:lnRef>
+          <a:fillRef idx="1">
+            <a:schemeClr val="lt1"/>
+          </a:fillRef>
+          <a:effectRef idx="0">
+            <a:schemeClr val="accent1"/>
+          </a:effectRef>
+          <a:fontRef idx="minor">
+            <a:schemeClr val="dk1"/>
+          </a:fontRef>
+        </p:style>
+        <p:txBody>
+          <a:bodyPr lIns="124733" tIns="62367" rIns="124733" bIns="62367" rtlCol="0" anchor="ctr"/>
+          <a:lstStyle/>
+          <a:p>
+            <a:pPr algn="ctr"/>
+            <a:r>
+              <a:rPr lang="ru-RU" sz="700" dirty="0" smtClean="0"/>
+              <a:t>Флот достойный короля (ваниль)</a:t>
+            </a:r>
+            <a:endParaRPr lang="ru-RU" sz="700" dirty="0"/>
+          </a:p>
+        </p:txBody>
+      </p:sp>
+      <p:cxnSp>
+        <p:nvCxnSpPr>
+          <p:cNvPr id="267" name="Соединительная линия уступом 124"/>
+          <p:cNvCxnSpPr>
+            <a:stCxn id="281" idx="2"/>
+            <a:endCxn id="266" idx="0"/>
+          </p:cNvCxnSpPr>
+          <p:nvPr/>
+        </p:nvCxnSpPr>
+        <p:spPr>
+          <a:xfrm rot="16200000" flipH="1">
+            <a:off x="26650603" y="13233337"/>
+            <a:ext cx="243301" cy="7227"/>
           </a:xfrm>
           <a:prstGeom prst="bentConnector3">
             <a:avLst>
@@ -10619,19 +10513,499 @@
           </a:fontRef>
         </p:style>
       </p:cxnSp>
-      <p:cxnSp>
-        <p:nvCxnSpPr>
-          <p:cNvPr id="242" name="Соединительная линия уступом 124"/>
-          <p:cNvCxnSpPr>
-            <a:stCxn id="176" idx="2"/>
-            <a:endCxn id="236" idx="0"/>
-          </p:cNvCxnSpPr>
-          <p:nvPr/>
-        </p:nvCxnSpPr>
-        <p:spPr>
-          <a:xfrm rot="5400000">
-            <a:off x="23000162" y="13495234"/>
-            <a:ext cx="225656" cy="1019253"/>
+      <p:sp>
+        <p:nvSpPr>
+          <p:cNvPr id="270" name="Прямоугольник 269"/>
+          <p:cNvSpPr/>
+          <p:nvPr/>
+        </p:nvSpPr>
+        <p:spPr>
+          <a:xfrm>
+            <a:off x="26311485" y="14147423"/>
+            <a:ext cx="926325" cy="540000"/>
+          </a:xfrm>
+          <a:prstGeom prst="rect">
+            <a:avLst/>
+          </a:prstGeom>
+          <a:solidFill>
+            <a:srgbClr val="7030A0"/>
+          </a:solidFill>
+          <a:ln w="19050"/>
+        </p:spPr>
+        <p:style>
+          <a:lnRef idx="2">
+            <a:schemeClr val="accent1"/>
+          </a:lnRef>
+          <a:fillRef idx="1">
+            <a:schemeClr val="lt1"/>
+          </a:fillRef>
+          <a:effectRef idx="0">
+            <a:schemeClr val="accent1"/>
+          </a:effectRef>
+          <a:fontRef idx="minor">
+            <a:schemeClr val="dk1"/>
+          </a:fontRef>
+        </p:style>
+        <p:txBody>
+          <a:bodyPr lIns="124733" tIns="62367" rIns="124733" bIns="62367" rtlCol="0" anchor="ctr"/>
+          <a:lstStyle/>
+          <a:p>
+            <a:pPr algn="ctr"/>
+            <a:r>
+              <a:rPr lang="ru-RU" sz="700" dirty="0" smtClean="0"/>
+              <a:t>Вернуть славу Испанской армады </a:t>
+            </a:r>
+            <a:r>
+              <a:rPr lang="ru-RU" sz="500" dirty="0" smtClean="0"/>
+              <a:t>(ванильный фокус возродить боевой флот)</a:t>
+            </a:r>
+            <a:endParaRPr lang="ru-RU" sz="500" dirty="0"/>
+          </a:p>
+        </p:txBody>
+      </p:sp>
+      <p:sp>
+        <p:nvSpPr>
+          <p:cNvPr id="271" name="Прямоугольник 270"/>
+          <p:cNvSpPr/>
+          <p:nvPr/>
+        </p:nvSpPr>
+        <p:spPr>
+          <a:xfrm>
+            <a:off x="26311484" y="14900888"/>
+            <a:ext cx="926325" cy="540000"/>
+          </a:xfrm>
+          <a:prstGeom prst="rect">
+            <a:avLst/>
+          </a:prstGeom>
+          <a:solidFill>
+            <a:srgbClr val="7030A0"/>
+          </a:solidFill>
+          <a:ln w="19050"/>
+        </p:spPr>
+        <p:style>
+          <a:lnRef idx="2">
+            <a:schemeClr val="accent1"/>
+          </a:lnRef>
+          <a:fillRef idx="1">
+            <a:schemeClr val="lt1"/>
+          </a:fillRef>
+          <a:effectRef idx="0">
+            <a:schemeClr val="accent1"/>
+          </a:effectRef>
+          <a:fontRef idx="minor">
+            <a:schemeClr val="dk1"/>
+          </a:fontRef>
+        </p:style>
+        <p:txBody>
+          <a:bodyPr lIns="124733" tIns="62367" rIns="124733" bIns="62367" rtlCol="0" anchor="ctr"/>
+          <a:lstStyle/>
+          <a:p>
+            <a:pPr algn="ctr"/>
+            <a:r>
+              <a:rPr lang="ru-RU" sz="700" dirty="0" smtClean="0"/>
+              <a:t>Имперская безопасность(ваниль)</a:t>
+            </a:r>
+            <a:endParaRPr lang="ru-RU" sz="700" dirty="0"/>
+          </a:p>
+        </p:txBody>
+      </p:sp>
+      <p:cxnSp>
+        <p:nvCxnSpPr>
+          <p:cNvPr id="272" name="Прямая со стрелкой 271"/>
+          <p:cNvCxnSpPr>
+            <a:stCxn id="266" idx="2"/>
+            <a:endCxn id="270" idx="0"/>
+          </p:cNvCxnSpPr>
+          <p:nvPr/>
+        </p:nvCxnSpPr>
+        <p:spPr>
+          <a:xfrm flipH="1">
+            <a:off x="26774648" y="13898602"/>
+            <a:ext cx="1219" cy="248821"/>
+          </a:xfrm>
+          <a:prstGeom prst="straightConnector1">
+            <a:avLst/>
+          </a:prstGeom>
+          <a:ln w="19050">
+            <a:tailEnd type="arrow"/>
+          </a:ln>
+        </p:spPr>
+        <p:style>
+          <a:lnRef idx="1">
+            <a:schemeClr val="accent1"/>
+          </a:lnRef>
+          <a:fillRef idx="0">
+            <a:schemeClr val="accent1"/>
+          </a:fillRef>
+          <a:effectRef idx="0">
+            <a:schemeClr val="accent1"/>
+          </a:effectRef>
+          <a:fontRef idx="minor">
+            <a:schemeClr val="tx1"/>
+          </a:fontRef>
+        </p:style>
+      </p:cxnSp>
+      <p:cxnSp>
+        <p:nvCxnSpPr>
+          <p:cNvPr id="277" name="Прямая со стрелкой 276"/>
+          <p:cNvCxnSpPr>
+            <a:stCxn id="270" idx="2"/>
+            <a:endCxn id="271" idx="0"/>
+          </p:cNvCxnSpPr>
+          <p:nvPr/>
+        </p:nvCxnSpPr>
+        <p:spPr>
+          <a:xfrm flipH="1">
+            <a:off x="26774647" y="14687423"/>
+            <a:ext cx="1" cy="213465"/>
+          </a:xfrm>
+          <a:prstGeom prst="straightConnector1">
+            <a:avLst/>
+          </a:prstGeom>
+          <a:ln w="19050">
+            <a:tailEnd type="arrow"/>
+          </a:ln>
+        </p:spPr>
+        <p:style>
+          <a:lnRef idx="1">
+            <a:schemeClr val="accent1"/>
+          </a:lnRef>
+          <a:fillRef idx="0">
+            <a:schemeClr val="accent1"/>
+          </a:fillRef>
+          <a:effectRef idx="0">
+            <a:schemeClr val="accent1"/>
+          </a:effectRef>
+          <a:fontRef idx="minor">
+            <a:schemeClr val="tx1"/>
+          </a:fontRef>
+        </p:style>
+      </p:cxnSp>
+      <p:sp>
+        <p:nvSpPr>
+          <p:cNvPr id="284" name="Прямоугольник 283"/>
+          <p:cNvSpPr/>
+          <p:nvPr/>
+        </p:nvSpPr>
+        <p:spPr>
+          <a:xfrm>
+            <a:off x="24190047" y="14131000"/>
+            <a:ext cx="926325" cy="540000"/>
+          </a:xfrm>
+          <a:prstGeom prst="rect">
+            <a:avLst/>
+          </a:prstGeom>
+          <a:solidFill>
+            <a:srgbClr val="7030A0"/>
+          </a:solidFill>
+          <a:ln w="19050"/>
+        </p:spPr>
+        <p:style>
+          <a:lnRef idx="2">
+            <a:schemeClr val="accent1"/>
+          </a:lnRef>
+          <a:fillRef idx="1">
+            <a:schemeClr val="lt1"/>
+          </a:fillRef>
+          <a:effectRef idx="0">
+            <a:schemeClr val="accent1"/>
+          </a:effectRef>
+          <a:fontRef idx="minor">
+            <a:schemeClr val="dk1"/>
+          </a:fontRef>
+        </p:style>
+        <p:txBody>
+          <a:bodyPr lIns="124733" tIns="62367" rIns="124733" bIns="62367" rtlCol="0" anchor="ctr"/>
+          <a:lstStyle/>
+          <a:p>
+            <a:pPr algn="ctr"/>
+            <a:r>
+              <a:rPr lang="ru-RU" sz="700" dirty="0" smtClean="0"/>
+              <a:t>Поощрить местную индустриализацию (ваниль)</a:t>
+            </a:r>
+            <a:endParaRPr lang="ru-RU" sz="700" dirty="0"/>
+          </a:p>
+        </p:txBody>
+      </p:sp>
+      <p:cxnSp>
+        <p:nvCxnSpPr>
+          <p:cNvPr id="287" name="Прямая со стрелкой 286"/>
+          <p:cNvCxnSpPr>
+            <a:stCxn id="284" idx="2"/>
+            <a:endCxn id="259" idx="0"/>
+          </p:cNvCxnSpPr>
+          <p:nvPr/>
+        </p:nvCxnSpPr>
+        <p:spPr>
+          <a:xfrm>
+            <a:off x="24653210" y="14671000"/>
+            <a:ext cx="0" cy="235412"/>
+          </a:xfrm>
+          <a:prstGeom prst="straightConnector1">
+            <a:avLst/>
+          </a:prstGeom>
+          <a:ln w="19050">
+            <a:tailEnd type="arrow"/>
+          </a:ln>
+        </p:spPr>
+        <p:style>
+          <a:lnRef idx="1">
+            <a:schemeClr val="accent1"/>
+          </a:lnRef>
+          <a:fillRef idx="0">
+            <a:schemeClr val="accent1"/>
+          </a:fillRef>
+          <a:effectRef idx="0">
+            <a:schemeClr val="accent1"/>
+          </a:effectRef>
+          <a:fontRef idx="minor">
+            <a:schemeClr val="tx1"/>
+          </a:fontRef>
+        </p:style>
+      </p:cxnSp>
+      <p:sp>
+        <p:nvSpPr>
+          <p:cNvPr id="292" name="Прямоугольник 291"/>
+          <p:cNvSpPr/>
+          <p:nvPr/>
+        </p:nvSpPr>
+        <p:spPr>
+          <a:xfrm>
+            <a:off x="27446531" y="13351286"/>
+            <a:ext cx="926325" cy="540000"/>
+          </a:xfrm>
+          <a:prstGeom prst="rect">
+            <a:avLst/>
+          </a:prstGeom>
+          <a:solidFill>
+            <a:srgbClr val="7030A0"/>
+          </a:solidFill>
+          <a:ln w="19050"/>
+        </p:spPr>
+        <p:style>
+          <a:lnRef idx="2">
+            <a:schemeClr val="accent1"/>
+          </a:lnRef>
+          <a:fillRef idx="1">
+            <a:schemeClr val="lt1"/>
+          </a:fillRef>
+          <a:effectRef idx="0">
+            <a:schemeClr val="accent1"/>
+          </a:effectRef>
+          <a:fontRef idx="minor">
+            <a:schemeClr val="dk1"/>
+          </a:fontRef>
+        </p:style>
+        <p:txBody>
+          <a:bodyPr lIns="124733" tIns="62367" rIns="124733" bIns="62367" rtlCol="0" anchor="ctr"/>
+          <a:lstStyle/>
+          <a:p>
+            <a:pPr algn="ctr"/>
+            <a:r>
+              <a:rPr lang="ru-RU" sz="700" dirty="0" smtClean="0"/>
+              <a:t>Усилить империю (ваниль)</a:t>
+            </a:r>
+            <a:endParaRPr lang="ru-RU" sz="700" dirty="0"/>
+          </a:p>
+        </p:txBody>
+      </p:sp>
+      <p:sp>
+        <p:nvSpPr>
+          <p:cNvPr id="297" name="Прямоугольник 296"/>
+          <p:cNvSpPr/>
+          <p:nvPr/>
+        </p:nvSpPr>
+        <p:spPr>
+          <a:xfrm>
+            <a:off x="25272727" y="14147425"/>
+            <a:ext cx="926325" cy="540000"/>
+          </a:xfrm>
+          <a:prstGeom prst="rect">
+            <a:avLst/>
+          </a:prstGeom>
+          <a:solidFill>
+            <a:srgbClr val="7030A0"/>
+          </a:solidFill>
+          <a:ln w="19050"/>
+        </p:spPr>
+        <p:style>
+          <a:lnRef idx="2">
+            <a:schemeClr val="accent1"/>
+          </a:lnRef>
+          <a:fillRef idx="1">
+            <a:schemeClr val="lt1"/>
+          </a:fillRef>
+          <a:effectRef idx="0">
+            <a:schemeClr val="accent1"/>
+          </a:effectRef>
+          <a:fontRef idx="minor">
+            <a:schemeClr val="dk1"/>
+          </a:fontRef>
+        </p:style>
+        <p:txBody>
+          <a:bodyPr lIns="124733" tIns="62367" rIns="124733" bIns="62367" rtlCol="0" anchor="ctr"/>
+          <a:lstStyle/>
+          <a:p>
+            <a:pPr algn="ctr"/>
+            <a:r>
+              <a:rPr lang="ru-RU" sz="700" dirty="0" smtClean="0"/>
+              <a:t>Отобрать Испанские Нидерланды (ваниль)</a:t>
+            </a:r>
+            <a:endParaRPr lang="ru-RU" sz="700" dirty="0"/>
+          </a:p>
+        </p:txBody>
+      </p:sp>
+      <p:sp>
+        <p:nvSpPr>
+          <p:cNvPr id="298" name="Прямоугольник 297"/>
+          <p:cNvSpPr/>
+          <p:nvPr/>
+        </p:nvSpPr>
+        <p:spPr>
+          <a:xfrm>
+            <a:off x="25271508" y="14899672"/>
+            <a:ext cx="926325" cy="540000"/>
+          </a:xfrm>
+          <a:prstGeom prst="rect">
+            <a:avLst/>
+          </a:prstGeom>
+          <a:solidFill>
+            <a:srgbClr val="7030A0"/>
+          </a:solidFill>
+          <a:ln w="19050"/>
+        </p:spPr>
+        <p:style>
+          <a:lnRef idx="2">
+            <a:schemeClr val="accent1"/>
+          </a:lnRef>
+          <a:fillRef idx="1">
+            <a:schemeClr val="lt1"/>
+          </a:fillRef>
+          <a:effectRef idx="0">
+            <a:schemeClr val="accent1"/>
+          </a:effectRef>
+          <a:fontRef idx="minor">
+            <a:schemeClr val="dk1"/>
+          </a:fontRef>
+        </p:style>
+        <p:txBody>
+          <a:bodyPr lIns="124733" tIns="62367" rIns="124733" bIns="62367" rtlCol="0" anchor="ctr"/>
+          <a:lstStyle/>
+          <a:p>
+            <a:pPr algn="ctr"/>
+            <a:r>
+              <a:rPr lang="ru-RU" sz="700" dirty="0" smtClean="0"/>
+              <a:t>Вернуть Филиппины</a:t>
+            </a:r>
+            <a:endParaRPr lang="ru-RU" sz="700" dirty="0"/>
+          </a:p>
+        </p:txBody>
+      </p:sp>
+      <p:sp>
+        <p:nvSpPr>
+          <p:cNvPr id="299" name="Прямоугольник 298"/>
+          <p:cNvSpPr/>
+          <p:nvPr/>
+        </p:nvSpPr>
+        <p:spPr>
+          <a:xfrm>
+            <a:off x="27428273" y="14152302"/>
+            <a:ext cx="926325" cy="540000"/>
+          </a:xfrm>
+          <a:prstGeom prst="rect">
+            <a:avLst/>
+          </a:prstGeom>
+          <a:solidFill>
+            <a:srgbClr val="7030A0"/>
+          </a:solidFill>
+          <a:ln w="19050"/>
+        </p:spPr>
+        <p:style>
+          <a:lnRef idx="2">
+            <a:schemeClr val="accent1"/>
+          </a:lnRef>
+          <a:fillRef idx="1">
+            <a:schemeClr val="lt1"/>
+          </a:fillRef>
+          <a:effectRef idx="0">
+            <a:schemeClr val="accent1"/>
+          </a:effectRef>
+          <a:fontRef idx="minor">
+            <a:schemeClr val="dk1"/>
+          </a:fontRef>
+        </p:style>
+        <p:txBody>
+          <a:bodyPr lIns="124733" tIns="62367" rIns="124733" bIns="62367" rtlCol="0" anchor="ctr"/>
+          <a:lstStyle/>
+          <a:p>
+            <a:pPr algn="ctr"/>
+            <a:r>
+              <a:rPr lang="ru-RU" sz="700" dirty="0" smtClean="0"/>
+              <a:t>Вернуть Кубу</a:t>
+            </a:r>
+            <a:endParaRPr lang="ru-RU" sz="700" dirty="0"/>
+          </a:p>
+        </p:txBody>
+      </p:sp>
+      <p:sp>
+        <p:nvSpPr>
+          <p:cNvPr id="300" name="Прямоугольник 299"/>
+          <p:cNvSpPr/>
+          <p:nvPr/>
+        </p:nvSpPr>
+        <p:spPr>
+          <a:xfrm>
+            <a:off x="27427053" y="14911863"/>
+            <a:ext cx="926325" cy="540000"/>
+          </a:xfrm>
+          <a:prstGeom prst="rect">
+            <a:avLst/>
+          </a:prstGeom>
+          <a:solidFill>
+            <a:srgbClr val="7030A0"/>
+          </a:solidFill>
+          <a:ln w="19050"/>
+        </p:spPr>
+        <p:style>
+          <a:lnRef idx="2">
+            <a:schemeClr val="accent1"/>
+          </a:lnRef>
+          <a:fillRef idx="1">
+            <a:schemeClr val="lt1"/>
+          </a:fillRef>
+          <a:effectRef idx="0">
+            <a:schemeClr val="accent1"/>
+          </a:effectRef>
+          <a:fontRef idx="minor">
+            <a:schemeClr val="dk1"/>
+          </a:fontRef>
+        </p:style>
+        <p:txBody>
+          <a:bodyPr lIns="124733" tIns="62367" rIns="124733" bIns="62367" rtlCol="0" anchor="ctr"/>
+          <a:lstStyle/>
+          <a:p>
+            <a:pPr algn="ctr"/>
+            <a:r>
+              <a:rPr lang="ru-RU" sz="700" dirty="0" smtClean="0"/>
+              <a:t>Вернуть Мексику</a:t>
+            </a:r>
+            <a:endParaRPr lang="ru-RU" sz="700" dirty="0"/>
+          </a:p>
+        </p:txBody>
+      </p:sp>
+      <p:cxnSp>
+        <p:nvCxnSpPr>
+          <p:cNvPr id="301" name="Соединительная линия уступом 124"/>
+          <p:cNvCxnSpPr>
+            <a:stCxn id="266" idx="2"/>
+            <a:endCxn id="299" idx="0"/>
+          </p:cNvCxnSpPr>
+          <p:nvPr/>
+        </p:nvCxnSpPr>
+        <p:spPr>
+          <a:xfrm rot="16200000" flipH="1">
+            <a:off x="27206801" y="13467667"/>
+            <a:ext cx="253700" cy="1115569"/>
           </a:xfrm>
           <a:prstGeom prst="bentConnector3">
             <a:avLst>
@@ -10659,17 +11033,17 @@
       </p:cxnSp>
       <p:cxnSp>
         <p:nvCxnSpPr>
-          <p:cNvPr id="246" name="Соединительная линия уступом 124"/>
-          <p:cNvCxnSpPr>
-            <a:stCxn id="235" idx="2"/>
-            <a:endCxn id="238" idx="0"/>
+          <p:cNvPr id="304" name="Соединительная линия уступом 124"/>
+          <p:cNvCxnSpPr>
+            <a:stCxn id="266" idx="2"/>
+            <a:endCxn id="297" idx="0"/>
           </p:cNvCxnSpPr>
           <p:nvPr/>
         </p:nvCxnSpPr>
         <p:spPr>
           <a:xfrm rot="5400000">
-            <a:off x="23244005" y="14530333"/>
-            <a:ext cx="248819" cy="505966"/>
+            <a:off x="26131468" y="13503025"/>
+            <a:ext cx="248823" cy="1039977"/>
           </a:xfrm>
           <a:prstGeom prst="bentConnector3">
             <a:avLst>
@@ -10697,17 +11071,89 @@
       </p:cxnSp>
       <p:cxnSp>
         <p:nvCxnSpPr>
-          <p:cNvPr id="250" name="Соединительная линия уступом 124"/>
-          <p:cNvCxnSpPr>
-            <a:stCxn id="236" idx="2"/>
-            <a:endCxn id="238" idx="0"/>
+          <p:cNvPr id="308" name="Прямая со стрелкой 307"/>
+          <p:cNvCxnSpPr>
+            <a:stCxn id="297" idx="2"/>
+            <a:endCxn id="298" idx="0"/>
+          </p:cNvCxnSpPr>
+          <p:nvPr/>
+        </p:nvCxnSpPr>
+        <p:spPr>
+          <a:xfrm flipH="1">
+            <a:off x="25734671" y="14687425"/>
+            <a:ext cx="1219" cy="212247"/>
+          </a:xfrm>
+          <a:prstGeom prst="straightConnector1">
+            <a:avLst/>
+          </a:prstGeom>
+          <a:ln w="19050">
+            <a:tailEnd type="arrow"/>
+          </a:ln>
+        </p:spPr>
+        <p:style>
+          <a:lnRef idx="1">
+            <a:schemeClr val="accent1"/>
+          </a:lnRef>
+          <a:fillRef idx="0">
+            <a:schemeClr val="accent1"/>
+          </a:fillRef>
+          <a:effectRef idx="0">
+            <a:schemeClr val="accent1"/>
+          </a:effectRef>
+          <a:fontRef idx="minor">
+            <a:schemeClr val="tx1"/>
+          </a:fontRef>
+        </p:style>
+      </p:cxnSp>
+      <p:cxnSp>
+        <p:nvCxnSpPr>
+          <p:cNvPr id="311" name="Прямая со стрелкой 310"/>
+          <p:cNvCxnSpPr>
+            <a:stCxn id="299" idx="2"/>
+            <a:endCxn id="300" idx="0"/>
+          </p:cNvCxnSpPr>
+          <p:nvPr/>
+        </p:nvCxnSpPr>
+        <p:spPr>
+          <a:xfrm flipH="1">
+            <a:off x="27890216" y="14692302"/>
+            <a:ext cx="1220" cy="219561"/>
+          </a:xfrm>
+          <a:prstGeom prst="straightConnector1">
+            <a:avLst/>
+          </a:prstGeom>
+          <a:ln w="19050">
+            <a:tailEnd type="arrow"/>
+          </a:ln>
+        </p:spPr>
+        <p:style>
+          <a:lnRef idx="1">
+            <a:schemeClr val="accent1"/>
+          </a:lnRef>
+          <a:fillRef idx="0">
+            <a:schemeClr val="accent1"/>
+          </a:fillRef>
+          <a:effectRef idx="0">
+            <a:schemeClr val="accent1"/>
+          </a:effectRef>
+          <a:fontRef idx="minor">
+            <a:schemeClr val="tx1"/>
+          </a:fontRef>
+        </p:style>
+      </p:cxnSp>
+      <p:cxnSp>
+        <p:nvCxnSpPr>
+          <p:cNvPr id="315" name="Соединительная линия уступом 314"/>
+          <p:cNvCxnSpPr>
+            <a:stCxn id="193" idx="2"/>
+            <a:endCxn id="195" idx="0"/>
           </p:cNvCxnSpPr>
           <p:nvPr/>
         </p:nvCxnSpPr>
         <p:spPr>
           <a:xfrm rot="16200000" flipH="1">
-            <a:off x="22734378" y="14526673"/>
-            <a:ext cx="250038" cy="512068"/>
+            <a:off x="29815127" y="10648400"/>
+            <a:ext cx="269185" cy="561671"/>
           </a:xfrm>
           <a:prstGeom prst="bentConnector3">
             <a:avLst>
@@ -10735,49 +11181,51 @@
       </p:cxnSp>
       <p:cxnSp>
         <p:nvCxnSpPr>
-          <p:cNvPr id="255" name="Прямая со стрелкой 254"/>
-          <p:cNvCxnSpPr>
-            <a:stCxn id="176" idx="2"/>
-            <a:endCxn id="235" idx="0"/>
-          </p:cNvCxnSpPr>
-          <p:nvPr/>
-        </p:nvCxnSpPr>
-        <p:spPr>
-          <a:xfrm flipH="1">
-            <a:off x="23621397" y="13892032"/>
-            <a:ext cx="1219" cy="226875"/>
-          </a:xfrm>
-          <a:prstGeom prst="straightConnector1">
-            <a:avLst/>
-          </a:prstGeom>
-          <a:ln w="19050">
-            <a:tailEnd type="arrow"/>
-          </a:ln>
-        </p:spPr>
-        <p:style>
-          <a:lnRef idx="1">
-            <a:schemeClr val="accent1"/>
-          </a:lnRef>
-          <a:fillRef idx="0">
-            <a:schemeClr val="accent1"/>
-          </a:fillRef>
-          <a:effectRef idx="0">
-            <a:schemeClr val="accent1"/>
-          </a:effectRef>
-          <a:fontRef idx="minor">
-            <a:schemeClr val="tx1"/>
-          </a:fontRef>
-        </p:style>
-      </p:cxnSp>
-      <p:sp>
-        <p:nvSpPr>
-          <p:cNvPr id="259" name="Прямоугольник 258"/>
+          <p:cNvPr id="318" name="Соединительная линия уступом 317"/>
+          <p:cNvCxnSpPr>
+            <a:stCxn id="194" idx="2"/>
+            <a:endCxn id="195" idx="0"/>
+          </p:cNvCxnSpPr>
+          <p:nvPr/>
+        </p:nvCxnSpPr>
+        <p:spPr>
+          <a:xfrm rot="5400000">
+            <a:off x="30373940" y="10651260"/>
+            <a:ext cx="269185" cy="555953"/>
+          </a:xfrm>
+          <a:prstGeom prst="bentConnector3">
+            <a:avLst>
+              <a:gd name="adj1" fmla="val 50000"/>
+            </a:avLst>
+          </a:prstGeom>
+          <a:ln w="19050">
+            <a:tailEnd type="arrow"/>
+          </a:ln>
+        </p:spPr>
+        <p:style>
+          <a:lnRef idx="1">
+            <a:schemeClr val="accent1"/>
+          </a:lnRef>
+          <a:fillRef idx="0">
+            <a:schemeClr val="accent1"/>
+          </a:fillRef>
+          <a:effectRef idx="0">
+            <a:schemeClr val="accent1"/>
+          </a:effectRef>
+          <a:fontRef idx="minor">
+            <a:schemeClr val="tx1"/>
+          </a:fontRef>
+        </p:style>
+      </p:cxnSp>
+      <p:sp>
+        <p:nvSpPr>
+          <p:cNvPr id="321" name="Прямоугольник 320"/>
           <p:cNvSpPr/>
           <p:nvPr/>
         </p:nvSpPr>
         <p:spPr>
           <a:xfrm>
-            <a:off x="24190047" y="14906412"/>
+            <a:off x="26313923" y="15700686"/>
             <a:ext cx="926325" cy="540000"/>
           </a:xfrm>
           <a:prstGeom prst="rect">
@@ -10809,7 +11257,7 @@
             <a:pPr algn="ctr"/>
             <a:r>
               <a:rPr lang="ru-RU" sz="700" dirty="0" smtClean="0"/>
-              <a:t>Поощрить местную разработку месторождений (ваниль)</a:t>
+              <a:t>Вернуть «долг» США</a:t>
             </a:r>
             <a:endParaRPr lang="ru-RU" sz="700" dirty="0"/>
           </a:p>
@@ -10817,49 +11265,89 @@
       </p:sp>
       <p:cxnSp>
         <p:nvCxnSpPr>
-          <p:cNvPr id="261" name="Прямая со стрелкой 260"/>
-          <p:cNvCxnSpPr>
-            <a:stCxn id="228" idx="2"/>
-            <a:endCxn id="284" idx="0"/>
-          </p:cNvCxnSpPr>
-          <p:nvPr/>
-        </p:nvCxnSpPr>
-        <p:spPr>
-          <a:xfrm>
-            <a:off x="24647114" y="13896808"/>
-            <a:ext cx="6096" cy="234192"/>
-          </a:xfrm>
-          <a:prstGeom prst="straightConnector1">
-            <a:avLst/>
-          </a:prstGeom>
-          <a:ln w="19050">
-            <a:tailEnd type="arrow"/>
-          </a:ln>
-        </p:spPr>
-        <p:style>
-          <a:lnRef idx="1">
-            <a:schemeClr val="accent1"/>
-          </a:lnRef>
-          <a:fillRef idx="0">
-            <a:schemeClr val="accent1"/>
-          </a:fillRef>
-          <a:effectRef idx="0">
-            <a:schemeClr val="accent1"/>
-          </a:effectRef>
-          <a:fontRef idx="minor">
-            <a:schemeClr val="tx1"/>
-          </a:fontRef>
-        </p:style>
-      </p:cxnSp>
-      <p:sp>
-        <p:nvSpPr>
-          <p:cNvPr id="266" name="Прямоугольник 265"/>
+          <p:cNvPr id="322" name="Соединительная линия уступом 124"/>
+          <p:cNvCxnSpPr>
+            <a:stCxn id="298" idx="2"/>
+            <a:endCxn id="321" idx="0"/>
+          </p:cNvCxnSpPr>
+          <p:nvPr/>
+        </p:nvCxnSpPr>
+        <p:spPr>
+          <a:xfrm rot="16200000" flipH="1">
+            <a:off x="26125371" y="15048971"/>
+            <a:ext cx="261014" cy="1042415"/>
+          </a:xfrm>
+          <a:prstGeom prst="bentConnector3">
+            <a:avLst>
+              <a:gd name="adj1" fmla="val 50000"/>
+            </a:avLst>
+          </a:prstGeom>
+          <a:ln w="19050">
+            <a:tailEnd type="arrow"/>
+          </a:ln>
+        </p:spPr>
+        <p:style>
+          <a:lnRef idx="1">
+            <a:schemeClr val="accent1"/>
+          </a:lnRef>
+          <a:fillRef idx="0">
+            <a:schemeClr val="accent1"/>
+          </a:fillRef>
+          <a:effectRef idx="0">
+            <a:schemeClr val="accent1"/>
+          </a:effectRef>
+          <a:fontRef idx="minor">
+            <a:schemeClr val="tx1"/>
+          </a:fontRef>
+        </p:style>
+      </p:cxnSp>
+      <p:cxnSp>
+        <p:nvCxnSpPr>
+          <p:cNvPr id="325" name="Соединительная линия уступом 124"/>
+          <p:cNvCxnSpPr>
+            <a:stCxn id="300" idx="2"/>
+            <a:endCxn id="321" idx="0"/>
+          </p:cNvCxnSpPr>
+          <p:nvPr/>
+        </p:nvCxnSpPr>
+        <p:spPr>
+          <a:xfrm rot="5400000">
+            <a:off x="27209240" y="15019709"/>
+            <a:ext cx="248823" cy="1113130"/>
+          </a:xfrm>
+          <a:prstGeom prst="bentConnector3">
+            <a:avLst>
+              <a:gd name="adj1" fmla="val 50000"/>
+            </a:avLst>
+          </a:prstGeom>
+          <a:ln w="19050">
+            <a:tailEnd type="arrow"/>
+          </a:ln>
+        </p:spPr>
+        <p:style>
+          <a:lnRef idx="1">
+            <a:schemeClr val="accent1"/>
+          </a:lnRef>
+          <a:fillRef idx="0">
+            <a:schemeClr val="accent1"/>
+          </a:fillRef>
+          <a:effectRef idx="0">
+            <a:schemeClr val="accent1"/>
+          </a:effectRef>
+          <a:fontRef idx="minor">
+            <a:schemeClr val="tx1"/>
+          </a:fontRef>
+        </p:style>
+      </p:cxnSp>
+      <p:sp>
+        <p:nvSpPr>
+          <p:cNvPr id="328" name="Прямоугольник 327"/>
           <p:cNvSpPr/>
           <p:nvPr/>
         </p:nvSpPr>
         <p:spPr>
           <a:xfrm>
-            <a:off x="26312704" y="13358602"/>
+            <a:off x="23652293" y="8721716"/>
             <a:ext cx="926325" cy="540000"/>
           </a:xfrm>
           <a:prstGeom prst="rect">
@@ -10891,7 +11379,7 @@
             <a:pPr algn="ctr"/>
             <a:r>
               <a:rPr lang="ru-RU" sz="700" dirty="0" smtClean="0"/>
-              <a:t>Флот достойный короля (ваниль)</a:t>
+              <a:t>Создание белогвардейской дивизии (+белый генерал, +4 каски)</a:t>
             </a:r>
             <a:endParaRPr lang="ru-RU" sz="700" dirty="0"/>
           </a:p>
@@ -10899,17 +11387,17 @@
       </p:sp>
       <p:cxnSp>
         <p:nvCxnSpPr>
-          <p:cNvPr id="267" name="Соединительная линия уступом 124"/>
-          <p:cNvCxnSpPr>
-            <a:stCxn id="281" idx="2"/>
-            <a:endCxn id="266" idx="0"/>
-          </p:cNvCxnSpPr>
-          <p:nvPr/>
-        </p:nvCxnSpPr>
-        <p:spPr>
-          <a:xfrm rot="16200000" flipH="1">
-            <a:off x="25861112" y="12443846"/>
-            <a:ext cx="243301" cy="1586210"/>
+          <p:cNvPr id="329" name="Соединительная линия уступом 328"/>
+          <p:cNvCxnSpPr>
+            <a:stCxn id="105" idx="2"/>
+            <a:endCxn id="328" idx="0"/>
+          </p:cNvCxnSpPr>
+          <p:nvPr/>
+        </p:nvCxnSpPr>
+        <p:spPr>
+          <a:xfrm rot="5400000">
+            <a:off x="24276947" y="8355294"/>
+            <a:ext cx="204932" cy="527913"/>
           </a:xfrm>
           <a:prstGeom prst="bentConnector3">
             <a:avLst>
@@ -10937,13 +11425,13 @@
       </p:cxnSp>
       <p:sp>
         <p:nvSpPr>
-          <p:cNvPr id="270" name="Прямоугольник 269"/>
+          <p:cNvPr id="332" name="Прямоугольник 331"/>
           <p:cNvSpPr/>
           <p:nvPr/>
         </p:nvSpPr>
         <p:spPr>
           <a:xfrm>
-            <a:off x="26311485" y="14147423"/>
+            <a:off x="24726408" y="8720496"/>
             <a:ext cx="926325" cy="540000"/>
           </a:xfrm>
           <a:prstGeom prst="rect">
@@ -10975,25 +11463,63 @@
             <a:pPr algn="ctr"/>
             <a:r>
               <a:rPr lang="ru-RU" sz="700" dirty="0" smtClean="0"/>
-              <a:t>Вернуть славу Испанской армады </a:t>
+              <a:t>Расширение генералитета </a:t>
             </a:r>
             <a:r>
               <a:rPr lang="ru-RU" sz="500" dirty="0" smtClean="0"/>
-              <a:t>(ванильный фокус возродить боевой флот)</a:t>
-            </a:r>
-            <a:endParaRPr lang="ru-RU" sz="500" dirty="0"/>
-          </a:p>
-        </p:txBody>
-      </p:sp>
-      <p:sp>
-        <p:nvSpPr>
-          <p:cNvPr id="271" name="Прямоугольник 270"/>
+              <a:t>(+ переведет генерала из ВВС и вернет генерала-монархиста из изгнания)</a:t>
+            </a:r>
+            <a:endParaRPr lang="ru-RU" sz="700" dirty="0"/>
+          </a:p>
+        </p:txBody>
+      </p:sp>
+      <p:cxnSp>
+        <p:nvCxnSpPr>
+          <p:cNvPr id="333" name="Соединительная линия уступом 332"/>
+          <p:cNvCxnSpPr>
+            <a:stCxn id="105" idx="2"/>
+            <a:endCxn id="332" idx="0"/>
+          </p:cNvCxnSpPr>
+          <p:nvPr/>
+        </p:nvCxnSpPr>
+        <p:spPr>
+          <a:xfrm rot="16200000" flipH="1">
+            <a:off x="24814614" y="8345539"/>
+            <a:ext cx="203712" cy="546202"/>
+          </a:xfrm>
+          <a:prstGeom prst="bentConnector3">
+            <a:avLst>
+              <a:gd name="adj1" fmla="val 50000"/>
+            </a:avLst>
+          </a:prstGeom>
+          <a:ln w="19050">
+            <a:tailEnd type="arrow"/>
+          </a:ln>
+        </p:spPr>
+        <p:style>
+          <a:lnRef idx="1">
+            <a:schemeClr val="accent1"/>
+          </a:lnRef>
+          <a:fillRef idx="0">
+            <a:schemeClr val="accent1"/>
+          </a:fillRef>
+          <a:effectRef idx="0">
+            <a:schemeClr val="accent1"/>
+          </a:effectRef>
+          <a:fontRef idx="minor">
+            <a:schemeClr val="tx1"/>
+          </a:fontRef>
+        </p:style>
+      </p:cxnSp>
+      <p:sp>
+        <p:nvSpPr>
+          <p:cNvPr id="336" name="Прямоугольник 335"/>
           <p:cNvSpPr/>
           <p:nvPr/>
         </p:nvSpPr>
         <p:spPr>
           <a:xfrm>
-            <a:off x="26311484" y="14900888"/>
+            <a:off x="23155653" y="13357598"/>
             <a:ext cx="926325" cy="540000"/>
           </a:xfrm>
           <a:prstGeom prst="rect">
@@ -11025,7 +11551,7 @@
             <a:pPr algn="ctr"/>
             <a:r>
               <a:rPr lang="ru-RU" sz="700" dirty="0" smtClean="0"/>
-              <a:t>Имперская безопасность(ваниль)</a:t>
+              <a:t>Восстановление монастырей</a:t>
             </a:r>
             <a:endParaRPr lang="ru-RU" sz="700" dirty="0"/>
           </a:p>
@@ -11033,85 +11559,89 @@
       </p:sp>
       <p:cxnSp>
         <p:nvCxnSpPr>
-          <p:cNvPr id="272" name="Прямая со стрелкой 271"/>
-          <p:cNvCxnSpPr>
-            <a:stCxn id="266" idx="2"/>
-            <a:endCxn id="270" idx="0"/>
-          </p:cNvCxnSpPr>
-          <p:nvPr/>
-        </p:nvCxnSpPr>
-        <p:spPr>
-          <a:xfrm flipH="1">
-            <a:off x="26774648" y="13898602"/>
-            <a:ext cx="1219" cy="248821"/>
-          </a:xfrm>
-          <a:prstGeom prst="straightConnector1">
-            <a:avLst/>
-          </a:prstGeom>
-          <a:ln w="19050">
-            <a:tailEnd type="arrow"/>
-          </a:ln>
-        </p:spPr>
-        <p:style>
-          <a:lnRef idx="1">
-            <a:schemeClr val="accent1"/>
-          </a:lnRef>
-          <a:fillRef idx="0">
-            <a:schemeClr val="accent1"/>
-          </a:fillRef>
-          <a:effectRef idx="0">
-            <a:schemeClr val="accent1"/>
-          </a:effectRef>
-          <a:fontRef idx="minor">
-            <a:schemeClr val="tx1"/>
-          </a:fontRef>
-        </p:style>
-      </p:cxnSp>
-      <p:cxnSp>
-        <p:nvCxnSpPr>
-          <p:cNvPr id="277" name="Прямая со стрелкой 276"/>
-          <p:cNvCxnSpPr>
-            <a:stCxn id="270" idx="2"/>
-            <a:endCxn id="271" idx="0"/>
-          </p:cNvCxnSpPr>
-          <p:nvPr/>
-        </p:nvCxnSpPr>
-        <p:spPr>
-          <a:xfrm flipH="1">
-            <a:off x="26774647" y="14687423"/>
-            <a:ext cx="1" cy="213465"/>
-          </a:xfrm>
-          <a:prstGeom prst="straightConnector1">
-            <a:avLst/>
-          </a:prstGeom>
-          <a:ln w="19050">
-            <a:tailEnd type="arrow"/>
-          </a:ln>
-        </p:spPr>
-        <p:style>
-          <a:lnRef idx="1">
-            <a:schemeClr val="accent1"/>
-          </a:lnRef>
-          <a:fillRef idx="0">
-            <a:schemeClr val="accent1"/>
-          </a:fillRef>
-          <a:effectRef idx="0">
-            <a:schemeClr val="accent1"/>
-          </a:effectRef>
-          <a:fontRef idx="minor">
-            <a:schemeClr val="tx1"/>
-          </a:fontRef>
-        </p:style>
-      </p:cxnSp>
-      <p:sp>
-        <p:nvSpPr>
-          <p:cNvPr id="284" name="Прямоугольник 283"/>
+          <p:cNvPr id="344" name="Соединительная линия уступом 124"/>
+          <p:cNvCxnSpPr>
+            <a:stCxn id="281" idx="2"/>
+            <a:endCxn id="292" idx="0"/>
+          </p:cNvCxnSpPr>
+          <p:nvPr/>
+        </p:nvCxnSpPr>
+        <p:spPr>
+          <a:xfrm rot="16200000" flipH="1">
+            <a:off x="27221175" y="12662766"/>
+            <a:ext cx="235985" cy="1141054"/>
+          </a:xfrm>
+          <a:prstGeom prst="bentConnector3">
+            <a:avLst>
+              <a:gd name="adj1" fmla="val 50000"/>
+            </a:avLst>
+          </a:prstGeom>
+          <a:ln w="19050">
+            <a:tailEnd type="arrow"/>
+          </a:ln>
+        </p:spPr>
+        <p:style>
+          <a:lnRef idx="1">
+            <a:schemeClr val="accent1"/>
+          </a:lnRef>
+          <a:fillRef idx="0">
+            <a:schemeClr val="accent1"/>
+          </a:fillRef>
+          <a:effectRef idx="0">
+            <a:schemeClr val="accent1"/>
+          </a:effectRef>
+          <a:fontRef idx="minor">
+            <a:schemeClr val="tx1"/>
+          </a:fontRef>
+        </p:style>
+      </p:cxnSp>
+      <p:cxnSp>
+        <p:nvCxnSpPr>
+          <p:cNvPr id="347" name="Соединительная линия уступом 124"/>
+          <p:cNvCxnSpPr>
+            <a:stCxn id="280" idx="2"/>
+            <a:endCxn id="336" idx="0"/>
+          </p:cNvCxnSpPr>
+          <p:nvPr/>
+        </p:nvCxnSpPr>
+        <p:spPr>
+          <a:xfrm rot="5400000">
+            <a:off x="23744325" y="12989792"/>
+            <a:ext cx="242297" cy="493314"/>
+          </a:xfrm>
+          <a:prstGeom prst="bentConnector3">
+            <a:avLst>
+              <a:gd name="adj1" fmla="val 50000"/>
+            </a:avLst>
+          </a:prstGeom>
+          <a:ln w="19050">
+            <a:tailEnd type="arrow"/>
+          </a:ln>
+        </p:spPr>
+        <p:style>
+          <a:lnRef idx="1">
+            <a:schemeClr val="accent1"/>
+          </a:lnRef>
+          <a:fillRef idx="0">
+            <a:schemeClr val="accent1"/>
+          </a:fillRef>
+          <a:effectRef idx="0">
+            <a:schemeClr val="accent1"/>
+          </a:effectRef>
+          <a:fontRef idx="minor">
+            <a:schemeClr val="tx1"/>
+          </a:fontRef>
+        </p:style>
+      </p:cxnSp>
+      <p:sp>
+        <p:nvSpPr>
+          <p:cNvPr id="350" name="Прямоугольник 349"/>
           <p:cNvSpPr/>
           <p:nvPr/>
         </p:nvSpPr>
         <p:spPr>
           <a:xfrm>
-            <a:off x="24190047" y="14131000"/>
+            <a:off x="26965110" y="11045327"/>
             <a:ext cx="926325" cy="540000"/>
           </a:xfrm>
           <a:prstGeom prst="rect">
@@ -11143,1002 +11673,12 @@
             <a:pPr algn="ctr"/>
             <a:r>
               <a:rPr lang="ru-RU" sz="700" dirty="0" smtClean="0"/>
-              <a:t>Поощрить местную индустриализацию (ваниль)</a:t>
+              <a:t>Союз с Италией</a:t>
             </a:r>
             <a:endParaRPr lang="ru-RU" sz="700" dirty="0"/>
           </a:p>
         </p:txBody>
       </p:sp>
-      <p:cxnSp>
-        <p:nvCxnSpPr>
-          <p:cNvPr id="287" name="Прямая со стрелкой 286"/>
-          <p:cNvCxnSpPr>
-            <a:stCxn id="284" idx="2"/>
-            <a:endCxn id="259" idx="0"/>
-          </p:cNvCxnSpPr>
-          <p:nvPr/>
-        </p:nvCxnSpPr>
-        <p:spPr>
-          <a:xfrm>
-            <a:off x="24653210" y="14671000"/>
-            <a:ext cx="0" cy="235412"/>
-          </a:xfrm>
-          <a:prstGeom prst="straightConnector1">
-            <a:avLst/>
-          </a:prstGeom>
-          <a:ln w="19050">
-            <a:tailEnd type="arrow"/>
-          </a:ln>
-        </p:spPr>
-        <p:style>
-          <a:lnRef idx="1">
-            <a:schemeClr val="accent1"/>
-          </a:lnRef>
-          <a:fillRef idx="0">
-            <a:schemeClr val="accent1"/>
-          </a:fillRef>
-          <a:effectRef idx="0">
-            <a:schemeClr val="accent1"/>
-          </a:effectRef>
-          <a:fontRef idx="minor">
-            <a:schemeClr val="tx1"/>
-          </a:fontRef>
-        </p:style>
-      </p:cxnSp>
-      <p:sp>
-        <p:nvSpPr>
-          <p:cNvPr id="292" name="Прямоугольник 291"/>
-          <p:cNvSpPr/>
-          <p:nvPr/>
-        </p:nvSpPr>
-        <p:spPr>
-          <a:xfrm>
-            <a:off x="27446531" y="13351286"/>
-            <a:ext cx="926325" cy="540000"/>
-          </a:xfrm>
-          <a:prstGeom prst="rect">
-            <a:avLst/>
-          </a:prstGeom>
-          <a:solidFill>
-            <a:srgbClr val="7030A0"/>
-          </a:solidFill>
-          <a:ln w="19050"/>
-        </p:spPr>
-        <p:style>
-          <a:lnRef idx="2">
-            <a:schemeClr val="accent1"/>
-          </a:lnRef>
-          <a:fillRef idx="1">
-            <a:schemeClr val="lt1"/>
-          </a:fillRef>
-          <a:effectRef idx="0">
-            <a:schemeClr val="accent1"/>
-          </a:effectRef>
-          <a:fontRef idx="minor">
-            <a:schemeClr val="dk1"/>
-          </a:fontRef>
-        </p:style>
-        <p:txBody>
-          <a:bodyPr lIns="124733" tIns="62367" rIns="124733" bIns="62367" rtlCol="0" anchor="ctr"/>
-          <a:lstStyle/>
-          <a:p>
-            <a:pPr algn="ctr"/>
-            <a:r>
-              <a:rPr lang="ru-RU" sz="700" dirty="0" smtClean="0"/>
-              <a:t>Усилить империю (ваниль)</a:t>
-            </a:r>
-            <a:endParaRPr lang="ru-RU" sz="700" dirty="0"/>
-          </a:p>
-        </p:txBody>
-      </p:sp>
-      <p:sp>
-        <p:nvSpPr>
-          <p:cNvPr id="297" name="Прямоугольник 296"/>
-          <p:cNvSpPr/>
-          <p:nvPr/>
-        </p:nvSpPr>
-        <p:spPr>
-          <a:xfrm>
-            <a:off x="25272727" y="14147425"/>
-            <a:ext cx="926325" cy="540000"/>
-          </a:xfrm>
-          <a:prstGeom prst="rect">
-            <a:avLst/>
-          </a:prstGeom>
-          <a:solidFill>
-            <a:srgbClr val="7030A0"/>
-          </a:solidFill>
-          <a:ln w="19050"/>
-        </p:spPr>
-        <p:style>
-          <a:lnRef idx="2">
-            <a:schemeClr val="accent1"/>
-          </a:lnRef>
-          <a:fillRef idx="1">
-            <a:schemeClr val="lt1"/>
-          </a:fillRef>
-          <a:effectRef idx="0">
-            <a:schemeClr val="accent1"/>
-          </a:effectRef>
-          <a:fontRef idx="minor">
-            <a:schemeClr val="dk1"/>
-          </a:fontRef>
-        </p:style>
-        <p:txBody>
-          <a:bodyPr lIns="124733" tIns="62367" rIns="124733" bIns="62367" rtlCol="0" anchor="ctr"/>
-          <a:lstStyle/>
-          <a:p>
-            <a:pPr algn="ctr"/>
-            <a:r>
-              <a:rPr lang="ru-RU" sz="700" dirty="0" smtClean="0"/>
-              <a:t>Отобрать Испанские Нидерланды (ваниль)</a:t>
-            </a:r>
-            <a:endParaRPr lang="ru-RU" sz="700" dirty="0"/>
-          </a:p>
-        </p:txBody>
-      </p:sp>
-      <p:sp>
-        <p:nvSpPr>
-          <p:cNvPr id="298" name="Прямоугольник 297"/>
-          <p:cNvSpPr/>
-          <p:nvPr/>
-        </p:nvSpPr>
-        <p:spPr>
-          <a:xfrm>
-            <a:off x="25271508" y="14899672"/>
-            <a:ext cx="926325" cy="540000"/>
-          </a:xfrm>
-          <a:prstGeom prst="rect">
-            <a:avLst/>
-          </a:prstGeom>
-          <a:solidFill>
-            <a:srgbClr val="7030A0"/>
-          </a:solidFill>
-          <a:ln w="19050"/>
-        </p:spPr>
-        <p:style>
-          <a:lnRef idx="2">
-            <a:schemeClr val="accent1"/>
-          </a:lnRef>
-          <a:fillRef idx="1">
-            <a:schemeClr val="lt1"/>
-          </a:fillRef>
-          <a:effectRef idx="0">
-            <a:schemeClr val="accent1"/>
-          </a:effectRef>
-          <a:fontRef idx="minor">
-            <a:schemeClr val="dk1"/>
-          </a:fontRef>
-        </p:style>
-        <p:txBody>
-          <a:bodyPr lIns="124733" tIns="62367" rIns="124733" bIns="62367" rtlCol="0" anchor="ctr"/>
-          <a:lstStyle/>
-          <a:p>
-            <a:pPr algn="ctr"/>
-            <a:r>
-              <a:rPr lang="ru-RU" sz="700" dirty="0" smtClean="0"/>
-              <a:t>Вернуть Филиппины</a:t>
-            </a:r>
-            <a:endParaRPr lang="ru-RU" sz="700" dirty="0"/>
-          </a:p>
-        </p:txBody>
-      </p:sp>
-      <p:sp>
-        <p:nvSpPr>
-          <p:cNvPr id="299" name="Прямоугольник 298"/>
-          <p:cNvSpPr/>
-          <p:nvPr/>
-        </p:nvSpPr>
-        <p:spPr>
-          <a:xfrm>
-            <a:off x="27428273" y="14152302"/>
-            <a:ext cx="926325" cy="540000"/>
-          </a:xfrm>
-          <a:prstGeom prst="rect">
-            <a:avLst/>
-          </a:prstGeom>
-          <a:solidFill>
-            <a:srgbClr val="7030A0"/>
-          </a:solidFill>
-          <a:ln w="19050"/>
-        </p:spPr>
-        <p:style>
-          <a:lnRef idx="2">
-            <a:schemeClr val="accent1"/>
-          </a:lnRef>
-          <a:fillRef idx="1">
-            <a:schemeClr val="lt1"/>
-          </a:fillRef>
-          <a:effectRef idx="0">
-            <a:schemeClr val="accent1"/>
-          </a:effectRef>
-          <a:fontRef idx="minor">
-            <a:schemeClr val="dk1"/>
-          </a:fontRef>
-        </p:style>
-        <p:txBody>
-          <a:bodyPr lIns="124733" tIns="62367" rIns="124733" bIns="62367" rtlCol="0" anchor="ctr"/>
-          <a:lstStyle/>
-          <a:p>
-            <a:pPr algn="ctr"/>
-            <a:r>
-              <a:rPr lang="ru-RU" sz="700" dirty="0" smtClean="0"/>
-              <a:t>Вернуть Кубу</a:t>
-            </a:r>
-            <a:endParaRPr lang="ru-RU" sz="700" dirty="0"/>
-          </a:p>
-        </p:txBody>
-      </p:sp>
-      <p:sp>
-        <p:nvSpPr>
-          <p:cNvPr id="300" name="Прямоугольник 299"/>
-          <p:cNvSpPr/>
-          <p:nvPr/>
-        </p:nvSpPr>
-        <p:spPr>
-          <a:xfrm>
-            <a:off x="27427053" y="14911863"/>
-            <a:ext cx="926325" cy="540000"/>
-          </a:xfrm>
-          <a:prstGeom prst="rect">
-            <a:avLst/>
-          </a:prstGeom>
-          <a:solidFill>
-            <a:srgbClr val="7030A0"/>
-          </a:solidFill>
-          <a:ln w="19050"/>
-        </p:spPr>
-        <p:style>
-          <a:lnRef idx="2">
-            <a:schemeClr val="accent1"/>
-          </a:lnRef>
-          <a:fillRef idx="1">
-            <a:schemeClr val="lt1"/>
-          </a:fillRef>
-          <a:effectRef idx="0">
-            <a:schemeClr val="accent1"/>
-          </a:effectRef>
-          <a:fontRef idx="minor">
-            <a:schemeClr val="dk1"/>
-          </a:fontRef>
-        </p:style>
-        <p:txBody>
-          <a:bodyPr lIns="124733" tIns="62367" rIns="124733" bIns="62367" rtlCol="0" anchor="ctr"/>
-          <a:lstStyle/>
-          <a:p>
-            <a:pPr algn="ctr"/>
-            <a:r>
-              <a:rPr lang="ru-RU" sz="700" dirty="0" smtClean="0"/>
-              <a:t>Вернуть Мексику</a:t>
-            </a:r>
-            <a:endParaRPr lang="ru-RU" sz="700" dirty="0"/>
-          </a:p>
-        </p:txBody>
-      </p:sp>
-      <p:cxnSp>
-        <p:nvCxnSpPr>
-          <p:cNvPr id="301" name="Соединительная линия уступом 124"/>
-          <p:cNvCxnSpPr>
-            <a:stCxn id="266" idx="2"/>
-            <a:endCxn id="299" idx="0"/>
-          </p:cNvCxnSpPr>
-          <p:nvPr/>
-        </p:nvCxnSpPr>
-        <p:spPr>
-          <a:xfrm rot="16200000" flipH="1">
-            <a:off x="27206801" y="13467667"/>
-            <a:ext cx="253700" cy="1115569"/>
-          </a:xfrm>
-          <a:prstGeom prst="bentConnector3">
-            <a:avLst>
-              <a:gd name="adj1" fmla="val 50000"/>
-            </a:avLst>
-          </a:prstGeom>
-          <a:ln w="19050">
-            <a:tailEnd type="arrow"/>
-          </a:ln>
-        </p:spPr>
-        <p:style>
-          <a:lnRef idx="1">
-            <a:schemeClr val="accent1"/>
-          </a:lnRef>
-          <a:fillRef idx="0">
-            <a:schemeClr val="accent1"/>
-          </a:fillRef>
-          <a:effectRef idx="0">
-            <a:schemeClr val="accent1"/>
-          </a:effectRef>
-          <a:fontRef idx="minor">
-            <a:schemeClr val="tx1"/>
-          </a:fontRef>
-        </p:style>
-      </p:cxnSp>
-      <p:cxnSp>
-        <p:nvCxnSpPr>
-          <p:cNvPr id="304" name="Соединительная линия уступом 124"/>
-          <p:cNvCxnSpPr>
-            <a:stCxn id="266" idx="2"/>
-            <a:endCxn id="297" idx="0"/>
-          </p:cNvCxnSpPr>
-          <p:nvPr/>
-        </p:nvCxnSpPr>
-        <p:spPr>
-          <a:xfrm rot="5400000">
-            <a:off x="26131468" y="13503025"/>
-            <a:ext cx="248823" cy="1039977"/>
-          </a:xfrm>
-          <a:prstGeom prst="bentConnector3">
-            <a:avLst>
-              <a:gd name="adj1" fmla="val 50000"/>
-            </a:avLst>
-          </a:prstGeom>
-          <a:ln w="19050">
-            <a:tailEnd type="arrow"/>
-          </a:ln>
-        </p:spPr>
-        <p:style>
-          <a:lnRef idx="1">
-            <a:schemeClr val="accent1"/>
-          </a:lnRef>
-          <a:fillRef idx="0">
-            <a:schemeClr val="accent1"/>
-          </a:fillRef>
-          <a:effectRef idx="0">
-            <a:schemeClr val="accent1"/>
-          </a:effectRef>
-          <a:fontRef idx="minor">
-            <a:schemeClr val="tx1"/>
-          </a:fontRef>
-        </p:style>
-      </p:cxnSp>
-      <p:cxnSp>
-        <p:nvCxnSpPr>
-          <p:cNvPr id="308" name="Прямая со стрелкой 307"/>
-          <p:cNvCxnSpPr>
-            <a:stCxn id="297" idx="2"/>
-            <a:endCxn id="298" idx="0"/>
-          </p:cNvCxnSpPr>
-          <p:nvPr/>
-        </p:nvCxnSpPr>
-        <p:spPr>
-          <a:xfrm flipH="1">
-            <a:off x="25734671" y="14687425"/>
-            <a:ext cx="1219" cy="212247"/>
-          </a:xfrm>
-          <a:prstGeom prst="straightConnector1">
-            <a:avLst/>
-          </a:prstGeom>
-          <a:ln w="19050">
-            <a:tailEnd type="arrow"/>
-          </a:ln>
-        </p:spPr>
-        <p:style>
-          <a:lnRef idx="1">
-            <a:schemeClr val="accent1"/>
-          </a:lnRef>
-          <a:fillRef idx="0">
-            <a:schemeClr val="accent1"/>
-          </a:fillRef>
-          <a:effectRef idx="0">
-            <a:schemeClr val="accent1"/>
-          </a:effectRef>
-          <a:fontRef idx="minor">
-            <a:schemeClr val="tx1"/>
-          </a:fontRef>
-        </p:style>
-      </p:cxnSp>
-      <p:cxnSp>
-        <p:nvCxnSpPr>
-          <p:cNvPr id="311" name="Прямая со стрелкой 310"/>
-          <p:cNvCxnSpPr>
-            <a:stCxn id="299" idx="2"/>
-            <a:endCxn id="300" idx="0"/>
-          </p:cNvCxnSpPr>
-          <p:nvPr/>
-        </p:nvCxnSpPr>
-        <p:spPr>
-          <a:xfrm flipH="1">
-            <a:off x="27890216" y="14692302"/>
-            <a:ext cx="1220" cy="219561"/>
-          </a:xfrm>
-          <a:prstGeom prst="straightConnector1">
-            <a:avLst/>
-          </a:prstGeom>
-          <a:ln w="19050">
-            <a:tailEnd type="arrow"/>
-          </a:ln>
-        </p:spPr>
-        <p:style>
-          <a:lnRef idx="1">
-            <a:schemeClr val="accent1"/>
-          </a:lnRef>
-          <a:fillRef idx="0">
-            <a:schemeClr val="accent1"/>
-          </a:fillRef>
-          <a:effectRef idx="0">
-            <a:schemeClr val="accent1"/>
-          </a:effectRef>
-          <a:fontRef idx="minor">
-            <a:schemeClr val="tx1"/>
-          </a:fontRef>
-        </p:style>
-      </p:cxnSp>
-      <p:cxnSp>
-        <p:nvCxnSpPr>
-          <p:cNvPr id="315" name="Соединительная линия уступом 314"/>
-          <p:cNvCxnSpPr>
-            <a:stCxn id="193" idx="2"/>
-            <a:endCxn id="195" idx="0"/>
-          </p:cNvCxnSpPr>
-          <p:nvPr/>
-        </p:nvCxnSpPr>
-        <p:spPr>
-          <a:xfrm rot="16200000" flipH="1">
-            <a:off x="29815127" y="10648400"/>
-            <a:ext cx="269185" cy="561671"/>
-          </a:xfrm>
-          <a:prstGeom prst="bentConnector3">
-            <a:avLst>
-              <a:gd name="adj1" fmla="val 50000"/>
-            </a:avLst>
-          </a:prstGeom>
-          <a:ln w="19050">
-            <a:tailEnd type="arrow"/>
-          </a:ln>
-        </p:spPr>
-        <p:style>
-          <a:lnRef idx="1">
-            <a:schemeClr val="accent1"/>
-          </a:lnRef>
-          <a:fillRef idx="0">
-            <a:schemeClr val="accent1"/>
-          </a:fillRef>
-          <a:effectRef idx="0">
-            <a:schemeClr val="accent1"/>
-          </a:effectRef>
-          <a:fontRef idx="minor">
-            <a:schemeClr val="tx1"/>
-          </a:fontRef>
-        </p:style>
-      </p:cxnSp>
-      <p:cxnSp>
-        <p:nvCxnSpPr>
-          <p:cNvPr id="318" name="Соединительная линия уступом 317"/>
-          <p:cNvCxnSpPr>
-            <a:stCxn id="194" idx="2"/>
-            <a:endCxn id="195" idx="0"/>
-          </p:cNvCxnSpPr>
-          <p:nvPr/>
-        </p:nvCxnSpPr>
-        <p:spPr>
-          <a:xfrm rot="5400000">
-            <a:off x="30373940" y="10651260"/>
-            <a:ext cx="269185" cy="555953"/>
-          </a:xfrm>
-          <a:prstGeom prst="bentConnector3">
-            <a:avLst>
-              <a:gd name="adj1" fmla="val 50000"/>
-            </a:avLst>
-          </a:prstGeom>
-          <a:ln w="19050">
-            <a:tailEnd type="arrow"/>
-          </a:ln>
-        </p:spPr>
-        <p:style>
-          <a:lnRef idx="1">
-            <a:schemeClr val="accent1"/>
-          </a:lnRef>
-          <a:fillRef idx="0">
-            <a:schemeClr val="accent1"/>
-          </a:fillRef>
-          <a:effectRef idx="0">
-            <a:schemeClr val="accent1"/>
-          </a:effectRef>
-          <a:fontRef idx="minor">
-            <a:schemeClr val="tx1"/>
-          </a:fontRef>
-        </p:style>
-      </p:cxnSp>
-      <p:sp>
-        <p:nvSpPr>
-          <p:cNvPr id="321" name="Прямоугольник 320"/>
-          <p:cNvSpPr/>
-          <p:nvPr/>
-        </p:nvSpPr>
-        <p:spPr>
-          <a:xfrm>
-            <a:off x="26313923" y="15700686"/>
-            <a:ext cx="926325" cy="540000"/>
-          </a:xfrm>
-          <a:prstGeom prst="rect">
-            <a:avLst/>
-          </a:prstGeom>
-          <a:solidFill>
-            <a:srgbClr val="7030A0"/>
-          </a:solidFill>
-          <a:ln w="19050"/>
-        </p:spPr>
-        <p:style>
-          <a:lnRef idx="2">
-            <a:schemeClr val="accent1"/>
-          </a:lnRef>
-          <a:fillRef idx="1">
-            <a:schemeClr val="lt1"/>
-          </a:fillRef>
-          <a:effectRef idx="0">
-            <a:schemeClr val="accent1"/>
-          </a:effectRef>
-          <a:fontRef idx="minor">
-            <a:schemeClr val="dk1"/>
-          </a:fontRef>
-        </p:style>
-        <p:txBody>
-          <a:bodyPr lIns="124733" tIns="62367" rIns="124733" bIns="62367" rtlCol="0" anchor="ctr"/>
-          <a:lstStyle/>
-          <a:p>
-            <a:pPr algn="ctr"/>
-            <a:r>
-              <a:rPr lang="ru-RU" sz="700" dirty="0" smtClean="0"/>
-              <a:t>Вернуть «долг» США</a:t>
-            </a:r>
-            <a:endParaRPr lang="ru-RU" sz="700" dirty="0"/>
-          </a:p>
-        </p:txBody>
-      </p:sp>
-      <p:cxnSp>
-        <p:nvCxnSpPr>
-          <p:cNvPr id="322" name="Соединительная линия уступом 124"/>
-          <p:cNvCxnSpPr>
-            <a:stCxn id="298" idx="2"/>
-            <a:endCxn id="321" idx="0"/>
-          </p:cNvCxnSpPr>
-          <p:nvPr/>
-        </p:nvCxnSpPr>
-        <p:spPr>
-          <a:xfrm rot="16200000" flipH="1">
-            <a:off x="26125371" y="15048971"/>
-            <a:ext cx="261014" cy="1042415"/>
-          </a:xfrm>
-          <a:prstGeom prst="bentConnector3">
-            <a:avLst>
-              <a:gd name="adj1" fmla="val 50000"/>
-            </a:avLst>
-          </a:prstGeom>
-          <a:ln w="19050">
-            <a:tailEnd type="arrow"/>
-          </a:ln>
-        </p:spPr>
-        <p:style>
-          <a:lnRef idx="1">
-            <a:schemeClr val="accent1"/>
-          </a:lnRef>
-          <a:fillRef idx="0">
-            <a:schemeClr val="accent1"/>
-          </a:fillRef>
-          <a:effectRef idx="0">
-            <a:schemeClr val="accent1"/>
-          </a:effectRef>
-          <a:fontRef idx="minor">
-            <a:schemeClr val="tx1"/>
-          </a:fontRef>
-        </p:style>
-      </p:cxnSp>
-      <p:cxnSp>
-        <p:nvCxnSpPr>
-          <p:cNvPr id="325" name="Соединительная линия уступом 124"/>
-          <p:cNvCxnSpPr>
-            <a:stCxn id="300" idx="2"/>
-            <a:endCxn id="321" idx="0"/>
-          </p:cNvCxnSpPr>
-          <p:nvPr/>
-        </p:nvCxnSpPr>
-        <p:spPr>
-          <a:xfrm rot="5400000">
-            <a:off x="27209240" y="15019709"/>
-            <a:ext cx="248823" cy="1113130"/>
-          </a:xfrm>
-          <a:prstGeom prst="bentConnector3">
-            <a:avLst>
-              <a:gd name="adj1" fmla="val 50000"/>
-            </a:avLst>
-          </a:prstGeom>
-          <a:ln w="19050">
-            <a:tailEnd type="arrow"/>
-          </a:ln>
-        </p:spPr>
-        <p:style>
-          <a:lnRef idx="1">
-            <a:schemeClr val="accent1"/>
-          </a:lnRef>
-          <a:fillRef idx="0">
-            <a:schemeClr val="accent1"/>
-          </a:fillRef>
-          <a:effectRef idx="0">
-            <a:schemeClr val="accent1"/>
-          </a:effectRef>
-          <a:fontRef idx="minor">
-            <a:schemeClr val="tx1"/>
-          </a:fontRef>
-        </p:style>
-      </p:cxnSp>
-      <p:sp>
-        <p:nvSpPr>
-          <p:cNvPr id="328" name="Прямоугольник 327"/>
-          <p:cNvSpPr/>
-          <p:nvPr/>
-        </p:nvSpPr>
-        <p:spPr>
-          <a:xfrm>
-            <a:off x="23652293" y="8721716"/>
-            <a:ext cx="926325" cy="540000"/>
-          </a:xfrm>
-          <a:prstGeom prst="rect">
-            <a:avLst/>
-          </a:prstGeom>
-          <a:solidFill>
-            <a:srgbClr val="7030A0"/>
-          </a:solidFill>
-          <a:ln w="19050"/>
-        </p:spPr>
-        <p:style>
-          <a:lnRef idx="2">
-            <a:schemeClr val="accent1"/>
-          </a:lnRef>
-          <a:fillRef idx="1">
-            <a:schemeClr val="lt1"/>
-          </a:fillRef>
-          <a:effectRef idx="0">
-            <a:schemeClr val="accent1"/>
-          </a:effectRef>
-          <a:fontRef idx="minor">
-            <a:schemeClr val="dk1"/>
-          </a:fontRef>
-        </p:style>
-        <p:txBody>
-          <a:bodyPr lIns="124733" tIns="62367" rIns="124733" bIns="62367" rtlCol="0" anchor="ctr"/>
-          <a:lstStyle/>
-          <a:p>
-            <a:pPr algn="ctr"/>
-            <a:r>
-              <a:rPr lang="ru-RU" sz="700" dirty="0" smtClean="0"/>
-              <a:t>Создание белогвардейской дивизии (+белый генерал, +4 каски)</a:t>
-            </a:r>
-            <a:endParaRPr lang="ru-RU" sz="700" dirty="0"/>
-          </a:p>
-        </p:txBody>
-      </p:sp>
-      <p:cxnSp>
-        <p:nvCxnSpPr>
-          <p:cNvPr id="329" name="Соединительная линия уступом 328"/>
-          <p:cNvCxnSpPr>
-            <a:stCxn id="105" idx="2"/>
-            <a:endCxn id="328" idx="0"/>
-          </p:cNvCxnSpPr>
-          <p:nvPr/>
-        </p:nvCxnSpPr>
-        <p:spPr>
-          <a:xfrm rot="5400000">
-            <a:off x="24276947" y="8355294"/>
-            <a:ext cx="204932" cy="527913"/>
-          </a:xfrm>
-          <a:prstGeom prst="bentConnector3">
-            <a:avLst>
-              <a:gd name="adj1" fmla="val 50000"/>
-            </a:avLst>
-          </a:prstGeom>
-          <a:ln w="19050">
-            <a:tailEnd type="arrow"/>
-          </a:ln>
-        </p:spPr>
-        <p:style>
-          <a:lnRef idx="1">
-            <a:schemeClr val="accent1"/>
-          </a:lnRef>
-          <a:fillRef idx="0">
-            <a:schemeClr val="accent1"/>
-          </a:fillRef>
-          <a:effectRef idx="0">
-            <a:schemeClr val="accent1"/>
-          </a:effectRef>
-          <a:fontRef idx="minor">
-            <a:schemeClr val="tx1"/>
-          </a:fontRef>
-        </p:style>
-      </p:cxnSp>
-      <p:sp>
-        <p:nvSpPr>
-          <p:cNvPr id="332" name="Прямоугольник 331"/>
-          <p:cNvSpPr/>
-          <p:nvPr/>
-        </p:nvSpPr>
-        <p:spPr>
-          <a:xfrm>
-            <a:off x="24726408" y="8720496"/>
-            <a:ext cx="926325" cy="540000"/>
-          </a:xfrm>
-          <a:prstGeom prst="rect">
-            <a:avLst/>
-          </a:prstGeom>
-          <a:solidFill>
-            <a:srgbClr val="7030A0"/>
-          </a:solidFill>
-          <a:ln w="19050"/>
-        </p:spPr>
-        <p:style>
-          <a:lnRef idx="2">
-            <a:schemeClr val="accent1"/>
-          </a:lnRef>
-          <a:fillRef idx="1">
-            <a:schemeClr val="lt1"/>
-          </a:fillRef>
-          <a:effectRef idx="0">
-            <a:schemeClr val="accent1"/>
-          </a:effectRef>
-          <a:fontRef idx="minor">
-            <a:schemeClr val="dk1"/>
-          </a:fontRef>
-        </p:style>
-        <p:txBody>
-          <a:bodyPr lIns="124733" tIns="62367" rIns="124733" bIns="62367" rtlCol="0" anchor="ctr"/>
-          <a:lstStyle/>
-          <a:p>
-            <a:pPr algn="ctr"/>
-            <a:r>
-              <a:rPr lang="ru-RU" sz="700" dirty="0" smtClean="0"/>
-              <a:t>Расширение генералитета </a:t>
-            </a:r>
-            <a:r>
-              <a:rPr lang="ru-RU" sz="500" dirty="0" smtClean="0"/>
-              <a:t>(+ переведет генерала из ВВС и вернет генерала-монархиста из изгнания)</a:t>
-            </a:r>
-            <a:endParaRPr lang="ru-RU" sz="700" dirty="0"/>
-          </a:p>
-        </p:txBody>
-      </p:sp>
-      <p:cxnSp>
-        <p:nvCxnSpPr>
-          <p:cNvPr id="333" name="Соединительная линия уступом 332"/>
-          <p:cNvCxnSpPr>
-            <a:stCxn id="105" idx="2"/>
-            <a:endCxn id="332" idx="0"/>
-          </p:cNvCxnSpPr>
-          <p:nvPr/>
-        </p:nvCxnSpPr>
-        <p:spPr>
-          <a:xfrm rot="16200000" flipH="1">
-            <a:off x="24814614" y="8345539"/>
-            <a:ext cx="203712" cy="546202"/>
-          </a:xfrm>
-          <a:prstGeom prst="bentConnector3">
-            <a:avLst>
-              <a:gd name="adj1" fmla="val 50000"/>
-            </a:avLst>
-          </a:prstGeom>
-          <a:ln w="19050">
-            <a:tailEnd type="arrow"/>
-          </a:ln>
-        </p:spPr>
-        <p:style>
-          <a:lnRef idx="1">
-            <a:schemeClr val="accent1"/>
-          </a:lnRef>
-          <a:fillRef idx="0">
-            <a:schemeClr val="accent1"/>
-          </a:fillRef>
-          <a:effectRef idx="0">
-            <a:schemeClr val="accent1"/>
-          </a:effectRef>
-          <a:fontRef idx="minor">
-            <a:schemeClr val="tx1"/>
-          </a:fontRef>
-        </p:style>
-      </p:cxnSp>
-      <p:sp>
-        <p:nvSpPr>
-          <p:cNvPr id="336" name="Прямоугольник 335"/>
-          <p:cNvSpPr/>
-          <p:nvPr/>
-        </p:nvSpPr>
-        <p:spPr>
-          <a:xfrm>
-            <a:off x="22140816" y="13349492"/>
-            <a:ext cx="926325" cy="540000"/>
-          </a:xfrm>
-          <a:prstGeom prst="rect">
-            <a:avLst/>
-          </a:prstGeom>
-          <a:solidFill>
-            <a:srgbClr val="7030A0"/>
-          </a:solidFill>
-          <a:ln w="19050"/>
-        </p:spPr>
-        <p:style>
-          <a:lnRef idx="2">
-            <a:schemeClr val="accent1"/>
-          </a:lnRef>
-          <a:fillRef idx="1">
-            <a:schemeClr val="lt1"/>
-          </a:fillRef>
-          <a:effectRef idx="0">
-            <a:schemeClr val="accent1"/>
-          </a:effectRef>
-          <a:fontRef idx="minor">
-            <a:schemeClr val="dk1"/>
-          </a:fontRef>
-        </p:style>
-        <p:txBody>
-          <a:bodyPr lIns="124733" tIns="62367" rIns="124733" bIns="62367" rtlCol="0" anchor="ctr"/>
-          <a:lstStyle/>
-          <a:p>
-            <a:pPr algn="ctr"/>
-            <a:r>
-              <a:rPr lang="ru-RU" sz="700" dirty="0" smtClean="0"/>
-              <a:t>Благословление Ватикана (наше)</a:t>
-            </a:r>
-            <a:endParaRPr lang="ru-RU" sz="700" dirty="0"/>
-          </a:p>
-        </p:txBody>
-      </p:sp>
-      <p:cxnSp>
-        <p:nvCxnSpPr>
-          <p:cNvPr id="344" name="Соединительная линия уступом 124"/>
-          <p:cNvCxnSpPr>
-            <a:stCxn id="281" idx="2"/>
-            <a:endCxn id="292" idx="0"/>
-          </p:cNvCxnSpPr>
-          <p:nvPr/>
-        </p:nvCxnSpPr>
-        <p:spPr>
-          <a:xfrm rot="16200000" flipH="1">
-            <a:off x="26431683" y="11873274"/>
-            <a:ext cx="235985" cy="2720037"/>
-          </a:xfrm>
-          <a:prstGeom prst="bentConnector3">
-            <a:avLst>
-              <a:gd name="adj1" fmla="val 50000"/>
-            </a:avLst>
-          </a:prstGeom>
-          <a:ln w="19050">
-            <a:tailEnd type="arrow"/>
-          </a:ln>
-        </p:spPr>
-        <p:style>
-          <a:lnRef idx="1">
-            <a:schemeClr val="accent1"/>
-          </a:lnRef>
-          <a:fillRef idx="0">
-            <a:schemeClr val="accent1"/>
-          </a:fillRef>
-          <a:effectRef idx="0">
-            <a:schemeClr val="accent1"/>
-          </a:effectRef>
-          <a:fontRef idx="minor">
-            <a:schemeClr val="tx1"/>
-          </a:fontRef>
-        </p:style>
-      </p:cxnSp>
-      <p:cxnSp>
-        <p:nvCxnSpPr>
-          <p:cNvPr id="347" name="Соединительная линия уступом 124"/>
-          <p:cNvCxnSpPr>
-            <a:stCxn id="280" idx="2"/>
-            <a:endCxn id="336" idx="0"/>
-          </p:cNvCxnSpPr>
-          <p:nvPr/>
-        </p:nvCxnSpPr>
-        <p:spPr>
-          <a:xfrm rot="5400000">
-            <a:off x="23240960" y="12478321"/>
-            <a:ext cx="234191" cy="1508151"/>
-          </a:xfrm>
-          <a:prstGeom prst="bentConnector3">
-            <a:avLst>
-              <a:gd name="adj1" fmla="val 50000"/>
-            </a:avLst>
-          </a:prstGeom>
-          <a:ln w="19050">
-            <a:tailEnd type="arrow"/>
-          </a:ln>
-        </p:spPr>
-        <p:style>
-          <a:lnRef idx="1">
-            <a:schemeClr val="accent1"/>
-          </a:lnRef>
-          <a:fillRef idx="0">
-            <a:schemeClr val="accent1"/>
-          </a:fillRef>
-          <a:effectRef idx="0">
-            <a:schemeClr val="accent1"/>
-          </a:effectRef>
-          <a:fontRef idx="minor">
-            <a:schemeClr val="tx1"/>
-          </a:fontRef>
-        </p:style>
-      </p:cxnSp>
-      <p:sp>
-        <p:nvSpPr>
-          <p:cNvPr id="350" name="Прямоугольник 349"/>
-          <p:cNvSpPr/>
-          <p:nvPr/>
-        </p:nvSpPr>
-        <p:spPr>
-          <a:xfrm>
-            <a:off x="28646942" y="11057151"/>
-            <a:ext cx="926325" cy="540000"/>
-          </a:xfrm>
-          <a:prstGeom prst="rect">
-            <a:avLst/>
-          </a:prstGeom>
-          <a:solidFill>
-            <a:srgbClr val="7030A0"/>
-          </a:solidFill>
-          <a:ln w="19050"/>
-        </p:spPr>
-        <p:style>
-          <a:lnRef idx="2">
-            <a:schemeClr val="accent1"/>
-          </a:lnRef>
-          <a:fillRef idx="1">
-            <a:schemeClr val="lt1"/>
-          </a:fillRef>
-          <a:effectRef idx="0">
-            <a:schemeClr val="accent1"/>
-          </a:effectRef>
-          <a:fontRef idx="minor">
-            <a:schemeClr val="dk1"/>
-          </a:fontRef>
-        </p:style>
-        <p:txBody>
-          <a:bodyPr lIns="124733" tIns="62367" rIns="124733" bIns="62367" rtlCol="0" anchor="ctr"/>
-          <a:lstStyle/>
-          <a:p>
-            <a:pPr algn="ctr"/>
-            <a:r>
-              <a:rPr lang="ru-RU" sz="700" dirty="0" smtClean="0"/>
-              <a:t>Союз с Италией</a:t>
-            </a:r>
-            <a:endParaRPr lang="ru-RU" sz="700" dirty="0"/>
-          </a:p>
-        </p:txBody>
-      </p:sp>
-      <p:cxnSp>
-        <p:nvCxnSpPr>
-          <p:cNvPr id="351" name="Прямая соединительная линия 350"/>
-          <p:cNvCxnSpPr>
-            <a:stCxn id="350" idx="1"/>
-            <a:endCxn id="260" idx="3"/>
-          </p:cNvCxnSpPr>
-          <p:nvPr/>
-        </p:nvCxnSpPr>
-        <p:spPr>
-          <a:xfrm flipH="1" flipV="1">
-            <a:off x="27889364" y="11326041"/>
-            <a:ext cx="757578" cy="1110"/>
-          </a:xfrm>
-          <a:prstGeom prst="line">
-            <a:avLst/>
-          </a:prstGeom>
-          <a:ln w="19050">
-            <a:solidFill>
-              <a:srgbClr val="FF0000"/>
-            </a:solidFill>
-          </a:ln>
-        </p:spPr>
-        <p:style>
-          <a:lnRef idx="1">
-            <a:schemeClr val="accent1"/>
-          </a:lnRef>
-          <a:fillRef idx="0">
-            <a:schemeClr val="accent1"/>
-          </a:fillRef>
-          <a:effectRef idx="0">
-            <a:schemeClr val="accent1"/>
-          </a:effectRef>
-          <a:fontRef idx="minor">
-            <a:schemeClr val="tx1"/>
-          </a:fontRef>
-        </p:style>
-      </p:cxnSp>
       <p:cxnSp>
         <p:nvCxnSpPr>
           <p:cNvPr id="354" name="Соединительная линия уступом 353"/>
@@ -12149,9 +11689,9 @@
           <p:nvPr/>
         </p:nvCxnSpPr>
         <p:spPr>
-          <a:xfrm rot="16200000" flipH="1">
-            <a:off x="28696674" y="10643719"/>
-            <a:ext cx="262507" cy="564356"/>
+          <a:xfrm rot="5400000">
+            <a:off x="27861670" y="10361247"/>
+            <a:ext cx="250683" cy="1117476"/>
           </a:xfrm>
           <a:prstGeom prst="bentConnector3">
             <a:avLst>
@@ -29244,44 +28784,6 @@
           </a:prstGeom>
           <a:ln w="19050">
             <a:prstDash val="dash"/>
-            <a:tailEnd type="arrow"/>
-          </a:ln>
-        </p:spPr>
-        <p:style>
-          <a:lnRef idx="1">
-            <a:schemeClr val="accent1"/>
-          </a:lnRef>
-          <a:fillRef idx="0">
-            <a:schemeClr val="accent1"/>
-          </a:fillRef>
-          <a:effectRef idx="0">
-            <a:schemeClr val="accent1"/>
-          </a:effectRef>
-          <a:fontRef idx="minor">
-            <a:schemeClr val="tx1"/>
-          </a:fontRef>
-        </p:style>
-      </p:cxnSp>
-      <p:cxnSp>
-        <p:nvCxnSpPr>
-          <p:cNvPr id="863" name="Соединительная линия уступом 124"/>
-          <p:cNvCxnSpPr>
-            <a:stCxn id="156" idx="2"/>
-            <a:endCxn id="189" idx="0"/>
-          </p:cNvCxnSpPr>
-          <p:nvPr/>
-        </p:nvCxnSpPr>
-        <p:spPr>
-          <a:xfrm rot="16200000" flipH="1">
-            <a:off x="20083053" y="10653843"/>
-            <a:ext cx="260827" cy="542931"/>
-          </a:xfrm>
-          <a:prstGeom prst="bentConnector3">
-            <a:avLst>
-              <a:gd name="adj1" fmla="val 50000"/>
-            </a:avLst>
-          </a:prstGeom>
-          <a:ln w="19050">
             <a:tailEnd type="arrow"/>
           </a:ln>
         </p:spPr>
@@ -38313,8 +37815,12 @@
           <a:p>
             <a:pPr algn="ctr"/>
             <a:r>
+              <a:rPr lang="ru-RU" sz="700" dirty="0"/>
+              <a:t>Вернуть матери престол </a:t>
+            </a:r>
+            <a:r>
               <a:rPr lang="ru-RU" sz="700" dirty="0" smtClean="0"/>
-              <a:t>Вернуть Бразильский престол матери</a:t>
+              <a:t>Бразилии</a:t>
             </a:r>
             <a:endParaRPr lang="ru-RU" sz="700" dirty="0"/>
           </a:p>
@@ -38337,6 +37843,244 @@
           <a:prstGeom prst="bentConnector3">
             <a:avLst>
               <a:gd name="adj1" fmla="val 12287"/>
+            </a:avLst>
+          </a:prstGeom>
+          <a:ln w="19050">
+            <a:tailEnd type="arrow"/>
+          </a:ln>
+        </p:spPr>
+        <p:style>
+          <a:lnRef idx="1">
+            <a:schemeClr val="accent1"/>
+          </a:lnRef>
+          <a:fillRef idx="0">
+            <a:schemeClr val="accent1"/>
+          </a:fillRef>
+          <a:effectRef idx="0">
+            <a:schemeClr val="accent1"/>
+          </a:effectRef>
+          <a:fontRef idx="minor">
+            <a:schemeClr val="tx1"/>
+          </a:fontRef>
+        </p:style>
+      </p:cxnSp>
+      <p:cxnSp>
+        <p:nvCxnSpPr>
+          <p:cNvPr id="852" name="Соединительная линия уступом 851"/>
+          <p:cNvCxnSpPr>
+            <a:stCxn id="108" idx="2"/>
+            <a:endCxn id="154" idx="0"/>
+          </p:cNvCxnSpPr>
+          <p:nvPr/>
+        </p:nvCxnSpPr>
+        <p:spPr>
+          <a:xfrm rot="16200000" flipH="1">
+            <a:off x="23496501" y="8879726"/>
+            <a:ext cx="239154" cy="1004248"/>
+          </a:xfrm>
+          <a:prstGeom prst="bentConnector3">
+            <a:avLst>
+              <a:gd name="adj1" fmla="val 50000"/>
+            </a:avLst>
+          </a:prstGeom>
+          <a:ln w="19050">
+            <a:prstDash val="dash"/>
+            <a:tailEnd type="arrow"/>
+          </a:ln>
+        </p:spPr>
+        <p:style>
+          <a:lnRef idx="1">
+            <a:schemeClr val="accent1"/>
+          </a:lnRef>
+          <a:fillRef idx="0">
+            <a:schemeClr val="accent1"/>
+          </a:fillRef>
+          <a:effectRef idx="0">
+            <a:schemeClr val="accent1"/>
+          </a:effectRef>
+          <a:fontRef idx="minor">
+            <a:schemeClr val="tx1"/>
+          </a:fontRef>
+        </p:style>
+      </p:cxnSp>
+      <p:cxnSp>
+        <p:nvCxnSpPr>
+          <p:cNvPr id="855" name="Соединительная линия уступом 854"/>
+          <p:cNvCxnSpPr>
+            <a:stCxn id="109" idx="2"/>
+            <a:endCxn id="80" idx="0"/>
+          </p:cNvCxnSpPr>
+          <p:nvPr/>
+        </p:nvCxnSpPr>
+        <p:spPr>
+          <a:xfrm rot="5400000">
+            <a:off x="24057857" y="7262205"/>
+            <a:ext cx="240732" cy="4240869"/>
+          </a:xfrm>
+          <a:prstGeom prst="bentConnector3">
+            <a:avLst>
+              <a:gd name="adj1" fmla="val 50000"/>
+            </a:avLst>
+          </a:prstGeom>
+          <a:ln w="19050">
+            <a:prstDash val="dash"/>
+            <a:tailEnd type="arrow"/>
+          </a:ln>
+        </p:spPr>
+        <p:style>
+          <a:lnRef idx="1">
+            <a:schemeClr val="accent1"/>
+          </a:lnRef>
+          <a:fillRef idx="0">
+            <a:schemeClr val="accent1"/>
+          </a:fillRef>
+          <a:effectRef idx="0">
+            <a:schemeClr val="accent1"/>
+          </a:effectRef>
+          <a:fontRef idx="minor">
+            <a:schemeClr val="tx1"/>
+          </a:fontRef>
+        </p:style>
+      </p:cxnSp>
+      <p:sp>
+        <p:nvSpPr>
+          <p:cNvPr id="857" name="Прямоугольник 856"/>
+          <p:cNvSpPr/>
+          <p:nvPr/>
+        </p:nvSpPr>
+        <p:spPr>
+          <a:xfrm>
+            <a:off x="21081827" y="13351286"/>
+            <a:ext cx="926325" cy="540000"/>
+          </a:xfrm>
+          <a:prstGeom prst="rect">
+            <a:avLst/>
+          </a:prstGeom>
+          <a:solidFill>
+            <a:srgbClr val="7030A0"/>
+          </a:solidFill>
+          <a:ln w="19050"/>
+        </p:spPr>
+        <p:style>
+          <a:lnRef idx="2">
+            <a:schemeClr val="accent1"/>
+          </a:lnRef>
+          <a:fillRef idx="1">
+            <a:schemeClr val="lt1"/>
+          </a:fillRef>
+          <a:effectRef idx="0">
+            <a:schemeClr val="accent1"/>
+          </a:effectRef>
+          <a:fontRef idx="minor">
+            <a:schemeClr val="dk1"/>
+          </a:fontRef>
+        </p:style>
+        <p:txBody>
+          <a:bodyPr lIns="124733" tIns="62367" rIns="124733" bIns="62367" rtlCol="0" anchor="ctr"/>
+          <a:lstStyle/>
+          <a:p>
+            <a:pPr algn="ctr"/>
+            <a:r>
+              <a:rPr lang="ru-RU" sz="700" dirty="0" smtClean="0"/>
+              <a:t>Благословление Ватикана (наше)</a:t>
+            </a:r>
+            <a:endParaRPr lang="ru-RU" sz="700" dirty="0"/>
+          </a:p>
+        </p:txBody>
+      </p:sp>
+      <p:cxnSp>
+        <p:nvCxnSpPr>
+          <p:cNvPr id="873" name="Соединительная линия уступом 124"/>
+          <p:cNvCxnSpPr>
+            <a:stCxn id="280" idx="2"/>
+            <a:endCxn id="857" idx="0"/>
+          </p:cNvCxnSpPr>
+          <p:nvPr/>
+        </p:nvCxnSpPr>
+        <p:spPr>
+          <a:xfrm rot="5400000">
+            <a:off x="22710568" y="11949723"/>
+            <a:ext cx="235985" cy="2567140"/>
+          </a:xfrm>
+          <a:prstGeom prst="bentConnector3">
+            <a:avLst>
+              <a:gd name="adj1" fmla="val 50000"/>
+            </a:avLst>
+          </a:prstGeom>
+          <a:ln w="19050">
+            <a:tailEnd type="arrow"/>
+          </a:ln>
+        </p:spPr>
+        <p:style>
+          <a:lnRef idx="1">
+            <a:schemeClr val="accent1"/>
+          </a:lnRef>
+          <a:fillRef idx="0">
+            <a:schemeClr val="accent1"/>
+          </a:fillRef>
+          <a:effectRef idx="0">
+            <a:schemeClr val="accent1"/>
+          </a:effectRef>
+          <a:fontRef idx="minor">
+            <a:schemeClr val="tx1"/>
+          </a:fontRef>
+        </p:style>
+      </p:cxnSp>
+      <p:cxnSp>
+        <p:nvCxnSpPr>
+          <p:cNvPr id="880" name="Соединительная линия уступом 124"/>
+          <p:cNvCxnSpPr>
+            <a:stCxn id="176" idx="2"/>
+            <a:endCxn id="235" idx="0"/>
+          </p:cNvCxnSpPr>
+          <p:nvPr/>
+        </p:nvCxnSpPr>
+        <p:spPr>
+          <a:xfrm rot="16200000" flipH="1">
+            <a:off x="22732754" y="13744801"/>
+            <a:ext cx="230333" cy="528345"/>
+          </a:xfrm>
+          <a:prstGeom prst="bentConnector3">
+            <a:avLst>
+              <a:gd name="adj1" fmla="val 50000"/>
+            </a:avLst>
+          </a:prstGeom>
+          <a:ln w="19050">
+            <a:tailEnd type="arrow"/>
+          </a:ln>
+        </p:spPr>
+        <p:style>
+          <a:lnRef idx="1">
+            <a:schemeClr val="accent1"/>
+          </a:lnRef>
+          <a:fillRef idx="0">
+            <a:schemeClr val="accent1"/>
+          </a:fillRef>
+          <a:effectRef idx="0">
+            <a:schemeClr val="accent1"/>
+          </a:effectRef>
+          <a:fontRef idx="minor">
+            <a:schemeClr val="tx1"/>
+          </a:fontRef>
+        </p:style>
+      </p:cxnSp>
+      <p:cxnSp>
+        <p:nvCxnSpPr>
+          <p:cNvPr id="882" name="Соединительная линия уступом 124"/>
+          <p:cNvCxnSpPr>
+            <a:stCxn id="176" idx="2"/>
+            <a:endCxn id="238" idx="0"/>
+          </p:cNvCxnSpPr>
+          <p:nvPr/>
+        </p:nvCxnSpPr>
+        <p:spPr>
+          <a:xfrm rot="5400000">
+            <a:off x="22209118" y="13749510"/>
+            <a:ext cx="230333" cy="518928"/>
+          </a:xfrm>
+          <a:prstGeom prst="bentConnector3">
+            <a:avLst>
+              <a:gd name="adj1" fmla="val 50000"/>
             </a:avLst>
           </a:prstGeom>
           <a:ln w="19050">

--- a/Наработки/диздоки/Испания/Испания правые.pptx
+++ b/Наработки/диздоки/Испания/Испания правые.pptx
@@ -209,7 +209,7 @@
             <a:fld id="{33E3D7F9-E251-484C-A6FF-FA958879DF69}" type="datetimeFigureOut">
               <a:rPr lang="ru-RU" smtClean="0"/>
               <a:pPr/>
-              <a:t>22.10.2021</a:t>
+              <a:t>23.10.2021</a:t>
             </a:fld>
             <a:endParaRPr lang="ru-RU"/>
           </a:p>
@@ -700,7 +700,7 @@
             <a:fld id="{85A5DE44-605B-4D3B-B2B7-94543DF81A36}" type="datetimeFigureOut">
               <a:rPr lang="ru-RU" smtClean="0"/>
               <a:pPr/>
-              <a:t>22.10.2021</a:t>
+              <a:t>23.10.2021</a:t>
             </a:fld>
             <a:endParaRPr lang="ru-RU"/>
           </a:p>
@@ -872,7 +872,7 @@
             <a:fld id="{85A5DE44-605B-4D3B-B2B7-94543DF81A36}" type="datetimeFigureOut">
               <a:rPr lang="ru-RU" smtClean="0"/>
               <a:pPr/>
-              <a:t>22.10.2021</a:t>
+              <a:t>23.10.2021</a:t>
             </a:fld>
             <a:endParaRPr lang="ru-RU"/>
           </a:p>
@@ -1054,7 +1054,7 @@
             <a:fld id="{85A5DE44-605B-4D3B-B2B7-94543DF81A36}" type="datetimeFigureOut">
               <a:rPr lang="ru-RU" smtClean="0"/>
               <a:pPr/>
-              <a:t>22.10.2021</a:t>
+              <a:t>23.10.2021</a:t>
             </a:fld>
             <a:endParaRPr lang="ru-RU"/>
           </a:p>
@@ -1226,7 +1226,7 @@
             <a:fld id="{85A5DE44-605B-4D3B-B2B7-94543DF81A36}" type="datetimeFigureOut">
               <a:rPr lang="ru-RU" smtClean="0"/>
               <a:pPr/>
-              <a:t>22.10.2021</a:t>
+              <a:t>23.10.2021</a:t>
             </a:fld>
             <a:endParaRPr lang="ru-RU"/>
           </a:p>
@@ -1474,7 +1474,7 @@
             <a:fld id="{85A5DE44-605B-4D3B-B2B7-94543DF81A36}" type="datetimeFigureOut">
               <a:rPr lang="ru-RU" smtClean="0"/>
               <a:pPr/>
-              <a:t>22.10.2021</a:t>
+              <a:t>23.10.2021</a:t>
             </a:fld>
             <a:endParaRPr lang="ru-RU"/>
           </a:p>
@@ -1708,7 +1708,7 @@
             <a:fld id="{85A5DE44-605B-4D3B-B2B7-94543DF81A36}" type="datetimeFigureOut">
               <a:rPr lang="ru-RU" smtClean="0"/>
               <a:pPr/>
-              <a:t>22.10.2021</a:t>
+              <a:t>23.10.2021</a:t>
             </a:fld>
             <a:endParaRPr lang="ru-RU"/>
           </a:p>
@@ -2077,7 +2077,7 @@
             <a:fld id="{85A5DE44-605B-4D3B-B2B7-94543DF81A36}" type="datetimeFigureOut">
               <a:rPr lang="ru-RU" smtClean="0"/>
               <a:pPr/>
-              <a:t>22.10.2021</a:t>
+              <a:t>23.10.2021</a:t>
             </a:fld>
             <a:endParaRPr lang="ru-RU"/>
           </a:p>
@@ -2197,7 +2197,7 @@
             <a:fld id="{85A5DE44-605B-4D3B-B2B7-94543DF81A36}" type="datetimeFigureOut">
               <a:rPr lang="ru-RU" smtClean="0"/>
               <a:pPr/>
-              <a:t>22.10.2021</a:t>
+              <a:t>23.10.2021</a:t>
             </a:fld>
             <a:endParaRPr lang="ru-RU"/>
           </a:p>
@@ -2294,7 +2294,7 @@
             <a:fld id="{85A5DE44-605B-4D3B-B2B7-94543DF81A36}" type="datetimeFigureOut">
               <a:rPr lang="ru-RU" smtClean="0"/>
               <a:pPr/>
-              <a:t>22.10.2021</a:t>
+              <a:t>23.10.2021</a:t>
             </a:fld>
             <a:endParaRPr lang="ru-RU"/>
           </a:p>
@@ -2573,7 +2573,7 @@
             <a:fld id="{85A5DE44-605B-4D3B-B2B7-94543DF81A36}" type="datetimeFigureOut">
               <a:rPr lang="ru-RU" smtClean="0"/>
               <a:pPr/>
-              <a:t>22.10.2021</a:t>
+              <a:t>23.10.2021</a:t>
             </a:fld>
             <a:endParaRPr lang="ru-RU"/>
           </a:p>
@@ -2832,7 +2832,7 @@
             <a:fld id="{85A5DE44-605B-4D3B-B2B7-94543DF81A36}" type="datetimeFigureOut">
               <a:rPr lang="ru-RU" smtClean="0"/>
               <a:pPr/>
-              <a:t>22.10.2021</a:t>
+              <a:t>23.10.2021</a:t>
             </a:fld>
             <a:endParaRPr lang="ru-RU"/>
           </a:p>
@@ -3047,7 +3047,7 @@
             <a:fld id="{85A5DE44-605B-4D3B-B2B7-94543DF81A36}" type="datetimeFigureOut">
               <a:rPr lang="ru-RU" smtClean="0"/>
               <a:pPr/>
-              <a:t>22.10.2021</a:t>
+              <a:t>23.10.2021</a:t>
             </a:fld>
             <a:endParaRPr lang="ru-RU"/>
           </a:p>
@@ -9619,7 +9619,7 @@
         </p:nvSpPr>
         <p:spPr>
           <a:xfrm>
-            <a:off x="23648967" y="12575301"/>
+            <a:off x="22117806" y="12575301"/>
             <a:ext cx="926325" cy="540000"/>
           </a:xfrm>
           <a:prstGeom prst="rect">
@@ -9751,8 +9751,8 @@
         </p:nvCxnSpPr>
         <p:spPr>
           <a:xfrm rot="5400000">
-            <a:off x="24247463" y="12179395"/>
-            <a:ext cx="260574" cy="531239"/>
+            <a:off x="23481882" y="11413814"/>
+            <a:ext cx="260574" cy="2062400"/>
           </a:xfrm>
           <a:prstGeom prst="bentConnector3">
             <a:avLst>
@@ -10319,9 +10319,9 @@
           <p:nvPr/>
         </p:nvCxnSpPr>
         <p:spPr>
-          <a:xfrm rot="5400000">
-            <a:off x="23228686" y="12470363"/>
-            <a:ext cx="238507" cy="1528382"/>
+          <a:xfrm rot="16200000" flipH="1">
+            <a:off x="22463105" y="13233164"/>
+            <a:ext cx="238507" cy="2779"/>
           </a:xfrm>
           <a:prstGeom prst="bentConnector3">
             <a:avLst>
@@ -11605,9 +11605,9 @@
           <p:nvPr/>
         </p:nvCxnSpPr>
         <p:spPr>
-          <a:xfrm rot="5400000">
-            <a:off x="23744325" y="12989792"/>
-            <a:ext cx="242297" cy="493314"/>
+          <a:xfrm rot="16200000" flipH="1">
+            <a:off x="22978744" y="12717525"/>
+            <a:ext cx="242297" cy="1037847"/>
           </a:xfrm>
           <a:prstGeom prst="bentConnector3">
             <a:avLst>
@@ -37999,8 +37999,8 @@
         </p:nvCxnSpPr>
         <p:spPr>
           <a:xfrm rot="5400000">
-            <a:off x="22710568" y="11949723"/>
-            <a:ext cx="235985" cy="2567140"/>
+            <a:off x="21944988" y="12715304"/>
+            <a:ext cx="235985" cy="1035979"/>
           </a:xfrm>
           <a:prstGeom prst="bentConnector3">
             <a:avLst>

--- a/Наработки/диздоки/Испания/Испания правые.pptx
+++ b/Наработки/диздоки/Испания/Испания правые.pptx
@@ -209,7 +209,7 @@
             <a:fld id="{33E3D7F9-E251-484C-A6FF-FA958879DF69}" type="datetimeFigureOut">
               <a:rPr lang="ru-RU" smtClean="0"/>
               <a:pPr/>
-              <a:t>23.10.2021</a:t>
+              <a:t>27.10.2021</a:t>
             </a:fld>
             <a:endParaRPr lang="ru-RU"/>
           </a:p>
@@ -700,7 +700,7 @@
             <a:fld id="{85A5DE44-605B-4D3B-B2B7-94543DF81A36}" type="datetimeFigureOut">
               <a:rPr lang="ru-RU" smtClean="0"/>
               <a:pPr/>
-              <a:t>23.10.2021</a:t>
+              <a:t>27.10.2021</a:t>
             </a:fld>
             <a:endParaRPr lang="ru-RU"/>
           </a:p>
@@ -872,7 +872,7 @@
             <a:fld id="{85A5DE44-605B-4D3B-B2B7-94543DF81A36}" type="datetimeFigureOut">
               <a:rPr lang="ru-RU" smtClean="0"/>
               <a:pPr/>
-              <a:t>23.10.2021</a:t>
+              <a:t>27.10.2021</a:t>
             </a:fld>
             <a:endParaRPr lang="ru-RU"/>
           </a:p>
@@ -1054,7 +1054,7 @@
             <a:fld id="{85A5DE44-605B-4D3B-B2B7-94543DF81A36}" type="datetimeFigureOut">
               <a:rPr lang="ru-RU" smtClean="0"/>
               <a:pPr/>
-              <a:t>23.10.2021</a:t>
+              <a:t>27.10.2021</a:t>
             </a:fld>
             <a:endParaRPr lang="ru-RU"/>
           </a:p>
@@ -1226,7 +1226,7 @@
             <a:fld id="{85A5DE44-605B-4D3B-B2B7-94543DF81A36}" type="datetimeFigureOut">
               <a:rPr lang="ru-RU" smtClean="0"/>
               <a:pPr/>
-              <a:t>23.10.2021</a:t>
+              <a:t>27.10.2021</a:t>
             </a:fld>
             <a:endParaRPr lang="ru-RU"/>
           </a:p>
@@ -1474,7 +1474,7 @@
             <a:fld id="{85A5DE44-605B-4D3B-B2B7-94543DF81A36}" type="datetimeFigureOut">
               <a:rPr lang="ru-RU" smtClean="0"/>
               <a:pPr/>
-              <a:t>23.10.2021</a:t>
+              <a:t>27.10.2021</a:t>
             </a:fld>
             <a:endParaRPr lang="ru-RU"/>
           </a:p>
@@ -1708,7 +1708,7 @@
             <a:fld id="{85A5DE44-605B-4D3B-B2B7-94543DF81A36}" type="datetimeFigureOut">
               <a:rPr lang="ru-RU" smtClean="0"/>
               <a:pPr/>
-              <a:t>23.10.2021</a:t>
+              <a:t>27.10.2021</a:t>
             </a:fld>
             <a:endParaRPr lang="ru-RU"/>
           </a:p>
@@ -2077,7 +2077,7 @@
             <a:fld id="{85A5DE44-605B-4D3B-B2B7-94543DF81A36}" type="datetimeFigureOut">
               <a:rPr lang="ru-RU" smtClean="0"/>
               <a:pPr/>
-              <a:t>23.10.2021</a:t>
+              <a:t>27.10.2021</a:t>
             </a:fld>
             <a:endParaRPr lang="ru-RU"/>
           </a:p>
@@ -2197,7 +2197,7 @@
             <a:fld id="{85A5DE44-605B-4D3B-B2B7-94543DF81A36}" type="datetimeFigureOut">
               <a:rPr lang="ru-RU" smtClean="0"/>
               <a:pPr/>
-              <a:t>23.10.2021</a:t>
+              <a:t>27.10.2021</a:t>
             </a:fld>
             <a:endParaRPr lang="ru-RU"/>
           </a:p>
@@ -2294,7 +2294,7 @@
             <a:fld id="{85A5DE44-605B-4D3B-B2B7-94543DF81A36}" type="datetimeFigureOut">
               <a:rPr lang="ru-RU" smtClean="0"/>
               <a:pPr/>
-              <a:t>23.10.2021</a:t>
+              <a:t>27.10.2021</a:t>
             </a:fld>
             <a:endParaRPr lang="ru-RU"/>
           </a:p>
@@ -2573,7 +2573,7 @@
             <a:fld id="{85A5DE44-605B-4D3B-B2B7-94543DF81A36}" type="datetimeFigureOut">
               <a:rPr lang="ru-RU" smtClean="0"/>
               <a:pPr/>
-              <a:t>23.10.2021</a:t>
+              <a:t>27.10.2021</a:t>
             </a:fld>
             <a:endParaRPr lang="ru-RU"/>
           </a:p>
@@ -2832,7 +2832,7 @@
             <a:fld id="{85A5DE44-605B-4D3B-B2B7-94543DF81A36}" type="datetimeFigureOut">
               <a:rPr lang="ru-RU" smtClean="0"/>
               <a:pPr/>
-              <a:t>23.10.2021</a:t>
+              <a:t>27.10.2021</a:t>
             </a:fld>
             <a:endParaRPr lang="ru-RU"/>
           </a:p>
@@ -3047,7 +3047,7 @@
             <a:fld id="{85A5DE44-605B-4D3B-B2B7-94543DF81A36}" type="datetimeFigureOut">
               <a:rPr lang="ru-RU" smtClean="0"/>
               <a:pPr/>
-              <a:t>23.10.2021</a:t>
+              <a:t>27.10.2021</a:t>
             </a:fld>
             <a:endParaRPr lang="ru-RU"/>
           </a:p>
@@ -5105,7 +5105,13 @@
           <a:solidFill>
             <a:srgbClr val="7030A0"/>
           </a:solidFill>
-          <a:ln w="19050"/>
+          <a:ln w="19050">
+            <a:solidFill>
+              <a:schemeClr val="accent4">
+                <a:lumMod val="75000"/>
+              </a:schemeClr>
+            </a:solidFill>
+          </a:ln>
         </p:spPr>
         <p:style>
           <a:lnRef idx="2">
@@ -5155,7 +5161,13 @@
           <a:solidFill>
             <a:srgbClr val="7030A0"/>
           </a:solidFill>
-          <a:ln w="19050"/>
+          <a:ln w="19050">
+            <a:solidFill>
+              <a:schemeClr val="accent4">
+                <a:lumMod val="75000"/>
+              </a:schemeClr>
+            </a:solidFill>
+          </a:ln>
         </p:spPr>
         <p:style>
           <a:lnRef idx="2">
@@ -5193,6 +5205,81 @@
         <p:spPr>
           <a:xfrm>
             <a:off x="20535903" y="8722273"/>
+            <a:ext cx="926325" cy="540000"/>
+          </a:xfrm>
+          <a:prstGeom prst="rect">
+            <a:avLst/>
+          </a:prstGeom>
+          <a:solidFill>
+            <a:srgbClr val="7030A0"/>
+          </a:solidFill>
+          <a:ln w="19050">
+            <a:solidFill>
+              <a:schemeClr val="accent4">
+                <a:lumMod val="75000"/>
+              </a:schemeClr>
+            </a:solidFill>
+          </a:ln>
+        </p:spPr>
+        <p:style>
+          <a:lnRef idx="2">
+            <a:schemeClr val="accent1"/>
+          </a:lnRef>
+          <a:fillRef idx="1">
+            <a:schemeClr val="lt1"/>
+          </a:fillRef>
+          <a:effectRef idx="0">
+            <a:schemeClr val="accent1"/>
+          </a:effectRef>
+          <a:fontRef idx="minor">
+            <a:schemeClr val="dk1"/>
+          </a:fontRef>
+        </p:style>
+        <p:txBody>
+          <a:bodyPr lIns="124733" tIns="62367" rIns="124733" bIns="62367" rtlCol="0" anchor="ctr"/>
+          <a:lstStyle/>
+          <a:p>
+            <a:pPr algn="ctr"/>
+            <a:r>
+              <a:rPr lang="ru-RU" sz="700" dirty="0" smtClean="0"/>
+              <a:t>Карлос </a:t>
+            </a:r>
+            <a:r>
+              <a:rPr lang="en-US" sz="700" dirty="0" smtClean="0"/>
+              <a:t>VIII</a:t>
+            </a:r>
+            <a:r>
+              <a:rPr lang="ru-RU" sz="700" dirty="0" smtClean="0"/>
+              <a:t> (Карл </a:t>
+            </a:r>
+            <a:r>
+              <a:rPr lang="ru-RU" sz="700" dirty="0" err="1" smtClean="0"/>
+              <a:t>Пио</a:t>
+            </a:r>
+            <a:r>
+              <a:rPr lang="ru-RU" sz="700" dirty="0" smtClean="0"/>
+              <a:t> Габсбург-</a:t>
+            </a:r>
+            <a:r>
+              <a:rPr lang="ru-RU" sz="700" dirty="0" err="1" smtClean="0"/>
+              <a:t>Бурбонский</a:t>
+            </a:r>
+            <a:r>
+              <a:rPr lang="ru-RU" sz="700" dirty="0" smtClean="0"/>
+              <a:t>)</a:t>
+            </a:r>
+          </a:p>
+        </p:txBody>
+      </p:sp>
+      <p:sp>
+        <p:nvSpPr>
+          <p:cNvPr id="108" name="Прямоугольник 107"/>
+          <p:cNvSpPr/>
+          <p:nvPr/>
+        </p:nvSpPr>
+        <p:spPr>
+          <a:xfrm>
+            <a:off x="22650791" y="8722273"/>
             <a:ext cx="926325" cy="540000"/>
           </a:xfrm>
           <a:prstGeom prst="rect">
@@ -5224,44 +5311,29 @@
             <a:pPr algn="ctr"/>
             <a:r>
               <a:rPr lang="ru-RU" sz="700" dirty="0" smtClean="0"/>
-              <a:t>Карлос </a:t>
+              <a:t>Хавьер</a:t>
             </a:r>
             <a:r>
               <a:rPr lang="en-US" sz="700" dirty="0" smtClean="0"/>
-              <a:t>VIII</a:t>
+              <a:t> I</a:t>
             </a:r>
             <a:r>
               <a:rPr lang="ru-RU" sz="700" dirty="0" smtClean="0"/>
-              <a:t> (Карл </a:t>
-            </a:r>
-            <a:r>
-              <a:rPr lang="ru-RU" sz="700" dirty="0" err="1" smtClean="0"/>
-              <a:t>Пио</a:t>
-            </a:r>
-            <a:r>
-              <a:rPr lang="ru-RU" sz="700" dirty="0" smtClean="0"/>
-              <a:t> Габсбург-</a:t>
-            </a:r>
-            <a:r>
-              <a:rPr lang="ru-RU" sz="700" dirty="0" err="1" smtClean="0"/>
-              <a:t>Бурбонский</a:t>
-            </a:r>
-            <a:r>
-              <a:rPr lang="ru-RU" sz="700" dirty="0" smtClean="0"/>
-              <a:t>)</a:t>
-            </a:r>
-          </a:p>
-        </p:txBody>
-      </p:sp>
-      <p:sp>
-        <p:nvSpPr>
-          <p:cNvPr id="108" name="Прямоугольник 107"/>
+              <a:t> (Хавьер де Бурбон-Парма)</a:t>
+            </a:r>
+            <a:endParaRPr lang="ru-RU" sz="700" dirty="0"/>
+          </a:p>
+        </p:txBody>
+      </p:sp>
+      <p:sp>
+        <p:nvSpPr>
+          <p:cNvPr id="109" name="Прямоугольник 108"/>
           <p:cNvSpPr/>
           <p:nvPr/>
         </p:nvSpPr>
         <p:spPr>
           <a:xfrm>
-            <a:off x="22650791" y="8722273"/>
+            <a:off x="25835494" y="8722273"/>
             <a:ext cx="926325" cy="540000"/>
           </a:xfrm>
           <a:prstGeom prst="rect">
@@ -5293,15 +5365,15 @@
             <a:pPr algn="ctr"/>
             <a:r>
               <a:rPr lang="ru-RU" sz="700" dirty="0" smtClean="0"/>
-              <a:t>Хавьер</a:t>
+              <a:t>Хуан </a:t>
             </a:r>
             <a:r>
               <a:rPr lang="en-US" sz="700" dirty="0" smtClean="0"/>
-              <a:t> I</a:t>
+              <a:t>III</a:t>
             </a:r>
             <a:r>
               <a:rPr lang="ru-RU" sz="700" dirty="0" smtClean="0"/>
-              <a:t> (Хавьер де Бурбон-Парма)</a:t>
+              <a:t> (Хуан де Бурбон)</a:t>
             </a:r>
             <a:endParaRPr lang="ru-RU" sz="700" dirty="0"/>
           </a:p>
@@ -5309,13 +5381,13 @@
       </p:sp>
       <p:sp>
         <p:nvSpPr>
-          <p:cNvPr id="109" name="Прямоугольник 108"/>
+          <p:cNvPr id="110" name="Прямоугольник 109"/>
           <p:cNvSpPr/>
           <p:nvPr/>
         </p:nvSpPr>
         <p:spPr>
           <a:xfrm>
-            <a:off x="25835494" y="8722273"/>
+            <a:off x="28082585" y="8722273"/>
             <a:ext cx="926325" cy="540000"/>
           </a:xfrm>
           <a:prstGeom prst="rect">
@@ -5347,15 +5419,11 @@
             <a:pPr algn="ctr"/>
             <a:r>
               <a:rPr lang="ru-RU" sz="700" dirty="0" smtClean="0"/>
-              <a:t>Хуан </a:t>
+              <a:t>Альфонс </a:t>
             </a:r>
             <a:r>
               <a:rPr lang="en-US" sz="700" dirty="0" smtClean="0"/>
-              <a:t>III</a:t>
-            </a:r>
-            <a:r>
-              <a:rPr lang="ru-RU" sz="700" dirty="0" smtClean="0"/>
-              <a:t> (Хуан де Бурбон)</a:t>
+              <a:t>XIII</a:t>
             </a:r>
             <a:endParaRPr lang="ru-RU" sz="700" dirty="0"/>
           </a:p>
@@ -5363,13 +5431,13 @@
       </p:sp>
       <p:sp>
         <p:nvSpPr>
-          <p:cNvPr id="110" name="Прямоугольник 109"/>
+          <p:cNvPr id="111" name="Прямоугольник 110"/>
           <p:cNvSpPr/>
           <p:nvPr/>
         </p:nvSpPr>
         <p:spPr>
           <a:xfrm>
-            <a:off x="28082585" y="8722273"/>
+            <a:off x="28082584" y="7190582"/>
             <a:ext cx="926325" cy="540000"/>
           </a:xfrm>
           <a:prstGeom prst="rect">
@@ -5400,12 +5468,16 @@
           <a:p>
             <a:pPr algn="ctr"/>
             <a:r>
-              <a:rPr lang="ru-RU" sz="700" dirty="0" smtClean="0"/>
-              <a:t>Альфонс </a:t>
+              <a:rPr lang="en-US" sz="700" dirty="0" err="1" smtClean="0"/>
+              <a:t>Renovación</a:t>
             </a:r>
             <a:r>
               <a:rPr lang="en-US" sz="700" dirty="0" smtClean="0"/>
-              <a:t>XIII</a:t>
+              <a:t> </a:t>
+            </a:r>
+            <a:r>
+              <a:rPr lang="en-US" sz="700" dirty="0" err="1" smtClean="0"/>
+              <a:t>Española</a:t>
             </a:r>
             <a:endParaRPr lang="ru-RU" sz="700" dirty="0"/>
           </a:p>
@@ -5413,13 +5485,13 @@
       </p:sp>
       <p:sp>
         <p:nvSpPr>
-          <p:cNvPr id="111" name="Прямоугольник 110"/>
+          <p:cNvPr id="112" name="Прямоугольник 111"/>
           <p:cNvSpPr/>
           <p:nvPr/>
         </p:nvSpPr>
         <p:spPr>
           <a:xfrm>
-            <a:off x="28082584" y="7190582"/>
+            <a:off x="25835494" y="7190027"/>
             <a:ext cx="926325" cy="540000"/>
           </a:xfrm>
           <a:prstGeom prst="rect">
@@ -5450,30 +5522,117 @@
           <a:p>
             <a:pPr algn="ctr"/>
             <a:r>
-              <a:rPr lang="en-US" sz="700" dirty="0" err="1" smtClean="0"/>
+              <a:rPr lang="ru-RU" sz="700" dirty="0" smtClean="0"/>
+              <a:t>Национальный блок </a:t>
+            </a:r>
+            <a:r>
+              <a:rPr lang="ru-RU" sz="300" dirty="0" smtClean="0"/>
+              <a:t>(Компромисс между  </a:t>
+            </a:r>
+            <a:r>
+              <a:rPr lang="en-US" sz="300" dirty="0" err="1" smtClean="0"/>
               <a:t>Renovación</a:t>
             </a:r>
             <a:r>
-              <a:rPr lang="en-US" sz="700" dirty="0" smtClean="0"/>
+              <a:rPr lang="en-US" sz="300" dirty="0" smtClean="0"/>
               <a:t> </a:t>
             </a:r>
             <a:r>
-              <a:rPr lang="en-US" sz="700" dirty="0" err="1" smtClean="0"/>
+              <a:rPr lang="en-US" sz="300" dirty="0" err="1" smtClean="0"/>
               <a:t>Española</a:t>
             </a:r>
+            <a:r>
+              <a:rPr lang="ru-RU" sz="300" dirty="0" smtClean="0"/>
+              <a:t> и </a:t>
+            </a:r>
+            <a:r>
+              <a:rPr lang="ru-RU" sz="300" dirty="0" err="1" smtClean="0"/>
+              <a:t>карлистами</a:t>
+            </a:r>
+            <a:r>
+              <a:rPr lang="ru-RU" sz="300" dirty="0"/>
+              <a:t> (Хосе </a:t>
+            </a:r>
+            <a:r>
+              <a:rPr lang="ru-RU" sz="300" dirty="0" err="1"/>
+              <a:t>Кальво</a:t>
+            </a:r>
+            <a:r>
+              <a:rPr lang="ru-RU" sz="300" dirty="0"/>
+              <a:t> </a:t>
+            </a:r>
+            <a:r>
+              <a:rPr lang="ru-RU" sz="300" dirty="0" err="1" smtClean="0"/>
+              <a:t>Сотело</a:t>
+            </a:r>
+            <a:r>
+              <a:rPr lang="ru-RU" sz="300" dirty="0" smtClean="0"/>
+              <a:t> должен выжить)</a:t>
+            </a:r>
+          </a:p>
+        </p:txBody>
+      </p:sp>
+      <p:sp>
+        <p:nvSpPr>
+          <p:cNvPr id="120" name="Прямоугольник 119"/>
+          <p:cNvSpPr/>
+          <p:nvPr/>
+        </p:nvSpPr>
+        <p:spPr>
+          <a:xfrm>
+            <a:off x="20535903" y="7190027"/>
+            <a:ext cx="926325" cy="540000"/>
+          </a:xfrm>
+          <a:prstGeom prst="rect">
+            <a:avLst/>
+          </a:prstGeom>
+          <a:solidFill>
+            <a:srgbClr val="7030A0"/>
+          </a:solidFill>
+          <a:ln w="19050">
+            <a:solidFill>
+              <a:schemeClr val="accent4">
+                <a:lumMod val="75000"/>
+              </a:schemeClr>
+            </a:solidFill>
+          </a:ln>
+        </p:spPr>
+        <p:style>
+          <a:lnRef idx="2">
+            <a:schemeClr val="accent1"/>
+          </a:lnRef>
+          <a:fillRef idx="1">
+            <a:schemeClr val="lt1"/>
+          </a:fillRef>
+          <a:effectRef idx="0">
+            <a:schemeClr val="accent1"/>
+          </a:effectRef>
+          <a:fontRef idx="minor">
+            <a:schemeClr val="dk1"/>
+          </a:fontRef>
+        </p:style>
+        <p:txBody>
+          <a:bodyPr lIns="124733" tIns="62367" rIns="124733" bIns="62367" rtlCol="0" anchor="ctr"/>
+          <a:lstStyle/>
+          <a:p>
+            <a:pPr algn="ctr"/>
+            <a:r>
+              <a:rPr lang="ru-RU" sz="700" dirty="0" smtClean="0"/>
+              <a:t>Испанские крестоносцы</a:t>
+            </a:r>
             <a:endParaRPr lang="ru-RU" sz="700" dirty="0"/>
           </a:p>
         </p:txBody>
       </p:sp>
       <p:sp>
         <p:nvSpPr>
-          <p:cNvPr id="112" name="Прямоугольник 111"/>
+          <p:cNvPr id="121" name="Прямоугольник 120"/>
           <p:cNvSpPr/>
           <p:nvPr/>
         </p:nvSpPr>
         <p:spPr>
           <a:xfrm>
-            <a:off x="25835494" y="7190027"/>
+            <a:off x="22650791" y="7190027"/>
             <a:ext cx="926325" cy="540000"/>
           </a:xfrm>
           <a:prstGeom prst="rect">
@@ -5505,141 +5664,6 @@
             <a:pPr algn="ctr"/>
             <a:r>
               <a:rPr lang="ru-RU" sz="700" dirty="0" smtClean="0"/>
-              <a:t>Национальный блок </a:t>
-            </a:r>
-            <a:r>
-              <a:rPr lang="ru-RU" sz="300" dirty="0" smtClean="0"/>
-              <a:t>(Компромисс между  </a:t>
-            </a:r>
-            <a:r>
-              <a:rPr lang="en-US" sz="300" dirty="0" err="1" smtClean="0"/>
-              <a:t>Renovación</a:t>
-            </a:r>
-            <a:r>
-              <a:rPr lang="en-US" sz="300" dirty="0" smtClean="0"/>
-              <a:t> </a:t>
-            </a:r>
-            <a:r>
-              <a:rPr lang="en-US" sz="300" dirty="0" err="1" smtClean="0"/>
-              <a:t>Española</a:t>
-            </a:r>
-            <a:r>
-              <a:rPr lang="ru-RU" sz="300" dirty="0" smtClean="0"/>
-              <a:t> и </a:t>
-            </a:r>
-            <a:r>
-              <a:rPr lang="ru-RU" sz="300" dirty="0" err="1" smtClean="0"/>
-              <a:t>карлистами</a:t>
-            </a:r>
-            <a:r>
-              <a:rPr lang="ru-RU" sz="300" dirty="0"/>
-              <a:t> (Хосе </a:t>
-            </a:r>
-            <a:r>
-              <a:rPr lang="ru-RU" sz="300" dirty="0" err="1"/>
-              <a:t>Кальво</a:t>
-            </a:r>
-            <a:r>
-              <a:rPr lang="ru-RU" sz="300" dirty="0"/>
-              <a:t> </a:t>
-            </a:r>
-            <a:r>
-              <a:rPr lang="ru-RU" sz="300" dirty="0" err="1" smtClean="0"/>
-              <a:t>Сотело</a:t>
-            </a:r>
-            <a:r>
-              <a:rPr lang="ru-RU" sz="300" dirty="0" smtClean="0"/>
-              <a:t> должен выжить)</a:t>
-            </a:r>
-          </a:p>
-        </p:txBody>
-      </p:sp>
-      <p:sp>
-        <p:nvSpPr>
-          <p:cNvPr id="120" name="Прямоугольник 119"/>
-          <p:cNvSpPr/>
-          <p:nvPr/>
-        </p:nvSpPr>
-        <p:spPr>
-          <a:xfrm>
-            <a:off x="20535903" y="7190027"/>
-            <a:ext cx="926325" cy="540000"/>
-          </a:xfrm>
-          <a:prstGeom prst="rect">
-            <a:avLst/>
-          </a:prstGeom>
-          <a:solidFill>
-            <a:srgbClr val="7030A0"/>
-          </a:solidFill>
-          <a:ln w="19050"/>
-        </p:spPr>
-        <p:style>
-          <a:lnRef idx="2">
-            <a:schemeClr val="accent1"/>
-          </a:lnRef>
-          <a:fillRef idx="1">
-            <a:schemeClr val="lt1"/>
-          </a:fillRef>
-          <a:effectRef idx="0">
-            <a:schemeClr val="accent1"/>
-          </a:effectRef>
-          <a:fontRef idx="minor">
-            <a:schemeClr val="dk1"/>
-          </a:fontRef>
-        </p:style>
-        <p:txBody>
-          <a:bodyPr lIns="124733" tIns="62367" rIns="124733" bIns="62367" rtlCol="0" anchor="ctr"/>
-          <a:lstStyle/>
-          <a:p>
-            <a:pPr algn="ctr"/>
-            <a:r>
-              <a:rPr lang="ru-RU" sz="700" dirty="0" smtClean="0"/>
-              <a:t>Испанские крестоносцы</a:t>
-            </a:r>
-            <a:endParaRPr lang="ru-RU" sz="700" dirty="0"/>
-          </a:p>
-        </p:txBody>
-      </p:sp>
-      <p:sp>
-        <p:nvSpPr>
-          <p:cNvPr id="121" name="Прямоугольник 120"/>
-          <p:cNvSpPr/>
-          <p:nvPr/>
-        </p:nvSpPr>
-        <p:spPr>
-          <a:xfrm>
-            <a:off x="22650791" y="7190027"/>
-            <a:ext cx="926325" cy="540000"/>
-          </a:xfrm>
-          <a:prstGeom prst="rect">
-            <a:avLst/>
-          </a:prstGeom>
-          <a:solidFill>
-            <a:srgbClr val="7030A0"/>
-          </a:solidFill>
-          <a:ln w="19050"/>
-        </p:spPr>
-        <p:style>
-          <a:lnRef idx="2">
-            <a:schemeClr val="accent1"/>
-          </a:lnRef>
-          <a:fillRef idx="1">
-            <a:schemeClr val="lt1"/>
-          </a:fillRef>
-          <a:effectRef idx="0">
-            <a:schemeClr val="accent1"/>
-          </a:effectRef>
-          <a:fontRef idx="minor">
-            <a:schemeClr val="dk1"/>
-          </a:fontRef>
-        </p:style>
-        <p:txBody>
-          <a:bodyPr lIns="124733" tIns="62367" rIns="124733" bIns="62367" rtlCol="0" anchor="ctr"/>
-          <a:lstStyle/>
-          <a:p>
-            <a:pPr algn="ctr"/>
-            <a:r>
-              <a:rPr lang="ru-RU" sz="700" dirty="0" smtClean="0"/>
               <a:t>Традиционалисты</a:t>
             </a:r>
           </a:p>
@@ -6147,7 +6171,13 @@
           <a:solidFill>
             <a:srgbClr val="7030A0"/>
           </a:solidFill>
-          <a:ln w="19050"/>
+          <a:ln w="19050">
+            <a:solidFill>
+              <a:schemeClr val="accent4">
+                <a:lumMod val="75000"/>
+              </a:schemeClr>
+            </a:solidFill>
+          </a:ln>
         </p:spPr>
         <p:style>
           <a:lnRef idx="2">
@@ -6201,7 +6231,13 @@
           <a:solidFill>
             <a:srgbClr val="7030A0"/>
           </a:solidFill>
-          <a:ln w="19050"/>
+          <a:ln w="19050">
+            <a:solidFill>
+              <a:schemeClr val="accent4">
+                <a:lumMod val="75000"/>
+              </a:schemeClr>
+            </a:solidFill>
+          </a:ln>
         </p:spPr>
         <p:style>
           <a:lnRef idx="2">
@@ -6503,7 +6539,13 @@
           <a:solidFill>
             <a:srgbClr val="7030A0"/>
           </a:solidFill>
-          <a:ln w="19050"/>
+          <a:ln w="19050">
+            <a:solidFill>
+              <a:schemeClr val="accent4">
+                <a:lumMod val="75000"/>
+              </a:schemeClr>
+            </a:solidFill>
+          </a:ln>
         </p:spPr>
         <p:style>
           <a:lnRef idx="2">
@@ -8361,7 +8403,13 @@
           <a:solidFill>
             <a:srgbClr val="7030A0"/>
           </a:solidFill>
-          <a:ln w="19050"/>
+          <a:ln w="19050">
+            <a:solidFill>
+              <a:schemeClr val="accent4">
+                <a:lumMod val="75000"/>
+              </a:schemeClr>
+            </a:solidFill>
+          </a:ln>
         </p:spPr>
         <p:style>
           <a:lnRef idx="2">
@@ -8446,7 +8494,13 @@
           <a:solidFill>
             <a:srgbClr val="7030A0"/>
           </a:solidFill>
-          <a:ln w="19050"/>
+          <a:ln w="19050">
+            <a:solidFill>
+              <a:schemeClr val="accent4">
+                <a:lumMod val="75000"/>
+              </a:schemeClr>
+            </a:solidFill>
+          </a:ln>
         </p:spPr>
         <p:style>
           <a:lnRef idx="2">
@@ -8520,6 +8574,322 @@
         <p:spPr>
           <a:xfrm>
             <a:off x="19478838" y="9500953"/>
+            <a:ext cx="926325" cy="540000"/>
+          </a:xfrm>
+          <a:prstGeom prst="rect">
+            <a:avLst/>
+          </a:prstGeom>
+          <a:solidFill>
+            <a:srgbClr val="7030A0"/>
+          </a:solidFill>
+          <a:ln w="19050">
+            <a:solidFill>
+              <a:schemeClr val="accent4">
+                <a:lumMod val="75000"/>
+              </a:schemeClr>
+            </a:solidFill>
+          </a:ln>
+        </p:spPr>
+        <p:style>
+          <a:lnRef idx="2">
+            <a:schemeClr val="accent1"/>
+          </a:lnRef>
+          <a:fillRef idx="1">
+            <a:schemeClr val="lt1"/>
+          </a:fillRef>
+          <a:effectRef idx="0">
+            <a:schemeClr val="accent1"/>
+          </a:effectRef>
+          <a:fontRef idx="minor">
+            <a:schemeClr val="dk1"/>
+          </a:fontRef>
+        </p:style>
+        <p:txBody>
+          <a:bodyPr lIns="124733" tIns="62367" rIns="124733" bIns="62367" rtlCol="0" anchor="ctr"/>
+          <a:lstStyle/>
+          <a:p>
+            <a:pPr algn="ctr"/>
+            <a:r>
+              <a:rPr lang="ru-RU" sz="700" dirty="0" smtClean="0"/>
+              <a:t>Испанский средиземноморский флот</a:t>
+            </a:r>
+            <a:endParaRPr lang="ru-RU" sz="700" dirty="0"/>
+          </a:p>
+        </p:txBody>
+      </p:sp>
+      <p:sp>
+        <p:nvSpPr>
+          <p:cNvPr id="155" name="Прямоугольник 154"/>
+          <p:cNvSpPr/>
+          <p:nvPr/>
+        </p:nvSpPr>
+        <p:spPr>
+          <a:xfrm>
+            <a:off x="20536485" y="9500953"/>
+            <a:ext cx="926325" cy="540000"/>
+          </a:xfrm>
+          <a:prstGeom prst="rect">
+            <a:avLst/>
+          </a:prstGeom>
+          <a:solidFill>
+            <a:srgbClr val="7030A0"/>
+          </a:solidFill>
+          <a:ln w="19050">
+            <a:solidFill>
+              <a:schemeClr val="accent4">
+                <a:lumMod val="75000"/>
+              </a:schemeClr>
+            </a:solidFill>
+          </a:ln>
+        </p:spPr>
+        <p:style>
+          <a:lnRef idx="2">
+            <a:schemeClr val="accent1"/>
+          </a:lnRef>
+          <a:fillRef idx="1">
+            <a:schemeClr val="lt1"/>
+          </a:fillRef>
+          <a:effectRef idx="0">
+            <a:schemeClr val="accent1"/>
+          </a:effectRef>
+          <a:fontRef idx="minor">
+            <a:schemeClr val="dk1"/>
+          </a:fontRef>
+        </p:style>
+        <p:txBody>
+          <a:bodyPr lIns="124733" tIns="62367" rIns="124733" bIns="62367" rtlCol="0" anchor="ctr"/>
+          <a:lstStyle/>
+          <a:p>
+            <a:pPr algn="ctr"/>
+            <a:r>
+              <a:rPr lang="ru-RU" sz="700" dirty="0" smtClean="0"/>
+              <a:t>Создание католика-монархического общества</a:t>
+            </a:r>
+          </a:p>
+        </p:txBody>
+      </p:sp>
+      <p:sp>
+        <p:nvSpPr>
+          <p:cNvPr id="156" name="Прямоугольник 155"/>
+          <p:cNvSpPr/>
+          <p:nvPr/>
+        </p:nvSpPr>
+        <p:spPr>
+          <a:xfrm>
+            <a:off x="19478838" y="10254896"/>
+            <a:ext cx="926325" cy="540000"/>
+          </a:xfrm>
+          <a:prstGeom prst="rect">
+            <a:avLst/>
+          </a:prstGeom>
+          <a:solidFill>
+            <a:srgbClr val="7030A0"/>
+          </a:solidFill>
+          <a:ln w="19050">
+            <a:solidFill>
+              <a:schemeClr val="accent4">
+                <a:lumMod val="75000"/>
+              </a:schemeClr>
+            </a:solidFill>
+          </a:ln>
+        </p:spPr>
+        <p:style>
+          <a:lnRef idx="2">
+            <a:schemeClr val="accent1"/>
+          </a:lnRef>
+          <a:fillRef idx="1">
+            <a:schemeClr val="lt1"/>
+          </a:fillRef>
+          <a:effectRef idx="0">
+            <a:schemeClr val="accent1"/>
+          </a:effectRef>
+          <a:fontRef idx="minor">
+            <a:schemeClr val="dk1"/>
+          </a:fontRef>
+        </p:style>
+        <p:txBody>
+          <a:bodyPr lIns="124733" tIns="62367" rIns="124733" bIns="62367" rtlCol="0" anchor="ctr"/>
+          <a:lstStyle/>
+          <a:p>
+            <a:pPr algn="ctr"/>
+            <a:r>
+              <a:rPr lang="ru-RU" sz="700" dirty="0"/>
+              <a:t>Претензии на земли Габсбургов</a:t>
+            </a:r>
+          </a:p>
+        </p:txBody>
+      </p:sp>
+      <p:cxnSp>
+        <p:nvCxnSpPr>
+          <p:cNvPr id="164" name="Прямая со стрелкой 163"/>
+          <p:cNvCxnSpPr>
+            <a:stCxn id="163" idx="2"/>
+            <a:endCxn id="156" idx="0"/>
+          </p:cNvCxnSpPr>
+          <p:nvPr/>
+        </p:nvCxnSpPr>
+        <p:spPr>
+          <a:xfrm>
+            <a:off x="19942001" y="10040953"/>
+            <a:ext cx="0" cy="213943"/>
+          </a:xfrm>
+          <a:prstGeom prst="straightConnector1">
+            <a:avLst/>
+          </a:prstGeom>
+          <a:ln w="19050">
+            <a:tailEnd type="arrow"/>
+          </a:ln>
+        </p:spPr>
+        <p:style>
+          <a:lnRef idx="1">
+            <a:schemeClr val="accent1"/>
+          </a:lnRef>
+          <a:fillRef idx="0">
+            <a:schemeClr val="accent1"/>
+          </a:fillRef>
+          <a:effectRef idx="0">
+            <a:schemeClr val="accent1"/>
+          </a:effectRef>
+          <a:fontRef idx="minor">
+            <a:schemeClr val="tx1"/>
+          </a:fontRef>
+        </p:style>
+      </p:cxnSp>
+      <p:sp>
+        <p:nvSpPr>
+          <p:cNvPr id="183" name="Прямоугольник 182"/>
+          <p:cNvSpPr/>
+          <p:nvPr/>
+        </p:nvSpPr>
+        <p:spPr>
+          <a:xfrm>
+            <a:off x="20534705" y="10254644"/>
+            <a:ext cx="926325" cy="540000"/>
+          </a:xfrm>
+          <a:prstGeom prst="rect">
+            <a:avLst/>
+          </a:prstGeom>
+          <a:solidFill>
+            <a:srgbClr val="7030A0"/>
+          </a:solidFill>
+          <a:ln w="19050">
+            <a:solidFill>
+              <a:schemeClr val="accent4">
+                <a:lumMod val="75000"/>
+              </a:schemeClr>
+            </a:solidFill>
+          </a:ln>
+        </p:spPr>
+        <p:style>
+          <a:lnRef idx="2">
+            <a:schemeClr val="accent1"/>
+          </a:lnRef>
+          <a:fillRef idx="1">
+            <a:schemeClr val="lt1"/>
+          </a:fillRef>
+          <a:effectRef idx="0">
+            <a:schemeClr val="accent1"/>
+          </a:effectRef>
+          <a:fontRef idx="minor">
+            <a:schemeClr val="dk1"/>
+          </a:fontRef>
+        </p:style>
+        <p:txBody>
+          <a:bodyPr lIns="124733" tIns="62367" rIns="124733" bIns="62367" rtlCol="0" anchor="ctr"/>
+          <a:lstStyle/>
+          <a:p>
+            <a:pPr algn="ctr"/>
+            <a:r>
+              <a:rPr lang="ru-RU" sz="700" dirty="0" smtClean="0"/>
+              <a:t>Идея превыше всего!</a:t>
+            </a:r>
+          </a:p>
+        </p:txBody>
+      </p:sp>
+      <p:cxnSp>
+        <p:nvCxnSpPr>
+          <p:cNvPr id="184" name="Прямая со стрелкой 183"/>
+          <p:cNvCxnSpPr>
+            <a:stCxn id="155" idx="2"/>
+            <a:endCxn id="183" idx="0"/>
+          </p:cNvCxnSpPr>
+          <p:nvPr/>
+        </p:nvCxnSpPr>
+        <p:spPr>
+          <a:xfrm flipH="1">
+            <a:off x="20997868" y="10040953"/>
+            <a:ext cx="1780" cy="213691"/>
+          </a:xfrm>
+          <a:prstGeom prst="straightConnector1">
+            <a:avLst/>
+          </a:prstGeom>
+          <a:ln w="19050">
+            <a:tailEnd type="arrow"/>
+          </a:ln>
+        </p:spPr>
+        <p:style>
+          <a:lnRef idx="1">
+            <a:schemeClr val="accent1"/>
+          </a:lnRef>
+          <a:fillRef idx="0">
+            <a:schemeClr val="accent1"/>
+          </a:fillRef>
+          <a:effectRef idx="0">
+            <a:schemeClr val="accent1"/>
+          </a:effectRef>
+          <a:fontRef idx="minor">
+            <a:schemeClr val="tx1"/>
+          </a:fontRef>
+        </p:style>
+      </p:cxnSp>
+      <p:cxnSp>
+        <p:nvCxnSpPr>
+          <p:cNvPr id="186" name="Соединительная линия уступом 124"/>
+          <p:cNvCxnSpPr>
+            <a:stCxn id="155" idx="2"/>
+            <a:endCxn id="159" idx="0"/>
+          </p:cNvCxnSpPr>
+          <p:nvPr/>
+        </p:nvCxnSpPr>
+        <p:spPr>
+          <a:xfrm rot="16200000" flipH="1">
+            <a:off x="21421872" y="9618728"/>
+            <a:ext cx="213691" cy="1058139"/>
+          </a:xfrm>
+          <a:prstGeom prst="bentConnector3">
+            <a:avLst>
+              <a:gd name="adj1" fmla="val 50000"/>
+            </a:avLst>
+          </a:prstGeom>
+          <a:ln w="19050">
+            <a:prstDash val="dash"/>
+            <a:tailEnd type="arrow"/>
+          </a:ln>
+        </p:spPr>
+        <p:style>
+          <a:lnRef idx="1">
+            <a:schemeClr val="accent1"/>
+          </a:lnRef>
+          <a:fillRef idx="0">
+            <a:schemeClr val="accent1"/>
+          </a:fillRef>
+          <a:effectRef idx="0">
+            <a:schemeClr val="accent1"/>
+          </a:effectRef>
+          <a:fontRef idx="minor">
+            <a:schemeClr val="tx1"/>
+          </a:fontRef>
+        </p:style>
+      </p:cxnSp>
+      <p:sp>
+        <p:nvSpPr>
+          <p:cNvPr id="187" name="Прямоугольник 186"/>
+          <p:cNvSpPr/>
+          <p:nvPr/>
+        </p:nvSpPr>
+        <p:spPr>
+          <a:xfrm>
+            <a:off x="23642130" y="11059274"/>
             <a:ext cx="926325" cy="540000"/>
           </a:xfrm>
           <a:prstGeom prst="rect">
@@ -8551,7 +8921,15 @@
             <a:pPr algn="ctr"/>
             <a:r>
               <a:rPr lang="ru-RU" sz="700" dirty="0" smtClean="0"/>
-              <a:t>Испанский средиземноморский флот</a:t>
+              <a:t>Заключить </a:t>
+            </a:r>
+            <a:r>
+              <a:rPr lang="ru-RU" sz="700" dirty="0" err="1" smtClean="0"/>
+              <a:t>Виндзорский</a:t>
+            </a:r>
+            <a:r>
+              <a:rPr lang="ru-RU" sz="700" dirty="0" smtClean="0"/>
+              <a:t> пакт от новой династии</a:t>
             </a:r>
             <a:endParaRPr lang="ru-RU" sz="700" dirty="0"/>
           </a:p>
@@ -8559,13 +8937,13 @@
       </p:sp>
       <p:sp>
         <p:nvSpPr>
-          <p:cNvPr id="155" name="Прямоугольник 154"/>
+          <p:cNvPr id="190" name="Прямоугольник 189"/>
           <p:cNvSpPr/>
           <p:nvPr/>
         </p:nvSpPr>
         <p:spPr>
           <a:xfrm>
-            <a:off x="20536485" y="9500953"/>
+            <a:off x="21591380" y="11052450"/>
             <a:ext cx="926325" cy="540000"/>
           </a:xfrm>
           <a:prstGeom prst="rect">
@@ -8596,21 +8974,21 @@
           <a:p>
             <a:pPr algn="ctr"/>
             <a:r>
-              <a:rPr lang="ru-RU" sz="700" dirty="0" smtClean="0"/>
-              <a:t>Создание католика-монархического общества</a:t>
-            </a:r>
-          </a:p>
-        </p:txBody>
-      </p:sp>
-      <p:sp>
-        <p:nvSpPr>
-          <p:cNvPr id="156" name="Прямоугольник 155"/>
+              <a:rPr lang="ru-RU" sz="700" dirty="0"/>
+              <a:t>Вернуться к союзу с Германией</a:t>
+            </a:r>
+          </a:p>
+        </p:txBody>
+      </p:sp>
+      <p:sp>
+        <p:nvSpPr>
+          <p:cNvPr id="191" name="Прямоугольник 190"/>
           <p:cNvSpPr/>
           <p:nvPr/>
         </p:nvSpPr>
         <p:spPr>
           <a:xfrm>
-            <a:off x="19478838" y="10254896"/>
+            <a:off x="24722280" y="11056041"/>
             <a:ext cx="926325" cy="540000"/>
           </a:xfrm>
           <a:prstGeom prst="rect">
@@ -8641,57 +9019,292 @@
           <a:p>
             <a:pPr algn="ctr"/>
             <a:r>
-              <a:rPr lang="ru-RU" sz="700" dirty="0"/>
-              <a:t>Претензии на земли Габсбургов</a:t>
-            </a:r>
-          </a:p>
-        </p:txBody>
-      </p:sp>
-      <p:cxnSp>
-        <p:nvCxnSpPr>
-          <p:cNvPr id="164" name="Прямая со стрелкой 163"/>
-          <p:cNvCxnSpPr>
-            <a:stCxn id="163" idx="2"/>
-            <a:endCxn id="156" idx="0"/>
-          </p:cNvCxnSpPr>
-          <p:nvPr/>
-        </p:nvCxnSpPr>
-        <p:spPr>
-          <a:xfrm>
-            <a:off x="19942001" y="10040953"/>
-            <a:ext cx="0" cy="213943"/>
-          </a:xfrm>
-          <a:prstGeom prst="straightConnector1">
-            <a:avLst/>
-          </a:prstGeom>
-          <a:ln w="19050">
-            <a:tailEnd type="arrow"/>
-          </a:ln>
-        </p:spPr>
-        <p:style>
-          <a:lnRef idx="1">
-            <a:schemeClr val="accent1"/>
-          </a:lnRef>
-          <a:fillRef idx="0">
-            <a:schemeClr val="accent1"/>
-          </a:fillRef>
-          <a:effectRef idx="0">
-            <a:schemeClr val="accent1"/>
-          </a:effectRef>
-          <a:fontRef idx="minor">
-            <a:schemeClr val="tx1"/>
-          </a:fontRef>
-        </p:style>
-      </p:cxnSp>
-      <p:sp>
-        <p:nvSpPr>
-          <p:cNvPr id="183" name="Прямоугольник 182"/>
+              <a:rPr lang="ru-RU" sz="700" dirty="0" smtClean="0"/>
+              <a:t>Антиреволюционный союз (наше + «вражда с левым блоком»)</a:t>
+            </a:r>
+          </a:p>
+        </p:txBody>
+      </p:sp>
+      <p:cxnSp>
+        <p:nvCxnSpPr>
+          <p:cNvPr id="201" name="Соединительная линия уступом 124"/>
+          <p:cNvCxnSpPr>
+            <a:stCxn id="124" idx="2"/>
+            <a:endCxn id="187" idx="0"/>
+          </p:cNvCxnSpPr>
+          <p:nvPr/>
+        </p:nvCxnSpPr>
+        <p:spPr>
+          <a:xfrm rot="16200000" flipH="1">
+            <a:off x="23974435" y="10928416"/>
+            <a:ext cx="261076" cy="639"/>
+          </a:xfrm>
+          <a:prstGeom prst="bentConnector3">
+            <a:avLst>
+              <a:gd name="adj1" fmla="val 50000"/>
+            </a:avLst>
+          </a:prstGeom>
+          <a:ln w="19050">
+            <a:tailEnd type="arrow"/>
+          </a:ln>
+        </p:spPr>
+        <p:style>
+          <a:lnRef idx="1">
+            <a:schemeClr val="accent1"/>
+          </a:lnRef>
+          <a:fillRef idx="0">
+            <a:schemeClr val="accent1"/>
+          </a:fillRef>
+          <a:effectRef idx="0">
+            <a:schemeClr val="accent1"/>
+          </a:effectRef>
+          <a:fontRef idx="minor">
+            <a:schemeClr val="tx1"/>
+          </a:fontRef>
+        </p:style>
+      </p:cxnSp>
+      <p:cxnSp>
+        <p:nvCxnSpPr>
+          <p:cNvPr id="203" name="Соединительная линия уступом 124"/>
+          <p:cNvCxnSpPr>
+            <a:stCxn id="183" idx="2"/>
+            <a:endCxn id="190" idx="0"/>
+          </p:cNvCxnSpPr>
+          <p:nvPr/>
+        </p:nvCxnSpPr>
+        <p:spPr>
+          <a:xfrm rot="16200000" flipH="1">
+            <a:off x="21397302" y="10395209"/>
+            <a:ext cx="257806" cy="1056675"/>
+          </a:xfrm>
+          <a:prstGeom prst="bentConnector3">
+            <a:avLst>
+              <a:gd name="adj1" fmla="val 50000"/>
+            </a:avLst>
+          </a:prstGeom>
+          <a:ln w="19050">
+            <a:prstDash val="dash"/>
+            <a:tailEnd type="arrow"/>
+          </a:ln>
+        </p:spPr>
+        <p:style>
+          <a:lnRef idx="1">
+            <a:schemeClr val="accent1"/>
+          </a:lnRef>
+          <a:fillRef idx="0">
+            <a:schemeClr val="accent1"/>
+          </a:fillRef>
+          <a:effectRef idx="0">
+            <a:schemeClr val="accent1"/>
+          </a:effectRef>
+          <a:fontRef idx="minor">
+            <a:schemeClr val="tx1"/>
+          </a:fontRef>
+        </p:style>
+      </p:cxnSp>
+      <p:cxnSp>
+        <p:nvCxnSpPr>
+          <p:cNvPr id="204" name="Соединительная линия уступом 124"/>
+          <p:cNvCxnSpPr>
+            <a:stCxn id="83" idx="2"/>
+            <a:endCxn id="190" idx="0"/>
+          </p:cNvCxnSpPr>
+          <p:nvPr/>
+        </p:nvCxnSpPr>
+        <p:spPr>
+          <a:xfrm rot="5400000">
+            <a:off x="22456527" y="10392660"/>
+            <a:ext cx="257806" cy="1061774"/>
+          </a:xfrm>
+          <a:prstGeom prst="bentConnector3">
+            <a:avLst>
+              <a:gd name="adj1" fmla="val 50000"/>
+            </a:avLst>
+          </a:prstGeom>
+          <a:ln w="19050">
+            <a:prstDash val="dash"/>
+            <a:tailEnd type="arrow"/>
+          </a:ln>
+        </p:spPr>
+        <p:style>
+          <a:lnRef idx="1">
+            <a:schemeClr val="accent1"/>
+          </a:lnRef>
+          <a:fillRef idx="0">
+            <a:schemeClr val="accent1"/>
+          </a:fillRef>
+          <a:effectRef idx="0">
+            <a:schemeClr val="accent1"/>
+          </a:effectRef>
+          <a:fontRef idx="minor">
+            <a:schemeClr val="tx1"/>
+          </a:fontRef>
+        </p:style>
+      </p:cxnSp>
+      <p:cxnSp>
+        <p:nvCxnSpPr>
+          <p:cNvPr id="206" name="Соединительная линия уступом 124"/>
+          <p:cNvCxnSpPr>
+            <a:stCxn id="83" idx="2"/>
+            <a:endCxn id="191" idx="0"/>
+          </p:cNvCxnSpPr>
+          <p:nvPr/>
+        </p:nvCxnSpPr>
+        <p:spPr>
+          <a:xfrm rot="16200000" flipH="1">
+            <a:off x="24020182" y="9890779"/>
+            <a:ext cx="261397" cy="2069126"/>
+          </a:xfrm>
+          <a:prstGeom prst="bentConnector3">
+            <a:avLst>
+              <a:gd name="adj1" fmla="val 50000"/>
+            </a:avLst>
+          </a:prstGeom>
+          <a:ln w="19050">
+            <a:prstDash val="dash"/>
+            <a:tailEnd type="arrow"/>
+          </a:ln>
+        </p:spPr>
+        <p:style>
+          <a:lnRef idx="1">
+            <a:schemeClr val="accent1"/>
+          </a:lnRef>
+          <a:fillRef idx="0">
+            <a:schemeClr val="accent1"/>
+          </a:fillRef>
+          <a:effectRef idx="0">
+            <a:schemeClr val="accent1"/>
+          </a:effectRef>
+          <a:fontRef idx="minor">
+            <a:schemeClr val="tx1"/>
+          </a:fontRef>
+        </p:style>
+      </p:cxnSp>
+      <p:cxnSp>
+        <p:nvCxnSpPr>
+          <p:cNvPr id="212" name="Прямая соединительная линия 211"/>
+          <p:cNvCxnSpPr>
+            <a:stCxn id="187" idx="1"/>
+            <a:endCxn id="190" idx="3"/>
+          </p:cNvCxnSpPr>
+          <p:nvPr/>
+        </p:nvCxnSpPr>
+        <p:spPr>
+          <a:xfrm flipH="1" flipV="1">
+            <a:off x="22517705" y="11322450"/>
+            <a:ext cx="1124425" cy="6824"/>
+          </a:xfrm>
+          <a:prstGeom prst="line">
+            <a:avLst/>
+          </a:prstGeom>
+          <a:ln w="19050">
+            <a:solidFill>
+              <a:srgbClr val="FF0000"/>
+            </a:solidFill>
+          </a:ln>
+        </p:spPr>
+        <p:style>
+          <a:lnRef idx="1">
+            <a:schemeClr val="accent1"/>
+          </a:lnRef>
+          <a:fillRef idx="0">
+            <a:schemeClr val="accent1"/>
+          </a:fillRef>
+          <a:effectRef idx="0">
+            <a:schemeClr val="accent1"/>
+          </a:effectRef>
+          <a:fontRef idx="minor">
+            <a:schemeClr val="tx1"/>
+          </a:fontRef>
+        </p:style>
+      </p:cxnSp>
+      <p:cxnSp>
+        <p:nvCxnSpPr>
+          <p:cNvPr id="218" name="Соединительная линия уступом 217"/>
+          <p:cNvCxnSpPr>
+            <a:stCxn id="109" idx="2"/>
+            <a:endCxn id="154" idx="0"/>
+          </p:cNvCxnSpPr>
+          <p:nvPr/>
+        </p:nvCxnSpPr>
+        <p:spPr>
+          <a:xfrm rot="5400000">
+            <a:off x="25088853" y="8291623"/>
+            <a:ext cx="239154" cy="2180455"/>
+          </a:xfrm>
+          <a:prstGeom prst="bentConnector3">
+            <a:avLst>
+              <a:gd name="adj1" fmla="val 50000"/>
+            </a:avLst>
+          </a:prstGeom>
+          <a:ln w="19050">
+            <a:prstDash val="dash"/>
+            <a:tailEnd type="arrow"/>
+          </a:ln>
+        </p:spPr>
+        <p:style>
+          <a:lnRef idx="1">
+            <a:schemeClr val="accent1"/>
+          </a:lnRef>
+          <a:fillRef idx="0">
+            <a:schemeClr val="accent1"/>
+          </a:fillRef>
+          <a:effectRef idx="0">
+            <a:schemeClr val="accent1"/>
+          </a:effectRef>
+          <a:fontRef idx="minor">
+            <a:schemeClr val="tx1"/>
+          </a:fontRef>
+        </p:style>
+      </p:cxnSp>
+      <p:cxnSp>
+        <p:nvCxnSpPr>
+          <p:cNvPr id="221" name="Соединительная линия уступом 220"/>
+          <p:cNvCxnSpPr>
+            <a:stCxn id="110" idx="2"/>
+            <a:endCxn id="154" idx="0"/>
+          </p:cNvCxnSpPr>
+          <p:nvPr/>
+        </p:nvCxnSpPr>
+        <p:spPr>
+          <a:xfrm rot="5400000">
+            <a:off x="26212398" y="7168077"/>
+            <a:ext cx="239154" cy="4427546"/>
+          </a:xfrm>
+          <a:prstGeom prst="bentConnector3">
+            <a:avLst>
+              <a:gd name="adj1" fmla="val 50000"/>
+            </a:avLst>
+          </a:prstGeom>
+          <a:ln w="19050">
+            <a:prstDash val="dash"/>
+            <a:tailEnd type="arrow"/>
+          </a:ln>
+        </p:spPr>
+        <p:style>
+          <a:lnRef idx="1">
+            <a:schemeClr val="accent1"/>
+          </a:lnRef>
+          <a:fillRef idx="0">
+            <a:schemeClr val="accent1"/>
+          </a:fillRef>
+          <a:effectRef idx="0">
+            <a:schemeClr val="accent1"/>
+          </a:effectRef>
+          <a:fontRef idx="minor">
+            <a:schemeClr val="tx1"/>
+          </a:fontRef>
+        </p:style>
+      </p:cxnSp>
+      <p:sp>
+        <p:nvSpPr>
+          <p:cNvPr id="230" name="Прямоугольник 229"/>
           <p:cNvSpPr/>
           <p:nvPr/>
         </p:nvSpPr>
         <p:spPr>
           <a:xfrm>
-            <a:off x="20534705" y="10254644"/>
+            <a:off x="25842315" y="9514541"/>
             <a:ext cx="926325" cy="540000"/>
           </a:xfrm>
           <a:prstGeom prst="rect">
@@ -8723,24 +9336,33 @@
             <a:pPr algn="ctr"/>
             <a:r>
               <a:rPr lang="ru-RU" sz="700" dirty="0" smtClean="0"/>
-              <a:t>Идея превыше всего!</a:t>
-            </a:r>
-          </a:p>
-        </p:txBody>
-      </p:sp>
-      <p:cxnSp>
-        <p:nvCxnSpPr>
-          <p:cNvPr id="184" name="Прямая со стрелкой 183"/>
-          <p:cNvCxnSpPr>
-            <a:stCxn id="155" idx="2"/>
-            <a:endCxn id="183" idx="0"/>
-          </p:cNvCxnSpPr>
-          <p:nvPr/>
-        </p:nvCxnSpPr>
-        <p:spPr>
-          <a:xfrm flipH="1">
-            <a:off x="20997868" y="10040953"/>
-            <a:ext cx="1780" cy="213691"/>
+              <a:t>Забрать трон у </a:t>
+            </a:r>
+            <a:r>
+              <a:rPr lang="ru-RU" sz="700" dirty="0" err="1" smtClean="0"/>
+              <a:t>Виндзоров</a:t>
+            </a:r>
+            <a:r>
+              <a:rPr lang="ru-RU" sz="700" dirty="0" smtClean="0"/>
+              <a:t> (мать Хуана внучка королевы Виктории)</a:t>
+            </a:r>
+            <a:endParaRPr lang="ru-RU" sz="700" dirty="0"/>
+          </a:p>
+        </p:txBody>
+      </p:sp>
+      <p:cxnSp>
+        <p:nvCxnSpPr>
+          <p:cNvPr id="231" name="Прямая со стрелкой 230"/>
+          <p:cNvCxnSpPr>
+            <a:stCxn id="145" idx="2"/>
+            <a:endCxn id="148" idx="0"/>
+          </p:cNvCxnSpPr>
+          <p:nvPr/>
+        </p:nvCxnSpPr>
+        <p:spPr>
+          <a:xfrm>
+            <a:off x="25182342" y="10048610"/>
+            <a:ext cx="1" cy="206034"/>
           </a:xfrm>
           <a:prstGeom prst="straightConnector1">
             <a:avLst/>
@@ -8766,17 +9388,89 @@
       </p:cxnSp>
       <p:cxnSp>
         <p:nvCxnSpPr>
-          <p:cNvPr id="186" name="Соединительная линия уступом 124"/>
-          <p:cNvCxnSpPr>
-            <a:stCxn id="155" idx="2"/>
-            <a:endCxn id="159" idx="0"/>
+          <p:cNvPr id="234" name="Прямая со стрелкой 233"/>
+          <p:cNvCxnSpPr>
+            <a:stCxn id="138" idx="2"/>
+            <a:endCxn id="147" idx="0"/>
+          </p:cNvCxnSpPr>
+          <p:nvPr/>
+        </p:nvCxnSpPr>
+        <p:spPr>
+          <a:xfrm>
+            <a:off x="27422611" y="10047777"/>
+            <a:ext cx="3" cy="206867"/>
+          </a:xfrm>
+          <a:prstGeom prst="straightConnector1">
+            <a:avLst/>
+          </a:prstGeom>
+          <a:ln w="19050">
+            <a:tailEnd type="arrow"/>
+          </a:ln>
+        </p:spPr>
+        <p:style>
+          <a:lnRef idx="1">
+            <a:schemeClr val="accent1"/>
+          </a:lnRef>
+          <a:fillRef idx="0">
+            <a:schemeClr val="accent1"/>
+          </a:fillRef>
+          <a:effectRef idx="0">
+            <a:schemeClr val="accent1"/>
+          </a:effectRef>
+          <a:fontRef idx="minor">
+            <a:schemeClr val="tx1"/>
+          </a:fontRef>
+        </p:style>
+      </p:cxnSp>
+      <p:cxnSp>
+        <p:nvCxnSpPr>
+          <p:cNvPr id="237" name="Прямая со стрелкой 236"/>
+          <p:cNvCxnSpPr>
+            <a:stCxn id="109" idx="2"/>
+            <a:endCxn id="230" idx="0"/>
+          </p:cNvCxnSpPr>
+          <p:nvPr/>
+        </p:nvCxnSpPr>
+        <p:spPr>
+          <a:xfrm>
+            <a:off x="26298657" y="9262273"/>
+            <a:ext cx="6821" cy="252268"/>
+          </a:xfrm>
+          <a:prstGeom prst="straightConnector1">
+            <a:avLst/>
+          </a:prstGeom>
+          <a:ln w="19050">
+            <a:tailEnd type="arrow"/>
+          </a:ln>
+        </p:spPr>
+        <p:style>
+          <a:lnRef idx="1">
+            <a:schemeClr val="accent1"/>
+          </a:lnRef>
+          <a:fillRef idx="0">
+            <a:schemeClr val="accent1"/>
+          </a:fillRef>
+          <a:effectRef idx="0">
+            <a:schemeClr val="accent1"/>
+          </a:effectRef>
+          <a:fontRef idx="minor">
+            <a:schemeClr val="tx1"/>
+          </a:fontRef>
+        </p:style>
+      </p:cxnSp>
+      <p:cxnSp>
+        <p:nvCxnSpPr>
+          <p:cNvPr id="248" name="Соединительная линия уступом 124"/>
+          <p:cNvCxnSpPr>
+            <a:stCxn id="183" idx="2"/>
+            <a:endCxn id="191" idx="0"/>
           </p:cNvCxnSpPr>
           <p:nvPr/>
         </p:nvCxnSpPr>
         <p:spPr>
           <a:xfrm rot="16200000" flipH="1">
-            <a:off x="21421872" y="9618728"/>
-            <a:ext cx="213691" cy="1058139"/>
+            <a:off x="22960957" y="8831554"/>
+            <a:ext cx="261397" cy="4187575"/>
           </a:xfrm>
           <a:prstGeom prst="bentConnector3">
             <a:avLst>
@@ -8803,15 +9497,207 @@
           </a:fontRef>
         </p:style>
       </p:cxnSp>
-      <p:sp>
-        <p:nvSpPr>
-          <p:cNvPr id="187" name="Прямоугольник 186"/>
+      <p:cxnSp>
+        <p:nvCxnSpPr>
+          <p:cNvPr id="251" name="Соединительная линия уступом 124"/>
+          <p:cNvCxnSpPr>
+            <a:stCxn id="142" idx="2"/>
+            <a:endCxn id="191" idx="0"/>
+          </p:cNvCxnSpPr>
+          <p:nvPr/>
+        </p:nvCxnSpPr>
+        <p:spPr>
+          <a:xfrm rot="5400000">
+            <a:off x="25611352" y="10368736"/>
+            <a:ext cx="261397" cy="1113213"/>
+          </a:xfrm>
+          <a:prstGeom prst="bentConnector3">
+            <a:avLst>
+              <a:gd name="adj1" fmla="val 50000"/>
+            </a:avLst>
+          </a:prstGeom>
+          <a:ln w="19050">
+            <a:prstDash val="dash"/>
+            <a:tailEnd type="arrow"/>
+          </a:ln>
+        </p:spPr>
+        <p:style>
+          <a:lnRef idx="1">
+            <a:schemeClr val="accent1"/>
+          </a:lnRef>
+          <a:fillRef idx="0">
+            <a:schemeClr val="accent1"/>
+          </a:fillRef>
+          <a:effectRef idx="0">
+            <a:schemeClr val="accent1"/>
+          </a:effectRef>
+          <a:fontRef idx="minor">
+            <a:schemeClr val="tx1"/>
+          </a:fontRef>
+        </p:style>
+      </p:cxnSp>
+      <p:cxnSp>
+        <p:nvCxnSpPr>
+          <p:cNvPr id="254" name="Соединительная линия уступом 124"/>
+          <p:cNvCxnSpPr>
+            <a:stCxn id="179" idx="2"/>
+            <a:endCxn id="191" idx="0"/>
+          </p:cNvCxnSpPr>
+          <p:nvPr/>
+        </p:nvCxnSpPr>
+        <p:spPr>
+          <a:xfrm rot="5400000">
+            <a:off x="26734898" y="9245189"/>
+            <a:ext cx="261397" cy="3360306"/>
+          </a:xfrm>
+          <a:prstGeom prst="bentConnector3">
+            <a:avLst>
+              <a:gd name="adj1" fmla="val 50000"/>
+            </a:avLst>
+          </a:prstGeom>
+          <a:ln w="19050">
+            <a:prstDash val="dash"/>
+            <a:tailEnd type="arrow"/>
+          </a:ln>
+        </p:spPr>
+        <p:style>
+          <a:lnRef idx="1">
+            <a:schemeClr val="accent1"/>
+          </a:lnRef>
+          <a:fillRef idx="0">
+            <a:schemeClr val="accent1"/>
+          </a:fillRef>
+          <a:effectRef idx="0">
+            <a:schemeClr val="accent1"/>
+          </a:effectRef>
+          <a:fontRef idx="minor">
+            <a:schemeClr val="tx1"/>
+          </a:fontRef>
+        </p:style>
+      </p:cxnSp>
+      <p:cxnSp>
+        <p:nvCxnSpPr>
+          <p:cNvPr id="257" name="Прямая соединительная линия 256"/>
+          <p:cNvCxnSpPr>
+            <a:stCxn id="191" idx="1"/>
+            <a:endCxn id="187" idx="3"/>
+          </p:cNvCxnSpPr>
+          <p:nvPr/>
+        </p:nvCxnSpPr>
+        <p:spPr>
+          <a:xfrm flipH="1">
+            <a:off x="24568455" y="11326041"/>
+            <a:ext cx="153825" cy="3233"/>
+          </a:xfrm>
+          <a:prstGeom prst="line">
+            <a:avLst/>
+          </a:prstGeom>
+          <a:ln w="19050">
+            <a:solidFill>
+              <a:srgbClr val="FF0000"/>
+            </a:solidFill>
+          </a:ln>
+        </p:spPr>
+        <p:style>
+          <a:lnRef idx="1">
+            <a:schemeClr val="accent1"/>
+          </a:lnRef>
+          <a:fillRef idx="0">
+            <a:schemeClr val="accent1"/>
+          </a:fillRef>
+          <a:effectRef idx="0">
+            <a:schemeClr val="accent1"/>
+          </a:effectRef>
+          <a:fontRef idx="minor">
+            <a:schemeClr val="tx1"/>
+          </a:fontRef>
+        </p:style>
+      </p:cxnSp>
+      <p:cxnSp>
+        <p:nvCxnSpPr>
+          <p:cNvPr id="262" name="Прямая соединительная линия 261"/>
+          <p:cNvCxnSpPr>
+            <a:stCxn id="350" idx="1"/>
+            <a:endCxn id="191" idx="3"/>
+          </p:cNvCxnSpPr>
+          <p:nvPr/>
+        </p:nvCxnSpPr>
+        <p:spPr>
+          <a:xfrm flipH="1">
+            <a:off x="25648605" y="11315327"/>
+            <a:ext cx="1316505" cy="10714"/>
+          </a:xfrm>
+          <a:prstGeom prst="line">
+            <a:avLst/>
+          </a:prstGeom>
+          <a:ln w="19050">
+            <a:solidFill>
+              <a:srgbClr val="FF0000"/>
+            </a:solidFill>
+          </a:ln>
+        </p:spPr>
+        <p:style>
+          <a:lnRef idx="1">
+            <a:schemeClr val="accent1"/>
+          </a:lnRef>
+          <a:fillRef idx="0">
+            <a:schemeClr val="accent1"/>
+          </a:fillRef>
+          <a:effectRef idx="0">
+            <a:schemeClr val="accent1"/>
+          </a:effectRef>
+          <a:fontRef idx="minor">
+            <a:schemeClr val="tx1"/>
+          </a:fontRef>
+        </p:style>
+      </p:cxnSp>
+      <p:cxnSp>
+        <p:nvCxnSpPr>
+          <p:cNvPr id="265" name="Соединительная линия уступом 264"/>
+          <p:cNvCxnSpPr>
+            <a:stCxn id="142" idx="2"/>
+            <a:endCxn id="190" idx="0"/>
+          </p:cNvCxnSpPr>
+          <p:nvPr/>
+        </p:nvCxnSpPr>
+        <p:spPr>
+          <a:xfrm rot="5400000">
+            <a:off x="24047697" y="8801491"/>
+            <a:ext cx="257806" cy="4244113"/>
+          </a:xfrm>
+          <a:prstGeom prst="bentConnector3">
+            <a:avLst>
+              <a:gd name="adj1" fmla="val 50000"/>
+            </a:avLst>
+          </a:prstGeom>
+          <a:ln w="19050">
+            <a:tailEnd type="arrow"/>
+          </a:ln>
+        </p:spPr>
+        <p:style>
+          <a:lnRef idx="1">
+            <a:schemeClr val="accent1"/>
+          </a:lnRef>
+          <a:fillRef idx="0">
+            <a:schemeClr val="accent1"/>
+          </a:fillRef>
+          <a:effectRef idx="0">
+            <a:schemeClr val="accent1"/>
+          </a:effectRef>
+          <a:fontRef idx="minor">
+            <a:schemeClr val="tx1"/>
+          </a:fontRef>
+        </p:style>
+      </p:cxnSp>
+      <p:sp>
+        <p:nvSpPr>
+          <p:cNvPr id="280" name="Прямоугольник 279"/>
           <p:cNvSpPr/>
           <p:nvPr/>
         </p:nvSpPr>
         <p:spPr>
           <a:xfrm>
-            <a:off x="23642130" y="11059274"/>
+            <a:off x="22117806" y="12575301"/>
             <a:ext cx="926325" cy="540000"/>
           </a:xfrm>
           <a:prstGeom prst="rect">
@@ -8842,30 +9728,21 @@
           <a:p>
             <a:pPr algn="ctr"/>
             <a:r>
-              <a:rPr lang="ru-RU" sz="700" dirty="0" smtClean="0"/>
-              <a:t>Заключить </a:t>
-            </a:r>
-            <a:r>
-              <a:rPr lang="ru-RU" sz="700" dirty="0" err="1" smtClean="0"/>
-              <a:t>Виндзорский</a:t>
-            </a:r>
-            <a:r>
-              <a:rPr lang="ru-RU" sz="700" dirty="0" smtClean="0"/>
-              <a:t> пакт от новой династии</a:t>
-            </a:r>
-            <a:endParaRPr lang="ru-RU" sz="700" dirty="0"/>
-          </a:p>
-        </p:txBody>
-      </p:sp>
-      <p:sp>
-        <p:nvSpPr>
-          <p:cNvPr id="190" name="Прямоугольник 189"/>
+              <a:rPr lang="ru-RU" sz="700" dirty="0"/>
+              <a:t>Пулемёт и католический молитвенник</a:t>
+            </a:r>
+          </a:p>
+        </p:txBody>
+      </p:sp>
+      <p:sp>
+        <p:nvSpPr>
+          <p:cNvPr id="281" name="Прямоугольник 280"/>
           <p:cNvSpPr/>
           <p:nvPr/>
         </p:nvSpPr>
         <p:spPr>
           <a:xfrm>
-            <a:off x="21591380" y="11052450"/>
+            <a:off x="26305477" y="12575301"/>
             <a:ext cx="926325" cy="540000"/>
           </a:xfrm>
           <a:prstGeom prst="rect">
@@ -8896,21 +9773,98 @@
           <a:p>
             <a:pPr algn="ctr"/>
             <a:r>
-              <a:rPr lang="ru-RU" sz="700" dirty="0"/>
-              <a:t>Вернуться к союзу с Германией</a:t>
-            </a:r>
-          </a:p>
-        </p:txBody>
-      </p:sp>
-      <p:sp>
-        <p:nvSpPr>
-          <p:cNvPr id="191" name="Прямоугольник 190"/>
+              <a:rPr lang="ru-RU" sz="700" dirty="0" smtClean="0"/>
+              <a:t>Возродить империю (ванильное «восстановить империю»)</a:t>
+            </a:r>
+            <a:endParaRPr lang="ru-RU" sz="700" dirty="0"/>
+          </a:p>
+        </p:txBody>
+      </p:sp>
+      <p:cxnSp>
+        <p:nvCxnSpPr>
+          <p:cNvPr id="282" name="Соединительная линия уступом 124"/>
+          <p:cNvCxnSpPr>
+            <a:stCxn id="170" idx="2"/>
+            <a:endCxn id="281" idx="0"/>
+          </p:cNvCxnSpPr>
+          <p:nvPr/>
+        </p:nvCxnSpPr>
+        <p:spPr>
+          <a:xfrm rot="16200000" flipH="1">
+            <a:off x="25575717" y="11382378"/>
+            <a:ext cx="260574" cy="2125271"/>
+          </a:xfrm>
+          <a:prstGeom prst="bentConnector3">
+            <a:avLst>
+              <a:gd name="adj1" fmla="val 50000"/>
+            </a:avLst>
+          </a:prstGeom>
+          <a:ln w="19050">
+            <a:tailEnd type="arrow"/>
+          </a:ln>
+        </p:spPr>
+        <p:style>
+          <a:lnRef idx="1">
+            <a:schemeClr val="accent1"/>
+          </a:lnRef>
+          <a:fillRef idx="0">
+            <a:schemeClr val="accent1"/>
+          </a:fillRef>
+          <a:effectRef idx="0">
+            <a:schemeClr val="accent1"/>
+          </a:effectRef>
+          <a:fontRef idx="minor">
+            <a:schemeClr val="tx1"/>
+          </a:fontRef>
+        </p:style>
+      </p:cxnSp>
+      <p:cxnSp>
+        <p:nvCxnSpPr>
+          <p:cNvPr id="285" name="Соединительная линия уступом 124"/>
+          <p:cNvCxnSpPr>
+            <a:stCxn id="170" idx="2"/>
+            <a:endCxn id="280" idx="0"/>
+          </p:cNvCxnSpPr>
+          <p:nvPr/>
+        </p:nvCxnSpPr>
+        <p:spPr>
+          <a:xfrm rot="5400000">
+            <a:off x="23481882" y="11413814"/>
+            <a:ext cx="260574" cy="2062400"/>
+          </a:xfrm>
+          <a:prstGeom prst="bentConnector3">
+            <a:avLst>
+              <a:gd name="adj1" fmla="val 50000"/>
+            </a:avLst>
+          </a:prstGeom>
+          <a:ln w="19050">
+            <a:tailEnd type="arrow"/>
+          </a:ln>
+        </p:spPr>
+        <p:style>
+          <a:lnRef idx="1">
+            <a:schemeClr val="accent1"/>
+          </a:lnRef>
+          <a:fillRef idx="0">
+            <a:schemeClr val="accent1"/>
+          </a:fillRef>
+          <a:effectRef idx="0">
+            <a:schemeClr val="accent1"/>
+          </a:effectRef>
+          <a:fontRef idx="minor">
+            <a:schemeClr val="tx1"/>
+          </a:fontRef>
+        </p:style>
+      </p:cxnSp>
+      <p:sp>
+        <p:nvSpPr>
+          <p:cNvPr id="288" name="Прямоугольник 287"/>
           <p:cNvSpPr/>
           <p:nvPr/>
         </p:nvSpPr>
         <p:spPr>
           <a:xfrm>
-            <a:off x="24722280" y="11056041"/>
+            <a:off x="25282451" y="13359821"/>
             <a:ext cx="926325" cy="540000"/>
           </a:xfrm>
           <a:prstGeom prst="rect">
@@ -8942,291 +9896,37 @@
             <a:pPr algn="ctr"/>
             <a:r>
               <a:rPr lang="ru-RU" sz="700" dirty="0" smtClean="0"/>
-              <a:t>Антиреволюционный союз (наше + «вражда с левым блоком»)</a:t>
-            </a:r>
-          </a:p>
-        </p:txBody>
-      </p:sp>
-      <p:cxnSp>
-        <p:nvCxnSpPr>
-          <p:cNvPr id="201" name="Соединительная линия уступом 124"/>
-          <p:cNvCxnSpPr>
-            <a:stCxn id="124" idx="2"/>
-            <a:endCxn id="187" idx="0"/>
-          </p:cNvCxnSpPr>
-          <p:nvPr/>
-        </p:nvCxnSpPr>
-        <p:spPr>
-          <a:xfrm rot="16200000" flipH="1">
-            <a:off x="23974435" y="10928416"/>
-            <a:ext cx="261076" cy="639"/>
-          </a:xfrm>
-          <a:prstGeom prst="bentConnector3">
-            <a:avLst>
-              <a:gd name="adj1" fmla="val 50000"/>
-            </a:avLst>
-          </a:prstGeom>
-          <a:ln w="19050">
-            <a:tailEnd type="arrow"/>
-          </a:ln>
-        </p:spPr>
-        <p:style>
-          <a:lnRef idx="1">
-            <a:schemeClr val="accent1"/>
-          </a:lnRef>
-          <a:fillRef idx="0">
-            <a:schemeClr val="accent1"/>
-          </a:fillRef>
-          <a:effectRef idx="0">
-            <a:schemeClr val="accent1"/>
-          </a:effectRef>
-          <a:fontRef idx="minor">
-            <a:schemeClr val="tx1"/>
-          </a:fontRef>
-        </p:style>
-      </p:cxnSp>
-      <p:cxnSp>
-        <p:nvCxnSpPr>
-          <p:cNvPr id="203" name="Соединительная линия уступом 124"/>
-          <p:cNvCxnSpPr>
-            <a:stCxn id="183" idx="2"/>
-            <a:endCxn id="190" idx="0"/>
-          </p:cNvCxnSpPr>
-          <p:nvPr/>
-        </p:nvCxnSpPr>
-        <p:spPr>
-          <a:xfrm rot="16200000" flipH="1">
-            <a:off x="21397302" y="10395209"/>
-            <a:ext cx="257806" cy="1056675"/>
-          </a:xfrm>
-          <a:prstGeom prst="bentConnector3">
-            <a:avLst>
-              <a:gd name="adj1" fmla="val 50000"/>
-            </a:avLst>
-          </a:prstGeom>
-          <a:ln w="19050">
-            <a:prstDash val="dash"/>
-            <a:tailEnd type="arrow"/>
-          </a:ln>
-        </p:spPr>
-        <p:style>
-          <a:lnRef idx="1">
-            <a:schemeClr val="accent1"/>
-          </a:lnRef>
-          <a:fillRef idx="0">
-            <a:schemeClr val="accent1"/>
-          </a:fillRef>
-          <a:effectRef idx="0">
-            <a:schemeClr val="accent1"/>
-          </a:effectRef>
-          <a:fontRef idx="minor">
-            <a:schemeClr val="tx1"/>
-          </a:fontRef>
-        </p:style>
-      </p:cxnSp>
-      <p:cxnSp>
-        <p:nvCxnSpPr>
-          <p:cNvPr id="204" name="Соединительная линия уступом 124"/>
-          <p:cNvCxnSpPr>
-            <a:stCxn id="83" idx="2"/>
-            <a:endCxn id="190" idx="0"/>
-          </p:cNvCxnSpPr>
-          <p:nvPr/>
-        </p:nvCxnSpPr>
-        <p:spPr>
-          <a:xfrm rot="5400000">
-            <a:off x="22456527" y="10392660"/>
-            <a:ext cx="257806" cy="1061774"/>
-          </a:xfrm>
-          <a:prstGeom prst="bentConnector3">
-            <a:avLst>
-              <a:gd name="adj1" fmla="val 50000"/>
-            </a:avLst>
-          </a:prstGeom>
-          <a:ln w="19050">
-            <a:prstDash val="dash"/>
-            <a:tailEnd type="arrow"/>
-          </a:ln>
-        </p:spPr>
-        <p:style>
-          <a:lnRef idx="1">
-            <a:schemeClr val="accent1"/>
-          </a:lnRef>
-          <a:fillRef idx="0">
-            <a:schemeClr val="accent1"/>
-          </a:fillRef>
-          <a:effectRef idx="0">
-            <a:schemeClr val="accent1"/>
-          </a:effectRef>
-          <a:fontRef idx="minor">
-            <a:schemeClr val="tx1"/>
-          </a:fontRef>
-        </p:style>
-      </p:cxnSp>
-      <p:cxnSp>
-        <p:nvCxnSpPr>
-          <p:cNvPr id="206" name="Соединительная линия уступом 124"/>
-          <p:cNvCxnSpPr>
-            <a:stCxn id="83" idx="2"/>
-            <a:endCxn id="191" idx="0"/>
-          </p:cNvCxnSpPr>
-          <p:nvPr/>
-        </p:nvCxnSpPr>
-        <p:spPr>
-          <a:xfrm rot="16200000" flipH="1">
-            <a:off x="24020182" y="9890779"/>
-            <a:ext cx="261397" cy="2069126"/>
-          </a:xfrm>
-          <a:prstGeom prst="bentConnector3">
-            <a:avLst>
-              <a:gd name="adj1" fmla="val 50000"/>
-            </a:avLst>
-          </a:prstGeom>
-          <a:ln w="19050">
-            <a:prstDash val="dash"/>
-            <a:tailEnd type="arrow"/>
-          </a:ln>
-        </p:spPr>
-        <p:style>
-          <a:lnRef idx="1">
-            <a:schemeClr val="accent1"/>
-          </a:lnRef>
-          <a:fillRef idx="0">
-            <a:schemeClr val="accent1"/>
-          </a:fillRef>
-          <a:effectRef idx="0">
-            <a:schemeClr val="accent1"/>
-          </a:effectRef>
-          <a:fontRef idx="minor">
-            <a:schemeClr val="tx1"/>
-          </a:fontRef>
-        </p:style>
-      </p:cxnSp>
-      <p:cxnSp>
-        <p:nvCxnSpPr>
-          <p:cNvPr id="212" name="Прямая соединительная линия 211"/>
-          <p:cNvCxnSpPr>
-            <a:stCxn id="187" idx="1"/>
-            <a:endCxn id="190" idx="3"/>
-          </p:cNvCxnSpPr>
-          <p:nvPr/>
-        </p:nvCxnSpPr>
-        <p:spPr>
-          <a:xfrm flipH="1" flipV="1">
-            <a:off x="22517705" y="11322450"/>
-            <a:ext cx="1124425" cy="6824"/>
-          </a:xfrm>
-          <a:prstGeom prst="line">
-            <a:avLst/>
-          </a:prstGeom>
-          <a:ln w="19050">
-            <a:solidFill>
-              <a:srgbClr val="FF0000"/>
-            </a:solidFill>
-          </a:ln>
-        </p:spPr>
-        <p:style>
-          <a:lnRef idx="1">
-            <a:schemeClr val="accent1"/>
-          </a:lnRef>
-          <a:fillRef idx="0">
-            <a:schemeClr val="accent1"/>
-          </a:fillRef>
-          <a:effectRef idx="0">
-            <a:schemeClr val="accent1"/>
-          </a:effectRef>
-          <a:fontRef idx="minor">
-            <a:schemeClr val="tx1"/>
-          </a:fontRef>
-        </p:style>
-      </p:cxnSp>
-      <p:cxnSp>
-        <p:nvCxnSpPr>
-          <p:cNvPr id="218" name="Соединительная линия уступом 217"/>
-          <p:cNvCxnSpPr>
-            <a:stCxn id="109" idx="2"/>
-            <a:endCxn id="154" idx="0"/>
-          </p:cNvCxnSpPr>
-          <p:nvPr/>
-        </p:nvCxnSpPr>
-        <p:spPr>
-          <a:xfrm rot="5400000">
-            <a:off x="25088853" y="8291623"/>
-            <a:ext cx="239154" cy="2180455"/>
-          </a:xfrm>
-          <a:prstGeom prst="bentConnector3">
-            <a:avLst>
-              <a:gd name="adj1" fmla="val 50000"/>
-            </a:avLst>
-          </a:prstGeom>
-          <a:ln w="19050">
-            <a:prstDash val="dash"/>
-            <a:tailEnd type="arrow"/>
-          </a:ln>
-        </p:spPr>
-        <p:style>
-          <a:lnRef idx="1">
-            <a:schemeClr val="accent1"/>
-          </a:lnRef>
-          <a:fillRef idx="0">
-            <a:schemeClr val="accent1"/>
-          </a:fillRef>
-          <a:effectRef idx="0">
-            <a:schemeClr val="accent1"/>
-          </a:effectRef>
-          <a:fontRef idx="minor">
-            <a:schemeClr val="tx1"/>
-          </a:fontRef>
-        </p:style>
-      </p:cxnSp>
-      <p:cxnSp>
-        <p:nvCxnSpPr>
-          <p:cNvPr id="221" name="Соединительная линия уступом 220"/>
-          <p:cNvCxnSpPr>
-            <a:stCxn id="110" idx="2"/>
-            <a:endCxn id="154" idx="0"/>
-          </p:cNvCxnSpPr>
-          <p:nvPr/>
-        </p:nvCxnSpPr>
-        <p:spPr>
-          <a:xfrm rot="5400000">
-            <a:off x="26212398" y="7168077"/>
-            <a:ext cx="239154" cy="4427546"/>
-          </a:xfrm>
-          <a:prstGeom prst="bentConnector3">
-            <a:avLst>
-              <a:gd name="adj1" fmla="val 50000"/>
-            </a:avLst>
-          </a:prstGeom>
-          <a:ln w="19050">
-            <a:prstDash val="dash"/>
-            <a:tailEnd type="arrow"/>
-          </a:ln>
-        </p:spPr>
-        <p:style>
-          <a:lnRef idx="1">
-            <a:schemeClr val="accent1"/>
-          </a:lnRef>
-          <a:fillRef idx="0">
-            <a:schemeClr val="accent1"/>
-          </a:fillRef>
-          <a:effectRef idx="0">
-            <a:schemeClr val="accent1"/>
-          </a:effectRef>
-          <a:fontRef idx="minor">
-            <a:schemeClr val="tx1"/>
-          </a:fontRef>
-        </p:style>
-      </p:cxnSp>
-      <p:sp>
-        <p:nvSpPr>
-          <p:cNvPr id="230" name="Прямоугольник 229"/>
+              <a:t>Основать академию </a:t>
+            </a:r>
+            <a:r>
+              <a:rPr lang="ru-RU" sz="700" dirty="0" err="1" smtClean="0"/>
+              <a:t>Васкеса</a:t>
+            </a:r>
+            <a:r>
+              <a:rPr lang="ru-RU" sz="700" dirty="0" smtClean="0"/>
+              <a:t> де </a:t>
+            </a:r>
+            <a:r>
+              <a:rPr lang="ru-RU" sz="700" dirty="0" err="1" smtClean="0"/>
+              <a:t>Меллы</a:t>
+            </a:r>
+            <a:r>
+              <a:rPr lang="ru-RU" sz="700" dirty="0" smtClean="0"/>
+              <a:t>(ваниль)</a:t>
+            </a:r>
+            <a:endParaRPr lang="ru-RU" sz="700" dirty="0"/>
+          </a:p>
+        </p:txBody>
+      </p:sp>
+      <p:sp>
+        <p:nvSpPr>
+          <p:cNvPr id="295" name="Прямоугольник 294"/>
           <p:cNvSpPr/>
           <p:nvPr/>
         </p:nvSpPr>
         <p:spPr>
           <a:xfrm>
-            <a:off x="25842315" y="9514541"/>
+            <a:off x="21601939" y="8729299"/>
             <a:ext cx="926325" cy="540000"/>
           </a:xfrm>
           <a:prstGeom prst="rect">
@@ -9235,629 +9935,13 @@
           <a:solidFill>
             <a:srgbClr val="7030A0"/>
           </a:solidFill>
-          <a:ln w="19050"/>
-        </p:spPr>
-        <p:style>
-          <a:lnRef idx="2">
-            <a:schemeClr val="accent1"/>
-          </a:lnRef>
-          <a:fillRef idx="1">
-            <a:schemeClr val="lt1"/>
-          </a:fillRef>
-          <a:effectRef idx="0">
-            <a:schemeClr val="accent1"/>
-          </a:effectRef>
-          <a:fontRef idx="minor">
-            <a:schemeClr val="dk1"/>
-          </a:fontRef>
-        </p:style>
-        <p:txBody>
-          <a:bodyPr lIns="124733" tIns="62367" rIns="124733" bIns="62367" rtlCol="0" anchor="ctr"/>
-          <a:lstStyle/>
-          <a:p>
-            <a:pPr algn="ctr"/>
-            <a:r>
-              <a:rPr lang="ru-RU" sz="700" dirty="0" smtClean="0"/>
-              <a:t>Забрать трон у </a:t>
-            </a:r>
-            <a:r>
-              <a:rPr lang="ru-RU" sz="700" dirty="0" err="1" smtClean="0"/>
-              <a:t>Виндзоров</a:t>
-            </a:r>
-            <a:r>
-              <a:rPr lang="ru-RU" sz="700" dirty="0" smtClean="0"/>
-              <a:t> (мать Хуана внучка королевы Виктории)</a:t>
-            </a:r>
-            <a:endParaRPr lang="ru-RU" sz="700" dirty="0"/>
-          </a:p>
-        </p:txBody>
-      </p:sp>
-      <p:cxnSp>
-        <p:nvCxnSpPr>
-          <p:cNvPr id="231" name="Прямая со стрелкой 230"/>
-          <p:cNvCxnSpPr>
-            <a:stCxn id="145" idx="2"/>
-            <a:endCxn id="148" idx="0"/>
-          </p:cNvCxnSpPr>
-          <p:nvPr/>
-        </p:nvCxnSpPr>
-        <p:spPr>
-          <a:xfrm>
-            <a:off x="25182342" y="10048610"/>
-            <a:ext cx="1" cy="206034"/>
-          </a:xfrm>
-          <a:prstGeom prst="straightConnector1">
-            <a:avLst/>
-          </a:prstGeom>
-          <a:ln w="19050">
-            <a:tailEnd type="arrow"/>
-          </a:ln>
-        </p:spPr>
-        <p:style>
-          <a:lnRef idx="1">
-            <a:schemeClr val="accent1"/>
-          </a:lnRef>
-          <a:fillRef idx="0">
-            <a:schemeClr val="accent1"/>
-          </a:fillRef>
-          <a:effectRef idx="0">
-            <a:schemeClr val="accent1"/>
-          </a:effectRef>
-          <a:fontRef idx="minor">
-            <a:schemeClr val="tx1"/>
-          </a:fontRef>
-        </p:style>
-      </p:cxnSp>
-      <p:cxnSp>
-        <p:nvCxnSpPr>
-          <p:cNvPr id="234" name="Прямая со стрелкой 233"/>
-          <p:cNvCxnSpPr>
-            <a:stCxn id="138" idx="2"/>
-            <a:endCxn id="147" idx="0"/>
-          </p:cNvCxnSpPr>
-          <p:nvPr/>
-        </p:nvCxnSpPr>
-        <p:spPr>
-          <a:xfrm>
-            <a:off x="27422611" y="10047777"/>
-            <a:ext cx="3" cy="206867"/>
-          </a:xfrm>
-          <a:prstGeom prst="straightConnector1">
-            <a:avLst/>
-          </a:prstGeom>
-          <a:ln w="19050">
-            <a:tailEnd type="arrow"/>
-          </a:ln>
-        </p:spPr>
-        <p:style>
-          <a:lnRef idx="1">
-            <a:schemeClr val="accent1"/>
-          </a:lnRef>
-          <a:fillRef idx="0">
-            <a:schemeClr val="accent1"/>
-          </a:fillRef>
-          <a:effectRef idx="0">
-            <a:schemeClr val="accent1"/>
-          </a:effectRef>
-          <a:fontRef idx="minor">
-            <a:schemeClr val="tx1"/>
-          </a:fontRef>
-        </p:style>
-      </p:cxnSp>
-      <p:cxnSp>
-        <p:nvCxnSpPr>
-          <p:cNvPr id="237" name="Прямая со стрелкой 236"/>
-          <p:cNvCxnSpPr>
-            <a:stCxn id="109" idx="2"/>
-            <a:endCxn id="230" idx="0"/>
-          </p:cNvCxnSpPr>
-          <p:nvPr/>
-        </p:nvCxnSpPr>
-        <p:spPr>
-          <a:xfrm>
-            <a:off x="26298657" y="9262273"/>
-            <a:ext cx="6821" cy="252268"/>
-          </a:xfrm>
-          <a:prstGeom prst="straightConnector1">
-            <a:avLst/>
-          </a:prstGeom>
-          <a:ln w="19050">
-            <a:tailEnd type="arrow"/>
-          </a:ln>
-        </p:spPr>
-        <p:style>
-          <a:lnRef idx="1">
-            <a:schemeClr val="accent1"/>
-          </a:lnRef>
-          <a:fillRef idx="0">
-            <a:schemeClr val="accent1"/>
-          </a:fillRef>
-          <a:effectRef idx="0">
-            <a:schemeClr val="accent1"/>
-          </a:effectRef>
-          <a:fontRef idx="minor">
-            <a:schemeClr val="tx1"/>
-          </a:fontRef>
-        </p:style>
-      </p:cxnSp>
-      <p:cxnSp>
-        <p:nvCxnSpPr>
-          <p:cNvPr id="248" name="Соединительная линия уступом 124"/>
-          <p:cNvCxnSpPr>
-            <a:stCxn id="183" idx="2"/>
-            <a:endCxn id="191" idx="0"/>
-          </p:cNvCxnSpPr>
-          <p:nvPr/>
-        </p:nvCxnSpPr>
-        <p:spPr>
-          <a:xfrm rot="16200000" flipH="1">
-            <a:off x="22960957" y="8831554"/>
-            <a:ext cx="261397" cy="4187575"/>
-          </a:xfrm>
-          <a:prstGeom prst="bentConnector3">
-            <a:avLst>
-              <a:gd name="adj1" fmla="val 50000"/>
-            </a:avLst>
-          </a:prstGeom>
-          <a:ln w="19050">
-            <a:prstDash val="dash"/>
-            <a:tailEnd type="arrow"/>
-          </a:ln>
-        </p:spPr>
-        <p:style>
-          <a:lnRef idx="1">
-            <a:schemeClr val="accent1"/>
-          </a:lnRef>
-          <a:fillRef idx="0">
-            <a:schemeClr val="accent1"/>
-          </a:fillRef>
-          <a:effectRef idx="0">
-            <a:schemeClr val="accent1"/>
-          </a:effectRef>
-          <a:fontRef idx="minor">
-            <a:schemeClr val="tx1"/>
-          </a:fontRef>
-        </p:style>
-      </p:cxnSp>
-      <p:cxnSp>
-        <p:nvCxnSpPr>
-          <p:cNvPr id="251" name="Соединительная линия уступом 124"/>
-          <p:cNvCxnSpPr>
-            <a:stCxn id="142" idx="2"/>
-            <a:endCxn id="191" idx="0"/>
-          </p:cNvCxnSpPr>
-          <p:nvPr/>
-        </p:nvCxnSpPr>
-        <p:spPr>
-          <a:xfrm rot="5400000">
-            <a:off x="25611352" y="10368736"/>
-            <a:ext cx="261397" cy="1113213"/>
-          </a:xfrm>
-          <a:prstGeom prst="bentConnector3">
-            <a:avLst>
-              <a:gd name="adj1" fmla="val 50000"/>
-            </a:avLst>
-          </a:prstGeom>
-          <a:ln w="19050">
-            <a:prstDash val="dash"/>
-            <a:tailEnd type="arrow"/>
-          </a:ln>
-        </p:spPr>
-        <p:style>
-          <a:lnRef idx="1">
-            <a:schemeClr val="accent1"/>
-          </a:lnRef>
-          <a:fillRef idx="0">
-            <a:schemeClr val="accent1"/>
-          </a:fillRef>
-          <a:effectRef idx="0">
-            <a:schemeClr val="accent1"/>
-          </a:effectRef>
-          <a:fontRef idx="minor">
-            <a:schemeClr val="tx1"/>
-          </a:fontRef>
-        </p:style>
-      </p:cxnSp>
-      <p:cxnSp>
-        <p:nvCxnSpPr>
-          <p:cNvPr id="254" name="Соединительная линия уступом 124"/>
-          <p:cNvCxnSpPr>
-            <a:stCxn id="179" idx="2"/>
-            <a:endCxn id="191" idx="0"/>
-          </p:cNvCxnSpPr>
-          <p:nvPr/>
-        </p:nvCxnSpPr>
-        <p:spPr>
-          <a:xfrm rot="5400000">
-            <a:off x="26734898" y="9245189"/>
-            <a:ext cx="261397" cy="3360306"/>
-          </a:xfrm>
-          <a:prstGeom prst="bentConnector3">
-            <a:avLst>
-              <a:gd name="adj1" fmla="val 50000"/>
-            </a:avLst>
-          </a:prstGeom>
-          <a:ln w="19050">
-            <a:prstDash val="dash"/>
-            <a:tailEnd type="arrow"/>
-          </a:ln>
-        </p:spPr>
-        <p:style>
-          <a:lnRef idx="1">
-            <a:schemeClr val="accent1"/>
-          </a:lnRef>
-          <a:fillRef idx="0">
-            <a:schemeClr val="accent1"/>
-          </a:fillRef>
-          <a:effectRef idx="0">
-            <a:schemeClr val="accent1"/>
-          </a:effectRef>
-          <a:fontRef idx="minor">
-            <a:schemeClr val="tx1"/>
-          </a:fontRef>
-        </p:style>
-      </p:cxnSp>
-      <p:cxnSp>
-        <p:nvCxnSpPr>
-          <p:cNvPr id="257" name="Прямая соединительная линия 256"/>
-          <p:cNvCxnSpPr>
-            <a:stCxn id="191" idx="1"/>
-            <a:endCxn id="187" idx="3"/>
-          </p:cNvCxnSpPr>
-          <p:nvPr/>
-        </p:nvCxnSpPr>
-        <p:spPr>
-          <a:xfrm flipH="1">
-            <a:off x="24568455" y="11326041"/>
-            <a:ext cx="153825" cy="3233"/>
-          </a:xfrm>
-          <a:prstGeom prst="line">
-            <a:avLst/>
-          </a:prstGeom>
           <a:ln w="19050">
             <a:solidFill>
-              <a:srgbClr val="FF0000"/>
+              <a:schemeClr val="accent4">
+                <a:lumMod val="75000"/>
+              </a:schemeClr>
             </a:solidFill>
           </a:ln>
-        </p:spPr>
-        <p:style>
-          <a:lnRef idx="1">
-            <a:schemeClr val="accent1"/>
-          </a:lnRef>
-          <a:fillRef idx="0">
-            <a:schemeClr val="accent1"/>
-          </a:fillRef>
-          <a:effectRef idx="0">
-            <a:schemeClr val="accent1"/>
-          </a:effectRef>
-          <a:fontRef idx="minor">
-            <a:schemeClr val="tx1"/>
-          </a:fontRef>
-        </p:style>
-      </p:cxnSp>
-      <p:cxnSp>
-        <p:nvCxnSpPr>
-          <p:cNvPr id="262" name="Прямая соединительная линия 261"/>
-          <p:cNvCxnSpPr>
-            <a:stCxn id="350" idx="1"/>
-            <a:endCxn id="191" idx="3"/>
-          </p:cNvCxnSpPr>
-          <p:nvPr/>
-        </p:nvCxnSpPr>
-        <p:spPr>
-          <a:xfrm flipH="1">
-            <a:off x="25648605" y="11315327"/>
-            <a:ext cx="1316505" cy="10714"/>
-          </a:xfrm>
-          <a:prstGeom prst="line">
-            <a:avLst/>
-          </a:prstGeom>
-          <a:ln w="19050">
-            <a:solidFill>
-              <a:srgbClr val="FF0000"/>
-            </a:solidFill>
-          </a:ln>
-        </p:spPr>
-        <p:style>
-          <a:lnRef idx="1">
-            <a:schemeClr val="accent1"/>
-          </a:lnRef>
-          <a:fillRef idx="0">
-            <a:schemeClr val="accent1"/>
-          </a:fillRef>
-          <a:effectRef idx="0">
-            <a:schemeClr val="accent1"/>
-          </a:effectRef>
-          <a:fontRef idx="minor">
-            <a:schemeClr val="tx1"/>
-          </a:fontRef>
-        </p:style>
-      </p:cxnSp>
-      <p:cxnSp>
-        <p:nvCxnSpPr>
-          <p:cNvPr id="265" name="Соединительная линия уступом 264"/>
-          <p:cNvCxnSpPr>
-            <a:stCxn id="142" idx="2"/>
-            <a:endCxn id="190" idx="0"/>
-          </p:cNvCxnSpPr>
-          <p:nvPr/>
-        </p:nvCxnSpPr>
-        <p:spPr>
-          <a:xfrm rot="5400000">
-            <a:off x="24047697" y="8801491"/>
-            <a:ext cx="257806" cy="4244113"/>
-          </a:xfrm>
-          <a:prstGeom prst="bentConnector3">
-            <a:avLst>
-              <a:gd name="adj1" fmla="val 50000"/>
-            </a:avLst>
-          </a:prstGeom>
-          <a:ln w="19050">
-            <a:tailEnd type="arrow"/>
-          </a:ln>
-        </p:spPr>
-        <p:style>
-          <a:lnRef idx="1">
-            <a:schemeClr val="accent1"/>
-          </a:lnRef>
-          <a:fillRef idx="0">
-            <a:schemeClr val="accent1"/>
-          </a:fillRef>
-          <a:effectRef idx="0">
-            <a:schemeClr val="accent1"/>
-          </a:effectRef>
-          <a:fontRef idx="minor">
-            <a:schemeClr val="tx1"/>
-          </a:fontRef>
-        </p:style>
-      </p:cxnSp>
-      <p:sp>
-        <p:nvSpPr>
-          <p:cNvPr id="280" name="Прямоугольник 279"/>
-          <p:cNvSpPr/>
-          <p:nvPr/>
-        </p:nvSpPr>
-        <p:spPr>
-          <a:xfrm>
-            <a:off x="22117806" y="12575301"/>
-            <a:ext cx="926325" cy="540000"/>
-          </a:xfrm>
-          <a:prstGeom prst="rect">
-            <a:avLst/>
-          </a:prstGeom>
-          <a:solidFill>
-            <a:srgbClr val="7030A0"/>
-          </a:solidFill>
-          <a:ln w="19050"/>
-        </p:spPr>
-        <p:style>
-          <a:lnRef idx="2">
-            <a:schemeClr val="accent1"/>
-          </a:lnRef>
-          <a:fillRef idx="1">
-            <a:schemeClr val="lt1"/>
-          </a:fillRef>
-          <a:effectRef idx="0">
-            <a:schemeClr val="accent1"/>
-          </a:effectRef>
-          <a:fontRef idx="minor">
-            <a:schemeClr val="dk1"/>
-          </a:fontRef>
-        </p:style>
-        <p:txBody>
-          <a:bodyPr lIns="124733" tIns="62367" rIns="124733" bIns="62367" rtlCol="0" anchor="ctr"/>
-          <a:lstStyle/>
-          <a:p>
-            <a:pPr algn="ctr"/>
-            <a:r>
-              <a:rPr lang="ru-RU" sz="700" dirty="0"/>
-              <a:t>Пулемёт и католический молитвенник</a:t>
-            </a:r>
-          </a:p>
-        </p:txBody>
-      </p:sp>
-      <p:sp>
-        <p:nvSpPr>
-          <p:cNvPr id="281" name="Прямоугольник 280"/>
-          <p:cNvSpPr/>
-          <p:nvPr/>
-        </p:nvSpPr>
-        <p:spPr>
-          <a:xfrm>
-            <a:off x="26305477" y="12575301"/>
-            <a:ext cx="926325" cy="540000"/>
-          </a:xfrm>
-          <a:prstGeom prst="rect">
-            <a:avLst/>
-          </a:prstGeom>
-          <a:solidFill>
-            <a:srgbClr val="7030A0"/>
-          </a:solidFill>
-          <a:ln w="19050"/>
-        </p:spPr>
-        <p:style>
-          <a:lnRef idx="2">
-            <a:schemeClr val="accent1"/>
-          </a:lnRef>
-          <a:fillRef idx="1">
-            <a:schemeClr val="lt1"/>
-          </a:fillRef>
-          <a:effectRef idx="0">
-            <a:schemeClr val="accent1"/>
-          </a:effectRef>
-          <a:fontRef idx="minor">
-            <a:schemeClr val="dk1"/>
-          </a:fontRef>
-        </p:style>
-        <p:txBody>
-          <a:bodyPr lIns="124733" tIns="62367" rIns="124733" bIns="62367" rtlCol="0" anchor="ctr"/>
-          <a:lstStyle/>
-          <a:p>
-            <a:pPr algn="ctr"/>
-            <a:r>
-              <a:rPr lang="ru-RU" sz="700" dirty="0" smtClean="0"/>
-              <a:t>Возродить империю (ванильное «восстановить империю»)</a:t>
-            </a:r>
-            <a:endParaRPr lang="ru-RU" sz="700" dirty="0"/>
-          </a:p>
-        </p:txBody>
-      </p:sp>
-      <p:cxnSp>
-        <p:nvCxnSpPr>
-          <p:cNvPr id="282" name="Соединительная линия уступом 124"/>
-          <p:cNvCxnSpPr>
-            <a:stCxn id="170" idx="2"/>
-            <a:endCxn id="281" idx="0"/>
-          </p:cNvCxnSpPr>
-          <p:nvPr/>
-        </p:nvCxnSpPr>
-        <p:spPr>
-          <a:xfrm rot="16200000" flipH="1">
-            <a:off x="25575717" y="11382378"/>
-            <a:ext cx="260574" cy="2125271"/>
-          </a:xfrm>
-          <a:prstGeom prst="bentConnector3">
-            <a:avLst>
-              <a:gd name="adj1" fmla="val 50000"/>
-            </a:avLst>
-          </a:prstGeom>
-          <a:ln w="19050">
-            <a:tailEnd type="arrow"/>
-          </a:ln>
-        </p:spPr>
-        <p:style>
-          <a:lnRef idx="1">
-            <a:schemeClr val="accent1"/>
-          </a:lnRef>
-          <a:fillRef idx="0">
-            <a:schemeClr val="accent1"/>
-          </a:fillRef>
-          <a:effectRef idx="0">
-            <a:schemeClr val="accent1"/>
-          </a:effectRef>
-          <a:fontRef idx="minor">
-            <a:schemeClr val="tx1"/>
-          </a:fontRef>
-        </p:style>
-      </p:cxnSp>
-      <p:cxnSp>
-        <p:nvCxnSpPr>
-          <p:cNvPr id="285" name="Соединительная линия уступом 124"/>
-          <p:cNvCxnSpPr>
-            <a:stCxn id="170" idx="2"/>
-            <a:endCxn id="280" idx="0"/>
-          </p:cNvCxnSpPr>
-          <p:nvPr/>
-        </p:nvCxnSpPr>
-        <p:spPr>
-          <a:xfrm rot="5400000">
-            <a:off x="23481882" y="11413814"/>
-            <a:ext cx="260574" cy="2062400"/>
-          </a:xfrm>
-          <a:prstGeom prst="bentConnector3">
-            <a:avLst>
-              <a:gd name="adj1" fmla="val 50000"/>
-            </a:avLst>
-          </a:prstGeom>
-          <a:ln w="19050">
-            <a:tailEnd type="arrow"/>
-          </a:ln>
-        </p:spPr>
-        <p:style>
-          <a:lnRef idx="1">
-            <a:schemeClr val="accent1"/>
-          </a:lnRef>
-          <a:fillRef idx="0">
-            <a:schemeClr val="accent1"/>
-          </a:fillRef>
-          <a:effectRef idx="0">
-            <a:schemeClr val="accent1"/>
-          </a:effectRef>
-          <a:fontRef idx="minor">
-            <a:schemeClr val="tx1"/>
-          </a:fontRef>
-        </p:style>
-      </p:cxnSp>
-      <p:sp>
-        <p:nvSpPr>
-          <p:cNvPr id="288" name="Прямоугольник 287"/>
-          <p:cNvSpPr/>
-          <p:nvPr/>
-        </p:nvSpPr>
-        <p:spPr>
-          <a:xfrm>
-            <a:off x="25282451" y="13359821"/>
-            <a:ext cx="926325" cy="540000"/>
-          </a:xfrm>
-          <a:prstGeom prst="rect">
-            <a:avLst/>
-          </a:prstGeom>
-          <a:solidFill>
-            <a:srgbClr val="7030A0"/>
-          </a:solidFill>
-          <a:ln w="19050"/>
-        </p:spPr>
-        <p:style>
-          <a:lnRef idx="2">
-            <a:schemeClr val="accent1"/>
-          </a:lnRef>
-          <a:fillRef idx="1">
-            <a:schemeClr val="lt1"/>
-          </a:fillRef>
-          <a:effectRef idx="0">
-            <a:schemeClr val="accent1"/>
-          </a:effectRef>
-          <a:fontRef idx="minor">
-            <a:schemeClr val="dk1"/>
-          </a:fontRef>
-        </p:style>
-        <p:txBody>
-          <a:bodyPr lIns="124733" tIns="62367" rIns="124733" bIns="62367" rtlCol="0" anchor="ctr"/>
-          <a:lstStyle/>
-          <a:p>
-            <a:pPr algn="ctr"/>
-            <a:r>
-              <a:rPr lang="ru-RU" sz="700" dirty="0" smtClean="0"/>
-              <a:t>Основать академию </a:t>
-            </a:r>
-            <a:r>
-              <a:rPr lang="ru-RU" sz="700" dirty="0" err="1" smtClean="0"/>
-              <a:t>Васкеса</a:t>
-            </a:r>
-            <a:r>
-              <a:rPr lang="ru-RU" sz="700" dirty="0" smtClean="0"/>
-              <a:t> де </a:t>
-            </a:r>
-            <a:r>
-              <a:rPr lang="ru-RU" sz="700" dirty="0" err="1" smtClean="0"/>
-              <a:t>Меллы</a:t>
-            </a:r>
-            <a:r>
-              <a:rPr lang="ru-RU" sz="700" dirty="0" smtClean="0"/>
-              <a:t>(ваниль)</a:t>
-            </a:r>
-            <a:endParaRPr lang="ru-RU" sz="700" dirty="0"/>
-          </a:p>
-        </p:txBody>
-      </p:sp>
-      <p:sp>
-        <p:nvSpPr>
-          <p:cNvPr id="295" name="Прямоугольник 294"/>
-          <p:cNvSpPr/>
-          <p:nvPr/>
-        </p:nvSpPr>
-        <p:spPr>
-          <a:xfrm>
-            <a:off x="21601939" y="8729299"/>
-            <a:ext cx="926325" cy="540000"/>
-          </a:xfrm>
-          <a:prstGeom prst="rect">
-            <a:avLst/>
-          </a:prstGeom>
-          <a:solidFill>
-            <a:srgbClr val="7030A0"/>
-          </a:solidFill>
-          <a:ln w="19050"/>
         </p:spPr>
         <p:style>
           <a:lnRef idx="2">
@@ -10135,7 +10219,7 @@
         </p:nvSpPr>
         <p:spPr>
           <a:xfrm>
-            <a:off x="24183951" y="13356808"/>
+            <a:off x="24182538" y="12585502"/>
             <a:ext cx="926325" cy="540000"/>
           </a:xfrm>
           <a:prstGeom prst="rect">
@@ -10193,7 +10277,7 @@
         <p:spPr>
           <a:xfrm>
             <a:off x="24643369" y="12314727"/>
-            <a:ext cx="3745" cy="1042081"/>
+            <a:ext cx="2332" cy="270775"/>
           </a:xfrm>
           <a:prstGeom prst="straightConnector1">
             <a:avLst/>
@@ -10355,7 +10439,7 @@
         </p:nvSpPr>
         <p:spPr>
           <a:xfrm>
-            <a:off x="24190047" y="14906412"/>
+            <a:off x="24181810" y="14135106"/>
             <a:ext cx="926325" cy="540000"/>
           </a:xfrm>
           <a:prstGeom prst="rect">
@@ -10403,9 +10487,9 @@
           <p:nvPr/>
         </p:nvCxnSpPr>
         <p:spPr>
-          <a:xfrm>
-            <a:off x="24647114" y="13896808"/>
-            <a:ext cx="6096" cy="234192"/>
+          <a:xfrm flipH="1">
+            <a:off x="24644973" y="13125502"/>
+            <a:ext cx="728" cy="234192"/>
           </a:xfrm>
           <a:prstGeom prst="straightConnector1">
             <a:avLst/>
@@ -10689,7 +10773,7 @@
         </p:nvSpPr>
         <p:spPr>
           <a:xfrm>
-            <a:off x="24190047" y="14131000"/>
+            <a:off x="24181810" y="13359694"/>
             <a:ext cx="926325" cy="540000"/>
           </a:xfrm>
           <a:prstGeom prst="rect">
@@ -10738,7 +10822,7 @@
         </p:nvCxnSpPr>
         <p:spPr>
           <a:xfrm>
-            <a:off x="24653210" y="14671000"/>
+            <a:off x="24644973" y="13899694"/>
             <a:ext cx="0" cy="235412"/>
           </a:xfrm>
           <a:prstGeom prst="straightConnector1">

--- a/Наработки/диздоки/Испания/Испания правые.pptx
+++ b/Наработки/диздоки/Испания/Испания правые.pptx
@@ -209,7 +209,7 @@
             <a:fld id="{33E3D7F9-E251-484C-A6FF-FA958879DF69}" type="datetimeFigureOut">
               <a:rPr lang="ru-RU" smtClean="0"/>
               <a:pPr/>
-              <a:t>27.10.2021</a:t>
+              <a:t>29.10.2021</a:t>
             </a:fld>
             <a:endParaRPr lang="ru-RU"/>
           </a:p>
@@ -700,7 +700,7 @@
             <a:fld id="{85A5DE44-605B-4D3B-B2B7-94543DF81A36}" type="datetimeFigureOut">
               <a:rPr lang="ru-RU" smtClean="0"/>
               <a:pPr/>
-              <a:t>27.10.2021</a:t>
+              <a:t>29.10.2021</a:t>
             </a:fld>
             <a:endParaRPr lang="ru-RU"/>
           </a:p>
@@ -872,7 +872,7 @@
             <a:fld id="{85A5DE44-605B-4D3B-B2B7-94543DF81A36}" type="datetimeFigureOut">
               <a:rPr lang="ru-RU" smtClean="0"/>
               <a:pPr/>
-              <a:t>27.10.2021</a:t>
+              <a:t>29.10.2021</a:t>
             </a:fld>
             <a:endParaRPr lang="ru-RU"/>
           </a:p>
@@ -1054,7 +1054,7 @@
             <a:fld id="{85A5DE44-605B-4D3B-B2B7-94543DF81A36}" type="datetimeFigureOut">
               <a:rPr lang="ru-RU" smtClean="0"/>
               <a:pPr/>
-              <a:t>27.10.2021</a:t>
+              <a:t>29.10.2021</a:t>
             </a:fld>
             <a:endParaRPr lang="ru-RU"/>
           </a:p>
@@ -1226,7 +1226,7 @@
             <a:fld id="{85A5DE44-605B-4D3B-B2B7-94543DF81A36}" type="datetimeFigureOut">
               <a:rPr lang="ru-RU" smtClean="0"/>
               <a:pPr/>
-              <a:t>27.10.2021</a:t>
+              <a:t>29.10.2021</a:t>
             </a:fld>
             <a:endParaRPr lang="ru-RU"/>
           </a:p>
@@ -1474,7 +1474,7 @@
             <a:fld id="{85A5DE44-605B-4D3B-B2B7-94543DF81A36}" type="datetimeFigureOut">
               <a:rPr lang="ru-RU" smtClean="0"/>
               <a:pPr/>
-              <a:t>27.10.2021</a:t>
+              <a:t>29.10.2021</a:t>
             </a:fld>
             <a:endParaRPr lang="ru-RU"/>
           </a:p>
@@ -1708,7 +1708,7 @@
             <a:fld id="{85A5DE44-605B-4D3B-B2B7-94543DF81A36}" type="datetimeFigureOut">
               <a:rPr lang="ru-RU" smtClean="0"/>
               <a:pPr/>
-              <a:t>27.10.2021</a:t>
+              <a:t>29.10.2021</a:t>
             </a:fld>
             <a:endParaRPr lang="ru-RU"/>
           </a:p>
@@ -2077,7 +2077,7 @@
             <a:fld id="{85A5DE44-605B-4D3B-B2B7-94543DF81A36}" type="datetimeFigureOut">
               <a:rPr lang="ru-RU" smtClean="0"/>
               <a:pPr/>
-              <a:t>27.10.2021</a:t>
+              <a:t>29.10.2021</a:t>
             </a:fld>
             <a:endParaRPr lang="ru-RU"/>
           </a:p>
@@ -2197,7 +2197,7 @@
             <a:fld id="{85A5DE44-605B-4D3B-B2B7-94543DF81A36}" type="datetimeFigureOut">
               <a:rPr lang="ru-RU" smtClean="0"/>
               <a:pPr/>
-              <a:t>27.10.2021</a:t>
+              <a:t>29.10.2021</a:t>
             </a:fld>
             <a:endParaRPr lang="ru-RU"/>
           </a:p>
@@ -2294,7 +2294,7 @@
             <a:fld id="{85A5DE44-605B-4D3B-B2B7-94543DF81A36}" type="datetimeFigureOut">
               <a:rPr lang="ru-RU" smtClean="0"/>
               <a:pPr/>
-              <a:t>27.10.2021</a:t>
+              <a:t>29.10.2021</a:t>
             </a:fld>
             <a:endParaRPr lang="ru-RU"/>
           </a:p>
@@ -2573,7 +2573,7 @@
             <a:fld id="{85A5DE44-605B-4D3B-B2B7-94543DF81A36}" type="datetimeFigureOut">
               <a:rPr lang="ru-RU" smtClean="0"/>
               <a:pPr/>
-              <a:t>27.10.2021</a:t>
+              <a:t>29.10.2021</a:t>
             </a:fld>
             <a:endParaRPr lang="ru-RU"/>
           </a:p>
@@ -2832,7 +2832,7 @@
             <a:fld id="{85A5DE44-605B-4D3B-B2B7-94543DF81A36}" type="datetimeFigureOut">
               <a:rPr lang="ru-RU" smtClean="0"/>
               <a:pPr/>
-              <a:t>27.10.2021</a:t>
+              <a:t>29.10.2021</a:t>
             </a:fld>
             <a:endParaRPr lang="ru-RU"/>
           </a:p>
@@ -3047,7 +3047,7 @@
             <a:fld id="{85A5DE44-605B-4D3B-B2B7-94543DF81A36}" type="datetimeFigureOut">
               <a:rPr lang="ru-RU" smtClean="0"/>
               <a:pPr/>
-              <a:t>27.10.2021</a:t>
+              <a:t>29.10.2021</a:t>
             </a:fld>
             <a:endParaRPr lang="ru-RU"/>
           </a:p>
@@ -7562,847 +7562,6 @@
           <a:solidFill>
             <a:srgbClr val="7030A0"/>
           </a:solidFill>
-          <a:ln w="19050"/>
-        </p:spPr>
-        <p:style>
-          <a:lnRef idx="2">
-            <a:schemeClr val="accent1"/>
-          </a:lnRef>
-          <a:fillRef idx="1">
-            <a:schemeClr val="lt1"/>
-          </a:fillRef>
-          <a:effectRef idx="0">
-            <a:schemeClr val="accent1"/>
-          </a:effectRef>
-          <a:fontRef idx="minor">
-            <a:schemeClr val="dk1"/>
-          </a:fontRef>
-        </p:style>
-        <p:txBody>
-          <a:bodyPr lIns="124733" tIns="62367" rIns="124733" bIns="62367" rtlCol="0" anchor="ctr"/>
-          <a:lstStyle/>
-          <a:p>
-            <a:pPr algn="ctr"/>
-            <a:r>
-              <a:rPr lang="ru-RU" sz="700" dirty="0" smtClean="0"/>
-              <a:t>Крестовый поход против революции </a:t>
-            </a:r>
-            <a:r>
-              <a:rPr lang="ru-RU" sz="600" dirty="0" smtClean="0"/>
-              <a:t>(ваниль но другие эффекты НД)</a:t>
-            </a:r>
-            <a:endParaRPr lang="ru-RU" sz="600" dirty="0"/>
-          </a:p>
-        </p:txBody>
-      </p:sp>
-      <p:sp>
-        <p:nvSpPr>
-          <p:cNvPr id="178" name="Прямоугольник 177"/>
-          <p:cNvSpPr/>
-          <p:nvPr/>
-        </p:nvSpPr>
-        <p:spPr>
-          <a:xfrm>
-            <a:off x="28082587" y="9508609"/>
-            <a:ext cx="926325" cy="540000"/>
-          </a:xfrm>
-          <a:prstGeom prst="rect">
-            <a:avLst/>
-          </a:prstGeom>
-          <a:solidFill>
-            <a:srgbClr val="7030A0"/>
-          </a:solidFill>
-          <a:ln w="19050"/>
-        </p:spPr>
-        <p:style>
-          <a:lnRef idx="2">
-            <a:schemeClr val="accent1"/>
-          </a:lnRef>
-          <a:fillRef idx="1">
-            <a:schemeClr val="lt1"/>
-          </a:fillRef>
-          <a:effectRef idx="0">
-            <a:schemeClr val="accent1"/>
-          </a:effectRef>
-          <a:fontRef idx="minor">
-            <a:schemeClr val="dk1"/>
-          </a:fontRef>
-        </p:style>
-        <p:txBody>
-          <a:bodyPr lIns="124733" tIns="62367" rIns="124733" bIns="62367" rtlCol="0" anchor="ctr"/>
-          <a:lstStyle/>
-          <a:p>
-            <a:pPr algn="ctr"/>
-            <a:r>
-              <a:rPr lang="ru-RU" sz="700" dirty="0" err="1" smtClean="0"/>
-              <a:t>Неотрадиционализм</a:t>
-            </a:r>
-            <a:endParaRPr lang="ru-RU" sz="700" dirty="0"/>
-          </a:p>
-        </p:txBody>
-      </p:sp>
-      <p:sp>
-        <p:nvSpPr>
-          <p:cNvPr id="179" name="Прямоугольник 178"/>
-          <p:cNvSpPr/>
-          <p:nvPr/>
-        </p:nvSpPr>
-        <p:spPr>
-          <a:xfrm>
-            <a:off x="28082586" y="10254644"/>
-            <a:ext cx="926325" cy="540000"/>
-          </a:xfrm>
-          <a:prstGeom prst="rect">
-            <a:avLst/>
-          </a:prstGeom>
-          <a:solidFill>
-            <a:srgbClr val="7030A0"/>
-          </a:solidFill>
-          <a:ln w="19050"/>
-        </p:spPr>
-        <p:style>
-          <a:lnRef idx="2">
-            <a:schemeClr val="accent1"/>
-          </a:lnRef>
-          <a:fillRef idx="1">
-            <a:schemeClr val="lt1"/>
-          </a:fillRef>
-          <a:effectRef idx="0">
-            <a:schemeClr val="accent1"/>
-          </a:effectRef>
-          <a:fontRef idx="minor">
-            <a:schemeClr val="dk1"/>
-          </a:fontRef>
-        </p:style>
-        <p:txBody>
-          <a:bodyPr lIns="124733" tIns="62367" rIns="124733" bIns="62367" rtlCol="0" anchor="ctr"/>
-          <a:lstStyle/>
-          <a:p>
-            <a:pPr algn="ctr"/>
-            <a:r>
-              <a:rPr lang="ru-RU" sz="700" dirty="0" smtClean="0"/>
-              <a:t>Превознесения национальных ценностей</a:t>
-            </a:r>
-            <a:endParaRPr lang="ru-RU" sz="700" dirty="0"/>
-          </a:p>
-        </p:txBody>
-      </p:sp>
-      <p:sp>
-        <p:nvSpPr>
-          <p:cNvPr id="181" name="Прямоугольник 180"/>
-          <p:cNvSpPr/>
-          <p:nvPr/>
-        </p:nvSpPr>
-        <p:spPr>
-          <a:xfrm>
-            <a:off x="29205723" y="9503006"/>
-            <a:ext cx="926325" cy="540000"/>
-          </a:xfrm>
-          <a:prstGeom prst="rect">
-            <a:avLst/>
-          </a:prstGeom>
-          <a:solidFill>
-            <a:srgbClr val="7030A0"/>
-          </a:solidFill>
-          <a:ln w="19050"/>
-        </p:spPr>
-        <p:style>
-          <a:lnRef idx="2">
-            <a:schemeClr val="accent1"/>
-          </a:lnRef>
-          <a:fillRef idx="1">
-            <a:schemeClr val="lt1"/>
-          </a:fillRef>
-          <a:effectRef idx="0">
-            <a:schemeClr val="accent1"/>
-          </a:effectRef>
-          <a:fontRef idx="minor">
-            <a:schemeClr val="dk1"/>
-          </a:fontRef>
-        </p:style>
-        <p:txBody>
-          <a:bodyPr lIns="124733" tIns="62367" rIns="124733" bIns="62367" rtlCol="0" anchor="ctr"/>
-          <a:lstStyle/>
-          <a:p>
-            <a:pPr algn="ctr"/>
-            <a:r>
-              <a:rPr lang="ru-RU" sz="700" dirty="0" smtClean="0"/>
-              <a:t>Содействие сельскохозяйственной кооперации</a:t>
-            </a:r>
-            <a:endParaRPr lang="ru-RU" sz="700" dirty="0"/>
-          </a:p>
-        </p:txBody>
-      </p:sp>
-      <p:sp>
-        <p:nvSpPr>
-          <p:cNvPr id="193" name="Прямоугольник 192"/>
-          <p:cNvSpPr/>
-          <p:nvPr/>
-        </p:nvSpPr>
-        <p:spPr>
-          <a:xfrm>
-            <a:off x="29205721" y="10254644"/>
-            <a:ext cx="926325" cy="540000"/>
-          </a:xfrm>
-          <a:prstGeom prst="rect">
-            <a:avLst/>
-          </a:prstGeom>
-          <a:solidFill>
-            <a:srgbClr val="7030A0"/>
-          </a:solidFill>
-          <a:ln w="19050"/>
-        </p:spPr>
-        <p:style>
-          <a:lnRef idx="2">
-            <a:schemeClr val="accent1"/>
-          </a:lnRef>
-          <a:fillRef idx="1">
-            <a:schemeClr val="lt1"/>
-          </a:fillRef>
-          <a:effectRef idx="0">
-            <a:schemeClr val="accent1"/>
-          </a:effectRef>
-          <a:fontRef idx="minor">
-            <a:schemeClr val="dk1"/>
-          </a:fontRef>
-        </p:style>
-        <p:txBody>
-          <a:bodyPr lIns="124733" tIns="62367" rIns="124733" bIns="62367" rtlCol="0" anchor="ctr"/>
-          <a:lstStyle/>
-          <a:p>
-            <a:pPr algn="ctr"/>
-            <a:r>
-              <a:rPr lang="ru-RU" sz="700" dirty="0" smtClean="0"/>
-              <a:t>Аграрный национализм</a:t>
-            </a:r>
-            <a:endParaRPr lang="ru-RU" sz="700" dirty="0"/>
-          </a:p>
-        </p:txBody>
-      </p:sp>
-      <p:sp>
-        <p:nvSpPr>
-          <p:cNvPr id="194" name="Прямоугольник 193"/>
-          <p:cNvSpPr/>
-          <p:nvPr/>
-        </p:nvSpPr>
-        <p:spPr>
-          <a:xfrm>
-            <a:off x="30323345" y="10254644"/>
-            <a:ext cx="926325" cy="540000"/>
-          </a:xfrm>
-          <a:prstGeom prst="rect">
-            <a:avLst/>
-          </a:prstGeom>
-          <a:solidFill>
-            <a:srgbClr val="7030A0"/>
-          </a:solidFill>
-          <a:ln w="19050"/>
-        </p:spPr>
-        <p:style>
-          <a:lnRef idx="2">
-            <a:schemeClr val="accent1"/>
-          </a:lnRef>
-          <a:fillRef idx="1">
-            <a:schemeClr val="lt1"/>
-          </a:fillRef>
-          <a:effectRef idx="0">
-            <a:schemeClr val="accent1"/>
-          </a:effectRef>
-          <a:fontRef idx="minor">
-            <a:schemeClr val="dk1"/>
-          </a:fontRef>
-        </p:style>
-        <p:txBody>
-          <a:bodyPr lIns="124733" tIns="62367" rIns="124733" bIns="62367" rtlCol="0" anchor="ctr"/>
-          <a:lstStyle/>
-          <a:p>
-            <a:pPr algn="ctr"/>
-            <a:r>
-              <a:rPr lang="ru-RU" sz="700" dirty="0" smtClean="0"/>
-              <a:t>Национализация служб здравоохранения и социальной помощи</a:t>
-            </a:r>
-            <a:endParaRPr lang="ru-RU" sz="700" dirty="0"/>
-          </a:p>
-        </p:txBody>
-      </p:sp>
-      <p:sp>
-        <p:nvSpPr>
-          <p:cNvPr id="195" name="Прямоугольник 194"/>
-          <p:cNvSpPr/>
-          <p:nvPr/>
-        </p:nvSpPr>
-        <p:spPr>
-          <a:xfrm>
-            <a:off x="29767392" y="11063829"/>
-            <a:ext cx="926325" cy="540000"/>
-          </a:xfrm>
-          <a:prstGeom prst="rect">
-            <a:avLst/>
-          </a:prstGeom>
-          <a:solidFill>
-            <a:srgbClr val="7030A0"/>
-          </a:solidFill>
-          <a:ln w="19050"/>
-        </p:spPr>
-        <p:style>
-          <a:lnRef idx="2">
-            <a:schemeClr val="accent1"/>
-          </a:lnRef>
-          <a:fillRef idx="1">
-            <a:schemeClr val="lt1"/>
-          </a:fillRef>
-          <a:effectRef idx="0">
-            <a:schemeClr val="accent1"/>
-          </a:effectRef>
-          <a:fontRef idx="minor">
-            <a:schemeClr val="dk1"/>
-          </a:fontRef>
-        </p:style>
-        <p:txBody>
-          <a:bodyPr lIns="124733" tIns="62367" rIns="124733" bIns="62367" rtlCol="0" anchor="ctr"/>
-          <a:lstStyle/>
-          <a:p>
-            <a:pPr algn="ctr"/>
-            <a:r>
-              <a:rPr lang="ru-RU" sz="700" dirty="0" smtClean="0"/>
-              <a:t>Ввести бесплатное </a:t>
-            </a:r>
-            <a:r>
-              <a:rPr lang="ru-RU" sz="700" dirty="0"/>
-              <a:t>начальное образование </a:t>
-            </a:r>
-            <a:r>
-              <a:rPr lang="ru-RU" sz="200" dirty="0"/>
-              <a:t>(Бесплатное начальное образование и доступ для популярных классов к среднему и высшему образованию</a:t>
-            </a:r>
-            <a:r>
-              <a:rPr lang="ru-RU" sz="200" dirty="0" smtClean="0"/>
-              <a:t>.)</a:t>
-            </a:r>
-            <a:endParaRPr lang="ru-RU" sz="200" dirty="0"/>
-          </a:p>
-        </p:txBody>
-      </p:sp>
-      <p:cxnSp>
-        <p:nvCxnSpPr>
-          <p:cNvPr id="196" name="Соединительная линия уступом 195"/>
-          <p:cNvCxnSpPr>
-            <a:stCxn id="110" idx="2"/>
-            <a:endCxn id="175" idx="0"/>
-          </p:cNvCxnSpPr>
-          <p:nvPr/>
-        </p:nvCxnSpPr>
-        <p:spPr>
-          <a:xfrm rot="16200000" flipH="1">
-            <a:off x="29545762" y="8262258"/>
-            <a:ext cx="240733" cy="2240761"/>
-          </a:xfrm>
-          <a:prstGeom prst="bentConnector3">
-            <a:avLst>
-              <a:gd name="adj1" fmla="val 50000"/>
-            </a:avLst>
-          </a:prstGeom>
-          <a:ln w="19050">
-            <a:tailEnd type="arrow"/>
-          </a:ln>
-        </p:spPr>
-        <p:style>
-          <a:lnRef idx="1">
-            <a:schemeClr val="accent1"/>
-          </a:lnRef>
-          <a:fillRef idx="0">
-            <a:schemeClr val="accent1"/>
-          </a:fillRef>
-          <a:effectRef idx="0">
-            <a:schemeClr val="accent1"/>
-          </a:effectRef>
-          <a:fontRef idx="minor">
-            <a:schemeClr val="tx1"/>
-          </a:fontRef>
-        </p:style>
-      </p:cxnSp>
-      <p:cxnSp>
-        <p:nvCxnSpPr>
-          <p:cNvPr id="199" name="Соединительная линия уступом 198"/>
-          <p:cNvCxnSpPr>
-            <a:stCxn id="110" idx="2"/>
-            <a:endCxn id="181" idx="0"/>
-          </p:cNvCxnSpPr>
-          <p:nvPr/>
-        </p:nvCxnSpPr>
-        <p:spPr>
-          <a:xfrm rot="16200000" flipH="1">
-            <a:off x="28986951" y="8821070"/>
-            <a:ext cx="240733" cy="1123138"/>
-          </a:xfrm>
-          <a:prstGeom prst="bentConnector3">
-            <a:avLst>
-              <a:gd name="adj1" fmla="val 50000"/>
-            </a:avLst>
-          </a:prstGeom>
-          <a:ln w="19050">
-            <a:tailEnd type="arrow"/>
-          </a:ln>
-        </p:spPr>
-        <p:style>
-          <a:lnRef idx="1">
-            <a:schemeClr val="accent1"/>
-          </a:lnRef>
-          <a:fillRef idx="0">
-            <a:schemeClr val="accent1"/>
-          </a:fillRef>
-          <a:effectRef idx="0">
-            <a:schemeClr val="accent1"/>
-          </a:effectRef>
-          <a:fontRef idx="minor">
-            <a:schemeClr val="tx1"/>
-          </a:fontRef>
-        </p:style>
-      </p:cxnSp>
-      <p:cxnSp>
-        <p:nvCxnSpPr>
-          <p:cNvPr id="202" name="Прямая со стрелкой 201"/>
-          <p:cNvCxnSpPr>
-            <a:stCxn id="110" idx="2"/>
-            <a:endCxn id="178" idx="0"/>
-          </p:cNvCxnSpPr>
-          <p:nvPr/>
-        </p:nvCxnSpPr>
-        <p:spPr>
-          <a:xfrm>
-            <a:off x="28545748" y="9262273"/>
-            <a:ext cx="2" cy="246336"/>
-          </a:xfrm>
-          <a:prstGeom prst="straightConnector1">
-            <a:avLst/>
-          </a:prstGeom>
-          <a:ln w="19050">
-            <a:tailEnd type="arrow"/>
-          </a:ln>
-        </p:spPr>
-        <p:style>
-          <a:lnRef idx="1">
-            <a:schemeClr val="accent1"/>
-          </a:lnRef>
-          <a:fillRef idx="0">
-            <a:schemeClr val="accent1"/>
-          </a:fillRef>
-          <a:effectRef idx="0">
-            <a:schemeClr val="accent1"/>
-          </a:effectRef>
-          <a:fontRef idx="minor">
-            <a:schemeClr val="tx1"/>
-          </a:fontRef>
-        </p:style>
-      </p:cxnSp>
-      <p:cxnSp>
-        <p:nvCxnSpPr>
-          <p:cNvPr id="205" name="Прямая со стрелкой 204"/>
-          <p:cNvCxnSpPr>
-            <a:stCxn id="178" idx="2"/>
-            <a:endCxn id="179" idx="0"/>
-          </p:cNvCxnSpPr>
-          <p:nvPr/>
-        </p:nvCxnSpPr>
-        <p:spPr>
-          <a:xfrm flipH="1">
-            <a:off x="28545749" y="10048609"/>
-            <a:ext cx="1" cy="206035"/>
-          </a:xfrm>
-          <a:prstGeom prst="straightConnector1">
-            <a:avLst/>
-          </a:prstGeom>
-          <a:ln w="19050">
-            <a:tailEnd type="arrow"/>
-          </a:ln>
-        </p:spPr>
-        <p:style>
-          <a:lnRef idx="1">
-            <a:schemeClr val="accent1"/>
-          </a:lnRef>
-          <a:fillRef idx="0">
-            <a:schemeClr val="accent1"/>
-          </a:fillRef>
-          <a:effectRef idx="0">
-            <a:schemeClr val="accent1"/>
-          </a:effectRef>
-          <a:fontRef idx="minor">
-            <a:schemeClr val="tx1"/>
-          </a:fontRef>
-        </p:style>
-      </p:cxnSp>
-      <p:cxnSp>
-        <p:nvCxnSpPr>
-          <p:cNvPr id="211" name="Прямая со стрелкой 210"/>
-          <p:cNvCxnSpPr>
-            <a:stCxn id="181" idx="2"/>
-            <a:endCxn id="193" idx="0"/>
-          </p:cNvCxnSpPr>
-          <p:nvPr/>
-        </p:nvCxnSpPr>
-        <p:spPr>
-          <a:xfrm flipH="1">
-            <a:off x="29668884" y="10043006"/>
-            <a:ext cx="2" cy="211638"/>
-          </a:xfrm>
-          <a:prstGeom prst="straightConnector1">
-            <a:avLst/>
-          </a:prstGeom>
-          <a:ln w="19050">
-            <a:tailEnd type="arrow"/>
-          </a:ln>
-        </p:spPr>
-        <p:style>
-          <a:lnRef idx="1">
-            <a:schemeClr val="accent1"/>
-          </a:lnRef>
-          <a:fillRef idx="0">
-            <a:schemeClr val="accent1"/>
-          </a:fillRef>
-          <a:effectRef idx="0">
-            <a:schemeClr val="accent1"/>
-          </a:effectRef>
-          <a:fontRef idx="minor">
-            <a:schemeClr val="tx1"/>
-          </a:fontRef>
-        </p:style>
-      </p:cxnSp>
-      <p:cxnSp>
-        <p:nvCxnSpPr>
-          <p:cNvPr id="214" name="Соединительная линия уступом 213"/>
-          <p:cNvCxnSpPr>
-            <a:stCxn id="181" idx="2"/>
-            <a:endCxn id="194" idx="0"/>
-          </p:cNvCxnSpPr>
-          <p:nvPr/>
-        </p:nvCxnSpPr>
-        <p:spPr>
-          <a:xfrm rot="16200000" flipH="1">
-            <a:off x="30121878" y="9590014"/>
-            <a:ext cx="211638" cy="1117622"/>
-          </a:xfrm>
-          <a:prstGeom prst="bentConnector3">
-            <a:avLst>
-              <a:gd name="adj1" fmla="val 50000"/>
-            </a:avLst>
-          </a:prstGeom>
-          <a:ln w="19050">
-            <a:tailEnd type="arrow"/>
-          </a:ln>
-        </p:spPr>
-        <p:style>
-          <a:lnRef idx="1">
-            <a:schemeClr val="accent1"/>
-          </a:lnRef>
-          <a:fillRef idx="0">
-            <a:schemeClr val="accent1"/>
-          </a:fillRef>
-          <a:effectRef idx="0">
-            <a:schemeClr val="accent1"/>
-          </a:effectRef>
-          <a:fontRef idx="minor">
-            <a:schemeClr val="tx1"/>
-          </a:fontRef>
-        </p:style>
-      </p:cxnSp>
-      <p:sp>
-        <p:nvSpPr>
-          <p:cNvPr id="124" name="Прямоугольник 123"/>
-          <p:cNvSpPr/>
-          <p:nvPr/>
-        </p:nvSpPr>
-        <p:spPr>
-          <a:xfrm>
-            <a:off x="23641491" y="10258198"/>
-            <a:ext cx="926325" cy="540000"/>
-          </a:xfrm>
-          <a:prstGeom prst="rect">
-            <a:avLst/>
-          </a:prstGeom>
-          <a:solidFill>
-            <a:srgbClr val="7030A0"/>
-          </a:solidFill>
-          <a:ln w="19050"/>
-        </p:spPr>
-        <p:style>
-          <a:lnRef idx="2">
-            <a:schemeClr val="accent1"/>
-          </a:lnRef>
-          <a:fillRef idx="1">
-            <a:schemeClr val="lt1"/>
-          </a:fillRef>
-          <a:effectRef idx="0">
-            <a:schemeClr val="accent1"/>
-          </a:effectRef>
-          <a:fontRef idx="minor">
-            <a:schemeClr val="dk1"/>
-          </a:fontRef>
-        </p:style>
-        <p:txBody>
-          <a:bodyPr lIns="124733" tIns="62367" rIns="124733" bIns="62367" rtlCol="0" anchor="ctr"/>
-          <a:lstStyle/>
-          <a:p>
-            <a:pPr algn="ctr"/>
-            <a:r>
-              <a:rPr lang="ru-RU" sz="700" dirty="0"/>
-              <a:t>Вернуть матери престол Португалии</a:t>
-            </a:r>
-          </a:p>
-        </p:txBody>
-      </p:sp>
-      <p:cxnSp>
-        <p:nvCxnSpPr>
-          <p:cNvPr id="125" name="Соединительная линия уступом 124"/>
-          <p:cNvCxnSpPr>
-            <a:stCxn id="107" idx="2"/>
-            <a:endCxn id="163" idx="0"/>
-          </p:cNvCxnSpPr>
-          <p:nvPr/>
-        </p:nvCxnSpPr>
-        <p:spPr>
-          <a:xfrm rot="5400000">
-            <a:off x="20351194" y="8853081"/>
-            <a:ext cx="238680" cy="1057065"/>
-          </a:xfrm>
-          <a:prstGeom prst="bentConnector3">
-            <a:avLst>
-              <a:gd name="adj1" fmla="val 50000"/>
-            </a:avLst>
-          </a:prstGeom>
-          <a:ln w="19050">
-            <a:tailEnd type="arrow"/>
-          </a:ln>
-        </p:spPr>
-        <p:style>
-          <a:lnRef idx="1">
-            <a:schemeClr val="accent1"/>
-          </a:lnRef>
-          <a:fillRef idx="0">
-            <a:schemeClr val="accent1"/>
-          </a:fillRef>
-          <a:effectRef idx="0">
-            <a:schemeClr val="accent1"/>
-          </a:effectRef>
-          <a:fontRef idx="minor">
-            <a:schemeClr val="tx1"/>
-          </a:fontRef>
-        </p:style>
-      </p:cxnSp>
-      <p:sp>
-        <p:nvSpPr>
-          <p:cNvPr id="154" name="Прямоугольник 153"/>
-          <p:cNvSpPr/>
-          <p:nvPr/>
-        </p:nvSpPr>
-        <p:spPr>
-          <a:xfrm>
-            <a:off x="23655039" y="9501427"/>
-            <a:ext cx="926325" cy="540000"/>
-          </a:xfrm>
-          <a:prstGeom prst="rect">
-            <a:avLst/>
-          </a:prstGeom>
-          <a:solidFill>
-            <a:srgbClr val="7030A0"/>
-          </a:solidFill>
-          <a:ln w="19050"/>
-        </p:spPr>
-        <p:style>
-          <a:lnRef idx="2">
-            <a:schemeClr val="accent1"/>
-          </a:lnRef>
-          <a:fillRef idx="1">
-            <a:schemeClr val="lt1"/>
-          </a:fillRef>
-          <a:effectRef idx="0">
-            <a:schemeClr val="accent1"/>
-          </a:effectRef>
-          <a:fontRef idx="minor">
-            <a:schemeClr val="dk1"/>
-          </a:fontRef>
-        </p:style>
-        <p:txBody>
-          <a:bodyPr lIns="124733" tIns="62367" rIns="124733" bIns="62367" rtlCol="0" anchor="ctr"/>
-          <a:lstStyle/>
-          <a:p>
-            <a:pPr algn="ctr"/>
-            <a:r>
-              <a:rPr lang="ru-RU" sz="700" dirty="0" smtClean="0"/>
-              <a:t>Забрать Французский престол</a:t>
-            </a:r>
-            <a:endParaRPr lang="ru-RU" sz="700" dirty="0"/>
-          </a:p>
-        </p:txBody>
-      </p:sp>
-      <p:cxnSp>
-        <p:nvCxnSpPr>
-          <p:cNvPr id="167" name="Прямая со стрелкой 166"/>
-          <p:cNvCxnSpPr>
-            <a:stCxn id="108" idx="2"/>
-            <a:endCxn id="82" idx="0"/>
-          </p:cNvCxnSpPr>
-          <p:nvPr/>
-        </p:nvCxnSpPr>
-        <p:spPr>
-          <a:xfrm>
-            <a:off x="23113954" y="9262273"/>
-            <a:ext cx="1259" cy="240731"/>
-          </a:xfrm>
-          <a:prstGeom prst="straightConnector1">
-            <a:avLst/>
-          </a:prstGeom>
-          <a:ln w="19050">
-            <a:tailEnd type="arrow"/>
-          </a:ln>
-        </p:spPr>
-        <p:style>
-          <a:lnRef idx="1">
-            <a:schemeClr val="accent1"/>
-          </a:lnRef>
-          <a:fillRef idx="0">
-            <a:schemeClr val="accent1"/>
-          </a:fillRef>
-          <a:effectRef idx="0">
-            <a:schemeClr val="accent1"/>
-          </a:effectRef>
-          <a:fontRef idx="minor">
-            <a:schemeClr val="tx1"/>
-          </a:fontRef>
-        </p:style>
-      </p:cxnSp>
-      <p:cxnSp>
-        <p:nvCxnSpPr>
-          <p:cNvPr id="182" name="Соединительная линия уступом 124"/>
-          <p:cNvCxnSpPr>
-            <a:stCxn id="82" idx="2"/>
-            <a:endCxn id="124" idx="0"/>
-          </p:cNvCxnSpPr>
-          <p:nvPr/>
-        </p:nvCxnSpPr>
-        <p:spPr>
-          <a:xfrm rot="16200000" flipH="1">
-            <a:off x="23502336" y="9655880"/>
-            <a:ext cx="215194" cy="989441"/>
-          </a:xfrm>
-          <a:prstGeom prst="bentConnector3">
-            <a:avLst>
-              <a:gd name="adj1" fmla="val 50000"/>
-            </a:avLst>
-          </a:prstGeom>
-          <a:ln w="19050">
-            <a:tailEnd type="arrow"/>
-          </a:ln>
-        </p:spPr>
-        <p:style>
-          <a:lnRef idx="1">
-            <a:schemeClr val="accent1"/>
-          </a:lnRef>
-          <a:fillRef idx="0">
-            <a:schemeClr val="accent1"/>
-          </a:fillRef>
-          <a:effectRef idx="0">
-            <a:schemeClr val="accent1"/>
-          </a:effectRef>
-          <a:fontRef idx="minor">
-            <a:schemeClr val="tx1"/>
-          </a:fontRef>
-        </p:style>
-      </p:cxnSp>
-      <p:cxnSp>
-        <p:nvCxnSpPr>
-          <p:cNvPr id="185" name="Соединительная линия уступом 184"/>
-          <p:cNvCxnSpPr>
-            <a:stCxn id="111" idx="2"/>
-            <a:endCxn id="139" idx="0"/>
-          </p:cNvCxnSpPr>
-          <p:nvPr/>
-        </p:nvCxnSpPr>
-        <p:spPr>
-          <a:xfrm rot="5400000">
-            <a:off x="27863853" y="7289344"/>
-            <a:ext cx="240656" cy="1123133"/>
-          </a:xfrm>
-          <a:prstGeom prst="bentConnector3">
-            <a:avLst>
-              <a:gd name="adj1" fmla="val 50000"/>
-            </a:avLst>
-          </a:prstGeom>
-          <a:ln w="19050">
-            <a:prstDash val="dash"/>
-            <a:tailEnd type="arrow"/>
-          </a:ln>
-        </p:spPr>
-        <p:style>
-          <a:lnRef idx="1">
-            <a:schemeClr val="accent1"/>
-          </a:lnRef>
-          <a:fillRef idx="0">
-            <a:schemeClr val="accent1"/>
-          </a:fillRef>
-          <a:effectRef idx="0">
-            <a:schemeClr val="accent1"/>
-          </a:effectRef>
-          <a:fontRef idx="minor">
-            <a:schemeClr val="tx1"/>
-          </a:fontRef>
-        </p:style>
-      </p:cxnSp>
-      <p:cxnSp>
-        <p:nvCxnSpPr>
-          <p:cNvPr id="188" name="Соединительная линия уступом 187"/>
-          <p:cNvCxnSpPr>
-            <a:stCxn id="112" idx="2"/>
-            <a:endCxn id="139" idx="0"/>
-          </p:cNvCxnSpPr>
-          <p:nvPr/>
-        </p:nvCxnSpPr>
-        <p:spPr>
-          <a:xfrm rot="16200000" flipH="1">
-            <a:off x="26740030" y="7288653"/>
-            <a:ext cx="241211" cy="1123957"/>
-          </a:xfrm>
-          <a:prstGeom prst="bentConnector3">
-            <a:avLst>
-              <a:gd name="adj1" fmla="val 50000"/>
-            </a:avLst>
-          </a:prstGeom>
-          <a:ln w="19050">
-            <a:prstDash val="dash"/>
-            <a:tailEnd type="arrow"/>
-          </a:ln>
-        </p:spPr>
-        <p:style>
-          <a:lnRef idx="1">
-            <a:schemeClr val="accent1"/>
-          </a:lnRef>
-          <a:fillRef idx="0">
-            <a:schemeClr val="accent1"/>
-          </a:fillRef>
-          <a:effectRef idx="0">
-            <a:schemeClr val="accent1"/>
-          </a:effectRef>
-          <a:fontRef idx="minor">
-            <a:schemeClr val="tx1"/>
-          </a:fontRef>
-        </p:style>
-      </p:cxnSp>
-      <p:sp>
-        <p:nvSpPr>
-          <p:cNvPr id="159" name="Прямоугольник 158"/>
-          <p:cNvSpPr/>
-          <p:nvPr/>
-        </p:nvSpPr>
-        <p:spPr>
-          <a:xfrm>
-            <a:off x="21594624" y="10254644"/>
-            <a:ext cx="926325" cy="540000"/>
-          </a:xfrm>
-          <a:prstGeom prst="rect">
-            <a:avLst/>
-          </a:prstGeom>
-          <a:solidFill>
-            <a:srgbClr val="7030A0"/>
-          </a:solidFill>
           <a:ln w="19050">
             <a:solidFill>
               <a:schemeClr val="accent4">
@@ -8432,25 +7591,313 @@
             <a:pPr algn="ctr"/>
             <a:r>
               <a:rPr lang="ru-RU" sz="700" dirty="0" smtClean="0"/>
-              <a:t>Вернуть титул короля обеих Сицилий</a:t>
+              <a:t>Крестовый поход против революции</a:t>
+            </a:r>
+            <a:endParaRPr lang="ru-RU" sz="600" dirty="0"/>
+          </a:p>
+        </p:txBody>
+      </p:sp>
+      <p:sp>
+        <p:nvSpPr>
+          <p:cNvPr id="178" name="Прямоугольник 177"/>
+          <p:cNvSpPr/>
+          <p:nvPr/>
+        </p:nvSpPr>
+        <p:spPr>
+          <a:xfrm>
+            <a:off x="28082587" y="9508609"/>
+            <a:ext cx="926325" cy="540000"/>
+          </a:xfrm>
+          <a:prstGeom prst="rect">
+            <a:avLst/>
+          </a:prstGeom>
+          <a:solidFill>
+            <a:srgbClr val="7030A0"/>
+          </a:solidFill>
+          <a:ln w="19050"/>
+        </p:spPr>
+        <p:style>
+          <a:lnRef idx="2">
+            <a:schemeClr val="accent1"/>
+          </a:lnRef>
+          <a:fillRef idx="1">
+            <a:schemeClr val="lt1"/>
+          </a:fillRef>
+          <a:effectRef idx="0">
+            <a:schemeClr val="accent1"/>
+          </a:effectRef>
+          <a:fontRef idx="minor">
+            <a:schemeClr val="dk1"/>
+          </a:fontRef>
+        </p:style>
+        <p:txBody>
+          <a:bodyPr lIns="124733" tIns="62367" rIns="124733" bIns="62367" rtlCol="0" anchor="ctr"/>
+          <a:lstStyle/>
+          <a:p>
+            <a:pPr algn="ctr"/>
+            <a:r>
+              <a:rPr lang="ru-RU" sz="700" dirty="0" err="1" smtClean="0"/>
+              <a:t>Неотрадиционализм</a:t>
             </a:r>
             <a:endParaRPr lang="ru-RU" sz="700" dirty="0"/>
           </a:p>
         </p:txBody>
       </p:sp>
-      <p:cxnSp>
-        <p:nvCxnSpPr>
-          <p:cNvPr id="160" name="Соединительная линия уступом 124"/>
-          <p:cNvCxnSpPr>
-            <a:stCxn id="82" idx="2"/>
-            <a:endCxn id="159" idx="0"/>
-          </p:cNvCxnSpPr>
-          <p:nvPr/>
-        </p:nvCxnSpPr>
-        <p:spPr>
-          <a:xfrm rot="5400000">
-            <a:off x="22480680" y="9620111"/>
-            <a:ext cx="211640" cy="1057426"/>
+      <p:sp>
+        <p:nvSpPr>
+          <p:cNvPr id="179" name="Прямоугольник 178"/>
+          <p:cNvSpPr/>
+          <p:nvPr/>
+        </p:nvSpPr>
+        <p:spPr>
+          <a:xfrm>
+            <a:off x="28082586" y="10254644"/>
+            <a:ext cx="926325" cy="540000"/>
+          </a:xfrm>
+          <a:prstGeom prst="rect">
+            <a:avLst/>
+          </a:prstGeom>
+          <a:solidFill>
+            <a:srgbClr val="7030A0"/>
+          </a:solidFill>
+          <a:ln w="19050"/>
+        </p:spPr>
+        <p:style>
+          <a:lnRef idx="2">
+            <a:schemeClr val="accent1"/>
+          </a:lnRef>
+          <a:fillRef idx="1">
+            <a:schemeClr val="lt1"/>
+          </a:fillRef>
+          <a:effectRef idx="0">
+            <a:schemeClr val="accent1"/>
+          </a:effectRef>
+          <a:fontRef idx="minor">
+            <a:schemeClr val="dk1"/>
+          </a:fontRef>
+        </p:style>
+        <p:txBody>
+          <a:bodyPr lIns="124733" tIns="62367" rIns="124733" bIns="62367" rtlCol="0" anchor="ctr"/>
+          <a:lstStyle/>
+          <a:p>
+            <a:pPr algn="ctr"/>
+            <a:r>
+              <a:rPr lang="ru-RU" sz="700" dirty="0" smtClean="0"/>
+              <a:t>Превознесения национальных ценностей</a:t>
+            </a:r>
+            <a:endParaRPr lang="ru-RU" sz="700" dirty="0"/>
+          </a:p>
+        </p:txBody>
+      </p:sp>
+      <p:sp>
+        <p:nvSpPr>
+          <p:cNvPr id="181" name="Прямоугольник 180"/>
+          <p:cNvSpPr/>
+          <p:nvPr/>
+        </p:nvSpPr>
+        <p:spPr>
+          <a:xfrm>
+            <a:off x="29205723" y="9503006"/>
+            <a:ext cx="926325" cy="540000"/>
+          </a:xfrm>
+          <a:prstGeom prst="rect">
+            <a:avLst/>
+          </a:prstGeom>
+          <a:solidFill>
+            <a:srgbClr val="7030A0"/>
+          </a:solidFill>
+          <a:ln w="19050"/>
+        </p:spPr>
+        <p:style>
+          <a:lnRef idx="2">
+            <a:schemeClr val="accent1"/>
+          </a:lnRef>
+          <a:fillRef idx="1">
+            <a:schemeClr val="lt1"/>
+          </a:fillRef>
+          <a:effectRef idx="0">
+            <a:schemeClr val="accent1"/>
+          </a:effectRef>
+          <a:fontRef idx="minor">
+            <a:schemeClr val="dk1"/>
+          </a:fontRef>
+        </p:style>
+        <p:txBody>
+          <a:bodyPr lIns="124733" tIns="62367" rIns="124733" bIns="62367" rtlCol="0" anchor="ctr"/>
+          <a:lstStyle/>
+          <a:p>
+            <a:pPr algn="ctr"/>
+            <a:r>
+              <a:rPr lang="ru-RU" sz="700" dirty="0" smtClean="0"/>
+              <a:t>Содействие сельскохозяйственной кооперации</a:t>
+            </a:r>
+            <a:endParaRPr lang="ru-RU" sz="700" dirty="0"/>
+          </a:p>
+        </p:txBody>
+      </p:sp>
+      <p:sp>
+        <p:nvSpPr>
+          <p:cNvPr id="193" name="Прямоугольник 192"/>
+          <p:cNvSpPr/>
+          <p:nvPr/>
+        </p:nvSpPr>
+        <p:spPr>
+          <a:xfrm>
+            <a:off x="29205721" y="10254644"/>
+            <a:ext cx="926325" cy="540000"/>
+          </a:xfrm>
+          <a:prstGeom prst="rect">
+            <a:avLst/>
+          </a:prstGeom>
+          <a:solidFill>
+            <a:srgbClr val="7030A0"/>
+          </a:solidFill>
+          <a:ln w="19050"/>
+        </p:spPr>
+        <p:style>
+          <a:lnRef idx="2">
+            <a:schemeClr val="accent1"/>
+          </a:lnRef>
+          <a:fillRef idx="1">
+            <a:schemeClr val="lt1"/>
+          </a:fillRef>
+          <a:effectRef idx="0">
+            <a:schemeClr val="accent1"/>
+          </a:effectRef>
+          <a:fontRef idx="minor">
+            <a:schemeClr val="dk1"/>
+          </a:fontRef>
+        </p:style>
+        <p:txBody>
+          <a:bodyPr lIns="124733" tIns="62367" rIns="124733" bIns="62367" rtlCol="0" anchor="ctr"/>
+          <a:lstStyle/>
+          <a:p>
+            <a:pPr algn="ctr"/>
+            <a:r>
+              <a:rPr lang="ru-RU" sz="700" dirty="0" smtClean="0"/>
+              <a:t>Аграрный национализм</a:t>
+            </a:r>
+            <a:endParaRPr lang="ru-RU" sz="700" dirty="0"/>
+          </a:p>
+        </p:txBody>
+      </p:sp>
+      <p:sp>
+        <p:nvSpPr>
+          <p:cNvPr id="194" name="Прямоугольник 193"/>
+          <p:cNvSpPr/>
+          <p:nvPr/>
+        </p:nvSpPr>
+        <p:spPr>
+          <a:xfrm>
+            <a:off x="30323345" y="10254644"/>
+            <a:ext cx="926325" cy="540000"/>
+          </a:xfrm>
+          <a:prstGeom prst="rect">
+            <a:avLst/>
+          </a:prstGeom>
+          <a:solidFill>
+            <a:srgbClr val="7030A0"/>
+          </a:solidFill>
+          <a:ln w="19050"/>
+        </p:spPr>
+        <p:style>
+          <a:lnRef idx="2">
+            <a:schemeClr val="accent1"/>
+          </a:lnRef>
+          <a:fillRef idx="1">
+            <a:schemeClr val="lt1"/>
+          </a:fillRef>
+          <a:effectRef idx="0">
+            <a:schemeClr val="accent1"/>
+          </a:effectRef>
+          <a:fontRef idx="minor">
+            <a:schemeClr val="dk1"/>
+          </a:fontRef>
+        </p:style>
+        <p:txBody>
+          <a:bodyPr lIns="124733" tIns="62367" rIns="124733" bIns="62367" rtlCol="0" anchor="ctr"/>
+          <a:lstStyle/>
+          <a:p>
+            <a:pPr algn="ctr"/>
+            <a:r>
+              <a:rPr lang="ru-RU" sz="700" dirty="0" smtClean="0"/>
+              <a:t>Национализация служб здравоохранения и социальной помощи</a:t>
+            </a:r>
+            <a:endParaRPr lang="ru-RU" sz="700" dirty="0"/>
+          </a:p>
+        </p:txBody>
+      </p:sp>
+      <p:sp>
+        <p:nvSpPr>
+          <p:cNvPr id="195" name="Прямоугольник 194"/>
+          <p:cNvSpPr/>
+          <p:nvPr/>
+        </p:nvSpPr>
+        <p:spPr>
+          <a:xfrm>
+            <a:off x="29767392" y="11063829"/>
+            <a:ext cx="926325" cy="540000"/>
+          </a:xfrm>
+          <a:prstGeom prst="rect">
+            <a:avLst/>
+          </a:prstGeom>
+          <a:solidFill>
+            <a:srgbClr val="7030A0"/>
+          </a:solidFill>
+          <a:ln w="19050"/>
+        </p:spPr>
+        <p:style>
+          <a:lnRef idx="2">
+            <a:schemeClr val="accent1"/>
+          </a:lnRef>
+          <a:fillRef idx="1">
+            <a:schemeClr val="lt1"/>
+          </a:fillRef>
+          <a:effectRef idx="0">
+            <a:schemeClr val="accent1"/>
+          </a:effectRef>
+          <a:fontRef idx="minor">
+            <a:schemeClr val="dk1"/>
+          </a:fontRef>
+        </p:style>
+        <p:txBody>
+          <a:bodyPr lIns="124733" tIns="62367" rIns="124733" bIns="62367" rtlCol="0" anchor="ctr"/>
+          <a:lstStyle/>
+          <a:p>
+            <a:pPr algn="ctr"/>
+            <a:r>
+              <a:rPr lang="ru-RU" sz="700" dirty="0" smtClean="0"/>
+              <a:t>Ввести бесплатное </a:t>
+            </a:r>
+            <a:r>
+              <a:rPr lang="ru-RU" sz="700" dirty="0"/>
+              <a:t>начальное образование </a:t>
+            </a:r>
+            <a:r>
+              <a:rPr lang="ru-RU" sz="200" dirty="0"/>
+              <a:t>(Бесплатное начальное образование и доступ для популярных классов к среднему и высшему образованию</a:t>
+            </a:r>
+            <a:r>
+              <a:rPr lang="ru-RU" sz="200" dirty="0" smtClean="0"/>
+              <a:t>.)</a:t>
+            </a:r>
+            <a:endParaRPr lang="ru-RU" sz="200" dirty="0"/>
+          </a:p>
+        </p:txBody>
+      </p:sp>
+      <p:cxnSp>
+        <p:nvCxnSpPr>
+          <p:cNvPr id="196" name="Соединительная линия уступом 195"/>
+          <p:cNvCxnSpPr>
+            <a:stCxn id="110" idx="2"/>
+            <a:endCxn id="175" idx="0"/>
+          </p:cNvCxnSpPr>
+          <p:nvPr/>
+        </p:nvCxnSpPr>
+        <p:spPr>
+          <a:xfrm rot="16200000" flipH="1">
+            <a:off x="29545762" y="8262258"/>
+            <a:ext cx="240733" cy="2240761"/>
           </a:xfrm>
           <a:prstGeom prst="bentConnector3">
             <a:avLst>
@@ -8458,6 +7905,431 @@
             </a:avLst>
           </a:prstGeom>
           <a:ln w="19050">
+            <a:tailEnd type="arrow"/>
+          </a:ln>
+        </p:spPr>
+        <p:style>
+          <a:lnRef idx="1">
+            <a:schemeClr val="accent1"/>
+          </a:lnRef>
+          <a:fillRef idx="0">
+            <a:schemeClr val="accent1"/>
+          </a:fillRef>
+          <a:effectRef idx="0">
+            <a:schemeClr val="accent1"/>
+          </a:effectRef>
+          <a:fontRef idx="minor">
+            <a:schemeClr val="tx1"/>
+          </a:fontRef>
+        </p:style>
+      </p:cxnSp>
+      <p:cxnSp>
+        <p:nvCxnSpPr>
+          <p:cNvPr id="199" name="Соединительная линия уступом 198"/>
+          <p:cNvCxnSpPr>
+            <a:stCxn id="110" idx="2"/>
+            <a:endCxn id="181" idx="0"/>
+          </p:cNvCxnSpPr>
+          <p:nvPr/>
+        </p:nvCxnSpPr>
+        <p:spPr>
+          <a:xfrm rot="16200000" flipH="1">
+            <a:off x="28986951" y="8821070"/>
+            <a:ext cx="240733" cy="1123138"/>
+          </a:xfrm>
+          <a:prstGeom prst="bentConnector3">
+            <a:avLst>
+              <a:gd name="adj1" fmla="val 50000"/>
+            </a:avLst>
+          </a:prstGeom>
+          <a:ln w="19050">
+            <a:tailEnd type="arrow"/>
+          </a:ln>
+        </p:spPr>
+        <p:style>
+          <a:lnRef idx="1">
+            <a:schemeClr val="accent1"/>
+          </a:lnRef>
+          <a:fillRef idx="0">
+            <a:schemeClr val="accent1"/>
+          </a:fillRef>
+          <a:effectRef idx="0">
+            <a:schemeClr val="accent1"/>
+          </a:effectRef>
+          <a:fontRef idx="minor">
+            <a:schemeClr val="tx1"/>
+          </a:fontRef>
+        </p:style>
+      </p:cxnSp>
+      <p:cxnSp>
+        <p:nvCxnSpPr>
+          <p:cNvPr id="202" name="Прямая со стрелкой 201"/>
+          <p:cNvCxnSpPr>
+            <a:stCxn id="110" idx="2"/>
+            <a:endCxn id="178" idx="0"/>
+          </p:cNvCxnSpPr>
+          <p:nvPr/>
+        </p:nvCxnSpPr>
+        <p:spPr>
+          <a:xfrm>
+            <a:off x="28545748" y="9262273"/>
+            <a:ext cx="2" cy="246336"/>
+          </a:xfrm>
+          <a:prstGeom prst="straightConnector1">
+            <a:avLst/>
+          </a:prstGeom>
+          <a:ln w="19050">
+            <a:tailEnd type="arrow"/>
+          </a:ln>
+        </p:spPr>
+        <p:style>
+          <a:lnRef idx="1">
+            <a:schemeClr val="accent1"/>
+          </a:lnRef>
+          <a:fillRef idx="0">
+            <a:schemeClr val="accent1"/>
+          </a:fillRef>
+          <a:effectRef idx="0">
+            <a:schemeClr val="accent1"/>
+          </a:effectRef>
+          <a:fontRef idx="minor">
+            <a:schemeClr val="tx1"/>
+          </a:fontRef>
+        </p:style>
+      </p:cxnSp>
+      <p:cxnSp>
+        <p:nvCxnSpPr>
+          <p:cNvPr id="205" name="Прямая со стрелкой 204"/>
+          <p:cNvCxnSpPr>
+            <a:stCxn id="178" idx="2"/>
+            <a:endCxn id="179" idx="0"/>
+          </p:cNvCxnSpPr>
+          <p:nvPr/>
+        </p:nvCxnSpPr>
+        <p:spPr>
+          <a:xfrm flipH="1">
+            <a:off x="28545749" y="10048609"/>
+            <a:ext cx="1" cy="206035"/>
+          </a:xfrm>
+          <a:prstGeom prst="straightConnector1">
+            <a:avLst/>
+          </a:prstGeom>
+          <a:ln w="19050">
+            <a:tailEnd type="arrow"/>
+          </a:ln>
+        </p:spPr>
+        <p:style>
+          <a:lnRef idx="1">
+            <a:schemeClr val="accent1"/>
+          </a:lnRef>
+          <a:fillRef idx="0">
+            <a:schemeClr val="accent1"/>
+          </a:fillRef>
+          <a:effectRef idx="0">
+            <a:schemeClr val="accent1"/>
+          </a:effectRef>
+          <a:fontRef idx="minor">
+            <a:schemeClr val="tx1"/>
+          </a:fontRef>
+        </p:style>
+      </p:cxnSp>
+      <p:cxnSp>
+        <p:nvCxnSpPr>
+          <p:cNvPr id="211" name="Прямая со стрелкой 210"/>
+          <p:cNvCxnSpPr>
+            <a:stCxn id="181" idx="2"/>
+            <a:endCxn id="193" idx="0"/>
+          </p:cNvCxnSpPr>
+          <p:nvPr/>
+        </p:nvCxnSpPr>
+        <p:spPr>
+          <a:xfrm flipH="1">
+            <a:off x="29668884" y="10043006"/>
+            <a:ext cx="2" cy="211638"/>
+          </a:xfrm>
+          <a:prstGeom prst="straightConnector1">
+            <a:avLst/>
+          </a:prstGeom>
+          <a:ln w="19050">
+            <a:tailEnd type="arrow"/>
+          </a:ln>
+        </p:spPr>
+        <p:style>
+          <a:lnRef idx="1">
+            <a:schemeClr val="accent1"/>
+          </a:lnRef>
+          <a:fillRef idx="0">
+            <a:schemeClr val="accent1"/>
+          </a:fillRef>
+          <a:effectRef idx="0">
+            <a:schemeClr val="accent1"/>
+          </a:effectRef>
+          <a:fontRef idx="minor">
+            <a:schemeClr val="tx1"/>
+          </a:fontRef>
+        </p:style>
+      </p:cxnSp>
+      <p:cxnSp>
+        <p:nvCxnSpPr>
+          <p:cNvPr id="214" name="Соединительная линия уступом 213"/>
+          <p:cNvCxnSpPr>
+            <a:stCxn id="181" idx="2"/>
+            <a:endCxn id="194" idx="0"/>
+          </p:cNvCxnSpPr>
+          <p:nvPr/>
+        </p:nvCxnSpPr>
+        <p:spPr>
+          <a:xfrm rot="16200000" flipH="1">
+            <a:off x="30121878" y="9590014"/>
+            <a:ext cx="211638" cy="1117622"/>
+          </a:xfrm>
+          <a:prstGeom prst="bentConnector3">
+            <a:avLst>
+              <a:gd name="adj1" fmla="val 50000"/>
+            </a:avLst>
+          </a:prstGeom>
+          <a:ln w="19050">
+            <a:tailEnd type="arrow"/>
+          </a:ln>
+        </p:spPr>
+        <p:style>
+          <a:lnRef idx="1">
+            <a:schemeClr val="accent1"/>
+          </a:lnRef>
+          <a:fillRef idx="0">
+            <a:schemeClr val="accent1"/>
+          </a:fillRef>
+          <a:effectRef idx="0">
+            <a:schemeClr val="accent1"/>
+          </a:effectRef>
+          <a:fontRef idx="minor">
+            <a:schemeClr val="tx1"/>
+          </a:fontRef>
+        </p:style>
+      </p:cxnSp>
+      <p:sp>
+        <p:nvSpPr>
+          <p:cNvPr id="124" name="Прямоугольник 123"/>
+          <p:cNvSpPr/>
+          <p:nvPr/>
+        </p:nvSpPr>
+        <p:spPr>
+          <a:xfrm>
+            <a:off x="23641491" y="10258198"/>
+            <a:ext cx="926325" cy="540000"/>
+          </a:xfrm>
+          <a:prstGeom prst="rect">
+            <a:avLst/>
+          </a:prstGeom>
+          <a:solidFill>
+            <a:srgbClr val="7030A0"/>
+          </a:solidFill>
+          <a:ln w="19050"/>
+        </p:spPr>
+        <p:style>
+          <a:lnRef idx="2">
+            <a:schemeClr val="accent1"/>
+          </a:lnRef>
+          <a:fillRef idx="1">
+            <a:schemeClr val="lt1"/>
+          </a:fillRef>
+          <a:effectRef idx="0">
+            <a:schemeClr val="accent1"/>
+          </a:effectRef>
+          <a:fontRef idx="minor">
+            <a:schemeClr val="dk1"/>
+          </a:fontRef>
+        </p:style>
+        <p:txBody>
+          <a:bodyPr lIns="124733" tIns="62367" rIns="124733" bIns="62367" rtlCol="0" anchor="ctr"/>
+          <a:lstStyle/>
+          <a:p>
+            <a:pPr algn="ctr"/>
+            <a:r>
+              <a:rPr lang="ru-RU" sz="700" dirty="0"/>
+              <a:t>Вернуть матери престол Португалии</a:t>
+            </a:r>
+          </a:p>
+        </p:txBody>
+      </p:sp>
+      <p:cxnSp>
+        <p:nvCxnSpPr>
+          <p:cNvPr id="125" name="Соединительная линия уступом 124"/>
+          <p:cNvCxnSpPr>
+            <a:stCxn id="107" idx="2"/>
+            <a:endCxn id="163" idx="0"/>
+          </p:cNvCxnSpPr>
+          <p:nvPr/>
+        </p:nvCxnSpPr>
+        <p:spPr>
+          <a:xfrm rot="5400000">
+            <a:off x="20351194" y="8853081"/>
+            <a:ext cx="238680" cy="1057065"/>
+          </a:xfrm>
+          <a:prstGeom prst="bentConnector3">
+            <a:avLst>
+              <a:gd name="adj1" fmla="val 50000"/>
+            </a:avLst>
+          </a:prstGeom>
+          <a:ln w="19050">
+            <a:tailEnd type="arrow"/>
+          </a:ln>
+        </p:spPr>
+        <p:style>
+          <a:lnRef idx="1">
+            <a:schemeClr val="accent1"/>
+          </a:lnRef>
+          <a:fillRef idx="0">
+            <a:schemeClr val="accent1"/>
+          </a:fillRef>
+          <a:effectRef idx="0">
+            <a:schemeClr val="accent1"/>
+          </a:effectRef>
+          <a:fontRef idx="minor">
+            <a:schemeClr val="tx1"/>
+          </a:fontRef>
+        </p:style>
+      </p:cxnSp>
+      <p:sp>
+        <p:nvSpPr>
+          <p:cNvPr id="154" name="Прямоугольник 153"/>
+          <p:cNvSpPr/>
+          <p:nvPr/>
+        </p:nvSpPr>
+        <p:spPr>
+          <a:xfrm>
+            <a:off x="23655039" y="9501427"/>
+            <a:ext cx="926325" cy="540000"/>
+          </a:xfrm>
+          <a:prstGeom prst="rect">
+            <a:avLst/>
+          </a:prstGeom>
+          <a:solidFill>
+            <a:srgbClr val="7030A0"/>
+          </a:solidFill>
+          <a:ln w="19050"/>
+        </p:spPr>
+        <p:style>
+          <a:lnRef idx="2">
+            <a:schemeClr val="accent1"/>
+          </a:lnRef>
+          <a:fillRef idx="1">
+            <a:schemeClr val="lt1"/>
+          </a:fillRef>
+          <a:effectRef idx="0">
+            <a:schemeClr val="accent1"/>
+          </a:effectRef>
+          <a:fontRef idx="minor">
+            <a:schemeClr val="dk1"/>
+          </a:fontRef>
+        </p:style>
+        <p:txBody>
+          <a:bodyPr lIns="124733" tIns="62367" rIns="124733" bIns="62367" rtlCol="0" anchor="ctr"/>
+          <a:lstStyle/>
+          <a:p>
+            <a:pPr algn="ctr"/>
+            <a:r>
+              <a:rPr lang="ru-RU" sz="700" dirty="0" smtClean="0"/>
+              <a:t>Забрать Французский престол</a:t>
+            </a:r>
+            <a:endParaRPr lang="ru-RU" sz="700" dirty="0"/>
+          </a:p>
+        </p:txBody>
+      </p:sp>
+      <p:cxnSp>
+        <p:nvCxnSpPr>
+          <p:cNvPr id="167" name="Прямая со стрелкой 166"/>
+          <p:cNvCxnSpPr>
+            <a:stCxn id="108" idx="2"/>
+            <a:endCxn id="82" idx="0"/>
+          </p:cNvCxnSpPr>
+          <p:nvPr/>
+        </p:nvCxnSpPr>
+        <p:spPr>
+          <a:xfrm>
+            <a:off x="23113954" y="9262273"/>
+            <a:ext cx="1259" cy="240731"/>
+          </a:xfrm>
+          <a:prstGeom prst="straightConnector1">
+            <a:avLst/>
+          </a:prstGeom>
+          <a:ln w="19050">
+            <a:tailEnd type="arrow"/>
+          </a:ln>
+        </p:spPr>
+        <p:style>
+          <a:lnRef idx="1">
+            <a:schemeClr val="accent1"/>
+          </a:lnRef>
+          <a:fillRef idx="0">
+            <a:schemeClr val="accent1"/>
+          </a:fillRef>
+          <a:effectRef idx="0">
+            <a:schemeClr val="accent1"/>
+          </a:effectRef>
+          <a:fontRef idx="minor">
+            <a:schemeClr val="tx1"/>
+          </a:fontRef>
+        </p:style>
+      </p:cxnSp>
+      <p:cxnSp>
+        <p:nvCxnSpPr>
+          <p:cNvPr id="182" name="Соединительная линия уступом 124"/>
+          <p:cNvCxnSpPr>
+            <a:stCxn id="82" idx="2"/>
+            <a:endCxn id="124" idx="0"/>
+          </p:cNvCxnSpPr>
+          <p:nvPr/>
+        </p:nvCxnSpPr>
+        <p:spPr>
+          <a:xfrm rot="16200000" flipH="1">
+            <a:off x="23502336" y="9655880"/>
+            <a:ext cx="215194" cy="989441"/>
+          </a:xfrm>
+          <a:prstGeom prst="bentConnector3">
+            <a:avLst>
+              <a:gd name="adj1" fmla="val 50000"/>
+            </a:avLst>
+          </a:prstGeom>
+          <a:ln w="19050">
+            <a:tailEnd type="arrow"/>
+          </a:ln>
+        </p:spPr>
+        <p:style>
+          <a:lnRef idx="1">
+            <a:schemeClr val="accent1"/>
+          </a:lnRef>
+          <a:fillRef idx="0">
+            <a:schemeClr val="accent1"/>
+          </a:fillRef>
+          <a:effectRef idx="0">
+            <a:schemeClr val="accent1"/>
+          </a:effectRef>
+          <a:fontRef idx="minor">
+            <a:schemeClr val="tx1"/>
+          </a:fontRef>
+        </p:style>
+      </p:cxnSp>
+      <p:cxnSp>
+        <p:nvCxnSpPr>
+          <p:cNvPr id="185" name="Соединительная линия уступом 184"/>
+          <p:cNvCxnSpPr>
+            <a:stCxn id="111" idx="2"/>
+            <a:endCxn id="139" idx="0"/>
+          </p:cNvCxnSpPr>
+          <p:nvPr/>
+        </p:nvCxnSpPr>
+        <p:spPr>
+          <a:xfrm rot="5400000">
+            <a:off x="27863853" y="7289344"/>
+            <a:ext cx="240656" cy="1123133"/>
+          </a:xfrm>
+          <a:prstGeom prst="bentConnector3">
+            <a:avLst>
+              <a:gd name="adj1" fmla="val 50000"/>
+            </a:avLst>
+          </a:prstGeom>
+          <a:ln w="19050">
             <a:prstDash val="dash"/>
             <a:tailEnd type="arrow"/>
           </a:ln>
@@ -8477,15 +8349,54 @@
           </a:fontRef>
         </p:style>
       </p:cxnSp>
-      <p:sp>
-        <p:nvSpPr>
-          <p:cNvPr id="170" name="Прямоугольник 169"/>
+      <p:cxnSp>
+        <p:nvCxnSpPr>
+          <p:cNvPr id="188" name="Соединительная линия уступом 187"/>
+          <p:cNvCxnSpPr>
+            <a:stCxn id="112" idx="2"/>
+            <a:endCxn id="139" idx="0"/>
+          </p:cNvCxnSpPr>
+          <p:nvPr/>
+        </p:nvCxnSpPr>
+        <p:spPr>
+          <a:xfrm rot="16200000" flipH="1">
+            <a:off x="26740030" y="7288653"/>
+            <a:ext cx="241211" cy="1123957"/>
+          </a:xfrm>
+          <a:prstGeom prst="bentConnector3">
+            <a:avLst>
+              <a:gd name="adj1" fmla="val 50000"/>
+            </a:avLst>
+          </a:prstGeom>
+          <a:ln w="19050">
+            <a:prstDash val="dash"/>
+            <a:tailEnd type="arrow"/>
+          </a:ln>
+        </p:spPr>
+        <p:style>
+          <a:lnRef idx="1">
+            <a:schemeClr val="accent1"/>
+          </a:lnRef>
+          <a:fillRef idx="0">
+            <a:schemeClr val="accent1"/>
+          </a:fillRef>
+          <a:effectRef idx="0">
+            <a:schemeClr val="accent1"/>
+          </a:effectRef>
+          <a:fontRef idx="minor">
+            <a:schemeClr val="tx1"/>
+          </a:fontRef>
+        </p:style>
+      </p:cxnSp>
+      <p:sp>
+        <p:nvSpPr>
+          <p:cNvPr id="159" name="Прямоугольник 158"/>
           <p:cNvSpPr/>
           <p:nvPr/>
         </p:nvSpPr>
         <p:spPr>
           <a:xfrm>
-            <a:off x="24180206" y="11774727"/>
+            <a:off x="21594624" y="10254644"/>
             <a:ext cx="926325" cy="540000"/>
           </a:xfrm>
           <a:prstGeom prst="rect">
@@ -8523,7 +8434,7 @@
             <a:pPr algn="ctr"/>
             <a:r>
               <a:rPr lang="ru-RU" sz="700" dirty="0" smtClean="0"/>
-              <a:t>Подтверждение легитимности</a:t>
+              <a:t>Вернуть титул короля обеих Сицилий</a:t>
             </a:r>
             <a:endParaRPr lang="ru-RU" sz="700" dirty="0"/>
           </a:p>
@@ -8531,49 +8442,52 @@
       </p:sp>
       <p:cxnSp>
         <p:nvCxnSpPr>
-          <p:cNvPr id="173" name="Прямая со стрелкой 172"/>
-          <p:cNvCxnSpPr>
-            <a:stCxn id="105" idx="2"/>
-            <a:endCxn id="170" idx="0"/>
-          </p:cNvCxnSpPr>
-          <p:nvPr/>
-        </p:nvCxnSpPr>
-        <p:spPr>
-          <a:xfrm>
-            <a:off x="24643369" y="8516784"/>
-            <a:ext cx="0" cy="3257943"/>
-          </a:xfrm>
-          <a:prstGeom prst="straightConnector1">
-            <a:avLst/>
-          </a:prstGeom>
-          <a:ln w="19050">
-            <a:tailEnd type="arrow"/>
-          </a:ln>
-        </p:spPr>
-        <p:style>
-          <a:lnRef idx="1">
-            <a:schemeClr val="accent1"/>
-          </a:lnRef>
-          <a:fillRef idx="0">
-            <a:schemeClr val="accent1"/>
-          </a:fillRef>
-          <a:effectRef idx="0">
-            <a:schemeClr val="accent1"/>
-          </a:effectRef>
-          <a:fontRef idx="minor">
-            <a:schemeClr val="tx1"/>
-          </a:fontRef>
-        </p:style>
-      </p:cxnSp>
-      <p:sp>
-        <p:nvSpPr>
-          <p:cNvPr id="163" name="Прямоугольник 162"/>
+          <p:cNvPr id="160" name="Соединительная линия уступом 124"/>
+          <p:cNvCxnSpPr>
+            <a:stCxn id="82" idx="2"/>
+            <a:endCxn id="159" idx="0"/>
+          </p:cNvCxnSpPr>
+          <p:nvPr/>
+        </p:nvCxnSpPr>
+        <p:spPr>
+          <a:xfrm rot="5400000">
+            <a:off x="22480680" y="9620111"/>
+            <a:ext cx="211640" cy="1057426"/>
+          </a:xfrm>
+          <a:prstGeom prst="bentConnector3">
+            <a:avLst>
+              <a:gd name="adj1" fmla="val 50000"/>
+            </a:avLst>
+          </a:prstGeom>
+          <a:ln w="19050">
+            <a:prstDash val="dash"/>
+            <a:tailEnd type="arrow"/>
+          </a:ln>
+        </p:spPr>
+        <p:style>
+          <a:lnRef idx="1">
+            <a:schemeClr val="accent1"/>
+          </a:lnRef>
+          <a:fillRef idx="0">
+            <a:schemeClr val="accent1"/>
+          </a:fillRef>
+          <a:effectRef idx="0">
+            <a:schemeClr val="accent1"/>
+          </a:effectRef>
+          <a:fontRef idx="minor">
+            <a:schemeClr val="tx1"/>
+          </a:fontRef>
+        </p:style>
+      </p:cxnSp>
+      <p:sp>
+        <p:nvSpPr>
+          <p:cNvPr id="170" name="Прямоугольник 169"/>
           <p:cNvSpPr/>
           <p:nvPr/>
         </p:nvSpPr>
         <p:spPr>
           <a:xfrm>
-            <a:off x="19478838" y="9500953"/>
+            <a:off x="24180206" y="11774727"/>
             <a:ext cx="926325" cy="540000"/>
           </a:xfrm>
           <a:prstGeom prst="rect">
@@ -8611,21 +8525,57 @@
             <a:pPr algn="ctr"/>
             <a:r>
               <a:rPr lang="ru-RU" sz="700" dirty="0" smtClean="0"/>
-              <a:t>Испанский средиземноморский флот</a:t>
+              <a:t>Подтверждение легитимности</a:t>
             </a:r>
             <a:endParaRPr lang="ru-RU" sz="700" dirty="0"/>
           </a:p>
         </p:txBody>
       </p:sp>
-      <p:sp>
-        <p:nvSpPr>
-          <p:cNvPr id="155" name="Прямоугольник 154"/>
+      <p:cxnSp>
+        <p:nvCxnSpPr>
+          <p:cNvPr id="173" name="Прямая со стрелкой 172"/>
+          <p:cNvCxnSpPr>
+            <a:stCxn id="105" idx="2"/>
+            <a:endCxn id="170" idx="0"/>
+          </p:cNvCxnSpPr>
+          <p:nvPr/>
+        </p:nvCxnSpPr>
+        <p:spPr>
+          <a:xfrm>
+            <a:off x="24643369" y="8516784"/>
+            <a:ext cx="0" cy="3257943"/>
+          </a:xfrm>
+          <a:prstGeom prst="straightConnector1">
+            <a:avLst/>
+          </a:prstGeom>
+          <a:ln w="19050">
+            <a:tailEnd type="arrow"/>
+          </a:ln>
+        </p:spPr>
+        <p:style>
+          <a:lnRef idx="1">
+            <a:schemeClr val="accent1"/>
+          </a:lnRef>
+          <a:fillRef idx="0">
+            <a:schemeClr val="accent1"/>
+          </a:fillRef>
+          <a:effectRef idx="0">
+            <a:schemeClr val="accent1"/>
+          </a:effectRef>
+          <a:fontRef idx="minor">
+            <a:schemeClr val="tx1"/>
+          </a:fontRef>
+        </p:style>
+      </p:cxnSp>
+      <p:sp>
+        <p:nvSpPr>
+          <p:cNvPr id="163" name="Прямоугольник 162"/>
           <p:cNvSpPr/>
           <p:nvPr/>
         </p:nvSpPr>
         <p:spPr>
           <a:xfrm>
-            <a:off x="20536485" y="9500953"/>
+            <a:off x="19478838" y="9500953"/>
             <a:ext cx="926325" cy="540000"/>
           </a:xfrm>
           <a:prstGeom prst="rect">
@@ -8663,20 +8613,21 @@
             <a:pPr algn="ctr"/>
             <a:r>
               <a:rPr lang="ru-RU" sz="700" dirty="0" smtClean="0"/>
-              <a:t>Создание католика-монархического общества</a:t>
-            </a:r>
-          </a:p>
-        </p:txBody>
-      </p:sp>
-      <p:sp>
-        <p:nvSpPr>
-          <p:cNvPr id="156" name="Прямоугольник 155"/>
+              <a:t>Испанский средиземноморский флот</a:t>
+            </a:r>
+            <a:endParaRPr lang="ru-RU" sz="700" dirty="0"/>
+          </a:p>
+        </p:txBody>
+      </p:sp>
+      <p:sp>
+        <p:nvSpPr>
+          <p:cNvPr id="155" name="Прямоугольник 154"/>
           <p:cNvSpPr/>
           <p:nvPr/>
         </p:nvSpPr>
         <p:spPr>
           <a:xfrm>
-            <a:off x="19478838" y="10254896"/>
+            <a:off x="20536485" y="9500953"/>
             <a:ext cx="926325" cy="540000"/>
           </a:xfrm>
           <a:prstGeom prst="rect">
@@ -8713,57 +8664,21 @@
           <a:p>
             <a:pPr algn="ctr"/>
             <a:r>
-              <a:rPr lang="ru-RU" sz="700" dirty="0"/>
-              <a:t>Претензии на земли Габсбургов</a:t>
-            </a:r>
-          </a:p>
-        </p:txBody>
-      </p:sp>
-      <p:cxnSp>
-        <p:nvCxnSpPr>
-          <p:cNvPr id="164" name="Прямая со стрелкой 163"/>
-          <p:cNvCxnSpPr>
-            <a:stCxn id="163" idx="2"/>
-            <a:endCxn id="156" idx="0"/>
-          </p:cNvCxnSpPr>
-          <p:nvPr/>
-        </p:nvCxnSpPr>
-        <p:spPr>
-          <a:xfrm>
-            <a:off x="19942001" y="10040953"/>
-            <a:ext cx="0" cy="213943"/>
-          </a:xfrm>
-          <a:prstGeom prst="straightConnector1">
-            <a:avLst/>
-          </a:prstGeom>
-          <a:ln w="19050">
-            <a:tailEnd type="arrow"/>
-          </a:ln>
-        </p:spPr>
-        <p:style>
-          <a:lnRef idx="1">
-            <a:schemeClr val="accent1"/>
-          </a:lnRef>
-          <a:fillRef idx="0">
-            <a:schemeClr val="accent1"/>
-          </a:fillRef>
-          <a:effectRef idx="0">
-            <a:schemeClr val="accent1"/>
-          </a:effectRef>
-          <a:fontRef idx="minor">
-            <a:schemeClr val="tx1"/>
-          </a:fontRef>
-        </p:style>
-      </p:cxnSp>
-      <p:sp>
-        <p:nvSpPr>
-          <p:cNvPr id="183" name="Прямоугольник 182"/>
+              <a:rPr lang="ru-RU" sz="700" dirty="0" smtClean="0"/>
+              <a:t>Создание католика-монархического общества</a:t>
+            </a:r>
+          </a:p>
+        </p:txBody>
+      </p:sp>
+      <p:sp>
+        <p:nvSpPr>
+          <p:cNvPr id="156" name="Прямоугольник 155"/>
           <p:cNvSpPr/>
           <p:nvPr/>
         </p:nvSpPr>
         <p:spPr>
           <a:xfrm>
-            <a:off x="20534705" y="10254644"/>
+            <a:off x="19478838" y="10254896"/>
             <a:ext cx="926325" cy="540000"/>
           </a:xfrm>
           <a:prstGeom prst="rect">
@@ -8800,6 +8715,93 @@
           <a:p>
             <a:pPr algn="ctr"/>
             <a:r>
+              <a:rPr lang="ru-RU" sz="700" dirty="0"/>
+              <a:t>Претензии на земли Габсбургов</a:t>
+            </a:r>
+          </a:p>
+        </p:txBody>
+      </p:sp>
+      <p:cxnSp>
+        <p:nvCxnSpPr>
+          <p:cNvPr id="164" name="Прямая со стрелкой 163"/>
+          <p:cNvCxnSpPr>
+            <a:stCxn id="163" idx="2"/>
+            <a:endCxn id="156" idx="0"/>
+          </p:cNvCxnSpPr>
+          <p:nvPr/>
+        </p:nvCxnSpPr>
+        <p:spPr>
+          <a:xfrm>
+            <a:off x="19942001" y="10040953"/>
+            <a:ext cx="0" cy="213943"/>
+          </a:xfrm>
+          <a:prstGeom prst="straightConnector1">
+            <a:avLst/>
+          </a:prstGeom>
+          <a:ln w="19050">
+            <a:tailEnd type="arrow"/>
+          </a:ln>
+        </p:spPr>
+        <p:style>
+          <a:lnRef idx="1">
+            <a:schemeClr val="accent1"/>
+          </a:lnRef>
+          <a:fillRef idx="0">
+            <a:schemeClr val="accent1"/>
+          </a:fillRef>
+          <a:effectRef idx="0">
+            <a:schemeClr val="accent1"/>
+          </a:effectRef>
+          <a:fontRef idx="minor">
+            <a:schemeClr val="tx1"/>
+          </a:fontRef>
+        </p:style>
+      </p:cxnSp>
+      <p:sp>
+        <p:nvSpPr>
+          <p:cNvPr id="183" name="Прямоугольник 182"/>
+          <p:cNvSpPr/>
+          <p:nvPr/>
+        </p:nvSpPr>
+        <p:spPr>
+          <a:xfrm>
+            <a:off x="20534705" y="10254644"/>
+            <a:ext cx="926325" cy="540000"/>
+          </a:xfrm>
+          <a:prstGeom prst="rect">
+            <a:avLst/>
+          </a:prstGeom>
+          <a:solidFill>
+            <a:srgbClr val="7030A0"/>
+          </a:solidFill>
+          <a:ln w="19050">
+            <a:solidFill>
+              <a:schemeClr val="accent4">
+                <a:lumMod val="75000"/>
+              </a:schemeClr>
+            </a:solidFill>
+          </a:ln>
+        </p:spPr>
+        <p:style>
+          <a:lnRef idx="2">
+            <a:schemeClr val="accent1"/>
+          </a:lnRef>
+          <a:fillRef idx="1">
+            <a:schemeClr val="lt1"/>
+          </a:fillRef>
+          <a:effectRef idx="0">
+            <a:schemeClr val="accent1"/>
+          </a:effectRef>
+          <a:fontRef idx="minor">
+            <a:schemeClr val="dk1"/>
+          </a:fontRef>
+        </p:style>
+        <p:txBody>
+          <a:bodyPr lIns="124733" tIns="62367" rIns="124733" bIns="62367" rtlCol="0" anchor="ctr"/>
+          <a:lstStyle/>
+          <a:p>
+            <a:pPr algn="ctr"/>
+            <a:r>
               <a:rPr lang="ru-RU" sz="700" dirty="0" smtClean="0"/>
               <a:t>Идея превыше всего!</a:t>
             </a:r>
@@ -9706,7 +9708,13 @@
           <a:solidFill>
             <a:srgbClr val="7030A0"/>
           </a:solidFill>
-          <a:ln w="19050"/>
+          <a:ln w="19050">
+            <a:solidFill>
+              <a:schemeClr val="accent4">
+                <a:lumMod val="75000"/>
+              </a:schemeClr>
+            </a:solidFill>
+          </a:ln>
         </p:spPr>
         <p:style>
           <a:lnRef idx="2">
@@ -9751,7 +9759,13 @@
           <a:solidFill>
             <a:srgbClr val="7030A0"/>
           </a:solidFill>
-          <a:ln w="19050"/>
+          <a:ln w="19050">
+            <a:solidFill>
+              <a:schemeClr val="accent4">
+                <a:lumMod val="75000"/>
+              </a:schemeClr>
+            </a:solidFill>
+          </a:ln>
         </p:spPr>
         <p:style>
           <a:lnRef idx="2">
@@ -9774,7 +9788,7 @@
             <a:pPr algn="ctr"/>
             <a:r>
               <a:rPr lang="ru-RU" sz="700" dirty="0" smtClean="0"/>
-              <a:t>Возродить империю (ванильное «восстановить империю»)</a:t>
+              <a:t>Возродить империю</a:t>
             </a:r>
             <a:endParaRPr lang="ru-RU" sz="700" dirty="0"/>
           </a:p>
@@ -9873,7 +9887,13 @@
           <a:solidFill>
             <a:srgbClr val="7030A0"/>
           </a:solidFill>
-          <a:ln w="19050"/>
+          <a:ln w="19050">
+            <a:solidFill>
+              <a:schemeClr val="accent4">
+                <a:lumMod val="75000"/>
+              </a:schemeClr>
+            </a:solidFill>
+          </a:ln>
         </p:spPr>
         <p:style>
           <a:lnRef idx="2">
@@ -9909,10 +9929,6 @@
             <a:r>
               <a:rPr lang="ru-RU" sz="700" dirty="0" err="1" smtClean="0"/>
               <a:t>Меллы</a:t>
-            </a:r>
-            <a:r>
-              <a:rPr lang="ru-RU" sz="700" dirty="0" smtClean="0"/>
-              <a:t>(ваниль)</a:t>
             </a:r>
             <a:endParaRPr lang="ru-RU" sz="700" dirty="0"/>
           </a:p>
@@ -10228,7 +10244,13 @@
           <a:solidFill>
             <a:srgbClr val="7030A0"/>
           </a:solidFill>
-          <a:ln w="19050"/>
+          <a:ln w="19050">
+            <a:solidFill>
+              <a:schemeClr val="accent4">
+                <a:lumMod val="75000"/>
+              </a:schemeClr>
+            </a:solidFill>
+          </a:ln>
         </p:spPr>
         <p:style>
           <a:lnRef idx="2">
@@ -10257,10 +10279,6 @@
               <a:rPr lang="ru-RU" sz="700" dirty="0" err="1" smtClean="0"/>
               <a:t>фуэрос</a:t>
             </a:r>
-            <a:r>
-              <a:rPr lang="ru-RU" sz="700" dirty="0" smtClean="0"/>
-              <a:t> (ваниль)</a:t>
-            </a:r>
             <a:endParaRPr lang="ru-RU" sz="700" dirty="0"/>
           </a:p>
         </p:txBody>
@@ -10310,6 +10328,1202 @@
         <p:spPr>
           <a:xfrm>
             <a:off x="22648930" y="14124141"/>
+            <a:ext cx="926325" cy="540000"/>
+          </a:xfrm>
+          <a:prstGeom prst="rect">
+            <a:avLst/>
+          </a:prstGeom>
+          <a:solidFill>
+            <a:srgbClr val="7030A0"/>
+          </a:solidFill>
+          <a:ln w="19050">
+            <a:solidFill>
+              <a:schemeClr val="accent4">
+                <a:lumMod val="75000"/>
+              </a:schemeClr>
+            </a:solidFill>
+          </a:ln>
+        </p:spPr>
+        <p:style>
+          <a:lnRef idx="2">
+            <a:schemeClr val="accent1"/>
+          </a:lnRef>
+          <a:fillRef idx="1">
+            <a:schemeClr val="lt1"/>
+          </a:fillRef>
+          <a:effectRef idx="0">
+            <a:schemeClr val="accent1"/>
+          </a:effectRef>
+          <a:fontRef idx="minor">
+            <a:schemeClr val="dk1"/>
+          </a:fontRef>
+        </p:style>
+        <p:txBody>
+          <a:bodyPr lIns="124733" tIns="62367" rIns="124733" bIns="62367" rtlCol="0" anchor="ctr"/>
+          <a:lstStyle/>
+          <a:p>
+            <a:pPr algn="ctr"/>
+            <a:r>
+              <a:rPr lang="ru-RU" sz="700" dirty="0" smtClean="0"/>
+              <a:t>Защитники католичества</a:t>
+            </a:r>
+            <a:endParaRPr lang="ru-RU" sz="700" dirty="0"/>
+          </a:p>
+        </p:txBody>
+      </p:sp>
+      <p:sp>
+        <p:nvSpPr>
+          <p:cNvPr id="238" name="Прямоугольник 237"/>
+          <p:cNvSpPr/>
+          <p:nvPr/>
+        </p:nvSpPr>
+        <p:spPr>
+          <a:xfrm>
+            <a:off x="21601657" y="14124141"/>
+            <a:ext cx="926325" cy="540000"/>
+          </a:xfrm>
+          <a:prstGeom prst="rect">
+            <a:avLst/>
+          </a:prstGeom>
+          <a:solidFill>
+            <a:srgbClr val="7030A0"/>
+          </a:solidFill>
+          <a:ln w="19050">
+            <a:solidFill>
+              <a:schemeClr val="accent4">
+                <a:lumMod val="75000"/>
+              </a:schemeClr>
+            </a:solidFill>
+          </a:ln>
+        </p:spPr>
+        <p:style>
+          <a:lnRef idx="2">
+            <a:schemeClr val="accent1"/>
+          </a:lnRef>
+          <a:fillRef idx="1">
+            <a:schemeClr val="lt1"/>
+          </a:fillRef>
+          <a:effectRef idx="0">
+            <a:schemeClr val="accent1"/>
+          </a:effectRef>
+          <a:fontRef idx="minor">
+            <a:schemeClr val="dk1"/>
+          </a:fontRef>
+        </p:style>
+        <p:txBody>
+          <a:bodyPr lIns="124733" tIns="62367" rIns="124733" bIns="62367" rtlCol="0" anchor="ctr"/>
+          <a:lstStyle/>
+          <a:p>
+            <a:pPr algn="ctr"/>
+            <a:r>
+              <a:rPr lang="ru-RU" sz="700" dirty="0" smtClean="0"/>
+              <a:t>Культивировать фанатизм</a:t>
+            </a:r>
+            <a:endParaRPr lang="ru-RU" sz="700" dirty="0"/>
+          </a:p>
+        </p:txBody>
+      </p:sp>
+      <p:cxnSp>
+        <p:nvCxnSpPr>
+          <p:cNvPr id="239" name="Соединительная линия уступом 124"/>
+          <p:cNvCxnSpPr>
+            <a:stCxn id="280" idx="2"/>
+            <a:endCxn id="176" idx="0"/>
+          </p:cNvCxnSpPr>
+          <p:nvPr/>
+        </p:nvCxnSpPr>
+        <p:spPr>
+          <a:xfrm rot="16200000" flipH="1">
+            <a:off x="22463105" y="13233164"/>
+            <a:ext cx="238507" cy="2779"/>
+          </a:xfrm>
+          <a:prstGeom prst="bentConnector3">
+            <a:avLst>
+              <a:gd name="adj1" fmla="val 50000"/>
+            </a:avLst>
+          </a:prstGeom>
+          <a:ln w="19050">
+            <a:tailEnd type="arrow"/>
+          </a:ln>
+        </p:spPr>
+        <p:style>
+          <a:lnRef idx="1">
+            <a:schemeClr val="accent1"/>
+          </a:lnRef>
+          <a:fillRef idx="0">
+            <a:schemeClr val="accent1"/>
+          </a:fillRef>
+          <a:effectRef idx="0">
+            <a:schemeClr val="accent1"/>
+          </a:effectRef>
+          <a:fontRef idx="minor">
+            <a:schemeClr val="tx1"/>
+          </a:fontRef>
+        </p:style>
+      </p:cxnSp>
+      <p:sp>
+        <p:nvSpPr>
+          <p:cNvPr id="259" name="Прямоугольник 258"/>
+          <p:cNvSpPr/>
+          <p:nvPr/>
+        </p:nvSpPr>
+        <p:spPr>
+          <a:xfrm>
+            <a:off x="24181810" y="14135106"/>
+            <a:ext cx="926325" cy="540000"/>
+          </a:xfrm>
+          <a:prstGeom prst="rect">
+            <a:avLst/>
+          </a:prstGeom>
+          <a:solidFill>
+            <a:srgbClr val="7030A0"/>
+          </a:solidFill>
+          <a:ln w="19050">
+            <a:solidFill>
+              <a:schemeClr val="accent4">
+                <a:lumMod val="75000"/>
+              </a:schemeClr>
+            </a:solidFill>
+          </a:ln>
+        </p:spPr>
+        <p:style>
+          <a:lnRef idx="2">
+            <a:schemeClr val="accent1"/>
+          </a:lnRef>
+          <a:fillRef idx="1">
+            <a:schemeClr val="lt1"/>
+          </a:fillRef>
+          <a:effectRef idx="0">
+            <a:schemeClr val="accent1"/>
+          </a:effectRef>
+          <a:fontRef idx="minor">
+            <a:schemeClr val="dk1"/>
+          </a:fontRef>
+        </p:style>
+        <p:txBody>
+          <a:bodyPr lIns="124733" tIns="62367" rIns="124733" bIns="62367" rtlCol="0" anchor="ctr"/>
+          <a:lstStyle/>
+          <a:p>
+            <a:pPr algn="ctr"/>
+            <a:r>
+              <a:rPr lang="ru-RU" sz="700" dirty="0" smtClean="0"/>
+              <a:t>Поощрить местную разработку месторождений</a:t>
+            </a:r>
+            <a:endParaRPr lang="ru-RU" sz="700" dirty="0"/>
+          </a:p>
+        </p:txBody>
+      </p:sp>
+      <p:cxnSp>
+        <p:nvCxnSpPr>
+          <p:cNvPr id="261" name="Прямая со стрелкой 260"/>
+          <p:cNvCxnSpPr>
+            <a:stCxn id="228" idx="2"/>
+            <a:endCxn id="284" idx="0"/>
+          </p:cNvCxnSpPr>
+          <p:nvPr/>
+        </p:nvCxnSpPr>
+        <p:spPr>
+          <a:xfrm flipH="1">
+            <a:off x="24644973" y="13125502"/>
+            <a:ext cx="728" cy="234192"/>
+          </a:xfrm>
+          <a:prstGeom prst="straightConnector1">
+            <a:avLst/>
+          </a:prstGeom>
+          <a:ln w="19050">
+            <a:tailEnd type="arrow"/>
+          </a:ln>
+        </p:spPr>
+        <p:style>
+          <a:lnRef idx="1">
+            <a:schemeClr val="accent1"/>
+          </a:lnRef>
+          <a:fillRef idx="0">
+            <a:schemeClr val="accent1"/>
+          </a:fillRef>
+          <a:effectRef idx="0">
+            <a:schemeClr val="accent1"/>
+          </a:effectRef>
+          <a:fontRef idx="minor">
+            <a:schemeClr val="tx1"/>
+          </a:fontRef>
+        </p:style>
+      </p:cxnSp>
+      <p:sp>
+        <p:nvSpPr>
+          <p:cNvPr id="266" name="Прямоугольник 265"/>
+          <p:cNvSpPr/>
+          <p:nvPr/>
+        </p:nvSpPr>
+        <p:spPr>
+          <a:xfrm>
+            <a:off x="26312704" y="13358602"/>
+            <a:ext cx="926325" cy="540000"/>
+          </a:xfrm>
+          <a:prstGeom prst="rect">
+            <a:avLst/>
+          </a:prstGeom>
+          <a:solidFill>
+            <a:srgbClr val="7030A0"/>
+          </a:solidFill>
+          <a:ln w="19050">
+            <a:solidFill>
+              <a:schemeClr val="accent4">
+                <a:lumMod val="75000"/>
+              </a:schemeClr>
+            </a:solidFill>
+          </a:ln>
+        </p:spPr>
+        <p:style>
+          <a:lnRef idx="2">
+            <a:schemeClr val="accent1"/>
+          </a:lnRef>
+          <a:fillRef idx="1">
+            <a:schemeClr val="lt1"/>
+          </a:fillRef>
+          <a:effectRef idx="0">
+            <a:schemeClr val="accent1"/>
+          </a:effectRef>
+          <a:fontRef idx="minor">
+            <a:schemeClr val="dk1"/>
+          </a:fontRef>
+        </p:style>
+        <p:txBody>
+          <a:bodyPr lIns="124733" tIns="62367" rIns="124733" bIns="62367" rtlCol="0" anchor="ctr"/>
+          <a:lstStyle/>
+          <a:p>
+            <a:pPr algn="ctr"/>
+            <a:r>
+              <a:rPr lang="ru-RU" sz="700" dirty="0" smtClean="0"/>
+              <a:t>Флот достойный короля </a:t>
+            </a:r>
+            <a:endParaRPr lang="ru-RU" sz="700" dirty="0"/>
+          </a:p>
+        </p:txBody>
+      </p:sp>
+      <p:cxnSp>
+        <p:nvCxnSpPr>
+          <p:cNvPr id="267" name="Соединительная линия уступом 124"/>
+          <p:cNvCxnSpPr>
+            <a:stCxn id="281" idx="2"/>
+            <a:endCxn id="266" idx="0"/>
+          </p:cNvCxnSpPr>
+          <p:nvPr/>
+        </p:nvCxnSpPr>
+        <p:spPr>
+          <a:xfrm rot="16200000" flipH="1">
+            <a:off x="26650603" y="13233337"/>
+            <a:ext cx="243301" cy="7227"/>
+          </a:xfrm>
+          <a:prstGeom prst="bentConnector3">
+            <a:avLst>
+              <a:gd name="adj1" fmla="val 50000"/>
+            </a:avLst>
+          </a:prstGeom>
+          <a:ln w="19050">
+            <a:tailEnd type="arrow"/>
+          </a:ln>
+        </p:spPr>
+        <p:style>
+          <a:lnRef idx="1">
+            <a:schemeClr val="accent1"/>
+          </a:lnRef>
+          <a:fillRef idx="0">
+            <a:schemeClr val="accent1"/>
+          </a:fillRef>
+          <a:effectRef idx="0">
+            <a:schemeClr val="accent1"/>
+          </a:effectRef>
+          <a:fontRef idx="minor">
+            <a:schemeClr val="tx1"/>
+          </a:fontRef>
+        </p:style>
+      </p:cxnSp>
+      <p:sp>
+        <p:nvSpPr>
+          <p:cNvPr id="270" name="Прямоугольник 269"/>
+          <p:cNvSpPr/>
+          <p:nvPr/>
+        </p:nvSpPr>
+        <p:spPr>
+          <a:xfrm>
+            <a:off x="26311485" y="14147423"/>
+            <a:ext cx="926325" cy="540000"/>
+          </a:xfrm>
+          <a:prstGeom prst="rect">
+            <a:avLst/>
+          </a:prstGeom>
+          <a:solidFill>
+            <a:srgbClr val="7030A0"/>
+          </a:solidFill>
+          <a:ln w="19050">
+            <a:solidFill>
+              <a:schemeClr val="accent4">
+                <a:lumMod val="75000"/>
+              </a:schemeClr>
+            </a:solidFill>
+          </a:ln>
+        </p:spPr>
+        <p:style>
+          <a:lnRef idx="2">
+            <a:schemeClr val="accent1"/>
+          </a:lnRef>
+          <a:fillRef idx="1">
+            <a:schemeClr val="lt1"/>
+          </a:fillRef>
+          <a:effectRef idx="0">
+            <a:schemeClr val="accent1"/>
+          </a:effectRef>
+          <a:fontRef idx="minor">
+            <a:schemeClr val="dk1"/>
+          </a:fontRef>
+        </p:style>
+        <p:txBody>
+          <a:bodyPr lIns="124733" tIns="62367" rIns="124733" bIns="62367" rtlCol="0" anchor="ctr"/>
+          <a:lstStyle/>
+          <a:p>
+            <a:pPr algn="ctr"/>
+            <a:r>
+              <a:rPr lang="ru-RU" sz="700" dirty="0" smtClean="0"/>
+              <a:t>Вернуть славу Испанской армады </a:t>
+            </a:r>
+            <a:endParaRPr lang="ru-RU" sz="500" dirty="0"/>
+          </a:p>
+        </p:txBody>
+      </p:sp>
+      <p:sp>
+        <p:nvSpPr>
+          <p:cNvPr id="271" name="Прямоугольник 270"/>
+          <p:cNvSpPr/>
+          <p:nvPr/>
+        </p:nvSpPr>
+        <p:spPr>
+          <a:xfrm>
+            <a:off x="26311484" y="14900888"/>
+            <a:ext cx="926325" cy="540000"/>
+          </a:xfrm>
+          <a:prstGeom prst="rect">
+            <a:avLst/>
+          </a:prstGeom>
+          <a:solidFill>
+            <a:srgbClr val="7030A0"/>
+          </a:solidFill>
+          <a:ln w="19050">
+            <a:solidFill>
+              <a:schemeClr val="accent4">
+                <a:lumMod val="75000"/>
+              </a:schemeClr>
+            </a:solidFill>
+          </a:ln>
+        </p:spPr>
+        <p:style>
+          <a:lnRef idx="2">
+            <a:schemeClr val="accent1"/>
+          </a:lnRef>
+          <a:fillRef idx="1">
+            <a:schemeClr val="lt1"/>
+          </a:fillRef>
+          <a:effectRef idx="0">
+            <a:schemeClr val="accent1"/>
+          </a:effectRef>
+          <a:fontRef idx="minor">
+            <a:schemeClr val="dk1"/>
+          </a:fontRef>
+        </p:style>
+        <p:txBody>
+          <a:bodyPr lIns="124733" tIns="62367" rIns="124733" bIns="62367" rtlCol="0" anchor="ctr"/>
+          <a:lstStyle/>
+          <a:p>
+            <a:pPr algn="ctr"/>
+            <a:r>
+              <a:rPr lang="ru-RU" sz="700" dirty="0" smtClean="0"/>
+              <a:t>Имперская безопасность</a:t>
+            </a:r>
+            <a:endParaRPr lang="ru-RU" sz="700" dirty="0"/>
+          </a:p>
+        </p:txBody>
+      </p:sp>
+      <p:cxnSp>
+        <p:nvCxnSpPr>
+          <p:cNvPr id="272" name="Прямая со стрелкой 271"/>
+          <p:cNvCxnSpPr>
+            <a:stCxn id="266" idx="2"/>
+            <a:endCxn id="270" idx="0"/>
+          </p:cNvCxnSpPr>
+          <p:nvPr/>
+        </p:nvCxnSpPr>
+        <p:spPr>
+          <a:xfrm flipH="1">
+            <a:off x="26774648" y="13898602"/>
+            <a:ext cx="1219" cy="248821"/>
+          </a:xfrm>
+          <a:prstGeom prst="straightConnector1">
+            <a:avLst/>
+          </a:prstGeom>
+          <a:ln w="19050">
+            <a:tailEnd type="arrow"/>
+          </a:ln>
+        </p:spPr>
+        <p:style>
+          <a:lnRef idx="1">
+            <a:schemeClr val="accent1"/>
+          </a:lnRef>
+          <a:fillRef idx="0">
+            <a:schemeClr val="accent1"/>
+          </a:fillRef>
+          <a:effectRef idx="0">
+            <a:schemeClr val="accent1"/>
+          </a:effectRef>
+          <a:fontRef idx="minor">
+            <a:schemeClr val="tx1"/>
+          </a:fontRef>
+        </p:style>
+      </p:cxnSp>
+      <p:cxnSp>
+        <p:nvCxnSpPr>
+          <p:cNvPr id="277" name="Прямая со стрелкой 276"/>
+          <p:cNvCxnSpPr>
+            <a:stCxn id="270" idx="2"/>
+            <a:endCxn id="271" idx="0"/>
+          </p:cNvCxnSpPr>
+          <p:nvPr/>
+        </p:nvCxnSpPr>
+        <p:spPr>
+          <a:xfrm flipH="1">
+            <a:off x="26774647" y="14687423"/>
+            <a:ext cx="1" cy="213465"/>
+          </a:xfrm>
+          <a:prstGeom prst="straightConnector1">
+            <a:avLst/>
+          </a:prstGeom>
+          <a:ln w="19050">
+            <a:tailEnd type="arrow"/>
+          </a:ln>
+        </p:spPr>
+        <p:style>
+          <a:lnRef idx="1">
+            <a:schemeClr val="accent1"/>
+          </a:lnRef>
+          <a:fillRef idx="0">
+            <a:schemeClr val="accent1"/>
+          </a:fillRef>
+          <a:effectRef idx="0">
+            <a:schemeClr val="accent1"/>
+          </a:effectRef>
+          <a:fontRef idx="minor">
+            <a:schemeClr val="tx1"/>
+          </a:fontRef>
+        </p:style>
+      </p:cxnSp>
+      <p:sp>
+        <p:nvSpPr>
+          <p:cNvPr id="284" name="Прямоугольник 283"/>
+          <p:cNvSpPr/>
+          <p:nvPr/>
+        </p:nvSpPr>
+        <p:spPr>
+          <a:xfrm>
+            <a:off x="24181810" y="13359694"/>
+            <a:ext cx="926325" cy="540000"/>
+          </a:xfrm>
+          <a:prstGeom prst="rect">
+            <a:avLst/>
+          </a:prstGeom>
+          <a:solidFill>
+            <a:srgbClr val="7030A0"/>
+          </a:solidFill>
+          <a:ln w="19050">
+            <a:solidFill>
+              <a:schemeClr val="accent4">
+                <a:lumMod val="75000"/>
+              </a:schemeClr>
+            </a:solidFill>
+          </a:ln>
+        </p:spPr>
+        <p:style>
+          <a:lnRef idx="2">
+            <a:schemeClr val="accent1"/>
+          </a:lnRef>
+          <a:fillRef idx="1">
+            <a:schemeClr val="lt1"/>
+          </a:fillRef>
+          <a:effectRef idx="0">
+            <a:schemeClr val="accent1"/>
+          </a:effectRef>
+          <a:fontRef idx="minor">
+            <a:schemeClr val="dk1"/>
+          </a:fontRef>
+        </p:style>
+        <p:txBody>
+          <a:bodyPr lIns="124733" tIns="62367" rIns="124733" bIns="62367" rtlCol="0" anchor="ctr"/>
+          <a:lstStyle/>
+          <a:p>
+            <a:pPr algn="ctr"/>
+            <a:r>
+              <a:rPr lang="ru-RU" sz="700" dirty="0" smtClean="0"/>
+              <a:t>Поощрить местную индустриализацию</a:t>
+            </a:r>
+            <a:endParaRPr lang="ru-RU" sz="700" dirty="0"/>
+          </a:p>
+        </p:txBody>
+      </p:sp>
+      <p:cxnSp>
+        <p:nvCxnSpPr>
+          <p:cNvPr id="287" name="Прямая со стрелкой 286"/>
+          <p:cNvCxnSpPr>
+            <a:stCxn id="284" idx="2"/>
+            <a:endCxn id="259" idx="0"/>
+          </p:cNvCxnSpPr>
+          <p:nvPr/>
+        </p:nvCxnSpPr>
+        <p:spPr>
+          <a:xfrm>
+            <a:off x="24644973" y="13899694"/>
+            <a:ext cx="0" cy="235412"/>
+          </a:xfrm>
+          <a:prstGeom prst="straightConnector1">
+            <a:avLst/>
+          </a:prstGeom>
+          <a:ln w="19050">
+            <a:tailEnd type="arrow"/>
+          </a:ln>
+        </p:spPr>
+        <p:style>
+          <a:lnRef idx="1">
+            <a:schemeClr val="accent1"/>
+          </a:lnRef>
+          <a:fillRef idx="0">
+            <a:schemeClr val="accent1"/>
+          </a:fillRef>
+          <a:effectRef idx="0">
+            <a:schemeClr val="accent1"/>
+          </a:effectRef>
+          <a:fontRef idx="minor">
+            <a:schemeClr val="tx1"/>
+          </a:fontRef>
+        </p:style>
+      </p:cxnSp>
+      <p:sp>
+        <p:nvSpPr>
+          <p:cNvPr id="292" name="Прямоугольник 291"/>
+          <p:cNvSpPr/>
+          <p:nvPr/>
+        </p:nvSpPr>
+        <p:spPr>
+          <a:xfrm>
+            <a:off x="27446531" y="13351286"/>
+            <a:ext cx="926325" cy="540000"/>
+          </a:xfrm>
+          <a:prstGeom prst="rect">
+            <a:avLst/>
+          </a:prstGeom>
+          <a:solidFill>
+            <a:srgbClr val="7030A0"/>
+          </a:solidFill>
+          <a:ln w="19050">
+            <a:solidFill>
+              <a:schemeClr val="accent4">
+                <a:lumMod val="75000"/>
+              </a:schemeClr>
+            </a:solidFill>
+          </a:ln>
+        </p:spPr>
+        <p:style>
+          <a:lnRef idx="2">
+            <a:schemeClr val="accent1"/>
+          </a:lnRef>
+          <a:fillRef idx="1">
+            <a:schemeClr val="lt1"/>
+          </a:fillRef>
+          <a:effectRef idx="0">
+            <a:schemeClr val="accent1"/>
+          </a:effectRef>
+          <a:fontRef idx="minor">
+            <a:schemeClr val="dk1"/>
+          </a:fontRef>
+        </p:style>
+        <p:txBody>
+          <a:bodyPr lIns="124733" tIns="62367" rIns="124733" bIns="62367" rtlCol="0" anchor="ctr"/>
+          <a:lstStyle/>
+          <a:p>
+            <a:pPr algn="ctr"/>
+            <a:r>
+              <a:rPr lang="ru-RU" sz="700" dirty="0" smtClean="0"/>
+              <a:t>Усилить империю</a:t>
+            </a:r>
+            <a:endParaRPr lang="ru-RU" sz="700" dirty="0"/>
+          </a:p>
+        </p:txBody>
+      </p:sp>
+      <p:sp>
+        <p:nvSpPr>
+          <p:cNvPr id="297" name="Прямоугольник 296"/>
+          <p:cNvSpPr/>
+          <p:nvPr/>
+        </p:nvSpPr>
+        <p:spPr>
+          <a:xfrm>
+            <a:off x="25272727" y="14147425"/>
+            <a:ext cx="926325" cy="540000"/>
+          </a:xfrm>
+          <a:prstGeom prst="rect">
+            <a:avLst/>
+          </a:prstGeom>
+          <a:solidFill>
+            <a:srgbClr val="7030A0"/>
+          </a:solidFill>
+          <a:ln w="19050">
+            <a:solidFill>
+              <a:schemeClr val="accent4">
+                <a:lumMod val="75000"/>
+              </a:schemeClr>
+            </a:solidFill>
+          </a:ln>
+        </p:spPr>
+        <p:style>
+          <a:lnRef idx="2">
+            <a:schemeClr val="accent1"/>
+          </a:lnRef>
+          <a:fillRef idx="1">
+            <a:schemeClr val="lt1"/>
+          </a:fillRef>
+          <a:effectRef idx="0">
+            <a:schemeClr val="accent1"/>
+          </a:effectRef>
+          <a:fontRef idx="minor">
+            <a:schemeClr val="dk1"/>
+          </a:fontRef>
+        </p:style>
+        <p:txBody>
+          <a:bodyPr lIns="124733" tIns="62367" rIns="124733" bIns="62367" rtlCol="0" anchor="ctr"/>
+          <a:lstStyle/>
+          <a:p>
+            <a:pPr algn="ctr"/>
+            <a:r>
+              <a:rPr lang="ru-RU" sz="700" dirty="0" smtClean="0"/>
+              <a:t>Отобрать Испанские Нидерланды</a:t>
+            </a:r>
+            <a:endParaRPr lang="ru-RU" sz="700" dirty="0"/>
+          </a:p>
+        </p:txBody>
+      </p:sp>
+      <p:sp>
+        <p:nvSpPr>
+          <p:cNvPr id="298" name="Прямоугольник 297"/>
+          <p:cNvSpPr/>
+          <p:nvPr/>
+        </p:nvSpPr>
+        <p:spPr>
+          <a:xfrm>
+            <a:off x="25271508" y="14899672"/>
+            <a:ext cx="926325" cy="540000"/>
+          </a:xfrm>
+          <a:prstGeom prst="rect">
+            <a:avLst/>
+          </a:prstGeom>
+          <a:solidFill>
+            <a:srgbClr val="7030A0"/>
+          </a:solidFill>
+          <a:ln w="19050">
+            <a:solidFill>
+              <a:schemeClr val="accent4">
+                <a:lumMod val="75000"/>
+              </a:schemeClr>
+            </a:solidFill>
+          </a:ln>
+        </p:spPr>
+        <p:style>
+          <a:lnRef idx="2">
+            <a:schemeClr val="accent1"/>
+          </a:lnRef>
+          <a:fillRef idx="1">
+            <a:schemeClr val="lt1"/>
+          </a:fillRef>
+          <a:effectRef idx="0">
+            <a:schemeClr val="accent1"/>
+          </a:effectRef>
+          <a:fontRef idx="minor">
+            <a:schemeClr val="dk1"/>
+          </a:fontRef>
+        </p:style>
+        <p:txBody>
+          <a:bodyPr lIns="124733" tIns="62367" rIns="124733" bIns="62367" rtlCol="0" anchor="ctr"/>
+          <a:lstStyle/>
+          <a:p>
+            <a:pPr algn="ctr"/>
+            <a:r>
+              <a:rPr lang="ru-RU" sz="700" dirty="0" smtClean="0"/>
+              <a:t>Вернуть Филиппины</a:t>
+            </a:r>
+            <a:endParaRPr lang="ru-RU" sz="700" dirty="0"/>
+          </a:p>
+        </p:txBody>
+      </p:sp>
+      <p:sp>
+        <p:nvSpPr>
+          <p:cNvPr id="299" name="Прямоугольник 298"/>
+          <p:cNvSpPr/>
+          <p:nvPr/>
+        </p:nvSpPr>
+        <p:spPr>
+          <a:xfrm>
+            <a:off x="27428273" y="14152302"/>
+            <a:ext cx="926325" cy="540000"/>
+          </a:xfrm>
+          <a:prstGeom prst="rect">
+            <a:avLst/>
+          </a:prstGeom>
+          <a:solidFill>
+            <a:srgbClr val="7030A0"/>
+          </a:solidFill>
+          <a:ln w="19050">
+            <a:solidFill>
+              <a:schemeClr val="accent4">
+                <a:lumMod val="75000"/>
+              </a:schemeClr>
+            </a:solidFill>
+          </a:ln>
+        </p:spPr>
+        <p:style>
+          <a:lnRef idx="2">
+            <a:schemeClr val="accent1"/>
+          </a:lnRef>
+          <a:fillRef idx="1">
+            <a:schemeClr val="lt1"/>
+          </a:fillRef>
+          <a:effectRef idx="0">
+            <a:schemeClr val="accent1"/>
+          </a:effectRef>
+          <a:fontRef idx="minor">
+            <a:schemeClr val="dk1"/>
+          </a:fontRef>
+        </p:style>
+        <p:txBody>
+          <a:bodyPr lIns="124733" tIns="62367" rIns="124733" bIns="62367" rtlCol="0" anchor="ctr"/>
+          <a:lstStyle/>
+          <a:p>
+            <a:pPr algn="ctr"/>
+            <a:r>
+              <a:rPr lang="ru-RU" sz="700" dirty="0" smtClean="0"/>
+              <a:t>Вернуть Кубу</a:t>
+            </a:r>
+            <a:endParaRPr lang="ru-RU" sz="700" dirty="0"/>
+          </a:p>
+        </p:txBody>
+      </p:sp>
+      <p:sp>
+        <p:nvSpPr>
+          <p:cNvPr id="300" name="Прямоугольник 299"/>
+          <p:cNvSpPr/>
+          <p:nvPr/>
+        </p:nvSpPr>
+        <p:spPr>
+          <a:xfrm>
+            <a:off x="27427053" y="14911863"/>
+            <a:ext cx="926325" cy="540000"/>
+          </a:xfrm>
+          <a:prstGeom prst="rect">
+            <a:avLst/>
+          </a:prstGeom>
+          <a:solidFill>
+            <a:srgbClr val="7030A0"/>
+          </a:solidFill>
+          <a:ln w="19050">
+            <a:solidFill>
+              <a:schemeClr val="accent4">
+                <a:lumMod val="75000"/>
+              </a:schemeClr>
+            </a:solidFill>
+          </a:ln>
+        </p:spPr>
+        <p:style>
+          <a:lnRef idx="2">
+            <a:schemeClr val="accent1"/>
+          </a:lnRef>
+          <a:fillRef idx="1">
+            <a:schemeClr val="lt1"/>
+          </a:fillRef>
+          <a:effectRef idx="0">
+            <a:schemeClr val="accent1"/>
+          </a:effectRef>
+          <a:fontRef idx="minor">
+            <a:schemeClr val="dk1"/>
+          </a:fontRef>
+        </p:style>
+        <p:txBody>
+          <a:bodyPr lIns="124733" tIns="62367" rIns="124733" bIns="62367" rtlCol="0" anchor="ctr"/>
+          <a:lstStyle/>
+          <a:p>
+            <a:pPr algn="ctr"/>
+            <a:r>
+              <a:rPr lang="ru-RU" sz="700" dirty="0" smtClean="0"/>
+              <a:t>Вернуть Мексику</a:t>
+            </a:r>
+            <a:endParaRPr lang="ru-RU" sz="700" dirty="0"/>
+          </a:p>
+        </p:txBody>
+      </p:sp>
+      <p:cxnSp>
+        <p:nvCxnSpPr>
+          <p:cNvPr id="301" name="Соединительная линия уступом 124"/>
+          <p:cNvCxnSpPr>
+            <a:stCxn id="266" idx="2"/>
+            <a:endCxn id="299" idx="0"/>
+          </p:cNvCxnSpPr>
+          <p:nvPr/>
+        </p:nvCxnSpPr>
+        <p:spPr>
+          <a:xfrm rot="16200000" flipH="1">
+            <a:off x="27206801" y="13467667"/>
+            <a:ext cx="253700" cy="1115569"/>
+          </a:xfrm>
+          <a:prstGeom prst="bentConnector3">
+            <a:avLst>
+              <a:gd name="adj1" fmla="val 50000"/>
+            </a:avLst>
+          </a:prstGeom>
+          <a:ln w="19050">
+            <a:tailEnd type="arrow"/>
+          </a:ln>
+        </p:spPr>
+        <p:style>
+          <a:lnRef idx="1">
+            <a:schemeClr val="accent1"/>
+          </a:lnRef>
+          <a:fillRef idx="0">
+            <a:schemeClr val="accent1"/>
+          </a:fillRef>
+          <a:effectRef idx="0">
+            <a:schemeClr val="accent1"/>
+          </a:effectRef>
+          <a:fontRef idx="minor">
+            <a:schemeClr val="tx1"/>
+          </a:fontRef>
+        </p:style>
+      </p:cxnSp>
+      <p:cxnSp>
+        <p:nvCxnSpPr>
+          <p:cNvPr id="304" name="Соединительная линия уступом 124"/>
+          <p:cNvCxnSpPr>
+            <a:stCxn id="266" idx="2"/>
+            <a:endCxn id="297" idx="0"/>
+          </p:cNvCxnSpPr>
+          <p:nvPr/>
+        </p:nvCxnSpPr>
+        <p:spPr>
+          <a:xfrm rot="5400000">
+            <a:off x="26131468" y="13503025"/>
+            <a:ext cx="248823" cy="1039977"/>
+          </a:xfrm>
+          <a:prstGeom prst="bentConnector3">
+            <a:avLst>
+              <a:gd name="adj1" fmla="val 50000"/>
+            </a:avLst>
+          </a:prstGeom>
+          <a:ln w="19050">
+            <a:tailEnd type="arrow"/>
+          </a:ln>
+        </p:spPr>
+        <p:style>
+          <a:lnRef idx="1">
+            <a:schemeClr val="accent1"/>
+          </a:lnRef>
+          <a:fillRef idx="0">
+            <a:schemeClr val="accent1"/>
+          </a:fillRef>
+          <a:effectRef idx="0">
+            <a:schemeClr val="accent1"/>
+          </a:effectRef>
+          <a:fontRef idx="minor">
+            <a:schemeClr val="tx1"/>
+          </a:fontRef>
+        </p:style>
+      </p:cxnSp>
+      <p:cxnSp>
+        <p:nvCxnSpPr>
+          <p:cNvPr id="308" name="Прямая со стрелкой 307"/>
+          <p:cNvCxnSpPr>
+            <a:stCxn id="297" idx="2"/>
+            <a:endCxn id="298" idx="0"/>
+          </p:cNvCxnSpPr>
+          <p:nvPr/>
+        </p:nvCxnSpPr>
+        <p:spPr>
+          <a:xfrm flipH="1">
+            <a:off x="25734671" y="14687425"/>
+            <a:ext cx="1219" cy="212247"/>
+          </a:xfrm>
+          <a:prstGeom prst="straightConnector1">
+            <a:avLst/>
+          </a:prstGeom>
+          <a:ln w="19050">
+            <a:tailEnd type="arrow"/>
+          </a:ln>
+        </p:spPr>
+        <p:style>
+          <a:lnRef idx="1">
+            <a:schemeClr val="accent1"/>
+          </a:lnRef>
+          <a:fillRef idx="0">
+            <a:schemeClr val="accent1"/>
+          </a:fillRef>
+          <a:effectRef idx="0">
+            <a:schemeClr val="accent1"/>
+          </a:effectRef>
+          <a:fontRef idx="minor">
+            <a:schemeClr val="tx1"/>
+          </a:fontRef>
+        </p:style>
+      </p:cxnSp>
+      <p:cxnSp>
+        <p:nvCxnSpPr>
+          <p:cNvPr id="311" name="Прямая со стрелкой 310"/>
+          <p:cNvCxnSpPr>
+            <a:stCxn id="299" idx="2"/>
+            <a:endCxn id="300" idx="0"/>
+          </p:cNvCxnSpPr>
+          <p:nvPr/>
+        </p:nvCxnSpPr>
+        <p:spPr>
+          <a:xfrm flipH="1">
+            <a:off x="27890216" y="14692302"/>
+            <a:ext cx="1220" cy="219561"/>
+          </a:xfrm>
+          <a:prstGeom prst="straightConnector1">
+            <a:avLst/>
+          </a:prstGeom>
+          <a:ln w="19050">
+            <a:tailEnd type="arrow"/>
+          </a:ln>
+        </p:spPr>
+        <p:style>
+          <a:lnRef idx="1">
+            <a:schemeClr val="accent1"/>
+          </a:lnRef>
+          <a:fillRef idx="0">
+            <a:schemeClr val="accent1"/>
+          </a:fillRef>
+          <a:effectRef idx="0">
+            <a:schemeClr val="accent1"/>
+          </a:effectRef>
+          <a:fontRef idx="minor">
+            <a:schemeClr val="tx1"/>
+          </a:fontRef>
+        </p:style>
+      </p:cxnSp>
+      <p:cxnSp>
+        <p:nvCxnSpPr>
+          <p:cNvPr id="315" name="Соединительная линия уступом 314"/>
+          <p:cNvCxnSpPr>
+            <a:stCxn id="193" idx="2"/>
+            <a:endCxn id="195" idx="0"/>
+          </p:cNvCxnSpPr>
+          <p:nvPr/>
+        </p:nvCxnSpPr>
+        <p:spPr>
+          <a:xfrm rot="16200000" flipH="1">
+            <a:off x="29815127" y="10648400"/>
+            <a:ext cx="269185" cy="561671"/>
+          </a:xfrm>
+          <a:prstGeom prst="bentConnector3">
+            <a:avLst>
+              <a:gd name="adj1" fmla="val 50000"/>
+            </a:avLst>
+          </a:prstGeom>
+          <a:ln w="19050">
+            <a:tailEnd type="arrow"/>
+          </a:ln>
+        </p:spPr>
+        <p:style>
+          <a:lnRef idx="1">
+            <a:schemeClr val="accent1"/>
+          </a:lnRef>
+          <a:fillRef idx="0">
+            <a:schemeClr val="accent1"/>
+          </a:fillRef>
+          <a:effectRef idx="0">
+            <a:schemeClr val="accent1"/>
+          </a:effectRef>
+          <a:fontRef idx="minor">
+            <a:schemeClr val="tx1"/>
+          </a:fontRef>
+        </p:style>
+      </p:cxnSp>
+      <p:cxnSp>
+        <p:nvCxnSpPr>
+          <p:cNvPr id="318" name="Соединительная линия уступом 317"/>
+          <p:cNvCxnSpPr>
+            <a:stCxn id="194" idx="2"/>
+            <a:endCxn id="195" idx="0"/>
+          </p:cNvCxnSpPr>
+          <p:nvPr/>
+        </p:nvCxnSpPr>
+        <p:spPr>
+          <a:xfrm rot="5400000">
+            <a:off x="30373940" y="10651260"/>
+            <a:ext cx="269185" cy="555953"/>
+          </a:xfrm>
+          <a:prstGeom prst="bentConnector3">
+            <a:avLst>
+              <a:gd name="adj1" fmla="val 50000"/>
+            </a:avLst>
+          </a:prstGeom>
+          <a:ln w="19050">
+            <a:tailEnd type="arrow"/>
+          </a:ln>
+        </p:spPr>
+        <p:style>
+          <a:lnRef idx="1">
+            <a:schemeClr val="accent1"/>
+          </a:lnRef>
+          <a:fillRef idx="0">
+            <a:schemeClr val="accent1"/>
+          </a:fillRef>
+          <a:effectRef idx="0">
+            <a:schemeClr val="accent1"/>
+          </a:effectRef>
+          <a:fontRef idx="minor">
+            <a:schemeClr val="tx1"/>
+          </a:fontRef>
+        </p:style>
+      </p:cxnSp>
+      <p:sp>
+        <p:nvSpPr>
+          <p:cNvPr id="321" name="Прямоугольник 320"/>
+          <p:cNvSpPr/>
+          <p:nvPr/>
+        </p:nvSpPr>
+        <p:spPr>
+          <a:xfrm>
+            <a:off x="26313923" y="15700686"/>
+            <a:ext cx="926325" cy="540000"/>
+          </a:xfrm>
+          <a:prstGeom prst="rect">
+            <a:avLst/>
+          </a:prstGeom>
+          <a:solidFill>
+            <a:srgbClr val="7030A0"/>
+          </a:solidFill>
+          <a:ln w="19050">
+            <a:solidFill>
+              <a:schemeClr val="accent4">
+                <a:lumMod val="75000"/>
+              </a:schemeClr>
+            </a:solidFill>
+          </a:ln>
+        </p:spPr>
+        <p:style>
+          <a:lnRef idx="2">
+            <a:schemeClr val="accent1"/>
+          </a:lnRef>
+          <a:fillRef idx="1">
+            <a:schemeClr val="lt1"/>
+          </a:fillRef>
+          <a:effectRef idx="0">
+            <a:schemeClr val="accent1"/>
+          </a:effectRef>
+          <a:fontRef idx="minor">
+            <a:schemeClr val="dk1"/>
+          </a:fontRef>
+        </p:style>
+        <p:txBody>
+          <a:bodyPr lIns="124733" tIns="62367" rIns="124733" bIns="62367" rtlCol="0" anchor="ctr"/>
+          <a:lstStyle/>
+          <a:p>
+            <a:pPr algn="ctr"/>
+            <a:r>
+              <a:rPr lang="ru-RU" sz="700" dirty="0" smtClean="0"/>
+              <a:t>Вернуть «долг» США</a:t>
+            </a:r>
+            <a:endParaRPr lang="ru-RU" sz="700" dirty="0"/>
+          </a:p>
+        </p:txBody>
+      </p:sp>
+      <p:cxnSp>
+        <p:nvCxnSpPr>
+          <p:cNvPr id="322" name="Соединительная линия уступом 124"/>
+          <p:cNvCxnSpPr>
+            <a:stCxn id="298" idx="2"/>
+            <a:endCxn id="321" idx="0"/>
+          </p:cNvCxnSpPr>
+          <p:nvPr/>
+        </p:nvCxnSpPr>
+        <p:spPr>
+          <a:xfrm rot="16200000" flipH="1">
+            <a:off x="26125371" y="15048971"/>
+            <a:ext cx="261014" cy="1042415"/>
+          </a:xfrm>
+          <a:prstGeom prst="bentConnector3">
+            <a:avLst>
+              <a:gd name="adj1" fmla="val 50000"/>
+            </a:avLst>
+          </a:prstGeom>
+          <a:ln w="19050">
+            <a:tailEnd type="arrow"/>
+          </a:ln>
+        </p:spPr>
+        <p:style>
+          <a:lnRef idx="1">
+            <a:schemeClr val="accent1"/>
+          </a:lnRef>
+          <a:fillRef idx="0">
+            <a:schemeClr val="accent1"/>
+          </a:fillRef>
+          <a:effectRef idx="0">
+            <a:schemeClr val="accent1"/>
+          </a:effectRef>
+          <a:fontRef idx="minor">
+            <a:schemeClr val="tx1"/>
+          </a:fontRef>
+        </p:style>
+      </p:cxnSp>
+      <p:cxnSp>
+        <p:nvCxnSpPr>
+          <p:cNvPr id="325" name="Соединительная линия уступом 124"/>
+          <p:cNvCxnSpPr>
+            <a:stCxn id="300" idx="2"/>
+            <a:endCxn id="321" idx="0"/>
+          </p:cNvCxnSpPr>
+          <p:nvPr/>
+        </p:nvCxnSpPr>
+        <p:spPr>
+          <a:xfrm rot="5400000">
+            <a:off x="27209240" y="15019709"/>
+            <a:ext cx="248823" cy="1113130"/>
+          </a:xfrm>
+          <a:prstGeom prst="bentConnector3">
+            <a:avLst>
+              <a:gd name="adj1" fmla="val 50000"/>
+            </a:avLst>
+          </a:prstGeom>
+          <a:ln w="19050">
+            <a:tailEnd type="arrow"/>
+          </a:ln>
+        </p:spPr>
+        <p:style>
+          <a:lnRef idx="1">
+            <a:schemeClr val="accent1"/>
+          </a:lnRef>
+          <a:fillRef idx="0">
+            <a:schemeClr val="accent1"/>
+          </a:fillRef>
+          <a:effectRef idx="0">
+            <a:schemeClr val="accent1"/>
+          </a:effectRef>
+          <a:fontRef idx="minor">
+            <a:schemeClr val="tx1"/>
+          </a:fontRef>
+        </p:style>
+      </p:cxnSp>
+      <p:sp>
+        <p:nvSpPr>
+          <p:cNvPr id="328" name="Прямоугольник 327"/>
+          <p:cNvSpPr/>
+          <p:nvPr/>
+        </p:nvSpPr>
+        <p:spPr>
+          <a:xfrm>
+            <a:off x="23652293" y="8721716"/>
             <a:ext cx="926325" cy="540000"/>
           </a:xfrm>
           <a:prstGeom prst="rect">
@@ -10341,21 +11555,59 @@
             <a:pPr algn="ctr"/>
             <a:r>
               <a:rPr lang="ru-RU" sz="700" dirty="0" smtClean="0"/>
-              <a:t>Защитники католичества (ваниль но другие эффекты НД)</a:t>
+              <a:t>Создание белогвардейской дивизии (+белый генерал, +4 каски)</a:t>
             </a:r>
             <a:endParaRPr lang="ru-RU" sz="700" dirty="0"/>
           </a:p>
         </p:txBody>
       </p:sp>
-      <p:sp>
-        <p:nvSpPr>
-          <p:cNvPr id="238" name="Прямоугольник 237"/>
+      <p:cxnSp>
+        <p:nvCxnSpPr>
+          <p:cNvPr id="329" name="Соединительная линия уступом 328"/>
+          <p:cNvCxnSpPr>
+            <a:stCxn id="105" idx="2"/>
+            <a:endCxn id="328" idx="0"/>
+          </p:cNvCxnSpPr>
+          <p:nvPr/>
+        </p:nvCxnSpPr>
+        <p:spPr>
+          <a:xfrm rot="5400000">
+            <a:off x="24276947" y="8355294"/>
+            <a:ext cx="204932" cy="527913"/>
+          </a:xfrm>
+          <a:prstGeom prst="bentConnector3">
+            <a:avLst>
+              <a:gd name="adj1" fmla="val 50000"/>
+            </a:avLst>
+          </a:prstGeom>
+          <a:ln w="19050">
+            <a:tailEnd type="arrow"/>
+          </a:ln>
+        </p:spPr>
+        <p:style>
+          <a:lnRef idx="1">
+            <a:schemeClr val="accent1"/>
+          </a:lnRef>
+          <a:fillRef idx="0">
+            <a:schemeClr val="accent1"/>
+          </a:fillRef>
+          <a:effectRef idx="0">
+            <a:schemeClr val="accent1"/>
+          </a:effectRef>
+          <a:fontRef idx="minor">
+            <a:schemeClr val="tx1"/>
+          </a:fontRef>
+        </p:style>
+      </p:cxnSp>
+      <p:sp>
+        <p:nvSpPr>
+          <p:cNvPr id="332" name="Прямоугольник 331"/>
           <p:cNvSpPr/>
           <p:nvPr/>
         </p:nvSpPr>
         <p:spPr>
           <a:xfrm>
-            <a:off x="21601657" y="14124141"/>
+            <a:off x="24726408" y="8720496"/>
             <a:ext cx="926325" cy="540000"/>
           </a:xfrm>
           <a:prstGeom prst="rect">
@@ -10387,7 +11639,11 @@
             <a:pPr algn="ctr"/>
             <a:r>
               <a:rPr lang="ru-RU" sz="700" dirty="0" smtClean="0"/>
-              <a:t>Культивировать фанатизм (ваниль но другие эффекты НД)</a:t>
+              <a:t>Расширение генералитета </a:t>
+            </a:r>
+            <a:r>
+              <a:rPr lang="ru-RU" sz="500" dirty="0" smtClean="0"/>
+              <a:t>(+ переведет генерала из ВВС и вернет генерала-монархиста из изгнания)</a:t>
             </a:r>
             <a:endParaRPr lang="ru-RU" sz="700" dirty="0"/>
           </a:p>
@@ -10395,17 +11651,17 @@
       </p:sp>
       <p:cxnSp>
         <p:nvCxnSpPr>
-          <p:cNvPr id="239" name="Соединительная линия уступом 124"/>
-          <p:cNvCxnSpPr>
-            <a:stCxn id="280" idx="2"/>
-            <a:endCxn id="176" idx="0"/>
+          <p:cNvPr id="333" name="Соединительная линия уступом 332"/>
+          <p:cNvCxnSpPr>
+            <a:stCxn id="105" idx="2"/>
+            <a:endCxn id="332" idx="0"/>
           </p:cNvCxnSpPr>
           <p:nvPr/>
         </p:nvCxnSpPr>
         <p:spPr>
           <a:xfrm rot="16200000" flipH="1">
-            <a:off x="22463105" y="13233164"/>
-            <a:ext cx="238507" cy="2779"/>
+            <a:off x="24814614" y="8345539"/>
+            <a:ext cx="203712" cy="546202"/>
           </a:xfrm>
           <a:prstGeom prst="bentConnector3">
             <a:avLst>
@@ -10433,13 +11689,13 @@
       </p:cxnSp>
       <p:sp>
         <p:nvSpPr>
-          <p:cNvPr id="259" name="Прямоугольник 258"/>
+          <p:cNvPr id="336" name="Прямоугольник 335"/>
           <p:cNvSpPr/>
           <p:nvPr/>
         </p:nvSpPr>
         <p:spPr>
           <a:xfrm>
-            <a:off x="24181810" y="14135106"/>
+            <a:off x="23155653" y="13357598"/>
             <a:ext cx="926325" cy="540000"/>
           </a:xfrm>
           <a:prstGeom prst="rect">
@@ -10448,1171 +11704,13 @@
           <a:solidFill>
             <a:srgbClr val="7030A0"/>
           </a:solidFill>
-          <a:ln w="19050"/>
-        </p:spPr>
-        <p:style>
-          <a:lnRef idx="2">
-            <a:schemeClr val="accent1"/>
-          </a:lnRef>
-          <a:fillRef idx="1">
-            <a:schemeClr val="lt1"/>
-          </a:fillRef>
-          <a:effectRef idx="0">
-            <a:schemeClr val="accent1"/>
-          </a:effectRef>
-          <a:fontRef idx="minor">
-            <a:schemeClr val="dk1"/>
-          </a:fontRef>
-        </p:style>
-        <p:txBody>
-          <a:bodyPr lIns="124733" tIns="62367" rIns="124733" bIns="62367" rtlCol="0" anchor="ctr"/>
-          <a:lstStyle/>
-          <a:p>
-            <a:pPr algn="ctr"/>
-            <a:r>
-              <a:rPr lang="ru-RU" sz="700" dirty="0" smtClean="0"/>
-              <a:t>Поощрить местную разработку месторождений (ваниль)</a:t>
-            </a:r>
-            <a:endParaRPr lang="ru-RU" sz="700" dirty="0"/>
-          </a:p>
-        </p:txBody>
-      </p:sp>
-      <p:cxnSp>
-        <p:nvCxnSpPr>
-          <p:cNvPr id="261" name="Прямая со стрелкой 260"/>
-          <p:cNvCxnSpPr>
-            <a:stCxn id="228" idx="2"/>
-            <a:endCxn id="284" idx="0"/>
-          </p:cNvCxnSpPr>
-          <p:nvPr/>
-        </p:nvCxnSpPr>
-        <p:spPr>
-          <a:xfrm flipH="1">
-            <a:off x="24644973" y="13125502"/>
-            <a:ext cx="728" cy="234192"/>
-          </a:xfrm>
-          <a:prstGeom prst="straightConnector1">
-            <a:avLst/>
-          </a:prstGeom>
-          <a:ln w="19050">
-            <a:tailEnd type="arrow"/>
-          </a:ln>
-        </p:spPr>
-        <p:style>
-          <a:lnRef idx="1">
-            <a:schemeClr val="accent1"/>
-          </a:lnRef>
-          <a:fillRef idx="0">
-            <a:schemeClr val="accent1"/>
-          </a:fillRef>
-          <a:effectRef idx="0">
-            <a:schemeClr val="accent1"/>
-          </a:effectRef>
-          <a:fontRef idx="minor">
-            <a:schemeClr val="tx1"/>
-          </a:fontRef>
-        </p:style>
-      </p:cxnSp>
-      <p:sp>
-        <p:nvSpPr>
-          <p:cNvPr id="266" name="Прямоугольник 265"/>
-          <p:cNvSpPr/>
-          <p:nvPr/>
-        </p:nvSpPr>
-        <p:spPr>
-          <a:xfrm>
-            <a:off x="26312704" y="13358602"/>
-            <a:ext cx="926325" cy="540000"/>
-          </a:xfrm>
-          <a:prstGeom prst="rect">
-            <a:avLst/>
-          </a:prstGeom>
-          <a:solidFill>
-            <a:srgbClr val="7030A0"/>
-          </a:solidFill>
-          <a:ln w="19050"/>
-        </p:spPr>
-        <p:style>
-          <a:lnRef idx="2">
-            <a:schemeClr val="accent1"/>
-          </a:lnRef>
-          <a:fillRef idx="1">
-            <a:schemeClr val="lt1"/>
-          </a:fillRef>
-          <a:effectRef idx="0">
-            <a:schemeClr val="accent1"/>
-          </a:effectRef>
-          <a:fontRef idx="minor">
-            <a:schemeClr val="dk1"/>
-          </a:fontRef>
-        </p:style>
-        <p:txBody>
-          <a:bodyPr lIns="124733" tIns="62367" rIns="124733" bIns="62367" rtlCol="0" anchor="ctr"/>
-          <a:lstStyle/>
-          <a:p>
-            <a:pPr algn="ctr"/>
-            <a:r>
-              <a:rPr lang="ru-RU" sz="700" dirty="0" smtClean="0"/>
-              <a:t>Флот достойный короля (ваниль)</a:t>
-            </a:r>
-            <a:endParaRPr lang="ru-RU" sz="700" dirty="0"/>
-          </a:p>
-        </p:txBody>
-      </p:sp>
-      <p:cxnSp>
-        <p:nvCxnSpPr>
-          <p:cNvPr id="267" name="Соединительная линия уступом 124"/>
-          <p:cNvCxnSpPr>
-            <a:stCxn id="281" idx="2"/>
-            <a:endCxn id="266" idx="0"/>
-          </p:cNvCxnSpPr>
-          <p:nvPr/>
-        </p:nvCxnSpPr>
-        <p:spPr>
-          <a:xfrm rot="16200000" flipH="1">
-            <a:off x="26650603" y="13233337"/>
-            <a:ext cx="243301" cy="7227"/>
-          </a:xfrm>
-          <a:prstGeom prst="bentConnector3">
-            <a:avLst>
-              <a:gd name="adj1" fmla="val 50000"/>
-            </a:avLst>
-          </a:prstGeom>
-          <a:ln w="19050">
-            <a:tailEnd type="arrow"/>
-          </a:ln>
-        </p:spPr>
-        <p:style>
-          <a:lnRef idx="1">
-            <a:schemeClr val="accent1"/>
-          </a:lnRef>
-          <a:fillRef idx="0">
-            <a:schemeClr val="accent1"/>
-          </a:fillRef>
-          <a:effectRef idx="0">
-            <a:schemeClr val="accent1"/>
-          </a:effectRef>
-          <a:fontRef idx="minor">
-            <a:schemeClr val="tx1"/>
-          </a:fontRef>
-        </p:style>
-      </p:cxnSp>
-      <p:sp>
-        <p:nvSpPr>
-          <p:cNvPr id="270" name="Прямоугольник 269"/>
-          <p:cNvSpPr/>
-          <p:nvPr/>
-        </p:nvSpPr>
-        <p:spPr>
-          <a:xfrm>
-            <a:off x="26311485" y="14147423"/>
-            <a:ext cx="926325" cy="540000"/>
-          </a:xfrm>
-          <a:prstGeom prst="rect">
-            <a:avLst/>
-          </a:prstGeom>
-          <a:solidFill>
-            <a:srgbClr val="7030A0"/>
-          </a:solidFill>
-          <a:ln w="19050"/>
-        </p:spPr>
-        <p:style>
-          <a:lnRef idx="2">
-            <a:schemeClr val="accent1"/>
-          </a:lnRef>
-          <a:fillRef idx="1">
-            <a:schemeClr val="lt1"/>
-          </a:fillRef>
-          <a:effectRef idx="0">
-            <a:schemeClr val="accent1"/>
-          </a:effectRef>
-          <a:fontRef idx="minor">
-            <a:schemeClr val="dk1"/>
-          </a:fontRef>
-        </p:style>
-        <p:txBody>
-          <a:bodyPr lIns="124733" tIns="62367" rIns="124733" bIns="62367" rtlCol="0" anchor="ctr"/>
-          <a:lstStyle/>
-          <a:p>
-            <a:pPr algn="ctr"/>
-            <a:r>
-              <a:rPr lang="ru-RU" sz="700" dirty="0" smtClean="0"/>
-              <a:t>Вернуть славу Испанской армады </a:t>
-            </a:r>
-            <a:r>
-              <a:rPr lang="ru-RU" sz="500" dirty="0" smtClean="0"/>
-              <a:t>(ванильный фокус возродить боевой флот)</a:t>
-            </a:r>
-            <a:endParaRPr lang="ru-RU" sz="500" dirty="0"/>
-          </a:p>
-        </p:txBody>
-      </p:sp>
-      <p:sp>
-        <p:nvSpPr>
-          <p:cNvPr id="271" name="Прямоугольник 270"/>
-          <p:cNvSpPr/>
-          <p:nvPr/>
-        </p:nvSpPr>
-        <p:spPr>
-          <a:xfrm>
-            <a:off x="26311484" y="14900888"/>
-            <a:ext cx="926325" cy="540000"/>
-          </a:xfrm>
-          <a:prstGeom prst="rect">
-            <a:avLst/>
-          </a:prstGeom>
-          <a:solidFill>
-            <a:srgbClr val="7030A0"/>
-          </a:solidFill>
-          <a:ln w="19050"/>
-        </p:spPr>
-        <p:style>
-          <a:lnRef idx="2">
-            <a:schemeClr val="accent1"/>
-          </a:lnRef>
-          <a:fillRef idx="1">
-            <a:schemeClr val="lt1"/>
-          </a:fillRef>
-          <a:effectRef idx="0">
-            <a:schemeClr val="accent1"/>
-          </a:effectRef>
-          <a:fontRef idx="minor">
-            <a:schemeClr val="dk1"/>
-          </a:fontRef>
-        </p:style>
-        <p:txBody>
-          <a:bodyPr lIns="124733" tIns="62367" rIns="124733" bIns="62367" rtlCol="0" anchor="ctr"/>
-          <a:lstStyle/>
-          <a:p>
-            <a:pPr algn="ctr"/>
-            <a:r>
-              <a:rPr lang="ru-RU" sz="700" dirty="0" smtClean="0"/>
-              <a:t>Имперская безопасность(ваниль)</a:t>
-            </a:r>
-            <a:endParaRPr lang="ru-RU" sz="700" dirty="0"/>
-          </a:p>
-        </p:txBody>
-      </p:sp>
-      <p:cxnSp>
-        <p:nvCxnSpPr>
-          <p:cNvPr id="272" name="Прямая со стрелкой 271"/>
-          <p:cNvCxnSpPr>
-            <a:stCxn id="266" idx="2"/>
-            <a:endCxn id="270" idx="0"/>
-          </p:cNvCxnSpPr>
-          <p:nvPr/>
-        </p:nvCxnSpPr>
-        <p:spPr>
-          <a:xfrm flipH="1">
-            <a:off x="26774648" y="13898602"/>
-            <a:ext cx="1219" cy="248821"/>
-          </a:xfrm>
-          <a:prstGeom prst="straightConnector1">
-            <a:avLst/>
-          </a:prstGeom>
-          <a:ln w="19050">
-            <a:tailEnd type="arrow"/>
-          </a:ln>
-        </p:spPr>
-        <p:style>
-          <a:lnRef idx="1">
-            <a:schemeClr val="accent1"/>
-          </a:lnRef>
-          <a:fillRef idx="0">
-            <a:schemeClr val="accent1"/>
-          </a:fillRef>
-          <a:effectRef idx="0">
-            <a:schemeClr val="accent1"/>
-          </a:effectRef>
-          <a:fontRef idx="minor">
-            <a:schemeClr val="tx1"/>
-          </a:fontRef>
-        </p:style>
-      </p:cxnSp>
-      <p:cxnSp>
-        <p:nvCxnSpPr>
-          <p:cNvPr id="277" name="Прямая со стрелкой 276"/>
-          <p:cNvCxnSpPr>
-            <a:stCxn id="270" idx="2"/>
-            <a:endCxn id="271" idx="0"/>
-          </p:cNvCxnSpPr>
-          <p:nvPr/>
-        </p:nvCxnSpPr>
-        <p:spPr>
-          <a:xfrm flipH="1">
-            <a:off x="26774647" y="14687423"/>
-            <a:ext cx="1" cy="213465"/>
-          </a:xfrm>
-          <a:prstGeom prst="straightConnector1">
-            <a:avLst/>
-          </a:prstGeom>
-          <a:ln w="19050">
-            <a:tailEnd type="arrow"/>
-          </a:ln>
-        </p:spPr>
-        <p:style>
-          <a:lnRef idx="1">
-            <a:schemeClr val="accent1"/>
-          </a:lnRef>
-          <a:fillRef idx="0">
-            <a:schemeClr val="accent1"/>
-          </a:fillRef>
-          <a:effectRef idx="0">
-            <a:schemeClr val="accent1"/>
-          </a:effectRef>
-          <a:fontRef idx="minor">
-            <a:schemeClr val="tx1"/>
-          </a:fontRef>
-        </p:style>
-      </p:cxnSp>
-      <p:sp>
-        <p:nvSpPr>
-          <p:cNvPr id="284" name="Прямоугольник 283"/>
-          <p:cNvSpPr/>
-          <p:nvPr/>
-        </p:nvSpPr>
-        <p:spPr>
-          <a:xfrm>
-            <a:off x="24181810" y="13359694"/>
-            <a:ext cx="926325" cy="540000"/>
-          </a:xfrm>
-          <a:prstGeom prst="rect">
-            <a:avLst/>
-          </a:prstGeom>
-          <a:solidFill>
-            <a:srgbClr val="7030A0"/>
-          </a:solidFill>
-          <a:ln w="19050"/>
-        </p:spPr>
-        <p:style>
-          <a:lnRef idx="2">
-            <a:schemeClr val="accent1"/>
-          </a:lnRef>
-          <a:fillRef idx="1">
-            <a:schemeClr val="lt1"/>
-          </a:fillRef>
-          <a:effectRef idx="0">
-            <a:schemeClr val="accent1"/>
-          </a:effectRef>
-          <a:fontRef idx="minor">
-            <a:schemeClr val="dk1"/>
-          </a:fontRef>
-        </p:style>
-        <p:txBody>
-          <a:bodyPr lIns="124733" tIns="62367" rIns="124733" bIns="62367" rtlCol="0" anchor="ctr"/>
-          <a:lstStyle/>
-          <a:p>
-            <a:pPr algn="ctr"/>
-            <a:r>
-              <a:rPr lang="ru-RU" sz="700" dirty="0" smtClean="0"/>
-              <a:t>Поощрить местную индустриализацию (ваниль)</a:t>
-            </a:r>
-            <a:endParaRPr lang="ru-RU" sz="700" dirty="0"/>
-          </a:p>
-        </p:txBody>
-      </p:sp>
-      <p:cxnSp>
-        <p:nvCxnSpPr>
-          <p:cNvPr id="287" name="Прямая со стрелкой 286"/>
-          <p:cNvCxnSpPr>
-            <a:stCxn id="284" idx="2"/>
-            <a:endCxn id="259" idx="0"/>
-          </p:cNvCxnSpPr>
-          <p:nvPr/>
-        </p:nvCxnSpPr>
-        <p:spPr>
-          <a:xfrm>
-            <a:off x="24644973" y="13899694"/>
-            <a:ext cx="0" cy="235412"/>
-          </a:xfrm>
-          <a:prstGeom prst="straightConnector1">
-            <a:avLst/>
-          </a:prstGeom>
-          <a:ln w="19050">
-            <a:tailEnd type="arrow"/>
-          </a:ln>
-        </p:spPr>
-        <p:style>
-          <a:lnRef idx="1">
-            <a:schemeClr val="accent1"/>
-          </a:lnRef>
-          <a:fillRef idx="0">
-            <a:schemeClr val="accent1"/>
-          </a:fillRef>
-          <a:effectRef idx="0">
-            <a:schemeClr val="accent1"/>
-          </a:effectRef>
-          <a:fontRef idx="minor">
-            <a:schemeClr val="tx1"/>
-          </a:fontRef>
-        </p:style>
-      </p:cxnSp>
-      <p:sp>
-        <p:nvSpPr>
-          <p:cNvPr id="292" name="Прямоугольник 291"/>
-          <p:cNvSpPr/>
-          <p:nvPr/>
-        </p:nvSpPr>
-        <p:spPr>
-          <a:xfrm>
-            <a:off x="27446531" y="13351286"/>
-            <a:ext cx="926325" cy="540000"/>
-          </a:xfrm>
-          <a:prstGeom prst="rect">
-            <a:avLst/>
-          </a:prstGeom>
-          <a:solidFill>
-            <a:srgbClr val="7030A0"/>
-          </a:solidFill>
-          <a:ln w="19050"/>
-        </p:spPr>
-        <p:style>
-          <a:lnRef idx="2">
-            <a:schemeClr val="accent1"/>
-          </a:lnRef>
-          <a:fillRef idx="1">
-            <a:schemeClr val="lt1"/>
-          </a:fillRef>
-          <a:effectRef idx="0">
-            <a:schemeClr val="accent1"/>
-          </a:effectRef>
-          <a:fontRef idx="minor">
-            <a:schemeClr val="dk1"/>
-          </a:fontRef>
-        </p:style>
-        <p:txBody>
-          <a:bodyPr lIns="124733" tIns="62367" rIns="124733" bIns="62367" rtlCol="0" anchor="ctr"/>
-          <a:lstStyle/>
-          <a:p>
-            <a:pPr algn="ctr"/>
-            <a:r>
-              <a:rPr lang="ru-RU" sz="700" dirty="0" smtClean="0"/>
-              <a:t>Усилить империю (ваниль)</a:t>
-            </a:r>
-            <a:endParaRPr lang="ru-RU" sz="700" dirty="0"/>
-          </a:p>
-        </p:txBody>
-      </p:sp>
-      <p:sp>
-        <p:nvSpPr>
-          <p:cNvPr id="297" name="Прямоугольник 296"/>
-          <p:cNvSpPr/>
-          <p:nvPr/>
-        </p:nvSpPr>
-        <p:spPr>
-          <a:xfrm>
-            <a:off x="25272727" y="14147425"/>
-            <a:ext cx="926325" cy="540000"/>
-          </a:xfrm>
-          <a:prstGeom prst="rect">
-            <a:avLst/>
-          </a:prstGeom>
-          <a:solidFill>
-            <a:srgbClr val="7030A0"/>
-          </a:solidFill>
-          <a:ln w="19050"/>
-        </p:spPr>
-        <p:style>
-          <a:lnRef idx="2">
-            <a:schemeClr val="accent1"/>
-          </a:lnRef>
-          <a:fillRef idx="1">
-            <a:schemeClr val="lt1"/>
-          </a:fillRef>
-          <a:effectRef idx="0">
-            <a:schemeClr val="accent1"/>
-          </a:effectRef>
-          <a:fontRef idx="minor">
-            <a:schemeClr val="dk1"/>
-          </a:fontRef>
-        </p:style>
-        <p:txBody>
-          <a:bodyPr lIns="124733" tIns="62367" rIns="124733" bIns="62367" rtlCol="0" anchor="ctr"/>
-          <a:lstStyle/>
-          <a:p>
-            <a:pPr algn="ctr"/>
-            <a:r>
-              <a:rPr lang="ru-RU" sz="700" dirty="0" smtClean="0"/>
-              <a:t>Отобрать Испанские Нидерланды (ваниль)</a:t>
-            </a:r>
-            <a:endParaRPr lang="ru-RU" sz="700" dirty="0"/>
-          </a:p>
-        </p:txBody>
-      </p:sp>
-      <p:sp>
-        <p:nvSpPr>
-          <p:cNvPr id="298" name="Прямоугольник 297"/>
-          <p:cNvSpPr/>
-          <p:nvPr/>
-        </p:nvSpPr>
-        <p:spPr>
-          <a:xfrm>
-            <a:off x="25271508" y="14899672"/>
-            <a:ext cx="926325" cy="540000"/>
-          </a:xfrm>
-          <a:prstGeom prst="rect">
-            <a:avLst/>
-          </a:prstGeom>
-          <a:solidFill>
-            <a:srgbClr val="7030A0"/>
-          </a:solidFill>
-          <a:ln w="19050"/>
-        </p:spPr>
-        <p:style>
-          <a:lnRef idx="2">
-            <a:schemeClr val="accent1"/>
-          </a:lnRef>
-          <a:fillRef idx="1">
-            <a:schemeClr val="lt1"/>
-          </a:fillRef>
-          <a:effectRef idx="0">
-            <a:schemeClr val="accent1"/>
-          </a:effectRef>
-          <a:fontRef idx="minor">
-            <a:schemeClr val="dk1"/>
-          </a:fontRef>
-        </p:style>
-        <p:txBody>
-          <a:bodyPr lIns="124733" tIns="62367" rIns="124733" bIns="62367" rtlCol="0" anchor="ctr"/>
-          <a:lstStyle/>
-          <a:p>
-            <a:pPr algn="ctr"/>
-            <a:r>
-              <a:rPr lang="ru-RU" sz="700" dirty="0" smtClean="0"/>
-              <a:t>Вернуть Филиппины</a:t>
-            </a:r>
-            <a:endParaRPr lang="ru-RU" sz="700" dirty="0"/>
-          </a:p>
-        </p:txBody>
-      </p:sp>
-      <p:sp>
-        <p:nvSpPr>
-          <p:cNvPr id="299" name="Прямоугольник 298"/>
-          <p:cNvSpPr/>
-          <p:nvPr/>
-        </p:nvSpPr>
-        <p:spPr>
-          <a:xfrm>
-            <a:off x="27428273" y="14152302"/>
-            <a:ext cx="926325" cy="540000"/>
-          </a:xfrm>
-          <a:prstGeom prst="rect">
-            <a:avLst/>
-          </a:prstGeom>
-          <a:solidFill>
-            <a:srgbClr val="7030A0"/>
-          </a:solidFill>
-          <a:ln w="19050"/>
-        </p:spPr>
-        <p:style>
-          <a:lnRef idx="2">
-            <a:schemeClr val="accent1"/>
-          </a:lnRef>
-          <a:fillRef idx="1">
-            <a:schemeClr val="lt1"/>
-          </a:fillRef>
-          <a:effectRef idx="0">
-            <a:schemeClr val="accent1"/>
-          </a:effectRef>
-          <a:fontRef idx="minor">
-            <a:schemeClr val="dk1"/>
-          </a:fontRef>
-        </p:style>
-        <p:txBody>
-          <a:bodyPr lIns="124733" tIns="62367" rIns="124733" bIns="62367" rtlCol="0" anchor="ctr"/>
-          <a:lstStyle/>
-          <a:p>
-            <a:pPr algn="ctr"/>
-            <a:r>
-              <a:rPr lang="ru-RU" sz="700" dirty="0" smtClean="0"/>
-              <a:t>Вернуть Кубу</a:t>
-            </a:r>
-            <a:endParaRPr lang="ru-RU" sz="700" dirty="0"/>
-          </a:p>
-        </p:txBody>
-      </p:sp>
-      <p:sp>
-        <p:nvSpPr>
-          <p:cNvPr id="300" name="Прямоугольник 299"/>
-          <p:cNvSpPr/>
-          <p:nvPr/>
-        </p:nvSpPr>
-        <p:spPr>
-          <a:xfrm>
-            <a:off x="27427053" y="14911863"/>
-            <a:ext cx="926325" cy="540000"/>
-          </a:xfrm>
-          <a:prstGeom prst="rect">
-            <a:avLst/>
-          </a:prstGeom>
-          <a:solidFill>
-            <a:srgbClr val="7030A0"/>
-          </a:solidFill>
-          <a:ln w="19050"/>
-        </p:spPr>
-        <p:style>
-          <a:lnRef idx="2">
-            <a:schemeClr val="accent1"/>
-          </a:lnRef>
-          <a:fillRef idx="1">
-            <a:schemeClr val="lt1"/>
-          </a:fillRef>
-          <a:effectRef idx="0">
-            <a:schemeClr val="accent1"/>
-          </a:effectRef>
-          <a:fontRef idx="minor">
-            <a:schemeClr val="dk1"/>
-          </a:fontRef>
-        </p:style>
-        <p:txBody>
-          <a:bodyPr lIns="124733" tIns="62367" rIns="124733" bIns="62367" rtlCol="0" anchor="ctr"/>
-          <a:lstStyle/>
-          <a:p>
-            <a:pPr algn="ctr"/>
-            <a:r>
-              <a:rPr lang="ru-RU" sz="700" dirty="0" smtClean="0"/>
-              <a:t>Вернуть Мексику</a:t>
-            </a:r>
-            <a:endParaRPr lang="ru-RU" sz="700" dirty="0"/>
-          </a:p>
-        </p:txBody>
-      </p:sp>
-      <p:cxnSp>
-        <p:nvCxnSpPr>
-          <p:cNvPr id="301" name="Соединительная линия уступом 124"/>
-          <p:cNvCxnSpPr>
-            <a:stCxn id="266" idx="2"/>
-            <a:endCxn id="299" idx="0"/>
-          </p:cNvCxnSpPr>
-          <p:nvPr/>
-        </p:nvCxnSpPr>
-        <p:spPr>
-          <a:xfrm rot="16200000" flipH="1">
-            <a:off x="27206801" y="13467667"/>
-            <a:ext cx="253700" cy="1115569"/>
-          </a:xfrm>
-          <a:prstGeom prst="bentConnector3">
-            <a:avLst>
-              <a:gd name="adj1" fmla="val 50000"/>
-            </a:avLst>
-          </a:prstGeom>
-          <a:ln w="19050">
-            <a:tailEnd type="arrow"/>
-          </a:ln>
-        </p:spPr>
-        <p:style>
-          <a:lnRef idx="1">
-            <a:schemeClr val="accent1"/>
-          </a:lnRef>
-          <a:fillRef idx="0">
-            <a:schemeClr val="accent1"/>
-          </a:fillRef>
-          <a:effectRef idx="0">
-            <a:schemeClr val="accent1"/>
-          </a:effectRef>
-          <a:fontRef idx="minor">
-            <a:schemeClr val="tx1"/>
-          </a:fontRef>
-        </p:style>
-      </p:cxnSp>
-      <p:cxnSp>
-        <p:nvCxnSpPr>
-          <p:cNvPr id="304" name="Соединительная линия уступом 124"/>
-          <p:cNvCxnSpPr>
-            <a:stCxn id="266" idx="2"/>
-            <a:endCxn id="297" idx="0"/>
-          </p:cNvCxnSpPr>
-          <p:nvPr/>
-        </p:nvCxnSpPr>
-        <p:spPr>
-          <a:xfrm rot="5400000">
-            <a:off x="26131468" y="13503025"/>
-            <a:ext cx="248823" cy="1039977"/>
-          </a:xfrm>
-          <a:prstGeom prst="bentConnector3">
-            <a:avLst>
-              <a:gd name="adj1" fmla="val 50000"/>
-            </a:avLst>
-          </a:prstGeom>
-          <a:ln w="19050">
-            <a:tailEnd type="arrow"/>
-          </a:ln>
-        </p:spPr>
-        <p:style>
-          <a:lnRef idx="1">
-            <a:schemeClr val="accent1"/>
-          </a:lnRef>
-          <a:fillRef idx="0">
-            <a:schemeClr val="accent1"/>
-          </a:fillRef>
-          <a:effectRef idx="0">
-            <a:schemeClr val="accent1"/>
-          </a:effectRef>
-          <a:fontRef idx="minor">
-            <a:schemeClr val="tx1"/>
-          </a:fontRef>
-        </p:style>
-      </p:cxnSp>
-      <p:cxnSp>
-        <p:nvCxnSpPr>
-          <p:cNvPr id="308" name="Прямая со стрелкой 307"/>
-          <p:cNvCxnSpPr>
-            <a:stCxn id="297" idx="2"/>
-            <a:endCxn id="298" idx="0"/>
-          </p:cNvCxnSpPr>
-          <p:nvPr/>
-        </p:nvCxnSpPr>
-        <p:spPr>
-          <a:xfrm flipH="1">
-            <a:off x="25734671" y="14687425"/>
-            <a:ext cx="1219" cy="212247"/>
-          </a:xfrm>
-          <a:prstGeom prst="straightConnector1">
-            <a:avLst/>
-          </a:prstGeom>
-          <a:ln w="19050">
-            <a:tailEnd type="arrow"/>
-          </a:ln>
-        </p:spPr>
-        <p:style>
-          <a:lnRef idx="1">
-            <a:schemeClr val="accent1"/>
-          </a:lnRef>
-          <a:fillRef idx="0">
-            <a:schemeClr val="accent1"/>
-          </a:fillRef>
-          <a:effectRef idx="0">
-            <a:schemeClr val="accent1"/>
-          </a:effectRef>
-          <a:fontRef idx="minor">
-            <a:schemeClr val="tx1"/>
-          </a:fontRef>
-        </p:style>
-      </p:cxnSp>
-      <p:cxnSp>
-        <p:nvCxnSpPr>
-          <p:cNvPr id="311" name="Прямая со стрелкой 310"/>
-          <p:cNvCxnSpPr>
-            <a:stCxn id="299" idx="2"/>
-            <a:endCxn id="300" idx="0"/>
-          </p:cNvCxnSpPr>
-          <p:nvPr/>
-        </p:nvCxnSpPr>
-        <p:spPr>
-          <a:xfrm flipH="1">
-            <a:off x="27890216" y="14692302"/>
-            <a:ext cx="1220" cy="219561"/>
-          </a:xfrm>
-          <a:prstGeom prst="straightConnector1">
-            <a:avLst/>
-          </a:prstGeom>
-          <a:ln w="19050">
-            <a:tailEnd type="arrow"/>
-          </a:ln>
-        </p:spPr>
-        <p:style>
-          <a:lnRef idx="1">
-            <a:schemeClr val="accent1"/>
-          </a:lnRef>
-          <a:fillRef idx="0">
-            <a:schemeClr val="accent1"/>
-          </a:fillRef>
-          <a:effectRef idx="0">
-            <a:schemeClr val="accent1"/>
-          </a:effectRef>
-          <a:fontRef idx="minor">
-            <a:schemeClr val="tx1"/>
-          </a:fontRef>
-        </p:style>
-      </p:cxnSp>
-      <p:cxnSp>
-        <p:nvCxnSpPr>
-          <p:cNvPr id="315" name="Соединительная линия уступом 314"/>
-          <p:cNvCxnSpPr>
-            <a:stCxn id="193" idx="2"/>
-            <a:endCxn id="195" idx="0"/>
-          </p:cNvCxnSpPr>
-          <p:nvPr/>
-        </p:nvCxnSpPr>
-        <p:spPr>
-          <a:xfrm rot="16200000" flipH="1">
-            <a:off x="29815127" y="10648400"/>
-            <a:ext cx="269185" cy="561671"/>
-          </a:xfrm>
-          <a:prstGeom prst="bentConnector3">
-            <a:avLst>
-              <a:gd name="adj1" fmla="val 50000"/>
-            </a:avLst>
-          </a:prstGeom>
-          <a:ln w="19050">
-            <a:tailEnd type="arrow"/>
-          </a:ln>
-        </p:spPr>
-        <p:style>
-          <a:lnRef idx="1">
-            <a:schemeClr val="accent1"/>
-          </a:lnRef>
-          <a:fillRef idx="0">
-            <a:schemeClr val="accent1"/>
-          </a:fillRef>
-          <a:effectRef idx="0">
-            <a:schemeClr val="accent1"/>
-          </a:effectRef>
-          <a:fontRef idx="minor">
-            <a:schemeClr val="tx1"/>
-          </a:fontRef>
-        </p:style>
-      </p:cxnSp>
-      <p:cxnSp>
-        <p:nvCxnSpPr>
-          <p:cNvPr id="318" name="Соединительная линия уступом 317"/>
-          <p:cNvCxnSpPr>
-            <a:stCxn id="194" idx="2"/>
-            <a:endCxn id="195" idx="0"/>
-          </p:cNvCxnSpPr>
-          <p:nvPr/>
-        </p:nvCxnSpPr>
-        <p:spPr>
-          <a:xfrm rot="5400000">
-            <a:off x="30373940" y="10651260"/>
-            <a:ext cx="269185" cy="555953"/>
-          </a:xfrm>
-          <a:prstGeom prst="bentConnector3">
-            <a:avLst>
-              <a:gd name="adj1" fmla="val 50000"/>
-            </a:avLst>
-          </a:prstGeom>
-          <a:ln w="19050">
-            <a:tailEnd type="arrow"/>
-          </a:ln>
-        </p:spPr>
-        <p:style>
-          <a:lnRef idx="1">
-            <a:schemeClr val="accent1"/>
-          </a:lnRef>
-          <a:fillRef idx="0">
-            <a:schemeClr val="accent1"/>
-          </a:fillRef>
-          <a:effectRef idx="0">
-            <a:schemeClr val="accent1"/>
-          </a:effectRef>
-          <a:fontRef idx="minor">
-            <a:schemeClr val="tx1"/>
-          </a:fontRef>
-        </p:style>
-      </p:cxnSp>
-      <p:sp>
-        <p:nvSpPr>
-          <p:cNvPr id="321" name="Прямоугольник 320"/>
-          <p:cNvSpPr/>
-          <p:nvPr/>
-        </p:nvSpPr>
-        <p:spPr>
-          <a:xfrm>
-            <a:off x="26313923" y="15700686"/>
-            <a:ext cx="926325" cy="540000"/>
-          </a:xfrm>
-          <a:prstGeom prst="rect">
-            <a:avLst/>
-          </a:prstGeom>
-          <a:solidFill>
-            <a:srgbClr val="7030A0"/>
-          </a:solidFill>
-          <a:ln w="19050"/>
-        </p:spPr>
-        <p:style>
-          <a:lnRef idx="2">
-            <a:schemeClr val="accent1"/>
-          </a:lnRef>
-          <a:fillRef idx="1">
-            <a:schemeClr val="lt1"/>
-          </a:fillRef>
-          <a:effectRef idx="0">
-            <a:schemeClr val="accent1"/>
-          </a:effectRef>
-          <a:fontRef idx="minor">
-            <a:schemeClr val="dk1"/>
-          </a:fontRef>
-        </p:style>
-        <p:txBody>
-          <a:bodyPr lIns="124733" tIns="62367" rIns="124733" bIns="62367" rtlCol="0" anchor="ctr"/>
-          <a:lstStyle/>
-          <a:p>
-            <a:pPr algn="ctr"/>
-            <a:r>
-              <a:rPr lang="ru-RU" sz="700" dirty="0" smtClean="0"/>
-              <a:t>Вернуть «долг» США</a:t>
-            </a:r>
-            <a:endParaRPr lang="ru-RU" sz="700" dirty="0"/>
-          </a:p>
-        </p:txBody>
-      </p:sp>
-      <p:cxnSp>
-        <p:nvCxnSpPr>
-          <p:cNvPr id="322" name="Соединительная линия уступом 124"/>
-          <p:cNvCxnSpPr>
-            <a:stCxn id="298" idx="2"/>
-            <a:endCxn id="321" idx="0"/>
-          </p:cNvCxnSpPr>
-          <p:nvPr/>
-        </p:nvCxnSpPr>
-        <p:spPr>
-          <a:xfrm rot="16200000" flipH="1">
-            <a:off x="26125371" y="15048971"/>
-            <a:ext cx="261014" cy="1042415"/>
-          </a:xfrm>
-          <a:prstGeom prst="bentConnector3">
-            <a:avLst>
-              <a:gd name="adj1" fmla="val 50000"/>
-            </a:avLst>
-          </a:prstGeom>
-          <a:ln w="19050">
-            <a:tailEnd type="arrow"/>
-          </a:ln>
-        </p:spPr>
-        <p:style>
-          <a:lnRef idx="1">
-            <a:schemeClr val="accent1"/>
-          </a:lnRef>
-          <a:fillRef idx="0">
-            <a:schemeClr val="accent1"/>
-          </a:fillRef>
-          <a:effectRef idx="0">
-            <a:schemeClr val="accent1"/>
-          </a:effectRef>
-          <a:fontRef idx="minor">
-            <a:schemeClr val="tx1"/>
-          </a:fontRef>
-        </p:style>
-      </p:cxnSp>
-      <p:cxnSp>
-        <p:nvCxnSpPr>
-          <p:cNvPr id="325" name="Соединительная линия уступом 124"/>
-          <p:cNvCxnSpPr>
-            <a:stCxn id="300" idx="2"/>
-            <a:endCxn id="321" idx="0"/>
-          </p:cNvCxnSpPr>
-          <p:nvPr/>
-        </p:nvCxnSpPr>
-        <p:spPr>
-          <a:xfrm rot="5400000">
-            <a:off x="27209240" y="15019709"/>
-            <a:ext cx="248823" cy="1113130"/>
-          </a:xfrm>
-          <a:prstGeom prst="bentConnector3">
-            <a:avLst>
-              <a:gd name="adj1" fmla="val 50000"/>
-            </a:avLst>
-          </a:prstGeom>
-          <a:ln w="19050">
-            <a:tailEnd type="arrow"/>
-          </a:ln>
-        </p:spPr>
-        <p:style>
-          <a:lnRef idx="1">
-            <a:schemeClr val="accent1"/>
-          </a:lnRef>
-          <a:fillRef idx="0">
-            <a:schemeClr val="accent1"/>
-          </a:fillRef>
-          <a:effectRef idx="0">
-            <a:schemeClr val="accent1"/>
-          </a:effectRef>
-          <a:fontRef idx="minor">
-            <a:schemeClr val="tx1"/>
-          </a:fontRef>
-        </p:style>
-      </p:cxnSp>
-      <p:sp>
-        <p:nvSpPr>
-          <p:cNvPr id="328" name="Прямоугольник 327"/>
-          <p:cNvSpPr/>
-          <p:nvPr/>
-        </p:nvSpPr>
-        <p:spPr>
-          <a:xfrm>
-            <a:off x="23652293" y="8721716"/>
-            <a:ext cx="926325" cy="540000"/>
-          </a:xfrm>
-          <a:prstGeom prst="rect">
-            <a:avLst/>
-          </a:prstGeom>
-          <a:solidFill>
-            <a:srgbClr val="7030A0"/>
-          </a:solidFill>
-          <a:ln w="19050"/>
-        </p:spPr>
-        <p:style>
-          <a:lnRef idx="2">
-            <a:schemeClr val="accent1"/>
-          </a:lnRef>
-          <a:fillRef idx="1">
-            <a:schemeClr val="lt1"/>
-          </a:fillRef>
-          <a:effectRef idx="0">
-            <a:schemeClr val="accent1"/>
-          </a:effectRef>
-          <a:fontRef idx="minor">
-            <a:schemeClr val="dk1"/>
-          </a:fontRef>
-        </p:style>
-        <p:txBody>
-          <a:bodyPr lIns="124733" tIns="62367" rIns="124733" bIns="62367" rtlCol="0" anchor="ctr"/>
-          <a:lstStyle/>
-          <a:p>
-            <a:pPr algn="ctr"/>
-            <a:r>
-              <a:rPr lang="ru-RU" sz="700" dirty="0" smtClean="0"/>
-              <a:t>Создание белогвардейской дивизии (+белый генерал, +4 каски)</a:t>
-            </a:r>
-            <a:endParaRPr lang="ru-RU" sz="700" dirty="0"/>
-          </a:p>
-        </p:txBody>
-      </p:sp>
-      <p:cxnSp>
-        <p:nvCxnSpPr>
-          <p:cNvPr id="329" name="Соединительная линия уступом 328"/>
-          <p:cNvCxnSpPr>
-            <a:stCxn id="105" idx="2"/>
-            <a:endCxn id="328" idx="0"/>
-          </p:cNvCxnSpPr>
-          <p:nvPr/>
-        </p:nvCxnSpPr>
-        <p:spPr>
-          <a:xfrm rot="5400000">
-            <a:off x="24276947" y="8355294"/>
-            <a:ext cx="204932" cy="527913"/>
-          </a:xfrm>
-          <a:prstGeom prst="bentConnector3">
-            <a:avLst>
-              <a:gd name="adj1" fmla="val 50000"/>
-            </a:avLst>
-          </a:prstGeom>
-          <a:ln w="19050">
-            <a:tailEnd type="arrow"/>
-          </a:ln>
-        </p:spPr>
-        <p:style>
-          <a:lnRef idx="1">
-            <a:schemeClr val="accent1"/>
-          </a:lnRef>
-          <a:fillRef idx="0">
-            <a:schemeClr val="accent1"/>
-          </a:fillRef>
-          <a:effectRef idx="0">
-            <a:schemeClr val="accent1"/>
-          </a:effectRef>
-          <a:fontRef idx="minor">
-            <a:schemeClr val="tx1"/>
-          </a:fontRef>
-        </p:style>
-      </p:cxnSp>
-      <p:sp>
-        <p:nvSpPr>
-          <p:cNvPr id="332" name="Прямоугольник 331"/>
-          <p:cNvSpPr/>
-          <p:nvPr/>
-        </p:nvSpPr>
-        <p:spPr>
-          <a:xfrm>
-            <a:off x="24726408" y="8720496"/>
-            <a:ext cx="926325" cy="540000"/>
-          </a:xfrm>
-          <a:prstGeom prst="rect">
-            <a:avLst/>
-          </a:prstGeom>
-          <a:solidFill>
-            <a:srgbClr val="7030A0"/>
-          </a:solidFill>
-          <a:ln w="19050"/>
-        </p:spPr>
-        <p:style>
-          <a:lnRef idx="2">
-            <a:schemeClr val="accent1"/>
-          </a:lnRef>
-          <a:fillRef idx="1">
-            <a:schemeClr val="lt1"/>
-          </a:fillRef>
-          <a:effectRef idx="0">
-            <a:schemeClr val="accent1"/>
-          </a:effectRef>
-          <a:fontRef idx="minor">
-            <a:schemeClr val="dk1"/>
-          </a:fontRef>
-        </p:style>
-        <p:txBody>
-          <a:bodyPr lIns="124733" tIns="62367" rIns="124733" bIns="62367" rtlCol="0" anchor="ctr"/>
-          <a:lstStyle/>
-          <a:p>
-            <a:pPr algn="ctr"/>
-            <a:r>
-              <a:rPr lang="ru-RU" sz="700" dirty="0" smtClean="0"/>
-              <a:t>Расширение генералитета </a:t>
-            </a:r>
-            <a:r>
-              <a:rPr lang="ru-RU" sz="500" dirty="0" smtClean="0"/>
-              <a:t>(+ переведет генерала из ВВС и вернет генерала-монархиста из изгнания)</a:t>
-            </a:r>
-            <a:endParaRPr lang="ru-RU" sz="700" dirty="0"/>
-          </a:p>
-        </p:txBody>
-      </p:sp>
-      <p:cxnSp>
-        <p:nvCxnSpPr>
-          <p:cNvPr id="333" name="Соединительная линия уступом 332"/>
-          <p:cNvCxnSpPr>
-            <a:stCxn id="105" idx="2"/>
-            <a:endCxn id="332" idx="0"/>
-          </p:cNvCxnSpPr>
-          <p:nvPr/>
-        </p:nvCxnSpPr>
-        <p:spPr>
-          <a:xfrm rot="16200000" flipH="1">
-            <a:off x="24814614" y="8345539"/>
-            <a:ext cx="203712" cy="546202"/>
-          </a:xfrm>
-          <a:prstGeom prst="bentConnector3">
-            <a:avLst>
-              <a:gd name="adj1" fmla="val 50000"/>
-            </a:avLst>
-          </a:prstGeom>
-          <a:ln w="19050">
-            <a:tailEnd type="arrow"/>
-          </a:ln>
-        </p:spPr>
-        <p:style>
-          <a:lnRef idx="1">
-            <a:schemeClr val="accent1"/>
-          </a:lnRef>
-          <a:fillRef idx="0">
-            <a:schemeClr val="accent1"/>
-          </a:fillRef>
-          <a:effectRef idx="0">
-            <a:schemeClr val="accent1"/>
-          </a:effectRef>
-          <a:fontRef idx="minor">
-            <a:schemeClr val="tx1"/>
-          </a:fontRef>
-        </p:style>
-      </p:cxnSp>
-      <p:sp>
-        <p:nvSpPr>
-          <p:cNvPr id="336" name="Прямоугольник 335"/>
-          <p:cNvSpPr/>
-          <p:nvPr/>
-        </p:nvSpPr>
-        <p:spPr>
-          <a:xfrm>
-            <a:off x="23155653" y="13357598"/>
-            <a:ext cx="926325" cy="540000"/>
-          </a:xfrm>
-          <a:prstGeom prst="rect">
-            <a:avLst/>
-          </a:prstGeom>
-          <a:solidFill>
-            <a:srgbClr val="7030A0"/>
-          </a:solidFill>
-          <a:ln w="19050"/>
+          <a:ln w="19050">
+            <a:solidFill>
+              <a:schemeClr val="accent4">
+                <a:lumMod val="75000"/>
+              </a:schemeClr>
+            </a:solidFill>
+          </a:ln>
         </p:spPr>
         <p:style>
           <a:lnRef idx="2">
@@ -38043,7 +38141,13 @@
           <a:solidFill>
             <a:srgbClr val="7030A0"/>
           </a:solidFill>
-          <a:ln w="19050"/>
+          <a:ln w="19050">
+            <a:solidFill>
+              <a:schemeClr val="accent4">
+                <a:lumMod val="75000"/>
+              </a:schemeClr>
+            </a:solidFill>
+          </a:ln>
         </p:spPr>
         <p:style>
           <a:lnRef idx="2">
@@ -38066,7 +38170,7 @@
             <a:pPr algn="ctr"/>
             <a:r>
               <a:rPr lang="ru-RU" sz="700" dirty="0" smtClean="0"/>
-              <a:t>Благословление Ватикана (наше)</a:t>
+              <a:t>Благословление Ватикана</a:t>
             </a:r>
             <a:endParaRPr lang="ru-RU" sz="700" dirty="0"/>
           </a:p>
@@ -38161,6 +38265,82 @@
           <a:xfrm rot="5400000">
             <a:off x="22209118" y="13749510"/>
             <a:ext cx="230333" cy="518928"/>
+          </a:xfrm>
+          <a:prstGeom prst="bentConnector3">
+            <a:avLst>
+              <a:gd name="adj1" fmla="val 50000"/>
+            </a:avLst>
+          </a:prstGeom>
+          <a:ln w="19050">
+            <a:tailEnd type="arrow"/>
+          </a:ln>
+        </p:spPr>
+        <p:style>
+          <a:lnRef idx="1">
+            <a:schemeClr val="accent1"/>
+          </a:lnRef>
+          <a:fillRef idx="0">
+            <a:schemeClr val="accent1"/>
+          </a:fillRef>
+          <a:effectRef idx="0">
+            <a:schemeClr val="accent1"/>
+          </a:effectRef>
+          <a:fontRef idx="minor">
+            <a:schemeClr val="tx1"/>
+          </a:fontRef>
+        </p:style>
+      </p:cxnSp>
+      <p:cxnSp>
+        <p:nvCxnSpPr>
+          <p:cNvPr id="854" name="Соединительная линия уступом 124"/>
+          <p:cNvCxnSpPr>
+            <a:stCxn id="336" idx="2"/>
+            <a:endCxn id="235" idx="0"/>
+          </p:cNvCxnSpPr>
+          <p:nvPr/>
+        </p:nvCxnSpPr>
+        <p:spPr>
+          <a:xfrm rot="5400000">
+            <a:off x="23252184" y="13757508"/>
+            <a:ext cx="226543" cy="506723"/>
+          </a:xfrm>
+          <a:prstGeom prst="bentConnector3">
+            <a:avLst>
+              <a:gd name="adj1" fmla="val 50000"/>
+            </a:avLst>
+          </a:prstGeom>
+          <a:ln w="19050">
+            <a:tailEnd type="arrow"/>
+          </a:ln>
+        </p:spPr>
+        <p:style>
+          <a:lnRef idx="1">
+            <a:schemeClr val="accent1"/>
+          </a:lnRef>
+          <a:fillRef idx="0">
+            <a:schemeClr val="accent1"/>
+          </a:fillRef>
+          <a:effectRef idx="0">
+            <a:schemeClr val="accent1"/>
+          </a:effectRef>
+          <a:fontRef idx="minor">
+            <a:schemeClr val="tx1"/>
+          </a:fontRef>
+        </p:style>
+      </p:cxnSp>
+      <p:cxnSp>
+        <p:nvCxnSpPr>
+          <p:cNvPr id="863" name="Соединительная линия уступом 124"/>
+          <p:cNvCxnSpPr>
+            <a:stCxn id="857" idx="2"/>
+            <a:endCxn id="238" idx="0"/>
+          </p:cNvCxnSpPr>
+          <p:nvPr/>
+        </p:nvCxnSpPr>
+        <p:spPr>
+          <a:xfrm rot="16200000" flipH="1">
+            <a:off x="21688478" y="13747798"/>
+            <a:ext cx="232855" cy="519830"/>
           </a:xfrm>
           <a:prstGeom prst="bentConnector3">
             <a:avLst>

--- a/Наработки/диздоки/Испания/Испания правые.pptx
+++ b/Наработки/диздоки/Испания/Испания правые.pptx
@@ -209,7 +209,7 @@
             <a:fld id="{33E3D7F9-E251-484C-A6FF-FA958879DF69}" type="datetimeFigureOut">
               <a:rPr lang="ru-RU" smtClean="0"/>
               <a:pPr/>
-              <a:t>29.10.2021</a:t>
+              <a:t>30.10.2021</a:t>
             </a:fld>
             <a:endParaRPr lang="ru-RU"/>
           </a:p>
@@ -700,7 +700,7 @@
             <a:fld id="{85A5DE44-605B-4D3B-B2B7-94543DF81A36}" type="datetimeFigureOut">
               <a:rPr lang="ru-RU" smtClean="0"/>
               <a:pPr/>
-              <a:t>29.10.2021</a:t>
+              <a:t>30.10.2021</a:t>
             </a:fld>
             <a:endParaRPr lang="ru-RU"/>
           </a:p>
@@ -872,7 +872,7 @@
             <a:fld id="{85A5DE44-605B-4D3B-B2B7-94543DF81A36}" type="datetimeFigureOut">
               <a:rPr lang="ru-RU" smtClean="0"/>
               <a:pPr/>
-              <a:t>29.10.2021</a:t>
+              <a:t>30.10.2021</a:t>
             </a:fld>
             <a:endParaRPr lang="ru-RU"/>
           </a:p>
@@ -1054,7 +1054,7 @@
             <a:fld id="{85A5DE44-605B-4D3B-B2B7-94543DF81A36}" type="datetimeFigureOut">
               <a:rPr lang="ru-RU" smtClean="0"/>
               <a:pPr/>
-              <a:t>29.10.2021</a:t>
+              <a:t>30.10.2021</a:t>
             </a:fld>
             <a:endParaRPr lang="ru-RU"/>
           </a:p>
@@ -1226,7 +1226,7 @@
             <a:fld id="{85A5DE44-605B-4D3B-B2B7-94543DF81A36}" type="datetimeFigureOut">
               <a:rPr lang="ru-RU" smtClean="0"/>
               <a:pPr/>
-              <a:t>29.10.2021</a:t>
+              <a:t>30.10.2021</a:t>
             </a:fld>
             <a:endParaRPr lang="ru-RU"/>
           </a:p>
@@ -1474,7 +1474,7 @@
             <a:fld id="{85A5DE44-605B-4D3B-B2B7-94543DF81A36}" type="datetimeFigureOut">
               <a:rPr lang="ru-RU" smtClean="0"/>
               <a:pPr/>
-              <a:t>29.10.2021</a:t>
+              <a:t>30.10.2021</a:t>
             </a:fld>
             <a:endParaRPr lang="ru-RU"/>
           </a:p>
@@ -1708,7 +1708,7 @@
             <a:fld id="{85A5DE44-605B-4D3B-B2B7-94543DF81A36}" type="datetimeFigureOut">
               <a:rPr lang="ru-RU" smtClean="0"/>
               <a:pPr/>
-              <a:t>29.10.2021</a:t>
+              <a:t>30.10.2021</a:t>
             </a:fld>
             <a:endParaRPr lang="ru-RU"/>
           </a:p>
@@ -2077,7 +2077,7 @@
             <a:fld id="{85A5DE44-605B-4D3B-B2B7-94543DF81A36}" type="datetimeFigureOut">
               <a:rPr lang="ru-RU" smtClean="0"/>
               <a:pPr/>
-              <a:t>29.10.2021</a:t>
+              <a:t>30.10.2021</a:t>
             </a:fld>
             <a:endParaRPr lang="ru-RU"/>
           </a:p>
@@ -2197,7 +2197,7 @@
             <a:fld id="{85A5DE44-605B-4D3B-B2B7-94543DF81A36}" type="datetimeFigureOut">
               <a:rPr lang="ru-RU" smtClean="0"/>
               <a:pPr/>
-              <a:t>29.10.2021</a:t>
+              <a:t>30.10.2021</a:t>
             </a:fld>
             <a:endParaRPr lang="ru-RU"/>
           </a:p>
@@ -2294,7 +2294,7 @@
             <a:fld id="{85A5DE44-605B-4D3B-B2B7-94543DF81A36}" type="datetimeFigureOut">
               <a:rPr lang="ru-RU" smtClean="0"/>
               <a:pPr/>
-              <a:t>29.10.2021</a:t>
+              <a:t>30.10.2021</a:t>
             </a:fld>
             <a:endParaRPr lang="ru-RU"/>
           </a:p>
@@ -2573,7 +2573,7 @@
             <a:fld id="{85A5DE44-605B-4D3B-B2B7-94543DF81A36}" type="datetimeFigureOut">
               <a:rPr lang="ru-RU" smtClean="0"/>
               <a:pPr/>
-              <a:t>29.10.2021</a:t>
+              <a:t>30.10.2021</a:t>
             </a:fld>
             <a:endParaRPr lang="ru-RU"/>
           </a:p>
@@ -2832,7 +2832,7 @@
             <a:fld id="{85A5DE44-605B-4D3B-B2B7-94543DF81A36}" type="datetimeFigureOut">
               <a:rPr lang="ru-RU" smtClean="0"/>
               <a:pPr/>
-              <a:t>29.10.2021</a:t>
+              <a:t>30.10.2021</a:t>
             </a:fld>
             <a:endParaRPr lang="ru-RU"/>
           </a:p>
@@ -3047,7 +3047,7 @@
             <a:fld id="{85A5DE44-605B-4D3B-B2B7-94543DF81A36}" type="datetimeFigureOut">
               <a:rPr lang="ru-RU" smtClean="0"/>
               <a:pPr/>
-              <a:t>29.10.2021</a:t>
+              <a:t>30.10.2021</a:t>
             </a:fld>
             <a:endParaRPr lang="ru-RU"/>
           </a:p>

--- a/Наработки/диздоки/Испания/Испания правые.pptx
+++ b/Наработки/диздоки/Испания/Испания правые.pptx
@@ -209,7 +209,7 @@
             <a:fld id="{33E3D7F9-E251-484C-A6FF-FA958879DF69}" type="datetimeFigureOut">
               <a:rPr lang="ru-RU" smtClean="0"/>
               <a:pPr/>
-              <a:t>30.10.2021</a:t>
+              <a:t>01.11.2021</a:t>
             </a:fld>
             <a:endParaRPr lang="ru-RU"/>
           </a:p>
@@ -700,7 +700,7 @@
             <a:fld id="{85A5DE44-605B-4D3B-B2B7-94543DF81A36}" type="datetimeFigureOut">
               <a:rPr lang="ru-RU" smtClean="0"/>
               <a:pPr/>
-              <a:t>30.10.2021</a:t>
+              <a:t>01.11.2021</a:t>
             </a:fld>
             <a:endParaRPr lang="ru-RU"/>
           </a:p>
@@ -872,7 +872,7 @@
             <a:fld id="{85A5DE44-605B-4D3B-B2B7-94543DF81A36}" type="datetimeFigureOut">
               <a:rPr lang="ru-RU" smtClean="0"/>
               <a:pPr/>
-              <a:t>30.10.2021</a:t>
+              <a:t>01.11.2021</a:t>
             </a:fld>
             <a:endParaRPr lang="ru-RU"/>
           </a:p>
@@ -1054,7 +1054,7 @@
             <a:fld id="{85A5DE44-605B-4D3B-B2B7-94543DF81A36}" type="datetimeFigureOut">
               <a:rPr lang="ru-RU" smtClean="0"/>
               <a:pPr/>
-              <a:t>30.10.2021</a:t>
+              <a:t>01.11.2021</a:t>
             </a:fld>
             <a:endParaRPr lang="ru-RU"/>
           </a:p>
@@ -1226,7 +1226,7 @@
             <a:fld id="{85A5DE44-605B-4D3B-B2B7-94543DF81A36}" type="datetimeFigureOut">
               <a:rPr lang="ru-RU" smtClean="0"/>
               <a:pPr/>
-              <a:t>30.10.2021</a:t>
+              <a:t>01.11.2021</a:t>
             </a:fld>
             <a:endParaRPr lang="ru-RU"/>
           </a:p>
@@ -1474,7 +1474,7 @@
             <a:fld id="{85A5DE44-605B-4D3B-B2B7-94543DF81A36}" type="datetimeFigureOut">
               <a:rPr lang="ru-RU" smtClean="0"/>
               <a:pPr/>
-              <a:t>30.10.2021</a:t>
+              <a:t>01.11.2021</a:t>
             </a:fld>
             <a:endParaRPr lang="ru-RU"/>
           </a:p>
@@ -1708,7 +1708,7 @@
             <a:fld id="{85A5DE44-605B-4D3B-B2B7-94543DF81A36}" type="datetimeFigureOut">
               <a:rPr lang="ru-RU" smtClean="0"/>
               <a:pPr/>
-              <a:t>30.10.2021</a:t>
+              <a:t>01.11.2021</a:t>
             </a:fld>
             <a:endParaRPr lang="ru-RU"/>
           </a:p>
@@ -2077,7 +2077,7 @@
             <a:fld id="{85A5DE44-605B-4D3B-B2B7-94543DF81A36}" type="datetimeFigureOut">
               <a:rPr lang="ru-RU" smtClean="0"/>
               <a:pPr/>
-              <a:t>30.10.2021</a:t>
+              <a:t>01.11.2021</a:t>
             </a:fld>
             <a:endParaRPr lang="ru-RU"/>
           </a:p>
@@ -2197,7 +2197,7 @@
             <a:fld id="{85A5DE44-605B-4D3B-B2B7-94543DF81A36}" type="datetimeFigureOut">
               <a:rPr lang="ru-RU" smtClean="0"/>
               <a:pPr/>
-              <a:t>30.10.2021</a:t>
+              <a:t>01.11.2021</a:t>
             </a:fld>
             <a:endParaRPr lang="ru-RU"/>
           </a:p>
@@ -2294,7 +2294,7 @@
             <a:fld id="{85A5DE44-605B-4D3B-B2B7-94543DF81A36}" type="datetimeFigureOut">
               <a:rPr lang="ru-RU" smtClean="0"/>
               <a:pPr/>
-              <a:t>30.10.2021</a:t>
+              <a:t>01.11.2021</a:t>
             </a:fld>
             <a:endParaRPr lang="ru-RU"/>
           </a:p>
@@ -2573,7 +2573,7 @@
             <a:fld id="{85A5DE44-605B-4D3B-B2B7-94543DF81A36}" type="datetimeFigureOut">
               <a:rPr lang="ru-RU" smtClean="0"/>
               <a:pPr/>
-              <a:t>30.10.2021</a:t>
+              <a:t>01.11.2021</a:t>
             </a:fld>
             <a:endParaRPr lang="ru-RU"/>
           </a:p>
@@ -2832,7 +2832,7 @@
             <a:fld id="{85A5DE44-605B-4D3B-B2B7-94543DF81A36}" type="datetimeFigureOut">
               <a:rPr lang="ru-RU" smtClean="0"/>
               <a:pPr/>
-              <a:t>30.10.2021</a:t>
+              <a:t>01.11.2021</a:t>
             </a:fld>
             <a:endParaRPr lang="ru-RU"/>
           </a:p>
@@ -3047,7 +3047,7 @@
             <a:fld id="{85A5DE44-605B-4D3B-B2B7-94543DF81A36}" type="datetimeFigureOut">
               <a:rPr lang="ru-RU" smtClean="0"/>
               <a:pPr/>
-              <a:t>30.10.2021</a:t>
+              <a:t>01.11.2021</a:t>
             </a:fld>
             <a:endParaRPr lang="ru-RU"/>
           </a:p>
@@ -11532,7 +11532,13 @@
           <a:solidFill>
             <a:srgbClr val="7030A0"/>
           </a:solidFill>
-          <a:ln w="19050"/>
+          <a:ln w="19050">
+            <a:solidFill>
+              <a:schemeClr val="accent4">
+                <a:lumMod val="75000"/>
+              </a:schemeClr>
+            </a:solidFill>
+          </a:ln>
         </p:spPr>
         <p:style>
           <a:lnRef idx="2">
@@ -11555,7 +11561,11 @@
             <a:pPr algn="ctr"/>
             <a:r>
               <a:rPr lang="ru-RU" sz="700" dirty="0" smtClean="0"/>
-              <a:t>Создание белогвардейской дивизии (+белый генерал, +4 каски)</a:t>
+              <a:t>Создание белогвардейской </a:t>
+            </a:r>
+            <a:r>
+              <a:rPr lang="ru-RU" sz="700" dirty="0" smtClean="0"/>
+              <a:t>дивизии</a:t>
             </a:r>
             <a:endParaRPr lang="ru-RU" sz="700" dirty="0"/>
           </a:p>
@@ -11616,7 +11626,13 @@
           <a:solidFill>
             <a:srgbClr val="7030A0"/>
           </a:solidFill>
-          <a:ln w="19050"/>
+          <a:ln w="19050">
+            <a:solidFill>
+              <a:schemeClr val="accent4">
+                <a:lumMod val="75000"/>
+              </a:schemeClr>
+            </a:solidFill>
+          </a:ln>
         </p:spPr>
         <p:style>
           <a:lnRef idx="2">
@@ -11639,11 +11655,11 @@
             <a:pPr algn="ctr"/>
             <a:r>
               <a:rPr lang="ru-RU" sz="700" dirty="0" smtClean="0"/>
-              <a:t>Расширение генералитета </a:t>
-            </a:r>
-            <a:r>
-              <a:rPr lang="ru-RU" sz="500" dirty="0" smtClean="0"/>
-              <a:t>(+ переведет генерала из ВВС и вернет генерала-монархиста из изгнания)</a:t>
+              <a:t>Расширение </a:t>
+            </a:r>
+            <a:r>
+              <a:rPr lang="ru-RU" sz="700" dirty="0" smtClean="0"/>
+              <a:t>генералитета</a:t>
             </a:r>
             <a:endParaRPr lang="ru-RU" sz="700" dirty="0"/>
           </a:p>
@@ -37066,154 +37082,154 @@
           <a:p>
             <a:pPr algn="ctr"/>
             <a:r>
-              <a:rPr lang="ru-RU" sz="100" dirty="0"/>
+              <a:rPr lang="ru-RU" sz="200" dirty="0"/>
               <a:t>Ко времени окончания сражения националисты наконец создали постоянный кабинет министров. Франко стал президентом совета, а </a:t>
             </a:r>
             <a:r>
-              <a:rPr lang="ru-RU" sz="100" dirty="0" err="1"/>
+              <a:rPr lang="ru-RU" sz="200" dirty="0" err="1"/>
               <a:t>Хордана</a:t>
             </a:r>
             <a:r>
-              <a:rPr lang="ru-RU" sz="100" dirty="0"/>
+              <a:rPr lang="ru-RU" sz="200" dirty="0"/>
               <a:t> занял пост вице-президента и министра иностранных дел. Давила, продолжая командовать Армией Севера, стал министром обороны. Генерал </a:t>
             </a:r>
             <a:r>
-              <a:rPr lang="ru-RU" sz="100" dirty="0" err="1"/>
+              <a:rPr lang="ru-RU" sz="200" dirty="0" err="1"/>
               <a:t>Мартинес</a:t>
             </a:r>
             <a:r>
-              <a:rPr lang="ru-RU" sz="100" dirty="0"/>
+              <a:rPr lang="ru-RU" sz="200" dirty="0"/>
               <a:t> </a:t>
             </a:r>
             <a:r>
-              <a:rPr lang="ru-RU" sz="100" dirty="0" err="1"/>
+              <a:rPr lang="ru-RU" sz="200" dirty="0" err="1"/>
               <a:t>Анидо</a:t>
             </a:r>
             <a:r>
-              <a:rPr lang="ru-RU" sz="100" dirty="0"/>
+              <a:rPr lang="ru-RU" sz="200" dirty="0"/>
               <a:t>, который после 1917 года был капитан-генералом Барселоны, тиранически управляя ею, а потом входил в кабинет </a:t>
             </a:r>
             <a:r>
-              <a:rPr lang="ru-RU" sz="100" dirty="0" err="1"/>
+              <a:rPr lang="ru-RU" sz="200" dirty="0" err="1"/>
               <a:t>Примо</a:t>
             </a:r>
             <a:r>
-              <a:rPr lang="ru-RU" sz="100" dirty="0"/>
+              <a:rPr lang="ru-RU" sz="200" dirty="0"/>
               <a:t> де Риверы, получил пост министра общественного порядка. Остальные члены кабинета не имели отношения к военным. </a:t>
             </a:r>
             <a:r>
-              <a:rPr lang="ru-RU" sz="100" dirty="0" err="1"/>
+              <a:rPr lang="ru-RU" sz="200" dirty="0" err="1"/>
               <a:t>Андресу</a:t>
             </a:r>
             <a:r>
-              <a:rPr lang="ru-RU" sz="100" dirty="0"/>
+              <a:rPr lang="ru-RU" sz="200" dirty="0"/>
               <a:t> </a:t>
             </a:r>
             <a:r>
-              <a:rPr lang="ru-RU" sz="100" dirty="0" err="1"/>
+              <a:rPr lang="ru-RU" sz="200" dirty="0" err="1"/>
               <a:t>Амадо</a:t>
             </a:r>
             <a:r>
-              <a:rPr lang="ru-RU" sz="100" dirty="0"/>
+              <a:rPr lang="ru-RU" sz="200" dirty="0"/>
               <a:t>, близкому другу </a:t>
             </a:r>
             <a:r>
-              <a:rPr lang="ru-RU" sz="100" dirty="0" err="1"/>
+              <a:rPr lang="ru-RU" sz="200" dirty="0" err="1"/>
               <a:t>Кальво</a:t>
             </a:r>
             <a:r>
-              <a:rPr lang="ru-RU" sz="100" dirty="0"/>
+              <a:rPr lang="ru-RU" sz="200" dirty="0"/>
               <a:t> </a:t>
             </a:r>
             <a:r>
-              <a:rPr lang="ru-RU" sz="100" dirty="0" err="1"/>
+              <a:rPr lang="ru-RU" sz="200" dirty="0" err="1"/>
               <a:t>Сотело</a:t>
             </a:r>
             <a:r>
-              <a:rPr lang="ru-RU" sz="100" dirty="0"/>
+              <a:rPr lang="ru-RU" sz="200" dirty="0"/>
               <a:t>, достался пост министра финансов. Морской инженер Хуан Антонио </a:t>
             </a:r>
             <a:r>
-              <a:rPr lang="ru-RU" sz="100" dirty="0" err="1"/>
+              <a:rPr lang="ru-RU" sz="200" dirty="0" err="1"/>
               <a:t>Суансес</a:t>
             </a:r>
             <a:r>
-              <a:rPr lang="ru-RU" sz="100" dirty="0"/>
+              <a:rPr lang="ru-RU" sz="200" dirty="0"/>
               <a:t>, давний приятель Франко, стал министром торговли и промышленности, </a:t>
             </a:r>
             <a:r>
-              <a:rPr lang="ru-RU" sz="100" dirty="0" err="1"/>
+              <a:rPr lang="ru-RU" sz="200" dirty="0" err="1"/>
               <a:t>карлист</a:t>
             </a:r>
             <a:r>
-              <a:rPr lang="ru-RU" sz="100" dirty="0"/>
+              <a:rPr lang="ru-RU" sz="200" dirty="0"/>
               <a:t> граф де </a:t>
             </a:r>
             <a:r>
-              <a:rPr lang="ru-RU" sz="100" dirty="0" err="1"/>
+              <a:rPr lang="ru-RU" sz="200" dirty="0" err="1"/>
               <a:t>Родесно</a:t>
             </a:r>
             <a:r>
-              <a:rPr lang="ru-RU" sz="100" dirty="0"/>
+              <a:rPr lang="ru-RU" sz="200" dirty="0"/>
               <a:t> – министром юстиции, а </a:t>
             </a:r>
             <a:r>
-              <a:rPr lang="ru-RU" sz="100" dirty="0" err="1"/>
+              <a:rPr lang="ru-RU" sz="200" dirty="0" err="1"/>
               <a:t>Сайнс</a:t>
             </a:r>
             <a:r>
-              <a:rPr lang="ru-RU" sz="100" dirty="0"/>
+              <a:rPr lang="ru-RU" sz="200" dirty="0"/>
               <a:t> Родригес, монархист и интеллектуал, – министром образования. Они представляли старые политические партии, но самым влиятельным членом кабинета был </a:t>
             </a:r>
             <a:r>
-              <a:rPr lang="ru-RU" sz="100" dirty="0" err="1"/>
+              <a:rPr lang="ru-RU" sz="200" dirty="0" err="1"/>
               <a:t>Серрано</a:t>
             </a:r>
             <a:r>
-              <a:rPr lang="ru-RU" sz="100" dirty="0"/>
+              <a:rPr lang="ru-RU" sz="200" dirty="0"/>
               <a:t> </a:t>
             </a:r>
             <a:r>
-              <a:rPr lang="ru-RU" sz="100" dirty="0" err="1"/>
+              <a:rPr lang="ru-RU" sz="200" dirty="0" err="1"/>
               <a:t>Суньер</a:t>
             </a:r>
             <a:r>
-              <a:rPr lang="ru-RU" sz="100" dirty="0"/>
+              <a:rPr lang="ru-RU" sz="200" dirty="0"/>
               <a:t>, возглавлявший новую фалангу. Ему были вручены прерогативы министра внутренних дел и генерального секретаря фаланги, что наделяло его исчерпывающей властью над этой организацией. </a:t>
             </a:r>
             <a:r>
-              <a:rPr lang="ru-RU" sz="100" dirty="0" err="1"/>
+              <a:rPr lang="ru-RU" sz="200" dirty="0" err="1"/>
               <a:t>Фернандес</a:t>
             </a:r>
             <a:r>
-              <a:rPr lang="ru-RU" sz="100" dirty="0"/>
+              <a:rPr lang="ru-RU" sz="200" dirty="0"/>
               <a:t> </a:t>
             </a:r>
             <a:r>
-              <a:rPr lang="ru-RU" sz="100" dirty="0" err="1"/>
+              <a:rPr lang="ru-RU" sz="200" dirty="0" err="1"/>
               <a:t>Куэста</a:t>
             </a:r>
             <a:r>
-              <a:rPr lang="ru-RU" sz="100" dirty="0"/>
+              <a:rPr lang="ru-RU" sz="200" dirty="0"/>
               <a:t>, единственный из числа «старых рубашек», в дополнение к его почетному посту генерального секретаря Национального совета стал министром сельского хозяйства. Пост министра труда достался Педро Гонсалесу </a:t>
             </a:r>
             <a:r>
-              <a:rPr lang="ru-RU" sz="100" dirty="0" err="1"/>
+              <a:rPr lang="ru-RU" sz="200" dirty="0" err="1"/>
               <a:t>Буэно</a:t>
             </a:r>
             <a:r>
-              <a:rPr lang="ru-RU" sz="100" dirty="0"/>
+              <a:rPr lang="ru-RU" sz="200" dirty="0"/>
               <a:t>, типичному представителю новой фаланги. Последним членом кабинета стал Альфонсо Пенья-и-</a:t>
             </a:r>
             <a:r>
-              <a:rPr lang="ru-RU" sz="100" dirty="0" err="1"/>
+              <a:rPr lang="ru-RU" sz="200" dirty="0" err="1"/>
               <a:t>Боэф</a:t>
             </a:r>
             <a:r>
-              <a:rPr lang="ru-RU" sz="100" dirty="0"/>
+              <a:rPr lang="ru-RU" sz="200" dirty="0"/>
               <a:t>, который до этого не играл роли в политике.</a:t>
             </a:r>
-            <a:endParaRPr lang="ru-RU" sz="100" dirty="0" smtClean="0"/>
+            <a:endParaRPr lang="ru-RU" sz="200" dirty="0" smtClean="0"/>
           </a:p>
         </p:txBody>
       </p:sp>

--- a/Наработки/диздоки/Испания/Испания правые.pptx
+++ b/Наработки/диздоки/Испания/Испания правые.pptx
@@ -209,7 +209,7 @@
             <a:fld id="{33E3D7F9-E251-484C-A6FF-FA958879DF69}" type="datetimeFigureOut">
               <a:rPr lang="ru-RU" smtClean="0"/>
               <a:pPr/>
-              <a:t>01.11.2021</a:t>
+              <a:t>02.11.2021</a:t>
             </a:fld>
             <a:endParaRPr lang="ru-RU"/>
           </a:p>
@@ -700,7 +700,7 @@
             <a:fld id="{85A5DE44-605B-4D3B-B2B7-94543DF81A36}" type="datetimeFigureOut">
               <a:rPr lang="ru-RU" smtClean="0"/>
               <a:pPr/>
-              <a:t>01.11.2021</a:t>
+              <a:t>02.11.2021</a:t>
             </a:fld>
             <a:endParaRPr lang="ru-RU"/>
           </a:p>
@@ -872,7 +872,7 @@
             <a:fld id="{85A5DE44-605B-4D3B-B2B7-94543DF81A36}" type="datetimeFigureOut">
               <a:rPr lang="ru-RU" smtClean="0"/>
               <a:pPr/>
-              <a:t>01.11.2021</a:t>
+              <a:t>02.11.2021</a:t>
             </a:fld>
             <a:endParaRPr lang="ru-RU"/>
           </a:p>
@@ -1054,7 +1054,7 @@
             <a:fld id="{85A5DE44-605B-4D3B-B2B7-94543DF81A36}" type="datetimeFigureOut">
               <a:rPr lang="ru-RU" smtClean="0"/>
               <a:pPr/>
-              <a:t>01.11.2021</a:t>
+              <a:t>02.11.2021</a:t>
             </a:fld>
             <a:endParaRPr lang="ru-RU"/>
           </a:p>
@@ -1226,7 +1226,7 @@
             <a:fld id="{85A5DE44-605B-4D3B-B2B7-94543DF81A36}" type="datetimeFigureOut">
               <a:rPr lang="ru-RU" smtClean="0"/>
               <a:pPr/>
-              <a:t>01.11.2021</a:t>
+              <a:t>02.11.2021</a:t>
             </a:fld>
             <a:endParaRPr lang="ru-RU"/>
           </a:p>
@@ -1474,7 +1474,7 @@
             <a:fld id="{85A5DE44-605B-4D3B-B2B7-94543DF81A36}" type="datetimeFigureOut">
               <a:rPr lang="ru-RU" smtClean="0"/>
               <a:pPr/>
-              <a:t>01.11.2021</a:t>
+              <a:t>02.11.2021</a:t>
             </a:fld>
             <a:endParaRPr lang="ru-RU"/>
           </a:p>
@@ -1708,7 +1708,7 @@
             <a:fld id="{85A5DE44-605B-4D3B-B2B7-94543DF81A36}" type="datetimeFigureOut">
               <a:rPr lang="ru-RU" smtClean="0"/>
               <a:pPr/>
-              <a:t>01.11.2021</a:t>
+              <a:t>02.11.2021</a:t>
             </a:fld>
             <a:endParaRPr lang="ru-RU"/>
           </a:p>
@@ -2077,7 +2077,7 @@
             <a:fld id="{85A5DE44-605B-4D3B-B2B7-94543DF81A36}" type="datetimeFigureOut">
               <a:rPr lang="ru-RU" smtClean="0"/>
               <a:pPr/>
-              <a:t>01.11.2021</a:t>
+              <a:t>02.11.2021</a:t>
             </a:fld>
             <a:endParaRPr lang="ru-RU"/>
           </a:p>
@@ -2197,7 +2197,7 @@
             <a:fld id="{85A5DE44-605B-4D3B-B2B7-94543DF81A36}" type="datetimeFigureOut">
               <a:rPr lang="ru-RU" smtClean="0"/>
               <a:pPr/>
-              <a:t>01.11.2021</a:t>
+              <a:t>02.11.2021</a:t>
             </a:fld>
             <a:endParaRPr lang="ru-RU"/>
           </a:p>
@@ -2294,7 +2294,7 @@
             <a:fld id="{85A5DE44-605B-4D3B-B2B7-94543DF81A36}" type="datetimeFigureOut">
               <a:rPr lang="ru-RU" smtClean="0"/>
               <a:pPr/>
-              <a:t>01.11.2021</a:t>
+              <a:t>02.11.2021</a:t>
             </a:fld>
             <a:endParaRPr lang="ru-RU"/>
           </a:p>
@@ -2573,7 +2573,7 @@
             <a:fld id="{85A5DE44-605B-4D3B-B2B7-94543DF81A36}" type="datetimeFigureOut">
               <a:rPr lang="ru-RU" smtClean="0"/>
               <a:pPr/>
-              <a:t>01.11.2021</a:t>
+              <a:t>02.11.2021</a:t>
             </a:fld>
             <a:endParaRPr lang="ru-RU"/>
           </a:p>
@@ -2832,7 +2832,7 @@
             <a:fld id="{85A5DE44-605B-4D3B-B2B7-94543DF81A36}" type="datetimeFigureOut">
               <a:rPr lang="ru-RU" smtClean="0"/>
               <a:pPr/>
-              <a:t>01.11.2021</a:t>
+              <a:t>02.11.2021</a:t>
             </a:fld>
             <a:endParaRPr lang="ru-RU"/>
           </a:p>
@@ -3047,7 +3047,7 @@
             <a:fld id="{85A5DE44-605B-4D3B-B2B7-94543DF81A36}" type="datetimeFigureOut">
               <a:rPr lang="ru-RU" smtClean="0"/>
               <a:pPr/>
-              <a:t>01.11.2021</a:t>
+              <a:t>02.11.2021</a:t>
             </a:fld>
             <a:endParaRPr lang="ru-RU"/>
           </a:p>
@@ -5288,307 +5288,6 @@
           <a:solidFill>
             <a:srgbClr val="7030A0"/>
           </a:solidFill>
-          <a:ln w="19050"/>
-        </p:spPr>
-        <p:style>
-          <a:lnRef idx="2">
-            <a:schemeClr val="accent1"/>
-          </a:lnRef>
-          <a:fillRef idx="1">
-            <a:schemeClr val="lt1"/>
-          </a:fillRef>
-          <a:effectRef idx="0">
-            <a:schemeClr val="accent1"/>
-          </a:effectRef>
-          <a:fontRef idx="minor">
-            <a:schemeClr val="dk1"/>
-          </a:fontRef>
-        </p:style>
-        <p:txBody>
-          <a:bodyPr lIns="124733" tIns="62367" rIns="124733" bIns="62367" rtlCol="0" anchor="ctr"/>
-          <a:lstStyle/>
-          <a:p>
-            <a:pPr algn="ctr"/>
-            <a:r>
-              <a:rPr lang="ru-RU" sz="700" dirty="0" smtClean="0"/>
-              <a:t>Хавьер</a:t>
-            </a:r>
-            <a:r>
-              <a:rPr lang="en-US" sz="700" dirty="0" smtClean="0"/>
-              <a:t> I</a:t>
-            </a:r>
-            <a:r>
-              <a:rPr lang="ru-RU" sz="700" dirty="0" smtClean="0"/>
-              <a:t> (Хавьер де Бурбон-Парма)</a:t>
-            </a:r>
-            <a:endParaRPr lang="ru-RU" sz="700" dirty="0"/>
-          </a:p>
-        </p:txBody>
-      </p:sp>
-      <p:sp>
-        <p:nvSpPr>
-          <p:cNvPr id="109" name="Прямоугольник 108"/>
-          <p:cNvSpPr/>
-          <p:nvPr/>
-        </p:nvSpPr>
-        <p:spPr>
-          <a:xfrm>
-            <a:off x="25835494" y="8722273"/>
-            <a:ext cx="926325" cy="540000"/>
-          </a:xfrm>
-          <a:prstGeom prst="rect">
-            <a:avLst/>
-          </a:prstGeom>
-          <a:solidFill>
-            <a:srgbClr val="7030A0"/>
-          </a:solidFill>
-          <a:ln w="19050"/>
-        </p:spPr>
-        <p:style>
-          <a:lnRef idx="2">
-            <a:schemeClr val="accent1"/>
-          </a:lnRef>
-          <a:fillRef idx="1">
-            <a:schemeClr val="lt1"/>
-          </a:fillRef>
-          <a:effectRef idx="0">
-            <a:schemeClr val="accent1"/>
-          </a:effectRef>
-          <a:fontRef idx="minor">
-            <a:schemeClr val="dk1"/>
-          </a:fontRef>
-        </p:style>
-        <p:txBody>
-          <a:bodyPr lIns="124733" tIns="62367" rIns="124733" bIns="62367" rtlCol="0" anchor="ctr"/>
-          <a:lstStyle/>
-          <a:p>
-            <a:pPr algn="ctr"/>
-            <a:r>
-              <a:rPr lang="ru-RU" sz="700" dirty="0" smtClean="0"/>
-              <a:t>Хуан </a:t>
-            </a:r>
-            <a:r>
-              <a:rPr lang="en-US" sz="700" dirty="0" smtClean="0"/>
-              <a:t>III</a:t>
-            </a:r>
-            <a:r>
-              <a:rPr lang="ru-RU" sz="700" dirty="0" smtClean="0"/>
-              <a:t> (Хуан де Бурбон)</a:t>
-            </a:r>
-            <a:endParaRPr lang="ru-RU" sz="700" dirty="0"/>
-          </a:p>
-        </p:txBody>
-      </p:sp>
-      <p:sp>
-        <p:nvSpPr>
-          <p:cNvPr id="110" name="Прямоугольник 109"/>
-          <p:cNvSpPr/>
-          <p:nvPr/>
-        </p:nvSpPr>
-        <p:spPr>
-          <a:xfrm>
-            <a:off x="28082585" y="8722273"/>
-            <a:ext cx="926325" cy="540000"/>
-          </a:xfrm>
-          <a:prstGeom prst="rect">
-            <a:avLst/>
-          </a:prstGeom>
-          <a:solidFill>
-            <a:srgbClr val="7030A0"/>
-          </a:solidFill>
-          <a:ln w="19050"/>
-        </p:spPr>
-        <p:style>
-          <a:lnRef idx="2">
-            <a:schemeClr val="accent1"/>
-          </a:lnRef>
-          <a:fillRef idx="1">
-            <a:schemeClr val="lt1"/>
-          </a:fillRef>
-          <a:effectRef idx="0">
-            <a:schemeClr val="accent1"/>
-          </a:effectRef>
-          <a:fontRef idx="minor">
-            <a:schemeClr val="dk1"/>
-          </a:fontRef>
-        </p:style>
-        <p:txBody>
-          <a:bodyPr lIns="124733" tIns="62367" rIns="124733" bIns="62367" rtlCol="0" anchor="ctr"/>
-          <a:lstStyle/>
-          <a:p>
-            <a:pPr algn="ctr"/>
-            <a:r>
-              <a:rPr lang="ru-RU" sz="700" dirty="0" smtClean="0"/>
-              <a:t>Альфонс </a:t>
-            </a:r>
-            <a:r>
-              <a:rPr lang="en-US" sz="700" dirty="0" smtClean="0"/>
-              <a:t>XIII</a:t>
-            </a:r>
-            <a:endParaRPr lang="ru-RU" sz="700" dirty="0"/>
-          </a:p>
-        </p:txBody>
-      </p:sp>
-      <p:sp>
-        <p:nvSpPr>
-          <p:cNvPr id="111" name="Прямоугольник 110"/>
-          <p:cNvSpPr/>
-          <p:nvPr/>
-        </p:nvSpPr>
-        <p:spPr>
-          <a:xfrm>
-            <a:off x="28082584" y="7190582"/>
-            <a:ext cx="926325" cy="540000"/>
-          </a:xfrm>
-          <a:prstGeom prst="rect">
-            <a:avLst/>
-          </a:prstGeom>
-          <a:solidFill>
-            <a:srgbClr val="7030A0"/>
-          </a:solidFill>
-          <a:ln w="19050"/>
-        </p:spPr>
-        <p:style>
-          <a:lnRef idx="2">
-            <a:schemeClr val="accent1"/>
-          </a:lnRef>
-          <a:fillRef idx="1">
-            <a:schemeClr val="lt1"/>
-          </a:fillRef>
-          <a:effectRef idx="0">
-            <a:schemeClr val="accent1"/>
-          </a:effectRef>
-          <a:fontRef idx="minor">
-            <a:schemeClr val="dk1"/>
-          </a:fontRef>
-        </p:style>
-        <p:txBody>
-          <a:bodyPr lIns="124733" tIns="62367" rIns="124733" bIns="62367" rtlCol="0" anchor="ctr"/>
-          <a:lstStyle/>
-          <a:p>
-            <a:pPr algn="ctr"/>
-            <a:r>
-              <a:rPr lang="en-US" sz="700" dirty="0" err="1" smtClean="0"/>
-              <a:t>Renovación</a:t>
-            </a:r>
-            <a:r>
-              <a:rPr lang="en-US" sz="700" dirty="0" smtClean="0"/>
-              <a:t> </a:t>
-            </a:r>
-            <a:r>
-              <a:rPr lang="en-US" sz="700" dirty="0" err="1" smtClean="0"/>
-              <a:t>Española</a:t>
-            </a:r>
-            <a:endParaRPr lang="ru-RU" sz="700" dirty="0"/>
-          </a:p>
-        </p:txBody>
-      </p:sp>
-      <p:sp>
-        <p:nvSpPr>
-          <p:cNvPr id="112" name="Прямоугольник 111"/>
-          <p:cNvSpPr/>
-          <p:nvPr/>
-        </p:nvSpPr>
-        <p:spPr>
-          <a:xfrm>
-            <a:off x="25835494" y="7190027"/>
-            <a:ext cx="926325" cy="540000"/>
-          </a:xfrm>
-          <a:prstGeom prst="rect">
-            <a:avLst/>
-          </a:prstGeom>
-          <a:solidFill>
-            <a:srgbClr val="7030A0"/>
-          </a:solidFill>
-          <a:ln w="19050"/>
-        </p:spPr>
-        <p:style>
-          <a:lnRef idx="2">
-            <a:schemeClr val="accent1"/>
-          </a:lnRef>
-          <a:fillRef idx="1">
-            <a:schemeClr val="lt1"/>
-          </a:fillRef>
-          <a:effectRef idx="0">
-            <a:schemeClr val="accent1"/>
-          </a:effectRef>
-          <a:fontRef idx="minor">
-            <a:schemeClr val="dk1"/>
-          </a:fontRef>
-        </p:style>
-        <p:txBody>
-          <a:bodyPr lIns="124733" tIns="62367" rIns="124733" bIns="62367" rtlCol="0" anchor="ctr"/>
-          <a:lstStyle/>
-          <a:p>
-            <a:pPr algn="ctr"/>
-            <a:r>
-              <a:rPr lang="ru-RU" sz="700" dirty="0" smtClean="0"/>
-              <a:t>Национальный блок </a:t>
-            </a:r>
-            <a:r>
-              <a:rPr lang="ru-RU" sz="300" dirty="0" smtClean="0"/>
-              <a:t>(Компромисс между  </a:t>
-            </a:r>
-            <a:r>
-              <a:rPr lang="en-US" sz="300" dirty="0" err="1" smtClean="0"/>
-              <a:t>Renovación</a:t>
-            </a:r>
-            <a:r>
-              <a:rPr lang="en-US" sz="300" dirty="0" smtClean="0"/>
-              <a:t> </a:t>
-            </a:r>
-            <a:r>
-              <a:rPr lang="en-US" sz="300" dirty="0" err="1" smtClean="0"/>
-              <a:t>Española</a:t>
-            </a:r>
-            <a:r>
-              <a:rPr lang="ru-RU" sz="300" dirty="0" smtClean="0"/>
-              <a:t> и </a:t>
-            </a:r>
-            <a:r>
-              <a:rPr lang="ru-RU" sz="300" dirty="0" err="1" smtClean="0"/>
-              <a:t>карлистами</a:t>
-            </a:r>
-            <a:r>
-              <a:rPr lang="ru-RU" sz="300" dirty="0"/>
-              <a:t> (Хосе </a:t>
-            </a:r>
-            <a:r>
-              <a:rPr lang="ru-RU" sz="300" dirty="0" err="1"/>
-              <a:t>Кальво</a:t>
-            </a:r>
-            <a:r>
-              <a:rPr lang="ru-RU" sz="300" dirty="0"/>
-              <a:t> </a:t>
-            </a:r>
-            <a:r>
-              <a:rPr lang="ru-RU" sz="300" dirty="0" err="1" smtClean="0"/>
-              <a:t>Сотело</a:t>
-            </a:r>
-            <a:r>
-              <a:rPr lang="ru-RU" sz="300" dirty="0" smtClean="0"/>
-              <a:t> должен выжить)</a:t>
-            </a:r>
-          </a:p>
-        </p:txBody>
-      </p:sp>
-      <p:sp>
-        <p:nvSpPr>
-          <p:cNvPr id="120" name="Прямоугольник 119"/>
-          <p:cNvSpPr/>
-          <p:nvPr/>
-        </p:nvSpPr>
-        <p:spPr>
-          <a:xfrm>
-            <a:off x="20535903" y="7190027"/>
-            <a:ext cx="926325" cy="540000"/>
-          </a:xfrm>
-          <a:prstGeom prst="rect">
-            <a:avLst/>
-          </a:prstGeom>
-          <a:solidFill>
-            <a:srgbClr val="7030A0"/>
-          </a:solidFill>
           <a:ln w="19050">
             <a:solidFill>
               <a:schemeClr val="accent4">
@@ -5618,7 +5317,15 @@
             <a:pPr algn="ctr"/>
             <a:r>
               <a:rPr lang="ru-RU" sz="700" dirty="0" smtClean="0"/>
-              <a:t>Испанские крестоносцы</a:t>
+              <a:t>Хавьер</a:t>
+            </a:r>
+            <a:r>
+              <a:rPr lang="en-US" sz="700" dirty="0" smtClean="0"/>
+              <a:t> I</a:t>
+            </a:r>
+            <a:r>
+              <a:rPr lang="ru-RU" sz="700" dirty="0" smtClean="0"/>
+              <a:t> (Хавьер де Бурбон-Парма)</a:t>
             </a:r>
             <a:endParaRPr lang="ru-RU" sz="700" dirty="0"/>
           </a:p>
@@ -5626,13 +5333,13 @@
       </p:sp>
       <p:sp>
         <p:nvSpPr>
-          <p:cNvPr id="121" name="Прямоугольник 120"/>
+          <p:cNvPr id="109" name="Прямоугольник 108"/>
           <p:cNvSpPr/>
           <p:nvPr/>
         </p:nvSpPr>
         <p:spPr>
           <a:xfrm>
-            <a:off x="22650791" y="7190027"/>
+            <a:off x="25835494" y="8722273"/>
             <a:ext cx="926325" cy="540000"/>
           </a:xfrm>
           <a:prstGeom prst="rect">
@@ -5664,505 +5371,222 @@
             <a:pPr algn="ctr"/>
             <a:r>
               <a:rPr lang="ru-RU" sz="700" dirty="0" smtClean="0"/>
-              <a:t>Традиционалисты</a:t>
-            </a:r>
-          </a:p>
-        </p:txBody>
-      </p:sp>
-      <p:cxnSp>
-        <p:nvCxnSpPr>
-          <p:cNvPr id="134" name="Прямая соединительная линия 133"/>
-          <p:cNvCxnSpPr>
-            <a:stCxn id="121" idx="3"/>
-            <a:endCxn id="112" idx="1"/>
-          </p:cNvCxnSpPr>
-          <p:nvPr/>
-        </p:nvCxnSpPr>
-        <p:spPr>
-          <a:xfrm>
-            <a:off x="23577116" y="7460027"/>
-            <a:ext cx="2258378" cy="0"/>
-          </a:xfrm>
-          <a:prstGeom prst="line">
-            <a:avLst/>
-          </a:prstGeom>
-          <a:ln w="19050">
-            <a:solidFill>
-              <a:srgbClr val="FF0000"/>
-            </a:solidFill>
-          </a:ln>
-        </p:spPr>
-        <p:style>
-          <a:lnRef idx="1">
-            <a:schemeClr val="accent1"/>
-          </a:lnRef>
-          <a:fillRef idx="0">
-            <a:schemeClr val="accent1"/>
-          </a:fillRef>
-          <a:effectRef idx="0">
-            <a:schemeClr val="accent1"/>
-          </a:effectRef>
-          <a:fontRef idx="minor">
-            <a:schemeClr val="tx1"/>
-          </a:fontRef>
-        </p:style>
-      </p:cxnSp>
-      <p:cxnSp>
-        <p:nvCxnSpPr>
-          <p:cNvPr id="140" name="Прямая со стрелкой 139"/>
-          <p:cNvCxnSpPr>
-            <a:stCxn id="120" idx="2"/>
-            <a:endCxn id="107" idx="0"/>
-          </p:cNvCxnSpPr>
-          <p:nvPr/>
-        </p:nvCxnSpPr>
-        <p:spPr>
-          <a:xfrm>
-            <a:off x="20999066" y="7730027"/>
-            <a:ext cx="0" cy="992246"/>
-          </a:xfrm>
-          <a:prstGeom prst="straightConnector1">
-            <a:avLst/>
-          </a:prstGeom>
-          <a:ln w="19050">
-            <a:tailEnd type="arrow"/>
-          </a:ln>
-        </p:spPr>
-        <p:style>
-          <a:lnRef idx="1">
-            <a:schemeClr val="accent1"/>
-          </a:lnRef>
-          <a:fillRef idx="0">
-            <a:schemeClr val="accent1"/>
-          </a:fillRef>
-          <a:effectRef idx="0">
-            <a:schemeClr val="accent1"/>
-          </a:effectRef>
-          <a:fontRef idx="minor">
-            <a:schemeClr val="tx1"/>
-          </a:fontRef>
-        </p:style>
-      </p:cxnSp>
-      <p:cxnSp>
-        <p:nvCxnSpPr>
-          <p:cNvPr id="143" name="Прямая со стрелкой 142"/>
-          <p:cNvCxnSpPr>
-            <a:stCxn id="121" idx="2"/>
-            <a:endCxn id="108" idx="0"/>
-          </p:cNvCxnSpPr>
-          <p:nvPr/>
-        </p:nvCxnSpPr>
-        <p:spPr>
-          <a:xfrm>
-            <a:off x="23113954" y="7730027"/>
-            <a:ext cx="0" cy="992246"/>
-          </a:xfrm>
-          <a:prstGeom prst="straightConnector1">
-            <a:avLst/>
-          </a:prstGeom>
-          <a:ln w="19050">
-            <a:tailEnd type="arrow"/>
-          </a:ln>
-        </p:spPr>
-        <p:style>
-          <a:lnRef idx="1">
-            <a:schemeClr val="accent1"/>
-          </a:lnRef>
-          <a:fillRef idx="0">
-            <a:schemeClr val="accent1"/>
-          </a:fillRef>
-          <a:effectRef idx="0">
-            <a:schemeClr val="accent1"/>
-          </a:effectRef>
-          <a:fontRef idx="minor">
-            <a:schemeClr val="tx1"/>
-          </a:fontRef>
-        </p:style>
-      </p:cxnSp>
-      <p:cxnSp>
-        <p:nvCxnSpPr>
-          <p:cNvPr id="146" name="Прямая со стрелкой 145"/>
-          <p:cNvCxnSpPr>
-            <a:stCxn id="112" idx="2"/>
-            <a:endCxn id="109" idx="0"/>
-          </p:cNvCxnSpPr>
-          <p:nvPr/>
-        </p:nvCxnSpPr>
-        <p:spPr>
-          <a:xfrm>
-            <a:off x="26298657" y="7730027"/>
-            <a:ext cx="0" cy="992246"/>
-          </a:xfrm>
-          <a:prstGeom prst="straightConnector1">
-            <a:avLst/>
-          </a:prstGeom>
-          <a:ln w="19050">
-            <a:tailEnd type="arrow"/>
-          </a:ln>
-        </p:spPr>
-        <p:style>
-          <a:lnRef idx="1">
-            <a:schemeClr val="accent1"/>
-          </a:lnRef>
-          <a:fillRef idx="0">
-            <a:schemeClr val="accent1"/>
-          </a:fillRef>
-          <a:effectRef idx="0">
-            <a:schemeClr val="accent1"/>
-          </a:effectRef>
-          <a:fontRef idx="minor">
-            <a:schemeClr val="tx1"/>
-          </a:fontRef>
-        </p:style>
-      </p:cxnSp>
-      <p:cxnSp>
-        <p:nvCxnSpPr>
-          <p:cNvPr id="149" name="Прямая со стрелкой 148"/>
-          <p:cNvCxnSpPr>
-            <a:stCxn id="111" idx="2"/>
-            <a:endCxn id="110" idx="0"/>
-          </p:cNvCxnSpPr>
-          <p:nvPr/>
-        </p:nvCxnSpPr>
-        <p:spPr>
-          <a:xfrm>
-            <a:off x="28545747" y="7730582"/>
-            <a:ext cx="1" cy="991691"/>
-          </a:xfrm>
-          <a:prstGeom prst="straightConnector1">
-            <a:avLst/>
-          </a:prstGeom>
-          <a:ln w="19050">
-            <a:tailEnd type="arrow"/>
-          </a:ln>
-        </p:spPr>
-        <p:style>
-          <a:lnRef idx="1">
-            <a:schemeClr val="accent1"/>
-          </a:lnRef>
-          <a:fillRef idx="0">
-            <a:schemeClr val="accent1"/>
-          </a:fillRef>
-          <a:effectRef idx="0">
-            <a:schemeClr val="accent1"/>
-          </a:effectRef>
-          <a:fontRef idx="minor">
-            <a:schemeClr val="tx1"/>
-          </a:fontRef>
-        </p:style>
-      </p:cxnSp>
-      <p:cxnSp>
-        <p:nvCxnSpPr>
-          <p:cNvPr id="152" name="Прямая со стрелкой 151"/>
-          <p:cNvCxnSpPr>
-            <a:stCxn id="106" idx="2"/>
-            <a:endCxn id="105" idx="0"/>
-          </p:cNvCxnSpPr>
-          <p:nvPr/>
-        </p:nvCxnSpPr>
-        <p:spPr>
-          <a:xfrm>
-            <a:off x="24643369" y="6961677"/>
-            <a:ext cx="0" cy="1015107"/>
-          </a:xfrm>
-          <a:prstGeom prst="straightConnector1">
-            <a:avLst/>
-          </a:prstGeom>
-          <a:ln w="19050">
-            <a:prstDash val="dash"/>
-            <a:tailEnd type="arrow"/>
-          </a:ln>
-        </p:spPr>
-        <p:style>
-          <a:lnRef idx="1">
-            <a:schemeClr val="accent1"/>
-          </a:lnRef>
-          <a:fillRef idx="0">
-            <a:schemeClr val="accent1"/>
-          </a:fillRef>
-          <a:effectRef idx="0">
-            <a:schemeClr val="accent1"/>
-          </a:effectRef>
-          <a:fontRef idx="minor">
-            <a:schemeClr val="tx1"/>
-          </a:fontRef>
-        </p:style>
-      </p:cxnSp>
-      <p:cxnSp>
-        <p:nvCxnSpPr>
-          <p:cNvPr id="158" name="Соединительная линия уступом 157"/>
-          <p:cNvCxnSpPr>
-            <a:stCxn id="105" idx="2"/>
-            <a:endCxn id="107" idx="0"/>
-          </p:cNvCxnSpPr>
-          <p:nvPr/>
-        </p:nvCxnSpPr>
-        <p:spPr>
-          <a:xfrm rot="5400000">
-            <a:off x="22718474" y="6797377"/>
-            <a:ext cx="205489" cy="3644303"/>
-          </a:xfrm>
-          <a:prstGeom prst="bentConnector3">
-            <a:avLst>
-              <a:gd name="adj1" fmla="val 50000"/>
-            </a:avLst>
-          </a:prstGeom>
-          <a:ln w="19050">
-            <a:tailEnd type="arrow"/>
-          </a:ln>
-        </p:spPr>
-        <p:style>
-          <a:lnRef idx="1">
-            <a:schemeClr val="accent1"/>
-          </a:lnRef>
-          <a:fillRef idx="0">
-            <a:schemeClr val="accent1"/>
-          </a:fillRef>
-          <a:effectRef idx="0">
-            <a:schemeClr val="accent1"/>
-          </a:effectRef>
-          <a:fontRef idx="minor">
-            <a:schemeClr val="tx1"/>
-          </a:fontRef>
-        </p:style>
-      </p:cxnSp>
-      <p:cxnSp>
-        <p:nvCxnSpPr>
-          <p:cNvPr id="162" name="Соединительная линия уступом 161"/>
-          <p:cNvCxnSpPr>
-            <a:stCxn id="105" idx="2"/>
-            <a:endCxn id="110" idx="0"/>
-          </p:cNvCxnSpPr>
-          <p:nvPr/>
-        </p:nvCxnSpPr>
-        <p:spPr>
-          <a:xfrm rot="16200000" flipH="1">
-            <a:off x="26491814" y="6668338"/>
-            <a:ext cx="205489" cy="3902379"/>
-          </a:xfrm>
-          <a:prstGeom prst="bentConnector3">
-            <a:avLst>
-              <a:gd name="adj1" fmla="val 50000"/>
-            </a:avLst>
-          </a:prstGeom>
-          <a:ln w="19050">
-            <a:tailEnd type="arrow"/>
-          </a:ln>
-        </p:spPr>
-        <p:style>
-          <a:lnRef idx="1">
-            <a:schemeClr val="accent1"/>
-          </a:lnRef>
-          <a:fillRef idx="0">
-            <a:schemeClr val="accent1"/>
-          </a:fillRef>
-          <a:effectRef idx="0">
-            <a:schemeClr val="accent1"/>
-          </a:effectRef>
-          <a:fontRef idx="minor">
-            <a:schemeClr val="tx1"/>
-          </a:fontRef>
-        </p:style>
-      </p:cxnSp>
-      <p:cxnSp>
-        <p:nvCxnSpPr>
-          <p:cNvPr id="165" name="Соединительная линия уступом 164"/>
-          <p:cNvCxnSpPr>
-            <a:stCxn id="105" idx="2"/>
-            <a:endCxn id="108" idx="0"/>
-          </p:cNvCxnSpPr>
-          <p:nvPr/>
-        </p:nvCxnSpPr>
-        <p:spPr>
-          <a:xfrm rot="5400000">
-            <a:off x="23775918" y="7854821"/>
-            <a:ext cx="205489" cy="1529415"/>
-          </a:xfrm>
-          <a:prstGeom prst="bentConnector3">
-            <a:avLst>
-              <a:gd name="adj1" fmla="val 50000"/>
-            </a:avLst>
-          </a:prstGeom>
-          <a:ln w="19050">
-            <a:tailEnd type="arrow"/>
-          </a:ln>
-        </p:spPr>
-        <p:style>
-          <a:lnRef idx="1">
-            <a:schemeClr val="accent1"/>
-          </a:lnRef>
-          <a:fillRef idx="0">
-            <a:schemeClr val="accent1"/>
-          </a:fillRef>
-          <a:effectRef idx="0">
-            <a:schemeClr val="accent1"/>
-          </a:effectRef>
-          <a:fontRef idx="minor">
-            <a:schemeClr val="tx1"/>
-          </a:fontRef>
-        </p:style>
-      </p:cxnSp>
-      <p:cxnSp>
-        <p:nvCxnSpPr>
-          <p:cNvPr id="168" name="Соединительная линия уступом 167"/>
-          <p:cNvCxnSpPr>
-            <a:stCxn id="105" idx="2"/>
-            <a:endCxn id="109" idx="0"/>
-          </p:cNvCxnSpPr>
-          <p:nvPr/>
-        </p:nvCxnSpPr>
-        <p:spPr>
-          <a:xfrm rot="16200000" flipH="1">
-            <a:off x="25368269" y="7791884"/>
-            <a:ext cx="205489" cy="1655288"/>
-          </a:xfrm>
-          <a:prstGeom prst="bentConnector3">
-            <a:avLst>
-              <a:gd name="adj1" fmla="val 50000"/>
-            </a:avLst>
-          </a:prstGeom>
-          <a:ln w="19050">
-            <a:tailEnd type="arrow"/>
-          </a:ln>
-        </p:spPr>
-        <p:style>
-          <a:lnRef idx="1">
-            <a:schemeClr val="accent1"/>
-          </a:lnRef>
-          <a:fillRef idx="0">
-            <a:schemeClr val="accent1"/>
-          </a:fillRef>
-          <a:effectRef idx="0">
-            <a:schemeClr val="accent1"/>
-          </a:effectRef>
-          <a:fontRef idx="minor">
-            <a:schemeClr val="tx1"/>
-          </a:fontRef>
-        </p:style>
-      </p:cxnSp>
-      <p:cxnSp>
-        <p:nvCxnSpPr>
-          <p:cNvPr id="171" name="Соединительная линия уступом 170"/>
-          <p:cNvCxnSpPr>
-            <a:stCxn id="106" idx="2"/>
-            <a:endCxn id="120" idx="0"/>
-          </p:cNvCxnSpPr>
-          <p:nvPr/>
-        </p:nvCxnSpPr>
-        <p:spPr>
-          <a:xfrm rot="5400000">
-            <a:off x="22707043" y="5253701"/>
-            <a:ext cx="228350" cy="3644303"/>
-          </a:xfrm>
-          <a:prstGeom prst="bentConnector3">
-            <a:avLst>
-              <a:gd name="adj1" fmla="val 50000"/>
-            </a:avLst>
-          </a:prstGeom>
-          <a:ln w="19050">
-            <a:tailEnd type="arrow"/>
-          </a:ln>
-        </p:spPr>
-        <p:style>
-          <a:lnRef idx="1">
-            <a:schemeClr val="accent1"/>
-          </a:lnRef>
-          <a:fillRef idx="0">
-            <a:schemeClr val="accent1"/>
-          </a:fillRef>
-          <a:effectRef idx="0">
-            <a:schemeClr val="accent1"/>
-          </a:effectRef>
-          <a:fontRef idx="minor">
-            <a:schemeClr val="tx1"/>
-          </a:fontRef>
-        </p:style>
-      </p:cxnSp>
-      <p:cxnSp>
-        <p:nvCxnSpPr>
-          <p:cNvPr id="174" name="Соединительная линия уступом 173"/>
-          <p:cNvCxnSpPr>
-            <a:stCxn id="106" idx="2"/>
-            <a:endCxn id="112" idx="0"/>
-          </p:cNvCxnSpPr>
-          <p:nvPr/>
-        </p:nvCxnSpPr>
-        <p:spPr>
-          <a:xfrm rot="16200000" flipH="1">
-            <a:off x="25356838" y="6248208"/>
-            <a:ext cx="228350" cy="1655288"/>
-          </a:xfrm>
-          <a:prstGeom prst="bentConnector3">
-            <a:avLst>
-              <a:gd name="adj1" fmla="val 50000"/>
-            </a:avLst>
-          </a:prstGeom>
-          <a:ln w="19050">
-            <a:tailEnd type="arrow"/>
-          </a:ln>
-        </p:spPr>
-        <p:style>
-          <a:lnRef idx="1">
-            <a:schemeClr val="accent1"/>
-          </a:lnRef>
-          <a:fillRef idx="0">
-            <a:schemeClr val="accent1"/>
-          </a:fillRef>
-          <a:effectRef idx="0">
-            <a:schemeClr val="accent1"/>
-          </a:effectRef>
-          <a:fontRef idx="minor">
-            <a:schemeClr val="tx1"/>
-          </a:fontRef>
-        </p:style>
-      </p:cxnSp>
-      <p:cxnSp>
-        <p:nvCxnSpPr>
-          <p:cNvPr id="180" name="Соединительная линия уступом 179"/>
-          <p:cNvCxnSpPr>
-            <a:stCxn id="106" idx="2"/>
-            <a:endCxn id="121" idx="0"/>
-          </p:cNvCxnSpPr>
-          <p:nvPr/>
-        </p:nvCxnSpPr>
-        <p:spPr>
-          <a:xfrm rot="5400000">
-            <a:off x="23764487" y="6311145"/>
-            <a:ext cx="228350" cy="1529415"/>
-          </a:xfrm>
-          <a:prstGeom prst="bentConnector3">
-            <a:avLst>
-              <a:gd name="adj1" fmla="val 50000"/>
-            </a:avLst>
-          </a:prstGeom>
-          <a:ln w="19050">
-            <a:tailEnd type="arrow"/>
-          </a:ln>
-        </p:spPr>
-        <p:style>
-          <a:lnRef idx="1">
-            <a:schemeClr val="accent1"/>
-          </a:lnRef>
-          <a:fillRef idx="0">
-            <a:schemeClr val="accent1"/>
-          </a:fillRef>
-          <a:effectRef idx="0">
-            <a:schemeClr val="accent1"/>
-          </a:effectRef>
-          <a:fontRef idx="minor">
-            <a:schemeClr val="tx1"/>
-          </a:fontRef>
-        </p:style>
-      </p:cxnSp>
-      <p:sp>
-        <p:nvSpPr>
-          <p:cNvPr id="79" name="Прямоугольник 78"/>
+              <a:t>Хуан </a:t>
+            </a:r>
+            <a:r>
+              <a:rPr lang="en-US" sz="700" dirty="0" smtClean="0"/>
+              <a:t>III</a:t>
+            </a:r>
+            <a:r>
+              <a:rPr lang="ru-RU" sz="700" dirty="0" smtClean="0"/>
+              <a:t> (Хуан де Бурбон)</a:t>
+            </a:r>
+            <a:endParaRPr lang="ru-RU" sz="700" dirty="0"/>
+          </a:p>
+        </p:txBody>
+      </p:sp>
+      <p:sp>
+        <p:nvSpPr>
+          <p:cNvPr id="110" name="Прямоугольник 109"/>
           <p:cNvSpPr/>
           <p:nvPr/>
         </p:nvSpPr>
         <p:spPr>
           <a:xfrm>
-            <a:off x="21081828" y="7971064"/>
+            <a:off x="28082585" y="8722273"/>
+            <a:ext cx="926325" cy="540000"/>
+          </a:xfrm>
+          <a:prstGeom prst="rect">
+            <a:avLst/>
+          </a:prstGeom>
+          <a:solidFill>
+            <a:srgbClr val="7030A0"/>
+          </a:solidFill>
+          <a:ln w="19050"/>
+        </p:spPr>
+        <p:style>
+          <a:lnRef idx="2">
+            <a:schemeClr val="accent1"/>
+          </a:lnRef>
+          <a:fillRef idx="1">
+            <a:schemeClr val="lt1"/>
+          </a:fillRef>
+          <a:effectRef idx="0">
+            <a:schemeClr val="accent1"/>
+          </a:effectRef>
+          <a:fontRef idx="minor">
+            <a:schemeClr val="dk1"/>
+          </a:fontRef>
+        </p:style>
+        <p:txBody>
+          <a:bodyPr lIns="124733" tIns="62367" rIns="124733" bIns="62367" rtlCol="0" anchor="ctr"/>
+          <a:lstStyle/>
+          <a:p>
+            <a:pPr algn="ctr"/>
+            <a:r>
+              <a:rPr lang="ru-RU" sz="700" dirty="0" smtClean="0"/>
+              <a:t>Альфонс </a:t>
+            </a:r>
+            <a:r>
+              <a:rPr lang="en-US" sz="700" dirty="0" smtClean="0"/>
+              <a:t>XIII</a:t>
+            </a:r>
+            <a:endParaRPr lang="ru-RU" sz="700" dirty="0"/>
+          </a:p>
+        </p:txBody>
+      </p:sp>
+      <p:sp>
+        <p:nvSpPr>
+          <p:cNvPr id="111" name="Прямоугольник 110"/>
+          <p:cNvSpPr/>
+          <p:nvPr/>
+        </p:nvSpPr>
+        <p:spPr>
+          <a:xfrm>
+            <a:off x="28082584" y="7190582"/>
+            <a:ext cx="926325" cy="540000"/>
+          </a:xfrm>
+          <a:prstGeom prst="rect">
+            <a:avLst/>
+          </a:prstGeom>
+          <a:solidFill>
+            <a:srgbClr val="7030A0"/>
+          </a:solidFill>
+          <a:ln w="19050"/>
+        </p:spPr>
+        <p:style>
+          <a:lnRef idx="2">
+            <a:schemeClr val="accent1"/>
+          </a:lnRef>
+          <a:fillRef idx="1">
+            <a:schemeClr val="lt1"/>
+          </a:fillRef>
+          <a:effectRef idx="0">
+            <a:schemeClr val="accent1"/>
+          </a:effectRef>
+          <a:fontRef idx="minor">
+            <a:schemeClr val="dk1"/>
+          </a:fontRef>
+        </p:style>
+        <p:txBody>
+          <a:bodyPr lIns="124733" tIns="62367" rIns="124733" bIns="62367" rtlCol="0" anchor="ctr"/>
+          <a:lstStyle/>
+          <a:p>
+            <a:pPr algn="ctr"/>
+            <a:r>
+              <a:rPr lang="en-US" sz="700" dirty="0" err="1" smtClean="0"/>
+              <a:t>Renovación</a:t>
+            </a:r>
+            <a:r>
+              <a:rPr lang="en-US" sz="700" dirty="0" smtClean="0"/>
+              <a:t> </a:t>
+            </a:r>
+            <a:r>
+              <a:rPr lang="en-US" sz="700" dirty="0" err="1" smtClean="0"/>
+              <a:t>Española</a:t>
+            </a:r>
+            <a:endParaRPr lang="ru-RU" sz="700" dirty="0"/>
+          </a:p>
+        </p:txBody>
+      </p:sp>
+      <p:sp>
+        <p:nvSpPr>
+          <p:cNvPr id="112" name="Прямоугольник 111"/>
+          <p:cNvSpPr/>
+          <p:nvPr/>
+        </p:nvSpPr>
+        <p:spPr>
+          <a:xfrm>
+            <a:off x="25835494" y="7190027"/>
+            <a:ext cx="926325" cy="540000"/>
+          </a:xfrm>
+          <a:prstGeom prst="rect">
+            <a:avLst/>
+          </a:prstGeom>
+          <a:solidFill>
+            <a:srgbClr val="7030A0"/>
+          </a:solidFill>
+          <a:ln w="19050"/>
+        </p:spPr>
+        <p:style>
+          <a:lnRef idx="2">
+            <a:schemeClr val="accent1"/>
+          </a:lnRef>
+          <a:fillRef idx="1">
+            <a:schemeClr val="lt1"/>
+          </a:fillRef>
+          <a:effectRef idx="0">
+            <a:schemeClr val="accent1"/>
+          </a:effectRef>
+          <a:fontRef idx="minor">
+            <a:schemeClr val="dk1"/>
+          </a:fontRef>
+        </p:style>
+        <p:txBody>
+          <a:bodyPr lIns="124733" tIns="62367" rIns="124733" bIns="62367" rtlCol="0" anchor="ctr"/>
+          <a:lstStyle/>
+          <a:p>
+            <a:pPr algn="ctr"/>
+            <a:r>
+              <a:rPr lang="ru-RU" sz="700" dirty="0" smtClean="0"/>
+              <a:t>Национальный блок </a:t>
+            </a:r>
+            <a:r>
+              <a:rPr lang="ru-RU" sz="300" dirty="0" smtClean="0"/>
+              <a:t>(Компромисс между  </a:t>
+            </a:r>
+            <a:r>
+              <a:rPr lang="en-US" sz="300" dirty="0" err="1" smtClean="0"/>
+              <a:t>Renovación</a:t>
+            </a:r>
+            <a:r>
+              <a:rPr lang="en-US" sz="300" dirty="0" smtClean="0"/>
+              <a:t> </a:t>
+            </a:r>
+            <a:r>
+              <a:rPr lang="en-US" sz="300" dirty="0" err="1" smtClean="0"/>
+              <a:t>Española</a:t>
+            </a:r>
+            <a:r>
+              <a:rPr lang="ru-RU" sz="300" dirty="0" smtClean="0"/>
+              <a:t> и </a:t>
+            </a:r>
+            <a:r>
+              <a:rPr lang="ru-RU" sz="300" dirty="0" err="1" smtClean="0"/>
+              <a:t>карлистами</a:t>
+            </a:r>
+            <a:r>
+              <a:rPr lang="ru-RU" sz="300" dirty="0"/>
+              <a:t> (Хосе </a:t>
+            </a:r>
+            <a:r>
+              <a:rPr lang="ru-RU" sz="300" dirty="0" err="1"/>
+              <a:t>Кальво</a:t>
+            </a:r>
+            <a:r>
+              <a:rPr lang="ru-RU" sz="300" dirty="0"/>
+              <a:t> </a:t>
+            </a:r>
+            <a:r>
+              <a:rPr lang="ru-RU" sz="300" dirty="0" err="1" smtClean="0"/>
+              <a:t>Сотело</a:t>
+            </a:r>
+            <a:r>
+              <a:rPr lang="ru-RU" sz="300" dirty="0" smtClean="0"/>
+              <a:t> должен выжить)</a:t>
+            </a:r>
+          </a:p>
+        </p:txBody>
+      </p:sp>
+      <p:sp>
+        <p:nvSpPr>
+          <p:cNvPr id="120" name="Прямоугольник 119"/>
+          <p:cNvSpPr/>
+          <p:nvPr/>
+        </p:nvSpPr>
+        <p:spPr>
+          <a:xfrm>
+            <a:off x="20535903" y="7190027"/>
             <a:ext cx="926325" cy="540000"/>
           </a:xfrm>
           <a:prstGeom prst="rect">
@@ -6200,29 +5624,21 @@
             <a:pPr algn="ctr"/>
             <a:r>
               <a:rPr lang="ru-RU" sz="700" dirty="0" smtClean="0"/>
-              <a:t>Женские секции </a:t>
-            </a:r>
-            <a:r>
-              <a:rPr lang="ru-RU" sz="700" dirty="0"/>
-              <a:t>«</a:t>
-            </a:r>
-            <a:r>
-              <a:rPr lang="ru-RU" sz="700" dirty="0" smtClean="0"/>
-              <a:t>Маргариток»</a:t>
-            </a:r>
-            <a:endParaRPr lang="ru-RU" sz="200" dirty="0"/>
-          </a:p>
-        </p:txBody>
-      </p:sp>
-      <p:sp>
-        <p:nvSpPr>
-          <p:cNvPr id="80" name="Прямоугольник 79"/>
+              <a:t>Испанские крестоносцы</a:t>
+            </a:r>
+            <a:endParaRPr lang="ru-RU" sz="700" dirty="0"/>
+          </a:p>
+        </p:txBody>
+      </p:sp>
+      <p:sp>
+        <p:nvSpPr>
+          <p:cNvPr id="121" name="Прямоугольник 120"/>
           <p:cNvSpPr/>
           <p:nvPr/>
         </p:nvSpPr>
         <p:spPr>
           <a:xfrm>
-            <a:off x="21594625" y="9503005"/>
+            <a:off x="22650791" y="7190027"/>
             <a:ext cx="926325" cy="540000"/>
           </a:xfrm>
           <a:prstGeom prst="rect">
@@ -6259,26 +5675,506 @@
           <a:p>
             <a:pPr algn="ctr"/>
             <a:r>
-              <a:rPr lang="ru-RU" sz="700" dirty="0"/>
-              <a:t>Восстановление привилегий </a:t>
-            </a:r>
-            <a:r>
               <a:rPr lang="ru-RU" sz="700" dirty="0" smtClean="0"/>
-              <a:t>церкви</a:t>
-            </a:r>
-            <a:endParaRPr lang="ru-RU" sz="700" dirty="0"/>
-          </a:p>
-        </p:txBody>
-      </p:sp>
-      <p:sp>
-        <p:nvSpPr>
-          <p:cNvPr id="82" name="Прямоугольник 81"/>
+              <a:t>Традиционалисты</a:t>
+            </a:r>
+          </a:p>
+        </p:txBody>
+      </p:sp>
+      <p:cxnSp>
+        <p:nvCxnSpPr>
+          <p:cNvPr id="134" name="Прямая соединительная линия 133"/>
+          <p:cNvCxnSpPr>
+            <a:stCxn id="121" idx="3"/>
+            <a:endCxn id="112" idx="1"/>
+          </p:cNvCxnSpPr>
+          <p:nvPr/>
+        </p:nvCxnSpPr>
+        <p:spPr>
+          <a:xfrm>
+            <a:off x="23577116" y="7460027"/>
+            <a:ext cx="2258378" cy="0"/>
+          </a:xfrm>
+          <a:prstGeom prst="line">
+            <a:avLst/>
+          </a:prstGeom>
+          <a:ln w="19050">
+            <a:solidFill>
+              <a:srgbClr val="FF0000"/>
+            </a:solidFill>
+          </a:ln>
+        </p:spPr>
+        <p:style>
+          <a:lnRef idx="1">
+            <a:schemeClr val="accent1"/>
+          </a:lnRef>
+          <a:fillRef idx="0">
+            <a:schemeClr val="accent1"/>
+          </a:fillRef>
+          <a:effectRef idx="0">
+            <a:schemeClr val="accent1"/>
+          </a:effectRef>
+          <a:fontRef idx="minor">
+            <a:schemeClr val="tx1"/>
+          </a:fontRef>
+        </p:style>
+      </p:cxnSp>
+      <p:cxnSp>
+        <p:nvCxnSpPr>
+          <p:cNvPr id="140" name="Прямая со стрелкой 139"/>
+          <p:cNvCxnSpPr>
+            <a:stCxn id="120" idx="2"/>
+            <a:endCxn id="107" idx="0"/>
+          </p:cNvCxnSpPr>
+          <p:nvPr/>
+        </p:nvCxnSpPr>
+        <p:spPr>
+          <a:xfrm>
+            <a:off x="20999066" y="7730027"/>
+            <a:ext cx="0" cy="992246"/>
+          </a:xfrm>
+          <a:prstGeom prst="straightConnector1">
+            <a:avLst/>
+          </a:prstGeom>
+          <a:ln w="19050">
+            <a:tailEnd type="arrow"/>
+          </a:ln>
+        </p:spPr>
+        <p:style>
+          <a:lnRef idx="1">
+            <a:schemeClr val="accent1"/>
+          </a:lnRef>
+          <a:fillRef idx="0">
+            <a:schemeClr val="accent1"/>
+          </a:fillRef>
+          <a:effectRef idx="0">
+            <a:schemeClr val="accent1"/>
+          </a:effectRef>
+          <a:fontRef idx="minor">
+            <a:schemeClr val="tx1"/>
+          </a:fontRef>
+        </p:style>
+      </p:cxnSp>
+      <p:cxnSp>
+        <p:nvCxnSpPr>
+          <p:cNvPr id="143" name="Прямая со стрелкой 142"/>
+          <p:cNvCxnSpPr>
+            <a:stCxn id="121" idx="2"/>
+            <a:endCxn id="108" idx="0"/>
+          </p:cNvCxnSpPr>
+          <p:nvPr/>
+        </p:nvCxnSpPr>
+        <p:spPr>
+          <a:xfrm>
+            <a:off x="23113954" y="7730027"/>
+            <a:ext cx="0" cy="992246"/>
+          </a:xfrm>
+          <a:prstGeom prst="straightConnector1">
+            <a:avLst/>
+          </a:prstGeom>
+          <a:ln w="19050">
+            <a:tailEnd type="arrow"/>
+          </a:ln>
+        </p:spPr>
+        <p:style>
+          <a:lnRef idx="1">
+            <a:schemeClr val="accent1"/>
+          </a:lnRef>
+          <a:fillRef idx="0">
+            <a:schemeClr val="accent1"/>
+          </a:fillRef>
+          <a:effectRef idx="0">
+            <a:schemeClr val="accent1"/>
+          </a:effectRef>
+          <a:fontRef idx="minor">
+            <a:schemeClr val="tx1"/>
+          </a:fontRef>
+        </p:style>
+      </p:cxnSp>
+      <p:cxnSp>
+        <p:nvCxnSpPr>
+          <p:cNvPr id="146" name="Прямая со стрелкой 145"/>
+          <p:cNvCxnSpPr>
+            <a:stCxn id="112" idx="2"/>
+            <a:endCxn id="109" idx="0"/>
+          </p:cNvCxnSpPr>
+          <p:nvPr/>
+        </p:nvCxnSpPr>
+        <p:spPr>
+          <a:xfrm>
+            <a:off x="26298657" y="7730027"/>
+            <a:ext cx="0" cy="992246"/>
+          </a:xfrm>
+          <a:prstGeom prst="straightConnector1">
+            <a:avLst/>
+          </a:prstGeom>
+          <a:ln w="19050">
+            <a:tailEnd type="arrow"/>
+          </a:ln>
+        </p:spPr>
+        <p:style>
+          <a:lnRef idx="1">
+            <a:schemeClr val="accent1"/>
+          </a:lnRef>
+          <a:fillRef idx="0">
+            <a:schemeClr val="accent1"/>
+          </a:fillRef>
+          <a:effectRef idx="0">
+            <a:schemeClr val="accent1"/>
+          </a:effectRef>
+          <a:fontRef idx="minor">
+            <a:schemeClr val="tx1"/>
+          </a:fontRef>
+        </p:style>
+      </p:cxnSp>
+      <p:cxnSp>
+        <p:nvCxnSpPr>
+          <p:cNvPr id="149" name="Прямая со стрелкой 148"/>
+          <p:cNvCxnSpPr>
+            <a:stCxn id="111" idx="2"/>
+            <a:endCxn id="110" idx="0"/>
+          </p:cNvCxnSpPr>
+          <p:nvPr/>
+        </p:nvCxnSpPr>
+        <p:spPr>
+          <a:xfrm>
+            <a:off x="28545747" y="7730582"/>
+            <a:ext cx="1" cy="991691"/>
+          </a:xfrm>
+          <a:prstGeom prst="straightConnector1">
+            <a:avLst/>
+          </a:prstGeom>
+          <a:ln w="19050">
+            <a:tailEnd type="arrow"/>
+          </a:ln>
+        </p:spPr>
+        <p:style>
+          <a:lnRef idx="1">
+            <a:schemeClr val="accent1"/>
+          </a:lnRef>
+          <a:fillRef idx="0">
+            <a:schemeClr val="accent1"/>
+          </a:fillRef>
+          <a:effectRef idx="0">
+            <a:schemeClr val="accent1"/>
+          </a:effectRef>
+          <a:fontRef idx="minor">
+            <a:schemeClr val="tx1"/>
+          </a:fontRef>
+        </p:style>
+      </p:cxnSp>
+      <p:cxnSp>
+        <p:nvCxnSpPr>
+          <p:cNvPr id="152" name="Прямая со стрелкой 151"/>
+          <p:cNvCxnSpPr>
+            <a:stCxn id="106" idx="2"/>
+            <a:endCxn id="105" idx="0"/>
+          </p:cNvCxnSpPr>
+          <p:nvPr/>
+        </p:nvCxnSpPr>
+        <p:spPr>
+          <a:xfrm>
+            <a:off x="24643369" y="6961677"/>
+            <a:ext cx="0" cy="1015107"/>
+          </a:xfrm>
+          <a:prstGeom prst="straightConnector1">
+            <a:avLst/>
+          </a:prstGeom>
+          <a:ln w="19050">
+            <a:prstDash val="dash"/>
+            <a:tailEnd type="arrow"/>
+          </a:ln>
+        </p:spPr>
+        <p:style>
+          <a:lnRef idx="1">
+            <a:schemeClr val="accent1"/>
+          </a:lnRef>
+          <a:fillRef idx="0">
+            <a:schemeClr val="accent1"/>
+          </a:fillRef>
+          <a:effectRef idx="0">
+            <a:schemeClr val="accent1"/>
+          </a:effectRef>
+          <a:fontRef idx="minor">
+            <a:schemeClr val="tx1"/>
+          </a:fontRef>
+        </p:style>
+      </p:cxnSp>
+      <p:cxnSp>
+        <p:nvCxnSpPr>
+          <p:cNvPr id="158" name="Соединительная линия уступом 157"/>
+          <p:cNvCxnSpPr>
+            <a:stCxn id="105" idx="2"/>
+            <a:endCxn id="107" idx="0"/>
+          </p:cNvCxnSpPr>
+          <p:nvPr/>
+        </p:nvCxnSpPr>
+        <p:spPr>
+          <a:xfrm rot="5400000">
+            <a:off x="22718474" y="6797377"/>
+            <a:ext cx="205489" cy="3644303"/>
+          </a:xfrm>
+          <a:prstGeom prst="bentConnector3">
+            <a:avLst>
+              <a:gd name="adj1" fmla="val 50000"/>
+            </a:avLst>
+          </a:prstGeom>
+          <a:ln w="19050">
+            <a:tailEnd type="arrow"/>
+          </a:ln>
+        </p:spPr>
+        <p:style>
+          <a:lnRef idx="1">
+            <a:schemeClr val="accent1"/>
+          </a:lnRef>
+          <a:fillRef idx="0">
+            <a:schemeClr val="accent1"/>
+          </a:fillRef>
+          <a:effectRef idx="0">
+            <a:schemeClr val="accent1"/>
+          </a:effectRef>
+          <a:fontRef idx="minor">
+            <a:schemeClr val="tx1"/>
+          </a:fontRef>
+        </p:style>
+      </p:cxnSp>
+      <p:cxnSp>
+        <p:nvCxnSpPr>
+          <p:cNvPr id="162" name="Соединительная линия уступом 161"/>
+          <p:cNvCxnSpPr>
+            <a:stCxn id="105" idx="2"/>
+            <a:endCxn id="110" idx="0"/>
+          </p:cNvCxnSpPr>
+          <p:nvPr/>
+        </p:nvCxnSpPr>
+        <p:spPr>
+          <a:xfrm rot="16200000" flipH="1">
+            <a:off x="26491814" y="6668338"/>
+            <a:ext cx="205489" cy="3902379"/>
+          </a:xfrm>
+          <a:prstGeom prst="bentConnector3">
+            <a:avLst>
+              <a:gd name="adj1" fmla="val 50000"/>
+            </a:avLst>
+          </a:prstGeom>
+          <a:ln w="19050">
+            <a:tailEnd type="arrow"/>
+          </a:ln>
+        </p:spPr>
+        <p:style>
+          <a:lnRef idx="1">
+            <a:schemeClr val="accent1"/>
+          </a:lnRef>
+          <a:fillRef idx="0">
+            <a:schemeClr val="accent1"/>
+          </a:fillRef>
+          <a:effectRef idx="0">
+            <a:schemeClr val="accent1"/>
+          </a:effectRef>
+          <a:fontRef idx="minor">
+            <a:schemeClr val="tx1"/>
+          </a:fontRef>
+        </p:style>
+      </p:cxnSp>
+      <p:cxnSp>
+        <p:nvCxnSpPr>
+          <p:cNvPr id="165" name="Соединительная линия уступом 164"/>
+          <p:cNvCxnSpPr>
+            <a:stCxn id="105" idx="2"/>
+            <a:endCxn id="108" idx="0"/>
+          </p:cNvCxnSpPr>
+          <p:nvPr/>
+        </p:nvCxnSpPr>
+        <p:spPr>
+          <a:xfrm rot="5400000">
+            <a:off x="23775918" y="7854821"/>
+            <a:ext cx="205489" cy="1529415"/>
+          </a:xfrm>
+          <a:prstGeom prst="bentConnector3">
+            <a:avLst>
+              <a:gd name="adj1" fmla="val 50000"/>
+            </a:avLst>
+          </a:prstGeom>
+          <a:ln w="19050">
+            <a:tailEnd type="arrow"/>
+          </a:ln>
+        </p:spPr>
+        <p:style>
+          <a:lnRef idx="1">
+            <a:schemeClr val="accent1"/>
+          </a:lnRef>
+          <a:fillRef idx="0">
+            <a:schemeClr val="accent1"/>
+          </a:fillRef>
+          <a:effectRef idx="0">
+            <a:schemeClr val="accent1"/>
+          </a:effectRef>
+          <a:fontRef idx="minor">
+            <a:schemeClr val="tx1"/>
+          </a:fontRef>
+        </p:style>
+      </p:cxnSp>
+      <p:cxnSp>
+        <p:nvCxnSpPr>
+          <p:cNvPr id="168" name="Соединительная линия уступом 167"/>
+          <p:cNvCxnSpPr>
+            <a:stCxn id="105" idx="2"/>
+            <a:endCxn id="109" idx="0"/>
+          </p:cNvCxnSpPr>
+          <p:nvPr/>
+        </p:nvCxnSpPr>
+        <p:spPr>
+          <a:xfrm rot="16200000" flipH="1">
+            <a:off x="25368269" y="7791884"/>
+            <a:ext cx="205489" cy="1655288"/>
+          </a:xfrm>
+          <a:prstGeom prst="bentConnector3">
+            <a:avLst>
+              <a:gd name="adj1" fmla="val 50000"/>
+            </a:avLst>
+          </a:prstGeom>
+          <a:ln w="19050">
+            <a:tailEnd type="arrow"/>
+          </a:ln>
+        </p:spPr>
+        <p:style>
+          <a:lnRef idx="1">
+            <a:schemeClr val="accent1"/>
+          </a:lnRef>
+          <a:fillRef idx="0">
+            <a:schemeClr val="accent1"/>
+          </a:fillRef>
+          <a:effectRef idx="0">
+            <a:schemeClr val="accent1"/>
+          </a:effectRef>
+          <a:fontRef idx="minor">
+            <a:schemeClr val="tx1"/>
+          </a:fontRef>
+        </p:style>
+      </p:cxnSp>
+      <p:cxnSp>
+        <p:nvCxnSpPr>
+          <p:cNvPr id="171" name="Соединительная линия уступом 170"/>
+          <p:cNvCxnSpPr>
+            <a:stCxn id="106" idx="2"/>
+            <a:endCxn id="120" idx="0"/>
+          </p:cNvCxnSpPr>
+          <p:nvPr/>
+        </p:nvCxnSpPr>
+        <p:spPr>
+          <a:xfrm rot="5400000">
+            <a:off x="22707043" y="5253701"/>
+            <a:ext cx="228350" cy="3644303"/>
+          </a:xfrm>
+          <a:prstGeom prst="bentConnector3">
+            <a:avLst>
+              <a:gd name="adj1" fmla="val 50000"/>
+            </a:avLst>
+          </a:prstGeom>
+          <a:ln w="19050">
+            <a:tailEnd type="arrow"/>
+          </a:ln>
+        </p:spPr>
+        <p:style>
+          <a:lnRef idx="1">
+            <a:schemeClr val="accent1"/>
+          </a:lnRef>
+          <a:fillRef idx="0">
+            <a:schemeClr val="accent1"/>
+          </a:fillRef>
+          <a:effectRef idx="0">
+            <a:schemeClr val="accent1"/>
+          </a:effectRef>
+          <a:fontRef idx="minor">
+            <a:schemeClr val="tx1"/>
+          </a:fontRef>
+        </p:style>
+      </p:cxnSp>
+      <p:cxnSp>
+        <p:nvCxnSpPr>
+          <p:cNvPr id="174" name="Соединительная линия уступом 173"/>
+          <p:cNvCxnSpPr>
+            <a:stCxn id="106" idx="2"/>
+            <a:endCxn id="112" idx="0"/>
+          </p:cNvCxnSpPr>
+          <p:nvPr/>
+        </p:nvCxnSpPr>
+        <p:spPr>
+          <a:xfrm rot="16200000" flipH="1">
+            <a:off x="25356838" y="6248208"/>
+            <a:ext cx="228350" cy="1655288"/>
+          </a:xfrm>
+          <a:prstGeom prst="bentConnector3">
+            <a:avLst>
+              <a:gd name="adj1" fmla="val 50000"/>
+            </a:avLst>
+          </a:prstGeom>
+          <a:ln w="19050">
+            <a:tailEnd type="arrow"/>
+          </a:ln>
+        </p:spPr>
+        <p:style>
+          <a:lnRef idx="1">
+            <a:schemeClr val="accent1"/>
+          </a:lnRef>
+          <a:fillRef idx="0">
+            <a:schemeClr val="accent1"/>
+          </a:fillRef>
+          <a:effectRef idx="0">
+            <a:schemeClr val="accent1"/>
+          </a:effectRef>
+          <a:fontRef idx="minor">
+            <a:schemeClr val="tx1"/>
+          </a:fontRef>
+        </p:style>
+      </p:cxnSp>
+      <p:cxnSp>
+        <p:nvCxnSpPr>
+          <p:cNvPr id="180" name="Соединительная линия уступом 179"/>
+          <p:cNvCxnSpPr>
+            <a:stCxn id="106" idx="2"/>
+            <a:endCxn id="121" idx="0"/>
+          </p:cNvCxnSpPr>
+          <p:nvPr/>
+        </p:nvCxnSpPr>
+        <p:spPr>
+          <a:xfrm rot="5400000">
+            <a:off x="23764487" y="6311145"/>
+            <a:ext cx="228350" cy="1529415"/>
+          </a:xfrm>
+          <a:prstGeom prst="bentConnector3">
+            <a:avLst>
+              <a:gd name="adj1" fmla="val 50000"/>
+            </a:avLst>
+          </a:prstGeom>
+          <a:ln w="19050">
+            <a:tailEnd type="arrow"/>
+          </a:ln>
+        </p:spPr>
+        <p:style>
+          <a:lnRef idx="1">
+            <a:schemeClr val="accent1"/>
+          </a:lnRef>
+          <a:fillRef idx="0">
+            <a:schemeClr val="accent1"/>
+          </a:fillRef>
+          <a:effectRef idx="0">
+            <a:schemeClr val="accent1"/>
+          </a:effectRef>
+          <a:fontRef idx="minor">
+            <a:schemeClr val="tx1"/>
+          </a:fontRef>
+        </p:style>
+      </p:cxnSp>
+      <p:sp>
+        <p:nvSpPr>
+          <p:cNvPr id="79" name="Прямоугольник 78"/>
           <p:cNvSpPr/>
           <p:nvPr/>
         </p:nvSpPr>
         <p:spPr>
           <a:xfrm>
-            <a:off x="22652050" y="9503004"/>
+            <a:off x="21081828" y="7971064"/>
             <a:ext cx="926325" cy="540000"/>
           </a:xfrm>
           <a:prstGeom prst="rect">
@@ -6287,7 +6183,13 @@
           <a:solidFill>
             <a:srgbClr val="7030A0"/>
           </a:solidFill>
-          <a:ln w="19050"/>
+          <a:ln w="19050">
+            <a:solidFill>
+              <a:schemeClr val="accent4">
+                <a:lumMod val="75000"/>
+              </a:schemeClr>
+            </a:solidFill>
+          </a:ln>
         </p:spPr>
         <p:style>
           <a:lnRef idx="2">
@@ -6310,53 +6212,29 @@
             <a:pPr algn="ctr"/>
             <a:r>
               <a:rPr lang="ru-RU" sz="700" dirty="0" smtClean="0"/>
-              <a:t>Карлистская Королевская военная академия </a:t>
-            </a:r>
-            <a:r>
-              <a:rPr lang="ru-RU" sz="100" dirty="0" smtClean="0"/>
-              <a:t>(</a:t>
-            </a:r>
-            <a:r>
-              <a:rPr lang="ru-RU" sz="100" dirty="0" err="1" smtClean="0"/>
-              <a:t>Мануэль</a:t>
-            </a:r>
-            <a:r>
-              <a:rPr lang="ru-RU" sz="100" dirty="0" smtClean="0"/>
-              <a:t> Фал </a:t>
-            </a:r>
-            <a:r>
-              <a:rPr lang="ru-RU" sz="100" dirty="0" err="1" smtClean="0"/>
-              <a:t>Конде</a:t>
-            </a:r>
-            <a:r>
-              <a:rPr lang="ru-RU" sz="100" dirty="0"/>
-              <a:t> Во время Гражданской войны он был вынужден уехать в изгнание в Португалию после попытки создать Карлистскую Королевскую военную академию, в которой он обучал офицеров </a:t>
-            </a:r>
-            <a:r>
-              <a:rPr lang="ru-RU" sz="100" dirty="0" err="1"/>
-              <a:t>реквета</a:t>
-            </a:r>
-            <a:r>
-              <a:rPr lang="ru-RU" sz="100" dirty="0"/>
-              <a:t> в политическом и военном </a:t>
-            </a:r>
-            <a:r>
-              <a:rPr lang="ru-RU" sz="100" dirty="0" smtClean="0"/>
-              <a:t>отношении)</a:t>
-            </a:r>
-            <a:endParaRPr lang="ru-RU" sz="100" dirty="0"/>
-          </a:p>
-        </p:txBody>
-      </p:sp>
-      <p:sp>
-        <p:nvSpPr>
-          <p:cNvPr id="83" name="Прямоугольник 82"/>
+              <a:t>Женские секции </a:t>
+            </a:r>
+            <a:r>
+              <a:rPr lang="ru-RU" sz="700" dirty="0"/>
+              <a:t>«</a:t>
+            </a:r>
+            <a:r>
+              <a:rPr lang="ru-RU" sz="700" dirty="0" smtClean="0"/>
+              <a:t>Маргариток»</a:t>
+            </a:r>
+            <a:endParaRPr lang="ru-RU" sz="200" dirty="0"/>
+          </a:p>
+        </p:txBody>
+      </p:sp>
+      <p:sp>
+        <p:nvSpPr>
+          <p:cNvPr id="80" name="Прямоугольник 79"/>
           <p:cNvSpPr/>
           <p:nvPr/>
         </p:nvSpPr>
         <p:spPr>
           <a:xfrm>
-            <a:off x="22653154" y="10254644"/>
+            <a:off x="21594625" y="9503005"/>
             <a:ext cx="926325" cy="540000"/>
           </a:xfrm>
           <a:prstGeom prst="rect">
@@ -6365,7 +6243,13 @@
           <a:solidFill>
             <a:srgbClr val="7030A0"/>
           </a:solidFill>
-          <a:ln w="19050"/>
+          <a:ln w="19050">
+            <a:solidFill>
+              <a:schemeClr val="accent4">
+                <a:lumMod val="75000"/>
+              </a:schemeClr>
+            </a:solidFill>
+          </a:ln>
         </p:spPr>
         <p:style>
           <a:lnRef idx="2">
@@ -6387,52 +6271,136 @@
           <a:p>
             <a:pPr algn="ctr"/>
             <a:r>
+              <a:rPr lang="ru-RU" sz="700" dirty="0"/>
+              <a:t>Восстановление привилегий </a:t>
+            </a:r>
+            <a:r>
+              <a:rPr lang="ru-RU" sz="700" dirty="0" smtClean="0"/>
+              <a:t>церкви</a:t>
+            </a:r>
+            <a:endParaRPr lang="ru-RU" sz="700" dirty="0"/>
+          </a:p>
+        </p:txBody>
+      </p:sp>
+      <p:sp>
+        <p:nvSpPr>
+          <p:cNvPr id="82" name="Прямоугольник 81"/>
+          <p:cNvSpPr/>
+          <p:nvPr/>
+        </p:nvSpPr>
+        <p:spPr>
+          <a:xfrm>
+            <a:off x="22652050" y="9503004"/>
+            <a:ext cx="926325" cy="540000"/>
+          </a:xfrm>
+          <a:prstGeom prst="rect">
+            <a:avLst/>
+          </a:prstGeom>
+          <a:solidFill>
+            <a:srgbClr val="7030A0"/>
+          </a:solidFill>
+          <a:ln w="19050">
+            <a:solidFill>
+              <a:schemeClr val="accent4">
+                <a:lumMod val="75000"/>
+              </a:schemeClr>
+            </a:solidFill>
+          </a:ln>
+        </p:spPr>
+        <p:style>
+          <a:lnRef idx="2">
+            <a:schemeClr val="accent1"/>
+          </a:lnRef>
+          <a:fillRef idx="1">
+            <a:schemeClr val="lt1"/>
+          </a:fillRef>
+          <a:effectRef idx="0">
+            <a:schemeClr val="accent1"/>
+          </a:effectRef>
+          <a:fontRef idx="minor">
+            <a:schemeClr val="dk1"/>
+          </a:fontRef>
+        </p:style>
+        <p:txBody>
+          <a:bodyPr lIns="124733" tIns="62367" rIns="124733" bIns="62367" rtlCol="0" anchor="ctr"/>
+          <a:lstStyle/>
+          <a:p>
+            <a:pPr algn="ctr"/>
+            <a:r>
+              <a:rPr lang="ru-RU" sz="700" dirty="0" smtClean="0"/>
+              <a:t>Карлистская </a:t>
+            </a:r>
+            <a:r>
+              <a:rPr lang="ru-RU" sz="700" dirty="0"/>
+              <a:t>К</a:t>
+            </a:r>
+            <a:r>
+              <a:rPr lang="ru-RU" sz="700" dirty="0" smtClean="0"/>
+              <a:t>оролевская </a:t>
+            </a:r>
+            <a:r>
+              <a:rPr lang="ru-RU" sz="700" dirty="0" smtClean="0"/>
+              <a:t>военная </a:t>
+            </a:r>
+            <a:r>
+              <a:rPr lang="ru-RU" sz="700" dirty="0" smtClean="0"/>
+              <a:t>академия</a:t>
+            </a:r>
+            <a:endParaRPr lang="ru-RU" sz="100" dirty="0"/>
+          </a:p>
+        </p:txBody>
+      </p:sp>
+      <p:sp>
+        <p:nvSpPr>
+          <p:cNvPr id="83" name="Прямоугольник 82"/>
+          <p:cNvSpPr/>
+          <p:nvPr/>
+        </p:nvSpPr>
+        <p:spPr>
+          <a:xfrm>
+            <a:off x="22653154" y="10254644"/>
+            <a:ext cx="926325" cy="540000"/>
+          </a:xfrm>
+          <a:prstGeom prst="rect">
+            <a:avLst/>
+          </a:prstGeom>
+          <a:solidFill>
+            <a:srgbClr val="7030A0"/>
+          </a:solidFill>
+          <a:ln w="19050">
+            <a:solidFill>
+              <a:schemeClr val="accent4">
+                <a:lumMod val="75000"/>
+              </a:schemeClr>
+            </a:solidFill>
+          </a:ln>
+        </p:spPr>
+        <p:style>
+          <a:lnRef idx="2">
+            <a:schemeClr val="accent1"/>
+          </a:lnRef>
+          <a:fillRef idx="1">
+            <a:schemeClr val="lt1"/>
+          </a:fillRef>
+          <a:effectRef idx="0">
+            <a:schemeClr val="accent1"/>
+          </a:effectRef>
+          <a:fontRef idx="minor">
+            <a:schemeClr val="dk1"/>
+          </a:fontRef>
+        </p:style>
+        <p:txBody>
+          <a:bodyPr lIns="124733" tIns="62367" rIns="124733" bIns="62367" rtlCol="0" anchor="ctr"/>
+          <a:lstStyle/>
+          <a:p>
+            <a:pPr algn="ctr"/>
+            <a:r>
               <a:rPr lang="ru-RU" sz="700" dirty="0" smtClean="0"/>
               <a:t>Голубой </a:t>
             </a:r>
             <a:r>
-              <a:rPr lang="ru-RU" sz="700" dirty="0"/>
-              <a:t>дивизион </a:t>
-            </a:r>
-            <a:r>
-              <a:rPr lang="ru-RU" sz="100" dirty="0"/>
-              <a:t>(Двести пятидесятая пехотная дивизия , официально называется испанский доброволец Отдел в Испании и 250 стрелковых-</a:t>
-            </a:r>
-            <a:r>
-              <a:rPr lang="ru-RU" sz="100" dirty="0" err="1"/>
-              <a:t>Division</a:t>
-            </a:r>
-            <a:r>
-              <a:rPr lang="ru-RU" sz="100" dirty="0"/>
-              <a:t> в Германии , более известный как Голубая дивизия или </a:t>
-            </a:r>
-            <a:r>
-              <a:rPr lang="ru-RU" sz="100" dirty="0" err="1"/>
-              <a:t>Blaue</a:t>
-            </a:r>
-            <a:r>
-              <a:rPr lang="ru-RU" sz="100" dirty="0"/>
-              <a:t> отдел в немецком языке , была единицей испанцев, некоторые добровольцев, а другие вынуждены не-добровольцы. режимом Франко, который сформировал пехотную дивизию для борьбы с Советским Союзом во Второй мировой войне . Она была оформлена в </a:t>
-            </a:r>
-            <a:r>
-              <a:rPr lang="ru-RU" sz="100" dirty="0" err="1"/>
-              <a:t>Хир</a:t>
-            </a:r>
-            <a:r>
-              <a:rPr lang="ru-RU" sz="100" dirty="0"/>
-              <a:t> , в армии из нацистской Германии . Между 1941 и 1943 </a:t>
-            </a:r>
-            <a:r>
-              <a:rPr lang="ru-RU" sz="100" dirty="0" err="1"/>
-              <a:t>годамиОколо</a:t>
-            </a:r>
-            <a:r>
-              <a:rPr lang="ru-RU" sz="100" dirty="0"/>
-              <a:t> 50 000 испанских солдат и часть португальцев участвовали в различных сражениях, в основном связанных с блокадой </a:t>
-            </a:r>
-            <a:r>
-              <a:rPr lang="ru-RU" sz="100" dirty="0" smtClean="0"/>
-              <a:t>Ленинграда.)</a:t>
+              <a:rPr lang="ru-RU" sz="700" dirty="0" smtClean="0"/>
+              <a:t>дивизион</a:t>
             </a:r>
             <a:endParaRPr lang="ru-RU" sz="100" dirty="0"/>
           </a:p>
@@ -8124,7 +8092,13 @@
           <a:solidFill>
             <a:srgbClr val="7030A0"/>
           </a:solidFill>
-          <a:ln w="19050"/>
+          <a:ln w="19050">
+            <a:solidFill>
+              <a:schemeClr val="accent4">
+                <a:lumMod val="75000"/>
+              </a:schemeClr>
+            </a:solidFill>
+          </a:ln>
         </p:spPr>
         <p:style>
           <a:lnRef idx="2">
@@ -8207,7 +8181,13 @@
           <a:solidFill>
             <a:srgbClr val="7030A0"/>
           </a:solidFill>
-          <a:ln w="19050"/>
+          <a:ln w="19050">
+            <a:solidFill>
+              <a:schemeClr val="accent4">
+                <a:lumMod val="75000"/>
+              </a:schemeClr>
+            </a:solidFill>
+          </a:ln>
         </p:spPr>
         <p:style>
           <a:lnRef idx="2">
@@ -11561,11 +11541,7 @@
             <a:pPr algn="ctr"/>
             <a:r>
               <a:rPr lang="ru-RU" sz="700" dirty="0" smtClean="0"/>
-              <a:t>Создание белогвардейской </a:t>
-            </a:r>
-            <a:r>
-              <a:rPr lang="ru-RU" sz="700" dirty="0" smtClean="0"/>
-              <a:t>дивизии</a:t>
+              <a:t>Создание белогвардейской дивизии</a:t>
             </a:r>
             <a:endParaRPr lang="ru-RU" sz="700" dirty="0"/>
           </a:p>
@@ -11655,11 +11631,7 @@
             <a:pPr algn="ctr"/>
             <a:r>
               <a:rPr lang="ru-RU" sz="700" dirty="0" smtClean="0"/>
-              <a:t>Расширение </a:t>
-            </a:r>
-            <a:r>
-              <a:rPr lang="ru-RU" sz="700" dirty="0" smtClean="0"/>
-              <a:t>генералитета</a:t>
+              <a:t>Расширение генералитета</a:t>
             </a:r>
             <a:endParaRPr lang="ru-RU" sz="700" dirty="0"/>
           </a:p>
@@ -37982,7 +37954,7 @@
         </p:nvSpPr>
         <p:spPr>
           <a:xfrm>
-            <a:off x="22657819" y="11847672"/>
+            <a:off x="22657819" y="11767903"/>
             <a:ext cx="926325" cy="540000"/>
           </a:xfrm>
           <a:prstGeom prst="rect">
@@ -37991,7 +37963,13 @@
           <a:solidFill>
             <a:srgbClr val="7030A0"/>
           </a:solidFill>
-          <a:ln w="19050"/>
+          <a:ln w="19050">
+            <a:solidFill>
+              <a:schemeClr val="accent4">
+                <a:lumMod val="75000"/>
+              </a:schemeClr>
+            </a:solidFill>
+          </a:ln>
         </p:spPr>
         <p:style>
           <a:lnRef idx="2">
@@ -38035,12 +38013,12 @@
         </p:nvCxnSpPr>
         <p:spPr>
           <a:xfrm rot="5400000">
-            <a:off x="23088081" y="10831099"/>
-            <a:ext cx="1049474" cy="983672"/>
+            <a:off x="23127966" y="10791214"/>
+            <a:ext cx="969705" cy="983672"/>
           </a:xfrm>
           <a:prstGeom prst="bentConnector3">
             <a:avLst>
-              <a:gd name="adj1" fmla="val 12287"/>
+              <a:gd name="adj1" fmla="val 13214"/>
             </a:avLst>
           </a:prstGeom>
           <a:ln w="19050">

--- a/Наработки/диздоки/Испания/Испания правые.pptx
+++ b/Наработки/диздоки/Испания/Испания правые.pptx
@@ -209,7 +209,7 @@
             <a:fld id="{33E3D7F9-E251-484C-A6FF-FA958879DF69}" type="datetimeFigureOut">
               <a:rPr lang="ru-RU" smtClean="0"/>
               <a:pPr/>
-              <a:t>21.02.2022</a:t>
+              <a:t>24.02.2022</a:t>
             </a:fld>
             <a:endParaRPr lang="ru-RU"/>
           </a:p>
@@ -699,7 +699,7 @@
             <a:fld id="{85A5DE44-605B-4D3B-B2B7-94543DF81A36}" type="datetimeFigureOut">
               <a:rPr lang="ru-RU" smtClean="0"/>
               <a:pPr/>
-              <a:t>21.02.2022</a:t>
+              <a:t>24.02.2022</a:t>
             </a:fld>
             <a:endParaRPr lang="ru-RU"/>
           </a:p>
@@ -871,7 +871,7 @@
             <a:fld id="{85A5DE44-605B-4D3B-B2B7-94543DF81A36}" type="datetimeFigureOut">
               <a:rPr lang="ru-RU" smtClean="0"/>
               <a:pPr/>
-              <a:t>21.02.2022</a:t>
+              <a:t>24.02.2022</a:t>
             </a:fld>
             <a:endParaRPr lang="ru-RU"/>
           </a:p>
@@ -1053,7 +1053,7 @@
             <a:fld id="{85A5DE44-605B-4D3B-B2B7-94543DF81A36}" type="datetimeFigureOut">
               <a:rPr lang="ru-RU" smtClean="0"/>
               <a:pPr/>
-              <a:t>21.02.2022</a:t>
+              <a:t>24.02.2022</a:t>
             </a:fld>
             <a:endParaRPr lang="ru-RU"/>
           </a:p>
@@ -1225,7 +1225,7 @@
             <a:fld id="{85A5DE44-605B-4D3B-B2B7-94543DF81A36}" type="datetimeFigureOut">
               <a:rPr lang="ru-RU" smtClean="0"/>
               <a:pPr/>
-              <a:t>21.02.2022</a:t>
+              <a:t>24.02.2022</a:t>
             </a:fld>
             <a:endParaRPr lang="ru-RU"/>
           </a:p>
@@ -1473,7 +1473,7 @@
             <a:fld id="{85A5DE44-605B-4D3B-B2B7-94543DF81A36}" type="datetimeFigureOut">
               <a:rPr lang="ru-RU" smtClean="0"/>
               <a:pPr/>
-              <a:t>21.02.2022</a:t>
+              <a:t>24.02.2022</a:t>
             </a:fld>
             <a:endParaRPr lang="ru-RU"/>
           </a:p>
@@ -1707,7 +1707,7 @@
             <a:fld id="{85A5DE44-605B-4D3B-B2B7-94543DF81A36}" type="datetimeFigureOut">
               <a:rPr lang="ru-RU" smtClean="0"/>
               <a:pPr/>
-              <a:t>21.02.2022</a:t>
+              <a:t>24.02.2022</a:t>
             </a:fld>
             <a:endParaRPr lang="ru-RU"/>
           </a:p>
@@ -2076,7 +2076,7 @@
             <a:fld id="{85A5DE44-605B-4D3B-B2B7-94543DF81A36}" type="datetimeFigureOut">
               <a:rPr lang="ru-RU" smtClean="0"/>
               <a:pPr/>
-              <a:t>21.02.2022</a:t>
+              <a:t>24.02.2022</a:t>
             </a:fld>
             <a:endParaRPr lang="ru-RU"/>
           </a:p>
@@ -2196,7 +2196,7 @@
             <a:fld id="{85A5DE44-605B-4D3B-B2B7-94543DF81A36}" type="datetimeFigureOut">
               <a:rPr lang="ru-RU" smtClean="0"/>
               <a:pPr/>
-              <a:t>21.02.2022</a:t>
+              <a:t>24.02.2022</a:t>
             </a:fld>
             <a:endParaRPr lang="ru-RU"/>
           </a:p>
@@ -2293,7 +2293,7 @@
             <a:fld id="{85A5DE44-605B-4D3B-B2B7-94543DF81A36}" type="datetimeFigureOut">
               <a:rPr lang="ru-RU" smtClean="0"/>
               <a:pPr/>
-              <a:t>21.02.2022</a:t>
+              <a:t>24.02.2022</a:t>
             </a:fld>
             <a:endParaRPr lang="ru-RU"/>
           </a:p>
@@ -2572,7 +2572,7 @@
             <a:fld id="{85A5DE44-605B-4D3B-B2B7-94543DF81A36}" type="datetimeFigureOut">
               <a:rPr lang="ru-RU" smtClean="0"/>
               <a:pPr/>
-              <a:t>21.02.2022</a:t>
+              <a:t>24.02.2022</a:t>
             </a:fld>
             <a:endParaRPr lang="ru-RU"/>
           </a:p>
@@ -2831,7 +2831,7 @@
             <a:fld id="{85A5DE44-605B-4D3B-B2B7-94543DF81A36}" type="datetimeFigureOut">
               <a:rPr lang="ru-RU" smtClean="0"/>
               <a:pPr/>
-              <a:t>21.02.2022</a:t>
+              <a:t>24.02.2022</a:t>
             </a:fld>
             <a:endParaRPr lang="ru-RU"/>
           </a:p>
@@ -3046,7 +3046,7 @@
             <a:fld id="{85A5DE44-605B-4D3B-B2B7-94543DF81A36}" type="datetimeFigureOut">
               <a:rPr lang="ru-RU" smtClean="0"/>
               <a:pPr/>
-              <a:t>21.02.2022</a:t>
+              <a:t>24.02.2022</a:t>
             </a:fld>
             <a:endParaRPr lang="ru-RU"/>
           </a:p>
@@ -6986,13 +6986,8 @@
             <a:pPr algn="ctr"/>
             <a:r>
               <a:rPr lang="ru-RU" sz="700" dirty="0"/>
-              <a:t>Прогрессивный подоходный </a:t>
-            </a:r>
-            <a:r>
-              <a:rPr lang="ru-RU" sz="700" dirty="0" smtClean="0"/>
-              <a:t>налог</a:t>
-            </a:r>
-            <a:endParaRPr lang="ru-RU" sz="700" dirty="0"/>
+              <a:t>Прогрессивный подоходный налог</a:t>
+            </a:r>
           </a:p>
         </p:txBody>
       </p:sp>
@@ -7143,10 +7138,9 @@
           <a:p>
             <a:pPr algn="ctr"/>
             <a:r>
-              <a:rPr lang="ru-RU" sz="700" dirty="0" smtClean="0"/>
+              <a:rPr lang="ru-RU" sz="700" dirty="0"/>
               <a:t>Акционеры-рабочие</a:t>
             </a:r>
-            <a:endParaRPr lang="ru-RU" sz="700" dirty="0"/>
           </a:p>
         </p:txBody>
       </p:sp>
@@ -7196,13 +7190,8 @@
             <a:pPr algn="ctr"/>
             <a:r>
               <a:rPr lang="ru-RU" sz="700" dirty="0"/>
-              <a:t>Корпоративная </a:t>
-            </a:r>
-            <a:r>
-              <a:rPr lang="ru-RU" sz="700" dirty="0" smtClean="0"/>
-              <a:t>монархия</a:t>
-            </a:r>
-            <a:endParaRPr lang="ru-RU" sz="700" dirty="0"/>
+              <a:t>Корпоративная монархия</a:t>
+            </a:r>
           </a:p>
         </p:txBody>
       </p:sp>
@@ -16719,11 +16708,7 @@
             <a:pPr algn="ctr"/>
             <a:r>
               <a:rPr lang="ru-RU" sz="700" dirty="0"/>
-              <a:t>Отмена статуса автономии 1932 </a:t>
-            </a:r>
-            <a:r>
-              <a:rPr lang="ru-RU" sz="700" dirty="0" smtClean="0"/>
-              <a:t>года</a:t>
+              <a:t>Отмена статуса автономии 1932 года</a:t>
             </a:r>
             <a:endParaRPr lang="ru-RU" sz="300" dirty="0"/>
           </a:p>
@@ -16777,11 +16762,7 @@
             <a:pPr algn="ctr"/>
             <a:r>
               <a:rPr lang="ru-RU" sz="700" dirty="0"/>
-              <a:t>Закон о </a:t>
-            </a:r>
-            <a:r>
-              <a:rPr lang="ru-RU" sz="700" dirty="0" smtClean="0"/>
-              <a:t>труде</a:t>
+              <a:t>Закон о труде</a:t>
             </a:r>
             <a:endParaRPr lang="ru-RU" sz="200" dirty="0"/>
           </a:p>
@@ -16835,11 +16816,7 @@
             <a:pPr algn="ctr"/>
             <a:r>
               <a:rPr lang="ru-RU" sz="700" dirty="0"/>
-              <a:t>Закон о </a:t>
-            </a:r>
-            <a:r>
-              <a:rPr lang="ru-RU" sz="700" dirty="0" smtClean="0"/>
-              <a:t>печати</a:t>
+              <a:t>Закон о печати</a:t>
             </a:r>
             <a:endParaRPr lang="ru-RU" sz="300" dirty="0"/>
           </a:p>
@@ -16893,11 +16870,7 @@
             <a:pPr algn="ctr"/>
             <a:r>
               <a:rPr lang="ru-RU" sz="700" dirty="0"/>
-              <a:t>Закон о среднем </a:t>
-            </a:r>
-            <a:r>
-              <a:rPr lang="ru-RU" sz="700" dirty="0" smtClean="0"/>
-              <a:t>образовании</a:t>
+              <a:t>Закон о среднем образовании</a:t>
             </a:r>
             <a:endParaRPr lang="ru-RU" sz="300" dirty="0"/>
           </a:p>
@@ -16951,11 +16924,7 @@
             <a:pPr algn="ctr"/>
             <a:r>
               <a:rPr lang="ru-RU" sz="700" dirty="0"/>
-              <a:t>Репрессировать </a:t>
-            </a:r>
-            <a:r>
-              <a:rPr lang="ru-RU" sz="700" dirty="0" smtClean="0"/>
-              <a:t>оппозицию</a:t>
+              <a:t>Репрессировать оппозицию</a:t>
             </a:r>
             <a:endParaRPr lang="ru-RU" sz="100" dirty="0"/>
           </a:p>
@@ -17009,11 +16978,7 @@
             <a:pPr algn="ctr"/>
             <a:r>
               <a:rPr lang="ru-RU" sz="700" dirty="0"/>
-              <a:t>Формирование подконтрольных </a:t>
-            </a:r>
-            <a:r>
-              <a:rPr lang="ru-RU" sz="700" dirty="0" smtClean="0"/>
-              <a:t>кортесов</a:t>
+              <a:t>Формирование подконтрольных кортесов</a:t>
             </a:r>
             <a:endParaRPr lang="ru-RU" sz="100" dirty="0"/>
           </a:p>
@@ -17067,11 +17032,7 @@
             <a:pPr algn="ctr"/>
             <a:r>
               <a:rPr lang="ru-RU" sz="800" dirty="0"/>
-              <a:t>Директор  Эмилия </a:t>
-            </a:r>
-            <a:r>
-              <a:rPr lang="ru-RU" sz="800" dirty="0" smtClean="0"/>
-              <a:t>Мола</a:t>
+              <a:t>Директор  Эмилия Мола</a:t>
             </a:r>
             <a:endParaRPr lang="ru-RU" sz="700" dirty="0"/>
           </a:p>
@@ -17476,11 +17437,7 @@
             <a:pPr algn="ctr"/>
             <a:r>
               <a:rPr lang="ru-RU" sz="700" dirty="0"/>
-              <a:t>Новые </a:t>
-            </a:r>
-            <a:r>
-              <a:rPr lang="ru-RU" sz="700" dirty="0" smtClean="0"/>
-              <a:t>инструкции</a:t>
+              <a:t>Новые инструкции</a:t>
             </a:r>
             <a:endParaRPr lang="ru-RU" sz="500" dirty="0"/>
           </a:p>
@@ -17534,11 +17491,7 @@
             <a:pPr algn="ctr"/>
             <a:r>
               <a:rPr lang="ru-RU" sz="700" dirty="0"/>
-              <a:t>Основать Испанскую </a:t>
-            </a:r>
-            <a:r>
-              <a:rPr lang="ru-RU" sz="700" dirty="0" smtClean="0"/>
-              <a:t>директорию</a:t>
+              <a:t>Основать Испанскую директорию</a:t>
             </a:r>
             <a:endParaRPr lang="ru-RU" sz="100" dirty="0"/>
           </a:p>
@@ -25116,10 +25069,9 @@
           <a:p>
             <a:pPr algn="ctr"/>
             <a:r>
-              <a:rPr lang="ru-RU" sz="700" dirty="0" smtClean="0"/>
+              <a:rPr lang="ru-RU" sz="700" dirty="0"/>
               <a:t>Присоединиться к странам Оси (ваниль)</a:t>
             </a:r>
-            <a:endParaRPr lang="ru-RU" sz="700" dirty="0"/>
           </a:p>
         </p:txBody>
       </p:sp>
@@ -25171,13 +25123,8 @@
             <a:pPr algn="ctr"/>
             <a:r>
               <a:rPr lang="ru-RU" sz="700" dirty="0"/>
-              <a:t>Поддержка фашистских </a:t>
-            </a:r>
-            <a:r>
-              <a:rPr lang="ru-RU" sz="700" dirty="0" smtClean="0"/>
-              <a:t>стран</a:t>
-            </a:r>
-            <a:endParaRPr lang="ru-RU" sz="700" dirty="0"/>
+              <a:t>Поддержка фашистских стран</a:t>
+            </a:r>
           </a:p>
         </p:txBody>
       </p:sp>
@@ -25223,20 +25170,9 @@
             <a:pPr algn="ctr"/>
             <a:r>
               <a:rPr lang="ru-RU" sz="700" dirty="0"/>
-              <a:t>Голубая дивизия </a:t>
-            </a:r>
-            <a:r>
-              <a:rPr lang="ru-RU" sz="200" dirty="0"/>
-              <a:t>(около 45000 испанских </a:t>
-            </a:r>
-            <a:r>
-              <a:rPr lang="ru-RU" sz="200" dirty="0" err="1"/>
-              <a:t>солдатони</a:t>
-            </a:r>
-            <a:r>
-              <a:rPr lang="ru-RU" sz="200" dirty="0"/>
-              <a:t> участвовали в различных сражениях, в основном связанных с блокадой Ленинграда .)</a:t>
-            </a:r>
+              <a:t>250-я дивизия</a:t>
+            </a:r>
+            <a:endParaRPr lang="ru-RU" sz="200" dirty="0"/>
           </a:p>
         </p:txBody>
       </p:sp>
@@ -25282,32 +25218,9 @@
             <a:pPr algn="ctr"/>
             <a:r>
               <a:rPr lang="ru-RU" sz="700" dirty="0"/>
-              <a:t>Вспомогательный корпус военной медицины </a:t>
-            </a:r>
-            <a:r>
-              <a:rPr lang="ru-RU" sz="400" dirty="0"/>
-              <a:t>(фокус на женскую секцию выполнен, 146 женщин, </a:t>
-            </a:r>
-            <a:r>
-              <a:rPr lang="en-US" sz="400" dirty="0"/>
-              <a:t>Mercedes </a:t>
-            </a:r>
-            <a:r>
-              <a:rPr lang="en-US" sz="400" dirty="0" err="1"/>
-              <a:t>Milá</a:t>
-            </a:r>
-            <a:r>
-              <a:rPr lang="en-US" sz="400" dirty="0"/>
-              <a:t> </a:t>
-            </a:r>
-            <a:r>
-              <a:rPr lang="en-US" sz="400" dirty="0" err="1"/>
-              <a:t>Nolla</a:t>
-            </a:r>
-            <a:r>
-              <a:rPr lang="ru-RU" sz="400" dirty="0"/>
-              <a:t> как советник)</a:t>
-            </a:r>
+              <a:t>Вспомогательный корпус военной медицины</a:t>
+            </a:r>
+            <a:endParaRPr lang="ru-RU" sz="400" dirty="0"/>
           </a:p>
         </p:txBody>
       </p:sp>
@@ -25353,20 +25266,9 @@
             <a:pPr algn="ctr"/>
             <a:r>
               <a:rPr lang="ru-RU" sz="700" dirty="0"/>
-              <a:t>Расширить дивизию артиллерийскими батальонами </a:t>
-            </a:r>
-            <a:r>
-              <a:rPr lang="ru-RU" sz="200" dirty="0"/>
-              <a:t>(около 45000 испанских </a:t>
-            </a:r>
-            <a:r>
-              <a:rPr lang="ru-RU" sz="200" dirty="0" err="1"/>
-              <a:t>солдатони</a:t>
-            </a:r>
-            <a:r>
-              <a:rPr lang="ru-RU" sz="200" dirty="0"/>
-              <a:t> участвовали в различных сражениях, в основном связанных с блокадой Ленинграда .)</a:t>
-            </a:r>
+              <a:t>Расширить дивизию артиллерийскими батальонами</a:t>
+            </a:r>
+            <a:endParaRPr lang="ru-RU" sz="200" dirty="0"/>
           </a:p>
         </p:txBody>
       </p:sp>
@@ -25471,11 +25373,7 @@
             <a:pPr algn="ctr"/>
             <a:r>
               <a:rPr lang="ru-RU" sz="600" dirty="0"/>
-              <a:t>Фаланга, армия и </a:t>
-            </a:r>
-            <a:r>
-              <a:rPr lang="ru-RU" sz="600" dirty="0" smtClean="0"/>
-              <a:t>церковь</a:t>
+              <a:t>Фаланга, армия и церковь</a:t>
             </a:r>
             <a:endParaRPr lang="ru-RU" sz="200" dirty="0"/>
           </a:p>
@@ -25529,11 +25427,7 @@
             <a:pPr algn="ctr"/>
             <a:r>
               <a:rPr lang="ru-RU" sz="800" dirty="0"/>
-              <a:t>Закон о профсоюзном </a:t>
-            </a:r>
-            <a:r>
-              <a:rPr lang="ru-RU" sz="800" dirty="0" smtClean="0"/>
-              <a:t>единстве</a:t>
+              <a:t>Закон о профсоюзном единстве</a:t>
             </a:r>
             <a:endParaRPr lang="ru-RU" sz="100" dirty="0"/>
           </a:p>
@@ -25640,11 +25534,7 @@
             <a:pPr algn="ctr"/>
             <a:r>
               <a:rPr lang="ru-RU" sz="800" dirty="0"/>
-              <a:t>Молодёжный </a:t>
-            </a:r>
-            <a:r>
-              <a:rPr lang="ru-RU" sz="800" dirty="0" smtClean="0"/>
-              <a:t>фронт</a:t>
+              <a:t>Молодёжный фронт</a:t>
             </a:r>
             <a:endParaRPr lang="ru-RU" sz="200" dirty="0"/>
           </a:p>
@@ -25694,11 +25584,7 @@
             <a:pPr algn="ctr"/>
             <a:r>
               <a:rPr lang="ru-RU" sz="600" dirty="0"/>
-              <a:t>Реорганизация женской секции </a:t>
-            </a:r>
-            <a:r>
-              <a:rPr lang="ru-RU" sz="600" dirty="0" smtClean="0"/>
-              <a:t>фаланги</a:t>
+              <a:t>Реорганизация женской секции фаланги</a:t>
             </a:r>
             <a:endParaRPr lang="ru-RU" sz="100" dirty="0"/>
           </a:p>
@@ -26035,13 +25921,8 @@
             <a:pPr algn="ctr"/>
             <a:r>
               <a:rPr lang="ru-RU" sz="600" dirty="0"/>
-              <a:t>Пожизненный </a:t>
-            </a:r>
-            <a:r>
-              <a:rPr lang="ru-RU" sz="600" dirty="0" smtClean="0"/>
-              <a:t>диктатор (ваниль)</a:t>
-            </a:r>
-            <a:endParaRPr lang="ru-RU" sz="600" dirty="0"/>
+              <a:t>Пожизненный диктатор (ваниль)</a:t>
+            </a:r>
           </a:p>
         </p:txBody>
       </p:sp>
@@ -26206,10 +26087,9 @@
           <a:p>
             <a:pPr algn="ctr"/>
             <a:r>
-              <a:rPr lang="ru-RU" sz="700" dirty="0" smtClean="0"/>
+              <a:rPr lang="ru-RU" sz="700" dirty="0"/>
               <a:t>Присоединиться к союзникам (ваниль)</a:t>
             </a:r>
-            <a:endParaRPr lang="ru-RU" sz="700" dirty="0"/>
           </a:p>
         </p:txBody>
       </p:sp>
@@ -26916,15 +26796,7 @@
             <a:pPr algn="ctr"/>
             <a:r>
               <a:rPr lang="ru-RU" sz="700" dirty="0"/>
-              <a:t>Итальянский судостроительный </a:t>
-            </a:r>
-            <a:r>
-              <a:rPr lang="ru-RU" sz="700" dirty="0" smtClean="0"/>
-              <a:t>опыт(ваниль</a:t>
-            </a:r>
-            <a:r>
-              <a:rPr lang="ru-RU" sz="700" dirty="0"/>
-              <a:t>)</a:t>
+              <a:t>Итальянский судостроительный опыт(ваниль)</a:t>
             </a:r>
           </a:p>
         </p:txBody>
@@ -27999,15 +27871,7 @@
             <a:pPr algn="ctr"/>
             <a:r>
               <a:rPr lang="ru-RU" sz="700" dirty="0"/>
-              <a:t>Потребовать </a:t>
-            </a:r>
-            <a:r>
-              <a:rPr lang="ru-RU" sz="700" dirty="0" smtClean="0"/>
-              <a:t>французскую Северную Африку </a:t>
-            </a:r>
-            <a:r>
-              <a:rPr lang="ru-RU" sz="700" dirty="0"/>
-              <a:t>(ваниль)</a:t>
+              <a:t>Потребовать французскую Северную Африку (ваниль)</a:t>
             </a:r>
           </a:p>
         </p:txBody>
@@ -36692,14 +36556,6 @@
                 </a:solidFill>
               </a:rPr>
               <a:t>ЭТА ВЕТКА ПОЯВЛЯЕТСЯ ПО СЮЖЕТУ НА МЕСТЕ ВЕТКИ РИВЕРЫ!</a:t>
-            </a:r>
-            <a:r>
-              <a:rPr lang="ru-RU" sz="600" b="1" i="1" dirty="0">
-                <a:solidFill>
-                  <a:srgbClr val="00B0F0"/>
-                </a:solidFill>
-              </a:rPr>
-              <a:t/>
             </a:r>
             <a:br>
               <a:rPr lang="ru-RU" sz="600" b="1" i="1" dirty="0">

--- a/Наработки/диздоки/Испания/Испания правые.pptx
+++ b/Наработки/диздоки/Испания/Испания правые.pptx
@@ -209,7 +209,7 @@
             <a:fld id="{33E3D7F9-E251-484C-A6FF-FA958879DF69}" type="datetimeFigureOut">
               <a:rPr lang="ru-RU" smtClean="0"/>
               <a:pPr/>
-              <a:t>09.12.2022</a:t>
+              <a:t>30.12.2022</a:t>
             </a:fld>
             <a:endParaRPr lang="ru-RU"/>
           </a:p>
@@ -699,7 +699,7 @@
             <a:fld id="{85A5DE44-605B-4D3B-B2B7-94543DF81A36}" type="datetimeFigureOut">
               <a:rPr lang="ru-RU" smtClean="0"/>
               <a:pPr/>
-              <a:t>09.12.2022</a:t>
+              <a:t>30.12.2022</a:t>
             </a:fld>
             <a:endParaRPr lang="ru-RU"/>
           </a:p>
@@ -871,7 +871,7 @@
             <a:fld id="{85A5DE44-605B-4D3B-B2B7-94543DF81A36}" type="datetimeFigureOut">
               <a:rPr lang="ru-RU" smtClean="0"/>
               <a:pPr/>
-              <a:t>09.12.2022</a:t>
+              <a:t>30.12.2022</a:t>
             </a:fld>
             <a:endParaRPr lang="ru-RU"/>
           </a:p>
@@ -1053,7 +1053,7 @@
             <a:fld id="{85A5DE44-605B-4D3B-B2B7-94543DF81A36}" type="datetimeFigureOut">
               <a:rPr lang="ru-RU" smtClean="0"/>
               <a:pPr/>
-              <a:t>09.12.2022</a:t>
+              <a:t>30.12.2022</a:t>
             </a:fld>
             <a:endParaRPr lang="ru-RU"/>
           </a:p>
@@ -1225,7 +1225,7 @@
             <a:fld id="{85A5DE44-605B-4D3B-B2B7-94543DF81A36}" type="datetimeFigureOut">
               <a:rPr lang="ru-RU" smtClean="0"/>
               <a:pPr/>
-              <a:t>09.12.2022</a:t>
+              <a:t>30.12.2022</a:t>
             </a:fld>
             <a:endParaRPr lang="ru-RU"/>
           </a:p>
@@ -1473,7 +1473,7 @@
             <a:fld id="{85A5DE44-605B-4D3B-B2B7-94543DF81A36}" type="datetimeFigureOut">
               <a:rPr lang="ru-RU" smtClean="0"/>
               <a:pPr/>
-              <a:t>09.12.2022</a:t>
+              <a:t>30.12.2022</a:t>
             </a:fld>
             <a:endParaRPr lang="ru-RU"/>
           </a:p>
@@ -1707,7 +1707,7 @@
             <a:fld id="{85A5DE44-605B-4D3B-B2B7-94543DF81A36}" type="datetimeFigureOut">
               <a:rPr lang="ru-RU" smtClean="0"/>
               <a:pPr/>
-              <a:t>09.12.2022</a:t>
+              <a:t>30.12.2022</a:t>
             </a:fld>
             <a:endParaRPr lang="ru-RU"/>
           </a:p>
@@ -2076,7 +2076,7 @@
             <a:fld id="{85A5DE44-605B-4D3B-B2B7-94543DF81A36}" type="datetimeFigureOut">
               <a:rPr lang="ru-RU" smtClean="0"/>
               <a:pPr/>
-              <a:t>09.12.2022</a:t>
+              <a:t>30.12.2022</a:t>
             </a:fld>
             <a:endParaRPr lang="ru-RU"/>
           </a:p>
@@ -2196,7 +2196,7 @@
             <a:fld id="{85A5DE44-605B-4D3B-B2B7-94543DF81A36}" type="datetimeFigureOut">
               <a:rPr lang="ru-RU" smtClean="0"/>
               <a:pPr/>
-              <a:t>09.12.2022</a:t>
+              <a:t>30.12.2022</a:t>
             </a:fld>
             <a:endParaRPr lang="ru-RU"/>
           </a:p>
@@ -2293,7 +2293,7 @@
             <a:fld id="{85A5DE44-605B-4D3B-B2B7-94543DF81A36}" type="datetimeFigureOut">
               <a:rPr lang="ru-RU" smtClean="0"/>
               <a:pPr/>
-              <a:t>09.12.2022</a:t>
+              <a:t>30.12.2022</a:t>
             </a:fld>
             <a:endParaRPr lang="ru-RU"/>
           </a:p>
@@ -2572,7 +2572,7 @@
             <a:fld id="{85A5DE44-605B-4D3B-B2B7-94543DF81A36}" type="datetimeFigureOut">
               <a:rPr lang="ru-RU" smtClean="0"/>
               <a:pPr/>
-              <a:t>09.12.2022</a:t>
+              <a:t>30.12.2022</a:t>
             </a:fld>
             <a:endParaRPr lang="ru-RU"/>
           </a:p>
@@ -2831,7 +2831,7 @@
             <a:fld id="{85A5DE44-605B-4D3B-B2B7-94543DF81A36}" type="datetimeFigureOut">
               <a:rPr lang="ru-RU" smtClean="0"/>
               <a:pPr/>
-              <a:t>09.12.2022</a:t>
+              <a:t>30.12.2022</a:t>
             </a:fld>
             <a:endParaRPr lang="ru-RU"/>
           </a:p>
@@ -3046,7 +3046,7 @@
             <a:fld id="{85A5DE44-605B-4D3B-B2B7-94543DF81A36}" type="datetimeFigureOut">
               <a:rPr lang="ru-RU" smtClean="0"/>
               <a:pPr/>
-              <a:t>09.12.2022</a:t>
+              <a:t>30.12.2022</a:t>
             </a:fld>
             <a:endParaRPr lang="ru-RU"/>
           </a:p>
@@ -35620,36 +35620,9 @@
             <a:pPr algn="ctr"/>
             <a:r>
               <a:rPr lang="ru-RU" sz="700" dirty="0"/>
-              <a:t>Экспортная торговля рудой </a:t>
-            </a:r>
-            <a:r>
-              <a:rPr lang="ru-RU" sz="100" dirty="0"/>
-              <a:t>Их экономику поддерживала также экспортная торговля рудами из Андалузии и Марокко и доставка сельскохозяйственной </a:t>
-            </a:r>
-            <a:r>
-              <a:rPr lang="ru-RU" sz="100" dirty="0" err="1"/>
-              <a:t>продукциииз</a:t>
-            </a:r>
-            <a:r>
-              <a:rPr lang="ru-RU" sz="100" dirty="0"/>
-              <a:t> Андалузии и с Канарских островов. К тому же финансисты Европы и Америки не </a:t>
-            </a:r>
-            <a:r>
-              <a:rPr lang="ru-RU" sz="100" dirty="0" err="1"/>
-              <a:t>толькождали</a:t>
-            </a:r>
-            <a:r>
-              <a:rPr lang="ru-RU" sz="100" dirty="0"/>
-              <a:t> победы националистов, но и страстно желали ее. Хотя республика с большим </a:t>
-            </a:r>
-            <a:r>
-              <a:rPr lang="ru-RU" sz="100" dirty="0" err="1"/>
-              <a:t>стараниемоберегала</a:t>
-            </a:r>
-            <a:r>
-              <a:rPr lang="ru-RU" sz="100" dirty="0"/>
-              <a:t> имущество иностранных концернов в Испании, крах иностранных вложений в России был еще слишком свеж в памяти, чтобы его можно было забыть</a:t>
-            </a:r>
+              <a:t>Экспортная торговля рудой</a:t>
+            </a:r>
+            <a:endParaRPr lang="ru-RU" sz="100" dirty="0"/>
           </a:p>
         </p:txBody>
       </p:sp>
@@ -35733,20 +35706,9 @@
             <a:pPr algn="ctr"/>
             <a:r>
               <a:rPr lang="ru-RU" sz="700" dirty="0"/>
-              <a:t>Нефтяной кредит в США </a:t>
-            </a:r>
-            <a:r>
-              <a:rPr lang="ru-RU" sz="100" dirty="0"/>
-              <a:t>(Так что вопрос с поставками нефти был разрешен при помощи долгосрочного кредита, который без всяких </a:t>
-            </a:r>
-            <a:r>
-              <a:rPr lang="ru-RU" sz="100" dirty="0" err="1"/>
-              <a:t>гарантийпредоставила</a:t>
-            </a:r>
-            <a:r>
-              <a:rPr lang="ru-RU" sz="100" dirty="0"/>
-              <a:t> Техасская нефтяная компания</a:t>
-            </a:r>
+              <a:t>Нефтяной кредит в США</a:t>
+            </a:r>
+            <a:endParaRPr lang="ru-RU" sz="100" dirty="0"/>
           </a:p>
         </p:txBody>
       </p:sp>
@@ -35792,68 +35754,9 @@
             <a:pPr algn="ctr"/>
             <a:r>
               <a:rPr lang="ru-RU" sz="700" dirty="0"/>
-              <a:t>Зимняя помощь (есть свой символ) </a:t>
-            </a:r>
-            <a:r>
-              <a:rPr lang="ru-RU" sz="100" dirty="0"/>
-              <a:t>(</a:t>
-            </a:r>
-            <a:r>
-              <a:rPr lang="ru-RU" sz="100" dirty="0" err="1"/>
-              <a:t>El</a:t>
-            </a:r>
-            <a:r>
-              <a:rPr lang="ru-RU" sz="100" dirty="0"/>
-              <a:t> </a:t>
-            </a:r>
-            <a:r>
-              <a:rPr lang="ru-RU" sz="100" dirty="0" err="1"/>
-              <a:t>Auxilio</a:t>
-            </a:r>
-            <a:r>
-              <a:rPr lang="ru-RU" sz="100" dirty="0"/>
-              <a:t> </a:t>
-            </a:r>
-            <a:r>
-              <a:rPr lang="ru-RU" sz="100" dirty="0" err="1"/>
-              <a:t>Social</a:t>
-            </a:r>
-            <a:r>
-              <a:rPr lang="ru-RU" sz="100" dirty="0"/>
-              <a:t> была гуманитарной организацией, существовавшей в Испании во время диктатуры Франко . Возникший в районе, который был в восстании во время гражданской войны в Испании - первоначально как « </a:t>
-            </a:r>
-            <a:r>
-              <a:rPr lang="ru-RU" sz="100" dirty="0" err="1"/>
-              <a:t>Auxilio</a:t>
-            </a:r>
-            <a:r>
-              <a:rPr lang="ru-RU" sz="100" dirty="0"/>
-              <a:t> </a:t>
-            </a:r>
-            <a:r>
-              <a:rPr lang="ru-RU" sz="100" dirty="0" err="1"/>
-              <a:t>de</a:t>
-            </a:r>
-            <a:r>
-              <a:rPr lang="ru-RU" sz="100" dirty="0"/>
-              <a:t> </a:t>
-            </a:r>
-            <a:r>
-              <a:rPr lang="ru-RU" sz="100" dirty="0" err="1"/>
-              <a:t>Invierno</a:t>
-            </a:r>
-            <a:r>
-              <a:rPr lang="ru-RU" sz="100" dirty="0"/>
-              <a:t> » - он сыграл заметную роль в первые годы режима Франко. Тело было важным средством политической пропаганды режима. [ 1 ] Кроме того, эта фалангистская организация способствовала похищению детей заключенных республиканских женщин благодаря указу от июня 1940 года, который предоставил им родительские </a:t>
-            </a:r>
-            <a:r>
-              <a:rPr lang="ru-RU" sz="100" dirty="0" err="1"/>
-              <a:t>права.детей</a:t>
-            </a:r>
-            <a:r>
-              <a:rPr lang="ru-RU" sz="100" dirty="0"/>
-              <a:t>, чьи семьи имели «плохую репутацию», и другого указа от 1941 года, который позволил ему изменить фамилии детей, взятых на воспитание в его центры, что не позволяло им быть востребованными настоящими родителями)</a:t>
-            </a:r>
+              <a:t>Социальная помощь (есть свой символ)</a:t>
+            </a:r>
+            <a:endParaRPr lang="ru-RU" sz="100" dirty="0"/>
           </a:p>
         </p:txBody>
       </p:sp>
@@ -38036,12 +37939,9 @@
             <a:pPr algn="ctr"/>
             <a:r>
               <a:rPr lang="ru-RU" sz="700" dirty="0"/>
-              <a:t>Национальный институт промышленности (1941) </a:t>
-            </a:r>
-            <a:r>
-              <a:rPr lang="ru-RU" sz="100" dirty="0"/>
-              <a:t>(Также примечательно в этот период стремление правительства к индустриализации достичь максимальной национальной самодостаточности; создание в 1941 году Национального института промышленности с целью содействия созданию новых промышленных компаний и экономического развития нации в рамках автаркического видения экономики было учреждением, просуществовавшим до 1995 года и сформировавшим холдинговая компания из более чем 50 компаний.)</a:t>
-            </a:r>
+              <a:t>Национальный институт промышленности (1941)</a:t>
+            </a:r>
+            <a:endParaRPr lang="ru-RU" sz="100" dirty="0"/>
           </a:p>
         </p:txBody>
       </p:sp>
@@ -38356,47 +38256,7 @@
             </a:r>
             <a:r>
               <a:rPr lang="ru-RU" sz="100" dirty="0"/>
-              <a:t>(Компания была официально создана 24 ноября 1942 года по инициативе Национального института промышленности (INI). [ 4 ] Он получил свое название в честь политика Хосе </a:t>
-            </a:r>
-            <a:r>
-              <a:rPr lang="ru-RU" sz="100" dirty="0" err="1"/>
-              <a:t>Кальво</a:t>
-            </a:r>
-            <a:r>
-              <a:rPr lang="ru-RU" sz="100" dirty="0"/>
-              <a:t> </a:t>
-            </a:r>
-            <a:r>
-              <a:rPr lang="ru-RU" sz="100" dirty="0" err="1"/>
-              <a:t>Сотело</a:t>
-            </a:r>
-            <a:r>
-              <a:rPr lang="ru-RU" sz="100" dirty="0"/>
-              <a:t> , который был министром финансов во время диктатуры </a:t>
-            </a:r>
-            <a:r>
-              <a:rPr lang="ru-RU" sz="100" dirty="0" err="1"/>
-              <a:t>Примо</a:t>
-            </a:r>
-            <a:r>
-              <a:rPr lang="ru-RU" sz="100" dirty="0"/>
-              <a:t> де Ривера . [ нет. 1 ]​ Определенный INI как «лучший пример политики автаркии», [ 7 ]​ ENCASO был создан для производства углеводородов в эпоху автаркии и послевоенный период., продукты, которые были в дефиците в связи с нехваткой энергии. В 1944 году режим утвердил Национальный план по жидкому топливу, реализация и разработка которого была поручена ИНИ. План предусматривал строительство четырех крупных промышленных комплексов, расположенных в районах </a:t>
-            </a:r>
-            <a:r>
-              <a:rPr lang="ru-RU" sz="100" dirty="0" err="1"/>
-              <a:t>Пуэртольяно</a:t>
-            </a:r>
-            <a:r>
-              <a:rPr lang="ru-RU" sz="100" dirty="0"/>
-              <a:t> , Эбро , </a:t>
-            </a:r>
-            <a:r>
-              <a:rPr lang="ru-RU" sz="100" dirty="0" err="1"/>
-              <a:t>Пуэнтес</a:t>
-            </a:r>
-            <a:r>
-              <a:rPr lang="ru-RU" sz="100" dirty="0"/>
-              <a:t>-де-Гарсия-Родригес и Леванте , в которых должны были быть тепловые электростанции для производства электроэнергии, предприятия по производству жидкого топлива и смазочных материалов, вспомогательные производства и др.)</a:t>
+              <a:t>(</a:t>
             </a:r>
           </a:p>
         </p:txBody>

--- a/Наработки/диздоки/Испания/Испания правые.pptx
+++ b/Наработки/диздоки/Испания/Испания правые.pptx
@@ -109,7 +109,7 @@
   </p:defaultTextStyle>
   <p:extLst>
     <p:ext uri="{EFAFB233-063F-42B5-8137-9DF3F51BA10A}">
-      <p15:sldGuideLst xmlns:p15="http://schemas.microsoft.com/office/powerpoint/2012/main">
+      <p15:sldGuideLst xmlns:p15="http://schemas.microsoft.com/office/powerpoint/2012/main" xmlns="">
         <p15:guide id="1" orient="horz" pos="11344">
           <p15:clr>
             <a:srgbClr val="A4A3A4"/>
@@ -209,7 +209,7 @@
             <a:fld id="{33E3D7F9-E251-484C-A6FF-FA958879DF69}" type="datetimeFigureOut">
               <a:rPr lang="ru-RU" smtClean="0"/>
               <a:pPr/>
-              <a:t>30.12.2022</a:t>
+              <a:t>21.11.2023</a:t>
             </a:fld>
             <a:endParaRPr lang="ru-RU"/>
           </a:p>
@@ -699,7 +699,7 @@
             <a:fld id="{85A5DE44-605B-4D3B-B2B7-94543DF81A36}" type="datetimeFigureOut">
               <a:rPr lang="ru-RU" smtClean="0"/>
               <a:pPr/>
-              <a:t>30.12.2022</a:t>
+              <a:t>21.11.2023</a:t>
             </a:fld>
             <a:endParaRPr lang="ru-RU"/>
           </a:p>
@@ -871,7 +871,7 @@
             <a:fld id="{85A5DE44-605B-4D3B-B2B7-94543DF81A36}" type="datetimeFigureOut">
               <a:rPr lang="ru-RU" smtClean="0"/>
               <a:pPr/>
-              <a:t>30.12.2022</a:t>
+              <a:t>21.11.2023</a:t>
             </a:fld>
             <a:endParaRPr lang="ru-RU"/>
           </a:p>
@@ -1053,7 +1053,7 @@
             <a:fld id="{85A5DE44-605B-4D3B-B2B7-94543DF81A36}" type="datetimeFigureOut">
               <a:rPr lang="ru-RU" smtClean="0"/>
               <a:pPr/>
-              <a:t>30.12.2022</a:t>
+              <a:t>21.11.2023</a:t>
             </a:fld>
             <a:endParaRPr lang="ru-RU"/>
           </a:p>
@@ -1225,7 +1225,7 @@
             <a:fld id="{85A5DE44-605B-4D3B-B2B7-94543DF81A36}" type="datetimeFigureOut">
               <a:rPr lang="ru-RU" smtClean="0"/>
               <a:pPr/>
-              <a:t>30.12.2022</a:t>
+              <a:t>21.11.2023</a:t>
             </a:fld>
             <a:endParaRPr lang="ru-RU"/>
           </a:p>
@@ -1473,7 +1473,7 @@
             <a:fld id="{85A5DE44-605B-4D3B-B2B7-94543DF81A36}" type="datetimeFigureOut">
               <a:rPr lang="ru-RU" smtClean="0"/>
               <a:pPr/>
-              <a:t>30.12.2022</a:t>
+              <a:t>21.11.2023</a:t>
             </a:fld>
             <a:endParaRPr lang="ru-RU"/>
           </a:p>
@@ -1707,7 +1707,7 @@
             <a:fld id="{85A5DE44-605B-4D3B-B2B7-94543DF81A36}" type="datetimeFigureOut">
               <a:rPr lang="ru-RU" smtClean="0"/>
               <a:pPr/>
-              <a:t>30.12.2022</a:t>
+              <a:t>21.11.2023</a:t>
             </a:fld>
             <a:endParaRPr lang="ru-RU"/>
           </a:p>
@@ -2076,7 +2076,7 @@
             <a:fld id="{85A5DE44-605B-4D3B-B2B7-94543DF81A36}" type="datetimeFigureOut">
               <a:rPr lang="ru-RU" smtClean="0"/>
               <a:pPr/>
-              <a:t>30.12.2022</a:t>
+              <a:t>21.11.2023</a:t>
             </a:fld>
             <a:endParaRPr lang="ru-RU"/>
           </a:p>
@@ -2196,7 +2196,7 @@
             <a:fld id="{85A5DE44-605B-4D3B-B2B7-94543DF81A36}" type="datetimeFigureOut">
               <a:rPr lang="ru-RU" smtClean="0"/>
               <a:pPr/>
-              <a:t>30.12.2022</a:t>
+              <a:t>21.11.2023</a:t>
             </a:fld>
             <a:endParaRPr lang="ru-RU"/>
           </a:p>
@@ -2293,7 +2293,7 @@
             <a:fld id="{85A5DE44-605B-4D3B-B2B7-94543DF81A36}" type="datetimeFigureOut">
               <a:rPr lang="ru-RU" smtClean="0"/>
               <a:pPr/>
-              <a:t>30.12.2022</a:t>
+              <a:t>21.11.2023</a:t>
             </a:fld>
             <a:endParaRPr lang="ru-RU"/>
           </a:p>
@@ -2572,7 +2572,7 @@
             <a:fld id="{85A5DE44-605B-4D3B-B2B7-94543DF81A36}" type="datetimeFigureOut">
               <a:rPr lang="ru-RU" smtClean="0"/>
               <a:pPr/>
-              <a:t>30.12.2022</a:t>
+              <a:t>21.11.2023</a:t>
             </a:fld>
             <a:endParaRPr lang="ru-RU"/>
           </a:p>
@@ -2831,7 +2831,7 @@
             <a:fld id="{85A5DE44-605B-4D3B-B2B7-94543DF81A36}" type="datetimeFigureOut">
               <a:rPr lang="ru-RU" smtClean="0"/>
               <a:pPr/>
-              <a:t>30.12.2022</a:t>
+              <a:t>21.11.2023</a:t>
             </a:fld>
             <a:endParaRPr lang="ru-RU"/>
           </a:p>
@@ -3046,7 +3046,7 @@
             <a:fld id="{85A5DE44-605B-4D3B-B2B7-94543DF81A36}" type="datetimeFigureOut">
               <a:rPr lang="ru-RU" smtClean="0"/>
               <a:pPr/>
-              <a:t>30.12.2022</a:t>
+              <a:t>21.11.2023</a:t>
             </a:fld>
             <a:endParaRPr lang="ru-RU"/>
           </a:p>
@@ -29951,8 +29951,13 @@
             <a:pPr algn="ctr"/>
             <a:r>
               <a:rPr lang="ru-RU" sz="700" dirty="0"/>
-              <a:t>Марш в Мадриде</a:t>
-            </a:r>
+              <a:t>Марш </a:t>
+            </a:r>
+            <a:r>
+              <a:rPr lang="ru-RU" sz="700" dirty="0" smtClean="0"/>
+              <a:t>на Мадрид</a:t>
+            </a:r>
+            <a:endParaRPr lang="ru-RU" sz="700" dirty="0"/>
           </a:p>
         </p:txBody>
       </p:sp>
@@ -36132,6 +36137,14 @@
               </a:rPr>
               <a:t>ЭТА ВЕТКА ПОЯВЛЯЕТСЯ ПО СЮЖЕТУ НА МЕСТЕ ВЕТКИ РИВЕРЫ!</a:t>
             </a:r>
+            <a:r>
+              <a:rPr lang="ru-RU" sz="600" b="1" i="1" dirty="0">
+                <a:solidFill>
+                  <a:srgbClr val="00B0F0"/>
+                </a:solidFill>
+              </a:rPr>
+              <a:t/>
+            </a:r>
             <a:br>
               <a:rPr lang="ru-RU" sz="600" b="1" i="1" dirty="0">
                 <a:solidFill>
@@ -37328,7 +37341,7 @@
           <p:cNvPr id="889" name="Соединительная линия уступом 597">
             <a:extLst>
               <a:ext uri="{FF2B5EF4-FFF2-40B4-BE49-F238E27FC236}">
-                <a16:creationId xmlns:a16="http://schemas.microsoft.com/office/drawing/2014/main" id="{A731F4E2-35CF-4955-98BB-9EA72915E541}"/>
+                <a16:creationId xmlns:a16="http://schemas.microsoft.com/office/drawing/2014/main" xmlns="" id="{A731F4E2-35CF-4955-98BB-9EA72915E541}"/>
               </a:ext>
             </a:extLst>
           </p:cNvPr>
@@ -37373,7 +37386,7 @@
           <p:cNvPr id="890" name="Соединительная линия уступом 597">
             <a:extLst>
               <a:ext uri="{FF2B5EF4-FFF2-40B4-BE49-F238E27FC236}">
-                <a16:creationId xmlns:a16="http://schemas.microsoft.com/office/drawing/2014/main" id="{D997A904-B93C-4810-B588-B7EA3D133D90}"/>
+                <a16:creationId xmlns:a16="http://schemas.microsoft.com/office/drawing/2014/main" xmlns="" id="{D997A904-B93C-4810-B588-B7EA3D133D90}"/>
               </a:ext>
             </a:extLst>
           </p:cNvPr>
@@ -37418,7 +37431,7 @@
           <p:cNvPr id="892" name="Прямоугольник 891">
             <a:extLst>
               <a:ext uri="{FF2B5EF4-FFF2-40B4-BE49-F238E27FC236}">
-                <a16:creationId xmlns:a16="http://schemas.microsoft.com/office/drawing/2014/main" id="{8B84836F-6DB8-4D5D-BE52-F0D6F935D5A6}"/>
+                <a16:creationId xmlns:a16="http://schemas.microsoft.com/office/drawing/2014/main" xmlns="" id="{8B84836F-6DB8-4D5D-BE52-F0D6F935D5A6}"/>
               </a:ext>
             </a:extLst>
           </p:cNvPr>
@@ -37471,7 +37484,7 @@
           <p:cNvPr id="893" name="Соединительная линия уступом 624">
             <a:extLst>
               <a:ext uri="{FF2B5EF4-FFF2-40B4-BE49-F238E27FC236}">
-                <a16:creationId xmlns:a16="http://schemas.microsoft.com/office/drawing/2014/main" id="{2669992B-CE2D-4FC1-AE5F-B48958B14460}"/>
+                <a16:creationId xmlns:a16="http://schemas.microsoft.com/office/drawing/2014/main" xmlns="" id="{2669992B-CE2D-4FC1-AE5F-B48958B14460}"/>
               </a:ext>
             </a:extLst>
           </p:cNvPr>
@@ -37517,7 +37530,7 @@
           <p:cNvPr id="894" name="Соединительная линия уступом 624">
             <a:extLst>
               <a:ext uri="{FF2B5EF4-FFF2-40B4-BE49-F238E27FC236}">
-                <a16:creationId xmlns:a16="http://schemas.microsoft.com/office/drawing/2014/main" id="{6BA93E0E-D676-4CDA-9937-9A62B931C48B}"/>
+                <a16:creationId xmlns:a16="http://schemas.microsoft.com/office/drawing/2014/main" xmlns="" id="{6BA93E0E-D676-4CDA-9937-9A62B931C48B}"/>
               </a:ext>
             </a:extLst>
           </p:cNvPr>
@@ -37563,7 +37576,7 @@
           <p:cNvPr id="896" name="Прямая соединительная линия 895">
             <a:extLst>
               <a:ext uri="{FF2B5EF4-FFF2-40B4-BE49-F238E27FC236}">
-                <a16:creationId xmlns:a16="http://schemas.microsoft.com/office/drawing/2014/main" id="{05D843C2-9B4C-46FF-B6D9-82BE7C0A1E5D}"/>
+                <a16:creationId xmlns:a16="http://schemas.microsoft.com/office/drawing/2014/main" xmlns="" id="{05D843C2-9B4C-46FF-B6D9-82BE7C0A1E5D}"/>
               </a:ext>
             </a:extLst>
           </p:cNvPr>
@@ -37608,7 +37621,7 @@
           <p:cNvPr id="899" name="Соединительная линия уступом 885">
             <a:extLst>
               <a:ext uri="{FF2B5EF4-FFF2-40B4-BE49-F238E27FC236}">
-                <a16:creationId xmlns:a16="http://schemas.microsoft.com/office/drawing/2014/main" id="{AE2E6EC3-F54F-4F9B-B53A-6A26AD50A6F1}"/>
+                <a16:creationId xmlns:a16="http://schemas.microsoft.com/office/drawing/2014/main" xmlns="" id="{AE2E6EC3-F54F-4F9B-B53A-6A26AD50A6F1}"/>
               </a:ext>
             </a:extLst>
           </p:cNvPr>
@@ -37653,7 +37666,7 @@
           <p:cNvPr id="900" name="Соединительная линия уступом 885">
             <a:extLst>
               <a:ext uri="{FF2B5EF4-FFF2-40B4-BE49-F238E27FC236}">
-                <a16:creationId xmlns:a16="http://schemas.microsoft.com/office/drawing/2014/main" id="{E0B77D89-0D7D-4086-A28C-A9C4C7ABE8AA}"/>
+                <a16:creationId xmlns:a16="http://schemas.microsoft.com/office/drawing/2014/main" xmlns="" id="{E0B77D89-0D7D-4086-A28C-A9C4C7ABE8AA}"/>
               </a:ext>
             </a:extLst>
           </p:cNvPr>
@@ -37698,7 +37711,7 @@
           <p:cNvPr id="909" name="Прямоугольник 908">
             <a:extLst>
               <a:ext uri="{FF2B5EF4-FFF2-40B4-BE49-F238E27FC236}">
-                <a16:creationId xmlns:a16="http://schemas.microsoft.com/office/drawing/2014/main" id="{5AF50C78-7CED-461D-82DE-E1C6A169BCFD}"/>
+                <a16:creationId xmlns:a16="http://schemas.microsoft.com/office/drawing/2014/main" xmlns="" id="{5AF50C78-7CED-461D-82DE-E1C6A169BCFD}"/>
               </a:ext>
             </a:extLst>
           </p:cNvPr>
@@ -37752,7 +37765,7 @@
           <p:cNvPr id="910" name="Прямоугольник 909">
             <a:extLst>
               <a:ext uri="{FF2B5EF4-FFF2-40B4-BE49-F238E27FC236}">
-                <a16:creationId xmlns:a16="http://schemas.microsoft.com/office/drawing/2014/main" id="{C3436558-F784-4636-8E9B-1D6DB4305157}"/>
+                <a16:creationId xmlns:a16="http://schemas.microsoft.com/office/drawing/2014/main" xmlns="" id="{C3436558-F784-4636-8E9B-1D6DB4305157}"/>
               </a:ext>
             </a:extLst>
           </p:cNvPr>
@@ -37806,7 +37819,7 @@
           <p:cNvPr id="913" name="Соединительная линия уступом 835">
             <a:extLst>
               <a:ext uri="{FF2B5EF4-FFF2-40B4-BE49-F238E27FC236}">
-                <a16:creationId xmlns:a16="http://schemas.microsoft.com/office/drawing/2014/main" id="{4EF6A03E-98A4-492D-B2D6-181CD409BD57}"/>
+                <a16:creationId xmlns:a16="http://schemas.microsoft.com/office/drawing/2014/main" xmlns="" id="{4EF6A03E-98A4-492D-B2D6-181CD409BD57}"/>
               </a:ext>
             </a:extLst>
           </p:cNvPr>
@@ -37851,7 +37864,7 @@
           <p:cNvPr id="916" name="Соединительная линия уступом 840">
             <a:extLst>
               <a:ext uri="{FF2B5EF4-FFF2-40B4-BE49-F238E27FC236}">
-                <a16:creationId xmlns:a16="http://schemas.microsoft.com/office/drawing/2014/main" id="{107D7916-E974-4D93-BA21-E2D820CEC79A}"/>
+                <a16:creationId xmlns:a16="http://schemas.microsoft.com/office/drawing/2014/main" xmlns="" id="{107D7916-E974-4D93-BA21-E2D820CEC79A}"/>
               </a:ext>
             </a:extLst>
           </p:cNvPr>
@@ -37896,7 +37909,7 @@
           <p:cNvPr id="920" name="Прямоугольник 919">
             <a:extLst>
               <a:ext uri="{FF2B5EF4-FFF2-40B4-BE49-F238E27FC236}">
-                <a16:creationId xmlns:a16="http://schemas.microsoft.com/office/drawing/2014/main" id="{6E3CDBC5-EB98-4EF8-80F7-EFE9C492FF32}"/>
+                <a16:creationId xmlns:a16="http://schemas.microsoft.com/office/drawing/2014/main" xmlns="" id="{6E3CDBC5-EB98-4EF8-80F7-EFE9C492FF32}"/>
               </a:ext>
             </a:extLst>
           </p:cNvPr>
@@ -37950,7 +37963,7 @@
           <p:cNvPr id="921" name="Прямоугольник 920">
             <a:extLst>
               <a:ext uri="{FF2B5EF4-FFF2-40B4-BE49-F238E27FC236}">
-                <a16:creationId xmlns:a16="http://schemas.microsoft.com/office/drawing/2014/main" id="{A64CE2D1-CA6E-42FC-B022-CA2A2CF2EF1F}"/>
+                <a16:creationId xmlns:a16="http://schemas.microsoft.com/office/drawing/2014/main" xmlns="" id="{A64CE2D1-CA6E-42FC-B022-CA2A2CF2EF1F}"/>
               </a:ext>
             </a:extLst>
           </p:cNvPr>
@@ -38004,7 +38017,7 @@
           <p:cNvPr id="923" name="Соединительная линия уступом 835">
             <a:extLst>
               <a:ext uri="{FF2B5EF4-FFF2-40B4-BE49-F238E27FC236}">
-                <a16:creationId xmlns:a16="http://schemas.microsoft.com/office/drawing/2014/main" id="{D1243D31-6783-4954-A676-C250BAF397AF}"/>
+                <a16:creationId xmlns:a16="http://schemas.microsoft.com/office/drawing/2014/main" xmlns="" id="{D1243D31-6783-4954-A676-C250BAF397AF}"/>
               </a:ext>
             </a:extLst>
           </p:cNvPr>
@@ -38049,7 +38062,7 @@
           <p:cNvPr id="926" name="Соединительная линия уступом 840">
             <a:extLst>
               <a:ext uri="{FF2B5EF4-FFF2-40B4-BE49-F238E27FC236}">
-                <a16:creationId xmlns:a16="http://schemas.microsoft.com/office/drawing/2014/main" id="{DAFCFF06-47EB-4BF6-B42F-15C4D8980AD3}"/>
+                <a16:creationId xmlns:a16="http://schemas.microsoft.com/office/drawing/2014/main" xmlns="" id="{DAFCFF06-47EB-4BF6-B42F-15C4D8980AD3}"/>
               </a:ext>
             </a:extLst>
           </p:cNvPr>
@@ -38094,7 +38107,7 @@
           <p:cNvPr id="929" name="Соединительная линия уступом 840">
             <a:extLst>
               <a:ext uri="{FF2B5EF4-FFF2-40B4-BE49-F238E27FC236}">
-                <a16:creationId xmlns:a16="http://schemas.microsoft.com/office/drawing/2014/main" id="{8DB18F5A-36FE-408B-9206-86DC3547B5A1}"/>
+                <a16:creationId xmlns:a16="http://schemas.microsoft.com/office/drawing/2014/main" xmlns="" id="{8DB18F5A-36FE-408B-9206-86DC3547B5A1}"/>
               </a:ext>
             </a:extLst>
           </p:cNvPr>
@@ -38139,7 +38152,7 @@
           <p:cNvPr id="839" name="Прямоугольник 838">
             <a:extLst>
               <a:ext uri="{FF2B5EF4-FFF2-40B4-BE49-F238E27FC236}">
-                <a16:creationId xmlns:a16="http://schemas.microsoft.com/office/drawing/2014/main" id="{573FCDE4-D6BD-4CD2-9BCB-74116200B42B}"/>
+                <a16:creationId xmlns:a16="http://schemas.microsoft.com/office/drawing/2014/main" xmlns="" id="{573FCDE4-D6BD-4CD2-9BCB-74116200B42B}"/>
               </a:ext>
             </a:extLst>
           </p:cNvPr>
@@ -38193,7 +38206,7 @@
           <p:cNvPr id="843" name="Прямоугольник 842">
             <a:extLst>
               <a:ext uri="{FF2B5EF4-FFF2-40B4-BE49-F238E27FC236}">
-                <a16:creationId xmlns:a16="http://schemas.microsoft.com/office/drawing/2014/main" id="{E086B258-090C-4BA3-8E5D-FD8FE4EEDB26}"/>
+                <a16:creationId xmlns:a16="http://schemas.microsoft.com/office/drawing/2014/main" xmlns="" id="{E086B258-090C-4BA3-8E5D-FD8FE4EEDB26}"/>
               </a:ext>
             </a:extLst>
           </p:cNvPr>
@@ -38266,7 +38279,7 @@
           <p:cNvPr id="902" name="Соединительная линия уступом 840">
             <a:extLst>
               <a:ext uri="{FF2B5EF4-FFF2-40B4-BE49-F238E27FC236}">
-                <a16:creationId xmlns:a16="http://schemas.microsoft.com/office/drawing/2014/main" id="{9D25FF35-4556-4D76-8B00-8A009717F1C7}"/>
+                <a16:creationId xmlns:a16="http://schemas.microsoft.com/office/drawing/2014/main" xmlns="" id="{9D25FF35-4556-4D76-8B00-8A009717F1C7}"/>
               </a:ext>
             </a:extLst>
           </p:cNvPr>
@@ -38311,7 +38324,7 @@
           <p:cNvPr id="903" name="Соединительная линия уступом 840">
             <a:extLst>
               <a:ext uri="{FF2B5EF4-FFF2-40B4-BE49-F238E27FC236}">
-                <a16:creationId xmlns:a16="http://schemas.microsoft.com/office/drawing/2014/main" id="{CAFAFB41-6212-44BC-94A0-2AEB42DC2E90}"/>
+                <a16:creationId xmlns:a16="http://schemas.microsoft.com/office/drawing/2014/main" xmlns="" id="{CAFAFB41-6212-44BC-94A0-2AEB42DC2E90}"/>
               </a:ext>
             </a:extLst>
           </p:cNvPr>
@@ -38356,7 +38369,7 @@
           <p:cNvPr id="906" name="Соединительная линия уступом 840">
             <a:extLst>
               <a:ext uri="{FF2B5EF4-FFF2-40B4-BE49-F238E27FC236}">
-                <a16:creationId xmlns:a16="http://schemas.microsoft.com/office/drawing/2014/main" id="{B7E64F36-A4F7-45DD-BFA1-7B133F7739A6}"/>
+                <a16:creationId xmlns:a16="http://schemas.microsoft.com/office/drawing/2014/main" xmlns="" id="{B7E64F36-A4F7-45DD-BFA1-7B133F7739A6}"/>
               </a:ext>
             </a:extLst>
           </p:cNvPr>
@@ -38401,7 +38414,7 @@
           <p:cNvPr id="907" name="Прямоугольник 906">
             <a:extLst>
               <a:ext uri="{FF2B5EF4-FFF2-40B4-BE49-F238E27FC236}">
-                <a16:creationId xmlns:a16="http://schemas.microsoft.com/office/drawing/2014/main" id="{3311AEB8-8688-474F-80BB-EB7E3345C796}"/>
+                <a16:creationId xmlns:a16="http://schemas.microsoft.com/office/drawing/2014/main" xmlns="" id="{3311AEB8-8688-474F-80BB-EB7E3345C796}"/>
               </a:ext>
             </a:extLst>
           </p:cNvPr>
@@ -38491,7 +38504,7 @@
           <p:cNvPr id="912" name="Прямая со стрелкой 911">
             <a:extLst>
               <a:ext uri="{FF2B5EF4-FFF2-40B4-BE49-F238E27FC236}">
-                <a16:creationId xmlns:a16="http://schemas.microsoft.com/office/drawing/2014/main" id="{B0707D0A-663C-46F2-9B85-472A6576D5B3}"/>
+                <a16:creationId xmlns:a16="http://schemas.microsoft.com/office/drawing/2014/main" xmlns="" id="{B0707D0A-663C-46F2-9B85-472A6576D5B3}"/>
               </a:ext>
             </a:extLst>
           </p:cNvPr>
@@ -38534,7 +38547,7 @@
           <p:cNvPr id="917" name="Соединительная линия уступом 840">
             <a:extLst>
               <a:ext uri="{FF2B5EF4-FFF2-40B4-BE49-F238E27FC236}">
-                <a16:creationId xmlns:a16="http://schemas.microsoft.com/office/drawing/2014/main" id="{5598FABD-5449-4376-AC0B-A914D7810808}"/>
+                <a16:creationId xmlns:a16="http://schemas.microsoft.com/office/drawing/2014/main" xmlns="" id="{5598FABD-5449-4376-AC0B-A914D7810808}"/>
               </a:ext>
             </a:extLst>
           </p:cNvPr>
@@ -38579,7 +38592,7 @@
           <p:cNvPr id="919" name="Соединительная линия уступом 840">
             <a:extLst>
               <a:ext uri="{FF2B5EF4-FFF2-40B4-BE49-F238E27FC236}">
-                <a16:creationId xmlns:a16="http://schemas.microsoft.com/office/drawing/2014/main" id="{4C17A63C-4FA2-4AB9-B4BA-42A9AB9ACABA}"/>
+                <a16:creationId xmlns:a16="http://schemas.microsoft.com/office/drawing/2014/main" xmlns="" id="{4C17A63C-4FA2-4AB9-B4BA-42A9AB9ACABA}"/>
               </a:ext>
             </a:extLst>
           </p:cNvPr>
@@ -38624,7 +38637,7 @@
           <p:cNvPr id="933" name="Прямоугольник 932">
             <a:extLst>
               <a:ext uri="{FF2B5EF4-FFF2-40B4-BE49-F238E27FC236}">
-                <a16:creationId xmlns:a16="http://schemas.microsoft.com/office/drawing/2014/main" id="{591D7410-4EE7-4EC5-B7B2-2E2398945347}"/>
+                <a16:creationId xmlns:a16="http://schemas.microsoft.com/office/drawing/2014/main" xmlns="" id="{591D7410-4EE7-4EC5-B7B2-2E2398945347}"/>
               </a:ext>
             </a:extLst>
           </p:cNvPr>
@@ -38686,7 +38699,7 @@
           <p:cNvPr id="934" name="Соединительная линия уступом 124">
             <a:extLst>
               <a:ext uri="{FF2B5EF4-FFF2-40B4-BE49-F238E27FC236}">
-                <a16:creationId xmlns:a16="http://schemas.microsoft.com/office/drawing/2014/main" id="{A1754BDF-5260-4306-BCBD-63C0B1AEF514}"/>
+                <a16:creationId xmlns:a16="http://schemas.microsoft.com/office/drawing/2014/main" xmlns="" id="{A1754BDF-5260-4306-BCBD-63C0B1AEF514}"/>
               </a:ext>
             </a:extLst>
           </p:cNvPr>
@@ -38731,7 +38744,7 @@
           <p:cNvPr id="939" name="Прямоугольник 938">
             <a:extLst>
               <a:ext uri="{FF2B5EF4-FFF2-40B4-BE49-F238E27FC236}">
-                <a16:creationId xmlns:a16="http://schemas.microsoft.com/office/drawing/2014/main" id="{E51DB72E-870D-4D22-B162-1956ABEA5CFA}"/>
+                <a16:creationId xmlns:a16="http://schemas.microsoft.com/office/drawing/2014/main" xmlns="" id="{E51DB72E-870D-4D22-B162-1956ABEA5CFA}"/>
               </a:ext>
             </a:extLst>
           </p:cNvPr>
@@ -38809,7 +38822,7 @@
           <p:cNvPr id="940" name="Соединительная линия уступом 124">
             <a:extLst>
               <a:ext uri="{FF2B5EF4-FFF2-40B4-BE49-F238E27FC236}">
-                <a16:creationId xmlns:a16="http://schemas.microsoft.com/office/drawing/2014/main" id="{09F529F3-C46D-41B0-9198-9D36F1BED8C1}"/>
+                <a16:creationId xmlns:a16="http://schemas.microsoft.com/office/drawing/2014/main" xmlns="" id="{09F529F3-C46D-41B0-9198-9D36F1BED8C1}"/>
               </a:ext>
             </a:extLst>
           </p:cNvPr>
@@ -38855,7 +38868,7 @@
           <p:cNvPr id="943" name="Соединительная линия уступом 124">
             <a:extLst>
               <a:ext uri="{FF2B5EF4-FFF2-40B4-BE49-F238E27FC236}">
-                <a16:creationId xmlns:a16="http://schemas.microsoft.com/office/drawing/2014/main" id="{9C77E6FD-98C8-4A95-A02E-DDFE00D8EFC9}"/>
+                <a16:creationId xmlns:a16="http://schemas.microsoft.com/office/drawing/2014/main" xmlns="" id="{9C77E6FD-98C8-4A95-A02E-DDFE00D8EFC9}"/>
               </a:ext>
             </a:extLst>
           </p:cNvPr>
@@ -38901,7 +38914,7 @@
           <p:cNvPr id="944" name="Соединительная линия уступом 124">
             <a:extLst>
               <a:ext uri="{FF2B5EF4-FFF2-40B4-BE49-F238E27FC236}">
-                <a16:creationId xmlns:a16="http://schemas.microsoft.com/office/drawing/2014/main" id="{35041960-15A8-4FBF-8916-8A613114B6DA}"/>
+                <a16:creationId xmlns:a16="http://schemas.microsoft.com/office/drawing/2014/main" xmlns="" id="{35041960-15A8-4FBF-8916-8A613114B6DA}"/>
               </a:ext>
             </a:extLst>
           </p:cNvPr>
@@ -38946,7 +38959,7 @@
           <p:cNvPr id="946" name="Прямоугольник 945">
             <a:extLst>
               <a:ext uri="{FF2B5EF4-FFF2-40B4-BE49-F238E27FC236}">
-                <a16:creationId xmlns:a16="http://schemas.microsoft.com/office/drawing/2014/main" id="{9321C6A2-7E43-4A6A-8A56-B1AF1D569B22}"/>
+                <a16:creationId xmlns:a16="http://schemas.microsoft.com/office/drawing/2014/main" xmlns="" id="{9321C6A2-7E43-4A6A-8A56-B1AF1D569B22}"/>
               </a:ext>
             </a:extLst>
           </p:cNvPr>
@@ -39008,7 +39021,7 @@
           <p:cNvPr id="947" name="Соединительная линия уступом 124">
             <a:extLst>
               <a:ext uri="{FF2B5EF4-FFF2-40B4-BE49-F238E27FC236}">
-                <a16:creationId xmlns:a16="http://schemas.microsoft.com/office/drawing/2014/main" id="{E547B9EB-19DB-46DC-AE08-8AD10781A9F9}"/>
+                <a16:creationId xmlns:a16="http://schemas.microsoft.com/office/drawing/2014/main" xmlns="" id="{E547B9EB-19DB-46DC-AE08-8AD10781A9F9}"/>
               </a:ext>
             </a:extLst>
           </p:cNvPr>
@@ -39053,7 +39066,7 @@
           <p:cNvPr id="949" name="Прямоугольник 948">
             <a:extLst>
               <a:ext uri="{FF2B5EF4-FFF2-40B4-BE49-F238E27FC236}">
-                <a16:creationId xmlns:a16="http://schemas.microsoft.com/office/drawing/2014/main" id="{0634CBD3-C01E-41BC-A313-07E91F5B7741}"/>
+                <a16:creationId xmlns:a16="http://schemas.microsoft.com/office/drawing/2014/main" xmlns="" id="{0634CBD3-C01E-41BC-A313-07E91F5B7741}"/>
               </a:ext>
             </a:extLst>
           </p:cNvPr>
@@ -39107,7 +39120,7 @@
           <p:cNvPr id="950" name="Соединительная линия уступом 840">
             <a:extLst>
               <a:ext uri="{FF2B5EF4-FFF2-40B4-BE49-F238E27FC236}">
-                <a16:creationId xmlns:a16="http://schemas.microsoft.com/office/drawing/2014/main" id="{8A9A2C1B-C1E8-4441-ABD7-F246BCE4F7F6}"/>
+                <a16:creationId xmlns:a16="http://schemas.microsoft.com/office/drawing/2014/main" xmlns="" id="{8A9A2C1B-C1E8-4441-ABD7-F246BCE4F7F6}"/>
               </a:ext>
             </a:extLst>
           </p:cNvPr>
@@ -39152,7 +39165,7 @@
           <p:cNvPr id="952" name="Соединительная линия уступом 840">
             <a:extLst>
               <a:ext uri="{FF2B5EF4-FFF2-40B4-BE49-F238E27FC236}">
-                <a16:creationId xmlns:a16="http://schemas.microsoft.com/office/drawing/2014/main" id="{16E0DB7B-4E31-48E3-9706-D68DC9FFD9BA}"/>
+                <a16:creationId xmlns:a16="http://schemas.microsoft.com/office/drawing/2014/main" xmlns="" id="{16E0DB7B-4E31-48E3-9706-D68DC9FFD9BA}"/>
               </a:ext>
             </a:extLst>
           </p:cNvPr>
@@ -39197,7 +39210,7 @@
           <p:cNvPr id="953" name="Прямоугольник 952">
             <a:extLst>
               <a:ext uri="{FF2B5EF4-FFF2-40B4-BE49-F238E27FC236}">
-                <a16:creationId xmlns:a16="http://schemas.microsoft.com/office/drawing/2014/main" id="{50E572D2-7DF7-40C6-9CB7-0E62603CC6E4}"/>
+                <a16:creationId xmlns:a16="http://schemas.microsoft.com/office/drawing/2014/main" xmlns="" id="{50E572D2-7DF7-40C6-9CB7-0E62603CC6E4}"/>
               </a:ext>
             </a:extLst>
           </p:cNvPr>
@@ -39251,7 +39264,7 @@
           <p:cNvPr id="955" name="Соединительная линия уступом 840">
             <a:extLst>
               <a:ext uri="{FF2B5EF4-FFF2-40B4-BE49-F238E27FC236}">
-                <a16:creationId xmlns:a16="http://schemas.microsoft.com/office/drawing/2014/main" id="{3BE71C79-A3F9-4318-917D-24B000A95849}"/>
+                <a16:creationId xmlns:a16="http://schemas.microsoft.com/office/drawing/2014/main" xmlns="" id="{3BE71C79-A3F9-4318-917D-24B000A95849}"/>
               </a:ext>
             </a:extLst>
           </p:cNvPr>
@@ -39296,7 +39309,7 @@
           <p:cNvPr id="956" name="Соединительная линия уступом 840">
             <a:extLst>
               <a:ext uri="{FF2B5EF4-FFF2-40B4-BE49-F238E27FC236}">
-                <a16:creationId xmlns:a16="http://schemas.microsoft.com/office/drawing/2014/main" id="{798D03FA-B126-4F82-914E-F7E75FE6327F}"/>
+                <a16:creationId xmlns:a16="http://schemas.microsoft.com/office/drawing/2014/main" xmlns="" id="{798D03FA-B126-4F82-914E-F7E75FE6327F}"/>
               </a:ext>
             </a:extLst>
           </p:cNvPr>
@@ -39341,7 +39354,7 @@
           <p:cNvPr id="958" name="Прямоугольник 957">
             <a:extLst>
               <a:ext uri="{FF2B5EF4-FFF2-40B4-BE49-F238E27FC236}">
-                <a16:creationId xmlns:a16="http://schemas.microsoft.com/office/drawing/2014/main" id="{9203EA80-D8BC-431E-8DD3-BBCB51553123}"/>
+                <a16:creationId xmlns:a16="http://schemas.microsoft.com/office/drawing/2014/main" xmlns="" id="{9203EA80-D8BC-431E-8DD3-BBCB51553123}"/>
               </a:ext>
             </a:extLst>
           </p:cNvPr>
@@ -39395,7 +39408,7 @@
           <p:cNvPr id="959" name="Соединительная линия уступом 840">
             <a:extLst>
               <a:ext uri="{FF2B5EF4-FFF2-40B4-BE49-F238E27FC236}">
-                <a16:creationId xmlns:a16="http://schemas.microsoft.com/office/drawing/2014/main" id="{835F8A16-4896-4E0E-9090-9E7203019807}"/>
+                <a16:creationId xmlns:a16="http://schemas.microsoft.com/office/drawing/2014/main" xmlns="" id="{835F8A16-4896-4E0E-9090-9E7203019807}"/>
               </a:ext>
             </a:extLst>
           </p:cNvPr>
@@ -39440,7 +39453,7 @@
           <p:cNvPr id="960" name="Соединительная линия уступом 840">
             <a:extLst>
               <a:ext uri="{FF2B5EF4-FFF2-40B4-BE49-F238E27FC236}">
-                <a16:creationId xmlns:a16="http://schemas.microsoft.com/office/drawing/2014/main" id="{D6524018-1237-4F00-B538-F48E7BCF53EC}"/>
+                <a16:creationId xmlns:a16="http://schemas.microsoft.com/office/drawing/2014/main" xmlns="" id="{D6524018-1237-4F00-B538-F48E7BCF53EC}"/>
               </a:ext>
             </a:extLst>
           </p:cNvPr>
@@ -39748,7 +39761,7 @@
   <a:extraClrSchemeLst/>
   <a:extLst>
     <a:ext uri="{05A4C25C-085E-4340-85A3-A5531E510DB2}">
-      <thm15:themeFamily xmlns:thm15="http://schemas.microsoft.com/office/thememl/2012/main" name="Office Theme" id="{62F939B6-93AF-4DB8-9C6B-D6C7DFDC589F}" vid="{4A3C46E8-61CC-4603-A589-7422A47A8E4A}"/>
+      <thm15:themeFamily xmlns:thm15="http://schemas.microsoft.com/office/thememl/2012/main" xmlns="" name="Office Theme" id="{62F939B6-93AF-4DB8-9C6B-D6C7DFDC589F}" vid="{4A3C46E8-61CC-4603-A589-7422A47A8E4A}"/>
     </a:ext>
   </a:extLst>
 </a:theme>
@@ -40009,7 +40022,7 @@
   <a:extraClrSchemeLst/>
   <a:extLst>
     <a:ext uri="{05A4C25C-085E-4340-85A3-A5531E510DB2}">
-      <thm15:themeFamily xmlns:thm15="http://schemas.microsoft.com/office/thememl/2012/main" name="Office Theme" id="{62F939B6-93AF-4DB8-9C6B-D6C7DFDC589F}" vid="{4A3C46E8-61CC-4603-A589-7422A47A8E4A}"/>
+      <thm15:themeFamily xmlns:thm15="http://schemas.microsoft.com/office/thememl/2012/main" xmlns="" name="Office Theme" id="{62F939B6-93AF-4DB8-9C6B-D6C7DFDC589F}" vid="{4A3C46E8-61CC-4603-A589-7422A47A8E4A}"/>
     </a:ext>
   </a:extLst>
 </a:theme>
